--- a/Literature Survey 2.pptx
+++ b/Literature Survey 2.pptx
@@ -5,28 +5,30 @@
     <p:sldMasterId id="2147483648" r:id="rId1"/>
   </p:sldMasterIdLst>
   <p:notesMasterIdLst>
-    <p:notesMasterId r:id="rId4"/>
+    <p:notesMasterId r:id="rId12"/>
   </p:notesMasterIdLst>
   <p:sldIdLst>
-    <p:sldId id="256" r:id="rId3"/>
-    <p:sldId id="262" r:id="rId5"/>
-    <p:sldId id="265" r:id="rId6"/>
+    <p:sldId id="256" r:id="rId2"/>
+    <p:sldId id="262" r:id="rId3"/>
+    <p:sldId id="265" r:id="rId4"/>
+    <p:sldId id="269" r:id="rId5"/>
+    <p:sldId id="270" r:id="rId6"/>
     <p:sldId id="266" r:id="rId7"/>
     <p:sldId id="267" r:id="rId8"/>
     <p:sldId id="268" r:id="rId9"/>
     <p:sldId id="263" r:id="rId10"/>
     <p:sldId id="264" r:id="rId11"/>
   </p:sldIdLst>
-  <p:sldSz cx="9144000" cy="5143500"/>
+  <p:sldSz cx="9144000" cy="5143500" type="screen16x9"/>
   <p:notesSz cx="6858000" cy="9144000"/>
   <p:embeddedFontLst>
     <p:embeddedFont>
-      <p:font typeface="Economica" panose="02000506040000020004"/>
-      <p:regular r:id="rId15"/>
+      <p:font typeface="Economica" charset="0"/>
+      <p:regular r:id="rId13"/>
     </p:embeddedFont>
     <p:embeddedFont>
-      <p:font typeface="Open Sans" panose="020B0606030504020204"/>
-      <p:regular r:id="rId16"/>
+      <p:font typeface="Open Sans" charset="0"/>
+      <p:regular r:id="rId14"/>
     </p:embeddedFont>
   </p:embeddedFontLst>
   <p:defaultTextStyle>
@@ -271,7 +273,7 @@
     </p:bg>
     <p:spTree>
       <p:nvGrpSpPr>
-        <p:cNvPr id="2" name="Shape 2"/>
+        <p:cNvPr id="1" name="Shape 2"/>
         <p:cNvGrpSpPr/>
         <p:nvPr/>
       </p:nvGrpSpPr>
@@ -286,7 +288,9 @@
       <p:sp>
         <p:nvSpPr>
           <p:cNvPr id="3" name="Google Shape;3;n"/>
-          <p:cNvSpPr/>
+          <p:cNvSpPr>
+            <a:spLocks noGrp="1" noRot="1" noChangeAspect="1"/>
+          </p:cNvSpPr>
           <p:nvPr>
             <p:ph type="sldImg" idx="2"/>
           </p:nvPr>
@@ -335,7 +339,9 @@
       <p:sp>
         <p:nvSpPr>
           <p:cNvPr id="4" name="Google Shape;4;n"/>
-          <p:cNvSpPr txBox="1"/>
+          <p:cNvSpPr txBox="1">
+            <a:spLocks noGrp="1"/>
+          </p:cNvSpPr>
           <p:nvPr>
             <p:ph type="body" idx="1"/>
           </p:nvPr>
@@ -458,7 +464,9 @@
               <a:defRPr sz="1100"/>
             </a:lvl9pPr>
           </a:lstStyle>
-          <a:p/>
+          <a:p>
+            <a:endParaRPr/>
+          </a:p>
         </p:txBody>
       </p:sp>
     </p:spTree>
@@ -697,11 +705,11 @@
 </file>
 
 <file path=ppt/notesSlides/notesSlide1.xml><?xml version="1.0" encoding="utf-8"?>
-<p:notes xmlns:a="http://schemas.openxmlformats.org/drawingml/2006/main" xmlns:r="http://schemas.openxmlformats.org/officeDocument/2006/relationships" xmlns:p="http://schemas.openxmlformats.org/presentationml/2006/main" showMasterPhAnim="0" showMasterSp="0">
+<p:notes xmlns:a="http://schemas.openxmlformats.org/drawingml/2006/main" xmlns:r="http://schemas.openxmlformats.org/officeDocument/2006/relationships" xmlns:p="http://schemas.openxmlformats.org/presentationml/2006/main" showMasterSp="0" showMasterPhAnim="0">
   <p:cSld>
     <p:spTree>
       <p:nvGrpSpPr>
-        <p:cNvPr id="58" name="Shape 58"/>
+        <p:cNvPr id="1" name="Shape 58"/>
         <p:cNvGrpSpPr/>
         <p:nvPr/>
       </p:nvGrpSpPr>
@@ -716,7 +724,9 @@
       <p:sp>
         <p:nvSpPr>
           <p:cNvPr id="59" name="Google Shape;59;p:notes"/>
-          <p:cNvSpPr/>
+          <p:cNvSpPr>
+            <a:spLocks noGrp="1" noRot="1" noChangeAspect="1"/>
+          </p:cNvSpPr>
           <p:nvPr>
             <p:ph type="sldImg" idx="2"/>
           </p:nvPr>
@@ -755,7 +765,9 @@
       <p:sp>
         <p:nvSpPr>
           <p:cNvPr id="60" name="Google Shape;60;p:notes"/>
-          <p:cNvSpPr txBox="1"/>
+          <p:cNvSpPr txBox="1">
+            <a:spLocks noGrp="1"/>
+          </p:cNvSpPr>
           <p:nvPr>
             <p:ph type="body" idx="1"/>
           </p:nvPr>
@@ -784,6 +796,7 @@
               </a:spcAft>
               <a:buNone/>
             </a:pPr>
+            <a:endParaRPr/>
           </a:p>
         </p:txBody>
       </p:sp>
@@ -796,11 +809,11 @@
 </file>
 
 <file path=ppt/notesSlides/notesSlide2.xml><?xml version="1.0" encoding="utf-8"?>
-<p:notes xmlns:a="http://schemas.openxmlformats.org/drawingml/2006/main" xmlns:r="http://schemas.openxmlformats.org/officeDocument/2006/relationships" xmlns:p="http://schemas.openxmlformats.org/presentationml/2006/main" showMasterPhAnim="0" showMasterSp="0">
+<p:notes xmlns:a="http://schemas.openxmlformats.org/drawingml/2006/main" xmlns:r="http://schemas.openxmlformats.org/officeDocument/2006/relationships" xmlns:p="http://schemas.openxmlformats.org/presentationml/2006/main" showMasterSp="0" showMasterPhAnim="0">
   <p:cSld>
     <p:spTree>
       <p:nvGrpSpPr>
-        <p:cNvPr id="94" name="Shape 94"/>
+        <p:cNvPr id="1" name="Shape 94"/>
         <p:cNvGrpSpPr/>
         <p:nvPr/>
       </p:nvGrpSpPr>
@@ -815,7 +828,9 @@
       <p:sp>
         <p:nvSpPr>
           <p:cNvPr id="95" name="Google Shape;95;g9f0f4aeee7_0_45:notes"/>
-          <p:cNvSpPr/>
+          <p:cNvSpPr>
+            <a:spLocks noGrp="1" noRot="1" noChangeAspect="1"/>
+          </p:cNvSpPr>
           <p:nvPr>
             <p:ph type="sldImg" idx="2"/>
           </p:nvPr>
@@ -854,7 +869,9 @@
       <p:sp>
         <p:nvSpPr>
           <p:cNvPr id="96" name="Google Shape;96;g9f0f4aeee7_0_45:notes"/>
-          <p:cNvSpPr txBox="1"/>
+          <p:cNvSpPr txBox="1">
+            <a:spLocks noGrp="1"/>
+          </p:cNvSpPr>
           <p:nvPr>
             <p:ph type="body" idx="1"/>
           </p:nvPr>
@@ -883,6 +900,7 @@
               </a:spcAft>
               <a:buNone/>
             </a:pPr>
+            <a:endParaRPr/>
           </a:p>
         </p:txBody>
       </p:sp>
@@ -895,11 +913,11 @@
 </file>
 
 <file path=ppt/notesSlides/notesSlide3.xml><?xml version="1.0" encoding="utf-8"?>
-<p:notes xmlns:a="http://schemas.openxmlformats.org/drawingml/2006/main" xmlns:r="http://schemas.openxmlformats.org/officeDocument/2006/relationships" xmlns:p="http://schemas.openxmlformats.org/presentationml/2006/main" showMasterPhAnim="0" showMasterSp="0">
+<p:notes xmlns:a="http://schemas.openxmlformats.org/drawingml/2006/main" xmlns:r="http://schemas.openxmlformats.org/officeDocument/2006/relationships" xmlns:p="http://schemas.openxmlformats.org/presentationml/2006/main" showMasterSp="0" showMasterPhAnim="0">
   <p:cSld>
     <p:spTree>
       <p:nvGrpSpPr>
-        <p:cNvPr id="100" name="Shape 100"/>
+        <p:cNvPr id="1" name="Shape 100"/>
         <p:cNvGrpSpPr/>
         <p:nvPr/>
       </p:nvGrpSpPr>
@@ -914,7 +932,9 @@
       <p:sp>
         <p:nvSpPr>
           <p:cNvPr id="101" name="Google Shape;101;g9f0f4aeee7_0_50:notes"/>
-          <p:cNvSpPr/>
+          <p:cNvSpPr>
+            <a:spLocks noGrp="1" noRot="1" noChangeAspect="1"/>
+          </p:cNvSpPr>
           <p:nvPr>
             <p:ph type="sldImg" idx="2"/>
           </p:nvPr>
@@ -953,7 +973,9 @@
       <p:sp>
         <p:nvSpPr>
           <p:cNvPr id="102" name="Google Shape;102;g9f0f4aeee7_0_50:notes"/>
-          <p:cNvSpPr txBox="1"/>
+          <p:cNvSpPr txBox="1">
+            <a:spLocks noGrp="1"/>
+          </p:cNvSpPr>
           <p:nvPr>
             <p:ph type="body" idx="1"/>
           </p:nvPr>
@@ -982,6 +1004,7 @@
               </a:spcAft>
               <a:buNone/>
             </a:pPr>
+            <a:endParaRPr/>
           </a:p>
         </p:txBody>
       </p:sp>
@@ -994,11 +1017,11 @@
 </file>
 
 <file path=ppt/notesSlides/notesSlide4.xml><?xml version="1.0" encoding="utf-8"?>
-<p:notes xmlns:a="http://schemas.openxmlformats.org/drawingml/2006/main" xmlns:r="http://schemas.openxmlformats.org/officeDocument/2006/relationships" xmlns:p="http://schemas.openxmlformats.org/presentationml/2006/main" showMasterPhAnim="0" showMasterSp="0">
+<p:notes xmlns:a="http://schemas.openxmlformats.org/drawingml/2006/main" xmlns:r="http://schemas.openxmlformats.org/officeDocument/2006/relationships" xmlns:p="http://schemas.openxmlformats.org/presentationml/2006/main" showMasterSp="0" showMasterPhAnim="0">
   <p:cSld>
     <p:spTree>
       <p:nvGrpSpPr>
-        <p:cNvPr id="106" name="Shape 106"/>
+        <p:cNvPr id="1" name="Shape 106"/>
         <p:cNvGrpSpPr/>
         <p:nvPr/>
       </p:nvGrpSpPr>
@@ -1013,7 +1036,9 @@
       <p:sp>
         <p:nvSpPr>
           <p:cNvPr id="107" name="Google Shape;107;g9f0f4aeee7_0_55:notes"/>
-          <p:cNvSpPr/>
+          <p:cNvSpPr>
+            <a:spLocks noGrp="1" noRot="1" noChangeAspect="1"/>
+          </p:cNvSpPr>
           <p:nvPr>
             <p:ph type="sldImg" idx="2"/>
           </p:nvPr>
@@ -1052,7 +1077,9 @@
       <p:sp>
         <p:nvSpPr>
           <p:cNvPr id="108" name="Google Shape;108;g9f0f4aeee7_0_55:notes"/>
-          <p:cNvSpPr txBox="1"/>
+          <p:cNvSpPr txBox="1">
+            <a:spLocks noGrp="1"/>
+          </p:cNvSpPr>
           <p:nvPr>
             <p:ph type="body" idx="1"/>
           </p:nvPr>
@@ -1081,6 +1108,7 @@
               </a:spcAft>
               <a:buNone/>
             </a:pPr>
+            <a:endParaRPr/>
           </a:p>
         </p:txBody>
       </p:sp>
@@ -1093,11 +1121,11 @@
 </file>
 
 <file path=ppt/slideLayouts/slideLayout1.xml><?xml version="1.0" encoding="utf-8"?>
-<p:sldLayout xmlns:a="http://schemas.openxmlformats.org/drawingml/2006/main" xmlns:r="http://schemas.openxmlformats.org/officeDocument/2006/relationships" xmlns:p="http://schemas.openxmlformats.org/presentationml/2006/main" type="title" matchingName="Title slide">
+<p:sldLayout xmlns:a="http://schemas.openxmlformats.org/drawingml/2006/main" xmlns:r="http://schemas.openxmlformats.org/officeDocument/2006/relationships" xmlns:p="http://schemas.openxmlformats.org/presentationml/2006/main" matchingName="Title slide" type="title">
   <p:cSld name="TITLE">
     <p:spTree>
       <p:nvGrpSpPr>
-        <p:cNvPr id="9" name="Shape 9"/>
+        <p:cNvPr id="1" name="Shape 9"/>
         <p:cNvGrpSpPr/>
         <p:nvPr/>
       </p:nvGrpSpPr>
@@ -1198,7 +1226,9 @@
       <p:sp>
         <p:nvSpPr>
           <p:cNvPr id="12" name="Google Shape;12;p2"/>
-          <p:cNvSpPr txBox="1"/>
+          <p:cNvSpPr txBox="1">
+            <a:spLocks noGrp="1"/>
+          </p:cNvSpPr>
           <p:nvPr>
             <p:ph type="ctrTitle"/>
           </p:nvPr>
@@ -1317,13 +1347,17 @@
               <a:defRPr/>
             </a:lvl9pPr>
           </a:lstStyle>
-          <a:p/>
+          <a:p>
+            <a:endParaRPr/>
+          </a:p>
         </p:txBody>
       </p:sp>
       <p:sp>
         <p:nvSpPr>
           <p:cNvPr id="13" name="Google Shape;13;p2"/>
-          <p:cNvSpPr txBox="1"/>
+          <p:cNvSpPr txBox="1">
+            <a:spLocks noGrp="1"/>
+          </p:cNvSpPr>
           <p:nvPr>
             <p:ph type="subTitle" idx="1"/>
           </p:nvPr>
@@ -1523,13 +1557,17 @@
               </a:defRPr>
             </a:lvl9pPr>
           </a:lstStyle>
-          <a:p/>
+          <a:p>
+            <a:endParaRPr/>
+          </a:p>
         </p:txBody>
       </p:sp>
       <p:sp>
         <p:nvSpPr>
           <p:cNvPr id="14" name="Google Shape;14;p2"/>
-          <p:cNvSpPr txBox="1"/>
+          <p:cNvSpPr txBox="1">
+            <a:spLocks noGrp="1"/>
+          </p:cNvSpPr>
           <p:nvPr>
             <p:ph type="sldNum" idx="12"/>
           </p:nvPr>
@@ -1597,6 +1635,16 @@
             </a:pPr>
             <a:fld id="{00000000-1234-1234-1234-123412341234}" type="slidenum">
               <a:rPr lang="en-GB"/>
+              <a:pPr marL="0" lvl="0" indent="0" algn="r" rtl="0">
+                <a:spcBef>
+                  <a:spcPts val="0"/>
+                </a:spcBef>
+                <a:spcAft>
+                  <a:spcPts val="0"/>
+                </a:spcAft>
+                <a:buNone/>
+              </a:pPr>
+              <a:t>‹#›</a:t>
             </a:fld>
             <a:endParaRPr lang="en-GB"/>
           </a:p>
@@ -1615,7 +1663,7 @@
   <p:cSld name="BIG_NUMBER">
     <p:spTree>
       <p:nvGrpSpPr>
-        <p:cNvPr id="51" name="Shape 51"/>
+        <p:cNvPr id="1" name="Shape 51"/>
         <p:cNvGrpSpPr/>
         <p:nvPr/>
       </p:nvGrpSpPr>
@@ -1663,13 +1711,16 @@
               </a:spcAft>
               <a:buNone/>
             </a:pPr>
+            <a:endParaRPr/>
           </a:p>
         </p:txBody>
       </p:sp>
       <p:sp>
         <p:nvSpPr>
           <p:cNvPr id="53" name="Google Shape;53;p11"/>
-          <p:cNvSpPr txBox="1"/>
+          <p:cNvSpPr txBox="1">
+            <a:spLocks noGrp="1"/>
+          </p:cNvSpPr>
           <p:nvPr>
             <p:ph type="title" hasCustomPrompt="1"/>
           </p:nvPr>
@@ -1861,7 +1912,9 @@
       <p:sp>
         <p:nvSpPr>
           <p:cNvPr id="54" name="Google Shape;54;p11"/>
-          <p:cNvSpPr txBox="1"/>
+          <p:cNvSpPr txBox="1">
+            <a:spLocks noGrp="1"/>
+          </p:cNvSpPr>
           <p:nvPr>
             <p:ph type="body" idx="1"/>
           </p:nvPr>
@@ -1980,13 +2033,17 @@
               <a:defRPr/>
             </a:lvl9pPr>
           </a:lstStyle>
-          <a:p/>
+          <a:p>
+            <a:endParaRPr/>
+          </a:p>
         </p:txBody>
       </p:sp>
       <p:sp>
         <p:nvSpPr>
           <p:cNvPr id="55" name="Google Shape;55;p11"/>
-          <p:cNvSpPr txBox="1"/>
+          <p:cNvSpPr txBox="1">
+            <a:spLocks noGrp="1"/>
+          </p:cNvSpPr>
           <p:nvPr>
             <p:ph type="sldNum" idx="12"/>
           </p:nvPr>
@@ -2054,6 +2111,16 @@
             </a:pPr>
             <a:fld id="{00000000-1234-1234-1234-123412341234}" type="slidenum">
               <a:rPr lang="en-GB"/>
+              <a:pPr marL="0" lvl="0" indent="0" algn="r" rtl="0">
+                <a:spcBef>
+                  <a:spcPts val="0"/>
+                </a:spcBef>
+                <a:spcAft>
+                  <a:spcPts val="0"/>
+                </a:spcAft>
+                <a:buNone/>
+              </a:pPr>
+              <a:t>‹#›</a:t>
             </a:fld>
             <a:endParaRPr lang="en-GB"/>
           </a:p>
@@ -2068,11 +2135,11 @@
 </file>
 
 <file path=ppt/slideLayouts/slideLayout11.xml><?xml version="1.0" encoding="utf-8"?>
-<p:sldLayout xmlns:a="http://schemas.openxmlformats.org/drawingml/2006/main" xmlns:r="http://schemas.openxmlformats.org/officeDocument/2006/relationships" xmlns:p="http://schemas.openxmlformats.org/presentationml/2006/main" type="blank" matchingName="Blank">
+<p:sldLayout xmlns:a="http://schemas.openxmlformats.org/drawingml/2006/main" xmlns:r="http://schemas.openxmlformats.org/officeDocument/2006/relationships" xmlns:p="http://schemas.openxmlformats.org/presentationml/2006/main" matchingName="Blank" type="blank">
   <p:cSld name="BLANK">
     <p:spTree>
       <p:nvGrpSpPr>
-        <p:cNvPr id="56" name="Shape 56"/>
+        <p:cNvPr id="1" name="Shape 56"/>
         <p:cNvGrpSpPr/>
         <p:nvPr/>
       </p:nvGrpSpPr>
@@ -2087,7 +2154,9 @@
       <p:sp>
         <p:nvSpPr>
           <p:cNvPr id="57" name="Google Shape;57;p12"/>
-          <p:cNvSpPr txBox="1"/>
+          <p:cNvSpPr txBox="1">
+            <a:spLocks noGrp="1"/>
+          </p:cNvSpPr>
           <p:nvPr>
             <p:ph type="sldNum" idx="12"/>
           </p:nvPr>
@@ -2155,6 +2224,16 @@
             </a:pPr>
             <a:fld id="{00000000-1234-1234-1234-123412341234}" type="slidenum">
               <a:rPr lang="en-GB"/>
+              <a:pPr marL="0" lvl="0" indent="0" algn="r" rtl="0">
+                <a:spcBef>
+                  <a:spcPts val="0"/>
+                </a:spcBef>
+                <a:spcAft>
+                  <a:spcPts val="0"/>
+                </a:spcAft>
+                <a:buNone/>
+              </a:pPr>
+              <a:t>‹#›</a:t>
             </a:fld>
             <a:endParaRPr lang="en-GB"/>
           </a:p>
@@ -2169,11 +2248,11 @@
 </file>
 
 <file path=ppt/slideLayouts/slideLayout2.xml><?xml version="1.0" encoding="utf-8"?>
-<p:sldLayout xmlns:a="http://schemas.openxmlformats.org/drawingml/2006/main" xmlns:r="http://schemas.openxmlformats.org/officeDocument/2006/relationships" xmlns:p="http://schemas.openxmlformats.org/presentationml/2006/main" type="secHead" matchingName="Section header">
+<p:sldLayout xmlns:a="http://schemas.openxmlformats.org/drawingml/2006/main" xmlns:r="http://schemas.openxmlformats.org/officeDocument/2006/relationships" xmlns:p="http://schemas.openxmlformats.org/presentationml/2006/main" matchingName="Section header" type="secHead">
   <p:cSld name="SECTION_HEADER">
     <p:spTree>
       <p:nvGrpSpPr>
-        <p:cNvPr id="15" name="Shape 15"/>
+        <p:cNvPr id="1" name="Shape 15"/>
         <p:cNvGrpSpPr/>
         <p:nvPr/>
       </p:nvGrpSpPr>
@@ -2274,7 +2353,9 @@
       <p:sp>
         <p:nvSpPr>
           <p:cNvPr id="18" name="Google Shape;18;p3"/>
-          <p:cNvSpPr txBox="1"/>
+          <p:cNvSpPr txBox="1">
+            <a:spLocks noGrp="1"/>
+          </p:cNvSpPr>
           <p:nvPr>
             <p:ph type="title"/>
           </p:nvPr>
@@ -2393,13 +2474,17 @@
               <a:defRPr/>
             </a:lvl9pPr>
           </a:lstStyle>
-          <a:p/>
+          <a:p>
+            <a:endParaRPr/>
+          </a:p>
         </p:txBody>
       </p:sp>
       <p:sp>
         <p:nvSpPr>
           <p:cNvPr id="19" name="Google Shape;19;p3"/>
-          <p:cNvSpPr txBox="1"/>
+          <p:cNvSpPr txBox="1">
+            <a:spLocks noGrp="1"/>
+          </p:cNvSpPr>
           <p:nvPr>
             <p:ph type="sldNum" idx="12"/>
           </p:nvPr>
@@ -2467,6 +2552,16 @@
             </a:pPr>
             <a:fld id="{00000000-1234-1234-1234-123412341234}" type="slidenum">
               <a:rPr lang="en-GB"/>
+              <a:pPr marL="0" lvl="0" indent="0" algn="r" rtl="0">
+                <a:spcBef>
+                  <a:spcPts val="0"/>
+                </a:spcBef>
+                <a:spcAft>
+                  <a:spcPts val="0"/>
+                </a:spcAft>
+                <a:buNone/>
+              </a:pPr>
+              <a:t>‹#›</a:t>
             </a:fld>
             <a:endParaRPr lang="en-GB"/>
           </a:p>
@@ -2481,11 +2576,11 @@
 </file>
 
 <file path=ppt/slideLayouts/slideLayout3.xml><?xml version="1.0" encoding="utf-8"?>
-<p:sldLayout xmlns:a="http://schemas.openxmlformats.org/drawingml/2006/main" xmlns:r="http://schemas.openxmlformats.org/officeDocument/2006/relationships" xmlns:p="http://schemas.openxmlformats.org/presentationml/2006/main" type="tx" matchingName="Title and body">
+<p:sldLayout xmlns:a="http://schemas.openxmlformats.org/drawingml/2006/main" xmlns:r="http://schemas.openxmlformats.org/officeDocument/2006/relationships" xmlns:p="http://schemas.openxmlformats.org/presentationml/2006/main" matchingName="Title and body" type="tx">
   <p:cSld name="TITLE_AND_BODY">
     <p:spTree>
       <p:nvGrpSpPr>
-        <p:cNvPr id="20" name="Shape 20"/>
+        <p:cNvPr id="1" name="Shape 20"/>
         <p:cNvGrpSpPr/>
         <p:nvPr/>
       </p:nvGrpSpPr>
@@ -2533,13 +2628,16 @@
               </a:spcAft>
               <a:buNone/>
             </a:pPr>
+            <a:endParaRPr/>
           </a:p>
         </p:txBody>
       </p:sp>
       <p:sp>
         <p:nvSpPr>
           <p:cNvPr id="22" name="Google Shape;22;p4"/>
-          <p:cNvSpPr txBox="1"/>
+          <p:cNvSpPr txBox="1">
+            <a:spLocks noGrp="1"/>
+          </p:cNvSpPr>
           <p:nvPr>
             <p:ph type="title"/>
           </p:nvPr>
@@ -2658,13 +2756,17 @@
               <a:defRPr/>
             </a:lvl9pPr>
           </a:lstStyle>
-          <a:p/>
+          <a:p>
+            <a:endParaRPr/>
+          </a:p>
         </p:txBody>
       </p:sp>
       <p:sp>
         <p:nvSpPr>
           <p:cNvPr id="23" name="Google Shape;23;p4"/>
-          <p:cNvSpPr txBox="1"/>
+          <p:cNvSpPr txBox="1">
+            <a:spLocks noGrp="1"/>
+          </p:cNvSpPr>
           <p:nvPr>
             <p:ph type="body" idx="1"/>
           </p:nvPr>
@@ -2783,13 +2885,17 @@
               <a:defRPr/>
             </a:lvl9pPr>
           </a:lstStyle>
-          <a:p/>
+          <a:p>
+            <a:endParaRPr/>
+          </a:p>
         </p:txBody>
       </p:sp>
       <p:sp>
         <p:nvSpPr>
           <p:cNvPr id="24" name="Google Shape;24;p4"/>
-          <p:cNvSpPr txBox="1"/>
+          <p:cNvSpPr txBox="1">
+            <a:spLocks noGrp="1"/>
+          </p:cNvSpPr>
           <p:nvPr>
             <p:ph type="sldNum" idx="12"/>
           </p:nvPr>
@@ -2857,6 +2963,16 @@
             </a:pPr>
             <a:fld id="{00000000-1234-1234-1234-123412341234}" type="slidenum">
               <a:rPr lang="en-GB"/>
+              <a:pPr marL="0" lvl="0" indent="0" algn="r" rtl="0">
+                <a:spcBef>
+                  <a:spcPts val="0"/>
+                </a:spcBef>
+                <a:spcAft>
+                  <a:spcPts val="0"/>
+                </a:spcAft>
+                <a:buNone/>
+              </a:pPr>
+              <a:t>‹#›</a:t>
             </a:fld>
             <a:endParaRPr lang="en-GB"/>
           </a:p>
@@ -2871,11 +2987,11 @@
 </file>
 
 <file path=ppt/slideLayouts/slideLayout4.xml><?xml version="1.0" encoding="utf-8"?>
-<p:sldLayout xmlns:a="http://schemas.openxmlformats.org/drawingml/2006/main" xmlns:r="http://schemas.openxmlformats.org/officeDocument/2006/relationships" xmlns:p="http://schemas.openxmlformats.org/presentationml/2006/main" type="twoColTx" matchingName="Title and two columns">
+<p:sldLayout xmlns:a="http://schemas.openxmlformats.org/drawingml/2006/main" xmlns:r="http://schemas.openxmlformats.org/officeDocument/2006/relationships" xmlns:p="http://schemas.openxmlformats.org/presentationml/2006/main" matchingName="Title and two columns" type="twoColTx">
   <p:cSld name="TITLE_AND_TWO_COLUMNS">
     <p:spTree>
       <p:nvGrpSpPr>
-        <p:cNvPr id="25" name="Shape 25"/>
+        <p:cNvPr id="1" name="Shape 25"/>
         <p:cNvGrpSpPr/>
         <p:nvPr/>
       </p:nvGrpSpPr>
@@ -2890,7 +3006,9 @@
       <p:sp>
         <p:nvSpPr>
           <p:cNvPr id="26" name="Google Shape;26;p5"/>
-          <p:cNvSpPr txBox="1"/>
+          <p:cNvSpPr txBox="1">
+            <a:spLocks noGrp="1"/>
+          </p:cNvSpPr>
           <p:nvPr>
             <p:ph type="title"/>
           </p:nvPr>
@@ -3009,13 +3127,17 @@
               <a:defRPr/>
             </a:lvl9pPr>
           </a:lstStyle>
-          <a:p/>
+          <a:p>
+            <a:endParaRPr/>
+          </a:p>
         </p:txBody>
       </p:sp>
       <p:sp>
         <p:nvSpPr>
           <p:cNvPr id="27" name="Google Shape;27;p5"/>
-          <p:cNvSpPr txBox="1"/>
+          <p:cNvSpPr txBox="1">
+            <a:spLocks noGrp="1"/>
+          </p:cNvSpPr>
           <p:nvPr>
             <p:ph type="body" idx="1"/>
           </p:nvPr>
@@ -3134,13 +3256,17 @@
               <a:defRPr sz="1200"/>
             </a:lvl9pPr>
           </a:lstStyle>
-          <a:p/>
+          <a:p>
+            <a:endParaRPr/>
+          </a:p>
         </p:txBody>
       </p:sp>
       <p:sp>
         <p:nvSpPr>
           <p:cNvPr id="28" name="Google Shape;28;p5"/>
-          <p:cNvSpPr txBox="1"/>
+          <p:cNvSpPr txBox="1">
+            <a:spLocks noGrp="1"/>
+          </p:cNvSpPr>
           <p:nvPr>
             <p:ph type="body" idx="2"/>
           </p:nvPr>
@@ -3259,13 +3385,17 @@
               <a:defRPr sz="1200"/>
             </a:lvl9pPr>
           </a:lstStyle>
-          <a:p/>
+          <a:p>
+            <a:endParaRPr/>
+          </a:p>
         </p:txBody>
       </p:sp>
       <p:sp>
         <p:nvSpPr>
           <p:cNvPr id="29" name="Google Shape;29;p5"/>
-          <p:cNvSpPr txBox="1"/>
+          <p:cNvSpPr txBox="1">
+            <a:spLocks noGrp="1"/>
+          </p:cNvSpPr>
           <p:nvPr>
             <p:ph type="sldNum" idx="12"/>
           </p:nvPr>
@@ -3333,6 +3463,16 @@
             </a:pPr>
             <a:fld id="{00000000-1234-1234-1234-123412341234}" type="slidenum">
               <a:rPr lang="en-GB"/>
+              <a:pPr marL="0" lvl="0" indent="0" algn="r" rtl="0">
+                <a:spcBef>
+                  <a:spcPts val="0"/>
+                </a:spcBef>
+                <a:spcAft>
+                  <a:spcPts val="0"/>
+                </a:spcAft>
+                <a:buNone/>
+              </a:pPr>
+              <a:t>‹#›</a:t>
             </a:fld>
             <a:endParaRPr lang="en-GB"/>
           </a:p>
@@ -3347,11 +3487,11 @@
 </file>
 
 <file path=ppt/slideLayouts/slideLayout5.xml><?xml version="1.0" encoding="utf-8"?>
-<p:sldLayout xmlns:a="http://schemas.openxmlformats.org/drawingml/2006/main" xmlns:r="http://schemas.openxmlformats.org/officeDocument/2006/relationships" xmlns:p="http://schemas.openxmlformats.org/presentationml/2006/main" type="titleOnly" matchingName="Title only">
+<p:sldLayout xmlns:a="http://schemas.openxmlformats.org/drawingml/2006/main" xmlns:r="http://schemas.openxmlformats.org/officeDocument/2006/relationships" xmlns:p="http://schemas.openxmlformats.org/presentationml/2006/main" matchingName="Title only" type="titleOnly">
   <p:cSld name="TITLE_ONLY">
     <p:spTree>
       <p:nvGrpSpPr>
-        <p:cNvPr id="30" name="Shape 30"/>
+        <p:cNvPr id="1" name="Shape 30"/>
         <p:cNvGrpSpPr/>
         <p:nvPr/>
       </p:nvGrpSpPr>
@@ -3366,7 +3506,9 @@
       <p:sp>
         <p:nvSpPr>
           <p:cNvPr id="31" name="Google Shape;31;p6"/>
-          <p:cNvSpPr txBox="1"/>
+          <p:cNvSpPr txBox="1">
+            <a:spLocks noGrp="1"/>
+          </p:cNvSpPr>
           <p:nvPr>
             <p:ph type="title"/>
           </p:nvPr>
@@ -3485,13 +3627,17 @@
               <a:defRPr/>
             </a:lvl9pPr>
           </a:lstStyle>
-          <a:p/>
+          <a:p>
+            <a:endParaRPr/>
+          </a:p>
         </p:txBody>
       </p:sp>
       <p:sp>
         <p:nvSpPr>
           <p:cNvPr id="32" name="Google Shape;32;p6"/>
-          <p:cNvSpPr txBox="1"/>
+          <p:cNvSpPr txBox="1">
+            <a:spLocks noGrp="1"/>
+          </p:cNvSpPr>
           <p:nvPr>
             <p:ph type="sldNum" idx="12"/>
           </p:nvPr>
@@ -3559,6 +3705,16 @@
             </a:pPr>
             <a:fld id="{00000000-1234-1234-1234-123412341234}" type="slidenum">
               <a:rPr lang="en-GB"/>
+              <a:pPr marL="0" lvl="0" indent="0" algn="r" rtl="0">
+                <a:spcBef>
+                  <a:spcPts val="0"/>
+                </a:spcBef>
+                <a:spcAft>
+                  <a:spcPts val="0"/>
+                </a:spcAft>
+                <a:buNone/>
+              </a:pPr>
+              <a:t>‹#›</a:t>
             </a:fld>
             <a:endParaRPr lang="en-GB"/>
           </a:p>
@@ -3577,7 +3733,7 @@
   <p:cSld name="ONE_COLUMN_TEXT">
     <p:spTree>
       <p:nvGrpSpPr>
-        <p:cNvPr id="33" name="Shape 33"/>
+        <p:cNvPr id="1" name="Shape 33"/>
         <p:cNvGrpSpPr/>
         <p:nvPr/>
       </p:nvGrpSpPr>
@@ -3592,7 +3748,9 @@
       <p:sp>
         <p:nvSpPr>
           <p:cNvPr id="34" name="Google Shape;34;p7"/>
-          <p:cNvSpPr txBox="1"/>
+          <p:cNvSpPr txBox="1">
+            <a:spLocks noGrp="1"/>
+          </p:cNvSpPr>
           <p:nvPr>
             <p:ph type="title"/>
           </p:nvPr>
@@ -3711,13 +3869,17 @@
               <a:defRPr sz="3000"/>
             </a:lvl9pPr>
           </a:lstStyle>
-          <a:p/>
+          <a:p>
+            <a:endParaRPr/>
+          </a:p>
         </p:txBody>
       </p:sp>
       <p:sp>
         <p:nvSpPr>
           <p:cNvPr id="35" name="Google Shape;35;p7"/>
-          <p:cNvSpPr txBox="1"/>
+          <p:cNvSpPr txBox="1">
+            <a:spLocks noGrp="1"/>
+          </p:cNvSpPr>
           <p:nvPr>
             <p:ph type="body" idx="1"/>
           </p:nvPr>
@@ -3836,13 +3998,17 @@
               <a:defRPr sz="1200"/>
             </a:lvl9pPr>
           </a:lstStyle>
-          <a:p/>
+          <a:p>
+            <a:endParaRPr/>
+          </a:p>
         </p:txBody>
       </p:sp>
       <p:sp>
         <p:nvSpPr>
           <p:cNvPr id="36" name="Google Shape;36;p7"/>
-          <p:cNvSpPr txBox="1"/>
+          <p:cNvSpPr txBox="1">
+            <a:spLocks noGrp="1"/>
+          </p:cNvSpPr>
           <p:nvPr>
             <p:ph type="sldNum" idx="12"/>
           </p:nvPr>
@@ -3910,6 +4076,16 @@
             </a:pPr>
             <a:fld id="{00000000-1234-1234-1234-123412341234}" type="slidenum">
               <a:rPr lang="en-GB"/>
+              <a:pPr marL="0" lvl="0" indent="0" algn="r" rtl="0">
+                <a:spcBef>
+                  <a:spcPts val="0"/>
+                </a:spcBef>
+                <a:spcAft>
+                  <a:spcPts val="0"/>
+                </a:spcAft>
+                <a:buNone/>
+              </a:pPr>
+              <a:t>‹#›</a:t>
             </a:fld>
             <a:endParaRPr lang="en-GB"/>
           </a:p>
@@ -3928,7 +4104,7 @@
   <p:cSld name="MAIN_POINT">
     <p:spTree>
       <p:nvGrpSpPr>
-        <p:cNvPr id="37" name="Shape 37"/>
+        <p:cNvPr id="1" name="Shape 37"/>
         <p:cNvGrpSpPr/>
         <p:nvPr/>
       </p:nvGrpSpPr>
@@ -3976,13 +4152,16 @@
               </a:spcAft>
               <a:buNone/>
             </a:pPr>
+            <a:endParaRPr/>
           </a:p>
         </p:txBody>
       </p:sp>
       <p:sp>
         <p:nvSpPr>
           <p:cNvPr id="39" name="Google Shape;39;p8"/>
-          <p:cNvSpPr txBox="1"/>
+          <p:cNvSpPr txBox="1">
+            <a:spLocks noGrp="1"/>
+          </p:cNvSpPr>
           <p:nvPr>
             <p:ph type="title"/>
           </p:nvPr>
@@ -4101,13 +4280,17 @@
               <a:defRPr sz="4800"/>
             </a:lvl9pPr>
           </a:lstStyle>
-          <a:p/>
+          <a:p>
+            <a:endParaRPr/>
+          </a:p>
         </p:txBody>
       </p:sp>
       <p:sp>
         <p:nvSpPr>
           <p:cNvPr id="40" name="Google Shape;40;p8"/>
-          <p:cNvSpPr txBox="1"/>
+          <p:cNvSpPr txBox="1">
+            <a:spLocks noGrp="1"/>
+          </p:cNvSpPr>
           <p:nvPr>
             <p:ph type="sldNum" idx="12"/>
           </p:nvPr>
@@ -4175,6 +4358,16 @@
             </a:pPr>
             <a:fld id="{00000000-1234-1234-1234-123412341234}" type="slidenum">
               <a:rPr lang="en-GB"/>
+              <a:pPr marL="0" lvl="0" indent="0" algn="r" rtl="0">
+                <a:spcBef>
+                  <a:spcPts val="0"/>
+                </a:spcBef>
+                <a:spcAft>
+                  <a:spcPts val="0"/>
+                </a:spcAft>
+                <a:buNone/>
+              </a:pPr>
+              <a:t>‹#›</a:t>
             </a:fld>
             <a:endParaRPr lang="en-GB"/>
           </a:p>
@@ -4193,7 +4386,7 @@
   <p:cSld name="SECTION_TITLE_AND_DESCRIPTION">
     <p:spTree>
       <p:nvGrpSpPr>
-        <p:cNvPr id="41" name="Shape 41"/>
+        <p:cNvPr id="1" name="Shape 41"/>
         <p:cNvGrpSpPr/>
         <p:nvPr/>
       </p:nvGrpSpPr>
@@ -4241,6 +4434,7 @@
               </a:spcAft>
               <a:buNone/>
             </a:pPr>
+            <a:endParaRPr/>
           </a:p>
         </p:txBody>
       </p:sp>
@@ -4273,7 +4467,9 @@
       <p:sp>
         <p:nvSpPr>
           <p:cNvPr id="44" name="Google Shape;44;p9"/>
-          <p:cNvSpPr txBox="1"/>
+          <p:cNvSpPr txBox="1">
+            <a:spLocks noGrp="1"/>
+          </p:cNvSpPr>
           <p:nvPr>
             <p:ph type="title"/>
           </p:nvPr>
@@ -4455,13 +4651,17 @@
               </a:defRPr>
             </a:lvl9pPr>
           </a:lstStyle>
-          <a:p/>
+          <a:p>
+            <a:endParaRPr/>
+          </a:p>
         </p:txBody>
       </p:sp>
       <p:sp>
         <p:nvSpPr>
           <p:cNvPr id="45" name="Google Shape;45;p9"/>
-          <p:cNvSpPr txBox="1"/>
+          <p:cNvSpPr txBox="1">
+            <a:spLocks noGrp="1"/>
+          </p:cNvSpPr>
           <p:nvPr>
             <p:ph type="subTitle" idx="1"/>
           </p:nvPr>
@@ -4661,13 +4861,17 @@
               </a:defRPr>
             </a:lvl9pPr>
           </a:lstStyle>
-          <a:p/>
+          <a:p>
+            <a:endParaRPr/>
+          </a:p>
         </p:txBody>
       </p:sp>
       <p:sp>
         <p:nvSpPr>
           <p:cNvPr id="46" name="Google Shape;46;p9"/>
-          <p:cNvSpPr txBox="1"/>
+          <p:cNvSpPr txBox="1">
+            <a:spLocks noGrp="1"/>
+          </p:cNvSpPr>
           <p:nvPr>
             <p:ph type="body" idx="2"/>
           </p:nvPr>
@@ -4849,13 +5053,17 @@
               </a:defRPr>
             </a:lvl9pPr>
           </a:lstStyle>
-          <a:p/>
+          <a:p>
+            <a:endParaRPr/>
+          </a:p>
         </p:txBody>
       </p:sp>
       <p:sp>
         <p:nvSpPr>
           <p:cNvPr id="47" name="Google Shape;47;p9"/>
-          <p:cNvSpPr txBox="1"/>
+          <p:cNvSpPr txBox="1">
+            <a:spLocks noGrp="1"/>
+          </p:cNvSpPr>
           <p:nvPr>
             <p:ph type="sldNum" idx="12"/>
           </p:nvPr>
@@ -4959,6 +5167,16 @@
             </a:pPr>
             <a:fld id="{00000000-1234-1234-1234-123412341234}" type="slidenum">
               <a:rPr lang="en-GB"/>
+              <a:pPr marL="0" lvl="0" indent="0" algn="r" rtl="0">
+                <a:spcBef>
+                  <a:spcPts val="0"/>
+                </a:spcBef>
+                <a:spcAft>
+                  <a:spcPts val="0"/>
+                </a:spcAft>
+                <a:buNone/>
+              </a:pPr>
+              <a:t>‹#›</a:t>
             </a:fld>
             <a:endParaRPr lang="en-GB"/>
           </a:p>
@@ -4977,7 +5195,7 @@
   <p:cSld name="CAPTION_ONLY">
     <p:spTree>
       <p:nvGrpSpPr>
-        <p:cNvPr id="48" name="Shape 48"/>
+        <p:cNvPr id="1" name="Shape 48"/>
         <p:cNvGrpSpPr/>
         <p:nvPr/>
       </p:nvGrpSpPr>
@@ -4992,7 +5210,9 @@
       <p:sp>
         <p:nvSpPr>
           <p:cNvPr id="49" name="Google Shape;49;p10"/>
-          <p:cNvSpPr txBox="1"/>
+          <p:cNvSpPr txBox="1">
+            <a:spLocks noGrp="1"/>
+          </p:cNvSpPr>
           <p:nvPr>
             <p:ph type="body" idx="1"/>
           </p:nvPr>
@@ -5032,13 +5252,17 @@
               </a:defRPr>
             </a:lvl1pPr>
           </a:lstStyle>
-          <a:p/>
+          <a:p>
+            <a:endParaRPr/>
+          </a:p>
         </p:txBody>
       </p:sp>
       <p:sp>
         <p:nvSpPr>
           <p:cNvPr id="50" name="Google Shape;50;p10"/>
-          <p:cNvSpPr txBox="1"/>
+          <p:cNvSpPr txBox="1">
+            <a:spLocks noGrp="1"/>
+          </p:cNvSpPr>
           <p:nvPr>
             <p:ph type="sldNum" idx="12"/>
           </p:nvPr>
@@ -5106,6 +5330,16 @@
             </a:pPr>
             <a:fld id="{00000000-1234-1234-1234-123412341234}" type="slidenum">
               <a:rPr lang="en-GB"/>
+              <a:pPr marL="0" lvl="0" indent="0" algn="r" rtl="0">
+                <a:spcBef>
+                  <a:spcPts val="0"/>
+                </a:spcBef>
+                <a:spcAft>
+                  <a:spcPts val="0"/>
+                </a:spcAft>
+                <a:buNone/>
+              </a:pPr>
+              <a:t>‹#›</a:t>
             </a:fld>
             <a:endParaRPr lang="en-GB"/>
           </a:p>
@@ -5132,7 +5366,7 @@
     </p:bg>
     <p:spTree>
       <p:nvGrpSpPr>
-        <p:cNvPr id="5" name="Shape 5"/>
+        <p:cNvPr id="1" name="Shape 5"/>
         <p:cNvGrpSpPr/>
         <p:nvPr/>
       </p:nvGrpSpPr>
@@ -5147,7 +5381,9 @@
       <p:sp>
         <p:nvSpPr>
           <p:cNvPr id="6" name="Google Shape;6;p1"/>
-          <p:cNvSpPr txBox="1"/>
+          <p:cNvSpPr txBox="1">
+            <a:spLocks noGrp="1"/>
+          </p:cNvSpPr>
           <p:nvPr>
             <p:ph type="title"/>
           </p:nvPr>
@@ -5378,13 +5614,17 @@
               </a:defRPr>
             </a:lvl9pPr>
           </a:lstStyle>
-          <a:p/>
+          <a:p>
+            <a:endParaRPr/>
+          </a:p>
         </p:txBody>
       </p:sp>
       <p:sp>
         <p:nvSpPr>
           <p:cNvPr id="7" name="Google Shape;7;p1"/>
-          <p:cNvSpPr txBox="1"/>
+          <p:cNvSpPr txBox="1">
+            <a:spLocks noGrp="1"/>
+          </p:cNvSpPr>
           <p:nvPr>
             <p:ph type="body" idx="1"/>
           </p:nvPr>
@@ -5642,13 +5882,17 @@
               </a:defRPr>
             </a:lvl9pPr>
           </a:lstStyle>
-          <a:p/>
+          <a:p>
+            <a:endParaRPr/>
+          </a:p>
         </p:txBody>
       </p:sp>
       <p:sp>
         <p:nvSpPr>
           <p:cNvPr id="8" name="Google Shape;8;p1"/>
-          <p:cNvSpPr txBox="1"/>
+          <p:cNvSpPr txBox="1">
+            <a:spLocks noGrp="1"/>
+          </p:cNvSpPr>
           <p:nvPr>
             <p:ph type="sldNum" idx="12"/>
           </p:nvPr>
@@ -5792,6 +6036,16 @@
             </a:pPr>
             <a:fld id="{00000000-1234-1234-1234-123412341234}" type="slidenum">
               <a:rPr lang="en-GB"/>
+              <a:pPr marL="0" lvl="0" indent="0" algn="r" rtl="0">
+                <a:spcBef>
+                  <a:spcPts val="0"/>
+                </a:spcBef>
+                <a:spcAft>
+                  <a:spcPts val="0"/>
+                </a:spcAft>
+                <a:buNone/>
+              </a:pPr>
+              <a:t>‹#›</a:t>
             </a:fld>
             <a:endParaRPr lang="en-GB"/>
           </a:p>
@@ -6511,7 +6765,7 @@
   <p:cSld>
     <p:spTree>
       <p:nvGrpSpPr>
-        <p:cNvPr id="61" name="Shape 61"/>
+        <p:cNvPr id="1" name="Shape 61"/>
         <p:cNvGrpSpPr/>
         <p:nvPr/>
       </p:nvGrpSpPr>
@@ -6526,7 +6780,9 @@
       <p:sp>
         <p:nvSpPr>
           <p:cNvPr id="62" name="Google Shape;62;p13"/>
-          <p:cNvSpPr txBox="1"/>
+          <p:cNvSpPr txBox="1">
+            <a:spLocks noGrp="1"/>
+          </p:cNvSpPr>
           <p:nvPr>
             <p:ph type="ctrTitle"/>
           </p:nvPr>
@@ -6555,13 +6811,16 @@
               </a:spcAft>
               <a:buNone/>
             </a:pPr>
+            <a:endParaRPr/>
           </a:p>
         </p:txBody>
       </p:sp>
       <p:sp>
         <p:nvSpPr>
           <p:cNvPr id="63" name="Google Shape;63;p13"/>
-          <p:cNvSpPr txBox="1"/>
+          <p:cNvSpPr txBox="1">
+            <a:spLocks noGrp="1"/>
+          </p:cNvSpPr>
           <p:nvPr>
             <p:ph type="subTitle" idx="1"/>
           </p:nvPr>
@@ -6590,6 +6849,7 @@
               </a:spcAft>
               <a:buNone/>
             </a:pPr>
+            <a:endParaRPr/>
           </a:p>
         </p:txBody>
       </p:sp>
@@ -6601,12 +6861,12 @@
 </p:sld>
 </file>
 
-<file path=ppt/slides/slide2.xml><?xml version="1.0" encoding="utf-8"?>
+<file path=ppt/slides/slide10.xml><?xml version="1.0" encoding="utf-8"?>
 <p:sld xmlns:a="http://schemas.openxmlformats.org/drawingml/2006/main" xmlns:r="http://schemas.openxmlformats.org/officeDocument/2006/relationships" xmlns:p="http://schemas.openxmlformats.org/presentationml/2006/main">
   <p:cSld>
     <p:spTree>
       <p:nvGrpSpPr>
-        <p:cNvPr id="97" name="Shape 97"/>
+        <p:cNvPr id="1" name="Shape 109"/>
         <p:cNvGrpSpPr/>
         <p:nvPr/>
       </p:nvGrpSpPr>
@@ -6620,8 +6880,10 @@
       </p:grpSpPr>
       <p:sp>
         <p:nvSpPr>
-          <p:cNvPr id="98" name="Google Shape;98;p19"/>
-          <p:cNvSpPr txBox="1"/>
+          <p:cNvPr id="110" name="Google Shape;110;p21"/>
+          <p:cNvSpPr txBox="1">
+            <a:spLocks noGrp="1"/>
+          </p:cNvSpPr>
           <p:nvPr>
             <p:ph type="title"/>
           </p:nvPr>
@@ -6650,13 +6912,16 @@
               </a:spcAft>
               <a:buNone/>
             </a:pPr>
+            <a:endParaRPr/>
           </a:p>
         </p:txBody>
       </p:sp>
       <p:sp>
         <p:nvSpPr>
-          <p:cNvPr id="99" name="Google Shape;99;p19"/>
-          <p:cNvSpPr txBox="1"/>
+          <p:cNvPr id="111" name="Google Shape;111;p21"/>
+          <p:cNvSpPr txBox="1">
+            <a:spLocks noGrp="1"/>
+          </p:cNvSpPr>
           <p:nvPr>
             <p:ph type="body" idx="1"/>
           </p:nvPr>
@@ -6685,6 +6950,108 @@
               </a:spcAft>
               <a:buNone/>
             </a:pPr>
+            <a:endParaRPr/>
+          </a:p>
+        </p:txBody>
+      </p:sp>
+    </p:spTree>
+  </p:cSld>
+  <p:clrMapOvr>
+    <a:masterClrMapping/>
+  </p:clrMapOvr>
+</p:sld>
+</file>
+
+<file path=ppt/slides/slide2.xml><?xml version="1.0" encoding="utf-8"?>
+<p:sld xmlns:a="http://schemas.openxmlformats.org/drawingml/2006/main" xmlns:r="http://schemas.openxmlformats.org/officeDocument/2006/relationships" xmlns:p="http://schemas.openxmlformats.org/presentationml/2006/main">
+  <p:cSld>
+    <p:spTree>
+      <p:nvGrpSpPr>
+        <p:cNvPr id="1" name="Shape 97"/>
+        <p:cNvGrpSpPr/>
+        <p:nvPr/>
+      </p:nvGrpSpPr>
+      <p:grpSpPr>
+        <a:xfrm>
+          <a:off x="0" y="0"/>
+          <a:ext cx="0" cy="0"/>
+          <a:chOff x="0" y="0"/>
+          <a:chExt cx="0" cy="0"/>
+        </a:xfrm>
+      </p:grpSpPr>
+      <p:sp>
+        <p:nvSpPr>
+          <p:cNvPr id="98" name="Google Shape;98;p19"/>
+          <p:cNvSpPr txBox="1">
+            <a:spLocks noGrp="1"/>
+          </p:cNvSpPr>
+          <p:nvPr>
+            <p:ph type="title"/>
+          </p:nvPr>
+        </p:nvSpPr>
+        <p:spPr>
+          <a:xfrm>
+            <a:off x="311700" y="315925"/>
+            <a:ext cx="8520600" cy="831300"/>
+          </a:xfrm>
+          <a:prstGeom prst="rect">
+            <a:avLst/>
+          </a:prstGeom>
+        </p:spPr>
+        <p:txBody>
+          <a:bodyPr spcFirstLastPara="1" wrap="square" lIns="91425" tIns="91425" rIns="91425" bIns="91425" anchor="b" anchorCtr="0">
+            <a:noAutofit/>
+          </a:bodyPr>
+          <a:lstStyle/>
+          <a:p>
+            <a:pPr marL="0" lvl="0" indent="0" algn="l" rtl="0">
+              <a:spcBef>
+                <a:spcPts val="0"/>
+              </a:spcBef>
+              <a:spcAft>
+                <a:spcPts val="0"/>
+              </a:spcAft>
+              <a:buNone/>
+            </a:pPr>
+            <a:endParaRPr/>
+          </a:p>
+        </p:txBody>
+      </p:sp>
+      <p:sp>
+        <p:nvSpPr>
+          <p:cNvPr id="99" name="Google Shape;99;p19"/>
+          <p:cNvSpPr txBox="1">
+            <a:spLocks noGrp="1"/>
+          </p:cNvSpPr>
+          <p:nvPr>
+            <p:ph type="body" idx="1"/>
+          </p:nvPr>
+        </p:nvSpPr>
+        <p:spPr>
+          <a:xfrm>
+            <a:off x="311700" y="1225225"/>
+            <a:ext cx="8520600" cy="3354000"/>
+          </a:xfrm>
+          <a:prstGeom prst="rect">
+            <a:avLst/>
+          </a:prstGeom>
+        </p:spPr>
+        <p:txBody>
+          <a:bodyPr spcFirstLastPara="1" wrap="square" lIns="91425" tIns="91425" rIns="91425" bIns="91425" anchor="t" anchorCtr="0">
+            <a:noAutofit/>
+          </a:bodyPr>
+          <a:lstStyle/>
+          <a:p>
+            <a:pPr marL="0" lvl="0" indent="0" algn="l" rtl="0">
+              <a:spcBef>
+                <a:spcPts val="0"/>
+              </a:spcBef>
+              <a:spcAft>
+                <a:spcPts val="1600"/>
+              </a:spcAft>
+              <a:buNone/>
+            </a:pPr>
+            <a:endParaRPr/>
           </a:p>
         </p:txBody>
       </p:sp>
@@ -6705,11 +7072,20 @@
         <p:cNvGrpSpPr/>
         <p:nvPr/>
       </p:nvGrpSpPr>
-      <p:grpSpPr/>
+      <p:grpSpPr>
+        <a:xfrm>
+          <a:off x="0" y="0"/>
+          <a:ext cx="0" cy="0"/>
+          <a:chOff x="0" y="0"/>
+          <a:chExt cx="0" cy="0"/>
+        </a:xfrm>
+      </p:grpSpPr>
       <p:sp>
         <p:nvSpPr>
           <p:cNvPr id="2" name="Title 1"/>
-          <p:cNvSpPr/>
+          <p:cNvSpPr>
+            <a:spLocks noGrp="1"/>
+          </p:cNvSpPr>
           <p:nvPr>
             <p:ph type="title"/>
           </p:nvPr>
@@ -6717,6 +7093,7 @@
         <p:spPr/>
         <p:txBody>
           <a:bodyPr/>
+          <a:lstStyle/>
           <a:p>
             <a:endParaRPr lang="en-US"/>
           </a:p>
@@ -6725,7 +7102,9 @@
       <p:sp>
         <p:nvSpPr>
           <p:cNvPr id="3" name="Text Placeholder 2"/>
-          <p:cNvSpPr/>
+          <p:cNvSpPr>
+            <a:spLocks noGrp="1"/>
+          </p:cNvSpPr>
           <p:nvPr>
             <p:ph type="body" idx="1"/>
           </p:nvPr>
@@ -6733,6 +7112,7 @@
         <p:spPr/>
         <p:txBody>
           <a:bodyPr/>
+          <a:lstStyle/>
           <a:p>
             <a:endParaRPr lang="en-US"/>
           </a:p>
@@ -6755,36 +7135,234 @@
         <p:cNvGrpSpPr/>
         <p:nvPr/>
       </p:nvGrpSpPr>
-      <p:grpSpPr/>
+      <p:grpSpPr>
+        <a:xfrm>
+          <a:off x="0" y="0"/>
+          <a:ext cx="0" cy="0"/>
+          <a:chOff x="0" y="0"/>
+          <a:chExt cx="0" cy="0"/>
+        </a:xfrm>
+      </p:grpSpPr>
       <p:sp>
         <p:nvSpPr>
           <p:cNvPr id="2" name="Title 1"/>
-          <p:cNvSpPr/>
+          <p:cNvSpPr>
+            <a:spLocks noGrp="1"/>
+          </p:cNvSpPr>
           <p:nvPr>
             <p:ph type="title"/>
           </p:nvPr>
         </p:nvSpPr>
-        <p:spPr/>
+        <p:spPr>
+          <a:xfrm>
+            <a:off x="0" y="0"/>
+            <a:ext cx="8516990" cy="611197"/>
+          </a:xfrm>
+        </p:spPr>
         <p:txBody>
           <a:bodyPr/>
+          <a:lstStyle/>
           <a:p>
-            <a:endParaRPr lang="en-US"/>
+            <a:r>
+              <a:rPr lang="en-US" b="1" dirty="0" smtClean="0"/>
+              <a:t/>
+            </a:r>
+            <a:br>
+              <a:rPr lang="en-US" b="1" dirty="0" smtClean="0"/>
+            </a:br>
+            <a:r>
+              <a:rPr lang="en-US" b="1" dirty="0" smtClean="0"/>
+              <a:t/>
+            </a:r>
+            <a:br>
+              <a:rPr lang="en-US" b="1" dirty="0" smtClean="0"/>
+            </a:br>
+            <a:r>
+              <a:rPr lang="en-US" b="1" dirty="0" smtClean="0"/>
+              <a:t/>
+            </a:r>
+            <a:br>
+              <a:rPr lang="en-US" b="1" dirty="0" smtClean="0"/>
+            </a:br>
+            <a:r>
+              <a:rPr lang="en-US" sz="1800" b="1" dirty="0" smtClean="0"/>
+              <a:t>From Recognition to Cognition: Visual Commonsense Reasoning   </a:t>
+            </a:r>
+            <a:endParaRPr lang="en-US" sz="1800" b="1" dirty="0"/>
           </a:p>
         </p:txBody>
       </p:sp>
       <p:sp>
         <p:nvSpPr>
           <p:cNvPr id="3" name="Text Placeholder 2"/>
-          <p:cNvSpPr/>
+          <p:cNvSpPr>
+            <a:spLocks noGrp="1"/>
+          </p:cNvSpPr>
           <p:nvPr>
             <p:ph type="body" idx="1"/>
           </p:nvPr>
         </p:nvSpPr>
-        <p:spPr/>
+        <p:spPr>
+          <a:xfrm>
+            <a:off x="399392" y="1555531"/>
+            <a:ext cx="8432907" cy="3023694"/>
+          </a:xfrm>
+        </p:spPr>
         <p:txBody>
           <a:bodyPr/>
+          <a:lstStyle/>
           <a:p>
-            <a:endParaRPr lang="en-US"/>
+            <a:endParaRPr lang="en-US" dirty="0"/>
+          </a:p>
+        </p:txBody>
+      </p:sp>
+      <p:pic>
+        <p:nvPicPr>
+          <p:cNvPr id="4" name="Picture 3" descr="Screenshot (114).png"/>
+          <p:cNvPicPr>
+            <a:picLocks noChangeAspect="1"/>
+          </p:cNvPicPr>
+          <p:nvPr/>
+        </p:nvPicPr>
+        <p:blipFill>
+          <a:blip r:embed="rId2"/>
+          <a:srcRect l="1379" t="23282" r="1724" b="34807"/>
+          <a:stretch>
+            <a:fillRect/>
+          </a:stretch>
+        </p:blipFill>
+        <p:spPr>
+          <a:xfrm>
+            <a:off x="0" y="1508983"/>
+            <a:ext cx="9144000" cy="2154621"/>
+          </a:xfrm>
+          <a:prstGeom prst="rect">
+            <a:avLst/>
+          </a:prstGeom>
+        </p:spPr>
+      </p:pic>
+      <p:sp>
+        <p:nvSpPr>
+          <p:cNvPr id="5" name="TextBox 4"/>
+          <p:cNvSpPr txBox="1"/>
+          <p:nvPr/>
+        </p:nvSpPr>
+        <p:spPr>
+          <a:xfrm>
+            <a:off x="315685" y="729343"/>
+            <a:ext cx="2997937" cy="307777"/>
+          </a:xfrm>
+          <a:prstGeom prst="rect">
+            <a:avLst/>
+          </a:prstGeom>
+          <a:noFill/>
+        </p:spPr>
+        <p:txBody>
+          <a:bodyPr wrap="none" rtlCol="0">
+            <a:spAutoFit/>
+          </a:bodyPr>
+          <a:lstStyle/>
+          <a:p>
+            <a:r>
+              <a:rPr lang="en-IN" dirty="0" smtClean="0">
+                <a:hlinkClick r:id="rId3"/>
+              </a:rPr>
+              <a:t>https://arxiv.org/pdf/1811.10830.pdf</a:t>
+            </a:r>
+            <a:endParaRPr lang="en-IN" dirty="0"/>
+          </a:p>
+        </p:txBody>
+      </p:sp>
+      <p:sp>
+        <p:nvSpPr>
+          <p:cNvPr id="6" name="TextBox 5"/>
+          <p:cNvSpPr txBox="1"/>
+          <p:nvPr/>
+        </p:nvSpPr>
+        <p:spPr>
+          <a:xfrm>
+            <a:off x="261257" y="1153885"/>
+            <a:ext cx="3599062" cy="307777"/>
+          </a:xfrm>
+          <a:prstGeom prst="rect">
+            <a:avLst/>
+          </a:prstGeom>
+          <a:noFill/>
+        </p:spPr>
+        <p:txBody>
+          <a:bodyPr wrap="none" rtlCol="0">
+            <a:spAutoFit/>
+          </a:bodyPr>
+          <a:lstStyle/>
+          <a:p>
+            <a:r>
+              <a:rPr lang="en-US" dirty="0" smtClean="0"/>
+              <a:t>Dataset : Visual Commonsense Reasoning</a:t>
+            </a:r>
+            <a:endParaRPr lang="en-IN" dirty="0"/>
+          </a:p>
+        </p:txBody>
+      </p:sp>
+      <p:sp>
+        <p:nvSpPr>
+          <p:cNvPr id="7" name="TextBox 6"/>
+          <p:cNvSpPr txBox="1"/>
+          <p:nvPr/>
+        </p:nvSpPr>
+        <p:spPr>
+          <a:xfrm>
+            <a:off x="315686" y="3788229"/>
+            <a:ext cx="6894836" cy="954107"/>
+          </a:xfrm>
+          <a:prstGeom prst="rect">
+            <a:avLst/>
+          </a:prstGeom>
+          <a:noFill/>
+        </p:spPr>
+        <p:txBody>
+          <a:bodyPr wrap="none" rtlCol="0">
+            <a:spAutoFit/>
+          </a:bodyPr>
+          <a:lstStyle/>
+          <a:p>
+            <a:pPr>
+              <a:buFont typeface="Arial" pitchFamily="34" charset="0"/>
+              <a:buChar char="•"/>
+            </a:pPr>
+            <a:r>
+              <a:rPr lang="en-US" dirty="0" smtClean="0"/>
+              <a:t> Collected from Large Scale Movie Description Challenge and YouTube movie clips </a:t>
+            </a:r>
+          </a:p>
+          <a:p>
+            <a:pPr>
+              <a:buFont typeface="Arial" pitchFamily="34" charset="0"/>
+              <a:buChar char="•"/>
+            </a:pPr>
+            <a:r>
+              <a:rPr lang="en-US" dirty="0" smtClean="0"/>
+              <a:t>List of objects</a:t>
+            </a:r>
+          </a:p>
+          <a:p>
+            <a:pPr>
+              <a:buFont typeface="Arial" pitchFamily="34" charset="0"/>
+              <a:buChar char="•"/>
+            </a:pPr>
+            <a:r>
+              <a:rPr lang="en-US" dirty="0" smtClean="0"/>
+              <a:t> A query </a:t>
+            </a:r>
+          </a:p>
+          <a:p>
+            <a:pPr>
+              <a:buFont typeface="Arial" pitchFamily="34" charset="0"/>
+              <a:buChar char="•"/>
+            </a:pPr>
+            <a:r>
+              <a:rPr lang="en-US" dirty="0" smtClean="0"/>
+              <a:t> A set of N responses</a:t>
+            </a:r>
           </a:p>
         </p:txBody>
       </p:sp>
@@ -6805,36 +7383,270 @@
         <p:cNvGrpSpPr/>
         <p:nvPr/>
       </p:nvGrpSpPr>
-      <p:grpSpPr/>
+      <p:grpSpPr>
+        <a:xfrm>
+          <a:off x="0" y="0"/>
+          <a:ext cx="0" cy="0"/>
+          <a:chOff x="0" y="0"/>
+          <a:chExt cx="0" cy="0"/>
+        </a:xfrm>
+      </p:grpSpPr>
+      <p:pic>
+        <p:nvPicPr>
+          <p:cNvPr id="2" name="Picture 1" descr="Screenshot (115).png"/>
+          <p:cNvPicPr>
+            <a:picLocks noChangeAspect="1"/>
+          </p:cNvPicPr>
+          <p:nvPr/>
+        </p:nvPicPr>
+        <p:blipFill>
+          <a:blip r:embed="rId2"/>
+          <a:srcRect l="49310" t="31254" r="10920" b="33990"/>
+          <a:stretch>
+            <a:fillRect/>
+          </a:stretch>
+        </p:blipFill>
+        <p:spPr>
+          <a:xfrm>
+            <a:off x="136635" y="420415"/>
+            <a:ext cx="3930869" cy="2060028"/>
+          </a:xfrm>
+          <a:prstGeom prst="rect">
+            <a:avLst/>
+          </a:prstGeom>
+        </p:spPr>
+      </p:pic>
       <p:sp>
         <p:nvSpPr>
-          <p:cNvPr id="2" name="Title 1"/>
-          <p:cNvSpPr/>
-          <p:nvPr>
-            <p:ph type="title"/>
-          </p:nvPr>
+          <p:cNvPr id="3" name="TextBox 2"/>
+          <p:cNvSpPr txBox="1"/>
+          <p:nvPr/>
         </p:nvSpPr>
-        <p:spPr/>
+        <p:spPr>
+          <a:xfrm>
+            <a:off x="178677" y="0"/>
+            <a:ext cx="2044149" cy="307777"/>
+          </a:xfrm>
+          <a:prstGeom prst="rect">
+            <a:avLst/>
+          </a:prstGeom>
+          <a:noFill/>
+        </p:spPr>
         <p:txBody>
-          <a:bodyPr/>
+          <a:bodyPr wrap="none" rtlCol="0">
+            <a:spAutoFit/>
+          </a:bodyPr>
+          <a:lstStyle/>
           <a:p>
-            <a:endParaRPr lang="en-US"/>
+            <a:r>
+              <a:rPr lang="en-US" b="1" dirty="0" smtClean="0"/>
+              <a:t>Adversarial Matching </a:t>
+            </a:r>
+            <a:endParaRPr lang="en-IN" b="1" dirty="0"/>
+          </a:p>
+        </p:txBody>
+      </p:sp>
+      <p:pic>
+        <p:nvPicPr>
+          <p:cNvPr id="4" name="Picture 3" descr="Screenshot (116).png"/>
+          <p:cNvPicPr>
+            <a:picLocks noChangeAspect="1"/>
+          </p:cNvPicPr>
+          <p:nvPr/>
+        </p:nvPicPr>
+        <p:blipFill>
+          <a:blip r:embed="rId3"/>
+          <a:srcRect l="7241" t="35753" r="5977" b="29492"/>
+          <a:stretch>
+            <a:fillRect/>
+          </a:stretch>
+        </p:blipFill>
+        <p:spPr>
+          <a:xfrm>
+            <a:off x="0" y="3121573"/>
+            <a:ext cx="7210097" cy="1786759"/>
+          </a:xfrm>
+          <a:prstGeom prst="rect">
+            <a:avLst/>
+          </a:prstGeom>
+        </p:spPr>
+      </p:pic>
+      <p:sp>
+        <p:nvSpPr>
+          <p:cNvPr id="5" name="TextBox 4"/>
+          <p:cNvSpPr txBox="1"/>
+          <p:nvPr/>
+        </p:nvSpPr>
+        <p:spPr>
+          <a:xfrm>
+            <a:off x="178675" y="2711669"/>
+            <a:ext cx="2884123" cy="307777"/>
+          </a:xfrm>
+          <a:prstGeom prst="rect">
+            <a:avLst/>
+          </a:prstGeom>
+          <a:noFill/>
+        </p:spPr>
+        <p:txBody>
+          <a:bodyPr wrap="none" rtlCol="0">
+            <a:spAutoFit/>
+          </a:bodyPr>
+          <a:lstStyle/>
+          <a:p>
+            <a:r>
+              <a:rPr lang="en-US" b="1" dirty="0" smtClean="0"/>
+              <a:t>Recognition to Cognition Model</a:t>
+            </a:r>
+            <a:endParaRPr lang="en-IN" b="1" dirty="0"/>
           </a:p>
         </p:txBody>
       </p:sp>
       <p:sp>
         <p:nvSpPr>
-          <p:cNvPr id="3" name="Text Placeholder 2"/>
-          <p:cNvSpPr/>
-          <p:nvPr>
-            <p:ph type="body" idx="1"/>
-          </p:nvPr>
+          <p:cNvPr id="6" name="TextBox 5"/>
+          <p:cNvSpPr txBox="1"/>
+          <p:nvPr/>
         </p:nvSpPr>
-        <p:spPr/>
+        <p:spPr>
+          <a:xfrm>
+            <a:off x="4321629" y="515007"/>
+            <a:ext cx="4822371" cy="2031325"/>
+          </a:xfrm>
+          <a:prstGeom prst="rect">
+            <a:avLst/>
+          </a:prstGeom>
+          <a:noFill/>
+        </p:spPr>
         <p:txBody>
-          <a:bodyPr/>
+          <a:bodyPr wrap="square" rtlCol="0">
+            <a:spAutoFit/>
+          </a:bodyPr>
+          <a:lstStyle/>
           <a:p>
-            <a:endParaRPr lang="en-US"/>
+            <a:pPr>
+              <a:buFont typeface="Arial" pitchFamily="34" charset="0"/>
+              <a:buChar char="•"/>
+            </a:pPr>
+            <a:r>
+              <a:rPr lang="en-US" dirty="0" smtClean="0"/>
+              <a:t> For Question Answering Q -&gt; A</a:t>
+            </a:r>
+          </a:p>
+          <a:p>
+            <a:pPr>
+              <a:buFont typeface="Arial" pitchFamily="34" charset="0"/>
+              <a:buChar char="•"/>
+            </a:pPr>
+            <a:r>
+              <a:rPr lang="en-US" dirty="0" smtClean="0"/>
+              <a:t> Language generation dataset to Multiple Choice Test</a:t>
+            </a:r>
+          </a:p>
+          <a:p>
+            <a:pPr>
+              <a:buFont typeface="Arial" pitchFamily="34" charset="0"/>
+              <a:buChar char="•"/>
+            </a:pPr>
+            <a:r>
+              <a:rPr lang="en-US" dirty="0" smtClean="0"/>
+              <a:t> Two subtasks:</a:t>
+            </a:r>
+          </a:p>
+          <a:p>
+            <a:r>
+              <a:rPr lang="en-US" dirty="0" smtClean="0"/>
+              <a:t>            - Answer is as relevant as possible</a:t>
+            </a:r>
+          </a:p>
+          <a:p>
+            <a:r>
+              <a:rPr lang="en-US" dirty="0" smtClean="0"/>
+              <a:t>            - Dissimilarity between other answers are from the correct answer</a:t>
+            </a:r>
+          </a:p>
+          <a:p>
+            <a:pPr>
+              <a:buFont typeface="Arial" pitchFamily="34" charset="0"/>
+              <a:buChar char="•"/>
+            </a:pPr>
+            <a:r>
+              <a:rPr lang="en-US" dirty="0" smtClean="0"/>
+              <a:t> Maximum weight bipartite matching</a:t>
+            </a:r>
+          </a:p>
+          <a:p>
+            <a:endParaRPr lang="en-US" dirty="0" smtClean="0"/>
+          </a:p>
+          <a:p>
+            <a:r>
+              <a:rPr lang="en-US" dirty="0" smtClean="0"/>
+              <a:t>       </a:t>
+            </a:r>
+            <a:endParaRPr lang="en-IN" dirty="0"/>
+          </a:p>
+        </p:txBody>
+      </p:sp>
+      <p:sp>
+        <p:nvSpPr>
+          <p:cNvPr id="7" name="TextBox 6"/>
+          <p:cNvSpPr txBox="1"/>
+          <p:nvPr/>
+        </p:nvSpPr>
+        <p:spPr>
+          <a:xfrm>
+            <a:off x="7293429" y="3450771"/>
+            <a:ext cx="1719942" cy="954107"/>
+          </a:xfrm>
+          <a:prstGeom prst="rect">
+            <a:avLst/>
+          </a:prstGeom>
+          <a:noFill/>
+        </p:spPr>
+        <p:txBody>
+          <a:bodyPr wrap="square" rtlCol="0">
+            <a:spAutoFit/>
+          </a:bodyPr>
+          <a:lstStyle/>
+          <a:p>
+            <a:pPr>
+              <a:buFont typeface="Arial" pitchFamily="34" charset="0"/>
+              <a:buChar char="•"/>
+            </a:pPr>
+            <a:r>
+              <a:rPr lang="en-US" dirty="0" smtClean="0"/>
+              <a:t> QA -&gt; R </a:t>
+            </a:r>
+          </a:p>
+          <a:p>
+            <a:pPr>
+              <a:buFont typeface="Arial" pitchFamily="34" charset="0"/>
+              <a:buChar char="•"/>
+            </a:pPr>
+            <a:r>
+              <a:rPr lang="en-US" dirty="0" smtClean="0"/>
+              <a:t> Grounding</a:t>
+            </a:r>
+          </a:p>
+          <a:p>
+            <a:pPr>
+              <a:buFont typeface="Arial" pitchFamily="34" charset="0"/>
+              <a:buChar char="•"/>
+            </a:pPr>
+            <a:r>
+              <a:rPr lang="en-US" dirty="0" smtClean="0"/>
+              <a:t> Contextualization</a:t>
+            </a:r>
+          </a:p>
+          <a:p>
+            <a:pPr>
+              <a:buFont typeface="Arial" pitchFamily="34" charset="0"/>
+              <a:buChar char="•"/>
+            </a:pPr>
+            <a:r>
+              <a:rPr lang="en-US" dirty="0" smtClean="0"/>
+              <a:t> Reasoning</a:t>
+            </a:r>
+            <a:endParaRPr lang="en-IN" dirty="0"/>
           </a:p>
         </p:txBody>
       </p:sp>
@@ -6855,11 +7667,20 @@
         <p:cNvGrpSpPr/>
         <p:nvPr/>
       </p:nvGrpSpPr>
-      <p:grpSpPr/>
+      <p:grpSpPr>
+        <a:xfrm>
+          <a:off x="0" y="0"/>
+          <a:ext cx="0" cy="0"/>
+          <a:chOff x="0" y="0"/>
+          <a:chExt cx="0" cy="0"/>
+        </a:xfrm>
+      </p:grpSpPr>
       <p:sp>
         <p:nvSpPr>
           <p:cNvPr id="2" name="Title 1"/>
-          <p:cNvSpPr/>
+          <p:cNvSpPr>
+            <a:spLocks noGrp="1"/>
+          </p:cNvSpPr>
           <p:nvPr>
             <p:ph type="title"/>
           </p:nvPr>
@@ -6867,6 +7688,7 @@
         <p:spPr/>
         <p:txBody>
           <a:bodyPr/>
+          <a:lstStyle/>
           <a:p>
             <a:endParaRPr lang="en-US"/>
           </a:p>
@@ -6875,7 +7697,9 @@
       <p:sp>
         <p:nvSpPr>
           <p:cNvPr id="3" name="Text Placeholder 2"/>
-          <p:cNvSpPr/>
+          <p:cNvSpPr>
+            <a:spLocks noGrp="1"/>
+          </p:cNvSpPr>
           <p:nvPr>
             <p:ph type="body" idx="1"/>
           </p:nvPr>
@@ -6883,6 +7707,7 @@
         <p:spPr/>
         <p:txBody>
           <a:bodyPr/>
+          <a:lstStyle/>
           <a:p>
             <a:endParaRPr lang="en-US"/>
           </a:p>
@@ -6901,7 +7726,133 @@
   <p:cSld>
     <p:spTree>
       <p:nvGrpSpPr>
-        <p:cNvPr id="103" name="Shape 103"/>
+        <p:cNvPr id="1" name=""/>
+        <p:cNvGrpSpPr/>
+        <p:nvPr/>
+      </p:nvGrpSpPr>
+      <p:grpSpPr>
+        <a:xfrm>
+          <a:off x="0" y="0"/>
+          <a:ext cx="0" cy="0"/>
+          <a:chOff x="0" y="0"/>
+          <a:chExt cx="0" cy="0"/>
+        </a:xfrm>
+      </p:grpSpPr>
+      <p:sp>
+        <p:nvSpPr>
+          <p:cNvPr id="2" name="Title 1"/>
+          <p:cNvSpPr>
+            <a:spLocks noGrp="1"/>
+          </p:cNvSpPr>
+          <p:nvPr>
+            <p:ph type="title"/>
+          </p:nvPr>
+        </p:nvSpPr>
+        <p:spPr/>
+        <p:txBody>
+          <a:bodyPr/>
+          <a:lstStyle/>
+          <a:p>
+            <a:endParaRPr lang="en-US"/>
+          </a:p>
+        </p:txBody>
+      </p:sp>
+      <p:sp>
+        <p:nvSpPr>
+          <p:cNvPr id="3" name="Text Placeholder 2"/>
+          <p:cNvSpPr>
+            <a:spLocks noGrp="1"/>
+          </p:cNvSpPr>
+          <p:nvPr>
+            <p:ph type="body" idx="1"/>
+          </p:nvPr>
+        </p:nvSpPr>
+        <p:spPr/>
+        <p:txBody>
+          <a:bodyPr/>
+          <a:lstStyle/>
+          <a:p>
+            <a:endParaRPr lang="en-US"/>
+          </a:p>
+        </p:txBody>
+      </p:sp>
+    </p:spTree>
+  </p:cSld>
+  <p:clrMapOvr>
+    <a:masterClrMapping/>
+  </p:clrMapOvr>
+</p:sld>
+</file>
+
+<file path=ppt/slides/slide8.xml><?xml version="1.0" encoding="utf-8"?>
+<p:sld xmlns:a="http://schemas.openxmlformats.org/drawingml/2006/main" xmlns:r="http://schemas.openxmlformats.org/officeDocument/2006/relationships" xmlns:p="http://schemas.openxmlformats.org/presentationml/2006/main">
+  <p:cSld>
+    <p:spTree>
+      <p:nvGrpSpPr>
+        <p:cNvPr id="1" name=""/>
+        <p:cNvGrpSpPr/>
+        <p:nvPr/>
+      </p:nvGrpSpPr>
+      <p:grpSpPr>
+        <a:xfrm>
+          <a:off x="0" y="0"/>
+          <a:ext cx="0" cy="0"/>
+          <a:chOff x="0" y="0"/>
+          <a:chExt cx="0" cy="0"/>
+        </a:xfrm>
+      </p:grpSpPr>
+      <p:sp>
+        <p:nvSpPr>
+          <p:cNvPr id="2" name="Title 1"/>
+          <p:cNvSpPr>
+            <a:spLocks noGrp="1"/>
+          </p:cNvSpPr>
+          <p:nvPr>
+            <p:ph type="title"/>
+          </p:nvPr>
+        </p:nvSpPr>
+        <p:spPr/>
+        <p:txBody>
+          <a:bodyPr/>
+          <a:lstStyle/>
+          <a:p>
+            <a:endParaRPr lang="en-US"/>
+          </a:p>
+        </p:txBody>
+      </p:sp>
+      <p:sp>
+        <p:nvSpPr>
+          <p:cNvPr id="3" name="Text Placeholder 2"/>
+          <p:cNvSpPr>
+            <a:spLocks noGrp="1"/>
+          </p:cNvSpPr>
+          <p:nvPr>
+            <p:ph type="body" idx="1"/>
+          </p:nvPr>
+        </p:nvSpPr>
+        <p:spPr/>
+        <p:txBody>
+          <a:bodyPr/>
+          <a:lstStyle/>
+          <a:p>
+            <a:endParaRPr lang="en-US"/>
+          </a:p>
+        </p:txBody>
+      </p:sp>
+    </p:spTree>
+  </p:cSld>
+  <p:clrMapOvr>
+    <a:masterClrMapping/>
+  </p:clrMapOvr>
+</p:sld>
+</file>
+
+<file path=ppt/slides/slide9.xml><?xml version="1.0" encoding="utf-8"?>
+<p:sld xmlns:a="http://schemas.openxmlformats.org/drawingml/2006/main" xmlns:r="http://schemas.openxmlformats.org/officeDocument/2006/relationships" xmlns:p="http://schemas.openxmlformats.org/presentationml/2006/main">
+  <p:cSld>
+    <p:spTree>
+      <p:nvGrpSpPr>
+        <p:cNvPr id="1" name="Shape 103"/>
         <p:cNvGrpSpPr/>
         <p:nvPr/>
       </p:nvGrpSpPr>
@@ -6916,7 +7867,9 @@
       <p:sp>
         <p:nvSpPr>
           <p:cNvPr id="104" name="Google Shape;104;p20"/>
-          <p:cNvSpPr txBox="1"/>
+          <p:cNvSpPr txBox="1">
+            <a:spLocks noGrp="1"/>
+          </p:cNvSpPr>
           <p:nvPr>
             <p:ph type="title"/>
           </p:nvPr>
@@ -6945,13 +7898,16 @@
               </a:spcAft>
               <a:buNone/>
             </a:pPr>
+            <a:endParaRPr/>
           </a:p>
         </p:txBody>
       </p:sp>
       <p:sp>
         <p:nvSpPr>
           <p:cNvPr id="105" name="Google Shape;105;p20"/>
-          <p:cNvSpPr txBox="1"/>
+          <p:cNvSpPr txBox="1">
+            <a:spLocks noGrp="1"/>
+          </p:cNvSpPr>
           <p:nvPr>
             <p:ph type="body" idx="1"/>
           </p:nvPr>
@@ -6980,101 +7936,7 @@
               </a:spcAft>
               <a:buNone/>
             </a:pPr>
-          </a:p>
-        </p:txBody>
-      </p:sp>
-    </p:spTree>
-  </p:cSld>
-  <p:clrMapOvr>
-    <a:masterClrMapping/>
-  </p:clrMapOvr>
-</p:sld>
-</file>
-
-<file path=ppt/slides/slide8.xml><?xml version="1.0" encoding="utf-8"?>
-<p:sld xmlns:a="http://schemas.openxmlformats.org/drawingml/2006/main" xmlns:r="http://schemas.openxmlformats.org/officeDocument/2006/relationships" xmlns:p="http://schemas.openxmlformats.org/presentationml/2006/main">
-  <p:cSld>
-    <p:spTree>
-      <p:nvGrpSpPr>
-        <p:cNvPr id="109" name="Shape 109"/>
-        <p:cNvGrpSpPr/>
-        <p:nvPr/>
-      </p:nvGrpSpPr>
-      <p:grpSpPr>
-        <a:xfrm>
-          <a:off x="0" y="0"/>
-          <a:ext cx="0" cy="0"/>
-          <a:chOff x="0" y="0"/>
-          <a:chExt cx="0" cy="0"/>
-        </a:xfrm>
-      </p:grpSpPr>
-      <p:sp>
-        <p:nvSpPr>
-          <p:cNvPr id="110" name="Google Shape;110;p21"/>
-          <p:cNvSpPr txBox="1"/>
-          <p:nvPr>
-            <p:ph type="title"/>
-          </p:nvPr>
-        </p:nvSpPr>
-        <p:spPr>
-          <a:xfrm>
-            <a:off x="311700" y="315925"/>
-            <a:ext cx="8520600" cy="831300"/>
-          </a:xfrm>
-          <a:prstGeom prst="rect">
-            <a:avLst/>
-          </a:prstGeom>
-        </p:spPr>
-        <p:txBody>
-          <a:bodyPr spcFirstLastPara="1" wrap="square" lIns="91425" tIns="91425" rIns="91425" bIns="91425" anchor="b" anchorCtr="0">
-            <a:noAutofit/>
-          </a:bodyPr>
-          <a:lstStyle/>
-          <a:p>
-            <a:pPr marL="0" lvl="0" indent="0" algn="l" rtl="0">
-              <a:spcBef>
-                <a:spcPts val="0"/>
-              </a:spcBef>
-              <a:spcAft>
-                <a:spcPts val="0"/>
-              </a:spcAft>
-              <a:buNone/>
-            </a:pPr>
-          </a:p>
-        </p:txBody>
-      </p:sp>
-      <p:sp>
-        <p:nvSpPr>
-          <p:cNvPr id="111" name="Google Shape;111;p21"/>
-          <p:cNvSpPr txBox="1"/>
-          <p:nvPr>
-            <p:ph type="body" idx="1"/>
-          </p:nvPr>
-        </p:nvSpPr>
-        <p:spPr>
-          <a:xfrm>
-            <a:off x="311700" y="1225225"/>
-            <a:ext cx="8520600" cy="3354000"/>
-          </a:xfrm>
-          <a:prstGeom prst="rect">
-            <a:avLst/>
-          </a:prstGeom>
-        </p:spPr>
-        <p:txBody>
-          <a:bodyPr spcFirstLastPara="1" wrap="square" lIns="91425" tIns="91425" rIns="91425" bIns="91425" anchor="t" anchorCtr="0">
-            <a:noAutofit/>
-          </a:bodyPr>
-          <a:lstStyle/>
-          <a:p>
-            <a:pPr marL="0" lvl="0" indent="0" algn="l" rtl="0">
-              <a:spcBef>
-                <a:spcPts val="0"/>
-              </a:spcBef>
-              <a:spcAft>
-                <a:spcPts val="1600"/>
-              </a:spcAft>
-              <a:buNone/>
-            </a:pPr>
+            <a:endParaRPr/>
           </a:p>
         </p:txBody>
       </p:sp>
@@ -7362,9 +8224,11 @@
       </a:bgFillStyleLst>
     </a:fmtScheme>
   </a:themeElements>
+  <a:objectDefaults/>
+  <a:extraClrSchemeLst/>
   <a:extLst>
     <a:ext uri="{05A4C25C-085E-4340-85A3-A5531E510DB2}">
-      <thm15:themeFamily xmlns:thm15="http://schemas.microsoft.com/office/thememl/2012/main" name="Office Theme" id="{62F939B6-93AF-4DB8-9C6B-D6C7DFDC589F}" vid="{4A3C46E8-61CC-4603-A589-7422A47A8E4A}"/>
+      <thm15:themeFamily xmlns:thm15="http://schemas.microsoft.com/office/thememl/2012/main" xmlns="" name="Office Theme" id="{62F939B6-93AF-4DB8-9C6B-D6C7DFDC589F}" vid="{4A3C46E8-61CC-4603-A589-7422A47A8E4A}"/>
     </a:ext>
   </a:extLst>
 </a:theme>
@@ -7646,9 +8510,11 @@
       </a:bgFillStyleLst>
     </a:fmtScheme>
   </a:themeElements>
+  <a:objectDefaults/>
+  <a:extraClrSchemeLst/>
   <a:extLst>
     <a:ext uri="{05A4C25C-085E-4340-85A3-A5531E510DB2}">
-      <thm15:themeFamily xmlns:thm15="http://schemas.microsoft.com/office/thememl/2012/main" name="Office Theme" id="{62F939B6-93AF-4DB8-9C6B-D6C7DFDC589F}" vid="{4A3C46E8-61CC-4603-A589-7422A47A8E4A}"/>
+      <thm15:themeFamily xmlns:thm15="http://schemas.microsoft.com/office/thememl/2012/main" xmlns="" name="Office Theme" id="{62F939B6-93AF-4DB8-9C6B-D6C7DFDC589F}" vid="{4A3C46E8-61CC-4603-A589-7422A47A8E4A}"/>
     </a:ext>
   </a:extLst>
 </a:theme>

--- a/Literature Survey 2.pptx
+++ b/Literature Survey 2.pptx
@@ -5,7 +5,7 @@
     <p:sldMasterId id="2147483648" r:id="rId1"/>
   </p:sldMasterIdLst>
   <p:notesMasterIdLst>
-    <p:notesMasterId r:id="rId12"/>
+    <p:notesMasterId r:id="rId13"/>
   </p:notesMasterIdLst>
   <p:sldIdLst>
     <p:sldId id="256" r:id="rId2"/>
@@ -13,22 +13,23 @@
     <p:sldId id="265" r:id="rId4"/>
     <p:sldId id="269" r:id="rId5"/>
     <p:sldId id="270" r:id="rId6"/>
-    <p:sldId id="266" r:id="rId7"/>
-    <p:sldId id="267" r:id="rId8"/>
-    <p:sldId id="268" r:id="rId9"/>
-    <p:sldId id="263" r:id="rId10"/>
-    <p:sldId id="264" r:id="rId11"/>
+    <p:sldId id="271" r:id="rId7"/>
+    <p:sldId id="266" r:id="rId8"/>
+    <p:sldId id="267" r:id="rId9"/>
+    <p:sldId id="268" r:id="rId10"/>
+    <p:sldId id="263" r:id="rId11"/>
+    <p:sldId id="264" r:id="rId12"/>
   </p:sldIdLst>
   <p:sldSz cx="9144000" cy="5143500" type="screen16x9"/>
   <p:notesSz cx="6858000" cy="9144000"/>
   <p:embeddedFontLst>
     <p:embeddedFont>
       <p:font typeface="Economica" charset="0"/>
-      <p:regular r:id="rId13"/>
+      <p:regular r:id="rId14"/>
     </p:embeddedFont>
     <p:embeddedFont>
       <p:font typeface="Open Sans" charset="0"/>
-      <p:regular r:id="rId14"/>
+      <p:regular r:id="rId15"/>
     </p:embeddedFont>
   </p:embeddedFontLst>
   <p:defaultTextStyle>
@@ -6866,6 +6867,107 @@
   <p:cSld>
     <p:spTree>
       <p:nvGrpSpPr>
+        <p:cNvPr id="1" name="Shape 103"/>
+        <p:cNvGrpSpPr/>
+        <p:nvPr/>
+      </p:nvGrpSpPr>
+      <p:grpSpPr>
+        <a:xfrm>
+          <a:off x="0" y="0"/>
+          <a:ext cx="0" cy="0"/>
+          <a:chOff x="0" y="0"/>
+          <a:chExt cx="0" cy="0"/>
+        </a:xfrm>
+      </p:grpSpPr>
+      <p:sp>
+        <p:nvSpPr>
+          <p:cNvPr id="104" name="Google Shape;104;p20"/>
+          <p:cNvSpPr txBox="1">
+            <a:spLocks noGrp="1"/>
+          </p:cNvSpPr>
+          <p:nvPr>
+            <p:ph type="title"/>
+          </p:nvPr>
+        </p:nvSpPr>
+        <p:spPr>
+          <a:xfrm>
+            <a:off x="311700" y="315925"/>
+            <a:ext cx="8520600" cy="831300"/>
+          </a:xfrm>
+          <a:prstGeom prst="rect">
+            <a:avLst/>
+          </a:prstGeom>
+        </p:spPr>
+        <p:txBody>
+          <a:bodyPr spcFirstLastPara="1" wrap="square" lIns="91425" tIns="91425" rIns="91425" bIns="91425" anchor="b" anchorCtr="0">
+            <a:noAutofit/>
+          </a:bodyPr>
+          <a:lstStyle/>
+          <a:p>
+            <a:pPr marL="0" lvl="0" indent="0" algn="l" rtl="0">
+              <a:spcBef>
+                <a:spcPts val="0"/>
+              </a:spcBef>
+              <a:spcAft>
+                <a:spcPts val="0"/>
+              </a:spcAft>
+              <a:buNone/>
+            </a:pPr>
+            <a:endParaRPr/>
+          </a:p>
+        </p:txBody>
+      </p:sp>
+      <p:sp>
+        <p:nvSpPr>
+          <p:cNvPr id="105" name="Google Shape;105;p20"/>
+          <p:cNvSpPr txBox="1">
+            <a:spLocks noGrp="1"/>
+          </p:cNvSpPr>
+          <p:nvPr>
+            <p:ph type="body" idx="1"/>
+          </p:nvPr>
+        </p:nvSpPr>
+        <p:spPr>
+          <a:xfrm>
+            <a:off x="311700" y="1225225"/>
+            <a:ext cx="8520600" cy="3354000"/>
+          </a:xfrm>
+          <a:prstGeom prst="rect">
+            <a:avLst/>
+          </a:prstGeom>
+        </p:spPr>
+        <p:txBody>
+          <a:bodyPr spcFirstLastPara="1" wrap="square" lIns="91425" tIns="91425" rIns="91425" bIns="91425" anchor="t" anchorCtr="0">
+            <a:noAutofit/>
+          </a:bodyPr>
+          <a:lstStyle/>
+          <a:p>
+            <a:pPr marL="0" lvl="0" indent="0" algn="l" rtl="0">
+              <a:spcBef>
+                <a:spcPts val="0"/>
+              </a:spcBef>
+              <a:spcAft>
+                <a:spcPts val="1600"/>
+              </a:spcAft>
+              <a:buNone/>
+            </a:pPr>
+            <a:endParaRPr/>
+          </a:p>
+        </p:txBody>
+      </p:sp>
+    </p:spTree>
+  </p:cSld>
+  <p:clrMapOvr>
+    <a:masterClrMapping/>
+  </p:clrMapOvr>
+</p:sld>
+</file>
+
+<file path=ppt/slides/slide11.xml><?xml version="1.0" encoding="utf-8"?>
+<p:sld xmlns:a="http://schemas.openxmlformats.org/drawingml/2006/main" xmlns:r="http://schemas.openxmlformats.org/officeDocument/2006/relationships" xmlns:p="http://schemas.openxmlformats.org/presentationml/2006/main">
+  <p:cSld>
+    <p:spTree>
+      <p:nvGrpSpPr>
         <p:cNvPr id="1" name="Shape 109"/>
         <p:cNvGrpSpPr/>
         <p:nvPr/>
@@ -7233,7 +7335,7 @@
         </p:blipFill>
         <p:spPr>
           <a:xfrm>
-            <a:off x="0" y="1508983"/>
+            <a:off x="0" y="1298776"/>
             <a:ext cx="9144000" cy="2154621"/>
           </a:xfrm>
           <a:prstGeom prst="rect">
@@ -7281,7 +7383,7 @@
         </p:nvSpPr>
         <p:spPr>
           <a:xfrm>
-            <a:off x="261257" y="1153885"/>
+            <a:off x="261256" y="3718409"/>
             <a:ext cx="3599062" cy="307777"/>
           </a:xfrm>
           <a:prstGeom prst="rect">
@@ -7311,7 +7413,7 @@
         </p:nvSpPr>
         <p:spPr>
           <a:xfrm>
-            <a:off x="315686" y="3788229"/>
+            <a:off x="263134" y="4040477"/>
             <a:ext cx="6894836" cy="954107"/>
           </a:xfrm>
           <a:prstGeom prst="rect">
@@ -7341,8 +7443,21 @@
             </a:pPr>
             <a:r>
               <a:rPr lang="en-US" dirty="0" smtClean="0"/>
-              <a:t>List of objects</a:t>
+              <a:t>List of </a:t>
             </a:r>
+            <a:r>
+              <a:rPr lang="en-US" dirty="0" smtClean="0"/>
+              <a:t>objects (For </a:t>
+            </a:r>
+            <a:r>
+              <a:rPr lang="en-US" dirty="0" smtClean="0"/>
+              <a:t>object detection-</a:t>
+            </a:r>
+            <a:r>
+              <a:rPr lang="en-US" dirty="0" smtClean="0"/>
+              <a:t>Mask RCNN)</a:t>
+            </a:r>
+            <a:endParaRPr lang="en-US" dirty="0" smtClean="0"/>
           </a:p>
           <a:p>
             <a:pPr>
@@ -7555,14 +7670,24 @@
           <a:p>
             <a:r>
               <a:rPr lang="en-US" dirty="0" smtClean="0"/>
-              <a:t>            - Answer is as relevant as possible</a:t>
+              <a:t>            - Answer is as relevant as </a:t>
             </a:r>
+            <a:r>
+              <a:rPr lang="en-US" dirty="0" smtClean="0"/>
+              <a:t>possible(BERT)</a:t>
+            </a:r>
+            <a:endParaRPr lang="en-US" dirty="0" smtClean="0"/>
           </a:p>
           <a:p>
             <a:r>
               <a:rPr lang="en-US" dirty="0" smtClean="0"/>
-              <a:t>            - Dissimilarity between other answers are from the correct answer</a:t>
+              <a:t>            - Dissimilarity between other answers are from the correct </a:t>
             </a:r>
+            <a:r>
+              <a:rPr lang="en-US" dirty="0" smtClean="0"/>
+              <a:t>answer(ESIM+ELMO)</a:t>
+            </a:r>
+            <a:endParaRPr lang="en-US" dirty="0" smtClean="0"/>
           </a:p>
           <a:p>
             <a:pPr>
@@ -7595,7 +7720,7 @@
         <p:spPr>
           <a:xfrm>
             <a:off x="7293429" y="3450771"/>
-            <a:ext cx="1719942" cy="954107"/>
+            <a:ext cx="1719942" cy="1169551"/>
           </a:xfrm>
           <a:prstGeom prst="rect">
             <a:avLst/>
@@ -7634,8 +7759,19 @@
             </a:pPr>
             <a:r>
               <a:rPr lang="en-US" dirty="0" smtClean="0"/>
-              <a:t> Contextualization</a:t>
+              <a:t> </a:t>
             </a:r>
+            <a:r>
+              <a:rPr lang="en-US" dirty="0" smtClean="0"/>
+              <a:t>Contextualization</a:t>
+            </a:r>
+          </a:p>
+          <a:p>
+            <a:r>
+              <a:rPr lang="en-US" dirty="0" smtClean="0"/>
+              <a:t>(Attention Model)</a:t>
+            </a:r>
+            <a:endParaRPr lang="en-US" dirty="0" smtClean="0"/>
           </a:p>
           <a:p>
             <a:pPr>
@@ -7675,44 +7811,6 @@
           <a:chExt cx="0" cy="0"/>
         </a:xfrm>
       </p:grpSpPr>
-      <p:sp>
-        <p:nvSpPr>
-          <p:cNvPr id="2" name="Title 1"/>
-          <p:cNvSpPr>
-            <a:spLocks noGrp="1"/>
-          </p:cNvSpPr>
-          <p:nvPr>
-            <p:ph type="title"/>
-          </p:nvPr>
-        </p:nvSpPr>
-        <p:spPr/>
-        <p:txBody>
-          <a:bodyPr/>
-          <a:lstStyle/>
-          <a:p>
-            <a:endParaRPr lang="en-US"/>
-          </a:p>
-        </p:txBody>
-      </p:sp>
-      <p:sp>
-        <p:nvSpPr>
-          <p:cNvPr id="3" name="Text Placeholder 2"/>
-          <p:cNvSpPr>
-            <a:spLocks noGrp="1"/>
-          </p:cNvSpPr>
-          <p:nvPr>
-            <p:ph type="body" idx="1"/>
-          </p:nvPr>
-        </p:nvSpPr>
-        <p:spPr/>
-        <p:txBody>
-          <a:bodyPr/>
-          <a:lstStyle/>
-          <a:p>
-            <a:endParaRPr lang="en-US"/>
-          </a:p>
-        </p:txBody>
-      </p:sp>
     </p:spTree>
   </p:cSld>
   <p:clrMapOvr>
@@ -7852,7 +7950,7 @@
   <p:cSld>
     <p:spTree>
       <p:nvGrpSpPr>
-        <p:cNvPr id="1" name="Shape 103"/>
+        <p:cNvPr id="1" name=""/>
         <p:cNvGrpSpPr/>
         <p:nvPr/>
       </p:nvGrpSpPr>
@@ -7866,77 +7964,39 @@
       </p:grpSpPr>
       <p:sp>
         <p:nvSpPr>
-          <p:cNvPr id="104" name="Google Shape;104;p20"/>
-          <p:cNvSpPr txBox="1">
+          <p:cNvPr id="2" name="Title 1"/>
+          <p:cNvSpPr>
             <a:spLocks noGrp="1"/>
           </p:cNvSpPr>
           <p:nvPr>
             <p:ph type="title"/>
           </p:nvPr>
         </p:nvSpPr>
-        <p:spPr>
-          <a:xfrm>
-            <a:off x="311700" y="315925"/>
-            <a:ext cx="8520600" cy="831300"/>
-          </a:xfrm>
-          <a:prstGeom prst="rect">
-            <a:avLst/>
-          </a:prstGeom>
-        </p:spPr>
+        <p:spPr/>
         <p:txBody>
-          <a:bodyPr spcFirstLastPara="1" wrap="square" lIns="91425" tIns="91425" rIns="91425" bIns="91425" anchor="b" anchorCtr="0">
-            <a:noAutofit/>
-          </a:bodyPr>
+          <a:bodyPr/>
           <a:lstStyle/>
           <a:p>
-            <a:pPr marL="0" lvl="0" indent="0" algn="l" rtl="0">
-              <a:spcBef>
-                <a:spcPts val="0"/>
-              </a:spcBef>
-              <a:spcAft>
-                <a:spcPts val="0"/>
-              </a:spcAft>
-              <a:buNone/>
-            </a:pPr>
-            <a:endParaRPr/>
+            <a:endParaRPr lang="en-US"/>
           </a:p>
         </p:txBody>
       </p:sp>
       <p:sp>
         <p:nvSpPr>
-          <p:cNvPr id="105" name="Google Shape;105;p20"/>
-          <p:cNvSpPr txBox="1">
+          <p:cNvPr id="3" name="Text Placeholder 2"/>
+          <p:cNvSpPr>
             <a:spLocks noGrp="1"/>
           </p:cNvSpPr>
           <p:nvPr>
             <p:ph type="body" idx="1"/>
           </p:nvPr>
         </p:nvSpPr>
-        <p:spPr>
-          <a:xfrm>
-            <a:off x="311700" y="1225225"/>
-            <a:ext cx="8520600" cy="3354000"/>
-          </a:xfrm>
-          <a:prstGeom prst="rect">
-            <a:avLst/>
-          </a:prstGeom>
-        </p:spPr>
+        <p:spPr/>
         <p:txBody>
-          <a:bodyPr spcFirstLastPara="1" wrap="square" lIns="91425" tIns="91425" rIns="91425" bIns="91425" anchor="t" anchorCtr="0">
-            <a:noAutofit/>
-          </a:bodyPr>
+          <a:bodyPr/>
           <a:lstStyle/>
           <a:p>
-            <a:pPr marL="0" lvl="0" indent="0" algn="l" rtl="0">
-              <a:spcBef>
-                <a:spcPts val="0"/>
-              </a:spcBef>
-              <a:spcAft>
-                <a:spcPts val="1600"/>
-              </a:spcAft>
-              <a:buNone/>
-            </a:pPr>
-            <a:endParaRPr/>
+            <a:endParaRPr lang="en-US"/>
           </a:p>
         </p:txBody>
       </p:sp>
@@ -8228,7 +8288,7 @@
   <a:extraClrSchemeLst/>
   <a:extLst>
     <a:ext uri="{05A4C25C-085E-4340-85A3-A5531E510DB2}">
-      <thm15:themeFamily xmlns:thm15="http://schemas.microsoft.com/office/thememl/2012/main" xmlns="" name="Office Theme" id="{62F939B6-93AF-4DB8-9C6B-D6C7DFDC589F}" vid="{4A3C46E8-61CC-4603-A589-7422A47A8E4A}"/>
+      <thm15:themeFamily xmlns="" xmlns:thm15="http://schemas.microsoft.com/office/thememl/2012/main" name="Office Theme" id="{62F939B6-93AF-4DB8-9C6B-D6C7DFDC589F}" vid="{4A3C46E8-61CC-4603-A589-7422A47A8E4A}"/>
     </a:ext>
   </a:extLst>
 </a:theme>
@@ -8514,7 +8574,7 @@
   <a:extraClrSchemeLst/>
   <a:extLst>
     <a:ext uri="{05A4C25C-085E-4340-85A3-A5531E510DB2}">
-      <thm15:themeFamily xmlns:thm15="http://schemas.microsoft.com/office/thememl/2012/main" xmlns="" name="Office Theme" id="{62F939B6-93AF-4DB8-9C6B-D6C7DFDC589F}" vid="{4A3C46E8-61CC-4603-A589-7422A47A8E4A}"/>
+      <thm15:themeFamily xmlns="" xmlns:thm15="http://schemas.microsoft.com/office/thememl/2012/main" name="Office Theme" id="{62F939B6-93AF-4DB8-9C6B-D6C7DFDC589F}" vid="{4A3C46E8-61CC-4603-A589-7422A47A8E4A}"/>
     </a:ext>
   </a:extLst>
 </a:theme>

--- a/Literature Survey 2.pptx
+++ b/Literature Survey 2.pptx
@@ -1,43 +1,36 @@
 
 <file path=ppt/presentation.xml><?xml version="1.0" encoding="utf-8"?>
-<p:presentation xmlns:a="http://schemas.openxmlformats.org/drawingml/2006/main" xmlns:r="http://schemas.openxmlformats.org/officeDocument/2006/relationships" xmlns:mc="http://schemas.openxmlformats.org/markup-compatibility/2006" xmlns:mv="urn:schemas-microsoft-com:mac:vml" xmlns:p="http://schemas.openxmlformats.org/presentationml/2006/main" xmlns:c="http://schemas.openxmlformats.org/drawingml/2006/chart" xmlns:dgm="http://schemas.openxmlformats.org/drawingml/2006/diagram" xmlns:o="urn:schemas-microsoft-com:office:office" xmlns:v="urn:schemas-microsoft-com:vml" xmlns:pvml="urn:schemas-microsoft-com:office:powerpoint" xmlns:com="http://schemas.openxmlformats.org/drawingml/2006/compatibility" xmlns:p14="http://schemas.microsoft.com/office/powerpoint/2010/main" xmlns:p15="http://schemas.microsoft.com/office/powerpoint/2012/main" xmlns:ahyp="http://schemas.microsoft.com/office/drawing/2018/hyperlinkcolor" autoCompressPictures="0" embedTrueTypeFonts="1" strictFirstAndLastChars="0" saveSubsetFonts="1">
+<p:presentation xmlns:a="http://schemas.openxmlformats.org/drawingml/2006/main" xmlns:r="http://schemas.openxmlformats.org/officeDocument/2006/relationships" xmlns:p="http://schemas.openxmlformats.org/presentationml/2006/main" strictFirstAndLastChars="0" embedTrueTypeFonts="1" saveSubsetFonts="1" autoCompressPictures="0">
   <p:sldMasterIdLst>
-    <p:sldMasterId id="2147483659" r:id="rId4"/>
+    <p:sldMasterId id="2147483648" r:id="rId1"/>
   </p:sldMasterIdLst>
   <p:notesMasterIdLst>
-    <p:notesMasterId r:id="rId5"/>
+    <p:notesMasterId r:id="rId4"/>
   </p:notesMasterIdLst>
   <p:sldIdLst>
-    <p:sldId id="256" r:id="rId6"/>
-    <p:sldId id="257" r:id="rId7"/>
-    <p:sldId id="258" r:id="rId8"/>
-    <p:sldId id="259" r:id="rId9"/>
-    <p:sldId id="260" r:id="rId10"/>
-    <p:sldId id="261" r:id="rId11"/>
-    <p:sldId id="262" r:id="rId12"/>
-    <p:sldId id="263" r:id="rId13"/>
-    <p:sldId id="264" r:id="rId14"/>
+    <p:sldId id="256" r:id="rId3"/>
+    <p:sldId id="262" r:id="rId5"/>
+    <p:sldId id="265" r:id="rId6"/>
+    <p:sldId id="266" r:id="rId7"/>
+    <p:sldId id="267" r:id="rId8"/>
+    <p:sldId id="268" r:id="rId9"/>
+    <p:sldId id="263" r:id="rId10"/>
+    <p:sldId id="264" r:id="rId11"/>
   </p:sldIdLst>
-  <p:sldSz cy="5143500" cx="9144000"/>
+  <p:sldSz cx="9144000" cy="5143500"/>
   <p:notesSz cx="6858000" cy="9144000"/>
   <p:embeddedFontLst>
     <p:embeddedFont>
-      <p:font typeface="Economica"/>
+      <p:font typeface="Economica" panose="02000506040000020004"/>
       <p:regular r:id="rId15"/>
-      <p:bold r:id="rId16"/>
-      <p:italic r:id="rId17"/>
-      <p:boldItalic r:id="rId18"/>
     </p:embeddedFont>
     <p:embeddedFont>
-      <p:font typeface="Open Sans"/>
-      <p:regular r:id="rId19"/>
-      <p:bold r:id="rId20"/>
-      <p:italic r:id="rId21"/>
-      <p:boldItalic r:id="rId22"/>
+      <p:font typeface="Open Sans" panose="020B0606030504020204"/>
+      <p:regular r:id="rId16"/>
     </p:embeddedFont>
   </p:embeddedFontLst>
   <p:defaultTextStyle>
-    <a:defPPr lvl="0" marR="0" rtl="0" algn="l">
+    <a:defPPr marR="0" lvl="0" algn="l" rtl="0">
       <a:lnSpc>
         <a:spcPct val="100000"/>
       </a:lnSpc>
@@ -48,7 +41,7 @@
         <a:spcPts val="0"/>
       </a:spcAft>
     </a:defPPr>
-    <a:lvl1pPr lvl="0" marR="0" rtl="0" algn="l">
+    <a:lvl1pPr marR="0" lvl="0" algn="l" rtl="0">
       <a:lnSpc>
         <a:spcPct val="100000"/>
       </a:lnSpc>
@@ -61,18 +54,18 @@
       <a:buClr>
         <a:srgbClr val="000000"/>
       </a:buClr>
-      <a:buFont typeface="Arial"/>
-      <a:defRPr b="0" i="0" sz="1400" u="none" cap="none" strike="noStrike">
+      <a:buFont typeface="Arial" panose="020B0604020202020204"/>
+      <a:defRPr sz="1400" b="0" i="0" u="none" strike="noStrike" cap="none">
         <a:solidFill>
           <a:srgbClr val="000000"/>
         </a:solidFill>
-        <a:latin typeface="Arial"/>
-        <a:ea typeface="Arial"/>
-        <a:cs typeface="Arial"/>
-        <a:sym typeface="Arial"/>
+        <a:latin typeface="Arial" panose="020B0604020202020204"/>
+        <a:ea typeface="Arial" panose="020B0604020202020204"/>
+        <a:cs typeface="Arial" panose="020B0604020202020204"/>
+        <a:sym typeface="Arial" panose="020B0604020202020204"/>
       </a:defRPr>
     </a:lvl1pPr>
-    <a:lvl2pPr lvl="1" marR="0" rtl="0" algn="l">
+    <a:lvl2pPr marR="0" lvl="1" algn="l" rtl="0">
       <a:lnSpc>
         <a:spcPct val="100000"/>
       </a:lnSpc>
@@ -85,18 +78,18 @@
       <a:buClr>
         <a:srgbClr val="000000"/>
       </a:buClr>
-      <a:buFont typeface="Arial"/>
-      <a:defRPr b="0" i="0" sz="1400" u="none" cap="none" strike="noStrike">
+      <a:buFont typeface="Arial" panose="020B0604020202020204"/>
+      <a:defRPr sz="1400" b="0" i="0" u="none" strike="noStrike" cap="none">
         <a:solidFill>
           <a:srgbClr val="000000"/>
         </a:solidFill>
-        <a:latin typeface="Arial"/>
-        <a:ea typeface="Arial"/>
-        <a:cs typeface="Arial"/>
-        <a:sym typeface="Arial"/>
+        <a:latin typeface="Arial" panose="020B0604020202020204"/>
+        <a:ea typeface="Arial" panose="020B0604020202020204"/>
+        <a:cs typeface="Arial" panose="020B0604020202020204"/>
+        <a:sym typeface="Arial" panose="020B0604020202020204"/>
       </a:defRPr>
     </a:lvl2pPr>
-    <a:lvl3pPr lvl="2" marR="0" rtl="0" algn="l">
+    <a:lvl3pPr marR="0" lvl="2" algn="l" rtl="0">
       <a:lnSpc>
         <a:spcPct val="100000"/>
       </a:lnSpc>
@@ -109,18 +102,18 @@
       <a:buClr>
         <a:srgbClr val="000000"/>
       </a:buClr>
-      <a:buFont typeface="Arial"/>
-      <a:defRPr b="0" i="0" sz="1400" u="none" cap="none" strike="noStrike">
+      <a:buFont typeface="Arial" panose="020B0604020202020204"/>
+      <a:defRPr sz="1400" b="0" i="0" u="none" strike="noStrike" cap="none">
         <a:solidFill>
           <a:srgbClr val="000000"/>
         </a:solidFill>
-        <a:latin typeface="Arial"/>
-        <a:ea typeface="Arial"/>
-        <a:cs typeface="Arial"/>
-        <a:sym typeface="Arial"/>
+        <a:latin typeface="Arial" panose="020B0604020202020204"/>
+        <a:ea typeface="Arial" panose="020B0604020202020204"/>
+        <a:cs typeface="Arial" panose="020B0604020202020204"/>
+        <a:sym typeface="Arial" panose="020B0604020202020204"/>
       </a:defRPr>
     </a:lvl3pPr>
-    <a:lvl4pPr lvl="3" marR="0" rtl="0" algn="l">
+    <a:lvl4pPr marR="0" lvl="3" algn="l" rtl="0">
       <a:lnSpc>
         <a:spcPct val="100000"/>
       </a:lnSpc>
@@ -133,18 +126,18 @@
       <a:buClr>
         <a:srgbClr val="000000"/>
       </a:buClr>
-      <a:buFont typeface="Arial"/>
-      <a:defRPr b="0" i="0" sz="1400" u="none" cap="none" strike="noStrike">
+      <a:buFont typeface="Arial" panose="020B0604020202020204"/>
+      <a:defRPr sz="1400" b="0" i="0" u="none" strike="noStrike" cap="none">
         <a:solidFill>
           <a:srgbClr val="000000"/>
         </a:solidFill>
-        <a:latin typeface="Arial"/>
-        <a:ea typeface="Arial"/>
-        <a:cs typeface="Arial"/>
-        <a:sym typeface="Arial"/>
+        <a:latin typeface="Arial" panose="020B0604020202020204"/>
+        <a:ea typeface="Arial" panose="020B0604020202020204"/>
+        <a:cs typeface="Arial" panose="020B0604020202020204"/>
+        <a:sym typeface="Arial" panose="020B0604020202020204"/>
       </a:defRPr>
     </a:lvl4pPr>
-    <a:lvl5pPr lvl="4" marR="0" rtl="0" algn="l">
+    <a:lvl5pPr marR="0" lvl="4" algn="l" rtl="0">
       <a:lnSpc>
         <a:spcPct val="100000"/>
       </a:lnSpc>
@@ -157,18 +150,18 @@
       <a:buClr>
         <a:srgbClr val="000000"/>
       </a:buClr>
-      <a:buFont typeface="Arial"/>
-      <a:defRPr b="0" i="0" sz="1400" u="none" cap="none" strike="noStrike">
+      <a:buFont typeface="Arial" panose="020B0604020202020204"/>
+      <a:defRPr sz="1400" b="0" i="0" u="none" strike="noStrike" cap="none">
         <a:solidFill>
           <a:srgbClr val="000000"/>
         </a:solidFill>
-        <a:latin typeface="Arial"/>
-        <a:ea typeface="Arial"/>
-        <a:cs typeface="Arial"/>
-        <a:sym typeface="Arial"/>
+        <a:latin typeface="Arial" panose="020B0604020202020204"/>
+        <a:ea typeface="Arial" panose="020B0604020202020204"/>
+        <a:cs typeface="Arial" panose="020B0604020202020204"/>
+        <a:sym typeface="Arial" panose="020B0604020202020204"/>
       </a:defRPr>
     </a:lvl5pPr>
-    <a:lvl6pPr lvl="5" marR="0" rtl="0" algn="l">
+    <a:lvl6pPr marR="0" lvl="5" algn="l" rtl="0">
       <a:lnSpc>
         <a:spcPct val="100000"/>
       </a:lnSpc>
@@ -181,18 +174,18 @@
       <a:buClr>
         <a:srgbClr val="000000"/>
       </a:buClr>
-      <a:buFont typeface="Arial"/>
-      <a:defRPr b="0" i="0" sz="1400" u="none" cap="none" strike="noStrike">
+      <a:buFont typeface="Arial" panose="020B0604020202020204"/>
+      <a:defRPr sz="1400" b="0" i="0" u="none" strike="noStrike" cap="none">
         <a:solidFill>
           <a:srgbClr val="000000"/>
         </a:solidFill>
-        <a:latin typeface="Arial"/>
-        <a:ea typeface="Arial"/>
-        <a:cs typeface="Arial"/>
-        <a:sym typeface="Arial"/>
+        <a:latin typeface="Arial" panose="020B0604020202020204"/>
+        <a:ea typeface="Arial" panose="020B0604020202020204"/>
+        <a:cs typeface="Arial" panose="020B0604020202020204"/>
+        <a:sym typeface="Arial" panose="020B0604020202020204"/>
       </a:defRPr>
     </a:lvl6pPr>
-    <a:lvl7pPr lvl="6" marR="0" rtl="0" algn="l">
+    <a:lvl7pPr marR="0" lvl="6" algn="l" rtl="0">
       <a:lnSpc>
         <a:spcPct val="100000"/>
       </a:lnSpc>
@@ -205,18 +198,18 @@
       <a:buClr>
         <a:srgbClr val="000000"/>
       </a:buClr>
-      <a:buFont typeface="Arial"/>
-      <a:defRPr b="0" i="0" sz="1400" u="none" cap="none" strike="noStrike">
+      <a:buFont typeface="Arial" panose="020B0604020202020204"/>
+      <a:defRPr sz="1400" b="0" i="0" u="none" strike="noStrike" cap="none">
         <a:solidFill>
           <a:srgbClr val="000000"/>
         </a:solidFill>
-        <a:latin typeface="Arial"/>
-        <a:ea typeface="Arial"/>
-        <a:cs typeface="Arial"/>
-        <a:sym typeface="Arial"/>
+        <a:latin typeface="Arial" panose="020B0604020202020204"/>
+        <a:ea typeface="Arial" panose="020B0604020202020204"/>
+        <a:cs typeface="Arial" panose="020B0604020202020204"/>
+        <a:sym typeface="Arial" panose="020B0604020202020204"/>
       </a:defRPr>
     </a:lvl7pPr>
-    <a:lvl8pPr lvl="7" marR="0" rtl="0" algn="l">
+    <a:lvl8pPr marR="0" lvl="7" algn="l" rtl="0">
       <a:lnSpc>
         <a:spcPct val="100000"/>
       </a:lnSpc>
@@ -229,18 +222,18 @@
       <a:buClr>
         <a:srgbClr val="000000"/>
       </a:buClr>
-      <a:buFont typeface="Arial"/>
-      <a:defRPr b="0" i="0" sz="1400" u="none" cap="none" strike="noStrike">
+      <a:buFont typeface="Arial" panose="020B0604020202020204"/>
+      <a:defRPr sz="1400" b="0" i="0" u="none" strike="noStrike" cap="none">
         <a:solidFill>
           <a:srgbClr val="000000"/>
         </a:solidFill>
-        <a:latin typeface="Arial"/>
-        <a:ea typeface="Arial"/>
-        <a:cs typeface="Arial"/>
-        <a:sym typeface="Arial"/>
+        <a:latin typeface="Arial" panose="020B0604020202020204"/>
+        <a:ea typeface="Arial" panose="020B0604020202020204"/>
+        <a:cs typeface="Arial" panose="020B0604020202020204"/>
+        <a:sym typeface="Arial" panose="020B0604020202020204"/>
       </a:defRPr>
     </a:lvl8pPr>
-    <a:lvl9pPr lvl="8" marR="0" rtl="0" algn="l">
+    <a:lvl9pPr marR="0" lvl="8" algn="l" rtl="0">
       <a:lnSpc>
         <a:spcPct val="100000"/>
       </a:lnSpc>
@@ -253,40 +246,29 @@
       <a:buClr>
         <a:srgbClr val="000000"/>
       </a:buClr>
-      <a:buFont typeface="Arial"/>
-      <a:defRPr b="0" i="0" sz="1400" u="none" cap="none" strike="noStrike">
+      <a:buFont typeface="Arial" panose="020B0604020202020204"/>
+      <a:defRPr sz="1400" b="0" i="0" u="none" strike="noStrike" cap="none">
         <a:solidFill>
           <a:srgbClr val="000000"/>
         </a:solidFill>
-        <a:latin typeface="Arial"/>
-        <a:ea typeface="Arial"/>
-        <a:cs typeface="Arial"/>
-        <a:sym typeface="Arial"/>
+        <a:latin typeface="Arial" panose="020B0604020202020204"/>
+        <a:ea typeface="Arial" panose="020B0604020202020204"/>
+        <a:cs typeface="Arial" panose="020B0604020202020204"/>
+        <a:sym typeface="Arial" panose="020B0604020202020204"/>
       </a:defRPr>
     </a:lvl9pPr>
   </p:defaultTextStyle>
-  <p:extLst>
-    <p:ext uri="{EFAFB233-063F-42B5-8137-9DF3F51BA10A}">
-      <p15:sldGuideLst>
-        <p15:guide id="1" orient="horz" pos="1620">
-          <p15:clr>
-            <a:srgbClr val="A4A3A4"/>
-          </p15:clr>
-        </p15:guide>
-        <p15:guide id="2" pos="2880">
-          <p15:clr>
-            <a:srgbClr val="A4A3A4"/>
-          </p15:clr>
-        </p15:guide>
-      </p15:sldGuideLst>
-    </p:ext>
-  </p:extLst>
 </p:presentation>
 </file>
 
 <file path=ppt/notesMasters/notesMaster1.xml><?xml version="1.0" encoding="utf-8"?>
-<p:notesMaster xmlns:a="http://schemas.openxmlformats.org/drawingml/2006/main" xmlns:r="http://schemas.openxmlformats.org/officeDocument/2006/relationships" xmlns:mc="http://schemas.openxmlformats.org/markup-compatibility/2006" xmlns:mv="urn:schemas-microsoft-com:mac:vml" xmlns:p="http://schemas.openxmlformats.org/presentationml/2006/main" xmlns:c="http://schemas.openxmlformats.org/drawingml/2006/chart" xmlns:dgm="http://schemas.openxmlformats.org/drawingml/2006/diagram" xmlns:o="urn:schemas-microsoft-com:office:office" xmlns:v="urn:schemas-microsoft-com:vml" xmlns:pvml="urn:schemas-microsoft-com:office:powerpoint" xmlns:com="http://schemas.openxmlformats.org/drawingml/2006/compatibility" xmlns:p14="http://schemas.microsoft.com/office/powerpoint/2010/main" xmlns:p15="http://schemas.microsoft.com/office/powerpoint/2012/main" xmlns:ahyp="http://schemas.microsoft.com/office/drawing/2018/hyperlinkcolor">
+<p:notesMaster xmlns:a="http://schemas.openxmlformats.org/drawingml/2006/main" xmlns:r="http://schemas.openxmlformats.org/officeDocument/2006/relationships" xmlns:p="http://schemas.openxmlformats.org/presentationml/2006/main">
   <p:cSld>
+    <p:bg>
+      <p:bgRef idx="1001">
+        <a:schemeClr val="bg1"/>
+      </p:bgRef>
+    </p:bg>
     <p:spTree>
       <p:nvGrpSpPr>
         <p:cNvPr id="2" name="Shape 2"/>
@@ -306,7 +288,7 @@
           <p:cNvPr id="3" name="Google Shape;3;n"/>
           <p:cNvSpPr/>
           <p:nvPr>
-            <p:ph idx="2" type="sldImg"/>
+            <p:ph type="sldImg" idx="2"/>
           </p:nvPr>
         </p:nvSpPr>
         <p:spPr>
@@ -315,9 +297,13 @@
             <a:ext cx="6096075" cy="3429000"/>
           </a:xfrm>
           <a:custGeom>
-            <a:rect b="b" l="l" r="r" t="t"/>
+            <a:avLst/>
+            <a:gdLst/>
+            <a:ahLst/>
+            <a:cxnLst/>
+            <a:rect l="l" t="t" r="r" b="b"/>
             <a:pathLst>
-              <a:path extrusionOk="0" h="120000" w="120000">
+              <a:path w="120000" h="120000" extrusionOk="0">
                 <a:moveTo>
                   <a:pt x="0" y="0"/>
                 </a:moveTo>
@@ -335,14 +321,14 @@
             </a:pathLst>
           </a:custGeom>
           <a:noFill/>
-          <a:ln cap="flat" cmpd="sng" w="9525">
+          <a:ln w="9525" cap="flat" cmpd="sng">
             <a:solidFill>
               <a:srgbClr val="000000"/>
             </a:solidFill>
             <a:prstDash val="solid"/>
             <a:round/>
-            <a:headEnd len="sm" w="sm" type="none"/>
-            <a:tailEnd len="sm" w="sm" type="none"/>
+            <a:headEnd type="none" w="sm" len="sm"/>
+            <a:tailEnd type="none" w="sm" len="sm"/>
           </a:ln>
         </p:spPr>
       </p:sp>
@@ -351,7 +337,7 @@
           <p:cNvPr id="4" name="Google Shape;4;n"/>
           <p:cNvSpPr txBox="1"/>
           <p:nvPr>
-            <p:ph idx="1" type="body"/>
+            <p:ph type="body" idx="1"/>
           </p:nvPr>
         </p:nvSpPr>
         <p:spPr>
@@ -368,11 +354,11 @@
           </a:ln>
         </p:spPr>
         <p:txBody>
-          <a:bodyPr anchorCtr="0" anchor="t" bIns="91425" lIns="91425" spcFirstLastPara="1" rIns="91425" wrap="square" tIns="91425">
+          <a:bodyPr spcFirstLastPara="1" wrap="square" lIns="91425" tIns="91425" rIns="91425" bIns="91425" anchor="t" anchorCtr="0">
             <a:noAutofit/>
           </a:bodyPr>
           <a:lstStyle>
-            <a:lvl1pPr indent="-298450" lvl="0" marL="457200">
+            <a:lvl1pPr marL="457200" lvl="0" indent="-298450">
               <a:spcBef>
                 <a:spcPts val="0"/>
               </a:spcBef>
@@ -383,7 +369,7 @@
               <a:buChar char="●"/>
               <a:defRPr sz="1100"/>
             </a:lvl1pPr>
-            <a:lvl2pPr indent="-298450" lvl="1" marL="914400">
+            <a:lvl2pPr marL="914400" lvl="1" indent="-298450">
               <a:spcBef>
                 <a:spcPts val="0"/>
               </a:spcBef>
@@ -394,7 +380,7 @@
               <a:buChar char="○"/>
               <a:defRPr sz="1100"/>
             </a:lvl2pPr>
-            <a:lvl3pPr indent="-298450" lvl="2" marL="1371600">
+            <a:lvl3pPr marL="1371600" lvl="2" indent="-298450">
               <a:spcBef>
                 <a:spcPts val="0"/>
               </a:spcBef>
@@ -405,7 +391,7 @@
               <a:buChar char="■"/>
               <a:defRPr sz="1100"/>
             </a:lvl3pPr>
-            <a:lvl4pPr indent="-298450" lvl="3" marL="1828800">
+            <a:lvl4pPr marL="1828800" lvl="3" indent="-298450">
               <a:spcBef>
                 <a:spcPts val="0"/>
               </a:spcBef>
@@ -416,7 +402,7 @@
               <a:buChar char="●"/>
               <a:defRPr sz="1100"/>
             </a:lvl4pPr>
-            <a:lvl5pPr indent="-298450" lvl="4" marL="2286000">
+            <a:lvl5pPr marL="2286000" lvl="4" indent="-298450">
               <a:spcBef>
                 <a:spcPts val="0"/>
               </a:spcBef>
@@ -427,7 +413,7 @@
               <a:buChar char="○"/>
               <a:defRPr sz="1100"/>
             </a:lvl5pPr>
-            <a:lvl6pPr indent="-298450" lvl="5" marL="2743200">
+            <a:lvl6pPr marL="2743200" lvl="5" indent="-298450">
               <a:spcBef>
                 <a:spcPts val="0"/>
               </a:spcBef>
@@ -438,7 +424,7 @@
               <a:buChar char="■"/>
               <a:defRPr sz="1100"/>
             </a:lvl6pPr>
-            <a:lvl7pPr indent="-298450" lvl="6" marL="3200400">
+            <a:lvl7pPr marL="3200400" lvl="6" indent="-298450">
               <a:spcBef>
                 <a:spcPts val="0"/>
               </a:spcBef>
@@ -449,7 +435,7 @@
               <a:buChar char="●"/>
               <a:defRPr sz="1100"/>
             </a:lvl7pPr>
-            <a:lvl8pPr indent="-298450" lvl="7" marL="3657600">
+            <a:lvl8pPr marL="3657600" lvl="7" indent="-298450">
               <a:spcBef>
                 <a:spcPts val="0"/>
               </a:spcBef>
@@ -460,7 +446,7 @@
               <a:buChar char="○"/>
               <a:defRPr sz="1100"/>
             </a:lvl8pPr>
-            <a:lvl9pPr indent="-298450" lvl="8" marL="4114800">
+            <a:lvl9pPr marL="4114800" lvl="8" indent="-298450">
               <a:spcBef>
                 <a:spcPts val="0"/>
               </a:spcBef>
@@ -477,9 +463,9 @@
       </p:sp>
     </p:spTree>
   </p:cSld>
-  <p:clrMap accent1="accent1" accent2="accent2" accent3="accent3" accent4="accent4" accent5="accent5" accent6="accent6" bg1="lt1" bg2="dk2" tx1="dk1" tx2="lt2" folHlink="folHlink" hlink="hlink"/>
+  <p:clrMap bg1="lt1" tx1="dk1" bg2="dk2" tx2="lt2" accent1="accent1" accent2="accent2" accent3="accent3" accent4="accent4" accent5="accent5" accent6="accent6" hlink="hlink" folHlink="folHlink"/>
   <p:notesStyle>
-    <a:defPPr lvl="0" marR="0" rtl="0" algn="l">
+    <a:defPPr marR="0" lvl="0" algn="l" rtl="0">
       <a:lnSpc>
         <a:spcPct val="100000"/>
       </a:lnSpc>
@@ -490,7 +476,7 @@
         <a:spcPts val="0"/>
       </a:spcAft>
     </a:defPPr>
-    <a:lvl1pPr lvl="0" marR="0" rtl="0" algn="l">
+    <a:lvl1pPr marR="0" lvl="0" algn="l" rtl="0">
       <a:lnSpc>
         <a:spcPct val="100000"/>
       </a:lnSpc>
@@ -503,18 +489,18 @@
       <a:buClr>
         <a:srgbClr val="000000"/>
       </a:buClr>
-      <a:buFont typeface="Arial"/>
-      <a:defRPr b="0" i="0" sz="1400" u="none" cap="none" strike="noStrike">
+      <a:buFont typeface="Arial" panose="020B0604020202020204"/>
+      <a:defRPr sz="1400" b="0" i="0" u="none" strike="noStrike" cap="none">
         <a:solidFill>
           <a:srgbClr val="000000"/>
         </a:solidFill>
-        <a:latin typeface="Arial"/>
-        <a:ea typeface="Arial"/>
-        <a:cs typeface="Arial"/>
-        <a:sym typeface="Arial"/>
+        <a:latin typeface="Arial" panose="020B0604020202020204"/>
+        <a:ea typeface="Arial" panose="020B0604020202020204"/>
+        <a:cs typeface="Arial" panose="020B0604020202020204"/>
+        <a:sym typeface="Arial" panose="020B0604020202020204"/>
       </a:defRPr>
     </a:lvl1pPr>
-    <a:lvl2pPr lvl="1" marR="0" rtl="0" algn="l">
+    <a:lvl2pPr marR="0" lvl="1" algn="l" rtl="0">
       <a:lnSpc>
         <a:spcPct val="100000"/>
       </a:lnSpc>
@@ -527,18 +513,18 @@
       <a:buClr>
         <a:srgbClr val="000000"/>
       </a:buClr>
-      <a:buFont typeface="Arial"/>
-      <a:defRPr b="0" i="0" sz="1400" u="none" cap="none" strike="noStrike">
+      <a:buFont typeface="Arial" panose="020B0604020202020204"/>
+      <a:defRPr sz="1400" b="0" i="0" u="none" strike="noStrike" cap="none">
         <a:solidFill>
           <a:srgbClr val="000000"/>
         </a:solidFill>
-        <a:latin typeface="Arial"/>
-        <a:ea typeface="Arial"/>
-        <a:cs typeface="Arial"/>
-        <a:sym typeface="Arial"/>
+        <a:latin typeface="Arial" panose="020B0604020202020204"/>
+        <a:ea typeface="Arial" panose="020B0604020202020204"/>
+        <a:cs typeface="Arial" panose="020B0604020202020204"/>
+        <a:sym typeface="Arial" panose="020B0604020202020204"/>
       </a:defRPr>
     </a:lvl2pPr>
-    <a:lvl3pPr lvl="2" marR="0" rtl="0" algn="l">
+    <a:lvl3pPr marR="0" lvl="2" algn="l" rtl="0">
       <a:lnSpc>
         <a:spcPct val="100000"/>
       </a:lnSpc>
@@ -551,18 +537,18 @@
       <a:buClr>
         <a:srgbClr val="000000"/>
       </a:buClr>
-      <a:buFont typeface="Arial"/>
-      <a:defRPr b="0" i="0" sz="1400" u="none" cap="none" strike="noStrike">
+      <a:buFont typeface="Arial" panose="020B0604020202020204"/>
+      <a:defRPr sz="1400" b="0" i="0" u="none" strike="noStrike" cap="none">
         <a:solidFill>
           <a:srgbClr val="000000"/>
         </a:solidFill>
-        <a:latin typeface="Arial"/>
-        <a:ea typeface="Arial"/>
-        <a:cs typeface="Arial"/>
-        <a:sym typeface="Arial"/>
+        <a:latin typeface="Arial" panose="020B0604020202020204"/>
+        <a:ea typeface="Arial" panose="020B0604020202020204"/>
+        <a:cs typeface="Arial" panose="020B0604020202020204"/>
+        <a:sym typeface="Arial" panose="020B0604020202020204"/>
       </a:defRPr>
     </a:lvl3pPr>
-    <a:lvl4pPr lvl="3" marR="0" rtl="0" algn="l">
+    <a:lvl4pPr marR="0" lvl="3" algn="l" rtl="0">
       <a:lnSpc>
         <a:spcPct val="100000"/>
       </a:lnSpc>
@@ -575,18 +561,18 @@
       <a:buClr>
         <a:srgbClr val="000000"/>
       </a:buClr>
-      <a:buFont typeface="Arial"/>
-      <a:defRPr b="0" i="0" sz="1400" u="none" cap="none" strike="noStrike">
+      <a:buFont typeface="Arial" panose="020B0604020202020204"/>
+      <a:defRPr sz="1400" b="0" i="0" u="none" strike="noStrike" cap="none">
         <a:solidFill>
           <a:srgbClr val="000000"/>
         </a:solidFill>
-        <a:latin typeface="Arial"/>
-        <a:ea typeface="Arial"/>
-        <a:cs typeface="Arial"/>
-        <a:sym typeface="Arial"/>
+        <a:latin typeface="Arial" panose="020B0604020202020204"/>
+        <a:ea typeface="Arial" panose="020B0604020202020204"/>
+        <a:cs typeface="Arial" panose="020B0604020202020204"/>
+        <a:sym typeface="Arial" panose="020B0604020202020204"/>
       </a:defRPr>
     </a:lvl4pPr>
-    <a:lvl5pPr lvl="4" marR="0" rtl="0" algn="l">
+    <a:lvl5pPr marR="0" lvl="4" algn="l" rtl="0">
       <a:lnSpc>
         <a:spcPct val="100000"/>
       </a:lnSpc>
@@ -599,18 +585,18 @@
       <a:buClr>
         <a:srgbClr val="000000"/>
       </a:buClr>
-      <a:buFont typeface="Arial"/>
-      <a:defRPr b="0" i="0" sz="1400" u="none" cap="none" strike="noStrike">
+      <a:buFont typeface="Arial" panose="020B0604020202020204"/>
+      <a:defRPr sz="1400" b="0" i="0" u="none" strike="noStrike" cap="none">
         <a:solidFill>
           <a:srgbClr val="000000"/>
         </a:solidFill>
-        <a:latin typeface="Arial"/>
-        <a:ea typeface="Arial"/>
-        <a:cs typeface="Arial"/>
-        <a:sym typeface="Arial"/>
+        <a:latin typeface="Arial" panose="020B0604020202020204"/>
+        <a:ea typeface="Arial" panose="020B0604020202020204"/>
+        <a:cs typeface="Arial" panose="020B0604020202020204"/>
+        <a:sym typeface="Arial" panose="020B0604020202020204"/>
       </a:defRPr>
     </a:lvl5pPr>
-    <a:lvl6pPr lvl="5" marR="0" rtl="0" algn="l">
+    <a:lvl6pPr marR="0" lvl="5" algn="l" rtl="0">
       <a:lnSpc>
         <a:spcPct val="100000"/>
       </a:lnSpc>
@@ -623,18 +609,18 @@
       <a:buClr>
         <a:srgbClr val="000000"/>
       </a:buClr>
-      <a:buFont typeface="Arial"/>
-      <a:defRPr b="0" i="0" sz="1400" u="none" cap="none" strike="noStrike">
+      <a:buFont typeface="Arial" panose="020B0604020202020204"/>
+      <a:defRPr sz="1400" b="0" i="0" u="none" strike="noStrike" cap="none">
         <a:solidFill>
           <a:srgbClr val="000000"/>
         </a:solidFill>
-        <a:latin typeface="Arial"/>
-        <a:ea typeface="Arial"/>
-        <a:cs typeface="Arial"/>
-        <a:sym typeface="Arial"/>
+        <a:latin typeface="Arial" panose="020B0604020202020204"/>
+        <a:ea typeface="Arial" panose="020B0604020202020204"/>
+        <a:cs typeface="Arial" panose="020B0604020202020204"/>
+        <a:sym typeface="Arial" panose="020B0604020202020204"/>
       </a:defRPr>
     </a:lvl6pPr>
-    <a:lvl7pPr lvl="6" marR="0" rtl="0" algn="l">
+    <a:lvl7pPr marR="0" lvl="6" algn="l" rtl="0">
       <a:lnSpc>
         <a:spcPct val="100000"/>
       </a:lnSpc>
@@ -647,18 +633,18 @@
       <a:buClr>
         <a:srgbClr val="000000"/>
       </a:buClr>
-      <a:buFont typeface="Arial"/>
-      <a:defRPr b="0" i="0" sz="1400" u="none" cap="none" strike="noStrike">
+      <a:buFont typeface="Arial" panose="020B0604020202020204"/>
+      <a:defRPr sz="1400" b="0" i="0" u="none" strike="noStrike" cap="none">
         <a:solidFill>
           <a:srgbClr val="000000"/>
         </a:solidFill>
-        <a:latin typeface="Arial"/>
-        <a:ea typeface="Arial"/>
-        <a:cs typeface="Arial"/>
-        <a:sym typeface="Arial"/>
+        <a:latin typeface="Arial" panose="020B0604020202020204"/>
+        <a:ea typeface="Arial" panose="020B0604020202020204"/>
+        <a:cs typeface="Arial" panose="020B0604020202020204"/>
+        <a:sym typeface="Arial" panose="020B0604020202020204"/>
       </a:defRPr>
     </a:lvl7pPr>
-    <a:lvl8pPr lvl="7" marR="0" rtl="0" algn="l">
+    <a:lvl8pPr marR="0" lvl="7" algn="l" rtl="0">
       <a:lnSpc>
         <a:spcPct val="100000"/>
       </a:lnSpc>
@@ -671,18 +657,18 @@
       <a:buClr>
         <a:srgbClr val="000000"/>
       </a:buClr>
-      <a:buFont typeface="Arial"/>
-      <a:defRPr b="0" i="0" sz="1400" u="none" cap="none" strike="noStrike">
+      <a:buFont typeface="Arial" panose="020B0604020202020204"/>
+      <a:defRPr sz="1400" b="0" i="0" u="none" strike="noStrike" cap="none">
         <a:solidFill>
           <a:srgbClr val="000000"/>
         </a:solidFill>
-        <a:latin typeface="Arial"/>
-        <a:ea typeface="Arial"/>
-        <a:cs typeface="Arial"/>
-        <a:sym typeface="Arial"/>
+        <a:latin typeface="Arial" panose="020B0604020202020204"/>
+        <a:ea typeface="Arial" panose="020B0604020202020204"/>
+        <a:cs typeface="Arial" panose="020B0604020202020204"/>
+        <a:sym typeface="Arial" panose="020B0604020202020204"/>
       </a:defRPr>
     </a:lvl8pPr>
-    <a:lvl9pPr lvl="8" marR="0" rtl="0" algn="l">
+    <a:lvl9pPr marR="0" lvl="8" algn="l" rtl="0">
       <a:lnSpc>
         <a:spcPct val="100000"/>
       </a:lnSpc>
@@ -695,15 +681,15 @@
       <a:buClr>
         <a:srgbClr val="000000"/>
       </a:buClr>
-      <a:buFont typeface="Arial"/>
-      <a:defRPr b="0" i="0" sz="1400" u="none" cap="none" strike="noStrike">
+      <a:buFont typeface="Arial" panose="020B0604020202020204"/>
+      <a:defRPr sz="1400" b="0" i="0" u="none" strike="noStrike" cap="none">
         <a:solidFill>
           <a:srgbClr val="000000"/>
         </a:solidFill>
-        <a:latin typeface="Arial"/>
-        <a:ea typeface="Arial"/>
-        <a:cs typeface="Arial"/>
-        <a:sym typeface="Arial"/>
+        <a:latin typeface="Arial" panose="020B0604020202020204"/>
+        <a:ea typeface="Arial" panose="020B0604020202020204"/>
+        <a:cs typeface="Arial" panose="020B0604020202020204"/>
+        <a:sym typeface="Arial" panose="020B0604020202020204"/>
       </a:defRPr>
     </a:lvl9pPr>
   </p:notesStyle>
@@ -711,7 +697,7 @@
 </file>
 
 <file path=ppt/notesSlides/notesSlide1.xml><?xml version="1.0" encoding="utf-8"?>
-<p:notes xmlns:a="http://schemas.openxmlformats.org/drawingml/2006/main" xmlns:r="http://schemas.openxmlformats.org/officeDocument/2006/relationships" xmlns:mc="http://schemas.openxmlformats.org/markup-compatibility/2006" xmlns:mv="urn:schemas-microsoft-com:mac:vml" xmlns:p="http://schemas.openxmlformats.org/presentationml/2006/main" xmlns:c="http://schemas.openxmlformats.org/drawingml/2006/chart" xmlns:dgm="http://schemas.openxmlformats.org/drawingml/2006/diagram" xmlns:o="urn:schemas-microsoft-com:office:office" xmlns:v="urn:schemas-microsoft-com:vml" xmlns:pvml="urn:schemas-microsoft-com:office:powerpoint" xmlns:com="http://schemas.openxmlformats.org/drawingml/2006/compatibility" xmlns:p14="http://schemas.microsoft.com/office/powerpoint/2010/main" xmlns:p15="http://schemas.microsoft.com/office/powerpoint/2012/main" xmlns:ahyp="http://schemas.microsoft.com/office/drawing/2018/hyperlinkcolor" showMasterPhAnim="0" showMasterSp="0">
+<p:notes xmlns:a="http://schemas.openxmlformats.org/drawingml/2006/main" xmlns:r="http://schemas.openxmlformats.org/officeDocument/2006/relationships" xmlns:p="http://schemas.openxmlformats.org/presentationml/2006/main" showMasterPhAnim="0" showMasterSp="0">
   <p:cSld>
     <p:spTree>
       <p:nvGrpSpPr>
@@ -732,7 +718,7 @@
           <p:cNvPr id="59" name="Google Shape;59;p:notes"/>
           <p:cNvSpPr/>
           <p:nvPr>
-            <p:ph idx="2" type="sldImg"/>
+            <p:ph type="sldImg" idx="2"/>
           </p:nvPr>
         </p:nvSpPr>
         <p:spPr>
@@ -741,9 +727,13 @@
             <a:ext cx="6096075" cy="3429000"/>
           </a:xfrm>
           <a:custGeom>
-            <a:rect b="b" l="l" r="r" t="t"/>
+            <a:avLst/>
+            <a:gdLst/>
+            <a:ahLst/>
+            <a:cxnLst/>
+            <a:rect l="l" t="t" r="r" b="b"/>
             <a:pathLst>
-              <a:path extrusionOk="0" h="120000" w="120000">
+              <a:path w="120000" h="120000" extrusionOk="0">
                 <a:moveTo>
                   <a:pt x="0" y="0"/>
                 </a:moveTo>
@@ -767,7 +757,7 @@
           <p:cNvPr id="60" name="Google Shape;60;p:notes"/>
           <p:cNvSpPr txBox="1"/>
           <p:nvPr>
-            <p:ph idx="1" type="body"/>
+            <p:ph type="body" idx="1"/>
           </p:nvPr>
         </p:nvSpPr>
         <p:spPr>
@@ -780,12 +770,12 @@
           </a:prstGeom>
         </p:spPr>
         <p:txBody>
-          <a:bodyPr anchorCtr="0" anchor="t" bIns="91425" lIns="91425" spcFirstLastPara="1" rIns="91425" wrap="square" tIns="91425">
+          <a:bodyPr spcFirstLastPara="1" wrap="square" lIns="91425" tIns="91425" rIns="91425" bIns="91425" anchor="t" anchorCtr="0">
             <a:noAutofit/>
           </a:bodyPr>
           <a:lstStyle/>
           <a:p>
-            <a:pPr indent="0" lvl="0" marL="0" rtl="0" algn="l">
+            <a:pPr marL="0" lvl="0" indent="0" algn="l" rtl="0">
               <a:spcBef>
                 <a:spcPts val="0"/>
               </a:spcBef>
@@ -794,10 +784,6 @@
               </a:spcAft>
               <a:buNone/>
             </a:pPr>
-            <a:r>
-              <a:t/>
-            </a:r>
-            <a:endParaRPr/>
           </a:p>
         </p:txBody>
       </p:sp>
@@ -810,502 +796,7 @@
 </file>
 
 <file path=ppt/notesSlides/notesSlide2.xml><?xml version="1.0" encoding="utf-8"?>
-<p:notes xmlns:a="http://schemas.openxmlformats.org/drawingml/2006/main" xmlns:r="http://schemas.openxmlformats.org/officeDocument/2006/relationships" xmlns:mc="http://schemas.openxmlformats.org/markup-compatibility/2006" xmlns:mv="urn:schemas-microsoft-com:mac:vml" xmlns:p="http://schemas.openxmlformats.org/presentationml/2006/main" xmlns:c="http://schemas.openxmlformats.org/drawingml/2006/chart" xmlns:dgm="http://schemas.openxmlformats.org/drawingml/2006/diagram" xmlns:o="urn:schemas-microsoft-com:office:office" xmlns:v="urn:schemas-microsoft-com:vml" xmlns:pvml="urn:schemas-microsoft-com:office:powerpoint" xmlns:com="http://schemas.openxmlformats.org/drawingml/2006/compatibility" xmlns:p14="http://schemas.microsoft.com/office/powerpoint/2010/main" xmlns:p15="http://schemas.microsoft.com/office/powerpoint/2012/main" xmlns:ahyp="http://schemas.microsoft.com/office/drawing/2018/hyperlinkcolor" showMasterPhAnim="0" showMasterSp="0">
-  <p:cSld>
-    <p:spTree>
-      <p:nvGrpSpPr>
-        <p:cNvPr id="64" name="Shape 64"/>
-        <p:cNvGrpSpPr/>
-        <p:nvPr/>
-      </p:nvGrpSpPr>
-      <p:grpSpPr>
-        <a:xfrm>
-          <a:off x="0" y="0"/>
-          <a:ext cx="0" cy="0"/>
-          <a:chOff x="0" y="0"/>
-          <a:chExt cx="0" cy="0"/>
-        </a:xfrm>
-      </p:grpSpPr>
-      <p:sp>
-        <p:nvSpPr>
-          <p:cNvPr id="65" name="Google Shape;65;g9f0f4aeee7_0_407:notes"/>
-          <p:cNvSpPr/>
-          <p:nvPr>
-            <p:ph idx="2" type="sldImg"/>
-          </p:nvPr>
-        </p:nvSpPr>
-        <p:spPr>
-          <a:xfrm>
-            <a:off x="381300" y="685800"/>
-            <a:ext cx="6096000" cy="3429000"/>
-          </a:xfrm>
-          <a:custGeom>
-            <a:rect b="b" l="l" r="r" t="t"/>
-            <a:pathLst>
-              <a:path extrusionOk="0" h="120000" w="120000">
-                <a:moveTo>
-                  <a:pt x="0" y="0"/>
-                </a:moveTo>
-                <a:lnTo>
-                  <a:pt x="120000" y="0"/>
-                </a:lnTo>
-                <a:lnTo>
-                  <a:pt x="120000" y="120000"/>
-                </a:lnTo>
-                <a:lnTo>
-                  <a:pt x="0" y="120000"/>
-                </a:lnTo>
-                <a:close/>
-              </a:path>
-            </a:pathLst>
-          </a:custGeom>
-        </p:spPr>
-      </p:sp>
-      <p:sp>
-        <p:nvSpPr>
-          <p:cNvPr id="66" name="Google Shape;66;g9f0f4aeee7_0_407:notes"/>
-          <p:cNvSpPr txBox="1"/>
-          <p:nvPr>
-            <p:ph idx="1" type="body"/>
-          </p:nvPr>
-        </p:nvSpPr>
-        <p:spPr>
-          <a:xfrm>
-            <a:off x="685800" y="4343400"/>
-            <a:ext cx="5486400" cy="4114800"/>
-          </a:xfrm>
-          <a:prstGeom prst="rect">
-            <a:avLst/>
-          </a:prstGeom>
-        </p:spPr>
-        <p:txBody>
-          <a:bodyPr anchorCtr="0" anchor="t" bIns="91425" lIns="91425" spcFirstLastPara="1" rIns="91425" wrap="square" tIns="91425">
-            <a:noAutofit/>
-          </a:bodyPr>
-          <a:lstStyle/>
-          <a:p>
-            <a:pPr indent="0" lvl="0" marL="0" rtl="0" algn="l">
-              <a:spcBef>
-                <a:spcPts val="0"/>
-              </a:spcBef>
-              <a:spcAft>
-                <a:spcPts val="0"/>
-              </a:spcAft>
-              <a:buNone/>
-            </a:pPr>
-            <a:r>
-              <a:t/>
-            </a:r>
-            <a:endParaRPr/>
-          </a:p>
-        </p:txBody>
-      </p:sp>
-    </p:spTree>
-  </p:cSld>
-  <p:clrMapOvr>
-    <a:masterClrMapping/>
-  </p:clrMapOvr>
-</p:notes>
-</file>
-
-<file path=ppt/notesSlides/notesSlide3.xml><?xml version="1.0" encoding="utf-8"?>
-<p:notes xmlns:a="http://schemas.openxmlformats.org/drawingml/2006/main" xmlns:r="http://schemas.openxmlformats.org/officeDocument/2006/relationships" xmlns:mc="http://schemas.openxmlformats.org/markup-compatibility/2006" xmlns:mv="urn:schemas-microsoft-com:mac:vml" xmlns:p="http://schemas.openxmlformats.org/presentationml/2006/main" xmlns:c="http://schemas.openxmlformats.org/drawingml/2006/chart" xmlns:dgm="http://schemas.openxmlformats.org/drawingml/2006/diagram" xmlns:o="urn:schemas-microsoft-com:office:office" xmlns:v="urn:schemas-microsoft-com:vml" xmlns:pvml="urn:schemas-microsoft-com:office:powerpoint" xmlns:com="http://schemas.openxmlformats.org/drawingml/2006/compatibility" xmlns:p14="http://schemas.microsoft.com/office/powerpoint/2010/main" xmlns:p15="http://schemas.microsoft.com/office/powerpoint/2012/main" xmlns:ahyp="http://schemas.microsoft.com/office/drawing/2018/hyperlinkcolor" showMasterPhAnim="0" showMasterSp="0">
-  <p:cSld>
-    <p:spTree>
-      <p:nvGrpSpPr>
-        <p:cNvPr id="70" name="Shape 70"/>
-        <p:cNvGrpSpPr/>
-        <p:nvPr/>
-      </p:nvGrpSpPr>
-      <p:grpSpPr>
-        <a:xfrm>
-          <a:off x="0" y="0"/>
-          <a:ext cx="0" cy="0"/>
-          <a:chOff x="0" y="0"/>
-          <a:chExt cx="0" cy="0"/>
-        </a:xfrm>
-      </p:grpSpPr>
-      <p:sp>
-        <p:nvSpPr>
-          <p:cNvPr id="71" name="Google Shape;71;g9f0f4aeee7_0_412:notes"/>
-          <p:cNvSpPr/>
-          <p:nvPr>
-            <p:ph idx="2" type="sldImg"/>
-          </p:nvPr>
-        </p:nvSpPr>
-        <p:spPr>
-          <a:xfrm>
-            <a:off x="381300" y="685800"/>
-            <a:ext cx="6096000" cy="3429000"/>
-          </a:xfrm>
-          <a:custGeom>
-            <a:rect b="b" l="l" r="r" t="t"/>
-            <a:pathLst>
-              <a:path extrusionOk="0" h="120000" w="120000">
-                <a:moveTo>
-                  <a:pt x="0" y="0"/>
-                </a:moveTo>
-                <a:lnTo>
-                  <a:pt x="120000" y="0"/>
-                </a:lnTo>
-                <a:lnTo>
-                  <a:pt x="120000" y="120000"/>
-                </a:lnTo>
-                <a:lnTo>
-                  <a:pt x="0" y="120000"/>
-                </a:lnTo>
-                <a:close/>
-              </a:path>
-            </a:pathLst>
-          </a:custGeom>
-        </p:spPr>
-      </p:sp>
-      <p:sp>
-        <p:nvSpPr>
-          <p:cNvPr id="72" name="Google Shape;72;g9f0f4aeee7_0_412:notes"/>
-          <p:cNvSpPr txBox="1"/>
-          <p:nvPr>
-            <p:ph idx="1" type="body"/>
-          </p:nvPr>
-        </p:nvSpPr>
-        <p:spPr>
-          <a:xfrm>
-            <a:off x="685800" y="4343400"/>
-            <a:ext cx="5486400" cy="4114800"/>
-          </a:xfrm>
-          <a:prstGeom prst="rect">
-            <a:avLst/>
-          </a:prstGeom>
-        </p:spPr>
-        <p:txBody>
-          <a:bodyPr anchorCtr="0" anchor="t" bIns="91425" lIns="91425" spcFirstLastPara="1" rIns="91425" wrap="square" tIns="91425">
-            <a:noAutofit/>
-          </a:bodyPr>
-          <a:lstStyle/>
-          <a:p>
-            <a:pPr indent="0" lvl="0" marL="0" rtl="0" algn="l">
-              <a:spcBef>
-                <a:spcPts val="0"/>
-              </a:spcBef>
-              <a:spcAft>
-                <a:spcPts val="0"/>
-              </a:spcAft>
-              <a:buNone/>
-            </a:pPr>
-            <a:r>
-              <a:t/>
-            </a:r>
-            <a:endParaRPr/>
-          </a:p>
-        </p:txBody>
-      </p:sp>
-    </p:spTree>
-  </p:cSld>
-  <p:clrMapOvr>
-    <a:masterClrMapping/>
-  </p:clrMapOvr>
-</p:notes>
-</file>
-
-<file path=ppt/notesSlides/notesSlide4.xml><?xml version="1.0" encoding="utf-8"?>
-<p:notes xmlns:a="http://schemas.openxmlformats.org/drawingml/2006/main" xmlns:r="http://schemas.openxmlformats.org/officeDocument/2006/relationships" xmlns:mc="http://schemas.openxmlformats.org/markup-compatibility/2006" xmlns:mv="urn:schemas-microsoft-com:mac:vml" xmlns:p="http://schemas.openxmlformats.org/presentationml/2006/main" xmlns:c="http://schemas.openxmlformats.org/drawingml/2006/chart" xmlns:dgm="http://schemas.openxmlformats.org/drawingml/2006/diagram" xmlns:o="urn:schemas-microsoft-com:office:office" xmlns:v="urn:schemas-microsoft-com:vml" xmlns:pvml="urn:schemas-microsoft-com:office:powerpoint" xmlns:com="http://schemas.openxmlformats.org/drawingml/2006/compatibility" xmlns:p14="http://schemas.microsoft.com/office/powerpoint/2010/main" xmlns:p15="http://schemas.microsoft.com/office/powerpoint/2012/main" xmlns:ahyp="http://schemas.microsoft.com/office/drawing/2018/hyperlinkcolor" showMasterPhAnim="0" showMasterSp="0">
-  <p:cSld>
-    <p:spTree>
-      <p:nvGrpSpPr>
-        <p:cNvPr id="76" name="Shape 76"/>
-        <p:cNvGrpSpPr/>
-        <p:nvPr/>
-      </p:nvGrpSpPr>
-      <p:grpSpPr>
-        <a:xfrm>
-          <a:off x="0" y="0"/>
-          <a:ext cx="0" cy="0"/>
-          <a:chOff x="0" y="0"/>
-          <a:chExt cx="0" cy="0"/>
-        </a:xfrm>
-      </p:grpSpPr>
-      <p:sp>
-        <p:nvSpPr>
-          <p:cNvPr id="77" name="Google Shape;77;g9f0f4aeee7_0_417:notes"/>
-          <p:cNvSpPr/>
-          <p:nvPr>
-            <p:ph idx="2" type="sldImg"/>
-          </p:nvPr>
-        </p:nvSpPr>
-        <p:spPr>
-          <a:xfrm>
-            <a:off x="381300" y="685800"/>
-            <a:ext cx="6096000" cy="3429000"/>
-          </a:xfrm>
-          <a:custGeom>
-            <a:rect b="b" l="l" r="r" t="t"/>
-            <a:pathLst>
-              <a:path extrusionOk="0" h="120000" w="120000">
-                <a:moveTo>
-                  <a:pt x="0" y="0"/>
-                </a:moveTo>
-                <a:lnTo>
-                  <a:pt x="120000" y="0"/>
-                </a:lnTo>
-                <a:lnTo>
-                  <a:pt x="120000" y="120000"/>
-                </a:lnTo>
-                <a:lnTo>
-                  <a:pt x="0" y="120000"/>
-                </a:lnTo>
-                <a:close/>
-              </a:path>
-            </a:pathLst>
-          </a:custGeom>
-        </p:spPr>
-      </p:sp>
-      <p:sp>
-        <p:nvSpPr>
-          <p:cNvPr id="78" name="Google Shape;78;g9f0f4aeee7_0_417:notes"/>
-          <p:cNvSpPr txBox="1"/>
-          <p:nvPr>
-            <p:ph idx="1" type="body"/>
-          </p:nvPr>
-        </p:nvSpPr>
-        <p:spPr>
-          <a:xfrm>
-            <a:off x="685800" y="4343400"/>
-            <a:ext cx="5486400" cy="4114800"/>
-          </a:xfrm>
-          <a:prstGeom prst="rect">
-            <a:avLst/>
-          </a:prstGeom>
-        </p:spPr>
-        <p:txBody>
-          <a:bodyPr anchorCtr="0" anchor="t" bIns="91425" lIns="91425" spcFirstLastPara="1" rIns="91425" wrap="square" tIns="91425">
-            <a:noAutofit/>
-          </a:bodyPr>
-          <a:lstStyle/>
-          <a:p>
-            <a:pPr indent="0" lvl="0" marL="0" rtl="0" algn="l">
-              <a:spcBef>
-                <a:spcPts val="0"/>
-              </a:spcBef>
-              <a:spcAft>
-                <a:spcPts val="0"/>
-              </a:spcAft>
-              <a:buNone/>
-            </a:pPr>
-            <a:r>
-              <a:t/>
-            </a:r>
-            <a:endParaRPr/>
-          </a:p>
-        </p:txBody>
-      </p:sp>
-    </p:spTree>
-  </p:cSld>
-  <p:clrMapOvr>
-    <a:masterClrMapping/>
-  </p:clrMapOvr>
-</p:notes>
-</file>
-
-<file path=ppt/notesSlides/notesSlide5.xml><?xml version="1.0" encoding="utf-8"?>
-<p:notes xmlns:a="http://schemas.openxmlformats.org/drawingml/2006/main" xmlns:r="http://schemas.openxmlformats.org/officeDocument/2006/relationships" xmlns:mc="http://schemas.openxmlformats.org/markup-compatibility/2006" xmlns:mv="urn:schemas-microsoft-com:mac:vml" xmlns:p="http://schemas.openxmlformats.org/presentationml/2006/main" xmlns:c="http://schemas.openxmlformats.org/drawingml/2006/chart" xmlns:dgm="http://schemas.openxmlformats.org/drawingml/2006/diagram" xmlns:o="urn:schemas-microsoft-com:office:office" xmlns:v="urn:schemas-microsoft-com:vml" xmlns:pvml="urn:schemas-microsoft-com:office:powerpoint" xmlns:com="http://schemas.openxmlformats.org/drawingml/2006/compatibility" xmlns:p14="http://schemas.microsoft.com/office/powerpoint/2010/main" xmlns:p15="http://schemas.microsoft.com/office/powerpoint/2012/main" xmlns:ahyp="http://schemas.microsoft.com/office/drawing/2018/hyperlinkcolor" showMasterPhAnim="0" showMasterSp="0">
-  <p:cSld>
-    <p:spTree>
-      <p:nvGrpSpPr>
-        <p:cNvPr id="82" name="Shape 82"/>
-        <p:cNvGrpSpPr/>
-        <p:nvPr/>
-      </p:nvGrpSpPr>
-      <p:grpSpPr>
-        <a:xfrm>
-          <a:off x="0" y="0"/>
-          <a:ext cx="0" cy="0"/>
-          <a:chOff x="0" y="0"/>
-          <a:chExt cx="0" cy="0"/>
-        </a:xfrm>
-      </p:grpSpPr>
-      <p:sp>
-        <p:nvSpPr>
-          <p:cNvPr id="83" name="Google Shape;83;g9f0f4aeee7_0_422:notes"/>
-          <p:cNvSpPr/>
-          <p:nvPr>
-            <p:ph idx="2" type="sldImg"/>
-          </p:nvPr>
-        </p:nvSpPr>
-        <p:spPr>
-          <a:xfrm>
-            <a:off x="381300" y="685800"/>
-            <a:ext cx="6096000" cy="3429000"/>
-          </a:xfrm>
-          <a:custGeom>
-            <a:rect b="b" l="l" r="r" t="t"/>
-            <a:pathLst>
-              <a:path extrusionOk="0" h="120000" w="120000">
-                <a:moveTo>
-                  <a:pt x="0" y="0"/>
-                </a:moveTo>
-                <a:lnTo>
-                  <a:pt x="120000" y="0"/>
-                </a:lnTo>
-                <a:lnTo>
-                  <a:pt x="120000" y="120000"/>
-                </a:lnTo>
-                <a:lnTo>
-                  <a:pt x="0" y="120000"/>
-                </a:lnTo>
-                <a:close/>
-              </a:path>
-            </a:pathLst>
-          </a:custGeom>
-        </p:spPr>
-      </p:sp>
-      <p:sp>
-        <p:nvSpPr>
-          <p:cNvPr id="84" name="Google Shape;84;g9f0f4aeee7_0_422:notes"/>
-          <p:cNvSpPr txBox="1"/>
-          <p:nvPr>
-            <p:ph idx="1" type="body"/>
-          </p:nvPr>
-        </p:nvSpPr>
-        <p:spPr>
-          <a:xfrm>
-            <a:off x="685800" y="4343400"/>
-            <a:ext cx="5486400" cy="4114800"/>
-          </a:xfrm>
-          <a:prstGeom prst="rect">
-            <a:avLst/>
-          </a:prstGeom>
-        </p:spPr>
-        <p:txBody>
-          <a:bodyPr anchorCtr="0" anchor="t" bIns="91425" lIns="91425" spcFirstLastPara="1" rIns="91425" wrap="square" tIns="91425">
-            <a:noAutofit/>
-          </a:bodyPr>
-          <a:lstStyle/>
-          <a:p>
-            <a:pPr indent="0" lvl="0" marL="0" rtl="0" algn="l">
-              <a:spcBef>
-                <a:spcPts val="0"/>
-              </a:spcBef>
-              <a:spcAft>
-                <a:spcPts val="0"/>
-              </a:spcAft>
-              <a:buNone/>
-            </a:pPr>
-            <a:r>
-              <a:t/>
-            </a:r>
-            <a:endParaRPr/>
-          </a:p>
-        </p:txBody>
-      </p:sp>
-    </p:spTree>
-  </p:cSld>
-  <p:clrMapOvr>
-    <a:masterClrMapping/>
-  </p:clrMapOvr>
-</p:notes>
-</file>
-
-<file path=ppt/notesSlides/notesSlide6.xml><?xml version="1.0" encoding="utf-8"?>
-<p:notes xmlns:a="http://schemas.openxmlformats.org/drawingml/2006/main" xmlns:r="http://schemas.openxmlformats.org/officeDocument/2006/relationships" xmlns:mc="http://schemas.openxmlformats.org/markup-compatibility/2006" xmlns:mv="urn:schemas-microsoft-com:mac:vml" xmlns:p="http://schemas.openxmlformats.org/presentationml/2006/main" xmlns:c="http://schemas.openxmlformats.org/drawingml/2006/chart" xmlns:dgm="http://schemas.openxmlformats.org/drawingml/2006/diagram" xmlns:o="urn:schemas-microsoft-com:office:office" xmlns:v="urn:schemas-microsoft-com:vml" xmlns:pvml="urn:schemas-microsoft-com:office:powerpoint" xmlns:com="http://schemas.openxmlformats.org/drawingml/2006/compatibility" xmlns:p14="http://schemas.microsoft.com/office/powerpoint/2010/main" xmlns:p15="http://schemas.microsoft.com/office/powerpoint/2012/main" xmlns:ahyp="http://schemas.microsoft.com/office/drawing/2018/hyperlinkcolor" showMasterPhAnim="0" showMasterSp="0">
-  <p:cSld>
-    <p:spTree>
-      <p:nvGrpSpPr>
-        <p:cNvPr id="88" name="Shape 88"/>
-        <p:cNvGrpSpPr/>
-        <p:nvPr/>
-      </p:nvGrpSpPr>
-      <p:grpSpPr>
-        <a:xfrm>
-          <a:off x="0" y="0"/>
-          <a:ext cx="0" cy="0"/>
-          <a:chOff x="0" y="0"/>
-          <a:chExt cx="0" cy="0"/>
-        </a:xfrm>
-      </p:grpSpPr>
-      <p:sp>
-        <p:nvSpPr>
-          <p:cNvPr id="89" name="Google Shape;89;g9f0f4aeee7_0_427:notes"/>
-          <p:cNvSpPr/>
-          <p:nvPr>
-            <p:ph idx="2" type="sldImg"/>
-          </p:nvPr>
-        </p:nvSpPr>
-        <p:spPr>
-          <a:xfrm>
-            <a:off x="381300" y="685800"/>
-            <a:ext cx="6096000" cy="3429000"/>
-          </a:xfrm>
-          <a:custGeom>
-            <a:rect b="b" l="l" r="r" t="t"/>
-            <a:pathLst>
-              <a:path extrusionOk="0" h="120000" w="120000">
-                <a:moveTo>
-                  <a:pt x="0" y="0"/>
-                </a:moveTo>
-                <a:lnTo>
-                  <a:pt x="120000" y="0"/>
-                </a:lnTo>
-                <a:lnTo>
-                  <a:pt x="120000" y="120000"/>
-                </a:lnTo>
-                <a:lnTo>
-                  <a:pt x="0" y="120000"/>
-                </a:lnTo>
-                <a:close/>
-              </a:path>
-            </a:pathLst>
-          </a:custGeom>
-        </p:spPr>
-      </p:sp>
-      <p:sp>
-        <p:nvSpPr>
-          <p:cNvPr id="90" name="Google Shape;90;g9f0f4aeee7_0_427:notes"/>
-          <p:cNvSpPr txBox="1"/>
-          <p:nvPr>
-            <p:ph idx="1" type="body"/>
-          </p:nvPr>
-        </p:nvSpPr>
-        <p:spPr>
-          <a:xfrm>
-            <a:off x="685800" y="4343400"/>
-            <a:ext cx="5486400" cy="4114800"/>
-          </a:xfrm>
-          <a:prstGeom prst="rect">
-            <a:avLst/>
-          </a:prstGeom>
-        </p:spPr>
-        <p:txBody>
-          <a:bodyPr anchorCtr="0" anchor="t" bIns="91425" lIns="91425" spcFirstLastPara="1" rIns="91425" wrap="square" tIns="91425">
-            <a:noAutofit/>
-          </a:bodyPr>
-          <a:lstStyle/>
-          <a:p>
-            <a:pPr indent="0" lvl="0" marL="0" rtl="0" algn="l">
-              <a:spcBef>
-                <a:spcPts val="0"/>
-              </a:spcBef>
-              <a:spcAft>
-                <a:spcPts val="0"/>
-              </a:spcAft>
-              <a:buNone/>
-            </a:pPr>
-            <a:r>
-              <a:t/>
-            </a:r>
-            <a:endParaRPr/>
-          </a:p>
-        </p:txBody>
-      </p:sp>
-    </p:spTree>
-  </p:cSld>
-  <p:clrMapOvr>
-    <a:masterClrMapping/>
-  </p:clrMapOvr>
-</p:notes>
-</file>
-
-<file path=ppt/notesSlides/notesSlide7.xml><?xml version="1.0" encoding="utf-8"?>
-<p:notes xmlns:a="http://schemas.openxmlformats.org/drawingml/2006/main" xmlns:r="http://schemas.openxmlformats.org/officeDocument/2006/relationships" xmlns:mc="http://schemas.openxmlformats.org/markup-compatibility/2006" xmlns:mv="urn:schemas-microsoft-com:mac:vml" xmlns:p="http://schemas.openxmlformats.org/presentationml/2006/main" xmlns:c="http://schemas.openxmlformats.org/drawingml/2006/chart" xmlns:dgm="http://schemas.openxmlformats.org/drawingml/2006/diagram" xmlns:o="urn:schemas-microsoft-com:office:office" xmlns:v="urn:schemas-microsoft-com:vml" xmlns:pvml="urn:schemas-microsoft-com:office:powerpoint" xmlns:com="http://schemas.openxmlformats.org/drawingml/2006/compatibility" xmlns:p14="http://schemas.microsoft.com/office/powerpoint/2010/main" xmlns:p15="http://schemas.microsoft.com/office/powerpoint/2012/main" xmlns:ahyp="http://schemas.microsoft.com/office/drawing/2018/hyperlinkcolor" showMasterPhAnim="0" showMasterSp="0">
+<p:notes xmlns:a="http://schemas.openxmlformats.org/drawingml/2006/main" xmlns:r="http://schemas.openxmlformats.org/officeDocument/2006/relationships" xmlns:p="http://schemas.openxmlformats.org/presentationml/2006/main" showMasterPhAnim="0" showMasterSp="0">
   <p:cSld>
     <p:spTree>
       <p:nvGrpSpPr>
@@ -1326,7 +817,7 @@
           <p:cNvPr id="95" name="Google Shape;95;g9f0f4aeee7_0_45:notes"/>
           <p:cNvSpPr/>
           <p:nvPr>
-            <p:ph idx="2" type="sldImg"/>
+            <p:ph type="sldImg" idx="2"/>
           </p:nvPr>
         </p:nvSpPr>
         <p:spPr>
@@ -1335,9 +826,13 @@
             <a:ext cx="6096000" cy="3429000"/>
           </a:xfrm>
           <a:custGeom>
-            <a:rect b="b" l="l" r="r" t="t"/>
+            <a:avLst/>
+            <a:gdLst/>
+            <a:ahLst/>
+            <a:cxnLst/>
+            <a:rect l="l" t="t" r="r" b="b"/>
             <a:pathLst>
-              <a:path extrusionOk="0" h="120000" w="120000">
+              <a:path w="120000" h="120000" extrusionOk="0">
                 <a:moveTo>
                   <a:pt x="0" y="0"/>
                 </a:moveTo>
@@ -1361,7 +856,7 @@
           <p:cNvPr id="96" name="Google Shape;96;g9f0f4aeee7_0_45:notes"/>
           <p:cNvSpPr txBox="1"/>
           <p:nvPr>
-            <p:ph idx="1" type="body"/>
+            <p:ph type="body" idx="1"/>
           </p:nvPr>
         </p:nvSpPr>
         <p:spPr>
@@ -1374,12 +869,12 @@
           </a:prstGeom>
         </p:spPr>
         <p:txBody>
-          <a:bodyPr anchorCtr="0" anchor="t" bIns="91425" lIns="91425" spcFirstLastPara="1" rIns="91425" wrap="square" tIns="91425">
+          <a:bodyPr spcFirstLastPara="1" wrap="square" lIns="91425" tIns="91425" rIns="91425" bIns="91425" anchor="t" anchorCtr="0">
             <a:noAutofit/>
           </a:bodyPr>
           <a:lstStyle/>
           <a:p>
-            <a:pPr indent="0" lvl="0" marL="0" rtl="0" algn="l">
+            <a:pPr marL="0" lvl="0" indent="0" algn="l" rtl="0">
               <a:spcBef>
                 <a:spcPts val="0"/>
               </a:spcBef>
@@ -1388,10 +883,6 @@
               </a:spcAft>
               <a:buNone/>
             </a:pPr>
-            <a:r>
-              <a:t/>
-            </a:r>
-            <a:endParaRPr/>
           </a:p>
         </p:txBody>
       </p:sp>
@@ -1403,8 +894,8 @@
 </p:notes>
 </file>
 
-<file path=ppt/notesSlides/notesSlide8.xml><?xml version="1.0" encoding="utf-8"?>
-<p:notes xmlns:a="http://schemas.openxmlformats.org/drawingml/2006/main" xmlns:r="http://schemas.openxmlformats.org/officeDocument/2006/relationships" xmlns:mc="http://schemas.openxmlformats.org/markup-compatibility/2006" xmlns:mv="urn:schemas-microsoft-com:mac:vml" xmlns:p="http://schemas.openxmlformats.org/presentationml/2006/main" xmlns:c="http://schemas.openxmlformats.org/drawingml/2006/chart" xmlns:dgm="http://schemas.openxmlformats.org/drawingml/2006/diagram" xmlns:o="urn:schemas-microsoft-com:office:office" xmlns:v="urn:schemas-microsoft-com:vml" xmlns:pvml="urn:schemas-microsoft-com:office:powerpoint" xmlns:com="http://schemas.openxmlformats.org/drawingml/2006/compatibility" xmlns:p14="http://schemas.microsoft.com/office/powerpoint/2010/main" xmlns:p15="http://schemas.microsoft.com/office/powerpoint/2012/main" xmlns:ahyp="http://schemas.microsoft.com/office/drawing/2018/hyperlinkcolor" showMasterPhAnim="0" showMasterSp="0">
+<file path=ppt/notesSlides/notesSlide3.xml><?xml version="1.0" encoding="utf-8"?>
+<p:notes xmlns:a="http://schemas.openxmlformats.org/drawingml/2006/main" xmlns:r="http://schemas.openxmlformats.org/officeDocument/2006/relationships" xmlns:p="http://schemas.openxmlformats.org/presentationml/2006/main" showMasterPhAnim="0" showMasterSp="0">
   <p:cSld>
     <p:spTree>
       <p:nvGrpSpPr>
@@ -1425,7 +916,7 @@
           <p:cNvPr id="101" name="Google Shape;101;g9f0f4aeee7_0_50:notes"/>
           <p:cNvSpPr/>
           <p:nvPr>
-            <p:ph idx="2" type="sldImg"/>
+            <p:ph type="sldImg" idx="2"/>
           </p:nvPr>
         </p:nvSpPr>
         <p:spPr>
@@ -1434,9 +925,13 @@
             <a:ext cx="6096000" cy="3429000"/>
           </a:xfrm>
           <a:custGeom>
-            <a:rect b="b" l="l" r="r" t="t"/>
+            <a:avLst/>
+            <a:gdLst/>
+            <a:ahLst/>
+            <a:cxnLst/>
+            <a:rect l="l" t="t" r="r" b="b"/>
             <a:pathLst>
-              <a:path extrusionOk="0" h="120000" w="120000">
+              <a:path w="120000" h="120000" extrusionOk="0">
                 <a:moveTo>
                   <a:pt x="0" y="0"/>
                 </a:moveTo>
@@ -1460,7 +955,7 @@
           <p:cNvPr id="102" name="Google Shape;102;g9f0f4aeee7_0_50:notes"/>
           <p:cNvSpPr txBox="1"/>
           <p:nvPr>
-            <p:ph idx="1" type="body"/>
+            <p:ph type="body" idx="1"/>
           </p:nvPr>
         </p:nvSpPr>
         <p:spPr>
@@ -1473,12 +968,12 @@
           </a:prstGeom>
         </p:spPr>
         <p:txBody>
-          <a:bodyPr anchorCtr="0" anchor="t" bIns="91425" lIns="91425" spcFirstLastPara="1" rIns="91425" wrap="square" tIns="91425">
+          <a:bodyPr spcFirstLastPara="1" wrap="square" lIns="91425" tIns="91425" rIns="91425" bIns="91425" anchor="t" anchorCtr="0">
             <a:noAutofit/>
           </a:bodyPr>
           <a:lstStyle/>
           <a:p>
-            <a:pPr indent="0" lvl="0" marL="0" rtl="0" algn="l">
+            <a:pPr marL="0" lvl="0" indent="0" algn="l" rtl="0">
               <a:spcBef>
                 <a:spcPts val="0"/>
               </a:spcBef>
@@ -1487,10 +982,6 @@
               </a:spcAft>
               <a:buNone/>
             </a:pPr>
-            <a:r>
-              <a:t/>
-            </a:r>
-            <a:endParaRPr/>
           </a:p>
         </p:txBody>
       </p:sp>
@@ -1502,8 +993,8 @@
 </p:notes>
 </file>
 
-<file path=ppt/notesSlides/notesSlide9.xml><?xml version="1.0" encoding="utf-8"?>
-<p:notes xmlns:a="http://schemas.openxmlformats.org/drawingml/2006/main" xmlns:r="http://schemas.openxmlformats.org/officeDocument/2006/relationships" xmlns:mc="http://schemas.openxmlformats.org/markup-compatibility/2006" xmlns:mv="urn:schemas-microsoft-com:mac:vml" xmlns:p="http://schemas.openxmlformats.org/presentationml/2006/main" xmlns:c="http://schemas.openxmlformats.org/drawingml/2006/chart" xmlns:dgm="http://schemas.openxmlformats.org/drawingml/2006/diagram" xmlns:o="urn:schemas-microsoft-com:office:office" xmlns:v="urn:schemas-microsoft-com:vml" xmlns:pvml="urn:schemas-microsoft-com:office:powerpoint" xmlns:com="http://schemas.openxmlformats.org/drawingml/2006/compatibility" xmlns:p14="http://schemas.microsoft.com/office/powerpoint/2010/main" xmlns:p15="http://schemas.microsoft.com/office/powerpoint/2012/main" xmlns:ahyp="http://schemas.microsoft.com/office/drawing/2018/hyperlinkcolor" showMasterPhAnim="0" showMasterSp="0">
+<file path=ppt/notesSlides/notesSlide4.xml><?xml version="1.0" encoding="utf-8"?>
+<p:notes xmlns:a="http://schemas.openxmlformats.org/drawingml/2006/main" xmlns:r="http://schemas.openxmlformats.org/officeDocument/2006/relationships" xmlns:p="http://schemas.openxmlformats.org/presentationml/2006/main" showMasterPhAnim="0" showMasterSp="0">
   <p:cSld>
     <p:spTree>
       <p:nvGrpSpPr>
@@ -1524,7 +1015,7 @@
           <p:cNvPr id="107" name="Google Shape;107;g9f0f4aeee7_0_55:notes"/>
           <p:cNvSpPr/>
           <p:nvPr>
-            <p:ph idx="2" type="sldImg"/>
+            <p:ph type="sldImg" idx="2"/>
           </p:nvPr>
         </p:nvSpPr>
         <p:spPr>
@@ -1533,9 +1024,13 @@
             <a:ext cx="6096000" cy="3429000"/>
           </a:xfrm>
           <a:custGeom>
-            <a:rect b="b" l="l" r="r" t="t"/>
+            <a:avLst/>
+            <a:gdLst/>
+            <a:ahLst/>
+            <a:cxnLst/>
+            <a:rect l="l" t="t" r="r" b="b"/>
             <a:pathLst>
-              <a:path extrusionOk="0" h="120000" w="120000">
+              <a:path w="120000" h="120000" extrusionOk="0">
                 <a:moveTo>
                   <a:pt x="0" y="0"/>
                 </a:moveTo>
@@ -1559,7 +1054,7 @@
           <p:cNvPr id="108" name="Google Shape;108;g9f0f4aeee7_0_55:notes"/>
           <p:cNvSpPr txBox="1"/>
           <p:nvPr>
-            <p:ph idx="1" type="body"/>
+            <p:ph type="body" idx="1"/>
           </p:nvPr>
         </p:nvSpPr>
         <p:spPr>
@@ -1572,12 +1067,12 @@
           </a:prstGeom>
         </p:spPr>
         <p:txBody>
-          <a:bodyPr anchorCtr="0" anchor="t" bIns="91425" lIns="91425" spcFirstLastPara="1" rIns="91425" wrap="square" tIns="91425">
+          <a:bodyPr spcFirstLastPara="1" wrap="square" lIns="91425" tIns="91425" rIns="91425" bIns="91425" anchor="t" anchorCtr="0">
             <a:noAutofit/>
           </a:bodyPr>
           <a:lstStyle/>
           <a:p>
-            <a:pPr indent="0" lvl="0" marL="0" rtl="0" algn="l">
+            <a:pPr marL="0" lvl="0" indent="0" algn="l" rtl="0">
               <a:spcBef>
                 <a:spcPts val="0"/>
               </a:spcBef>
@@ -1586,10 +1081,6 @@
               </a:spcAft>
               <a:buNone/>
             </a:pPr>
-            <a:r>
-              <a:t/>
-            </a:r>
-            <a:endParaRPr/>
           </a:p>
         </p:txBody>
       </p:sp>
@@ -1602,7 +1093,7 @@
 </file>
 
 <file path=ppt/slideLayouts/slideLayout1.xml><?xml version="1.0" encoding="utf-8"?>
-<p:sldLayout xmlns:a="http://schemas.openxmlformats.org/drawingml/2006/main" xmlns:r="http://schemas.openxmlformats.org/officeDocument/2006/relationships" xmlns:mc="http://schemas.openxmlformats.org/markup-compatibility/2006" xmlns:mv="urn:schemas-microsoft-com:mac:vml" xmlns:p="http://schemas.openxmlformats.org/presentationml/2006/main" xmlns:c="http://schemas.openxmlformats.org/drawingml/2006/chart" xmlns:dgm="http://schemas.openxmlformats.org/drawingml/2006/diagram" xmlns:o="urn:schemas-microsoft-com:office:office" xmlns:v="urn:schemas-microsoft-com:vml" xmlns:pvml="urn:schemas-microsoft-com:office:powerpoint" xmlns:com="http://schemas.openxmlformats.org/drawingml/2006/compatibility" xmlns:p14="http://schemas.microsoft.com/office/powerpoint/2010/main" xmlns:p15="http://schemas.microsoft.com/office/powerpoint/2012/main" xmlns:ahyp="http://schemas.microsoft.com/office/drawing/2018/hyperlinkcolor" matchingName="Title slide" type="title">
+<p:sldLayout xmlns:a="http://schemas.openxmlformats.org/drawingml/2006/main" xmlns:r="http://schemas.openxmlformats.org/officeDocument/2006/relationships" xmlns:p="http://schemas.openxmlformats.org/presentationml/2006/main" type="title" matchingName="Title slide">
   <p:cSld name="TITLE">
     <p:spTree>
       <p:nvGrpSpPr>
@@ -1630,9 +1121,13 @@
             <a:ext cx="1081625" cy="1124950"/>
           </a:xfrm>
           <a:custGeom>
-            <a:rect b="b" l="l" r="r" t="t"/>
+            <a:avLst/>
+            <a:gdLst/>
+            <a:ahLst/>
+            <a:cxnLst/>
+            <a:rect l="l" t="t" r="r" b="b"/>
             <a:pathLst>
-              <a:path extrusionOk="0" h="44998" w="43265">
+              <a:path w="43265" h="44998" extrusionOk="0">
                 <a:moveTo>
                   <a:pt x="0" y="44998"/>
                 </a:moveTo>
@@ -1646,14 +1141,14 @@
             </a:pathLst>
           </a:custGeom>
           <a:noFill/>
-          <a:ln cap="flat" cmpd="sng" w="28575">
+          <a:ln w="28575" cap="flat" cmpd="sng">
             <a:solidFill>
               <a:schemeClr val="lt2"/>
             </a:solidFill>
             <a:prstDash val="solid"/>
             <a:miter lim="8000"/>
-            <a:headEnd len="sm" w="sm" type="none"/>
-            <a:tailEnd len="sm" w="sm" type="none"/>
+            <a:headEnd type="none" w="sm" len="sm"/>
+            <a:tailEnd type="none" w="sm" len="sm"/>
           </a:ln>
         </p:spPr>
       </p:sp>
@@ -1669,9 +1164,13 @@
             <a:ext cx="1081625" cy="1124950"/>
           </a:xfrm>
           <a:custGeom>
-            <a:rect b="b" l="l" r="r" t="t"/>
+            <a:avLst/>
+            <a:gdLst/>
+            <a:ahLst/>
+            <a:cxnLst/>
+            <a:rect l="l" t="t" r="r" b="b"/>
             <a:pathLst>
-              <a:path extrusionOk="0" h="44998" w="43265">
+              <a:path w="43265" h="44998" extrusionOk="0">
                 <a:moveTo>
                   <a:pt x="0" y="44998"/>
                 </a:moveTo>
@@ -1685,14 +1184,14 @@
             </a:pathLst>
           </a:custGeom>
           <a:noFill/>
-          <a:ln cap="flat" cmpd="sng" w="28575">
+          <a:ln w="28575" cap="flat" cmpd="sng">
             <a:solidFill>
               <a:schemeClr val="lt2"/>
             </a:solidFill>
             <a:prstDash val="solid"/>
             <a:miter lim="8000"/>
-            <a:headEnd len="sm" w="sm" type="none"/>
-            <a:tailEnd len="sm" w="sm" type="none"/>
+            <a:headEnd type="none" w="sm" len="sm"/>
+            <a:tailEnd type="none" w="sm" len="sm"/>
           </a:ln>
         </p:spPr>
       </p:sp>
@@ -1714,7 +1213,7 @@
           </a:prstGeom>
         </p:spPr>
         <p:txBody>
-          <a:bodyPr anchorCtr="0" anchor="b" bIns="91425" lIns="91425" spcFirstLastPara="1" rIns="91425" wrap="square" tIns="91425">
+          <a:bodyPr spcFirstLastPara="1" wrap="square" lIns="91425" tIns="91425" rIns="91425" bIns="91425" anchor="b" anchorCtr="0">
             <a:noAutofit/>
           </a:bodyPr>
           <a:lstStyle>
@@ -1826,7 +1325,7 @@
           <p:cNvPr id="13" name="Google Shape;13;p2"/>
           <p:cNvSpPr txBox="1"/>
           <p:nvPr>
-            <p:ph idx="1" type="subTitle"/>
+            <p:ph type="subTitle" idx="1"/>
           </p:nvPr>
         </p:nvSpPr>
         <p:spPr>
@@ -1839,7 +1338,7 @@
           </a:prstGeom>
         </p:spPr>
         <p:txBody>
-          <a:bodyPr anchorCtr="0" anchor="t" bIns="91425" lIns="91425" spcFirstLastPara="1" rIns="91425" wrap="square" tIns="91425">
+          <a:bodyPr spcFirstLastPara="1" wrap="square" lIns="91425" tIns="91425" rIns="91425" bIns="91425" anchor="t" anchorCtr="0">
             <a:noAutofit/>
           </a:bodyPr>
           <a:lstStyle>
@@ -1854,13 +1353,13 @@
                 <a:spcPts val="0"/>
               </a:spcAft>
               <a:buSzPts val="2100"/>
-              <a:buFont typeface="Economica"/>
+              <a:buFont typeface="Economica" panose="02000506040000020004"/>
               <a:buNone/>
               <a:defRPr sz="2100">
-                <a:latin typeface="Economica"/>
-                <a:ea typeface="Economica"/>
-                <a:cs typeface="Economica"/>
-                <a:sym typeface="Economica"/>
+                <a:latin typeface="Economica" panose="02000506040000020004"/>
+                <a:ea typeface="Economica" panose="02000506040000020004"/>
+                <a:cs typeface="Economica" panose="02000506040000020004"/>
+                <a:sym typeface="Economica" panose="02000506040000020004"/>
               </a:defRPr>
             </a:lvl1pPr>
             <a:lvl2pPr lvl="1" algn="ctr">
@@ -1874,13 +1373,13 @@
                 <a:spcPts val="0"/>
               </a:spcAft>
               <a:buSzPts val="2100"/>
-              <a:buFont typeface="Economica"/>
+              <a:buFont typeface="Economica" panose="02000506040000020004"/>
               <a:buNone/>
               <a:defRPr sz="2100">
-                <a:latin typeface="Economica"/>
-                <a:ea typeface="Economica"/>
-                <a:cs typeface="Economica"/>
-                <a:sym typeface="Economica"/>
+                <a:latin typeface="Economica" panose="02000506040000020004"/>
+                <a:ea typeface="Economica" panose="02000506040000020004"/>
+                <a:cs typeface="Economica" panose="02000506040000020004"/>
+                <a:sym typeface="Economica" panose="02000506040000020004"/>
               </a:defRPr>
             </a:lvl2pPr>
             <a:lvl3pPr lvl="2" algn="ctr">
@@ -1894,13 +1393,13 @@
                 <a:spcPts val="0"/>
               </a:spcAft>
               <a:buSzPts val="2100"/>
-              <a:buFont typeface="Economica"/>
+              <a:buFont typeface="Economica" panose="02000506040000020004"/>
               <a:buNone/>
               <a:defRPr sz="2100">
-                <a:latin typeface="Economica"/>
-                <a:ea typeface="Economica"/>
-                <a:cs typeface="Economica"/>
-                <a:sym typeface="Economica"/>
+                <a:latin typeface="Economica" panose="02000506040000020004"/>
+                <a:ea typeface="Economica" panose="02000506040000020004"/>
+                <a:cs typeface="Economica" panose="02000506040000020004"/>
+                <a:sym typeface="Economica" panose="02000506040000020004"/>
               </a:defRPr>
             </a:lvl3pPr>
             <a:lvl4pPr lvl="3" algn="ctr">
@@ -1914,13 +1413,13 @@
                 <a:spcPts val="0"/>
               </a:spcAft>
               <a:buSzPts val="2100"/>
-              <a:buFont typeface="Economica"/>
+              <a:buFont typeface="Economica" panose="02000506040000020004"/>
               <a:buNone/>
               <a:defRPr sz="2100">
-                <a:latin typeface="Economica"/>
-                <a:ea typeface="Economica"/>
-                <a:cs typeface="Economica"/>
-                <a:sym typeface="Economica"/>
+                <a:latin typeface="Economica" panose="02000506040000020004"/>
+                <a:ea typeface="Economica" panose="02000506040000020004"/>
+                <a:cs typeface="Economica" panose="02000506040000020004"/>
+                <a:sym typeface="Economica" panose="02000506040000020004"/>
               </a:defRPr>
             </a:lvl4pPr>
             <a:lvl5pPr lvl="4" algn="ctr">
@@ -1934,13 +1433,13 @@
                 <a:spcPts val="0"/>
               </a:spcAft>
               <a:buSzPts val="2100"/>
-              <a:buFont typeface="Economica"/>
+              <a:buFont typeface="Economica" panose="02000506040000020004"/>
               <a:buNone/>
               <a:defRPr sz="2100">
-                <a:latin typeface="Economica"/>
-                <a:ea typeface="Economica"/>
-                <a:cs typeface="Economica"/>
-                <a:sym typeface="Economica"/>
+                <a:latin typeface="Economica" panose="02000506040000020004"/>
+                <a:ea typeface="Economica" panose="02000506040000020004"/>
+                <a:cs typeface="Economica" panose="02000506040000020004"/>
+                <a:sym typeface="Economica" panose="02000506040000020004"/>
               </a:defRPr>
             </a:lvl5pPr>
             <a:lvl6pPr lvl="5" algn="ctr">
@@ -1954,13 +1453,13 @@
                 <a:spcPts val="0"/>
               </a:spcAft>
               <a:buSzPts val="2100"/>
-              <a:buFont typeface="Economica"/>
+              <a:buFont typeface="Economica" panose="02000506040000020004"/>
               <a:buNone/>
               <a:defRPr sz="2100">
-                <a:latin typeface="Economica"/>
-                <a:ea typeface="Economica"/>
-                <a:cs typeface="Economica"/>
-                <a:sym typeface="Economica"/>
+                <a:latin typeface="Economica" panose="02000506040000020004"/>
+                <a:ea typeface="Economica" panose="02000506040000020004"/>
+                <a:cs typeface="Economica" panose="02000506040000020004"/>
+                <a:sym typeface="Economica" panose="02000506040000020004"/>
               </a:defRPr>
             </a:lvl6pPr>
             <a:lvl7pPr lvl="6" algn="ctr">
@@ -1974,13 +1473,13 @@
                 <a:spcPts val="0"/>
               </a:spcAft>
               <a:buSzPts val="2100"/>
-              <a:buFont typeface="Economica"/>
+              <a:buFont typeface="Economica" panose="02000506040000020004"/>
               <a:buNone/>
               <a:defRPr sz="2100">
-                <a:latin typeface="Economica"/>
-                <a:ea typeface="Economica"/>
-                <a:cs typeface="Economica"/>
-                <a:sym typeface="Economica"/>
+                <a:latin typeface="Economica" panose="02000506040000020004"/>
+                <a:ea typeface="Economica" panose="02000506040000020004"/>
+                <a:cs typeface="Economica" panose="02000506040000020004"/>
+                <a:sym typeface="Economica" panose="02000506040000020004"/>
               </a:defRPr>
             </a:lvl7pPr>
             <a:lvl8pPr lvl="7" algn="ctr">
@@ -1994,13 +1493,13 @@
                 <a:spcPts val="0"/>
               </a:spcAft>
               <a:buSzPts val="2100"/>
-              <a:buFont typeface="Economica"/>
+              <a:buFont typeface="Economica" panose="02000506040000020004"/>
               <a:buNone/>
               <a:defRPr sz="2100">
-                <a:latin typeface="Economica"/>
-                <a:ea typeface="Economica"/>
-                <a:cs typeface="Economica"/>
-                <a:sym typeface="Economica"/>
+                <a:latin typeface="Economica" panose="02000506040000020004"/>
+                <a:ea typeface="Economica" panose="02000506040000020004"/>
+                <a:cs typeface="Economica" panose="02000506040000020004"/>
+                <a:sym typeface="Economica" panose="02000506040000020004"/>
               </a:defRPr>
             </a:lvl8pPr>
             <a:lvl9pPr lvl="8" algn="ctr">
@@ -2014,13 +1513,13 @@
                 <a:spcPts val="0"/>
               </a:spcAft>
               <a:buSzPts val="2100"/>
-              <a:buFont typeface="Economica"/>
+              <a:buFont typeface="Economica" panose="02000506040000020004"/>
               <a:buNone/>
               <a:defRPr sz="2100">
-                <a:latin typeface="Economica"/>
-                <a:ea typeface="Economica"/>
-                <a:cs typeface="Economica"/>
-                <a:sym typeface="Economica"/>
+                <a:latin typeface="Economica" panose="02000506040000020004"/>
+                <a:ea typeface="Economica" panose="02000506040000020004"/>
+                <a:cs typeface="Economica" panose="02000506040000020004"/>
+                <a:sym typeface="Economica" panose="02000506040000020004"/>
               </a:defRPr>
             </a:lvl9pPr>
           </a:lstStyle>
@@ -2032,7 +1531,7 @@
           <p:cNvPr id="14" name="Google Shape;14;p2"/>
           <p:cNvSpPr txBox="1"/>
           <p:nvPr>
-            <p:ph idx="12" type="sldNum"/>
+            <p:ph type="sldNum" idx="12"/>
           </p:nvPr>
         </p:nvSpPr>
         <p:spPr>
@@ -2045,7 +1544,7 @@
           </a:prstGeom>
         </p:spPr>
         <p:txBody>
-          <a:bodyPr anchorCtr="0" anchor="ctr" bIns="91425" lIns="91425" spcFirstLastPara="1" rIns="91425" wrap="square" tIns="91425">
+          <a:bodyPr spcFirstLastPara="1" wrap="square" lIns="91425" tIns="91425" rIns="91425" bIns="91425" anchor="ctr" anchorCtr="0">
             <a:noAutofit/>
           </a:bodyPr>
           <a:lstStyle>
@@ -2087,7 +1586,7 @@
             </a:lvl9pPr>
           </a:lstStyle>
           <a:p>
-            <a:pPr indent="0" lvl="0" marL="0" rtl="0" algn="r">
+            <a:pPr marL="0" lvl="0" indent="0" algn="r" rtl="0">
               <a:spcBef>
                 <a:spcPts val="0"/>
               </a:spcBef>
@@ -2097,10 +1596,9 @@
               <a:buNone/>
             </a:pPr>
             <a:fld id="{00000000-1234-1234-1234-123412341234}" type="slidenum">
-              <a:rPr lang="en"/>
-              <a:t>‹#›</a:t>
+              <a:rPr lang="en-GB"/>
             </a:fld>
-            <a:endParaRPr/>
+            <a:endParaRPr lang="en-GB"/>
           </a:p>
         </p:txBody>
       </p:sp>
@@ -2113,7 +1611,7 @@
 </file>
 
 <file path=ppt/slideLayouts/slideLayout10.xml><?xml version="1.0" encoding="utf-8"?>
-<p:sldLayout xmlns:a="http://schemas.openxmlformats.org/drawingml/2006/main" xmlns:r="http://schemas.openxmlformats.org/officeDocument/2006/relationships" xmlns:mc="http://schemas.openxmlformats.org/markup-compatibility/2006" xmlns:mv="urn:schemas-microsoft-com:mac:vml" xmlns:p="http://schemas.openxmlformats.org/presentationml/2006/main" xmlns:c="http://schemas.openxmlformats.org/drawingml/2006/chart" xmlns:dgm="http://schemas.openxmlformats.org/drawingml/2006/diagram" xmlns:o="urn:schemas-microsoft-com:office:office" xmlns:v="urn:schemas-microsoft-com:vml" xmlns:pvml="urn:schemas-microsoft-com:office:powerpoint" xmlns:com="http://schemas.openxmlformats.org/drawingml/2006/compatibility" xmlns:p14="http://schemas.microsoft.com/office/powerpoint/2010/main" xmlns:p15="http://schemas.microsoft.com/office/powerpoint/2012/main" xmlns:ahyp="http://schemas.microsoft.com/office/drawing/2018/hyperlinkcolor" matchingName="Big number">
+<p:sldLayout xmlns:a="http://schemas.openxmlformats.org/drawingml/2006/main" xmlns:r="http://schemas.openxmlformats.org/officeDocument/2006/relationships" xmlns:p="http://schemas.openxmlformats.org/presentationml/2006/main" matchingName="Big number">
   <p:cSld name="BIG_NUMBER">
     <p:spTree>
       <p:nvGrpSpPr>
@@ -2151,12 +1649,12 @@
           </a:ln>
         </p:spPr>
         <p:txBody>
-          <a:bodyPr anchorCtr="0" anchor="ctr" bIns="91425" lIns="91425" spcFirstLastPara="1" rIns="91425" wrap="square" tIns="91425">
+          <a:bodyPr spcFirstLastPara="1" wrap="square" lIns="91425" tIns="91425" rIns="91425" bIns="91425" anchor="ctr" anchorCtr="0">
             <a:noAutofit/>
           </a:bodyPr>
           <a:lstStyle/>
           <a:p>
-            <a:pPr indent="0" lvl="0" marL="0" rtl="0" algn="l">
+            <a:pPr marL="0" lvl="0" indent="0" algn="l" rtl="0">
               <a:spcBef>
                 <a:spcPts val="0"/>
               </a:spcBef>
@@ -2165,10 +1663,6 @@
               </a:spcAft>
               <a:buNone/>
             </a:pPr>
-            <a:r>
-              <a:t/>
-            </a:r>
-            <a:endParaRPr/>
           </a:p>
         </p:txBody>
       </p:sp>
@@ -2177,7 +1671,7 @@
           <p:cNvPr id="53" name="Google Shape;53;p11"/>
           <p:cNvSpPr txBox="1"/>
           <p:nvPr>
-            <p:ph hasCustomPrompt="1" type="title"/>
+            <p:ph type="title" hasCustomPrompt="1"/>
           </p:nvPr>
         </p:nvSpPr>
         <p:spPr>
@@ -2190,7 +1684,7 @@
           </a:prstGeom>
         </p:spPr>
         <p:txBody>
-          <a:bodyPr anchorCtr="0" anchor="ctr" bIns="91425" lIns="91425" spcFirstLastPara="1" rIns="91425" wrap="square" tIns="91425">
+          <a:bodyPr spcFirstLastPara="1" wrap="square" lIns="91425" tIns="91425" rIns="91425" bIns="91425" anchor="ctr" anchorCtr="0">
             <a:noAutofit/>
           </a:bodyPr>
           <a:lstStyle>
@@ -2369,7 +1863,7 @@
           <p:cNvPr id="54" name="Google Shape;54;p11"/>
           <p:cNvSpPr txBox="1"/>
           <p:nvPr>
-            <p:ph idx="1" type="body"/>
+            <p:ph type="body" idx="1"/>
           </p:nvPr>
         </p:nvSpPr>
         <p:spPr>
@@ -2382,11 +1876,11 @@
           </a:prstGeom>
         </p:spPr>
         <p:txBody>
-          <a:bodyPr anchorCtr="0" anchor="t" bIns="91425" lIns="91425" spcFirstLastPara="1" rIns="91425" wrap="square" tIns="91425">
+          <a:bodyPr spcFirstLastPara="1" wrap="square" lIns="91425" tIns="91425" rIns="91425" bIns="91425" anchor="t" anchorCtr="0">
             <a:noAutofit/>
           </a:bodyPr>
           <a:lstStyle>
-            <a:lvl1pPr indent="-342900" lvl="0" marL="457200" algn="ctr">
+            <a:lvl1pPr marL="457200" lvl="0" indent="-342900" algn="ctr">
               <a:spcBef>
                 <a:spcPts val="0"/>
               </a:spcBef>
@@ -2397,7 +1891,7 @@
               <a:buChar char="●"/>
               <a:defRPr/>
             </a:lvl1pPr>
-            <a:lvl2pPr indent="-317500" lvl="1" marL="914400" algn="ctr">
+            <a:lvl2pPr marL="914400" lvl="1" indent="-317500" algn="ctr">
               <a:spcBef>
                 <a:spcPts val="1600"/>
               </a:spcBef>
@@ -2408,7 +1902,7 @@
               <a:buChar char="○"/>
               <a:defRPr/>
             </a:lvl2pPr>
-            <a:lvl3pPr indent="-317500" lvl="2" marL="1371600" algn="ctr">
+            <a:lvl3pPr marL="1371600" lvl="2" indent="-317500" algn="ctr">
               <a:spcBef>
                 <a:spcPts val="1600"/>
               </a:spcBef>
@@ -2419,7 +1913,7 @@
               <a:buChar char="■"/>
               <a:defRPr/>
             </a:lvl3pPr>
-            <a:lvl4pPr indent="-317500" lvl="3" marL="1828800" algn="ctr">
+            <a:lvl4pPr marL="1828800" lvl="3" indent="-317500" algn="ctr">
               <a:spcBef>
                 <a:spcPts val="1600"/>
               </a:spcBef>
@@ -2430,7 +1924,7 @@
               <a:buChar char="●"/>
               <a:defRPr/>
             </a:lvl4pPr>
-            <a:lvl5pPr indent="-317500" lvl="4" marL="2286000" algn="ctr">
+            <a:lvl5pPr marL="2286000" lvl="4" indent="-317500" algn="ctr">
               <a:spcBef>
                 <a:spcPts val="1600"/>
               </a:spcBef>
@@ -2441,7 +1935,7 @@
               <a:buChar char="○"/>
               <a:defRPr/>
             </a:lvl5pPr>
-            <a:lvl6pPr indent="-317500" lvl="5" marL="2743200" algn="ctr">
+            <a:lvl6pPr marL="2743200" lvl="5" indent="-317500" algn="ctr">
               <a:spcBef>
                 <a:spcPts val="1600"/>
               </a:spcBef>
@@ -2452,7 +1946,7 @@
               <a:buChar char="■"/>
               <a:defRPr/>
             </a:lvl6pPr>
-            <a:lvl7pPr indent="-317500" lvl="6" marL="3200400" algn="ctr">
+            <a:lvl7pPr marL="3200400" lvl="6" indent="-317500" algn="ctr">
               <a:spcBef>
                 <a:spcPts val="1600"/>
               </a:spcBef>
@@ -2463,7 +1957,7 @@
               <a:buChar char="●"/>
               <a:defRPr/>
             </a:lvl7pPr>
-            <a:lvl8pPr indent="-317500" lvl="7" marL="3657600" algn="ctr">
+            <a:lvl8pPr marL="3657600" lvl="7" indent="-317500" algn="ctr">
               <a:spcBef>
                 <a:spcPts val="1600"/>
               </a:spcBef>
@@ -2474,7 +1968,7 @@
               <a:buChar char="○"/>
               <a:defRPr/>
             </a:lvl8pPr>
-            <a:lvl9pPr indent="-317500" lvl="8" marL="4114800" algn="ctr">
+            <a:lvl9pPr marL="4114800" lvl="8" indent="-317500" algn="ctr">
               <a:spcBef>
                 <a:spcPts val="1600"/>
               </a:spcBef>
@@ -2494,7 +1988,7 @@
           <p:cNvPr id="55" name="Google Shape;55;p11"/>
           <p:cNvSpPr txBox="1"/>
           <p:nvPr>
-            <p:ph idx="12" type="sldNum"/>
+            <p:ph type="sldNum" idx="12"/>
           </p:nvPr>
         </p:nvSpPr>
         <p:spPr>
@@ -2507,7 +2001,7 @@
           </a:prstGeom>
         </p:spPr>
         <p:txBody>
-          <a:bodyPr anchorCtr="0" anchor="ctr" bIns="91425" lIns="91425" spcFirstLastPara="1" rIns="91425" wrap="square" tIns="91425">
+          <a:bodyPr spcFirstLastPara="1" wrap="square" lIns="91425" tIns="91425" rIns="91425" bIns="91425" anchor="ctr" anchorCtr="0">
             <a:noAutofit/>
           </a:bodyPr>
           <a:lstStyle>
@@ -2549,7 +2043,7 @@
             </a:lvl9pPr>
           </a:lstStyle>
           <a:p>
-            <a:pPr indent="0" lvl="0" marL="0" rtl="0" algn="r">
+            <a:pPr marL="0" lvl="0" indent="0" algn="r" rtl="0">
               <a:spcBef>
                 <a:spcPts val="0"/>
               </a:spcBef>
@@ -2559,10 +2053,9 @@
               <a:buNone/>
             </a:pPr>
             <a:fld id="{00000000-1234-1234-1234-123412341234}" type="slidenum">
-              <a:rPr lang="en"/>
-              <a:t>‹#›</a:t>
+              <a:rPr lang="en-GB"/>
             </a:fld>
-            <a:endParaRPr/>
+            <a:endParaRPr lang="en-GB"/>
           </a:p>
         </p:txBody>
       </p:sp>
@@ -2575,7 +2068,7 @@
 </file>
 
 <file path=ppt/slideLayouts/slideLayout11.xml><?xml version="1.0" encoding="utf-8"?>
-<p:sldLayout xmlns:a="http://schemas.openxmlformats.org/drawingml/2006/main" xmlns:r="http://schemas.openxmlformats.org/officeDocument/2006/relationships" xmlns:mc="http://schemas.openxmlformats.org/markup-compatibility/2006" xmlns:mv="urn:schemas-microsoft-com:mac:vml" xmlns:p="http://schemas.openxmlformats.org/presentationml/2006/main" xmlns:c="http://schemas.openxmlformats.org/drawingml/2006/chart" xmlns:dgm="http://schemas.openxmlformats.org/drawingml/2006/diagram" xmlns:o="urn:schemas-microsoft-com:office:office" xmlns:v="urn:schemas-microsoft-com:vml" xmlns:pvml="urn:schemas-microsoft-com:office:powerpoint" xmlns:com="http://schemas.openxmlformats.org/drawingml/2006/compatibility" xmlns:p14="http://schemas.microsoft.com/office/powerpoint/2010/main" xmlns:p15="http://schemas.microsoft.com/office/powerpoint/2012/main" xmlns:ahyp="http://schemas.microsoft.com/office/drawing/2018/hyperlinkcolor" matchingName="Blank" type="blank">
+<p:sldLayout xmlns:a="http://schemas.openxmlformats.org/drawingml/2006/main" xmlns:r="http://schemas.openxmlformats.org/officeDocument/2006/relationships" xmlns:p="http://schemas.openxmlformats.org/presentationml/2006/main" type="blank" matchingName="Blank">
   <p:cSld name="BLANK">
     <p:spTree>
       <p:nvGrpSpPr>
@@ -2596,7 +2089,7 @@
           <p:cNvPr id="57" name="Google Shape;57;p12"/>
           <p:cNvSpPr txBox="1"/>
           <p:nvPr>
-            <p:ph idx="12" type="sldNum"/>
+            <p:ph type="sldNum" idx="12"/>
           </p:nvPr>
         </p:nvSpPr>
         <p:spPr>
@@ -2609,7 +2102,7 @@
           </a:prstGeom>
         </p:spPr>
         <p:txBody>
-          <a:bodyPr anchorCtr="0" anchor="ctr" bIns="91425" lIns="91425" spcFirstLastPara="1" rIns="91425" wrap="square" tIns="91425">
+          <a:bodyPr spcFirstLastPara="1" wrap="square" lIns="91425" tIns="91425" rIns="91425" bIns="91425" anchor="ctr" anchorCtr="0">
             <a:noAutofit/>
           </a:bodyPr>
           <a:lstStyle>
@@ -2651,7 +2144,7 @@
             </a:lvl9pPr>
           </a:lstStyle>
           <a:p>
-            <a:pPr indent="0" lvl="0" marL="0" rtl="0" algn="r">
+            <a:pPr marL="0" lvl="0" indent="0" algn="r" rtl="0">
               <a:spcBef>
                 <a:spcPts val="0"/>
               </a:spcBef>
@@ -2661,10 +2154,9 @@
               <a:buNone/>
             </a:pPr>
             <a:fld id="{00000000-1234-1234-1234-123412341234}" type="slidenum">
-              <a:rPr lang="en"/>
-              <a:t>‹#›</a:t>
+              <a:rPr lang="en-GB"/>
             </a:fld>
-            <a:endParaRPr/>
+            <a:endParaRPr lang="en-GB"/>
           </a:p>
         </p:txBody>
       </p:sp>
@@ -2677,7 +2169,7 @@
 </file>
 
 <file path=ppt/slideLayouts/slideLayout2.xml><?xml version="1.0" encoding="utf-8"?>
-<p:sldLayout xmlns:a="http://schemas.openxmlformats.org/drawingml/2006/main" xmlns:r="http://schemas.openxmlformats.org/officeDocument/2006/relationships" xmlns:mc="http://schemas.openxmlformats.org/markup-compatibility/2006" xmlns:mv="urn:schemas-microsoft-com:mac:vml" xmlns:p="http://schemas.openxmlformats.org/presentationml/2006/main" xmlns:c="http://schemas.openxmlformats.org/drawingml/2006/chart" xmlns:dgm="http://schemas.openxmlformats.org/drawingml/2006/diagram" xmlns:o="urn:schemas-microsoft-com:office:office" xmlns:v="urn:schemas-microsoft-com:vml" xmlns:pvml="urn:schemas-microsoft-com:office:powerpoint" xmlns:com="http://schemas.openxmlformats.org/drawingml/2006/compatibility" xmlns:p14="http://schemas.microsoft.com/office/powerpoint/2010/main" xmlns:p15="http://schemas.microsoft.com/office/powerpoint/2012/main" xmlns:ahyp="http://schemas.microsoft.com/office/drawing/2018/hyperlinkcolor" matchingName="Section header" type="secHead">
+<p:sldLayout xmlns:a="http://schemas.openxmlformats.org/drawingml/2006/main" xmlns:r="http://schemas.openxmlformats.org/officeDocument/2006/relationships" xmlns:p="http://schemas.openxmlformats.org/presentationml/2006/main" type="secHead" matchingName="Section header">
   <p:cSld name="SECTION_HEADER">
     <p:spTree>
       <p:nvGrpSpPr>
@@ -2705,9 +2197,13 @@
             <a:ext cx="1081625" cy="1124950"/>
           </a:xfrm>
           <a:custGeom>
-            <a:rect b="b" l="l" r="r" t="t"/>
+            <a:avLst/>
+            <a:gdLst/>
+            <a:ahLst/>
+            <a:cxnLst/>
+            <a:rect l="l" t="t" r="r" b="b"/>
             <a:pathLst>
-              <a:path extrusionOk="0" h="44998" w="43265">
+              <a:path w="43265" h="44998" extrusionOk="0">
                 <a:moveTo>
                   <a:pt x="0" y="44998"/>
                 </a:moveTo>
@@ -2721,14 +2217,14 @@
             </a:pathLst>
           </a:custGeom>
           <a:noFill/>
-          <a:ln cap="flat" cmpd="sng" w="28575">
+          <a:ln w="28575" cap="flat" cmpd="sng">
             <a:solidFill>
               <a:schemeClr val="lt2"/>
             </a:solidFill>
             <a:prstDash val="solid"/>
             <a:miter lim="8000"/>
-            <a:headEnd len="sm" w="sm" type="none"/>
-            <a:tailEnd len="sm" w="sm" type="none"/>
+            <a:headEnd type="none" w="sm" len="sm"/>
+            <a:tailEnd type="none" w="sm" len="sm"/>
           </a:ln>
         </p:spPr>
       </p:sp>
@@ -2739,14 +2235,18 @@
           <p:nvPr/>
         </p:nvSpPr>
         <p:spPr>
-          <a:xfrm flipH="1" rot="10800000">
+          <a:xfrm rot="10800000" flipH="1">
             <a:off x="466425" y="3558325"/>
             <a:ext cx="1081625" cy="1124950"/>
           </a:xfrm>
           <a:custGeom>
-            <a:rect b="b" l="l" r="r" t="t"/>
+            <a:avLst/>
+            <a:gdLst/>
+            <a:ahLst/>
+            <a:cxnLst/>
+            <a:rect l="l" t="t" r="r" b="b"/>
             <a:pathLst>
-              <a:path extrusionOk="0" h="44998" w="43265">
+              <a:path w="43265" h="44998" extrusionOk="0">
                 <a:moveTo>
                   <a:pt x="0" y="44998"/>
                 </a:moveTo>
@@ -2760,14 +2260,14 @@
             </a:pathLst>
           </a:custGeom>
           <a:noFill/>
-          <a:ln cap="flat" cmpd="sng" w="28575">
+          <a:ln w="28575" cap="flat" cmpd="sng">
             <a:solidFill>
               <a:schemeClr val="lt2"/>
             </a:solidFill>
             <a:prstDash val="solid"/>
             <a:miter lim="8000"/>
-            <a:headEnd len="sm" w="sm" type="none"/>
-            <a:tailEnd len="sm" w="sm" type="none"/>
+            <a:headEnd type="none" w="sm" len="sm"/>
+            <a:tailEnd type="none" w="sm" len="sm"/>
           </a:ln>
         </p:spPr>
       </p:sp>
@@ -2789,7 +2289,7 @@
           </a:prstGeom>
         </p:spPr>
         <p:txBody>
-          <a:bodyPr anchorCtr="0" anchor="ctr" bIns="91425" lIns="91425" spcFirstLastPara="1" rIns="91425" wrap="square" tIns="91425">
+          <a:bodyPr spcFirstLastPara="1" wrap="square" lIns="91425" tIns="91425" rIns="91425" bIns="91425" anchor="ctr" anchorCtr="0">
             <a:noAutofit/>
           </a:bodyPr>
           <a:lstStyle>
@@ -2901,7 +2401,7 @@
           <p:cNvPr id="19" name="Google Shape;19;p3"/>
           <p:cNvSpPr txBox="1"/>
           <p:nvPr>
-            <p:ph idx="12" type="sldNum"/>
+            <p:ph type="sldNum" idx="12"/>
           </p:nvPr>
         </p:nvSpPr>
         <p:spPr>
@@ -2914,7 +2414,7 @@
           </a:prstGeom>
         </p:spPr>
         <p:txBody>
-          <a:bodyPr anchorCtr="0" anchor="ctr" bIns="91425" lIns="91425" spcFirstLastPara="1" rIns="91425" wrap="square" tIns="91425">
+          <a:bodyPr spcFirstLastPara="1" wrap="square" lIns="91425" tIns="91425" rIns="91425" bIns="91425" anchor="ctr" anchorCtr="0">
             <a:noAutofit/>
           </a:bodyPr>
           <a:lstStyle>
@@ -2956,7 +2456,7 @@
             </a:lvl9pPr>
           </a:lstStyle>
           <a:p>
-            <a:pPr indent="0" lvl="0" marL="0" rtl="0" algn="r">
+            <a:pPr marL="0" lvl="0" indent="0" algn="r" rtl="0">
               <a:spcBef>
                 <a:spcPts val="0"/>
               </a:spcBef>
@@ -2966,10 +2466,9 @@
               <a:buNone/>
             </a:pPr>
             <a:fld id="{00000000-1234-1234-1234-123412341234}" type="slidenum">
-              <a:rPr lang="en"/>
-              <a:t>‹#›</a:t>
+              <a:rPr lang="en-GB"/>
             </a:fld>
-            <a:endParaRPr/>
+            <a:endParaRPr lang="en-GB"/>
           </a:p>
         </p:txBody>
       </p:sp>
@@ -2982,7 +2481,7 @@
 </file>
 
 <file path=ppt/slideLayouts/slideLayout3.xml><?xml version="1.0" encoding="utf-8"?>
-<p:sldLayout xmlns:a="http://schemas.openxmlformats.org/drawingml/2006/main" xmlns:r="http://schemas.openxmlformats.org/officeDocument/2006/relationships" xmlns:mc="http://schemas.openxmlformats.org/markup-compatibility/2006" xmlns:mv="urn:schemas-microsoft-com:mac:vml" xmlns:p="http://schemas.openxmlformats.org/presentationml/2006/main" xmlns:c="http://schemas.openxmlformats.org/drawingml/2006/chart" xmlns:dgm="http://schemas.openxmlformats.org/drawingml/2006/diagram" xmlns:o="urn:schemas-microsoft-com:office:office" xmlns:v="urn:schemas-microsoft-com:vml" xmlns:pvml="urn:schemas-microsoft-com:office:powerpoint" xmlns:com="http://schemas.openxmlformats.org/drawingml/2006/compatibility" xmlns:p14="http://schemas.microsoft.com/office/powerpoint/2010/main" xmlns:p15="http://schemas.microsoft.com/office/powerpoint/2012/main" xmlns:ahyp="http://schemas.microsoft.com/office/drawing/2018/hyperlinkcolor" matchingName="Title and body" type="tx">
+<p:sldLayout xmlns:a="http://schemas.openxmlformats.org/drawingml/2006/main" xmlns:r="http://schemas.openxmlformats.org/officeDocument/2006/relationships" xmlns:p="http://schemas.openxmlformats.org/presentationml/2006/main" type="tx" matchingName="Title and body">
   <p:cSld name="TITLE_AND_BODY">
     <p:spTree>
       <p:nvGrpSpPr>
@@ -3020,12 +2519,12 @@
           </a:ln>
         </p:spPr>
         <p:txBody>
-          <a:bodyPr anchorCtr="0" anchor="ctr" bIns="91425" lIns="91425" spcFirstLastPara="1" rIns="91425" wrap="square" tIns="91425">
+          <a:bodyPr spcFirstLastPara="1" wrap="square" lIns="91425" tIns="91425" rIns="91425" bIns="91425" anchor="ctr" anchorCtr="0">
             <a:noAutofit/>
           </a:bodyPr>
           <a:lstStyle/>
           <a:p>
-            <a:pPr indent="0" lvl="0" marL="0" rtl="0" algn="l">
+            <a:pPr marL="0" lvl="0" indent="0" algn="l" rtl="0">
               <a:spcBef>
                 <a:spcPts val="0"/>
               </a:spcBef>
@@ -3034,10 +2533,6 @@
               </a:spcAft>
               <a:buNone/>
             </a:pPr>
-            <a:r>
-              <a:t/>
-            </a:r>
-            <a:endParaRPr/>
           </a:p>
         </p:txBody>
       </p:sp>
@@ -3059,7 +2554,7 @@
           </a:prstGeom>
         </p:spPr>
         <p:txBody>
-          <a:bodyPr anchorCtr="0" anchor="b" bIns="91425" lIns="91425" spcFirstLastPara="1" rIns="91425" wrap="square" tIns="91425">
+          <a:bodyPr spcFirstLastPara="1" wrap="square" lIns="91425" tIns="91425" rIns="91425" bIns="91425" anchor="b" anchorCtr="0">
             <a:noAutofit/>
           </a:bodyPr>
           <a:lstStyle>
@@ -3171,7 +2666,7 @@
           <p:cNvPr id="23" name="Google Shape;23;p4"/>
           <p:cNvSpPr txBox="1"/>
           <p:nvPr>
-            <p:ph idx="1" type="body"/>
+            <p:ph type="body" idx="1"/>
           </p:nvPr>
         </p:nvSpPr>
         <p:spPr>
@@ -3184,11 +2679,11 @@
           </a:prstGeom>
         </p:spPr>
         <p:txBody>
-          <a:bodyPr anchorCtr="0" anchor="t" bIns="91425" lIns="91425" spcFirstLastPara="1" rIns="91425" wrap="square" tIns="91425">
+          <a:bodyPr spcFirstLastPara="1" wrap="square" lIns="91425" tIns="91425" rIns="91425" bIns="91425" anchor="t" anchorCtr="0">
             <a:noAutofit/>
           </a:bodyPr>
           <a:lstStyle>
-            <a:lvl1pPr indent="-342900" lvl="0" marL="457200">
+            <a:lvl1pPr marL="457200" lvl="0" indent="-342900">
               <a:spcBef>
                 <a:spcPts val="0"/>
               </a:spcBef>
@@ -3199,7 +2694,7 @@
               <a:buChar char="●"/>
               <a:defRPr/>
             </a:lvl1pPr>
-            <a:lvl2pPr indent="-317500" lvl="1" marL="914400">
+            <a:lvl2pPr marL="914400" lvl="1" indent="-317500">
               <a:spcBef>
                 <a:spcPts val="1600"/>
               </a:spcBef>
@@ -3210,7 +2705,7 @@
               <a:buChar char="○"/>
               <a:defRPr/>
             </a:lvl2pPr>
-            <a:lvl3pPr indent="-317500" lvl="2" marL="1371600">
+            <a:lvl3pPr marL="1371600" lvl="2" indent="-317500">
               <a:spcBef>
                 <a:spcPts val="1600"/>
               </a:spcBef>
@@ -3221,7 +2716,7 @@
               <a:buChar char="■"/>
               <a:defRPr/>
             </a:lvl3pPr>
-            <a:lvl4pPr indent="-317500" lvl="3" marL="1828800">
+            <a:lvl4pPr marL="1828800" lvl="3" indent="-317500">
               <a:spcBef>
                 <a:spcPts val="1600"/>
               </a:spcBef>
@@ -3232,7 +2727,7 @@
               <a:buChar char="●"/>
               <a:defRPr/>
             </a:lvl4pPr>
-            <a:lvl5pPr indent="-317500" lvl="4" marL="2286000">
+            <a:lvl5pPr marL="2286000" lvl="4" indent="-317500">
               <a:spcBef>
                 <a:spcPts val="1600"/>
               </a:spcBef>
@@ -3243,7 +2738,7 @@
               <a:buChar char="○"/>
               <a:defRPr/>
             </a:lvl5pPr>
-            <a:lvl6pPr indent="-317500" lvl="5" marL="2743200">
+            <a:lvl6pPr marL="2743200" lvl="5" indent="-317500">
               <a:spcBef>
                 <a:spcPts val="1600"/>
               </a:spcBef>
@@ -3254,7 +2749,7 @@
               <a:buChar char="■"/>
               <a:defRPr/>
             </a:lvl6pPr>
-            <a:lvl7pPr indent="-317500" lvl="6" marL="3200400">
+            <a:lvl7pPr marL="3200400" lvl="6" indent="-317500">
               <a:spcBef>
                 <a:spcPts val="1600"/>
               </a:spcBef>
@@ -3265,7 +2760,7 @@
               <a:buChar char="●"/>
               <a:defRPr/>
             </a:lvl7pPr>
-            <a:lvl8pPr indent="-317500" lvl="7" marL="3657600">
+            <a:lvl8pPr marL="3657600" lvl="7" indent="-317500">
               <a:spcBef>
                 <a:spcPts val="1600"/>
               </a:spcBef>
@@ -3276,7 +2771,7 @@
               <a:buChar char="○"/>
               <a:defRPr/>
             </a:lvl8pPr>
-            <a:lvl9pPr indent="-317500" lvl="8" marL="4114800">
+            <a:lvl9pPr marL="4114800" lvl="8" indent="-317500">
               <a:spcBef>
                 <a:spcPts val="1600"/>
               </a:spcBef>
@@ -3296,7 +2791,7 @@
           <p:cNvPr id="24" name="Google Shape;24;p4"/>
           <p:cNvSpPr txBox="1"/>
           <p:nvPr>
-            <p:ph idx="12" type="sldNum"/>
+            <p:ph type="sldNum" idx="12"/>
           </p:nvPr>
         </p:nvSpPr>
         <p:spPr>
@@ -3309,7 +2804,7 @@
           </a:prstGeom>
         </p:spPr>
         <p:txBody>
-          <a:bodyPr anchorCtr="0" anchor="ctr" bIns="91425" lIns="91425" spcFirstLastPara="1" rIns="91425" wrap="square" tIns="91425">
+          <a:bodyPr spcFirstLastPara="1" wrap="square" lIns="91425" tIns="91425" rIns="91425" bIns="91425" anchor="ctr" anchorCtr="0">
             <a:noAutofit/>
           </a:bodyPr>
           <a:lstStyle>
@@ -3351,7 +2846,7 @@
             </a:lvl9pPr>
           </a:lstStyle>
           <a:p>
-            <a:pPr indent="0" lvl="0" marL="0" rtl="0" algn="r">
+            <a:pPr marL="0" lvl="0" indent="0" algn="r" rtl="0">
               <a:spcBef>
                 <a:spcPts val="0"/>
               </a:spcBef>
@@ -3361,10 +2856,9 @@
               <a:buNone/>
             </a:pPr>
             <a:fld id="{00000000-1234-1234-1234-123412341234}" type="slidenum">
-              <a:rPr lang="en"/>
-              <a:t>‹#›</a:t>
+              <a:rPr lang="en-GB"/>
             </a:fld>
-            <a:endParaRPr/>
+            <a:endParaRPr lang="en-GB"/>
           </a:p>
         </p:txBody>
       </p:sp>
@@ -3377,7 +2871,7 @@
 </file>
 
 <file path=ppt/slideLayouts/slideLayout4.xml><?xml version="1.0" encoding="utf-8"?>
-<p:sldLayout xmlns:a="http://schemas.openxmlformats.org/drawingml/2006/main" xmlns:r="http://schemas.openxmlformats.org/officeDocument/2006/relationships" xmlns:mc="http://schemas.openxmlformats.org/markup-compatibility/2006" xmlns:mv="urn:schemas-microsoft-com:mac:vml" xmlns:p="http://schemas.openxmlformats.org/presentationml/2006/main" xmlns:c="http://schemas.openxmlformats.org/drawingml/2006/chart" xmlns:dgm="http://schemas.openxmlformats.org/drawingml/2006/diagram" xmlns:o="urn:schemas-microsoft-com:office:office" xmlns:v="urn:schemas-microsoft-com:vml" xmlns:pvml="urn:schemas-microsoft-com:office:powerpoint" xmlns:com="http://schemas.openxmlformats.org/drawingml/2006/compatibility" xmlns:p14="http://schemas.microsoft.com/office/powerpoint/2010/main" xmlns:p15="http://schemas.microsoft.com/office/powerpoint/2012/main" xmlns:ahyp="http://schemas.microsoft.com/office/drawing/2018/hyperlinkcolor" matchingName="Title and two columns" type="twoColTx">
+<p:sldLayout xmlns:a="http://schemas.openxmlformats.org/drawingml/2006/main" xmlns:r="http://schemas.openxmlformats.org/officeDocument/2006/relationships" xmlns:p="http://schemas.openxmlformats.org/presentationml/2006/main" type="twoColTx" matchingName="Title and two columns">
   <p:cSld name="TITLE_AND_TWO_COLUMNS">
     <p:spTree>
       <p:nvGrpSpPr>
@@ -3411,7 +2905,7 @@
           </a:prstGeom>
         </p:spPr>
         <p:txBody>
-          <a:bodyPr anchorCtr="0" anchor="b" bIns="91425" lIns="91425" spcFirstLastPara="1" rIns="91425" wrap="square" tIns="91425">
+          <a:bodyPr spcFirstLastPara="1" wrap="square" lIns="91425" tIns="91425" rIns="91425" bIns="91425" anchor="b" anchorCtr="0">
             <a:noAutofit/>
           </a:bodyPr>
           <a:lstStyle>
@@ -3523,7 +3017,7 @@
           <p:cNvPr id="27" name="Google Shape;27;p5"/>
           <p:cNvSpPr txBox="1"/>
           <p:nvPr>
-            <p:ph idx="1" type="body"/>
+            <p:ph type="body" idx="1"/>
           </p:nvPr>
         </p:nvSpPr>
         <p:spPr>
@@ -3536,11 +3030,11 @@
           </a:prstGeom>
         </p:spPr>
         <p:txBody>
-          <a:bodyPr anchorCtr="0" anchor="t" bIns="91425" lIns="91425" spcFirstLastPara="1" rIns="91425" wrap="square" tIns="91425">
+          <a:bodyPr spcFirstLastPara="1" wrap="square" lIns="91425" tIns="91425" rIns="91425" bIns="91425" anchor="t" anchorCtr="0">
             <a:noAutofit/>
           </a:bodyPr>
           <a:lstStyle>
-            <a:lvl1pPr indent="-317500" lvl="0" marL="457200">
+            <a:lvl1pPr marL="457200" lvl="0" indent="-317500">
               <a:spcBef>
                 <a:spcPts val="0"/>
               </a:spcBef>
@@ -3551,7 +3045,7 @@
               <a:buChar char="●"/>
               <a:defRPr sz="1400"/>
             </a:lvl1pPr>
-            <a:lvl2pPr indent="-304800" lvl="1" marL="914400">
+            <a:lvl2pPr marL="914400" lvl="1" indent="-304800">
               <a:spcBef>
                 <a:spcPts val="1600"/>
               </a:spcBef>
@@ -3562,7 +3056,7 @@
               <a:buChar char="○"/>
               <a:defRPr sz="1200"/>
             </a:lvl2pPr>
-            <a:lvl3pPr indent="-304800" lvl="2" marL="1371600">
+            <a:lvl3pPr marL="1371600" lvl="2" indent="-304800">
               <a:spcBef>
                 <a:spcPts val="1600"/>
               </a:spcBef>
@@ -3573,7 +3067,7 @@
               <a:buChar char="■"/>
               <a:defRPr sz="1200"/>
             </a:lvl3pPr>
-            <a:lvl4pPr indent="-304800" lvl="3" marL="1828800">
+            <a:lvl4pPr marL="1828800" lvl="3" indent="-304800">
               <a:spcBef>
                 <a:spcPts val="1600"/>
               </a:spcBef>
@@ -3584,7 +3078,7 @@
               <a:buChar char="●"/>
               <a:defRPr sz="1200"/>
             </a:lvl4pPr>
-            <a:lvl5pPr indent="-304800" lvl="4" marL="2286000">
+            <a:lvl5pPr marL="2286000" lvl="4" indent="-304800">
               <a:spcBef>
                 <a:spcPts val="1600"/>
               </a:spcBef>
@@ -3595,7 +3089,7 @@
               <a:buChar char="○"/>
               <a:defRPr sz="1200"/>
             </a:lvl5pPr>
-            <a:lvl6pPr indent="-304800" lvl="5" marL="2743200">
+            <a:lvl6pPr marL="2743200" lvl="5" indent="-304800">
               <a:spcBef>
                 <a:spcPts val="1600"/>
               </a:spcBef>
@@ -3606,7 +3100,7 @@
               <a:buChar char="■"/>
               <a:defRPr sz="1200"/>
             </a:lvl6pPr>
-            <a:lvl7pPr indent="-304800" lvl="6" marL="3200400">
+            <a:lvl7pPr marL="3200400" lvl="6" indent="-304800">
               <a:spcBef>
                 <a:spcPts val="1600"/>
               </a:spcBef>
@@ -3617,7 +3111,7 @@
               <a:buChar char="●"/>
               <a:defRPr sz="1200"/>
             </a:lvl7pPr>
-            <a:lvl8pPr indent="-304800" lvl="7" marL="3657600">
+            <a:lvl8pPr marL="3657600" lvl="7" indent="-304800">
               <a:spcBef>
                 <a:spcPts val="1600"/>
               </a:spcBef>
@@ -3628,7 +3122,7 @@
               <a:buChar char="○"/>
               <a:defRPr sz="1200"/>
             </a:lvl8pPr>
-            <a:lvl9pPr indent="-304800" lvl="8" marL="4114800">
+            <a:lvl9pPr marL="4114800" lvl="8" indent="-304800">
               <a:spcBef>
                 <a:spcPts val="1600"/>
               </a:spcBef>
@@ -3648,7 +3142,7 @@
           <p:cNvPr id="28" name="Google Shape;28;p5"/>
           <p:cNvSpPr txBox="1"/>
           <p:nvPr>
-            <p:ph idx="2" type="body"/>
+            <p:ph type="body" idx="2"/>
           </p:nvPr>
         </p:nvSpPr>
         <p:spPr>
@@ -3661,11 +3155,11 @@
           </a:prstGeom>
         </p:spPr>
         <p:txBody>
-          <a:bodyPr anchorCtr="0" anchor="t" bIns="91425" lIns="91425" spcFirstLastPara="1" rIns="91425" wrap="square" tIns="91425">
+          <a:bodyPr spcFirstLastPara="1" wrap="square" lIns="91425" tIns="91425" rIns="91425" bIns="91425" anchor="t" anchorCtr="0">
             <a:noAutofit/>
           </a:bodyPr>
           <a:lstStyle>
-            <a:lvl1pPr indent="-317500" lvl="0" marL="457200">
+            <a:lvl1pPr marL="457200" lvl="0" indent="-317500">
               <a:spcBef>
                 <a:spcPts val="0"/>
               </a:spcBef>
@@ -3676,7 +3170,7 @@
               <a:buChar char="●"/>
               <a:defRPr sz="1400"/>
             </a:lvl1pPr>
-            <a:lvl2pPr indent="-304800" lvl="1" marL="914400">
+            <a:lvl2pPr marL="914400" lvl="1" indent="-304800">
               <a:spcBef>
                 <a:spcPts val="1600"/>
               </a:spcBef>
@@ -3687,7 +3181,7 @@
               <a:buChar char="○"/>
               <a:defRPr sz="1200"/>
             </a:lvl2pPr>
-            <a:lvl3pPr indent="-304800" lvl="2" marL="1371600">
+            <a:lvl3pPr marL="1371600" lvl="2" indent="-304800">
               <a:spcBef>
                 <a:spcPts val="1600"/>
               </a:spcBef>
@@ -3698,7 +3192,7 @@
               <a:buChar char="■"/>
               <a:defRPr sz="1200"/>
             </a:lvl3pPr>
-            <a:lvl4pPr indent="-304800" lvl="3" marL="1828800">
+            <a:lvl4pPr marL="1828800" lvl="3" indent="-304800">
               <a:spcBef>
                 <a:spcPts val="1600"/>
               </a:spcBef>
@@ -3709,7 +3203,7 @@
               <a:buChar char="●"/>
               <a:defRPr sz="1200"/>
             </a:lvl4pPr>
-            <a:lvl5pPr indent="-304800" lvl="4" marL="2286000">
+            <a:lvl5pPr marL="2286000" lvl="4" indent="-304800">
               <a:spcBef>
                 <a:spcPts val="1600"/>
               </a:spcBef>
@@ -3720,7 +3214,7 @@
               <a:buChar char="○"/>
               <a:defRPr sz="1200"/>
             </a:lvl5pPr>
-            <a:lvl6pPr indent="-304800" lvl="5" marL="2743200">
+            <a:lvl6pPr marL="2743200" lvl="5" indent="-304800">
               <a:spcBef>
                 <a:spcPts val="1600"/>
               </a:spcBef>
@@ -3731,7 +3225,7 @@
               <a:buChar char="■"/>
               <a:defRPr sz="1200"/>
             </a:lvl6pPr>
-            <a:lvl7pPr indent="-304800" lvl="6" marL="3200400">
+            <a:lvl7pPr marL="3200400" lvl="6" indent="-304800">
               <a:spcBef>
                 <a:spcPts val="1600"/>
               </a:spcBef>
@@ -3742,7 +3236,7 @@
               <a:buChar char="●"/>
               <a:defRPr sz="1200"/>
             </a:lvl7pPr>
-            <a:lvl8pPr indent="-304800" lvl="7" marL="3657600">
+            <a:lvl8pPr marL="3657600" lvl="7" indent="-304800">
               <a:spcBef>
                 <a:spcPts val="1600"/>
               </a:spcBef>
@@ -3753,7 +3247,7 @@
               <a:buChar char="○"/>
               <a:defRPr sz="1200"/>
             </a:lvl8pPr>
-            <a:lvl9pPr indent="-304800" lvl="8" marL="4114800">
+            <a:lvl9pPr marL="4114800" lvl="8" indent="-304800">
               <a:spcBef>
                 <a:spcPts val="1600"/>
               </a:spcBef>
@@ -3773,7 +3267,7 @@
           <p:cNvPr id="29" name="Google Shape;29;p5"/>
           <p:cNvSpPr txBox="1"/>
           <p:nvPr>
-            <p:ph idx="12" type="sldNum"/>
+            <p:ph type="sldNum" idx="12"/>
           </p:nvPr>
         </p:nvSpPr>
         <p:spPr>
@@ -3786,7 +3280,7 @@
           </a:prstGeom>
         </p:spPr>
         <p:txBody>
-          <a:bodyPr anchorCtr="0" anchor="ctr" bIns="91425" lIns="91425" spcFirstLastPara="1" rIns="91425" wrap="square" tIns="91425">
+          <a:bodyPr spcFirstLastPara="1" wrap="square" lIns="91425" tIns="91425" rIns="91425" bIns="91425" anchor="ctr" anchorCtr="0">
             <a:noAutofit/>
           </a:bodyPr>
           <a:lstStyle>
@@ -3828,7 +3322,7 @@
             </a:lvl9pPr>
           </a:lstStyle>
           <a:p>
-            <a:pPr indent="0" lvl="0" marL="0" rtl="0" algn="r">
+            <a:pPr marL="0" lvl="0" indent="0" algn="r" rtl="0">
               <a:spcBef>
                 <a:spcPts val="0"/>
               </a:spcBef>
@@ -3838,10 +3332,9 @@
               <a:buNone/>
             </a:pPr>
             <a:fld id="{00000000-1234-1234-1234-123412341234}" type="slidenum">
-              <a:rPr lang="en"/>
-              <a:t>‹#›</a:t>
+              <a:rPr lang="en-GB"/>
             </a:fld>
-            <a:endParaRPr/>
+            <a:endParaRPr lang="en-GB"/>
           </a:p>
         </p:txBody>
       </p:sp>
@@ -3854,7 +3347,7 @@
 </file>
 
 <file path=ppt/slideLayouts/slideLayout5.xml><?xml version="1.0" encoding="utf-8"?>
-<p:sldLayout xmlns:a="http://schemas.openxmlformats.org/drawingml/2006/main" xmlns:r="http://schemas.openxmlformats.org/officeDocument/2006/relationships" xmlns:mc="http://schemas.openxmlformats.org/markup-compatibility/2006" xmlns:mv="urn:schemas-microsoft-com:mac:vml" xmlns:p="http://schemas.openxmlformats.org/presentationml/2006/main" xmlns:c="http://schemas.openxmlformats.org/drawingml/2006/chart" xmlns:dgm="http://schemas.openxmlformats.org/drawingml/2006/diagram" xmlns:o="urn:schemas-microsoft-com:office:office" xmlns:v="urn:schemas-microsoft-com:vml" xmlns:pvml="urn:schemas-microsoft-com:office:powerpoint" xmlns:com="http://schemas.openxmlformats.org/drawingml/2006/compatibility" xmlns:p14="http://schemas.microsoft.com/office/powerpoint/2010/main" xmlns:p15="http://schemas.microsoft.com/office/powerpoint/2012/main" xmlns:ahyp="http://schemas.microsoft.com/office/drawing/2018/hyperlinkcolor" matchingName="Title only" type="titleOnly">
+<p:sldLayout xmlns:a="http://schemas.openxmlformats.org/drawingml/2006/main" xmlns:r="http://schemas.openxmlformats.org/officeDocument/2006/relationships" xmlns:p="http://schemas.openxmlformats.org/presentationml/2006/main" type="titleOnly" matchingName="Title only">
   <p:cSld name="TITLE_ONLY">
     <p:spTree>
       <p:nvGrpSpPr>
@@ -3888,7 +3381,7 @@
           </a:prstGeom>
         </p:spPr>
         <p:txBody>
-          <a:bodyPr anchorCtr="0" anchor="b" bIns="91425" lIns="91425" spcFirstLastPara="1" rIns="91425" wrap="square" tIns="91425">
+          <a:bodyPr spcFirstLastPara="1" wrap="square" lIns="91425" tIns="91425" rIns="91425" bIns="91425" anchor="b" anchorCtr="0">
             <a:noAutofit/>
           </a:bodyPr>
           <a:lstStyle>
@@ -4000,7 +3493,7 @@
           <p:cNvPr id="32" name="Google Shape;32;p6"/>
           <p:cNvSpPr txBox="1"/>
           <p:nvPr>
-            <p:ph idx="12" type="sldNum"/>
+            <p:ph type="sldNum" idx="12"/>
           </p:nvPr>
         </p:nvSpPr>
         <p:spPr>
@@ -4013,7 +3506,7 @@
           </a:prstGeom>
         </p:spPr>
         <p:txBody>
-          <a:bodyPr anchorCtr="0" anchor="ctr" bIns="91425" lIns="91425" spcFirstLastPara="1" rIns="91425" wrap="square" tIns="91425">
+          <a:bodyPr spcFirstLastPara="1" wrap="square" lIns="91425" tIns="91425" rIns="91425" bIns="91425" anchor="ctr" anchorCtr="0">
             <a:noAutofit/>
           </a:bodyPr>
           <a:lstStyle>
@@ -4055,7 +3548,7 @@
             </a:lvl9pPr>
           </a:lstStyle>
           <a:p>
-            <a:pPr indent="0" lvl="0" marL="0" rtl="0" algn="r">
+            <a:pPr marL="0" lvl="0" indent="0" algn="r" rtl="0">
               <a:spcBef>
                 <a:spcPts val="0"/>
               </a:spcBef>
@@ -4065,10 +3558,9 @@
               <a:buNone/>
             </a:pPr>
             <a:fld id="{00000000-1234-1234-1234-123412341234}" type="slidenum">
-              <a:rPr lang="en"/>
-              <a:t>‹#›</a:t>
+              <a:rPr lang="en-GB"/>
             </a:fld>
-            <a:endParaRPr/>
+            <a:endParaRPr lang="en-GB"/>
           </a:p>
         </p:txBody>
       </p:sp>
@@ -4081,7 +3573,7 @@
 </file>
 
 <file path=ppt/slideLayouts/slideLayout6.xml><?xml version="1.0" encoding="utf-8"?>
-<p:sldLayout xmlns:a="http://schemas.openxmlformats.org/drawingml/2006/main" xmlns:r="http://schemas.openxmlformats.org/officeDocument/2006/relationships" xmlns:mc="http://schemas.openxmlformats.org/markup-compatibility/2006" xmlns:mv="urn:schemas-microsoft-com:mac:vml" xmlns:p="http://schemas.openxmlformats.org/presentationml/2006/main" xmlns:c="http://schemas.openxmlformats.org/drawingml/2006/chart" xmlns:dgm="http://schemas.openxmlformats.org/drawingml/2006/diagram" xmlns:o="urn:schemas-microsoft-com:office:office" xmlns:v="urn:schemas-microsoft-com:vml" xmlns:pvml="urn:schemas-microsoft-com:office:powerpoint" xmlns:com="http://schemas.openxmlformats.org/drawingml/2006/compatibility" xmlns:p14="http://schemas.microsoft.com/office/powerpoint/2010/main" xmlns:p15="http://schemas.microsoft.com/office/powerpoint/2012/main" xmlns:ahyp="http://schemas.microsoft.com/office/drawing/2018/hyperlinkcolor" matchingName="One column text">
+<p:sldLayout xmlns:a="http://schemas.openxmlformats.org/drawingml/2006/main" xmlns:r="http://schemas.openxmlformats.org/officeDocument/2006/relationships" xmlns:p="http://schemas.openxmlformats.org/presentationml/2006/main" matchingName="One column text">
   <p:cSld name="ONE_COLUMN_TEXT">
     <p:spTree>
       <p:nvGrpSpPr>
@@ -4115,7 +3607,7 @@
           </a:prstGeom>
         </p:spPr>
         <p:txBody>
-          <a:bodyPr anchorCtr="0" anchor="b" bIns="91425" lIns="91425" spcFirstLastPara="1" rIns="91425" wrap="square" tIns="91425">
+          <a:bodyPr spcFirstLastPara="1" wrap="square" lIns="91425" tIns="91425" rIns="91425" bIns="91425" anchor="b" anchorCtr="0">
             <a:noAutofit/>
           </a:bodyPr>
           <a:lstStyle>
@@ -4227,7 +3719,7 @@
           <p:cNvPr id="35" name="Google Shape;35;p7"/>
           <p:cNvSpPr txBox="1"/>
           <p:nvPr>
-            <p:ph idx="1" type="body"/>
+            <p:ph type="body" idx="1"/>
           </p:nvPr>
         </p:nvSpPr>
         <p:spPr>
@@ -4240,11 +3732,11 @@
           </a:prstGeom>
         </p:spPr>
         <p:txBody>
-          <a:bodyPr anchorCtr="0" anchor="t" bIns="91425" lIns="91425" spcFirstLastPara="1" rIns="91425" wrap="square" tIns="91425">
+          <a:bodyPr spcFirstLastPara="1" wrap="square" lIns="91425" tIns="91425" rIns="91425" bIns="91425" anchor="t" anchorCtr="0">
             <a:noAutofit/>
           </a:bodyPr>
           <a:lstStyle>
-            <a:lvl1pPr indent="-304800" lvl="0" marL="457200">
+            <a:lvl1pPr marL="457200" lvl="0" indent="-304800">
               <a:spcBef>
                 <a:spcPts val="0"/>
               </a:spcBef>
@@ -4255,7 +3747,7 @@
               <a:buChar char="●"/>
               <a:defRPr sz="1200"/>
             </a:lvl1pPr>
-            <a:lvl2pPr indent="-304800" lvl="1" marL="914400">
+            <a:lvl2pPr marL="914400" lvl="1" indent="-304800">
               <a:spcBef>
                 <a:spcPts val="1600"/>
               </a:spcBef>
@@ -4266,7 +3758,7 @@
               <a:buChar char="○"/>
               <a:defRPr sz="1200"/>
             </a:lvl2pPr>
-            <a:lvl3pPr indent="-304800" lvl="2" marL="1371600">
+            <a:lvl3pPr marL="1371600" lvl="2" indent="-304800">
               <a:spcBef>
                 <a:spcPts val="1600"/>
               </a:spcBef>
@@ -4277,7 +3769,7 @@
               <a:buChar char="■"/>
               <a:defRPr sz="1200"/>
             </a:lvl3pPr>
-            <a:lvl4pPr indent="-304800" lvl="3" marL="1828800">
+            <a:lvl4pPr marL="1828800" lvl="3" indent="-304800">
               <a:spcBef>
                 <a:spcPts val="1600"/>
               </a:spcBef>
@@ -4288,7 +3780,7 @@
               <a:buChar char="●"/>
               <a:defRPr sz="1200"/>
             </a:lvl4pPr>
-            <a:lvl5pPr indent="-304800" lvl="4" marL="2286000">
+            <a:lvl5pPr marL="2286000" lvl="4" indent="-304800">
               <a:spcBef>
                 <a:spcPts val="1600"/>
               </a:spcBef>
@@ -4299,7 +3791,7 @@
               <a:buChar char="○"/>
               <a:defRPr sz="1200"/>
             </a:lvl5pPr>
-            <a:lvl6pPr indent="-304800" lvl="5" marL="2743200">
+            <a:lvl6pPr marL="2743200" lvl="5" indent="-304800">
               <a:spcBef>
                 <a:spcPts val="1600"/>
               </a:spcBef>
@@ -4310,7 +3802,7 @@
               <a:buChar char="■"/>
               <a:defRPr sz="1200"/>
             </a:lvl6pPr>
-            <a:lvl7pPr indent="-304800" lvl="6" marL="3200400">
+            <a:lvl7pPr marL="3200400" lvl="6" indent="-304800">
               <a:spcBef>
                 <a:spcPts val="1600"/>
               </a:spcBef>
@@ -4321,7 +3813,7 @@
               <a:buChar char="●"/>
               <a:defRPr sz="1200"/>
             </a:lvl7pPr>
-            <a:lvl8pPr indent="-304800" lvl="7" marL="3657600">
+            <a:lvl8pPr marL="3657600" lvl="7" indent="-304800">
               <a:spcBef>
                 <a:spcPts val="1600"/>
               </a:spcBef>
@@ -4332,7 +3824,7 @@
               <a:buChar char="○"/>
               <a:defRPr sz="1200"/>
             </a:lvl8pPr>
-            <a:lvl9pPr indent="-304800" lvl="8" marL="4114800">
+            <a:lvl9pPr marL="4114800" lvl="8" indent="-304800">
               <a:spcBef>
                 <a:spcPts val="1600"/>
               </a:spcBef>
@@ -4352,7 +3844,7 @@
           <p:cNvPr id="36" name="Google Shape;36;p7"/>
           <p:cNvSpPr txBox="1"/>
           <p:nvPr>
-            <p:ph idx="12" type="sldNum"/>
+            <p:ph type="sldNum" idx="12"/>
           </p:nvPr>
         </p:nvSpPr>
         <p:spPr>
@@ -4365,7 +3857,7 @@
           </a:prstGeom>
         </p:spPr>
         <p:txBody>
-          <a:bodyPr anchorCtr="0" anchor="ctr" bIns="91425" lIns="91425" spcFirstLastPara="1" rIns="91425" wrap="square" tIns="91425">
+          <a:bodyPr spcFirstLastPara="1" wrap="square" lIns="91425" tIns="91425" rIns="91425" bIns="91425" anchor="ctr" anchorCtr="0">
             <a:noAutofit/>
           </a:bodyPr>
           <a:lstStyle>
@@ -4407,7 +3899,7 @@
             </a:lvl9pPr>
           </a:lstStyle>
           <a:p>
-            <a:pPr indent="0" lvl="0" marL="0" rtl="0" algn="r">
+            <a:pPr marL="0" lvl="0" indent="0" algn="r" rtl="0">
               <a:spcBef>
                 <a:spcPts val="0"/>
               </a:spcBef>
@@ -4417,10 +3909,9 @@
               <a:buNone/>
             </a:pPr>
             <a:fld id="{00000000-1234-1234-1234-123412341234}" type="slidenum">
-              <a:rPr lang="en"/>
-              <a:t>‹#›</a:t>
+              <a:rPr lang="en-GB"/>
             </a:fld>
-            <a:endParaRPr/>
+            <a:endParaRPr lang="en-GB"/>
           </a:p>
         </p:txBody>
       </p:sp>
@@ -4433,7 +3924,7 @@
 </file>
 
 <file path=ppt/slideLayouts/slideLayout7.xml><?xml version="1.0" encoding="utf-8"?>
-<p:sldLayout xmlns:a="http://schemas.openxmlformats.org/drawingml/2006/main" xmlns:r="http://schemas.openxmlformats.org/officeDocument/2006/relationships" xmlns:mc="http://schemas.openxmlformats.org/markup-compatibility/2006" xmlns:mv="urn:schemas-microsoft-com:mac:vml" xmlns:p="http://schemas.openxmlformats.org/presentationml/2006/main" xmlns:c="http://schemas.openxmlformats.org/drawingml/2006/chart" xmlns:dgm="http://schemas.openxmlformats.org/drawingml/2006/diagram" xmlns:o="urn:schemas-microsoft-com:office:office" xmlns:v="urn:schemas-microsoft-com:vml" xmlns:pvml="urn:schemas-microsoft-com:office:powerpoint" xmlns:com="http://schemas.openxmlformats.org/drawingml/2006/compatibility" xmlns:p14="http://schemas.microsoft.com/office/powerpoint/2010/main" xmlns:p15="http://schemas.microsoft.com/office/powerpoint/2012/main" xmlns:ahyp="http://schemas.microsoft.com/office/drawing/2018/hyperlinkcolor" matchingName="Main point">
+<p:sldLayout xmlns:a="http://schemas.openxmlformats.org/drawingml/2006/main" xmlns:r="http://schemas.openxmlformats.org/officeDocument/2006/relationships" xmlns:p="http://schemas.openxmlformats.org/presentationml/2006/main" matchingName="Main point">
   <p:cSld name="MAIN_POINT">
     <p:spTree>
       <p:nvGrpSpPr>
@@ -4471,12 +3962,12 @@
           </a:ln>
         </p:spPr>
         <p:txBody>
-          <a:bodyPr anchorCtr="0" anchor="ctr" bIns="91425" lIns="91425" spcFirstLastPara="1" rIns="91425" wrap="square" tIns="91425">
+          <a:bodyPr spcFirstLastPara="1" wrap="square" lIns="91425" tIns="91425" rIns="91425" bIns="91425" anchor="ctr" anchorCtr="0">
             <a:noAutofit/>
           </a:bodyPr>
           <a:lstStyle/>
           <a:p>
-            <a:pPr indent="0" lvl="0" marL="0" rtl="0" algn="l">
+            <a:pPr marL="0" lvl="0" indent="0" algn="l" rtl="0">
               <a:spcBef>
                 <a:spcPts val="0"/>
               </a:spcBef>
@@ -4485,10 +3976,6 @@
               </a:spcAft>
               <a:buNone/>
             </a:pPr>
-            <a:r>
-              <a:t/>
-            </a:r>
-            <a:endParaRPr/>
           </a:p>
         </p:txBody>
       </p:sp>
@@ -4510,7 +3997,7 @@
           </a:prstGeom>
         </p:spPr>
         <p:txBody>
-          <a:bodyPr anchorCtr="0" anchor="ctr" bIns="91425" lIns="91425" spcFirstLastPara="1" rIns="91425" wrap="square" tIns="91425">
+          <a:bodyPr spcFirstLastPara="1" wrap="square" lIns="91425" tIns="91425" rIns="91425" bIns="91425" anchor="ctr" anchorCtr="0">
             <a:noAutofit/>
           </a:bodyPr>
           <a:lstStyle>
@@ -4622,7 +4109,7 @@
           <p:cNvPr id="40" name="Google Shape;40;p8"/>
           <p:cNvSpPr txBox="1"/>
           <p:nvPr>
-            <p:ph idx="12" type="sldNum"/>
+            <p:ph type="sldNum" idx="12"/>
           </p:nvPr>
         </p:nvSpPr>
         <p:spPr>
@@ -4635,7 +4122,7 @@
           </a:prstGeom>
         </p:spPr>
         <p:txBody>
-          <a:bodyPr anchorCtr="0" anchor="ctr" bIns="91425" lIns="91425" spcFirstLastPara="1" rIns="91425" wrap="square" tIns="91425">
+          <a:bodyPr spcFirstLastPara="1" wrap="square" lIns="91425" tIns="91425" rIns="91425" bIns="91425" anchor="ctr" anchorCtr="0">
             <a:noAutofit/>
           </a:bodyPr>
           <a:lstStyle>
@@ -4677,7 +4164,7 @@
             </a:lvl9pPr>
           </a:lstStyle>
           <a:p>
-            <a:pPr indent="0" lvl="0" marL="0" rtl="0" algn="r">
+            <a:pPr marL="0" lvl="0" indent="0" algn="r" rtl="0">
               <a:spcBef>
                 <a:spcPts val="0"/>
               </a:spcBef>
@@ -4687,10 +4174,9 @@
               <a:buNone/>
             </a:pPr>
             <a:fld id="{00000000-1234-1234-1234-123412341234}" type="slidenum">
-              <a:rPr lang="en"/>
-              <a:t>‹#›</a:t>
+              <a:rPr lang="en-GB"/>
             </a:fld>
-            <a:endParaRPr/>
+            <a:endParaRPr lang="en-GB"/>
           </a:p>
         </p:txBody>
       </p:sp>
@@ -4703,7 +4189,7 @@
 </file>
 
 <file path=ppt/slideLayouts/slideLayout8.xml><?xml version="1.0" encoding="utf-8"?>
-<p:sldLayout xmlns:a="http://schemas.openxmlformats.org/drawingml/2006/main" xmlns:r="http://schemas.openxmlformats.org/officeDocument/2006/relationships" xmlns:mc="http://schemas.openxmlformats.org/markup-compatibility/2006" xmlns:mv="urn:schemas-microsoft-com:mac:vml" xmlns:p="http://schemas.openxmlformats.org/presentationml/2006/main" xmlns:c="http://schemas.openxmlformats.org/drawingml/2006/chart" xmlns:dgm="http://schemas.openxmlformats.org/drawingml/2006/diagram" xmlns:o="urn:schemas-microsoft-com:office:office" xmlns:v="urn:schemas-microsoft-com:vml" xmlns:pvml="urn:schemas-microsoft-com:office:powerpoint" xmlns:com="http://schemas.openxmlformats.org/drawingml/2006/compatibility" xmlns:p14="http://schemas.microsoft.com/office/powerpoint/2010/main" xmlns:p15="http://schemas.microsoft.com/office/powerpoint/2012/main" xmlns:ahyp="http://schemas.microsoft.com/office/drawing/2018/hyperlinkcolor" matchingName="Section title and description">
+<p:sldLayout xmlns:a="http://schemas.openxmlformats.org/drawingml/2006/main" xmlns:r="http://schemas.openxmlformats.org/officeDocument/2006/relationships" xmlns:p="http://schemas.openxmlformats.org/presentationml/2006/main" matchingName="Section title and description">
   <p:cSld name="SECTION_TITLE_AND_DESCRIPTION">
     <p:spTree>
       <p:nvGrpSpPr>
@@ -4741,12 +4227,12 @@
           </a:ln>
         </p:spPr>
         <p:txBody>
-          <a:bodyPr anchorCtr="0" anchor="ctr" bIns="91425" lIns="91425" spcFirstLastPara="1" rIns="91425" wrap="square" tIns="91425">
+          <a:bodyPr spcFirstLastPara="1" wrap="square" lIns="91425" tIns="91425" rIns="91425" bIns="91425" anchor="ctr" anchorCtr="0">
             <a:noAutofit/>
           </a:bodyPr>
           <a:lstStyle/>
           <a:p>
-            <a:pPr indent="0" lvl="0" marL="0" rtl="0" algn="l">
+            <a:pPr marL="0" lvl="0" indent="0" algn="l" rtl="0">
               <a:spcBef>
                 <a:spcPts val="0"/>
               </a:spcBef>
@@ -4755,10 +4241,6 @@
               </a:spcAft>
               <a:buNone/>
             </a:pPr>
-            <a:r>
-              <a:t/>
-            </a:r>
-            <a:endParaRPr/>
           </a:p>
         </p:txBody>
       </p:sp>
@@ -4777,14 +4259,14 @@
             <a:avLst/>
           </a:prstGeom>
           <a:noFill/>
-          <a:ln cap="flat" cmpd="sng" w="19050">
+          <a:ln w="19050" cap="flat" cmpd="sng">
             <a:solidFill>
               <a:schemeClr val="lt1"/>
             </a:solidFill>
             <a:prstDash val="solid"/>
             <a:round/>
-            <a:headEnd len="sm" w="sm" type="none"/>
-            <a:tailEnd len="sm" w="sm" type="none"/>
+            <a:headEnd type="none" w="sm" len="sm"/>
+            <a:tailEnd type="none" w="sm" len="sm"/>
           </a:ln>
         </p:spPr>
       </p:cxnSp>
@@ -4806,7 +4288,7 @@
           </a:prstGeom>
         </p:spPr>
         <p:txBody>
-          <a:bodyPr anchorCtr="0" anchor="b" bIns="91425" lIns="91425" spcFirstLastPara="1" rIns="91425" wrap="square" tIns="91425">
+          <a:bodyPr spcFirstLastPara="1" wrap="square" lIns="91425" tIns="91425" rIns="91425" bIns="91425" anchor="b" anchorCtr="0">
             <a:noAutofit/>
           </a:bodyPr>
           <a:lstStyle>
@@ -4981,7 +4463,7 @@
           <p:cNvPr id="45" name="Google Shape;45;p9"/>
           <p:cNvSpPr txBox="1"/>
           <p:nvPr>
-            <p:ph idx="1" type="subTitle"/>
+            <p:ph type="subTitle" idx="1"/>
           </p:nvPr>
         </p:nvSpPr>
         <p:spPr>
@@ -4994,7 +4476,7 @@
           </a:prstGeom>
         </p:spPr>
         <p:txBody>
-          <a:bodyPr anchorCtr="0" anchor="t" bIns="91425" lIns="91425" spcFirstLastPara="1" rIns="91425" wrap="square" tIns="91425">
+          <a:bodyPr spcFirstLastPara="1" wrap="square" lIns="91425" tIns="91425" rIns="91425" bIns="91425" anchor="t" anchorCtr="0">
             <a:noAutofit/>
           </a:bodyPr>
           <a:lstStyle>
@@ -5009,13 +4491,13 @@
                 <a:spcPts val="0"/>
               </a:spcAft>
               <a:buSzPts val="2400"/>
-              <a:buFont typeface="Economica"/>
+              <a:buFont typeface="Economica" panose="02000506040000020004"/>
               <a:buNone/>
               <a:defRPr sz="2400">
-                <a:latin typeface="Economica"/>
-                <a:ea typeface="Economica"/>
-                <a:cs typeface="Economica"/>
-                <a:sym typeface="Economica"/>
+                <a:latin typeface="Economica" panose="02000506040000020004"/>
+                <a:ea typeface="Economica" panose="02000506040000020004"/>
+                <a:cs typeface="Economica" panose="02000506040000020004"/>
+                <a:sym typeface="Economica" panose="02000506040000020004"/>
               </a:defRPr>
             </a:lvl1pPr>
             <a:lvl2pPr lvl="1" algn="ctr">
@@ -5029,13 +4511,13 @@
                 <a:spcPts val="0"/>
               </a:spcAft>
               <a:buSzPts val="2400"/>
-              <a:buFont typeface="Economica"/>
+              <a:buFont typeface="Economica" panose="02000506040000020004"/>
               <a:buNone/>
               <a:defRPr sz="2400">
-                <a:latin typeface="Economica"/>
-                <a:ea typeface="Economica"/>
-                <a:cs typeface="Economica"/>
-                <a:sym typeface="Economica"/>
+                <a:latin typeface="Economica" panose="02000506040000020004"/>
+                <a:ea typeface="Economica" panose="02000506040000020004"/>
+                <a:cs typeface="Economica" panose="02000506040000020004"/>
+                <a:sym typeface="Economica" panose="02000506040000020004"/>
               </a:defRPr>
             </a:lvl2pPr>
             <a:lvl3pPr lvl="2" algn="ctr">
@@ -5049,13 +4531,13 @@
                 <a:spcPts val="0"/>
               </a:spcAft>
               <a:buSzPts val="2400"/>
-              <a:buFont typeface="Economica"/>
+              <a:buFont typeface="Economica" panose="02000506040000020004"/>
               <a:buNone/>
               <a:defRPr sz="2400">
-                <a:latin typeface="Economica"/>
-                <a:ea typeface="Economica"/>
-                <a:cs typeface="Economica"/>
-                <a:sym typeface="Economica"/>
+                <a:latin typeface="Economica" panose="02000506040000020004"/>
+                <a:ea typeface="Economica" panose="02000506040000020004"/>
+                <a:cs typeface="Economica" panose="02000506040000020004"/>
+                <a:sym typeface="Economica" panose="02000506040000020004"/>
               </a:defRPr>
             </a:lvl3pPr>
             <a:lvl4pPr lvl="3" algn="ctr">
@@ -5069,13 +4551,13 @@
                 <a:spcPts val="0"/>
               </a:spcAft>
               <a:buSzPts val="2400"/>
-              <a:buFont typeface="Economica"/>
+              <a:buFont typeface="Economica" panose="02000506040000020004"/>
               <a:buNone/>
               <a:defRPr sz="2400">
-                <a:latin typeface="Economica"/>
-                <a:ea typeface="Economica"/>
-                <a:cs typeface="Economica"/>
-                <a:sym typeface="Economica"/>
+                <a:latin typeface="Economica" panose="02000506040000020004"/>
+                <a:ea typeface="Economica" panose="02000506040000020004"/>
+                <a:cs typeface="Economica" panose="02000506040000020004"/>
+                <a:sym typeface="Economica" panose="02000506040000020004"/>
               </a:defRPr>
             </a:lvl4pPr>
             <a:lvl5pPr lvl="4" algn="ctr">
@@ -5089,13 +4571,13 @@
                 <a:spcPts val="0"/>
               </a:spcAft>
               <a:buSzPts val="2400"/>
-              <a:buFont typeface="Economica"/>
+              <a:buFont typeface="Economica" panose="02000506040000020004"/>
               <a:buNone/>
               <a:defRPr sz="2400">
-                <a:latin typeface="Economica"/>
-                <a:ea typeface="Economica"/>
-                <a:cs typeface="Economica"/>
-                <a:sym typeface="Economica"/>
+                <a:latin typeface="Economica" panose="02000506040000020004"/>
+                <a:ea typeface="Economica" panose="02000506040000020004"/>
+                <a:cs typeface="Economica" panose="02000506040000020004"/>
+                <a:sym typeface="Economica" panose="02000506040000020004"/>
               </a:defRPr>
             </a:lvl5pPr>
             <a:lvl6pPr lvl="5" algn="ctr">
@@ -5109,13 +4591,13 @@
                 <a:spcPts val="0"/>
               </a:spcAft>
               <a:buSzPts val="2400"/>
-              <a:buFont typeface="Economica"/>
+              <a:buFont typeface="Economica" panose="02000506040000020004"/>
               <a:buNone/>
               <a:defRPr sz="2400">
-                <a:latin typeface="Economica"/>
-                <a:ea typeface="Economica"/>
-                <a:cs typeface="Economica"/>
-                <a:sym typeface="Economica"/>
+                <a:latin typeface="Economica" panose="02000506040000020004"/>
+                <a:ea typeface="Economica" panose="02000506040000020004"/>
+                <a:cs typeface="Economica" panose="02000506040000020004"/>
+                <a:sym typeface="Economica" panose="02000506040000020004"/>
               </a:defRPr>
             </a:lvl6pPr>
             <a:lvl7pPr lvl="6" algn="ctr">
@@ -5129,13 +4611,13 @@
                 <a:spcPts val="0"/>
               </a:spcAft>
               <a:buSzPts val="2400"/>
-              <a:buFont typeface="Economica"/>
+              <a:buFont typeface="Economica" panose="02000506040000020004"/>
               <a:buNone/>
               <a:defRPr sz="2400">
-                <a:latin typeface="Economica"/>
-                <a:ea typeface="Economica"/>
-                <a:cs typeface="Economica"/>
-                <a:sym typeface="Economica"/>
+                <a:latin typeface="Economica" panose="02000506040000020004"/>
+                <a:ea typeface="Economica" panose="02000506040000020004"/>
+                <a:cs typeface="Economica" panose="02000506040000020004"/>
+                <a:sym typeface="Economica" panose="02000506040000020004"/>
               </a:defRPr>
             </a:lvl7pPr>
             <a:lvl8pPr lvl="7" algn="ctr">
@@ -5149,13 +4631,13 @@
                 <a:spcPts val="0"/>
               </a:spcAft>
               <a:buSzPts val="2400"/>
-              <a:buFont typeface="Economica"/>
+              <a:buFont typeface="Economica" panose="02000506040000020004"/>
               <a:buNone/>
               <a:defRPr sz="2400">
-                <a:latin typeface="Economica"/>
-                <a:ea typeface="Economica"/>
-                <a:cs typeface="Economica"/>
-                <a:sym typeface="Economica"/>
+                <a:latin typeface="Economica" panose="02000506040000020004"/>
+                <a:ea typeface="Economica" panose="02000506040000020004"/>
+                <a:cs typeface="Economica" panose="02000506040000020004"/>
+                <a:sym typeface="Economica" panose="02000506040000020004"/>
               </a:defRPr>
             </a:lvl8pPr>
             <a:lvl9pPr lvl="8" algn="ctr">
@@ -5169,13 +4651,13 @@
                 <a:spcPts val="0"/>
               </a:spcAft>
               <a:buSzPts val="2400"/>
-              <a:buFont typeface="Economica"/>
+              <a:buFont typeface="Economica" panose="02000506040000020004"/>
               <a:buNone/>
               <a:defRPr sz="2400">
-                <a:latin typeface="Economica"/>
-                <a:ea typeface="Economica"/>
-                <a:cs typeface="Economica"/>
-                <a:sym typeface="Economica"/>
+                <a:latin typeface="Economica" panose="02000506040000020004"/>
+                <a:ea typeface="Economica" panose="02000506040000020004"/>
+                <a:cs typeface="Economica" panose="02000506040000020004"/>
+                <a:sym typeface="Economica" panose="02000506040000020004"/>
               </a:defRPr>
             </a:lvl9pPr>
           </a:lstStyle>
@@ -5187,7 +4669,7 @@
           <p:cNvPr id="46" name="Google Shape;46;p9"/>
           <p:cNvSpPr txBox="1"/>
           <p:nvPr>
-            <p:ph idx="2" type="body"/>
+            <p:ph type="body" idx="2"/>
           </p:nvPr>
         </p:nvSpPr>
         <p:spPr>
@@ -5200,11 +4682,11 @@
           </a:prstGeom>
         </p:spPr>
         <p:txBody>
-          <a:bodyPr anchorCtr="0" anchor="ctr" bIns="91425" lIns="91425" spcFirstLastPara="1" rIns="91425" wrap="square" tIns="91425">
+          <a:bodyPr spcFirstLastPara="1" wrap="square" lIns="91425" tIns="91425" rIns="91425" bIns="91425" anchor="ctr" anchorCtr="0">
             <a:noAutofit/>
           </a:bodyPr>
           <a:lstStyle>
-            <a:lvl1pPr indent="-342900" lvl="0" marL="457200">
+            <a:lvl1pPr marL="457200" lvl="0" indent="-342900">
               <a:spcBef>
                 <a:spcPts val="0"/>
               </a:spcBef>
@@ -5222,7 +4704,7 @@
                 </a:solidFill>
               </a:defRPr>
             </a:lvl1pPr>
-            <a:lvl2pPr indent="-317500" lvl="1" marL="914400">
+            <a:lvl2pPr marL="914400" lvl="1" indent="-317500">
               <a:spcBef>
                 <a:spcPts val="1600"/>
               </a:spcBef>
@@ -5240,7 +4722,7 @@
                 </a:solidFill>
               </a:defRPr>
             </a:lvl2pPr>
-            <a:lvl3pPr indent="-317500" lvl="2" marL="1371600">
+            <a:lvl3pPr marL="1371600" lvl="2" indent="-317500">
               <a:spcBef>
                 <a:spcPts val="1600"/>
               </a:spcBef>
@@ -5258,7 +4740,7 @@
                 </a:solidFill>
               </a:defRPr>
             </a:lvl3pPr>
-            <a:lvl4pPr indent="-317500" lvl="3" marL="1828800">
+            <a:lvl4pPr marL="1828800" lvl="3" indent="-317500">
               <a:spcBef>
                 <a:spcPts val="1600"/>
               </a:spcBef>
@@ -5276,7 +4758,7 @@
                 </a:solidFill>
               </a:defRPr>
             </a:lvl4pPr>
-            <a:lvl5pPr indent="-317500" lvl="4" marL="2286000">
+            <a:lvl5pPr marL="2286000" lvl="4" indent="-317500">
               <a:spcBef>
                 <a:spcPts val="1600"/>
               </a:spcBef>
@@ -5294,7 +4776,7 @@
                 </a:solidFill>
               </a:defRPr>
             </a:lvl5pPr>
-            <a:lvl6pPr indent="-317500" lvl="5" marL="2743200">
+            <a:lvl6pPr marL="2743200" lvl="5" indent="-317500">
               <a:spcBef>
                 <a:spcPts val="1600"/>
               </a:spcBef>
@@ -5312,7 +4794,7 @@
                 </a:solidFill>
               </a:defRPr>
             </a:lvl6pPr>
-            <a:lvl7pPr indent="-317500" lvl="6" marL="3200400">
+            <a:lvl7pPr marL="3200400" lvl="6" indent="-317500">
               <a:spcBef>
                 <a:spcPts val="1600"/>
               </a:spcBef>
@@ -5330,7 +4812,7 @@
                 </a:solidFill>
               </a:defRPr>
             </a:lvl7pPr>
-            <a:lvl8pPr indent="-317500" lvl="7" marL="3657600">
+            <a:lvl8pPr marL="3657600" lvl="7" indent="-317500">
               <a:spcBef>
                 <a:spcPts val="1600"/>
               </a:spcBef>
@@ -5348,7 +4830,7 @@
                 </a:solidFill>
               </a:defRPr>
             </a:lvl8pPr>
-            <a:lvl9pPr indent="-317500" lvl="8" marL="4114800">
+            <a:lvl9pPr marL="4114800" lvl="8" indent="-317500">
               <a:spcBef>
                 <a:spcPts val="1600"/>
               </a:spcBef>
@@ -5375,7 +4857,7 @@
           <p:cNvPr id="47" name="Google Shape;47;p9"/>
           <p:cNvSpPr txBox="1"/>
           <p:nvPr>
-            <p:ph idx="12" type="sldNum"/>
+            <p:ph type="sldNum" idx="12"/>
           </p:nvPr>
         </p:nvSpPr>
         <p:spPr>
@@ -5388,7 +4870,7 @@
           </a:prstGeom>
         </p:spPr>
         <p:txBody>
-          <a:bodyPr anchorCtr="0" anchor="ctr" bIns="91425" lIns="91425" spcFirstLastPara="1" rIns="91425" wrap="square" tIns="91425">
+          <a:bodyPr spcFirstLastPara="1" wrap="square" lIns="91425" tIns="91425" rIns="91425" bIns="91425" anchor="ctr" anchorCtr="0">
             <a:noAutofit/>
           </a:bodyPr>
           <a:lstStyle>
@@ -5466,7 +4948,7 @@
             </a:lvl9pPr>
           </a:lstStyle>
           <a:p>
-            <a:pPr indent="0" lvl="0" marL="0" rtl="0" algn="r">
+            <a:pPr marL="0" lvl="0" indent="0" algn="r" rtl="0">
               <a:spcBef>
                 <a:spcPts val="0"/>
               </a:spcBef>
@@ -5476,10 +4958,9 @@
               <a:buNone/>
             </a:pPr>
             <a:fld id="{00000000-1234-1234-1234-123412341234}" type="slidenum">
-              <a:rPr lang="en"/>
-              <a:t>‹#›</a:t>
+              <a:rPr lang="en-GB"/>
             </a:fld>
-            <a:endParaRPr/>
+            <a:endParaRPr lang="en-GB"/>
           </a:p>
         </p:txBody>
       </p:sp>
@@ -5492,7 +4973,7 @@
 </file>
 
 <file path=ppt/slideLayouts/slideLayout9.xml><?xml version="1.0" encoding="utf-8"?>
-<p:sldLayout xmlns:a="http://schemas.openxmlformats.org/drawingml/2006/main" xmlns:r="http://schemas.openxmlformats.org/officeDocument/2006/relationships" xmlns:mc="http://schemas.openxmlformats.org/markup-compatibility/2006" xmlns:mv="urn:schemas-microsoft-com:mac:vml" xmlns:p="http://schemas.openxmlformats.org/presentationml/2006/main" xmlns:c="http://schemas.openxmlformats.org/drawingml/2006/chart" xmlns:dgm="http://schemas.openxmlformats.org/drawingml/2006/diagram" xmlns:o="urn:schemas-microsoft-com:office:office" xmlns:v="urn:schemas-microsoft-com:vml" xmlns:pvml="urn:schemas-microsoft-com:office:powerpoint" xmlns:com="http://schemas.openxmlformats.org/drawingml/2006/compatibility" xmlns:p14="http://schemas.microsoft.com/office/powerpoint/2010/main" xmlns:p15="http://schemas.microsoft.com/office/powerpoint/2012/main" xmlns:ahyp="http://schemas.microsoft.com/office/drawing/2018/hyperlinkcolor" matchingName="Caption">
+<p:sldLayout xmlns:a="http://schemas.openxmlformats.org/drawingml/2006/main" xmlns:r="http://schemas.openxmlformats.org/officeDocument/2006/relationships" xmlns:p="http://schemas.openxmlformats.org/presentationml/2006/main" matchingName="Caption">
   <p:cSld name="CAPTION_ONLY">
     <p:spTree>
       <p:nvGrpSpPr>
@@ -5513,7 +4994,7 @@
           <p:cNvPr id="49" name="Google Shape;49;p10"/>
           <p:cNvSpPr txBox="1"/>
           <p:nvPr>
-            <p:ph idx="1" type="body"/>
+            <p:ph type="body" idx="1"/>
           </p:nvPr>
         </p:nvSpPr>
         <p:spPr>
@@ -5526,11 +5007,11 @@
           </a:prstGeom>
         </p:spPr>
         <p:txBody>
-          <a:bodyPr anchorCtr="0" anchor="ctr" bIns="91425" lIns="91425" spcFirstLastPara="1" rIns="91425" wrap="square" tIns="91425">
+          <a:bodyPr spcFirstLastPara="1" wrap="square" lIns="91425" tIns="91425" rIns="91425" bIns="91425" anchor="ctr" anchorCtr="0">
             <a:noAutofit/>
           </a:bodyPr>
           <a:lstStyle>
-            <a:lvl1pPr indent="-228600" lvl="0" marL="457200">
+            <a:lvl1pPr marL="457200" lvl="0" indent="-228600">
               <a:lnSpc>
                 <a:spcPct val="100000"/>
               </a:lnSpc>
@@ -5541,13 +5022,13 @@
                 <a:spcPts val="0"/>
               </a:spcAft>
               <a:buSzPts val="2400"/>
-              <a:buFont typeface="Economica"/>
+              <a:buFont typeface="Economica" panose="02000506040000020004"/>
               <a:buNone/>
               <a:defRPr sz="2400">
-                <a:latin typeface="Economica"/>
-                <a:ea typeface="Economica"/>
-                <a:cs typeface="Economica"/>
-                <a:sym typeface="Economica"/>
+                <a:latin typeface="Economica" panose="02000506040000020004"/>
+                <a:ea typeface="Economica" panose="02000506040000020004"/>
+                <a:cs typeface="Economica" panose="02000506040000020004"/>
+                <a:sym typeface="Economica" panose="02000506040000020004"/>
               </a:defRPr>
             </a:lvl1pPr>
           </a:lstStyle>
@@ -5559,7 +5040,7 @@
           <p:cNvPr id="50" name="Google Shape;50;p10"/>
           <p:cNvSpPr txBox="1"/>
           <p:nvPr>
-            <p:ph idx="12" type="sldNum"/>
+            <p:ph type="sldNum" idx="12"/>
           </p:nvPr>
         </p:nvSpPr>
         <p:spPr>
@@ -5572,7 +5053,7 @@
           </a:prstGeom>
         </p:spPr>
         <p:txBody>
-          <a:bodyPr anchorCtr="0" anchor="ctr" bIns="91425" lIns="91425" spcFirstLastPara="1" rIns="91425" wrap="square" tIns="91425">
+          <a:bodyPr spcFirstLastPara="1" wrap="square" lIns="91425" tIns="91425" rIns="91425" bIns="91425" anchor="ctr" anchorCtr="0">
             <a:noAutofit/>
           </a:bodyPr>
           <a:lstStyle>
@@ -5614,7 +5095,7 @@
             </a:lvl9pPr>
           </a:lstStyle>
           <a:p>
-            <a:pPr indent="0" lvl="0" marL="0" rtl="0" algn="r">
+            <a:pPr marL="0" lvl="0" indent="0" algn="r" rtl="0">
               <a:spcBef>
                 <a:spcPts val="0"/>
               </a:spcBef>
@@ -5624,10 +5105,9 @@
               <a:buNone/>
             </a:pPr>
             <a:fld id="{00000000-1234-1234-1234-123412341234}" type="slidenum">
-              <a:rPr lang="en"/>
-              <a:t>‹#›</a:t>
+              <a:rPr lang="en-GB"/>
             </a:fld>
-            <a:endParaRPr/>
+            <a:endParaRPr lang="en-GB"/>
           </a:p>
         </p:txBody>
       </p:sp>
@@ -5640,13 +5120,14 @@
 </file>
 
 <file path=ppt/slideMasters/slideMaster1.xml><?xml version="1.0" encoding="utf-8"?>
-<p:sldMaster xmlns:a="http://schemas.openxmlformats.org/drawingml/2006/main" xmlns:r="http://schemas.openxmlformats.org/officeDocument/2006/relationships" xmlns:mc="http://schemas.openxmlformats.org/markup-compatibility/2006" xmlns:mv="urn:schemas-microsoft-com:mac:vml" xmlns:p="http://schemas.openxmlformats.org/presentationml/2006/main" xmlns:c="http://schemas.openxmlformats.org/drawingml/2006/chart" xmlns:dgm="http://schemas.openxmlformats.org/drawingml/2006/diagram" xmlns:o="urn:schemas-microsoft-com:office:office" xmlns:v="urn:schemas-microsoft-com:vml" xmlns:pvml="urn:schemas-microsoft-com:office:powerpoint" xmlns:com="http://schemas.openxmlformats.org/drawingml/2006/compatibility" xmlns:p14="http://schemas.microsoft.com/office/powerpoint/2010/main" xmlns:p15="http://schemas.microsoft.com/office/powerpoint/2012/main" xmlns:ahyp="http://schemas.microsoft.com/office/drawing/2018/hyperlinkcolor">
-  <p:cSld name="luxe">
+<p:sldMaster xmlns:a="http://schemas.openxmlformats.org/drawingml/2006/main" xmlns:r="http://schemas.openxmlformats.org/officeDocument/2006/relationships" xmlns:p="http://schemas.openxmlformats.org/presentationml/2006/main">
+  <p:cSld>
     <p:bg>
       <p:bgPr>
         <a:solidFill>
           <a:schemeClr val="lt1"/>
         </a:solidFill>
+        <a:effectLst/>
       </p:bgPr>
     </p:bg>
     <p:spTree>
@@ -5685,7 +5166,7 @@
           </a:ln>
         </p:spPr>
         <p:txBody>
-          <a:bodyPr anchorCtr="0" anchor="b" bIns="91425" lIns="91425" spcFirstLastPara="1" rIns="91425" wrap="square" tIns="91425">
+          <a:bodyPr spcFirstLastPara="1" wrap="square" lIns="91425" tIns="91425" rIns="91425" bIns="91425" anchor="b" anchorCtr="0">
             <a:noAutofit/>
           </a:bodyPr>
           <a:lstStyle>
@@ -5700,16 +5181,16 @@
                 <a:schemeClr val="dk1"/>
               </a:buClr>
               <a:buSzPts val="4200"/>
-              <a:buFont typeface="Economica"/>
+              <a:buFont typeface="Economica" panose="02000506040000020004"/>
               <a:buNone/>
               <a:defRPr sz="4200">
                 <a:solidFill>
                   <a:schemeClr val="dk1"/>
                 </a:solidFill>
-                <a:latin typeface="Economica"/>
-                <a:ea typeface="Economica"/>
-                <a:cs typeface="Economica"/>
-                <a:sym typeface="Economica"/>
+                <a:latin typeface="Economica" panose="02000506040000020004"/>
+                <a:ea typeface="Economica" panose="02000506040000020004"/>
+                <a:cs typeface="Economica" panose="02000506040000020004"/>
+                <a:sym typeface="Economica" panose="02000506040000020004"/>
               </a:defRPr>
             </a:lvl1pPr>
             <a:lvl2pPr lvl="1">
@@ -5723,16 +5204,16 @@
                 <a:schemeClr val="dk1"/>
               </a:buClr>
               <a:buSzPts val="4200"/>
-              <a:buFont typeface="Economica"/>
+              <a:buFont typeface="Economica" panose="02000506040000020004"/>
               <a:buNone/>
               <a:defRPr sz="4200">
                 <a:solidFill>
                   <a:schemeClr val="dk1"/>
                 </a:solidFill>
-                <a:latin typeface="Economica"/>
-                <a:ea typeface="Economica"/>
-                <a:cs typeface="Economica"/>
-                <a:sym typeface="Economica"/>
+                <a:latin typeface="Economica" panose="02000506040000020004"/>
+                <a:ea typeface="Economica" panose="02000506040000020004"/>
+                <a:cs typeface="Economica" panose="02000506040000020004"/>
+                <a:sym typeface="Economica" panose="02000506040000020004"/>
               </a:defRPr>
             </a:lvl2pPr>
             <a:lvl3pPr lvl="2">
@@ -5746,16 +5227,16 @@
                 <a:schemeClr val="dk1"/>
               </a:buClr>
               <a:buSzPts val="4200"/>
-              <a:buFont typeface="Economica"/>
+              <a:buFont typeface="Economica" panose="02000506040000020004"/>
               <a:buNone/>
               <a:defRPr sz="4200">
                 <a:solidFill>
                   <a:schemeClr val="dk1"/>
                 </a:solidFill>
-                <a:latin typeface="Economica"/>
-                <a:ea typeface="Economica"/>
-                <a:cs typeface="Economica"/>
-                <a:sym typeface="Economica"/>
+                <a:latin typeface="Economica" panose="02000506040000020004"/>
+                <a:ea typeface="Economica" panose="02000506040000020004"/>
+                <a:cs typeface="Economica" panose="02000506040000020004"/>
+                <a:sym typeface="Economica" panose="02000506040000020004"/>
               </a:defRPr>
             </a:lvl3pPr>
             <a:lvl4pPr lvl="3">
@@ -5769,16 +5250,16 @@
                 <a:schemeClr val="dk1"/>
               </a:buClr>
               <a:buSzPts val="4200"/>
-              <a:buFont typeface="Economica"/>
+              <a:buFont typeface="Economica" panose="02000506040000020004"/>
               <a:buNone/>
               <a:defRPr sz="4200">
                 <a:solidFill>
                   <a:schemeClr val="dk1"/>
                 </a:solidFill>
-                <a:latin typeface="Economica"/>
-                <a:ea typeface="Economica"/>
-                <a:cs typeface="Economica"/>
-                <a:sym typeface="Economica"/>
+                <a:latin typeface="Economica" panose="02000506040000020004"/>
+                <a:ea typeface="Economica" panose="02000506040000020004"/>
+                <a:cs typeface="Economica" panose="02000506040000020004"/>
+                <a:sym typeface="Economica" panose="02000506040000020004"/>
               </a:defRPr>
             </a:lvl4pPr>
             <a:lvl5pPr lvl="4">
@@ -5792,16 +5273,16 @@
                 <a:schemeClr val="dk1"/>
               </a:buClr>
               <a:buSzPts val="4200"/>
-              <a:buFont typeface="Economica"/>
+              <a:buFont typeface="Economica" panose="02000506040000020004"/>
               <a:buNone/>
               <a:defRPr sz="4200">
                 <a:solidFill>
                   <a:schemeClr val="dk1"/>
                 </a:solidFill>
-                <a:latin typeface="Economica"/>
-                <a:ea typeface="Economica"/>
-                <a:cs typeface="Economica"/>
-                <a:sym typeface="Economica"/>
+                <a:latin typeface="Economica" panose="02000506040000020004"/>
+                <a:ea typeface="Economica" panose="02000506040000020004"/>
+                <a:cs typeface="Economica" panose="02000506040000020004"/>
+                <a:sym typeface="Economica" panose="02000506040000020004"/>
               </a:defRPr>
             </a:lvl5pPr>
             <a:lvl6pPr lvl="5">
@@ -5815,16 +5296,16 @@
                 <a:schemeClr val="dk1"/>
               </a:buClr>
               <a:buSzPts val="4200"/>
-              <a:buFont typeface="Economica"/>
+              <a:buFont typeface="Economica" panose="02000506040000020004"/>
               <a:buNone/>
               <a:defRPr sz="4200">
                 <a:solidFill>
                   <a:schemeClr val="dk1"/>
                 </a:solidFill>
-                <a:latin typeface="Economica"/>
-                <a:ea typeface="Economica"/>
-                <a:cs typeface="Economica"/>
-                <a:sym typeface="Economica"/>
+                <a:latin typeface="Economica" panose="02000506040000020004"/>
+                <a:ea typeface="Economica" panose="02000506040000020004"/>
+                <a:cs typeface="Economica" panose="02000506040000020004"/>
+                <a:sym typeface="Economica" panose="02000506040000020004"/>
               </a:defRPr>
             </a:lvl6pPr>
             <a:lvl7pPr lvl="6">
@@ -5838,16 +5319,16 @@
                 <a:schemeClr val="dk1"/>
               </a:buClr>
               <a:buSzPts val="4200"/>
-              <a:buFont typeface="Economica"/>
+              <a:buFont typeface="Economica" panose="02000506040000020004"/>
               <a:buNone/>
               <a:defRPr sz="4200">
                 <a:solidFill>
                   <a:schemeClr val="dk1"/>
                 </a:solidFill>
-                <a:latin typeface="Economica"/>
-                <a:ea typeface="Economica"/>
-                <a:cs typeface="Economica"/>
-                <a:sym typeface="Economica"/>
+                <a:latin typeface="Economica" panose="02000506040000020004"/>
+                <a:ea typeface="Economica" panose="02000506040000020004"/>
+                <a:cs typeface="Economica" panose="02000506040000020004"/>
+                <a:sym typeface="Economica" panose="02000506040000020004"/>
               </a:defRPr>
             </a:lvl7pPr>
             <a:lvl8pPr lvl="7">
@@ -5861,16 +5342,16 @@
                 <a:schemeClr val="dk1"/>
               </a:buClr>
               <a:buSzPts val="4200"/>
-              <a:buFont typeface="Economica"/>
+              <a:buFont typeface="Economica" panose="02000506040000020004"/>
               <a:buNone/>
               <a:defRPr sz="4200">
                 <a:solidFill>
                   <a:schemeClr val="dk1"/>
                 </a:solidFill>
-                <a:latin typeface="Economica"/>
-                <a:ea typeface="Economica"/>
-                <a:cs typeface="Economica"/>
-                <a:sym typeface="Economica"/>
+                <a:latin typeface="Economica" panose="02000506040000020004"/>
+                <a:ea typeface="Economica" panose="02000506040000020004"/>
+                <a:cs typeface="Economica" panose="02000506040000020004"/>
+                <a:sym typeface="Economica" panose="02000506040000020004"/>
               </a:defRPr>
             </a:lvl8pPr>
             <a:lvl9pPr lvl="8">
@@ -5884,16 +5365,16 @@
                 <a:schemeClr val="dk1"/>
               </a:buClr>
               <a:buSzPts val="4200"/>
-              <a:buFont typeface="Economica"/>
+              <a:buFont typeface="Economica" panose="02000506040000020004"/>
               <a:buNone/>
               <a:defRPr sz="4200">
                 <a:solidFill>
                   <a:schemeClr val="dk1"/>
                 </a:solidFill>
-                <a:latin typeface="Economica"/>
-                <a:ea typeface="Economica"/>
-                <a:cs typeface="Economica"/>
-                <a:sym typeface="Economica"/>
+                <a:latin typeface="Economica" panose="02000506040000020004"/>
+                <a:ea typeface="Economica" panose="02000506040000020004"/>
+                <a:cs typeface="Economica" panose="02000506040000020004"/>
+                <a:sym typeface="Economica" panose="02000506040000020004"/>
               </a:defRPr>
             </a:lvl9pPr>
           </a:lstStyle>
@@ -5905,7 +5386,7 @@
           <p:cNvPr id="7" name="Google Shape;7;p1"/>
           <p:cNvSpPr txBox="1"/>
           <p:nvPr>
-            <p:ph idx="1" type="body"/>
+            <p:ph type="body" idx="1"/>
           </p:nvPr>
         </p:nvSpPr>
         <p:spPr>
@@ -5922,11 +5403,11 @@
           </a:ln>
         </p:spPr>
         <p:txBody>
-          <a:bodyPr anchorCtr="0" anchor="t" bIns="91425" lIns="91425" spcFirstLastPara="1" rIns="91425" wrap="square" tIns="91425">
+          <a:bodyPr spcFirstLastPara="1" wrap="square" lIns="91425" tIns="91425" rIns="91425" bIns="91425" anchor="t" anchorCtr="0">
             <a:noAutofit/>
           </a:bodyPr>
           <a:lstStyle>
-            <a:lvl1pPr indent="-342900" lvl="0" marL="457200">
+            <a:lvl1pPr marL="457200" lvl="0" indent="-342900">
               <a:lnSpc>
                 <a:spcPct val="115000"/>
               </a:lnSpc>
@@ -5940,19 +5421,19 @@
                 <a:schemeClr val="dk1"/>
               </a:buClr>
               <a:buSzPts val="1800"/>
-              <a:buFont typeface="Open Sans"/>
+              <a:buFont typeface="Open Sans" panose="020B0606030504020204"/>
               <a:buChar char="●"/>
               <a:defRPr sz="1800">
                 <a:solidFill>
                   <a:schemeClr val="dk1"/>
                 </a:solidFill>
-                <a:latin typeface="Open Sans"/>
-                <a:ea typeface="Open Sans"/>
-                <a:cs typeface="Open Sans"/>
-                <a:sym typeface="Open Sans"/>
+                <a:latin typeface="Open Sans" panose="020B0606030504020204"/>
+                <a:ea typeface="Open Sans" panose="020B0606030504020204"/>
+                <a:cs typeface="Open Sans" panose="020B0606030504020204"/>
+                <a:sym typeface="Open Sans" panose="020B0606030504020204"/>
               </a:defRPr>
             </a:lvl1pPr>
-            <a:lvl2pPr indent="-317500" lvl="1" marL="914400">
+            <a:lvl2pPr marL="914400" lvl="1" indent="-317500">
               <a:lnSpc>
                 <a:spcPct val="115000"/>
               </a:lnSpc>
@@ -5966,19 +5447,19 @@
                 <a:schemeClr val="dk1"/>
               </a:buClr>
               <a:buSzPts val="1400"/>
-              <a:buFont typeface="Open Sans"/>
+              <a:buFont typeface="Open Sans" panose="020B0606030504020204"/>
               <a:buChar char="○"/>
               <a:defRPr>
                 <a:solidFill>
                   <a:schemeClr val="dk1"/>
                 </a:solidFill>
-                <a:latin typeface="Open Sans"/>
-                <a:ea typeface="Open Sans"/>
-                <a:cs typeface="Open Sans"/>
-                <a:sym typeface="Open Sans"/>
+                <a:latin typeface="Open Sans" panose="020B0606030504020204"/>
+                <a:ea typeface="Open Sans" panose="020B0606030504020204"/>
+                <a:cs typeface="Open Sans" panose="020B0606030504020204"/>
+                <a:sym typeface="Open Sans" panose="020B0606030504020204"/>
               </a:defRPr>
             </a:lvl2pPr>
-            <a:lvl3pPr indent="-317500" lvl="2" marL="1371600">
+            <a:lvl3pPr marL="1371600" lvl="2" indent="-317500">
               <a:lnSpc>
                 <a:spcPct val="115000"/>
               </a:lnSpc>
@@ -5992,19 +5473,19 @@
                 <a:schemeClr val="dk1"/>
               </a:buClr>
               <a:buSzPts val="1400"/>
-              <a:buFont typeface="Open Sans"/>
+              <a:buFont typeface="Open Sans" panose="020B0606030504020204"/>
               <a:buChar char="■"/>
               <a:defRPr>
                 <a:solidFill>
                   <a:schemeClr val="dk1"/>
                 </a:solidFill>
-                <a:latin typeface="Open Sans"/>
-                <a:ea typeface="Open Sans"/>
-                <a:cs typeface="Open Sans"/>
-                <a:sym typeface="Open Sans"/>
+                <a:latin typeface="Open Sans" panose="020B0606030504020204"/>
+                <a:ea typeface="Open Sans" panose="020B0606030504020204"/>
+                <a:cs typeface="Open Sans" panose="020B0606030504020204"/>
+                <a:sym typeface="Open Sans" panose="020B0606030504020204"/>
               </a:defRPr>
             </a:lvl3pPr>
-            <a:lvl4pPr indent="-317500" lvl="3" marL="1828800">
+            <a:lvl4pPr marL="1828800" lvl="3" indent="-317500">
               <a:lnSpc>
                 <a:spcPct val="115000"/>
               </a:lnSpc>
@@ -6018,19 +5499,19 @@
                 <a:schemeClr val="dk1"/>
               </a:buClr>
               <a:buSzPts val="1400"/>
-              <a:buFont typeface="Open Sans"/>
+              <a:buFont typeface="Open Sans" panose="020B0606030504020204"/>
               <a:buChar char="●"/>
               <a:defRPr>
                 <a:solidFill>
                   <a:schemeClr val="dk1"/>
                 </a:solidFill>
-                <a:latin typeface="Open Sans"/>
-                <a:ea typeface="Open Sans"/>
-                <a:cs typeface="Open Sans"/>
-                <a:sym typeface="Open Sans"/>
+                <a:latin typeface="Open Sans" panose="020B0606030504020204"/>
+                <a:ea typeface="Open Sans" panose="020B0606030504020204"/>
+                <a:cs typeface="Open Sans" panose="020B0606030504020204"/>
+                <a:sym typeface="Open Sans" panose="020B0606030504020204"/>
               </a:defRPr>
             </a:lvl4pPr>
-            <a:lvl5pPr indent="-317500" lvl="4" marL="2286000">
+            <a:lvl5pPr marL="2286000" lvl="4" indent="-317500">
               <a:lnSpc>
                 <a:spcPct val="115000"/>
               </a:lnSpc>
@@ -6044,19 +5525,19 @@
                 <a:schemeClr val="dk1"/>
               </a:buClr>
               <a:buSzPts val="1400"/>
-              <a:buFont typeface="Open Sans"/>
+              <a:buFont typeface="Open Sans" panose="020B0606030504020204"/>
               <a:buChar char="○"/>
               <a:defRPr>
                 <a:solidFill>
                   <a:schemeClr val="dk1"/>
                 </a:solidFill>
-                <a:latin typeface="Open Sans"/>
-                <a:ea typeface="Open Sans"/>
-                <a:cs typeface="Open Sans"/>
-                <a:sym typeface="Open Sans"/>
+                <a:latin typeface="Open Sans" panose="020B0606030504020204"/>
+                <a:ea typeface="Open Sans" panose="020B0606030504020204"/>
+                <a:cs typeface="Open Sans" panose="020B0606030504020204"/>
+                <a:sym typeface="Open Sans" panose="020B0606030504020204"/>
               </a:defRPr>
             </a:lvl5pPr>
-            <a:lvl6pPr indent="-317500" lvl="5" marL="2743200">
+            <a:lvl6pPr marL="2743200" lvl="5" indent="-317500">
               <a:lnSpc>
                 <a:spcPct val="115000"/>
               </a:lnSpc>
@@ -6070,19 +5551,19 @@
                 <a:schemeClr val="dk1"/>
               </a:buClr>
               <a:buSzPts val="1400"/>
-              <a:buFont typeface="Open Sans"/>
+              <a:buFont typeface="Open Sans" panose="020B0606030504020204"/>
               <a:buChar char="■"/>
               <a:defRPr>
                 <a:solidFill>
                   <a:schemeClr val="dk1"/>
                 </a:solidFill>
-                <a:latin typeface="Open Sans"/>
-                <a:ea typeface="Open Sans"/>
-                <a:cs typeface="Open Sans"/>
-                <a:sym typeface="Open Sans"/>
+                <a:latin typeface="Open Sans" panose="020B0606030504020204"/>
+                <a:ea typeface="Open Sans" panose="020B0606030504020204"/>
+                <a:cs typeface="Open Sans" panose="020B0606030504020204"/>
+                <a:sym typeface="Open Sans" panose="020B0606030504020204"/>
               </a:defRPr>
             </a:lvl6pPr>
-            <a:lvl7pPr indent="-317500" lvl="6" marL="3200400">
+            <a:lvl7pPr marL="3200400" lvl="6" indent="-317500">
               <a:lnSpc>
                 <a:spcPct val="115000"/>
               </a:lnSpc>
@@ -6096,19 +5577,19 @@
                 <a:schemeClr val="dk1"/>
               </a:buClr>
               <a:buSzPts val="1400"/>
-              <a:buFont typeface="Open Sans"/>
+              <a:buFont typeface="Open Sans" panose="020B0606030504020204"/>
               <a:buChar char="●"/>
               <a:defRPr>
                 <a:solidFill>
                   <a:schemeClr val="dk1"/>
                 </a:solidFill>
-                <a:latin typeface="Open Sans"/>
-                <a:ea typeface="Open Sans"/>
-                <a:cs typeface="Open Sans"/>
-                <a:sym typeface="Open Sans"/>
+                <a:latin typeface="Open Sans" panose="020B0606030504020204"/>
+                <a:ea typeface="Open Sans" panose="020B0606030504020204"/>
+                <a:cs typeface="Open Sans" panose="020B0606030504020204"/>
+                <a:sym typeface="Open Sans" panose="020B0606030504020204"/>
               </a:defRPr>
             </a:lvl7pPr>
-            <a:lvl8pPr indent="-317500" lvl="7" marL="3657600">
+            <a:lvl8pPr marL="3657600" lvl="7" indent="-317500">
               <a:lnSpc>
                 <a:spcPct val="115000"/>
               </a:lnSpc>
@@ -6122,19 +5603,19 @@
                 <a:schemeClr val="dk1"/>
               </a:buClr>
               <a:buSzPts val="1400"/>
-              <a:buFont typeface="Open Sans"/>
+              <a:buFont typeface="Open Sans" panose="020B0606030504020204"/>
               <a:buChar char="○"/>
               <a:defRPr>
                 <a:solidFill>
                   <a:schemeClr val="dk1"/>
                 </a:solidFill>
-                <a:latin typeface="Open Sans"/>
-                <a:ea typeface="Open Sans"/>
-                <a:cs typeface="Open Sans"/>
-                <a:sym typeface="Open Sans"/>
+                <a:latin typeface="Open Sans" panose="020B0606030504020204"/>
+                <a:ea typeface="Open Sans" panose="020B0606030504020204"/>
+                <a:cs typeface="Open Sans" panose="020B0606030504020204"/>
+                <a:sym typeface="Open Sans" panose="020B0606030504020204"/>
               </a:defRPr>
             </a:lvl8pPr>
-            <a:lvl9pPr indent="-317500" lvl="8" marL="4114800">
+            <a:lvl9pPr marL="4114800" lvl="8" indent="-317500">
               <a:lnSpc>
                 <a:spcPct val="115000"/>
               </a:lnSpc>
@@ -6148,16 +5629,16 @@
                 <a:schemeClr val="dk1"/>
               </a:buClr>
               <a:buSzPts val="1400"/>
-              <a:buFont typeface="Open Sans"/>
+              <a:buFont typeface="Open Sans" panose="020B0606030504020204"/>
               <a:buChar char="■"/>
               <a:defRPr>
                 <a:solidFill>
                   <a:schemeClr val="dk1"/>
                 </a:solidFill>
-                <a:latin typeface="Open Sans"/>
-                <a:ea typeface="Open Sans"/>
-                <a:cs typeface="Open Sans"/>
-                <a:sym typeface="Open Sans"/>
+                <a:latin typeface="Open Sans" panose="020B0606030504020204"/>
+                <a:ea typeface="Open Sans" panose="020B0606030504020204"/>
+                <a:cs typeface="Open Sans" panose="020B0606030504020204"/>
+                <a:sym typeface="Open Sans" panose="020B0606030504020204"/>
               </a:defRPr>
             </a:lvl9pPr>
           </a:lstStyle>
@@ -6169,7 +5650,7 @@
           <p:cNvPr id="8" name="Google Shape;8;p1"/>
           <p:cNvSpPr txBox="1"/>
           <p:nvPr>
-            <p:ph idx="12" type="sldNum"/>
+            <p:ph type="sldNum" idx="12"/>
           </p:nvPr>
         </p:nvSpPr>
         <p:spPr>
@@ -6186,7 +5667,7 @@
           </a:ln>
         </p:spPr>
         <p:txBody>
-          <a:bodyPr anchorCtr="0" anchor="ctr" bIns="91425" lIns="91425" spcFirstLastPara="1" rIns="91425" wrap="square" tIns="91425">
+          <a:bodyPr spcFirstLastPara="1" wrap="square" lIns="91425" tIns="91425" rIns="91425" bIns="91425" anchor="ctr" anchorCtr="0">
             <a:noAutofit/>
           </a:bodyPr>
           <a:lstStyle>
@@ -6196,10 +5677,10 @@
                 <a:solidFill>
                   <a:schemeClr val="dk1"/>
                 </a:solidFill>
-                <a:latin typeface="Economica"/>
-                <a:ea typeface="Economica"/>
-                <a:cs typeface="Economica"/>
-                <a:sym typeface="Economica"/>
+                <a:latin typeface="Economica" panose="02000506040000020004"/>
+                <a:ea typeface="Economica" panose="02000506040000020004"/>
+                <a:cs typeface="Economica" panose="02000506040000020004"/>
+                <a:sym typeface="Economica" panose="02000506040000020004"/>
               </a:defRPr>
             </a:lvl1pPr>
             <a:lvl2pPr lvl="1" algn="r">
@@ -6208,10 +5689,10 @@
                 <a:solidFill>
                   <a:schemeClr val="dk1"/>
                 </a:solidFill>
-                <a:latin typeface="Economica"/>
-                <a:ea typeface="Economica"/>
-                <a:cs typeface="Economica"/>
-                <a:sym typeface="Economica"/>
+                <a:latin typeface="Economica" panose="02000506040000020004"/>
+                <a:ea typeface="Economica" panose="02000506040000020004"/>
+                <a:cs typeface="Economica" panose="02000506040000020004"/>
+                <a:sym typeface="Economica" panose="02000506040000020004"/>
               </a:defRPr>
             </a:lvl2pPr>
             <a:lvl3pPr lvl="2" algn="r">
@@ -6220,10 +5701,10 @@
                 <a:solidFill>
                   <a:schemeClr val="dk1"/>
                 </a:solidFill>
-                <a:latin typeface="Economica"/>
-                <a:ea typeface="Economica"/>
-                <a:cs typeface="Economica"/>
-                <a:sym typeface="Economica"/>
+                <a:latin typeface="Economica" panose="02000506040000020004"/>
+                <a:ea typeface="Economica" panose="02000506040000020004"/>
+                <a:cs typeface="Economica" panose="02000506040000020004"/>
+                <a:sym typeface="Economica" panose="02000506040000020004"/>
               </a:defRPr>
             </a:lvl3pPr>
             <a:lvl4pPr lvl="3" algn="r">
@@ -6232,10 +5713,10 @@
                 <a:solidFill>
                   <a:schemeClr val="dk1"/>
                 </a:solidFill>
-                <a:latin typeface="Economica"/>
-                <a:ea typeface="Economica"/>
-                <a:cs typeface="Economica"/>
-                <a:sym typeface="Economica"/>
+                <a:latin typeface="Economica" panose="02000506040000020004"/>
+                <a:ea typeface="Economica" panose="02000506040000020004"/>
+                <a:cs typeface="Economica" panose="02000506040000020004"/>
+                <a:sym typeface="Economica" panose="02000506040000020004"/>
               </a:defRPr>
             </a:lvl4pPr>
             <a:lvl5pPr lvl="4" algn="r">
@@ -6244,10 +5725,10 @@
                 <a:solidFill>
                   <a:schemeClr val="dk1"/>
                 </a:solidFill>
-                <a:latin typeface="Economica"/>
-                <a:ea typeface="Economica"/>
-                <a:cs typeface="Economica"/>
-                <a:sym typeface="Economica"/>
+                <a:latin typeface="Economica" panose="02000506040000020004"/>
+                <a:ea typeface="Economica" panose="02000506040000020004"/>
+                <a:cs typeface="Economica" panose="02000506040000020004"/>
+                <a:sym typeface="Economica" panose="02000506040000020004"/>
               </a:defRPr>
             </a:lvl5pPr>
             <a:lvl6pPr lvl="5" algn="r">
@@ -6256,10 +5737,10 @@
                 <a:solidFill>
                   <a:schemeClr val="dk1"/>
                 </a:solidFill>
-                <a:latin typeface="Economica"/>
-                <a:ea typeface="Economica"/>
-                <a:cs typeface="Economica"/>
-                <a:sym typeface="Economica"/>
+                <a:latin typeface="Economica" panose="02000506040000020004"/>
+                <a:ea typeface="Economica" panose="02000506040000020004"/>
+                <a:cs typeface="Economica" panose="02000506040000020004"/>
+                <a:sym typeface="Economica" panose="02000506040000020004"/>
               </a:defRPr>
             </a:lvl6pPr>
             <a:lvl7pPr lvl="6" algn="r">
@@ -6268,10 +5749,10 @@
                 <a:solidFill>
                   <a:schemeClr val="dk1"/>
                 </a:solidFill>
-                <a:latin typeface="Economica"/>
-                <a:ea typeface="Economica"/>
-                <a:cs typeface="Economica"/>
-                <a:sym typeface="Economica"/>
+                <a:latin typeface="Economica" panose="02000506040000020004"/>
+                <a:ea typeface="Economica" panose="02000506040000020004"/>
+                <a:cs typeface="Economica" panose="02000506040000020004"/>
+                <a:sym typeface="Economica" panose="02000506040000020004"/>
               </a:defRPr>
             </a:lvl7pPr>
             <a:lvl8pPr lvl="7" algn="r">
@@ -6280,10 +5761,10 @@
                 <a:solidFill>
                   <a:schemeClr val="dk1"/>
                 </a:solidFill>
-                <a:latin typeface="Economica"/>
-                <a:ea typeface="Economica"/>
-                <a:cs typeface="Economica"/>
-                <a:sym typeface="Economica"/>
+                <a:latin typeface="Economica" panose="02000506040000020004"/>
+                <a:ea typeface="Economica" panose="02000506040000020004"/>
+                <a:cs typeface="Economica" panose="02000506040000020004"/>
+                <a:sym typeface="Economica" panose="02000506040000020004"/>
               </a:defRPr>
             </a:lvl8pPr>
             <a:lvl9pPr lvl="8" algn="r">
@@ -6292,15 +5773,15 @@
                 <a:solidFill>
                   <a:schemeClr val="dk1"/>
                 </a:solidFill>
-                <a:latin typeface="Economica"/>
-                <a:ea typeface="Economica"/>
-                <a:cs typeface="Economica"/>
-                <a:sym typeface="Economica"/>
+                <a:latin typeface="Economica" panose="02000506040000020004"/>
+                <a:ea typeface="Economica" panose="02000506040000020004"/>
+                <a:cs typeface="Economica" panose="02000506040000020004"/>
+                <a:sym typeface="Economica" panose="02000506040000020004"/>
               </a:defRPr>
             </a:lvl9pPr>
           </a:lstStyle>
           <a:p>
-            <a:pPr indent="0" lvl="0" marL="0" rtl="0" algn="r">
+            <a:pPr marL="0" lvl="0" indent="0" algn="r" rtl="0">
               <a:spcBef>
                 <a:spcPts val="0"/>
               </a:spcBef>
@@ -6310,33 +5791,32 @@
               <a:buNone/>
             </a:pPr>
             <a:fld id="{00000000-1234-1234-1234-123412341234}" type="slidenum">
-              <a:rPr lang="en"/>
-              <a:t>‹#›</a:t>
+              <a:rPr lang="en-GB"/>
             </a:fld>
-            <a:endParaRPr/>
+            <a:endParaRPr lang="en-GB"/>
           </a:p>
         </p:txBody>
       </p:sp>
     </p:spTree>
   </p:cSld>
-  <p:clrMap accent1="accent1" accent2="accent2" accent3="accent3" accent4="accent4" accent5="accent5" accent6="accent6" bg1="lt1" bg2="dk2" tx1="dk1" tx2="lt2" folHlink="folHlink" hlink="hlink"/>
+  <p:clrMap bg1="lt1" tx1="dk1" bg2="dk2" tx2="lt2" accent1="accent1" accent2="accent2" accent3="accent3" accent4="accent4" accent5="accent5" accent6="accent6" hlink="hlink" folHlink="folHlink"/>
   <p:sldLayoutIdLst>
-    <p:sldLayoutId id="2147483648" r:id="rId1"/>
-    <p:sldLayoutId id="2147483649" r:id="rId2"/>
-    <p:sldLayoutId id="2147483650" r:id="rId3"/>
-    <p:sldLayoutId id="2147483651" r:id="rId4"/>
-    <p:sldLayoutId id="2147483652" r:id="rId5"/>
-    <p:sldLayoutId id="2147483653" r:id="rId6"/>
-    <p:sldLayoutId id="2147483654" r:id="rId7"/>
-    <p:sldLayoutId id="2147483655" r:id="rId8"/>
-    <p:sldLayoutId id="2147483656" r:id="rId9"/>
-    <p:sldLayoutId id="2147483657" r:id="rId10"/>
-    <p:sldLayoutId id="2147483658" r:id="rId11"/>
+    <p:sldLayoutId id="2147483649" r:id="rId1"/>
+    <p:sldLayoutId id="2147483650" r:id="rId2"/>
+    <p:sldLayoutId id="2147483651" r:id="rId3"/>
+    <p:sldLayoutId id="2147483652" r:id="rId4"/>
+    <p:sldLayoutId id="2147483653" r:id="rId5"/>
+    <p:sldLayoutId id="2147483654" r:id="rId6"/>
+    <p:sldLayoutId id="2147483655" r:id="rId7"/>
+    <p:sldLayoutId id="2147483656" r:id="rId8"/>
+    <p:sldLayoutId id="2147483657" r:id="rId9"/>
+    <p:sldLayoutId id="2147483658" r:id="rId10"/>
+    <p:sldLayoutId id="2147483659" r:id="rId11"/>
   </p:sldLayoutIdLst>
-  <p:hf dt="0" ftr="0" hdr="0" sldNum="0"/>
+  <p:hf sldNum="0" hdr="0" ftr="0" dt="0"/>
   <p:txStyles>
     <p:titleStyle>
-      <a:defPPr lvl="0" marR="0" rtl="0" algn="l">
+      <a:defPPr marR="0" lvl="0" algn="l" rtl="0">
         <a:lnSpc>
           <a:spcPct val="100000"/>
         </a:lnSpc>
@@ -6347,7 +5827,7 @@
           <a:spcPts val="0"/>
         </a:spcAft>
       </a:defPPr>
-      <a:lvl1pPr lvl="0" marR="0" rtl="0" algn="l">
+      <a:lvl1pPr marR="0" lvl="0" algn="l" rtl="0">
         <a:lnSpc>
           <a:spcPct val="100000"/>
         </a:lnSpc>
@@ -6360,18 +5840,18 @@
         <a:buClr>
           <a:srgbClr val="000000"/>
         </a:buClr>
-        <a:buFont typeface="Arial"/>
-        <a:defRPr b="0" i="0" sz="1400" u="none" cap="none" strike="noStrike">
+        <a:buFont typeface="Arial" panose="020B0604020202020204"/>
+        <a:defRPr sz="1400" b="0" i="0" u="none" strike="noStrike" cap="none">
           <a:solidFill>
             <a:srgbClr val="000000"/>
           </a:solidFill>
-          <a:latin typeface="Arial"/>
-          <a:ea typeface="Arial"/>
-          <a:cs typeface="Arial"/>
-          <a:sym typeface="Arial"/>
+          <a:latin typeface="Arial" panose="020B0604020202020204"/>
+          <a:ea typeface="Arial" panose="020B0604020202020204"/>
+          <a:cs typeface="Arial" panose="020B0604020202020204"/>
+          <a:sym typeface="Arial" panose="020B0604020202020204"/>
         </a:defRPr>
       </a:lvl1pPr>
-      <a:lvl2pPr lvl="1" marR="0" rtl="0" algn="l">
+      <a:lvl2pPr marR="0" lvl="1" algn="l" rtl="0">
         <a:lnSpc>
           <a:spcPct val="100000"/>
         </a:lnSpc>
@@ -6384,18 +5864,18 @@
         <a:buClr>
           <a:srgbClr val="000000"/>
         </a:buClr>
-        <a:buFont typeface="Arial"/>
-        <a:defRPr b="0" i="0" sz="1400" u="none" cap="none" strike="noStrike">
+        <a:buFont typeface="Arial" panose="020B0604020202020204"/>
+        <a:defRPr sz="1400" b="0" i="0" u="none" strike="noStrike" cap="none">
           <a:solidFill>
             <a:srgbClr val="000000"/>
           </a:solidFill>
-          <a:latin typeface="Arial"/>
-          <a:ea typeface="Arial"/>
-          <a:cs typeface="Arial"/>
-          <a:sym typeface="Arial"/>
+          <a:latin typeface="Arial" panose="020B0604020202020204"/>
+          <a:ea typeface="Arial" panose="020B0604020202020204"/>
+          <a:cs typeface="Arial" panose="020B0604020202020204"/>
+          <a:sym typeface="Arial" panose="020B0604020202020204"/>
         </a:defRPr>
       </a:lvl2pPr>
-      <a:lvl3pPr lvl="2" marR="0" rtl="0" algn="l">
+      <a:lvl3pPr marR="0" lvl="2" algn="l" rtl="0">
         <a:lnSpc>
           <a:spcPct val="100000"/>
         </a:lnSpc>
@@ -6408,18 +5888,18 @@
         <a:buClr>
           <a:srgbClr val="000000"/>
         </a:buClr>
-        <a:buFont typeface="Arial"/>
-        <a:defRPr b="0" i="0" sz="1400" u="none" cap="none" strike="noStrike">
+        <a:buFont typeface="Arial" panose="020B0604020202020204"/>
+        <a:defRPr sz="1400" b="0" i="0" u="none" strike="noStrike" cap="none">
           <a:solidFill>
             <a:srgbClr val="000000"/>
           </a:solidFill>
-          <a:latin typeface="Arial"/>
-          <a:ea typeface="Arial"/>
-          <a:cs typeface="Arial"/>
-          <a:sym typeface="Arial"/>
+          <a:latin typeface="Arial" panose="020B0604020202020204"/>
+          <a:ea typeface="Arial" panose="020B0604020202020204"/>
+          <a:cs typeface="Arial" panose="020B0604020202020204"/>
+          <a:sym typeface="Arial" panose="020B0604020202020204"/>
         </a:defRPr>
       </a:lvl3pPr>
-      <a:lvl4pPr lvl="3" marR="0" rtl="0" algn="l">
+      <a:lvl4pPr marR="0" lvl="3" algn="l" rtl="0">
         <a:lnSpc>
           <a:spcPct val="100000"/>
         </a:lnSpc>
@@ -6432,18 +5912,18 @@
         <a:buClr>
           <a:srgbClr val="000000"/>
         </a:buClr>
-        <a:buFont typeface="Arial"/>
-        <a:defRPr b="0" i="0" sz="1400" u="none" cap="none" strike="noStrike">
+        <a:buFont typeface="Arial" panose="020B0604020202020204"/>
+        <a:defRPr sz="1400" b="0" i="0" u="none" strike="noStrike" cap="none">
           <a:solidFill>
             <a:srgbClr val="000000"/>
           </a:solidFill>
-          <a:latin typeface="Arial"/>
-          <a:ea typeface="Arial"/>
-          <a:cs typeface="Arial"/>
-          <a:sym typeface="Arial"/>
+          <a:latin typeface="Arial" panose="020B0604020202020204"/>
+          <a:ea typeface="Arial" panose="020B0604020202020204"/>
+          <a:cs typeface="Arial" panose="020B0604020202020204"/>
+          <a:sym typeface="Arial" panose="020B0604020202020204"/>
         </a:defRPr>
       </a:lvl4pPr>
-      <a:lvl5pPr lvl="4" marR="0" rtl="0" algn="l">
+      <a:lvl5pPr marR="0" lvl="4" algn="l" rtl="0">
         <a:lnSpc>
           <a:spcPct val="100000"/>
         </a:lnSpc>
@@ -6456,18 +5936,18 @@
         <a:buClr>
           <a:srgbClr val="000000"/>
         </a:buClr>
-        <a:buFont typeface="Arial"/>
-        <a:defRPr b="0" i="0" sz="1400" u="none" cap="none" strike="noStrike">
+        <a:buFont typeface="Arial" panose="020B0604020202020204"/>
+        <a:defRPr sz="1400" b="0" i="0" u="none" strike="noStrike" cap="none">
           <a:solidFill>
             <a:srgbClr val="000000"/>
           </a:solidFill>
-          <a:latin typeface="Arial"/>
-          <a:ea typeface="Arial"/>
-          <a:cs typeface="Arial"/>
-          <a:sym typeface="Arial"/>
+          <a:latin typeface="Arial" panose="020B0604020202020204"/>
+          <a:ea typeface="Arial" panose="020B0604020202020204"/>
+          <a:cs typeface="Arial" panose="020B0604020202020204"/>
+          <a:sym typeface="Arial" panose="020B0604020202020204"/>
         </a:defRPr>
       </a:lvl5pPr>
-      <a:lvl6pPr lvl="5" marR="0" rtl="0" algn="l">
+      <a:lvl6pPr marR="0" lvl="5" algn="l" rtl="0">
         <a:lnSpc>
           <a:spcPct val="100000"/>
         </a:lnSpc>
@@ -6480,18 +5960,18 @@
         <a:buClr>
           <a:srgbClr val="000000"/>
         </a:buClr>
-        <a:buFont typeface="Arial"/>
-        <a:defRPr b="0" i="0" sz="1400" u="none" cap="none" strike="noStrike">
+        <a:buFont typeface="Arial" panose="020B0604020202020204"/>
+        <a:defRPr sz="1400" b="0" i="0" u="none" strike="noStrike" cap="none">
           <a:solidFill>
             <a:srgbClr val="000000"/>
           </a:solidFill>
-          <a:latin typeface="Arial"/>
-          <a:ea typeface="Arial"/>
-          <a:cs typeface="Arial"/>
-          <a:sym typeface="Arial"/>
+          <a:latin typeface="Arial" panose="020B0604020202020204"/>
+          <a:ea typeface="Arial" panose="020B0604020202020204"/>
+          <a:cs typeface="Arial" panose="020B0604020202020204"/>
+          <a:sym typeface="Arial" panose="020B0604020202020204"/>
         </a:defRPr>
       </a:lvl6pPr>
-      <a:lvl7pPr lvl="6" marR="0" rtl="0" algn="l">
+      <a:lvl7pPr marR="0" lvl="6" algn="l" rtl="0">
         <a:lnSpc>
           <a:spcPct val="100000"/>
         </a:lnSpc>
@@ -6504,18 +5984,18 @@
         <a:buClr>
           <a:srgbClr val="000000"/>
         </a:buClr>
-        <a:buFont typeface="Arial"/>
-        <a:defRPr b="0" i="0" sz="1400" u="none" cap="none" strike="noStrike">
+        <a:buFont typeface="Arial" panose="020B0604020202020204"/>
+        <a:defRPr sz="1400" b="0" i="0" u="none" strike="noStrike" cap="none">
           <a:solidFill>
             <a:srgbClr val="000000"/>
           </a:solidFill>
-          <a:latin typeface="Arial"/>
-          <a:ea typeface="Arial"/>
-          <a:cs typeface="Arial"/>
-          <a:sym typeface="Arial"/>
+          <a:latin typeface="Arial" panose="020B0604020202020204"/>
+          <a:ea typeface="Arial" panose="020B0604020202020204"/>
+          <a:cs typeface="Arial" panose="020B0604020202020204"/>
+          <a:sym typeface="Arial" panose="020B0604020202020204"/>
         </a:defRPr>
       </a:lvl7pPr>
-      <a:lvl8pPr lvl="7" marR="0" rtl="0" algn="l">
+      <a:lvl8pPr marR="0" lvl="7" algn="l" rtl="0">
         <a:lnSpc>
           <a:spcPct val="100000"/>
         </a:lnSpc>
@@ -6528,18 +6008,18 @@
         <a:buClr>
           <a:srgbClr val="000000"/>
         </a:buClr>
-        <a:buFont typeface="Arial"/>
-        <a:defRPr b="0" i="0" sz="1400" u="none" cap="none" strike="noStrike">
+        <a:buFont typeface="Arial" panose="020B0604020202020204"/>
+        <a:defRPr sz="1400" b="0" i="0" u="none" strike="noStrike" cap="none">
           <a:solidFill>
             <a:srgbClr val="000000"/>
           </a:solidFill>
-          <a:latin typeface="Arial"/>
-          <a:ea typeface="Arial"/>
-          <a:cs typeface="Arial"/>
-          <a:sym typeface="Arial"/>
+          <a:latin typeface="Arial" panose="020B0604020202020204"/>
+          <a:ea typeface="Arial" panose="020B0604020202020204"/>
+          <a:cs typeface="Arial" panose="020B0604020202020204"/>
+          <a:sym typeface="Arial" panose="020B0604020202020204"/>
         </a:defRPr>
       </a:lvl8pPr>
-      <a:lvl9pPr lvl="8" marR="0" rtl="0" algn="l">
+      <a:lvl9pPr marR="0" lvl="8" algn="l" rtl="0">
         <a:lnSpc>
           <a:spcPct val="100000"/>
         </a:lnSpc>
@@ -6552,20 +6032,20 @@
         <a:buClr>
           <a:srgbClr val="000000"/>
         </a:buClr>
-        <a:buFont typeface="Arial"/>
-        <a:defRPr b="0" i="0" sz="1400" u="none" cap="none" strike="noStrike">
+        <a:buFont typeface="Arial" panose="020B0604020202020204"/>
+        <a:defRPr sz="1400" b="0" i="0" u="none" strike="noStrike" cap="none">
           <a:solidFill>
             <a:srgbClr val="000000"/>
           </a:solidFill>
-          <a:latin typeface="Arial"/>
-          <a:ea typeface="Arial"/>
-          <a:cs typeface="Arial"/>
-          <a:sym typeface="Arial"/>
+          <a:latin typeface="Arial" panose="020B0604020202020204"/>
+          <a:ea typeface="Arial" panose="020B0604020202020204"/>
+          <a:cs typeface="Arial" panose="020B0604020202020204"/>
+          <a:sym typeface="Arial" panose="020B0604020202020204"/>
         </a:defRPr>
       </a:lvl9pPr>
     </p:titleStyle>
     <p:bodyStyle>
-      <a:defPPr lvl="0" marR="0" rtl="0" algn="l">
+      <a:defPPr marR="0" lvl="0" algn="l" rtl="0">
         <a:lnSpc>
           <a:spcPct val="100000"/>
         </a:lnSpc>
@@ -6576,7 +6056,7 @@
           <a:spcPts val="0"/>
         </a:spcAft>
       </a:defPPr>
-      <a:lvl1pPr lvl="0" marR="0" rtl="0" algn="l">
+      <a:lvl1pPr marR="0" lvl="0" algn="l" rtl="0">
         <a:lnSpc>
           <a:spcPct val="100000"/>
         </a:lnSpc>
@@ -6589,18 +6069,18 @@
         <a:buClr>
           <a:srgbClr val="000000"/>
         </a:buClr>
-        <a:buFont typeface="Arial"/>
-        <a:defRPr b="0" i="0" sz="1400" u="none" cap="none" strike="noStrike">
+        <a:buFont typeface="Arial" panose="020B0604020202020204"/>
+        <a:defRPr sz="1400" b="0" i="0" u="none" strike="noStrike" cap="none">
           <a:solidFill>
             <a:srgbClr val="000000"/>
           </a:solidFill>
-          <a:latin typeface="Arial"/>
-          <a:ea typeface="Arial"/>
-          <a:cs typeface="Arial"/>
-          <a:sym typeface="Arial"/>
+          <a:latin typeface="Arial" panose="020B0604020202020204"/>
+          <a:ea typeface="Arial" panose="020B0604020202020204"/>
+          <a:cs typeface="Arial" panose="020B0604020202020204"/>
+          <a:sym typeface="Arial" panose="020B0604020202020204"/>
         </a:defRPr>
       </a:lvl1pPr>
-      <a:lvl2pPr lvl="1" marR="0" rtl="0" algn="l">
+      <a:lvl2pPr marR="0" lvl="1" algn="l" rtl="0">
         <a:lnSpc>
           <a:spcPct val="100000"/>
         </a:lnSpc>
@@ -6613,18 +6093,18 @@
         <a:buClr>
           <a:srgbClr val="000000"/>
         </a:buClr>
-        <a:buFont typeface="Arial"/>
-        <a:defRPr b="0" i="0" sz="1400" u="none" cap="none" strike="noStrike">
+        <a:buFont typeface="Arial" panose="020B0604020202020204"/>
+        <a:defRPr sz="1400" b="0" i="0" u="none" strike="noStrike" cap="none">
           <a:solidFill>
             <a:srgbClr val="000000"/>
           </a:solidFill>
-          <a:latin typeface="Arial"/>
-          <a:ea typeface="Arial"/>
-          <a:cs typeface="Arial"/>
-          <a:sym typeface="Arial"/>
+          <a:latin typeface="Arial" panose="020B0604020202020204"/>
+          <a:ea typeface="Arial" panose="020B0604020202020204"/>
+          <a:cs typeface="Arial" panose="020B0604020202020204"/>
+          <a:sym typeface="Arial" panose="020B0604020202020204"/>
         </a:defRPr>
       </a:lvl2pPr>
-      <a:lvl3pPr lvl="2" marR="0" rtl="0" algn="l">
+      <a:lvl3pPr marR="0" lvl="2" algn="l" rtl="0">
         <a:lnSpc>
           <a:spcPct val="100000"/>
         </a:lnSpc>
@@ -6637,18 +6117,18 @@
         <a:buClr>
           <a:srgbClr val="000000"/>
         </a:buClr>
-        <a:buFont typeface="Arial"/>
-        <a:defRPr b="0" i="0" sz="1400" u="none" cap="none" strike="noStrike">
+        <a:buFont typeface="Arial" panose="020B0604020202020204"/>
+        <a:defRPr sz="1400" b="0" i="0" u="none" strike="noStrike" cap="none">
           <a:solidFill>
             <a:srgbClr val="000000"/>
           </a:solidFill>
-          <a:latin typeface="Arial"/>
-          <a:ea typeface="Arial"/>
-          <a:cs typeface="Arial"/>
-          <a:sym typeface="Arial"/>
+          <a:latin typeface="Arial" panose="020B0604020202020204"/>
+          <a:ea typeface="Arial" panose="020B0604020202020204"/>
+          <a:cs typeface="Arial" panose="020B0604020202020204"/>
+          <a:sym typeface="Arial" panose="020B0604020202020204"/>
         </a:defRPr>
       </a:lvl3pPr>
-      <a:lvl4pPr lvl="3" marR="0" rtl="0" algn="l">
+      <a:lvl4pPr marR="0" lvl="3" algn="l" rtl="0">
         <a:lnSpc>
           <a:spcPct val="100000"/>
         </a:lnSpc>
@@ -6661,18 +6141,18 @@
         <a:buClr>
           <a:srgbClr val="000000"/>
         </a:buClr>
-        <a:buFont typeface="Arial"/>
-        <a:defRPr b="0" i="0" sz="1400" u="none" cap="none" strike="noStrike">
+        <a:buFont typeface="Arial" panose="020B0604020202020204"/>
+        <a:defRPr sz="1400" b="0" i="0" u="none" strike="noStrike" cap="none">
           <a:solidFill>
             <a:srgbClr val="000000"/>
           </a:solidFill>
-          <a:latin typeface="Arial"/>
-          <a:ea typeface="Arial"/>
-          <a:cs typeface="Arial"/>
-          <a:sym typeface="Arial"/>
+          <a:latin typeface="Arial" panose="020B0604020202020204"/>
+          <a:ea typeface="Arial" panose="020B0604020202020204"/>
+          <a:cs typeface="Arial" panose="020B0604020202020204"/>
+          <a:sym typeface="Arial" panose="020B0604020202020204"/>
         </a:defRPr>
       </a:lvl4pPr>
-      <a:lvl5pPr lvl="4" marR="0" rtl="0" algn="l">
+      <a:lvl5pPr marR="0" lvl="4" algn="l" rtl="0">
         <a:lnSpc>
           <a:spcPct val="100000"/>
         </a:lnSpc>
@@ -6685,18 +6165,18 @@
         <a:buClr>
           <a:srgbClr val="000000"/>
         </a:buClr>
-        <a:buFont typeface="Arial"/>
-        <a:defRPr b="0" i="0" sz="1400" u="none" cap="none" strike="noStrike">
+        <a:buFont typeface="Arial" panose="020B0604020202020204"/>
+        <a:defRPr sz="1400" b="0" i="0" u="none" strike="noStrike" cap="none">
           <a:solidFill>
             <a:srgbClr val="000000"/>
           </a:solidFill>
-          <a:latin typeface="Arial"/>
-          <a:ea typeface="Arial"/>
-          <a:cs typeface="Arial"/>
-          <a:sym typeface="Arial"/>
+          <a:latin typeface="Arial" panose="020B0604020202020204"/>
+          <a:ea typeface="Arial" panose="020B0604020202020204"/>
+          <a:cs typeface="Arial" panose="020B0604020202020204"/>
+          <a:sym typeface="Arial" panose="020B0604020202020204"/>
         </a:defRPr>
       </a:lvl5pPr>
-      <a:lvl6pPr lvl="5" marR="0" rtl="0" algn="l">
+      <a:lvl6pPr marR="0" lvl="5" algn="l" rtl="0">
         <a:lnSpc>
           <a:spcPct val="100000"/>
         </a:lnSpc>
@@ -6709,18 +6189,18 @@
         <a:buClr>
           <a:srgbClr val="000000"/>
         </a:buClr>
-        <a:buFont typeface="Arial"/>
-        <a:defRPr b="0" i="0" sz="1400" u="none" cap="none" strike="noStrike">
+        <a:buFont typeface="Arial" panose="020B0604020202020204"/>
+        <a:defRPr sz="1400" b="0" i="0" u="none" strike="noStrike" cap="none">
           <a:solidFill>
             <a:srgbClr val="000000"/>
           </a:solidFill>
-          <a:latin typeface="Arial"/>
-          <a:ea typeface="Arial"/>
-          <a:cs typeface="Arial"/>
-          <a:sym typeface="Arial"/>
+          <a:latin typeface="Arial" panose="020B0604020202020204"/>
+          <a:ea typeface="Arial" panose="020B0604020202020204"/>
+          <a:cs typeface="Arial" panose="020B0604020202020204"/>
+          <a:sym typeface="Arial" panose="020B0604020202020204"/>
         </a:defRPr>
       </a:lvl6pPr>
-      <a:lvl7pPr lvl="6" marR="0" rtl="0" algn="l">
+      <a:lvl7pPr marR="0" lvl="6" algn="l" rtl="0">
         <a:lnSpc>
           <a:spcPct val="100000"/>
         </a:lnSpc>
@@ -6733,18 +6213,18 @@
         <a:buClr>
           <a:srgbClr val="000000"/>
         </a:buClr>
-        <a:buFont typeface="Arial"/>
-        <a:defRPr b="0" i="0" sz="1400" u="none" cap="none" strike="noStrike">
+        <a:buFont typeface="Arial" panose="020B0604020202020204"/>
+        <a:defRPr sz="1400" b="0" i="0" u="none" strike="noStrike" cap="none">
           <a:solidFill>
             <a:srgbClr val="000000"/>
           </a:solidFill>
-          <a:latin typeface="Arial"/>
-          <a:ea typeface="Arial"/>
-          <a:cs typeface="Arial"/>
-          <a:sym typeface="Arial"/>
+          <a:latin typeface="Arial" panose="020B0604020202020204"/>
+          <a:ea typeface="Arial" panose="020B0604020202020204"/>
+          <a:cs typeface="Arial" panose="020B0604020202020204"/>
+          <a:sym typeface="Arial" panose="020B0604020202020204"/>
         </a:defRPr>
       </a:lvl7pPr>
-      <a:lvl8pPr lvl="7" marR="0" rtl="0" algn="l">
+      <a:lvl8pPr marR="0" lvl="7" algn="l" rtl="0">
         <a:lnSpc>
           <a:spcPct val="100000"/>
         </a:lnSpc>
@@ -6757,18 +6237,18 @@
         <a:buClr>
           <a:srgbClr val="000000"/>
         </a:buClr>
-        <a:buFont typeface="Arial"/>
-        <a:defRPr b="0" i="0" sz="1400" u="none" cap="none" strike="noStrike">
+        <a:buFont typeface="Arial" panose="020B0604020202020204"/>
+        <a:defRPr sz="1400" b="0" i="0" u="none" strike="noStrike" cap="none">
           <a:solidFill>
             <a:srgbClr val="000000"/>
           </a:solidFill>
-          <a:latin typeface="Arial"/>
-          <a:ea typeface="Arial"/>
-          <a:cs typeface="Arial"/>
-          <a:sym typeface="Arial"/>
+          <a:latin typeface="Arial" panose="020B0604020202020204"/>
+          <a:ea typeface="Arial" panose="020B0604020202020204"/>
+          <a:cs typeface="Arial" panose="020B0604020202020204"/>
+          <a:sym typeface="Arial" panose="020B0604020202020204"/>
         </a:defRPr>
       </a:lvl8pPr>
-      <a:lvl9pPr lvl="8" marR="0" rtl="0" algn="l">
+      <a:lvl9pPr marR="0" lvl="8" algn="l" rtl="0">
         <a:lnSpc>
           <a:spcPct val="100000"/>
         </a:lnSpc>
@@ -6781,20 +6261,20 @@
         <a:buClr>
           <a:srgbClr val="000000"/>
         </a:buClr>
-        <a:buFont typeface="Arial"/>
-        <a:defRPr b="0" i="0" sz="1400" u="none" cap="none" strike="noStrike">
+        <a:buFont typeface="Arial" panose="020B0604020202020204"/>
+        <a:defRPr sz="1400" b="0" i="0" u="none" strike="noStrike" cap="none">
           <a:solidFill>
             <a:srgbClr val="000000"/>
           </a:solidFill>
-          <a:latin typeface="Arial"/>
-          <a:ea typeface="Arial"/>
-          <a:cs typeface="Arial"/>
-          <a:sym typeface="Arial"/>
+          <a:latin typeface="Arial" panose="020B0604020202020204"/>
+          <a:ea typeface="Arial" panose="020B0604020202020204"/>
+          <a:cs typeface="Arial" panose="020B0604020202020204"/>
+          <a:sym typeface="Arial" panose="020B0604020202020204"/>
         </a:defRPr>
       </a:lvl9pPr>
     </p:bodyStyle>
     <p:otherStyle>
-      <a:defPPr lvl="0" marR="0" rtl="0" algn="l">
+      <a:defPPr marR="0" lvl="0" algn="l" rtl="0">
         <a:lnSpc>
           <a:spcPct val="100000"/>
         </a:lnSpc>
@@ -6805,7 +6285,7 @@
           <a:spcPts val="0"/>
         </a:spcAft>
       </a:defPPr>
-      <a:lvl1pPr lvl="0" marR="0" rtl="0" algn="l">
+      <a:lvl1pPr marR="0" lvl="0" algn="l" rtl="0">
         <a:lnSpc>
           <a:spcPct val="100000"/>
         </a:lnSpc>
@@ -6818,18 +6298,18 @@
         <a:buClr>
           <a:srgbClr val="000000"/>
         </a:buClr>
-        <a:buFont typeface="Arial"/>
-        <a:defRPr b="0" i="0" sz="1400" u="none" cap="none" strike="noStrike">
+        <a:buFont typeface="Arial" panose="020B0604020202020204"/>
+        <a:defRPr sz="1400" b="0" i="0" u="none" strike="noStrike" cap="none">
           <a:solidFill>
             <a:srgbClr val="000000"/>
           </a:solidFill>
-          <a:latin typeface="Arial"/>
-          <a:ea typeface="Arial"/>
-          <a:cs typeface="Arial"/>
-          <a:sym typeface="Arial"/>
+          <a:latin typeface="Arial" panose="020B0604020202020204"/>
+          <a:ea typeface="Arial" panose="020B0604020202020204"/>
+          <a:cs typeface="Arial" panose="020B0604020202020204"/>
+          <a:sym typeface="Arial" panose="020B0604020202020204"/>
         </a:defRPr>
       </a:lvl1pPr>
-      <a:lvl2pPr lvl="1" marR="0" rtl="0" algn="l">
+      <a:lvl2pPr marR="0" lvl="1" algn="l" rtl="0">
         <a:lnSpc>
           <a:spcPct val="100000"/>
         </a:lnSpc>
@@ -6842,18 +6322,18 @@
         <a:buClr>
           <a:srgbClr val="000000"/>
         </a:buClr>
-        <a:buFont typeface="Arial"/>
-        <a:defRPr b="0" i="0" sz="1400" u="none" cap="none" strike="noStrike">
+        <a:buFont typeface="Arial" panose="020B0604020202020204"/>
+        <a:defRPr sz="1400" b="0" i="0" u="none" strike="noStrike" cap="none">
           <a:solidFill>
             <a:srgbClr val="000000"/>
           </a:solidFill>
-          <a:latin typeface="Arial"/>
-          <a:ea typeface="Arial"/>
-          <a:cs typeface="Arial"/>
-          <a:sym typeface="Arial"/>
+          <a:latin typeface="Arial" panose="020B0604020202020204"/>
+          <a:ea typeface="Arial" panose="020B0604020202020204"/>
+          <a:cs typeface="Arial" panose="020B0604020202020204"/>
+          <a:sym typeface="Arial" panose="020B0604020202020204"/>
         </a:defRPr>
       </a:lvl2pPr>
-      <a:lvl3pPr lvl="2" marR="0" rtl="0" algn="l">
+      <a:lvl3pPr marR="0" lvl="2" algn="l" rtl="0">
         <a:lnSpc>
           <a:spcPct val="100000"/>
         </a:lnSpc>
@@ -6866,18 +6346,18 @@
         <a:buClr>
           <a:srgbClr val="000000"/>
         </a:buClr>
-        <a:buFont typeface="Arial"/>
-        <a:defRPr b="0" i="0" sz="1400" u="none" cap="none" strike="noStrike">
+        <a:buFont typeface="Arial" panose="020B0604020202020204"/>
+        <a:defRPr sz="1400" b="0" i="0" u="none" strike="noStrike" cap="none">
           <a:solidFill>
             <a:srgbClr val="000000"/>
           </a:solidFill>
-          <a:latin typeface="Arial"/>
-          <a:ea typeface="Arial"/>
-          <a:cs typeface="Arial"/>
-          <a:sym typeface="Arial"/>
+          <a:latin typeface="Arial" panose="020B0604020202020204"/>
+          <a:ea typeface="Arial" panose="020B0604020202020204"/>
+          <a:cs typeface="Arial" panose="020B0604020202020204"/>
+          <a:sym typeface="Arial" panose="020B0604020202020204"/>
         </a:defRPr>
       </a:lvl3pPr>
-      <a:lvl4pPr lvl="3" marR="0" rtl="0" algn="l">
+      <a:lvl4pPr marR="0" lvl="3" algn="l" rtl="0">
         <a:lnSpc>
           <a:spcPct val="100000"/>
         </a:lnSpc>
@@ -6890,18 +6370,18 @@
         <a:buClr>
           <a:srgbClr val="000000"/>
         </a:buClr>
-        <a:buFont typeface="Arial"/>
-        <a:defRPr b="0" i="0" sz="1400" u="none" cap="none" strike="noStrike">
+        <a:buFont typeface="Arial" panose="020B0604020202020204"/>
+        <a:defRPr sz="1400" b="0" i="0" u="none" strike="noStrike" cap="none">
           <a:solidFill>
             <a:srgbClr val="000000"/>
           </a:solidFill>
-          <a:latin typeface="Arial"/>
-          <a:ea typeface="Arial"/>
-          <a:cs typeface="Arial"/>
-          <a:sym typeface="Arial"/>
+          <a:latin typeface="Arial" panose="020B0604020202020204"/>
+          <a:ea typeface="Arial" panose="020B0604020202020204"/>
+          <a:cs typeface="Arial" panose="020B0604020202020204"/>
+          <a:sym typeface="Arial" panose="020B0604020202020204"/>
         </a:defRPr>
       </a:lvl4pPr>
-      <a:lvl5pPr lvl="4" marR="0" rtl="0" algn="l">
+      <a:lvl5pPr marR="0" lvl="4" algn="l" rtl="0">
         <a:lnSpc>
           <a:spcPct val="100000"/>
         </a:lnSpc>
@@ -6914,18 +6394,18 @@
         <a:buClr>
           <a:srgbClr val="000000"/>
         </a:buClr>
-        <a:buFont typeface="Arial"/>
-        <a:defRPr b="0" i="0" sz="1400" u="none" cap="none" strike="noStrike">
+        <a:buFont typeface="Arial" panose="020B0604020202020204"/>
+        <a:defRPr sz="1400" b="0" i="0" u="none" strike="noStrike" cap="none">
           <a:solidFill>
             <a:srgbClr val="000000"/>
           </a:solidFill>
-          <a:latin typeface="Arial"/>
-          <a:ea typeface="Arial"/>
-          <a:cs typeface="Arial"/>
-          <a:sym typeface="Arial"/>
+          <a:latin typeface="Arial" panose="020B0604020202020204"/>
+          <a:ea typeface="Arial" panose="020B0604020202020204"/>
+          <a:cs typeface="Arial" panose="020B0604020202020204"/>
+          <a:sym typeface="Arial" panose="020B0604020202020204"/>
         </a:defRPr>
       </a:lvl5pPr>
-      <a:lvl6pPr lvl="5" marR="0" rtl="0" algn="l">
+      <a:lvl6pPr marR="0" lvl="5" algn="l" rtl="0">
         <a:lnSpc>
           <a:spcPct val="100000"/>
         </a:lnSpc>
@@ -6938,18 +6418,18 @@
         <a:buClr>
           <a:srgbClr val="000000"/>
         </a:buClr>
-        <a:buFont typeface="Arial"/>
-        <a:defRPr b="0" i="0" sz="1400" u="none" cap="none" strike="noStrike">
+        <a:buFont typeface="Arial" panose="020B0604020202020204"/>
+        <a:defRPr sz="1400" b="0" i="0" u="none" strike="noStrike" cap="none">
           <a:solidFill>
             <a:srgbClr val="000000"/>
           </a:solidFill>
-          <a:latin typeface="Arial"/>
-          <a:ea typeface="Arial"/>
-          <a:cs typeface="Arial"/>
-          <a:sym typeface="Arial"/>
+          <a:latin typeface="Arial" panose="020B0604020202020204"/>
+          <a:ea typeface="Arial" panose="020B0604020202020204"/>
+          <a:cs typeface="Arial" panose="020B0604020202020204"/>
+          <a:sym typeface="Arial" panose="020B0604020202020204"/>
         </a:defRPr>
       </a:lvl6pPr>
-      <a:lvl7pPr lvl="6" marR="0" rtl="0" algn="l">
+      <a:lvl7pPr marR="0" lvl="6" algn="l" rtl="0">
         <a:lnSpc>
           <a:spcPct val="100000"/>
         </a:lnSpc>
@@ -6962,18 +6442,18 @@
         <a:buClr>
           <a:srgbClr val="000000"/>
         </a:buClr>
-        <a:buFont typeface="Arial"/>
-        <a:defRPr b="0" i="0" sz="1400" u="none" cap="none" strike="noStrike">
+        <a:buFont typeface="Arial" panose="020B0604020202020204"/>
+        <a:defRPr sz="1400" b="0" i="0" u="none" strike="noStrike" cap="none">
           <a:solidFill>
             <a:srgbClr val="000000"/>
           </a:solidFill>
-          <a:latin typeface="Arial"/>
-          <a:ea typeface="Arial"/>
-          <a:cs typeface="Arial"/>
-          <a:sym typeface="Arial"/>
+          <a:latin typeface="Arial" panose="020B0604020202020204"/>
+          <a:ea typeface="Arial" panose="020B0604020202020204"/>
+          <a:cs typeface="Arial" panose="020B0604020202020204"/>
+          <a:sym typeface="Arial" panose="020B0604020202020204"/>
         </a:defRPr>
       </a:lvl7pPr>
-      <a:lvl8pPr lvl="7" marR="0" rtl="0" algn="l">
+      <a:lvl8pPr marR="0" lvl="7" algn="l" rtl="0">
         <a:lnSpc>
           <a:spcPct val="100000"/>
         </a:lnSpc>
@@ -6986,18 +6466,18 @@
         <a:buClr>
           <a:srgbClr val="000000"/>
         </a:buClr>
-        <a:buFont typeface="Arial"/>
-        <a:defRPr b="0" i="0" sz="1400" u="none" cap="none" strike="noStrike">
+        <a:buFont typeface="Arial" panose="020B0604020202020204"/>
+        <a:defRPr sz="1400" b="0" i="0" u="none" strike="noStrike" cap="none">
           <a:solidFill>
             <a:srgbClr val="000000"/>
           </a:solidFill>
-          <a:latin typeface="Arial"/>
-          <a:ea typeface="Arial"/>
-          <a:cs typeface="Arial"/>
-          <a:sym typeface="Arial"/>
+          <a:latin typeface="Arial" panose="020B0604020202020204"/>
+          <a:ea typeface="Arial" panose="020B0604020202020204"/>
+          <a:cs typeface="Arial" panose="020B0604020202020204"/>
+          <a:sym typeface="Arial" panose="020B0604020202020204"/>
         </a:defRPr>
       </a:lvl8pPr>
-      <a:lvl9pPr lvl="8" marR="0" rtl="0" algn="l">
+      <a:lvl9pPr marR="0" lvl="8" algn="l" rtl="0">
         <a:lnSpc>
           <a:spcPct val="100000"/>
         </a:lnSpc>
@@ -7010,15 +6490,15 @@
         <a:buClr>
           <a:srgbClr val="000000"/>
         </a:buClr>
-        <a:buFont typeface="Arial"/>
-        <a:defRPr b="0" i="0" sz="1400" u="none" cap="none" strike="noStrike">
+        <a:buFont typeface="Arial" panose="020B0604020202020204"/>
+        <a:defRPr sz="1400" b="0" i="0" u="none" strike="noStrike" cap="none">
           <a:solidFill>
             <a:srgbClr val="000000"/>
           </a:solidFill>
-          <a:latin typeface="Arial"/>
-          <a:ea typeface="Arial"/>
-          <a:cs typeface="Arial"/>
-          <a:sym typeface="Arial"/>
+          <a:latin typeface="Arial" panose="020B0604020202020204"/>
+          <a:ea typeface="Arial" panose="020B0604020202020204"/>
+          <a:cs typeface="Arial" panose="020B0604020202020204"/>
+          <a:sym typeface="Arial" panose="020B0604020202020204"/>
         </a:defRPr>
       </a:lvl9pPr>
     </p:otherStyle>
@@ -7027,7 +6507,7 @@
 </file>
 
 <file path=ppt/slides/slide1.xml><?xml version="1.0" encoding="utf-8"?>
-<p:sld xmlns:a="http://schemas.openxmlformats.org/drawingml/2006/main" xmlns:r="http://schemas.openxmlformats.org/officeDocument/2006/relationships" xmlns:mc="http://schemas.openxmlformats.org/markup-compatibility/2006" xmlns:mv="urn:schemas-microsoft-com:mac:vml" xmlns:p="http://schemas.openxmlformats.org/presentationml/2006/main" xmlns:c="http://schemas.openxmlformats.org/drawingml/2006/chart" xmlns:dgm="http://schemas.openxmlformats.org/drawingml/2006/diagram" xmlns:o="urn:schemas-microsoft-com:office:office" xmlns:v="urn:schemas-microsoft-com:vml" xmlns:pvml="urn:schemas-microsoft-com:office:powerpoint" xmlns:com="http://schemas.openxmlformats.org/drawingml/2006/compatibility" xmlns:p14="http://schemas.microsoft.com/office/powerpoint/2010/main" xmlns:p15="http://schemas.microsoft.com/office/powerpoint/2012/main" xmlns:ahyp="http://schemas.microsoft.com/office/drawing/2018/hyperlinkcolor">
+<p:sld xmlns:a="http://schemas.openxmlformats.org/drawingml/2006/main" xmlns:r="http://schemas.openxmlformats.org/officeDocument/2006/relationships" xmlns:p="http://schemas.openxmlformats.org/presentationml/2006/main">
   <p:cSld>
     <p:spTree>
       <p:nvGrpSpPr>
@@ -7061,12 +6541,12 @@
           </a:prstGeom>
         </p:spPr>
         <p:txBody>
-          <a:bodyPr anchorCtr="0" anchor="b" bIns="91425" lIns="91425" spcFirstLastPara="1" rIns="91425" wrap="square" tIns="91425">
+          <a:bodyPr spcFirstLastPara="1" wrap="square" lIns="91425" tIns="91425" rIns="91425" bIns="91425" anchor="b" anchorCtr="0">
             <a:noAutofit/>
           </a:bodyPr>
           <a:lstStyle/>
           <a:p>
-            <a:pPr indent="0" lvl="0" marL="0" rtl="0" algn="ctr">
+            <a:pPr marL="0" lvl="0" indent="0" algn="ctr" rtl="0">
               <a:spcBef>
                 <a:spcPts val="0"/>
               </a:spcBef>
@@ -7075,10 +6555,6 @@
               </a:spcAft>
               <a:buNone/>
             </a:pPr>
-            <a:r>
-              <a:t/>
-            </a:r>
-            <a:endParaRPr/>
           </a:p>
         </p:txBody>
       </p:sp>
@@ -7087,7 +6563,7 @@
           <p:cNvPr id="63" name="Google Shape;63;p13"/>
           <p:cNvSpPr txBox="1"/>
           <p:nvPr>
-            <p:ph idx="1" type="subTitle"/>
+            <p:ph type="subTitle" idx="1"/>
           </p:nvPr>
         </p:nvSpPr>
         <p:spPr>
@@ -7100,12 +6576,12 @@
           </a:prstGeom>
         </p:spPr>
         <p:txBody>
-          <a:bodyPr anchorCtr="0" anchor="t" bIns="91425" lIns="91425" spcFirstLastPara="1" rIns="91425" wrap="square" tIns="91425">
+          <a:bodyPr spcFirstLastPara="1" wrap="square" lIns="91425" tIns="91425" rIns="91425" bIns="91425" anchor="t" anchorCtr="0">
             <a:noAutofit/>
           </a:bodyPr>
           <a:lstStyle/>
           <a:p>
-            <a:pPr indent="0" lvl="0" marL="0" rtl="0" algn="ctr">
+            <a:pPr marL="0" lvl="0" indent="0" algn="ctr" rtl="0">
               <a:spcBef>
                 <a:spcPts val="0"/>
               </a:spcBef>
@@ -7114,10 +6590,6 @@
               </a:spcAft>
               <a:buNone/>
             </a:pPr>
-            <a:r>
-              <a:t/>
-            </a:r>
-            <a:endParaRPr/>
           </a:p>
         </p:txBody>
       </p:sp>
@@ -7130,522 +6602,7 @@
 </file>
 
 <file path=ppt/slides/slide2.xml><?xml version="1.0" encoding="utf-8"?>
-<p:sld xmlns:a="http://schemas.openxmlformats.org/drawingml/2006/main" xmlns:r="http://schemas.openxmlformats.org/officeDocument/2006/relationships" xmlns:mc="http://schemas.openxmlformats.org/markup-compatibility/2006" xmlns:mv="urn:schemas-microsoft-com:mac:vml" xmlns:p="http://schemas.openxmlformats.org/presentationml/2006/main" xmlns:c="http://schemas.openxmlformats.org/drawingml/2006/chart" xmlns:dgm="http://schemas.openxmlformats.org/drawingml/2006/diagram" xmlns:o="urn:schemas-microsoft-com:office:office" xmlns:v="urn:schemas-microsoft-com:vml" xmlns:pvml="urn:schemas-microsoft-com:office:powerpoint" xmlns:com="http://schemas.openxmlformats.org/drawingml/2006/compatibility" xmlns:p14="http://schemas.microsoft.com/office/powerpoint/2010/main" xmlns:p15="http://schemas.microsoft.com/office/powerpoint/2012/main" xmlns:ahyp="http://schemas.microsoft.com/office/drawing/2018/hyperlinkcolor">
-  <p:cSld>
-    <p:spTree>
-      <p:nvGrpSpPr>
-        <p:cNvPr id="67" name="Shape 67"/>
-        <p:cNvGrpSpPr/>
-        <p:nvPr/>
-      </p:nvGrpSpPr>
-      <p:grpSpPr>
-        <a:xfrm>
-          <a:off x="0" y="0"/>
-          <a:ext cx="0" cy="0"/>
-          <a:chOff x="0" y="0"/>
-          <a:chExt cx="0" cy="0"/>
-        </a:xfrm>
-      </p:grpSpPr>
-      <p:sp>
-        <p:nvSpPr>
-          <p:cNvPr id="68" name="Google Shape;68;p14"/>
-          <p:cNvSpPr txBox="1"/>
-          <p:nvPr>
-            <p:ph type="ctrTitle"/>
-          </p:nvPr>
-        </p:nvSpPr>
-        <p:spPr>
-          <a:xfrm>
-            <a:off x="3044700" y="1444255"/>
-            <a:ext cx="3054600" cy="1537200"/>
-          </a:xfrm>
-          <a:prstGeom prst="rect">
-            <a:avLst/>
-          </a:prstGeom>
-        </p:spPr>
-        <p:txBody>
-          <a:bodyPr anchorCtr="0" anchor="b" bIns="91425" lIns="91425" spcFirstLastPara="1" rIns="91425" wrap="square" tIns="91425">
-            <a:noAutofit/>
-          </a:bodyPr>
-          <a:lstStyle/>
-          <a:p>
-            <a:pPr indent="0" lvl="0" marL="0" rtl="0" algn="ctr">
-              <a:spcBef>
-                <a:spcPts val="0"/>
-              </a:spcBef>
-              <a:spcAft>
-                <a:spcPts val="0"/>
-              </a:spcAft>
-              <a:buNone/>
-            </a:pPr>
-            <a:r>
-              <a:t/>
-            </a:r>
-            <a:endParaRPr/>
-          </a:p>
-        </p:txBody>
-      </p:sp>
-      <p:sp>
-        <p:nvSpPr>
-          <p:cNvPr id="69" name="Google Shape;69;p14"/>
-          <p:cNvSpPr txBox="1"/>
-          <p:nvPr>
-            <p:ph idx="1" type="subTitle"/>
-          </p:nvPr>
-        </p:nvSpPr>
-        <p:spPr>
-          <a:xfrm>
-            <a:off x="3044700" y="3116580"/>
-            <a:ext cx="3054600" cy="701400"/>
-          </a:xfrm>
-          <a:prstGeom prst="rect">
-            <a:avLst/>
-          </a:prstGeom>
-        </p:spPr>
-        <p:txBody>
-          <a:bodyPr anchorCtr="0" anchor="t" bIns="91425" lIns="91425" spcFirstLastPara="1" rIns="91425" wrap="square" tIns="91425">
-            <a:noAutofit/>
-          </a:bodyPr>
-          <a:lstStyle/>
-          <a:p>
-            <a:pPr indent="0" lvl="0" marL="0" rtl="0" algn="ctr">
-              <a:spcBef>
-                <a:spcPts val="0"/>
-              </a:spcBef>
-              <a:spcAft>
-                <a:spcPts val="0"/>
-              </a:spcAft>
-              <a:buNone/>
-            </a:pPr>
-            <a:r>
-              <a:t/>
-            </a:r>
-            <a:endParaRPr/>
-          </a:p>
-        </p:txBody>
-      </p:sp>
-    </p:spTree>
-  </p:cSld>
-  <p:clrMapOvr>
-    <a:masterClrMapping/>
-  </p:clrMapOvr>
-</p:sld>
-</file>
-
-<file path=ppt/slides/slide3.xml><?xml version="1.0" encoding="utf-8"?>
-<p:sld xmlns:a="http://schemas.openxmlformats.org/drawingml/2006/main" xmlns:r="http://schemas.openxmlformats.org/officeDocument/2006/relationships" xmlns:mc="http://schemas.openxmlformats.org/markup-compatibility/2006" xmlns:mv="urn:schemas-microsoft-com:mac:vml" xmlns:p="http://schemas.openxmlformats.org/presentationml/2006/main" xmlns:c="http://schemas.openxmlformats.org/drawingml/2006/chart" xmlns:dgm="http://schemas.openxmlformats.org/drawingml/2006/diagram" xmlns:o="urn:schemas-microsoft-com:office:office" xmlns:v="urn:schemas-microsoft-com:vml" xmlns:pvml="urn:schemas-microsoft-com:office:powerpoint" xmlns:com="http://schemas.openxmlformats.org/drawingml/2006/compatibility" xmlns:p14="http://schemas.microsoft.com/office/powerpoint/2010/main" xmlns:p15="http://schemas.microsoft.com/office/powerpoint/2012/main" xmlns:ahyp="http://schemas.microsoft.com/office/drawing/2018/hyperlinkcolor">
-  <p:cSld>
-    <p:spTree>
-      <p:nvGrpSpPr>
-        <p:cNvPr id="73" name="Shape 73"/>
-        <p:cNvGrpSpPr/>
-        <p:nvPr/>
-      </p:nvGrpSpPr>
-      <p:grpSpPr>
-        <a:xfrm>
-          <a:off x="0" y="0"/>
-          <a:ext cx="0" cy="0"/>
-          <a:chOff x="0" y="0"/>
-          <a:chExt cx="0" cy="0"/>
-        </a:xfrm>
-      </p:grpSpPr>
-      <p:sp>
-        <p:nvSpPr>
-          <p:cNvPr id="74" name="Google Shape;74;p15"/>
-          <p:cNvSpPr txBox="1"/>
-          <p:nvPr>
-            <p:ph type="ctrTitle"/>
-          </p:nvPr>
-        </p:nvSpPr>
-        <p:spPr>
-          <a:xfrm>
-            <a:off x="3044700" y="1444255"/>
-            <a:ext cx="3054600" cy="1537200"/>
-          </a:xfrm>
-          <a:prstGeom prst="rect">
-            <a:avLst/>
-          </a:prstGeom>
-        </p:spPr>
-        <p:txBody>
-          <a:bodyPr anchorCtr="0" anchor="b" bIns="91425" lIns="91425" spcFirstLastPara="1" rIns="91425" wrap="square" tIns="91425">
-            <a:noAutofit/>
-          </a:bodyPr>
-          <a:lstStyle/>
-          <a:p>
-            <a:pPr indent="0" lvl="0" marL="0" rtl="0" algn="ctr">
-              <a:spcBef>
-                <a:spcPts val="0"/>
-              </a:spcBef>
-              <a:spcAft>
-                <a:spcPts val="0"/>
-              </a:spcAft>
-              <a:buNone/>
-            </a:pPr>
-            <a:r>
-              <a:t/>
-            </a:r>
-            <a:endParaRPr/>
-          </a:p>
-        </p:txBody>
-      </p:sp>
-      <p:sp>
-        <p:nvSpPr>
-          <p:cNvPr id="75" name="Google Shape;75;p15"/>
-          <p:cNvSpPr txBox="1"/>
-          <p:nvPr>
-            <p:ph idx="1" type="subTitle"/>
-          </p:nvPr>
-        </p:nvSpPr>
-        <p:spPr>
-          <a:xfrm>
-            <a:off x="3044700" y="3116580"/>
-            <a:ext cx="3054600" cy="701400"/>
-          </a:xfrm>
-          <a:prstGeom prst="rect">
-            <a:avLst/>
-          </a:prstGeom>
-        </p:spPr>
-        <p:txBody>
-          <a:bodyPr anchorCtr="0" anchor="t" bIns="91425" lIns="91425" spcFirstLastPara="1" rIns="91425" wrap="square" tIns="91425">
-            <a:noAutofit/>
-          </a:bodyPr>
-          <a:lstStyle/>
-          <a:p>
-            <a:pPr indent="0" lvl="0" marL="0" rtl="0" algn="ctr">
-              <a:spcBef>
-                <a:spcPts val="0"/>
-              </a:spcBef>
-              <a:spcAft>
-                <a:spcPts val="0"/>
-              </a:spcAft>
-              <a:buNone/>
-            </a:pPr>
-            <a:r>
-              <a:t/>
-            </a:r>
-            <a:endParaRPr/>
-          </a:p>
-        </p:txBody>
-      </p:sp>
-    </p:spTree>
-  </p:cSld>
-  <p:clrMapOvr>
-    <a:masterClrMapping/>
-  </p:clrMapOvr>
-</p:sld>
-</file>
-
-<file path=ppt/slides/slide4.xml><?xml version="1.0" encoding="utf-8"?>
-<p:sld xmlns:a="http://schemas.openxmlformats.org/drawingml/2006/main" xmlns:r="http://schemas.openxmlformats.org/officeDocument/2006/relationships" xmlns:mc="http://schemas.openxmlformats.org/markup-compatibility/2006" xmlns:mv="urn:schemas-microsoft-com:mac:vml" xmlns:p="http://schemas.openxmlformats.org/presentationml/2006/main" xmlns:c="http://schemas.openxmlformats.org/drawingml/2006/chart" xmlns:dgm="http://schemas.openxmlformats.org/drawingml/2006/diagram" xmlns:o="urn:schemas-microsoft-com:office:office" xmlns:v="urn:schemas-microsoft-com:vml" xmlns:pvml="urn:schemas-microsoft-com:office:powerpoint" xmlns:com="http://schemas.openxmlformats.org/drawingml/2006/compatibility" xmlns:p14="http://schemas.microsoft.com/office/powerpoint/2010/main" xmlns:p15="http://schemas.microsoft.com/office/powerpoint/2012/main" xmlns:ahyp="http://schemas.microsoft.com/office/drawing/2018/hyperlinkcolor">
-  <p:cSld>
-    <p:spTree>
-      <p:nvGrpSpPr>
-        <p:cNvPr id="79" name="Shape 79"/>
-        <p:cNvGrpSpPr/>
-        <p:nvPr/>
-      </p:nvGrpSpPr>
-      <p:grpSpPr>
-        <a:xfrm>
-          <a:off x="0" y="0"/>
-          <a:ext cx="0" cy="0"/>
-          <a:chOff x="0" y="0"/>
-          <a:chExt cx="0" cy="0"/>
-        </a:xfrm>
-      </p:grpSpPr>
-      <p:sp>
-        <p:nvSpPr>
-          <p:cNvPr id="80" name="Google Shape;80;p16"/>
-          <p:cNvSpPr txBox="1"/>
-          <p:nvPr>
-            <p:ph type="ctrTitle"/>
-          </p:nvPr>
-        </p:nvSpPr>
-        <p:spPr>
-          <a:xfrm>
-            <a:off x="3044700" y="1444255"/>
-            <a:ext cx="3054600" cy="1537200"/>
-          </a:xfrm>
-          <a:prstGeom prst="rect">
-            <a:avLst/>
-          </a:prstGeom>
-        </p:spPr>
-        <p:txBody>
-          <a:bodyPr anchorCtr="0" anchor="b" bIns="91425" lIns="91425" spcFirstLastPara="1" rIns="91425" wrap="square" tIns="91425">
-            <a:noAutofit/>
-          </a:bodyPr>
-          <a:lstStyle/>
-          <a:p>
-            <a:pPr indent="0" lvl="0" marL="0" rtl="0" algn="ctr">
-              <a:spcBef>
-                <a:spcPts val="0"/>
-              </a:spcBef>
-              <a:spcAft>
-                <a:spcPts val="0"/>
-              </a:spcAft>
-              <a:buNone/>
-            </a:pPr>
-            <a:r>
-              <a:t/>
-            </a:r>
-            <a:endParaRPr/>
-          </a:p>
-        </p:txBody>
-      </p:sp>
-      <p:sp>
-        <p:nvSpPr>
-          <p:cNvPr id="81" name="Google Shape;81;p16"/>
-          <p:cNvSpPr txBox="1"/>
-          <p:nvPr>
-            <p:ph idx="1" type="subTitle"/>
-          </p:nvPr>
-        </p:nvSpPr>
-        <p:spPr>
-          <a:xfrm>
-            <a:off x="3044700" y="3116580"/>
-            <a:ext cx="3054600" cy="701400"/>
-          </a:xfrm>
-          <a:prstGeom prst="rect">
-            <a:avLst/>
-          </a:prstGeom>
-        </p:spPr>
-        <p:txBody>
-          <a:bodyPr anchorCtr="0" anchor="t" bIns="91425" lIns="91425" spcFirstLastPara="1" rIns="91425" wrap="square" tIns="91425">
-            <a:noAutofit/>
-          </a:bodyPr>
-          <a:lstStyle/>
-          <a:p>
-            <a:pPr indent="0" lvl="0" marL="0" rtl="0" algn="ctr">
-              <a:spcBef>
-                <a:spcPts val="0"/>
-              </a:spcBef>
-              <a:spcAft>
-                <a:spcPts val="0"/>
-              </a:spcAft>
-              <a:buNone/>
-            </a:pPr>
-            <a:r>
-              <a:t/>
-            </a:r>
-            <a:endParaRPr/>
-          </a:p>
-        </p:txBody>
-      </p:sp>
-    </p:spTree>
-  </p:cSld>
-  <p:clrMapOvr>
-    <a:masterClrMapping/>
-  </p:clrMapOvr>
-</p:sld>
-</file>
-
-<file path=ppt/slides/slide5.xml><?xml version="1.0" encoding="utf-8"?>
-<p:sld xmlns:a="http://schemas.openxmlformats.org/drawingml/2006/main" xmlns:r="http://schemas.openxmlformats.org/officeDocument/2006/relationships" xmlns:mc="http://schemas.openxmlformats.org/markup-compatibility/2006" xmlns:mv="urn:schemas-microsoft-com:mac:vml" xmlns:p="http://schemas.openxmlformats.org/presentationml/2006/main" xmlns:c="http://schemas.openxmlformats.org/drawingml/2006/chart" xmlns:dgm="http://schemas.openxmlformats.org/drawingml/2006/diagram" xmlns:o="urn:schemas-microsoft-com:office:office" xmlns:v="urn:schemas-microsoft-com:vml" xmlns:pvml="urn:schemas-microsoft-com:office:powerpoint" xmlns:com="http://schemas.openxmlformats.org/drawingml/2006/compatibility" xmlns:p14="http://schemas.microsoft.com/office/powerpoint/2010/main" xmlns:p15="http://schemas.microsoft.com/office/powerpoint/2012/main" xmlns:ahyp="http://schemas.microsoft.com/office/drawing/2018/hyperlinkcolor">
-  <p:cSld>
-    <p:spTree>
-      <p:nvGrpSpPr>
-        <p:cNvPr id="85" name="Shape 85"/>
-        <p:cNvGrpSpPr/>
-        <p:nvPr/>
-      </p:nvGrpSpPr>
-      <p:grpSpPr>
-        <a:xfrm>
-          <a:off x="0" y="0"/>
-          <a:ext cx="0" cy="0"/>
-          <a:chOff x="0" y="0"/>
-          <a:chExt cx="0" cy="0"/>
-        </a:xfrm>
-      </p:grpSpPr>
-      <p:sp>
-        <p:nvSpPr>
-          <p:cNvPr id="86" name="Google Shape;86;p17"/>
-          <p:cNvSpPr txBox="1"/>
-          <p:nvPr>
-            <p:ph type="ctrTitle"/>
-          </p:nvPr>
-        </p:nvSpPr>
-        <p:spPr>
-          <a:xfrm>
-            <a:off x="3044700" y="1444255"/>
-            <a:ext cx="3054600" cy="1537200"/>
-          </a:xfrm>
-          <a:prstGeom prst="rect">
-            <a:avLst/>
-          </a:prstGeom>
-        </p:spPr>
-        <p:txBody>
-          <a:bodyPr anchorCtr="0" anchor="b" bIns="91425" lIns="91425" spcFirstLastPara="1" rIns="91425" wrap="square" tIns="91425">
-            <a:noAutofit/>
-          </a:bodyPr>
-          <a:lstStyle/>
-          <a:p>
-            <a:pPr indent="0" lvl="0" marL="0" rtl="0" algn="ctr">
-              <a:spcBef>
-                <a:spcPts val="0"/>
-              </a:spcBef>
-              <a:spcAft>
-                <a:spcPts val="0"/>
-              </a:spcAft>
-              <a:buNone/>
-            </a:pPr>
-            <a:r>
-              <a:t/>
-            </a:r>
-            <a:endParaRPr/>
-          </a:p>
-        </p:txBody>
-      </p:sp>
-      <p:sp>
-        <p:nvSpPr>
-          <p:cNvPr id="87" name="Google Shape;87;p17"/>
-          <p:cNvSpPr txBox="1"/>
-          <p:nvPr>
-            <p:ph idx="1" type="subTitle"/>
-          </p:nvPr>
-        </p:nvSpPr>
-        <p:spPr>
-          <a:xfrm>
-            <a:off x="3044700" y="3116580"/>
-            <a:ext cx="3054600" cy="701400"/>
-          </a:xfrm>
-          <a:prstGeom prst="rect">
-            <a:avLst/>
-          </a:prstGeom>
-        </p:spPr>
-        <p:txBody>
-          <a:bodyPr anchorCtr="0" anchor="t" bIns="91425" lIns="91425" spcFirstLastPara="1" rIns="91425" wrap="square" tIns="91425">
-            <a:noAutofit/>
-          </a:bodyPr>
-          <a:lstStyle/>
-          <a:p>
-            <a:pPr indent="0" lvl="0" marL="0" rtl="0" algn="ctr">
-              <a:spcBef>
-                <a:spcPts val="0"/>
-              </a:spcBef>
-              <a:spcAft>
-                <a:spcPts val="0"/>
-              </a:spcAft>
-              <a:buNone/>
-            </a:pPr>
-            <a:r>
-              <a:t/>
-            </a:r>
-            <a:endParaRPr/>
-          </a:p>
-        </p:txBody>
-      </p:sp>
-    </p:spTree>
-  </p:cSld>
-  <p:clrMapOvr>
-    <a:masterClrMapping/>
-  </p:clrMapOvr>
-</p:sld>
-</file>
-
-<file path=ppt/slides/slide6.xml><?xml version="1.0" encoding="utf-8"?>
-<p:sld xmlns:a="http://schemas.openxmlformats.org/drawingml/2006/main" xmlns:r="http://schemas.openxmlformats.org/officeDocument/2006/relationships" xmlns:mc="http://schemas.openxmlformats.org/markup-compatibility/2006" xmlns:mv="urn:schemas-microsoft-com:mac:vml" xmlns:p="http://schemas.openxmlformats.org/presentationml/2006/main" xmlns:c="http://schemas.openxmlformats.org/drawingml/2006/chart" xmlns:dgm="http://schemas.openxmlformats.org/drawingml/2006/diagram" xmlns:o="urn:schemas-microsoft-com:office:office" xmlns:v="urn:schemas-microsoft-com:vml" xmlns:pvml="urn:schemas-microsoft-com:office:powerpoint" xmlns:com="http://schemas.openxmlformats.org/drawingml/2006/compatibility" xmlns:p14="http://schemas.microsoft.com/office/powerpoint/2010/main" xmlns:p15="http://schemas.microsoft.com/office/powerpoint/2012/main" xmlns:ahyp="http://schemas.microsoft.com/office/drawing/2018/hyperlinkcolor">
-  <p:cSld>
-    <p:spTree>
-      <p:nvGrpSpPr>
-        <p:cNvPr id="91" name="Shape 91"/>
-        <p:cNvGrpSpPr/>
-        <p:nvPr/>
-      </p:nvGrpSpPr>
-      <p:grpSpPr>
-        <a:xfrm>
-          <a:off x="0" y="0"/>
-          <a:ext cx="0" cy="0"/>
-          <a:chOff x="0" y="0"/>
-          <a:chExt cx="0" cy="0"/>
-        </a:xfrm>
-      </p:grpSpPr>
-      <p:sp>
-        <p:nvSpPr>
-          <p:cNvPr id="92" name="Google Shape;92;p18"/>
-          <p:cNvSpPr txBox="1"/>
-          <p:nvPr>
-            <p:ph type="ctrTitle"/>
-          </p:nvPr>
-        </p:nvSpPr>
-        <p:spPr>
-          <a:xfrm>
-            <a:off x="3044700" y="1444255"/>
-            <a:ext cx="3054600" cy="1537200"/>
-          </a:xfrm>
-          <a:prstGeom prst="rect">
-            <a:avLst/>
-          </a:prstGeom>
-        </p:spPr>
-        <p:txBody>
-          <a:bodyPr anchorCtr="0" anchor="b" bIns="91425" lIns="91425" spcFirstLastPara="1" rIns="91425" wrap="square" tIns="91425">
-            <a:noAutofit/>
-          </a:bodyPr>
-          <a:lstStyle/>
-          <a:p>
-            <a:pPr indent="0" lvl="0" marL="0" rtl="0" algn="ctr">
-              <a:spcBef>
-                <a:spcPts val="0"/>
-              </a:spcBef>
-              <a:spcAft>
-                <a:spcPts val="0"/>
-              </a:spcAft>
-              <a:buNone/>
-            </a:pPr>
-            <a:r>
-              <a:t/>
-            </a:r>
-            <a:endParaRPr/>
-          </a:p>
-        </p:txBody>
-      </p:sp>
-      <p:sp>
-        <p:nvSpPr>
-          <p:cNvPr id="93" name="Google Shape;93;p18"/>
-          <p:cNvSpPr txBox="1"/>
-          <p:nvPr>
-            <p:ph idx="1" type="subTitle"/>
-          </p:nvPr>
-        </p:nvSpPr>
-        <p:spPr>
-          <a:xfrm>
-            <a:off x="3044700" y="3116580"/>
-            <a:ext cx="3054600" cy="701400"/>
-          </a:xfrm>
-          <a:prstGeom prst="rect">
-            <a:avLst/>
-          </a:prstGeom>
-        </p:spPr>
-        <p:txBody>
-          <a:bodyPr anchorCtr="0" anchor="t" bIns="91425" lIns="91425" spcFirstLastPara="1" rIns="91425" wrap="square" tIns="91425">
-            <a:noAutofit/>
-          </a:bodyPr>
-          <a:lstStyle/>
-          <a:p>
-            <a:pPr indent="0" lvl="0" marL="0" rtl="0" algn="ctr">
-              <a:spcBef>
-                <a:spcPts val="0"/>
-              </a:spcBef>
-              <a:spcAft>
-                <a:spcPts val="0"/>
-              </a:spcAft>
-              <a:buNone/>
-            </a:pPr>
-            <a:r>
-              <a:t/>
-            </a:r>
-            <a:endParaRPr/>
-          </a:p>
-        </p:txBody>
-      </p:sp>
-    </p:spTree>
-  </p:cSld>
-  <p:clrMapOvr>
-    <a:masterClrMapping/>
-  </p:clrMapOvr>
-</p:sld>
-</file>
-
-<file path=ppt/slides/slide7.xml><?xml version="1.0" encoding="utf-8"?>
-<p:sld xmlns:a="http://schemas.openxmlformats.org/drawingml/2006/main" xmlns:r="http://schemas.openxmlformats.org/officeDocument/2006/relationships" xmlns:mc="http://schemas.openxmlformats.org/markup-compatibility/2006" xmlns:mv="urn:schemas-microsoft-com:mac:vml" xmlns:p="http://schemas.openxmlformats.org/presentationml/2006/main" xmlns:c="http://schemas.openxmlformats.org/drawingml/2006/chart" xmlns:dgm="http://schemas.openxmlformats.org/drawingml/2006/diagram" xmlns:o="urn:schemas-microsoft-com:office:office" xmlns:v="urn:schemas-microsoft-com:vml" xmlns:pvml="urn:schemas-microsoft-com:office:powerpoint" xmlns:com="http://schemas.openxmlformats.org/drawingml/2006/compatibility" xmlns:p14="http://schemas.microsoft.com/office/powerpoint/2010/main" xmlns:p15="http://schemas.microsoft.com/office/powerpoint/2012/main" xmlns:ahyp="http://schemas.microsoft.com/office/drawing/2018/hyperlinkcolor">
+<p:sld xmlns:a="http://schemas.openxmlformats.org/drawingml/2006/main" xmlns:r="http://schemas.openxmlformats.org/officeDocument/2006/relationships" xmlns:p="http://schemas.openxmlformats.org/presentationml/2006/main">
   <p:cSld>
     <p:spTree>
       <p:nvGrpSpPr>
@@ -7679,12 +6636,12 @@
           </a:prstGeom>
         </p:spPr>
         <p:txBody>
-          <a:bodyPr anchorCtr="0" anchor="b" bIns="91425" lIns="91425" spcFirstLastPara="1" rIns="91425" wrap="square" tIns="91425">
+          <a:bodyPr spcFirstLastPara="1" wrap="square" lIns="91425" tIns="91425" rIns="91425" bIns="91425" anchor="b" anchorCtr="0">
             <a:noAutofit/>
           </a:bodyPr>
           <a:lstStyle/>
           <a:p>
-            <a:pPr indent="0" lvl="0" marL="0" rtl="0" algn="l">
+            <a:pPr marL="0" lvl="0" indent="0" algn="l" rtl="0">
               <a:spcBef>
                 <a:spcPts val="0"/>
               </a:spcBef>
@@ -7693,10 +6650,6 @@
               </a:spcAft>
               <a:buNone/>
             </a:pPr>
-            <a:r>
-              <a:t/>
-            </a:r>
-            <a:endParaRPr/>
           </a:p>
         </p:txBody>
       </p:sp>
@@ -7705,7 +6658,7 @@
           <p:cNvPr id="99" name="Google Shape;99;p19"/>
           <p:cNvSpPr txBox="1"/>
           <p:nvPr>
-            <p:ph idx="1" type="body"/>
+            <p:ph type="body" idx="1"/>
           </p:nvPr>
         </p:nvSpPr>
         <p:spPr>
@@ -7718,12 +6671,12 @@
           </a:prstGeom>
         </p:spPr>
         <p:txBody>
-          <a:bodyPr anchorCtr="0" anchor="t" bIns="91425" lIns="91425" spcFirstLastPara="1" rIns="91425" wrap="square" tIns="91425">
+          <a:bodyPr spcFirstLastPara="1" wrap="square" lIns="91425" tIns="91425" rIns="91425" bIns="91425" anchor="t" anchorCtr="0">
             <a:noAutofit/>
           </a:bodyPr>
           <a:lstStyle/>
           <a:p>
-            <a:pPr indent="0" lvl="0" marL="0" rtl="0" algn="l">
+            <a:pPr marL="0" lvl="0" indent="0" algn="l" rtl="0">
               <a:spcBef>
                 <a:spcPts val="0"/>
               </a:spcBef>
@@ -7732,10 +6685,6 @@
               </a:spcAft>
               <a:buNone/>
             </a:pPr>
-            <a:r>
-              <a:t/>
-            </a:r>
-            <a:endParaRPr/>
           </a:p>
         </p:txBody>
       </p:sp>
@@ -7747,8 +6696,208 @@
 </p:sld>
 </file>
 
-<file path=ppt/slides/slide8.xml><?xml version="1.0" encoding="utf-8"?>
-<p:sld xmlns:a="http://schemas.openxmlformats.org/drawingml/2006/main" xmlns:r="http://schemas.openxmlformats.org/officeDocument/2006/relationships" xmlns:mc="http://schemas.openxmlformats.org/markup-compatibility/2006" xmlns:mv="urn:schemas-microsoft-com:mac:vml" xmlns:p="http://schemas.openxmlformats.org/presentationml/2006/main" xmlns:c="http://schemas.openxmlformats.org/drawingml/2006/chart" xmlns:dgm="http://schemas.openxmlformats.org/drawingml/2006/diagram" xmlns:o="urn:schemas-microsoft-com:office:office" xmlns:v="urn:schemas-microsoft-com:vml" xmlns:pvml="urn:schemas-microsoft-com:office:powerpoint" xmlns:com="http://schemas.openxmlformats.org/drawingml/2006/compatibility" xmlns:p14="http://schemas.microsoft.com/office/powerpoint/2010/main" xmlns:p15="http://schemas.microsoft.com/office/powerpoint/2012/main" xmlns:ahyp="http://schemas.microsoft.com/office/drawing/2018/hyperlinkcolor">
+<file path=ppt/slides/slide3.xml><?xml version="1.0" encoding="utf-8"?>
+<p:sld xmlns:a="http://schemas.openxmlformats.org/drawingml/2006/main" xmlns:r="http://schemas.openxmlformats.org/officeDocument/2006/relationships" xmlns:p="http://schemas.openxmlformats.org/presentationml/2006/main">
+  <p:cSld>
+    <p:spTree>
+      <p:nvGrpSpPr>
+        <p:cNvPr id="1" name=""/>
+        <p:cNvGrpSpPr/>
+        <p:nvPr/>
+      </p:nvGrpSpPr>
+      <p:grpSpPr/>
+      <p:sp>
+        <p:nvSpPr>
+          <p:cNvPr id="2" name="Title 1"/>
+          <p:cNvSpPr/>
+          <p:nvPr>
+            <p:ph type="title"/>
+          </p:nvPr>
+        </p:nvSpPr>
+        <p:spPr/>
+        <p:txBody>
+          <a:bodyPr/>
+          <a:p>
+            <a:endParaRPr lang="en-US"/>
+          </a:p>
+        </p:txBody>
+      </p:sp>
+      <p:sp>
+        <p:nvSpPr>
+          <p:cNvPr id="3" name="Text Placeholder 2"/>
+          <p:cNvSpPr/>
+          <p:nvPr>
+            <p:ph type="body" idx="1"/>
+          </p:nvPr>
+        </p:nvSpPr>
+        <p:spPr/>
+        <p:txBody>
+          <a:bodyPr/>
+          <a:p>
+            <a:endParaRPr lang="en-US"/>
+          </a:p>
+        </p:txBody>
+      </p:sp>
+    </p:spTree>
+  </p:cSld>
+  <p:clrMapOvr>
+    <a:masterClrMapping/>
+  </p:clrMapOvr>
+</p:sld>
+</file>
+
+<file path=ppt/slides/slide4.xml><?xml version="1.0" encoding="utf-8"?>
+<p:sld xmlns:a="http://schemas.openxmlformats.org/drawingml/2006/main" xmlns:r="http://schemas.openxmlformats.org/officeDocument/2006/relationships" xmlns:p="http://schemas.openxmlformats.org/presentationml/2006/main">
+  <p:cSld>
+    <p:spTree>
+      <p:nvGrpSpPr>
+        <p:cNvPr id="1" name=""/>
+        <p:cNvGrpSpPr/>
+        <p:nvPr/>
+      </p:nvGrpSpPr>
+      <p:grpSpPr/>
+      <p:sp>
+        <p:nvSpPr>
+          <p:cNvPr id="2" name="Title 1"/>
+          <p:cNvSpPr/>
+          <p:nvPr>
+            <p:ph type="title"/>
+          </p:nvPr>
+        </p:nvSpPr>
+        <p:spPr/>
+        <p:txBody>
+          <a:bodyPr/>
+          <a:p>
+            <a:endParaRPr lang="en-US"/>
+          </a:p>
+        </p:txBody>
+      </p:sp>
+      <p:sp>
+        <p:nvSpPr>
+          <p:cNvPr id="3" name="Text Placeholder 2"/>
+          <p:cNvSpPr/>
+          <p:nvPr>
+            <p:ph type="body" idx="1"/>
+          </p:nvPr>
+        </p:nvSpPr>
+        <p:spPr/>
+        <p:txBody>
+          <a:bodyPr/>
+          <a:p>
+            <a:endParaRPr lang="en-US"/>
+          </a:p>
+        </p:txBody>
+      </p:sp>
+    </p:spTree>
+  </p:cSld>
+  <p:clrMapOvr>
+    <a:masterClrMapping/>
+  </p:clrMapOvr>
+</p:sld>
+</file>
+
+<file path=ppt/slides/slide5.xml><?xml version="1.0" encoding="utf-8"?>
+<p:sld xmlns:a="http://schemas.openxmlformats.org/drawingml/2006/main" xmlns:r="http://schemas.openxmlformats.org/officeDocument/2006/relationships" xmlns:p="http://schemas.openxmlformats.org/presentationml/2006/main">
+  <p:cSld>
+    <p:spTree>
+      <p:nvGrpSpPr>
+        <p:cNvPr id="1" name=""/>
+        <p:cNvGrpSpPr/>
+        <p:nvPr/>
+      </p:nvGrpSpPr>
+      <p:grpSpPr/>
+      <p:sp>
+        <p:nvSpPr>
+          <p:cNvPr id="2" name="Title 1"/>
+          <p:cNvSpPr/>
+          <p:nvPr>
+            <p:ph type="title"/>
+          </p:nvPr>
+        </p:nvSpPr>
+        <p:spPr/>
+        <p:txBody>
+          <a:bodyPr/>
+          <a:p>
+            <a:endParaRPr lang="en-US"/>
+          </a:p>
+        </p:txBody>
+      </p:sp>
+      <p:sp>
+        <p:nvSpPr>
+          <p:cNvPr id="3" name="Text Placeholder 2"/>
+          <p:cNvSpPr/>
+          <p:nvPr>
+            <p:ph type="body" idx="1"/>
+          </p:nvPr>
+        </p:nvSpPr>
+        <p:spPr/>
+        <p:txBody>
+          <a:bodyPr/>
+          <a:p>
+            <a:endParaRPr lang="en-US"/>
+          </a:p>
+        </p:txBody>
+      </p:sp>
+    </p:spTree>
+  </p:cSld>
+  <p:clrMapOvr>
+    <a:masterClrMapping/>
+  </p:clrMapOvr>
+</p:sld>
+</file>
+
+<file path=ppt/slides/slide6.xml><?xml version="1.0" encoding="utf-8"?>
+<p:sld xmlns:a="http://schemas.openxmlformats.org/drawingml/2006/main" xmlns:r="http://schemas.openxmlformats.org/officeDocument/2006/relationships" xmlns:p="http://schemas.openxmlformats.org/presentationml/2006/main">
+  <p:cSld>
+    <p:spTree>
+      <p:nvGrpSpPr>
+        <p:cNvPr id="1" name=""/>
+        <p:cNvGrpSpPr/>
+        <p:nvPr/>
+      </p:nvGrpSpPr>
+      <p:grpSpPr/>
+      <p:sp>
+        <p:nvSpPr>
+          <p:cNvPr id="2" name="Title 1"/>
+          <p:cNvSpPr/>
+          <p:nvPr>
+            <p:ph type="title"/>
+          </p:nvPr>
+        </p:nvSpPr>
+        <p:spPr/>
+        <p:txBody>
+          <a:bodyPr/>
+          <a:p>
+            <a:endParaRPr lang="en-US"/>
+          </a:p>
+        </p:txBody>
+      </p:sp>
+      <p:sp>
+        <p:nvSpPr>
+          <p:cNvPr id="3" name="Text Placeholder 2"/>
+          <p:cNvSpPr/>
+          <p:nvPr>
+            <p:ph type="body" idx="1"/>
+          </p:nvPr>
+        </p:nvSpPr>
+        <p:spPr/>
+        <p:txBody>
+          <a:bodyPr/>
+          <a:p>
+            <a:endParaRPr lang="en-US"/>
+          </a:p>
+        </p:txBody>
+      </p:sp>
+    </p:spTree>
+  </p:cSld>
+  <p:clrMapOvr>
+    <a:masterClrMapping/>
+  </p:clrMapOvr>
+</p:sld>
+</file>
+
+<file path=ppt/slides/slide7.xml><?xml version="1.0" encoding="utf-8"?>
+<p:sld xmlns:a="http://schemas.openxmlformats.org/drawingml/2006/main" xmlns:r="http://schemas.openxmlformats.org/officeDocument/2006/relationships" xmlns:p="http://schemas.openxmlformats.org/presentationml/2006/main">
   <p:cSld>
     <p:spTree>
       <p:nvGrpSpPr>
@@ -7782,12 +6931,12 @@
           </a:prstGeom>
         </p:spPr>
         <p:txBody>
-          <a:bodyPr anchorCtr="0" anchor="b" bIns="91425" lIns="91425" spcFirstLastPara="1" rIns="91425" wrap="square" tIns="91425">
+          <a:bodyPr spcFirstLastPara="1" wrap="square" lIns="91425" tIns="91425" rIns="91425" bIns="91425" anchor="b" anchorCtr="0">
             <a:noAutofit/>
           </a:bodyPr>
           <a:lstStyle/>
           <a:p>
-            <a:pPr indent="0" lvl="0" marL="0" rtl="0" algn="l">
+            <a:pPr marL="0" lvl="0" indent="0" algn="l" rtl="0">
               <a:spcBef>
                 <a:spcPts val="0"/>
               </a:spcBef>
@@ -7796,10 +6945,6 @@
               </a:spcAft>
               <a:buNone/>
             </a:pPr>
-            <a:r>
-              <a:t/>
-            </a:r>
-            <a:endParaRPr/>
           </a:p>
         </p:txBody>
       </p:sp>
@@ -7808,7 +6953,7 @@
           <p:cNvPr id="105" name="Google Shape;105;p20"/>
           <p:cNvSpPr txBox="1"/>
           <p:nvPr>
-            <p:ph idx="1" type="body"/>
+            <p:ph type="body" idx="1"/>
           </p:nvPr>
         </p:nvSpPr>
         <p:spPr>
@@ -7821,12 +6966,12 @@
           </a:prstGeom>
         </p:spPr>
         <p:txBody>
-          <a:bodyPr anchorCtr="0" anchor="t" bIns="91425" lIns="91425" spcFirstLastPara="1" rIns="91425" wrap="square" tIns="91425">
+          <a:bodyPr spcFirstLastPara="1" wrap="square" lIns="91425" tIns="91425" rIns="91425" bIns="91425" anchor="t" anchorCtr="0">
             <a:noAutofit/>
           </a:bodyPr>
           <a:lstStyle/>
           <a:p>
-            <a:pPr indent="0" lvl="0" marL="0" rtl="0" algn="l">
+            <a:pPr marL="0" lvl="0" indent="0" algn="l" rtl="0">
               <a:spcBef>
                 <a:spcPts val="0"/>
               </a:spcBef>
@@ -7835,10 +6980,6 @@
               </a:spcAft>
               <a:buNone/>
             </a:pPr>
-            <a:r>
-              <a:t/>
-            </a:r>
-            <a:endParaRPr/>
           </a:p>
         </p:txBody>
       </p:sp>
@@ -7850,8 +6991,8 @@
 </p:sld>
 </file>
 
-<file path=ppt/slides/slide9.xml><?xml version="1.0" encoding="utf-8"?>
-<p:sld xmlns:a="http://schemas.openxmlformats.org/drawingml/2006/main" xmlns:r="http://schemas.openxmlformats.org/officeDocument/2006/relationships" xmlns:mc="http://schemas.openxmlformats.org/markup-compatibility/2006" xmlns:mv="urn:schemas-microsoft-com:mac:vml" xmlns:p="http://schemas.openxmlformats.org/presentationml/2006/main" xmlns:c="http://schemas.openxmlformats.org/drawingml/2006/chart" xmlns:dgm="http://schemas.openxmlformats.org/drawingml/2006/diagram" xmlns:o="urn:schemas-microsoft-com:office:office" xmlns:v="urn:schemas-microsoft-com:vml" xmlns:pvml="urn:schemas-microsoft-com:office:powerpoint" xmlns:com="http://schemas.openxmlformats.org/drawingml/2006/compatibility" xmlns:p14="http://schemas.microsoft.com/office/powerpoint/2010/main" xmlns:p15="http://schemas.microsoft.com/office/powerpoint/2012/main" xmlns:ahyp="http://schemas.microsoft.com/office/drawing/2018/hyperlinkcolor">
+<file path=ppt/slides/slide8.xml><?xml version="1.0" encoding="utf-8"?>
+<p:sld xmlns:a="http://schemas.openxmlformats.org/drawingml/2006/main" xmlns:r="http://schemas.openxmlformats.org/officeDocument/2006/relationships" xmlns:p="http://schemas.openxmlformats.org/presentationml/2006/main">
   <p:cSld>
     <p:spTree>
       <p:nvGrpSpPr>
@@ -7885,12 +7026,12 @@
           </a:prstGeom>
         </p:spPr>
         <p:txBody>
-          <a:bodyPr anchorCtr="0" anchor="b" bIns="91425" lIns="91425" spcFirstLastPara="1" rIns="91425" wrap="square" tIns="91425">
+          <a:bodyPr spcFirstLastPara="1" wrap="square" lIns="91425" tIns="91425" rIns="91425" bIns="91425" anchor="b" anchorCtr="0">
             <a:noAutofit/>
           </a:bodyPr>
           <a:lstStyle/>
           <a:p>
-            <a:pPr indent="0" lvl="0" marL="0" rtl="0" algn="l">
+            <a:pPr marL="0" lvl="0" indent="0" algn="l" rtl="0">
               <a:spcBef>
                 <a:spcPts val="0"/>
               </a:spcBef>
@@ -7899,10 +7040,6 @@
               </a:spcAft>
               <a:buNone/>
             </a:pPr>
-            <a:r>
-              <a:t/>
-            </a:r>
-            <a:endParaRPr/>
           </a:p>
         </p:txBody>
       </p:sp>
@@ -7911,7 +7048,7 @@
           <p:cNvPr id="111" name="Google Shape;111;p21"/>
           <p:cNvSpPr txBox="1"/>
           <p:nvPr>
-            <p:ph idx="1" type="body"/>
+            <p:ph type="body" idx="1"/>
           </p:nvPr>
         </p:nvSpPr>
         <p:spPr>
@@ -7924,12 +7061,12 @@
           </a:prstGeom>
         </p:spPr>
         <p:txBody>
-          <a:bodyPr anchorCtr="0" anchor="t" bIns="91425" lIns="91425" spcFirstLastPara="1" rIns="91425" wrap="square" tIns="91425">
+          <a:bodyPr spcFirstLastPara="1" wrap="square" lIns="91425" tIns="91425" rIns="91425" bIns="91425" anchor="t" anchorCtr="0">
             <a:noAutofit/>
           </a:bodyPr>
           <a:lstStyle/>
           <a:p>
-            <a:pPr indent="0" lvl="0" marL="0" rtl="0" algn="l">
+            <a:pPr marL="0" lvl="0" indent="0" algn="l" rtl="0">
               <a:spcBef>
                 <a:spcPts val="0"/>
               </a:spcBef>
@@ -7938,10 +7075,6 @@
               </a:spcAft>
               <a:buNone/>
             </a:pPr>
-            <a:r>
-              <a:t/>
-            </a:r>
-            <a:endParaRPr/>
           </a:p>
         </p:txBody>
       </p:sp>
@@ -7954,7 +7087,7 @@
 </file>
 
 <file path=ppt/theme/theme1.xml><?xml version="1.0" encoding="utf-8"?>
-<a:theme xmlns:a="http://schemas.openxmlformats.org/drawingml/2006/main" xmlns:r="http://schemas.openxmlformats.org/officeDocument/2006/relationships" name="Luxe">
+<a:theme xmlns:a="http://schemas.openxmlformats.org/drawingml/2006/main" name="Luxe">
   <a:themeElements>
     <a:clrScheme name="Luxe">
       <a:dk1>
@@ -8229,11 +7362,16 @@
       </a:bgFillStyleLst>
     </a:fmtScheme>
   </a:themeElements>
+  <a:extLst>
+    <a:ext uri="{05A4C25C-085E-4340-85A3-A5531E510DB2}">
+      <thm15:themeFamily xmlns:thm15="http://schemas.microsoft.com/office/thememl/2012/main" name="Office Theme" id="{62F939B6-93AF-4DB8-9C6B-D6C7DFDC589F}" vid="{4A3C46E8-61CC-4603-A589-7422A47A8E4A}"/>
+    </a:ext>
+  </a:extLst>
 </a:theme>
 </file>
 
 <file path=ppt/theme/theme2.xml><?xml version="1.0" encoding="utf-8"?>
-<a:theme xmlns:a="http://schemas.openxmlformats.org/drawingml/2006/main" xmlns:r="http://schemas.openxmlformats.org/officeDocument/2006/relationships">
+<a:theme xmlns:a="http://schemas.openxmlformats.org/drawingml/2006/main">
   <a:themeElements>
     <a:clrScheme name="Default">
       <a:dk1>
@@ -8508,5 +7646,10 @@
       </a:bgFillStyleLst>
     </a:fmtScheme>
   </a:themeElements>
+  <a:extLst>
+    <a:ext uri="{05A4C25C-085E-4340-85A3-A5531E510DB2}">
+      <thm15:themeFamily xmlns:thm15="http://schemas.microsoft.com/office/thememl/2012/main" name="Office Theme" id="{62F939B6-93AF-4DB8-9C6B-D6C7DFDC589F}" vid="{4A3C46E8-61CC-4603-A589-7422A47A8E4A}"/>
+    </a:ext>
+  </a:extLst>
 </a:theme>
 </file>
--- a/Literature Survey 2.pptx
+++ b/Literature Survey 2.pptx
@@ -5,30 +5,43 @@
     <p:sldMasterId id="2147483648" r:id="rId1"/>
   </p:sldMasterIdLst>
   <p:notesMasterIdLst>
-    <p:notesMasterId r:id="rId12"/>
+    <p:notesMasterId r:id="rId15"/>
   </p:notesMasterIdLst>
   <p:sldIdLst>
     <p:sldId id="256" r:id="rId2"/>
     <p:sldId id="262" r:id="rId3"/>
     <p:sldId id="265" r:id="rId4"/>
-    <p:sldId id="269" r:id="rId5"/>
-    <p:sldId id="270" r:id="rId6"/>
-    <p:sldId id="266" r:id="rId7"/>
-    <p:sldId id="267" r:id="rId8"/>
-    <p:sldId id="268" r:id="rId9"/>
-    <p:sldId id="263" r:id="rId10"/>
-    <p:sldId id="264" r:id="rId11"/>
+    <p:sldId id="271" r:id="rId5"/>
+    <p:sldId id="272" r:id="rId6"/>
+    <p:sldId id="257" r:id="rId7"/>
+    <p:sldId id="269" r:id="rId8"/>
+    <p:sldId id="270" r:id="rId9"/>
+    <p:sldId id="266" r:id="rId10"/>
+    <p:sldId id="267" r:id="rId11"/>
+    <p:sldId id="268" r:id="rId12"/>
+    <p:sldId id="263" r:id="rId13"/>
+    <p:sldId id="264" r:id="rId14"/>
   </p:sldIdLst>
   <p:sldSz cx="9144000" cy="5143500" type="screen16x9"/>
   <p:notesSz cx="6858000" cy="9144000"/>
   <p:embeddedFontLst>
     <p:embeddedFont>
-      <p:font typeface="Economica" charset="0"/>
-      <p:regular r:id="rId13"/>
+      <p:font typeface="Cambria" panose="02040503050406030204" pitchFamily="18" charset="0"/>
+      <p:regular r:id="rId16"/>
+      <p:bold r:id="rId17"/>
+      <p:italic r:id="rId18"/>
+      <p:boldItalic r:id="rId19"/>
     </p:embeddedFont>
     <p:embeddedFont>
-      <p:font typeface="Open Sans" charset="0"/>
-      <p:regular r:id="rId14"/>
+      <p:font typeface="Economica" panose="020B0604020202020204" charset="0"/>
+      <p:regular r:id="rId20"/>
+    </p:embeddedFont>
+    <p:embeddedFont>
+      <p:font typeface="Open Sans" panose="020B0606030504020204" pitchFamily="34" charset="0"/>
+      <p:regular r:id="rId21"/>
+      <p:bold r:id="rId22"/>
+      <p:italic r:id="rId23"/>
+      <p:boldItalic r:id="rId24"/>
     </p:embeddedFont>
   </p:embeddedFontLst>
   <p:defaultTextStyle>
@@ -260,6 +273,22 @@
       </a:defRPr>
     </a:lvl9pPr>
   </p:defaultTextStyle>
+  <p:extLst>
+    <p:ext uri="{EFAFB233-063F-42B5-8137-9DF3F51BA10A}">
+      <p15:sldGuideLst xmlns:p15="http://schemas.microsoft.com/office/powerpoint/2012/main">
+        <p15:guide id="1" orient="horz" pos="1620">
+          <p15:clr>
+            <a:srgbClr val="A4A3A4"/>
+          </p15:clr>
+        </p15:guide>
+        <p15:guide id="2" pos="2880">
+          <p15:clr>
+            <a:srgbClr val="A4A3A4"/>
+          </p15:clr>
+        </p15:guide>
+      </p15:sldGuideLst>
+    </p:ext>
+  </p:extLst>
 </p:presentation>
 </file>
 
@@ -733,8 +762,8 @@
         </p:nvSpPr>
         <p:spPr>
           <a:xfrm>
-            <a:off x="381300" y="685800"/>
-            <a:ext cx="6096075" cy="3429000"/>
+            <a:off x="381000" y="685800"/>
+            <a:ext cx="6096000" cy="3429000"/>
           </a:xfrm>
           <a:custGeom>
             <a:avLst/>
@@ -837,7 +866,7 @@
         </p:nvSpPr>
         <p:spPr>
           <a:xfrm>
-            <a:off x="381300" y="685800"/>
+            <a:off x="381000" y="685800"/>
             <a:ext cx="6096000" cy="3429000"/>
           </a:xfrm>
           <a:custGeom>
@@ -2247,6 +2276,206 @@
 </p:sldLayout>
 </file>
 
+<file path=ppt/slideLayouts/slideLayout12.xml><?xml version="1.0" encoding="utf-8"?>
+<p:sldLayout xmlns:a="http://schemas.openxmlformats.org/drawingml/2006/main" xmlns:r="http://schemas.openxmlformats.org/officeDocument/2006/relationships" xmlns:p="http://schemas.openxmlformats.org/presentationml/2006/main" type="obj">
+  <p:cSld name="Title and Content">
+    <p:spTree>
+      <p:nvGrpSpPr>
+        <p:cNvPr id="1" name=""/>
+        <p:cNvGrpSpPr/>
+        <p:nvPr/>
+      </p:nvGrpSpPr>
+      <p:grpSpPr>
+        <a:xfrm>
+          <a:off x="0" y="0"/>
+          <a:ext cx="0" cy="0"/>
+          <a:chOff x="0" y="0"/>
+          <a:chExt cx="0" cy="0"/>
+        </a:xfrm>
+      </p:grpSpPr>
+      <p:sp>
+        <p:nvSpPr>
+          <p:cNvPr id="2" name="Title 1">
+            <a:extLst>
+              <a:ext uri="{FF2B5EF4-FFF2-40B4-BE49-F238E27FC236}">
+                <a16:creationId xmlns:a16="http://schemas.microsoft.com/office/drawing/2014/main" id="{858E7136-5B48-4F29-B410-30CE51B8C276}"/>
+              </a:ext>
+            </a:extLst>
+          </p:cNvPr>
+          <p:cNvSpPr>
+            <a:spLocks noGrp="1"/>
+          </p:cNvSpPr>
+          <p:nvPr>
+            <p:ph type="title"/>
+          </p:nvPr>
+        </p:nvSpPr>
+        <p:spPr/>
+        <p:txBody>
+          <a:bodyPr/>
+          <a:lstStyle/>
+          <a:p>
+            <a:r>
+              <a:rPr lang="en-US"/>
+              <a:t>Click to edit Master title style</a:t>
+            </a:r>
+            <a:endParaRPr lang="en-IN"/>
+          </a:p>
+        </p:txBody>
+      </p:sp>
+      <p:sp>
+        <p:nvSpPr>
+          <p:cNvPr id="3" name="Content Placeholder 2">
+            <a:extLst>
+              <a:ext uri="{FF2B5EF4-FFF2-40B4-BE49-F238E27FC236}">
+                <a16:creationId xmlns:a16="http://schemas.microsoft.com/office/drawing/2014/main" id="{F855A3DC-C0EB-4B88-B221-43CAEAF42BC0}"/>
+              </a:ext>
+            </a:extLst>
+          </p:cNvPr>
+          <p:cNvSpPr>
+            <a:spLocks noGrp="1"/>
+          </p:cNvSpPr>
+          <p:nvPr>
+            <p:ph idx="1"/>
+          </p:nvPr>
+        </p:nvSpPr>
+        <p:spPr/>
+        <p:txBody>
+          <a:bodyPr/>
+          <a:lstStyle/>
+          <a:p>
+            <a:pPr lvl="0"/>
+            <a:r>
+              <a:rPr lang="en-US"/>
+              <a:t>Click to edit Master text styles</a:t>
+            </a:r>
+          </a:p>
+          <a:p>
+            <a:pPr lvl="1"/>
+            <a:r>
+              <a:rPr lang="en-US"/>
+              <a:t>Second level</a:t>
+            </a:r>
+          </a:p>
+          <a:p>
+            <a:pPr lvl="2"/>
+            <a:r>
+              <a:rPr lang="en-US"/>
+              <a:t>Third level</a:t>
+            </a:r>
+          </a:p>
+          <a:p>
+            <a:pPr lvl="3"/>
+            <a:r>
+              <a:rPr lang="en-US"/>
+              <a:t>Fourth level</a:t>
+            </a:r>
+          </a:p>
+          <a:p>
+            <a:pPr lvl="4"/>
+            <a:r>
+              <a:rPr lang="en-US"/>
+              <a:t>Fifth level</a:t>
+            </a:r>
+            <a:endParaRPr lang="en-IN"/>
+          </a:p>
+        </p:txBody>
+      </p:sp>
+      <p:sp>
+        <p:nvSpPr>
+          <p:cNvPr id="4" name="Date Placeholder 3">
+            <a:extLst>
+              <a:ext uri="{FF2B5EF4-FFF2-40B4-BE49-F238E27FC236}">
+                <a16:creationId xmlns:a16="http://schemas.microsoft.com/office/drawing/2014/main" id="{C9D64166-1E9D-4C5B-97E4-2BF3E6BE1290}"/>
+              </a:ext>
+            </a:extLst>
+          </p:cNvPr>
+          <p:cNvSpPr>
+            <a:spLocks noGrp="1"/>
+          </p:cNvSpPr>
+          <p:nvPr>
+            <p:ph type="dt" sz="half" idx="10"/>
+          </p:nvPr>
+        </p:nvSpPr>
+        <p:spPr/>
+        <p:txBody>
+          <a:bodyPr/>
+          <a:lstStyle/>
+          <a:p>
+            <a:fld id="{9B3AADE1-27EE-4014-B194-B389A1EA2F57}" type="datetimeFigureOut">
+              <a:rPr lang="en-IN" smtClean="0"/>
+              <a:t>30-10-2020</a:t>
+            </a:fld>
+            <a:endParaRPr lang="en-IN"/>
+          </a:p>
+        </p:txBody>
+      </p:sp>
+      <p:sp>
+        <p:nvSpPr>
+          <p:cNvPr id="5" name="Footer Placeholder 4">
+            <a:extLst>
+              <a:ext uri="{FF2B5EF4-FFF2-40B4-BE49-F238E27FC236}">
+                <a16:creationId xmlns:a16="http://schemas.microsoft.com/office/drawing/2014/main" id="{49301D60-9FE2-49B3-A001-BA053DDBBE09}"/>
+              </a:ext>
+            </a:extLst>
+          </p:cNvPr>
+          <p:cNvSpPr>
+            <a:spLocks noGrp="1"/>
+          </p:cNvSpPr>
+          <p:nvPr>
+            <p:ph type="ftr" sz="quarter" idx="11"/>
+          </p:nvPr>
+        </p:nvSpPr>
+        <p:spPr/>
+        <p:txBody>
+          <a:bodyPr/>
+          <a:lstStyle/>
+          <a:p>
+            <a:endParaRPr lang="en-IN"/>
+          </a:p>
+        </p:txBody>
+      </p:sp>
+      <p:sp>
+        <p:nvSpPr>
+          <p:cNvPr id="6" name="Slide Number Placeholder 5">
+            <a:extLst>
+              <a:ext uri="{FF2B5EF4-FFF2-40B4-BE49-F238E27FC236}">
+                <a16:creationId xmlns:a16="http://schemas.microsoft.com/office/drawing/2014/main" id="{3DBB1855-B131-4E63-99F3-46C8AE14E41D}"/>
+              </a:ext>
+            </a:extLst>
+          </p:cNvPr>
+          <p:cNvSpPr>
+            <a:spLocks noGrp="1"/>
+          </p:cNvSpPr>
+          <p:nvPr>
+            <p:ph type="sldNum" sz="quarter" idx="12"/>
+          </p:nvPr>
+        </p:nvSpPr>
+        <p:spPr/>
+        <p:txBody>
+          <a:bodyPr/>
+          <a:lstStyle/>
+          <a:p>
+            <a:fld id="{69E6659B-BF6E-4DE8-8DA1-709FC145E0D7}" type="slidenum">
+              <a:rPr lang="en-IN" smtClean="0"/>
+              <a:t>‹#›</a:t>
+            </a:fld>
+            <a:endParaRPr lang="en-IN"/>
+          </a:p>
+        </p:txBody>
+      </p:sp>
+    </p:spTree>
+    <p:extLst>
+      <p:ext uri="{BB962C8B-B14F-4D97-AF65-F5344CB8AC3E}">
+        <p14:creationId xmlns:p14="http://schemas.microsoft.com/office/powerpoint/2010/main" val="1207175367"/>
+      </p:ext>
+    </p:extLst>
+  </p:cSld>
+  <p:clrMapOvr>
+    <a:masterClrMapping/>
+  </p:clrMapOvr>
+</p:sldLayout>
+</file>
+
 <file path=ppt/slideLayouts/slideLayout2.xml><?xml version="1.0" encoding="utf-8"?>
 <p:sldLayout xmlns:a="http://schemas.openxmlformats.org/drawingml/2006/main" xmlns:r="http://schemas.openxmlformats.org/officeDocument/2006/relationships" xmlns:p="http://schemas.openxmlformats.org/presentationml/2006/main" matchingName="Section header" type="secHead">
   <p:cSld name="SECTION_HEADER">
@@ -6066,6 +6295,7 @@
     <p:sldLayoutId id="2147483657" r:id="rId9"/>
     <p:sldLayoutId id="2147483658" r:id="rId10"/>
     <p:sldLayoutId id="2147483659" r:id="rId11"/>
+    <p:sldLayoutId id="2147483660" r:id="rId12"/>
   </p:sldLayoutIdLst>
   <p:hf sldNum="0" hdr="0" ftr="0" dt="0"/>
   <p:txStyles>
@@ -6811,7 +7041,11 @@
               </a:spcAft>
               <a:buNone/>
             </a:pPr>
-            <a:endParaRPr/>
+            <a:r>
+              <a:rPr lang="en-IN" dirty="0"/>
+              <a:t>Mini -Project </a:t>
+            </a:r>
+            <a:endParaRPr dirty="0"/>
           </a:p>
         </p:txBody>
       </p:sp>
@@ -6849,7 +7083,7 @@
               </a:spcAft>
               <a:buNone/>
             </a:pPr>
-            <a:endParaRPr/>
+            <a:endParaRPr dirty="0"/>
           </a:p>
         </p:txBody>
       </p:sp>
@@ -6862,6 +7096,233 @@
 </file>
 
 <file path=ppt/slides/slide10.xml><?xml version="1.0" encoding="utf-8"?>
+<p:sld xmlns:a="http://schemas.openxmlformats.org/drawingml/2006/main" xmlns:r="http://schemas.openxmlformats.org/officeDocument/2006/relationships" xmlns:p="http://schemas.openxmlformats.org/presentationml/2006/main">
+  <p:cSld>
+    <p:spTree>
+      <p:nvGrpSpPr>
+        <p:cNvPr id="1" name=""/>
+        <p:cNvGrpSpPr/>
+        <p:nvPr/>
+      </p:nvGrpSpPr>
+      <p:grpSpPr>
+        <a:xfrm>
+          <a:off x="0" y="0"/>
+          <a:ext cx="0" cy="0"/>
+          <a:chOff x="0" y="0"/>
+          <a:chExt cx="0" cy="0"/>
+        </a:xfrm>
+      </p:grpSpPr>
+      <p:sp>
+        <p:nvSpPr>
+          <p:cNvPr id="2" name="Title 1"/>
+          <p:cNvSpPr>
+            <a:spLocks noGrp="1"/>
+          </p:cNvSpPr>
+          <p:nvPr>
+            <p:ph type="title"/>
+          </p:nvPr>
+        </p:nvSpPr>
+        <p:spPr/>
+        <p:txBody>
+          <a:bodyPr/>
+          <a:lstStyle/>
+          <a:p>
+            <a:endParaRPr lang="en-US"/>
+          </a:p>
+        </p:txBody>
+      </p:sp>
+      <p:sp>
+        <p:nvSpPr>
+          <p:cNvPr id="3" name="Text Placeholder 2"/>
+          <p:cNvSpPr>
+            <a:spLocks noGrp="1"/>
+          </p:cNvSpPr>
+          <p:nvPr>
+            <p:ph type="body" idx="1"/>
+          </p:nvPr>
+        </p:nvSpPr>
+        <p:spPr/>
+        <p:txBody>
+          <a:bodyPr/>
+          <a:lstStyle/>
+          <a:p>
+            <a:endParaRPr lang="en-US"/>
+          </a:p>
+        </p:txBody>
+      </p:sp>
+    </p:spTree>
+  </p:cSld>
+  <p:clrMapOvr>
+    <a:masterClrMapping/>
+  </p:clrMapOvr>
+</p:sld>
+</file>
+
+<file path=ppt/slides/slide11.xml><?xml version="1.0" encoding="utf-8"?>
+<p:sld xmlns:a="http://schemas.openxmlformats.org/drawingml/2006/main" xmlns:r="http://schemas.openxmlformats.org/officeDocument/2006/relationships" xmlns:p="http://schemas.openxmlformats.org/presentationml/2006/main">
+  <p:cSld>
+    <p:spTree>
+      <p:nvGrpSpPr>
+        <p:cNvPr id="1" name=""/>
+        <p:cNvGrpSpPr/>
+        <p:nvPr/>
+      </p:nvGrpSpPr>
+      <p:grpSpPr>
+        <a:xfrm>
+          <a:off x="0" y="0"/>
+          <a:ext cx="0" cy="0"/>
+          <a:chOff x="0" y="0"/>
+          <a:chExt cx="0" cy="0"/>
+        </a:xfrm>
+      </p:grpSpPr>
+      <p:sp>
+        <p:nvSpPr>
+          <p:cNvPr id="2" name="Title 1"/>
+          <p:cNvSpPr>
+            <a:spLocks noGrp="1"/>
+          </p:cNvSpPr>
+          <p:nvPr>
+            <p:ph type="title"/>
+          </p:nvPr>
+        </p:nvSpPr>
+        <p:spPr/>
+        <p:txBody>
+          <a:bodyPr/>
+          <a:lstStyle/>
+          <a:p>
+            <a:endParaRPr lang="en-US"/>
+          </a:p>
+        </p:txBody>
+      </p:sp>
+      <p:sp>
+        <p:nvSpPr>
+          <p:cNvPr id="3" name="Text Placeholder 2"/>
+          <p:cNvSpPr>
+            <a:spLocks noGrp="1"/>
+          </p:cNvSpPr>
+          <p:nvPr>
+            <p:ph type="body" idx="1"/>
+          </p:nvPr>
+        </p:nvSpPr>
+        <p:spPr/>
+        <p:txBody>
+          <a:bodyPr/>
+          <a:lstStyle/>
+          <a:p>
+            <a:endParaRPr lang="en-US"/>
+          </a:p>
+        </p:txBody>
+      </p:sp>
+    </p:spTree>
+  </p:cSld>
+  <p:clrMapOvr>
+    <a:masterClrMapping/>
+  </p:clrMapOvr>
+</p:sld>
+</file>
+
+<file path=ppt/slides/slide12.xml><?xml version="1.0" encoding="utf-8"?>
+<p:sld xmlns:a="http://schemas.openxmlformats.org/drawingml/2006/main" xmlns:r="http://schemas.openxmlformats.org/officeDocument/2006/relationships" xmlns:p="http://schemas.openxmlformats.org/presentationml/2006/main">
+  <p:cSld>
+    <p:spTree>
+      <p:nvGrpSpPr>
+        <p:cNvPr id="1" name="Shape 103"/>
+        <p:cNvGrpSpPr/>
+        <p:nvPr/>
+      </p:nvGrpSpPr>
+      <p:grpSpPr>
+        <a:xfrm>
+          <a:off x="0" y="0"/>
+          <a:ext cx="0" cy="0"/>
+          <a:chOff x="0" y="0"/>
+          <a:chExt cx="0" cy="0"/>
+        </a:xfrm>
+      </p:grpSpPr>
+      <p:sp>
+        <p:nvSpPr>
+          <p:cNvPr id="104" name="Google Shape;104;p20"/>
+          <p:cNvSpPr txBox="1">
+            <a:spLocks noGrp="1"/>
+          </p:cNvSpPr>
+          <p:nvPr>
+            <p:ph type="title"/>
+          </p:nvPr>
+        </p:nvSpPr>
+        <p:spPr>
+          <a:xfrm>
+            <a:off x="311700" y="315925"/>
+            <a:ext cx="8520600" cy="831300"/>
+          </a:xfrm>
+          <a:prstGeom prst="rect">
+            <a:avLst/>
+          </a:prstGeom>
+        </p:spPr>
+        <p:txBody>
+          <a:bodyPr spcFirstLastPara="1" wrap="square" lIns="91425" tIns="91425" rIns="91425" bIns="91425" anchor="b" anchorCtr="0">
+            <a:noAutofit/>
+          </a:bodyPr>
+          <a:lstStyle/>
+          <a:p>
+            <a:pPr marL="0" lvl="0" indent="0" algn="l" rtl="0">
+              <a:spcBef>
+                <a:spcPts val="0"/>
+              </a:spcBef>
+              <a:spcAft>
+                <a:spcPts val="0"/>
+              </a:spcAft>
+              <a:buNone/>
+            </a:pPr>
+            <a:endParaRPr/>
+          </a:p>
+        </p:txBody>
+      </p:sp>
+      <p:sp>
+        <p:nvSpPr>
+          <p:cNvPr id="105" name="Google Shape;105;p20"/>
+          <p:cNvSpPr txBox="1">
+            <a:spLocks noGrp="1"/>
+          </p:cNvSpPr>
+          <p:nvPr>
+            <p:ph type="body" idx="1"/>
+          </p:nvPr>
+        </p:nvSpPr>
+        <p:spPr>
+          <a:xfrm>
+            <a:off x="311700" y="1225225"/>
+            <a:ext cx="8520600" cy="3354000"/>
+          </a:xfrm>
+          <a:prstGeom prst="rect">
+            <a:avLst/>
+          </a:prstGeom>
+        </p:spPr>
+        <p:txBody>
+          <a:bodyPr spcFirstLastPara="1" wrap="square" lIns="91425" tIns="91425" rIns="91425" bIns="91425" anchor="t" anchorCtr="0">
+            <a:noAutofit/>
+          </a:bodyPr>
+          <a:lstStyle/>
+          <a:p>
+            <a:pPr marL="0" lvl="0" indent="0" algn="l" rtl="0">
+              <a:spcBef>
+                <a:spcPts val="0"/>
+              </a:spcBef>
+              <a:spcAft>
+                <a:spcPts val="1600"/>
+              </a:spcAft>
+              <a:buNone/>
+            </a:pPr>
+            <a:endParaRPr/>
+          </a:p>
+        </p:txBody>
+      </p:sp>
+    </p:spTree>
+  </p:cSld>
+  <p:clrMapOvr>
+    <a:masterClrMapping/>
+  </p:clrMapOvr>
+</p:sld>
+</file>
+
+<file path=ppt/slides/slide13.xml><?xml version="1.0" encoding="utf-8"?>
 <p:sld xmlns:a="http://schemas.openxmlformats.org/drawingml/2006/main" xmlns:r="http://schemas.openxmlformats.org/officeDocument/2006/relationships" xmlns:p="http://schemas.openxmlformats.org/presentationml/2006/main">
   <p:cSld>
     <p:spTree>
@@ -7004,7 +7465,7 @@
           </a:bodyPr>
           <a:lstStyle/>
           <a:p>
-            <a:pPr marL="0" lvl="0" indent="0" algn="l" rtl="0">
+            <a:pPr marL="0" lvl="0" indent="0" algn="ctr" rtl="0">
               <a:spcBef>
                 <a:spcPts val="0"/>
               </a:spcBef>
@@ -7013,7 +7474,17 @@
               </a:spcAft>
               <a:buNone/>
             </a:pPr>
-            <a:endParaRPr/>
+            <a:r>
+              <a:rPr lang="en-US" sz="2800" b="1" dirty="0">
+                <a:latin typeface="Times New Roman" panose="02020603050405020304" pitchFamily="18" charset="0"/>
+                <a:cs typeface="Times New Roman" panose="02020603050405020304" pitchFamily="18" charset="0"/>
+              </a:rPr>
+              <a:t>Problem Statement</a:t>
+            </a:r>
+            <a:endParaRPr sz="2800" dirty="0">
+              <a:latin typeface="Times New Roman" panose="02020603050405020304" pitchFamily="18" charset="0"/>
+              <a:cs typeface="Times New Roman" panose="02020603050405020304" pitchFamily="18" charset="0"/>
+            </a:endParaRPr>
           </a:p>
         </p:txBody>
       </p:sp>
@@ -7029,8 +7500,8 @@
         </p:nvSpPr>
         <p:spPr>
           <a:xfrm>
-            <a:off x="311700" y="1225225"/>
-            <a:ext cx="8520600" cy="3354000"/>
+            <a:off x="533400" y="1383323"/>
+            <a:ext cx="8610600" cy="3576901"/>
           </a:xfrm>
           <a:prstGeom prst="rect">
             <a:avLst/>
@@ -7051,7 +7522,14 @@
               </a:spcAft>
               <a:buNone/>
             </a:pPr>
-            <a:endParaRPr/>
+            <a:r>
+              <a:rPr lang="en-US" sz="1600" dirty="0">
+                <a:latin typeface="Cambria" panose="02040503050406030204" charset="0"/>
+                <a:cs typeface="Cambria" panose="02040503050406030204" charset="0"/>
+              </a:rPr>
+              <a:t>Our goal is to predict whether a meme is hateful or non-hateful. This is a binary classification problem with multimodal input data consisting of the meme image itself (the image mode) and a string representing the text in the meme image (the text mode).</a:t>
+            </a:r>
+            <a:endParaRPr sz="1600" dirty="0"/>
           </a:p>
         </p:txBody>
       </p:sp>
@@ -7090,12 +7568,31 @@
             <p:ph type="title"/>
           </p:nvPr>
         </p:nvSpPr>
-        <p:spPr/>
+        <p:spPr>
+          <a:xfrm>
+            <a:off x="0" y="60702"/>
+            <a:ext cx="8520600" cy="831300"/>
+          </a:xfrm>
+        </p:spPr>
         <p:txBody>
           <a:bodyPr/>
           <a:lstStyle/>
           <a:p>
-            <a:endParaRPr lang="en-US"/>
+            <a:pPr algn="ctr"/>
+            <a:r>
+              <a:rPr lang="en-US" sz="2400" b="1" dirty="0">
+                <a:latin typeface="Times New Roman" panose="02020603050405020304" pitchFamily="18" charset="0"/>
+                <a:cs typeface="Times New Roman" panose="02020603050405020304" pitchFamily="18" charset="0"/>
+              </a:rPr>
+              <a:t>Sub-Tasks </a:t>
+            </a:r>
+            <a:r>
+              <a:rPr lang="en-US" sz="2800" dirty="0">
+                <a:latin typeface="Times New Roman" panose="02020603050405020304" pitchFamily="18" charset="0"/>
+                <a:cs typeface="Times New Roman" panose="02020603050405020304" pitchFamily="18" charset="0"/>
+              </a:rPr>
+              <a:t>:</a:t>
+            </a:r>
           </a:p>
         </p:txBody>
       </p:sp>
@@ -7109,12 +7606,92 @@
             <p:ph type="body" idx="1"/>
           </p:nvPr>
         </p:nvSpPr>
-        <p:spPr/>
+        <p:spPr>
+          <a:xfrm>
+            <a:off x="258946" y="894749"/>
+            <a:ext cx="8520600" cy="4046527"/>
+          </a:xfrm>
+        </p:spPr>
         <p:txBody>
           <a:bodyPr/>
           <a:lstStyle/>
           <a:p>
-            <a:endParaRPr lang="en-US"/>
+            <a:pPr marL="114300" indent="0">
+              <a:buNone/>
+            </a:pPr>
+            <a:r>
+              <a:rPr lang="en-US" dirty="0">
+                <a:latin typeface="Times New Roman" panose="02020603050405020304" pitchFamily="18" charset="0"/>
+                <a:cs typeface="Times New Roman" panose="02020603050405020304" pitchFamily="18" charset="0"/>
+              </a:rPr>
+              <a:t>Task 1 : </a:t>
+            </a:r>
+            <a:r>
+              <a:rPr lang="en-US" sz="1400" dirty="0">
+                <a:latin typeface="Times New Roman" panose="02020603050405020304" pitchFamily="18" charset="0"/>
+                <a:cs typeface="Times New Roman" panose="02020603050405020304" pitchFamily="18" charset="0"/>
+              </a:rPr>
+              <a:t>Categorization of Memes :</a:t>
+            </a:r>
+            <a:endParaRPr lang="en-US" sz="1400" dirty="0"/>
+          </a:p>
+          <a:p>
+            <a:pPr marL="114300" indent="0">
+              <a:buNone/>
+            </a:pPr>
+            <a:endParaRPr lang="en-US" dirty="0"/>
+          </a:p>
+          <a:p>
+            <a:pPr marL="114300" indent="0">
+              <a:buNone/>
+            </a:pPr>
+            <a:endParaRPr lang="en-US" dirty="0"/>
+          </a:p>
+          <a:p>
+            <a:pPr marL="114300" indent="0">
+              <a:buNone/>
+            </a:pPr>
+            <a:endParaRPr lang="en-US" dirty="0"/>
+          </a:p>
+          <a:p>
+            <a:pPr marL="114300" indent="0">
+              <a:buNone/>
+            </a:pPr>
+            <a:endParaRPr lang="en-US" dirty="0"/>
+          </a:p>
+          <a:p>
+            <a:pPr marL="114300" indent="0">
+              <a:buNone/>
+            </a:pPr>
+            <a:endParaRPr lang="en-US" dirty="0"/>
+          </a:p>
+          <a:p>
+            <a:pPr marL="114300" indent="0">
+              <a:buNone/>
+            </a:pPr>
+            <a:r>
+              <a:rPr lang="en-US" sz="1600" dirty="0"/>
+              <a:t>Task 2 </a:t>
+            </a:r>
+            <a:r>
+              <a:rPr lang="en-US" dirty="0"/>
+              <a:t>: </a:t>
+            </a:r>
+            <a:r>
+              <a:rPr lang="en-US" sz="1400" dirty="0">
+                <a:latin typeface="Times New Roman" panose="02020603050405020304" pitchFamily="18" charset="0"/>
+                <a:cs typeface="Times New Roman" panose="02020603050405020304" pitchFamily="18" charset="0"/>
+              </a:rPr>
+              <a:t>Reasoning Of Memes </a:t>
+            </a:r>
+            <a:r>
+              <a:rPr lang="en-US" dirty="0">
+                <a:latin typeface="Times New Roman" panose="02020603050405020304" pitchFamily="18" charset="0"/>
+                <a:cs typeface="Times New Roman" panose="02020603050405020304" pitchFamily="18" charset="0"/>
+              </a:rPr>
+              <a:t>:</a:t>
+            </a:r>
+            <a:endParaRPr lang="en-US" dirty="0"/>
           </a:p>
         </p:txBody>
       </p:sp>
@@ -7127,6 +7704,601 @@
 </file>
 
 <file path=ppt/slides/slide4.xml><?xml version="1.0" encoding="utf-8"?>
+<p:sld xmlns:a="http://schemas.openxmlformats.org/drawingml/2006/main" xmlns:r="http://schemas.openxmlformats.org/officeDocument/2006/relationships" xmlns:p="http://schemas.openxmlformats.org/presentationml/2006/main">
+  <p:cSld>
+    <p:spTree>
+      <p:nvGrpSpPr>
+        <p:cNvPr id="1" name=""/>
+        <p:cNvGrpSpPr/>
+        <p:nvPr/>
+      </p:nvGrpSpPr>
+      <p:grpSpPr>
+        <a:xfrm>
+          <a:off x="0" y="0"/>
+          <a:ext cx="0" cy="0"/>
+          <a:chOff x="0" y="0"/>
+          <a:chExt cx="0" cy="0"/>
+        </a:xfrm>
+      </p:grpSpPr>
+      <p:sp>
+        <p:nvSpPr>
+          <p:cNvPr id="2" name="Title 1">
+            <a:extLst>
+              <a:ext uri="{FF2B5EF4-FFF2-40B4-BE49-F238E27FC236}">
+                <a16:creationId xmlns:a16="http://schemas.microsoft.com/office/drawing/2014/main" id="{1CB838C8-A456-4AEF-88CD-57DDDE243BF1}"/>
+              </a:ext>
+            </a:extLst>
+          </p:cNvPr>
+          <p:cNvSpPr>
+            <a:spLocks noGrp="1"/>
+          </p:cNvSpPr>
+          <p:nvPr>
+            <p:ph type="title"/>
+          </p:nvPr>
+        </p:nvSpPr>
+        <p:spPr>
+          <a:xfrm>
+            <a:off x="229638" y="1992496"/>
+            <a:ext cx="8520600" cy="831300"/>
+          </a:xfrm>
+        </p:spPr>
+        <p:txBody>
+          <a:bodyPr/>
+          <a:lstStyle/>
+          <a:p>
+            <a:pPr algn="ctr"/>
+            <a:r>
+              <a:rPr lang="en-IN" sz="3200" dirty="0">
+                <a:latin typeface="Times New Roman" panose="02020603050405020304" pitchFamily="18" charset="0"/>
+                <a:cs typeface="Times New Roman" panose="02020603050405020304" pitchFamily="18" charset="0"/>
+              </a:rPr>
+              <a:t>Related Works </a:t>
+            </a:r>
+          </a:p>
+        </p:txBody>
+      </p:sp>
+    </p:spTree>
+    <p:extLst>
+      <p:ext uri="{BB962C8B-B14F-4D97-AF65-F5344CB8AC3E}">
+        <p14:creationId xmlns:p14="http://schemas.microsoft.com/office/powerpoint/2010/main" val="3970263908"/>
+      </p:ext>
+    </p:extLst>
+  </p:cSld>
+  <p:clrMapOvr>
+    <a:masterClrMapping/>
+  </p:clrMapOvr>
+</p:sld>
+</file>
+
+<file path=ppt/slides/slide5.xml><?xml version="1.0" encoding="utf-8"?>
+<p:sld xmlns:a="http://schemas.openxmlformats.org/drawingml/2006/main" xmlns:r="http://schemas.openxmlformats.org/officeDocument/2006/relationships" xmlns:p="http://schemas.openxmlformats.org/presentationml/2006/main">
+  <p:cSld>
+    <p:spTree>
+      <p:nvGrpSpPr>
+        <p:cNvPr id="1" name=""/>
+        <p:cNvGrpSpPr/>
+        <p:nvPr/>
+      </p:nvGrpSpPr>
+      <p:grpSpPr>
+        <a:xfrm>
+          <a:off x="0" y="0"/>
+          <a:ext cx="0" cy="0"/>
+          <a:chOff x="0" y="0"/>
+          <a:chExt cx="0" cy="0"/>
+        </a:xfrm>
+      </p:grpSpPr>
+      <p:sp>
+        <p:nvSpPr>
+          <p:cNvPr id="2" name="Title 1">
+            <a:extLst>
+              <a:ext uri="{FF2B5EF4-FFF2-40B4-BE49-F238E27FC236}">
+                <a16:creationId xmlns:a16="http://schemas.microsoft.com/office/drawing/2014/main" id="{AD965331-CA32-4D2D-B52D-914EBAB7F08F}"/>
+              </a:ext>
+            </a:extLst>
+          </p:cNvPr>
+          <p:cNvSpPr>
+            <a:spLocks noGrp="1"/>
+          </p:cNvSpPr>
+          <p:nvPr>
+            <p:ph type="title"/>
+          </p:nvPr>
+        </p:nvSpPr>
+        <p:spPr/>
+        <p:txBody>
+          <a:bodyPr/>
+          <a:lstStyle/>
+          <a:p>
+            <a:endParaRPr lang="en-IN"/>
+          </a:p>
+        </p:txBody>
+      </p:sp>
+      <p:sp>
+        <p:nvSpPr>
+          <p:cNvPr id="3" name="Text Placeholder 2">
+            <a:extLst>
+              <a:ext uri="{FF2B5EF4-FFF2-40B4-BE49-F238E27FC236}">
+                <a16:creationId xmlns:a16="http://schemas.microsoft.com/office/drawing/2014/main" id="{808ADEE7-BD60-4E3F-ACB4-8112B44871A6}"/>
+              </a:ext>
+            </a:extLst>
+          </p:cNvPr>
+          <p:cNvSpPr>
+            <a:spLocks noGrp="1"/>
+          </p:cNvSpPr>
+          <p:nvPr>
+            <p:ph type="body" idx="1"/>
+          </p:nvPr>
+        </p:nvSpPr>
+        <p:spPr/>
+        <p:txBody>
+          <a:bodyPr/>
+          <a:lstStyle/>
+          <a:p>
+            <a:endParaRPr lang="en-IN" dirty="0"/>
+          </a:p>
+        </p:txBody>
+      </p:sp>
+    </p:spTree>
+    <p:extLst>
+      <p:ext uri="{BB962C8B-B14F-4D97-AF65-F5344CB8AC3E}">
+        <p14:creationId xmlns:p14="http://schemas.microsoft.com/office/powerpoint/2010/main" val="3923157646"/>
+      </p:ext>
+    </p:extLst>
+  </p:cSld>
+  <p:clrMapOvr>
+    <a:masterClrMapping/>
+  </p:clrMapOvr>
+</p:sld>
+</file>
+
+<file path=ppt/slides/slide6.xml><?xml version="1.0" encoding="utf-8"?>
+<p:sld xmlns:a="http://schemas.openxmlformats.org/drawingml/2006/main" xmlns:r="http://schemas.openxmlformats.org/officeDocument/2006/relationships" xmlns:p="http://schemas.openxmlformats.org/presentationml/2006/main">
+  <p:cSld>
+    <p:spTree>
+      <p:nvGrpSpPr>
+        <p:cNvPr id="1" name=""/>
+        <p:cNvGrpSpPr/>
+        <p:nvPr/>
+      </p:nvGrpSpPr>
+      <p:grpSpPr>
+        <a:xfrm>
+          <a:off x="0" y="0"/>
+          <a:ext cx="0" cy="0"/>
+          <a:chOff x="0" y="0"/>
+          <a:chExt cx="0" cy="0"/>
+        </a:xfrm>
+      </p:grpSpPr>
+      <p:pic>
+        <p:nvPicPr>
+          <p:cNvPr id="5" name="Content Placeholder 4">
+            <a:extLst>
+              <a:ext uri="{FF2B5EF4-FFF2-40B4-BE49-F238E27FC236}">
+                <a16:creationId xmlns:a16="http://schemas.microsoft.com/office/drawing/2014/main" id="{C00D96EE-CFDB-4427-AE33-252EBB2FE970}"/>
+              </a:ext>
+            </a:extLst>
+          </p:cNvPr>
+          <p:cNvPicPr>
+            <a:picLocks noGrp="1" noChangeAspect="1"/>
+          </p:cNvPicPr>
+          <p:nvPr>
+            <p:ph idx="1"/>
+          </p:nvPr>
+        </p:nvPicPr>
+        <p:blipFill rotWithShape="1">
+          <a:blip r:embed="rId2">
+            <a:extLst>
+              <a:ext uri="{28A0092B-C50C-407E-A947-70E740481C1C}">
+                <a14:useLocalDpi xmlns:a14="http://schemas.microsoft.com/office/drawing/2010/main" val="0"/>
+              </a:ext>
+            </a:extLst>
+          </a:blip>
+          <a:srcRect l="10107" r="10628"/>
+          <a:stretch/>
+        </p:blipFill>
+        <p:spPr>
+          <a:xfrm>
+            <a:off x="281354" y="833612"/>
+            <a:ext cx="4489938" cy="4238651"/>
+          </a:xfrm>
+        </p:spPr>
+      </p:pic>
+      <p:sp>
+        <p:nvSpPr>
+          <p:cNvPr id="4" name="Title 1">
+            <a:extLst>
+              <a:ext uri="{FF2B5EF4-FFF2-40B4-BE49-F238E27FC236}">
+                <a16:creationId xmlns:a16="http://schemas.microsoft.com/office/drawing/2014/main" id="{B6175FDE-B4D3-4DB9-8143-CCC67BE4F807}"/>
+              </a:ext>
+            </a:extLst>
+          </p:cNvPr>
+          <p:cNvSpPr txBox="1">
+            <a:spLocks/>
+          </p:cNvSpPr>
+          <p:nvPr/>
+        </p:nvSpPr>
+        <p:spPr>
+          <a:xfrm>
+            <a:off x="2159113" y="164125"/>
+            <a:ext cx="5224357" cy="728104"/>
+          </a:xfrm>
+          <a:prstGeom prst="rect">
+            <a:avLst/>
+          </a:prstGeom>
+          <a:noFill/>
+          <a:ln>
+            <a:noFill/>
+          </a:ln>
+        </p:spPr>
+        <p:txBody>
+          <a:bodyPr spcFirstLastPara="1" wrap="square" lIns="91425" tIns="91425" rIns="91425" bIns="91425" anchor="b" anchorCtr="0">
+            <a:noAutofit/>
+          </a:bodyPr>
+          <a:lstStyle>
+            <a:defPPr marR="0" lvl="0" algn="l" rtl="0">
+              <a:lnSpc>
+                <a:spcPct val="100000"/>
+              </a:lnSpc>
+              <a:spcBef>
+                <a:spcPts val="0"/>
+              </a:spcBef>
+              <a:spcAft>
+                <a:spcPts val="0"/>
+              </a:spcAft>
+            </a:defPPr>
+            <a:lvl1pPr marR="0" lvl="0" algn="l" rtl="0">
+              <a:lnSpc>
+                <a:spcPct val="100000"/>
+              </a:lnSpc>
+              <a:spcBef>
+                <a:spcPts val="0"/>
+              </a:spcBef>
+              <a:spcAft>
+                <a:spcPts val="0"/>
+              </a:spcAft>
+              <a:buClr>
+                <a:schemeClr val="dk1"/>
+              </a:buClr>
+              <a:buSzPts val="4200"/>
+              <a:buFont typeface="Economica" panose="02000506040000020004"/>
+              <a:buNone/>
+              <a:defRPr sz="4200" b="0" i="0" u="none" strike="noStrike" cap="none">
+                <a:solidFill>
+                  <a:schemeClr val="dk1"/>
+                </a:solidFill>
+                <a:latin typeface="Economica" panose="02000506040000020004"/>
+                <a:ea typeface="Economica" panose="02000506040000020004"/>
+                <a:cs typeface="Economica" panose="02000506040000020004"/>
+                <a:sym typeface="Economica" panose="02000506040000020004"/>
+              </a:defRPr>
+            </a:lvl1pPr>
+            <a:lvl2pPr marR="0" lvl="1" algn="l" rtl="0">
+              <a:lnSpc>
+                <a:spcPct val="100000"/>
+              </a:lnSpc>
+              <a:spcBef>
+                <a:spcPts val="0"/>
+              </a:spcBef>
+              <a:spcAft>
+                <a:spcPts val="0"/>
+              </a:spcAft>
+              <a:buClr>
+                <a:schemeClr val="dk1"/>
+              </a:buClr>
+              <a:buSzPts val="4200"/>
+              <a:buFont typeface="Economica" panose="02000506040000020004"/>
+              <a:buNone/>
+              <a:defRPr sz="4200" b="0" i="0" u="none" strike="noStrike" cap="none">
+                <a:solidFill>
+                  <a:schemeClr val="dk1"/>
+                </a:solidFill>
+                <a:latin typeface="Economica" panose="02000506040000020004"/>
+                <a:ea typeface="Economica" panose="02000506040000020004"/>
+                <a:cs typeface="Economica" panose="02000506040000020004"/>
+                <a:sym typeface="Economica" panose="02000506040000020004"/>
+              </a:defRPr>
+            </a:lvl2pPr>
+            <a:lvl3pPr marR="0" lvl="2" algn="l" rtl="0">
+              <a:lnSpc>
+                <a:spcPct val="100000"/>
+              </a:lnSpc>
+              <a:spcBef>
+                <a:spcPts val="0"/>
+              </a:spcBef>
+              <a:spcAft>
+                <a:spcPts val="0"/>
+              </a:spcAft>
+              <a:buClr>
+                <a:schemeClr val="dk1"/>
+              </a:buClr>
+              <a:buSzPts val="4200"/>
+              <a:buFont typeface="Economica" panose="02000506040000020004"/>
+              <a:buNone/>
+              <a:defRPr sz="4200" b="0" i="0" u="none" strike="noStrike" cap="none">
+                <a:solidFill>
+                  <a:schemeClr val="dk1"/>
+                </a:solidFill>
+                <a:latin typeface="Economica" panose="02000506040000020004"/>
+                <a:ea typeface="Economica" panose="02000506040000020004"/>
+                <a:cs typeface="Economica" panose="02000506040000020004"/>
+                <a:sym typeface="Economica" panose="02000506040000020004"/>
+              </a:defRPr>
+            </a:lvl3pPr>
+            <a:lvl4pPr marR="0" lvl="3" algn="l" rtl="0">
+              <a:lnSpc>
+                <a:spcPct val="100000"/>
+              </a:lnSpc>
+              <a:spcBef>
+                <a:spcPts val="0"/>
+              </a:spcBef>
+              <a:spcAft>
+                <a:spcPts val="0"/>
+              </a:spcAft>
+              <a:buClr>
+                <a:schemeClr val="dk1"/>
+              </a:buClr>
+              <a:buSzPts val="4200"/>
+              <a:buFont typeface="Economica" panose="02000506040000020004"/>
+              <a:buNone/>
+              <a:defRPr sz="4200" b="0" i="0" u="none" strike="noStrike" cap="none">
+                <a:solidFill>
+                  <a:schemeClr val="dk1"/>
+                </a:solidFill>
+                <a:latin typeface="Economica" panose="02000506040000020004"/>
+                <a:ea typeface="Economica" panose="02000506040000020004"/>
+                <a:cs typeface="Economica" panose="02000506040000020004"/>
+                <a:sym typeface="Economica" panose="02000506040000020004"/>
+              </a:defRPr>
+            </a:lvl4pPr>
+            <a:lvl5pPr marR="0" lvl="4" algn="l" rtl="0">
+              <a:lnSpc>
+                <a:spcPct val="100000"/>
+              </a:lnSpc>
+              <a:spcBef>
+                <a:spcPts val="0"/>
+              </a:spcBef>
+              <a:spcAft>
+                <a:spcPts val="0"/>
+              </a:spcAft>
+              <a:buClr>
+                <a:schemeClr val="dk1"/>
+              </a:buClr>
+              <a:buSzPts val="4200"/>
+              <a:buFont typeface="Economica" panose="02000506040000020004"/>
+              <a:buNone/>
+              <a:defRPr sz="4200" b="0" i="0" u="none" strike="noStrike" cap="none">
+                <a:solidFill>
+                  <a:schemeClr val="dk1"/>
+                </a:solidFill>
+                <a:latin typeface="Economica" panose="02000506040000020004"/>
+                <a:ea typeface="Economica" panose="02000506040000020004"/>
+                <a:cs typeface="Economica" panose="02000506040000020004"/>
+                <a:sym typeface="Economica" panose="02000506040000020004"/>
+              </a:defRPr>
+            </a:lvl5pPr>
+            <a:lvl6pPr marR="0" lvl="5" algn="l" rtl="0">
+              <a:lnSpc>
+                <a:spcPct val="100000"/>
+              </a:lnSpc>
+              <a:spcBef>
+                <a:spcPts val="0"/>
+              </a:spcBef>
+              <a:spcAft>
+                <a:spcPts val="0"/>
+              </a:spcAft>
+              <a:buClr>
+                <a:schemeClr val="dk1"/>
+              </a:buClr>
+              <a:buSzPts val="4200"/>
+              <a:buFont typeface="Economica" panose="02000506040000020004"/>
+              <a:buNone/>
+              <a:defRPr sz="4200" b="0" i="0" u="none" strike="noStrike" cap="none">
+                <a:solidFill>
+                  <a:schemeClr val="dk1"/>
+                </a:solidFill>
+                <a:latin typeface="Economica" panose="02000506040000020004"/>
+                <a:ea typeface="Economica" panose="02000506040000020004"/>
+                <a:cs typeface="Economica" panose="02000506040000020004"/>
+                <a:sym typeface="Economica" panose="02000506040000020004"/>
+              </a:defRPr>
+            </a:lvl6pPr>
+            <a:lvl7pPr marR="0" lvl="6" algn="l" rtl="0">
+              <a:lnSpc>
+                <a:spcPct val="100000"/>
+              </a:lnSpc>
+              <a:spcBef>
+                <a:spcPts val="0"/>
+              </a:spcBef>
+              <a:spcAft>
+                <a:spcPts val="0"/>
+              </a:spcAft>
+              <a:buClr>
+                <a:schemeClr val="dk1"/>
+              </a:buClr>
+              <a:buSzPts val="4200"/>
+              <a:buFont typeface="Economica" panose="02000506040000020004"/>
+              <a:buNone/>
+              <a:defRPr sz="4200" b="0" i="0" u="none" strike="noStrike" cap="none">
+                <a:solidFill>
+                  <a:schemeClr val="dk1"/>
+                </a:solidFill>
+                <a:latin typeface="Economica" panose="02000506040000020004"/>
+                <a:ea typeface="Economica" panose="02000506040000020004"/>
+                <a:cs typeface="Economica" panose="02000506040000020004"/>
+                <a:sym typeface="Economica" panose="02000506040000020004"/>
+              </a:defRPr>
+            </a:lvl7pPr>
+            <a:lvl8pPr marR="0" lvl="7" algn="l" rtl="0">
+              <a:lnSpc>
+                <a:spcPct val="100000"/>
+              </a:lnSpc>
+              <a:spcBef>
+                <a:spcPts val="0"/>
+              </a:spcBef>
+              <a:spcAft>
+                <a:spcPts val="0"/>
+              </a:spcAft>
+              <a:buClr>
+                <a:schemeClr val="dk1"/>
+              </a:buClr>
+              <a:buSzPts val="4200"/>
+              <a:buFont typeface="Economica" panose="02000506040000020004"/>
+              <a:buNone/>
+              <a:defRPr sz="4200" b="0" i="0" u="none" strike="noStrike" cap="none">
+                <a:solidFill>
+                  <a:schemeClr val="dk1"/>
+                </a:solidFill>
+                <a:latin typeface="Economica" panose="02000506040000020004"/>
+                <a:ea typeface="Economica" panose="02000506040000020004"/>
+                <a:cs typeface="Economica" panose="02000506040000020004"/>
+                <a:sym typeface="Economica" panose="02000506040000020004"/>
+              </a:defRPr>
+            </a:lvl8pPr>
+            <a:lvl9pPr marR="0" lvl="8" algn="l" rtl="0">
+              <a:lnSpc>
+                <a:spcPct val="100000"/>
+              </a:lnSpc>
+              <a:spcBef>
+                <a:spcPts val="0"/>
+              </a:spcBef>
+              <a:spcAft>
+                <a:spcPts val="0"/>
+              </a:spcAft>
+              <a:buClr>
+                <a:schemeClr val="dk1"/>
+              </a:buClr>
+              <a:buSzPts val="4200"/>
+              <a:buFont typeface="Economica" panose="02000506040000020004"/>
+              <a:buNone/>
+              <a:defRPr sz="4200" b="0" i="0" u="none" strike="noStrike" cap="none">
+                <a:solidFill>
+                  <a:schemeClr val="dk1"/>
+                </a:solidFill>
+                <a:latin typeface="Economica" panose="02000506040000020004"/>
+                <a:ea typeface="Economica" panose="02000506040000020004"/>
+                <a:cs typeface="Economica" panose="02000506040000020004"/>
+                <a:sym typeface="Economica" panose="02000506040000020004"/>
+              </a:defRPr>
+            </a:lvl9pPr>
+          </a:lstStyle>
+          <a:p>
+            <a:r>
+              <a:rPr lang="en-US" sz="1100" b="1" dirty="0">
+                <a:latin typeface="Times New Roman" panose="02020603050405020304" pitchFamily="18" charset="0"/>
+                <a:cs typeface="Times New Roman" panose="02020603050405020304" pitchFamily="18" charset="0"/>
+              </a:rPr>
+              <a:t>Exploring Deep Multimodal Fusion of Text and Photo for Hate Speech Classification </a:t>
+            </a:r>
+          </a:p>
+          <a:p>
+            <a:r>
+              <a:rPr lang="en-US" sz="1050" i="1" dirty="0">
+                <a:latin typeface="Times New Roman" panose="02020603050405020304" pitchFamily="18" charset="0"/>
+                <a:cs typeface="Times New Roman" panose="02020603050405020304" pitchFamily="18" charset="0"/>
+              </a:rPr>
+              <a:t>Proceedings of the Third Workshop on Abusive Language Online</a:t>
+            </a:r>
+            <a:r>
+              <a:rPr lang="en-US" sz="1400" b="1" i="1" dirty="0">
+                <a:latin typeface="Times New Roman" panose="02020603050405020304" pitchFamily="18" charset="0"/>
+                <a:cs typeface="Times New Roman" panose="02020603050405020304" pitchFamily="18" charset="0"/>
+              </a:rPr>
+              <a:t> </a:t>
+            </a:r>
+            <a:r>
+              <a:rPr lang="en-US" sz="1400" i="1" dirty="0">
+                <a:latin typeface="Times New Roman" panose="02020603050405020304" pitchFamily="18" charset="0"/>
+                <a:cs typeface="Times New Roman" panose="02020603050405020304" pitchFamily="18" charset="0"/>
+              </a:rPr>
+              <a:t>, </a:t>
+            </a:r>
+            <a:r>
+              <a:rPr lang="en-US" sz="1100" i="1" dirty="0">
+                <a:latin typeface="Times New Roman" panose="02020603050405020304" pitchFamily="18" charset="0"/>
+                <a:cs typeface="Times New Roman" panose="02020603050405020304" pitchFamily="18" charset="0"/>
+              </a:rPr>
+              <a:t>2019</a:t>
+            </a:r>
+            <a:endParaRPr lang="en-IN" sz="2800" b="1" i="1" dirty="0">
+              <a:latin typeface="Times New Roman" panose="02020603050405020304" pitchFamily="18" charset="0"/>
+              <a:cs typeface="Times New Roman" panose="02020603050405020304" pitchFamily="18" charset="0"/>
+            </a:endParaRPr>
+          </a:p>
+        </p:txBody>
+      </p:sp>
+      <p:sp>
+        <p:nvSpPr>
+          <p:cNvPr id="7" name="TextBox 6">
+            <a:extLst>
+              <a:ext uri="{FF2B5EF4-FFF2-40B4-BE49-F238E27FC236}">
+                <a16:creationId xmlns:a16="http://schemas.microsoft.com/office/drawing/2014/main" id="{2DEAB881-23FE-4EAC-9606-69A60B9C98D9}"/>
+              </a:ext>
+            </a:extLst>
+          </p:cNvPr>
+          <p:cNvSpPr txBox="1"/>
+          <p:nvPr/>
+        </p:nvSpPr>
+        <p:spPr>
+          <a:xfrm>
+            <a:off x="5058508" y="2094696"/>
+            <a:ext cx="3581400" cy="830997"/>
+          </a:xfrm>
+          <a:prstGeom prst="rect">
+            <a:avLst/>
+          </a:prstGeom>
+          <a:noFill/>
+        </p:spPr>
+        <p:txBody>
+          <a:bodyPr wrap="square" rtlCol="0">
+            <a:spAutoFit/>
+          </a:bodyPr>
+          <a:lstStyle/>
+          <a:p>
+            <a:pPr marL="285750" indent="-285750">
+              <a:buFont typeface="Arial" panose="020B0604020202020204" pitchFamily="34" charset="0"/>
+              <a:buChar char="•"/>
+            </a:pPr>
+            <a:r>
+              <a:rPr lang="en-IN" sz="1200" dirty="0">
+                <a:latin typeface="Times New Roman" panose="02020603050405020304" pitchFamily="18" charset="0"/>
+                <a:cs typeface="Times New Roman" panose="02020603050405020304" pitchFamily="18" charset="0"/>
+              </a:rPr>
+              <a:t>MLP-W : Serves as solution for fine-tuning word embeddings to hate speech domain.</a:t>
+            </a:r>
+          </a:p>
+          <a:p>
+            <a:endParaRPr lang="en-IN" sz="1200" dirty="0">
+              <a:latin typeface="Times New Roman" panose="02020603050405020304" pitchFamily="18" charset="0"/>
+              <a:cs typeface="Times New Roman" panose="02020603050405020304" pitchFamily="18" charset="0"/>
+            </a:endParaRPr>
+          </a:p>
+          <a:p>
+            <a:pPr marL="285750" indent="-285750">
+              <a:buFont typeface="Arial" panose="020B0604020202020204" pitchFamily="34" charset="0"/>
+              <a:buChar char="•"/>
+            </a:pPr>
+            <a:r>
+              <a:rPr lang="en-IN" sz="1200" dirty="0">
+                <a:latin typeface="Times New Roman" panose="02020603050405020304" pitchFamily="18" charset="0"/>
+                <a:cs typeface="Times New Roman" panose="02020603050405020304" pitchFamily="18" charset="0"/>
+              </a:rPr>
+              <a:t>Gated Summation </a:t>
+            </a:r>
+          </a:p>
+        </p:txBody>
+      </p:sp>
+    </p:spTree>
+    <p:extLst>
+      <p:ext uri="{BB962C8B-B14F-4D97-AF65-F5344CB8AC3E}">
+        <p14:creationId xmlns:p14="http://schemas.microsoft.com/office/powerpoint/2010/main" val="2897330158"/>
+      </p:ext>
+    </p:extLst>
+  </p:cSld>
+  <p:clrMapOvr>
+    <a:masterClrMapping/>
+  </p:clrMapOvr>
+</p:sld>
+</file>
+
+<file path=ppt/slides/slide7.xml><?xml version="1.0" encoding="utf-8"?>
 <p:sld xmlns:a="http://schemas.openxmlformats.org/drawingml/2006/main" xmlns:r="http://schemas.openxmlformats.org/officeDocument/2006/relationships" xmlns:p="http://schemas.openxmlformats.org/presentationml/2006/main">
   <p:cSld>
     <p:spTree>
@@ -7163,32 +8335,19 @@
           <a:bodyPr/>
           <a:lstStyle/>
           <a:p>
-            <a:r>
-              <a:rPr lang="en-US" b="1" dirty="0" smtClean="0"/>
-              <a:t/>
-            </a:r>
             <a:br>
-              <a:rPr lang="en-US" b="1" dirty="0" smtClean="0"/>
+              <a:rPr lang="en-US" b="1" dirty="0"/>
+            </a:br>
+            <a:br>
+              <a:rPr lang="en-US" b="1" dirty="0"/>
+            </a:br>
+            <a:br>
+              <a:rPr lang="en-US" b="1" dirty="0"/>
             </a:br>
             <a:r>
-              <a:rPr lang="en-US" b="1" dirty="0" smtClean="0"/>
-              <a:t/>
-            </a:r>
-            <a:br>
-              <a:rPr lang="en-US" b="1" dirty="0" smtClean="0"/>
-            </a:br>
-            <a:r>
-              <a:rPr lang="en-US" b="1" dirty="0" smtClean="0"/>
-              <a:t/>
-            </a:r>
-            <a:br>
-              <a:rPr lang="en-US" b="1" dirty="0" smtClean="0"/>
-            </a:br>
-            <a:r>
-              <a:rPr lang="en-US" sz="1800" b="1" dirty="0" smtClean="0"/>
+              <a:rPr lang="en-US" sz="1800" b="1" dirty="0"/>
               <a:t>From Recognition to Cognition: Visual Commonsense Reasoning   </a:t>
             </a:r>
-            <a:endParaRPr lang="en-US" sz="1800" b="1" dirty="0"/>
           </a:p>
         </p:txBody>
       </p:sp>
@@ -7264,7 +8423,7 @@
           <a:lstStyle/>
           <a:p>
             <a:r>
-              <a:rPr lang="en-IN" dirty="0" smtClean="0">
+              <a:rPr lang="en-IN" dirty="0">
                 <a:hlinkClick r:id="rId3"/>
               </a:rPr>
               <a:t>https://arxiv.org/pdf/1811.10830.pdf</a:t>
@@ -7296,7 +8455,7 @@
           <a:lstStyle/>
           <a:p>
             <a:r>
-              <a:rPr lang="en-US" dirty="0" smtClean="0"/>
+              <a:rPr lang="en-US" dirty="0"/>
               <a:t>Dataset : Visual Commonsense Reasoning</a:t>
             </a:r>
             <a:endParaRPr lang="en-IN" dirty="0"/>
@@ -7330,7 +8489,7 @@
               <a:buChar char="•"/>
             </a:pPr>
             <a:r>
-              <a:rPr lang="en-US" dirty="0" smtClean="0"/>
+              <a:rPr lang="en-US" dirty="0"/>
               <a:t> Collected from Large Scale Movie Description Challenge and YouTube movie clips </a:t>
             </a:r>
           </a:p>
@@ -7340,7 +8499,7 @@
               <a:buChar char="•"/>
             </a:pPr>
             <a:r>
-              <a:rPr lang="en-US" dirty="0" smtClean="0"/>
+              <a:rPr lang="en-US" dirty="0"/>
               <a:t>List of objects</a:t>
             </a:r>
           </a:p>
@@ -7350,7 +8509,7 @@
               <a:buChar char="•"/>
             </a:pPr>
             <a:r>
-              <a:rPr lang="en-US" dirty="0" smtClean="0"/>
+              <a:rPr lang="en-US" dirty="0"/>
               <a:t> A query </a:t>
             </a:r>
           </a:p>
@@ -7360,7 +8519,7 @@
               <a:buChar char="•"/>
             </a:pPr>
             <a:r>
-              <a:rPr lang="en-US" dirty="0" smtClean="0"/>
+              <a:rPr lang="en-US" dirty="0"/>
               <a:t> A set of N responses</a:t>
             </a:r>
           </a:p>
@@ -7374,7 +8533,7 @@
 </p:sld>
 </file>
 
-<file path=ppt/slides/slide5.xml><?xml version="1.0" encoding="utf-8"?>
+<file path=ppt/slides/slide8.xml><?xml version="1.0" encoding="utf-8"?>
 <p:sld xmlns:a="http://schemas.openxmlformats.org/drawingml/2006/main" xmlns:r="http://schemas.openxmlformats.org/officeDocument/2006/relationships" xmlns:p="http://schemas.openxmlformats.org/presentationml/2006/main">
   <p:cSld>
     <p:spTree>
@@ -7439,7 +8598,7 @@
           <a:lstStyle/>
           <a:p>
             <a:r>
-              <a:rPr lang="en-US" b="1" dirty="0" smtClean="0"/>
+              <a:rPr lang="en-US" b="1" dirty="0"/>
               <a:t>Adversarial Matching </a:t>
             </a:r>
             <a:endParaRPr lang="en-IN" b="1" dirty="0"/>
@@ -7494,7 +8653,7 @@
           <a:lstStyle/>
           <a:p>
             <a:r>
-              <a:rPr lang="en-US" b="1" dirty="0" smtClean="0"/>
+              <a:rPr lang="en-US" b="1" dirty="0"/>
               <a:t>Recognition to Cognition Model</a:t>
             </a:r>
             <a:endParaRPr lang="en-IN" b="1" dirty="0"/>
@@ -7528,7 +8687,7 @@
               <a:buChar char="•"/>
             </a:pPr>
             <a:r>
-              <a:rPr lang="en-US" dirty="0" smtClean="0"/>
+              <a:rPr lang="en-US" dirty="0"/>
               <a:t> For Question Answering Q -&gt; A</a:t>
             </a:r>
           </a:p>
@@ -7538,7 +8697,7 @@
               <a:buChar char="•"/>
             </a:pPr>
             <a:r>
-              <a:rPr lang="en-US" dirty="0" smtClean="0"/>
+              <a:rPr lang="en-US" dirty="0"/>
               <a:t> Language generation dataset to Multiple Choice Test</a:t>
             </a:r>
           </a:p>
@@ -7548,19 +8707,19 @@
               <a:buChar char="•"/>
             </a:pPr>
             <a:r>
-              <a:rPr lang="en-US" dirty="0" smtClean="0"/>
+              <a:rPr lang="en-US" dirty="0"/>
               <a:t> Two subtasks:</a:t>
             </a:r>
           </a:p>
           <a:p>
             <a:r>
-              <a:rPr lang="en-US" dirty="0" smtClean="0"/>
+              <a:rPr lang="en-US" dirty="0"/>
               <a:t>            - Answer is as relevant as possible</a:t>
             </a:r>
           </a:p>
           <a:p>
             <a:r>
-              <a:rPr lang="en-US" dirty="0" smtClean="0"/>
+              <a:rPr lang="en-US" dirty="0"/>
               <a:t>            - Dissimilarity between other answers are from the correct answer</a:t>
             </a:r>
           </a:p>
@@ -7570,16 +8729,16 @@
               <a:buChar char="•"/>
             </a:pPr>
             <a:r>
-              <a:rPr lang="en-US" dirty="0" smtClean="0"/>
+              <a:rPr lang="en-US" dirty="0"/>
               <a:t> Maximum weight bipartite matching</a:t>
             </a:r>
           </a:p>
           <a:p>
-            <a:endParaRPr lang="en-US" dirty="0" smtClean="0"/>
+            <a:endParaRPr lang="en-US" dirty="0"/>
           </a:p>
           <a:p>
             <a:r>
-              <a:rPr lang="en-US" dirty="0" smtClean="0"/>
+              <a:rPr lang="en-US" dirty="0"/>
               <a:t>       </a:t>
             </a:r>
             <a:endParaRPr lang="en-IN" dirty="0"/>
@@ -7613,7 +8772,7 @@
               <a:buChar char="•"/>
             </a:pPr>
             <a:r>
-              <a:rPr lang="en-US" dirty="0" smtClean="0"/>
+              <a:rPr lang="en-US" dirty="0"/>
               <a:t> QA -&gt; R </a:t>
             </a:r>
           </a:p>
@@ -7623,7 +8782,7 @@
               <a:buChar char="•"/>
             </a:pPr>
             <a:r>
-              <a:rPr lang="en-US" dirty="0" smtClean="0"/>
+              <a:rPr lang="en-US" dirty="0"/>
               <a:t> Grounding</a:t>
             </a:r>
           </a:p>
@@ -7633,7 +8792,7 @@
               <a:buChar char="•"/>
             </a:pPr>
             <a:r>
-              <a:rPr lang="en-US" dirty="0" smtClean="0"/>
+              <a:rPr lang="en-US" dirty="0"/>
               <a:t> Contextualization</a:t>
             </a:r>
           </a:p>
@@ -7643,7 +8802,7 @@
               <a:buChar char="•"/>
             </a:pPr>
             <a:r>
-              <a:rPr lang="en-US" dirty="0" smtClean="0"/>
+              <a:rPr lang="en-US" dirty="0"/>
               <a:t> Reasoning</a:t>
             </a:r>
             <a:endParaRPr lang="en-IN" dirty="0"/>
@@ -7658,7 +8817,7 @@
 </p:sld>
 </file>
 
-<file path=ppt/slides/slide6.xml><?xml version="1.0" encoding="utf-8"?>
+<file path=ppt/slides/slide9.xml><?xml version="1.0" encoding="utf-8"?>
 <p:sld xmlns:a="http://schemas.openxmlformats.org/drawingml/2006/main" xmlns:r="http://schemas.openxmlformats.org/officeDocument/2006/relationships" xmlns:p="http://schemas.openxmlformats.org/presentationml/2006/main">
   <p:cSld>
     <p:spTree>
@@ -7710,233 +8869,6 @@
           <a:lstStyle/>
           <a:p>
             <a:endParaRPr lang="en-US"/>
-          </a:p>
-        </p:txBody>
-      </p:sp>
-    </p:spTree>
-  </p:cSld>
-  <p:clrMapOvr>
-    <a:masterClrMapping/>
-  </p:clrMapOvr>
-</p:sld>
-</file>
-
-<file path=ppt/slides/slide7.xml><?xml version="1.0" encoding="utf-8"?>
-<p:sld xmlns:a="http://schemas.openxmlformats.org/drawingml/2006/main" xmlns:r="http://schemas.openxmlformats.org/officeDocument/2006/relationships" xmlns:p="http://schemas.openxmlformats.org/presentationml/2006/main">
-  <p:cSld>
-    <p:spTree>
-      <p:nvGrpSpPr>
-        <p:cNvPr id="1" name=""/>
-        <p:cNvGrpSpPr/>
-        <p:nvPr/>
-      </p:nvGrpSpPr>
-      <p:grpSpPr>
-        <a:xfrm>
-          <a:off x="0" y="0"/>
-          <a:ext cx="0" cy="0"/>
-          <a:chOff x="0" y="0"/>
-          <a:chExt cx="0" cy="0"/>
-        </a:xfrm>
-      </p:grpSpPr>
-      <p:sp>
-        <p:nvSpPr>
-          <p:cNvPr id="2" name="Title 1"/>
-          <p:cNvSpPr>
-            <a:spLocks noGrp="1"/>
-          </p:cNvSpPr>
-          <p:nvPr>
-            <p:ph type="title"/>
-          </p:nvPr>
-        </p:nvSpPr>
-        <p:spPr/>
-        <p:txBody>
-          <a:bodyPr/>
-          <a:lstStyle/>
-          <a:p>
-            <a:endParaRPr lang="en-US"/>
-          </a:p>
-        </p:txBody>
-      </p:sp>
-      <p:sp>
-        <p:nvSpPr>
-          <p:cNvPr id="3" name="Text Placeholder 2"/>
-          <p:cNvSpPr>
-            <a:spLocks noGrp="1"/>
-          </p:cNvSpPr>
-          <p:nvPr>
-            <p:ph type="body" idx="1"/>
-          </p:nvPr>
-        </p:nvSpPr>
-        <p:spPr/>
-        <p:txBody>
-          <a:bodyPr/>
-          <a:lstStyle/>
-          <a:p>
-            <a:endParaRPr lang="en-US"/>
-          </a:p>
-        </p:txBody>
-      </p:sp>
-    </p:spTree>
-  </p:cSld>
-  <p:clrMapOvr>
-    <a:masterClrMapping/>
-  </p:clrMapOvr>
-</p:sld>
-</file>
-
-<file path=ppt/slides/slide8.xml><?xml version="1.0" encoding="utf-8"?>
-<p:sld xmlns:a="http://schemas.openxmlformats.org/drawingml/2006/main" xmlns:r="http://schemas.openxmlformats.org/officeDocument/2006/relationships" xmlns:p="http://schemas.openxmlformats.org/presentationml/2006/main">
-  <p:cSld>
-    <p:spTree>
-      <p:nvGrpSpPr>
-        <p:cNvPr id="1" name=""/>
-        <p:cNvGrpSpPr/>
-        <p:nvPr/>
-      </p:nvGrpSpPr>
-      <p:grpSpPr>
-        <a:xfrm>
-          <a:off x="0" y="0"/>
-          <a:ext cx="0" cy="0"/>
-          <a:chOff x="0" y="0"/>
-          <a:chExt cx="0" cy="0"/>
-        </a:xfrm>
-      </p:grpSpPr>
-      <p:sp>
-        <p:nvSpPr>
-          <p:cNvPr id="2" name="Title 1"/>
-          <p:cNvSpPr>
-            <a:spLocks noGrp="1"/>
-          </p:cNvSpPr>
-          <p:nvPr>
-            <p:ph type="title"/>
-          </p:nvPr>
-        </p:nvSpPr>
-        <p:spPr/>
-        <p:txBody>
-          <a:bodyPr/>
-          <a:lstStyle/>
-          <a:p>
-            <a:endParaRPr lang="en-US"/>
-          </a:p>
-        </p:txBody>
-      </p:sp>
-      <p:sp>
-        <p:nvSpPr>
-          <p:cNvPr id="3" name="Text Placeholder 2"/>
-          <p:cNvSpPr>
-            <a:spLocks noGrp="1"/>
-          </p:cNvSpPr>
-          <p:nvPr>
-            <p:ph type="body" idx="1"/>
-          </p:nvPr>
-        </p:nvSpPr>
-        <p:spPr/>
-        <p:txBody>
-          <a:bodyPr/>
-          <a:lstStyle/>
-          <a:p>
-            <a:endParaRPr lang="en-US"/>
-          </a:p>
-        </p:txBody>
-      </p:sp>
-    </p:spTree>
-  </p:cSld>
-  <p:clrMapOvr>
-    <a:masterClrMapping/>
-  </p:clrMapOvr>
-</p:sld>
-</file>
-
-<file path=ppt/slides/slide9.xml><?xml version="1.0" encoding="utf-8"?>
-<p:sld xmlns:a="http://schemas.openxmlformats.org/drawingml/2006/main" xmlns:r="http://schemas.openxmlformats.org/officeDocument/2006/relationships" xmlns:p="http://schemas.openxmlformats.org/presentationml/2006/main">
-  <p:cSld>
-    <p:spTree>
-      <p:nvGrpSpPr>
-        <p:cNvPr id="1" name="Shape 103"/>
-        <p:cNvGrpSpPr/>
-        <p:nvPr/>
-      </p:nvGrpSpPr>
-      <p:grpSpPr>
-        <a:xfrm>
-          <a:off x="0" y="0"/>
-          <a:ext cx="0" cy="0"/>
-          <a:chOff x="0" y="0"/>
-          <a:chExt cx="0" cy="0"/>
-        </a:xfrm>
-      </p:grpSpPr>
-      <p:sp>
-        <p:nvSpPr>
-          <p:cNvPr id="104" name="Google Shape;104;p20"/>
-          <p:cNvSpPr txBox="1">
-            <a:spLocks noGrp="1"/>
-          </p:cNvSpPr>
-          <p:nvPr>
-            <p:ph type="title"/>
-          </p:nvPr>
-        </p:nvSpPr>
-        <p:spPr>
-          <a:xfrm>
-            <a:off x="311700" y="315925"/>
-            <a:ext cx="8520600" cy="831300"/>
-          </a:xfrm>
-          <a:prstGeom prst="rect">
-            <a:avLst/>
-          </a:prstGeom>
-        </p:spPr>
-        <p:txBody>
-          <a:bodyPr spcFirstLastPara="1" wrap="square" lIns="91425" tIns="91425" rIns="91425" bIns="91425" anchor="b" anchorCtr="0">
-            <a:noAutofit/>
-          </a:bodyPr>
-          <a:lstStyle/>
-          <a:p>
-            <a:pPr marL="0" lvl="0" indent="0" algn="l" rtl="0">
-              <a:spcBef>
-                <a:spcPts val="0"/>
-              </a:spcBef>
-              <a:spcAft>
-                <a:spcPts val="0"/>
-              </a:spcAft>
-              <a:buNone/>
-            </a:pPr>
-            <a:endParaRPr/>
-          </a:p>
-        </p:txBody>
-      </p:sp>
-      <p:sp>
-        <p:nvSpPr>
-          <p:cNvPr id="105" name="Google Shape;105;p20"/>
-          <p:cNvSpPr txBox="1">
-            <a:spLocks noGrp="1"/>
-          </p:cNvSpPr>
-          <p:nvPr>
-            <p:ph type="body" idx="1"/>
-          </p:nvPr>
-        </p:nvSpPr>
-        <p:spPr>
-          <a:xfrm>
-            <a:off x="311700" y="1225225"/>
-            <a:ext cx="8520600" cy="3354000"/>
-          </a:xfrm>
-          <a:prstGeom prst="rect">
-            <a:avLst/>
-          </a:prstGeom>
-        </p:spPr>
-        <p:txBody>
-          <a:bodyPr spcFirstLastPara="1" wrap="square" lIns="91425" tIns="91425" rIns="91425" bIns="91425" anchor="t" anchorCtr="0">
-            <a:noAutofit/>
-          </a:bodyPr>
-          <a:lstStyle/>
-          <a:p>
-            <a:pPr marL="0" lvl="0" indent="0" algn="l" rtl="0">
-              <a:spcBef>
-                <a:spcPts val="0"/>
-              </a:spcBef>
-              <a:spcAft>
-                <a:spcPts val="1600"/>
-              </a:spcAft>
-              <a:buNone/>
-            </a:pPr>
-            <a:endParaRPr/>
           </a:p>
         </p:txBody>
       </p:sp>
@@ -8228,7 +9160,7 @@
   <a:extraClrSchemeLst/>
   <a:extLst>
     <a:ext uri="{05A4C25C-085E-4340-85A3-A5531E510DB2}">
-      <thm15:themeFamily xmlns:thm15="http://schemas.microsoft.com/office/thememl/2012/main" xmlns="" name="Office Theme" id="{62F939B6-93AF-4DB8-9C6B-D6C7DFDC589F}" vid="{4A3C46E8-61CC-4603-A589-7422A47A8E4A}"/>
+      <thm15:themeFamily xmlns:thm15="http://schemas.microsoft.com/office/thememl/2012/main" name="Office Theme" id="{62F939B6-93AF-4DB8-9C6B-D6C7DFDC589F}" vid="{4A3C46E8-61CC-4603-A589-7422A47A8E4A}"/>
     </a:ext>
   </a:extLst>
 </a:theme>
@@ -8514,7 +9446,7 @@
   <a:extraClrSchemeLst/>
   <a:extLst>
     <a:ext uri="{05A4C25C-085E-4340-85A3-A5531E510DB2}">
-      <thm15:themeFamily xmlns:thm15="http://schemas.microsoft.com/office/thememl/2012/main" xmlns="" name="Office Theme" id="{62F939B6-93AF-4DB8-9C6B-D6C7DFDC589F}" vid="{4A3C46E8-61CC-4603-A589-7422A47A8E4A}"/>
+      <thm15:themeFamily xmlns:thm15="http://schemas.microsoft.com/office/thememl/2012/main" name="Office Theme" id="{62F939B6-93AF-4DB8-9C6B-D6C7DFDC589F}" vid="{4A3C46E8-61CC-4603-A589-7422A47A8E4A}"/>
     </a:ext>
   </a:extLst>
 </a:theme>

--- a/Literature Survey 2.pptx
+++ b/Literature Survey 2.pptx
@@ -5,31 +5,43 @@
     <p:sldMasterId id="2147483648" r:id="rId1"/>
   </p:sldMasterIdLst>
   <p:notesMasterIdLst>
-    <p:notesMasterId r:id="rId13"/>
+    <p:notesMasterId r:id="rId4"/>
   </p:notesMasterIdLst>
   <p:sldIdLst>
-    <p:sldId id="256" r:id="rId2"/>
-    <p:sldId id="262" r:id="rId3"/>
-    <p:sldId id="265" r:id="rId4"/>
-    <p:sldId id="269" r:id="rId5"/>
-    <p:sldId id="270" r:id="rId6"/>
-    <p:sldId id="271" r:id="rId7"/>
-    <p:sldId id="266" r:id="rId8"/>
-    <p:sldId id="267" r:id="rId9"/>
-    <p:sldId id="268" r:id="rId10"/>
-    <p:sldId id="263" r:id="rId11"/>
-    <p:sldId id="264" r:id="rId12"/>
+    <p:sldId id="279" r:id="rId3"/>
+    <p:sldId id="280" r:id="rId5"/>
+    <p:sldId id="281" r:id="rId6"/>
+    <p:sldId id="256" r:id="rId7"/>
+    <p:sldId id="276" r:id="rId8"/>
+    <p:sldId id="266" r:id="rId9"/>
+    <p:sldId id="267" r:id="rId10"/>
+    <p:sldId id="268" r:id="rId11"/>
+    <p:sldId id="263" r:id="rId12"/>
+    <p:sldId id="264" r:id="rId13"/>
+    <p:sldId id="271" r:id="rId14"/>
+    <p:sldId id="272" r:id="rId15"/>
+    <p:sldId id="273" r:id="rId16"/>
+    <p:sldId id="275" r:id="rId17"/>
+    <p:sldId id="274" r:id="rId18"/>
+    <p:sldId id="277" r:id="rId19"/>
   </p:sldIdLst>
-  <p:sldSz cx="9144000" cy="5143500" type="screen16x9"/>
+  <p:sldSz cx="9144000" cy="5143500"/>
   <p:notesSz cx="6858000" cy="9144000"/>
   <p:embeddedFontLst>
     <p:embeddedFont>
-      <p:font typeface="Economica" charset="0"/>
-      <p:regular r:id="rId14"/>
+      <p:font typeface="Economica" panose="02000506040000020004"/>
+      <p:regular r:id="rId23"/>
     </p:embeddedFont>
     <p:embeddedFont>
-      <p:font typeface="Open Sans" charset="0"/>
-      <p:regular r:id="rId15"/>
+      <p:font typeface="Open Sans" panose="020B0606030504020204"/>
+      <p:regular r:id="rId24"/>
+    </p:embeddedFont>
+    <p:embeddedFont>
+      <p:font typeface="Cambria" panose="02040503050406030204" charset="0"/>
+      <p:regular r:id="rId25"/>
+      <p:bold r:id="rId26"/>
+      <p:italic r:id="rId27"/>
+      <p:boldItalic r:id="rId28"/>
     </p:embeddedFont>
   </p:embeddedFontLst>
   <p:defaultTextStyle>
@@ -274,7 +286,7 @@
     </p:bg>
     <p:spTree>
       <p:nvGrpSpPr>
-        <p:cNvPr id="1" name="Shape 2"/>
+        <p:cNvPr id="2" name="Shape 2"/>
         <p:cNvGrpSpPr/>
         <p:nvPr/>
       </p:nvGrpSpPr>
@@ -289,9 +301,7 @@
       <p:sp>
         <p:nvSpPr>
           <p:cNvPr id="3" name="Google Shape;3;n"/>
-          <p:cNvSpPr>
-            <a:spLocks noGrp="1" noRot="1" noChangeAspect="1"/>
-          </p:cNvSpPr>
+          <p:cNvSpPr/>
           <p:nvPr>
             <p:ph type="sldImg" idx="2"/>
           </p:nvPr>
@@ -340,9 +350,7 @@
       <p:sp>
         <p:nvSpPr>
           <p:cNvPr id="4" name="Google Shape;4;n"/>
-          <p:cNvSpPr txBox="1">
-            <a:spLocks noGrp="1"/>
-          </p:cNvSpPr>
+          <p:cNvSpPr txBox="1"/>
           <p:nvPr>
             <p:ph type="body" idx="1"/>
           </p:nvPr>
@@ -465,9 +473,7 @@
               <a:defRPr sz="1100"/>
             </a:lvl9pPr>
           </a:lstStyle>
-          <a:p>
-            <a:endParaRPr/>
-          </a:p>
+          <a:p/>
         </p:txBody>
       </p:sp>
     </p:spTree>
@@ -706,111 +712,7 @@
 </file>
 
 <file path=ppt/notesSlides/notesSlide1.xml><?xml version="1.0" encoding="utf-8"?>
-<p:notes xmlns:a="http://schemas.openxmlformats.org/drawingml/2006/main" xmlns:r="http://schemas.openxmlformats.org/officeDocument/2006/relationships" xmlns:p="http://schemas.openxmlformats.org/presentationml/2006/main" showMasterSp="0" showMasterPhAnim="0">
-  <p:cSld>
-    <p:spTree>
-      <p:nvGrpSpPr>
-        <p:cNvPr id="1" name="Shape 58"/>
-        <p:cNvGrpSpPr/>
-        <p:nvPr/>
-      </p:nvGrpSpPr>
-      <p:grpSpPr>
-        <a:xfrm>
-          <a:off x="0" y="0"/>
-          <a:ext cx="0" cy="0"/>
-          <a:chOff x="0" y="0"/>
-          <a:chExt cx="0" cy="0"/>
-        </a:xfrm>
-      </p:grpSpPr>
-      <p:sp>
-        <p:nvSpPr>
-          <p:cNvPr id="59" name="Google Shape;59;p:notes"/>
-          <p:cNvSpPr>
-            <a:spLocks noGrp="1" noRot="1" noChangeAspect="1"/>
-          </p:cNvSpPr>
-          <p:nvPr>
-            <p:ph type="sldImg" idx="2"/>
-          </p:nvPr>
-        </p:nvSpPr>
-        <p:spPr>
-          <a:xfrm>
-            <a:off x="381300" y="685800"/>
-            <a:ext cx="6096075" cy="3429000"/>
-          </a:xfrm>
-          <a:custGeom>
-            <a:avLst/>
-            <a:gdLst/>
-            <a:ahLst/>
-            <a:cxnLst/>
-            <a:rect l="l" t="t" r="r" b="b"/>
-            <a:pathLst>
-              <a:path w="120000" h="120000" extrusionOk="0">
-                <a:moveTo>
-                  <a:pt x="0" y="0"/>
-                </a:moveTo>
-                <a:lnTo>
-                  <a:pt x="120000" y="0"/>
-                </a:lnTo>
-                <a:lnTo>
-                  <a:pt x="120000" y="120000"/>
-                </a:lnTo>
-                <a:lnTo>
-                  <a:pt x="0" y="120000"/>
-                </a:lnTo>
-                <a:close/>
-              </a:path>
-            </a:pathLst>
-          </a:custGeom>
-        </p:spPr>
-      </p:sp>
-      <p:sp>
-        <p:nvSpPr>
-          <p:cNvPr id="60" name="Google Shape;60;p:notes"/>
-          <p:cNvSpPr txBox="1">
-            <a:spLocks noGrp="1"/>
-          </p:cNvSpPr>
-          <p:nvPr>
-            <p:ph type="body" idx="1"/>
-          </p:nvPr>
-        </p:nvSpPr>
-        <p:spPr>
-          <a:xfrm>
-            <a:off x="685800" y="4343400"/>
-            <a:ext cx="5486400" cy="4114800"/>
-          </a:xfrm>
-          <a:prstGeom prst="rect">
-            <a:avLst/>
-          </a:prstGeom>
-        </p:spPr>
-        <p:txBody>
-          <a:bodyPr spcFirstLastPara="1" wrap="square" lIns="91425" tIns="91425" rIns="91425" bIns="91425" anchor="t" anchorCtr="0">
-            <a:noAutofit/>
-          </a:bodyPr>
-          <a:lstStyle/>
-          <a:p>
-            <a:pPr marL="0" lvl="0" indent="0" algn="l" rtl="0">
-              <a:spcBef>
-                <a:spcPts val="0"/>
-              </a:spcBef>
-              <a:spcAft>
-                <a:spcPts val="0"/>
-              </a:spcAft>
-              <a:buNone/>
-            </a:pPr>
-            <a:endParaRPr/>
-          </a:p>
-        </p:txBody>
-      </p:sp>
-    </p:spTree>
-  </p:cSld>
-  <p:clrMapOvr>
-    <a:masterClrMapping/>
-  </p:clrMapOvr>
-</p:notes>
-</file>
-
-<file path=ppt/notesSlides/notesSlide2.xml><?xml version="1.0" encoding="utf-8"?>
-<p:notes xmlns:a="http://schemas.openxmlformats.org/drawingml/2006/main" xmlns:r="http://schemas.openxmlformats.org/officeDocument/2006/relationships" xmlns:p="http://schemas.openxmlformats.org/presentationml/2006/main" showMasterSp="0" showMasterPhAnim="0">
+<p:notes xmlns:a="http://schemas.openxmlformats.org/drawingml/2006/main" xmlns:r="http://schemas.openxmlformats.org/officeDocument/2006/relationships" xmlns:p="http://schemas.openxmlformats.org/presentationml/2006/main" showMasterPhAnim="0" showMasterSp="0">
   <p:cSld>
     <p:spTree>
       <p:nvGrpSpPr>
@@ -838,7 +740,7 @@
         </p:nvSpPr>
         <p:spPr>
           <a:xfrm>
-            <a:off x="381300" y="685800"/>
+            <a:off x="381000" y="685800"/>
             <a:ext cx="6096000" cy="3429000"/>
           </a:xfrm>
           <a:custGeom>
@@ -901,7 +803,105 @@
               </a:spcAft>
               <a:buNone/>
             </a:pPr>
-            <a:endParaRPr/>
+          </a:p>
+        </p:txBody>
+      </p:sp>
+    </p:spTree>
+  </p:cSld>
+  <p:clrMapOvr>
+    <a:masterClrMapping/>
+  </p:clrMapOvr>
+</p:notes>
+</file>
+
+<file path=ppt/notesSlides/notesSlide2.xml><?xml version="1.0" encoding="utf-8"?>
+<p:notes xmlns:a="http://schemas.openxmlformats.org/drawingml/2006/main" xmlns:r="http://schemas.openxmlformats.org/officeDocument/2006/relationships" xmlns:p="http://schemas.openxmlformats.org/presentationml/2006/main" showMasterPhAnim="0" showMasterSp="0">
+  <p:cSld>
+    <p:spTree>
+      <p:nvGrpSpPr>
+        <p:cNvPr id="58" name="Shape 58"/>
+        <p:cNvGrpSpPr/>
+        <p:nvPr/>
+      </p:nvGrpSpPr>
+      <p:grpSpPr>
+        <a:xfrm>
+          <a:off x="0" y="0"/>
+          <a:ext cx="0" cy="0"/>
+          <a:chOff x="0" y="0"/>
+          <a:chExt cx="0" cy="0"/>
+        </a:xfrm>
+      </p:grpSpPr>
+      <p:sp>
+        <p:nvSpPr>
+          <p:cNvPr id="59" name="Google Shape;59;p:notes"/>
+          <p:cNvSpPr/>
+          <p:nvPr>
+            <p:ph type="sldImg" idx="2"/>
+          </p:nvPr>
+        </p:nvSpPr>
+        <p:spPr>
+          <a:xfrm>
+            <a:off x="381300" y="685800"/>
+            <a:ext cx="6096075" cy="3429000"/>
+          </a:xfrm>
+          <a:custGeom>
+            <a:avLst/>
+            <a:gdLst/>
+            <a:ahLst/>
+            <a:cxnLst/>
+            <a:rect l="l" t="t" r="r" b="b"/>
+            <a:pathLst>
+              <a:path w="120000" h="120000" extrusionOk="0">
+                <a:moveTo>
+                  <a:pt x="0" y="0"/>
+                </a:moveTo>
+                <a:lnTo>
+                  <a:pt x="120000" y="0"/>
+                </a:lnTo>
+                <a:lnTo>
+                  <a:pt x="120000" y="120000"/>
+                </a:lnTo>
+                <a:lnTo>
+                  <a:pt x="0" y="120000"/>
+                </a:lnTo>
+                <a:close/>
+              </a:path>
+            </a:pathLst>
+          </a:custGeom>
+        </p:spPr>
+      </p:sp>
+      <p:sp>
+        <p:nvSpPr>
+          <p:cNvPr id="60" name="Google Shape;60;p:notes"/>
+          <p:cNvSpPr txBox="1"/>
+          <p:nvPr>
+            <p:ph type="body" idx="1"/>
+          </p:nvPr>
+        </p:nvSpPr>
+        <p:spPr>
+          <a:xfrm>
+            <a:off x="685800" y="4343400"/>
+            <a:ext cx="5486400" cy="4114800"/>
+          </a:xfrm>
+          <a:prstGeom prst="rect">
+            <a:avLst/>
+          </a:prstGeom>
+        </p:spPr>
+        <p:txBody>
+          <a:bodyPr spcFirstLastPara="1" wrap="square" lIns="91425" tIns="91425" rIns="91425" bIns="91425" anchor="t" anchorCtr="0">
+            <a:noAutofit/>
+          </a:bodyPr>
+          <a:lstStyle/>
+          <a:p>
+            <a:pPr marL="0" lvl="0" indent="0" algn="l" rtl="0">
+              <a:spcBef>
+                <a:spcPts val="0"/>
+              </a:spcBef>
+              <a:spcAft>
+                <a:spcPts val="0"/>
+              </a:spcAft>
+              <a:buNone/>
+            </a:pPr>
           </a:p>
         </p:txBody>
       </p:sp>
@@ -914,11 +914,11 @@
 </file>
 
 <file path=ppt/notesSlides/notesSlide3.xml><?xml version="1.0" encoding="utf-8"?>
-<p:notes xmlns:a="http://schemas.openxmlformats.org/drawingml/2006/main" xmlns:r="http://schemas.openxmlformats.org/officeDocument/2006/relationships" xmlns:p="http://schemas.openxmlformats.org/presentationml/2006/main" showMasterSp="0" showMasterPhAnim="0">
+<p:notes xmlns:a="http://schemas.openxmlformats.org/drawingml/2006/main" xmlns:r="http://schemas.openxmlformats.org/officeDocument/2006/relationships" xmlns:p="http://schemas.openxmlformats.org/presentationml/2006/main" showMasterPhAnim="0" showMasterSp="0">
   <p:cSld>
     <p:spTree>
       <p:nvGrpSpPr>
-        <p:cNvPr id="1" name="Shape 100"/>
+        <p:cNvPr id="100" name="Shape 100"/>
         <p:cNvGrpSpPr/>
         <p:nvPr/>
       </p:nvGrpSpPr>
@@ -933,9 +933,7 @@
       <p:sp>
         <p:nvSpPr>
           <p:cNvPr id="101" name="Google Shape;101;g9f0f4aeee7_0_50:notes"/>
-          <p:cNvSpPr>
-            <a:spLocks noGrp="1" noRot="1" noChangeAspect="1"/>
-          </p:cNvSpPr>
+          <p:cNvSpPr/>
           <p:nvPr>
             <p:ph type="sldImg" idx="2"/>
           </p:nvPr>
@@ -974,9 +972,7 @@
       <p:sp>
         <p:nvSpPr>
           <p:cNvPr id="102" name="Google Shape;102;g9f0f4aeee7_0_50:notes"/>
-          <p:cNvSpPr txBox="1">
-            <a:spLocks noGrp="1"/>
-          </p:cNvSpPr>
+          <p:cNvSpPr txBox="1"/>
           <p:nvPr>
             <p:ph type="body" idx="1"/>
           </p:nvPr>
@@ -1005,7 +1001,6 @@
               </a:spcAft>
               <a:buNone/>
             </a:pPr>
-            <a:endParaRPr/>
           </a:p>
         </p:txBody>
       </p:sp>
@@ -1018,11 +1013,11 @@
 </file>
 
 <file path=ppt/notesSlides/notesSlide4.xml><?xml version="1.0" encoding="utf-8"?>
-<p:notes xmlns:a="http://schemas.openxmlformats.org/drawingml/2006/main" xmlns:r="http://schemas.openxmlformats.org/officeDocument/2006/relationships" xmlns:p="http://schemas.openxmlformats.org/presentationml/2006/main" showMasterSp="0" showMasterPhAnim="0">
+<p:notes xmlns:a="http://schemas.openxmlformats.org/drawingml/2006/main" xmlns:r="http://schemas.openxmlformats.org/officeDocument/2006/relationships" xmlns:p="http://schemas.openxmlformats.org/presentationml/2006/main" showMasterPhAnim="0" showMasterSp="0">
   <p:cSld>
     <p:spTree>
       <p:nvGrpSpPr>
-        <p:cNvPr id="1" name="Shape 106"/>
+        <p:cNvPr id="106" name="Shape 106"/>
         <p:cNvGrpSpPr/>
         <p:nvPr/>
       </p:nvGrpSpPr>
@@ -1037,9 +1032,7 @@
       <p:sp>
         <p:nvSpPr>
           <p:cNvPr id="107" name="Google Shape;107;g9f0f4aeee7_0_55:notes"/>
-          <p:cNvSpPr>
-            <a:spLocks noGrp="1" noRot="1" noChangeAspect="1"/>
-          </p:cNvSpPr>
+          <p:cNvSpPr/>
           <p:nvPr>
             <p:ph type="sldImg" idx="2"/>
           </p:nvPr>
@@ -1078,9 +1071,7 @@
       <p:sp>
         <p:nvSpPr>
           <p:cNvPr id="108" name="Google Shape;108;g9f0f4aeee7_0_55:notes"/>
-          <p:cNvSpPr txBox="1">
-            <a:spLocks noGrp="1"/>
-          </p:cNvSpPr>
+          <p:cNvSpPr txBox="1"/>
           <p:nvPr>
             <p:ph type="body" idx="1"/>
           </p:nvPr>
@@ -1109,7 +1100,6 @@
               </a:spcAft>
               <a:buNone/>
             </a:pPr>
-            <a:endParaRPr/>
           </a:p>
         </p:txBody>
       </p:sp>
@@ -1122,11 +1112,11 @@
 </file>
 
 <file path=ppt/slideLayouts/slideLayout1.xml><?xml version="1.0" encoding="utf-8"?>
-<p:sldLayout xmlns:a="http://schemas.openxmlformats.org/drawingml/2006/main" xmlns:r="http://schemas.openxmlformats.org/officeDocument/2006/relationships" xmlns:p="http://schemas.openxmlformats.org/presentationml/2006/main" matchingName="Title slide" type="title">
+<p:sldLayout xmlns:a="http://schemas.openxmlformats.org/drawingml/2006/main" xmlns:r="http://schemas.openxmlformats.org/officeDocument/2006/relationships" xmlns:p="http://schemas.openxmlformats.org/presentationml/2006/main" type="title" matchingName="Title slide">
   <p:cSld name="TITLE">
     <p:spTree>
       <p:nvGrpSpPr>
-        <p:cNvPr id="1" name="Shape 9"/>
+        <p:cNvPr id="9" name="Shape 9"/>
         <p:cNvGrpSpPr/>
         <p:nvPr/>
       </p:nvGrpSpPr>
@@ -1227,9 +1217,7 @@
       <p:sp>
         <p:nvSpPr>
           <p:cNvPr id="12" name="Google Shape;12;p2"/>
-          <p:cNvSpPr txBox="1">
-            <a:spLocks noGrp="1"/>
-          </p:cNvSpPr>
+          <p:cNvSpPr txBox="1"/>
           <p:nvPr>
             <p:ph type="ctrTitle"/>
           </p:nvPr>
@@ -1348,17 +1336,13 @@
               <a:defRPr/>
             </a:lvl9pPr>
           </a:lstStyle>
-          <a:p>
-            <a:endParaRPr/>
-          </a:p>
+          <a:p/>
         </p:txBody>
       </p:sp>
       <p:sp>
         <p:nvSpPr>
           <p:cNvPr id="13" name="Google Shape;13;p2"/>
-          <p:cNvSpPr txBox="1">
-            <a:spLocks noGrp="1"/>
-          </p:cNvSpPr>
+          <p:cNvSpPr txBox="1"/>
           <p:nvPr>
             <p:ph type="subTitle" idx="1"/>
           </p:nvPr>
@@ -1558,17 +1542,13 @@
               </a:defRPr>
             </a:lvl9pPr>
           </a:lstStyle>
-          <a:p>
-            <a:endParaRPr/>
-          </a:p>
+          <a:p/>
         </p:txBody>
       </p:sp>
       <p:sp>
         <p:nvSpPr>
           <p:cNvPr id="14" name="Google Shape;14;p2"/>
-          <p:cNvSpPr txBox="1">
-            <a:spLocks noGrp="1"/>
-          </p:cNvSpPr>
+          <p:cNvSpPr txBox="1"/>
           <p:nvPr>
             <p:ph type="sldNum" idx="12"/>
           </p:nvPr>
@@ -1636,16 +1616,6 @@
             </a:pPr>
             <a:fld id="{00000000-1234-1234-1234-123412341234}" type="slidenum">
               <a:rPr lang="en-GB"/>
-              <a:pPr marL="0" lvl="0" indent="0" algn="r" rtl="0">
-                <a:spcBef>
-                  <a:spcPts val="0"/>
-                </a:spcBef>
-                <a:spcAft>
-                  <a:spcPts val="0"/>
-                </a:spcAft>
-                <a:buNone/>
-              </a:pPr>
-              <a:t>‹#›</a:t>
             </a:fld>
             <a:endParaRPr lang="en-GB"/>
           </a:p>
@@ -1664,7 +1634,7 @@
   <p:cSld name="BIG_NUMBER">
     <p:spTree>
       <p:nvGrpSpPr>
-        <p:cNvPr id="1" name="Shape 51"/>
+        <p:cNvPr id="51" name="Shape 51"/>
         <p:cNvGrpSpPr/>
         <p:nvPr/>
       </p:nvGrpSpPr>
@@ -1712,16 +1682,13 @@
               </a:spcAft>
               <a:buNone/>
             </a:pPr>
-            <a:endParaRPr/>
           </a:p>
         </p:txBody>
       </p:sp>
       <p:sp>
         <p:nvSpPr>
           <p:cNvPr id="53" name="Google Shape;53;p11"/>
-          <p:cNvSpPr txBox="1">
-            <a:spLocks noGrp="1"/>
-          </p:cNvSpPr>
+          <p:cNvSpPr txBox="1"/>
           <p:nvPr>
             <p:ph type="title" hasCustomPrompt="1"/>
           </p:nvPr>
@@ -1913,9 +1880,7 @@
       <p:sp>
         <p:nvSpPr>
           <p:cNvPr id="54" name="Google Shape;54;p11"/>
-          <p:cNvSpPr txBox="1">
-            <a:spLocks noGrp="1"/>
-          </p:cNvSpPr>
+          <p:cNvSpPr txBox="1"/>
           <p:nvPr>
             <p:ph type="body" idx="1"/>
           </p:nvPr>
@@ -2034,17 +1999,13 @@
               <a:defRPr/>
             </a:lvl9pPr>
           </a:lstStyle>
-          <a:p>
-            <a:endParaRPr/>
-          </a:p>
+          <a:p/>
         </p:txBody>
       </p:sp>
       <p:sp>
         <p:nvSpPr>
           <p:cNvPr id="55" name="Google Shape;55;p11"/>
-          <p:cNvSpPr txBox="1">
-            <a:spLocks noGrp="1"/>
-          </p:cNvSpPr>
+          <p:cNvSpPr txBox="1"/>
           <p:nvPr>
             <p:ph type="sldNum" idx="12"/>
           </p:nvPr>
@@ -2112,16 +2073,6 @@
             </a:pPr>
             <a:fld id="{00000000-1234-1234-1234-123412341234}" type="slidenum">
               <a:rPr lang="en-GB"/>
-              <a:pPr marL="0" lvl="0" indent="0" algn="r" rtl="0">
-                <a:spcBef>
-                  <a:spcPts val="0"/>
-                </a:spcBef>
-                <a:spcAft>
-                  <a:spcPts val="0"/>
-                </a:spcAft>
-                <a:buNone/>
-              </a:pPr>
-              <a:t>‹#›</a:t>
             </a:fld>
             <a:endParaRPr lang="en-GB"/>
           </a:p>
@@ -2136,11 +2087,11 @@
 </file>
 
 <file path=ppt/slideLayouts/slideLayout11.xml><?xml version="1.0" encoding="utf-8"?>
-<p:sldLayout xmlns:a="http://schemas.openxmlformats.org/drawingml/2006/main" xmlns:r="http://schemas.openxmlformats.org/officeDocument/2006/relationships" xmlns:p="http://schemas.openxmlformats.org/presentationml/2006/main" matchingName="Blank" type="blank">
+<p:sldLayout xmlns:a="http://schemas.openxmlformats.org/drawingml/2006/main" xmlns:r="http://schemas.openxmlformats.org/officeDocument/2006/relationships" xmlns:p="http://schemas.openxmlformats.org/presentationml/2006/main" type="blank" matchingName="Blank">
   <p:cSld name="BLANK">
     <p:spTree>
       <p:nvGrpSpPr>
-        <p:cNvPr id="1" name="Shape 56"/>
+        <p:cNvPr id="56" name="Shape 56"/>
         <p:cNvGrpSpPr/>
         <p:nvPr/>
       </p:nvGrpSpPr>
@@ -2155,9 +2106,7 @@
       <p:sp>
         <p:nvSpPr>
           <p:cNvPr id="57" name="Google Shape;57;p12"/>
-          <p:cNvSpPr txBox="1">
-            <a:spLocks noGrp="1"/>
-          </p:cNvSpPr>
+          <p:cNvSpPr txBox="1"/>
           <p:nvPr>
             <p:ph type="sldNum" idx="12"/>
           </p:nvPr>
@@ -2225,16 +2174,6 @@
             </a:pPr>
             <a:fld id="{00000000-1234-1234-1234-123412341234}" type="slidenum">
               <a:rPr lang="en-GB"/>
-              <a:pPr marL="0" lvl="0" indent="0" algn="r" rtl="0">
-                <a:spcBef>
-                  <a:spcPts val="0"/>
-                </a:spcBef>
-                <a:spcAft>
-                  <a:spcPts val="0"/>
-                </a:spcAft>
-                <a:buNone/>
-              </a:pPr>
-              <a:t>‹#›</a:t>
             </a:fld>
             <a:endParaRPr lang="en-GB"/>
           </a:p>
@@ -2249,11 +2188,11 @@
 </file>
 
 <file path=ppt/slideLayouts/slideLayout2.xml><?xml version="1.0" encoding="utf-8"?>
-<p:sldLayout xmlns:a="http://schemas.openxmlformats.org/drawingml/2006/main" xmlns:r="http://schemas.openxmlformats.org/officeDocument/2006/relationships" xmlns:p="http://schemas.openxmlformats.org/presentationml/2006/main" matchingName="Section header" type="secHead">
+<p:sldLayout xmlns:a="http://schemas.openxmlformats.org/drawingml/2006/main" xmlns:r="http://schemas.openxmlformats.org/officeDocument/2006/relationships" xmlns:p="http://schemas.openxmlformats.org/presentationml/2006/main" type="secHead" matchingName="Section header">
   <p:cSld name="SECTION_HEADER">
     <p:spTree>
       <p:nvGrpSpPr>
-        <p:cNvPr id="1" name="Shape 15"/>
+        <p:cNvPr id="15" name="Shape 15"/>
         <p:cNvGrpSpPr/>
         <p:nvPr/>
       </p:nvGrpSpPr>
@@ -2354,9 +2293,7 @@
       <p:sp>
         <p:nvSpPr>
           <p:cNvPr id="18" name="Google Shape;18;p3"/>
-          <p:cNvSpPr txBox="1">
-            <a:spLocks noGrp="1"/>
-          </p:cNvSpPr>
+          <p:cNvSpPr txBox="1"/>
           <p:nvPr>
             <p:ph type="title"/>
           </p:nvPr>
@@ -2475,17 +2412,13 @@
               <a:defRPr/>
             </a:lvl9pPr>
           </a:lstStyle>
-          <a:p>
-            <a:endParaRPr/>
-          </a:p>
+          <a:p/>
         </p:txBody>
       </p:sp>
       <p:sp>
         <p:nvSpPr>
           <p:cNvPr id="19" name="Google Shape;19;p3"/>
-          <p:cNvSpPr txBox="1">
-            <a:spLocks noGrp="1"/>
-          </p:cNvSpPr>
+          <p:cNvSpPr txBox="1"/>
           <p:nvPr>
             <p:ph type="sldNum" idx="12"/>
           </p:nvPr>
@@ -2553,16 +2486,6 @@
             </a:pPr>
             <a:fld id="{00000000-1234-1234-1234-123412341234}" type="slidenum">
               <a:rPr lang="en-GB"/>
-              <a:pPr marL="0" lvl="0" indent="0" algn="r" rtl="0">
-                <a:spcBef>
-                  <a:spcPts val="0"/>
-                </a:spcBef>
-                <a:spcAft>
-                  <a:spcPts val="0"/>
-                </a:spcAft>
-                <a:buNone/>
-              </a:pPr>
-              <a:t>‹#›</a:t>
             </a:fld>
             <a:endParaRPr lang="en-GB"/>
           </a:p>
@@ -2577,11 +2500,11 @@
 </file>
 
 <file path=ppt/slideLayouts/slideLayout3.xml><?xml version="1.0" encoding="utf-8"?>
-<p:sldLayout xmlns:a="http://schemas.openxmlformats.org/drawingml/2006/main" xmlns:r="http://schemas.openxmlformats.org/officeDocument/2006/relationships" xmlns:p="http://schemas.openxmlformats.org/presentationml/2006/main" matchingName="Title and body" type="tx">
+<p:sldLayout xmlns:a="http://schemas.openxmlformats.org/drawingml/2006/main" xmlns:r="http://schemas.openxmlformats.org/officeDocument/2006/relationships" xmlns:p="http://schemas.openxmlformats.org/presentationml/2006/main" type="tx" matchingName="Title and body">
   <p:cSld name="TITLE_AND_BODY">
     <p:spTree>
       <p:nvGrpSpPr>
-        <p:cNvPr id="1" name="Shape 20"/>
+        <p:cNvPr id="20" name="Shape 20"/>
         <p:cNvGrpSpPr/>
         <p:nvPr/>
       </p:nvGrpSpPr>
@@ -2629,16 +2552,13 @@
               </a:spcAft>
               <a:buNone/>
             </a:pPr>
-            <a:endParaRPr/>
           </a:p>
         </p:txBody>
       </p:sp>
       <p:sp>
         <p:nvSpPr>
           <p:cNvPr id="22" name="Google Shape;22;p4"/>
-          <p:cNvSpPr txBox="1">
-            <a:spLocks noGrp="1"/>
-          </p:cNvSpPr>
+          <p:cNvSpPr txBox="1"/>
           <p:nvPr>
             <p:ph type="title"/>
           </p:nvPr>
@@ -2757,17 +2677,13 @@
               <a:defRPr/>
             </a:lvl9pPr>
           </a:lstStyle>
-          <a:p>
-            <a:endParaRPr/>
-          </a:p>
+          <a:p/>
         </p:txBody>
       </p:sp>
       <p:sp>
         <p:nvSpPr>
           <p:cNvPr id="23" name="Google Shape;23;p4"/>
-          <p:cNvSpPr txBox="1">
-            <a:spLocks noGrp="1"/>
-          </p:cNvSpPr>
+          <p:cNvSpPr txBox="1"/>
           <p:nvPr>
             <p:ph type="body" idx="1"/>
           </p:nvPr>
@@ -2886,17 +2802,13 @@
               <a:defRPr/>
             </a:lvl9pPr>
           </a:lstStyle>
-          <a:p>
-            <a:endParaRPr/>
-          </a:p>
+          <a:p/>
         </p:txBody>
       </p:sp>
       <p:sp>
         <p:nvSpPr>
           <p:cNvPr id="24" name="Google Shape;24;p4"/>
-          <p:cNvSpPr txBox="1">
-            <a:spLocks noGrp="1"/>
-          </p:cNvSpPr>
+          <p:cNvSpPr txBox="1"/>
           <p:nvPr>
             <p:ph type="sldNum" idx="12"/>
           </p:nvPr>
@@ -2964,16 +2876,6 @@
             </a:pPr>
             <a:fld id="{00000000-1234-1234-1234-123412341234}" type="slidenum">
               <a:rPr lang="en-GB"/>
-              <a:pPr marL="0" lvl="0" indent="0" algn="r" rtl="0">
-                <a:spcBef>
-                  <a:spcPts val="0"/>
-                </a:spcBef>
-                <a:spcAft>
-                  <a:spcPts val="0"/>
-                </a:spcAft>
-                <a:buNone/>
-              </a:pPr>
-              <a:t>‹#›</a:t>
             </a:fld>
             <a:endParaRPr lang="en-GB"/>
           </a:p>
@@ -2988,11 +2890,11 @@
 </file>
 
 <file path=ppt/slideLayouts/slideLayout4.xml><?xml version="1.0" encoding="utf-8"?>
-<p:sldLayout xmlns:a="http://schemas.openxmlformats.org/drawingml/2006/main" xmlns:r="http://schemas.openxmlformats.org/officeDocument/2006/relationships" xmlns:p="http://schemas.openxmlformats.org/presentationml/2006/main" matchingName="Title and two columns" type="twoColTx">
+<p:sldLayout xmlns:a="http://schemas.openxmlformats.org/drawingml/2006/main" xmlns:r="http://schemas.openxmlformats.org/officeDocument/2006/relationships" xmlns:p="http://schemas.openxmlformats.org/presentationml/2006/main" type="twoColTx" matchingName="Title and two columns">
   <p:cSld name="TITLE_AND_TWO_COLUMNS">
     <p:spTree>
       <p:nvGrpSpPr>
-        <p:cNvPr id="1" name="Shape 25"/>
+        <p:cNvPr id="25" name="Shape 25"/>
         <p:cNvGrpSpPr/>
         <p:nvPr/>
       </p:nvGrpSpPr>
@@ -3007,9 +2909,7 @@
       <p:sp>
         <p:nvSpPr>
           <p:cNvPr id="26" name="Google Shape;26;p5"/>
-          <p:cNvSpPr txBox="1">
-            <a:spLocks noGrp="1"/>
-          </p:cNvSpPr>
+          <p:cNvSpPr txBox="1"/>
           <p:nvPr>
             <p:ph type="title"/>
           </p:nvPr>
@@ -3128,17 +3028,13 @@
               <a:defRPr/>
             </a:lvl9pPr>
           </a:lstStyle>
-          <a:p>
-            <a:endParaRPr/>
-          </a:p>
+          <a:p/>
         </p:txBody>
       </p:sp>
       <p:sp>
         <p:nvSpPr>
           <p:cNvPr id="27" name="Google Shape;27;p5"/>
-          <p:cNvSpPr txBox="1">
-            <a:spLocks noGrp="1"/>
-          </p:cNvSpPr>
+          <p:cNvSpPr txBox="1"/>
           <p:nvPr>
             <p:ph type="body" idx="1"/>
           </p:nvPr>
@@ -3257,17 +3153,13 @@
               <a:defRPr sz="1200"/>
             </a:lvl9pPr>
           </a:lstStyle>
-          <a:p>
-            <a:endParaRPr/>
-          </a:p>
+          <a:p/>
         </p:txBody>
       </p:sp>
       <p:sp>
         <p:nvSpPr>
           <p:cNvPr id="28" name="Google Shape;28;p5"/>
-          <p:cNvSpPr txBox="1">
-            <a:spLocks noGrp="1"/>
-          </p:cNvSpPr>
+          <p:cNvSpPr txBox="1"/>
           <p:nvPr>
             <p:ph type="body" idx="2"/>
           </p:nvPr>
@@ -3386,17 +3278,13 @@
               <a:defRPr sz="1200"/>
             </a:lvl9pPr>
           </a:lstStyle>
-          <a:p>
-            <a:endParaRPr/>
-          </a:p>
+          <a:p/>
         </p:txBody>
       </p:sp>
       <p:sp>
         <p:nvSpPr>
           <p:cNvPr id="29" name="Google Shape;29;p5"/>
-          <p:cNvSpPr txBox="1">
-            <a:spLocks noGrp="1"/>
-          </p:cNvSpPr>
+          <p:cNvSpPr txBox="1"/>
           <p:nvPr>
             <p:ph type="sldNum" idx="12"/>
           </p:nvPr>
@@ -3464,16 +3352,6 @@
             </a:pPr>
             <a:fld id="{00000000-1234-1234-1234-123412341234}" type="slidenum">
               <a:rPr lang="en-GB"/>
-              <a:pPr marL="0" lvl="0" indent="0" algn="r" rtl="0">
-                <a:spcBef>
-                  <a:spcPts val="0"/>
-                </a:spcBef>
-                <a:spcAft>
-                  <a:spcPts val="0"/>
-                </a:spcAft>
-                <a:buNone/>
-              </a:pPr>
-              <a:t>‹#›</a:t>
             </a:fld>
             <a:endParaRPr lang="en-GB"/>
           </a:p>
@@ -3488,11 +3366,11 @@
 </file>
 
 <file path=ppt/slideLayouts/slideLayout5.xml><?xml version="1.0" encoding="utf-8"?>
-<p:sldLayout xmlns:a="http://schemas.openxmlformats.org/drawingml/2006/main" xmlns:r="http://schemas.openxmlformats.org/officeDocument/2006/relationships" xmlns:p="http://schemas.openxmlformats.org/presentationml/2006/main" matchingName="Title only" type="titleOnly">
+<p:sldLayout xmlns:a="http://schemas.openxmlformats.org/drawingml/2006/main" xmlns:r="http://schemas.openxmlformats.org/officeDocument/2006/relationships" xmlns:p="http://schemas.openxmlformats.org/presentationml/2006/main" type="titleOnly" matchingName="Title only">
   <p:cSld name="TITLE_ONLY">
     <p:spTree>
       <p:nvGrpSpPr>
-        <p:cNvPr id="1" name="Shape 30"/>
+        <p:cNvPr id="30" name="Shape 30"/>
         <p:cNvGrpSpPr/>
         <p:nvPr/>
       </p:nvGrpSpPr>
@@ -3507,9 +3385,7 @@
       <p:sp>
         <p:nvSpPr>
           <p:cNvPr id="31" name="Google Shape;31;p6"/>
-          <p:cNvSpPr txBox="1">
-            <a:spLocks noGrp="1"/>
-          </p:cNvSpPr>
+          <p:cNvSpPr txBox="1"/>
           <p:nvPr>
             <p:ph type="title"/>
           </p:nvPr>
@@ -3628,17 +3504,13 @@
               <a:defRPr/>
             </a:lvl9pPr>
           </a:lstStyle>
-          <a:p>
-            <a:endParaRPr/>
-          </a:p>
+          <a:p/>
         </p:txBody>
       </p:sp>
       <p:sp>
         <p:nvSpPr>
           <p:cNvPr id="32" name="Google Shape;32;p6"/>
-          <p:cNvSpPr txBox="1">
-            <a:spLocks noGrp="1"/>
-          </p:cNvSpPr>
+          <p:cNvSpPr txBox="1"/>
           <p:nvPr>
             <p:ph type="sldNum" idx="12"/>
           </p:nvPr>
@@ -3706,16 +3578,6 @@
             </a:pPr>
             <a:fld id="{00000000-1234-1234-1234-123412341234}" type="slidenum">
               <a:rPr lang="en-GB"/>
-              <a:pPr marL="0" lvl="0" indent="0" algn="r" rtl="0">
-                <a:spcBef>
-                  <a:spcPts val="0"/>
-                </a:spcBef>
-                <a:spcAft>
-                  <a:spcPts val="0"/>
-                </a:spcAft>
-                <a:buNone/>
-              </a:pPr>
-              <a:t>‹#›</a:t>
             </a:fld>
             <a:endParaRPr lang="en-GB"/>
           </a:p>
@@ -3734,7 +3596,7 @@
   <p:cSld name="ONE_COLUMN_TEXT">
     <p:spTree>
       <p:nvGrpSpPr>
-        <p:cNvPr id="1" name="Shape 33"/>
+        <p:cNvPr id="33" name="Shape 33"/>
         <p:cNvGrpSpPr/>
         <p:nvPr/>
       </p:nvGrpSpPr>
@@ -3749,9 +3611,7 @@
       <p:sp>
         <p:nvSpPr>
           <p:cNvPr id="34" name="Google Shape;34;p7"/>
-          <p:cNvSpPr txBox="1">
-            <a:spLocks noGrp="1"/>
-          </p:cNvSpPr>
+          <p:cNvSpPr txBox="1"/>
           <p:nvPr>
             <p:ph type="title"/>
           </p:nvPr>
@@ -3870,17 +3730,13 @@
               <a:defRPr sz="3000"/>
             </a:lvl9pPr>
           </a:lstStyle>
-          <a:p>
-            <a:endParaRPr/>
-          </a:p>
+          <a:p/>
         </p:txBody>
       </p:sp>
       <p:sp>
         <p:nvSpPr>
           <p:cNvPr id="35" name="Google Shape;35;p7"/>
-          <p:cNvSpPr txBox="1">
-            <a:spLocks noGrp="1"/>
-          </p:cNvSpPr>
+          <p:cNvSpPr txBox="1"/>
           <p:nvPr>
             <p:ph type="body" idx="1"/>
           </p:nvPr>
@@ -3999,17 +3855,13 @@
               <a:defRPr sz="1200"/>
             </a:lvl9pPr>
           </a:lstStyle>
-          <a:p>
-            <a:endParaRPr/>
-          </a:p>
+          <a:p/>
         </p:txBody>
       </p:sp>
       <p:sp>
         <p:nvSpPr>
           <p:cNvPr id="36" name="Google Shape;36;p7"/>
-          <p:cNvSpPr txBox="1">
-            <a:spLocks noGrp="1"/>
-          </p:cNvSpPr>
+          <p:cNvSpPr txBox="1"/>
           <p:nvPr>
             <p:ph type="sldNum" idx="12"/>
           </p:nvPr>
@@ -4077,16 +3929,6 @@
             </a:pPr>
             <a:fld id="{00000000-1234-1234-1234-123412341234}" type="slidenum">
               <a:rPr lang="en-GB"/>
-              <a:pPr marL="0" lvl="0" indent="0" algn="r" rtl="0">
-                <a:spcBef>
-                  <a:spcPts val="0"/>
-                </a:spcBef>
-                <a:spcAft>
-                  <a:spcPts val="0"/>
-                </a:spcAft>
-                <a:buNone/>
-              </a:pPr>
-              <a:t>‹#›</a:t>
             </a:fld>
             <a:endParaRPr lang="en-GB"/>
           </a:p>
@@ -4105,7 +3947,7 @@
   <p:cSld name="MAIN_POINT">
     <p:spTree>
       <p:nvGrpSpPr>
-        <p:cNvPr id="1" name="Shape 37"/>
+        <p:cNvPr id="37" name="Shape 37"/>
         <p:cNvGrpSpPr/>
         <p:nvPr/>
       </p:nvGrpSpPr>
@@ -4153,16 +3995,13 @@
               </a:spcAft>
               <a:buNone/>
             </a:pPr>
-            <a:endParaRPr/>
           </a:p>
         </p:txBody>
       </p:sp>
       <p:sp>
         <p:nvSpPr>
           <p:cNvPr id="39" name="Google Shape;39;p8"/>
-          <p:cNvSpPr txBox="1">
-            <a:spLocks noGrp="1"/>
-          </p:cNvSpPr>
+          <p:cNvSpPr txBox="1"/>
           <p:nvPr>
             <p:ph type="title"/>
           </p:nvPr>
@@ -4281,17 +4120,13 @@
               <a:defRPr sz="4800"/>
             </a:lvl9pPr>
           </a:lstStyle>
-          <a:p>
-            <a:endParaRPr/>
-          </a:p>
+          <a:p/>
         </p:txBody>
       </p:sp>
       <p:sp>
         <p:nvSpPr>
           <p:cNvPr id="40" name="Google Shape;40;p8"/>
-          <p:cNvSpPr txBox="1">
-            <a:spLocks noGrp="1"/>
-          </p:cNvSpPr>
+          <p:cNvSpPr txBox="1"/>
           <p:nvPr>
             <p:ph type="sldNum" idx="12"/>
           </p:nvPr>
@@ -4359,16 +4194,6 @@
             </a:pPr>
             <a:fld id="{00000000-1234-1234-1234-123412341234}" type="slidenum">
               <a:rPr lang="en-GB"/>
-              <a:pPr marL="0" lvl="0" indent="0" algn="r" rtl="0">
-                <a:spcBef>
-                  <a:spcPts val="0"/>
-                </a:spcBef>
-                <a:spcAft>
-                  <a:spcPts val="0"/>
-                </a:spcAft>
-                <a:buNone/>
-              </a:pPr>
-              <a:t>‹#›</a:t>
             </a:fld>
             <a:endParaRPr lang="en-GB"/>
           </a:p>
@@ -4387,7 +4212,7 @@
   <p:cSld name="SECTION_TITLE_AND_DESCRIPTION">
     <p:spTree>
       <p:nvGrpSpPr>
-        <p:cNvPr id="1" name="Shape 41"/>
+        <p:cNvPr id="41" name="Shape 41"/>
         <p:cNvGrpSpPr/>
         <p:nvPr/>
       </p:nvGrpSpPr>
@@ -4435,7 +4260,6 @@
               </a:spcAft>
               <a:buNone/>
             </a:pPr>
-            <a:endParaRPr/>
           </a:p>
         </p:txBody>
       </p:sp>
@@ -4468,9 +4292,7 @@
       <p:sp>
         <p:nvSpPr>
           <p:cNvPr id="44" name="Google Shape;44;p9"/>
-          <p:cNvSpPr txBox="1">
-            <a:spLocks noGrp="1"/>
-          </p:cNvSpPr>
+          <p:cNvSpPr txBox="1"/>
           <p:nvPr>
             <p:ph type="title"/>
           </p:nvPr>
@@ -4652,17 +4474,13 @@
               </a:defRPr>
             </a:lvl9pPr>
           </a:lstStyle>
-          <a:p>
-            <a:endParaRPr/>
-          </a:p>
+          <a:p/>
         </p:txBody>
       </p:sp>
       <p:sp>
         <p:nvSpPr>
           <p:cNvPr id="45" name="Google Shape;45;p9"/>
-          <p:cNvSpPr txBox="1">
-            <a:spLocks noGrp="1"/>
-          </p:cNvSpPr>
+          <p:cNvSpPr txBox="1"/>
           <p:nvPr>
             <p:ph type="subTitle" idx="1"/>
           </p:nvPr>
@@ -4862,17 +4680,13 @@
               </a:defRPr>
             </a:lvl9pPr>
           </a:lstStyle>
-          <a:p>
-            <a:endParaRPr/>
-          </a:p>
+          <a:p/>
         </p:txBody>
       </p:sp>
       <p:sp>
         <p:nvSpPr>
           <p:cNvPr id="46" name="Google Shape;46;p9"/>
-          <p:cNvSpPr txBox="1">
-            <a:spLocks noGrp="1"/>
-          </p:cNvSpPr>
+          <p:cNvSpPr txBox="1"/>
           <p:nvPr>
             <p:ph type="body" idx="2"/>
           </p:nvPr>
@@ -5054,17 +4868,13 @@
               </a:defRPr>
             </a:lvl9pPr>
           </a:lstStyle>
-          <a:p>
-            <a:endParaRPr/>
-          </a:p>
+          <a:p/>
         </p:txBody>
       </p:sp>
       <p:sp>
         <p:nvSpPr>
           <p:cNvPr id="47" name="Google Shape;47;p9"/>
-          <p:cNvSpPr txBox="1">
-            <a:spLocks noGrp="1"/>
-          </p:cNvSpPr>
+          <p:cNvSpPr txBox="1"/>
           <p:nvPr>
             <p:ph type="sldNum" idx="12"/>
           </p:nvPr>
@@ -5168,16 +4978,6 @@
             </a:pPr>
             <a:fld id="{00000000-1234-1234-1234-123412341234}" type="slidenum">
               <a:rPr lang="en-GB"/>
-              <a:pPr marL="0" lvl="0" indent="0" algn="r" rtl="0">
-                <a:spcBef>
-                  <a:spcPts val="0"/>
-                </a:spcBef>
-                <a:spcAft>
-                  <a:spcPts val="0"/>
-                </a:spcAft>
-                <a:buNone/>
-              </a:pPr>
-              <a:t>‹#›</a:t>
             </a:fld>
             <a:endParaRPr lang="en-GB"/>
           </a:p>
@@ -5196,7 +4996,7 @@
   <p:cSld name="CAPTION_ONLY">
     <p:spTree>
       <p:nvGrpSpPr>
-        <p:cNvPr id="1" name="Shape 48"/>
+        <p:cNvPr id="48" name="Shape 48"/>
         <p:cNvGrpSpPr/>
         <p:nvPr/>
       </p:nvGrpSpPr>
@@ -5211,9 +5011,7 @@
       <p:sp>
         <p:nvSpPr>
           <p:cNvPr id="49" name="Google Shape;49;p10"/>
-          <p:cNvSpPr txBox="1">
-            <a:spLocks noGrp="1"/>
-          </p:cNvSpPr>
+          <p:cNvSpPr txBox="1"/>
           <p:nvPr>
             <p:ph type="body" idx="1"/>
           </p:nvPr>
@@ -5253,17 +5051,13 @@
               </a:defRPr>
             </a:lvl1pPr>
           </a:lstStyle>
-          <a:p>
-            <a:endParaRPr/>
-          </a:p>
+          <a:p/>
         </p:txBody>
       </p:sp>
       <p:sp>
         <p:nvSpPr>
           <p:cNvPr id="50" name="Google Shape;50;p10"/>
-          <p:cNvSpPr txBox="1">
-            <a:spLocks noGrp="1"/>
-          </p:cNvSpPr>
+          <p:cNvSpPr txBox="1"/>
           <p:nvPr>
             <p:ph type="sldNum" idx="12"/>
           </p:nvPr>
@@ -5331,16 +5125,6 @@
             </a:pPr>
             <a:fld id="{00000000-1234-1234-1234-123412341234}" type="slidenum">
               <a:rPr lang="en-GB"/>
-              <a:pPr marL="0" lvl="0" indent="0" algn="r" rtl="0">
-                <a:spcBef>
-                  <a:spcPts val="0"/>
-                </a:spcBef>
-                <a:spcAft>
-                  <a:spcPts val="0"/>
-                </a:spcAft>
-                <a:buNone/>
-              </a:pPr>
-              <a:t>‹#›</a:t>
             </a:fld>
             <a:endParaRPr lang="en-GB"/>
           </a:p>
@@ -5367,7 +5151,7 @@
     </p:bg>
     <p:spTree>
       <p:nvGrpSpPr>
-        <p:cNvPr id="1" name="Shape 5"/>
+        <p:cNvPr id="5" name="Shape 5"/>
         <p:cNvGrpSpPr/>
         <p:nvPr/>
       </p:nvGrpSpPr>
@@ -5382,9 +5166,7 @@
       <p:sp>
         <p:nvSpPr>
           <p:cNvPr id="6" name="Google Shape;6;p1"/>
-          <p:cNvSpPr txBox="1">
-            <a:spLocks noGrp="1"/>
-          </p:cNvSpPr>
+          <p:cNvSpPr txBox="1"/>
           <p:nvPr>
             <p:ph type="title"/>
           </p:nvPr>
@@ -5615,17 +5397,13 @@
               </a:defRPr>
             </a:lvl9pPr>
           </a:lstStyle>
-          <a:p>
-            <a:endParaRPr/>
-          </a:p>
+          <a:p/>
         </p:txBody>
       </p:sp>
       <p:sp>
         <p:nvSpPr>
           <p:cNvPr id="7" name="Google Shape;7;p1"/>
-          <p:cNvSpPr txBox="1">
-            <a:spLocks noGrp="1"/>
-          </p:cNvSpPr>
+          <p:cNvSpPr txBox="1"/>
           <p:nvPr>
             <p:ph type="body" idx="1"/>
           </p:nvPr>
@@ -5883,17 +5661,13 @@
               </a:defRPr>
             </a:lvl9pPr>
           </a:lstStyle>
-          <a:p>
-            <a:endParaRPr/>
-          </a:p>
+          <a:p/>
         </p:txBody>
       </p:sp>
       <p:sp>
         <p:nvSpPr>
           <p:cNvPr id="8" name="Google Shape;8;p1"/>
-          <p:cNvSpPr txBox="1">
-            <a:spLocks noGrp="1"/>
-          </p:cNvSpPr>
+          <p:cNvSpPr txBox="1"/>
           <p:nvPr>
             <p:ph type="sldNum" idx="12"/>
           </p:nvPr>
@@ -6037,16 +5811,6 @@
             </a:pPr>
             <a:fld id="{00000000-1234-1234-1234-123412341234}" type="slidenum">
               <a:rPr lang="en-GB"/>
-              <a:pPr marL="0" lvl="0" indent="0" algn="r" rtl="0">
-                <a:spcBef>
-                  <a:spcPts val="0"/>
-                </a:spcBef>
-                <a:spcAft>
-                  <a:spcPts val="0"/>
-                </a:spcAft>
-                <a:buNone/>
-              </a:pPr>
-              <a:t>‹#›</a:t>
             </a:fld>
             <a:endParaRPr lang="en-GB"/>
           </a:p>
@@ -6766,309 +6530,6 @@
   <p:cSld>
     <p:spTree>
       <p:nvGrpSpPr>
-        <p:cNvPr id="1" name="Shape 61"/>
-        <p:cNvGrpSpPr/>
-        <p:nvPr/>
-      </p:nvGrpSpPr>
-      <p:grpSpPr>
-        <a:xfrm>
-          <a:off x="0" y="0"/>
-          <a:ext cx="0" cy="0"/>
-          <a:chOff x="0" y="0"/>
-          <a:chExt cx="0" cy="0"/>
-        </a:xfrm>
-      </p:grpSpPr>
-      <p:sp>
-        <p:nvSpPr>
-          <p:cNvPr id="62" name="Google Shape;62;p13"/>
-          <p:cNvSpPr txBox="1">
-            <a:spLocks noGrp="1"/>
-          </p:cNvSpPr>
-          <p:nvPr>
-            <p:ph type="ctrTitle"/>
-          </p:nvPr>
-        </p:nvSpPr>
-        <p:spPr>
-          <a:xfrm>
-            <a:off x="3044700" y="1444255"/>
-            <a:ext cx="3054600" cy="1537200"/>
-          </a:xfrm>
-          <a:prstGeom prst="rect">
-            <a:avLst/>
-          </a:prstGeom>
-        </p:spPr>
-        <p:txBody>
-          <a:bodyPr spcFirstLastPara="1" wrap="square" lIns="91425" tIns="91425" rIns="91425" bIns="91425" anchor="b" anchorCtr="0">
-            <a:noAutofit/>
-          </a:bodyPr>
-          <a:lstStyle/>
-          <a:p>
-            <a:pPr marL="0" lvl="0" indent="0" algn="ctr" rtl="0">
-              <a:spcBef>
-                <a:spcPts val="0"/>
-              </a:spcBef>
-              <a:spcAft>
-                <a:spcPts val="0"/>
-              </a:spcAft>
-              <a:buNone/>
-            </a:pPr>
-            <a:endParaRPr/>
-          </a:p>
-        </p:txBody>
-      </p:sp>
-      <p:sp>
-        <p:nvSpPr>
-          <p:cNvPr id="63" name="Google Shape;63;p13"/>
-          <p:cNvSpPr txBox="1">
-            <a:spLocks noGrp="1"/>
-          </p:cNvSpPr>
-          <p:nvPr>
-            <p:ph type="subTitle" idx="1"/>
-          </p:nvPr>
-        </p:nvSpPr>
-        <p:spPr>
-          <a:xfrm>
-            <a:off x="3044700" y="3116580"/>
-            <a:ext cx="3054600" cy="701400"/>
-          </a:xfrm>
-          <a:prstGeom prst="rect">
-            <a:avLst/>
-          </a:prstGeom>
-        </p:spPr>
-        <p:txBody>
-          <a:bodyPr spcFirstLastPara="1" wrap="square" lIns="91425" tIns="91425" rIns="91425" bIns="91425" anchor="t" anchorCtr="0">
-            <a:noAutofit/>
-          </a:bodyPr>
-          <a:lstStyle/>
-          <a:p>
-            <a:pPr marL="0" lvl="0" indent="0" algn="ctr" rtl="0">
-              <a:spcBef>
-                <a:spcPts val="0"/>
-              </a:spcBef>
-              <a:spcAft>
-                <a:spcPts val="0"/>
-              </a:spcAft>
-              <a:buNone/>
-            </a:pPr>
-            <a:endParaRPr/>
-          </a:p>
-        </p:txBody>
-      </p:sp>
-    </p:spTree>
-  </p:cSld>
-  <p:clrMapOvr>
-    <a:masterClrMapping/>
-  </p:clrMapOvr>
-</p:sld>
-</file>
-
-<file path=ppt/slides/slide10.xml><?xml version="1.0" encoding="utf-8"?>
-<p:sld xmlns:a="http://schemas.openxmlformats.org/drawingml/2006/main" xmlns:r="http://schemas.openxmlformats.org/officeDocument/2006/relationships" xmlns:p="http://schemas.openxmlformats.org/presentationml/2006/main">
-  <p:cSld>
-    <p:spTree>
-      <p:nvGrpSpPr>
-        <p:cNvPr id="1" name="Shape 103"/>
-        <p:cNvGrpSpPr/>
-        <p:nvPr/>
-      </p:nvGrpSpPr>
-      <p:grpSpPr>
-        <a:xfrm>
-          <a:off x="0" y="0"/>
-          <a:ext cx="0" cy="0"/>
-          <a:chOff x="0" y="0"/>
-          <a:chExt cx="0" cy="0"/>
-        </a:xfrm>
-      </p:grpSpPr>
-      <p:sp>
-        <p:nvSpPr>
-          <p:cNvPr id="104" name="Google Shape;104;p20"/>
-          <p:cNvSpPr txBox="1">
-            <a:spLocks noGrp="1"/>
-          </p:cNvSpPr>
-          <p:nvPr>
-            <p:ph type="title"/>
-          </p:nvPr>
-        </p:nvSpPr>
-        <p:spPr>
-          <a:xfrm>
-            <a:off x="311700" y="315925"/>
-            <a:ext cx="8520600" cy="831300"/>
-          </a:xfrm>
-          <a:prstGeom prst="rect">
-            <a:avLst/>
-          </a:prstGeom>
-        </p:spPr>
-        <p:txBody>
-          <a:bodyPr spcFirstLastPara="1" wrap="square" lIns="91425" tIns="91425" rIns="91425" bIns="91425" anchor="b" anchorCtr="0">
-            <a:noAutofit/>
-          </a:bodyPr>
-          <a:lstStyle/>
-          <a:p>
-            <a:pPr marL="0" lvl="0" indent="0" algn="l" rtl="0">
-              <a:spcBef>
-                <a:spcPts val="0"/>
-              </a:spcBef>
-              <a:spcAft>
-                <a:spcPts val="0"/>
-              </a:spcAft>
-              <a:buNone/>
-            </a:pPr>
-            <a:endParaRPr/>
-          </a:p>
-        </p:txBody>
-      </p:sp>
-      <p:sp>
-        <p:nvSpPr>
-          <p:cNvPr id="105" name="Google Shape;105;p20"/>
-          <p:cNvSpPr txBox="1">
-            <a:spLocks noGrp="1"/>
-          </p:cNvSpPr>
-          <p:nvPr>
-            <p:ph type="body" idx="1"/>
-          </p:nvPr>
-        </p:nvSpPr>
-        <p:spPr>
-          <a:xfrm>
-            <a:off x="311700" y="1225225"/>
-            <a:ext cx="8520600" cy="3354000"/>
-          </a:xfrm>
-          <a:prstGeom prst="rect">
-            <a:avLst/>
-          </a:prstGeom>
-        </p:spPr>
-        <p:txBody>
-          <a:bodyPr spcFirstLastPara="1" wrap="square" lIns="91425" tIns="91425" rIns="91425" bIns="91425" anchor="t" anchorCtr="0">
-            <a:noAutofit/>
-          </a:bodyPr>
-          <a:lstStyle/>
-          <a:p>
-            <a:pPr marL="0" lvl="0" indent="0" algn="l" rtl="0">
-              <a:spcBef>
-                <a:spcPts val="0"/>
-              </a:spcBef>
-              <a:spcAft>
-                <a:spcPts val="1600"/>
-              </a:spcAft>
-              <a:buNone/>
-            </a:pPr>
-            <a:endParaRPr/>
-          </a:p>
-        </p:txBody>
-      </p:sp>
-    </p:spTree>
-  </p:cSld>
-  <p:clrMapOvr>
-    <a:masterClrMapping/>
-  </p:clrMapOvr>
-</p:sld>
-</file>
-
-<file path=ppt/slides/slide11.xml><?xml version="1.0" encoding="utf-8"?>
-<p:sld xmlns:a="http://schemas.openxmlformats.org/drawingml/2006/main" xmlns:r="http://schemas.openxmlformats.org/officeDocument/2006/relationships" xmlns:p="http://schemas.openxmlformats.org/presentationml/2006/main">
-  <p:cSld>
-    <p:spTree>
-      <p:nvGrpSpPr>
-        <p:cNvPr id="1" name="Shape 109"/>
-        <p:cNvGrpSpPr/>
-        <p:nvPr/>
-      </p:nvGrpSpPr>
-      <p:grpSpPr>
-        <a:xfrm>
-          <a:off x="0" y="0"/>
-          <a:ext cx="0" cy="0"/>
-          <a:chOff x="0" y="0"/>
-          <a:chExt cx="0" cy="0"/>
-        </a:xfrm>
-      </p:grpSpPr>
-      <p:sp>
-        <p:nvSpPr>
-          <p:cNvPr id="110" name="Google Shape;110;p21"/>
-          <p:cNvSpPr txBox="1">
-            <a:spLocks noGrp="1"/>
-          </p:cNvSpPr>
-          <p:nvPr>
-            <p:ph type="title"/>
-          </p:nvPr>
-        </p:nvSpPr>
-        <p:spPr>
-          <a:xfrm>
-            <a:off x="311700" y="315925"/>
-            <a:ext cx="8520600" cy="831300"/>
-          </a:xfrm>
-          <a:prstGeom prst="rect">
-            <a:avLst/>
-          </a:prstGeom>
-        </p:spPr>
-        <p:txBody>
-          <a:bodyPr spcFirstLastPara="1" wrap="square" lIns="91425" tIns="91425" rIns="91425" bIns="91425" anchor="b" anchorCtr="0">
-            <a:noAutofit/>
-          </a:bodyPr>
-          <a:lstStyle/>
-          <a:p>
-            <a:pPr marL="0" lvl="0" indent="0" algn="l" rtl="0">
-              <a:spcBef>
-                <a:spcPts val="0"/>
-              </a:spcBef>
-              <a:spcAft>
-                <a:spcPts val="0"/>
-              </a:spcAft>
-              <a:buNone/>
-            </a:pPr>
-            <a:endParaRPr/>
-          </a:p>
-        </p:txBody>
-      </p:sp>
-      <p:sp>
-        <p:nvSpPr>
-          <p:cNvPr id="111" name="Google Shape;111;p21"/>
-          <p:cNvSpPr txBox="1">
-            <a:spLocks noGrp="1"/>
-          </p:cNvSpPr>
-          <p:nvPr>
-            <p:ph type="body" idx="1"/>
-          </p:nvPr>
-        </p:nvSpPr>
-        <p:spPr>
-          <a:xfrm>
-            <a:off x="311700" y="1225225"/>
-            <a:ext cx="8520600" cy="3354000"/>
-          </a:xfrm>
-          <a:prstGeom prst="rect">
-            <a:avLst/>
-          </a:prstGeom>
-        </p:spPr>
-        <p:txBody>
-          <a:bodyPr spcFirstLastPara="1" wrap="square" lIns="91425" tIns="91425" rIns="91425" bIns="91425" anchor="t" anchorCtr="0">
-            <a:noAutofit/>
-          </a:bodyPr>
-          <a:lstStyle/>
-          <a:p>
-            <a:pPr marL="0" lvl="0" indent="0" algn="l" rtl="0">
-              <a:spcBef>
-                <a:spcPts val="0"/>
-              </a:spcBef>
-              <a:spcAft>
-                <a:spcPts val="1600"/>
-              </a:spcAft>
-              <a:buNone/>
-            </a:pPr>
-            <a:endParaRPr/>
-          </a:p>
-        </p:txBody>
-      </p:sp>
-    </p:spTree>
-  </p:cSld>
-  <p:clrMapOvr>
-    <a:masterClrMapping/>
-  </p:clrMapOvr>
-</p:sld>
-</file>
-
-<file path=ppt/slides/slide2.xml><?xml version="1.0" encoding="utf-8"?>
-<p:sld xmlns:a="http://schemas.openxmlformats.org/drawingml/2006/main" xmlns:r="http://schemas.openxmlformats.org/officeDocument/2006/relationships" xmlns:p="http://schemas.openxmlformats.org/presentationml/2006/main">
-  <p:cSld>
-    <p:spTree>
-      <p:nvGrpSpPr>
         <p:cNvPr id="1" name="Shape 97"/>
         <p:cNvGrpSpPr/>
         <p:nvPr/>
@@ -7106,7 +6567,7 @@
           </a:bodyPr>
           <a:lstStyle/>
           <a:p>
-            <a:pPr marL="0" lvl="0" indent="0" algn="l" rtl="0">
+            <a:pPr marL="0" lvl="0" indent="0" algn="ctr" rtl="0">
               <a:spcBef>
                 <a:spcPts val="0"/>
               </a:spcBef>
@@ -7115,7 +6576,17 @@
               </a:spcAft>
               <a:buNone/>
             </a:pPr>
-            <a:endParaRPr/>
+            <a:r>
+              <a:rPr lang="en-US" sz="2800" b="1" dirty="0">
+                <a:latin typeface="Times New Roman" panose="02020603050405020304" charset="0"/>
+                <a:cs typeface="Times New Roman" panose="02020603050405020304" charset="0"/>
+              </a:rPr>
+              <a:t>Problem Statement</a:t>
+            </a:r>
+            <a:endParaRPr sz="2800" dirty="0">
+              <a:latin typeface="Times New Roman" panose="02020603050405020304" charset="0"/>
+              <a:cs typeface="Times New Roman" panose="02020603050405020304" charset="0"/>
+            </a:endParaRPr>
           </a:p>
         </p:txBody>
       </p:sp>
@@ -7131,8 +6602,8 @@
         </p:nvSpPr>
         <p:spPr>
           <a:xfrm>
-            <a:off x="311700" y="1225225"/>
-            <a:ext cx="8520600" cy="3354000"/>
+            <a:off x="533400" y="1383030"/>
+            <a:ext cx="8610600" cy="2584450"/>
           </a:xfrm>
           <a:prstGeom prst="rect">
             <a:avLst/>
@@ -7153,7 +6624,53 @@
               </a:spcAft>
               <a:buNone/>
             </a:pPr>
-            <a:endParaRPr/>
+            <a:r>
+              <a:rPr lang="en-US" sz="1600" dirty="0">
+                <a:latin typeface="Cambria" panose="02040503050406030204" charset="0"/>
+                <a:cs typeface="Cambria" panose="02040503050406030204" charset="0"/>
+              </a:rPr>
+              <a:t>Our goal is to predict whether a meme is hateful or non-hateful. This is a binary classification problem with multimodal input data consisting of the meme image itself (the image mode) and a string representing the text in the meme image (the text mode).</a:t>
+            </a:r>
+            <a:endParaRPr lang="en-US" sz="1600" dirty="0">
+              <a:latin typeface="Cambria" panose="02040503050406030204" charset="0"/>
+              <a:cs typeface="Cambria" panose="02040503050406030204" charset="0"/>
+            </a:endParaRPr>
+          </a:p>
+          <a:p>
+            <a:pPr marL="114300" indent="0">
+              <a:buNone/>
+            </a:pPr>
+            <a:r>
+              <a:rPr lang="en-US" sz="1600" dirty="0"/>
+              <a:t>	</a:t>
+            </a:r>
+            <a:r>
+              <a:rPr lang="en-US" sz="1400" dirty="0">
+                <a:sym typeface="+mn-ea"/>
+              </a:rPr>
+              <a:t>Task 2 : Providing reason and validation over the classification result of memes</a:t>
+            </a:r>
+            <a:r>
+              <a:rPr lang="en-US" sz="1400" dirty="0">
+                <a:latin typeface="Times New Roman" panose="02020603050405020304" charset="0"/>
+                <a:cs typeface="Times New Roman" panose="02020603050405020304" charset="0"/>
+                <a:sym typeface="+mn-ea"/>
+              </a:rPr>
+              <a:t> </a:t>
+            </a:r>
+            <a:endParaRPr lang="en-US" sz="1600" dirty="0"/>
+          </a:p>
+          <a:p>
+            <a:pPr marL="0" lvl="0" indent="0" algn="l" rtl="0">
+              <a:spcBef>
+                <a:spcPts val="0"/>
+              </a:spcBef>
+              <a:spcAft>
+                <a:spcPts val="1600"/>
+              </a:spcAft>
+              <a:buNone/>
+            </a:pPr>
+            <a:endParaRPr lang="en-US" sz="1600" dirty="0"/>
           </a:p>
         </p:txBody>
       </p:sp>
@@ -7165,12 +6682,12 @@
 </p:sld>
 </file>
 
-<file path=ppt/slides/slide3.xml><?xml version="1.0" encoding="utf-8"?>
+<file path=ppt/slides/slide10.xml><?xml version="1.0" encoding="utf-8"?>
 <p:sld xmlns:a="http://schemas.openxmlformats.org/drawingml/2006/main" xmlns:r="http://schemas.openxmlformats.org/officeDocument/2006/relationships" xmlns:p="http://schemas.openxmlformats.org/presentationml/2006/main">
   <p:cSld>
     <p:spTree>
       <p:nvGrpSpPr>
-        <p:cNvPr id="1" name=""/>
+        <p:cNvPr id="109" name="Shape 109"/>
         <p:cNvGrpSpPr/>
         <p:nvPr/>
       </p:nvGrpSpPr>
@@ -7184,39 +6701,214 @@
       </p:grpSpPr>
       <p:sp>
         <p:nvSpPr>
-          <p:cNvPr id="2" name="Title 1"/>
-          <p:cNvSpPr>
-            <a:spLocks noGrp="1"/>
-          </p:cNvSpPr>
-          <p:nvPr>
-            <p:ph type="title"/>
-          </p:nvPr>
-        </p:nvSpPr>
-        <p:spPr/>
-        <p:txBody>
-          <a:bodyPr/>
-          <a:lstStyle/>
-          <a:p>
-            <a:endParaRPr lang="en-US"/>
-          </a:p>
-        </p:txBody>
-      </p:sp>
-      <p:sp>
-        <p:nvSpPr>
-          <p:cNvPr id="3" name="Text Placeholder 2"/>
-          <p:cNvSpPr>
-            <a:spLocks noGrp="1"/>
-          </p:cNvSpPr>
+          <p:cNvPr id="111" name="Google Shape;111;p21"/>
+          <p:cNvSpPr txBox="1"/>
           <p:nvPr>
             <p:ph type="body" idx="1"/>
           </p:nvPr>
         </p:nvSpPr>
-        <p:spPr/>
+        <p:spPr>
+          <a:xfrm>
+            <a:off x="311785" y="704215"/>
+            <a:ext cx="8520430" cy="3014345"/>
+          </a:xfrm>
+          <a:prstGeom prst="rect">
+            <a:avLst/>
+          </a:prstGeom>
+        </p:spPr>
         <p:txBody>
-          <a:bodyPr/>
+          <a:bodyPr spcFirstLastPara="1" wrap="square" lIns="91425" tIns="91425" rIns="91425" bIns="91425" anchor="t" anchorCtr="0">
+            <a:noAutofit/>
+          </a:bodyPr>
           <a:lstStyle/>
           <a:p>
-            <a:endParaRPr lang="en-US"/>
+            <a:pPr marL="0" lvl="1" indent="-285750" algn="l" rtl="0">
+              <a:spcBef>
+                <a:spcPts val="0"/>
+              </a:spcBef>
+              <a:spcAft>
+                <a:spcPts val="1600"/>
+              </a:spcAft>
+              <a:buFont typeface="Arial" panose="020B0604020202020204" pitchFamily="34" charset="0"/>
+              <a:buChar char="•"/>
+            </a:pPr>
+            <a:r>
+              <a:rPr>
+                <a:latin typeface="Times New Roman" panose="02020603050405020304" charset="0"/>
+                <a:cs typeface="Times New Roman" panose="02020603050405020304" charset="0"/>
+              </a:rPr>
+              <a:t>During training, given triplets of </a:t>
+            </a:r>
+            <a:r>
+              <a:rPr>
+                <a:latin typeface="Times New Roman" panose="02020603050405020304" charset="0"/>
+                <a:cs typeface="Times New Roman" panose="02020603050405020304" charset="0"/>
+                <a:sym typeface="+mn-ea"/>
+              </a:rPr>
+              <a:t>question Q </a:t>
+            </a:r>
+            <a:r>
+              <a:rPr lang="en-US">
+                <a:latin typeface="Times New Roman" panose="02020603050405020304" charset="0"/>
+                <a:cs typeface="Times New Roman" panose="02020603050405020304" charset="0"/>
+                <a:sym typeface="+mn-ea"/>
+              </a:rPr>
+              <a:t>,</a:t>
+            </a:r>
+            <a:r>
+              <a:rPr>
+                <a:latin typeface="Times New Roman" panose="02020603050405020304" charset="0"/>
+                <a:cs typeface="Times New Roman" panose="02020603050405020304" charset="0"/>
+                <a:sym typeface="+mn-ea"/>
+              </a:rPr>
+              <a:t>ground truth answer A</a:t>
+            </a:r>
+            <a:endParaRPr>
+              <a:latin typeface="Times New Roman" panose="02020603050405020304" charset="0"/>
+              <a:cs typeface="Times New Roman" panose="02020603050405020304" charset="0"/>
+            </a:endParaRPr>
+          </a:p>
+          <a:p>
+            <a:pPr marL="742950" lvl="1" indent="-285750" algn="l" rtl="0">
+              <a:spcBef>
+                <a:spcPts val="0"/>
+              </a:spcBef>
+              <a:spcAft>
+                <a:spcPts val="1600"/>
+              </a:spcAft>
+              <a:buFont typeface="Arial" panose="020B0604020202020204" pitchFamily="34" charset="0"/>
+              <a:buChar char="•"/>
+            </a:pPr>
+            <a:r>
+              <a:rPr lang="en-US">
+                <a:latin typeface="Times New Roman" panose="02020603050405020304" charset="0"/>
+                <a:cs typeface="Times New Roman" panose="02020603050405020304" charset="0"/>
+              </a:rPr>
+              <a:t>I</a:t>
+            </a:r>
+            <a:r>
+              <a:rPr>
+                <a:latin typeface="Times New Roman" panose="02020603050405020304" charset="0"/>
+                <a:cs typeface="Times New Roman" panose="02020603050405020304" charset="0"/>
+              </a:rPr>
+              <a:t>mage I,</a:t>
+            </a:r>
+            <a:endParaRPr>
+              <a:latin typeface="Times New Roman" panose="02020603050405020304" charset="0"/>
+              <a:cs typeface="Times New Roman" panose="02020603050405020304" charset="0"/>
+            </a:endParaRPr>
+          </a:p>
+          <a:p>
+            <a:pPr marL="1200150" lvl="2" indent="-285750" algn="l" rtl="0">
+              <a:lnSpc>
+                <a:spcPct val="95000"/>
+              </a:lnSpc>
+              <a:spcBef>
+                <a:spcPts val="0"/>
+              </a:spcBef>
+              <a:spcAft>
+                <a:spcPts val="1600"/>
+              </a:spcAft>
+              <a:buFont typeface="Arial" panose="020B0604020202020204" pitchFamily="34" charset="0"/>
+              <a:buChar char="•"/>
+            </a:pPr>
+            <a:r>
+              <a:rPr lang="en-US">
+                <a:latin typeface="Times New Roman" panose="02020603050405020304" charset="0"/>
+                <a:cs typeface="Times New Roman" panose="02020603050405020304" charset="0"/>
+              </a:rPr>
+              <a:t>W</a:t>
+            </a:r>
+            <a:r>
+              <a:rPr>
+                <a:latin typeface="Times New Roman" panose="02020603050405020304" charset="0"/>
+                <a:cs typeface="Times New Roman" panose="02020603050405020304" charset="0"/>
+              </a:rPr>
+              <a:t>e optimize the negative log-likelihood (NLL) loss to maximize the probability of the ground truth answer PI (A|Q, I) given by the VQA model.</a:t>
+            </a:r>
+            <a:endParaRPr>
+              <a:latin typeface="Times New Roman" panose="02020603050405020304" charset="0"/>
+              <a:cs typeface="Times New Roman" panose="02020603050405020304" charset="0"/>
+            </a:endParaRPr>
+          </a:p>
+          <a:p>
+            <a:pPr marL="742950" lvl="1" indent="-285750" algn="l" rtl="0">
+              <a:lnSpc>
+                <a:spcPct val="95000"/>
+              </a:lnSpc>
+              <a:spcBef>
+                <a:spcPts val="0"/>
+              </a:spcBef>
+              <a:spcAft>
+                <a:spcPts val="1600"/>
+              </a:spcAft>
+              <a:buFont typeface="Arial" panose="020B0604020202020204" pitchFamily="34" charset="0"/>
+              <a:buChar char="•"/>
+            </a:pPr>
+            <a:r>
+              <a:rPr lang="en-US">
+                <a:latin typeface="Times New Roman" panose="02020603050405020304" charset="0"/>
+                <a:cs typeface="Times New Roman" panose="02020603050405020304" charset="0"/>
+              </a:rPr>
+              <a:t>C</a:t>
+            </a:r>
+            <a:r>
+              <a:rPr>
+                <a:latin typeface="Times New Roman" panose="02020603050405020304" charset="0"/>
+                <a:cs typeface="Times New Roman" panose="02020603050405020304" charset="0"/>
+              </a:rPr>
+              <a:t>aption C, </a:t>
+            </a:r>
+            <a:endParaRPr>
+              <a:latin typeface="Times New Roman" panose="02020603050405020304" charset="0"/>
+              <a:cs typeface="Times New Roman" panose="02020603050405020304" charset="0"/>
+            </a:endParaRPr>
+          </a:p>
+          <a:p>
+            <a:pPr marL="1200150" lvl="2" indent="-285750" algn="l" rtl="0">
+              <a:lnSpc>
+                <a:spcPct val="95000"/>
+              </a:lnSpc>
+              <a:spcBef>
+                <a:spcPts val="0"/>
+              </a:spcBef>
+              <a:spcAft>
+                <a:spcPts val="1600"/>
+              </a:spcAft>
+              <a:buFont typeface="Arial" panose="020B0604020202020204" pitchFamily="34" charset="0"/>
+              <a:buChar char="•"/>
+            </a:pPr>
+            <a:r>
+              <a:rPr lang="en-US">
+                <a:latin typeface="Times New Roman" panose="02020603050405020304" charset="0"/>
+                <a:cs typeface="Times New Roman" panose="02020603050405020304" charset="0"/>
+              </a:rPr>
+              <a:t>W</a:t>
+            </a:r>
+            <a:r>
+              <a:rPr>
+                <a:latin typeface="Times New Roman" panose="02020603050405020304" charset="0"/>
+                <a:cs typeface="Times New Roman" panose="02020603050405020304" charset="0"/>
+              </a:rPr>
+              <a:t>e optimize the NLL loss to maximize the VQA-Caption model probability</a:t>
+            </a:r>
+            <a:br>
+              <a:rPr>
+                <a:latin typeface="Times New Roman" panose="02020603050405020304" charset="0"/>
+                <a:cs typeface="Times New Roman" panose="02020603050405020304" charset="0"/>
+              </a:rPr>
+            </a:br>
+            <a:r>
+              <a:rPr>
+                <a:latin typeface="Times New Roman" panose="02020603050405020304" charset="0"/>
+                <a:cs typeface="Times New Roman" panose="02020603050405020304" charset="0"/>
+              </a:rPr>
+              <a:t> PC (A|Q, C).</a:t>
+            </a:r>
+            <a:endParaRPr>
+              <a:latin typeface="Times New Roman" panose="02020603050405020304" charset="0"/>
+              <a:cs typeface="Times New Roman" panose="02020603050405020304" charset="0"/>
+            </a:endParaRPr>
           </a:p>
         </p:txBody>
       </p:sp>
@@ -7228,7 +6920,1237 @@
 </p:sld>
 </file>
 
-<file path=ppt/slides/slide4.xml><?xml version="1.0" encoding="utf-8"?>
+<file path=ppt/slides/slide11.xml><?xml version="1.0" encoding="utf-8"?>
+<p:sld xmlns:a="http://schemas.openxmlformats.org/drawingml/2006/main" xmlns:r="http://schemas.openxmlformats.org/officeDocument/2006/relationships" xmlns:p="http://schemas.openxmlformats.org/presentationml/2006/main">
+  <p:cSld>
+    <p:spTree>
+      <p:nvGrpSpPr>
+        <p:cNvPr id="1" name=""/>
+        <p:cNvGrpSpPr/>
+        <p:nvPr/>
+      </p:nvGrpSpPr>
+      <p:grpSpPr/>
+      <p:sp>
+        <p:nvSpPr>
+          <p:cNvPr id="3" name="Text Placeholder 2"/>
+          <p:cNvSpPr/>
+          <p:nvPr>
+            <p:ph type="body" idx="1"/>
+          </p:nvPr>
+        </p:nvSpPr>
+        <p:spPr>
+          <a:xfrm>
+            <a:off x="311785" y="218440"/>
+            <a:ext cx="8520430" cy="4360545"/>
+          </a:xfrm>
+        </p:spPr>
+        <p:txBody>
+          <a:bodyPr/>
+          <a:p>
+            <a:pPr>
+              <a:buFont typeface="Arial" panose="020B0604020202020204" pitchFamily="34" charset="0"/>
+              <a:buChar char="•"/>
+            </a:pPr>
+            <a:r>
+              <a:rPr lang="en-US" sz="1600">
+                <a:latin typeface="Times New Roman" panose="02020603050405020304" charset="0"/>
+                <a:cs typeface="Times New Roman" panose="02020603050405020304" charset="0"/>
+              </a:rPr>
+              <a:t>For a VQA question (I, Q)</a:t>
+            </a:r>
+            <a:endParaRPr lang="en-US" sz="1600">
+              <a:latin typeface="Times New Roman" panose="02020603050405020304" charset="0"/>
+              <a:cs typeface="Times New Roman" panose="02020603050405020304" charset="0"/>
+            </a:endParaRPr>
+          </a:p>
+          <a:p>
+            <a:pPr lvl="1">
+              <a:buFont typeface="Arial" panose="020B0604020202020204" pitchFamily="34" charset="0"/>
+              <a:buChar char="•"/>
+            </a:pPr>
+            <a:r>
+              <a:rPr lang="en-US" sz="1200">
+                <a:latin typeface="Times New Roman" panose="02020603050405020304" charset="0"/>
+                <a:cs typeface="Times New Roman" panose="02020603050405020304" charset="0"/>
+              </a:rPr>
+              <a:t>Image Encoding</a:t>
+            </a:r>
+            <a:endParaRPr lang="en-US" sz="1200">
+              <a:latin typeface="Times New Roman" panose="02020603050405020304" charset="0"/>
+              <a:cs typeface="Times New Roman" panose="02020603050405020304" charset="0"/>
+            </a:endParaRPr>
+          </a:p>
+          <a:p>
+            <a:pPr lvl="2">
+              <a:buFont typeface="Arial" panose="020B0604020202020204" pitchFamily="34" charset="0"/>
+              <a:buChar char="•"/>
+            </a:pPr>
+            <a:r>
+              <a:rPr lang="en-US" sz="1200">
+                <a:latin typeface="Times New Roman" panose="02020603050405020304" charset="0"/>
+                <a:cs typeface="Times New Roman" panose="02020603050405020304" charset="0"/>
+              </a:rPr>
+              <a:t>Using the 19-layer VGGNet [46] as a 4,096-dimensional image encoding x</a:t>
+            </a:r>
+            <a:r>
+              <a:rPr lang="en-US" sz="1200" baseline="-25000">
+                <a:latin typeface="Times New Roman" panose="02020603050405020304" charset="0"/>
+                <a:cs typeface="Times New Roman" panose="02020603050405020304" charset="0"/>
+              </a:rPr>
+              <a:t>I</a:t>
+            </a:r>
+            <a:r>
+              <a:rPr lang="en-US" sz="1200">
+                <a:latin typeface="Times New Roman" panose="02020603050405020304" charset="0"/>
+                <a:cs typeface="Times New Roman" panose="02020603050405020304" charset="0"/>
+              </a:rPr>
+              <a:t> </a:t>
+            </a:r>
+            <a:endParaRPr lang="en-US" sz="1200">
+              <a:latin typeface="Times New Roman" panose="02020603050405020304" charset="0"/>
+              <a:cs typeface="Times New Roman" panose="02020603050405020304" charset="0"/>
+            </a:endParaRPr>
+          </a:p>
+          <a:p>
+            <a:pPr lvl="1">
+              <a:buFont typeface="Arial" panose="020B0604020202020204" pitchFamily="34" charset="0"/>
+              <a:buChar char="•"/>
+            </a:pPr>
+            <a:r>
+              <a:rPr lang="en-US" sz="1200">
+                <a:latin typeface="Times New Roman" panose="02020603050405020304" charset="0"/>
+                <a:cs typeface="Times New Roman" panose="02020603050405020304" charset="0"/>
+              </a:rPr>
+              <a:t>Qestion Encoding</a:t>
+            </a:r>
+            <a:endParaRPr lang="en-US" sz="1200">
+              <a:latin typeface="Times New Roman" panose="02020603050405020304" charset="0"/>
+              <a:cs typeface="Times New Roman" panose="02020603050405020304" charset="0"/>
+            </a:endParaRPr>
+          </a:p>
+          <a:p>
+            <a:pPr lvl="2">
+              <a:buFont typeface="Arial" panose="020B0604020202020204" pitchFamily="34" charset="0"/>
+              <a:buChar char="•"/>
+            </a:pPr>
+            <a:r>
+              <a:rPr lang="en-US" sz="1200">
+                <a:latin typeface="Times New Roman" panose="02020603050405020304" charset="0"/>
+                <a:cs typeface="Times New Roman" panose="02020603050405020304" charset="0"/>
+              </a:rPr>
+              <a:t>Using a 2-layer RNN with 512 Long Short-Term Memory (LSTM) units per layer as a 2,048-dimensional question encoding x</a:t>
+            </a:r>
+            <a:r>
+              <a:rPr lang="en-US" sz="1200" baseline="-25000">
+                <a:latin typeface="Times New Roman" panose="02020603050405020304" charset="0"/>
+                <a:cs typeface="Times New Roman" panose="02020603050405020304" charset="0"/>
+              </a:rPr>
+              <a:t>Q</a:t>
+            </a:r>
+            <a:r>
+              <a:rPr lang="en-US" sz="1200">
+                <a:latin typeface="Times New Roman" panose="02020603050405020304" charset="0"/>
+                <a:cs typeface="Times New Roman" panose="02020603050405020304" charset="0"/>
+              </a:rPr>
+              <a:t>. </a:t>
+            </a:r>
+            <a:endParaRPr lang="en-US" sz="1200">
+              <a:latin typeface="Times New Roman" panose="02020603050405020304" charset="0"/>
+              <a:cs typeface="Times New Roman" panose="02020603050405020304" charset="0"/>
+            </a:endParaRPr>
+          </a:p>
+          <a:p>
+            <a:pPr>
+              <a:buFont typeface="Arial" panose="020B0604020202020204" pitchFamily="34" charset="0"/>
+              <a:buChar char="•"/>
+            </a:pPr>
+            <a:r>
+              <a:rPr lang="en-US" sz="1600">
+                <a:latin typeface="Times New Roman" panose="02020603050405020304" charset="0"/>
+                <a:cs typeface="Times New Roman" panose="02020603050405020304" charset="0"/>
+              </a:rPr>
+              <a:t>Then x</a:t>
+            </a:r>
+            <a:r>
+              <a:rPr lang="en-US" sz="1600" baseline="-25000">
+                <a:latin typeface="Times New Roman" panose="02020603050405020304" charset="0"/>
+                <a:cs typeface="Times New Roman" panose="02020603050405020304" charset="0"/>
+              </a:rPr>
+              <a:t>I</a:t>
+            </a:r>
+            <a:r>
+              <a:rPr lang="en-US" sz="1600">
+                <a:latin typeface="Times New Roman" panose="02020603050405020304" charset="0"/>
+                <a:cs typeface="Times New Roman" panose="02020603050405020304" charset="0"/>
+              </a:rPr>
+              <a:t> and x</a:t>
+            </a:r>
+            <a:r>
+              <a:rPr lang="en-US" sz="1600" baseline="-25000">
+                <a:latin typeface="Times New Roman" panose="02020603050405020304" charset="0"/>
+                <a:cs typeface="Times New Roman" panose="02020603050405020304" charset="0"/>
+              </a:rPr>
+              <a:t>Q</a:t>
+            </a:r>
+            <a:r>
+              <a:rPr lang="en-US" sz="1600">
+                <a:latin typeface="Times New Roman" panose="02020603050405020304" charset="0"/>
+                <a:cs typeface="Times New Roman" panose="02020603050405020304" charset="0"/>
+              </a:rPr>
+              <a:t>  are projected into a common 1,024-dimensional multi-modal space as z</a:t>
+            </a:r>
+            <a:r>
+              <a:rPr lang="en-US" sz="1600" baseline="-25000">
+                <a:latin typeface="Times New Roman" panose="02020603050405020304" charset="0"/>
+                <a:cs typeface="Times New Roman" panose="02020603050405020304" charset="0"/>
+              </a:rPr>
+              <a:t>I</a:t>
+            </a:r>
+            <a:r>
+              <a:rPr lang="en-US" sz="1600">
+                <a:latin typeface="Times New Roman" panose="02020603050405020304" charset="0"/>
+                <a:cs typeface="Times New Roman" panose="02020603050405020304" charset="0"/>
+              </a:rPr>
+              <a:t> and z</a:t>
+            </a:r>
+            <a:r>
+              <a:rPr lang="en-US" sz="1600" baseline="-25000">
+                <a:latin typeface="Times New Roman" panose="02020603050405020304" charset="0"/>
+                <a:cs typeface="Times New Roman" panose="02020603050405020304" charset="0"/>
+              </a:rPr>
+              <a:t>Q</a:t>
+            </a:r>
+            <a:endParaRPr lang="en-US" sz="1600" baseline="-25000">
+              <a:latin typeface="Times New Roman" panose="02020603050405020304" charset="0"/>
+              <a:cs typeface="Times New Roman" panose="02020603050405020304" charset="0"/>
+            </a:endParaRPr>
+          </a:p>
+          <a:p>
+            <a:pPr>
+              <a:buFont typeface="Arial" panose="020B0604020202020204" pitchFamily="34" charset="0"/>
+              <a:buChar char="•"/>
+            </a:pPr>
+            <a:endParaRPr lang="en-US" sz="1600">
+              <a:latin typeface="Times New Roman" panose="02020603050405020304" charset="0"/>
+              <a:cs typeface="Times New Roman" panose="02020603050405020304" charset="0"/>
+            </a:endParaRPr>
+          </a:p>
+          <a:p>
+            <a:pPr>
+              <a:buFont typeface="Arial" panose="020B0604020202020204" pitchFamily="34" charset="0"/>
+              <a:buChar char="•"/>
+            </a:pPr>
+            <a:r>
+              <a:rPr lang="en-US" sz="1600">
+                <a:latin typeface="Times New Roman" panose="02020603050405020304" charset="0"/>
+                <a:cs typeface="Times New Roman" panose="02020603050405020304" charset="0"/>
+              </a:rPr>
+              <a:t>We then compute the representation z</a:t>
+            </a:r>
+            <a:r>
+              <a:rPr lang="en-US" sz="1600" baseline="-25000">
+                <a:latin typeface="Times New Roman" panose="02020603050405020304" charset="0"/>
+                <a:cs typeface="Times New Roman" panose="02020603050405020304" charset="0"/>
+              </a:rPr>
+              <a:t>I+Q</a:t>
+            </a:r>
+            <a:r>
+              <a:rPr lang="en-US" sz="1600">
+                <a:latin typeface="Times New Roman" panose="02020603050405020304" charset="0"/>
+                <a:cs typeface="Times New Roman" panose="02020603050405020304" charset="0"/>
+              </a:rPr>
+              <a:t> for the image-question pair (I, Q) by element-wise multiplying z</a:t>
+            </a:r>
+            <a:r>
+              <a:rPr lang="en-US" sz="1600" baseline="-25000">
+                <a:latin typeface="Times New Roman" panose="02020603050405020304" charset="0"/>
+                <a:cs typeface="Times New Roman" panose="02020603050405020304" charset="0"/>
+              </a:rPr>
+              <a:t>I</a:t>
+            </a:r>
+            <a:r>
+              <a:rPr lang="en-US" sz="1600">
+                <a:latin typeface="Times New Roman" panose="02020603050405020304" charset="0"/>
+                <a:cs typeface="Times New Roman" panose="02020603050405020304" charset="0"/>
+              </a:rPr>
+              <a:t> and z</a:t>
+            </a:r>
+            <a:r>
+              <a:rPr lang="en-US" sz="1600" baseline="-25000">
+                <a:latin typeface="Times New Roman" panose="02020603050405020304" charset="0"/>
+                <a:cs typeface="Times New Roman" panose="02020603050405020304" charset="0"/>
+              </a:rPr>
+              <a:t>Q</a:t>
+            </a:r>
+            <a:endParaRPr lang="en-US" sz="1600" baseline="-25000">
+              <a:latin typeface="Times New Roman" panose="02020603050405020304" charset="0"/>
+              <a:cs typeface="Times New Roman" panose="02020603050405020304" charset="0"/>
+            </a:endParaRPr>
+          </a:p>
+          <a:p>
+            <a:pPr>
+              <a:buFont typeface="Arial" panose="020B0604020202020204" pitchFamily="34" charset="0"/>
+              <a:buChar char="•"/>
+            </a:pPr>
+            <a:r>
+              <a:rPr lang="en-US" sz="1600">
+                <a:latin typeface="Times New Roman" panose="02020603050405020304" charset="0"/>
+                <a:cs typeface="Times New Roman" panose="02020603050405020304" charset="0"/>
+              </a:rPr>
+              <a:t> The scores s</a:t>
+            </a:r>
+            <a:r>
+              <a:rPr lang="en-US" sz="1600" baseline="-25000">
+                <a:latin typeface="Times New Roman" panose="02020603050405020304" charset="0"/>
+                <a:cs typeface="Times New Roman" panose="02020603050405020304" charset="0"/>
+              </a:rPr>
+              <a:t>A</a:t>
+            </a:r>
+            <a:r>
+              <a:rPr lang="en-US" sz="1600">
+                <a:latin typeface="Times New Roman" panose="02020603050405020304" charset="0"/>
+                <a:cs typeface="Times New Roman" panose="02020603050405020304" charset="0"/>
+              </a:rPr>
+              <a:t> for 1,000 answers are given by:</a:t>
+            </a:r>
+            <a:br>
+              <a:rPr lang="en-US" sz="1600">
+                <a:latin typeface="Times New Roman" panose="02020603050405020304" charset="0"/>
+                <a:cs typeface="Times New Roman" panose="02020603050405020304" charset="0"/>
+              </a:rPr>
+            </a:br>
+            <a:r>
+              <a:rPr lang="en-US" sz="1600">
+                <a:latin typeface="Times New Roman" panose="02020603050405020304" charset="0"/>
+                <a:cs typeface="Times New Roman" panose="02020603050405020304" charset="0"/>
+              </a:rPr>
+              <a:t>			s</a:t>
+            </a:r>
+            <a:r>
+              <a:rPr lang="en-US" sz="1600" baseline="-25000">
+                <a:latin typeface="Times New Roman" panose="02020603050405020304" charset="0"/>
+                <a:cs typeface="Times New Roman" panose="02020603050405020304" charset="0"/>
+              </a:rPr>
+              <a:t>A</a:t>
+            </a:r>
+            <a:r>
+              <a:rPr lang="en-US" sz="1600">
+                <a:latin typeface="Times New Roman" panose="02020603050405020304" charset="0"/>
+                <a:cs typeface="Times New Roman" panose="02020603050405020304" charset="0"/>
+              </a:rPr>
+              <a:t> = W</a:t>
+            </a:r>
+            <a:r>
+              <a:rPr lang="en-US" sz="1600" baseline="-25000">
+                <a:latin typeface="Times New Roman" panose="02020603050405020304" charset="0"/>
+                <a:cs typeface="Times New Roman" panose="02020603050405020304" charset="0"/>
+              </a:rPr>
+              <a:t>s</a:t>
+            </a:r>
+            <a:r>
+              <a:rPr lang="en-US" sz="1600">
+                <a:latin typeface="Times New Roman" panose="02020603050405020304" charset="0"/>
+                <a:cs typeface="Times New Roman" panose="02020603050405020304" charset="0"/>
+              </a:rPr>
+              <a:t>z</a:t>
+            </a:r>
+            <a:r>
+              <a:rPr lang="en-US" sz="1600" baseline="-25000">
+                <a:latin typeface="Times New Roman" panose="02020603050405020304" charset="0"/>
+                <a:cs typeface="Times New Roman" panose="02020603050405020304" charset="0"/>
+              </a:rPr>
+              <a:t>I+Q</a:t>
+            </a:r>
+            <a:r>
+              <a:rPr lang="en-US" sz="1600">
+                <a:latin typeface="Times New Roman" panose="02020603050405020304" charset="0"/>
+                <a:cs typeface="Times New Roman" panose="02020603050405020304" charset="0"/>
+              </a:rPr>
+              <a:t> + b</a:t>
+            </a:r>
+            <a:r>
+              <a:rPr lang="en-US" sz="1600" baseline="-25000">
+                <a:latin typeface="Times New Roman" panose="02020603050405020304" charset="0"/>
+                <a:cs typeface="Times New Roman" panose="02020603050405020304" charset="0"/>
+              </a:rPr>
+              <a:t>s</a:t>
+            </a:r>
+            <a:endParaRPr lang="en-US" sz="1600" baseline="-25000">
+              <a:latin typeface="Times New Roman" panose="02020603050405020304" charset="0"/>
+              <a:cs typeface="Times New Roman" panose="02020603050405020304" charset="0"/>
+            </a:endParaRPr>
+          </a:p>
+        </p:txBody>
+      </p:sp>
+      <p:pic>
+        <p:nvPicPr>
+          <p:cNvPr id="4" name="Picture 3"/>
+          <p:cNvPicPr>
+            <a:picLocks noChangeAspect="1"/>
+          </p:cNvPicPr>
+          <p:nvPr/>
+        </p:nvPicPr>
+        <p:blipFill>
+          <a:blip r:embed="rId1"/>
+          <a:stretch>
+            <a:fillRect/>
+          </a:stretch>
+        </p:blipFill>
+        <p:spPr>
+          <a:xfrm>
+            <a:off x="2696845" y="2757170"/>
+            <a:ext cx="3193415" cy="273050"/>
+          </a:xfrm>
+          <a:prstGeom prst="rect">
+            <a:avLst/>
+          </a:prstGeom>
+        </p:spPr>
+      </p:pic>
+    </p:spTree>
+  </p:cSld>
+  <p:clrMapOvr>
+    <a:masterClrMapping/>
+  </p:clrMapOvr>
+</p:sld>
+</file>
+
+<file path=ppt/slides/slide12.xml><?xml version="1.0" encoding="utf-8"?>
+<p:sld xmlns:a="http://schemas.openxmlformats.org/drawingml/2006/main" xmlns:r="http://schemas.openxmlformats.org/officeDocument/2006/relationships" xmlns:p="http://schemas.openxmlformats.org/presentationml/2006/main">
+  <p:cSld>
+    <p:spTree>
+      <p:nvGrpSpPr>
+        <p:cNvPr id="1" name=""/>
+        <p:cNvGrpSpPr/>
+        <p:nvPr/>
+      </p:nvGrpSpPr>
+      <p:grpSpPr/>
+      <p:sp>
+        <p:nvSpPr>
+          <p:cNvPr id="3" name="Text Placeholder 2"/>
+          <p:cNvSpPr/>
+          <p:nvPr>
+            <p:ph type="body" idx="1"/>
+          </p:nvPr>
+        </p:nvSpPr>
+        <p:spPr>
+          <a:xfrm>
+            <a:off x="311785" y="247015"/>
+            <a:ext cx="8520430" cy="4331970"/>
+          </a:xfrm>
+        </p:spPr>
+        <p:txBody>
+          <a:bodyPr/>
+          <a:p>
+            <a:pPr>
+              <a:buFont typeface="Arial" panose="020B0604020202020204" pitchFamily="34" charset="0"/>
+              <a:buChar char="•"/>
+            </a:pPr>
+            <a:r>
+              <a:rPr lang="en-US">
+                <a:latin typeface="Times New Roman" panose="02020603050405020304" charset="0"/>
+                <a:cs typeface="Times New Roman" panose="02020603050405020304" charset="0"/>
+              </a:rPr>
+              <a:t>For the VQA-Caption task given caption C and question Q, </a:t>
+            </a:r>
+            <a:endParaRPr lang="en-US">
+              <a:latin typeface="Times New Roman" panose="02020603050405020304" charset="0"/>
+              <a:cs typeface="Times New Roman" panose="02020603050405020304" charset="0"/>
+            </a:endParaRPr>
+          </a:p>
+          <a:p>
+            <a:pPr lvl="1">
+              <a:buFont typeface="Arial" panose="020B0604020202020204" pitchFamily="34" charset="0"/>
+              <a:buChar char="•"/>
+            </a:pPr>
+            <a:r>
+              <a:rPr lang="en-US">
+                <a:latin typeface="Times New Roman" panose="02020603050405020304" charset="0"/>
+                <a:cs typeface="Times New Roman" panose="02020603050405020304" charset="0"/>
+              </a:rPr>
+              <a:t>We use the same network architecture and learning procedure as above</a:t>
+            </a:r>
+            <a:endParaRPr lang="en-US">
+              <a:latin typeface="Times New Roman" panose="02020603050405020304" charset="0"/>
+              <a:cs typeface="Times New Roman" panose="02020603050405020304" charset="0"/>
+            </a:endParaRPr>
+          </a:p>
+          <a:p>
+            <a:pPr lvl="1">
+              <a:buFont typeface="Arial" panose="020B0604020202020204" pitchFamily="34" charset="0"/>
+              <a:buChar char="•"/>
+            </a:pPr>
+            <a:r>
+              <a:rPr lang="en-US">
+                <a:latin typeface="Times New Roman" panose="02020603050405020304" charset="0"/>
+                <a:cs typeface="Times New Roman" panose="02020603050405020304" charset="0"/>
+              </a:rPr>
+              <a:t>But using the most frequent 1,000 words in training captions as the dictionary to construct a 1,000 dimensional bag-of-words encoding for caption C as x</a:t>
+            </a:r>
+            <a:r>
+              <a:rPr lang="en-US" baseline="-25000">
+                <a:latin typeface="Times New Roman" panose="02020603050405020304" charset="0"/>
+                <a:cs typeface="Times New Roman" panose="02020603050405020304" charset="0"/>
+              </a:rPr>
+              <a:t>C</a:t>
+            </a:r>
+            <a:r>
+              <a:rPr lang="en-US">
+                <a:latin typeface="Times New Roman" panose="02020603050405020304" charset="0"/>
+                <a:cs typeface="Times New Roman" panose="02020603050405020304" charset="0"/>
+              </a:rPr>
+              <a:t> to replace the image feature x</a:t>
+            </a:r>
+            <a:r>
+              <a:rPr lang="en-US" baseline="-25000">
+                <a:latin typeface="Times New Roman" panose="02020603050405020304" charset="0"/>
+                <a:cs typeface="Times New Roman" panose="02020603050405020304" charset="0"/>
+              </a:rPr>
+              <a:t>I</a:t>
+            </a:r>
+            <a:r>
+              <a:rPr lang="en-US">
+                <a:latin typeface="Times New Roman" panose="02020603050405020304" charset="0"/>
+                <a:cs typeface="Times New Roman" panose="02020603050405020304" charset="0"/>
+              </a:rPr>
+              <a:t> and compute z</a:t>
+            </a:r>
+            <a:r>
+              <a:rPr lang="en-US" baseline="-25000">
+                <a:latin typeface="Times New Roman" panose="02020603050405020304" charset="0"/>
+                <a:cs typeface="Times New Roman" panose="02020603050405020304" charset="0"/>
+              </a:rPr>
+              <a:t>C</a:t>
+            </a:r>
+            <a:r>
+              <a:rPr lang="en-US">
+                <a:latin typeface="Times New Roman" panose="02020603050405020304" charset="0"/>
+                <a:cs typeface="Times New Roman" panose="02020603050405020304" charset="0"/>
+              </a:rPr>
+              <a:t> , z</a:t>
+            </a:r>
+            <a:r>
+              <a:rPr lang="en-US" baseline="-25000">
+                <a:latin typeface="Times New Roman" panose="02020603050405020304" charset="0"/>
+                <a:cs typeface="Times New Roman" panose="02020603050405020304" charset="0"/>
+              </a:rPr>
+              <a:t>C+Q</a:t>
+            </a:r>
+            <a:r>
+              <a:rPr lang="en-US">
+                <a:latin typeface="Times New Roman" panose="02020603050405020304" charset="0"/>
+                <a:cs typeface="Times New Roman" panose="02020603050405020304" charset="0"/>
+              </a:rPr>
+              <a:t> respectively.</a:t>
+            </a:r>
+            <a:endParaRPr lang="en-US">
+              <a:latin typeface="Times New Roman" panose="02020603050405020304" charset="0"/>
+              <a:cs typeface="Times New Roman" panose="02020603050405020304" charset="0"/>
+            </a:endParaRPr>
+          </a:p>
+          <a:p>
+            <a:pPr lvl="0">
+              <a:buFont typeface="Arial" panose="020B0604020202020204" pitchFamily="34" charset="0"/>
+              <a:buChar char="•"/>
+            </a:pPr>
+            <a:r>
+              <a:rPr lang="en-US">
+                <a:latin typeface="Times New Roman" panose="02020603050405020304" charset="0"/>
+                <a:cs typeface="Times New Roman" panose="02020603050405020304" charset="0"/>
+              </a:rPr>
+              <a:t>The VQA and VQA-Caption models are learned on the train split of the VQA dataset using </a:t>
+            </a:r>
+            <a:endParaRPr lang="en-US">
+              <a:latin typeface="Times New Roman" panose="02020603050405020304" charset="0"/>
+              <a:cs typeface="Times New Roman" panose="02020603050405020304" charset="0"/>
+            </a:endParaRPr>
+          </a:p>
+          <a:p>
+            <a:pPr lvl="1">
+              <a:buFont typeface="Arial" panose="020B0604020202020204" pitchFamily="34" charset="0"/>
+              <a:buChar char="•"/>
+            </a:pPr>
+            <a:r>
+              <a:rPr lang="en-US">
+                <a:latin typeface="Times New Roman" panose="02020603050405020304" charset="0"/>
+                <a:cs typeface="Times New Roman" panose="02020603050405020304" charset="0"/>
+              </a:rPr>
+              <a:t>82,783 images, 413,915 captions and 248,349 questions. </a:t>
+            </a:r>
+            <a:endParaRPr lang="en-US">
+              <a:latin typeface="Times New Roman" panose="02020603050405020304" charset="0"/>
+              <a:cs typeface="Times New Roman" panose="02020603050405020304" charset="0"/>
+            </a:endParaRPr>
+          </a:p>
+          <a:p>
+            <a:pPr lvl="0">
+              <a:buFont typeface="Arial" panose="020B0604020202020204" pitchFamily="34" charset="0"/>
+              <a:buChar char="•"/>
+            </a:pPr>
+            <a:r>
+              <a:rPr lang="en-US">
+                <a:latin typeface="Times New Roman" panose="02020603050405020304" charset="0"/>
+                <a:cs typeface="Times New Roman" panose="02020603050405020304" charset="0"/>
+              </a:rPr>
+              <a:t>These models achieve VQA validation set accuracies of </a:t>
+            </a:r>
+            <a:endParaRPr lang="en-US">
+              <a:latin typeface="Times New Roman" panose="02020603050405020304" charset="0"/>
+              <a:cs typeface="Times New Roman" panose="02020603050405020304" charset="0"/>
+            </a:endParaRPr>
+          </a:p>
+          <a:p>
+            <a:pPr lvl="1">
+              <a:buFont typeface="Arial" panose="020B0604020202020204" pitchFamily="34" charset="0"/>
+              <a:buChar char="•"/>
+            </a:pPr>
+            <a:r>
+              <a:rPr lang="en-US">
+                <a:latin typeface="Times New Roman" panose="02020603050405020304" charset="0"/>
+                <a:cs typeface="Times New Roman" panose="02020603050405020304" charset="0"/>
+              </a:rPr>
+              <a:t>54.42% (VQA) and 56.28%(VQA-Caption). </a:t>
+            </a:r>
+            <a:endParaRPr lang="en-US">
+              <a:latin typeface="Times New Roman" panose="02020603050405020304" charset="0"/>
+              <a:cs typeface="Times New Roman" panose="02020603050405020304" charset="0"/>
+            </a:endParaRPr>
+          </a:p>
+          <a:p>
+            <a:pPr lvl="0">
+              <a:buFont typeface="Arial" panose="020B0604020202020204" pitchFamily="34" charset="0"/>
+              <a:buChar char="•"/>
+            </a:pPr>
+            <a:r>
+              <a:rPr lang="en-US">
+                <a:latin typeface="Times New Roman" panose="02020603050405020304" charset="0"/>
+                <a:cs typeface="Times New Roman" panose="02020603050405020304" charset="0"/>
+              </a:rPr>
+              <a:t>Next, they are used as sub-modules in the image caption ranking approach.</a:t>
+            </a:r>
+            <a:endParaRPr lang="en-US">
+              <a:latin typeface="Times New Roman" panose="02020603050405020304" charset="0"/>
+              <a:cs typeface="Times New Roman" panose="02020603050405020304" charset="0"/>
+            </a:endParaRPr>
+          </a:p>
+        </p:txBody>
+      </p:sp>
+    </p:spTree>
+  </p:cSld>
+  <p:clrMapOvr>
+    <a:masterClrMapping/>
+  </p:clrMapOvr>
+</p:sld>
+</file>
+
+<file path=ppt/slides/slide13.xml><?xml version="1.0" encoding="utf-8"?>
+<p:sld xmlns:a="http://schemas.openxmlformats.org/drawingml/2006/main" xmlns:r="http://schemas.openxmlformats.org/officeDocument/2006/relationships" xmlns:p="http://schemas.openxmlformats.org/presentationml/2006/main">
+  <p:cSld>
+    <p:spTree>
+      <p:nvGrpSpPr>
+        <p:cNvPr id="1" name=""/>
+        <p:cNvGrpSpPr/>
+        <p:nvPr/>
+      </p:nvGrpSpPr>
+      <p:grpSpPr/>
+      <p:sp>
+        <p:nvSpPr>
+          <p:cNvPr id="2" name="Title 1"/>
+          <p:cNvSpPr/>
+          <p:nvPr>
+            <p:ph type="title"/>
+          </p:nvPr>
+        </p:nvSpPr>
+        <p:spPr>
+          <a:xfrm>
+            <a:off x="311700" y="1046175"/>
+            <a:ext cx="8520600" cy="831300"/>
+          </a:xfrm>
+        </p:spPr>
+        <p:txBody>
+          <a:bodyPr/>
+          <a:p>
+            <a:r>
+              <a:rPr lang="en-US" sz="3200">
+                <a:latin typeface="Times New Roman" panose="02020603050405020304" charset="0"/>
+                <a:cs typeface="Times New Roman" panose="02020603050405020304" charset="0"/>
+              </a:rPr>
+              <a:t>Approach</a:t>
+            </a:r>
+            <a:endParaRPr lang="en-US" sz="3200">
+              <a:latin typeface="Times New Roman" panose="02020603050405020304" charset="0"/>
+              <a:cs typeface="Times New Roman" panose="02020603050405020304" charset="0"/>
+            </a:endParaRPr>
+          </a:p>
+        </p:txBody>
+      </p:sp>
+      <p:sp>
+        <p:nvSpPr>
+          <p:cNvPr id="3" name="Text Placeholder 2"/>
+          <p:cNvSpPr/>
+          <p:nvPr>
+            <p:ph type="body" idx="1"/>
+          </p:nvPr>
+        </p:nvSpPr>
+        <p:spPr>
+          <a:xfrm>
+            <a:off x="311785" y="2253615"/>
+            <a:ext cx="8520430" cy="1549400"/>
+          </a:xfrm>
+        </p:spPr>
+        <p:txBody>
+          <a:bodyPr/>
+          <a:p>
+            <a:pPr>
+              <a:buFont typeface="Arial" panose="020B0604020202020204" pitchFamily="34" charset="0"/>
+              <a:buChar char="•"/>
+            </a:pPr>
+            <a:r>
+              <a:rPr lang="en-US">
+                <a:latin typeface="Times New Roman" panose="02020603050405020304" charset="0"/>
+                <a:cs typeface="Times New Roman" panose="02020603050405020304" charset="0"/>
+              </a:rPr>
+              <a:t>To leverage knowledge in VQA for image-caption ranking we propose </a:t>
+            </a:r>
+            <a:endParaRPr lang="en-US">
+              <a:latin typeface="Times New Roman" panose="02020603050405020304" charset="0"/>
+              <a:cs typeface="Times New Roman" panose="02020603050405020304" charset="0"/>
+            </a:endParaRPr>
+          </a:p>
+          <a:p>
+            <a:pPr lvl="1">
+              <a:buFont typeface="Arial" panose="020B0604020202020204" pitchFamily="34" charset="0"/>
+              <a:buChar char="•"/>
+            </a:pPr>
+            <a:r>
+              <a:rPr lang="en-US">
+                <a:latin typeface="Times New Roman" panose="02020603050405020304" charset="0"/>
+                <a:cs typeface="Times New Roman" panose="02020603050405020304" charset="0"/>
+              </a:rPr>
+              <a:t>to represent the images and the captions in the VQA space using VQA and VQA-Caption models. </a:t>
+            </a:r>
+            <a:endParaRPr lang="en-US">
+              <a:latin typeface="Times New Roman" panose="02020603050405020304" charset="0"/>
+              <a:cs typeface="Times New Roman" panose="02020603050405020304" charset="0"/>
+            </a:endParaRPr>
+          </a:p>
+          <a:p>
+            <a:pPr lvl="1">
+              <a:buFont typeface="Arial" panose="020B0604020202020204" pitchFamily="34" charset="0"/>
+              <a:buChar char="•"/>
+            </a:pPr>
+            <a:r>
+              <a:rPr lang="en-US">
+                <a:latin typeface="Times New Roman" panose="02020603050405020304" charset="0"/>
+                <a:cs typeface="Times New Roman" panose="02020603050405020304" charset="0"/>
+              </a:rPr>
+              <a:t>This representations is called VQA-grounded representations.</a:t>
+            </a:r>
+            <a:endParaRPr lang="en-US">
+              <a:latin typeface="Times New Roman" panose="02020603050405020304" charset="0"/>
+              <a:cs typeface="Times New Roman" panose="02020603050405020304" charset="0"/>
+            </a:endParaRPr>
+          </a:p>
+        </p:txBody>
+      </p:sp>
+    </p:spTree>
+  </p:cSld>
+  <p:clrMapOvr>
+    <a:masterClrMapping/>
+  </p:clrMapOvr>
+</p:sld>
+</file>
+
+<file path=ppt/slides/slide14.xml><?xml version="1.0" encoding="utf-8"?>
+<p:sld xmlns:a="http://schemas.openxmlformats.org/drawingml/2006/main" xmlns:r="http://schemas.openxmlformats.org/officeDocument/2006/relationships" xmlns:p="http://schemas.openxmlformats.org/presentationml/2006/main">
+  <p:cSld>
+    <p:spTree>
+      <p:nvGrpSpPr>
+        <p:cNvPr id="1" name=""/>
+        <p:cNvGrpSpPr/>
+        <p:nvPr/>
+      </p:nvGrpSpPr>
+      <p:grpSpPr/>
+      <p:sp>
+        <p:nvSpPr>
+          <p:cNvPr id="3" name="Text Placeholder 2"/>
+          <p:cNvSpPr/>
+          <p:nvPr>
+            <p:ph type="body" idx="1"/>
+          </p:nvPr>
+        </p:nvSpPr>
+        <p:spPr>
+          <a:xfrm>
+            <a:off x="311785" y="461645"/>
+            <a:ext cx="8520430" cy="4117340"/>
+          </a:xfrm>
+        </p:spPr>
+        <p:txBody>
+          <a:bodyPr/>
+          <a:p>
+            <a:pPr>
+              <a:buFont typeface="Arial" panose="020B0604020202020204" pitchFamily="34" charset="0"/>
+              <a:buChar char="•"/>
+            </a:pPr>
+            <a:r>
+              <a:rPr lang="en-US">
+                <a:latin typeface="Times New Roman" panose="02020603050405020304" charset="0"/>
+                <a:cs typeface="Times New Roman" panose="02020603050405020304" charset="0"/>
+              </a:rPr>
+              <a:t>Let’s say we have a</a:t>
+            </a:r>
+            <a:endParaRPr lang="en-US">
+              <a:latin typeface="Times New Roman" panose="02020603050405020304" charset="0"/>
+              <a:cs typeface="Times New Roman" panose="02020603050405020304" charset="0"/>
+            </a:endParaRPr>
+          </a:p>
+          <a:p>
+            <a:pPr lvl="1">
+              <a:buFont typeface="Arial" panose="020B0604020202020204" pitchFamily="34" charset="0"/>
+              <a:buChar char="•"/>
+            </a:pPr>
+            <a:r>
+              <a:rPr lang="en-US">
+                <a:latin typeface="Times New Roman" panose="02020603050405020304" charset="0"/>
+                <a:cs typeface="Times New Roman" panose="02020603050405020304" charset="0"/>
+              </a:rPr>
+              <a:t> VQA model PI (A|Q, I), a VQA-Caption model PC (A|Q, C)</a:t>
+            </a:r>
+            <a:endParaRPr lang="en-US">
+              <a:latin typeface="Times New Roman" panose="02020603050405020304" charset="0"/>
+              <a:cs typeface="Times New Roman" panose="02020603050405020304" charset="0"/>
+            </a:endParaRPr>
+          </a:p>
+          <a:p>
+            <a:pPr lvl="1">
+              <a:buFont typeface="Arial" panose="020B0604020202020204" pitchFamily="34" charset="0"/>
+              <a:buChar char="•"/>
+            </a:pPr>
+            <a:r>
+              <a:rPr lang="en-US">
+                <a:latin typeface="Times New Roman" panose="02020603050405020304" charset="0"/>
+                <a:cs typeface="Times New Roman" panose="02020603050405020304" charset="0"/>
+              </a:rPr>
+              <a:t>Set of N questions Qi </a:t>
+            </a:r>
+            <a:endParaRPr lang="en-US">
+              <a:latin typeface="Times New Roman" panose="02020603050405020304" charset="0"/>
+              <a:cs typeface="Times New Roman" panose="02020603050405020304" charset="0"/>
+            </a:endParaRPr>
+          </a:p>
+          <a:p>
+            <a:pPr lvl="1">
+              <a:buFont typeface="Arial" panose="020B0604020202020204" pitchFamily="34" charset="0"/>
+              <a:buChar char="•"/>
+            </a:pPr>
+            <a:r>
+              <a:rPr lang="en-US">
+                <a:latin typeface="Times New Roman" panose="02020603050405020304" charset="0"/>
+                <a:cs typeface="Times New Roman" panose="02020603050405020304" charset="0"/>
+              </a:rPr>
+              <a:t>And their plausible answers (one for each question) Ai, i = 1, 2, ...N. </a:t>
+            </a:r>
+            <a:endParaRPr lang="en-US">
+              <a:latin typeface="Times New Roman" panose="02020603050405020304" charset="0"/>
+              <a:cs typeface="Times New Roman" panose="02020603050405020304" charset="0"/>
+            </a:endParaRPr>
+          </a:p>
+          <a:p>
+            <a:pPr lvl="0">
+              <a:buFont typeface="Arial" panose="020B0604020202020204" pitchFamily="34" charset="0"/>
+              <a:buChar char="•"/>
+            </a:pPr>
+            <a:r>
+              <a:rPr lang="en-US">
+                <a:latin typeface="Times New Roman" panose="02020603050405020304" charset="0"/>
+                <a:cs typeface="Times New Roman" panose="02020603050405020304" charset="0"/>
+              </a:rPr>
+              <a:t>Then given an image I and a caption C, we first extract the N dimensional VQA-grounded activation vectors u</a:t>
+            </a:r>
+            <a:r>
+              <a:rPr lang="en-US" baseline="-25000">
+                <a:latin typeface="Times New Roman" panose="02020603050405020304" charset="0"/>
+                <a:cs typeface="Times New Roman" panose="02020603050405020304" charset="0"/>
+              </a:rPr>
+              <a:t>I</a:t>
+            </a:r>
+            <a:r>
+              <a:rPr lang="en-US">
+                <a:latin typeface="Times New Roman" panose="02020603050405020304" charset="0"/>
+                <a:cs typeface="Times New Roman" panose="02020603050405020304" charset="0"/>
+              </a:rPr>
+              <a:t> for I and u</a:t>
+            </a:r>
+            <a:r>
+              <a:rPr lang="en-US" baseline="-25000">
+                <a:latin typeface="Times New Roman" panose="02020603050405020304" charset="0"/>
+                <a:cs typeface="Times New Roman" panose="02020603050405020304" charset="0"/>
+              </a:rPr>
+              <a:t>C</a:t>
+            </a:r>
+            <a:r>
+              <a:rPr lang="en-US">
+                <a:latin typeface="Times New Roman" panose="02020603050405020304" charset="0"/>
+                <a:cs typeface="Times New Roman" panose="02020603050405020304" charset="0"/>
+              </a:rPr>
+              <a:t> for C </a:t>
+            </a:r>
+            <a:endParaRPr lang="en-US">
+              <a:latin typeface="Times New Roman" panose="02020603050405020304" charset="0"/>
+              <a:cs typeface="Times New Roman" panose="02020603050405020304" charset="0"/>
+            </a:endParaRPr>
+          </a:p>
+          <a:p>
+            <a:pPr lvl="0">
+              <a:buFont typeface="Arial" panose="020B0604020202020204" pitchFamily="34" charset="0"/>
+              <a:buChar char="•"/>
+            </a:pPr>
+            <a:r>
+              <a:rPr lang="en-US">
+                <a:latin typeface="Times New Roman" panose="02020603050405020304" charset="0"/>
+                <a:cs typeface="Times New Roman" panose="02020603050405020304" charset="0"/>
+              </a:rPr>
+              <a:t>Such that each dimension i of u</a:t>
+            </a:r>
+            <a:r>
+              <a:rPr lang="en-US" baseline="-25000">
+                <a:latin typeface="Times New Roman" panose="02020603050405020304" charset="0"/>
+                <a:cs typeface="Times New Roman" panose="02020603050405020304" charset="0"/>
+              </a:rPr>
+              <a:t>I</a:t>
+            </a:r>
+            <a:r>
+              <a:rPr lang="en-US">
+                <a:latin typeface="Times New Roman" panose="02020603050405020304" charset="0"/>
+                <a:cs typeface="Times New Roman" panose="02020603050405020304" charset="0"/>
+              </a:rPr>
+              <a:t> and u</a:t>
+            </a:r>
+            <a:r>
+              <a:rPr lang="en-US" baseline="-25000">
+                <a:latin typeface="Times New Roman" panose="02020603050405020304" charset="0"/>
+                <a:cs typeface="Times New Roman" panose="02020603050405020304" charset="0"/>
+              </a:rPr>
+              <a:t>C</a:t>
+            </a:r>
+            <a:r>
+              <a:rPr lang="en-US">
+                <a:latin typeface="Times New Roman" panose="02020603050405020304" charset="0"/>
+                <a:cs typeface="Times New Roman" panose="02020603050405020304" charset="0"/>
+              </a:rPr>
+              <a:t> is the log probability of the ground truth answer Ai given a question Qi.</a:t>
+            </a:r>
+            <a:endParaRPr lang="en-US">
+              <a:latin typeface="Times New Roman" panose="02020603050405020304" charset="0"/>
+              <a:cs typeface="Times New Roman" panose="02020603050405020304" charset="0"/>
+            </a:endParaRPr>
+          </a:p>
+        </p:txBody>
+      </p:sp>
+      <p:pic>
+        <p:nvPicPr>
+          <p:cNvPr id="4" name="Picture 3"/>
+          <p:cNvPicPr>
+            <a:picLocks noChangeAspect="1"/>
+          </p:cNvPicPr>
+          <p:nvPr/>
+        </p:nvPicPr>
+        <p:blipFill>
+          <a:blip r:embed="rId1"/>
+          <a:stretch>
+            <a:fillRect/>
+          </a:stretch>
+        </p:blipFill>
+        <p:spPr>
+          <a:xfrm>
+            <a:off x="1832610" y="3691890"/>
+            <a:ext cx="5478780" cy="426720"/>
+          </a:xfrm>
+          <a:prstGeom prst="rect">
+            <a:avLst/>
+          </a:prstGeom>
+        </p:spPr>
+      </p:pic>
+    </p:spTree>
+  </p:cSld>
+  <p:clrMapOvr>
+    <a:masterClrMapping/>
+  </p:clrMapOvr>
+</p:sld>
+</file>
+
+<file path=ppt/slides/slide15.xml><?xml version="1.0" encoding="utf-8"?>
+<p:sld xmlns:a="http://schemas.openxmlformats.org/drawingml/2006/main" xmlns:r="http://schemas.openxmlformats.org/officeDocument/2006/relationships" xmlns:p="http://schemas.openxmlformats.org/presentationml/2006/main">
+  <p:cSld>
+    <p:spTree>
+      <p:nvGrpSpPr>
+        <p:cNvPr id="1" name=""/>
+        <p:cNvGrpSpPr/>
+        <p:nvPr/>
+      </p:nvGrpSpPr>
+      <p:grpSpPr/>
+      <p:pic>
+        <p:nvPicPr>
+          <p:cNvPr id="4" name="Picture 3"/>
+          <p:cNvPicPr>
+            <a:picLocks noChangeAspect="1"/>
+          </p:cNvPicPr>
+          <p:nvPr/>
+        </p:nvPicPr>
+        <p:blipFill>
+          <a:blip r:embed="rId1"/>
+          <a:stretch>
+            <a:fillRect/>
+          </a:stretch>
+        </p:blipFill>
+        <p:spPr>
+          <a:xfrm>
+            <a:off x="204470" y="607695"/>
+            <a:ext cx="4695190" cy="3439795"/>
+          </a:xfrm>
+          <a:prstGeom prst="rect">
+            <a:avLst/>
+          </a:prstGeom>
+        </p:spPr>
+      </p:pic>
+      <p:sp>
+        <p:nvSpPr>
+          <p:cNvPr id="5" name="Text Box 4"/>
+          <p:cNvSpPr txBox="1"/>
+          <p:nvPr/>
+        </p:nvSpPr>
+        <p:spPr>
+          <a:xfrm>
+            <a:off x="5140960" y="1186180"/>
+            <a:ext cx="3365500" cy="2553335"/>
+          </a:xfrm>
+          <a:prstGeom prst="rect">
+            <a:avLst/>
+          </a:prstGeom>
+          <a:noFill/>
+        </p:spPr>
+        <p:txBody>
+          <a:bodyPr wrap="square" rtlCol="0">
+            <a:spAutoFit/>
+          </a:bodyPr>
+          <a:p>
+            <a:pPr marL="285750" indent="-285750">
+              <a:buFont typeface="Arial" panose="020B0604020202020204" pitchFamily="34" charset="0"/>
+              <a:buChar char="•"/>
+            </a:pPr>
+            <a:r>
+              <a:rPr lang="en-US" sz="1600">
+                <a:latin typeface="Times New Roman" panose="02020603050405020304" charset="0"/>
+                <a:cs typeface="Times New Roman" panose="02020603050405020304" charset="0"/>
+              </a:rPr>
+              <a:t>For example if the (Qi, Ai) pairs are </a:t>
+            </a:r>
+            <a:endParaRPr lang="en-US" sz="1600">
+              <a:latin typeface="Times New Roman" panose="02020603050405020304" charset="0"/>
+              <a:cs typeface="Times New Roman" panose="02020603050405020304" charset="0"/>
+            </a:endParaRPr>
+          </a:p>
+          <a:p>
+            <a:r>
+              <a:rPr lang="en-US" sz="1000">
+                <a:latin typeface="Times New Roman" panose="02020603050405020304" charset="0"/>
+                <a:cs typeface="Times New Roman" panose="02020603050405020304" charset="0"/>
+              </a:rPr>
+              <a:t>  (Q1: What is the person riding?,</a:t>
+            </a:r>
+            <a:r>
+              <a:rPr lang="en-US" sz="1600">
+                <a:latin typeface="Times New Roman" panose="02020603050405020304" charset="0"/>
+                <a:cs typeface="Times New Roman" panose="02020603050405020304" charset="0"/>
+              </a:rPr>
+              <a:t> </a:t>
+            </a:r>
+            <a:r>
+              <a:rPr lang="en-US" sz="1000">
+                <a:latin typeface="Times New Roman" panose="02020603050405020304" charset="0"/>
+                <a:cs typeface="Times New Roman" panose="02020603050405020304" charset="0"/>
+              </a:rPr>
+              <a:t>A1:Motorcycle)</a:t>
+            </a:r>
+            <a:endParaRPr lang="en-US" sz="1600">
+              <a:latin typeface="Times New Roman" panose="02020603050405020304" charset="0"/>
+              <a:cs typeface="Times New Roman" panose="02020603050405020304" charset="0"/>
+            </a:endParaRPr>
+          </a:p>
+          <a:p>
+            <a:r>
+              <a:rPr lang="en-US" sz="1600">
+                <a:latin typeface="Times New Roman" panose="02020603050405020304" charset="0"/>
+                <a:cs typeface="Times New Roman" panose="02020603050405020304" charset="0"/>
+              </a:rPr>
+              <a:t> </a:t>
+            </a:r>
+            <a:r>
+              <a:rPr lang="en-US" sz="1000">
+                <a:latin typeface="Times New Roman" panose="02020603050405020304" charset="0"/>
+                <a:cs typeface="Times New Roman" panose="02020603050405020304" charset="0"/>
+              </a:rPr>
+              <a:t>(Q2: What is the man wearing on his head?, A2: Helmet),</a:t>
+            </a:r>
+            <a:endParaRPr lang="en-US" sz="1600">
+              <a:latin typeface="Times New Roman" panose="02020603050405020304" charset="0"/>
+              <a:cs typeface="Times New Roman" panose="02020603050405020304" charset="0"/>
+            </a:endParaRPr>
+          </a:p>
+          <a:p>
+            <a:pPr marL="285750" indent="-285750">
+              <a:buFont typeface="Arial" panose="020B0604020202020204" pitchFamily="34" charset="0"/>
+              <a:buChar char="•"/>
+            </a:pPr>
+            <a:r>
+              <a:rPr lang="en-US" sz="1600">
+                <a:latin typeface="Times New Roman" panose="02020603050405020304" charset="0"/>
+                <a:cs typeface="Times New Roman" panose="02020603050405020304" charset="0"/>
+              </a:rPr>
+              <a:t> u(1)I and u(1)C verify if the person in image I and caption C respectively is riding a motorcycle. </a:t>
+            </a:r>
+            <a:endParaRPr lang="en-US" sz="1600">
+              <a:latin typeface="Times New Roman" panose="02020603050405020304" charset="0"/>
+              <a:cs typeface="Times New Roman" panose="02020603050405020304" charset="0"/>
+            </a:endParaRPr>
+          </a:p>
+          <a:p>
+            <a:pPr marL="285750" indent="-285750">
+              <a:buFont typeface="Arial" panose="020B0604020202020204" pitchFamily="34" charset="0"/>
+              <a:buChar char="•"/>
+            </a:pPr>
+            <a:r>
+              <a:rPr lang="en-US" sz="1600">
+                <a:latin typeface="Times New Roman" panose="02020603050405020304" charset="0"/>
+                <a:cs typeface="Times New Roman" panose="02020603050405020304" charset="0"/>
+              </a:rPr>
+              <a:t>At the same time u(2)I and u(2)C</a:t>
+            </a:r>
+            <a:endParaRPr lang="en-US" sz="1600">
+              <a:latin typeface="Times New Roman" panose="02020603050405020304" charset="0"/>
+              <a:cs typeface="Times New Roman" panose="02020603050405020304" charset="0"/>
+            </a:endParaRPr>
+          </a:p>
+          <a:p>
+            <a:r>
+              <a:rPr lang="en-US" sz="1600">
+                <a:latin typeface="Times New Roman" panose="02020603050405020304" charset="0"/>
+                <a:cs typeface="Times New Roman" panose="02020603050405020304" charset="0"/>
+              </a:rPr>
+              <a:t>verify whether the man in I and C</a:t>
+            </a:r>
+            <a:endParaRPr lang="en-US" sz="1600">
+              <a:latin typeface="Times New Roman" panose="02020603050405020304" charset="0"/>
+              <a:cs typeface="Times New Roman" panose="02020603050405020304" charset="0"/>
+            </a:endParaRPr>
+          </a:p>
+          <a:p>
+            <a:r>
+              <a:rPr lang="en-US" sz="1600">
+                <a:latin typeface="Times New Roman" panose="02020603050405020304" charset="0"/>
+                <a:cs typeface="Times New Roman" panose="02020603050405020304" charset="0"/>
+              </a:rPr>
+              <a:t>is wearing a helmet.</a:t>
+            </a:r>
+            <a:endParaRPr lang="en-US" sz="1600">
+              <a:latin typeface="Times New Roman" panose="02020603050405020304" charset="0"/>
+              <a:cs typeface="Times New Roman" panose="02020603050405020304" charset="0"/>
+            </a:endParaRPr>
+          </a:p>
+        </p:txBody>
+      </p:sp>
+    </p:spTree>
+  </p:cSld>
+  <p:clrMapOvr>
+    <a:masterClrMapping/>
+  </p:clrMapOvr>
+</p:sld>
+</file>
+
+<file path=ppt/slides/slide16.xml><?xml version="1.0" encoding="utf-8"?>
+<p:sld xmlns:a="http://schemas.openxmlformats.org/drawingml/2006/main" xmlns:r="http://schemas.openxmlformats.org/officeDocument/2006/relationships" xmlns:p="http://schemas.openxmlformats.org/presentationml/2006/main">
+  <p:cSld>
+    <p:spTree>
+      <p:nvGrpSpPr>
+        <p:cNvPr id="1" name=""/>
+        <p:cNvGrpSpPr/>
+        <p:nvPr/>
+      </p:nvGrpSpPr>
+      <p:grpSpPr/>
+      <p:pic>
+        <p:nvPicPr>
+          <p:cNvPr id="4" name="Picture 3"/>
+          <p:cNvPicPr>
+            <a:picLocks noChangeAspect="1"/>
+          </p:cNvPicPr>
+          <p:nvPr/>
+        </p:nvPicPr>
+        <p:blipFill>
+          <a:blip r:embed="rId1"/>
+          <a:stretch>
+            <a:fillRect/>
+          </a:stretch>
+        </p:blipFill>
+        <p:spPr>
+          <a:xfrm>
+            <a:off x="1120140" y="1310640"/>
+            <a:ext cx="6903720" cy="2522220"/>
+          </a:xfrm>
+          <a:prstGeom prst="rect">
+            <a:avLst/>
+          </a:prstGeom>
+        </p:spPr>
+      </p:pic>
+      <p:sp>
+        <p:nvSpPr>
+          <p:cNvPr id="5" name="Text Box 4"/>
+          <p:cNvSpPr txBox="1"/>
+          <p:nvPr/>
+        </p:nvSpPr>
+        <p:spPr>
+          <a:xfrm>
+            <a:off x="1120140" y="4226560"/>
+            <a:ext cx="2415540" cy="275590"/>
+          </a:xfrm>
+          <a:prstGeom prst="rect">
+            <a:avLst/>
+          </a:prstGeom>
+          <a:noFill/>
+        </p:spPr>
+        <p:txBody>
+          <a:bodyPr wrap="none" rtlCol="0">
+            <a:spAutoFit/>
+          </a:bodyPr>
+          <a:p>
+            <a:pPr algn="l"/>
+            <a:r>
+              <a:rPr lang="en-US" sz="1200">
+                <a:solidFill>
+                  <a:srgbClr val="00B0F0"/>
+                </a:solidFill>
+                <a:latin typeface="Times New Roman" panose="02020603050405020304" charset="0"/>
+                <a:cs typeface="Times New Roman" panose="02020603050405020304" charset="0"/>
+              </a:rPr>
+              <a:t>https://arxiv.org/pdf/1605.01379.pdf</a:t>
+            </a:r>
+            <a:endParaRPr lang="en-US" sz="1200">
+              <a:solidFill>
+                <a:srgbClr val="00B0F0"/>
+              </a:solidFill>
+              <a:latin typeface="Times New Roman" panose="02020603050405020304" charset="0"/>
+              <a:cs typeface="Times New Roman" panose="02020603050405020304" charset="0"/>
+            </a:endParaRPr>
+          </a:p>
+        </p:txBody>
+      </p:sp>
+    </p:spTree>
+  </p:cSld>
+  <p:clrMapOvr>
+    <a:masterClrMapping/>
+  </p:clrMapOvr>
+</p:sld>
+</file>
+
+<file path=ppt/slides/slide2.xml><?xml version="1.0" encoding="utf-8"?>
 <p:sld xmlns:a="http://schemas.openxmlformats.org/drawingml/2006/main" xmlns:r="http://schemas.openxmlformats.org/officeDocument/2006/relationships" xmlns:p="http://schemas.openxmlformats.org/presentationml/2006/main">
   <p:cSld>
     <p:spTree>
@@ -7265,32 +8187,29 @@
           <a:bodyPr/>
           <a:lstStyle/>
           <a:p>
-            <a:r>
-              <a:rPr lang="en-US" b="1" dirty="0" smtClean="0"/>
-              <a:t/>
-            </a:r>
             <a:br>
-              <a:rPr lang="en-US" b="1" dirty="0" smtClean="0"/>
+              <a:rPr lang="en-US" b="1" dirty="0" smtClean="0">
+                <a:latin typeface="Times New Roman" panose="02020603050405020304" charset="0"/>
+                <a:cs typeface="Times New Roman" panose="02020603050405020304" charset="0"/>
+              </a:rPr>
             </a:br>
-            <a:r>
-              <a:rPr lang="en-US" b="1" dirty="0" smtClean="0"/>
-              <a:t/>
-            </a:r>
             <a:br>
-              <a:rPr lang="en-US" b="1" dirty="0" smtClean="0"/>
+              <a:rPr lang="en-US" b="1" dirty="0" smtClean="0">
+                <a:latin typeface="Times New Roman" panose="02020603050405020304" charset="0"/>
+                <a:cs typeface="Times New Roman" panose="02020603050405020304" charset="0"/>
+              </a:rPr>
             </a:br>
             <a:r>
-              <a:rPr lang="en-US" b="1" dirty="0" smtClean="0"/>
-              <a:t/>
-            </a:r>
-            <a:br>
-              <a:rPr lang="en-US" b="1" dirty="0" smtClean="0"/>
-            </a:br>
-            <a:r>
-              <a:rPr lang="en-US" sz="1800" b="1" dirty="0" smtClean="0"/>
+              <a:rPr lang="en-US" sz="1800" b="1" dirty="0" smtClean="0">
+                <a:latin typeface="Times New Roman" panose="02020603050405020304" charset="0"/>
+                <a:cs typeface="Times New Roman" panose="02020603050405020304" charset="0"/>
+              </a:rPr>
               <a:t>From Recognition to Cognition: Visual Commonsense Reasoning   </a:t>
             </a:r>
-            <a:endParaRPr lang="en-US" sz="1800" b="1" dirty="0"/>
+            <a:endParaRPr lang="en-US" sz="1800" b="1" dirty="0">
+              <a:latin typeface="Times New Roman" panose="02020603050405020304" charset="0"/>
+              <a:cs typeface="Times New Roman" panose="02020603050405020304" charset="0"/>
+            </a:endParaRPr>
           </a:p>
         </p:txBody>
       </p:sp>
@@ -7327,7 +8246,7 @@
           <p:nvPr/>
         </p:nvPicPr>
         <p:blipFill>
-          <a:blip r:embed="rId2"/>
+          <a:blip r:embed="rId1"/>
           <a:srcRect l="1379" t="23282" r="1724" b="34807"/>
           <a:stretch>
             <a:fillRect/>
@@ -7335,7 +8254,7 @@
         </p:blipFill>
         <p:spPr>
           <a:xfrm>
-            <a:off x="0" y="1298776"/>
+            <a:off x="0" y="1508983"/>
             <a:ext cx="9144000" cy="2154621"/>
           </a:xfrm>
           <a:prstGeom prst="rect">
@@ -7367,7 +8286,7 @@
           <a:p>
             <a:r>
               <a:rPr lang="en-IN" dirty="0" smtClean="0">
-                <a:hlinkClick r:id="rId3"/>
+                <a:hlinkClick r:id="rId2"/>
               </a:rPr>
               <a:t>https://arxiv.org/pdf/1811.10830.pdf</a:t>
             </a:r>
@@ -7383,8 +8302,8 @@
         </p:nvSpPr>
         <p:spPr>
           <a:xfrm>
-            <a:off x="261256" y="3718409"/>
-            <a:ext cx="3599062" cy="307777"/>
+            <a:off x="261257" y="1153885"/>
+            <a:ext cx="3204845" cy="306705"/>
           </a:xfrm>
           <a:prstGeom prst="rect">
             <a:avLst/>
@@ -7398,10 +8317,16 @@
           <a:lstStyle/>
           <a:p>
             <a:r>
-              <a:rPr lang="en-US" dirty="0" smtClean="0"/>
+              <a:rPr lang="en-US" dirty="0" smtClean="0">
+                <a:latin typeface="Times New Roman" panose="02020603050405020304" charset="0"/>
+                <a:cs typeface="Times New Roman" panose="02020603050405020304" charset="0"/>
+              </a:rPr>
               <a:t>Dataset : Visual Commonsense Reasoning</a:t>
             </a:r>
-            <a:endParaRPr lang="en-IN" dirty="0"/>
+            <a:endParaRPr lang="en-IN" dirty="0">
+              <a:latin typeface="Times New Roman" panose="02020603050405020304" charset="0"/>
+              <a:cs typeface="Times New Roman" panose="02020603050405020304" charset="0"/>
+            </a:endParaRPr>
           </a:p>
         </p:txBody>
       </p:sp>
@@ -7413,7 +8338,7 @@
         </p:nvSpPr>
         <p:spPr>
           <a:xfrm>
-            <a:off x="263134" y="4040477"/>
+            <a:off x="315686" y="3788229"/>
             <a:ext cx="6894836" cy="954107"/>
           </a:xfrm>
           <a:prstGeom prst="rect">
@@ -7428,56 +8353,55 @@
           <a:lstStyle/>
           <a:p>
             <a:pPr>
-              <a:buFont typeface="Arial" pitchFamily="34" charset="0"/>
+              <a:buFont typeface="Arial" panose="020B0604020202020204" pitchFamily="34" charset="0"/>
               <a:buChar char="•"/>
             </a:pPr>
             <a:r>
               <a:rPr lang="en-US" dirty="0" smtClean="0"/>
               <a:t> Collected from Large Scale Movie Description Challenge and YouTube movie clips </a:t>
             </a:r>
+            <a:endParaRPr lang="en-US" dirty="0" smtClean="0"/>
           </a:p>
           <a:p>
             <a:pPr>
-              <a:buFont typeface="Arial" pitchFamily="34" charset="0"/>
+              <a:buFont typeface="Arial" panose="020B0604020202020204" pitchFamily="34" charset="0"/>
               <a:buChar char="•"/>
             </a:pPr>
             <a:r>
               <a:rPr lang="en-US" dirty="0" smtClean="0"/>
-              <a:t>List of </a:t>
-            </a:r>
-            <a:r>
-              <a:rPr lang="en-US" dirty="0" smtClean="0"/>
-              <a:t>objects (For </a:t>
-            </a:r>
-            <a:r>
-              <a:rPr lang="en-US" dirty="0" smtClean="0"/>
-              <a:t>object detection-</a:t>
-            </a:r>
-            <a:r>
-              <a:rPr lang="en-US" dirty="0" smtClean="0"/>
-              <a:t>Mask RCNN)</a:t>
+              <a:t>List of objects</a:t>
             </a:r>
             <a:endParaRPr lang="en-US" dirty="0" smtClean="0"/>
           </a:p>
           <a:p>
             <a:pPr>
-              <a:buFont typeface="Arial" pitchFamily="34" charset="0"/>
+              <a:buFont typeface="Arial" panose="020B0604020202020204" pitchFamily="34" charset="0"/>
               <a:buChar char="•"/>
             </a:pPr>
             <a:r>
               <a:rPr lang="en-US" dirty="0" smtClean="0"/>
-              <a:t> A query </a:t>
-            </a:r>
+              <a:t> </a:t>
+            </a:r>
+            <a:r>
+              <a:rPr lang="en-US" dirty="0" smtClean="0"/>
+              <a:t>A query </a:t>
+            </a:r>
+            <a:endParaRPr lang="en-US" dirty="0" smtClean="0"/>
           </a:p>
           <a:p>
             <a:pPr>
-              <a:buFont typeface="Arial" pitchFamily="34" charset="0"/>
+              <a:buFont typeface="Arial" panose="020B0604020202020204" pitchFamily="34" charset="0"/>
               <a:buChar char="•"/>
             </a:pPr>
             <a:r>
               <a:rPr lang="en-US" dirty="0" smtClean="0"/>
-              <a:t> A set of N responses</a:t>
-            </a:r>
+              <a:t> </a:t>
+            </a:r>
+            <a:r>
+              <a:rPr lang="en-US" dirty="0" smtClean="0"/>
+              <a:t>A set of N responses</a:t>
+            </a:r>
+            <a:endParaRPr lang="en-US" dirty="0" smtClean="0"/>
           </a:p>
         </p:txBody>
       </p:sp>
@@ -7489,7 +8413,7 @@
 </p:sld>
 </file>
 
-<file path=ppt/slides/slide5.xml><?xml version="1.0" encoding="utf-8"?>
+<file path=ppt/slides/slide3.xml><?xml version="1.0" encoding="utf-8"?>
 <p:sld xmlns:a="http://schemas.openxmlformats.org/drawingml/2006/main" xmlns:r="http://schemas.openxmlformats.org/officeDocument/2006/relationships" xmlns:p="http://schemas.openxmlformats.org/presentationml/2006/main">
   <p:cSld>
     <p:spTree>
@@ -7515,7 +8439,7 @@
           <p:nvPr/>
         </p:nvPicPr>
         <p:blipFill>
-          <a:blip r:embed="rId2"/>
+          <a:blip r:embed="rId1"/>
           <a:srcRect l="49310" t="31254" r="10920" b="33990"/>
           <a:stretch>
             <a:fillRect/>
@@ -7540,7 +8464,7 @@
         <p:spPr>
           <a:xfrm>
             <a:off x="178677" y="0"/>
-            <a:ext cx="2044149" cy="307777"/>
+            <a:ext cx="1901190" cy="306705"/>
           </a:xfrm>
           <a:prstGeom prst="rect">
             <a:avLst/>
@@ -7554,10 +8478,16 @@
           <a:lstStyle/>
           <a:p>
             <a:r>
-              <a:rPr lang="en-US" b="1" dirty="0" smtClean="0"/>
+              <a:rPr lang="en-US" b="1" dirty="0" smtClean="0">
+                <a:latin typeface="Times New Roman" panose="02020603050405020304" charset="0"/>
+                <a:cs typeface="Times New Roman" panose="02020603050405020304" charset="0"/>
+              </a:rPr>
               <a:t>Adversarial Matching </a:t>
             </a:r>
-            <a:endParaRPr lang="en-IN" b="1" dirty="0"/>
+            <a:endParaRPr lang="en-IN" b="1" dirty="0">
+              <a:latin typeface="Times New Roman" panose="02020603050405020304" charset="0"/>
+              <a:cs typeface="Times New Roman" panose="02020603050405020304" charset="0"/>
+            </a:endParaRPr>
           </a:p>
         </p:txBody>
       </p:sp>
@@ -7570,7 +8500,7 @@
           <p:nvPr/>
         </p:nvPicPr>
         <p:blipFill>
-          <a:blip r:embed="rId3"/>
+          <a:blip r:embed="rId2"/>
           <a:srcRect l="7241" t="35753" r="5977" b="29492"/>
           <a:stretch>
             <a:fillRect/>
@@ -7595,7 +8525,7 @@
         <p:spPr>
           <a:xfrm>
             <a:off x="178675" y="2711669"/>
-            <a:ext cx="2884123" cy="307777"/>
+            <a:ext cx="2607945" cy="306705"/>
           </a:xfrm>
           <a:prstGeom prst="rect">
             <a:avLst/>
@@ -7609,10 +8539,16 @@
           <a:lstStyle/>
           <a:p>
             <a:r>
-              <a:rPr lang="en-US" b="1" dirty="0" smtClean="0"/>
+              <a:rPr lang="en-US" b="1" dirty="0" smtClean="0">
+                <a:latin typeface="Times New Roman" panose="02020603050405020304" charset="0"/>
+                <a:cs typeface="Times New Roman" panose="02020603050405020304" charset="0"/>
+              </a:rPr>
               <a:t>Recognition to Cognition Model</a:t>
             </a:r>
-            <a:endParaRPr lang="en-IN" b="1" dirty="0"/>
+            <a:endParaRPr lang="en-IN" b="1" dirty="0">
+              <a:latin typeface="Times New Roman" panose="02020603050405020304" charset="0"/>
+              <a:cs typeface="Times New Roman" panose="02020603050405020304" charset="0"/>
+            </a:endParaRPr>
           </a:p>
         </p:txBody>
       </p:sp>
@@ -7625,7 +8561,7 @@
         <p:spPr>
           <a:xfrm>
             <a:off x="4321629" y="515007"/>
-            <a:ext cx="4822371" cy="2031325"/>
+            <a:ext cx="4822371" cy="2030095"/>
           </a:xfrm>
           <a:prstGeom prst="rect">
             <a:avLst/>
@@ -7639,75 +8575,116 @@
           <a:lstStyle/>
           <a:p>
             <a:pPr>
-              <a:buFont typeface="Arial" pitchFamily="34" charset="0"/>
+              <a:buFont typeface="Arial" panose="020B0604020202020204" pitchFamily="34" charset="0"/>
               <a:buChar char="•"/>
             </a:pPr>
             <a:r>
-              <a:rPr lang="en-US" dirty="0" smtClean="0"/>
+              <a:rPr lang="en-US" dirty="0" smtClean="0">
+                <a:latin typeface="Times New Roman" panose="02020603050405020304" charset="0"/>
+                <a:cs typeface="Times New Roman" panose="02020603050405020304" charset="0"/>
+              </a:rPr>
               <a:t> For Question Answering Q -&gt; A</a:t>
             </a:r>
+            <a:endParaRPr lang="en-US" dirty="0" smtClean="0">
+              <a:latin typeface="Times New Roman" panose="02020603050405020304" charset="0"/>
+              <a:cs typeface="Times New Roman" panose="02020603050405020304" charset="0"/>
+            </a:endParaRPr>
           </a:p>
           <a:p>
             <a:pPr>
-              <a:buFont typeface="Arial" pitchFamily="34" charset="0"/>
+              <a:buFont typeface="Arial" panose="020B0604020202020204" pitchFamily="34" charset="0"/>
               <a:buChar char="•"/>
             </a:pPr>
             <a:r>
-              <a:rPr lang="en-US" dirty="0" smtClean="0"/>
+              <a:rPr lang="en-US" dirty="0" smtClean="0">
+                <a:latin typeface="Times New Roman" panose="02020603050405020304" charset="0"/>
+                <a:cs typeface="Times New Roman" panose="02020603050405020304" charset="0"/>
+              </a:rPr>
               <a:t> Language generation dataset to Multiple Choice Test</a:t>
             </a:r>
+            <a:endParaRPr lang="en-US" dirty="0" smtClean="0">
+              <a:latin typeface="Times New Roman" panose="02020603050405020304" charset="0"/>
+              <a:cs typeface="Times New Roman" panose="02020603050405020304" charset="0"/>
+            </a:endParaRPr>
           </a:p>
           <a:p>
             <a:pPr>
-              <a:buFont typeface="Arial" pitchFamily="34" charset="0"/>
+              <a:buFont typeface="Arial" panose="020B0604020202020204" pitchFamily="34" charset="0"/>
               <a:buChar char="•"/>
             </a:pPr>
             <a:r>
-              <a:rPr lang="en-US" dirty="0" smtClean="0"/>
+              <a:rPr lang="en-US" dirty="0" smtClean="0">
+                <a:latin typeface="Times New Roman" panose="02020603050405020304" charset="0"/>
+                <a:cs typeface="Times New Roman" panose="02020603050405020304" charset="0"/>
+              </a:rPr>
               <a:t> Two subtasks:</a:t>
             </a:r>
-          </a:p>
-          <a:p>
-            <a:r>
-              <a:rPr lang="en-US" dirty="0" smtClean="0"/>
-              <a:t>            - Answer is as relevant as </a:t>
-            </a:r>
-            <a:r>
-              <a:rPr lang="en-US" dirty="0" smtClean="0"/>
-              <a:t>possible(BERT)</a:t>
-            </a:r>
-            <a:endParaRPr lang="en-US" dirty="0" smtClean="0"/>
-          </a:p>
-          <a:p>
-            <a:r>
-              <a:rPr lang="en-US" dirty="0" smtClean="0"/>
-              <a:t>            - Dissimilarity between other answers are from the correct </a:t>
-            </a:r>
-            <a:r>
-              <a:rPr lang="en-US" dirty="0" smtClean="0"/>
-              <a:t>answer(ESIM+ELMO)</a:t>
-            </a:r>
-            <a:endParaRPr lang="en-US" dirty="0" smtClean="0"/>
+            <a:endParaRPr lang="en-US" dirty="0" smtClean="0">
+              <a:latin typeface="Times New Roman" panose="02020603050405020304" charset="0"/>
+              <a:cs typeface="Times New Roman" panose="02020603050405020304" charset="0"/>
+            </a:endParaRPr>
+          </a:p>
+          <a:p>
+            <a:r>
+              <a:rPr lang="en-US" dirty="0" smtClean="0">
+                <a:latin typeface="Times New Roman" panose="02020603050405020304" charset="0"/>
+                <a:cs typeface="Times New Roman" panose="02020603050405020304" charset="0"/>
+              </a:rPr>
+              <a:t>            - Answer is as relevant as possible</a:t>
+            </a:r>
+            <a:endParaRPr lang="en-US" dirty="0" smtClean="0">
+              <a:latin typeface="Times New Roman" panose="02020603050405020304" charset="0"/>
+              <a:cs typeface="Times New Roman" panose="02020603050405020304" charset="0"/>
+            </a:endParaRPr>
+          </a:p>
+          <a:p>
+            <a:r>
+              <a:rPr lang="en-US" dirty="0" smtClean="0">
+                <a:latin typeface="Times New Roman" panose="02020603050405020304" charset="0"/>
+                <a:cs typeface="Times New Roman" panose="02020603050405020304" charset="0"/>
+              </a:rPr>
+              <a:t>            - Dissimilarity between other answers are from the correct answer</a:t>
+            </a:r>
+            <a:endParaRPr lang="en-US" dirty="0" smtClean="0">
+              <a:latin typeface="Times New Roman" panose="02020603050405020304" charset="0"/>
+              <a:cs typeface="Times New Roman" panose="02020603050405020304" charset="0"/>
+            </a:endParaRPr>
           </a:p>
           <a:p>
             <a:pPr>
-              <a:buFont typeface="Arial" pitchFamily="34" charset="0"/>
+              <a:buFont typeface="Arial" panose="020B0604020202020204" pitchFamily="34" charset="0"/>
               <a:buChar char="•"/>
             </a:pPr>
             <a:r>
-              <a:rPr lang="en-US" dirty="0" smtClean="0"/>
+              <a:rPr lang="en-US" dirty="0" smtClean="0">
+                <a:latin typeface="Times New Roman" panose="02020603050405020304" charset="0"/>
+                <a:cs typeface="Times New Roman" panose="02020603050405020304" charset="0"/>
+              </a:rPr>
               <a:t> Maximum weight bipartite matching</a:t>
             </a:r>
-          </a:p>
-          <a:p>
-            <a:endParaRPr lang="en-US" dirty="0" smtClean="0"/>
-          </a:p>
-          <a:p>
-            <a:r>
-              <a:rPr lang="en-US" dirty="0" smtClean="0"/>
+            <a:endParaRPr lang="en-US" dirty="0" smtClean="0">
+              <a:latin typeface="Times New Roman" panose="02020603050405020304" charset="0"/>
+              <a:cs typeface="Times New Roman" panose="02020603050405020304" charset="0"/>
+            </a:endParaRPr>
+          </a:p>
+          <a:p>
+            <a:endParaRPr lang="en-US" dirty="0" smtClean="0">
+              <a:latin typeface="Times New Roman" panose="02020603050405020304" charset="0"/>
+              <a:cs typeface="Times New Roman" panose="02020603050405020304" charset="0"/>
+            </a:endParaRPr>
+          </a:p>
+          <a:p>
+            <a:r>
+              <a:rPr lang="en-US" dirty="0" smtClean="0">
+                <a:latin typeface="Times New Roman" panose="02020603050405020304" charset="0"/>
+                <a:cs typeface="Times New Roman" panose="02020603050405020304" charset="0"/>
+              </a:rPr>
               <a:t>       </a:t>
             </a:r>
-            <a:endParaRPr lang="en-IN" dirty="0"/>
+            <a:endParaRPr lang="en-IN" dirty="0">
+              <a:latin typeface="Times New Roman" panose="02020603050405020304" charset="0"/>
+              <a:cs typeface="Times New Roman" panose="02020603050405020304" charset="0"/>
+            </a:endParaRPr>
           </a:p>
         </p:txBody>
       </p:sp>
@@ -7720,7 +8697,7 @@
         <p:spPr>
           <a:xfrm>
             <a:off x="7293429" y="3450771"/>
-            <a:ext cx="1719942" cy="1169551"/>
+            <a:ext cx="1719942" cy="953135"/>
           </a:xfrm>
           <a:prstGeom prst="rect">
             <a:avLst/>
@@ -7734,58 +8711,331 @@
           <a:lstStyle/>
           <a:p>
             <a:pPr>
-              <a:buFont typeface="Arial" pitchFamily="34" charset="0"/>
+              <a:buFont typeface="Arial" panose="020B0604020202020204" pitchFamily="34" charset="0"/>
               <a:buChar char="•"/>
             </a:pPr>
             <a:r>
-              <a:rPr lang="en-US" dirty="0" smtClean="0"/>
+              <a:rPr lang="en-US" dirty="0" smtClean="0">
+                <a:latin typeface="Times New Roman" panose="02020603050405020304" charset="0"/>
+                <a:cs typeface="Times New Roman" panose="02020603050405020304" charset="0"/>
+              </a:rPr>
               <a:t> QA -&gt; R </a:t>
             </a:r>
+            <a:endParaRPr lang="en-US" dirty="0" smtClean="0">
+              <a:latin typeface="Times New Roman" panose="02020603050405020304" charset="0"/>
+              <a:cs typeface="Times New Roman" panose="02020603050405020304" charset="0"/>
+            </a:endParaRPr>
           </a:p>
           <a:p>
             <a:pPr>
-              <a:buFont typeface="Arial" pitchFamily="34" charset="0"/>
+              <a:buFont typeface="Arial" panose="020B0604020202020204" pitchFamily="34" charset="0"/>
               <a:buChar char="•"/>
             </a:pPr>
             <a:r>
-              <a:rPr lang="en-US" dirty="0" smtClean="0"/>
+              <a:rPr lang="en-US" dirty="0" smtClean="0">
+                <a:latin typeface="Times New Roman" panose="02020603050405020304" charset="0"/>
+                <a:cs typeface="Times New Roman" panose="02020603050405020304" charset="0"/>
+              </a:rPr>
               <a:t> Grounding</a:t>
             </a:r>
+            <a:endParaRPr lang="en-US" dirty="0" smtClean="0">
+              <a:latin typeface="Times New Roman" panose="02020603050405020304" charset="0"/>
+              <a:cs typeface="Times New Roman" panose="02020603050405020304" charset="0"/>
+            </a:endParaRPr>
           </a:p>
           <a:p>
             <a:pPr>
-              <a:buFont typeface="Arial" pitchFamily="34" charset="0"/>
+              <a:buFont typeface="Arial" panose="020B0604020202020204" pitchFamily="34" charset="0"/>
               <a:buChar char="•"/>
             </a:pPr>
             <a:r>
-              <a:rPr lang="en-US" dirty="0" smtClean="0"/>
-              <a:t> </a:t>
-            </a:r>
-            <a:r>
-              <a:rPr lang="en-US" dirty="0" smtClean="0"/>
-              <a:t>Contextualization</a:t>
-            </a:r>
-          </a:p>
-          <a:p>
-            <a:r>
-              <a:rPr lang="en-US" dirty="0" smtClean="0"/>
-              <a:t>(Attention Model)</a:t>
-            </a:r>
-            <a:endParaRPr lang="en-US" dirty="0" smtClean="0"/>
+              <a:rPr lang="en-US" dirty="0" smtClean="0">
+                <a:latin typeface="Times New Roman" panose="02020603050405020304" charset="0"/>
+                <a:cs typeface="Times New Roman" panose="02020603050405020304" charset="0"/>
+              </a:rPr>
+              <a:t> Contextualization</a:t>
+            </a:r>
+            <a:endParaRPr lang="en-US" dirty="0" smtClean="0">
+              <a:latin typeface="Times New Roman" panose="02020603050405020304" charset="0"/>
+              <a:cs typeface="Times New Roman" panose="02020603050405020304" charset="0"/>
+            </a:endParaRPr>
           </a:p>
           <a:p>
             <a:pPr>
-              <a:buFont typeface="Arial" pitchFamily="34" charset="0"/>
+              <a:buFont typeface="Arial" panose="020B0604020202020204" pitchFamily="34" charset="0"/>
               <a:buChar char="•"/>
             </a:pPr>
             <a:r>
-              <a:rPr lang="en-US" dirty="0" smtClean="0"/>
+              <a:rPr lang="en-US" dirty="0" smtClean="0">
+                <a:latin typeface="Times New Roman" panose="02020603050405020304" charset="0"/>
+                <a:cs typeface="Times New Roman" panose="02020603050405020304" charset="0"/>
+              </a:rPr>
               <a:t> Reasoning</a:t>
             </a:r>
-            <a:endParaRPr lang="en-IN" dirty="0"/>
+            <a:endParaRPr lang="en-IN" dirty="0">
+              <a:latin typeface="Times New Roman" panose="02020603050405020304" charset="0"/>
+              <a:cs typeface="Times New Roman" panose="02020603050405020304" charset="0"/>
+            </a:endParaRPr>
           </a:p>
         </p:txBody>
       </p:sp>
+    </p:spTree>
+  </p:cSld>
+  <p:clrMapOvr>
+    <a:masterClrMapping/>
+  </p:clrMapOvr>
+</p:sld>
+</file>
+
+<file path=ppt/slides/slide4.xml><?xml version="1.0" encoding="utf-8"?>
+<p:sld xmlns:a="http://schemas.openxmlformats.org/drawingml/2006/main" xmlns:r="http://schemas.openxmlformats.org/officeDocument/2006/relationships" xmlns:p="http://schemas.openxmlformats.org/presentationml/2006/main">
+  <p:cSld>
+    <p:spTree>
+      <p:nvGrpSpPr>
+        <p:cNvPr id="61" name="Shape 61"/>
+        <p:cNvGrpSpPr/>
+        <p:nvPr/>
+      </p:nvGrpSpPr>
+      <p:grpSpPr>
+        <a:xfrm>
+          <a:off x="0" y="0"/>
+          <a:ext cx="0" cy="0"/>
+          <a:chOff x="0" y="0"/>
+          <a:chExt cx="0" cy="0"/>
+        </a:xfrm>
+      </p:grpSpPr>
+      <p:sp>
+        <p:nvSpPr>
+          <p:cNvPr id="62" name="Google Shape;62;p13"/>
+          <p:cNvSpPr txBox="1"/>
+          <p:nvPr>
+            <p:ph type="ctrTitle"/>
+          </p:nvPr>
+        </p:nvSpPr>
+        <p:spPr>
+          <a:xfrm>
+            <a:off x="2461260" y="2052955"/>
+            <a:ext cx="4420870" cy="1010920"/>
+          </a:xfrm>
+          <a:prstGeom prst="rect">
+            <a:avLst/>
+          </a:prstGeom>
+        </p:spPr>
+        <p:txBody>
+          <a:bodyPr spcFirstLastPara="1" wrap="square" lIns="91425" tIns="91425" rIns="91425" bIns="91425" anchor="b" anchorCtr="0">
+            <a:noAutofit/>
+          </a:bodyPr>
+          <a:lstStyle/>
+          <a:p>
+            <a:pPr marL="0" lvl="0" indent="0" algn="ctr" rtl="0">
+              <a:spcBef>
+                <a:spcPts val="0"/>
+              </a:spcBef>
+              <a:spcAft>
+                <a:spcPts val="0"/>
+              </a:spcAft>
+              <a:buNone/>
+            </a:pPr>
+            <a:r>
+              <a:rPr sz="2400">
+                <a:latin typeface="Times New Roman" panose="02020603050405020304" charset="0"/>
+                <a:cs typeface="Times New Roman" panose="02020603050405020304" charset="0"/>
+              </a:rPr>
+              <a:t>Leveraging Visual Question Answering for</a:t>
+            </a:r>
+            <a:br>
+              <a:rPr sz="2400">
+                <a:latin typeface="Times New Roman" panose="02020603050405020304" charset="0"/>
+                <a:cs typeface="Times New Roman" panose="02020603050405020304" charset="0"/>
+              </a:rPr>
+            </a:br>
+            <a:r>
+              <a:rPr sz="2400">
+                <a:latin typeface="Times New Roman" panose="02020603050405020304" charset="0"/>
+                <a:cs typeface="Times New Roman" panose="02020603050405020304" charset="0"/>
+              </a:rPr>
+              <a:t>Image-Caption Ranking</a:t>
+            </a:r>
+            <a:endParaRPr sz="2400">
+              <a:latin typeface="Times New Roman" panose="02020603050405020304" charset="0"/>
+              <a:cs typeface="Times New Roman" panose="02020603050405020304" charset="0"/>
+            </a:endParaRPr>
+          </a:p>
+        </p:txBody>
+      </p:sp>
+      <p:sp>
+        <p:nvSpPr>
+          <p:cNvPr id="1" name="Text Box 0"/>
+          <p:cNvSpPr txBox="1"/>
+          <p:nvPr/>
+        </p:nvSpPr>
+        <p:spPr>
+          <a:xfrm>
+            <a:off x="2683510" y="3310255"/>
+            <a:ext cx="3316605" cy="706755"/>
+          </a:xfrm>
+          <a:prstGeom prst="rect">
+            <a:avLst/>
+          </a:prstGeom>
+          <a:noFill/>
+        </p:spPr>
+        <p:txBody>
+          <a:bodyPr wrap="none" rtlCol="0">
+            <a:spAutoFit/>
+          </a:bodyPr>
+          <a:p>
+            <a:pPr algn="l"/>
+            <a:r>
+              <a:rPr lang="en-US" sz="1000">
+                <a:latin typeface="Times New Roman" panose="02020603050405020304" charset="0"/>
+                <a:cs typeface="Times New Roman" panose="02020603050405020304" charset="0"/>
+              </a:rPr>
+              <a:t>Xiao Lin Devi Parikh</a:t>
+            </a:r>
+            <a:endParaRPr lang="en-US" sz="1000">
+              <a:latin typeface="Times New Roman" panose="02020603050405020304" charset="0"/>
+              <a:cs typeface="Times New Roman" panose="02020603050405020304" charset="0"/>
+            </a:endParaRPr>
+          </a:p>
+          <a:p>
+            <a:pPr algn="l"/>
+            <a:r>
+              <a:rPr lang="en-US" sz="1000">
+                <a:latin typeface="Times New Roman" panose="02020603050405020304" charset="0"/>
+                <a:cs typeface="Times New Roman" panose="02020603050405020304" charset="0"/>
+              </a:rPr>
+              <a:t>Bradley Department of Electrical and Computer Engineering,</a:t>
+            </a:r>
+            <a:endParaRPr lang="en-US" sz="1000">
+              <a:latin typeface="Times New Roman" panose="02020603050405020304" charset="0"/>
+              <a:cs typeface="Times New Roman" panose="02020603050405020304" charset="0"/>
+            </a:endParaRPr>
+          </a:p>
+          <a:p>
+            <a:pPr algn="l"/>
+            <a:r>
+              <a:rPr lang="en-US" sz="1000">
+                <a:latin typeface="Times New Roman" panose="02020603050405020304" charset="0"/>
+                <a:cs typeface="Times New Roman" panose="02020603050405020304" charset="0"/>
+              </a:rPr>
+              <a:t>Virginia Tech</a:t>
+            </a:r>
+            <a:endParaRPr lang="en-US" sz="1000">
+              <a:latin typeface="Times New Roman" panose="02020603050405020304" charset="0"/>
+              <a:cs typeface="Times New Roman" panose="02020603050405020304" charset="0"/>
+            </a:endParaRPr>
+          </a:p>
+          <a:p>
+            <a:pPr algn="l"/>
+            <a:r>
+              <a:rPr lang="en-US" sz="1000">
+                <a:latin typeface="Times New Roman" panose="02020603050405020304" charset="0"/>
+                <a:cs typeface="Times New Roman" panose="02020603050405020304" charset="0"/>
+              </a:rPr>
+              <a:t>{linxiao,parikh}@vt.edu</a:t>
+            </a:r>
+            <a:endParaRPr lang="en-US" sz="1000">
+              <a:latin typeface="Times New Roman" panose="02020603050405020304" charset="0"/>
+              <a:cs typeface="Times New Roman" panose="02020603050405020304" charset="0"/>
+            </a:endParaRPr>
+          </a:p>
+        </p:txBody>
+      </p:sp>
+      <p:graphicFrame>
+        <p:nvGraphicFramePr>
+          <p:cNvPr id="2" name="Object 1">
+            <a:hlinkClick r:id="" action="ppaction://ole?verb="/>
+          </p:cNvPr>
+          <p:cNvGraphicFramePr>
+            <a:graphicFrameLocks noChangeAspect="1"/>
+          </p:cNvGraphicFramePr>
+          <p:nvPr/>
+        </p:nvGraphicFramePr>
+        <p:xfrm>
+          <a:off x="4114800" y="2463800"/>
+          <a:ext cx="914400" cy="215900"/>
+        </p:xfrm>
+        <a:graphic>
+          <a:graphicData uri="http://schemas.openxmlformats.org/presentationml/2006/ole">
+            <mc:AlternateContent xmlns:mc="http://schemas.openxmlformats.org/markup-compatibility/2006">
+              <mc:Choice xmlns:v="urn:schemas-microsoft-com:vml" Requires="v">
+                <p:oleObj spid="_x0000_s1025" name="" r:id="rId1" imgW="914400" imgH="215900" progId="Equation.KSEE3">
+                  <p:embed/>
+                </p:oleObj>
+              </mc:Choice>
+              <mc:Fallback>
+                <p:oleObj name="" r:id="rId1" imgW="914400" imgH="215900" progId="Equation.KSEE3">
+                  <p:embed/>
+                  <p:pic>
+                    <p:nvPicPr>
+                      <p:cNvPr id="0" name="Picture 1024"/>
+                      <p:cNvPicPr/>
+                      <p:nvPr/>
+                    </p:nvPicPr>
+                    <p:blipFill>
+                      <a:blip r:embed="rId2"/>
+                      <a:stretch>
+                        <a:fillRect/>
+                      </a:stretch>
+                    </p:blipFill>
+                    <p:spPr>
+                      <a:xfrm>
+                        <a:off x="4114800" y="2463800"/>
+                        <a:ext cx="914400" cy="215900"/>
+                      </a:xfrm>
+                      <a:prstGeom prst="rect">
+                        <a:avLst/>
+                      </a:prstGeom>
+                    </p:spPr>
+                  </p:pic>
+                </p:oleObj>
+              </mc:Fallback>
+            </mc:AlternateContent>
+          </a:graphicData>
+        </a:graphic>
+      </p:graphicFrame>
+    </p:spTree>
+  </p:cSld>
+  <p:clrMapOvr>
+    <a:masterClrMapping/>
+  </p:clrMapOvr>
+</p:sld>
+</file>
+
+<file path=ppt/slides/slide5.xml><?xml version="1.0" encoding="utf-8"?>
+<p:sld xmlns:a="http://schemas.openxmlformats.org/drawingml/2006/main" xmlns:r="http://schemas.openxmlformats.org/officeDocument/2006/relationships" xmlns:p="http://schemas.openxmlformats.org/presentationml/2006/main">
+  <p:cSld>
+    <p:spTree>
+      <p:nvGrpSpPr>
+        <p:cNvPr id="1" name=""/>
+        <p:cNvGrpSpPr/>
+        <p:nvPr/>
+      </p:nvGrpSpPr>
+      <p:grpSpPr/>
+      <p:pic>
+        <p:nvPicPr>
+          <p:cNvPr id="3" name="Picture 2"/>
+          <p:cNvPicPr>
+            <a:picLocks noChangeAspect="1"/>
+          </p:cNvPicPr>
+          <p:nvPr/>
+        </p:nvPicPr>
+        <p:blipFill>
+          <a:blip r:embed="rId1"/>
+          <a:stretch>
+            <a:fillRect/>
+          </a:stretch>
+        </p:blipFill>
+        <p:spPr>
+          <a:xfrm>
+            <a:off x="1551305" y="941070"/>
+            <a:ext cx="7050405" cy="3261360"/>
+          </a:xfrm>
+          <a:prstGeom prst="rect">
+            <a:avLst/>
+          </a:prstGeom>
+        </p:spPr>
+      </p:pic>
     </p:spTree>
   </p:cSld>
   <p:clrMapOvr>
@@ -7803,14 +9053,176 @@
         <p:cNvGrpSpPr/>
         <p:nvPr/>
       </p:nvGrpSpPr>
-      <p:grpSpPr>
-        <a:xfrm>
-          <a:off x="0" y="0"/>
-          <a:ext cx="0" cy="0"/>
-          <a:chOff x="0" y="0"/>
-          <a:chExt cx="0" cy="0"/>
-        </a:xfrm>
-      </p:grpSpPr>
+      <p:grpSpPr/>
+      <p:sp>
+        <p:nvSpPr>
+          <p:cNvPr id="3" name="Text Placeholder 2"/>
+          <p:cNvSpPr/>
+          <p:nvPr>
+            <p:ph type="body" idx="1"/>
+          </p:nvPr>
+        </p:nvSpPr>
+        <p:spPr>
+          <a:xfrm>
+            <a:off x="311785" y="905510"/>
+            <a:ext cx="5588635" cy="3673475"/>
+          </a:xfrm>
+        </p:spPr>
+        <p:txBody>
+          <a:bodyPr/>
+          <a:p>
+            <a:pPr marL="114300" indent="0">
+              <a:buNone/>
+            </a:pPr>
+            <a:r>
+              <a:rPr lang="en-US" sz="1400">
+                <a:latin typeface="Times New Roman" panose="02020603050405020304" charset="0"/>
+                <a:cs typeface="Times New Roman" panose="02020603050405020304" charset="0"/>
+              </a:rPr>
+              <a:t>Using VQA knowledge to improve image-caption ranking.</a:t>
+            </a:r>
+            <a:br>
+              <a:rPr lang="en-US" sz="1400">
+                <a:latin typeface="Times New Roman" panose="02020603050405020304" charset="0"/>
+                <a:cs typeface="Times New Roman" panose="02020603050405020304" charset="0"/>
+              </a:rPr>
+            </a:br>
+            <a:endParaRPr lang="en-US" sz="1400">
+              <a:latin typeface="Times New Roman" panose="02020603050405020304" charset="0"/>
+              <a:cs typeface="Times New Roman" panose="02020603050405020304" charset="0"/>
+            </a:endParaRPr>
+          </a:p>
+          <a:p>
+            <a:pPr marL="114300" indent="0">
+              <a:buNone/>
+            </a:pPr>
+            <a:endParaRPr lang="en-US" sz="1400">
+              <a:latin typeface="Times New Roman" panose="02020603050405020304" charset="0"/>
+              <a:cs typeface="Times New Roman" panose="02020603050405020304" charset="0"/>
+            </a:endParaRPr>
+          </a:p>
+          <a:p>
+            <a:pPr marL="114300" indent="0">
+              <a:buNone/>
+            </a:pPr>
+            <a:r>
+              <a:rPr lang="en-US" sz="1400">
+                <a:latin typeface="Times New Roman" panose="02020603050405020304" charset="0"/>
+                <a:cs typeface="Times New Roman" panose="02020603050405020304" charset="0"/>
+              </a:rPr>
+              <a:t>Ex:</a:t>
+            </a:r>
+            <a:r>
+              <a:rPr lang="en-US" sz="1085">
+                <a:latin typeface="Times New Roman" panose="02020603050405020304" charset="0"/>
+                <a:cs typeface="Times New Roman" panose="02020603050405020304" charset="0"/>
+              </a:rPr>
+              <a:t>Realizing that a batter up at the plate would imply that a  player is </a:t>
+            </a:r>
+            <a:endParaRPr lang="en-US" sz="1085">
+              <a:latin typeface="Times New Roman" panose="02020603050405020304" charset="0"/>
+              <a:cs typeface="Times New Roman" panose="02020603050405020304" charset="0"/>
+            </a:endParaRPr>
+          </a:p>
+          <a:p>
+            <a:pPr marL="1200150" lvl="2" indent="-171450">
+              <a:lnSpc>
+                <a:spcPct val="75000"/>
+              </a:lnSpc>
+              <a:buFont typeface="Arial" panose="020B0604020202020204" pitchFamily="34" charset="0"/>
+              <a:buChar char="•"/>
+            </a:pPr>
+            <a:r>
+              <a:rPr lang="en-US" sz="1200">
+                <a:latin typeface="Times New Roman" panose="02020603050405020304" charset="0"/>
+                <a:cs typeface="Times New Roman" panose="02020603050405020304" charset="0"/>
+              </a:rPr>
+              <a:t>holding a bat</a:t>
+            </a:r>
+            <a:endParaRPr lang="en-US" sz="1200">
+              <a:latin typeface="Times New Roman" panose="02020603050405020304" charset="0"/>
+              <a:cs typeface="Times New Roman" panose="02020603050405020304" charset="0"/>
+            </a:endParaRPr>
+          </a:p>
+          <a:p>
+            <a:pPr marL="1200150" lvl="2" indent="-171450">
+              <a:lnSpc>
+                <a:spcPct val="75000"/>
+              </a:lnSpc>
+              <a:buFont typeface="Arial" panose="020B0604020202020204" pitchFamily="34" charset="0"/>
+              <a:buChar char="•"/>
+            </a:pPr>
+            <a:r>
+              <a:rPr lang="en-US" sz="1200">
+                <a:latin typeface="Times New Roman" panose="02020603050405020304" charset="0"/>
+                <a:cs typeface="Times New Roman" panose="02020603050405020304" charset="0"/>
+              </a:rPr>
+              <a:t>posing to hit the baseball</a:t>
+            </a:r>
+            <a:endParaRPr lang="en-US" sz="1200">
+              <a:latin typeface="Times New Roman" panose="02020603050405020304" charset="0"/>
+              <a:cs typeface="Times New Roman" panose="02020603050405020304" charset="0"/>
+            </a:endParaRPr>
+          </a:p>
+          <a:p>
+            <a:pPr marL="1200150" lvl="2" indent="-171450">
+              <a:lnSpc>
+                <a:spcPct val="95000"/>
+              </a:lnSpc>
+              <a:buFont typeface="Arial" panose="020B0604020202020204" pitchFamily="34" charset="0"/>
+              <a:buChar char="•"/>
+            </a:pPr>
+            <a:r>
+              <a:rPr lang="en-US" sz="1200">
+                <a:latin typeface="Times New Roman" panose="02020603050405020304" charset="0"/>
+                <a:cs typeface="Times New Roman" panose="02020603050405020304" charset="0"/>
+              </a:rPr>
+              <a:t>there might be another player nearby waiting to </a:t>
+            </a:r>
+            <a:br>
+              <a:rPr lang="en-US" sz="1200">
+                <a:latin typeface="Times New Roman" panose="02020603050405020304" charset="0"/>
+                <a:cs typeface="Times New Roman" panose="02020603050405020304" charset="0"/>
+              </a:rPr>
+            </a:br>
+            <a:r>
+              <a:rPr lang="en-US" sz="1200">
+                <a:latin typeface="Times New Roman" panose="02020603050405020304" charset="0"/>
+                <a:cs typeface="Times New Roman" panose="02020603050405020304" charset="0"/>
+              </a:rPr>
+              <a:t>catch the ball</a:t>
+            </a:r>
+            <a:endParaRPr lang="en-US" sz="1200">
+              <a:latin typeface="Times New Roman" panose="02020603050405020304" charset="0"/>
+              <a:cs typeface="Times New Roman" panose="02020603050405020304" charset="0"/>
+            </a:endParaRPr>
+          </a:p>
+        </p:txBody>
+      </p:sp>
+      <p:pic>
+        <p:nvPicPr>
+          <p:cNvPr id="4" name="Picture 3"/>
+          <p:cNvPicPr>
+            <a:picLocks noChangeAspect="1"/>
+          </p:cNvPicPr>
+          <p:nvPr/>
+        </p:nvPicPr>
+        <p:blipFill>
+          <a:blip r:embed="rId1"/>
+          <a:stretch>
+            <a:fillRect/>
+          </a:stretch>
+        </p:blipFill>
+        <p:spPr>
+          <a:xfrm>
+            <a:off x="5186045" y="1035685"/>
+            <a:ext cx="3032760" cy="3543300"/>
+          </a:xfrm>
+          <a:prstGeom prst="rect">
+            <a:avLst/>
+          </a:prstGeom>
+        </p:spPr>
+      </p:pic>
     </p:spTree>
   </p:cSld>
   <p:clrMapOvr>
@@ -7828,20 +9240,11 @@
         <p:cNvGrpSpPr/>
         <p:nvPr/>
       </p:nvGrpSpPr>
-      <p:grpSpPr>
-        <a:xfrm>
-          <a:off x="0" y="0"/>
-          <a:ext cx="0" cy="0"/>
-          <a:chOff x="0" y="0"/>
-          <a:chExt cx="0" cy="0"/>
-        </a:xfrm>
-      </p:grpSpPr>
+      <p:grpSpPr/>
       <p:sp>
         <p:nvSpPr>
           <p:cNvPr id="2" name="Title 1"/>
-          <p:cNvSpPr>
-            <a:spLocks noGrp="1"/>
-          </p:cNvSpPr>
+          <p:cNvSpPr/>
           <p:nvPr>
             <p:ph type="title"/>
           </p:nvPr>
@@ -7849,18 +9252,25 @@
         <p:spPr/>
         <p:txBody>
           <a:bodyPr/>
-          <a:lstStyle/>
-          <a:p>
-            <a:endParaRPr lang="en-US"/>
+          <a:p>
+            <a:r>
+              <a:rPr lang="en-US">
+                <a:latin typeface="Times New Roman" panose="02020603050405020304" charset="0"/>
+                <a:cs typeface="Times New Roman" panose="02020603050405020304" charset="0"/>
+              </a:rPr>
+              <a:t>Image caption ranking</a:t>
+            </a:r>
+            <a:endParaRPr lang="en-US">
+              <a:latin typeface="Times New Roman" panose="02020603050405020304" charset="0"/>
+              <a:cs typeface="Times New Roman" panose="02020603050405020304" charset="0"/>
+            </a:endParaRPr>
           </a:p>
         </p:txBody>
       </p:sp>
       <p:sp>
         <p:nvSpPr>
           <p:cNvPr id="3" name="Text Placeholder 2"/>
-          <p:cNvSpPr>
-            <a:spLocks noGrp="1"/>
-          </p:cNvSpPr>
+          <p:cNvSpPr/>
           <p:nvPr>
             <p:ph type="body" idx="1"/>
           </p:nvPr>
@@ -7868,12 +9278,144 @@
         <p:spPr/>
         <p:txBody>
           <a:bodyPr/>
-          <a:lstStyle/>
-          <a:p>
-            <a:endParaRPr lang="en-US"/>
+          <a:p>
+            <a:pPr>
+              <a:buFont typeface="Arial" panose="020B0604020202020204" pitchFamily="34" charset="0"/>
+              <a:buChar char="•"/>
+            </a:pPr>
+            <a:r>
+              <a:rPr lang="en-US" sz="1400">
+                <a:latin typeface="Times New Roman" panose="02020603050405020304" charset="0"/>
+                <a:cs typeface="Times New Roman" panose="02020603050405020304" charset="0"/>
+              </a:rPr>
+              <a:t>The image-caption ranking task is to retrieve relevant images given a query caption and relevant captions given a query image.</a:t>
+            </a:r>
+            <a:endParaRPr lang="en-US" sz="1400">
+              <a:latin typeface="Times New Roman" panose="02020603050405020304" charset="0"/>
+              <a:cs typeface="Times New Roman" panose="02020603050405020304" charset="0"/>
+            </a:endParaRPr>
+          </a:p>
+          <a:p>
+            <a:pPr>
+              <a:buFont typeface="Arial" panose="020B0604020202020204" pitchFamily="34" charset="0"/>
+              <a:buChar char="•"/>
+            </a:pPr>
+            <a:r>
+              <a:rPr lang="en-US" sz="1400">
+                <a:latin typeface="Times New Roman" panose="02020603050405020304" charset="0"/>
+                <a:cs typeface="Times New Roman" panose="02020603050405020304" charset="0"/>
+              </a:rPr>
+              <a:t> During training we are given image-caption pairs (I, C) </a:t>
+            </a:r>
+            <a:endParaRPr lang="en-US" sz="1400">
+              <a:latin typeface="Times New Roman" panose="02020603050405020304" charset="0"/>
+              <a:cs typeface="Times New Roman" panose="02020603050405020304" charset="0"/>
+            </a:endParaRPr>
+          </a:p>
+          <a:p>
+            <a:pPr lvl="1">
+              <a:buSzPct val="50000"/>
+              <a:buFont typeface="Arial" panose="020B0604020202020204" pitchFamily="34" charset="0"/>
+              <a:buChar char="•"/>
+            </a:pPr>
+            <a:r>
+              <a:rPr lang="en-US" sz="1000">
+                <a:latin typeface="Times New Roman" panose="02020603050405020304" charset="0"/>
+                <a:cs typeface="Times New Roman" panose="02020603050405020304" charset="0"/>
+              </a:rPr>
+              <a:t>For each pair we sample K - 1 other images in addition to I so the image</a:t>
+            </a:r>
+            <a:br>
+              <a:rPr lang="en-US" sz="1000">
+                <a:latin typeface="Times New Roman" panose="02020603050405020304" charset="0"/>
+                <a:cs typeface="Times New Roman" panose="02020603050405020304" charset="0"/>
+              </a:rPr>
+            </a:br>
+            <a:r>
+              <a:rPr lang="en-US" sz="1000">
+                <a:latin typeface="Times New Roman" panose="02020603050405020304" charset="0"/>
+                <a:cs typeface="Times New Roman" panose="02020603050405020304" charset="0"/>
+              </a:rPr>
+              <a:t>retrieval task becomes retrieving I from K images given caption C. </a:t>
+            </a:r>
+            <a:endParaRPr lang="en-US" sz="1000">
+              <a:latin typeface="Times New Roman" panose="02020603050405020304" charset="0"/>
+              <a:cs typeface="Times New Roman" panose="02020603050405020304" charset="0"/>
+            </a:endParaRPr>
+          </a:p>
+          <a:p>
+            <a:pPr lvl="1">
+              <a:buSzPct val="50000"/>
+              <a:buFont typeface="Arial" panose="020B0604020202020204" pitchFamily="34" charset="0"/>
+              <a:buChar char="•"/>
+            </a:pPr>
+            <a:r>
+              <a:rPr lang="en-US" sz="1000">
+                <a:latin typeface="Times New Roman" panose="02020603050405020304" charset="0"/>
+                <a:cs typeface="Times New Roman" panose="02020603050405020304" charset="0"/>
+              </a:rPr>
+              <a:t>We also sample K-1 random captions in addition to C so the caption retrieval task becomes retrieving C from K given image I.</a:t>
+            </a:r>
+            <a:endParaRPr lang="en-US" sz="1000">
+              <a:latin typeface="Times New Roman" panose="02020603050405020304" charset="0"/>
+              <a:cs typeface="Times New Roman" panose="02020603050405020304" charset="0"/>
+            </a:endParaRPr>
+          </a:p>
+          <a:p>
+            <a:pPr>
+              <a:buFont typeface="Arial" panose="020B0604020202020204" pitchFamily="34" charset="0"/>
+              <a:buChar char="•"/>
+            </a:pPr>
+            <a:r>
+              <a:rPr lang="en-US" sz="1000">
+                <a:latin typeface="Times New Roman" panose="02020603050405020304" charset="0"/>
+                <a:cs typeface="Times New Roman" panose="02020603050405020304" charset="0"/>
+                <a:sym typeface="+mn-ea"/>
+              </a:rPr>
+              <a:t>The image-caption ranking models learn a ranking scoring function S(I, C) such that the corresponding retrieval probabilities are maximised:</a:t>
+            </a:r>
+            <a:endParaRPr lang="en-US" sz="1000">
+              <a:latin typeface="Times New Roman" panose="02020603050405020304" charset="0"/>
+              <a:cs typeface="Times New Roman" panose="02020603050405020304" charset="0"/>
+            </a:endParaRPr>
+          </a:p>
+          <a:p>
+            <a:pPr lvl="1">
+              <a:buSzPct val="50000"/>
+              <a:buFont typeface="Arial" panose="020B0604020202020204" pitchFamily="34" charset="0"/>
+              <a:buChar char="•"/>
+            </a:pPr>
+            <a:endParaRPr lang="en-US" sz="1000">
+              <a:latin typeface="Times New Roman" panose="02020603050405020304" charset="0"/>
+              <a:cs typeface="Times New Roman" panose="02020603050405020304" charset="0"/>
+            </a:endParaRPr>
           </a:p>
         </p:txBody>
       </p:sp>
+      <p:pic>
+        <p:nvPicPr>
+          <p:cNvPr id="4" name="Picture 3"/>
+          <p:cNvPicPr>
+            <a:picLocks noChangeAspect="1"/>
+          </p:cNvPicPr>
+          <p:nvPr/>
+        </p:nvPicPr>
+        <p:blipFill>
+          <a:blip r:embed="rId1"/>
+          <a:stretch>
+            <a:fillRect/>
+          </a:stretch>
+        </p:blipFill>
+        <p:spPr>
+          <a:xfrm>
+            <a:off x="2001520" y="3622040"/>
+            <a:ext cx="3820160" cy="648970"/>
+          </a:xfrm>
+          <a:prstGeom prst="rect">
+            <a:avLst/>
+          </a:prstGeom>
+        </p:spPr>
+      </p:pic>
     </p:spTree>
   </p:cSld>
   <p:clrMapOvr>
@@ -7891,20 +9433,11 @@
         <p:cNvGrpSpPr/>
         <p:nvPr/>
       </p:nvGrpSpPr>
-      <p:grpSpPr>
-        <a:xfrm>
-          <a:off x="0" y="0"/>
-          <a:ext cx="0" cy="0"/>
-          <a:chOff x="0" y="0"/>
-          <a:chExt cx="0" cy="0"/>
-        </a:xfrm>
-      </p:grpSpPr>
+      <p:grpSpPr/>
       <p:sp>
         <p:nvSpPr>
           <p:cNvPr id="2" name="Title 1"/>
-          <p:cNvSpPr>
-            <a:spLocks noGrp="1"/>
-          </p:cNvSpPr>
+          <p:cNvSpPr/>
           <p:nvPr>
             <p:ph type="title"/>
           </p:nvPr>
@@ -7912,31 +9445,313 @@
         <p:spPr/>
         <p:txBody>
           <a:bodyPr/>
-          <a:lstStyle/>
-          <a:p>
-            <a:endParaRPr lang="en-US"/>
+          <a:p>
+            <a:r>
+              <a:rPr lang="en-US">
+                <a:latin typeface="Times New Roman" panose="02020603050405020304" charset="0"/>
+                <a:cs typeface="Times New Roman" panose="02020603050405020304" charset="0"/>
+                <a:sym typeface="+mn-ea"/>
+              </a:rPr>
+              <a:t>Baseline model</a:t>
+            </a:r>
+            <a:endParaRPr lang="en-US">
+              <a:latin typeface="Times New Roman" panose="02020603050405020304" charset="0"/>
+              <a:cs typeface="Times New Roman" panose="02020603050405020304" charset="0"/>
+            </a:endParaRPr>
           </a:p>
         </p:txBody>
       </p:sp>
       <p:sp>
         <p:nvSpPr>
           <p:cNvPr id="3" name="Text Placeholder 2"/>
-          <p:cNvSpPr>
-            <a:spLocks noGrp="1"/>
-          </p:cNvSpPr>
+          <p:cNvSpPr/>
           <p:nvPr>
             <p:ph type="body" idx="1"/>
           </p:nvPr>
         </p:nvSpPr>
-        <p:spPr/>
+        <p:spPr>
+          <a:xfrm>
+            <a:off x="311785" y="1044575"/>
+            <a:ext cx="8943975" cy="3905250"/>
+          </a:xfrm>
+        </p:spPr>
         <p:txBody>
           <a:bodyPr/>
-          <a:lstStyle/>
-          <a:p>
-            <a:endParaRPr lang="en-US"/>
+          <a:p>
+            <a:pPr>
+              <a:buFont typeface="Arial" panose="020B0604020202020204" pitchFamily="34" charset="0"/>
+              <a:buChar char="•"/>
+            </a:pPr>
+            <a:r>
+              <a:rPr lang="en-US">
+                <a:latin typeface="Times New Roman" panose="02020603050405020304" charset="0"/>
+                <a:cs typeface="Times New Roman" panose="02020603050405020304" charset="0"/>
+              </a:rPr>
+              <a:t>Model  projects </a:t>
+            </a:r>
+            <a:endParaRPr lang="en-US">
+              <a:latin typeface="Times New Roman" panose="02020603050405020304" charset="0"/>
+              <a:cs typeface="Times New Roman" panose="02020603050405020304" charset="0"/>
+            </a:endParaRPr>
+          </a:p>
+          <a:p>
+            <a:pPr marL="114300" indent="0">
+              <a:buNone/>
+            </a:pPr>
+            <a:r>
+              <a:rPr lang="en-US">
+                <a:latin typeface="Times New Roman" panose="02020603050405020304" charset="0"/>
+                <a:cs typeface="Times New Roman" panose="02020603050405020304" charset="0"/>
+              </a:rPr>
+              <a:t>          D</a:t>
+            </a:r>
+            <a:r>
+              <a:rPr lang="en-US" baseline="-25000">
+                <a:latin typeface="Times New Roman" panose="02020603050405020304" charset="0"/>
+                <a:cs typeface="Times New Roman" panose="02020603050405020304" charset="0"/>
+              </a:rPr>
+              <a:t>xI</a:t>
+            </a:r>
+            <a:r>
+              <a:rPr lang="en-US">
+                <a:latin typeface="Times New Roman" panose="02020603050405020304" charset="0"/>
+                <a:cs typeface="Times New Roman" panose="02020603050405020304" charset="0"/>
+              </a:rPr>
+              <a:t> - dimensional CNN activation xI for image I </a:t>
+            </a:r>
+            <a:endParaRPr lang="en-US">
+              <a:latin typeface="Times New Roman" panose="02020603050405020304" charset="0"/>
+              <a:cs typeface="Times New Roman" panose="02020603050405020304" charset="0"/>
+            </a:endParaRPr>
+          </a:p>
+          <a:p>
+            <a:pPr marL="114300" indent="0">
+              <a:buNone/>
+            </a:pPr>
+            <a:r>
+              <a:rPr lang="en-US">
+                <a:latin typeface="Times New Roman" panose="02020603050405020304" charset="0"/>
+                <a:cs typeface="Times New Roman" panose="02020603050405020304" charset="0"/>
+              </a:rPr>
+              <a:t>          D</a:t>
+            </a:r>
+            <a:r>
+              <a:rPr lang="en-US" baseline="-25000">
+                <a:latin typeface="Times New Roman" panose="02020603050405020304" charset="0"/>
+                <a:cs typeface="Times New Roman" panose="02020603050405020304" charset="0"/>
+              </a:rPr>
+              <a:t>xC</a:t>
+            </a:r>
+            <a:r>
+              <a:rPr lang="en-US">
+                <a:latin typeface="Times New Roman" panose="02020603050405020304" charset="0"/>
+                <a:cs typeface="Times New Roman" panose="02020603050405020304" charset="0"/>
+              </a:rPr>
+              <a:t>- dimensional RNN latent encoding xC for caption C </a:t>
+            </a:r>
+            <a:endParaRPr lang="en-US">
+              <a:latin typeface="Times New Roman" panose="02020603050405020304" charset="0"/>
+              <a:cs typeface="Times New Roman" panose="02020603050405020304" charset="0"/>
+            </a:endParaRPr>
+          </a:p>
+          <a:p>
+            <a:pPr marL="114300" indent="0">
+              <a:buNone/>
+            </a:pPr>
+            <a:r>
+              <a:rPr lang="en-US">
+                <a:latin typeface="Times New Roman" panose="02020603050405020304" charset="0"/>
+                <a:cs typeface="Times New Roman" panose="02020603050405020304" charset="0"/>
+              </a:rPr>
+              <a:t>          to the same D</a:t>
+            </a:r>
+            <a:r>
+              <a:rPr lang="en-US" baseline="-25000">
+                <a:latin typeface="Times New Roman" panose="02020603050405020304" charset="0"/>
+                <a:cs typeface="Times New Roman" panose="02020603050405020304" charset="0"/>
+              </a:rPr>
+              <a:t>xC</a:t>
+            </a:r>
+            <a:r>
+              <a:rPr lang="en-US">
+                <a:latin typeface="Times New Roman" panose="02020603050405020304" charset="0"/>
+                <a:cs typeface="Times New Roman" panose="02020603050405020304" charset="0"/>
+              </a:rPr>
+              <a:t>-dimensional common multi-modal embedding space as            	unit-norm vectors t</a:t>
+            </a:r>
+            <a:r>
+              <a:rPr lang="en-US" baseline="-25000">
+                <a:latin typeface="Times New Roman" panose="02020603050405020304" charset="0"/>
+                <a:cs typeface="Times New Roman" panose="02020603050405020304" charset="0"/>
+              </a:rPr>
+              <a:t>I </a:t>
+            </a:r>
+            <a:r>
+              <a:rPr lang="en-US">
+                <a:latin typeface="Times New Roman" panose="02020603050405020304" charset="0"/>
+                <a:cs typeface="Times New Roman" panose="02020603050405020304" charset="0"/>
+              </a:rPr>
+              <a:t>and t</a:t>
+            </a:r>
+            <a:r>
+              <a:rPr lang="en-US" baseline="-25000">
+                <a:latin typeface="Times New Roman" panose="02020603050405020304" charset="0"/>
+                <a:cs typeface="Times New Roman" panose="02020603050405020304" charset="0"/>
+              </a:rPr>
+              <a:t>C</a:t>
+            </a:r>
+            <a:r>
+              <a:rPr lang="en-US">
+                <a:latin typeface="Times New Roman" panose="02020603050405020304" charset="0"/>
+                <a:cs typeface="Times New Roman" panose="02020603050405020304" charset="0"/>
+              </a:rPr>
+              <a:t> :</a:t>
+            </a:r>
+            <a:endParaRPr lang="en-US">
+              <a:latin typeface="Times New Roman" panose="02020603050405020304" charset="0"/>
+              <a:cs typeface="Times New Roman" panose="02020603050405020304" charset="0"/>
+            </a:endParaRPr>
+          </a:p>
+          <a:p>
+            <a:pPr>
+              <a:buFont typeface="Arial" panose="020B0604020202020204" pitchFamily="34" charset="0"/>
+              <a:buChar char="•"/>
+            </a:pPr>
+            <a:endParaRPr lang="en-US">
+              <a:latin typeface="Times New Roman" panose="02020603050405020304" charset="0"/>
+              <a:cs typeface="Times New Roman" panose="02020603050405020304" charset="0"/>
+            </a:endParaRPr>
+          </a:p>
+          <a:p>
+            <a:pPr>
+              <a:buFont typeface="Arial" panose="020B0604020202020204" pitchFamily="34" charset="0"/>
+              <a:buChar char="•"/>
+            </a:pPr>
+            <a:endParaRPr lang="en-US">
+              <a:latin typeface="Times New Roman" panose="02020603050405020304" charset="0"/>
+              <a:cs typeface="Times New Roman" panose="02020603050405020304" charset="0"/>
+            </a:endParaRPr>
+          </a:p>
+          <a:p>
+            <a:pPr>
+              <a:buFont typeface="Arial" panose="020B0604020202020204" pitchFamily="34" charset="0"/>
+              <a:buChar char="•"/>
+            </a:pPr>
+            <a:r>
+              <a:rPr lang="en-US">
+                <a:latin typeface="Times New Roman" panose="02020603050405020304" charset="0"/>
+                <a:cs typeface="Times New Roman" panose="02020603050405020304" charset="0"/>
+              </a:rPr>
+              <a:t>The multi-modal scoring function is defined as their dot product </a:t>
+            </a:r>
+            <a:br>
+              <a:rPr lang="en-US">
+                <a:latin typeface="Times New Roman" panose="02020603050405020304" charset="0"/>
+                <a:cs typeface="Times New Roman" panose="02020603050405020304" charset="0"/>
+              </a:rPr>
+            </a:br>
+            <a:r>
+              <a:rPr lang="en-US">
+                <a:latin typeface="Times New Roman" panose="02020603050405020304" charset="0"/>
+                <a:cs typeface="Times New Roman" panose="02020603050405020304" charset="0"/>
+              </a:rPr>
+              <a:t>S</a:t>
+            </a:r>
+            <a:r>
+              <a:rPr lang="en-US" sz="1600">
+                <a:latin typeface="Times New Roman" panose="02020603050405020304" charset="0"/>
+                <a:cs typeface="Times New Roman" panose="02020603050405020304" charset="0"/>
+              </a:rPr>
+              <a:t>t</a:t>
+            </a:r>
+            <a:r>
+              <a:rPr lang="en-US">
+                <a:latin typeface="Times New Roman" panose="02020603050405020304" charset="0"/>
+                <a:cs typeface="Times New Roman" panose="02020603050405020304" charset="0"/>
+              </a:rPr>
+              <a:t>(I, C) =&lt;t</a:t>
+            </a:r>
+            <a:r>
+              <a:rPr lang="en-US" baseline="-25000">
+                <a:latin typeface="Times New Roman" panose="02020603050405020304" charset="0"/>
+                <a:cs typeface="Times New Roman" panose="02020603050405020304" charset="0"/>
+              </a:rPr>
+              <a:t>I</a:t>
+            </a:r>
+            <a:r>
+              <a:rPr lang="en-US">
+                <a:latin typeface="Times New Roman" panose="02020603050405020304" charset="0"/>
+                <a:cs typeface="Times New Roman" panose="02020603050405020304" charset="0"/>
+              </a:rPr>
+              <a:t> , t</a:t>
+            </a:r>
+            <a:r>
+              <a:rPr lang="en-US" baseline="-25000">
+                <a:latin typeface="Times New Roman" panose="02020603050405020304" charset="0"/>
+                <a:cs typeface="Times New Roman" panose="02020603050405020304" charset="0"/>
+              </a:rPr>
+              <a:t>C</a:t>
+            </a:r>
+            <a:r>
+              <a:rPr lang="en-US">
+                <a:latin typeface="Times New Roman" panose="02020603050405020304" charset="0"/>
+                <a:cs typeface="Times New Roman" panose="02020603050405020304" charset="0"/>
+              </a:rPr>
+              <a:t> &gt;.</a:t>
+            </a:r>
+            <a:endParaRPr lang="en-US">
+              <a:latin typeface="Times New Roman" panose="02020603050405020304" charset="0"/>
+              <a:cs typeface="Times New Roman" panose="02020603050405020304" charset="0"/>
+            </a:endParaRPr>
+          </a:p>
+          <a:p>
+            <a:pPr marL="114300" indent="0">
+              <a:buNone/>
+            </a:pPr>
+            <a:endParaRPr lang="en-US">
+              <a:latin typeface="Times New Roman" panose="02020603050405020304" charset="0"/>
+              <a:cs typeface="Times New Roman" panose="02020603050405020304" charset="0"/>
+            </a:endParaRPr>
+          </a:p>
+          <a:p>
+            <a:pPr>
+              <a:buFont typeface="Arial" panose="020B0604020202020204" pitchFamily="34" charset="0"/>
+              <a:buChar char="•"/>
+            </a:pPr>
+            <a:endParaRPr lang="en-US" sz="900">
+              <a:solidFill>
+                <a:schemeClr val="tx1"/>
+              </a:solidFill>
+              <a:latin typeface="Times New Roman" panose="02020603050405020304" charset="0"/>
+              <a:cs typeface="Times New Roman" panose="02020603050405020304" charset="0"/>
+            </a:endParaRPr>
           </a:p>
         </p:txBody>
       </p:sp>
+      <p:pic>
+        <p:nvPicPr>
+          <p:cNvPr id="5" name="Picture 4"/>
+          <p:cNvPicPr>
+            <a:picLocks noChangeAspect="1"/>
+          </p:cNvPicPr>
+          <p:nvPr/>
+        </p:nvPicPr>
+        <p:blipFill>
+          <a:blip r:embed="rId1"/>
+          <a:stretch>
+            <a:fillRect/>
+          </a:stretch>
+        </p:blipFill>
+        <p:spPr>
+          <a:xfrm>
+            <a:off x="3563620" y="2664460"/>
+            <a:ext cx="2016760" cy="513715"/>
+          </a:xfrm>
+          <a:prstGeom prst="rect">
+            <a:avLst/>
+          </a:prstGeom>
+        </p:spPr>
+      </p:pic>
     </p:spTree>
   </p:cSld>
   <p:clrMapOvr>
@@ -7950,7 +9765,7 @@
   <p:cSld>
     <p:spTree>
       <p:nvGrpSpPr>
-        <p:cNvPr id="1" name=""/>
+        <p:cNvPr id="103" name="Shape 103"/>
         <p:cNvGrpSpPr/>
         <p:nvPr/>
       </p:nvGrpSpPr>
@@ -7964,39 +9779,268 @@
       </p:grpSpPr>
       <p:sp>
         <p:nvSpPr>
-          <p:cNvPr id="2" name="Title 1"/>
-          <p:cNvSpPr>
-            <a:spLocks noGrp="1"/>
-          </p:cNvSpPr>
+          <p:cNvPr id="104" name="Google Shape;104;p20"/>
+          <p:cNvSpPr txBox="1"/>
           <p:nvPr>
             <p:ph type="title"/>
           </p:nvPr>
         </p:nvSpPr>
-        <p:spPr/>
+        <p:spPr>
+          <a:xfrm>
+            <a:off x="311700" y="315925"/>
+            <a:ext cx="8520600" cy="831300"/>
+          </a:xfrm>
+          <a:prstGeom prst="rect">
+            <a:avLst/>
+          </a:prstGeom>
+        </p:spPr>
         <p:txBody>
-          <a:bodyPr/>
+          <a:bodyPr spcFirstLastPara="1" wrap="square" lIns="91425" tIns="91425" rIns="91425" bIns="91425" anchor="b" anchorCtr="0">
+            <a:noAutofit/>
+          </a:bodyPr>
           <a:lstStyle/>
           <a:p>
-            <a:endParaRPr lang="en-US"/>
+            <a:pPr marL="0" lvl="0" indent="0" algn="l" rtl="0">
+              <a:spcBef>
+                <a:spcPts val="0"/>
+              </a:spcBef>
+              <a:spcAft>
+                <a:spcPts val="0"/>
+              </a:spcAft>
+              <a:buNone/>
+            </a:pPr>
+            <a:r>
+              <a:rPr>
+                <a:latin typeface="Times New Roman" panose="02020603050405020304" charset="0"/>
+                <a:cs typeface="Times New Roman" panose="02020603050405020304" charset="0"/>
+              </a:rPr>
+              <a:t>VQA</a:t>
+            </a:r>
+            <a:endParaRPr>
+              <a:latin typeface="Times New Roman" panose="02020603050405020304" charset="0"/>
+              <a:cs typeface="Times New Roman" panose="02020603050405020304" charset="0"/>
+            </a:endParaRPr>
           </a:p>
         </p:txBody>
       </p:sp>
       <p:sp>
         <p:nvSpPr>
-          <p:cNvPr id="3" name="Text Placeholder 2"/>
-          <p:cNvSpPr>
-            <a:spLocks noGrp="1"/>
-          </p:cNvSpPr>
+          <p:cNvPr id="105" name="Google Shape;105;p20"/>
+          <p:cNvSpPr txBox="1"/>
           <p:nvPr>
             <p:ph type="body" idx="1"/>
           </p:nvPr>
         </p:nvSpPr>
-        <p:spPr/>
+        <p:spPr>
+          <a:xfrm>
+            <a:off x="311700" y="1225225"/>
+            <a:ext cx="8520600" cy="3354000"/>
+          </a:xfrm>
+          <a:prstGeom prst="rect">
+            <a:avLst/>
+          </a:prstGeom>
+        </p:spPr>
         <p:txBody>
-          <a:bodyPr/>
+          <a:bodyPr spcFirstLastPara="1" wrap="square" lIns="91425" tIns="91425" rIns="91425" bIns="91425" anchor="t" anchorCtr="0">
+            <a:noAutofit/>
+          </a:bodyPr>
           <a:lstStyle/>
           <a:p>
-            <a:endParaRPr lang="en-US"/>
+            <a:pPr marL="285750" lvl="0" indent="-285750" algn="l" rtl="0">
+              <a:spcBef>
+                <a:spcPts val="0"/>
+              </a:spcBef>
+              <a:spcAft>
+                <a:spcPts val="1600"/>
+              </a:spcAft>
+              <a:buFont typeface="Arial" panose="020B0604020202020204" pitchFamily="34" charset="0"/>
+              <a:buChar char="•"/>
+            </a:pPr>
+            <a:r>
+              <a:rPr>
+                <a:latin typeface="Times New Roman" panose="02020603050405020304" charset="0"/>
+                <a:cs typeface="Times New Roman" panose="02020603050405020304" charset="0"/>
+              </a:rPr>
+              <a:t>VQA is the task of given an image I and a free-form open-ended question Q</a:t>
+            </a:r>
+            <a:br>
+              <a:rPr>
+                <a:latin typeface="Times New Roman" panose="02020603050405020304" charset="0"/>
+                <a:cs typeface="Times New Roman" panose="02020603050405020304" charset="0"/>
+              </a:rPr>
+            </a:br>
+            <a:r>
+              <a:rPr>
+                <a:latin typeface="Times New Roman" panose="02020603050405020304" charset="0"/>
+                <a:cs typeface="Times New Roman" panose="02020603050405020304" charset="0"/>
+              </a:rPr>
+              <a:t>about I, generating a natural language answer A to that question.</a:t>
+            </a:r>
+            <a:endParaRPr>
+              <a:latin typeface="Times New Roman" panose="02020603050405020304" charset="0"/>
+              <a:cs typeface="Times New Roman" panose="02020603050405020304" charset="0"/>
+            </a:endParaRPr>
+          </a:p>
+          <a:p>
+            <a:pPr marL="285750" lvl="0" indent="-285750" algn="l" rtl="0">
+              <a:spcBef>
+                <a:spcPts val="0"/>
+              </a:spcBef>
+              <a:spcAft>
+                <a:spcPts val="1600"/>
+              </a:spcAft>
+              <a:buFont typeface="Arial" panose="020B0604020202020204" pitchFamily="34" charset="0"/>
+              <a:buChar char="•"/>
+            </a:pPr>
+            <a:r>
+              <a:rPr>
+                <a:latin typeface="Times New Roman" panose="02020603050405020304" charset="0"/>
+                <a:cs typeface="Times New Roman" panose="02020603050405020304" charset="0"/>
+              </a:rPr>
+              <a:t>Similarly,VQA-Caption task  takes a caption C of an image and a question</a:t>
+            </a:r>
+            <a:br>
+              <a:rPr>
+                <a:latin typeface="Times New Roman" panose="02020603050405020304" charset="0"/>
+                <a:cs typeface="Times New Roman" panose="02020603050405020304" charset="0"/>
+              </a:rPr>
+            </a:br>
+            <a:r>
+              <a:rPr>
+                <a:latin typeface="Times New Roman" panose="02020603050405020304" charset="0"/>
+                <a:cs typeface="Times New Roman" panose="02020603050405020304" charset="0"/>
+              </a:rPr>
+              <a:t>Q about the image, then generates an answer A.</a:t>
+            </a:r>
+            <a:endParaRPr>
+              <a:latin typeface="Times New Roman" panose="02020603050405020304" charset="0"/>
+              <a:cs typeface="Times New Roman" panose="02020603050405020304" charset="0"/>
+            </a:endParaRPr>
+          </a:p>
+          <a:p>
+            <a:pPr marL="285750" lvl="0" indent="-285750" algn="l" rtl="0">
+              <a:spcBef>
+                <a:spcPts val="0"/>
+              </a:spcBef>
+              <a:spcAft>
+                <a:spcPts val="1600"/>
+              </a:spcAft>
+              <a:buFont typeface="Arial" panose="020B0604020202020204" pitchFamily="34" charset="0"/>
+              <a:buChar char="•"/>
+            </a:pPr>
+            <a:r>
+              <a:rPr>
+                <a:latin typeface="Times New Roman" panose="02020603050405020304" charset="0"/>
+                <a:cs typeface="Times New Roman" panose="02020603050405020304" charset="0"/>
+              </a:rPr>
+              <a:t> </a:t>
+            </a:r>
+            <a:r>
+              <a:rPr lang="en-US">
+                <a:latin typeface="Times New Roman" panose="02020603050405020304" charset="0"/>
+                <a:cs typeface="Times New Roman" panose="02020603050405020304" charset="0"/>
+              </a:rPr>
+              <a:t>T</a:t>
+            </a:r>
+            <a:r>
+              <a:rPr>
+                <a:latin typeface="Times New Roman" panose="02020603050405020304" charset="0"/>
+                <a:cs typeface="Times New Roman" panose="02020603050405020304" charset="0"/>
+              </a:rPr>
+              <a:t>he generated answers are evaluated using </a:t>
+            </a:r>
+            <a:endParaRPr>
+              <a:latin typeface="Times New Roman" panose="02020603050405020304" charset="0"/>
+              <a:cs typeface="Times New Roman" panose="02020603050405020304" charset="0"/>
+            </a:endParaRPr>
+          </a:p>
+          <a:p>
+            <a:pPr marL="742950" lvl="1" indent="-285750" algn="l" rtl="0">
+              <a:spcBef>
+                <a:spcPts val="0"/>
+              </a:spcBef>
+              <a:spcAft>
+                <a:spcPts val="1600"/>
+              </a:spcAft>
+              <a:buFont typeface="Arial" panose="020B0604020202020204" pitchFamily="34" charset="0"/>
+              <a:buChar char="•"/>
+            </a:pPr>
+            <a:r>
+              <a:rPr>
+                <a:latin typeface="Times New Roman" panose="02020603050405020304" charset="0"/>
+                <a:cs typeface="Times New Roman" panose="02020603050405020304" charset="0"/>
+              </a:rPr>
+              <a:t>min( </a:t>
+            </a:r>
+            <a:r>
+              <a:rPr lang="en-US">
+                <a:latin typeface="Times New Roman" panose="02020603050405020304" charset="0"/>
+                <a:cs typeface="Times New Roman" panose="02020603050405020304" charset="0"/>
+              </a:rPr>
+              <a:t>(</a:t>
+            </a:r>
+            <a:r>
+              <a:rPr>
+                <a:latin typeface="Times New Roman" panose="02020603050405020304" charset="0"/>
+                <a:cs typeface="Times New Roman" panose="02020603050405020304" charset="0"/>
+              </a:rPr>
+              <a:t># humans that provided A</a:t>
+            </a:r>
+            <a:r>
+              <a:rPr lang="en-US">
+                <a:latin typeface="Times New Roman" panose="02020603050405020304" charset="0"/>
+                <a:cs typeface="Times New Roman" panose="02020603050405020304" charset="0"/>
+              </a:rPr>
+              <a:t>/</a:t>
+            </a:r>
+            <a:r>
+              <a:rPr>
+                <a:latin typeface="Times New Roman" panose="02020603050405020304" charset="0"/>
+                <a:cs typeface="Times New Roman" panose="02020603050405020304" charset="0"/>
+              </a:rPr>
+              <a:t>3</a:t>
+            </a:r>
+            <a:r>
+              <a:rPr lang="en-US">
+                <a:latin typeface="Times New Roman" panose="02020603050405020304" charset="0"/>
+                <a:cs typeface="Times New Roman" panose="02020603050405020304" charset="0"/>
+              </a:rPr>
+              <a:t>)</a:t>
+            </a:r>
+            <a:r>
+              <a:rPr>
+                <a:latin typeface="Times New Roman" panose="02020603050405020304" charset="0"/>
+                <a:cs typeface="Times New Roman" panose="02020603050405020304" charset="0"/>
+              </a:rPr>
+              <a:t> , 1). </a:t>
+            </a:r>
+            <a:endParaRPr>
+              <a:latin typeface="Times New Roman" panose="02020603050405020304" charset="0"/>
+              <a:cs typeface="Times New Roman" panose="02020603050405020304" charset="0"/>
+            </a:endParaRPr>
+          </a:p>
+          <a:p>
+            <a:pPr marL="742950" lvl="1" indent="-285750" algn="l" rtl="0">
+              <a:spcBef>
+                <a:spcPts val="0"/>
+              </a:spcBef>
+              <a:spcAft>
+                <a:spcPts val="1600"/>
+              </a:spcAft>
+              <a:buFont typeface="Arial" panose="020B0604020202020204" pitchFamily="34" charset="0"/>
+              <a:buChar char="•"/>
+            </a:pPr>
+            <a:r>
+              <a:rPr>
+                <a:latin typeface="Times New Roman" panose="02020603050405020304" charset="0"/>
+                <a:cs typeface="Times New Roman" panose="02020603050405020304" charset="0"/>
+              </a:rPr>
+              <a:t>That is, A is 100% correct if at least 3 humans (out of 10) provide the answer A.</a:t>
+            </a:r>
+            <a:endParaRPr>
+              <a:latin typeface="Times New Roman" panose="02020603050405020304" charset="0"/>
+              <a:cs typeface="Times New Roman" panose="02020603050405020304" charset="0"/>
+            </a:endParaRPr>
           </a:p>
         </p:txBody>
       </p:sp>
@@ -8284,11 +10328,9 @@
       </a:bgFillStyleLst>
     </a:fmtScheme>
   </a:themeElements>
-  <a:objectDefaults/>
-  <a:extraClrSchemeLst/>
   <a:extLst>
     <a:ext uri="{05A4C25C-085E-4340-85A3-A5531E510DB2}">
-      <thm15:themeFamily xmlns="" xmlns:thm15="http://schemas.microsoft.com/office/thememl/2012/main" name="Office Theme" id="{62F939B6-93AF-4DB8-9C6B-D6C7DFDC589F}" vid="{4A3C46E8-61CC-4603-A589-7422A47A8E4A}"/>
+      <thm15:themeFamily xmlns:thm15="http://schemas.microsoft.com/office/thememl/2012/main" name="Office Theme" id="{62F939B6-93AF-4DB8-9C6B-D6C7DFDC589F}" vid="{4A3C46E8-61CC-4603-A589-7422A47A8E4A}"/>
     </a:ext>
   </a:extLst>
 </a:theme>
@@ -8570,11 +10612,9 @@
       </a:bgFillStyleLst>
     </a:fmtScheme>
   </a:themeElements>
-  <a:objectDefaults/>
-  <a:extraClrSchemeLst/>
   <a:extLst>
     <a:ext uri="{05A4C25C-085E-4340-85A3-A5531E510DB2}">
-      <thm15:themeFamily xmlns="" xmlns:thm15="http://schemas.microsoft.com/office/thememl/2012/main" name="Office Theme" id="{62F939B6-93AF-4DB8-9C6B-D6C7DFDC589F}" vid="{4A3C46E8-61CC-4603-A589-7422A47A8E4A}"/>
+      <thm15:themeFamily xmlns:thm15="http://schemas.microsoft.com/office/thememl/2012/main" name="Office Theme" id="{62F939B6-93AF-4DB8-9C6B-D6C7DFDC589F}" vid="{4A3C46E8-61CC-4603-A589-7422A47A8E4A}"/>
     </a:ext>
   </a:extLst>
 </a:theme>

--- a/Literature Survey 2.pptx
+++ b/Literature Survey 2.pptx
@@ -5,43 +5,51 @@
     <p:sldMasterId id="2147483648" r:id="rId1"/>
   </p:sldMasterIdLst>
   <p:notesMasterIdLst>
-    <p:notesMasterId r:id="rId4"/>
+    <p:notesMasterId r:id="rId23"/>
   </p:notesMasterIdLst>
   <p:sldIdLst>
-    <p:sldId id="279" r:id="rId3"/>
-    <p:sldId id="280" r:id="rId5"/>
-    <p:sldId id="281" r:id="rId6"/>
-    <p:sldId id="256" r:id="rId7"/>
-    <p:sldId id="276" r:id="rId8"/>
-    <p:sldId id="266" r:id="rId9"/>
-    <p:sldId id="267" r:id="rId10"/>
-    <p:sldId id="268" r:id="rId11"/>
-    <p:sldId id="263" r:id="rId12"/>
-    <p:sldId id="264" r:id="rId13"/>
-    <p:sldId id="271" r:id="rId14"/>
-    <p:sldId id="272" r:id="rId15"/>
-    <p:sldId id="273" r:id="rId16"/>
-    <p:sldId id="275" r:id="rId17"/>
-    <p:sldId id="274" r:id="rId18"/>
-    <p:sldId id="277" r:id="rId19"/>
+    <p:sldId id="279" r:id="rId2"/>
+    <p:sldId id="282" r:id="rId3"/>
+    <p:sldId id="283" r:id="rId4"/>
+    <p:sldId id="284" r:id="rId5"/>
+    <p:sldId id="257" r:id="rId6"/>
+    <p:sldId id="285" r:id="rId7"/>
+    <p:sldId id="280" r:id="rId8"/>
+    <p:sldId id="281" r:id="rId9"/>
+    <p:sldId id="256" r:id="rId10"/>
+    <p:sldId id="276" r:id="rId11"/>
+    <p:sldId id="266" r:id="rId12"/>
+    <p:sldId id="267" r:id="rId13"/>
+    <p:sldId id="268" r:id="rId14"/>
+    <p:sldId id="263" r:id="rId15"/>
+    <p:sldId id="264" r:id="rId16"/>
+    <p:sldId id="271" r:id="rId17"/>
+    <p:sldId id="272" r:id="rId18"/>
+    <p:sldId id="273" r:id="rId19"/>
+    <p:sldId id="275" r:id="rId20"/>
+    <p:sldId id="274" r:id="rId21"/>
+    <p:sldId id="277" r:id="rId22"/>
   </p:sldIdLst>
-  <p:sldSz cx="9144000" cy="5143500"/>
+  <p:sldSz cx="9144000" cy="5143500" type="screen16x9"/>
   <p:notesSz cx="6858000" cy="9144000"/>
   <p:embeddedFontLst>
     <p:embeddedFont>
-      <p:font typeface="Economica" panose="02000506040000020004"/>
-      <p:regular r:id="rId23"/>
+      <p:font typeface="Cambria" panose="02040503050406030204" pitchFamily="18" charset="0"/>
+      <p:regular r:id="rId24"/>
+      <p:bold r:id="rId25"/>
+      <p:italic r:id="rId26"/>
+      <p:boldItalic r:id="rId27"/>
     </p:embeddedFont>
     <p:embeddedFont>
-      <p:font typeface="Open Sans" panose="020B0606030504020204"/>
-      <p:regular r:id="rId24"/>
+      <p:font typeface="Economica" panose="020B0604020202020204" charset="0"/>
+      <p:regular r:id="rId28"/>
     </p:embeddedFont>
     <p:embeddedFont>
-      <p:font typeface="Cambria" panose="02040503050406030204" charset="0"/>
-      <p:regular r:id="rId25"/>
-      <p:bold r:id="rId26"/>
-      <p:italic r:id="rId27"/>
-      <p:boldItalic r:id="rId28"/>
+      <p:font typeface="Open Sans" panose="020B0606030504020204" pitchFamily="34" charset="0"/>
+      <p:regular r:id="rId29"/>
+      <p:bold r:id="rId30"/>
+      <p:italic r:id="rId31"/>
+      <p:boldItalic r:id="rId32"/>
     </p:embeddedFont>
   </p:embeddedFontLst>
   <p:defaultTextStyle>
@@ -273,6 +281,22 @@
       </a:defRPr>
     </a:lvl9pPr>
   </p:defaultTextStyle>
+  <p:extLst>
+    <p:ext uri="{EFAFB233-063F-42B5-8137-9DF3F51BA10A}">
+      <p15:sldGuideLst xmlns:p15="http://schemas.microsoft.com/office/powerpoint/2012/main">
+        <p15:guide id="1" orient="horz" pos="1588">
+          <p15:clr>
+            <a:srgbClr val="A4A3A4"/>
+          </p15:clr>
+        </p15:guide>
+        <p15:guide id="2" pos="2880">
+          <p15:clr>
+            <a:srgbClr val="A4A3A4"/>
+          </p15:clr>
+        </p15:guide>
+      </p15:sldGuideLst>
+    </p:ext>
+  </p:extLst>
 </p:presentation>
 </file>
 
@@ -286,7 +310,7 @@
     </p:bg>
     <p:spTree>
       <p:nvGrpSpPr>
-        <p:cNvPr id="2" name="Shape 2"/>
+        <p:cNvPr id="1" name="Shape 2"/>
         <p:cNvGrpSpPr/>
         <p:nvPr/>
       </p:nvGrpSpPr>
@@ -301,7 +325,9 @@
       <p:sp>
         <p:nvSpPr>
           <p:cNvPr id="3" name="Google Shape;3;n"/>
-          <p:cNvSpPr/>
+          <p:cNvSpPr>
+            <a:spLocks noGrp="1" noRot="1" noChangeAspect="1"/>
+          </p:cNvSpPr>
           <p:nvPr>
             <p:ph type="sldImg" idx="2"/>
           </p:nvPr>
@@ -350,7 +376,9 @@
       <p:sp>
         <p:nvSpPr>
           <p:cNvPr id="4" name="Google Shape;4;n"/>
-          <p:cNvSpPr txBox="1"/>
+          <p:cNvSpPr txBox="1">
+            <a:spLocks noGrp="1"/>
+          </p:cNvSpPr>
           <p:nvPr>
             <p:ph type="body" idx="1"/>
           </p:nvPr>
@@ -473,7 +501,9 @@
               <a:defRPr sz="1100"/>
             </a:lvl9pPr>
           </a:lstStyle>
-          <a:p/>
+          <a:p>
+            <a:endParaRPr/>
+          </a:p>
         </p:txBody>
       </p:sp>
     </p:spTree>
@@ -712,7 +742,7 @@
 </file>
 
 <file path=ppt/notesSlides/notesSlide1.xml><?xml version="1.0" encoding="utf-8"?>
-<p:notes xmlns:a="http://schemas.openxmlformats.org/drawingml/2006/main" xmlns:r="http://schemas.openxmlformats.org/officeDocument/2006/relationships" xmlns:p="http://schemas.openxmlformats.org/presentationml/2006/main" showMasterPhAnim="0" showMasterSp="0">
+<p:notes xmlns:a="http://schemas.openxmlformats.org/drawingml/2006/main" xmlns:r="http://schemas.openxmlformats.org/officeDocument/2006/relationships" xmlns:p="http://schemas.openxmlformats.org/presentationml/2006/main" showMasterSp="0" showMasterPhAnim="0">
   <p:cSld>
     <p:spTree>
       <p:nvGrpSpPr>
@@ -803,6 +833,7 @@
               </a:spcAft>
               <a:buNone/>
             </a:pPr>
+            <a:endParaRPr/>
           </a:p>
         </p:txBody>
       </p:sp>
@@ -815,11 +846,11 @@
 </file>
 
 <file path=ppt/notesSlides/notesSlide2.xml><?xml version="1.0" encoding="utf-8"?>
-<p:notes xmlns:a="http://schemas.openxmlformats.org/drawingml/2006/main" xmlns:r="http://schemas.openxmlformats.org/officeDocument/2006/relationships" xmlns:p="http://schemas.openxmlformats.org/presentationml/2006/main" showMasterPhAnim="0" showMasterSp="0">
+<p:notes xmlns:a="http://schemas.openxmlformats.org/drawingml/2006/main" xmlns:r="http://schemas.openxmlformats.org/officeDocument/2006/relationships" xmlns:p="http://schemas.openxmlformats.org/presentationml/2006/main" showMasterSp="0" showMasterPhAnim="0">
   <p:cSld>
     <p:spTree>
       <p:nvGrpSpPr>
-        <p:cNvPr id="58" name="Shape 58"/>
+        <p:cNvPr id="1" name="Shape 58"/>
         <p:cNvGrpSpPr/>
         <p:nvPr/>
       </p:nvGrpSpPr>
@@ -834,15 +865,17 @@
       <p:sp>
         <p:nvSpPr>
           <p:cNvPr id="59" name="Google Shape;59;p:notes"/>
-          <p:cNvSpPr/>
+          <p:cNvSpPr>
+            <a:spLocks noGrp="1" noRot="1" noChangeAspect="1"/>
+          </p:cNvSpPr>
           <p:nvPr>
             <p:ph type="sldImg" idx="2"/>
           </p:nvPr>
         </p:nvSpPr>
         <p:spPr>
           <a:xfrm>
-            <a:off x="381300" y="685800"/>
-            <a:ext cx="6096075" cy="3429000"/>
+            <a:off x="381000" y="685800"/>
+            <a:ext cx="6096000" cy="3429000"/>
           </a:xfrm>
           <a:custGeom>
             <a:avLst/>
@@ -873,7 +906,9 @@
       <p:sp>
         <p:nvSpPr>
           <p:cNvPr id="60" name="Google Shape;60;p:notes"/>
-          <p:cNvSpPr txBox="1"/>
+          <p:cNvSpPr txBox="1">
+            <a:spLocks noGrp="1"/>
+          </p:cNvSpPr>
           <p:nvPr>
             <p:ph type="body" idx="1"/>
           </p:nvPr>
@@ -902,6 +937,7 @@
               </a:spcAft>
               <a:buNone/>
             </a:pPr>
+            <a:endParaRPr/>
           </a:p>
         </p:txBody>
       </p:sp>
@@ -914,11 +950,11 @@
 </file>
 
 <file path=ppt/notesSlides/notesSlide3.xml><?xml version="1.0" encoding="utf-8"?>
-<p:notes xmlns:a="http://schemas.openxmlformats.org/drawingml/2006/main" xmlns:r="http://schemas.openxmlformats.org/officeDocument/2006/relationships" xmlns:p="http://schemas.openxmlformats.org/presentationml/2006/main" showMasterPhAnim="0" showMasterSp="0">
+<p:notes xmlns:a="http://schemas.openxmlformats.org/drawingml/2006/main" xmlns:r="http://schemas.openxmlformats.org/officeDocument/2006/relationships" xmlns:p="http://schemas.openxmlformats.org/presentationml/2006/main" showMasterSp="0" showMasterPhAnim="0">
   <p:cSld>
     <p:spTree>
       <p:nvGrpSpPr>
-        <p:cNvPr id="100" name="Shape 100"/>
+        <p:cNvPr id="1" name="Shape 100"/>
         <p:cNvGrpSpPr/>
         <p:nvPr/>
       </p:nvGrpSpPr>
@@ -933,7 +969,9 @@
       <p:sp>
         <p:nvSpPr>
           <p:cNvPr id="101" name="Google Shape;101;g9f0f4aeee7_0_50:notes"/>
-          <p:cNvSpPr/>
+          <p:cNvSpPr>
+            <a:spLocks noGrp="1" noRot="1" noChangeAspect="1"/>
+          </p:cNvSpPr>
           <p:nvPr>
             <p:ph type="sldImg" idx="2"/>
           </p:nvPr>
@@ -972,7 +1010,9 @@
       <p:sp>
         <p:nvSpPr>
           <p:cNvPr id="102" name="Google Shape;102;g9f0f4aeee7_0_50:notes"/>
-          <p:cNvSpPr txBox="1"/>
+          <p:cNvSpPr txBox="1">
+            <a:spLocks noGrp="1"/>
+          </p:cNvSpPr>
           <p:nvPr>
             <p:ph type="body" idx="1"/>
           </p:nvPr>
@@ -1001,6 +1041,7 @@
               </a:spcAft>
               <a:buNone/>
             </a:pPr>
+            <a:endParaRPr/>
           </a:p>
         </p:txBody>
       </p:sp>
@@ -1013,11 +1054,11 @@
 </file>
 
 <file path=ppt/notesSlides/notesSlide4.xml><?xml version="1.0" encoding="utf-8"?>
-<p:notes xmlns:a="http://schemas.openxmlformats.org/drawingml/2006/main" xmlns:r="http://schemas.openxmlformats.org/officeDocument/2006/relationships" xmlns:p="http://schemas.openxmlformats.org/presentationml/2006/main" showMasterPhAnim="0" showMasterSp="0">
+<p:notes xmlns:a="http://schemas.openxmlformats.org/drawingml/2006/main" xmlns:r="http://schemas.openxmlformats.org/officeDocument/2006/relationships" xmlns:p="http://schemas.openxmlformats.org/presentationml/2006/main" showMasterSp="0" showMasterPhAnim="0">
   <p:cSld>
     <p:spTree>
       <p:nvGrpSpPr>
-        <p:cNvPr id="106" name="Shape 106"/>
+        <p:cNvPr id="1" name="Shape 106"/>
         <p:cNvGrpSpPr/>
         <p:nvPr/>
       </p:nvGrpSpPr>
@@ -1032,7 +1073,9 @@
       <p:sp>
         <p:nvSpPr>
           <p:cNvPr id="107" name="Google Shape;107;g9f0f4aeee7_0_55:notes"/>
-          <p:cNvSpPr/>
+          <p:cNvSpPr>
+            <a:spLocks noGrp="1" noRot="1" noChangeAspect="1"/>
+          </p:cNvSpPr>
           <p:nvPr>
             <p:ph type="sldImg" idx="2"/>
           </p:nvPr>
@@ -1071,7 +1114,9 @@
       <p:sp>
         <p:nvSpPr>
           <p:cNvPr id="108" name="Google Shape;108;g9f0f4aeee7_0_55:notes"/>
-          <p:cNvSpPr txBox="1"/>
+          <p:cNvSpPr txBox="1">
+            <a:spLocks noGrp="1"/>
+          </p:cNvSpPr>
           <p:nvPr>
             <p:ph type="body" idx="1"/>
           </p:nvPr>
@@ -1100,6 +1145,7 @@
               </a:spcAft>
               <a:buNone/>
             </a:pPr>
+            <a:endParaRPr/>
           </a:p>
         </p:txBody>
       </p:sp>
@@ -1112,11 +1158,11 @@
 </file>
 
 <file path=ppt/slideLayouts/slideLayout1.xml><?xml version="1.0" encoding="utf-8"?>
-<p:sldLayout xmlns:a="http://schemas.openxmlformats.org/drawingml/2006/main" xmlns:r="http://schemas.openxmlformats.org/officeDocument/2006/relationships" xmlns:p="http://schemas.openxmlformats.org/presentationml/2006/main" type="title" matchingName="Title slide">
+<p:sldLayout xmlns:a="http://schemas.openxmlformats.org/drawingml/2006/main" xmlns:r="http://schemas.openxmlformats.org/officeDocument/2006/relationships" xmlns:p="http://schemas.openxmlformats.org/presentationml/2006/main" matchingName="Title slide" type="title">
   <p:cSld name="TITLE">
     <p:spTree>
       <p:nvGrpSpPr>
-        <p:cNvPr id="9" name="Shape 9"/>
+        <p:cNvPr id="1" name="Shape 9"/>
         <p:cNvGrpSpPr/>
         <p:nvPr/>
       </p:nvGrpSpPr>
@@ -1217,7 +1263,9 @@
       <p:sp>
         <p:nvSpPr>
           <p:cNvPr id="12" name="Google Shape;12;p2"/>
-          <p:cNvSpPr txBox="1"/>
+          <p:cNvSpPr txBox="1">
+            <a:spLocks noGrp="1"/>
+          </p:cNvSpPr>
           <p:nvPr>
             <p:ph type="ctrTitle"/>
           </p:nvPr>
@@ -1336,13 +1384,17 @@
               <a:defRPr/>
             </a:lvl9pPr>
           </a:lstStyle>
-          <a:p/>
+          <a:p>
+            <a:endParaRPr/>
+          </a:p>
         </p:txBody>
       </p:sp>
       <p:sp>
         <p:nvSpPr>
           <p:cNvPr id="13" name="Google Shape;13;p2"/>
-          <p:cNvSpPr txBox="1"/>
+          <p:cNvSpPr txBox="1">
+            <a:spLocks noGrp="1"/>
+          </p:cNvSpPr>
           <p:nvPr>
             <p:ph type="subTitle" idx="1"/>
           </p:nvPr>
@@ -1542,13 +1594,17 @@
               </a:defRPr>
             </a:lvl9pPr>
           </a:lstStyle>
-          <a:p/>
+          <a:p>
+            <a:endParaRPr/>
+          </a:p>
         </p:txBody>
       </p:sp>
       <p:sp>
         <p:nvSpPr>
           <p:cNvPr id="14" name="Google Shape;14;p2"/>
-          <p:cNvSpPr txBox="1"/>
+          <p:cNvSpPr txBox="1">
+            <a:spLocks noGrp="1"/>
+          </p:cNvSpPr>
           <p:nvPr>
             <p:ph type="sldNum" idx="12"/>
           </p:nvPr>
@@ -1616,6 +1672,7 @@
             </a:pPr>
             <a:fld id="{00000000-1234-1234-1234-123412341234}" type="slidenum">
               <a:rPr lang="en-GB"/>
+              <a:t>‹#›</a:t>
             </a:fld>
             <a:endParaRPr lang="en-GB"/>
           </a:p>
@@ -1634,7 +1691,7 @@
   <p:cSld name="BIG_NUMBER">
     <p:spTree>
       <p:nvGrpSpPr>
-        <p:cNvPr id="51" name="Shape 51"/>
+        <p:cNvPr id="1" name="Shape 51"/>
         <p:cNvGrpSpPr/>
         <p:nvPr/>
       </p:nvGrpSpPr>
@@ -1682,13 +1739,16 @@
               </a:spcAft>
               <a:buNone/>
             </a:pPr>
+            <a:endParaRPr/>
           </a:p>
         </p:txBody>
       </p:sp>
       <p:sp>
         <p:nvSpPr>
           <p:cNvPr id="53" name="Google Shape;53;p11"/>
-          <p:cNvSpPr txBox="1"/>
+          <p:cNvSpPr txBox="1">
+            <a:spLocks noGrp="1"/>
+          </p:cNvSpPr>
           <p:nvPr>
             <p:ph type="title" hasCustomPrompt="1"/>
           </p:nvPr>
@@ -1880,7 +1940,9 @@
       <p:sp>
         <p:nvSpPr>
           <p:cNvPr id="54" name="Google Shape;54;p11"/>
-          <p:cNvSpPr txBox="1"/>
+          <p:cNvSpPr txBox="1">
+            <a:spLocks noGrp="1"/>
+          </p:cNvSpPr>
           <p:nvPr>
             <p:ph type="body" idx="1"/>
           </p:nvPr>
@@ -1999,13 +2061,17 @@
               <a:defRPr/>
             </a:lvl9pPr>
           </a:lstStyle>
-          <a:p/>
+          <a:p>
+            <a:endParaRPr/>
+          </a:p>
         </p:txBody>
       </p:sp>
       <p:sp>
         <p:nvSpPr>
           <p:cNvPr id="55" name="Google Shape;55;p11"/>
-          <p:cNvSpPr txBox="1"/>
+          <p:cNvSpPr txBox="1">
+            <a:spLocks noGrp="1"/>
+          </p:cNvSpPr>
           <p:nvPr>
             <p:ph type="sldNum" idx="12"/>
           </p:nvPr>
@@ -2073,6 +2139,7 @@
             </a:pPr>
             <a:fld id="{00000000-1234-1234-1234-123412341234}" type="slidenum">
               <a:rPr lang="en-GB"/>
+              <a:t>‹#›</a:t>
             </a:fld>
             <a:endParaRPr lang="en-GB"/>
           </a:p>
@@ -2087,11 +2154,11 @@
 </file>
 
 <file path=ppt/slideLayouts/slideLayout11.xml><?xml version="1.0" encoding="utf-8"?>
-<p:sldLayout xmlns:a="http://schemas.openxmlformats.org/drawingml/2006/main" xmlns:r="http://schemas.openxmlformats.org/officeDocument/2006/relationships" xmlns:p="http://schemas.openxmlformats.org/presentationml/2006/main" type="blank" matchingName="Blank">
+<p:sldLayout xmlns:a="http://schemas.openxmlformats.org/drawingml/2006/main" xmlns:r="http://schemas.openxmlformats.org/officeDocument/2006/relationships" xmlns:p="http://schemas.openxmlformats.org/presentationml/2006/main" matchingName="Blank" type="blank">
   <p:cSld name="BLANK">
     <p:spTree>
       <p:nvGrpSpPr>
-        <p:cNvPr id="56" name="Shape 56"/>
+        <p:cNvPr id="1" name="Shape 56"/>
         <p:cNvGrpSpPr/>
         <p:nvPr/>
       </p:nvGrpSpPr>
@@ -2106,7 +2173,9 @@
       <p:sp>
         <p:nvSpPr>
           <p:cNvPr id="57" name="Google Shape;57;p12"/>
-          <p:cNvSpPr txBox="1"/>
+          <p:cNvSpPr txBox="1">
+            <a:spLocks noGrp="1"/>
+          </p:cNvSpPr>
           <p:nvPr>
             <p:ph type="sldNum" idx="12"/>
           </p:nvPr>
@@ -2174,6 +2243,7 @@
             </a:pPr>
             <a:fld id="{00000000-1234-1234-1234-123412341234}" type="slidenum">
               <a:rPr lang="en-GB"/>
+              <a:t>‹#›</a:t>
             </a:fld>
             <a:endParaRPr lang="en-GB"/>
           </a:p>
@@ -2187,12 +2257,212 @@
 </p:sldLayout>
 </file>
 
+<file path=ppt/slideLayouts/slideLayout12.xml><?xml version="1.0" encoding="utf-8"?>
+<p:sldLayout xmlns:a="http://schemas.openxmlformats.org/drawingml/2006/main" xmlns:r="http://schemas.openxmlformats.org/officeDocument/2006/relationships" xmlns:p="http://schemas.openxmlformats.org/presentationml/2006/main" type="obj">
+  <p:cSld name="Title and Content">
+    <p:spTree>
+      <p:nvGrpSpPr>
+        <p:cNvPr id="1" name=""/>
+        <p:cNvGrpSpPr/>
+        <p:nvPr/>
+      </p:nvGrpSpPr>
+      <p:grpSpPr>
+        <a:xfrm>
+          <a:off x="0" y="0"/>
+          <a:ext cx="0" cy="0"/>
+          <a:chOff x="0" y="0"/>
+          <a:chExt cx="0" cy="0"/>
+        </a:xfrm>
+      </p:grpSpPr>
+      <p:sp>
+        <p:nvSpPr>
+          <p:cNvPr id="2" name="Title 1">
+            <a:extLst>
+              <a:ext uri="{FF2B5EF4-FFF2-40B4-BE49-F238E27FC236}">
+                <a16:creationId xmlns:a16="http://schemas.microsoft.com/office/drawing/2014/main" id="{858E7136-5B48-4F29-B410-30CE51B8C276}"/>
+              </a:ext>
+            </a:extLst>
+          </p:cNvPr>
+          <p:cNvSpPr>
+            <a:spLocks noGrp="1"/>
+          </p:cNvSpPr>
+          <p:nvPr>
+            <p:ph type="title"/>
+          </p:nvPr>
+        </p:nvSpPr>
+        <p:spPr/>
+        <p:txBody>
+          <a:bodyPr/>
+          <a:lstStyle/>
+          <a:p>
+            <a:r>
+              <a:rPr lang="en-US"/>
+              <a:t>Click to edit Master title style</a:t>
+            </a:r>
+            <a:endParaRPr lang="en-IN"/>
+          </a:p>
+        </p:txBody>
+      </p:sp>
+      <p:sp>
+        <p:nvSpPr>
+          <p:cNvPr id="3" name="Content Placeholder 2">
+            <a:extLst>
+              <a:ext uri="{FF2B5EF4-FFF2-40B4-BE49-F238E27FC236}">
+                <a16:creationId xmlns:a16="http://schemas.microsoft.com/office/drawing/2014/main" id="{F855A3DC-C0EB-4B88-B221-43CAEAF42BC0}"/>
+              </a:ext>
+            </a:extLst>
+          </p:cNvPr>
+          <p:cNvSpPr>
+            <a:spLocks noGrp="1"/>
+          </p:cNvSpPr>
+          <p:nvPr>
+            <p:ph idx="1"/>
+          </p:nvPr>
+        </p:nvSpPr>
+        <p:spPr/>
+        <p:txBody>
+          <a:bodyPr/>
+          <a:lstStyle/>
+          <a:p>
+            <a:pPr lvl="0"/>
+            <a:r>
+              <a:rPr lang="en-US"/>
+              <a:t>Click to edit Master text styles</a:t>
+            </a:r>
+          </a:p>
+          <a:p>
+            <a:pPr lvl="1"/>
+            <a:r>
+              <a:rPr lang="en-US"/>
+              <a:t>Second level</a:t>
+            </a:r>
+          </a:p>
+          <a:p>
+            <a:pPr lvl="2"/>
+            <a:r>
+              <a:rPr lang="en-US"/>
+              <a:t>Third level</a:t>
+            </a:r>
+          </a:p>
+          <a:p>
+            <a:pPr lvl="3"/>
+            <a:r>
+              <a:rPr lang="en-US"/>
+              <a:t>Fourth level</a:t>
+            </a:r>
+          </a:p>
+          <a:p>
+            <a:pPr lvl="4"/>
+            <a:r>
+              <a:rPr lang="en-US"/>
+              <a:t>Fifth level</a:t>
+            </a:r>
+            <a:endParaRPr lang="en-IN"/>
+          </a:p>
+        </p:txBody>
+      </p:sp>
+      <p:sp>
+        <p:nvSpPr>
+          <p:cNvPr id="4" name="Date Placeholder 3">
+            <a:extLst>
+              <a:ext uri="{FF2B5EF4-FFF2-40B4-BE49-F238E27FC236}">
+                <a16:creationId xmlns:a16="http://schemas.microsoft.com/office/drawing/2014/main" id="{C9D64166-1E9D-4C5B-97E4-2BF3E6BE1290}"/>
+              </a:ext>
+            </a:extLst>
+          </p:cNvPr>
+          <p:cNvSpPr>
+            <a:spLocks noGrp="1"/>
+          </p:cNvSpPr>
+          <p:nvPr>
+            <p:ph type="dt" sz="half" idx="10"/>
+          </p:nvPr>
+        </p:nvSpPr>
+        <p:spPr/>
+        <p:txBody>
+          <a:bodyPr/>
+          <a:lstStyle/>
+          <a:p>
+            <a:fld id="{9B3AADE1-27EE-4014-B194-B389A1EA2F57}" type="datetimeFigureOut">
+              <a:rPr lang="en-IN" smtClean="0"/>
+              <a:t>31-10-2020</a:t>
+            </a:fld>
+            <a:endParaRPr lang="en-IN"/>
+          </a:p>
+        </p:txBody>
+      </p:sp>
+      <p:sp>
+        <p:nvSpPr>
+          <p:cNvPr id="5" name="Footer Placeholder 4">
+            <a:extLst>
+              <a:ext uri="{FF2B5EF4-FFF2-40B4-BE49-F238E27FC236}">
+                <a16:creationId xmlns:a16="http://schemas.microsoft.com/office/drawing/2014/main" id="{49301D60-9FE2-49B3-A001-BA053DDBBE09}"/>
+              </a:ext>
+            </a:extLst>
+          </p:cNvPr>
+          <p:cNvSpPr>
+            <a:spLocks noGrp="1"/>
+          </p:cNvSpPr>
+          <p:nvPr>
+            <p:ph type="ftr" sz="quarter" idx="11"/>
+          </p:nvPr>
+        </p:nvSpPr>
+        <p:spPr/>
+        <p:txBody>
+          <a:bodyPr/>
+          <a:lstStyle/>
+          <a:p>
+            <a:endParaRPr lang="en-IN"/>
+          </a:p>
+        </p:txBody>
+      </p:sp>
+      <p:sp>
+        <p:nvSpPr>
+          <p:cNvPr id="6" name="Slide Number Placeholder 5">
+            <a:extLst>
+              <a:ext uri="{FF2B5EF4-FFF2-40B4-BE49-F238E27FC236}">
+                <a16:creationId xmlns:a16="http://schemas.microsoft.com/office/drawing/2014/main" id="{3DBB1855-B131-4E63-99F3-46C8AE14E41D}"/>
+              </a:ext>
+            </a:extLst>
+          </p:cNvPr>
+          <p:cNvSpPr>
+            <a:spLocks noGrp="1"/>
+          </p:cNvSpPr>
+          <p:nvPr>
+            <p:ph type="sldNum" sz="quarter" idx="12"/>
+          </p:nvPr>
+        </p:nvSpPr>
+        <p:spPr/>
+        <p:txBody>
+          <a:bodyPr/>
+          <a:lstStyle/>
+          <a:p>
+            <a:fld id="{69E6659B-BF6E-4DE8-8DA1-709FC145E0D7}" type="slidenum">
+              <a:rPr lang="en-IN" smtClean="0"/>
+              <a:t>‹#›</a:t>
+            </a:fld>
+            <a:endParaRPr lang="en-IN"/>
+          </a:p>
+        </p:txBody>
+      </p:sp>
+    </p:spTree>
+    <p:extLst>
+      <p:ext uri="{BB962C8B-B14F-4D97-AF65-F5344CB8AC3E}">
+        <p14:creationId xmlns:p14="http://schemas.microsoft.com/office/powerpoint/2010/main" val="1806693628"/>
+      </p:ext>
+    </p:extLst>
+  </p:cSld>
+  <p:clrMapOvr>
+    <a:masterClrMapping/>
+  </p:clrMapOvr>
+</p:sldLayout>
+</file>
+
 <file path=ppt/slideLayouts/slideLayout2.xml><?xml version="1.0" encoding="utf-8"?>
-<p:sldLayout xmlns:a="http://schemas.openxmlformats.org/drawingml/2006/main" xmlns:r="http://schemas.openxmlformats.org/officeDocument/2006/relationships" xmlns:p="http://schemas.openxmlformats.org/presentationml/2006/main" type="secHead" matchingName="Section header">
+<p:sldLayout xmlns:a="http://schemas.openxmlformats.org/drawingml/2006/main" xmlns:r="http://schemas.openxmlformats.org/officeDocument/2006/relationships" xmlns:p="http://schemas.openxmlformats.org/presentationml/2006/main" matchingName="Section header" type="secHead">
   <p:cSld name="SECTION_HEADER">
     <p:spTree>
       <p:nvGrpSpPr>
-        <p:cNvPr id="15" name="Shape 15"/>
+        <p:cNvPr id="1" name="Shape 15"/>
         <p:cNvGrpSpPr/>
         <p:nvPr/>
       </p:nvGrpSpPr>
@@ -2293,7 +2563,9 @@
       <p:sp>
         <p:nvSpPr>
           <p:cNvPr id="18" name="Google Shape;18;p3"/>
-          <p:cNvSpPr txBox="1"/>
+          <p:cNvSpPr txBox="1">
+            <a:spLocks noGrp="1"/>
+          </p:cNvSpPr>
           <p:nvPr>
             <p:ph type="title"/>
           </p:nvPr>
@@ -2412,13 +2684,17 @@
               <a:defRPr/>
             </a:lvl9pPr>
           </a:lstStyle>
-          <a:p/>
+          <a:p>
+            <a:endParaRPr/>
+          </a:p>
         </p:txBody>
       </p:sp>
       <p:sp>
         <p:nvSpPr>
           <p:cNvPr id="19" name="Google Shape;19;p3"/>
-          <p:cNvSpPr txBox="1"/>
+          <p:cNvSpPr txBox="1">
+            <a:spLocks noGrp="1"/>
+          </p:cNvSpPr>
           <p:nvPr>
             <p:ph type="sldNum" idx="12"/>
           </p:nvPr>
@@ -2486,6 +2762,7 @@
             </a:pPr>
             <a:fld id="{00000000-1234-1234-1234-123412341234}" type="slidenum">
               <a:rPr lang="en-GB"/>
+              <a:t>‹#›</a:t>
             </a:fld>
             <a:endParaRPr lang="en-GB"/>
           </a:p>
@@ -2500,11 +2777,11 @@
 </file>
 
 <file path=ppt/slideLayouts/slideLayout3.xml><?xml version="1.0" encoding="utf-8"?>
-<p:sldLayout xmlns:a="http://schemas.openxmlformats.org/drawingml/2006/main" xmlns:r="http://schemas.openxmlformats.org/officeDocument/2006/relationships" xmlns:p="http://schemas.openxmlformats.org/presentationml/2006/main" type="tx" matchingName="Title and body">
+<p:sldLayout xmlns:a="http://schemas.openxmlformats.org/drawingml/2006/main" xmlns:r="http://schemas.openxmlformats.org/officeDocument/2006/relationships" xmlns:p="http://schemas.openxmlformats.org/presentationml/2006/main" matchingName="Title and body" type="tx">
   <p:cSld name="TITLE_AND_BODY">
     <p:spTree>
       <p:nvGrpSpPr>
-        <p:cNvPr id="20" name="Shape 20"/>
+        <p:cNvPr id="1" name="Shape 20"/>
         <p:cNvGrpSpPr/>
         <p:nvPr/>
       </p:nvGrpSpPr>
@@ -2552,13 +2829,16 @@
               </a:spcAft>
               <a:buNone/>
             </a:pPr>
+            <a:endParaRPr/>
           </a:p>
         </p:txBody>
       </p:sp>
       <p:sp>
         <p:nvSpPr>
           <p:cNvPr id="22" name="Google Shape;22;p4"/>
-          <p:cNvSpPr txBox="1"/>
+          <p:cNvSpPr txBox="1">
+            <a:spLocks noGrp="1"/>
+          </p:cNvSpPr>
           <p:nvPr>
             <p:ph type="title"/>
           </p:nvPr>
@@ -2677,13 +2957,17 @@
               <a:defRPr/>
             </a:lvl9pPr>
           </a:lstStyle>
-          <a:p/>
+          <a:p>
+            <a:endParaRPr/>
+          </a:p>
         </p:txBody>
       </p:sp>
       <p:sp>
         <p:nvSpPr>
           <p:cNvPr id="23" name="Google Shape;23;p4"/>
-          <p:cNvSpPr txBox="1"/>
+          <p:cNvSpPr txBox="1">
+            <a:spLocks noGrp="1"/>
+          </p:cNvSpPr>
           <p:nvPr>
             <p:ph type="body" idx="1"/>
           </p:nvPr>
@@ -2802,13 +3086,17 @@
               <a:defRPr/>
             </a:lvl9pPr>
           </a:lstStyle>
-          <a:p/>
+          <a:p>
+            <a:endParaRPr/>
+          </a:p>
         </p:txBody>
       </p:sp>
       <p:sp>
         <p:nvSpPr>
           <p:cNvPr id="24" name="Google Shape;24;p4"/>
-          <p:cNvSpPr txBox="1"/>
+          <p:cNvSpPr txBox="1">
+            <a:spLocks noGrp="1"/>
+          </p:cNvSpPr>
           <p:nvPr>
             <p:ph type="sldNum" idx="12"/>
           </p:nvPr>
@@ -2876,6 +3164,7 @@
             </a:pPr>
             <a:fld id="{00000000-1234-1234-1234-123412341234}" type="slidenum">
               <a:rPr lang="en-GB"/>
+              <a:t>‹#›</a:t>
             </a:fld>
             <a:endParaRPr lang="en-GB"/>
           </a:p>
@@ -2890,11 +3179,11 @@
 </file>
 
 <file path=ppt/slideLayouts/slideLayout4.xml><?xml version="1.0" encoding="utf-8"?>
-<p:sldLayout xmlns:a="http://schemas.openxmlformats.org/drawingml/2006/main" xmlns:r="http://schemas.openxmlformats.org/officeDocument/2006/relationships" xmlns:p="http://schemas.openxmlformats.org/presentationml/2006/main" type="twoColTx" matchingName="Title and two columns">
+<p:sldLayout xmlns:a="http://schemas.openxmlformats.org/drawingml/2006/main" xmlns:r="http://schemas.openxmlformats.org/officeDocument/2006/relationships" xmlns:p="http://schemas.openxmlformats.org/presentationml/2006/main" matchingName="Title and two columns" type="twoColTx">
   <p:cSld name="TITLE_AND_TWO_COLUMNS">
     <p:spTree>
       <p:nvGrpSpPr>
-        <p:cNvPr id="25" name="Shape 25"/>
+        <p:cNvPr id="1" name="Shape 25"/>
         <p:cNvGrpSpPr/>
         <p:nvPr/>
       </p:nvGrpSpPr>
@@ -2909,7 +3198,9 @@
       <p:sp>
         <p:nvSpPr>
           <p:cNvPr id="26" name="Google Shape;26;p5"/>
-          <p:cNvSpPr txBox="1"/>
+          <p:cNvSpPr txBox="1">
+            <a:spLocks noGrp="1"/>
+          </p:cNvSpPr>
           <p:nvPr>
             <p:ph type="title"/>
           </p:nvPr>
@@ -3028,13 +3319,17 @@
               <a:defRPr/>
             </a:lvl9pPr>
           </a:lstStyle>
-          <a:p/>
+          <a:p>
+            <a:endParaRPr/>
+          </a:p>
         </p:txBody>
       </p:sp>
       <p:sp>
         <p:nvSpPr>
           <p:cNvPr id="27" name="Google Shape;27;p5"/>
-          <p:cNvSpPr txBox="1"/>
+          <p:cNvSpPr txBox="1">
+            <a:spLocks noGrp="1"/>
+          </p:cNvSpPr>
           <p:nvPr>
             <p:ph type="body" idx="1"/>
           </p:nvPr>
@@ -3153,13 +3448,17 @@
               <a:defRPr sz="1200"/>
             </a:lvl9pPr>
           </a:lstStyle>
-          <a:p/>
+          <a:p>
+            <a:endParaRPr/>
+          </a:p>
         </p:txBody>
       </p:sp>
       <p:sp>
         <p:nvSpPr>
           <p:cNvPr id="28" name="Google Shape;28;p5"/>
-          <p:cNvSpPr txBox="1"/>
+          <p:cNvSpPr txBox="1">
+            <a:spLocks noGrp="1"/>
+          </p:cNvSpPr>
           <p:nvPr>
             <p:ph type="body" idx="2"/>
           </p:nvPr>
@@ -3278,13 +3577,17 @@
               <a:defRPr sz="1200"/>
             </a:lvl9pPr>
           </a:lstStyle>
-          <a:p/>
+          <a:p>
+            <a:endParaRPr/>
+          </a:p>
         </p:txBody>
       </p:sp>
       <p:sp>
         <p:nvSpPr>
           <p:cNvPr id="29" name="Google Shape;29;p5"/>
-          <p:cNvSpPr txBox="1"/>
+          <p:cNvSpPr txBox="1">
+            <a:spLocks noGrp="1"/>
+          </p:cNvSpPr>
           <p:nvPr>
             <p:ph type="sldNum" idx="12"/>
           </p:nvPr>
@@ -3352,6 +3655,7 @@
             </a:pPr>
             <a:fld id="{00000000-1234-1234-1234-123412341234}" type="slidenum">
               <a:rPr lang="en-GB"/>
+              <a:t>‹#›</a:t>
             </a:fld>
             <a:endParaRPr lang="en-GB"/>
           </a:p>
@@ -3366,11 +3670,11 @@
 </file>
 
 <file path=ppt/slideLayouts/slideLayout5.xml><?xml version="1.0" encoding="utf-8"?>
-<p:sldLayout xmlns:a="http://schemas.openxmlformats.org/drawingml/2006/main" xmlns:r="http://schemas.openxmlformats.org/officeDocument/2006/relationships" xmlns:p="http://schemas.openxmlformats.org/presentationml/2006/main" type="titleOnly" matchingName="Title only">
+<p:sldLayout xmlns:a="http://schemas.openxmlformats.org/drawingml/2006/main" xmlns:r="http://schemas.openxmlformats.org/officeDocument/2006/relationships" xmlns:p="http://schemas.openxmlformats.org/presentationml/2006/main" matchingName="Title only" type="titleOnly">
   <p:cSld name="TITLE_ONLY">
     <p:spTree>
       <p:nvGrpSpPr>
-        <p:cNvPr id="30" name="Shape 30"/>
+        <p:cNvPr id="1" name="Shape 30"/>
         <p:cNvGrpSpPr/>
         <p:nvPr/>
       </p:nvGrpSpPr>
@@ -3385,7 +3689,9 @@
       <p:sp>
         <p:nvSpPr>
           <p:cNvPr id="31" name="Google Shape;31;p6"/>
-          <p:cNvSpPr txBox="1"/>
+          <p:cNvSpPr txBox="1">
+            <a:spLocks noGrp="1"/>
+          </p:cNvSpPr>
           <p:nvPr>
             <p:ph type="title"/>
           </p:nvPr>
@@ -3504,13 +3810,17 @@
               <a:defRPr/>
             </a:lvl9pPr>
           </a:lstStyle>
-          <a:p/>
+          <a:p>
+            <a:endParaRPr/>
+          </a:p>
         </p:txBody>
       </p:sp>
       <p:sp>
         <p:nvSpPr>
           <p:cNvPr id="32" name="Google Shape;32;p6"/>
-          <p:cNvSpPr txBox="1"/>
+          <p:cNvSpPr txBox="1">
+            <a:spLocks noGrp="1"/>
+          </p:cNvSpPr>
           <p:nvPr>
             <p:ph type="sldNum" idx="12"/>
           </p:nvPr>
@@ -3578,6 +3888,7 @@
             </a:pPr>
             <a:fld id="{00000000-1234-1234-1234-123412341234}" type="slidenum">
               <a:rPr lang="en-GB"/>
+              <a:t>‹#›</a:t>
             </a:fld>
             <a:endParaRPr lang="en-GB"/>
           </a:p>
@@ -3596,7 +3907,7 @@
   <p:cSld name="ONE_COLUMN_TEXT">
     <p:spTree>
       <p:nvGrpSpPr>
-        <p:cNvPr id="33" name="Shape 33"/>
+        <p:cNvPr id="1" name="Shape 33"/>
         <p:cNvGrpSpPr/>
         <p:nvPr/>
       </p:nvGrpSpPr>
@@ -3611,7 +3922,9 @@
       <p:sp>
         <p:nvSpPr>
           <p:cNvPr id="34" name="Google Shape;34;p7"/>
-          <p:cNvSpPr txBox="1"/>
+          <p:cNvSpPr txBox="1">
+            <a:spLocks noGrp="1"/>
+          </p:cNvSpPr>
           <p:nvPr>
             <p:ph type="title"/>
           </p:nvPr>
@@ -3730,13 +4043,17 @@
               <a:defRPr sz="3000"/>
             </a:lvl9pPr>
           </a:lstStyle>
-          <a:p/>
+          <a:p>
+            <a:endParaRPr/>
+          </a:p>
         </p:txBody>
       </p:sp>
       <p:sp>
         <p:nvSpPr>
           <p:cNvPr id="35" name="Google Shape;35;p7"/>
-          <p:cNvSpPr txBox="1"/>
+          <p:cNvSpPr txBox="1">
+            <a:spLocks noGrp="1"/>
+          </p:cNvSpPr>
           <p:nvPr>
             <p:ph type="body" idx="1"/>
           </p:nvPr>
@@ -3855,13 +4172,17 @@
               <a:defRPr sz="1200"/>
             </a:lvl9pPr>
           </a:lstStyle>
-          <a:p/>
+          <a:p>
+            <a:endParaRPr/>
+          </a:p>
         </p:txBody>
       </p:sp>
       <p:sp>
         <p:nvSpPr>
           <p:cNvPr id="36" name="Google Shape;36;p7"/>
-          <p:cNvSpPr txBox="1"/>
+          <p:cNvSpPr txBox="1">
+            <a:spLocks noGrp="1"/>
+          </p:cNvSpPr>
           <p:nvPr>
             <p:ph type="sldNum" idx="12"/>
           </p:nvPr>
@@ -3929,6 +4250,7 @@
             </a:pPr>
             <a:fld id="{00000000-1234-1234-1234-123412341234}" type="slidenum">
               <a:rPr lang="en-GB"/>
+              <a:t>‹#›</a:t>
             </a:fld>
             <a:endParaRPr lang="en-GB"/>
           </a:p>
@@ -3947,7 +4269,7 @@
   <p:cSld name="MAIN_POINT">
     <p:spTree>
       <p:nvGrpSpPr>
-        <p:cNvPr id="37" name="Shape 37"/>
+        <p:cNvPr id="1" name="Shape 37"/>
         <p:cNvGrpSpPr/>
         <p:nvPr/>
       </p:nvGrpSpPr>
@@ -3995,13 +4317,16 @@
               </a:spcAft>
               <a:buNone/>
             </a:pPr>
+            <a:endParaRPr/>
           </a:p>
         </p:txBody>
       </p:sp>
       <p:sp>
         <p:nvSpPr>
           <p:cNvPr id="39" name="Google Shape;39;p8"/>
-          <p:cNvSpPr txBox="1"/>
+          <p:cNvSpPr txBox="1">
+            <a:spLocks noGrp="1"/>
+          </p:cNvSpPr>
           <p:nvPr>
             <p:ph type="title"/>
           </p:nvPr>
@@ -4120,13 +4445,17 @@
               <a:defRPr sz="4800"/>
             </a:lvl9pPr>
           </a:lstStyle>
-          <a:p/>
+          <a:p>
+            <a:endParaRPr/>
+          </a:p>
         </p:txBody>
       </p:sp>
       <p:sp>
         <p:nvSpPr>
           <p:cNvPr id="40" name="Google Shape;40;p8"/>
-          <p:cNvSpPr txBox="1"/>
+          <p:cNvSpPr txBox="1">
+            <a:spLocks noGrp="1"/>
+          </p:cNvSpPr>
           <p:nvPr>
             <p:ph type="sldNum" idx="12"/>
           </p:nvPr>
@@ -4194,6 +4523,7 @@
             </a:pPr>
             <a:fld id="{00000000-1234-1234-1234-123412341234}" type="slidenum">
               <a:rPr lang="en-GB"/>
+              <a:t>‹#›</a:t>
             </a:fld>
             <a:endParaRPr lang="en-GB"/>
           </a:p>
@@ -4212,7 +4542,7 @@
   <p:cSld name="SECTION_TITLE_AND_DESCRIPTION">
     <p:spTree>
       <p:nvGrpSpPr>
-        <p:cNvPr id="41" name="Shape 41"/>
+        <p:cNvPr id="1" name="Shape 41"/>
         <p:cNvGrpSpPr/>
         <p:nvPr/>
       </p:nvGrpSpPr>
@@ -4260,6 +4590,7 @@
               </a:spcAft>
               <a:buNone/>
             </a:pPr>
+            <a:endParaRPr/>
           </a:p>
         </p:txBody>
       </p:sp>
@@ -4292,7 +4623,9 @@
       <p:sp>
         <p:nvSpPr>
           <p:cNvPr id="44" name="Google Shape;44;p9"/>
-          <p:cNvSpPr txBox="1"/>
+          <p:cNvSpPr txBox="1">
+            <a:spLocks noGrp="1"/>
+          </p:cNvSpPr>
           <p:nvPr>
             <p:ph type="title"/>
           </p:nvPr>
@@ -4474,13 +4807,17 @@
               </a:defRPr>
             </a:lvl9pPr>
           </a:lstStyle>
-          <a:p/>
+          <a:p>
+            <a:endParaRPr/>
+          </a:p>
         </p:txBody>
       </p:sp>
       <p:sp>
         <p:nvSpPr>
           <p:cNvPr id="45" name="Google Shape;45;p9"/>
-          <p:cNvSpPr txBox="1"/>
+          <p:cNvSpPr txBox="1">
+            <a:spLocks noGrp="1"/>
+          </p:cNvSpPr>
           <p:nvPr>
             <p:ph type="subTitle" idx="1"/>
           </p:nvPr>
@@ -4680,13 +5017,17 @@
               </a:defRPr>
             </a:lvl9pPr>
           </a:lstStyle>
-          <a:p/>
+          <a:p>
+            <a:endParaRPr/>
+          </a:p>
         </p:txBody>
       </p:sp>
       <p:sp>
         <p:nvSpPr>
           <p:cNvPr id="46" name="Google Shape;46;p9"/>
-          <p:cNvSpPr txBox="1"/>
+          <p:cNvSpPr txBox="1">
+            <a:spLocks noGrp="1"/>
+          </p:cNvSpPr>
           <p:nvPr>
             <p:ph type="body" idx="2"/>
           </p:nvPr>
@@ -4868,13 +5209,17 @@
               </a:defRPr>
             </a:lvl9pPr>
           </a:lstStyle>
-          <a:p/>
+          <a:p>
+            <a:endParaRPr/>
+          </a:p>
         </p:txBody>
       </p:sp>
       <p:sp>
         <p:nvSpPr>
           <p:cNvPr id="47" name="Google Shape;47;p9"/>
-          <p:cNvSpPr txBox="1"/>
+          <p:cNvSpPr txBox="1">
+            <a:spLocks noGrp="1"/>
+          </p:cNvSpPr>
           <p:nvPr>
             <p:ph type="sldNum" idx="12"/>
           </p:nvPr>
@@ -4978,6 +5323,7 @@
             </a:pPr>
             <a:fld id="{00000000-1234-1234-1234-123412341234}" type="slidenum">
               <a:rPr lang="en-GB"/>
+              <a:t>‹#›</a:t>
             </a:fld>
             <a:endParaRPr lang="en-GB"/>
           </a:p>
@@ -4996,7 +5342,7 @@
   <p:cSld name="CAPTION_ONLY">
     <p:spTree>
       <p:nvGrpSpPr>
-        <p:cNvPr id="48" name="Shape 48"/>
+        <p:cNvPr id="1" name="Shape 48"/>
         <p:cNvGrpSpPr/>
         <p:nvPr/>
       </p:nvGrpSpPr>
@@ -5011,7 +5357,9 @@
       <p:sp>
         <p:nvSpPr>
           <p:cNvPr id="49" name="Google Shape;49;p10"/>
-          <p:cNvSpPr txBox="1"/>
+          <p:cNvSpPr txBox="1">
+            <a:spLocks noGrp="1"/>
+          </p:cNvSpPr>
           <p:nvPr>
             <p:ph type="body" idx="1"/>
           </p:nvPr>
@@ -5051,13 +5399,17 @@
               </a:defRPr>
             </a:lvl1pPr>
           </a:lstStyle>
-          <a:p/>
+          <a:p>
+            <a:endParaRPr/>
+          </a:p>
         </p:txBody>
       </p:sp>
       <p:sp>
         <p:nvSpPr>
           <p:cNvPr id="50" name="Google Shape;50;p10"/>
-          <p:cNvSpPr txBox="1"/>
+          <p:cNvSpPr txBox="1">
+            <a:spLocks noGrp="1"/>
+          </p:cNvSpPr>
           <p:nvPr>
             <p:ph type="sldNum" idx="12"/>
           </p:nvPr>
@@ -5125,6 +5477,7 @@
             </a:pPr>
             <a:fld id="{00000000-1234-1234-1234-123412341234}" type="slidenum">
               <a:rPr lang="en-GB"/>
+              <a:t>‹#›</a:t>
             </a:fld>
             <a:endParaRPr lang="en-GB"/>
           </a:p>
@@ -5151,7 +5504,7 @@
     </p:bg>
     <p:spTree>
       <p:nvGrpSpPr>
-        <p:cNvPr id="5" name="Shape 5"/>
+        <p:cNvPr id="1" name="Shape 5"/>
         <p:cNvGrpSpPr/>
         <p:nvPr/>
       </p:nvGrpSpPr>
@@ -5166,7 +5519,9 @@
       <p:sp>
         <p:nvSpPr>
           <p:cNvPr id="6" name="Google Shape;6;p1"/>
-          <p:cNvSpPr txBox="1"/>
+          <p:cNvSpPr txBox="1">
+            <a:spLocks noGrp="1"/>
+          </p:cNvSpPr>
           <p:nvPr>
             <p:ph type="title"/>
           </p:nvPr>
@@ -5397,13 +5752,17 @@
               </a:defRPr>
             </a:lvl9pPr>
           </a:lstStyle>
-          <a:p/>
+          <a:p>
+            <a:endParaRPr/>
+          </a:p>
         </p:txBody>
       </p:sp>
       <p:sp>
         <p:nvSpPr>
           <p:cNvPr id="7" name="Google Shape;7;p1"/>
-          <p:cNvSpPr txBox="1"/>
+          <p:cNvSpPr txBox="1">
+            <a:spLocks noGrp="1"/>
+          </p:cNvSpPr>
           <p:nvPr>
             <p:ph type="body" idx="1"/>
           </p:nvPr>
@@ -5661,13 +6020,17 @@
               </a:defRPr>
             </a:lvl9pPr>
           </a:lstStyle>
-          <a:p/>
+          <a:p>
+            <a:endParaRPr/>
+          </a:p>
         </p:txBody>
       </p:sp>
       <p:sp>
         <p:nvSpPr>
           <p:cNvPr id="8" name="Google Shape;8;p1"/>
-          <p:cNvSpPr txBox="1"/>
+          <p:cNvSpPr txBox="1">
+            <a:spLocks noGrp="1"/>
+          </p:cNvSpPr>
           <p:nvPr>
             <p:ph type="sldNum" idx="12"/>
           </p:nvPr>
@@ -5811,6 +6174,7 @@
             </a:pPr>
             <a:fld id="{00000000-1234-1234-1234-123412341234}" type="slidenum">
               <a:rPr lang="en-GB"/>
+              <a:t>‹#›</a:t>
             </a:fld>
             <a:endParaRPr lang="en-GB"/>
           </a:p>
@@ -5831,6 +6195,7 @@
     <p:sldLayoutId id="2147483657" r:id="rId9"/>
     <p:sldLayoutId id="2147483658" r:id="rId10"/>
     <p:sldLayoutId id="2147483659" r:id="rId11"/>
+    <p:sldLayoutId id="2147483660" r:id="rId12"/>
   </p:sldLayoutIdLst>
   <p:hf sldNum="0" hdr="0" ftr="0" dt="0"/>
   <p:txStyles>
@@ -6631,10 +6996,6 @@
               </a:rPr>
               <a:t>Our goal is to predict whether a meme is hateful or non-hateful. This is a binary classification problem with multimodal input data consisting of the meme image itself (the image mode) and a string representing the text in the meme image (the text mode).</a:t>
             </a:r>
-            <a:endParaRPr lang="en-US" sz="1600" dirty="0">
-              <a:latin typeface="Cambria" panose="02040503050406030204" charset="0"/>
-              <a:cs typeface="Cambria" panose="02040503050406030204" charset="0"/>
-            </a:endParaRPr>
           </a:p>
           <a:p>
             <a:pPr marL="114300" indent="0">
@@ -6644,19 +7005,16 @@
               <a:rPr lang="en-US" sz="1600" dirty="0"/>
               <a:t>	</a:t>
             </a:r>
-            <a:r>
-              <a:rPr lang="en-US" sz="1400" dirty="0">
+          </a:p>
+          <a:p>
+            <a:pPr marL="114300" indent="0">
+              <a:buNone/>
+            </a:pPr>
+            <a:r>
+              <a:rPr lang="en-US" sz="1600" dirty="0">
                 <a:sym typeface="+mn-ea"/>
               </a:rPr>
-              <a:t>Task 2 : Providing reason and validation over the classification result of memes</a:t>
-            </a:r>
-            <a:r>
-              <a:rPr lang="en-US" sz="1400" dirty="0">
-                <a:latin typeface="Times New Roman" panose="02020603050405020304" charset="0"/>
-                <a:cs typeface="Times New Roman" panose="02020603050405020304" charset="0"/>
-                <a:sym typeface="+mn-ea"/>
-              </a:rPr>
-              <a:t> </a:t>
+              <a:t>	</a:t>
             </a:r>
             <a:endParaRPr lang="en-US" sz="1600" dirty="0"/>
           </a:p>
@@ -6687,7 +7045,7 @@
   <p:cSld>
     <p:spTree>
       <p:nvGrpSpPr>
-        <p:cNvPr id="109" name="Shape 109"/>
+        <p:cNvPr id="1" name=""/>
         <p:cNvGrpSpPr/>
         <p:nvPr/>
       </p:nvGrpSpPr>
@@ -6699,219 +7057,30 @@
           <a:chExt cx="0" cy="0"/>
         </a:xfrm>
       </p:grpSpPr>
-      <p:sp>
-        <p:nvSpPr>
-          <p:cNvPr id="111" name="Google Shape;111;p21"/>
-          <p:cNvSpPr txBox="1"/>
-          <p:nvPr>
-            <p:ph type="body" idx="1"/>
-          </p:nvPr>
-        </p:nvSpPr>
+      <p:pic>
+        <p:nvPicPr>
+          <p:cNvPr id="3" name="Picture 2"/>
+          <p:cNvPicPr>
+            <a:picLocks noChangeAspect="1"/>
+          </p:cNvPicPr>
+          <p:nvPr/>
+        </p:nvPicPr>
+        <p:blipFill>
+          <a:blip r:embed="rId2"/>
+          <a:stretch>
+            <a:fillRect/>
+          </a:stretch>
+        </p:blipFill>
         <p:spPr>
           <a:xfrm>
-            <a:off x="311785" y="704215"/>
-            <a:ext cx="8520430" cy="3014345"/>
+            <a:off x="1551305" y="941070"/>
+            <a:ext cx="7050405" cy="3261360"/>
           </a:xfrm>
           <a:prstGeom prst="rect">
             <a:avLst/>
           </a:prstGeom>
         </p:spPr>
-        <p:txBody>
-          <a:bodyPr spcFirstLastPara="1" wrap="square" lIns="91425" tIns="91425" rIns="91425" bIns="91425" anchor="t" anchorCtr="0">
-            <a:noAutofit/>
-          </a:bodyPr>
-          <a:lstStyle/>
-          <a:p>
-            <a:pPr marL="0" lvl="1" indent="-285750" algn="l" rtl="0">
-              <a:spcBef>
-                <a:spcPts val="0"/>
-              </a:spcBef>
-              <a:spcAft>
-                <a:spcPts val="1600"/>
-              </a:spcAft>
-              <a:buFont typeface="Arial" panose="020B0604020202020204" pitchFamily="34" charset="0"/>
-              <a:buChar char="•"/>
-            </a:pPr>
-            <a:r>
-              <a:rPr>
-                <a:latin typeface="Times New Roman" panose="02020603050405020304" charset="0"/>
-                <a:cs typeface="Times New Roman" panose="02020603050405020304" charset="0"/>
-              </a:rPr>
-              <a:t>During training, given triplets of </a:t>
-            </a:r>
-            <a:r>
-              <a:rPr>
-                <a:latin typeface="Times New Roman" panose="02020603050405020304" charset="0"/>
-                <a:cs typeface="Times New Roman" panose="02020603050405020304" charset="0"/>
-                <a:sym typeface="+mn-ea"/>
-              </a:rPr>
-              <a:t>question Q </a:t>
-            </a:r>
-            <a:r>
-              <a:rPr lang="en-US">
-                <a:latin typeface="Times New Roman" panose="02020603050405020304" charset="0"/>
-                <a:cs typeface="Times New Roman" panose="02020603050405020304" charset="0"/>
-                <a:sym typeface="+mn-ea"/>
-              </a:rPr>
-              <a:t>,</a:t>
-            </a:r>
-            <a:r>
-              <a:rPr>
-                <a:latin typeface="Times New Roman" panose="02020603050405020304" charset="0"/>
-                <a:cs typeface="Times New Roman" panose="02020603050405020304" charset="0"/>
-                <a:sym typeface="+mn-ea"/>
-              </a:rPr>
-              <a:t>ground truth answer A</a:t>
-            </a:r>
-            <a:endParaRPr>
-              <a:latin typeface="Times New Roman" panose="02020603050405020304" charset="0"/>
-              <a:cs typeface="Times New Roman" panose="02020603050405020304" charset="0"/>
-            </a:endParaRPr>
-          </a:p>
-          <a:p>
-            <a:pPr marL="742950" lvl="1" indent="-285750" algn="l" rtl="0">
-              <a:spcBef>
-                <a:spcPts val="0"/>
-              </a:spcBef>
-              <a:spcAft>
-                <a:spcPts val="1600"/>
-              </a:spcAft>
-              <a:buFont typeface="Arial" panose="020B0604020202020204" pitchFamily="34" charset="0"/>
-              <a:buChar char="•"/>
-            </a:pPr>
-            <a:r>
-              <a:rPr lang="en-US">
-                <a:latin typeface="Times New Roman" panose="02020603050405020304" charset="0"/>
-                <a:cs typeface="Times New Roman" panose="02020603050405020304" charset="0"/>
-              </a:rPr>
-              <a:t>I</a:t>
-            </a:r>
-            <a:r>
-              <a:rPr>
-                <a:latin typeface="Times New Roman" panose="02020603050405020304" charset="0"/>
-                <a:cs typeface="Times New Roman" panose="02020603050405020304" charset="0"/>
-              </a:rPr>
-              <a:t>mage I,</a:t>
-            </a:r>
-            <a:endParaRPr>
-              <a:latin typeface="Times New Roman" panose="02020603050405020304" charset="0"/>
-              <a:cs typeface="Times New Roman" panose="02020603050405020304" charset="0"/>
-            </a:endParaRPr>
-          </a:p>
-          <a:p>
-            <a:pPr marL="1200150" lvl="2" indent="-285750" algn="l" rtl="0">
-              <a:lnSpc>
-                <a:spcPct val="95000"/>
-              </a:lnSpc>
-              <a:spcBef>
-                <a:spcPts val="0"/>
-              </a:spcBef>
-              <a:spcAft>
-                <a:spcPts val="1600"/>
-              </a:spcAft>
-              <a:buFont typeface="Arial" panose="020B0604020202020204" pitchFamily="34" charset="0"/>
-              <a:buChar char="•"/>
-            </a:pPr>
-            <a:r>
-              <a:rPr lang="en-US">
-                <a:latin typeface="Times New Roman" panose="02020603050405020304" charset="0"/>
-                <a:cs typeface="Times New Roman" panose="02020603050405020304" charset="0"/>
-              </a:rPr>
-              <a:t>W</a:t>
-            </a:r>
-            <a:r>
-              <a:rPr>
-                <a:latin typeface="Times New Roman" panose="02020603050405020304" charset="0"/>
-                <a:cs typeface="Times New Roman" panose="02020603050405020304" charset="0"/>
-              </a:rPr>
-              <a:t>e optimize the negative log-likelihood (NLL) loss to maximize the probability of the ground truth answer PI (A|Q, I) given by the VQA model.</a:t>
-            </a:r>
-            <a:endParaRPr>
-              <a:latin typeface="Times New Roman" panose="02020603050405020304" charset="0"/>
-              <a:cs typeface="Times New Roman" panose="02020603050405020304" charset="0"/>
-            </a:endParaRPr>
-          </a:p>
-          <a:p>
-            <a:pPr marL="742950" lvl="1" indent="-285750" algn="l" rtl="0">
-              <a:lnSpc>
-                <a:spcPct val="95000"/>
-              </a:lnSpc>
-              <a:spcBef>
-                <a:spcPts val="0"/>
-              </a:spcBef>
-              <a:spcAft>
-                <a:spcPts val="1600"/>
-              </a:spcAft>
-              <a:buFont typeface="Arial" panose="020B0604020202020204" pitchFamily="34" charset="0"/>
-              <a:buChar char="•"/>
-            </a:pPr>
-            <a:r>
-              <a:rPr lang="en-US">
-                <a:latin typeface="Times New Roman" panose="02020603050405020304" charset="0"/>
-                <a:cs typeface="Times New Roman" panose="02020603050405020304" charset="0"/>
-              </a:rPr>
-              <a:t>C</a:t>
-            </a:r>
-            <a:r>
-              <a:rPr>
-                <a:latin typeface="Times New Roman" panose="02020603050405020304" charset="0"/>
-                <a:cs typeface="Times New Roman" panose="02020603050405020304" charset="0"/>
-              </a:rPr>
-              <a:t>aption C, </a:t>
-            </a:r>
-            <a:endParaRPr>
-              <a:latin typeface="Times New Roman" panose="02020603050405020304" charset="0"/>
-              <a:cs typeface="Times New Roman" panose="02020603050405020304" charset="0"/>
-            </a:endParaRPr>
-          </a:p>
-          <a:p>
-            <a:pPr marL="1200150" lvl="2" indent="-285750" algn="l" rtl="0">
-              <a:lnSpc>
-                <a:spcPct val="95000"/>
-              </a:lnSpc>
-              <a:spcBef>
-                <a:spcPts val="0"/>
-              </a:spcBef>
-              <a:spcAft>
-                <a:spcPts val="1600"/>
-              </a:spcAft>
-              <a:buFont typeface="Arial" panose="020B0604020202020204" pitchFamily="34" charset="0"/>
-              <a:buChar char="•"/>
-            </a:pPr>
-            <a:r>
-              <a:rPr lang="en-US">
-                <a:latin typeface="Times New Roman" panose="02020603050405020304" charset="0"/>
-                <a:cs typeface="Times New Roman" panose="02020603050405020304" charset="0"/>
-              </a:rPr>
-              <a:t>W</a:t>
-            </a:r>
-            <a:r>
-              <a:rPr>
-                <a:latin typeface="Times New Roman" panose="02020603050405020304" charset="0"/>
-                <a:cs typeface="Times New Roman" panose="02020603050405020304" charset="0"/>
-              </a:rPr>
-              <a:t>e optimize the NLL loss to maximize the VQA-Caption model probability</a:t>
-            </a:r>
-            <a:br>
-              <a:rPr>
-                <a:latin typeface="Times New Roman" panose="02020603050405020304" charset="0"/>
-                <a:cs typeface="Times New Roman" panose="02020603050405020304" charset="0"/>
-              </a:rPr>
-            </a:br>
-            <a:r>
-              <a:rPr>
-                <a:latin typeface="Times New Roman" panose="02020603050405020304" charset="0"/>
-                <a:cs typeface="Times New Roman" panose="02020603050405020304" charset="0"/>
-              </a:rPr>
-              <a:t> PC (A|Q, C).</a:t>
-            </a:r>
-            <a:endParaRPr>
-              <a:latin typeface="Times New Roman" panose="02020603050405020304" charset="0"/>
-              <a:cs typeface="Times New Roman" panose="02020603050405020304" charset="0"/>
-            </a:endParaRPr>
-          </a:p>
-        </p:txBody>
-      </p:sp>
+      </p:pic>
     </p:spTree>
   </p:cSld>
   <p:clrMapOvr>
@@ -6929,42 +7098,104 @@
         <p:cNvGrpSpPr/>
         <p:nvPr/>
       </p:nvGrpSpPr>
-      <p:grpSpPr/>
+      <p:grpSpPr>
+        <a:xfrm>
+          <a:off x="0" y="0"/>
+          <a:ext cx="0" cy="0"/>
+          <a:chOff x="0" y="0"/>
+          <a:chExt cx="0" cy="0"/>
+        </a:xfrm>
+      </p:grpSpPr>
       <p:sp>
         <p:nvSpPr>
           <p:cNvPr id="3" name="Text Placeholder 2"/>
-          <p:cNvSpPr/>
+          <p:cNvSpPr>
+            <a:spLocks noGrp="1"/>
+          </p:cNvSpPr>
           <p:nvPr>
             <p:ph type="body" idx="1"/>
           </p:nvPr>
         </p:nvSpPr>
         <p:spPr>
           <a:xfrm>
-            <a:off x="311785" y="218440"/>
-            <a:ext cx="8520430" cy="4360545"/>
+            <a:off x="311785" y="905510"/>
+            <a:ext cx="5588635" cy="3673475"/>
           </a:xfrm>
         </p:spPr>
         <p:txBody>
           <a:bodyPr/>
-          <a:p>
-            <a:pPr>
+          <a:lstStyle/>
+          <a:p>
+            <a:pPr marL="114300" indent="0">
+              <a:buNone/>
+            </a:pPr>
+            <a:r>
+              <a:rPr lang="en-US" sz="1400">
+                <a:latin typeface="Times New Roman" panose="02020603050405020304" charset="0"/>
+                <a:cs typeface="Times New Roman" panose="02020603050405020304" charset="0"/>
+              </a:rPr>
+              <a:t>Using VQA knowledge to improve image-caption ranking.</a:t>
+            </a:r>
+            <a:br>
+              <a:rPr lang="en-US" sz="1400">
+                <a:latin typeface="Times New Roman" panose="02020603050405020304" charset="0"/>
+                <a:cs typeface="Times New Roman" panose="02020603050405020304" charset="0"/>
+              </a:rPr>
+            </a:br>
+            <a:endParaRPr lang="en-US" sz="1400">
+              <a:latin typeface="Times New Roman" panose="02020603050405020304" charset="0"/>
+              <a:cs typeface="Times New Roman" panose="02020603050405020304" charset="0"/>
+            </a:endParaRPr>
+          </a:p>
+          <a:p>
+            <a:pPr marL="114300" indent="0">
+              <a:buNone/>
+            </a:pPr>
+            <a:endParaRPr lang="en-US" sz="1400">
+              <a:latin typeface="Times New Roman" panose="02020603050405020304" charset="0"/>
+              <a:cs typeface="Times New Roman" panose="02020603050405020304" charset="0"/>
+            </a:endParaRPr>
+          </a:p>
+          <a:p>
+            <a:pPr marL="114300" indent="0">
+              <a:buNone/>
+            </a:pPr>
+            <a:r>
+              <a:rPr lang="en-US" sz="1400">
+                <a:latin typeface="Times New Roman" panose="02020603050405020304" charset="0"/>
+                <a:cs typeface="Times New Roman" panose="02020603050405020304" charset="0"/>
+              </a:rPr>
+              <a:t>Ex:</a:t>
+            </a:r>
+            <a:r>
+              <a:rPr lang="en-US" sz="1085">
+                <a:latin typeface="Times New Roman" panose="02020603050405020304" charset="0"/>
+                <a:cs typeface="Times New Roman" panose="02020603050405020304" charset="0"/>
+              </a:rPr>
+              <a:t>Realizing that a batter up at the plate would imply that a  player is </a:t>
+            </a:r>
+          </a:p>
+          <a:p>
+            <a:pPr marL="1200150" lvl="2" indent="-171450">
+              <a:lnSpc>
+                <a:spcPct val="75000"/>
+              </a:lnSpc>
               <a:buFont typeface="Arial" panose="020B0604020202020204" pitchFamily="34" charset="0"/>
               <a:buChar char="•"/>
             </a:pPr>
             <a:r>
-              <a:rPr lang="en-US" sz="1600">
-                <a:latin typeface="Times New Roman" panose="02020603050405020304" charset="0"/>
-                <a:cs typeface="Times New Roman" panose="02020603050405020304" charset="0"/>
-              </a:rPr>
-              <a:t>For a VQA question (I, Q)</a:t>
-            </a:r>
-            <a:endParaRPr lang="en-US" sz="1600">
-              <a:latin typeface="Times New Roman" panose="02020603050405020304" charset="0"/>
-              <a:cs typeface="Times New Roman" panose="02020603050405020304" charset="0"/>
-            </a:endParaRPr>
-          </a:p>
-          <a:p>
-            <a:pPr lvl="1">
+              <a:rPr lang="en-US" sz="1200">
+                <a:latin typeface="Times New Roman" panose="02020603050405020304" charset="0"/>
+                <a:cs typeface="Times New Roman" panose="02020603050405020304" charset="0"/>
+              </a:rPr>
+              <a:t>holding a bat</a:t>
+            </a:r>
+          </a:p>
+          <a:p>
+            <a:pPr marL="1200150" lvl="2" indent="-171450">
+              <a:lnSpc>
+                <a:spcPct val="75000"/>
+              </a:lnSpc>
               <a:buFont typeface="Arial" panose="020B0604020202020204" pitchFamily="34" charset="0"/>
               <a:buChar char="•"/>
             </a:pPr>
@@ -6973,15 +7204,14 @@
                 <a:latin typeface="Times New Roman" panose="02020603050405020304" charset="0"/>
                 <a:cs typeface="Times New Roman" panose="02020603050405020304" charset="0"/>
               </a:rPr>
-              <a:t>Image Encoding</a:t>
-            </a:r>
-            <a:endParaRPr lang="en-US" sz="1200">
-              <a:latin typeface="Times New Roman" panose="02020603050405020304" charset="0"/>
-              <a:cs typeface="Times New Roman" panose="02020603050405020304" charset="0"/>
-            </a:endParaRPr>
-          </a:p>
-          <a:p>
-            <a:pPr lvl="2">
+              <a:t>posing to hit the baseball</a:t>
+            </a:r>
+          </a:p>
+          <a:p>
+            <a:pPr marL="1200150" lvl="2" indent="-171450">
+              <a:lnSpc>
+                <a:spcPct val="95000"/>
+              </a:lnSpc>
               <a:buFont typeface="Arial" panose="020B0604020202020204" pitchFamily="34" charset="0"/>
               <a:buChar char="•"/>
             </a:pPr>
@@ -6990,295 +7220,21 @@
                 <a:latin typeface="Times New Roman" panose="02020603050405020304" charset="0"/>
                 <a:cs typeface="Times New Roman" panose="02020603050405020304" charset="0"/>
               </a:rPr>
-              <a:t>Using the 19-layer VGGNet [46] as a 4,096-dimensional image encoding x</a:t>
-            </a:r>
-            <a:r>
-              <a:rPr lang="en-US" sz="1200" baseline="-25000">
-                <a:latin typeface="Times New Roman" panose="02020603050405020304" charset="0"/>
-                <a:cs typeface="Times New Roman" panose="02020603050405020304" charset="0"/>
-              </a:rPr>
-              <a:t>I</a:t>
-            </a:r>
-            <a:r>
+              <a:t>there might be another player nearby waiting to </a:t>
+            </a:r>
+            <a:br>
               <a:rPr lang="en-US" sz="1200">
                 <a:latin typeface="Times New Roman" panose="02020603050405020304" charset="0"/>
                 <a:cs typeface="Times New Roman" panose="02020603050405020304" charset="0"/>
               </a:rPr>
-              <a:t> </a:t>
-            </a:r>
-            <a:endParaRPr lang="en-US" sz="1200">
-              <a:latin typeface="Times New Roman" panose="02020603050405020304" charset="0"/>
-              <a:cs typeface="Times New Roman" panose="02020603050405020304" charset="0"/>
-            </a:endParaRPr>
-          </a:p>
-          <a:p>
-            <a:pPr lvl="1">
-              <a:buFont typeface="Arial" panose="020B0604020202020204" pitchFamily="34" charset="0"/>
-              <a:buChar char="•"/>
-            </a:pPr>
+            </a:br>
             <a:r>
               <a:rPr lang="en-US" sz="1200">
                 <a:latin typeface="Times New Roman" panose="02020603050405020304" charset="0"/>
                 <a:cs typeface="Times New Roman" panose="02020603050405020304" charset="0"/>
               </a:rPr>
-              <a:t>Qestion Encoding</a:t>
-            </a:r>
-            <a:endParaRPr lang="en-US" sz="1200">
-              <a:latin typeface="Times New Roman" panose="02020603050405020304" charset="0"/>
-              <a:cs typeface="Times New Roman" panose="02020603050405020304" charset="0"/>
-            </a:endParaRPr>
-          </a:p>
-          <a:p>
-            <a:pPr lvl="2">
-              <a:buFont typeface="Arial" panose="020B0604020202020204" pitchFamily="34" charset="0"/>
-              <a:buChar char="•"/>
-            </a:pPr>
-            <a:r>
-              <a:rPr lang="en-US" sz="1200">
-                <a:latin typeface="Times New Roman" panose="02020603050405020304" charset="0"/>
-                <a:cs typeface="Times New Roman" panose="02020603050405020304" charset="0"/>
-              </a:rPr>
-              <a:t>Using a 2-layer RNN with 512 Long Short-Term Memory (LSTM) units per layer as a 2,048-dimensional question encoding x</a:t>
-            </a:r>
-            <a:r>
-              <a:rPr lang="en-US" sz="1200" baseline="-25000">
-                <a:latin typeface="Times New Roman" panose="02020603050405020304" charset="0"/>
-                <a:cs typeface="Times New Roman" panose="02020603050405020304" charset="0"/>
-              </a:rPr>
-              <a:t>Q</a:t>
-            </a:r>
-            <a:r>
-              <a:rPr lang="en-US" sz="1200">
-                <a:latin typeface="Times New Roman" panose="02020603050405020304" charset="0"/>
-                <a:cs typeface="Times New Roman" panose="02020603050405020304" charset="0"/>
-              </a:rPr>
-              <a:t>. </a:t>
-            </a:r>
-            <a:endParaRPr lang="en-US" sz="1200">
-              <a:latin typeface="Times New Roman" panose="02020603050405020304" charset="0"/>
-              <a:cs typeface="Times New Roman" panose="02020603050405020304" charset="0"/>
-            </a:endParaRPr>
-          </a:p>
-          <a:p>
-            <a:pPr>
-              <a:buFont typeface="Arial" panose="020B0604020202020204" pitchFamily="34" charset="0"/>
-              <a:buChar char="•"/>
-            </a:pPr>
-            <a:r>
-              <a:rPr lang="en-US" sz="1600">
-                <a:latin typeface="Times New Roman" panose="02020603050405020304" charset="0"/>
-                <a:cs typeface="Times New Roman" panose="02020603050405020304" charset="0"/>
-              </a:rPr>
-              <a:t>Then x</a:t>
-            </a:r>
-            <a:r>
-              <a:rPr lang="en-US" sz="1600" baseline="-25000">
-                <a:latin typeface="Times New Roman" panose="02020603050405020304" charset="0"/>
-                <a:cs typeface="Times New Roman" panose="02020603050405020304" charset="0"/>
-              </a:rPr>
-              <a:t>I</a:t>
-            </a:r>
-            <a:r>
-              <a:rPr lang="en-US" sz="1600">
-                <a:latin typeface="Times New Roman" panose="02020603050405020304" charset="0"/>
-                <a:cs typeface="Times New Roman" panose="02020603050405020304" charset="0"/>
-              </a:rPr>
-              <a:t> and x</a:t>
-            </a:r>
-            <a:r>
-              <a:rPr lang="en-US" sz="1600" baseline="-25000">
-                <a:latin typeface="Times New Roman" panose="02020603050405020304" charset="0"/>
-                <a:cs typeface="Times New Roman" panose="02020603050405020304" charset="0"/>
-              </a:rPr>
-              <a:t>Q</a:t>
-            </a:r>
-            <a:r>
-              <a:rPr lang="en-US" sz="1600">
-                <a:latin typeface="Times New Roman" panose="02020603050405020304" charset="0"/>
-                <a:cs typeface="Times New Roman" panose="02020603050405020304" charset="0"/>
-              </a:rPr>
-              <a:t>  are projected into a common 1,024-dimensional multi-modal space as z</a:t>
-            </a:r>
-            <a:r>
-              <a:rPr lang="en-US" sz="1600" baseline="-25000">
-                <a:latin typeface="Times New Roman" panose="02020603050405020304" charset="0"/>
-                <a:cs typeface="Times New Roman" panose="02020603050405020304" charset="0"/>
-              </a:rPr>
-              <a:t>I</a:t>
-            </a:r>
-            <a:r>
-              <a:rPr lang="en-US" sz="1600">
-                <a:latin typeface="Times New Roman" panose="02020603050405020304" charset="0"/>
-                <a:cs typeface="Times New Roman" panose="02020603050405020304" charset="0"/>
-              </a:rPr>
-              <a:t> and z</a:t>
-            </a:r>
-            <a:r>
-              <a:rPr lang="en-US" sz="1600" baseline="-25000">
-                <a:latin typeface="Times New Roman" panose="02020603050405020304" charset="0"/>
-                <a:cs typeface="Times New Roman" panose="02020603050405020304" charset="0"/>
-              </a:rPr>
-              <a:t>Q</a:t>
-            </a:r>
-            <a:endParaRPr lang="en-US" sz="1600" baseline="-25000">
-              <a:latin typeface="Times New Roman" panose="02020603050405020304" charset="0"/>
-              <a:cs typeface="Times New Roman" panose="02020603050405020304" charset="0"/>
-            </a:endParaRPr>
-          </a:p>
-          <a:p>
-            <a:pPr>
-              <a:buFont typeface="Arial" panose="020B0604020202020204" pitchFamily="34" charset="0"/>
-              <a:buChar char="•"/>
-            </a:pPr>
-            <a:endParaRPr lang="en-US" sz="1600">
-              <a:latin typeface="Times New Roman" panose="02020603050405020304" charset="0"/>
-              <a:cs typeface="Times New Roman" panose="02020603050405020304" charset="0"/>
-            </a:endParaRPr>
-          </a:p>
-          <a:p>
-            <a:pPr>
-              <a:buFont typeface="Arial" panose="020B0604020202020204" pitchFamily="34" charset="0"/>
-              <a:buChar char="•"/>
-            </a:pPr>
-            <a:r>
-              <a:rPr lang="en-US" sz="1600">
-                <a:latin typeface="Times New Roman" panose="02020603050405020304" charset="0"/>
-                <a:cs typeface="Times New Roman" panose="02020603050405020304" charset="0"/>
-              </a:rPr>
-              <a:t>We then compute the representation z</a:t>
-            </a:r>
-            <a:r>
-              <a:rPr lang="en-US" sz="1600" baseline="-25000">
-                <a:latin typeface="Times New Roman" panose="02020603050405020304" charset="0"/>
-                <a:cs typeface="Times New Roman" panose="02020603050405020304" charset="0"/>
-              </a:rPr>
-              <a:t>I+Q</a:t>
-            </a:r>
-            <a:r>
-              <a:rPr lang="en-US" sz="1600">
-                <a:latin typeface="Times New Roman" panose="02020603050405020304" charset="0"/>
-                <a:cs typeface="Times New Roman" panose="02020603050405020304" charset="0"/>
-              </a:rPr>
-              <a:t> for the image-question pair (I, Q) by element-wise multiplying z</a:t>
-            </a:r>
-            <a:r>
-              <a:rPr lang="en-US" sz="1600" baseline="-25000">
-                <a:latin typeface="Times New Roman" panose="02020603050405020304" charset="0"/>
-                <a:cs typeface="Times New Roman" panose="02020603050405020304" charset="0"/>
-              </a:rPr>
-              <a:t>I</a:t>
-            </a:r>
-            <a:r>
-              <a:rPr lang="en-US" sz="1600">
-                <a:latin typeface="Times New Roman" panose="02020603050405020304" charset="0"/>
-                <a:cs typeface="Times New Roman" panose="02020603050405020304" charset="0"/>
-              </a:rPr>
-              <a:t> and z</a:t>
-            </a:r>
-            <a:r>
-              <a:rPr lang="en-US" sz="1600" baseline="-25000">
-                <a:latin typeface="Times New Roman" panose="02020603050405020304" charset="0"/>
-                <a:cs typeface="Times New Roman" panose="02020603050405020304" charset="0"/>
-              </a:rPr>
-              <a:t>Q</a:t>
-            </a:r>
-            <a:endParaRPr lang="en-US" sz="1600" baseline="-25000">
-              <a:latin typeface="Times New Roman" panose="02020603050405020304" charset="0"/>
-              <a:cs typeface="Times New Roman" panose="02020603050405020304" charset="0"/>
-            </a:endParaRPr>
-          </a:p>
-          <a:p>
-            <a:pPr>
-              <a:buFont typeface="Arial" panose="020B0604020202020204" pitchFamily="34" charset="0"/>
-              <a:buChar char="•"/>
-            </a:pPr>
-            <a:r>
-              <a:rPr lang="en-US" sz="1600">
-                <a:latin typeface="Times New Roman" panose="02020603050405020304" charset="0"/>
-                <a:cs typeface="Times New Roman" panose="02020603050405020304" charset="0"/>
-              </a:rPr>
-              <a:t> The scores s</a:t>
-            </a:r>
-            <a:r>
-              <a:rPr lang="en-US" sz="1600" baseline="-25000">
-                <a:latin typeface="Times New Roman" panose="02020603050405020304" charset="0"/>
-                <a:cs typeface="Times New Roman" panose="02020603050405020304" charset="0"/>
-              </a:rPr>
-              <a:t>A</a:t>
-            </a:r>
-            <a:r>
-              <a:rPr lang="en-US" sz="1600">
-                <a:latin typeface="Times New Roman" panose="02020603050405020304" charset="0"/>
-                <a:cs typeface="Times New Roman" panose="02020603050405020304" charset="0"/>
-              </a:rPr>
-              <a:t> for 1,000 answers are given by:</a:t>
-            </a:r>
-            <a:br>
-              <a:rPr lang="en-US" sz="1600">
-                <a:latin typeface="Times New Roman" panose="02020603050405020304" charset="0"/>
-                <a:cs typeface="Times New Roman" panose="02020603050405020304" charset="0"/>
-              </a:rPr>
-            </a:br>
-            <a:r>
-              <a:rPr lang="en-US" sz="1600">
-                <a:latin typeface="Times New Roman" panose="02020603050405020304" charset="0"/>
-                <a:cs typeface="Times New Roman" panose="02020603050405020304" charset="0"/>
-              </a:rPr>
-              <a:t>			s</a:t>
-            </a:r>
-            <a:r>
-              <a:rPr lang="en-US" sz="1600" baseline="-25000">
-                <a:latin typeface="Times New Roman" panose="02020603050405020304" charset="0"/>
-                <a:cs typeface="Times New Roman" panose="02020603050405020304" charset="0"/>
-              </a:rPr>
-              <a:t>A</a:t>
-            </a:r>
-            <a:r>
-              <a:rPr lang="en-US" sz="1600">
-                <a:latin typeface="Times New Roman" panose="02020603050405020304" charset="0"/>
-                <a:cs typeface="Times New Roman" panose="02020603050405020304" charset="0"/>
-              </a:rPr>
-              <a:t> = W</a:t>
-            </a:r>
-            <a:r>
-              <a:rPr lang="en-US" sz="1600" baseline="-25000">
-                <a:latin typeface="Times New Roman" panose="02020603050405020304" charset="0"/>
-                <a:cs typeface="Times New Roman" panose="02020603050405020304" charset="0"/>
-              </a:rPr>
-              <a:t>s</a:t>
-            </a:r>
-            <a:r>
-              <a:rPr lang="en-US" sz="1600">
-                <a:latin typeface="Times New Roman" panose="02020603050405020304" charset="0"/>
-                <a:cs typeface="Times New Roman" panose="02020603050405020304" charset="0"/>
-              </a:rPr>
-              <a:t>z</a:t>
-            </a:r>
-            <a:r>
-              <a:rPr lang="en-US" sz="1600" baseline="-25000">
-                <a:latin typeface="Times New Roman" panose="02020603050405020304" charset="0"/>
-                <a:cs typeface="Times New Roman" panose="02020603050405020304" charset="0"/>
-              </a:rPr>
-              <a:t>I+Q</a:t>
-            </a:r>
-            <a:r>
-              <a:rPr lang="en-US" sz="1600">
-                <a:latin typeface="Times New Roman" panose="02020603050405020304" charset="0"/>
-                <a:cs typeface="Times New Roman" panose="02020603050405020304" charset="0"/>
-              </a:rPr>
-              <a:t> + b</a:t>
-            </a:r>
-            <a:r>
-              <a:rPr lang="en-US" sz="1600" baseline="-25000">
-                <a:latin typeface="Times New Roman" panose="02020603050405020304" charset="0"/>
-                <a:cs typeface="Times New Roman" panose="02020603050405020304" charset="0"/>
-              </a:rPr>
-              <a:t>s</a:t>
-            </a:r>
-            <a:endParaRPr lang="en-US" sz="1600" baseline="-25000">
-              <a:latin typeface="Times New Roman" panose="02020603050405020304" charset="0"/>
-              <a:cs typeface="Times New Roman" panose="02020603050405020304" charset="0"/>
-            </a:endParaRPr>
+              <a:t>catch the ball</a:t>
+            </a:r>
           </a:p>
         </p:txBody>
       </p:sp>
@@ -7291,15 +7247,15 @@
           <p:nvPr/>
         </p:nvPicPr>
         <p:blipFill>
-          <a:blip r:embed="rId1"/>
+          <a:blip r:embed="rId2"/>
           <a:stretch>
             <a:fillRect/>
           </a:stretch>
         </p:blipFill>
         <p:spPr>
           <a:xfrm>
-            <a:off x="2696845" y="2757170"/>
-            <a:ext cx="3193415" cy="273050"/>
+            <a:off x="5186045" y="1035685"/>
+            <a:ext cx="3032760" cy="3543300"/>
           </a:xfrm>
           <a:prstGeom prst="rect">
             <a:avLst/>
@@ -7323,217 +7279,175 @@
         <p:cNvGrpSpPr/>
         <p:nvPr/>
       </p:nvGrpSpPr>
-      <p:grpSpPr/>
+      <p:grpSpPr>
+        <a:xfrm>
+          <a:off x="0" y="0"/>
+          <a:ext cx="0" cy="0"/>
+          <a:chOff x="0" y="0"/>
+          <a:chExt cx="0" cy="0"/>
+        </a:xfrm>
+      </p:grpSpPr>
+      <p:sp>
+        <p:nvSpPr>
+          <p:cNvPr id="2" name="Title 1"/>
+          <p:cNvSpPr>
+            <a:spLocks noGrp="1"/>
+          </p:cNvSpPr>
+          <p:nvPr>
+            <p:ph type="title"/>
+          </p:nvPr>
+        </p:nvSpPr>
+        <p:spPr/>
+        <p:txBody>
+          <a:bodyPr/>
+          <a:lstStyle/>
+          <a:p>
+            <a:r>
+              <a:rPr lang="en-US">
+                <a:latin typeface="Times New Roman" panose="02020603050405020304" charset="0"/>
+                <a:cs typeface="Times New Roman" panose="02020603050405020304" charset="0"/>
+              </a:rPr>
+              <a:t>Image caption ranking</a:t>
+            </a:r>
+          </a:p>
+        </p:txBody>
+      </p:sp>
       <p:sp>
         <p:nvSpPr>
           <p:cNvPr id="3" name="Text Placeholder 2"/>
-          <p:cNvSpPr/>
+          <p:cNvSpPr>
+            <a:spLocks noGrp="1"/>
+          </p:cNvSpPr>
           <p:nvPr>
             <p:ph type="body" idx="1"/>
           </p:nvPr>
         </p:nvSpPr>
-        <p:spPr>
-          <a:xfrm>
-            <a:off x="311785" y="247015"/>
-            <a:ext cx="8520430" cy="4331970"/>
-          </a:xfrm>
-        </p:spPr>
+        <p:spPr/>
         <p:txBody>
           <a:bodyPr/>
+          <a:lstStyle/>
           <a:p>
             <a:pPr>
               <a:buFont typeface="Arial" panose="020B0604020202020204" pitchFamily="34" charset="0"/>
               <a:buChar char="•"/>
             </a:pPr>
             <a:r>
-              <a:rPr lang="en-US">
-                <a:latin typeface="Times New Roman" panose="02020603050405020304" charset="0"/>
-                <a:cs typeface="Times New Roman" panose="02020603050405020304" charset="0"/>
-              </a:rPr>
-              <a:t>For the VQA-Caption task given caption C and question Q, </a:t>
-            </a:r>
-            <a:endParaRPr lang="en-US">
+              <a:rPr lang="en-US" sz="1400">
+                <a:latin typeface="Times New Roman" panose="02020603050405020304" charset="0"/>
+                <a:cs typeface="Times New Roman" panose="02020603050405020304" charset="0"/>
+              </a:rPr>
+              <a:t>The image-caption ranking task is to retrieve relevant images given a query caption and relevant captions given a query image.</a:t>
+            </a:r>
+          </a:p>
+          <a:p>
+            <a:pPr>
+              <a:buFont typeface="Arial" panose="020B0604020202020204" pitchFamily="34" charset="0"/>
+              <a:buChar char="•"/>
+            </a:pPr>
+            <a:r>
+              <a:rPr lang="en-US" sz="1400">
+                <a:latin typeface="Times New Roman" panose="02020603050405020304" charset="0"/>
+                <a:cs typeface="Times New Roman" panose="02020603050405020304" charset="0"/>
+              </a:rPr>
+              <a:t> During training we are given image-caption pairs (I, C) </a:t>
+            </a:r>
+          </a:p>
+          <a:p>
+            <a:pPr lvl="1">
+              <a:buSzPct val="50000"/>
+              <a:buFont typeface="Arial" panose="020B0604020202020204" pitchFamily="34" charset="0"/>
+              <a:buChar char="•"/>
+            </a:pPr>
+            <a:r>
+              <a:rPr lang="en-US" sz="1000">
+                <a:latin typeface="Times New Roman" panose="02020603050405020304" charset="0"/>
+                <a:cs typeface="Times New Roman" panose="02020603050405020304" charset="0"/>
+              </a:rPr>
+              <a:t>For each pair we sample K - 1 other images in addition to I so the image</a:t>
+            </a:r>
+            <a:br>
+              <a:rPr lang="en-US" sz="1000">
+                <a:latin typeface="Times New Roman" panose="02020603050405020304" charset="0"/>
+                <a:cs typeface="Times New Roman" panose="02020603050405020304" charset="0"/>
+              </a:rPr>
+            </a:br>
+            <a:r>
+              <a:rPr lang="en-US" sz="1000">
+                <a:latin typeface="Times New Roman" panose="02020603050405020304" charset="0"/>
+                <a:cs typeface="Times New Roman" panose="02020603050405020304" charset="0"/>
+              </a:rPr>
+              <a:t>retrieval task becomes retrieving I from K images given caption C. </a:t>
+            </a:r>
+          </a:p>
+          <a:p>
+            <a:pPr lvl="1">
+              <a:buSzPct val="50000"/>
+              <a:buFont typeface="Arial" panose="020B0604020202020204" pitchFamily="34" charset="0"/>
+              <a:buChar char="•"/>
+            </a:pPr>
+            <a:r>
+              <a:rPr lang="en-US" sz="1000">
+                <a:latin typeface="Times New Roman" panose="02020603050405020304" charset="0"/>
+                <a:cs typeface="Times New Roman" panose="02020603050405020304" charset="0"/>
+              </a:rPr>
+              <a:t>We also sample K-1 random captions in addition to C so the caption retrieval task becomes retrieving C from K given image I.</a:t>
+            </a:r>
+          </a:p>
+          <a:p>
+            <a:pPr>
+              <a:buFont typeface="Arial" panose="020B0604020202020204" pitchFamily="34" charset="0"/>
+              <a:buChar char="•"/>
+            </a:pPr>
+            <a:r>
+              <a:rPr lang="en-US" sz="1000">
+                <a:latin typeface="Times New Roman" panose="02020603050405020304" charset="0"/>
+                <a:cs typeface="Times New Roman" panose="02020603050405020304" charset="0"/>
+                <a:sym typeface="+mn-ea"/>
+              </a:rPr>
+              <a:t>The image-caption ranking models learn a ranking scoring function S(I, C) such that the corresponding retrieval probabilities are maximised:</a:t>
+            </a:r>
+            <a:endParaRPr lang="en-US" sz="1000">
               <a:latin typeface="Times New Roman" panose="02020603050405020304" charset="0"/>
               <a:cs typeface="Times New Roman" panose="02020603050405020304" charset="0"/>
             </a:endParaRPr>
           </a:p>
           <a:p>
             <a:pPr lvl="1">
+              <a:buSzPct val="50000"/>
               <a:buFont typeface="Arial" panose="020B0604020202020204" pitchFamily="34" charset="0"/>
               <a:buChar char="•"/>
             </a:pPr>
-            <a:r>
-              <a:rPr lang="en-US">
-                <a:latin typeface="Times New Roman" panose="02020603050405020304" charset="0"/>
-                <a:cs typeface="Times New Roman" panose="02020603050405020304" charset="0"/>
-              </a:rPr>
-              <a:t>We use the same network architecture and learning procedure as above</a:t>
-            </a:r>
-            <a:endParaRPr lang="en-US">
+            <a:endParaRPr lang="en-US" sz="1000">
               <a:latin typeface="Times New Roman" panose="02020603050405020304" charset="0"/>
               <a:cs typeface="Times New Roman" panose="02020603050405020304" charset="0"/>
             </a:endParaRPr>
           </a:p>
-          <a:p>
-            <a:pPr lvl="1">
-              <a:buFont typeface="Arial" panose="020B0604020202020204" pitchFamily="34" charset="0"/>
-              <a:buChar char="•"/>
-            </a:pPr>
-            <a:r>
-              <a:rPr lang="en-US">
-                <a:latin typeface="Times New Roman" panose="02020603050405020304" charset="0"/>
-                <a:cs typeface="Times New Roman" panose="02020603050405020304" charset="0"/>
-              </a:rPr>
-              <a:t>But using the most frequent 1,000 words in training captions as the dictionary to construct a 1,000 dimensional bag-of-words encoding for caption C as x</a:t>
-            </a:r>
-            <a:r>
-              <a:rPr lang="en-US" baseline="-25000">
-                <a:latin typeface="Times New Roman" panose="02020603050405020304" charset="0"/>
-                <a:cs typeface="Times New Roman" panose="02020603050405020304" charset="0"/>
-              </a:rPr>
-              <a:t>C</a:t>
-            </a:r>
-            <a:r>
-              <a:rPr lang="en-US">
-                <a:latin typeface="Times New Roman" panose="02020603050405020304" charset="0"/>
-                <a:cs typeface="Times New Roman" panose="02020603050405020304" charset="0"/>
-              </a:rPr>
-              <a:t> to replace the image feature x</a:t>
-            </a:r>
-            <a:r>
-              <a:rPr lang="en-US" baseline="-25000">
-                <a:latin typeface="Times New Roman" panose="02020603050405020304" charset="0"/>
-                <a:cs typeface="Times New Roman" panose="02020603050405020304" charset="0"/>
-              </a:rPr>
-              <a:t>I</a:t>
-            </a:r>
-            <a:r>
-              <a:rPr lang="en-US">
-                <a:latin typeface="Times New Roman" panose="02020603050405020304" charset="0"/>
-                <a:cs typeface="Times New Roman" panose="02020603050405020304" charset="0"/>
-              </a:rPr>
-              <a:t> and compute z</a:t>
-            </a:r>
-            <a:r>
-              <a:rPr lang="en-US" baseline="-25000">
-                <a:latin typeface="Times New Roman" panose="02020603050405020304" charset="0"/>
-                <a:cs typeface="Times New Roman" panose="02020603050405020304" charset="0"/>
-              </a:rPr>
-              <a:t>C</a:t>
-            </a:r>
-            <a:r>
-              <a:rPr lang="en-US">
-                <a:latin typeface="Times New Roman" panose="02020603050405020304" charset="0"/>
-                <a:cs typeface="Times New Roman" panose="02020603050405020304" charset="0"/>
-              </a:rPr>
-              <a:t> , z</a:t>
-            </a:r>
-            <a:r>
-              <a:rPr lang="en-US" baseline="-25000">
-                <a:latin typeface="Times New Roman" panose="02020603050405020304" charset="0"/>
-                <a:cs typeface="Times New Roman" panose="02020603050405020304" charset="0"/>
-              </a:rPr>
-              <a:t>C+Q</a:t>
-            </a:r>
-            <a:r>
-              <a:rPr lang="en-US">
-                <a:latin typeface="Times New Roman" panose="02020603050405020304" charset="0"/>
-                <a:cs typeface="Times New Roman" panose="02020603050405020304" charset="0"/>
-              </a:rPr>
-              <a:t> respectively.</a:t>
-            </a:r>
-            <a:endParaRPr lang="en-US">
-              <a:latin typeface="Times New Roman" panose="02020603050405020304" charset="0"/>
-              <a:cs typeface="Times New Roman" panose="02020603050405020304" charset="0"/>
-            </a:endParaRPr>
-          </a:p>
-          <a:p>
-            <a:pPr lvl="0">
-              <a:buFont typeface="Arial" panose="020B0604020202020204" pitchFamily="34" charset="0"/>
-              <a:buChar char="•"/>
-            </a:pPr>
-            <a:r>
-              <a:rPr lang="en-US">
-                <a:latin typeface="Times New Roman" panose="02020603050405020304" charset="0"/>
-                <a:cs typeface="Times New Roman" panose="02020603050405020304" charset="0"/>
-              </a:rPr>
-              <a:t>The VQA and VQA-Caption models are learned on the train split of the VQA dataset using </a:t>
-            </a:r>
-            <a:endParaRPr lang="en-US">
-              <a:latin typeface="Times New Roman" panose="02020603050405020304" charset="0"/>
-              <a:cs typeface="Times New Roman" panose="02020603050405020304" charset="0"/>
-            </a:endParaRPr>
-          </a:p>
-          <a:p>
-            <a:pPr lvl="1">
-              <a:buFont typeface="Arial" panose="020B0604020202020204" pitchFamily="34" charset="0"/>
-              <a:buChar char="•"/>
-            </a:pPr>
-            <a:r>
-              <a:rPr lang="en-US">
-                <a:latin typeface="Times New Roman" panose="02020603050405020304" charset="0"/>
-                <a:cs typeface="Times New Roman" panose="02020603050405020304" charset="0"/>
-              </a:rPr>
-              <a:t>82,783 images, 413,915 captions and 248,349 questions. </a:t>
-            </a:r>
-            <a:endParaRPr lang="en-US">
-              <a:latin typeface="Times New Roman" panose="02020603050405020304" charset="0"/>
-              <a:cs typeface="Times New Roman" panose="02020603050405020304" charset="0"/>
-            </a:endParaRPr>
-          </a:p>
-          <a:p>
-            <a:pPr lvl="0">
-              <a:buFont typeface="Arial" panose="020B0604020202020204" pitchFamily="34" charset="0"/>
-              <a:buChar char="•"/>
-            </a:pPr>
-            <a:r>
-              <a:rPr lang="en-US">
-                <a:latin typeface="Times New Roman" panose="02020603050405020304" charset="0"/>
-                <a:cs typeface="Times New Roman" panose="02020603050405020304" charset="0"/>
-              </a:rPr>
-              <a:t>These models achieve VQA validation set accuracies of </a:t>
-            </a:r>
-            <a:endParaRPr lang="en-US">
-              <a:latin typeface="Times New Roman" panose="02020603050405020304" charset="0"/>
-              <a:cs typeface="Times New Roman" panose="02020603050405020304" charset="0"/>
-            </a:endParaRPr>
-          </a:p>
-          <a:p>
-            <a:pPr lvl="1">
-              <a:buFont typeface="Arial" panose="020B0604020202020204" pitchFamily="34" charset="0"/>
-              <a:buChar char="•"/>
-            </a:pPr>
-            <a:r>
-              <a:rPr lang="en-US">
-                <a:latin typeface="Times New Roman" panose="02020603050405020304" charset="0"/>
-                <a:cs typeface="Times New Roman" panose="02020603050405020304" charset="0"/>
-              </a:rPr>
-              <a:t>54.42% (VQA) and 56.28%(VQA-Caption). </a:t>
-            </a:r>
-            <a:endParaRPr lang="en-US">
-              <a:latin typeface="Times New Roman" panose="02020603050405020304" charset="0"/>
-              <a:cs typeface="Times New Roman" panose="02020603050405020304" charset="0"/>
-            </a:endParaRPr>
-          </a:p>
-          <a:p>
-            <a:pPr lvl="0">
-              <a:buFont typeface="Arial" panose="020B0604020202020204" pitchFamily="34" charset="0"/>
-              <a:buChar char="•"/>
-            </a:pPr>
-            <a:r>
-              <a:rPr lang="en-US">
-                <a:latin typeface="Times New Roman" panose="02020603050405020304" charset="0"/>
-                <a:cs typeface="Times New Roman" panose="02020603050405020304" charset="0"/>
-              </a:rPr>
-              <a:t>Next, they are used as sub-modules in the image caption ranking approach.</a:t>
-            </a:r>
-            <a:endParaRPr lang="en-US">
-              <a:latin typeface="Times New Roman" panose="02020603050405020304" charset="0"/>
-              <a:cs typeface="Times New Roman" panose="02020603050405020304" charset="0"/>
-            </a:endParaRPr>
-          </a:p>
         </p:txBody>
       </p:sp>
+      <p:pic>
+        <p:nvPicPr>
+          <p:cNvPr id="4" name="Picture 3"/>
+          <p:cNvPicPr>
+            <a:picLocks noChangeAspect="1"/>
+          </p:cNvPicPr>
+          <p:nvPr/>
+        </p:nvPicPr>
+        <p:blipFill>
+          <a:blip r:embed="rId2"/>
+          <a:stretch>
+            <a:fillRect/>
+          </a:stretch>
+        </p:blipFill>
+        <p:spPr>
+          <a:xfrm>
+            <a:off x="2001520" y="3622040"/>
+            <a:ext cx="3820160" cy="648970"/>
+          </a:xfrm>
+          <a:prstGeom prst="rect">
+            <a:avLst/>
+          </a:prstGeom>
+        </p:spPr>
+      </p:pic>
     </p:spTree>
   </p:cSld>
   <p:clrMapOvr>
@@ -7551,32 +7465,38 @@
         <p:cNvGrpSpPr/>
         <p:nvPr/>
       </p:nvGrpSpPr>
-      <p:grpSpPr/>
+      <p:grpSpPr>
+        <a:xfrm>
+          <a:off x="0" y="0"/>
+          <a:ext cx="0" cy="0"/>
+          <a:chOff x="0" y="0"/>
+          <a:chExt cx="0" cy="0"/>
+        </a:xfrm>
+      </p:grpSpPr>
       <p:sp>
         <p:nvSpPr>
           <p:cNvPr id="2" name="Title 1"/>
-          <p:cNvSpPr/>
+          <p:cNvSpPr>
+            <a:spLocks noGrp="1"/>
+          </p:cNvSpPr>
           <p:nvPr>
             <p:ph type="title"/>
           </p:nvPr>
         </p:nvSpPr>
-        <p:spPr>
-          <a:xfrm>
-            <a:off x="311700" y="1046175"/>
-            <a:ext cx="8520600" cy="831300"/>
-          </a:xfrm>
-        </p:spPr>
+        <p:spPr/>
         <p:txBody>
           <a:bodyPr/>
-          <a:p>
-            <a:r>
-              <a:rPr lang="en-US" sz="3200">
-                <a:latin typeface="Times New Roman" panose="02020603050405020304" charset="0"/>
-                <a:cs typeface="Times New Roman" panose="02020603050405020304" charset="0"/>
-              </a:rPr>
-              <a:t>Approach</a:t>
-            </a:r>
-            <a:endParaRPr lang="en-US" sz="3200">
+          <a:lstStyle/>
+          <a:p>
+            <a:r>
+              <a:rPr lang="en-US">
+                <a:latin typeface="Times New Roman" panose="02020603050405020304" charset="0"/>
+                <a:cs typeface="Times New Roman" panose="02020603050405020304" charset="0"/>
+                <a:sym typeface="+mn-ea"/>
+              </a:rPr>
+              <a:t>Baseline model</a:t>
+            </a:r>
+            <a:endParaRPr lang="en-US">
               <a:latin typeface="Times New Roman" panose="02020603050405020304" charset="0"/>
               <a:cs typeface="Times New Roman" panose="02020603050405020304" charset="0"/>
             </a:endParaRPr>
@@ -7586,72 +7506,361 @@
       <p:sp>
         <p:nvSpPr>
           <p:cNvPr id="3" name="Text Placeholder 2"/>
-          <p:cNvSpPr/>
+          <p:cNvSpPr>
+            <a:spLocks noGrp="1"/>
+          </p:cNvSpPr>
           <p:nvPr>
             <p:ph type="body" idx="1"/>
           </p:nvPr>
         </p:nvSpPr>
         <p:spPr>
           <a:xfrm>
-            <a:off x="311785" y="2253615"/>
-            <a:ext cx="8520430" cy="1549400"/>
+            <a:off x="311785" y="1044575"/>
+            <a:ext cx="8520515" cy="3905250"/>
           </a:xfrm>
         </p:spPr>
         <p:txBody>
           <a:bodyPr/>
+          <a:lstStyle/>
           <a:p>
             <a:pPr>
               <a:buFont typeface="Arial" panose="020B0604020202020204" pitchFamily="34" charset="0"/>
               <a:buChar char="•"/>
             </a:pPr>
             <a:r>
-              <a:rPr lang="en-US">
-                <a:latin typeface="Times New Roman" panose="02020603050405020304" charset="0"/>
-                <a:cs typeface="Times New Roman" panose="02020603050405020304" charset="0"/>
-              </a:rPr>
-              <a:t>To leverage knowledge in VQA for image-caption ranking we propose </a:t>
-            </a:r>
-            <a:endParaRPr lang="en-US">
+              <a:rPr lang="en-US" dirty="0">
+                <a:latin typeface="Times New Roman" panose="02020603050405020304" charset="0"/>
+                <a:cs typeface="Times New Roman" panose="02020603050405020304" charset="0"/>
+              </a:rPr>
+              <a:t>Model  projects </a:t>
+            </a:r>
+          </a:p>
+          <a:p>
+            <a:pPr marL="114300" indent="0">
+              <a:buNone/>
+            </a:pPr>
+            <a:r>
+              <a:rPr lang="en-US" dirty="0">
+                <a:latin typeface="Times New Roman" panose="02020603050405020304" charset="0"/>
+                <a:cs typeface="Times New Roman" panose="02020603050405020304" charset="0"/>
+              </a:rPr>
+              <a:t>          </a:t>
+            </a:r>
+            <a:r>
+              <a:rPr lang="en-US" dirty="0" err="1">
+                <a:latin typeface="Times New Roman" panose="02020603050405020304" charset="0"/>
+                <a:cs typeface="Times New Roman" panose="02020603050405020304" charset="0"/>
+              </a:rPr>
+              <a:t>D</a:t>
+            </a:r>
+            <a:r>
+              <a:rPr lang="en-US" baseline="-25000" dirty="0" err="1">
+                <a:latin typeface="Times New Roman" panose="02020603050405020304" charset="0"/>
+                <a:cs typeface="Times New Roman" panose="02020603050405020304" charset="0"/>
+              </a:rPr>
+              <a:t>xI</a:t>
+            </a:r>
+            <a:r>
+              <a:rPr lang="en-US" dirty="0">
+                <a:latin typeface="Times New Roman" panose="02020603050405020304" charset="0"/>
+                <a:cs typeface="Times New Roman" panose="02020603050405020304" charset="0"/>
+              </a:rPr>
+              <a:t> - dimensional CNN activation </a:t>
+            </a:r>
+            <a:r>
+              <a:rPr lang="en-US" dirty="0" err="1">
+                <a:latin typeface="Times New Roman" panose="02020603050405020304" charset="0"/>
+                <a:cs typeface="Times New Roman" panose="02020603050405020304" charset="0"/>
+              </a:rPr>
+              <a:t>xI</a:t>
+            </a:r>
+            <a:r>
+              <a:rPr lang="en-US" dirty="0">
+                <a:latin typeface="Times New Roman" panose="02020603050405020304" charset="0"/>
+                <a:cs typeface="Times New Roman" panose="02020603050405020304" charset="0"/>
+              </a:rPr>
+              <a:t> for image I </a:t>
+            </a:r>
+          </a:p>
+          <a:p>
+            <a:pPr marL="114300" indent="0">
+              <a:buNone/>
+            </a:pPr>
+            <a:r>
+              <a:rPr lang="en-US" dirty="0">
+                <a:latin typeface="Times New Roman" panose="02020603050405020304" charset="0"/>
+                <a:cs typeface="Times New Roman" panose="02020603050405020304" charset="0"/>
+              </a:rPr>
+              <a:t>          </a:t>
+            </a:r>
+            <a:r>
+              <a:rPr lang="en-US" dirty="0" err="1">
+                <a:latin typeface="Times New Roman" panose="02020603050405020304" charset="0"/>
+                <a:cs typeface="Times New Roman" panose="02020603050405020304" charset="0"/>
+              </a:rPr>
+              <a:t>D</a:t>
+            </a:r>
+            <a:r>
+              <a:rPr lang="en-US" baseline="-25000" dirty="0" err="1">
+                <a:latin typeface="Times New Roman" panose="02020603050405020304" charset="0"/>
+                <a:cs typeface="Times New Roman" panose="02020603050405020304" charset="0"/>
+              </a:rPr>
+              <a:t>xC</a:t>
+            </a:r>
+            <a:r>
+              <a:rPr lang="en-US" dirty="0">
+                <a:latin typeface="Times New Roman" panose="02020603050405020304" charset="0"/>
+                <a:cs typeface="Times New Roman" panose="02020603050405020304" charset="0"/>
+              </a:rPr>
+              <a:t>- dimensional RNN latent encoding </a:t>
+            </a:r>
+            <a:r>
+              <a:rPr lang="en-US" dirty="0" err="1">
+                <a:latin typeface="Times New Roman" panose="02020603050405020304" charset="0"/>
+                <a:cs typeface="Times New Roman" panose="02020603050405020304" charset="0"/>
+              </a:rPr>
+              <a:t>xC</a:t>
+            </a:r>
+            <a:r>
+              <a:rPr lang="en-US" dirty="0">
+                <a:latin typeface="Times New Roman" panose="02020603050405020304" charset="0"/>
+                <a:cs typeface="Times New Roman" panose="02020603050405020304" charset="0"/>
+              </a:rPr>
+              <a:t> for caption C </a:t>
+            </a:r>
+          </a:p>
+          <a:p>
+            <a:pPr marL="114300" indent="0">
+              <a:buNone/>
+            </a:pPr>
+            <a:r>
+              <a:rPr lang="en-US" dirty="0">
+                <a:latin typeface="Times New Roman" panose="02020603050405020304" charset="0"/>
+                <a:cs typeface="Times New Roman" panose="02020603050405020304" charset="0"/>
+              </a:rPr>
+              <a:t>          to the same </a:t>
+            </a:r>
+            <a:r>
+              <a:rPr lang="en-US" dirty="0" err="1">
+                <a:latin typeface="Times New Roman" panose="02020603050405020304" charset="0"/>
+                <a:cs typeface="Times New Roman" panose="02020603050405020304" charset="0"/>
+              </a:rPr>
+              <a:t>D</a:t>
+            </a:r>
+            <a:r>
+              <a:rPr lang="en-US" baseline="-25000" dirty="0" err="1">
+                <a:latin typeface="Times New Roman" panose="02020603050405020304" charset="0"/>
+                <a:cs typeface="Times New Roman" panose="02020603050405020304" charset="0"/>
+              </a:rPr>
+              <a:t>xC</a:t>
+            </a:r>
+            <a:r>
+              <a:rPr lang="en-US" dirty="0">
+                <a:latin typeface="Times New Roman" panose="02020603050405020304" charset="0"/>
+                <a:cs typeface="Times New Roman" panose="02020603050405020304" charset="0"/>
+              </a:rPr>
+              <a:t>-dimensional common multi-modal embedding space as unit-norm vectors </a:t>
+            </a:r>
+            <a:r>
+              <a:rPr lang="en-US" dirty="0" err="1">
+                <a:latin typeface="Times New Roman" panose="02020603050405020304" charset="0"/>
+                <a:cs typeface="Times New Roman" panose="02020603050405020304" charset="0"/>
+              </a:rPr>
+              <a:t>t</a:t>
+            </a:r>
+            <a:r>
+              <a:rPr lang="en-US" baseline="-25000" dirty="0" err="1">
+                <a:latin typeface="Times New Roman" panose="02020603050405020304" charset="0"/>
+                <a:cs typeface="Times New Roman" panose="02020603050405020304" charset="0"/>
+              </a:rPr>
+              <a:t>I</a:t>
+            </a:r>
+            <a:r>
+              <a:rPr lang="en-US" baseline="-25000" dirty="0">
+                <a:latin typeface="Times New Roman" panose="02020603050405020304" charset="0"/>
+                <a:cs typeface="Times New Roman" panose="02020603050405020304" charset="0"/>
+              </a:rPr>
+              <a:t> </a:t>
+            </a:r>
+            <a:r>
+              <a:rPr lang="en-US" dirty="0">
+                <a:latin typeface="Times New Roman" panose="02020603050405020304" charset="0"/>
+                <a:cs typeface="Times New Roman" panose="02020603050405020304" charset="0"/>
+              </a:rPr>
+              <a:t>and </a:t>
+            </a:r>
+            <a:r>
+              <a:rPr lang="en-US" dirty="0" err="1">
+                <a:latin typeface="Times New Roman" panose="02020603050405020304" charset="0"/>
+                <a:cs typeface="Times New Roman" panose="02020603050405020304" charset="0"/>
+              </a:rPr>
+              <a:t>t</a:t>
+            </a:r>
+            <a:r>
+              <a:rPr lang="en-US" baseline="-25000" dirty="0" err="1">
+                <a:latin typeface="Times New Roman" panose="02020603050405020304" charset="0"/>
+                <a:cs typeface="Times New Roman" panose="02020603050405020304" charset="0"/>
+              </a:rPr>
+              <a:t>C</a:t>
+            </a:r>
+            <a:r>
+              <a:rPr lang="en-US" dirty="0">
+                <a:latin typeface="Times New Roman" panose="02020603050405020304" charset="0"/>
+                <a:cs typeface="Times New Roman" panose="02020603050405020304" charset="0"/>
+              </a:rPr>
+              <a:t> :</a:t>
+            </a:r>
+          </a:p>
+          <a:p>
+            <a:pPr>
+              <a:buFont typeface="Arial" panose="020B0604020202020204" pitchFamily="34" charset="0"/>
+              <a:buChar char="•"/>
+            </a:pPr>
+            <a:endParaRPr lang="en-US" dirty="0">
               <a:latin typeface="Times New Roman" panose="02020603050405020304" charset="0"/>
               <a:cs typeface="Times New Roman" panose="02020603050405020304" charset="0"/>
             </a:endParaRPr>
           </a:p>
           <a:p>
-            <a:pPr lvl="1">
+            <a:pPr>
               <a:buFont typeface="Arial" panose="020B0604020202020204" pitchFamily="34" charset="0"/>
               <a:buChar char="•"/>
             </a:pPr>
-            <a:r>
-              <a:rPr lang="en-US">
-                <a:latin typeface="Times New Roman" panose="02020603050405020304" charset="0"/>
-                <a:cs typeface="Times New Roman" panose="02020603050405020304" charset="0"/>
-              </a:rPr>
-              <a:t>to represent the images and the captions in the VQA space using VQA and VQA-Caption models. </a:t>
-            </a:r>
-            <a:endParaRPr lang="en-US">
+            <a:endParaRPr lang="en-US" dirty="0">
               <a:latin typeface="Times New Roman" panose="02020603050405020304" charset="0"/>
               <a:cs typeface="Times New Roman" panose="02020603050405020304" charset="0"/>
             </a:endParaRPr>
           </a:p>
           <a:p>
-            <a:pPr lvl="1">
+            <a:pPr>
               <a:buFont typeface="Arial" panose="020B0604020202020204" pitchFamily="34" charset="0"/>
               <a:buChar char="•"/>
             </a:pPr>
             <a:r>
-              <a:rPr lang="en-US">
-                <a:latin typeface="Times New Roman" panose="02020603050405020304" charset="0"/>
-                <a:cs typeface="Times New Roman" panose="02020603050405020304" charset="0"/>
-              </a:rPr>
-              <a:t>This representations is called VQA-grounded representations.</a:t>
-            </a:r>
-            <a:endParaRPr lang="en-US">
+              <a:rPr lang="en-US" dirty="0">
+                <a:latin typeface="Times New Roman" panose="02020603050405020304" charset="0"/>
+                <a:cs typeface="Times New Roman" panose="02020603050405020304" charset="0"/>
+              </a:rPr>
+              <a:t>The multi-modal scoring function is defined as their dot product </a:t>
+            </a:r>
+            <a:br>
+              <a:rPr lang="en-US" dirty="0">
+                <a:latin typeface="Times New Roman" panose="02020603050405020304" charset="0"/>
+                <a:cs typeface="Times New Roman" panose="02020603050405020304" charset="0"/>
+              </a:rPr>
+            </a:br>
+            <a:r>
+              <a:rPr lang="en-US" dirty="0">
+                <a:latin typeface="Times New Roman" panose="02020603050405020304" charset="0"/>
+                <a:cs typeface="Times New Roman" panose="02020603050405020304" charset="0"/>
+              </a:rPr>
+              <a:t>S</a:t>
+            </a:r>
+            <a:r>
+              <a:rPr lang="en-US" sz="1600" dirty="0">
+                <a:latin typeface="Times New Roman" panose="02020603050405020304" charset="0"/>
+                <a:cs typeface="Times New Roman" panose="02020603050405020304" charset="0"/>
+              </a:rPr>
+              <a:t>t</a:t>
+            </a:r>
+            <a:r>
+              <a:rPr lang="en-US" dirty="0">
+                <a:latin typeface="Times New Roman" panose="02020603050405020304" charset="0"/>
+                <a:cs typeface="Times New Roman" panose="02020603050405020304" charset="0"/>
+              </a:rPr>
+              <a:t>(I, C) =&lt;</a:t>
+            </a:r>
+            <a:r>
+              <a:rPr lang="en-US" dirty="0" err="1">
+                <a:latin typeface="Times New Roman" panose="02020603050405020304" charset="0"/>
+                <a:cs typeface="Times New Roman" panose="02020603050405020304" charset="0"/>
+              </a:rPr>
+              <a:t>t</a:t>
+            </a:r>
+            <a:r>
+              <a:rPr lang="en-US" baseline="-25000" dirty="0" err="1">
+                <a:latin typeface="Times New Roman" panose="02020603050405020304" charset="0"/>
+                <a:cs typeface="Times New Roman" panose="02020603050405020304" charset="0"/>
+              </a:rPr>
+              <a:t>I</a:t>
+            </a:r>
+            <a:r>
+              <a:rPr lang="en-US" dirty="0">
+                <a:latin typeface="Times New Roman" panose="02020603050405020304" charset="0"/>
+                <a:cs typeface="Times New Roman" panose="02020603050405020304" charset="0"/>
+              </a:rPr>
+              <a:t> , </a:t>
+            </a:r>
+            <a:r>
+              <a:rPr lang="en-US" dirty="0" err="1">
+                <a:latin typeface="Times New Roman" panose="02020603050405020304" charset="0"/>
+                <a:cs typeface="Times New Roman" panose="02020603050405020304" charset="0"/>
+              </a:rPr>
+              <a:t>t</a:t>
+            </a:r>
+            <a:r>
+              <a:rPr lang="en-US" baseline="-25000" dirty="0" err="1">
+                <a:latin typeface="Times New Roman" panose="02020603050405020304" charset="0"/>
+                <a:cs typeface="Times New Roman" panose="02020603050405020304" charset="0"/>
+              </a:rPr>
+              <a:t>C</a:t>
+            </a:r>
+            <a:r>
+              <a:rPr lang="en-US" dirty="0">
+                <a:latin typeface="Times New Roman" panose="02020603050405020304" charset="0"/>
+                <a:cs typeface="Times New Roman" panose="02020603050405020304" charset="0"/>
+              </a:rPr>
+              <a:t> &gt;.</a:t>
+            </a:r>
+          </a:p>
+          <a:p>
+            <a:pPr marL="114300" indent="0">
+              <a:buNone/>
+            </a:pPr>
+            <a:endParaRPr lang="en-US" dirty="0">
               <a:latin typeface="Times New Roman" panose="02020603050405020304" charset="0"/>
               <a:cs typeface="Times New Roman" panose="02020603050405020304" charset="0"/>
             </a:endParaRPr>
           </a:p>
+          <a:p>
+            <a:pPr>
+              <a:buFont typeface="Arial" panose="020B0604020202020204" pitchFamily="34" charset="0"/>
+              <a:buChar char="•"/>
+            </a:pPr>
+            <a:endParaRPr lang="en-US" sz="900" dirty="0">
+              <a:solidFill>
+                <a:schemeClr val="tx1"/>
+              </a:solidFill>
+              <a:latin typeface="Times New Roman" panose="02020603050405020304" charset="0"/>
+              <a:cs typeface="Times New Roman" panose="02020603050405020304" charset="0"/>
+            </a:endParaRPr>
+          </a:p>
         </p:txBody>
       </p:sp>
+      <p:pic>
+        <p:nvPicPr>
+          <p:cNvPr id="5" name="Picture 4"/>
+          <p:cNvPicPr>
+            <a:picLocks noChangeAspect="1"/>
+          </p:cNvPicPr>
+          <p:nvPr/>
+        </p:nvPicPr>
+        <p:blipFill>
+          <a:blip r:embed="rId2"/>
+          <a:stretch>
+            <a:fillRect/>
+          </a:stretch>
+        </p:blipFill>
+        <p:spPr>
+          <a:xfrm>
+            <a:off x="3563620" y="2664460"/>
+            <a:ext cx="2016760" cy="513715"/>
+          </a:xfrm>
+          <a:prstGeom prst="rect">
+            <a:avLst/>
+          </a:prstGeom>
+        </p:spPr>
+      </p:pic>
     </p:spTree>
   </p:cSld>
   <p:clrMapOvr>
@@ -7665,15 +7874,1213 @@
   <p:cSld>
     <p:spTree>
       <p:nvGrpSpPr>
+        <p:cNvPr id="1" name="Shape 103"/>
+        <p:cNvGrpSpPr/>
+        <p:nvPr/>
+      </p:nvGrpSpPr>
+      <p:grpSpPr>
+        <a:xfrm>
+          <a:off x="0" y="0"/>
+          <a:ext cx="0" cy="0"/>
+          <a:chOff x="0" y="0"/>
+          <a:chExt cx="0" cy="0"/>
+        </a:xfrm>
+      </p:grpSpPr>
+      <p:sp>
+        <p:nvSpPr>
+          <p:cNvPr id="104" name="Google Shape;104;p20"/>
+          <p:cNvSpPr txBox="1">
+            <a:spLocks noGrp="1"/>
+          </p:cNvSpPr>
+          <p:nvPr>
+            <p:ph type="title"/>
+          </p:nvPr>
+        </p:nvSpPr>
+        <p:spPr>
+          <a:xfrm>
+            <a:off x="311700" y="315925"/>
+            <a:ext cx="8520600" cy="831300"/>
+          </a:xfrm>
+          <a:prstGeom prst="rect">
+            <a:avLst/>
+          </a:prstGeom>
+        </p:spPr>
+        <p:txBody>
+          <a:bodyPr spcFirstLastPara="1" wrap="square" lIns="91425" tIns="91425" rIns="91425" bIns="91425" anchor="b" anchorCtr="0">
+            <a:noAutofit/>
+          </a:bodyPr>
+          <a:lstStyle/>
+          <a:p>
+            <a:pPr marL="0" lvl="0" indent="0" algn="l" rtl="0">
+              <a:spcBef>
+                <a:spcPts val="0"/>
+              </a:spcBef>
+              <a:spcAft>
+                <a:spcPts val="0"/>
+              </a:spcAft>
+              <a:buNone/>
+            </a:pPr>
+            <a:r>
+              <a:rPr>
+                <a:latin typeface="Times New Roman" panose="02020603050405020304" charset="0"/>
+                <a:cs typeface="Times New Roman" panose="02020603050405020304" charset="0"/>
+              </a:rPr>
+              <a:t>VQA</a:t>
+            </a:r>
+          </a:p>
+        </p:txBody>
+      </p:sp>
+      <p:sp>
+        <p:nvSpPr>
+          <p:cNvPr id="105" name="Google Shape;105;p20"/>
+          <p:cNvSpPr txBox="1">
+            <a:spLocks noGrp="1"/>
+          </p:cNvSpPr>
+          <p:nvPr>
+            <p:ph type="body" idx="1"/>
+          </p:nvPr>
+        </p:nvSpPr>
+        <p:spPr>
+          <a:xfrm>
+            <a:off x="311700" y="1225225"/>
+            <a:ext cx="8520600" cy="3354000"/>
+          </a:xfrm>
+          <a:prstGeom prst="rect">
+            <a:avLst/>
+          </a:prstGeom>
+        </p:spPr>
+        <p:txBody>
+          <a:bodyPr spcFirstLastPara="1" wrap="square" lIns="91425" tIns="91425" rIns="91425" bIns="91425" anchor="t" anchorCtr="0">
+            <a:noAutofit/>
+          </a:bodyPr>
+          <a:lstStyle/>
+          <a:p>
+            <a:pPr marL="285750" lvl="0" indent="-285750" algn="l" rtl="0">
+              <a:spcBef>
+                <a:spcPts val="0"/>
+              </a:spcBef>
+              <a:spcAft>
+                <a:spcPts val="1600"/>
+              </a:spcAft>
+              <a:buFont typeface="Arial" panose="020B0604020202020204" pitchFamily="34" charset="0"/>
+              <a:buChar char="•"/>
+            </a:pPr>
+            <a:r>
+              <a:rPr>
+                <a:latin typeface="Times New Roman" panose="02020603050405020304" charset="0"/>
+                <a:cs typeface="Times New Roman" panose="02020603050405020304" charset="0"/>
+              </a:rPr>
+              <a:t>VQA is the task of given an image I and a free-form open-ended question Q</a:t>
+            </a:r>
+            <a:br>
+              <a:rPr>
+                <a:latin typeface="Times New Roman" panose="02020603050405020304" charset="0"/>
+                <a:cs typeface="Times New Roman" panose="02020603050405020304" charset="0"/>
+              </a:rPr>
+            </a:br>
+            <a:r>
+              <a:rPr>
+                <a:latin typeface="Times New Roman" panose="02020603050405020304" charset="0"/>
+                <a:cs typeface="Times New Roman" panose="02020603050405020304" charset="0"/>
+              </a:rPr>
+              <a:t>about I, generating a natural language answer A to that question.</a:t>
+            </a:r>
+          </a:p>
+          <a:p>
+            <a:pPr marL="285750" lvl="0" indent="-285750" algn="l" rtl="0">
+              <a:spcBef>
+                <a:spcPts val="0"/>
+              </a:spcBef>
+              <a:spcAft>
+                <a:spcPts val="1600"/>
+              </a:spcAft>
+              <a:buFont typeface="Arial" panose="020B0604020202020204" pitchFamily="34" charset="0"/>
+              <a:buChar char="•"/>
+            </a:pPr>
+            <a:r>
+              <a:rPr>
+                <a:latin typeface="Times New Roman" panose="02020603050405020304" charset="0"/>
+                <a:cs typeface="Times New Roman" panose="02020603050405020304" charset="0"/>
+              </a:rPr>
+              <a:t>Similarly,VQA-Caption task  takes a caption C of an image and a question</a:t>
+            </a:r>
+            <a:br>
+              <a:rPr>
+                <a:latin typeface="Times New Roman" panose="02020603050405020304" charset="0"/>
+                <a:cs typeface="Times New Roman" panose="02020603050405020304" charset="0"/>
+              </a:rPr>
+            </a:br>
+            <a:r>
+              <a:rPr>
+                <a:latin typeface="Times New Roman" panose="02020603050405020304" charset="0"/>
+                <a:cs typeface="Times New Roman" panose="02020603050405020304" charset="0"/>
+              </a:rPr>
+              <a:t>Q about the image, then generates an answer A.</a:t>
+            </a:r>
+          </a:p>
+          <a:p>
+            <a:pPr marL="285750" lvl="0" indent="-285750" algn="l" rtl="0">
+              <a:spcBef>
+                <a:spcPts val="0"/>
+              </a:spcBef>
+              <a:spcAft>
+                <a:spcPts val="1600"/>
+              </a:spcAft>
+              <a:buFont typeface="Arial" panose="020B0604020202020204" pitchFamily="34" charset="0"/>
+              <a:buChar char="•"/>
+            </a:pPr>
+            <a:r>
+              <a:rPr>
+                <a:latin typeface="Times New Roman" panose="02020603050405020304" charset="0"/>
+                <a:cs typeface="Times New Roman" panose="02020603050405020304" charset="0"/>
+              </a:rPr>
+              <a:t> </a:t>
+            </a:r>
+            <a:r>
+              <a:rPr lang="en-US">
+                <a:latin typeface="Times New Roman" panose="02020603050405020304" charset="0"/>
+                <a:cs typeface="Times New Roman" panose="02020603050405020304" charset="0"/>
+              </a:rPr>
+              <a:t>T</a:t>
+            </a:r>
+            <a:r>
+              <a:rPr>
+                <a:latin typeface="Times New Roman" panose="02020603050405020304" charset="0"/>
+                <a:cs typeface="Times New Roman" panose="02020603050405020304" charset="0"/>
+              </a:rPr>
+              <a:t>he generated answers are evaluated using </a:t>
+            </a:r>
+          </a:p>
+          <a:p>
+            <a:pPr marL="742950" lvl="1" indent="-285750" algn="l" rtl="0">
+              <a:spcBef>
+                <a:spcPts val="0"/>
+              </a:spcBef>
+              <a:spcAft>
+                <a:spcPts val="1600"/>
+              </a:spcAft>
+              <a:buFont typeface="Arial" panose="020B0604020202020204" pitchFamily="34" charset="0"/>
+              <a:buChar char="•"/>
+            </a:pPr>
+            <a:r>
+              <a:rPr>
+                <a:latin typeface="Times New Roman" panose="02020603050405020304" charset="0"/>
+                <a:cs typeface="Times New Roman" panose="02020603050405020304" charset="0"/>
+              </a:rPr>
+              <a:t>min( </a:t>
+            </a:r>
+            <a:r>
+              <a:rPr lang="en-US">
+                <a:latin typeface="Times New Roman" panose="02020603050405020304" charset="0"/>
+                <a:cs typeface="Times New Roman" panose="02020603050405020304" charset="0"/>
+              </a:rPr>
+              <a:t>(</a:t>
+            </a:r>
+            <a:r>
+              <a:rPr>
+                <a:latin typeface="Times New Roman" panose="02020603050405020304" charset="0"/>
+                <a:cs typeface="Times New Roman" panose="02020603050405020304" charset="0"/>
+              </a:rPr>
+              <a:t># humans that provided A</a:t>
+            </a:r>
+            <a:r>
+              <a:rPr lang="en-US">
+                <a:latin typeface="Times New Roman" panose="02020603050405020304" charset="0"/>
+                <a:cs typeface="Times New Roman" panose="02020603050405020304" charset="0"/>
+              </a:rPr>
+              <a:t>/</a:t>
+            </a:r>
+            <a:r>
+              <a:rPr>
+                <a:latin typeface="Times New Roman" panose="02020603050405020304" charset="0"/>
+                <a:cs typeface="Times New Roman" panose="02020603050405020304" charset="0"/>
+              </a:rPr>
+              <a:t>3</a:t>
+            </a:r>
+            <a:r>
+              <a:rPr lang="en-US">
+                <a:latin typeface="Times New Roman" panose="02020603050405020304" charset="0"/>
+                <a:cs typeface="Times New Roman" panose="02020603050405020304" charset="0"/>
+              </a:rPr>
+              <a:t>)</a:t>
+            </a:r>
+            <a:r>
+              <a:rPr>
+                <a:latin typeface="Times New Roman" panose="02020603050405020304" charset="0"/>
+                <a:cs typeface="Times New Roman" panose="02020603050405020304" charset="0"/>
+              </a:rPr>
+              <a:t> , 1). </a:t>
+            </a:r>
+          </a:p>
+          <a:p>
+            <a:pPr marL="742950" lvl="1" indent="-285750" algn="l" rtl="0">
+              <a:spcBef>
+                <a:spcPts val="0"/>
+              </a:spcBef>
+              <a:spcAft>
+                <a:spcPts val="1600"/>
+              </a:spcAft>
+              <a:buFont typeface="Arial" panose="020B0604020202020204" pitchFamily="34" charset="0"/>
+              <a:buChar char="•"/>
+            </a:pPr>
+            <a:r>
+              <a:rPr>
+                <a:latin typeface="Times New Roman" panose="02020603050405020304" charset="0"/>
+                <a:cs typeface="Times New Roman" panose="02020603050405020304" charset="0"/>
+              </a:rPr>
+              <a:t>That is, A is 100% correct if at least 3 humans (out of 10) provide the answer A.</a:t>
+            </a:r>
+          </a:p>
+        </p:txBody>
+      </p:sp>
+    </p:spTree>
+  </p:cSld>
+  <p:clrMapOvr>
+    <a:masterClrMapping/>
+  </p:clrMapOvr>
+</p:sld>
+</file>
+
+<file path=ppt/slides/slide15.xml><?xml version="1.0" encoding="utf-8"?>
+<p:sld xmlns:a="http://schemas.openxmlformats.org/drawingml/2006/main" xmlns:r="http://schemas.openxmlformats.org/officeDocument/2006/relationships" xmlns:p="http://schemas.openxmlformats.org/presentationml/2006/main">
+  <p:cSld>
+    <p:spTree>
+      <p:nvGrpSpPr>
+        <p:cNvPr id="1" name="Shape 109"/>
+        <p:cNvGrpSpPr/>
+        <p:nvPr/>
+      </p:nvGrpSpPr>
+      <p:grpSpPr>
+        <a:xfrm>
+          <a:off x="0" y="0"/>
+          <a:ext cx="0" cy="0"/>
+          <a:chOff x="0" y="0"/>
+          <a:chExt cx="0" cy="0"/>
+        </a:xfrm>
+      </p:grpSpPr>
+      <p:sp>
+        <p:nvSpPr>
+          <p:cNvPr id="111" name="Google Shape;111;p21"/>
+          <p:cNvSpPr txBox="1">
+            <a:spLocks noGrp="1"/>
+          </p:cNvSpPr>
+          <p:nvPr>
+            <p:ph type="body" idx="1"/>
+          </p:nvPr>
+        </p:nvSpPr>
+        <p:spPr>
+          <a:xfrm>
+            <a:off x="311785" y="704215"/>
+            <a:ext cx="8520430" cy="3014345"/>
+          </a:xfrm>
+          <a:prstGeom prst="rect">
+            <a:avLst/>
+          </a:prstGeom>
+        </p:spPr>
+        <p:txBody>
+          <a:bodyPr spcFirstLastPara="1" wrap="square" lIns="91425" tIns="91425" rIns="91425" bIns="91425" anchor="t" anchorCtr="0">
+            <a:noAutofit/>
+          </a:bodyPr>
+          <a:lstStyle/>
+          <a:p>
+            <a:pPr marL="0" lvl="1" indent="-285750" algn="l" rtl="0">
+              <a:spcBef>
+                <a:spcPts val="0"/>
+              </a:spcBef>
+              <a:spcAft>
+                <a:spcPts val="1600"/>
+              </a:spcAft>
+              <a:buFont typeface="Arial" panose="020B0604020202020204" pitchFamily="34" charset="0"/>
+              <a:buChar char="•"/>
+            </a:pPr>
+            <a:r>
+              <a:rPr>
+                <a:latin typeface="Times New Roman" panose="02020603050405020304" charset="0"/>
+                <a:cs typeface="Times New Roman" panose="02020603050405020304" charset="0"/>
+              </a:rPr>
+              <a:t>During training, given triplets of </a:t>
+            </a:r>
+            <a:r>
+              <a:rPr>
+                <a:latin typeface="Times New Roman" panose="02020603050405020304" charset="0"/>
+                <a:cs typeface="Times New Roman" panose="02020603050405020304" charset="0"/>
+                <a:sym typeface="+mn-ea"/>
+              </a:rPr>
+              <a:t>question Q </a:t>
+            </a:r>
+            <a:r>
+              <a:rPr lang="en-US">
+                <a:latin typeface="Times New Roman" panose="02020603050405020304" charset="0"/>
+                <a:cs typeface="Times New Roman" panose="02020603050405020304" charset="0"/>
+                <a:sym typeface="+mn-ea"/>
+              </a:rPr>
+              <a:t>,</a:t>
+            </a:r>
+            <a:r>
+              <a:rPr>
+                <a:latin typeface="Times New Roman" panose="02020603050405020304" charset="0"/>
+                <a:cs typeface="Times New Roman" panose="02020603050405020304" charset="0"/>
+                <a:sym typeface="+mn-ea"/>
+              </a:rPr>
+              <a:t>ground truth answer A</a:t>
+            </a:r>
+            <a:endParaRPr>
+              <a:latin typeface="Times New Roman" panose="02020603050405020304" charset="0"/>
+              <a:cs typeface="Times New Roman" panose="02020603050405020304" charset="0"/>
+            </a:endParaRPr>
+          </a:p>
+          <a:p>
+            <a:pPr marL="742950" lvl="1" indent="-285750" algn="l" rtl="0">
+              <a:spcBef>
+                <a:spcPts val="0"/>
+              </a:spcBef>
+              <a:spcAft>
+                <a:spcPts val="1600"/>
+              </a:spcAft>
+              <a:buFont typeface="Arial" panose="020B0604020202020204" pitchFamily="34" charset="0"/>
+              <a:buChar char="•"/>
+            </a:pPr>
+            <a:r>
+              <a:rPr lang="en-US">
+                <a:latin typeface="Times New Roman" panose="02020603050405020304" charset="0"/>
+                <a:cs typeface="Times New Roman" panose="02020603050405020304" charset="0"/>
+              </a:rPr>
+              <a:t>I</a:t>
+            </a:r>
+            <a:r>
+              <a:rPr>
+                <a:latin typeface="Times New Roman" panose="02020603050405020304" charset="0"/>
+                <a:cs typeface="Times New Roman" panose="02020603050405020304" charset="0"/>
+              </a:rPr>
+              <a:t>mage I,</a:t>
+            </a:r>
+          </a:p>
+          <a:p>
+            <a:pPr marL="1200150" lvl="2" indent="-285750" algn="l" rtl="0">
+              <a:lnSpc>
+                <a:spcPct val="95000"/>
+              </a:lnSpc>
+              <a:spcBef>
+                <a:spcPts val="0"/>
+              </a:spcBef>
+              <a:spcAft>
+                <a:spcPts val="1600"/>
+              </a:spcAft>
+              <a:buFont typeface="Arial" panose="020B0604020202020204" pitchFamily="34" charset="0"/>
+              <a:buChar char="•"/>
+            </a:pPr>
+            <a:r>
+              <a:rPr lang="en-US">
+                <a:latin typeface="Times New Roman" panose="02020603050405020304" charset="0"/>
+                <a:cs typeface="Times New Roman" panose="02020603050405020304" charset="0"/>
+              </a:rPr>
+              <a:t>W</a:t>
+            </a:r>
+            <a:r>
+              <a:rPr>
+                <a:latin typeface="Times New Roman" panose="02020603050405020304" charset="0"/>
+                <a:cs typeface="Times New Roman" panose="02020603050405020304" charset="0"/>
+              </a:rPr>
+              <a:t>e optimize the negative log-likelihood (NLL) loss to maximize the probability of the ground truth answer PI (A|Q, I) given by the VQA model.</a:t>
+            </a:r>
+          </a:p>
+          <a:p>
+            <a:pPr marL="742950" lvl="1" indent="-285750" algn="l" rtl="0">
+              <a:lnSpc>
+                <a:spcPct val="95000"/>
+              </a:lnSpc>
+              <a:spcBef>
+                <a:spcPts val="0"/>
+              </a:spcBef>
+              <a:spcAft>
+                <a:spcPts val="1600"/>
+              </a:spcAft>
+              <a:buFont typeface="Arial" panose="020B0604020202020204" pitchFamily="34" charset="0"/>
+              <a:buChar char="•"/>
+            </a:pPr>
+            <a:r>
+              <a:rPr lang="en-US">
+                <a:latin typeface="Times New Roman" panose="02020603050405020304" charset="0"/>
+                <a:cs typeface="Times New Roman" panose="02020603050405020304" charset="0"/>
+              </a:rPr>
+              <a:t>C</a:t>
+            </a:r>
+            <a:r>
+              <a:rPr>
+                <a:latin typeface="Times New Roman" panose="02020603050405020304" charset="0"/>
+                <a:cs typeface="Times New Roman" panose="02020603050405020304" charset="0"/>
+              </a:rPr>
+              <a:t>aption C, </a:t>
+            </a:r>
+          </a:p>
+          <a:p>
+            <a:pPr marL="1200150" lvl="2" indent="-285750" algn="l" rtl="0">
+              <a:lnSpc>
+                <a:spcPct val="95000"/>
+              </a:lnSpc>
+              <a:spcBef>
+                <a:spcPts val="0"/>
+              </a:spcBef>
+              <a:spcAft>
+                <a:spcPts val="1600"/>
+              </a:spcAft>
+              <a:buFont typeface="Arial" panose="020B0604020202020204" pitchFamily="34" charset="0"/>
+              <a:buChar char="•"/>
+            </a:pPr>
+            <a:r>
+              <a:rPr lang="en-US">
+                <a:latin typeface="Times New Roman" panose="02020603050405020304" charset="0"/>
+                <a:cs typeface="Times New Roman" panose="02020603050405020304" charset="0"/>
+              </a:rPr>
+              <a:t>W</a:t>
+            </a:r>
+            <a:r>
+              <a:rPr>
+                <a:latin typeface="Times New Roman" panose="02020603050405020304" charset="0"/>
+                <a:cs typeface="Times New Roman" panose="02020603050405020304" charset="0"/>
+              </a:rPr>
+              <a:t>e optimize the NLL loss to maximize the VQA-Caption model probability</a:t>
+            </a:r>
+            <a:br>
+              <a:rPr>
+                <a:latin typeface="Times New Roman" panose="02020603050405020304" charset="0"/>
+                <a:cs typeface="Times New Roman" panose="02020603050405020304" charset="0"/>
+              </a:rPr>
+            </a:br>
+            <a:r>
+              <a:rPr>
+                <a:latin typeface="Times New Roman" panose="02020603050405020304" charset="0"/>
+                <a:cs typeface="Times New Roman" panose="02020603050405020304" charset="0"/>
+              </a:rPr>
+              <a:t> PC (A|Q, C).</a:t>
+            </a:r>
+          </a:p>
+        </p:txBody>
+      </p:sp>
+    </p:spTree>
+  </p:cSld>
+  <p:clrMapOvr>
+    <a:masterClrMapping/>
+  </p:clrMapOvr>
+</p:sld>
+</file>
+
+<file path=ppt/slides/slide16.xml><?xml version="1.0" encoding="utf-8"?>
+<p:sld xmlns:a="http://schemas.openxmlformats.org/drawingml/2006/main" xmlns:r="http://schemas.openxmlformats.org/officeDocument/2006/relationships" xmlns:p="http://schemas.openxmlformats.org/presentationml/2006/main">
+  <p:cSld>
+    <p:spTree>
+      <p:nvGrpSpPr>
         <p:cNvPr id="1" name=""/>
         <p:cNvGrpSpPr/>
         <p:nvPr/>
       </p:nvGrpSpPr>
-      <p:grpSpPr/>
+      <p:grpSpPr>
+        <a:xfrm>
+          <a:off x="0" y="0"/>
+          <a:ext cx="0" cy="0"/>
+          <a:chOff x="0" y="0"/>
+          <a:chExt cx="0" cy="0"/>
+        </a:xfrm>
+      </p:grpSpPr>
       <p:sp>
         <p:nvSpPr>
           <p:cNvPr id="3" name="Text Placeholder 2"/>
-          <p:cNvSpPr/>
+          <p:cNvSpPr>
+            <a:spLocks noGrp="1"/>
+          </p:cNvSpPr>
+          <p:nvPr>
+            <p:ph type="body" idx="1"/>
+          </p:nvPr>
+        </p:nvSpPr>
+        <p:spPr>
+          <a:xfrm>
+            <a:off x="311785" y="218440"/>
+            <a:ext cx="8520430" cy="4360545"/>
+          </a:xfrm>
+        </p:spPr>
+        <p:txBody>
+          <a:bodyPr/>
+          <a:lstStyle/>
+          <a:p>
+            <a:pPr>
+              <a:buFont typeface="Arial" panose="020B0604020202020204" pitchFamily="34" charset="0"/>
+              <a:buChar char="•"/>
+            </a:pPr>
+            <a:r>
+              <a:rPr lang="en-US" sz="1600">
+                <a:latin typeface="Times New Roman" panose="02020603050405020304" charset="0"/>
+                <a:cs typeface="Times New Roman" panose="02020603050405020304" charset="0"/>
+              </a:rPr>
+              <a:t>For a VQA question (I, Q)</a:t>
+            </a:r>
+          </a:p>
+          <a:p>
+            <a:pPr lvl="1">
+              <a:buFont typeface="Arial" panose="020B0604020202020204" pitchFamily="34" charset="0"/>
+              <a:buChar char="•"/>
+            </a:pPr>
+            <a:r>
+              <a:rPr lang="en-US" sz="1200">
+                <a:latin typeface="Times New Roman" panose="02020603050405020304" charset="0"/>
+                <a:cs typeface="Times New Roman" panose="02020603050405020304" charset="0"/>
+              </a:rPr>
+              <a:t>Image Encoding</a:t>
+            </a:r>
+          </a:p>
+          <a:p>
+            <a:pPr lvl="2">
+              <a:buFont typeface="Arial" panose="020B0604020202020204" pitchFamily="34" charset="0"/>
+              <a:buChar char="•"/>
+            </a:pPr>
+            <a:r>
+              <a:rPr lang="en-US" sz="1200">
+                <a:latin typeface="Times New Roman" panose="02020603050405020304" charset="0"/>
+                <a:cs typeface="Times New Roman" panose="02020603050405020304" charset="0"/>
+              </a:rPr>
+              <a:t>Using the 19-layer VGGNet [46] as a 4,096-dimensional image encoding x</a:t>
+            </a:r>
+            <a:r>
+              <a:rPr lang="en-US" sz="1200" baseline="-25000">
+                <a:latin typeface="Times New Roman" panose="02020603050405020304" charset="0"/>
+                <a:cs typeface="Times New Roman" panose="02020603050405020304" charset="0"/>
+              </a:rPr>
+              <a:t>I</a:t>
+            </a:r>
+            <a:r>
+              <a:rPr lang="en-US" sz="1200">
+                <a:latin typeface="Times New Roman" panose="02020603050405020304" charset="0"/>
+                <a:cs typeface="Times New Roman" panose="02020603050405020304" charset="0"/>
+              </a:rPr>
+              <a:t> </a:t>
+            </a:r>
+          </a:p>
+          <a:p>
+            <a:pPr lvl="1">
+              <a:buFont typeface="Arial" panose="020B0604020202020204" pitchFamily="34" charset="0"/>
+              <a:buChar char="•"/>
+            </a:pPr>
+            <a:r>
+              <a:rPr lang="en-US" sz="1200">
+                <a:latin typeface="Times New Roman" panose="02020603050405020304" charset="0"/>
+                <a:cs typeface="Times New Roman" panose="02020603050405020304" charset="0"/>
+              </a:rPr>
+              <a:t>Qestion Encoding</a:t>
+            </a:r>
+          </a:p>
+          <a:p>
+            <a:pPr lvl="2">
+              <a:buFont typeface="Arial" panose="020B0604020202020204" pitchFamily="34" charset="0"/>
+              <a:buChar char="•"/>
+            </a:pPr>
+            <a:r>
+              <a:rPr lang="en-US" sz="1200">
+                <a:latin typeface="Times New Roman" panose="02020603050405020304" charset="0"/>
+                <a:cs typeface="Times New Roman" panose="02020603050405020304" charset="0"/>
+              </a:rPr>
+              <a:t>Using a 2-layer RNN with 512 Long Short-Term Memory (LSTM) units per layer as a 2,048-dimensional question encoding x</a:t>
+            </a:r>
+            <a:r>
+              <a:rPr lang="en-US" sz="1200" baseline="-25000">
+                <a:latin typeface="Times New Roman" panose="02020603050405020304" charset="0"/>
+                <a:cs typeface="Times New Roman" panose="02020603050405020304" charset="0"/>
+              </a:rPr>
+              <a:t>Q</a:t>
+            </a:r>
+            <a:r>
+              <a:rPr lang="en-US" sz="1200">
+                <a:latin typeface="Times New Roman" panose="02020603050405020304" charset="0"/>
+                <a:cs typeface="Times New Roman" panose="02020603050405020304" charset="0"/>
+              </a:rPr>
+              <a:t>. </a:t>
+            </a:r>
+          </a:p>
+          <a:p>
+            <a:pPr>
+              <a:buFont typeface="Arial" panose="020B0604020202020204" pitchFamily="34" charset="0"/>
+              <a:buChar char="•"/>
+            </a:pPr>
+            <a:r>
+              <a:rPr lang="en-US" sz="1600">
+                <a:latin typeface="Times New Roman" panose="02020603050405020304" charset="0"/>
+                <a:cs typeface="Times New Roman" panose="02020603050405020304" charset="0"/>
+              </a:rPr>
+              <a:t>Then x</a:t>
+            </a:r>
+            <a:r>
+              <a:rPr lang="en-US" sz="1600" baseline="-25000">
+                <a:latin typeface="Times New Roman" panose="02020603050405020304" charset="0"/>
+                <a:cs typeface="Times New Roman" panose="02020603050405020304" charset="0"/>
+              </a:rPr>
+              <a:t>I</a:t>
+            </a:r>
+            <a:r>
+              <a:rPr lang="en-US" sz="1600">
+                <a:latin typeface="Times New Roman" panose="02020603050405020304" charset="0"/>
+                <a:cs typeface="Times New Roman" panose="02020603050405020304" charset="0"/>
+              </a:rPr>
+              <a:t> and x</a:t>
+            </a:r>
+            <a:r>
+              <a:rPr lang="en-US" sz="1600" baseline="-25000">
+                <a:latin typeface="Times New Roman" panose="02020603050405020304" charset="0"/>
+                <a:cs typeface="Times New Roman" panose="02020603050405020304" charset="0"/>
+              </a:rPr>
+              <a:t>Q</a:t>
+            </a:r>
+            <a:r>
+              <a:rPr lang="en-US" sz="1600">
+                <a:latin typeface="Times New Roman" panose="02020603050405020304" charset="0"/>
+                <a:cs typeface="Times New Roman" panose="02020603050405020304" charset="0"/>
+              </a:rPr>
+              <a:t>  are projected into a common 1,024-dimensional multi-modal space as z</a:t>
+            </a:r>
+            <a:r>
+              <a:rPr lang="en-US" sz="1600" baseline="-25000">
+                <a:latin typeface="Times New Roman" panose="02020603050405020304" charset="0"/>
+                <a:cs typeface="Times New Roman" panose="02020603050405020304" charset="0"/>
+              </a:rPr>
+              <a:t>I</a:t>
+            </a:r>
+            <a:r>
+              <a:rPr lang="en-US" sz="1600">
+                <a:latin typeface="Times New Roman" panose="02020603050405020304" charset="0"/>
+                <a:cs typeface="Times New Roman" panose="02020603050405020304" charset="0"/>
+              </a:rPr>
+              <a:t> and z</a:t>
+            </a:r>
+            <a:r>
+              <a:rPr lang="en-US" sz="1600" baseline="-25000">
+                <a:latin typeface="Times New Roman" panose="02020603050405020304" charset="0"/>
+                <a:cs typeface="Times New Roman" panose="02020603050405020304" charset="0"/>
+              </a:rPr>
+              <a:t>Q</a:t>
+            </a:r>
+          </a:p>
+          <a:p>
+            <a:pPr>
+              <a:buFont typeface="Arial" panose="020B0604020202020204" pitchFamily="34" charset="0"/>
+              <a:buChar char="•"/>
+            </a:pPr>
+            <a:endParaRPr lang="en-US" sz="1600">
+              <a:latin typeface="Times New Roman" panose="02020603050405020304" charset="0"/>
+              <a:cs typeface="Times New Roman" panose="02020603050405020304" charset="0"/>
+            </a:endParaRPr>
+          </a:p>
+          <a:p>
+            <a:pPr>
+              <a:buFont typeface="Arial" panose="020B0604020202020204" pitchFamily="34" charset="0"/>
+              <a:buChar char="•"/>
+            </a:pPr>
+            <a:r>
+              <a:rPr lang="en-US" sz="1600">
+                <a:latin typeface="Times New Roman" panose="02020603050405020304" charset="0"/>
+                <a:cs typeface="Times New Roman" panose="02020603050405020304" charset="0"/>
+              </a:rPr>
+              <a:t>We then compute the representation z</a:t>
+            </a:r>
+            <a:r>
+              <a:rPr lang="en-US" sz="1600" baseline="-25000">
+                <a:latin typeface="Times New Roman" panose="02020603050405020304" charset="0"/>
+                <a:cs typeface="Times New Roman" panose="02020603050405020304" charset="0"/>
+              </a:rPr>
+              <a:t>I+Q</a:t>
+            </a:r>
+            <a:r>
+              <a:rPr lang="en-US" sz="1600">
+                <a:latin typeface="Times New Roman" panose="02020603050405020304" charset="0"/>
+                <a:cs typeface="Times New Roman" panose="02020603050405020304" charset="0"/>
+              </a:rPr>
+              <a:t> for the image-question pair (I, Q) by element-wise multiplying z</a:t>
+            </a:r>
+            <a:r>
+              <a:rPr lang="en-US" sz="1600" baseline="-25000">
+                <a:latin typeface="Times New Roman" panose="02020603050405020304" charset="0"/>
+                <a:cs typeface="Times New Roman" panose="02020603050405020304" charset="0"/>
+              </a:rPr>
+              <a:t>I</a:t>
+            </a:r>
+            <a:r>
+              <a:rPr lang="en-US" sz="1600">
+                <a:latin typeface="Times New Roman" panose="02020603050405020304" charset="0"/>
+                <a:cs typeface="Times New Roman" panose="02020603050405020304" charset="0"/>
+              </a:rPr>
+              <a:t> and z</a:t>
+            </a:r>
+            <a:r>
+              <a:rPr lang="en-US" sz="1600" baseline="-25000">
+                <a:latin typeface="Times New Roman" panose="02020603050405020304" charset="0"/>
+                <a:cs typeface="Times New Roman" panose="02020603050405020304" charset="0"/>
+              </a:rPr>
+              <a:t>Q</a:t>
+            </a:r>
+          </a:p>
+          <a:p>
+            <a:pPr>
+              <a:buFont typeface="Arial" panose="020B0604020202020204" pitchFamily="34" charset="0"/>
+              <a:buChar char="•"/>
+            </a:pPr>
+            <a:r>
+              <a:rPr lang="en-US" sz="1600">
+                <a:latin typeface="Times New Roman" panose="02020603050405020304" charset="0"/>
+                <a:cs typeface="Times New Roman" panose="02020603050405020304" charset="0"/>
+              </a:rPr>
+              <a:t> The scores s</a:t>
+            </a:r>
+            <a:r>
+              <a:rPr lang="en-US" sz="1600" baseline="-25000">
+                <a:latin typeface="Times New Roman" panose="02020603050405020304" charset="0"/>
+                <a:cs typeface="Times New Roman" panose="02020603050405020304" charset="0"/>
+              </a:rPr>
+              <a:t>A</a:t>
+            </a:r>
+            <a:r>
+              <a:rPr lang="en-US" sz="1600">
+                <a:latin typeface="Times New Roman" panose="02020603050405020304" charset="0"/>
+                <a:cs typeface="Times New Roman" panose="02020603050405020304" charset="0"/>
+              </a:rPr>
+              <a:t> for 1,000 answers are given by:</a:t>
+            </a:r>
+            <a:br>
+              <a:rPr lang="en-US" sz="1600">
+                <a:latin typeface="Times New Roman" panose="02020603050405020304" charset="0"/>
+                <a:cs typeface="Times New Roman" panose="02020603050405020304" charset="0"/>
+              </a:rPr>
+            </a:br>
+            <a:r>
+              <a:rPr lang="en-US" sz="1600">
+                <a:latin typeface="Times New Roman" panose="02020603050405020304" charset="0"/>
+                <a:cs typeface="Times New Roman" panose="02020603050405020304" charset="0"/>
+              </a:rPr>
+              <a:t>			s</a:t>
+            </a:r>
+            <a:r>
+              <a:rPr lang="en-US" sz="1600" baseline="-25000">
+                <a:latin typeface="Times New Roman" panose="02020603050405020304" charset="0"/>
+                <a:cs typeface="Times New Roman" panose="02020603050405020304" charset="0"/>
+              </a:rPr>
+              <a:t>A</a:t>
+            </a:r>
+            <a:r>
+              <a:rPr lang="en-US" sz="1600">
+                <a:latin typeface="Times New Roman" panose="02020603050405020304" charset="0"/>
+                <a:cs typeface="Times New Roman" panose="02020603050405020304" charset="0"/>
+              </a:rPr>
+              <a:t> = W</a:t>
+            </a:r>
+            <a:r>
+              <a:rPr lang="en-US" sz="1600" baseline="-25000">
+                <a:latin typeface="Times New Roman" panose="02020603050405020304" charset="0"/>
+                <a:cs typeface="Times New Roman" panose="02020603050405020304" charset="0"/>
+              </a:rPr>
+              <a:t>s</a:t>
+            </a:r>
+            <a:r>
+              <a:rPr lang="en-US" sz="1600">
+                <a:latin typeface="Times New Roman" panose="02020603050405020304" charset="0"/>
+                <a:cs typeface="Times New Roman" panose="02020603050405020304" charset="0"/>
+              </a:rPr>
+              <a:t>z</a:t>
+            </a:r>
+            <a:r>
+              <a:rPr lang="en-US" sz="1600" baseline="-25000">
+                <a:latin typeface="Times New Roman" panose="02020603050405020304" charset="0"/>
+                <a:cs typeface="Times New Roman" panose="02020603050405020304" charset="0"/>
+              </a:rPr>
+              <a:t>I+Q</a:t>
+            </a:r>
+            <a:r>
+              <a:rPr lang="en-US" sz="1600">
+                <a:latin typeface="Times New Roman" panose="02020603050405020304" charset="0"/>
+                <a:cs typeface="Times New Roman" panose="02020603050405020304" charset="0"/>
+              </a:rPr>
+              <a:t> + b</a:t>
+            </a:r>
+            <a:r>
+              <a:rPr lang="en-US" sz="1600" baseline="-25000">
+                <a:latin typeface="Times New Roman" panose="02020603050405020304" charset="0"/>
+                <a:cs typeface="Times New Roman" panose="02020603050405020304" charset="0"/>
+              </a:rPr>
+              <a:t>s</a:t>
+            </a:r>
+          </a:p>
+        </p:txBody>
+      </p:sp>
+      <p:pic>
+        <p:nvPicPr>
+          <p:cNvPr id="4" name="Picture 3"/>
+          <p:cNvPicPr>
+            <a:picLocks noChangeAspect="1"/>
+          </p:cNvPicPr>
+          <p:nvPr/>
+        </p:nvPicPr>
+        <p:blipFill>
+          <a:blip r:embed="rId2"/>
+          <a:stretch>
+            <a:fillRect/>
+          </a:stretch>
+        </p:blipFill>
+        <p:spPr>
+          <a:xfrm>
+            <a:off x="2696845" y="2757170"/>
+            <a:ext cx="3193415" cy="273050"/>
+          </a:xfrm>
+          <a:prstGeom prst="rect">
+            <a:avLst/>
+          </a:prstGeom>
+        </p:spPr>
+      </p:pic>
+    </p:spTree>
+  </p:cSld>
+  <p:clrMapOvr>
+    <a:masterClrMapping/>
+  </p:clrMapOvr>
+</p:sld>
+</file>
+
+<file path=ppt/slides/slide17.xml><?xml version="1.0" encoding="utf-8"?>
+<p:sld xmlns:a="http://schemas.openxmlformats.org/drawingml/2006/main" xmlns:r="http://schemas.openxmlformats.org/officeDocument/2006/relationships" xmlns:p="http://schemas.openxmlformats.org/presentationml/2006/main">
+  <p:cSld>
+    <p:spTree>
+      <p:nvGrpSpPr>
+        <p:cNvPr id="1" name=""/>
+        <p:cNvGrpSpPr/>
+        <p:nvPr/>
+      </p:nvGrpSpPr>
+      <p:grpSpPr>
+        <a:xfrm>
+          <a:off x="0" y="0"/>
+          <a:ext cx="0" cy="0"/>
+          <a:chOff x="0" y="0"/>
+          <a:chExt cx="0" cy="0"/>
+        </a:xfrm>
+      </p:grpSpPr>
+      <p:sp>
+        <p:nvSpPr>
+          <p:cNvPr id="3" name="Text Placeholder 2"/>
+          <p:cNvSpPr>
+            <a:spLocks noGrp="1"/>
+          </p:cNvSpPr>
+          <p:nvPr>
+            <p:ph type="body" idx="1"/>
+          </p:nvPr>
+        </p:nvSpPr>
+        <p:spPr>
+          <a:xfrm>
+            <a:off x="311785" y="247015"/>
+            <a:ext cx="8520430" cy="4331970"/>
+          </a:xfrm>
+        </p:spPr>
+        <p:txBody>
+          <a:bodyPr/>
+          <a:lstStyle/>
+          <a:p>
+            <a:pPr>
+              <a:buFont typeface="Arial" panose="020B0604020202020204" pitchFamily="34" charset="0"/>
+              <a:buChar char="•"/>
+            </a:pPr>
+            <a:r>
+              <a:rPr lang="en-US">
+                <a:latin typeface="Times New Roman" panose="02020603050405020304" charset="0"/>
+                <a:cs typeface="Times New Roman" panose="02020603050405020304" charset="0"/>
+              </a:rPr>
+              <a:t>For the VQA-Caption task given caption C and question Q, </a:t>
+            </a:r>
+          </a:p>
+          <a:p>
+            <a:pPr lvl="1">
+              <a:buFont typeface="Arial" panose="020B0604020202020204" pitchFamily="34" charset="0"/>
+              <a:buChar char="•"/>
+            </a:pPr>
+            <a:r>
+              <a:rPr lang="en-US">
+                <a:latin typeface="Times New Roman" panose="02020603050405020304" charset="0"/>
+                <a:cs typeface="Times New Roman" panose="02020603050405020304" charset="0"/>
+              </a:rPr>
+              <a:t>We use the same network architecture and learning procedure as above</a:t>
+            </a:r>
+          </a:p>
+          <a:p>
+            <a:pPr lvl="1">
+              <a:buFont typeface="Arial" panose="020B0604020202020204" pitchFamily="34" charset="0"/>
+              <a:buChar char="•"/>
+            </a:pPr>
+            <a:r>
+              <a:rPr lang="en-US">
+                <a:latin typeface="Times New Roman" panose="02020603050405020304" charset="0"/>
+                <a:cs typeface="Times New Roman" panose="02020603050405020304" charset="0"/>
+              </a:rPr>
+              <a:t>But using the most frequent 1,000 words in training captions as the dictionary to construct a 1,000 dimensional bag-of-words encoding for caption C as x</a:t>
+            </a:r>
+            <a:r>
+              <a:rPr lang="en-US" baseline="-25000">
+                <a:latin typeface="Times New Roman" panose="02020603050405020304" charset="0"/>
+                <a:cs typeface="Times New Roman" panose="02020603050405020304" charset="0"/>
+              </a:rPr>
+              <a:t>C</a:t>
+            </a:r>
+            <a:r>
+              <a:rPr lang="en-US">
+                <a:latin typeface="Times New Roman" panose="02020603050405020304" charset="0"/>
+                <a:cs typeface="Times New Roman" panose="02020603050405020304" charset="0"/>
+              </a:rPr>
+              <a:t> to replace the image feature x</a:t>
+            </a:r>
+            <a:r>
+              <a:rPr lang="en-US" baseline="-25000">
+                <a:latin typeface="Times New Roman" panose="02020603050405020304" charset="0"/>
+                <a:cs typeface="Times New Roman" panose="02020603050405020304" charset="0"/>
+              </a:rPr>
+              <a:t>I</a:t>
+            </a:r>
+            <a:r>
+              <a:rPr lang="en-US">
+                <a:latin typeface="Times New Roman" panose="02020603050405020304" charset="0"/>
+                <a:cs typeface="Times New Roman" panose="02020603050405020304" charset="0"/>
+              </a:rPr>
+              <a:t> and compute z</a:t>
+            </a:r>
+            <a:r>
+              <a:rPr lang="en-US" baseline="-25000">
+                <a:latin typeface="Times New Roman" panose="02020603050405020304" charset="0"/>
+                <a:cs typeface="Times New Roman" panose="02020603050405020304" charset="0"/>
+              </a:rPr>
+              <a:t>C</a:t>
+            </a:r>
+            <a:r>
+              <a:rPr lang="en-US">
+                <a:latin typeface="Times New Roman" panose="02020603050405020304" charset="0"/>
+                <a:cs typeface="Times New Roman" panose="02020603050405020304" charset="0"/>
+              </a:rPr>
+              <a:t> , z</a:t>
+            </a:r>
+            <a:r>
+              <a:rPr lang="en-US" baseline="-25000">
+                <a:latin typeface="Times New Roman" panose="02020603050405020304" charset="0"/>
+                <a:cs typeface="Times New Roman" panose="02020603050405020304" charset="0"/>
+              </a:rPr>
+              <a:t>C+Q</a:t>
+            </a:r>
+            <a:r>
+              <a:rPr lang="en-US">
+                <a:latin typeface="Times New Roman" panose="02020603050405020304" charset="0"/>
+                <a:cs typeface="Times New Roman" panose="02020603050405020304" charset="0"/>
+              </a:rPr>
+              <a:t> respectively.</a:t>
+            </a:r>
+          </a:p>
+          <a:p>
+            <a:pPr lvl="0">
+              <a:buFont typeface="Arial" panose="020B0604020202020204" pitchFamily="34" charset="0"/>
+              <a:buChar char="•"/>
+            </a:pPr>
+            <a:r>
+              <a:rPr lang="en-US">
+                <a:latin typeface="Times New Roman" panose="02020603050405020304" charset="0"/>
+                <a:cs typeface="Times New Roman" panose="02020603050405020304" charset="0"/>
+              </a:rPr>
+              <a:t>The VQA and VQA-Caption models are learned on the train split of the VQA dataset using </a:t>
+            </a:r>
+          </a:p>
+          <a:p>
+            <a:pPr lvl="1">
+              <a:buFont typeface="Arial" panose="020B0604020202020204" pitchFamily="34" charset="0"/>
+              <a:buChar char="•"/>
+            </a:pPr>
+            <a:r>
+              <a:rPr lang="en-US">
+                <a:latin typeface="Times New Roman" panose="02020603050405020304" charset="0"/>
+                <a:cs typeface="Times New Roman" panose="02020603050405020304" charset="0"/>
+              </a:rPr>
+              <a:t>82,783 images, 413,915 captions and 248,349 questions. </a:t>
+            </a:r>
+          </a:p>
+          <a:p>
+            <a:pPr lvl="0">
+              <a:buFont typeface="Arial" panose="020B0604020202020204" pitchFamily="34" charset="0"/>
+              <a:buChar char="•"/>
+            </a:pPr>
+            <a:r>
+              <a:rPr lang="en-US">
+                <a:latin typeface="Times New Roman" panose="02020603050405020304" charset="0"/>
+                <a:cs typeface="Times New Roman" panose="02020603050405020304" charset="0"/>
+              </a:rPr>
+              <a:t>These models achieve VQA validation set accuracies of </a:t>
+            </a:r>
+          </a:p>
+          <a:p>
+            <a:pPr lvl="1">
+              <a:buFont typeface="Arial" panose="020B0604020202020204" pitchFamily="34" charset="0"/>
+              <a:buChar char="•"/>
+            </a:pPr>
+            <a:r>
+              <a:rPr lang="en-US">
+                <a:latin typeface="Times New Roman" panose="02020603050405020304" charset="0"/>
+                <a:cs typeface="Times New Roman" panose="02020603050405020304" charset="0"/>
+              </a:rPr>
+              <a:t>54.42% (VQA) and 56.28%(VQA-Caption). </a:t>
+            </a:r>
+          </a:p>
+          <a:p>
+            <a:pPr lvl="0">
+              <a:buFont typeface="Arial" panose="020B0604020202020204" pitchFamily="34" charset="0"/>
+              <a:buChar char="•"/>
+            </a:pPr>
+            <a:r>
+              <a:rPr lang="en-US">
+                <a:latin typeface="Times New Roman" panose="02020603050405020304" charset="0"/>
+                <a:cs typeface="Times New Roman" panose="02020603050405020304" charset="0"/>
+              </a:rPr>
+              <a:t>Next, they are used as sub-modules in the image caption ranking approach.</a:t>
+            </a:r>
+          </a:p>
+        </p:txBody>
+      </p:sp>
+    </p:spTree>
+  </p:cSld>
+  <p:clrMapOvr>
+    <a:masterClrMapping/>
+  </p:clrMapOvr>
+</p:sld>
+</file>
+
+<file path=ppt/slides/slide18.xml><?xml version="1.0" encoding="utf-8"?>
+<p:sld xmlns:a="http://schemas.openxmlformats.org/drawingml/2006/main" xmlns:r="http://schemas.openxmlformats.org/officeDocument/2006/relationships" xmlns:p="http://schemas.openxmlformats.org/presentationml/2006/main">
+  <p:cSld>
+    <p:spTree>
+      <p:nvGrpSpPr>
+        <p:cNvPr id="1" name=""/>
+        <p:cNvGrpSpPr/>
+        <p:nvPr/>
+      </p:nvGrpSpPr>
+      <p:grpSpPr>
+        <a:xfrm>
+          <a:off x="0" y="0"/>
+          <a:ext cx="0" cy="0"/>
+          <a:chOff x="0" y="0"/>
+          <a:chExt cx="0" cy="0"/>
+        </a:xfrm>
+      </p:grpSpPr>
+      <p:sp>
+        <p:nvSpPr>
+          <p:cNvPr id="2" name="Title 1"/>
+          <p:cNvSpPr>
+            <a:spLocks noGrp="1"/>
+          </p:cNvSpPr>
+          <p:nvPr>
+            <p:ph type="title"/>
+          </p:nvPr>
+        </p:nvSpPr>
+        <p:spPr>
+          <a:xfrm>
+            <a:off x="311700" y="1046175"/>
+            <a:ext cx="8520600" cy="831300"/>
+          </a:xfrm>
+        </p:spPr>
+        <p:txBody>
+          <a:bodyPr/>
+          <a:lstStyle/>
+          <a:p>
+            <a:r>
+              <a:rPr lang="en-US" sz="3200">
+                <a:latin typeface="Times New Roman" panose="02020603050405020304" charset="0"/>
+                <a:cs typeface="Times New Roman" panose="02020603050405020304" charset="0"/>
+              </a:rPr>
+              <a:t>Approach</a:t>
+            </a:r>
+          </a:p>
+        </p:txBody>
+      </p:sp>
+      <p:sp>
+        <p:nvSpPr>
+          <p:cNvPr id="3" name="Text Placeholder 2"/>
+          <p:cNvSpPr>
+            <a:spLocks noGrp="1"/>
+          </p:cNvSpPr>
+          <p:nvPr>
+            <p:ph type="body" idx="1"/>
+          </p:nvPr>
+        </p:nvSpPr>
+        <p:spPr>
+          <a:xfrm>
+            <a:off x="311785" y="2253615"/>
+            <a:ext cx="8520430" cy="1549400"/>
+          </a:xfrm>
+        </p:spPr>
+        <p:txBody>
+          <a:bodyPr/>
+          <a:lstStyle/>
+          <a:p>
+            <a:pPr>
+              <a:buFont typeface="Arial" panose="020B0604020202020204" pitchFamily="34" charset="0"/>
+              <a:buChar char="•"/>
+            </a:pPr>
+            <a:r>
+              <a:rPr lang="en-US">
+                <a:latin typeface="Times New Roman" panose="02020603050405020304" charset="0"/>
+                <a:cs typeface="Times New Roman" panose="02020603050405020304" charset="0"/>
+              </a:rPr>
+              <a:t>To leverage knowledge in VQA for image-caption ranking we propose </a:t>
+            </a:r>
+          </a:p>
+          <a:p>
+            <a:pPr lvl="1">
+              <a:buFont typeface="Arial" panose="020B0604020202020204" pitchFamily="34" charset="0"/>
+              <a:buChar char="•"/>
+            </a:pPr>
+            <a:r>
+              <a:rPr lang="en-US">
+                <a:latin typeface="Times New Roman" panose="02020603050405020304" charset="0"/>
+                <a:cs typeface="Times New Roman" panose="02020603050405020304" charset="0"/>
+              </a:rPr>
+              <a:t>to represent the images and the captions in the VQA space using VQA and VQA-Caption models. </a:t>
+            </a:r>
+          </a:p>
+          <a:p>
+            <a:pPr lvl="1">
+              <a:buFont typeface="Arial" panose="020B0604020202020204" pitchFamily="34" charset="0"/>
+              <a:buChar char="•"/>
+            </a:pPr>
+            <a:r>
+              <a:rPr lang="en-US">
+                <a:latin typeface="Times New Roman" panose="02020603050405020304" charset="0"/>
+                <a:cs typeface="Times New Roman" panose="02020603050405020304" charset="0"/>
+              </a:rPr>
+              <a:t>This representations is called VQA-grounded representations.</a:t>
+            </a:r>
+          </a:p>
+        </p:txBody>
+      </p:sp>
+    </p:spTree>
+  </p:cSld>
+  <p:clrMapOvr>
+    <a:masterClrMapping/>
+  </p:clrMapOvr>
+</p:sld>
+</file>
+
+<file path=ppt/slides/slide19.xml><?xml version="1.0" encoding="utf-8"?>
+<p:sld xmlns:a="http://schemas.openxmlformats.org/drawingml/2006/main" xmlns:r="http://schemas.openxmlformats.org/officeDocument/2006/relationships" xmlns:p="http://schemas.openxmlformats.org/presentationml/2006/main">
+  <p:cSld>
+    <p:spTree>
+      <p:nvGrpSpPr>
+        <p:cNvPr id="1" name=""/>
+        <p:cNvGrpSpPr/>
+        <p:nvPr/>
+      </p:nvGrpSpPr>
+      <p:grpSpPr>
+        <a:xfrm>
+          <a:off x="0" y="0"/>
+          <a:ext cx="0" cy="0"/>
+          <a:chOff x="0" y="0"/>
+          <a:chExt cx="0" cy="0"/>
+        </a:xfrm>
+      </p:grpSpPr>
+      <p:sp>
+        <p:nvSpPr>
+          <p:cNvPr id="3" name="Text Placeholder 2"/>
+          <p:cNvSpPr>
+            <a:spLocks noGrp="1"/>
+          </p:cNvSpPr>
           <p:nvPr>
             <p:ph type="body" idx="1"/>
           </p:nvPr>
@@ -7686,6 +9093,7 @@
         </p:spPr>
         <p:txBody>
           <a:bodyPr/>
+          <a:lstStyle/>
           <a:p>
             <a:pPr>
               <a:buFont typeface="Arial" panose="020B0604020202020204" pitchFamily="34" charset="0"/>
@@ -7698,10 +9106,6 @@
               </a:rPr>
               <a:t>Let’s say we have a</a:t>
             </a:r>
-            <a:endParaRPr lang="en-US">
-              <a:latin typeface="Times New Roman" panose="02020603050405020304" charset="0"/>
-              <a:cs typeface="Times New Roman" panose="02020603050405020304" charset="0"/>
-            </a:endParaRPr>
           </a:p>
           <a:p>
             <a:pPr lvl="1">
@@ -7715,10 +9119,6 @@
               </a:rPr>
               <a:t> VQA model PI (A|Q, I), a VQA-Caption model PC (A|Q, C)</a:t>
             </a:r>
-            <a:endParaRPr lang="en-US">
-              <a:latin typeface="Times New Roman" panose="02020603050405020304" charset="0"/>
-              <a:cs typeface="Times New Roman" panose="02020603050405020304" charset="0"/>
-            </a:endParaRPr>
           </a:p>
           <a:p>
             <a:pPr lvl="1">
@@ -7732,10 +9132,6 @@
               </a:rPr>
               <a:t>Set of N questions Qi </a:t>
             </a:r>
-            <a:endParaRPr lang="en-US">
-              <a:latin typeface="Times New Roman" panose="02020603050405020304" charset="0"/>
-              <a:cs typeface="Times New Roman" panose="02020603050405020304" charset="0"/>
-            </a:endParaRPr>
           </a:p>
           <a:p>
             <a:pPr lvl="1">
@@ -7749,10 +9145,6 @@
               </a:rPr>
               <a:t>And their plausible answers (one for each question) Ai, i = 1, 2, ...N. </a:t>
             </a:r>
-            <a:endParaRPr lang="en-US">
-              <a:latin typeface="Times New Roman" panose="02020603050405020304" charset="0"/>
-              <a:cs typeface="Times New Roman" panose="02020603050405020304" charset="0"/>
-            </a:endParaRPr>
           </a:p>
           <a:p>
             <a:pPr lvl="0">
@@ -7794,10 +9186,6 @@
               </a:rPr>
               <a:t> for C </a:t>
             </a:r>
-            <a:endParaRPr lang="en-US">
-              <a:latin typeface="Times New Roman" panose="02020603050405020304" charset="0"/>
-              <a:cs typeface="Times New Roman" panose="02020603050405020304" charset="0"/>
-            </a:endParaRPr>
           </a:p>
           <a:p>
             <a:pPr lvl="0">
@@ -7839,10 +9227,6 @@
               </a:rPr>
               <a:t> is the log probability of the ground truth answer Ai given a question Qi.</a:t>
             </a:r>
-            <a:endParaRPr lang="en-US">
-              <a:latin typeface="Times New Roman" panose="02020603050405020304" charset="0"/>
-              <a:cs typeface="Times New Roman" panose="02020603050405020304" charset="0"/>
-            </a:endParaRPr>
           </a:p>
         </p:txBody>
       </p:sp>
@@ -7855,7 +9239,7 @@
           <p:nvPr/>
         </p:nvPicPr>
         <p:blipFill>
-          <a:blip r:embed="rId1"/>
+          <a:blip r:embed="rId2"/>
           <a:stretch>
             <a:fillRect/>
           </a:stretch>
@@ -7878,7 +9262,7 @@
 </p:sld>
 </file>
 
-<file path=ppt/slides/slide15.xml><?xml version="1.0" encoding="utf-8"?>
+<file path=ppt/slides/slide2.xml><?xml version="1.0" encoding="utf-8"?>
 <p:sld xmlns:a="http://schemas.openxmlformats.org/drawingml/2006/main" xmlns:r="http://schemas.openxmlformats.org/officeDocument/2006/relationships" xmlns:p="http://schemas.openxmlformats.org/presentationml/2006/main">
   <p:cSld>
     <p:spTree>
@@ -7887,7 +9271,85 @@
         <p:cNvGrpSpPr/>
         <p:nvPr/>
       </p:nvGrpSpPr>
-      <p:grpSpPr/>
+      <p:grpSpPr>
+        <a:xfrm>
+          <a:off x="0" y="0"/>
+          <a:ext cx="0" cy="0"/>
+          <a:chOff x="0" y="0"/>
+          <a:chExt cx="0" cy="0"/>
+        </a:xfrm>
+      </p:grpSpPr>
+      <p:sp>
+        <p:nvSpPr>
+          <p:cNvPr id="2" name="Title 1">
+            <a:extLst>
+              <a:ext uri="{FF2B5EF4-FFF2-40B4-BE49-F238E27FC236}">
+                <a16:creationId xmlns:a16="http://schemas.microsoft.com/office/drawing/2014/main" id="{880A31A6-3302-49C5-9126-724CD00D0523}"/>
+              </a:ext>
+            </a:extLst>
+          </p:cNvPr>
+          <p:cNvSpPr>
+            <a:spLocks noGrp="1"/>
+          </p:cNvSpPr>
+          <p:nvPr>
+            <p:ph type="title"/>
+          </p:nvPr>
+        </p:nvSpPr>
+        <p:spPr>
+          <a:xfrm>
+            <a:off x="780623" y="1850260"/>
+            <a:ext cx="8520600" cy="831300"/>
+          </a:xfrm>
+        </p:spPr>
+        <p:txBody>
+          <a:bodyPr/>
+          <a:lstStyle/>
+          <a:p>
+            <a:r>
+              <a:rPr lang="en-US" sz="2400" dirty="0">
+                <a:latin typeface="Times New Roman" panose="02020603050405020304" pitchFamily="18" charset="0"/>
+                <a:cs typeface="Times New Roman" panose="02020603050405020304" pitchFamily="18" charset="0"/>
+              </a:rPr>
+              <a:t>Task 1 : Labelling Meme Into Categories of Hate Speech</a:t>
+            </a:r>
+            <a:r>
+              <a:rPr lang="en-US" sz="2400" dirty="0"/>
+              <a:t>.</a:t>
+            </a:r>
+            <a:endParaRPr lang="en-IN" sz="2400" dirty="0"/>
+          </a:p>
+        </p:txBody>
+      </p:sp>
+    </p:spTree>
+    <p:extLst>
+      <p:ext uri="{BB962C8B-B14F-4D97-AF65-F5344CB8AC3E}">
+        <p14:creationId xmlns:p14="http://schemas.microsoft.com/office/powerpoint/2010/main" val="1734882102"/>
+      </p:ext>
+    </p:extLst>
+  </p:cSld>
+  <p:clrMapOvr>
+    <a:masterClrMapping/>
+  </p:clrMapOvr>
+</p:sld>
+</file>
+
+<file path=ppt/slides/slide20.xml><?xml version="1.0" encoding="utf-8"?>
+<p:sld xmlns:a="http://schemas.openxmlformats.org/drawingml/2006/main" xmlns:r="http://schemas.openxmlformats.org/officeDocument/2006/relationships" xmlns:p="http://schemas.openxmlformats.org/presentationml/2006/main">
+  <p:cSld>
+    <p:spTree>
+      <p:nvGrpSpPr>
+        <p:cNvPr id="1" name=""/>
+        <p:cNvGrpSpPr/>
+        <p:nvPr/>
+      </p:nvGrpSpPr>
+      <p:grpSpPr>
+        <a:xfrm>
+          <a:off x="0" y="0"/>
+          <a:ext cx="0" cy="0"/>
+          <a:chOff x="0" y="0"/>
+          <a:chExt cx="0" cy="0"/>
+        </a:xfrm>
+      </p:grpSpPr>
       <p:pic>
         <p:nvPicPr>
           <p:cNvPr id="4" name="Picture 3"/>
@@ -7897,7 +9359,7 @@
           <p:nvPr/>
         </p:nvPicPr>
         <p:blipFill>
-          <a:blip r:embed="rId1"/>
+          <a:blip r:embed="rId2"/>
           <a:stretch>
             <a:fillRect/>
           </a:stretch>
@@ -7932,6 +9394,7 @@
           <a:bodyPr wrap="square" rtlCol="0">
             <a:spAutoFit/>
           </a:bodyPr>
+          <a:lstStyle/>
           <a:p>
             <a:pPr marL="285750" indent="-285750">
               <a:buFont typeface="Arial" panose="020B0604020202020204" pitchFamily="34" charset="0"/>
@@ -7944,6 +9407,29 @@
               </a:rPr>
               <a:t>For example if the (Qi, Ai) pairs are </a:t>
             </a:r>
+          </a:p>
+          <a:p>
+            <a:r>
+              <a:rPr lang="en-US" sz="1000">
+                <a:latin typeface="Times New Roman" panose="02020603050405020304" charset="0"/>
+                <a:cs typeface="Times New Roman" panose="02020603050405020304" charset="0"/>
+              </a:rPr>
+              <a:t>  (Q1: What is the person riding?,</a:t>
+            </a:r>
+            <a:r>
+              <a:rPr lang="en-US" sz="1600">
+                <a:latin typeface="Times New Roman" panose="02020603050405020304" charset="0"/>
+                <a:cs typeface="Times New Roman" panose="02020603050405020304" charset="0"/>
+              </a:rPr>
+              <a:t> </a:t>
+            </a:r>
+            <a:r>
+              <a:rPr lang="en-US" sz="1000">
+                <a:latin typeface="Times New Roman" panose="02020603050405020304" charset="0"/>
+                <a:cs typeface="Times New Roman" panose="02020603050405020304" charset="0"/>
+              </a:rPr>
+              <a:t>A1:Motorcycle)</a:t>
+            </a:r>
             <a:endParaRPr lang="en-US" sz="1600">
               <a:latin typeface="Times New Roman" panose="02020603050405020304" charset="0"/>
               <a:cs typeface="Times New Roman" panose="02020603050405020304" charset="0"/>
@@ -7951,25 +9437,18 @@
           </a:p>
           <a:p>
             <a:r>
+              <a:rPr lang="en-US" sz="1600">
+                <a:latin typeface="Times New Roman" panose="02020603050405020304" charset="0"/>
+                <a:cs typeface="Times New Roman" panose="02020603050405020304" charset="0"/>
+              </a:rPr>
+              <a:t> </a:t>
+            </a:r>
+            <a:r>
               <a:rPr lang="en-US" sz="1000">
                 <a:latin typeface="Times New Roman" panose="02020603050405020304" charset="0"/>
                 <a:cs typeface="Times New Roman" panose="02020603050405020304" charset="0"/>
               </a:rPr>
-              <a:t>  (Q1: What is the person riding?,</a:t>
-            </a:r>
-            <a:r>
-              <a:rPr lang="en-US" sz="1600">
-                <a:latin typeface="Times New Roman" panose="02020603050405020304" charset="0"/>
-                <a:cs typeface="Times New Roman" panose="02020603050405020304" charset="0"/>
-              </a:rPr>
-              <a:t> </a:t>
-            </a:r>
-            <a:r>
-              <a:rPr lang="en-US" sz="1000">
-                <a:latin typeface="Times New Roman" panose="02020603050405020304" charset="0"/>
-                <a:cs typeface="Times New Roman" panose="02020603050405020304" charset="0"/>
-              </a:rPr>
-              <a:t>A1:Motorcycle)</a:t>
+              <a:t>(Q2: What is the man wearing on his head?, A2: Helmet),</a:t>
             </a:r>
             <a:endParaRPr lang="en-US" sz="1600">
               <a:latin typeface="Times New Roman" panose="02020603050405020304" charset="0"/>
@@ -7977,26 +9456,6 @@
             </a:endParaRPr>
           </a:p>
           <a:p>
-            <a:r>
-              <a:rPr lang="en-US" sz="1600">
-                <a:latin typeface="Times New Roman" panose="02020603050405020304" charset="0"/>
-                <a:cs typeface="Times New Roman" panose="02020603050405020304" charset="0"/>
-              </a:rPr>
-              <a:t> </a:t>
-            </a:r>
-            <a:r>
-              <a:rPr lang="en-US" sz="1000">
-                <a:latin typeface="Times New Roman" panose="02020603050405020304" charset="0"/>
-                <a:cs typeface="Times New Roman" panose="02020603050405020304" charset="0"/>
-              </a:rPr>
-              <a:t>(Q2: What is the man wearing on his head?, A2: Helmet),</a:t>
-            </a:r>
-            <a:endParaRPr lang="en-US" sz="1600">
-              <a:latin typeface="Times New Roman" panose="02020603050405020304" charset="0"/>
-              <a:cs typeface="Times New Roman" panose="02020603050405020304" charset="0"/>
-            </a:endParaRPr>
-          </a:p>
-          <a:p>
             <a:pPr marL="285750" indent="-285750">
               <a:buFont typeface="Arial" panose="020B0604020202020204" pitchFamily="34" charset="0"/>
               <a:buChar char="•"/>
@@ -8008,10 +9467,6 @@
               </a:rPr>
               <a:t> u(1)I and u(1)C verify if the person in image I and caption C respectively is riding a motorcycle. </a:t>
             </a:r>
-            <a:endParaRPr lang="en-US" sz="1600">
-              <a:latin typeface="Times New Roman" panose="02020603050405020304" charset="0"/>
-              <a:cs typeface="Times New Roman" panose="02020603050405020304" charset="0"/>
-            </a:endParaRPr>
           </a:p>
           <a:p>
             <a:pPr marL="285750" indent="-285750">
@@ -8025,10 +9480,6 @@
               </a:rPr>
               <a:t>At the same time u(2)I and u(2)C</a:t>
             </a:r>
-            <a:endParaRPr lang="en-US" sz="1600">
-              <a:latin typeface="Times New Roman" panose="02020603050405020304" charset="0"/>
-              <a:cs typeface="Times New Roman" panose="02020603050405020304" charset="0"/>
-            </a:endParaRPr>
           </a:p>
           <a:p>
             <a:r>
@@ -8038,10 +9489,6 @@
               </a:rPr>
               <a:t>verify whether the man in I and C</a:t>
             </a:r>
-            <a:endParaRPr lang="en-US" sz="1600">
-              <a:latin typeface="Times New Roman" panose="02020603050405020304" charset="0"/>
-              <a:cs typeface="Times New Roman" panose="02020603050405020304" charset="0"/>
-            </a:endParaRPr>
           </a:p>
           <a:p>
             <a:r>
@@ -8051,10 +9498,6 @@
               </a:rPr>
               <a:t>is wearing a helmet.</a:t>
             </a:r>
-            <a:endParaRPr lang="en-US" sz="1600">
-              <a:latin typeface="Times New Roman" panose="02020603050405020304" charset="0"/>
-              <a:cs typeface="Times New Roman" panose="02020603050405020304" charset="0"/>
-            </a:endParaRPr>
           </a:p>
         </p:txBody>
       </p:sp>
@@ -8066,7 +9509,7 @@
 </p:sld>
 </file>
 
-<file path=ppt/slides/slide16.xml><?xml version="1.0" encoding="utf-8"?>
+<file path=ppt/slides/slide21.xml><?xml version="1.0" encoding="utf-8"?>
 <p:sld xmlns:a="http://schemas.openxmlformats.org/drawingml/2006/main" xmlns:r="http://schemas.openxmlformats.org/officeDocument/2006/relationships" xmlns:p="http://schemas.openxmlformats.org/presentationml/2006/main">
   <p:cSld>
     <p:spTree>
@@ -8075,7 +9518,14 @@
         <p:cNvGrpSpPr/>
         <p:nvPr/>
       </p:nvGrpSpPr>
-      <p:grpSpPr/>
+      <p:grpSpPr>
+        <a:xfrm>
+          <a:off x="0" y="0"/>
+          <a:ext cx="0" cy="0"/>
+          <a:chOff x="0" y="0"/>
+          <a:chExt cx="0" cy="0"/>
+        </a:xfrm>
+      </p:grpSpPr>
       <p:pic>
         <p:nvPicPr>
           <p:cNvPr id="4" name="Picture 3"/>
@@ -8085,7 +9535,7 @@
           <p:nvPr/>
         </p:nvPicPr>
         <p:blipFill>
-          <a:blip r:embed="rId1"/>
+          <a:blip r:embed="rId2"/>
           <a:stretch>
             <a:fillRect/>
           </a:stretch>
@@ -8120,6 +9570,7 @@
           <a:bodyPr wrap="none" rtlCol="0">
             <a:spAutoFit/>
           </a:bodyPr>
+          <a:lstStyle/>
           <a:p>
             <a:pPr algn="l"/>
             <a:r>
@@ -8132,13 +9583,6 @@
               </a:rPr>
               <a:t>https://arxiv.org/pdf/1605.01379.pdf</a:t>
             </a:r>
-            <a:endParaRPr lang="en-US" sz="1200">
-              <a:solidFill>
-                <a:srgbClr val="00B0F0"/>
-              </a:solidFill>
-              <a:latin typeface="Times New Roman" panose="02020603050405020304" charset="0"/>
-              <a:cs typeface="Times New Roman" panose="02020603050405020304" charset="0"/>
-            </a:endParaRPr>
           </a:p>
         </p:txBody>
       </p:sp>
@@ -8150,7 +9594,678 @@
 </p:sld>
 </file>
 
-<file path=ppt/slides/slide2.xml><?xml version="1.0" encoding="utf-8"?>
+<file path=ppt/slides/slide3.xml><?xml version="1.0" encoding="utf-8"?>
+<p:sld xmlns:a="http://schemas.openxmlformats.org/drawingml/2006/main" xmlns:r="http://schemas.openxmlformats.org/officeDocument/2006/relationships" xmlns:p="http://schemas.openxmlformats.org/presentationml/2006/main">
+  <p:cSld>
+    <p:spTree>
+      <p:nvGrpSpPr>
+        <p:cNvPr id="1" name=""/>
+        <p:cNvGrpSpPr/>
+        <p:nvPr/>
+      </p:nvGrpSpPr>
+      <p:grpSpPr>
+        <a:xfrm>
+          <a:off x="0" y="0"/>
+          <a:ext cx="0" cy="0"/>
+          <a:chOff x="0" y="0"/>
+          <a:chExt cx="0" cy="0"/>
+        </a:xfrm>
+      </p:grpSpPr>
+      <p:sp>
+        <p:nvSpPr>
+          <p:cNvPr id="2" name="Title 1">
+            <a:extLst>
+              <a:ext uri="{FF2B5EF4-FFF2-40B4-BE49-F238E27FC236}">
+                <a16:creationId xmlns:a16="http://schemas.microsoft.com/office/drawing/2014/main" id="{0F9F719C-04B4-4E5F-90F6-1C3C996FC9A9}"/>
+              </a:ext>
+            </a:extLst>
+          </p:cNvPr>
+          <p:cNvSpPr>
+            <a:spLocks noGrp="1"/>
+          </p:cNvSpPr>
+          <p:nvPr>
+            <p:ph type="title"/>
+          </p:nvPr>
+        </p:nvSpPr>
+        <p:spPr/>
+        <p:txBody>
+          <a:bodyPr/>
+          <a:lstStyle/>
+          <a:p>
+            <a:endParaRPr lang="en-IN"/>
+          </a:p>
+        </p:txBody>
+      </p:sp>
+      <p:sp>
+        <p:nvSpPr>
+          <p:cNvPr id="3" name="Text Placeholder 2">
+            <a:extLst>
+              <a:ext uri="{FF2B5EF4-FFF2-40B4-BE49-F238E27FC236}">
+                <a16:creationId xmlns:a16="http://schemas.microsoft.com/office/drawing/2014/main" id="{522C4331-B63C-4995-A5D1-2D2613D6F8AC}"/>
+              </a:ext>
+            </a:extLst>
+          </p:cNvPr>
+          <p:cNvSpPr>
+            <a:spLocks noGrp="1"/>
+          </p:cNvSpPr>
+          <p:nvPr>
+            <p:ph type="body" idx="1"/>
+          </p:nvPr>
+        </p:nvSpPr>
+        <p:spPr/>
+        <p:txBody>
+          <a:bodyPr/>
+          <a:lstStyle/>
+          <a:p>
+            <a:endParaRPr lang="en-IN"/>
+          </a:p>
+        </p:txBody>
+      </p:sp>
+    </p:spTree>
+    <p:extLst>
+      <p:ext uri="{BB962C8B-B14F-4D97-AF65-F5344CB8AC3E}">
+        <p14:creationId xmlns:p14="http://schemas.microsoft.com/office/powerpoint/2010/main" val="3324163471"/>
+      </p:ext>
+    </p:extLst>
+  </p:cSld>
+  <p:clrMapOvr>
+    <a:masterClrMapping/>
+  </p:clrMapOvr>
+</p:sld>
+</file>
+
+<file path=ppt/slides/slide4.xml><?xml version="1.0" encoding="utf-8"?>
+<p:sld xmlns:a="http://schemas.openxmlformats.org/drawingml/2006/main" xmlns:r="http://schemas.openxmlformats.org/officeDocument/2006/relationships" xmlns:p="http://schemas.openxmlformats.org/presentationml/2006/main">
+  <p:cSld>
+    <p:spTree>
+      <p:nvGrpSpPr>
+        <p:cNvPr id="1" name=""/>
+        <p:cNvGrpSpPr/>
+        <p:nvPr/>
+      </p:nvGrpSpPr>
+      <p:grpSpPr>
+        <a:xfrm>
+          <a:off x="0" y="0"/>
+          <a:ext cx="0" cy="0"/>
+          <a:chOff x="0" y="0"/>
+          <a:chExt cx="0" cy="0"/>
+        </a:xfrm>
+      </p:grpSpPr>
+      <p:sp>
+        <p:nvSpPr>
+          <p:cNvPr id="2" name="Title 1">
+            <a:extLst>
+              <a:ext uri="{FF2B5EF4-FFF2-40B4-BE49-F238E27FC236}">
+                <a16:creationId xmlns:a16="http://schemas.microsoft.com/office/drawing/2014/main" id="{D8882F46-9908-4CDB-9364-B94FF8D7B446}"/>
+              </a:ext>
+            </a:extLst>
+          </p:cNvPr>
+          <p:cNvSpPr>
+            <a:spLocks noGrp="1"/>
+          </p:cNvSpPr>
+          <p:nvPr>
+            <p:ph type="title"/>
+          </p:nvPr>
+        </p:nvSpPr>
+        <p:spPr/>
+        <p:txBody>
+          <a:bodyPr/>
+          <a:lstStyle/>
+          <a:p>
+            <a:endParaRPr lang="en-IN"/>
+          </a:p>
+        </p:txBody>
+      </p:sp>
+      <p:sp>
+        <p:nvSpPr>
+          <p:cNvPr id="3" name="Text Placeholder 2">
+            <a:extLst>
+              <a:ext uri="{FF2B5EF4-FFF2-40B4-BE49-F238E27FC236}">
+                <a16:creationId xmlns:a16="http://schemas.microsoft.com/office/drawing/2014/main" id="{183BEEE7-DC3A-4733-8FCB-F24E22A98C60}"/>
+              </a:ext>
+            </a:extLst>
+          </p:cNvPr>
+          <p:cNvSpPr>
+            <a:spLocks noGrp="1"/>
+          </p:cNvSpPr>
+          <p:nvPr>
+            <p:ph type="body" idx="1"/>
+          </p:nvPr>
+        </p:nvSpPr>
+        <p:spPr/>
+        <p:txBody>
+          <a:bodyPr/>
+          <a:lstStyle/>
+          <a:p>
+            <a:endParaRPr lang="en-IN"/>
+          </a:p>
+        </p:txBody>
+      </p:sp>
+    </p:spTree>
+    <p:extLst>
+      <p:ext uri="{BB962C8B-B14F-4D97-AF65-F5344CB8AC3E}">
+        <p14:creationId xmlns:p14="http://schemas.microsoft.com/office/powerpoint/2010/main" val="9058677"/>
+      </p:ext>
+    </p:extLst>
+  </p:cSld>
+  <p:clrMapOvr>
+    <a:masterClrMapping/>
+  </p:clrMapOvr>
+</p:sld>
+</file>
+
+<file path=ppt/slides/slide5.xml><?xml version="1.0" encoding="utf-8"?>
+<p:sld xmlns:a="http://schemas.openxmlformats.org/drawingml/2006/main" xmlns:r="http://schemas.openxmlformats.org/officeDocument/2006/relationships" xmlns:p="http://schemas.openxmlformats.org/presentationml/2006/main">
+  <p:cSld>
+    <p:spTree>
+      <p:nvGrpSpPr>
+        <p:cNvPr id="1" name=""/>
+        <p:cNvGrpSpPr/>
+        <p:nvPr/>
+      </p:nvGrpSpPr>
+      <p:grpSpPr>
+        <a:xfrm>
+          <a:off x="0" y="0"/>
+          <a:ext cx="0" cy="0"/>
+          <a:chOff x="0" y="0"/>
+          <a:chExt cx="0" cy="0"/>
+        </a:xfrm>
+      </p:grpSpPr>
+      <p:pic>
+        <p:nvPicPr>
+          <p:cNvPr id="5" name="Content Placeholder 4">
+            <a:extLst>
+              <a:ext uri="{FF2B5EF4-FFF2-40B4-BE49-F238E27FC236}">
+                <a16:creationId xmlns:a16="http://schemas.microsoft.com/office/drawing/2014/main" id="{C00D96EE-CFDB-4427-AE33-252EBB2FE970}"/>
+              </a:ext>
+            </a:extLst>
+          </p:cNvPr>
+          <p:cNvPicPr>
+            <a:picLocks noGrp="1" noChangeAspect="1"/>
+          </p:cNvPicPr>
+          <p:nvPr>
+            <p:ph idx="1"/>
+          </p:nvPr>
+        </p:nvPicPr>
+        <p:blipFill rotWithShape="1">
+          <a:blip r:embed="rId2">
+            <a:extLst>
+              <a:ext uri="{28A0092B-C50C-407E-A947-70E740481C1C}">
+                <a14:useLocalDpi xmlns:a14="http://schemas.microsoft.com/office/drawing/2010/main" val="0"/>
+              </a:ext>
+            </a:extLst>
+          </a:blip>
+          <a:srcRect l="10107" r="10628"/>
+          <a:stretch/>
+        </p:blipFill>
+        <p:spPr>
+          <a:xfrm>
+            <a:off x="281354" y="833612"/>
+            <a:ext cx="4489938" cy="4238651"/>
+          </a:xfrm>
+        </p:spPr>
+      </p:pic>
+      <p:sp>
+        <p:nvSpPr>
+          <p:cNvPr id="4" name="Title 1">
+            <a:extLst>
+              <a:ext uri="{FF2B5EF4-FFF2-40B4-BE49-F238E27FC236}">
+                <a16:creationId xmlns:a16="http://schemas.microsoft.com/office/drawing/2014/main" id="{B6175FDE-B4D3-4DB9-8143-CCC67BE4F807}"/>
+              </a:ext>
+            </a:extLst>
+          </p:cNvPr>
+          <p:cNvSpPr txBox="1">
+            <a:spLocks/>
+          </p:cNvSpPr>
+          <p:nvPr/>
+        </p:nvSpPr>
+        <p:spPr>
+          <a:xfrm>
+            <a:off x="1959821" y="82960"/>
+            <a:ext cx="5224357" cy="728104"/>
+          </a:xfrm>
+          <a:prstGeom prst="rect">
+            <a:avLst/>
+          </a:prstGeom>
+          <a:noFill/>
+          <a:ln>
+            <a:noFill/>
+          </a:ln>
+        </p:spPr>
+        <p:txBody>
+          <a:bodyPr spcFirstLastPara="1" wrap="square" lIns="91425" tIns="91425" rIns="91425" bIns="91425" anchor="b" anchorCtr="0">
+            <a:noAutofit/>
+          </a:bodyPr>
+          <a:lstStyle>
+            <a:defPPr marR="0" lvl="0" algn="l" rtl="0">
+              <a:lnSpc>
+                <a:spcPct val="100000"/>
+              </a:lnSpc>
+              <a:spcBef>
+                <a:spcPts val="0"/>
+              </a:spcBef>
+              <a:spcAft>
+                <a:spcPts val="0"/>
+              </a:spcAft>
+            </a:defPPr>
+            <a:lvl1pPr marR="0" lvl="0" algn="l" rtl="0">
+              <a:lnSpc>
+                <a:spcPct val="100000"/>
+              </a:lnSpc>
+              <a:spcBef>
+                <a:spcPts val="0"/>
+              </a:spcBef>
+              <a:spcAft>
+                <a:spcPts val="0"/>
+              </a:spcAft>
+              <a:buClr>
+                <a:schemeClr val="dk1"/>
+              </a:buClr>
+              <a:buSzPts val="4200"/>
+              <a:buFont typeface="Economica" panose="02000506040000020004"/>
+              <a:buNone/>
+              <a:defRPr sz="4200" b="0" i="0" u="none" strike="noStrike" cap="none">
+                <a:solidFill>
+                  <a:schemeClr val="dk1"/>
+                </a:solidFill>
+                <a:latin typeface="Economica" panose="02000506040000020004"/>
+                <a:ea typeface="Economica" panose="02000506040000020004"/>
+                <a:cs typeface="Economica" panose="02000506040000020004"/>
+                <a:sym typeface="Economica" panose="02000506040000020004"/>
+              </a:defRPr>
+            </a:lvl1pPr>
+            <a:lvl2pPr marR="0" lvl="1" algn="l" rtl="0">
+              <a:lnSpc>
+                <a:spcPct val="100000"/>
+              </a:lnSpc>
+              <a:spcBef>
+                <a:spcPts val="0"/>
+              </a:spcBef>
+              <a:spcAft>
+                <a:spcPts val="0"/>
+              </a:spcAft>
+              <a:buClr>
+                <a:schemeClr val="dk1"/>
+              </a:buClr>
+              <a:buSzPts val="4200"/>
+              <a:buFont typeface="Economica" panose="02000506040000020004"/>
+              <a:buNone/>
+              <a:defRPr sz="4200" b="0" i="0" u="none" strike="noStrike" cap="none">
+                <a:solidFill>
+                  <a:schemeClr val="dk1"/>
+                </a:solidFill>
+                <a:latin typeface="Economica" panose="02000506040000020004"/>
+                <a:ea typeface="Economica" panose="02000506040000020004"/>
+                <a:cs typeface="Economica" panose="02000506040000020004"/>
+                <a:sym typeface="Economica" panose="02000506040000020004"/>
+              </a:defRPr>
+            </a:lvl2pPr>
+            <a:lvl3pPr marR="0" lvl="2" algn="l" rtl="0">
+              <a:lnSpc>
+                <a:spcPct val="100000"/>
+              </a:lnSpc>
+              <a:spcBef>
+                <a:spcPts val="0"/>
+              </a:spcBef>
+              <a:spcAft>
+                <a:spcPts val="0"/>
+              </a:spcAft>
+              <a:buClr>
+                <a:schemeClr val="dk1"/>
+              </a:buClr>
+              <a:buSzPts val="4200"/>
+              <a:buFont typeface="Economica" panose="02000506040000020004"/>
+              <a:buNone/>
+              <a:defRPr sz="4200" b="0" i="0" u="none" strike="noStrike" cap="none">
+                <a:solidFill>
+                  <a:schemeClr val="dk1"/>
+                </a:solidFill>
+                <a:latin typeface="Economica" panose="02000506040000020004"/>
+                <a:ea typeface="Economica" panose="02000506040000020004"/>
+                <a:cs typeface="Economica" panose="02000506040000020004"/>
+                <a:sym typeface="Economica" panose="02000506040000020004"/>
+              </a:defRPr>
+            </a:lvl3pPr>
+            <a:lvl4pPr marR="0" lvl="3" algn="l" rtl="0">
+              <a:lnSpc>
+                <a:spcPct val="100000"/>
+              </a:lnSpc>
+              <a:spcBef>
+                <a:spcPts val="0"/>
+              </a:spcBef>
+              <a:spcAft>
+                <a:spcPts val="0"/>
+              </a:spcAft>
+              <a:buClr>
+                <a:schemeClr val="dk1"/>
+              </a:buClr>
+              <a:buSzPts val="4200"/>
+              <a:buFont typeface="Economica" panose="02000506040000020004"/>
+              <a:buNone/>
+              <a:defRPr sz="4200" b="0" i="0" u="none" strike="noStrike" cap="none">
+                <a:solidFill>
+                  <a:schemeClr val="dk1"/>
+                </a:solidFill>
+                <a:latin typeface="Economica" panose="02000506040000020004"/>
+                <a:ea typeface="Economica" panose="02000506040000020004"/>
+                <a:cs typeface="Economica" panose="02000506040000020004"/>
+                <a:sym typeface="Economica" panose="02000506040000020004"/>
+              </a:defRPr>
+            </a:lvl4pPr>
+            <a:lvl5pPr marR="0" lvl="4" algn="l" rtl="0">
+              <a:lnSpc>
+                <a:spcPct val="100000"/>
+              </a:lnSpc>
+              <a:spcBef>
+                <a:spcPts val="0"/>
+              </a:spcBef>
+              <a:spcAft>
+                <a:spcPts val="0"/>
+              </a:spcAft>
+              <a:buClr>
+                <a:schemeClr val="dk1"/>
+              </a:buClr>
+              <a:buSzPts val="4200"/>
+              <a:buFont typeface="Economica" panose="02000506040000020004"/>
+              <a:buNone/>
+              <a:defRPr sz="4200" b="0" i="0" u="none" strike="noStrike" cap="none">
+                <a:solidFill>
+                  <a:schemeClr val="dk1"/>
+                </a:solidFill>
+                <a:latin typeface="Economica" panose="02000506040000020004"/>
+                <a:ea typeface="Economica" panose="02000506040000020004"/>
+                <a:cs typeface="Economica" panose="02000506040000020004"/>
+                <a:sym typeface="Economica" panose="02000506040000020004"/>
+              </a:defRPr>
+            </a:lvl5pPr>
+            <a:lvl6pPr marR="0" lvl="5" algn="l" rtl="0">
+              <a:lnSpc>
+                <a:spcPct val="100000"/>
+              </a:lnSpc>
+              <a:spcBef>
+                <a:spcPts val="0"/>
+              </a:spcBef>
+              <a:spcAft>
+                <a:spcPts val="0"/>
+              </a:spcAft>
+              <a:buClr>
+                <a:schemeClr val="dk1"/>
+              </a:buClr>
+              <a:buSzPts val="4200"/>
+              <a:buFont typeface="Economica" panose="02000506040000020004"/>
+              <a:buNone/>
+              <a:defRPr sz="4200" b="0" i="0" u="none" strike="noStrike" cap="none">
+                <a:solidFill>
+                  <a:schemeClr val="dk1"/>
+                </a:solidFill>
+                <a:latin typeface="Economica" panose="02000506040000020004"/>
+                <a:ea typeface="Economica" panose="02000506040000020004"/>
+                <a:cs typeface="Economica" panose="02000506040000020004"/>
+                <a:sym typeface="Economica" panose="02000506040000020004"/>
+              </a:defRPr>
+            </a:lvl6pPr>
+            <a:lvl7pPr marR="0" lvl="6" algn="l" rtl="0">
+              <a:lnSpc>
+                <a:spcPct val="100000"/>
+              </a:lnSpc>
+              <a:spcBef>
+                <a:spcPts val="0"/>
+              </a:spcBef>
+              <a:spcAft>
+                <a:spcPts val="0"/>
+              </a:spcAft>
+              <a:buClr>
+                <a:schemeClr val="dk1"/>
+              </a:buClr>
+              <a:buSzPts val="4200"/>
+              <a:buFont typeface="Economica" panose="02000506040000020004"/>
+              <a:buNone/>
+              <a:defRPr sz="4200" b="0" i="0" u="none" strike="noStrike" cap="none">
+                <a:solidFill>
+                  <a:schemeClr val="dk1"/>
+                </a:solidFill>
+                <a:latin typeface="Economica" panose="02000506040000020004"/>
+                <a:ea typeface="Economica" panose="02000506040000020004"/>
+                <a:cs typeface="Economica" panose="02000506040000020004"/>
+                <a:sym typeface="Economica" panose="02000506040000020004"/>
+              </a:defRPr>
+            </a:lvl7pPr>
+            <a:lvl8pPr marR="0" lvl="7" algn="l" rtl="0">
+              <a:lnSpc>
+                <a:spcPct val="100000"/>
+              </a:lnSpc>
+              <a:spcBef>
+                <a:spcPts val="0"/>
+              </a:spcBef>
+              <a:spcAft>
+                <a:spcPts val="0"/>
+              </a:spcAft>
+              <a:buClr>
+                <a:schemeClr val="dk1"/>
+              </a:buClr>
+              <a:buSzPts val="4200"/>
+              <a:buFont typeface="Economica" panose="02000506040000020004"/>
+              <a:buNone/>
+              <a:defRPr sz="4200" b="0" i="0" u="none" strike="noStrike" cap="none">
+                <a:solidFill>
+                  <a:schemeClr val="dk1"/>
+                </a:solidFill>
+                <a:latin typeface="Economica" panose="02000506040000020004"/>
+                <a:ea typeface="Economica" panose="02000506040000020004"/>
+                <a:cs typeface="Economica" panose="02000506040000020004"/>
+                <a:sym typeface="Economica" panose="02000506040000020004"/>
+              </a:defRPr>
+            </a:lvl8pPr>
+            <a:lvl9pPr marR="0" lvl="8" algn="l" rtl="0">
+              <a:lnSpc>
+                <a:spcPct val="100000"/>
+              </a:lnSpc>
+              <a:spcBef>
+                <a:spcPts val="0"/>
+              </a:spcBef>
+              <a:spcAft>
+                <a:spcPts val="0"/>
+              </a:spcAft>
+              <a:buClr>
+                <a:schemeClr val="dk1"/>
+              </a:buClr>
+              <a:buSzPts val="4200"/>
+              <a:buFont typeface="Economica" panose="02000506040000020004"/>
+              <a:buNone/>
+              <a:defRPr sz="4200" b="0" i="0" u="none" strike="noStrike" cap="none">
+                <a:solidFill>
+                  <a:schemeClr val="dk1"/>
+                </a:solidFill>
+                <a:latin typeface="Economica" panose="02000506040000020004"/>
+                <a:ea typeface="Economica" panose="02000506040000020004"/>
+                <a:cs typeface="Economica" panose="02000506040000020004"/>
+                <a:sym typeface="Economica" panose="02000506040000020004"/>
+              </a:defRPr>
+            </a:lvl9pPr>
+          </a:lstStyle>
+          <a:p>
+            <a:r>
+              <a:rPr lang="en-US" sz="1100" b="1" dirty="0">
+                <a:latin typeface="Times New Roman" panose="02020603050405020304" pitchFamily="18" charset="0"/>
+                <a:cs typeface="Times New Roman" panose="02020603050405020304" pitchFamily="18" charset="0"/>
+              </a:rPr>
+              <a:t>Exploring Deep Multimodal Fusion of Text and Photo for Hate Speech Classification </a:t>
+            </a:r>
+          </a:p>
+          <a:p>
+            <a:r>
+              <a:rPr lang="en-US" sz="1050" i="1" dirty="0">
+                <a:latin typeface="Times New Roman" panose="02020603050405020304" pitchFamily="18" charset="0"/>
+                <a:cs typeface="Times New Roman" panose="02020603050405020304" pitchFamily="18" charset="0"/>
+              </a:rPr>
+              <a:t>Proceedings of the Third Workshop on Abusive Language Online</a:t>
+            </a:r>
+            <a:r>
+              <a:rPr lang="en-US" sz="1400" b="1" i="1" dirty="0">
+                <a:latin typeface="Times New Roman" panose="02020603050405020304" pitchFamily="18" charset="0"/>
+                <a:cs typeface="Times New Roman" panose="02020603050405020304" pitchFamily="18" charset="0"/>
+              </a:rPr>
+              <a:t> </a:t>
+            </a:r>
+            <a:r>
+              <a:rPr lang="en-US" sz="1400" i="1" dirty="0">
+                <a:latin typeface="Times New Roman" panose="02020603050405020304" pitchFamily="18" charset="0"/>
+                <a:cs typeface="Times New Roman" panose="02020603050405020304" pitchFamily="18" charset="0"/>
+              </a:rPr>
+              <a:t>, </a:t>
+            </a:r>
+            <a:r>
+              <a:rPr lang="en-US" sz="1100" i="1" dirty="0">
+                <a:latin typeface="Times New Roman" panose="02020603050405020304" pitchFamily="18" charset="0"/>
+                <a:cs typeface="Times New Roman" panose="02020603050405020304" pitchFamily="18" charset="0"/>
+              </a:rPr>
+              <a:t>2019</a:t>
+            </a:r>
+            <a:endParaRPr lang="en-IN" sz="2800" b="1" i="1" dirty="0">
+              <a:latin typeface="Times New Roman" panose="02020603050405020304" pitchFamily="18" charset="0"/>
+              <a:cs typeface="Times New Roman" panose="02020603050405020304" pitchFamily="18" charset="0"/>
+            </a:endParaRPr>
+          </a:p>
+        </p:txBody>
+      </p:sp>
+      <p:sp>
+        <p:nvSpPr>
+          <p:cNvPr id="7" name="TextBox 6">
+            <a:extLst>
+              <a:ext uri="{FF2B5EF4-FFF2-40B4-BE49-F238E27FC236}">
+                <a16:creationId xmlns:a16="http://schemas.microsoft.com/office/drawing/2014/main" id="{2DEAB881-23FE-4EAC-9606-69A60B9C98D9}"/>
+              </a:ext>
+            </a:extLst>
+          </p:cNvPr>
+          <p:cNvSpPr txBox="1"/>
+          <p:nvPr/>
+        </p:nvSpPr>
+        <p:spPr>
+          <a:xfrm>
+            <a:off x="5058508" y="2094696"/>
+            <a:ext cx="3581400" cy="1169551"/>
+          </a:xfrm>
+          <a:prstGeom prst="rect">
+            <a:avLst/>
+          </a:prstGeom>
+          <a:noFill/>
+        </p:spPr>
+        <p:txBody>
+          <a:bodyPr wrap="square" rtlCol="0">
+            <a:spAutoFit/>
+          </a:bodyPr>
+          <a:lstStyle/>
+          <a:p>
+            <a:pPr marL="285750" indent="-285750">
+              <a:buFont typeface="Arial" panose="020B0604020202020204" pitchFamily="34" charset="0"/>
+              <a:buChar char="•"/>
+            </a:pPr>
+            <a:r>
+              <a:rPr lang="en-IN" dirty="0"/>
+              <a:t>MLP-W : Serves as solution for fine-tuning word embeddings to hate speech domain.</a:t>
+            </a:r>
+          </a:p>
+          <a:p>
+            <a:endParaRPr lang="en-IN" dirty="0"/>
+          </a:p>
+          <a:p>
+            <a:pPr marL="285750" indent="-285750">
+              <a:buFont typeface="Arial" panose="020B0604020202020204" pitchFamily="34" charset="0"/>
+              <a:buChar char="•"/>
+            </a:pPr>
+            <a:r>
+              <a:rPr lang="en-IN" dirty="0"/>
+              <a:t>Gated Summation </a:t>
+            </a:r>
+          </a:p>
+        </p:txBody>
+      </p:sp>
+    </p:spTree>
+    <p:extLst>
+      <p:ext uri="{BB962C8B-B14F-4D97-AF65-F5344CB8AC3E}">
+        <p14:creationId xmlns:p14="http://schemas.microsoft.com/office/powerpoint/2010/main" val="2897330158"/>
+      </p:ext>
+    </p:extLst>
+  </p:cSld>
+  <p:clrMapOvr>
+    <a:masterClrMapping/>
+  </p:clrMapOvr>
+</p:sld>
+</file>
+
+<file path=ppt/slides/slide6.xml><?xml version="1.0" encoding="utf-8"?>
+<p:sld xmlns:a="http://schemas.openxmlformats.org/drawingml/2006/main" xmlns:r="http://schemas.openxmlformats.org/officeDocument/2006/relationships" xmlns:p="http://schemas.openxmlformats.org/presentationml/2006/main">
+  <p:cSld>
+    <p:spTree>
+      <p:nvGrpSpPr>
+        <p:cNvPr id="1" name=""/>
+        <p:cNvGrpSpPr/>
+        <p:nvPr/>
+      </p:nvGrpSpPr>
+      <p:grpSpPr>
+        <a:xfrm>
+          <a:off x="0" y="0"/>
+          <a:ext cx="0" cy="0"/>
+          <a:chOff x="0" y="0"/>
+          <a:chExt cx="0" cy="0"/>
+        </a:xfrm>
+      </p:grpSpPr>
+      <p:sp>
+        <p:nvSpPr>
+          <p:cNvPr id="2" name="Title 1">
+            <a:extLst>
+              <a:ext uri="{FF2B5EF4-FFF2-40B4-BE49-F238E27FC236}">
+                <a16:creationId xmlns:a16="http://schemas.microsoft.com/office/drawing/2014/main" id="{CC37115D-7078-4AAD-BC68-887A96093194}"/>
+              </a:ext>
+            </a:extLst>
+          </p:cNvPr>
+          <p:cNvSpPr>
+            <a:spLocks noGrp="1"/>
+          </p:cNvSpPr>
+          <p:nvPr>
+            <p:ph type="title"/>
+          </p:nvPr>
+        </p:nvSpPr>
+        <p:spPr>
+          <a:xfrm>
+            <a:off x="376177" y="2009911"/>
+            <a:ext cx="8520600" cy="831300"/>
+          </a:xfrm>
+        </p:spPr>
+        <p:txBody>
+          <a:bodyPr/>
+          <a:lstStyle/>
+          <a:p>
+            <a:pPr algn="ctr"/>
+            <a:r>
+              <a:rPr lang="en-US" sz="2400" dirty="0">
+                <a:latin typeface="Times New Roman" panose="02020603050405020304" pitchFamily="18" charset="0"/>
+                <a:cs typeface="Times New Roman" panose="02020603050405020304" pitchFamily="18" charset="0"/>
+                <a:sym typeface="+mn-ea"/>
+              </a:rPr>
+              <a:t>Task 2  : Reasoning Of Meme Labelled Into Different Categories </a:t>
+            </a:r>
+            <a:endParaRPr lang="en-IN" sz="2400" dirty="0">
+              <a:latin typeface="Times New Roman" panose="02020603050405020304" pitchFamily="18" charset="0"/>
+              <a:cs typeface="Times New Roman" panose="02020603050405020304" pitchFamily="18" charset="0"/>
+            </a:endParaRPr>
+          </a:p>
+        </p:txBody>
+      </p:sp>
+    </p:spTree>
+    <p:extLst>
+      <p:ext uri="{BB962C8B-B14F-4D97-AF65-F5344CB8AC3E}">
+        <p14:creationId xmlns:p14="http://schemas.microsoft.com/office/powerpoint/2010/main" val="2877297694"/>
+      </p:ext>
+    </p:extLst>
+  </p:cSld>
+  <p:clrMapOvr>
+    <a:masterClrMapping/>
+  </p:clrMapOvr>
+</p:sld>
+</file>
+
+<file path=ppt/slides/slide7.xml><?xml version="1.0" encoding="utf-8"?>
 <p:sld xmlns:a="http://schemas.openxmlformats.org/drawingml/2006/main" xmlns:r="http://schemas.openxmlformats.org/officeDocument/2006/relationships" xmlns:p="http://schemas.openxmlformats.org/presentationml/2006/main">
   <p:cSld>
     <p:spTree>
@@ -8188,28 +10303,24 @@
           <a:lstStyle/>
           <a:p>
             <a:br>
-              <a:rPr lang="en-US" b="1" dirty="0" smtClean="0">
+              <a:rPr lang="en-US" b="1" dirty="0">
                 <a:latin typeface="Times New Roman" panose="02020603050405020304" charset="0"/>
                 <a:cs typeface="Times New Roman" panose="02020603050405020304" charset="0"/>
               </a:rPr>
             </a:br>
             <a:br>
-              <a:rPr lang="en-US" b="1" dirty="0" smtClean="0">
+              <a:rPr lang="en-US" b="1" dirty="0">
                 <a:latin typeface="Times New Roman" panose="02020603050405020304" charset="0"/>
                 <a:cs typeface="Times New Roman" panose="02020603050405020304" charset="0"/>
               </a:rPr>
             </a:br>
             <a:r>
-              <a:rPr lang="en-US" sz="1800" b="1" dirty="0" smtClean="0">
+              <a:rPr lang="en-US" sz="1800" b="1" dirty="0">
                 <a:latin typeface="Times New Roman" panose="02020603050405020304" charset="0"/>
                 <a:cs typeface="Times New Roman" panose="02020603050405020304" charset="0"/>
               </a:rPr>
               <a:t>From Recognition to Cognition: Visual Commonsense Reasoning   </a:t>
             </a:r>
-            <a:endParaRPr lang="en-US" sz="1800" b="1" dirty="0">
-              <a:latin typeface="Times New Roman" panose="02020603050405020304" charset="0"/>
-              <a:cs typeface="Times New Roman" panose="02020603050405020304" charset="0"/>
-            </a:endParaRPr>
           </a:p>
         </p:txBody>
       </p:sp>
@@ -8246,7 +10357,7 @@
           <p:nvPr/>
         </p:nvPicPr>
         <p:blipFill>
-          <a:blip r:embed="rId1"/>
+          <a:blip r:embed="rId2"/>
           <a:srcRect l="1379" t="23282" r="1724" b="34807"/>
           <a:stretch>
             <a:fillRect/>
@@ -8285,8 +10396,8 @@
           <a:lstStyle/>
           <a:p>
             <a:r>
-              <a:rPr lang="en-IN" dirty="0" smtClean="0">
-                <a:hlinkClick r:id="rId2"/>
+              <a:rPr lang="en-IN" dirty="0">
+                <a:hlinkClick r:id="rId3"/>
               </a:rPr>
               <a:t>https://arxiv.org/pdf/1811.10830.pdf</a:t>
             </a:r>
@@ -8317,7 +10428,7 @@
           <a:lstStyle/>
           <a:p>
             <a:r>
-              <a:rPr lang="en-US" dirty="0" smtClean="0">
+              <a:rPr lang="en-US" dirty="0">
                 <a:latin typeface="Times New Roman" panose="02020603050405020304" charset="0"/>
                 <a:cs typeface="Times New Roman" panose="02020603050405020304" charset="0"/>
               </a:rPr>
@@ -8357,10 +10468,9 @@
               <a:buChar char="•"/>
             </a:pPr>
             <a:r>
-              <a:rPr lang="en-US" dirty="0" smtClean="0"/>
+              <a:rPr lang="en-US" dirty="0"/>
               <a:t> Collected from Large Scale Movie Description Challenge and YouTube movie clips </a:t>
             </a:r>
-            <a:endParaRPr lang="en-US" dirty="0" smtClean="0"/>
           </a:p>
           <a:p>
             <a:pPr>
@@ -8368,10 +10478,9 @@
               <a:buChar char="•"/>
             </a:pPr>
             <a:r>
-              <a:rPr lang="en-US" dirty="0" smtClean="0"/>
+              <a:rPr lang="en-US" dirty="0"/>
               <a:t>List of objects</a:t>
             </a:r>
-            <a:endParaRPr lang="en-US" dirty="0" smtClean="0"/>
           </a:p>
           <a:p>
             <a:pPr>
@@ -8379,14 +10488,9 @@
               <a:buChar char="•"/>
             </a:pPr>
             <a:r>
-              <a:rPr lang="en-US" dirty="0" smtClean="0"/>
-              <a:t> </a:t>
-            </a:r>
-            <a:r>
-              <a:rPr lang="en-US" dirty="0" smtClean="0"/>
-              <a:t>A query </a:t>
-            </a:r>
-            <a:endParaRPr lang="en-US" dirty="0" smtClean="0"/>
+              <a:rPr lang="en-US" dirty="0"/>
+              <a:t> A query </a:t>
+            </a:r>
           </a:p>
           <a:p>
             <a:pPr>
@@ -8394,14 +10498,9 @@
               <a:buChar char="•"/>
             </a:pPr>
             <a:r>
-              <a:rPr lang="en-US" dirty="0" smtClean="0"/>
-              <a:t> </a:t>
-            </a:r>
-            <a:r>
-              <a:rPr lang="en-US" dirty="0" smtClean="0"/>
-              <a:t>A set of N responses</a:t>
-            </a:r>
-            <a:endParaRPr lang="en-US" dirty="0" smtClean="0"/>
+              <a:rPr lang="en-US" dirty="0"/>
+              <a:t> A set of N responses</a:t>
+            </a:r>
           </a:p>
         </p:txBody>
       </p:sp>
@@ -8413,7 +10512,7 @@
 </p:sld>
 </file>
 
-<file path=ppt/slides/slide3.xml><?xml version="1.0" encoding="utf-8"?>
+<file path=ppt/slides/slide8.xml><?xml version="1.0" encoding="utf-8"?>
 <p:sld xmlns:a="http://schemas.openxmlformats.org/drawingml/2006/main" xmlns:r="http://schemas.openxmlformats.org/officeDocument/2006/relationships" xmlns:p="http://schemas.openxmlformats.org/presentationml/2006/main">
   <p:cSld>
     <p:spTree>
@@ -8439,7 +10538,7 @@
           <p:nvPr/>
         </p:nvPicPr>
         <p:blipFill>
-          <a:blip r:embed="rId1"/>
+          <a:blip r:embed="rId2"/>
           <a:srcRect l="49310" t="31254" r="10920" b="33990"/>
           <a:stretch>
             <a:fillRect/>
@@ -8478,7 +10577,7 @@
           <a:lstStyle/>
           <a:p>
             <a:r>
-              <a:rPr lang="en-US" b="1" dirty="0" smtClean="0">
+              <a:rPr lang="en-US" b="1" dirty="0">
                 <a:latin typeface="Times New Roman" panose="02020603050405020304" charset="0"/>
                 <a:cs typeface="Times New Roman" panose="02020603050405020304" charset="0"/>
               </a:rPr>
@@ -8500,7 +10599,7 @@
           <p:nvPr/>
         </p:nvPicPr>
         <p:blipFill>
-          <a:blip r:embed="rId2"/>
+          <a:blip r:embed="rId3"/>
           <a:srcRect l="7241" t="35753" r="5977" b="29492"/>
           <a:stretch>
             <a:fillRect/>
@@ -8539,7 +10638,7 @@
           <a:lstStyle/>
           <a:p>
             <a:r>
-              <a:rPr lang="en-US" b="1" dirty="0" smtClean="0">
+              <a:rPr lang="en-US" b="1" dirty="0">
                 <a:latin typeface="Times New Roman" panose="02020603050405020304" charset="0"/>
                 <a:cs typeface="Times New Roman" panose="02020603050405020304" charset="0"/>
               </a:rPr>
@@ -8579,16 +10678,12 @@
               <a:buChar char="•"/>
             </a:pPr>
             <a:r>
-              <a:rPr lang="en-US" dirty="0" smtClean="0">
+              <a:rPr lang="en-US" dirty="0">
                 <a:latin typeface="Times New Roman" panose="02020603050405020304" charset="0"/>
                 <a:cs typeface="Times New Roman" panose="02020603050405020304" charset="0"/>
               </a:rPr>
               <a:t> For Question Answering Q -&gt; A</a:t>
             </a:r>
-            <a:endParaRPr lang="en-US" dirty="0" smtClean="0">
-              <a:latin typeface="Times New Roman" panose="02020603050405020304" charset="0"/>
-              <a:cs typeface="Times New Roman" panose="02020603050405020304" charset="0"/>
-            </a:endParaRPr>
           </a:p>
           <a:p>
             <a:pPr>
@@ -8596,16 +10691,12 @@
               <a:buChar char="•"/>
             </a:pPr>
             <a:r>
-              <a:rPr lang="en-US" dirty="0" smtClean="0">
+              <a:rPr lang="en-US" dirty="0">
                 <a:latin typeface="Times New Roman" panose="02020603050405020304" charset="0"/>
                 <a:cs typeface="Times New Roman" panose="02020603050405020304" charset="0"/>
               </a:rPr>
               <a:t> Language generation dataset to Multiple Choice Test</a:t>
             </a:r>
-            <a:endParaRPr lang="en-US" dirty="0" smtClean="0">
-              <a:latin typeface="Times New Roman" panose="02020603050405020304" charset="0"/>
-              <a:cs typeface="Times New Roman" panose="02020603050405020304" charset="0"/>
-            </a:endParaRPr>
           </a:p>
           <a:p>
             <a:pPr>
@@ -8613,42 +10704,30 @@
               <a:buChar char="•"/>
             </a:pPr>
             <a:r>
-              <a:rPr lang="en-US" dirty="0" smtClean="0">
+              <a:rPr lang="en-US" dirty="0">
                 <a:latin typeface="Times New Roman" panose="02020603050405020304" charset="0"/>
                 <a:cs typeface="Times New Roman" panose="02020603050405020304" charset="0"/>
               </a:rPr>
               <a:t> Two subtasks:</a:t>
             </a:r>
-            <a:endParaRPr lang="en-US" dirty="0" smtClean="0">
-              <a:latin typeface="Times New Roman" panose="02020603050405020304" charset="0"/>
-              <a:cs typeface="Times New Roman" panose="02020603050405020304" charset="0"/>
-            </a:endParaRPr>
-          </a:p>
-          <a:p>
-            <a:r>
-              <a:rPr lang="en-US" dirty="0" smtClean="0">
+          </a:p>
+          <a:p>
+            <a:r>
+              <a:rPr lang="en-US" dirty="0">
                 <a:latin typeface="Times New Roman" panose="02020603050405020304" charset="0"/>
                 <a:cs typeface="Times New Roman" panose="02020603050405020304" charset="0"/>
               </a:rPr>
               <a:t>            - Answer is as relevant as possible</a:t>
             </a:r>
-            <a:endParaRPr lang="en-US" dirty="0" smtClean="0">
-              <a:latin typeface="Times New Roman" panose="02020603050405020304" charset="0"/>
-              <a:cs typeface="Times New Roman" panose="02020603050405020304" charset="0"/>
-            </a:endParaRPr>
-          </a:p>
-          <a:p>
-            <a:r>
-              <a:rPr lang="en-US" dirty="0" smtClean="0">
+          </a:p>
+          <a:p>
+            <a:r>
+              <a:rPr lang="en-US" dirty="0">
                 <a:latin typeface="Times New Roman" panose="02020603050405020304" charset="0"/>
                 <a:cs typeface="Times New Roman" panose="02020603050405020304" charset="0"/>
               </a:rPr>
               <a:t>            - Dissimilarity between other answers are from the correct answer</a:t>
             </a:r>
-            <a:endParaRPr lang="en-US" dirty="0" smtClean="0">
-              <a:latin typeface="Times New Roman" panose="02020603050405020304" charset="0"/>
-              <a:cs typeface="Times New Roman" panose="02020603050405020304" charset="0"/>
-            </a:endParaRPr>
           </a:p>
           <a:p>
             <a:pPr>
@@ -8656,26 +10735,22 @@
               <a:buChar char="•"/>
             </a:pPr>
             <a:r>
-              <a:rPr lang="en-US" dirty="0" smtClean="0">
+              <a:rPr lang="en-US" dirty="0">
                 <a:latin typeface="Times New Roman" panose="02020603050405020304" charset="0"/>
                 <a:cs typeface="Times New Roman" panose="02020603050405020304" charset="0"/>
               </a:rPr>
               <a:t> Maximum weight bipartite matching</a:t>
             </a:r>
-            <a:endParaRPr lang="en-US" dirty="0" smtClean="0">
+          </a:p>
+          <a:p>
+            <a:endParaRPr lang="en-US" dirty="0">
               <a:latin typeface="Times New Roman" panose="02020603050405020304" charset="0"/>
               <a:cs typeface="Times New Roman" panose="02020603050405020304" charset="0"/>
             </a:endParaRPr>
           </a:p>
           <a:p>
-            <a:endParaRPr lang="en-US" dirty="0" smtClean="0">
-              <a:latin typeface="Times New Roman" panose="02020603050405020304" charset="0"/>
-              <a:cs typeface="Times New Roman" panose="02020603050405020304" charset="0"/>
-            </a:endParaRPr>
-          </a:p>
-          <a:p>
-            <a:r>
-              <a:rPr lang="en-US" dirty="0" smtClean="0">
+            <a:r>
+              <a:rPr lang="en-US" dirty="0">
                 <a:latin typeface="Times New Roman" panose="02020603050405020304" charset="0"/>
                 <a:cs typeface="Times New Roman" panose="02020603050405020304" charset="0"/>
               </a:rPr>
@@ -8715,16 +10790,12 @@
               <a:buChar char="•"/>
             </a:pPr>
             <a:r>
-              <a:rPr lang="en-US" dirty="0" smtClean="0">
+              <a:rPr lang="en-US" dirty="0">
                 <a:latin typeface="Times New Roman" panose="02020603050405020304" charset="0"/>
                 <a:cs typeface="Times New Roman" panose="02020603050405020304" charset="0"/>
               </a:rPr>
               <a:t> QA -&gt; R </a:t>
             </a:r>
-            <a:endParaRPr lang="en-US" dirty="0" smtClean="0">
-              <a:latin typeface="Times New Roman" panose="02020603050405020304" charset="0"/>
-              <a:cs typeface="Times New Roman" panose="02020603050405020304" charset="0"/>
-            </a:endParaRPr>
           </a:p>
           <a:p>
             <a:pPr>
@@ -8732,16 +10803,12 @@
               <a:buChar char="•"/>
             </a:pPr>
             <a:r>
-              <a:rPr lang="en-US" dirty="0" smtClean="0">
+              <a:rPr lang="en-US" dirty="0">
                 <a:latin typeface="Times New Roman" panose="02020603050405020304" charset="0"/>
                 <a:cs typeface="Times New Roman" panose="02020603050405020304" charset="0"/>
               </a:rPr>
               <a:t> Grounding</a:t>
             </a:r>
-            <a:endParaRPr lang="en-US" dirty="0" smtClean="0">
-              <a:latin typeface="Times New Roman" panose="02020603050405020304" charset="0"/>
-              <a:cs typeface="Times New Roman" panose="02020603050405020304" charset="0"/>
-            </a:endParaRPr>
           </a:p>
           <a:p>
             <a:pPr>
@@ -8749,16 +10816,12 @@
               <a:buChar char="•"/>
             </a:pPr>
             <a:r>
-              <a:rPr lang="en-US" dirty="0" smtClean="0">
+              <a:rPr lang="en-US" dirty="0">
                 <a:latin typeface="Times New Roman" panose="02020603050405020304" charset="0"/>
                 <a:cs typeface="Times New Roman" panose="02020603050405020304" charset="0"/>
               </a:rPr>
               <a:t> Contextualization</a:t>
             </a:r>
-            <a:endParaRPr lang="en-US" dirty="0" smtClean="0">
-              <a:latin typeface="Times New Roman" panose="02020603050405020304" charset="0"/>
-              <a:cs typeface="Times New Roman" panose="02020603050405020304" charset="0"/>
-            </a:endParaRPr>
           </a:p>
           <a:p>
             <a:pPr>
@@ -8766,7 +10829,7 @@
               <a:buChar char="•"/>
             </a:pPr>
             <a:r>
-              <a:rPr lang="en-US" dirty="0" smtClean="0">
+              <a:rPr lang="en-US" dirty="0">
                 <a:latin typeface="Times New Roman" panose="02020603050405020304" charset="0"/>
                 <a:cs typeface="Times New Roman" panose="02020603050405020304" charset="0"/>
               </a:rPr>
@@ -8787,12 +10850,12 @@
 </p:sld>
 </file>
 
-<file path=ppt/slides/slide4.xml><?xml version="1.0" encoding="utf-8"?>
+<file path=ppt/slides/slide9.xml><?xml version="1.0" encoding="utf-8"?>
 <p:sld xmlns:a="http://schemas.openxmlformats.org/drawingml/2006/main" xmlns:r="http://schemas.openxmlformats.org/officeDocument/2006/relationships" xmlns:p="http://schemas.openxmlformats.org/presentationml/2006/main">
   <p:cSld>
     <p:spTree>
       <p:nvGrpSpPr>
-        <p:cNvPr id="61" name="Shape 61"/>
+        <p:cNvPr id="1" name="Shape 61"/>
         <p:cNvGrpSpPr/>
         <p:nvPr/>
       </p:nvGrpSpPr>
@@ -8807,7 +10870,9 @@
       <p:sp>
         <p:nvSpPr>
           <p:cNvPr id="62" name="Google Shape;62;p13"/>
-          <p:cNvSpPr txBox="1"/>
+          <p:cNvSpPr txBox="1">
+            <a:spLocks noGrp="1"/>
+          </p:cNvSpPr>
           <p:nvPr>
             <p:ph type="ctrTitle"/>
           </p:nvPr>
@@ -8856,16 +10921,12 @@
               </a:rPr>
               <a:t>Image-Caption Ranking</a:t>
             </a:r>
-            <a:endParaRPr sz="2400">
-              <a:latin typeface="Times New Roman" panose="02020603050405020304" charset="0"/>
-              <a:cs typeface="Times New Roman" panose="02020603050405020304" charset="0"/>
-            </a:endParaRPr>
           </a:p>
         </p:txBody>
       </p:sp>
       <p:sp>
         <p:nvSpPr>
-          <p:cNvPr id="1" name="Text Box 0"/>
+          <p:cNvPr id="3" name="Text Box 0"/>
           <p:cNvSpPr txBox="1"/>
           <p:nvPr/>
         </p:nvSpPr>
@@ -8883,6 +10944,7 @@
           <a:bodyPr wrap="none" rtlCol="0">
             <a:spAutoFit/>
           </a:bodyPr>
+          <a:lstStyle/>
           <a:p>
             <a:pPr algn="l"/>
             <a:r>
@@ -8892,10 +10954,6 @@
               </a:rPr>
               <a:t>Xiao Lin Devi Parikh</a:t>
             </a:r>
-            <a:endParaRPr lang="en-US" sz="1000">
-              <a:latin typeface="Times New Roman" panose="02020603050405020304" charset="0"/>
-              <a:cs typeface="Times New Roman" panose="02020603050405020304" charset="0"/>
-            </a:endParaRPr>
           </a:p>
           <a:p>
             <a:pPr algn="l"/>
@@ -8906,10 +10964,6 @@
               </a:rPr>
               <a:t>Bradley Department of Electrical and Computer Engineering,</a:t>
             </a:r>
-            <a:endParaRPr lang="en-US" sz="1000">
-              <a:latin typeface="Times New Roman" panose="02020603050405020304" charset="0"/>
-              <a:cs typeface="Times New Roman" panose="02020603050405020304" charset="0"/>
-            </a:endParaRPr>
           </a:p>
           <a:p>
             <a:pPr algn="l"/>
@@ -8920,10 +10974,6 @@
               </a:rPr>
               <a:t>Virginia Tech</a:t>
             </a:r>
-            <a:endParaRPr lang="en-US" sz="1000">
-              <a:latin typeface="Times New Roman" panose="02020603050405020304" charset="0"/>
-              <a:cs typeface="Times New Roman" panose="02020603050405020304" charset="0"/>
-            </a:endParaRPr>
           </a:p>
           <a:p>
             <a:pPr algn="l"/>
@@ -8934,17 +10984,13 @@
               </a:rPr>
               <a:t>{linxiao,parikh}@vt.edu</a:t>
             </a:r>
-            <a:endParaRPr lang="en-US" sz="1000">
-              <a:latin typeface="Times New Roman" panose="02020603050405020304" charset="0"/>
-              <a:cs typeface="Times New Roman" panose="02020603050405020304" charset="0"/>
-            </a:endParaRPr>
           </a:p>
         </p:txBody>
       </p:sp>
       <p:graphicFrame>
         <p:nvGraphicFramePr>
           <p:cNvPr id="2" name="Object 1">
-            <a:hlinkClick r:id="" action="ppaction://ole?verb="/>
+            <a:hlinkClick r:id="" action="ppaction://ole?verb=0"/>
           </p:cNvPr>
           <p:cNvGraphicFramePr>
             <a:graphicFrameLocks noChangeAspect="1"/>
@@ -8959,12 +11005,12 @@
           <a:graphicData uri="http://schemas.openxmlformats.org/presentationml/2006/ole">
             <mc:AlternateContent xmlns:mc="http://schemas.openxmlformats.org/markup-compatibility/2006">
               <mc:Choice xmlns:v="urn:schemas-microsoft-com:vml" Requires="v">
-                <p:oleObj spid="_x0000_s1025" name="" r:id="rId1" imgW="914400" imgH="215900" progId="Equation.KSEE3">
+                <p:oleObj spid="_x0000_s1035" r:id="rId4" imgW="914400" imgH="215900" progId="Equation.KSEE3">
                   <p:embed/>
                 </p:oleObj>
               </mc:Choice>
               <mc:Fallback>
-                <p:oleObj name="" r:id="rId1" imgW="914400" imgH="215900" progId="Equation.KSEE3">
+                <p:oleObj r:id="rId4" imgW="914400" imgH="215900" progId="Equation.KSEE3">
                   <p:embed/>
                   <p:pic>
                     <p:nvPicPr>
@@ -8973,7 +11019,7 @@
                       <p:nvPr/>
                     </p:nvPicPr>
                     <p:blipFill>
-                      <a:blip r:embed="rId2"/>
+                      <a:blip r:embed="rId5"/>
                       <a:stretch>
                         <a:fillRect/>
                       </a:stretch>
@@ -8994,1056 +11040,6 @@
           </a:graphicData>
         </a:graphic>
       </p:graphicFrame>
-    </p:spTree>
-  </p:cSld>
-  <p:clrMapOvr>
-    <a:masterClrMapping/>
-  </p:clrMapOvr>
-</p:sld>
-</file>
-
-<file path=ppt/slides/slide5.xml><?xml version="1.0" encoding="utf-8"?>
-<p:sld xmlns:a="http://schemas.openxmlformats.org/drawingml/2006/main" xmlns:r="http://schemas.openxmlformats.org/officeDocument/2006/relationships" xmlns:p="http://schemas.openxmlformats.org/presentationml/2006/main">
-  <p:cSld>
-    <p:spTree>
-      <p:nvGrpSpPr>
-        <p:cNvPr id="1" name=""/>
-        <p:cNvGrpSpPr/>
-        <p:nvPr/>
-      </p:nvGrpSpPr>
-      <p:grpSpPr/>
-      <p:pic>
-        <p:nvPicPr>
-          <p:cNvPr id="3" name="Picture 2"/>
-          <p:cNvPicPr>
-            <a:picLocks noChangeAspect="1"/>
-          </p:cNvPicPr>
-          <p:nvPr/>
-        </p:nvPicPr>
-        <p:blipFill>
-          <a:blip r:embed="rId1"/>
-          <a:stretch>
-            <a:fillRect/>
-          </a:stretch>
-        </p:blipFill>
-        <p:spPr>
-          <a:xfrm>
-            <a:off x="1551305" y="941070"/>
-            <a:ext cx="7050405" cy="3261360"/>
-          </a:xfrm>
-          <a:prstGeom prst="rect">
-            <a:avLst/>
-          </a:prstGeom>
-        </p:spPr>
-      </p:pic>
-    </p:spTree>
-  </p:cSld>
-  <p:clrMapOvr>
-    <a:masterClrMapping/>
-  </p:clrMapOvr>
-</p:sld>
-</file>
-
-<file path=ppt/slides/slide6.xml><?xml version="1.0" encoding="utf-8"?>
-<p:sld xmlns:a="http://schemas.openxmlformats.org/drawingml/2006/main" xmlns:r="http://schemas.openxmlformats.org/officeDocument/2006/relationships" xmlns:p="http://schemas.openxmlformats.org/presentationml/2006/main">
-  <p:cSld>
-    <p:spTree>
-      <p:nvGrpSpPr>
-        <p:cNvPr id="1" name=""/>
-        <p:cNvGrpSpPr/>
-        <p:nvPr/>
-      </p:nvGrpSpPr>
-      <p:grpSpPr/>
-      <p:sp>
-        <p:nvSpPr>
-          <p:cNvPr id="3" name="Text Placeholder 2"/>
-          <p:cNvSpPr/>
-          <p:nvPr>
-            <p:ph type="body" idx="1"/>
-          </p:nvPr>
-        </p:nvSpPr>
-        <p:spPr>
-          <a:xfrm>
-            <a:off x="311785" y="905510"/>
-            <a:ext cx="5588635" cy="3673475"/>
-          </a:xfrm>
-        </p:spPr>
-        <p:txBody>
-          <a:bodyPr/>
-          <a:p>
-            <a:pPr marL="114300" indent="0">
-              <a:buNone/>
-            </a:pPr>
-            <a:r>
-              <a:rPr lang="en-US" sz="1400">
-                <a:latin typeface="Times New Roman" panose="02020603050405020304" charset="0"/>
-                <a:cs typeface="Times New Roman" panose="02020603050405020304" charset="0"/>
-              </a:rPr>
-              <a:t>Using VQA knowledge to improve image-caption ranking.</a:t>
-            </a:r>
-            <a:br>
-              <a:rPr lang="en-US" sz="1400">
-                <a:latin typeface="Times New Roman" panose="02020603050405020304" charset="0"/>
-                <a:cs typeface="Times New Roman" panose="02020603050405020304" charset="0"/>
-              </a:rPr>
-            </a:br>
-            <a:endParaRPr lang="en-US" sz="1400">
-              <a:latin typeface="Times New Roman" panose="02020603050405020304" charset="0"/>
-              <a:cs typeface="Times New Roman" panose="02020603050405020304" charset="0"/>
-            </a:endParaRPr>
-          </a:p>
-          <a:p>
-            <a:pPr marL="114300" indent="0">
-              <a:buNone/>
-            </a:pPr>
-            <a:endParaRPr lang="en-US" sz="1400">
-              <a:latin typeface="Times New Roman" panose="02020603050405020304" charset="0"/>
-              <a:cs typeface="Times New Roman" panose="02020603050405020304" charset="0"/>
-            </a:endParaRPr>
-          </a:p>
-          <a:p>
-            <a:pPr marL="114300" indent="0">
-              <a:buNone/>
-            </a:pPr>
-            <a:r>
-              <a:rPr lang="en-US" sz="1400">
-                <a:latin typeface="Times New Roman" panose="02020603050405020304" charset="0"/>
-                <a:cs typeface="Times New Roman" panose="02020603050405020304" charset="0"/>
-              </a:rPr>
-              <a:t>Ex:</a:t>
-            </a:r>
-            <a:r>
-              <a:rPr lang="en-US" sz="1085">
-                <a:latin typeface="Times New Roman" panose="02020603050405020304" charset="0"/>
-                <a:cs typeface="Times New Roman" panose="02020603050405020304" charset="0"/>
-              </a:rPr>
-              <a:t>Realizing that a batter up at the plate would imply that a  player is </a:t>
-            </a:r>
-            <a:endParaRPr lang="en-US" sz="1085">
-              <a:latin typeface="Times New Roman" panose="02020603050405020304" charset="0"/>
-              <a:cs typeface="Times New Roman" panose="02020603050405020304" charset="0"/>
-            </a:endParaRPr>
-          </a:p>
-          <a:p>
-            <a:pPr marL="1200150" lvl="2" indent="-171450">
-              <a:lnSpc>
-                <a:spcPct val="75000"/>
-              </a:lnSpc>
-              <a:buFont typeface="Arial" panose="020B0604020202020204" pitchFamily="34" charset="0"/>
-              <a:buChar char="•"/>
-            </a:pPr>
-            <a:r>
-              <a:rPr lang="en-US" sz="1200">
-                <a:latin typeface="Times New Roman" panose="02020603050405020304" charset="0"/>
-                <a:cs typeface="Times New Roman" panose="02020603050405020304" charset="0"/>
-              </a:rPr>
-              <a:t>holding a bat</a:t>
-            </a:r>
-            <a:endParaRPr lang="en-US" sz="1200">
-              <a:latin typeface="Times New Roman" panose="02020603050405020304" charset="0"/>
-              <a:cs typeface="Times New Roman" panose="02020603050405020304" charset="0"/>
-            </a:endParaRPr>
-          </a:p>
-          <a:p>
-            <a:pPr marL="1200150" lvl="2" indent="-171450">
-              <a:lnSpc>
-                <a:spcPct val="75000"/>
-              </a:lnSpc>
-              <a:buFont typeface="Arial" panose="020B0604020202020204" pitchFamily="34" charset="0"/>
-              <a:buChar char="•"/>
-            </a:pPr>
-            <a:r>
-              <a:rPr lang="en-US" sz="1200">
-                <a:latin typeface="Times New Roman" panose="02020603050405020304" charset="0"/>
-                <a:cs typeface="Times New Roman" panose="02020603050405020304" charset="0"/>
-              </a:rPr>
-              <a:t>posing to hit the baseball</a:t>
-            </a:r>
-            <a:endParaRPr lang="en-US" sz="1200">
-              <a:latin typeface="Times New Roman" panose="02020603050405020304" charset="0"/>
-              <a:cs typeface="Times New Roman" panose="02020603050405020304" charset="0"/>
-            </a:endParaRPr>
-          </a:p>
-          <a:p>
-            <a:pPr marL="1200150" lvl="2" indent="-171450">
-              <a:lnSpc>
-                <a:spcPct val="95000"/>
-              </a:lnSpc>
-              <a:buFont typeface="Arial" panose="020B0604020202020204" pitchFamily="34" charset="0"/>
-              <a:buChar char="•"/>
-            </a:pPr>
-            <a:r>
-              <a:rPr lang="en-US" sz="1200">
-                <a:latin typeface="Times New Roman" panose="02020603050405020304" charset="0"/>
-                <a:cs typeface="Times New Roman" panose="02020603050405020304" charset="0"/>
-              </a:rPr>
-              <a:t>there might be another player nearby waiting to </a:t>
-            </a:r>
-            <a:br>
-              <a:rPr lang="en-US" sz="1200">
-                <a:latin typeface="Times New Roman" panose="02020603050405020304" charset="0"/>
-                <a:cs typeface="Times New Roman" panose="02020603050405020304" charset="0"/>
-              </a:rPr>
-            </a:br>
-            <a:r>
-              <a:rPr lang="en-US" sz="1200">
-                <a:latin typeface="Times New Roman" panose="02020603050405020304" charset="0"/>
-                <a:cs typeface="Times New Roman" panose="02020603050405020304" charset="0"/>
-              </a:rPr>
-              <a:t>catch the ball</a:t>
-            </a:r>
-            <a:endParaRPr lang="en-US" sz="1200">
-              <a:latin typeface="Times New Roman" panose="02020603050405020304" charset="0"/>
-              <a:cs typeface="Times New Roman" panose="02020603050405020304" charset="0"/>
-            </a:endParaRPr>
-          </a:p>
-        </p:txBody>
-      </p:sp>
-      <p:pic>
-        <p:nvPicPr>
-          <p:cNvPr id="4" name="Picture 3"/>
-          <p:cNvPicPr>
-            <a:picLocks noChangeAspect="1"/>
-          </p:cNvPicPr>
-          <p:nvPr/>
-        </p:nvPicPr>
-        <p:blipFill>
-          <a:blip r:embed="rId1"/>
-          <a:stretch>
-            <a:fillRect/>
-          </a:stretch>
-        </p:blipFill>
-        <p:spPr>
-          <a:xfrm>
-            <a:off x="5186045" y="1035685"/>
-            <a:ext cx="3032760" cy="3543300"/>
-          </a:xfrm>
-          <a:prstGeom prst="rect">
-            <a:avLst/>
-          </a:prstGeom>
-        </p:spPr>
-      </p:pic>
-    </p:spTree>
-  </p:cSld>
-  <p:clrMapOvr>
-    <a:masterClrMapping/>
-  </p:clrMapOvr>
-</p:sld>
-</file>
-
-<file path=ppt/slides/slide7.xml><?xml version="1.0" encoding="utf-8"?>
-<p:sld xmlns:a="http://schemas.openxmlformats.org/drawingml/2006/main" xmlns:r="http://schemas.openxmlformats.org/officeDocument/2006/relationships" xmlns:p="http://schemas.openxmlformats.org/presentationml/2006/main">
-  <p:cSld>
-    <p:spTree>
-      <p:nvGrpSpPr>
-        <p:cNvPr id="1" name=""/>
-        <p:cNvGrpSpPr/>
-        <p:nvPr/>
-      </p:nvGrpSpPr>
-      <p:grpSpPr/>
-      <p:sp>
-        <p:nvSpPr>
-          <p:cNvPr id="2" name="Title 1"/>
-          <p:cNvSpPr/>
-          <p:nvPr>
-            <p:ph type="title"/>
-          </p:nvPr>
-        </p:nvSpPr>
-        <p:spPr/>
-        <p:txBody>
-          <a:bodyPr/>
-          <a:p>
-            <a:r>
-              <a:rPr lang="en-US">
-                <a:latin typeface="Times New Roman" panose="02020603050405020304" charset="0"/>
-                <a:cs typeface="Times New Roman" panose="02020603050405020304" charset="0"/>
-              </a:rPr>
-              <a:t>Image caption ranking</a:t>
-            </a:r>
-            <a:endParaRPr lang="en-US">
-              <a:latin typeface="Times New Roman" panose="02020603050405020304" charset="0"/>
-              <a:cs typeface="Times New Roman" panose="02020603050405020304" charset="0"/>
-            </a:endParaRPr>
-          </a:p>
-        </p:txBody>
-      </p:sp>
-      <p:sp>
-        <p:nvSpPr>
-          <p:cNvPr id="3" name="Text Placeholder 2"/>
-          <p:cNvSpPr/>
-          <p:nvPr>
-            <p:ph type="body" idx="1"/>
-          </p:nvPr>
-        </p:nvSpPr>
-        <p:spPr/>
-        <p:txBody>
-          <a:bodyPr/>
-          <a:p>
-            <a:pPr>
-              <a:buFont typeface="Arial" panose="020B0604020202020204" pitchFamily="34" charset="0"/>
-              <a:buChar char="•"/>
-            </a:pPr>
-            <a:r>
-              <a:rPr lang="en-US" sz="1400">
-                <a:latin typeface="Times New Roman" panose="02020603050405020304" charset="0"/>
-                <a:cs typeface="Times New Roman" panose="02020603050405020304" charset="0"/>
-              </a:rPr>
-              <a:t>The image-caption ranking task is to retrieve relevant images given a query caption and relevant captions given a query image.</a:t>
-            </a:r>
-            <a:endParaRPr lang="en-US" sz="1400">
-              <a:latin typeface="Times New Roman" panose="02020603050405020304" charset="0"/>
-              <a:cs typeface="Times New Roman" panose="02020603050405020304" charset="0"/>
-            </a:endParaRPr>
-          </a:p>
-          <a:p>
-            <a:pPr>
-              <a:buFont typeface="Arial" panose="020B0604020202020204" pitchFamily="34" charset="0"/>
-              <a:buChar char="•"/>
-            </a:pPr>
-            <a:r>
-              <a:rPr lang="en-US" sz="1400">
-                <a:latin typeface="Times New Roman" panose="02020603050405020304" charset="0"/>
-                <a:cs typeface="Times New Roman" panose="02020603050405020304" charset="0"/>
-              </a:rPr>
-              <a:t> During training we are given image-caption pairs (I, C) </a:t>
-            </a:r>
-            <a:endParaRPr lang="en-US" sz="1400">
-              <a:latin typeface="Times New Roman" panose="02020603050405020304" charset="0"/>
-              <a:cs typeface="Times New Roman" panose="02020603050405020304" charset="0"/>
-            </a:endParaRPr>
-          </a:p>
-          <a:p>
-            <a:pPr lvl="1">
-              <a:buSzPct val="50000"/>
-              <a:buFont typeface="Arial" panose="020B0604020202020204" pitchFamily="34" charset="0"/>
-              <a:buChar char="•"/>
-            </a:pPr>
-            <a:r>
-              <a:rPr lang="en-US" sz="1000">
-                <a:latin typeface="Times New Roman" panose="02020603050405020304" charset="0"/>
-                <a:cs typeface="Times New Roman" panose="02020603050405020304" charset="0"/>
-              </a:rPr>
-              <a:t>For each pair we sample K - 1 other images in addition to I so the image</a:t>
-            </a:r>
-            <a:br>
-              <a:rPr lang="en-US" sz="1000">
-                <a:latin typeface="Times New Roman" panose="02020603050405020304" charset="0"/>
-                <a:cs typeface="Times New Roman" panose="02020603050405020304" charset="0"/>
-              </a:rPr>
-            </a:br>
-            <a:r>
-              <a:rPr lang="en-US" sz="1000">
-                <a:latin typeface="Times New Roman" panose="02020603050405020304" charset="0"/>
-                <a:cs typeface="Times New Roman" panose="02020603050405020304" charset="0"/>
-              </a:rPr>
-              <a:t>retrieval task becomes retrieving I from K images given caption C. </a:t>
-            </a:r>
-            <a:endParaRPr lang="en-US" sz="1000">
-              <a:latin typeface="Times New Roman" panose="02020603050405020304" charset="0"/>
-              <a:cs typeface="Times New Roman" panose="02020603050405020304" charset="0"/>
-            </a:endParaRPr>
-          </a:p>
-          <a:p>
-            <a:pPr lvl="1">
-              <a:buSzPct val="50000"/>
-              <a:buFont typeface="Arial" panose="020B0604020202020204" pitchFamily="34" charset="0"/>
-              <a:buChar char="•"/>
-            </a:pPr>
-            <a:r>
-              <a:rPr lang="en-US" sz="1000">
-                <a:latin typeface="Times New Roman" panose="02020603050405020304" charset="0"/>
-                <a:cs typeface="Times New Roman" panose="02020603050405020304" charset="0"/>
-              </a:rPr>
-              <a:t>We also sample K-1 random captions in addition to C so the caption retrieval task becomes retrieving C from K given image I.</a:t>
-            </a:r>
-            <a:endParaRPr lang="en-US" sz="1000">
-              <a:latin typeface="Times New Roman" panose="02020603050405020304" charset="0"/>
-              <a:cs typeface="Times New Roman" panose="02020603050405020304" charset="0"/>
-            </a:endParaRPr>
-          </a:p>
-          <a:p>
-            <a:pPr>
-              <a:buFont typeface="Arial" panose="020B0604020202020204" pitchFamily="34" charset="0"/>
-              <a:buChar char="•"/>
-            </a:pPr>
-            <a:r>
-              <a:rPr lang="en-US" sz="1000">
-                <a:latin typeface="Times New Roman" panose="02020603050405020304" charset="0"/>
-                <a:cs typeface="Times New Roman" panose="02020603050405020304" charset="0"/>
-                <a:sym typeface="+mn-ea"/>
-              </a:rPr>
-              <a:t>The image-caption ranking models learn a ranking scoring function S(I, C) such that the corresponding retrieval probabilities are maximised:</a:t>
-            </a:r>
-            <a:endParaRPr lang="en-US" sz="1000">
-              <a:latin typeface="Times New Roman" panose="02020603050405020304" charset="0"/>
-              <a:cs typeface="Times New Roman" panose="02020603050405020304" charset="0"/>
-            </a:endParaRPr>
-          </a:p>
-          <a:p>
-            <a:pPr lvl="1">
-              <a:buSzPct val="50000"/>
-              <a:buFont typeface="Arial" panose="020B0604020202020204" pitchFamily="34" charset="0"/>
-              <a:buChar char="•"/>
-            </a:pPr>
-            <a:endParaRPr lang="en-US" sz="1000">
-              <a:latin typeface="Times New Roman" panose="02020603050405020304" charset="0"/>
-              <a:cs typeface="Times New Roman" panose="02020603050405020304" charset="0"/>
-            </a:endParaRPr>
-          </a:p>
-        </p:txBody>
-      </p:sp>
-      <p:pic>
-        <p:nvPicPr>
-          <p:cNvPr id="4" name="Picture 3"/>
-          <p:cNvPicPr>
-            <a:picLocks noChangeAspect="1"/>
-          </p:cNvPicPr>
-          <p:nvPr/>
-        </p:nvPicPr>
-        <p:blipFill>
-          <a:blip r:embed="rId1"/>
-          <a:stretch>
-            <a:fillRect/>
-          </a:stretch>
-        </p:blipFill>
-        <p:spPr>
-          <a:xfrm>
-            <a:off x="2001520" y="3622040"/>
-            <a:ext cx="3820160" cy="648970"/>
-          </a:xfrm>
-          <a:prstGeom prst="rect">
-            <a:avLst/>
-          </a:prstGeom>
-        </p:spPr>
-      </p:pic>
-    </p:spTree>
-  </p:cSld>
-  <p:clrMapOvr>
-    <a:masterClrMapping/>
-  </p:clrMapOvr>
-</p:sld>
-</file>
-
-<file path=ppt/slides/slide8.xml><?xml version="1.0" encoding="utf-8"?>
-<p:sld xmlns:a="http://schemas.openxmlformats.org/drawingml/2006/main" xmlns:r="http://schemas.openxmlformats.org/officeDocument/2006/relationships" xmlns:p="http://schemas.openxmlformats.org/presentationml/2006/main">
-  <p:cSld>
-    <p:spTree>
-      <p:nvGrpSpPr>
-        <p:cNvPr id="1" name=""/>
-        <p:cNvGrpSpPr/>
-        <p:nvPr/>
-      </p:nvGrpSpPr>
-      <p:grpSpPr/>
-      <p:sp>
-        <p:nvSpPr>
-          <p:cNvPr id="2" name="Title 1"/>
-          <p:cNvSpPr/>
-          <p:nvPr>
-            <p:ph type="title"/>
-          </p:nvPr>
-        </p:nvSpPr>
-        <p:spPr/>
-        <p:txBody>
-          <a:bodyPr/>
-          <a:p>
-            <a:r>
-              <a:rPr lang="en-US">
-                <a:latin typeface="Times New Roman" panose="02020603050405020304" charset="0"/>
-                <a:cs typeface="Times New Roman" panose="02020603050405020304" charset="0"/>
-                <a:sym typeface="+mn-ea"/>
-              </a:rPr>
-              <a:t>Baseline model</a:t>
-            </a:r>
-            <a:endParaRPr lang="en-US">
-              <a:latin typeface="Times New Roman" panose="02020603050405020304" charset="0"/>
-              <a:cs typeface="Times New Roman" panose="02020603050405020304" charset="0"/>
-            </a:endParaRPr>
-          </a:p>
-        </p:txBody>
-      </p:sp>
-      <p:sp>
-        <p:nvSpPr>
-          <p:cNvPr id="3" name="Text Placeholder 2"/>
-          <p:cNvSpPr/>
-          <p:nvPr>
-            <p:ph type="body" idx="1"/>
-          </p:nvPr>
-        </p:nvSpPr>
-        <p:spPr>
-          <a:xfrm>
-            <a:off x="311785" y="1044575"/>
-            <a:ext cx="8943975" cy="3905250"/>
-          </a:xfrm>
-        </p:spPr>
-        <p:txBody>
-          <a:bodyPr/>
-          <a:p>
-            <a:pPr>
-              <a:buFont typeface="Arial" panose="020B0604020202020204" pitchFamily="34" charset="0"/>
-              <a:buChar char="•"/>
-            </a:pPr>
-            <a:r>
-              <a:rPr lang="en-US">
-                <a:latin typeface="Times New Roman" panose="02020603050405020304" charset="0"/>
-                <a:cs typeface="Times New Roman" panose="02020603050405020304" charset="0"/>
-              </a:rPr>
-              <a:t>Model  projects </a:t>
-            </a:r>
-            <a:endParaRPr lang="en-US">
-              <a:latin typeface="Times New Roman" panose="02020603050405020304" charset="0"/>
-              <a:cs typeface="Times New Roman" panose="02020603050405020304" charset="0"/>
-            </a:endParaRPr>
-          </a:p>
-          <a:p>
-            <a:pPr marL="114300" indent="0">
-              <a:buNone/>
-            </a:pPr>
-            <a:r>
-              <a:rPr lang="en-US">
-                <a:latin typeface="Times New Roman" panose="02020603050405020304" charset="0"/>
-                <a:cs typeface="Times New Roman" panose="02020603050405020304" charset="0"/>
-              </a:rPr>
-              <a:t>          D</a:t>
-            </a:r>
-            <a:r>
-              <a:rPr lang="en-US" baseline="-25000">
-                <a:latin typeface="Times New Roman" panose="02020603050405020304" charset="0"/>
-                <a:cs typeface="Times New Roman" panose="02020603050405020304" charset="0"/>
-              </a:rPr>
-              <a:t>xI</a:t>
-            </a:r>
-            <a:r>
-              <a:rPr lang="en-US">
-                <a:latin typeface="Times New Roman" panose="02020603050405020304" charset="0"/>
-                <a:cs typeface="Times New Roman" panose="02020603050405020304" charset="0"/>
-              </a:rPr>
-              <a:t> - dimensional CNN activation xI for image I </a:t>
-            </a:r>
-            <a:endParaRPr lang="en-US">
-              <a:latin typeface="Times New Roman" panose="02020603050405020304" charset="0"/>
-              <a:cs typeface="Times New Roman" panose="02020603050405020304" charset="0"/>
-            </a:endParaRPr>
-          </a:p>
-          <a:p>
-            <a:pPr marL="114300" indent="0">
-              <a:buNone/>
-            </a:pPr>
-            <a:r>
-              <a:rPr lang="en-US">
-                <a:latin typeface="Times New Roman" panose="02020603050405020304" charset="0"/>
-                <a:cs typeface="Times New Roman" panose="02020603050405020304" charset="0"/>
-              </a:rPr>
-              <a:t>          D</a:t>
-            </a:r>
-            <a:r>
-              <a:rPr lang="en-US" baseline="-25000">
-                <a:latin typeface="Times New Roman" panose="02020603050405020304" charset="0"/>
-                <a:cs typeface="Times New Roman" panose="02020603050405020304" charset="0"/>
-              </a:rPr>
-              <a:t>xC</a:t>
-            </a:r>
-            <a:r>
-              <a:rPr lang="en-US">
-                <a:latin typeface="Times New Roman" panose="02020603050405020304" charset="0"/>
-                <a:cs typeface="Times New Roman" panose="02020603050405020304" charset="0"/>
-              </a:rPr>
-              <a:t>- dimensional RNN latent encoding xC for caption C </a:t>
-            </a:r>
-            <a:endParaRPr lang="en-US">
-              <a:latin typeface="Times New Roman" panose="02020603050405020304" charset="0"/>
-              <a:cs typeface="Times New Roman" panose="02020603050405020304" charset="0"/>
-            </a:endParaRPr>
-          </a:p>
-          <a:p>
-            <a:pPr marL="114300" indent="0">
-              <a:buNone/>
-            </a:pPr>
-            <a:r>
-              <a:rPr lang="en-US">
-                <a:latin typeface="Times New Roman" panose="02020603050405020304" charset="0"/>
-                <a:cs typeface="Times New Roman" panose="02020603050405020304" charset="0"/>
-              </a:rPr>
-              <a:t>          to the same D</a:t>
-            </a:r>
-            <a:r>
-              <a:rPr lang="en-US" baseline="-25000">
-                <a:latin typeface="Times New Roman" panose="02020603050405020304" charset="0"/>
-                <a:cs typeface="Times New Roman" panose="02020603050405020304" charset="0"/>
-              </a:rPr>
-              <a:t>xC</a:t>
-            </a:r>
-            <a:r>
-              <a:rPr lang="en-US">
-                <a:latin typeface="Times New Roman" panose="02020603050405020304" charset="0"/>
-                <a:cs typeface="Times New Roman" panose="02020603050405020304" charset="0"/>
-              </a:rPr>
-              <a:t>-dimensional common multi-modal embedding space as            	unit-norm vectors t</a:t>
-            </a:r>
-            <a:r>
-              <a:rPr lang="en-US" baseline="-25000">
-                <a:latin typeface="Times New Roman" panose="02020603050405020304" charset="0"/>
-                <a:cs typeface="Times New Roman" panose="02020603050405020304" charset="0"/>
-              </a:rPr>
-              <a:t>I </a:t>
-            </a:r>
-            <a:r>
-              <a:rPr lang="en-US">
-                <a:latin typeface="Times New Roman" panose="02020603050405020304" charset="0"/>
-                <a:cs typeface="Times New Roman" panose="02020603050405020304" charset="0"/>
-              </a:rPr>
-              <a:t>and t</a:t>
-            </a:r>
-            <a:r>
-              <a:rPr lang="en-US" baseline="-25000">
-                <a:latin typeface="Times New Roman" panose="02020603050405020304" charset="0"/>
-                <a:cs typeface="Times New Roman" panose="02020603050405020304" charset="0"/>
-              </a:rPr>
-              <a:t>C</a:t>
-            </a:r>
-            <a:r>
-              <a:rPr lang="en-US">
-                <a:latin typeface="Times New Roman" panose="02020603050405020304" charset="0"/>
-                <a:cs typeface="Times New Roman" panose="02020603050405020304" charset="0"/>
-              </a:rPr>
-              <a:t> :</a:t>
-            </a:r>
-            <a:endParaRPr lang="en-US">
-              <a:latin typeface="Times New Roman" panose="02020603050405020304" charset="0"/>
-              <a:cs typeface="Times New Roman" panose="02020603050405020304" charset="0"/>
-            </a:endParaRPr>
-          </a:p>
-          <a:p>
-            <a:pPr>
-              <a:buFont typeface="Arial" panose="020B0604020202020204" pitchFamily="34" charset="0"/>
-              <a:buChar char="•"/>
-            </a:pPr>
-            <a:endParaRPr lang="en-US">
-              <a:latin typeface="Times New Roman" panose="02020603050405020304" charset="0"/>
-              <a:cs typeface="Times New Roman" panose="02020603050405020304" charset="0"/>
-            </a:endParaRPr>
-          </a:p>
-          <a:p>
-            <a:pPr>
-              <a:buFont typeface="Arial" panose="020B0604020202020204" pitchFamily="34" charset="0"/>
-              <a:buChar char="•"/>
-            </a:pPr>
-            <a:endParaRPr lang="en-US">
-              <a:latin typeface="Times New Roman" panose="02020603050405020304" charset="0"/>
-              <a:cs typeface="Times New Roman" panose="02020603050405020304" charset="0"/>
-            </a:endParaRPr>
-          </a:p>
-          <a:p>
-            <a:pPr>
-              <a:buFont typeface="Arial" panose="020B0604020202020204" pitchFamily="34" charset="0"/>
-              <a:buChar char="•"/>
-            </a:pPr>
-            <a:r>
-              <a:rPr lang="en-US">
-                <a:latin typeface="Times New Roman" panose="02020603050405020304" charset="0"/>
-                <a:cs typeface="Times New Roman" panose="02020603050405020304" charset="0"/>
-              </a:rPr>
-              <a:t>The multi-modal scoring function is defined as their dot product </a:t>
-            </a:r>
-            <a:br>
-              <a:rPr lang="en-US">
-                <a:latin typeface="Times New Roman" panose="02020603050405020304" charset="0"/>
-                <a:cs typeface="Times New Roman" panose="02020603050405020304" charset="0"/>
-              </a:rPr>
-            </a:br>
-            <a:r>
-              <a:rPr lang="en-US">
-                <a:latin typeface="Times New Roman" panose="02020603050405020304" charset="0"/>
-                <a:cs typeface="Times New Roman" panose="02020603050405020304" charset="0"/>
-              </a:rPr>
-              <a:t>S</a:t>
-            </a:r>
-            <a:r>
-              <a:rPr lang="en-US" sz="1600">
-                <a:latin typeface="Times New Roman" panose="02020603050405020304" charset="0"/>
-                <a:cs typeface="Times New Roman" panose="02020603050405020304" charset="0"/>
-              </a:rPr>
-              <a:t>t</a:t>
-            </a:r>
-            <a:r>
-              <a:rPr lang="en-US">
-                <a:latin typeface="Times New Roman" panose="02020603050405020304" charset="0"/>
-                <a:cs typeface="Times New Roman" panose="02020603050405020304" charset="0"/>
-              </a:rPr>
-              <a:t>(I, C) =&lt;t</a:t>
-            </a:r>
-            <a:r>
-              <a:rPr lang="en-US" baseline="-25000">
-                <a:latin typeface="Times New Roman" panose="02020603050405020304" charset="0"/>
-                <a:cs typeface="Times New Roman" panose="02020603050405020304" charset="0"/>
-              </a:rPr>
-              <a:t>I</a:t>
-            </a:r>
-            <a:r>
-              <a:rPr lang="en-US">
-                <a:latin typeface="Times New Roman" panose="02020603050405020304" charset="0"/>
-                <a:cs typeface="Times New Roman" panose="02020603050405020304" charset="0"/>
-              </a:rPr>
-              <a:t> , t</a:t>
-            </a:r>
-            <a:r>
-              <a:rPr lang="en-US" baseline="-25000">
-                <a:latin typeface="Times New Roman" panose="02020603050405020304" charset="0"/>
-                <a:cs typeface="Times New Roman" panose="02020603050405020304" charset="0"/>
-              </a:rPr>
-              <a:t>C</a:t>
-            </a:r>
-            <a:r>
-              <a:rPr lang="en-US">
-                <a:latin typeface="Times New Roman" panose="02020603050405020304" charset="0"/>
-                <a:cs typeface="Times New Roman" panose="02020603050405020304" charset="0"/>
-              </a:rPr>
-              <a:t> &gt;.</a:t>
-            </a:r>
-            <a:endParaRPr lang="en-US">
-              <a:latin typeface="Times New Roman" panose="02020603050405020304" charset="0"/>
-              <a:cs typeface="Times New Roman" panose="02020603050405020304" charset="0"/>
-            </a:endParaRPr>
-          </a:p>
-          <a:p>
-            <a:pPr marL="114300" indent="0">
-              <a:buNone/>
-            </a:pPr>
-            <a:endParaRPr lang="en-US">
-              <a:latin typeface="Times New Roman" panose="02020603050405020304" charset="0"/>
-              <a:cs typeface="Times New Roman" panose="02020603050405020304" charset="0"/>
-            </a:endParaRPr>
-          </a:p>
-          <a:p>
-            <a:pPr>
-              <a:buFont typeface="Arial" panose="020B0604020202020204" pitchFamily="34" charset="0"/>
-              <a:buChar char="•"/>
-            </a:pPr>
-            <a:endParaRPr lang="en-US" sz="900">
-              <a:solidFill>
-                <a:schemeClr val="tx1"/>
-              </a:solidFill>
-              <a:latin typeface="Times New Roman" panose="02020603050405020304" charset="0"/>
-              <a:cs typeface="Times New Roman" panose="02020603050405020304" charset="0"/>
-            </a:endParaRPr>
-          </a:p>
-        </p:txBody>
-      </p:sp>
-      <p:pic>
-        <p:nvPicPr>
-          <p:cNvPr id="5" name="Picture 4"/>
-          <p:cNvPicPr>
-            <a:picLocks noChangeAspect="1"/>
-          </p:cNvPicPr>
-          <p:nvPr/>
-        </p:nvPicPr>
-        <p:blipFill>
-          <a:blip r:embed="rId1"/>
-          <a:stretch>
-            <a:fillRect/>
-          </a:stretch>
-        </p:blipFill>
-        <p:spPr>
-          <a:xfrm>
-            <a:off x="3563620" y="2664460"/>
-            <a:ext cx="2016760" cy="513715"/>
-          </a:xfrm>
-          <a:prstGeom prst="rect">
-            <a:avLst/>
-          </a:prstGeom>
-        </p:spPr>
-      </p:pic>
-    </p:spTree>
-  </p:cSld>
-  <p:clrMapOvr>
-    <a:masterClrMapping/>
-  </p:clrMapOvr>
-</p:sld>
-</file>
-
-<file path=ppt/slides/slide9.xml><?xml version="1.0" encoding="utf-8"?>
-<p:sld xmlns:a="http://schemas.openxmlformats.org/drawingml/2006/main" xmlns:r="http://schemas.openxmlformats.org/officeDocument/2006/relationships" xmlns:p="http://schemas.openxmlformats.org/presentationml/2006/main">
-  <p:cSld>
-    <p:spTree>
-      <p:nvGrpSpPr>
-        <p:cNvPr id="103" name="Shape 103"/>
-        <p:cNvGrpSpPr/>
-        <p:nvPr/>
-      </p:nvGrpSpPr>
-      <p:grpSpPr>
-        <a:xfrm>
-          <a:off x="0" y="0"/>
-          <a:ext cx="0" cy="0"/>
-          <a:chOff x="0" y="0"/>
-          <a:chExt cx="0" cy="0"/>
-        </a:xfrm>
-      </p:grpSpPr>
-      <p:sp>
-        <p:nvSpPr>
-          <p:cNvPr id="104" name="Google Shape;104;p20"/>
-          <p:cNvSpPr txBox="1"/>
-          <p:nvPr>
-            <p:ph type="title"/>
-          </p:nvPr>
-        </p:nvSpPr>
-        <p:spPr>
-          <a:xfrm>
-            <a:off x="311700" y="315925"/>
-            <a:ext cx="8520600" cy="831300"/>
-          </a:xfrm>
-          <a:prstGeom prst="rect">
-            <a:avLst/>
-          </a:prstGeom>
-        </p:spPr>
-        <p:txBody>
-          <a:bodyPr spcFirstLastPara="1" wrap="square" lIns="91425" tIns="91425" rIns="91425" bIns="91425" anchor="b" anchorCtr="0">
-            <a:noAutofit/>
-          </a:bodyPr>
-          <a:lstStyle/>
-          <a:p>
-            <a:pPr marL="0" lvl="0" indent="0" algn="l" rtl="0">
-              <a:spcBef>
-                <a:spcPts val="0"/>
-              </a:spcBef>
-              <a:spcAft>
-                <a:spcPts val="0"/>
-              </a:spcAft>
-              <a:buNone/>
-            </a:pPr>
-            <a:r>
-              <a:rPr>
-                <a:latin typeface="Times New Roman" panose="02020603050405020304" charset="0"/>
-                <a:cs typeface="Times New Roman" panose="02020603050405020304" charset="0"/>
-              </a:rPr>
-              <a:t>VQA</a:t>
-            </a:r>
-            <a:endParaRPr>
-              <a:latin typeface="Times New Roman" panose="02020603050405020304" charset="0"/>
-              <a:cs typeface="Times New Roman" panose="02020603050405020304" charset="0"/>
-            </a:endParaRPr>
-          </a:p>
-        </p:txBody>
-      </p:sp>
-      <p:sp>
-        <p:nvSpPr>
-          <p:cNvPr id="105" name="Google Shape;105;p20"/>
-          <p:cNvSpPr txBox="1"/>
-          <p:nvPr>
-            <p:ph type="body" idx="1"/>
-          </p:nvPr>
-        </p:nvSpPr>
-        <p:spPr>
-          <a:xfrm>
-            <a:off x="311700" y="1225225"/>
-            <a:ext cx="8520600" cy="3354000"/>
-          </a:xfrm>
-          <a:prstGeom prst="rect">
-            <a:avLst/>
-          </a:prstGeom>
-        </p:spPr>
-        <p:txBody>
-          <a:bodyPr spcFirstLastPara="1" wrap="square" lIns="91425" tIns="91425" rIns="91425" bIns="91425" anchor="t" anchorCtr="0">
-            <a:noAutofit/>
-          </a:bodyPr>
-          <a:lstStyle/>
-          <a:p>
-            <a:pPr marL="285750" lvl="0" indent="-285750" algn="l" rtl="0">
-              <a:spcBef>
-                <a:spcPts val="0"/>
-              </a:spcBef>
-              <a:spcAft>
-                <a:spcPts val="1600"/>
-              </a:spcAft>
-              <a:buFont typeface="Arial" panose="020B0604020202020204" pitchFamily="34" charset="0"/>
-              <a:buChar char="•"/>
-            </a:pPr>
-            <a:r>
-              <a:rPr>
-                <a:latin typeface="Times New Roman" panose="02020603050405020304" charset="0"/>
-                <a:cs typeface="Times New Roman" panose="02020603050405020304" charset="0"/>
-              </a:rPr>
-              <a:t>VQA is the task of given an image I and a free-form open-ended question Q</a:t>
-            </a:r>
-            <a:br>
-              <a:rPr>
-                <a:latin typeface="Times New Roman" panose="02020603050405020304" charset="0"/>
-                <a:cs typeface="Times New Roman" panose="02020603050405020304" charset="0"/>
-              </a:rPr>
-            </a:br>
-            <a:r>
-              <a:rPr>
-                <a:latin typeface="Times New Roman" panose="02020603050405020304" charset="0"/>
-                <a:cs typeface="Times New Roman" panose="02020603050405020304" charset="0"/>
-              </a:rPr>
-              <a:t>about I, generating a natural language answer A to that question.</a:t>
-            </a:r>
-            <a:endParaRPr>
-              <a:latin typeface="Times New Roman" panose="02020603050405020304" charset="0"/>
-              <a:cs typeface="Times New Roman" panose="02020603050405020304" charset="0"/>
-            </a:endParaRPr>
-          </a:p>
-          <a:p>
-            <a:pPr marL="285750" lvl="0" indent="-285750" algn="l" rtl="0">
-              <a:spcBef>
-                <a:spcPts val="0"/>
-              </a:spcBef>
-              <a:spcAft>
-                <a:spcPts val="1600"/>
-              </a:spcAft>
-              <a:buFont typeface="Arial" panose="020B0604020202020204" pitchFamily="34" charset="0"/>
-              <a:buChar char="•"/>
-            </a:pPr>
-            <a:r>
-              <a:rPr>
-                <a:latin typeface="Times New Roman" panose="02020603050405020304" charset="0"/>
-                <a:cs typeface="Times New Roman" panose="02020603050405020304" charset="0"/>
-              </a:rPr>
-              <a:t>Similarly,VQA-Caption task  takes a caption C of an image and a question</a:t>
-            </a:r>
-            <a:br>
-              <a:rPr>
-                <a:latin typeface="Times New Roman" panose="02020603050405020304" charset="0"/>
-                <a:cs typeface="Times New Roman" panose="02020603050405020304" charset="0"/>
-              </a:rPr>
-            </a:br>
-            <a:r>
-              <a:rPr>
-                <a:latin typeface="Times New Roman" panose="02020603050405020304" charset="0"/>
-                <a:cs typeface="Times New Roman" panose="02020603050405020304" charset="0"/>
-              </a:rPr>
-              <a:t>Q about the image, then generates an answer A.</a:t>
-            </a:r>
-            <a:endParaRPr>
-              <a:latin typeface="Times New Roman" panose="02020603050405020304" charset="0"/>
-              <a:cs typeface="Times New Roman" panose="02020603050405020304" charset="0"/>
-            </a:endParaRPr>
-          </a:p>
-          <a:p>
-            <a:pPr marL="285750" lvl="0" indent="-285750" algn="l" rtl="0">
-              <a:spcBef>
-                <a:spcPts val="0"/>
-              </a:spcBef>
-              <a:spcAft>
-                <a:spcPts val="1600"/>
-              </a:spcAft>
-              <a:buFont typeface="Arial" panose="020B0604020202020204" pitchFamily="34" charset="0"/>
-              <a:buChar char="•"/>
-            </a:pPr>
-            <a:r>
-              <a:rPr>
-                <a:latin typeface="Times New Roman" panose="02020603050405020304" charset="0"/>
-                <a:cs typeface="Times New Roman" panose="02020603050405020304" charset="0"/>
-              </a:rPr>
-              <a:t> </a:t>
-            </a:r>
-            <a:r>
-              <a:rPr lang="en-US">
-                <a:latin typeface="Times New Roman" panose="02020603050405020304" charset="0"/>
-                <a:cs typeface="Times New Roman" panose="02020603050405020304" charset="0"/>
-              </a:rPr>
-              <a:t>T</a:t>
-            </a:r>
-            <a:r>
-              <a:rPr>
-                <a:latin typeface="Times New Roman" panose="02020603050405020304" charset="0"/>
-                <a:cs typeface="Times New Roman" panose="02020603050405020304" charset="0"/>
-              </a:rPr>
-              <a:t>he generated answers are evaluated using </a:t>
-            </a:r>
-            <a:endParaRPr>
-              <a:latin typeface="Times New Roman" panose="02020603050405020304" charset="0"/>
-              <a:cs typeface="Times New Roman" panose="02020603050405020304" charset="0"/>
-            </a:endParaRPr>
-          </a:p>
-          <a:p>
-            <a:pPr marL="742950" lvl="1" indent="-285750" algn="l" rtl="0">
-              <a:spcBef>
-                <a:spcPts val="0"/>
-              </a:spcBef>
-              <a:spcAft>
-                <a:spcPts val="1600"/>
-              </a:spcAft>
-              <a:buFont typeface="Arial" panose="020B0604020202020204" pitchFamily="34" charset="0"/>
-              <a:buChar char="•"/>
-            </a:pPr>
-            <a:r>
-              <a:rPr>
-                <a:latin typeface="Times New Roman" panose="02020603050405020304" charset="0"/>
-                <a:cs typeface="Times New Roman" panose="02020603050405020304" charset="0"/>
-              </a:rPr>
-              <a:t>min( </a:t>
-            </a:r>
-            <a:r>
-              <a:rPr lang="en-US">
-                <a:latin typeface="Times New Roman" panose="02020603050405020304" charset="0"/>
-                <a:cs typeface="Times New Roman" panose="02020603050405020304" charset="0"/>
-              </a:rPr>
-              <a:t>(</a:t>
-            </a:r>
-            <a:r>
-              <a:rPr>
-                <a:latin typeface="Times New Roman" panose="02020603050405020304" charset="0"/>
-                <a:cs typeface="Times New Roman" panose="02020603050405020304" charset="0"/>
-              </a:rPr>
-              <a:t># humans that provided A</a:t>
-            </a:r>
-            <a:r>
-              <a:rPr lang="en-US">
-                <a:latin typeface="Times New Roman" panose="02020603050405020304" charset="0"/>
-                <a:cs typeface="Times New Roman" panose="02020603050405020304" charset="0"/>
-              </a:rPr>
-              <a:t>/</a:t>
-            </a:r>
-            <a:r>
-              <a:rPr>
-                <a:latin typeface="Times New Roman" panose="02020603050405020304" charset="0"/>
-                <a:cs typeface="Times New Roman" panose="02020603050405020304" charset="0"/>
-              </a:rPr>
-              <a:t>3</a:t>
-            </a:r>
-            <a:r>
-              <a:rPr lang="en-US">
-                <a:latin typeface="Times New Roman" panose="02020603050405020304" charset="0"/>
-                <a:cs typeface="Times New Roman" panose="02020603050405020304" charset="0"/>
-              </a:rPr>
-              <a:t>)</a:t>
-            </a:r>
-            <a:r>
-              <a:rPr>
-                <a:latin typeface="Times New Roman" panose="02020603050405020304" charset="0"/>
-                <a:cs typeface="Times New Roman" panose="02020603050405020304" charset="0"/>
-              </a:rPr>
-              <a:t> , 1). </a:t>
-            </a:r>
-            <a:endParaRPr>
-              <a:latin typeface="Times New Roman" panose="02020603050405020304" charset="0"/>
-              <a:cs typeface="Times New Roman" panose="02020603050405020304" charset="0"/>
-            </a:endParaRPr>
-          </a:p>
-          <a:p>
-            <a:pPr marL="742950" lvl="1" indent="-285750" algn="l" rtl="0">
-              <a:spcBef>
-                <a:spcPts val="0"/>
-              </a:spcBef>
-              <a:spcAft>
-                <a:spcPts val="1600"/>
-              </a:spcAft>
-              <a:buFont typeface="Arial" panose="020B0604020202020204" pitchFamily="34" charset="0"/>
-              <a:buChar char="•"/>
-            </a:pPr>
-            <a:r>
-              <a:rPr>
-                <a:latin typeface="Times New Roman" panose="02020603050405020304" charset="0"/>
-                <a:cs typeface="Times New Roman" panose="02020603050405020304" charset="0"/>
-              </a:rPr>
-              <a:t>That is, A is 100% correct if at least 3 humans (out of 10) provide the answer A.</a:t>
-            </a:r>
-            <a:endParaRPr>
-              <a:latin typeface="Times New Roman" panose="02020603050405020304" charset="0"/>
-              <a:cs typeface="Times New Roman" panose="02020603050405020304" charset="0"/>
-            </a:endParaRPr>
-          </a:p>
-        </p:txBody>
-      </p:sp>
     </p:spTree>
   </p:cSld>
   <p:clrMapOvr>
@@ -10328,6 +11324,8 @@
       </a:bgFillStyleLst>
     </a:fmtScheme>
   </a:themeElements>
+  <a:objectDefaults/>
+  <a:extraClrSchemeLst/>
   <a:extLst>
     <a:ext uri="{05A4C25C-085E-4340-85A3-A5531E510DB2}">
       <thm15:themeFamily xmlns:thm15="http://schemas.microsoft.com/office/thememl/2012/main" name="Office Theme" id="{62F939B6-93AF-4DB8-9C6B-D6C7DFDC589F}" vid="{4A3C46E8-61CC-4603-A589-7422A47A8E4A}"/>
@@ -10612,6 +11610,8 @@
       </a:bgFillStyleLst>
     </a:fmtScheme>
   </a:themeElements>
+  <a:objectDefaults/>
+  <a:extraClrSchemeLst/>
   <a:extLst>
     <a:ext uri="{05A4C25C-085E-4340-85A3-A5531E510DB2}">
       <thm15:themeFamily xmlns:thm15="http://schemas.microsoft.com/office/thememl/2012/main" name="Office Theme" id="{62F939B6-93AF-4DB8-9C6B-D6C7DFDC589F}" vid="{4A3C46E8-61CC-4603-A589-7422A47A8E4A}"/>

--- a/Literature Survey 2.pptx
+++ b/Literature Survey 2.pptx
@@ -5,51 +5,57 @@
     <p:sldMasterId id="2147483648" r:id="rId1"/>
   </p:sldMasterIdLst>
   <p:notesMasterIdLst>
-    <p:notesMasterId r:id="rId23"/>
+    <p:notesMasterId r:id="rId4"/>
   </p:notesMasterIdLst>
   <p:sldIdLst>
-    <p:sldId id="279" r:id="rId2"/>
-    <p:sldId id="282" r:id="rId3"/>
-    <p:sldId id="283" r:id="rId4"/>
-    <p:sldId id="284" r:id="rId5"/>
-    <p:sldId id="257" r:id="rId6"/>
-    <p:sldId id="285" r:id="rId7"/>
-    <p:sldId id="280" r:id="rId8"/>
-    <p:sldId id="281" r:id="rId9"/>
-    <p:sldId id="256" r:id="rId10"/>
-    <p:sldId id="276" r:id="rId11"/>
-    <p:sldId id="266" r:id="rId12"/>
-    <p:sldId id="267" r:id="rId13"/>
-    <p:sldId id="268" r:id="rId14"/>
-    <p:sldId id="263" r:id="rId15"/>
-    <p:sldId id="264" r:id="rId16"/>
-    <p:sldId id="271" r:id="rId17"/>
-    <p:sldId id="272" r:id="rId18"/>
-    <p:sldId id="273" r:id="rId19"/>
-    <p:sldId id="275" r:id="rId20"/>
-    <p:sldId id="274" r:id="rId21"/>
-    <p:sldId id="277" r:id="rId22"/>
+    <p:sldId id="279" r:id="rId3"/>
+    <p:sldId id="282" r:id="rId5"/>
+    <p:sldId id="283" r:id="rId6"/>
+    <p:sldId id="284" r:id="rId7"/>
+    <p:sldId id="302" r:id="rId8"/>
+    <p:sldId id="257" r:id="rId9"/>
+    <p:sldId id="285" r:id="rId10"/>
+    <p:sldId id="280" r:id="rId11"/>
+    <p:sldId id="281" r:id="rId12"/>
+    <p:sldId id="256" r:id="rId13"/>
+    <p:sldId id="276" r:id="rId14"/>
+    <p:sldId id="266" r:id="rId15"/>
+    <p:sldId id="267" r:id="rId16"/>
+    <p:sldId id="268" r:id="rId17"/>
+    <p:sldId id="263" r:id="rId18"/>
+    <p:sldId id="264" r:id="rId19"/>
+    <p:sldId id="271" r:id="rId20"/>
+    <p:sldId id="272" r:id="rId21"/>
+    <p:sldId id="273" r:id="rId22"/>
+    <p:sldId id="275" r:id="rId23"/>
+    <p:sldId id="274" r:id="rId24"/>
+    <p:sldId id="277" r:id="rId25"/>
   </p:sldIdLst>
   <p:sldSz cx="9144000" cy="5143500" type="screen16x9"/>
   <p:notesSz cx="6858000" cy="9144000"/>
   <p:embeddedFontLst>
     <p:embeddedFont>
-      <p:font typeface="Cambria" panose="02040503050406030204" pitchFamily="18" charset="0"/>
-      <p:regular r:id="rId24"/>
-      <p:bold r:id="rId25"/>
-      <p:italic r:id="rId26"/>
-      <p:boldItalic r:id="rId27"/>
+      <p:font typeface="Economica" panose="02000506040000020004"/>
+      <p:regular r:id="rId29"/>
     </p:embeddedFont>
     <p:embeddedFont>
-      <p:font typeface="Economica" panose="020B0604020202020204" charset="0"/>
-      <p:regular r:id="rId28"/>
+      <p:font typeface="Open Sans" panose="020B0606030504020204"/>
+      <p:regular r:id="rId30"/>
     </p:embeddedFont>
     <p:embeddedFont>
-      <p:font typeface="Open Sans" panose="020B0606030504020204" pitchFamily="34" charset="0"/>
-      <p:regular r:id="rId29"/>
-      <p:bold r:id="rId30"/>
-      <p:italic r:id="rId31"/>
-      <p:boldItalic r:id="rId32"/>
+      <p:font typeface="Cambria" panose="02040503050406030204" charset="0"/>
+      <p:regular r:id="rId31"/>
+      <p:bold r:id="rId32"/>
+      <p:italic r:id="rId33"/>
+      <p:boldItalic r:id="rId34"/>
+    </p:embeddedFont>
+    <p:embeddedFont>
+      <p:font typeface="Malgun Gothic" panose="020B0503020000020004" charset="-127"/>
+      <p:regular r:id="rId35"/>
+    </p:embeddedFont>
+    <p:embeddedFont>
+      <p:font typeface="PMingLiU-ExtB" panose="02020500000000000000" charset="-120"/>
+      <p:regular r:id="rId36"/>
     </p:embeddedFont>
   </p:embeddedFontLst>
   <p:defaultTextStyle>
@@ -281,22 +287,6 @@
       </a:defRPr>
     </a:lvl9pPr>
   </p:defaultTextStyle>
-  <p:extLst>
-    <p:ext uri="{EFAFB233-063F-42B5-8137-9DF3F51BA10A}">
-      <p15:sldGuideLst xmlns:p15="http://schemas.microsoft.com/office/powerpoint/2012/main">
-        <p15:guide id="1" orient="horz" pos="1588">
-          <p15:clr>
-            <a:srgbClr val="A4A3A4"/>
-          </p15:clr>
-        </p15:guide>
-        <p15:guide id="2" pos="2880">
-          <p15:clr>
-            <a:srgbClr val="A4A3A4"/>
-          </p15:clr>
-        </p15:guide>
-      </p15:sldGuideLst>
-    </p:ext>
-  </p:extLst>
 </p:presentation>
 </file>
 
@@ -501,9 +491,7 @@
               <a:defRPr sz="1100"/>
             </a:lvl9pPr>
           </a:lstStyle>
-          <a:p>
-            <a:endParaRPr/>
-          </a:p>
+          <a:p/>
         </p:txBody>
       </p:sp>
     </p:spTree>
@@ -742,7 +730,7 @@
 </file>
 
 <file path=ppt/notesSlides/notesSlide1.xml><?xml version="1.0" encoding="utf-8"?>
-<p:notes xmlns:a="http://schemas.openxmlformats.org/drawingml/2006/main" xmlns:r="http://schemas.openxmlformats.org/officeDocument/2006/relationships" xmlns:p="http://schemas.openxmlformats.org/presentationml/2006/main" showMasterSp="0" showMasterPhAnim="0">
+<p:notes xmlns:a="http://schemas.openxmlformats.org/drawingml/2006/main" xmlns:r="http://schemas.openxmlformats.org/officeDocument/2006/relationships" xmlns:p="http://schemas.openxmlformats.org/presentationml/2006/main" showMasterPhAnim="0" showMasterSp="0">
   <p:cSld>
     <p:spTree>
       <p:nvGrpSpPr>
@@ -833,7 +821,6 @@
               </a:spcAft>
               <a:buNone/>
             </a:pPr>
-            <a:endParaRPr/>
           </a:p>
         </p:txBody>
       </p:sp>
@@ -846,7 +833,7 @@
 </file>
 
 <file path=ppt/notesSlides/notesSlide2.xml><?xml version="1.0" encoding="utf-8"?>
-<p:notes xmlns:a="http://schemas.openxmlformats.org/drawingml/2006/main" xmlns:r="http://schemas.openxmlformats.org/officeDocument/2006/relationships" xmlns:p="http://schemas.openxmlformats.org/presentationml/2006/main" showMasterSp="0" showMasterPhAnim="0">
+<p:notes xmlns:a="http://schemas.openxmlformats.org/drawingml/2006/main" xmlns:r="http://schemas.openxmlformats.org/officeDocument/2006/relationships" xmlns:p="http://schemas.openxmlformats.org/presentationml/2006/main" showMasterPhAnim="0" showMasterSp="0">
   <p:cSld>
     <p:spTree>
       <p:nvGrpSpPr>
@@ -937,7 +924,6 @@
               </a:spcAft>
               <a:buNone/>
             </a:pPr>
-            <a:endParaRPr/>
           </a:p>
         </p:txBody>
       </p:sp>
@@ -950,7 +936,7 @@
 </file>
 
 <file path=ppt/notesSlides/notesSlide3.xml><?xml version="1.0" encoding="utf-8"?>
-<p:notes xmlns:a="http://schemas.openxmlformats.org/drawingml/2006/main" xmlns:r="http://schemas.openxmlformats.org/officeDocument/2006/relationships" xmlns:p="http://schemas.openxmlformats.org/presentationml/2006/main" showMasterSp="0" showMasterPhAnim="0">
+<p:notes xmlns:a="http://schemas.openxmlformats.org/drawingml/2006/main" xmlns:r="http://schemas.openxmlformats.org/officeDocument/2006/relationships" xmlns:p="http://schemas.openxmlformats.org/presentationml/2006/main" showMasterPhAnim="0" showMasterSp="0">
   <p:cSld>
     <p:spTree>
       <p:nvGrpSpPr>
@@ -1041,7 +1027,6 @@
               </a:spcAft>
               <a:buNone/>
             </a:pPr>
-            <a:endParaRPr/>
           </a:p>
         </p:txBody>
       </p:sp>
@@ -1054,7 +1039,7 @@
 </file>
 
 <file path=ppt/notesSlides/notesSlide4.xml><?xml version="1.0" encoding="utf-8"?>
-<p:notes xmlns:a="http://schemas.openxmlformats.org/drawingml/2006/main" xmlns:r="http://schemas.openxmlformats.org/officeDocument/2006/relationships" xmlns:p="http://schemas.openxmlformats.org/presentationml/2006/main" showMasterSp="0" showMasterPhAnim="0">
+<p:notes xmlns:a="http://schemas.openxmlformats.org/drawingml/2006/main" xmlns:r="http://schemas.openxmlformats.org/officeDocument/2006/relationships" xmlns:p="http://schemas.openxmlformats.org/presentationml/2006/main" showMasterPhAnim="0" showMasterSp="0">
   <p:cSld>
     <p:spTree>
       <p:nvGrpSpPr>
@@ -1145,7 +1130,6 @@
               </a:spcAft>
               <a:buNone/>
             </a:pPr>
-            <a:endParaRPr/>
           </a:p>
         </p:txBody>
       </p:sp>
@@ -1158,7 +1142,7 @@
 </file>
 
 <file path=ppt/slideLayouts/slideLayout1.xml><?xml version="1.0" encoding="utf-8"?>
-<p:sldLayout xmlns:a="http://schemas.openxmlformats.org/drawingml/2006/main" xmlns:r="http://schemas.openxmlformats.org/officeDocument/2006/relationships" xmlns:p="http://schemas.openxmlformats.org/presentationml/2006/main" matchingName="Title slide" type="title">
+<p:sldLayout xmlns:a="http://schemas.openxmlformats.org/drawingml/2006/main" xmlns:r="http://schemas.openxmlformats.org/officeDocument/2006/relationships" xmlns:p="http://schemas.openxmlformats.org/presentationml/2006/main" type="title" matchingName="Title slide">
   <p:cSld name="TITLE">
     <p:spTree>
       <p:nvGrpSpPr>
@@ -1384,9 +1368,7 @@
               <a:defRPr/>
             </a:lvl9pPr>
           </a:lstStyle>
-          <a:p>
-            <a:endParaRPr/>
-          </a:p>
+          <a:p/>
         </p:txBody>
       </p:sp>
       <p:sp>
@@ -1594,9 +1576,7 @@
               </a:defRPr>
             </a:lvl9pPr>
           </a:lstStyle>
-          <a:p>
-            <a:endParaRPr/>
-          </a:p>
+          <a:p/>
         </p:txBody>
       </p:sp>
       <p:sp>
@@ -1672,7 +1652,6 @@
             </a:pPr>
             <a:fld id="{00000000-1234-1234-1234-123412341234}" type="slidenum">
               <a:rPr lang="en-GB"/>
-              <a:t>‹#›</a:t>
             </a:fld>
             <a:endParaRPr lang="en-GB"/>
           </a:p>
@@ -1739,7 +1718,6 @@
               </a:spcAft>
               <a:buNone/>
             </a:pPr>
-            <a:endParaRPr/>
           </a:p>
         </p:txBody>
       </p:sp>
@@ -2061,9 +2039,7 @@
               <a:defRPr/>
             </a:lvl9pPr>
           </a:lstStyle>
-          <a:p>
-            <a:endParaRPr/>
-          </a:p>
+          <a:p/>
         </p:txBody>
       </p:sp>
       <p:sp>
@@ -2139,7 +2115,6 @@
             </a:pPr>
             <a:fld id="{00000000-1234-1234-1234-123412341234}" type="slidenum">
               <a:rPr lang="en-GB"/>
-              <a:t>‹#›</a:t>
             </a:fld>
             <a:endParaRPr lang="en-GB"/>
           </a:p>
@@ -2154,7 +2129,7 @@
 </file>
 
 <file path=ppt/slideLayouts/slideLayout11.xml><?xml version="1.0" encoding="utf-8"?>
-<p:sldLayout xmlns:a="http://schemas.openxmlformats.org/drawingml/2006/main" xmlns:r="http://schemas.openxmlformats.org/officeDocument/2006/relationships" xmlns:p="http://schemas.openxmlformats.org/presentationml/2006/main" matchingName="Blank" type="blank">
+<p:sldLayout xmlns:a="http://schemas.openxmlformats.org/drawingml/2006/main" xmlns:r="http://schemas.openxmlformats.org/officeDocument/2006/relationships" xmlns:p="http://schemas.openxmlformats.org/presentationml/2006/main" type="blank" matchingName="Blank">
   <p:cSld name="BLANK">
     <p:spTree>
       <p:nvGrpSpPr>
@@ -2243,7 +2218,6 @@
             </a:pPr>
             <a:fld id="{00000000-1234-1234-1234-123412341234}" type="slidenum">
               <a:rPr lang="en-GB"/>
-              <a:t>‹#›</a:t>
             </a:fld>
             <a:endParaRPr lang="en-GB"/>
           </a:p>
@@ -2276,13 +2250,7 @@
       </p:grpSpPr>
       <p:sp>
         <p:nvSpPr>
-          <p:cNvPr id="2" name="Title 1">
-            <a:extLst>
-              <a:ext uri="{FF2B5EF4-FFF2-40B4-BE49-F238E27FC236}">
-                <a16:creationId xmlns:a16="http://schemas.microsoft.com/office/drawing/2014/main" id="{858E7136-5B48-4F29-B410-30CE51B8C276}"/>
-              </a:ext>
-            </a:extLst>
-          </p:cNvPr>
+          <p:cNvPr id="2" name="Title 1"/>
           <p:cNvSpPr>
             <a:spLocks noGrp="1"/>
           </p:cNvSpPr>
@@ -2305,13 +2273,7 @@
       </p:sp>
       <p:sp>
         <p:nvSpPr>
-          <p:cNvPr id="3" name="Content Placeholder 2">
-            <a:extLst>
-              <a:ext uri="{FF2B5EF4-FFF2-40B4-BE49-F238E27FC236}">
-                <a16:creationId xmlns:a16="http://schemas.microsoft.com/office/drawing/2014/main" id="{F855A3DC-C0EB-4B88-B221-43CAEAF42BC0}"/>
-              </a:ext>
-            </a:extLst>
-          </p:cNvPr>
+          <p:cNvPr id="3" name="Content Placeholder 2"/>
           <p:cNvSpPr>
             <a:spLocks noGrp="1"/>
           </p:cNvSpPr>
@@ -2329,6 +2291,7 @@
               <a:rPr lang="en-US"/>
               <a:t>Click to edit Master text styles</a:t>
             </a:r>
+            <a:endParaRPr lang="en-US"/>
           </a:p>
           <a:p>
             <a:pPr lvl="1"/>
@@ -2336,6 +2299,7 @@
               <a:rPr lang="en-US"/>
               <a:t>Second level</a:t>
             </a:r>
+            <a:endParaRPr lang="en-US"/>
           </a:p>
           <a:p>
             <a:pPr lvl="2"/>
@@ -2343,6 +2307,7 @@
               <a:rPr lang="en-US"/>
               <a:t>Third level</a:t>
             </a:r>
+            <a:endParaRPr lang="en-US"/>
           </a:p>
           <a:p>
             <a:pPr lvl="3"/>
@@ -2350,6 +2315,7 @@
               <a:rPr lang="en-US"/>
               <a:t>Fourth level</a:t>
             </a:r>
+            <a:endParaRPr lang="en-US"/>
           </a:p>
           <a:p>
             <a:pPr lvl="4"/>
@@ -2363,13 +2329,7 @@
       </p:sp>
       <p:sp>
         <p:nvSpPr>
-          <p:cNvPr id="4" name="Date Placeholder 3">
-            <a:extLst>
-              <a:ext uri="{FF2B5EF4-FFF2-40B4-BE49-F238E27FC236}">
-                <a16:creationId xmlns:a16="http://schemas.microsoft.com/office/drawing/2014/main" id="{C9D64166-1E9D-4C5B-97E4-2BF3E6BE1290}"/>
-              </a:ext>
-            </a:extLst>
-          </p:cNvPr>
+          <p:cNvPr id="4" name="Date Placeholder 3"/>
           <p:cNvSpPr>
             <a:spLocks noGrp="1"/>
           </p:cNvSpPr>
@@ -2384,7 +2344,6 @@
           <a:p>
             <a:fld id="{9B3AADE1-27EE-4014-B194-B389A1EA2F57}" type="datetimeFigureOut">
               <a:rPr lang="en-IN" smtClean="0"/>
-              <a:t>31-10-2020</a:t>
             </a:fld>
             <a:endParaRPr lang="en-IN"/>
           </a:p>
@@ -2392,13 +2351,7 @@
       </p:sp>
       <p:sp>
         <p:nvSpPr>
-          <p:cNvPr id="5" name="Footer Placeholder 4">
-            <a:extLst>
-              <a:ext uri="{FF2B5EF4-FFF2-40B4-BE49-F238E27FC236}">
-                <a16:creationId xmlns:a16="http://schemas.microsoft.com/office/drawing/2014/main" id="{49301D60-9FE2-49B3-A001-BA053DDBBE09}"/>
-              </a:ext>
-            </a:extLst>
-          </p:cNvPr>
+          <p:cNvPr id="5" name="Footer Placeholder 4"/>
           <p:cNvSpPr>
             <a:spLocks noGrp="1"/>
           </p:cNvSpPr>
@@ -2417,13 +2370,7 @@
       </p:sp>
       <p:sp>
         <p:nvSpPr>
-          <p:cNvPr id="6" name="Slide Number Placeholder 5">
-            <a:extLst>
-              <a:ext uri="{FF2B5EF4-FFF2-40B4-BE49-F238E27FC236}">
-                <a16:creationId xmlns:a16="http://schemas.microsoft.com/office/drawing/2014/main" id="{3DBB1855-B131-4E63-99F3-46C8AE14E41D}"/>
-              </a:ext>
-            </a:extLst>
-          </p:cNvPr>
+          <p:cNvPr id="6" name="Slide Number Placeholder 5"/>
           <p:cNvSpPr>
             <a:spLocks noGrp="1"/>
           </p:cNvSpPr>
@@ -2438,18 +2385,12 @@
           <a:p>
             <a:fld id="{69E6659B-BF6E-4DE8-8DA1-709FC145E0D7}" type="slidenum">
               <a:rPr lang="en-IN" smtClean="0"/>
-              <a:t>‹#›</a:t>
             </a:fld>
             <a:endParaRPr lang="en-IN"/>
           </a:p>
         </p:txBody>
       </p:sp>
     </p:spTree>
-    <p:extLst>
-      <p:ext uri="{BB962C8B-B14F-4D97-AF65-F5344CB8AC3E}">
-        <p14:creationId xmlns:p14="http://schemas.microsoft.com/office/powerpoint/2010/main" val="1806693628"/>
-      </p:ext>
-    </p:extLst>
   </p:cSld>
   <p:clrMapOvr>
     <a:masterClrMapping/>
@@ -2458,7 +2399,7 @@
 </file>
 
 <file path=ppt/slideLayouts/slideLayout2.xml><?xml version="1.0" encoding="utf-8"?>
-<p:sldLayout xmlns:a="http://schemas.openxmlformats.org/drawingml/2006/main" xmlns:r="http://schemas.openxmlformats.org/officeDocument/2006/relationships" xmlns:p="http://schemas.openxmlformats.org/presentationml/2006/main" matchingName="Section header" type="secHead">
+<p:sldLayout xmlns:a="http://schemas.openxmlformats.org/drawingml/2006/main" xmlns:r="http://schemas.openxmlformats.org/officeDocument/2006/relationships" xmlns:p="http://schemas.openxmlformats.org/presentationml/2006/main" type="secHead" matchingName="Section header">
   <p:cSld name="SECTION_HEADER">
     <p:spTree>
       <p:nvGrpSpPr>
@@ -2684,9 +2625,7 @@
               <a:defRPr/>
             </a:lvl9pPr>
           </a:lstStyle>
-          <a:p>
-            <a:endParaRPr/>
-          </a:p>
+          <a:p/>
         </p:txBody>
       </p:sp>
       <p:sp>
@@ -2762,7 +2701,6 @@
             </a:pPr>
             <a:fld id="{00000000-1234-1234-1234-123412341234}" type="slidenum">
               <a:rPr lang="en-GB"/>
-              <a:t>‹#›</a:t>
             </a:fld>
             <a:endParaRPr lang="en-GB"/>
           </a:p>
@@ -2777,7 +2715,7 @@
 </file>
 
 <file path=ppt/slideLayouts/slideLayout3.xml><?xml version="1.0" encoding="utf-8"?>
-<p:sldLayout xmlns:a="http://schemas.openxmlformats.org/drawingml/2006/main" xmlns:r="http://schemas.openxmlformats.org/officeDocument/2006/relationships" xmlns:p="http://schemas.openxmlformats.org/presentationml/2006/main" matchingName="Title and body" type="tx">
+<p:sldLayout xmlns:a="http://schemas.openxmlformats.org/drawingml/2006/main" xmlns:r="http://schemas.openxmlformats.org/officeDocument/2006/relationships" xmlns:p="http://schemas.openxmlformats.org/presentationml/2006/main" type="tx" matchingName="Title and body">
   <p:cSld name="TITLE_AND_BODY">
     <p:spTree>
       <p:nvGrpSpPr>
@@ -2829,7 +2767,6 @@
               </a:spcAft>
               <a:buNone/>
             </a:pPr>
-            <a:endParaRPr/>
           </a:p>
         </p:txBody>
       </p:sp>
@@ -2957,9 +2894,7 @@
               <a:defRPr/>
             </a:lvl9pPr>
           </a:lstStyle>
-          <a:p>
-            <a:endParaRPr/>
-          </a:p>
+          <a:p/>
         </p:txBody>
       </p:sp>
       <p:sp>
@@ -3086,9 +3021,7 @@
               <a:defRPr/>
             </a:lvl9pPr>
           </a:lstStyle>
-          <a:p>
-            <a:endParaRPr/>
-          </a:p>
+          <a:p/>
         </p:txBody>
       </p:sp>
       <p:sp>
@@ -3164,7 +3097,6 @@
             </a:pPr>
             <a:fld id="{00000000-1234-1234-1234-123412341234}" type="slidenum">
               <a:rPr lang="en-GB"/>
-              <a:t>‹#›</a:t>
             </a:fld>
             <a:endParaRPr lang="en-GB"/>
           </a:p>
@@ -3179,7 +3111,7 @@
 </file>
 
 <file path=ppt/slideLayouts/slideLayout4.xml><?xml version="1.0" encoding="utf-8"?>
-<p:sldLayout xmlns:a="http://schemas.openxmlformats.org/drawingml/2006/main" xmlns:r="http://schemas.openxmlformats.org/officeDocument/2006/relationships" xmlns:p="http://schemas.openxmlformats.org/presentationml/2006/main" matchingName="Title and two columns" type="twoColTx">
+<p:sldLayout xmlns:a="http://schemas.openxmlformats.org/drawingml/2006/main" xmlns:r="http://schemas.openxmlformats.org/officeDocument/2006/relationships" xmlns:p="http://schemas.openxmlformats.org/presentationml/2006/main" type="twoColTx" matchingName="Title and two columns">
   <p:cSld name="TITLE_AND_TWO_COLUMNS">
     <p:spTree>
       <p:nvGrpSpPr>
@@ -3319,9 +3251,7 @@
               <a:defRPr/>
             </a:lvl9pPr>
           </a:lstStyle>
-          <a:p>
-            <a:endParaRPr/>
-          </a:p>
+          <a:p/>
         </p:txBody>
       </p:sp>
       <p:sp>
@@ -3448,9 +3378,7 @@
               <a:defRPr sz="1200"/>
             </a:lvl9pPr>
           </a:lstStyle>
-          <a:p>
-            <a:endParaRPr/>
-          </a:p>
+          <a:p/>
         </p:txBody>
       </p:sp>
       <p:sp>
@@ -3577,9 +3505,7 @@
               <a:defRPr sz="1200"/>
             </a:lvl9pPr>
           </a:lstStyle>
-          <a:p>
-            <a:endParaRPr/>
-          </a:p>
+          <a:p/>
         </p:txBody>
       </p:sp>
       <p:sp>
@@ -3655,7 +3581,6 @@
             </a:pPr>
             <a:fld id="{00000000-1234-1234-1234-123412341234}" type="slidenum">
               <a:rPr lang="en-GB"/>
-              <a:t>‹#›</a:t>
             </a:fld>
             <a:endParaRPr lang="en-GB"/>
           </a:p>
@@ -3670,7 +3595,7 @@
 </file>
 
 <file path=ppt/slideLayouts/slideLayout5.xml><?xml version="1.0" encoding="utf-8"?>
-<p:sldLayout xmlns:a="http://schemas.openxmlformats.org/drawingml/2006/main" xmlns:r="http://schemas.openxmlformats.org/officeDocument/2006/relationships" xmlns:p="http://schemas.openxmlformats.org/presentationml/2006/main" matchingName="Title only" type="titleOnly">
+<p:sldLayout xmlns:a="http://schemas.openxmlformats.org/drawingml/2006/main" xmlns:r="http://schemas.openxmlformats.org/officeDocument/2006/relationships" xmlns:p="http://schemas.openxmlformats.org/presentationml/2006/main" type="titleOnly" matchingName="Title only">
   <p:cSld name="TITLE_ONLY">
     <p:spTree>
       <p:nvGrpSpPr>
@@ -3810,9 +3735,7 @@
               <a:defRPr/>
             </a:lvl9pPr>
           </a:lstStyle>
-          <a:p>
-            <a:endParaRPr/>
-          </a:p>
+          <a:p/>
         </p:txBody>
       </p:sp>
       <p:sp>
@@ -3888,7 +3811,6 @@
             </a:pPr>
             <a:fld id="{00000000-1234-1234-1234-123412341234}" type="slidenum">
               <a:rPr lang="en-GB"/>
-              <a:t>‹#›</a:t>
             </a:fld>
             <a:endParaRPr lang="en-GB"/>
           </a:p>
@@ -4043,9 +3965,7 @@
               <a:defRPr sz="3000"/>
             </a:lvl9pPr>
           </a:lstStyle>
-          <a:p>
-            <a:endParaRPr/>
-          </a:p>
+          <a:p/>
         </p:txBody>
       </p:sp>
       <p:sp>
@@ -4172,9 +4092,7 @@
               <a:defRPr sz="1200"/>
             </a:lvl9pPr>
           </a:lstStyle>
-          <a:p>
-            <a:endParaRPr/>
-          </a:p>
+          <a:p/>
         </p:txBody>
       </p:sp>
       <p:sp>
@@ -4250,7 +4168,6 @@
             </a:pPr>
             <a:fld id="{00000000-1234-1234-1234-123412341234}" type="slidenum">
               <a:rPr lang="en-GB"/>
-              <a:t>‹#›</a:t>
             </a:fld>
             <a:endParaRPr lang="en-GB"/>
           </a:p>
@@ -4317,7 +4234,6 @@
               </a:spcAft>
               <a:buNone/>
             </a:pPr>
-            <a:endParaRPr/>
           </a:p>
         </p:txBody>
       </p:sp>
@@ -4445,9 +4361,7 @@
               <a:defRPr sz="4800"/>
             </a:lvl9pPr>
           </a:lstStyle>
-          <a:p>
-            <a:endParaRPr/>
-          </a:p>
+          <a:p/>
         </p:txBody>
       </p:sp>
       <p:sp>
@@ -4523,7 +4437,6 @@
             </a:pPr>
             <a:fld id="{00000000-1234-1234-1234-123412341234}" type="slidenum">
               <a:rPr lang="en-GB"/>
-              <a:t>‹#›</a:t>
             </a:fld>
             <a:endParaRPr lang="en-GB"/>
           </a:p>
@@ -4590,7 +4503,6 @@
               </a:spcAft>
               <a:buNone/>
             </a:pPr>
-            <a:endParaRPr/>
           </a:p>
         </p:txBody>
       </p:sp>
@@ -4807,9 +4719,7 @@
               </a:defRPr>
             </a:lvl9pPr>
           </a:lstStyle>
-          <a:p>
-            <a:endParaRPr/>
-          </a:p>
+          <a:p/>
         </p:txBody>
       </p:sp>
       <p:sp>
@@ -5017,9 +4927,7 @@
               </a:defRPr>
             </a:lvl9pPr>
           </a:lstStyle>
-          <a:p>
-            <a:endParaRPr/>
-          </a:p>
+          <a:p/>
         </p:txBody>
       </p:sp>
       <p:sp>
@@ -5209,9 +5117,7 @@
               </a:defRPr>
             </a:lvl9pPr>
           </a:lstStyle>
-          <a:p>
-            <a:endParaRPr/>
-          </a:p>
+          <a:p/>
         </p:txBody>
       </p:sp>
       <p:sp>
@@ -5323,7 +5229,6 @@
             </a:pPr>
             <a:fld id="{00000000-1234-1234-1234-123412341234}" type="slidenum">
               <a:rPr lang="en-GB"/>
-              <a:t>‹#›</a:t>
             </a:fld>
             <a:endParaRPr lang="en-GB"/>
           </a:p>
@@ -5399,9 +5304,7 @@
               </a:defRPr>
             </a:lvl1pPr>
           </a:lstStyle>
-          <a:p>
-            <a:endParaRPr/>
-          </a:p>
+          <a:p/>
         </p:txBody>
       </p:sp>
       <p:sp>
@@ -5477,7 +5380,6 @@
             </a:pPr>
             <a:fld id="{00000000-1234-1234-1234-123412341234}" type="slidenum">
               <a:rPr lang="en-GB"/>
-              <a:t>‹#›</a:t>
             </a:fld>
             <a:endParaRPr lang="en-GB"/>
           </a:p>
@@ -5752,9 +5654,7 @@
               </a:defRPr>
             </a:lvl9pPr>
           </a:lstStyle>
-          <a:p>
-            <a:endParaRPr/>
-          </a:p>
+          <a:p/>
         </p:txBody>
       </p:sp>
       <p:sp>
@@ -6020,9 +5920,7 @@
               </a:defRPr>
             </a:lvl9pPr>
           </a:lstStyle>
-          <a:p>
-            <a:endParaRPr/>
-          </a:p>
+          <a:p/>
         </p:txBody>
       </p:sp>
       <p:sp>
@@ -6174,7 +6072,6 @@
             </a:pPr>
             <a:fld id="{00000000-1234-1234-1234-123412341234}" type="slidenum">
               <a:rPr lang="en-GB"/>
-              <a:t>‹#›</a:t>
             </a:fld>
             <a:endParaRPr lang="en-GB"/>
           </a:p>
@@ -6996,6 +6893,10 @@
               </a:rPr>
               <a:t>Our goal is to predict whether a meme is hateful or non-hateful. This is a binary classification problem with multimodal input data consisting of the meme image itself (the image mode) and a string representing the text in the meme image (the text mode).</a:t>
             </a:r>
+            <a:endParaRPr lang="en-US" sz="1600" dirty="0">
+              <a:latin typeface="Cambria" panose="02040503050406030204" charset="0"/>
+              <a:cs typeface="Cambria" panose="02040503050406030204" charset="0"/>
+            </a:endParaRPr>
           </a:p>
           <a:p>
             <a:pPr marL="114300" indent="0">
@@ -7005,6 +6906,7 @@
               <a:rPr lang="en-US" sz="1600" dirty="0"/>
               <a:t>	</a:t>
             </a:r>
+            <a:endParaRPr lang="en-US" sz="1600" dirty="0"/>
           </a:p>
           <a:p>
             <a:pPr marL="114300" indent="0">
@@ -7041,6 +6943,224 @@
 </file>
 
 <file path=ppt/slides/slide10.xml><?xml version="1.0" encoding="utf-8"?>
+<p:sld xmlns:a="http://schemas.openxmlformats.org/drawingml/2006/main" xmlns:r="http://schemas.openxmlformats.org/officeDocument/2006/relationships" xmlns:p="http://schemas.openxmlformats.org/presentationml/2006/main">
+  <p:cSld>
+    <p:spTree>
+      <p:nvGrpSpPr>
+        <p:cNvPr id="1" name="Shape 61"/>
+        <p:cNvGrpSpPr/>
+        <p:nvPr/>
+      </p:nvGrpSpPr>
+      <p:grpSpPr>
+        <a:xfrm>
+          <a:off x="0" y="0"/>
+          <a:ext cx="0" cy="0"/>
+          <a:chOff x="0" y="0"/>
+          <a:chExt cx="0" cy="0"/>
+        </a:xfrm>
+      </p:grpSpPr>
+      <p:sp>
+        <p:nvSpPr>
+          <p:cNvPr id="62" name="Google Shape;62;p13"/>
+          <p:cNvSpPr txBox="1">
+            <a:spLocks noGrp="1"/>
+          </p:cNvSpPr>
+          <p:nvPr>
+            <p:ph type="ctrTitle"/>
+          </p:nvPr>
+        </p:nvSpPr>
+        <p:spPr>
+          <a:xfrm>
+            <a:off x="2461260" y="2052955"/>
+            <a:ext cx="4420870" cy="1010920"/>
+          </a:xfrm>
+          <a:prstGeom prst="rect">
+            <a:avLst/>
+          </a:prstGeom>
+        </p:spPr>
+        <p:txBody>
+          <a:bodyPr spcFirstLastPara="1" wrap="square" lIns="91425" tIns="91425" rIns="91425" bIns="91425" anchor="b" anchorCtr="0">
+            <a:noAutofit/>
+          </a:bodyPr>
+          <a:lstStyle/>
+          <a:p>
+            <a:pPr marL="0" lvl="0" indent="0" algn="ctr" rtl="0">
+              <a:spcBef>
+                <a:spcPts val="0"/>
+              </a:spcBef>
+              <a:spcAft>
+                <a:spcPts val="0"/>
+              </a:spcAft>
+              <a:buNone/>
+            </a:pPr>
+            <a:r>
+              <a:rPr sz="2400">
+                <a:latin typeface="Times New Roman" panose="02020603050405020304" charset="0"/>
+                <a:cs typeface="Times New Roman" panose="02020603050405020304" charset="0"/>
+              </a:rPr>
+              <a:t>Leveraging Visual Question Answering for</a:t>
+            </a:r>
+            <a:br>
+              <a:rPr sz="2400">
+                <a:latin typeface="Times New Roman" panose="02020603050405020304" charset="0"/>
+                <a:cs typeface="Times New Roman" panose="02020603050405020304" charset="0"/>
+              </a:rPr>
+            </a:br>
+            <a:r>
+              <a:rPr sz="2400">
+                <a:latin typeface="Times New Roman" panose="02020603050405020304" charset="0"/>
+                <a:cs typeface="Times New Roman" panose="02020603050405020304" charset="0"/>
+              </a:rPr>
+              <a:t>Image-Caption Ranking</a:t>
+            </a:r>
+            <a:endParaRPr sz="2400">
+              <a:latin typeface="Times New Roman" panose="02020603050405020304" charset="0"/>
+              <a:cs typeface="Times New Roman" panose="02020603050405020304" charset="0"/>
+            </a:endParaRPr>
+          </a:p>
+        </p:txBody>
+      </p:sp>
+      <p:sp>
+        <p:nvSpPr>
+          <p:cNvPr id="3" name="Text Box 0"/>
+          <p:cNvSpPr txBox="1"/>
+          <p:nvPr/>
+        </p:nvSpPr>
+        <p:spPr>
+          <a:xfrm>
+            <a:off x="2683510" y="3310255"/>
+            <a:ext cx="3316605" cy="706755"/>
+          </a:xfrm>
+          <a:prstGeom prst="rect">
+            <a:avLst/>
+          </a:prstGeom>
+          <a:noFill/>
+        </p:spPr>
+        <p:txBody>
+          <a:bodyPr wrap="none" rtlCol="0">
+            <a:spAutoFit/>
+          </a:bodyPr>
+          <a:lstStyle/>
+          <a:p>
+            <a:pPr algn="l"/>
+            <a:r>
+              <a:rPr lang="en-US" sz="1000">
+                <a:latin typeface="Times New Roman" panose="02020603050405020304" charset="0"/>
+                <a:cs typeface="Times New Roman" panose="02020603050405020304" charset="0"/>
+              </a:rPr>
+              <a:t>Xiao Lin Devi Parikh</a:t>
+            </a:r>
+            <a:endParaRPr lang="en-US" sz="1000">
+              <a:latin typeface="Times New Roman" panose="02020603050405020304" charset="0"/>
+              <a:cs typeface="Times New Roman" panose="02020603050405020304" charset="0"/>
+            </a:endParaRPr>
+          </a:p>
+          <a:p>
+            <a:pPr algn="l"/>
+            <a:r>
+              <a:rPr lang="en-US" sz="1000">
+                <a:latin typeface="Times New Roman" panose="02020603050405020304" charset="0"/>
+                <a:cs typeface="Times New Roman" panose="02020603050405020304" charset="0"/>
+              </a:rPr>
+              <a:t>Bradley Department of Electrical and Computer Engineering,</a:t>
+            </a:r>
+            <a:endParaRPr lang="en-US" sz="1000">
+              <a:latin typeface="Times New Roman" panose="02020603050405020304" charset="0"/>
+              <a:cs typeface="Times New Roman" panose="02020603050405020304" charset="0"/>
+            </a:endParaRPr>
+          </a:p>
+          <a:p>
+            <a:pPr algn="l"/>
+            <a:r>
+              <a:rPr lang="en-US" sz="1000">
+                <a:latin typeface="Times New Roman" panose="02020603050405020304" charset="0"/>
+                <a:cs typeface="Times New Roman" panose="02020603050405020304" charset="0"/>
+              </a:rPr>
+              <a:t>Virginia Tech</a:t>
+            </a:r>
+            <a:endParaRPr lang="en-US" sz="1000">
+              <a:latin typeface="Times New Roman" panose="02020603050405020304" charset="0"/>
+              <a:cs typeface="Times New Roman" panose="02020603050405020304" charset="0"/>
+            </a:endParaRPr>
+          </a:p>
+          <a:p>
+            <a:pPr algn="l"/>
+            <a:r>
+              <a:rPr lang="en-US" sz="1000">
+                <a:latin typeface="Times New Roman" panose="02020603050405020304" charset="0"/>
+                <a:cs typeface="Times New Roman" panose="02020603050405020304" charset="0"/>
+              </a:rPr>
+              <a:t>{linxiao,parikh}@vt.edu</a:t>
+            </a:r>
+            <a:endParaRPr lang="en-US" sz="1000">
+              <a:latin typeface="Times New Roman" panose="02020603050405020304" charset="0"/>
+              <a:cs typeface="Times New Roman" panose="02020603050405020304" charset="0"/>
+            </a:endParaRPr>
+          </a:p>
+        </p:txBody>
+      </p:sp>
+      <p:graphicFrame>
+        <p:nvGraphicFramePr>
+          <p:cNvPr id="2" name="Object 1">
+            <a:hlinkClick r:id="" action="ppaction://ole?verb=0"/>
+          </p:cNvPr>
+          <p:cNvGraphicFramePr>
+            <a:graphicFrameLocks noChangeAspect="1"/>
+          </p:cNvGraphicFramePr>
+          <p:nvPr/>
+        </p:nvGraphicFramePr>
+        <p:xfrm>
+          <a:off x="4114800" y="2463800"/>
+          <a:ext cx="914400" cy="215900"/>
+        </p:xfrm>
+        <a:graphic>
+          <a:graphicData uri="http://schemas.openxmlformats.org/presentationml/2006/ole">
+            <mc:AlternateContent xmlns:mc="http://schemas.openxmlformats.org/markup-compatibility/2006">
+              <mc:Choice xmlns:v="urn:schemas-microsoft-com:vml" Requires="v">
+                <p:oleObj spid="_x0000_s1035" name="" r:id="rId1" imgW="914400" imgH="215900" progId="Equation.KSEE3">
+                  <p:embed/>
+                </p:oleObj>
+              </mc:Choice>
+              <mc:Fallback>
+                <p:oleObj name="" r:id="rId1" imgW="914400" imgH="215900" progId="Equation.KSEE3">
+                  <p:embed/>
+                  <p:pic>
+                    <p:nvPicPr>
+                      <p:cNvPr id="0" name="Picture 1024"/>
+                      <p:cNvPicPr/>
+                      <p:nvPr/>
+                    </p:nvPicPr>
+                    <p:blipFill>
+                      <a:blip r:embed="rId2"/>
+                      <a:stretch>
+                        <a:fillRect/>
+                      </a:stretch>
+                    </p:blipFill>
+                    <p:spPr>
+                      <a:xfrm>
+                        <a:off x="4114800" y="2463800"/>
+                        <a:ext cx="914400" cy="215900"/>
+                      </a:xfrm>
+                      <a:prstGeom prst="rect">
+                        <a:avLst/>
+                      </a:prstGeom>
+                    </p:spPr>
+                  </p:pic>
+                </p:oleObj>
+              </mc:Fallback>
+            </mc:AlternateContent>
+          </a:graphicData>
+        </a:graphic>
+      </p:graphicFrame>
+    </p:spTree>
+  </p:cSld>
+  <p:clrMapOvr>
+    <a:masterClrMapping/>
+  </p:clrMapOvr>
+</p:sld>
+</file>
+
+<file path=ppt/slides/slide11.xml><?xml version="1.0" encoding="utf-8"?>
 <p:sld xmlns:a="http://schemas.openxmlformats.org/drawingml/2006/main" xmlns:r="http://schemas.openxmlformats.org/officeDocument/2006/relationships" xmlns:p="http://schemas.openxmlformats.org/presentationml/2006/main">
   <p:cSld>
     <p:spTree>
@@ -7066,7 +7186,7 @@
           <p:nvPr/>
         </p:nvPicPr>
         <p:blipFill>
-          <a:blip r:embed="rId2"/>
+          <a:blip r:embed="rId1"/>
           <a:stretch>
             <a:fillRect/>
           </a:stretch>
@@ -7089,7 +7209,7 @@
 </p:sld>
 </file>
 
-<file path=ppt/slides/slide11.xml><?xml version="1.0" encoding="utf-8"?>
+<file path=ppt/slides/slide12.xml><?xml version="1.0" encoding="utf-8"?>
 <p:sld xmlns:a="http://schemas.openxmlformats.org/drawingml/2006/main" xmlns:r="http://schemas.openxmlformats.org/officeDocument/2006/relationships" xmlns:p="http://schemas.openxmlformats.org/presentationml/2006/main">
   <p:cSld>
     <p:spTree>
@@ -7174,6 +7294,10 @@
               </a:rPr>
               <a:t>Realizing that a batter up at the plate would imply that a  player is </a:t>
             </a:r>
+            <a:endParaRPr lang="en-US" sz="1085">
+              <a:latin typeface="Times New Roman" panose="02020603050405020304" charset="0"/>
+              <a:cs typeface="Times New Roman" panose="02020603050405020304" charset="0"/>
+            </a:endParaRPr>
           </a:p>
           <a:p>
             <a:pPr marL="1200150" lvl="2" indent="-171450">
@@ -7190,6 +7314,10 @@
               </a:rPr>
               <a:t>holding a bat</a:t>
             </a:r>
+            <a:endParaRPr lang="en-US" sz="1200">
+              <a:latin typeface="Times New Roman" panose="02020603050405020304" charset="0"/>
+              <a:cs typeface="Times New Roman" panose="02020603050405020304" charset="0"/>
+            </a:endParaRPr>
           </a:p>
           <a:p>
             <a:pPr marL="1200150" lvl="2" indent="-171450">
@@ -7206,6 +7334,10 @@
               </a:rPr>
               <a:t>posing to hit the baseball</a:t>
             </a:r>
+            <a:endParaRPr lang="en-US" sz="1200">
+              <a:latin typeface="Times New Roman" panose="02020603050405020304" charset="0"/>
+              <a:cs typeface="Times New Roman" panose="02020603050405020304" charset="0"/>
+            </a:endParaRPr>
           </a:p>
           <a:p>
             <a:pPr marL="1200150" lvl="2" indent="-171450">
@@ -7235,6 +7367,10 @@
               </a:rPr>
               <a:t>catch the ball</a:t>
             </a:r>
+            <a:endParaRPr lang="en-US" sz="1200">
+              <a:latin typeface="Times New Roman" panose="02020603050405020304" charset="0"/>
+              <a:cs typeface="Times New Roman" panose="02020603050405020304" charset="0"/>
+            </a:endParaRPr>
           </a:p>
         </p:txBody>
       </p:sp>
@@ -7247,7 +7383,7 @@
           <p:nvPr/>
         </p:nvPicPr>
         <p:blipFill>
-          <a:blip r:embed="rId2"/>
+          <a:blip r:embed="rId1"/>
           <a:stretch>
             <a:fillRect/>
           </a:stretch>
@@ -7256,192 +7392,6 @@
           <a:xfrm>
             <a:off x="5186045" y="1035685"/>
             <a:ext cx="3032760" cy="3543300"/>
-          </a:xfrm>
-          <a:prstGeom prst="rect">
-            <a:avLst/>
-          </a:prstGeom>
-        </p:spPr>
-      </p:pic>
-    </p:spTree>
-  </p:cSld>
-  <p:clrMapOvr>
-    <a:masterClrMapping/>
-  </p:clrMapOvr>
-</p:sld>
-</file>
-
-<file path=ppt/slides/slide12.xml><?xml version="1.0" encoding="utf-8"?>
-<p:sld xmlns:a="http://schemas.openxmlformats.org/drawingml/2006/main" xmlns:r="http://schemas.openxmlformats.org/officeDocument/2006/relationships" xmlns:p="http://schemas.openxmlformats.org/presentationml/2006/main">
-  <p:cSld>
-    <p:spTree>
-      <p:nvGrpSpPr>
-        <p:cNvPr id="1" name=""/>
-        <p:cNvGrpSpPr/>
-        <p:nvPr/>
-      </p:nvGrpSpPr>
-      <p:grpSpPr>
-        <a:xfrm>
-          <a:off x="0" y="0"/>
-          <a:ext cx="0" cy="0"/>
-          <a:chOff x="0" y="0"/>
-          <a:chExt cx="0" cy="0"/>
-        </a:xfrm>
-      </p:grpSpPr>
-      <p:sp>
-        <p:nvSpPr>
-          <p:cNvPr id="2" name="Title 1"/>
-          <p:cNvSpPr>
-            <a:spLocks noGrp="1"/>
-          </p:cNvSpPr>
-          <p:nvPr>
-            <p:ph type="title"/>
-          </p:nvPr>
-        </p:nvSpPr>
-        <p:spPr/>
-        <p:txBody>
-          <a:bodyPr/>
-          <a:lstStyle/>
-          <a:p>
-            <a:r>
-              <a:rPr lang="en-US">
-                <a:latin typeface="Times New Roman" panose="02020603050405020304" charset="0"/>
-                <a:cs typeface="Times New Roman" panose="02020603050405020304" charset="0"/>
-              </a:rPr>
-              <a:t>Image caption ranking</a:t>
-            </a:r>
-          </a:p>
-        </p:txBody>
-      </p:sp>
-      <p:sp>
-        <p:nvSpPr>
-          <p:cNvPr id="3" name="Text Placeholder 2"/>
-          <p:cNvSpPr>
-            <a:spLocks noGrp="1"/>
-          </p:cNvSpPr>
-          <p:nvPr>
-            <p:ph type="body" idx="1"/>
-          </p:nvPr>
-        </p:nvSpPr>
-        <p:spPr/>
-        <p:txBody>
-          <a:bodyPr/>
-          <a:lstStyle/>
-          <a:p>
-            <a:pPr>
-              <a:buFont typeface="Arial" panose="020B0604020202020204" pitchFamily="34" charset="0"/>
-              <a:buChar char="•"/>
-            </a:pPr>
-            <a:r>
-              <a:rPr lang="en-US" sz="1400">
-                <a:latin typeface="Times New Roman" panose="02020603050405020304" charset="0"/>
-                <a:cs typeface="Times New Roman" panose="02020603050405020304" charset="0"/>
-              </a:rPr>
-              <a:t>The image-caption ranking task is to retrieve relevant images given a query caption and relevant captions given a query image.</a:t>
-            </a:r>
-          </a:p>
-          <a:p>
-            <a:pPr>
-              <a:buFont typeface="Arial" panose="020B0604020202020204" pitchFamily="34" charset="0"/>
-              <a:buChar char="•"/>
-            </a:pPr>
-            <a:r>
-              <a:rPr lang="en-US" sz="1400">
-                <a:latin typeface="Times New Roman" panose="02020603050405020304" charset="0"/>
-                <a:cs typeface="Times New Roman" panose="02020603050405020304" charset="0"/>
-              </a:rPr>
-              <a:t> During training we are given image-caption pairs (I, C) </a:t>
-            </a:r>
-          </a:p>
-          <a:p>
-            <a:pPr lvl="1">
-              <a:buSzPct val="50000"/>
-              <a:buFont typeface="Arial" panose="020B0604020202020204" pitchFamily="34" charset="0"/>
-              <a:buChar char="•"/>
-            </a:pPr>
-            <a:r>
-              <a:rPr lang="en-US" sz="1000">
-                <a:latin typeface="Times New Roman" panose="02020603050405020304" charset="0"/>
-                <a:cs typeface="Times New Roman" panose="02020603050405020304" charset="0"/>
-              </a:rPr>
-              <a:t>For each pair we sample K - 1 other images in addition to I so the image</a:t>
-            </a:r>
-            <a:br>
-              <a:rPr lang="en-US" sz="1000">
-                <a:latin typeface="Times New Roman" panose="02020603050405020304" charset="0"/>
-                <a:cs typeface="Times New Roman" panose="02020603050405020304" charset="0"/>
-              </a:rPr>
-            </a:br>
-            <a:r>
-              <a:rPr lang="en-US" sz="1000">
-                <a:latin typeface="Times New Roman" panose="02020603050405020304" charset="0"/>
-                <a:cs typeface="Times New Roman" panose="02020603050405020304" charset="0"/>
-              </a:rPr>
-              <a:t>retrieval task becomes retrieving I from K images given caption C. </a:t>
-            </a:r>
-          </a:p>
-          <a:p>
-            <a:pPr lvl="1">
-              <a:buSzPct val="50000"/>
-              <a:buFont typeface="Arial" panose="020B0604020202020204" pitchFamily="34" charset="0"/>
-              <a:buChar char="•"/>
-            </a:pPr>
-            <a:r>
-              <a:rPr lang="en-US" sz="1000">
-                <a:latin typeface="Times New Roman" panose="02020603050405020304" charset="0"/>
-                <a:cs typeface="Times New Roman" panose="02020603050405020304" charset="0"/>
-              </a:rPr>
-              <a:t>We also sample K-1 random captions in addition to C so the caption retrieval task becomes retrieving C from K given image I.</a:t>
-            </a:r>
-          </a:p>
-          <a:p>
-            <a:pPr>
-              <a:buFont typeface="Arial" panose="020B0604020202020204" pitchFamily="34" charset="0"/>
-              <a:buChar char="•"/>
-            </a:pPr>
-            <a:r>
-              <a:rPr lang="en-US" sz="1000">
-                <a:latin typeface="Times New Roman" panose="02020603050405020304" charset="0"/>
-                <a:cs typeface="Times New Roman" panose="02020603050405020304" charset="0"/>
-                <a:sym typeface="+mn-ea"/>
-              </a:rPr>
-              <a:t>The image-caption ranking models learn a ranking scoring function S(I, C) such that the corresponding retrieval probabilities are maximised:</a:t>
-            </a:r>
-            <a:endParaRPr lang="en-US" sz="1000">
-              <a:latin typeface="Times New Roman" panose="02020603050405020304" charset="0"/>
-              <a:cs typeface="Times New Roman" panose="02020603050405020304" charset="0"/>
-            </a:endParaRPr>
-          </a:p>
-          <a:p>
-            <a:pPr lvl="1">
-              <a:buSzPct val="50000"/>
-              <a:buFont typeface="Arial" panose="020B0604020202020204" pitchFamily="34" charset="0"/>
-              <a:buChar char="•"/>
-            </a:pPr>
-            <a:endParaRPr lang="en-US" sz="1000">
-              <a:latin typeface="Times New Roman" panose="02020603050405020304" charset="0"/>
-              <a:cs typeface="Times New Roman" panose="02020603050405020304" charset="0"/>
-            </a:endParaRPr>
-          </a:p>
-        </p:txBody>
-      </p:sp>
-      <p:pic>
-        <p:nvPicPr>
-          <p:cNvPr id="4" name="Picture 3"/>
-          <p:cNvPicPr>
-            <a:picLocks noChangeAspect="1"/>
-          </p:cNvPicPr>
-          <p:nvPr/>
-        </p:nvPicPr>
-        <p:blipFill>
-          <a:blip r:embed="rId2"/>
-          <a:stretch>
-            <a:fillRect/>
-          </a:stretch>
-        </p:blipFill>
-        <p:spPr>
-          <a:xfrm>
-            <a:off x="2001520" y="3622040"/>
-            <a:ext cx="3820160" cy="648970"/>
           </a:xfrm>
           <a:prstGeom prst="rect">
             <a:avLst/>
@@ -7492,6 +7442,212 @@
               <a:rPr lang="en-US">
                 <a:latin typeface="Times New Roman" panose="02020603050405020304" charset="0"/>
                 <a:cs typeface="Times New Roman" panose="02020603050405020304" charset="0"/>
+              </a:rPr>
+              <a:t>Image caption ranking</a:t>
+            </a:r>
+            <a:endParaRPr lang="en-US">
+              <a:latin typeface="Times New Roman" panose="02020603050405020304" charset="0"/>
+              <a:cs typeface="Times New Roman" panose="02020603050405020304" charset="0"/>
+            </a:endParaRPr>
+          </a:p>
+        </p:txBody>
+      </p:sp>
+      <p:sp>
+        <p:nvSpPr>
+          <p:cNvPr id="3" name="Text Placeholder 2"/>
+          <p:cNvSpPr>
+            <a:spLocks noGrp="1"/>
+          </p:cNvSpPr>
+          <p:nvPr>
+            <p:ph type="body" idx="1"/>
+          </p:nvPr>
+        </p:nvSpPr>
+        <p:spPr/>
+        <p:txBody>
+          <a:bodyPr/>
+          <a:lstStyle/>
+          <a:p>
+            <a:pPr>
+              <a:buFont typeface="Arial" panose="020B0604020202020204" pitchFamily="34" charset="0"/>
+              <a:buChar char="•"/>
+            </a:pPr>
+            <a:r>
+              <a:rPr lang="en-US" sz="1400">
+                <a:latin typeface="Times New Roman" panose="02020603050405020304" charset="0"/>
+                <a:cs typeface="Times New Roman" panose="02020603050405020304" charset="0"/>
+              </a:rPr>
+              <a:t>The image-caption ranking task is to retrieve relevant images given a query caption and relevant captions given a query image.</a:t>
+            </a:r>
+            <a:endParaRPr lang="en-US" sz="1400">
+              <a:latin typeface="Times New Roman" panose="02020603050405020304" charset="0"/>
+              <a:cs typeface="Times New Roman" panose="02020603050405020304" charset="0"/>
+            </a:endParaRPr>
+          </a:p>
+          <a:p>
+            <a:pPr>
+              <a:buFont typeface="Arial" panose="020B0604020202020204" pitchFamily="34" charset="0"/>
+              <a:buChar char="•"/>
+            </a:pPr>
+            <a:r>
+              <a:rPr lang="en-US" sz="1400">
+                <a:latin typeface="Times New Roman" panose="02020603050405020304" charset="0"/>
+                <a:cs typeface="Times New Roman" panose="02020603050405020304" charset="0"/>
+              </a:rPr>
+              <a:t> During training we are given image-caption pairs (I, C) </a:t>
+            </a:r>
+            <a:endParaRPr lang="en-US" sz="1400">
+              <a:latin typeface="Times New Roman" panose="02020603050405020304" charset="0"/>
+              <a:cs typeface="Times New Roman" panose="02020603050405020304" charset="0"/>
+            </a:endParaRPr>
+          </a:p>
+          <a:p>
+            <a:pPr lvl="1">
+              <a:buSzPct val="50000"/>
+              <a:buFont typeface="Arial" panose="020B0604020202020204" pitchFamily="34" charset="0"/>
+              <a:buChar char="•"/>
+            </a:pPr>
+            <a:r>
+              <a:rPr lang="en-US" sz="1000">
+                <a:latin typeface="Times New Roman" panose="02020603050405020304" charset="0"/>
+                <a:cs typeface="Times New Roman" panose="02020603050405020304" charset="0"/>
+              </a:rPr>
+              <a:t>For each pair we sample K - 1 other images in addition to I so the image</a:t>
+            </a:r>
+            <a:br>
+              <a:rPr lang="en-US" sz="1000">
+                <a:latin typeface="Times New Roman" panose="02020603050405020304" charset="0"/>
+                <a:cs typeface="Times New Roman" panose="02020603050405020304" charset="0"/>
+              </a:rPr>
+            </a:br>
+            <a:r>
+              <a:rPr lang="en-US" sz="1000">
+                <a:latin typeface="Times New Roman" panose="02020603050405020304" charset="0"/>
+                <a:cs typeface="Times New Roman" panose="02020603050405020304" charset="0"/>
+              </a:rPr>
+              <a:t>retrieval task becomes retrieving I from K images given caption C. </a:t>
+            </a:r>
+            <a:endParaRPr lang="en-US" sz="1000">
+              <a:latin typeface="Times New Roman" panose="02020603050405020304" charset="0"/>
+              <a:cs typeface="Times New Roman" panose="02020603050405020304" charset="0"/>
+            </a:endParaRPr>
+          </a:p>
+          <a:p>
+            <a:pPr lvl="1">
+              <a:buSzPct val="50000"/>
+              <a:buFont typeface="Arial" panose="020B0604020202020204" pitchFamily="34" charset="0"/>
+              <a:buChar char="•"/>
+            </a:pPr>
+            <a:r>
+              <a:rPr lang="en-US" sz="1000">
+                <a:latin typeface="Times New Roman" panose="02020603050405020304" charset="0"/>
+                <a:cs typeface="Times New Roman" panose="02020603050405020304" charset="0"/>
+              </a:rPr>
+              <a:t>We also sample K-1 random captions in addition to C so the caption retrieval task becomes retrieving C from K given image I.</a:t>
+            </a:r>
+            <a:endParaRPr lang="en-US" sz="1000">
+              <a:latin typeface="Times New Roman" panose="02020603050405020304" charset="0"/>
+              <a:cs typeface="Times New Roman" panose="02020603050405020304" charset="0"/>
+            </a:endParaRPr>
+          </a:p>
+          <a:p>
+            <a:pPr>
+              <a:buFont typeface="Arial" panose="020B0604020202020204" pitchFamily="34" charset="0"/>
+              <a:buChar char="•"/>
+            </a:pPr>
+            <a:r>
+              <a:rPr lang="en-US" sz="1000">
+                <a:latin typeface="Times New Roman" panose="02020603050405020304" charset="0"/>
+                <a:cs typeface="Times New Roman" panose="02020603050405020304" charset="0"/>
+                <a:sym typeface="+mn-ea"/>
+              </a:rPr>
+              <a:t>The image-caption ranking models learn a ranking scoring function S(I, C) such that the corresponding retrieval probabilities are maximised:</a:t>
+            </a:r>
+            <a:endParaRPr lang="en-US" sz="1000">
+              <a:latin typeface="Times New Roman" panose="02020603050405020304" charset="0"/>
+              <a:cs typeface="Times New Roman" panose="02020603050405020304" charset="0"/>
+            </a:endParaRPr>
+          </a:p>
+          <a:p>
+            <a:pPr lvl="1">
+              <a:buSzPct val="50000"/>
+              <a:buFont typeface="Arial" panose="020B0604020202020204" pitchFamily="34" charset="0"/>
+              <a:buChar char="•"/>
+            </a:pPr>
+            <a:endParaRPr lang="en-US" sz="1000">
+              <a:latin typeface="Times New Roman" panose="02020603050405020304" charset="0"/>
+              <a:cs typeface="Times New Roman" panose="02020603050405020304" charset="0"/>
+            </a:endParaRPr>
+          </a:p>
+        </p:txBody>
+      </p:sp>
+      <p:pic>
+        <p:nvPicPr>
+          <p:cNvPr id="4" name="Picture 3"/>
+          <p:cNvPicPr>
+            <a:picLocks noChangeAspect="1"/>
+          </p:cNvPicPr>
+          <p:nvPr/>
+        </p:nvPicPr>
+        <p:blipFill>
+          <a:blip r:embed="rId1"/>
+          <a:stretch>
+            <a:fillRect/>
+          </a:stretch>
+        </p:blipFill>
+        <p:spPr>
+          <a:xfrm>
+            <a:off x="2001520" y="3622040"/>
+            <a:ext cx="3820160" cy="648970"/>
+          </a:xfrm>
+          <a:prstGeom prst="rect">
+            <a:avLst/>
+          </a:prstGeom>
+        </p:spPr>
+      </p:pic>
+    </p:spTree>
+  </p:cSld>
+  <p:clrMapOvr>
+    <a:masterClrMapping/>
+  </p:clrMapOvr>
+</p:sld>
+</file>
+
+<file path=ppt/slides/slide14.xml><?xml version="1.0" encoding="utf-8"?>
+<p:sld xmlns:a="http://schemas.openxmlformats.org/drawingml/2006/main" xmlns:r="http://schemas.openxmlformats.org/officeDocument/2006/relationships" xmlns:p="http://schemas.openxmlformats.org/presentationml/2006/main">
+  <p:cSld>
+    <p:spTree>
+      <p:nvGrpSpPr>
+        <p:cNvPr id="1" name=""/>
+        <p:cNvGrpSpPr/>
+        <p:nvPr/>
+      </p:nvGrpSpPr>
+      <p:grpSpPr>
+        <a:xfrm>
+          <a:off x="0" y="0"/>
+          <a:ext cx="0" cy="0"/>
+          <a:chOff x="0" y="0"/>
+          <a:chExt cx="0" cy="0"/>
+        </a:xfrm>
+      </p:grpSpPr>
+      <p:sp>
+        <p:nvSpPr>
+          <p:cNvPr id="2" name="Title 1"/>
+          <p:cNvSpPr>
+            <a:spLocks noGrp="1"/>
+          </p:cNvSpPr>
+          <p:nvPr>
+            <p:ph type="title"/>
+          </p:nvPr>
+        </p:nvSpPr>
+        <p:spPr/>
+        <p:txBody>
+          <a:bodyPr/>
+          <a:lstStyle/>
+          <a:p>
+            <a:r>
+              <a:rPr lang="en-US">
+                <a:latin typeface="Times New Roman" panose="02020603050405020304" charset="0"/>
+                <a:cs typeface="Times New Roman" panose="02020603050405020304" charset="0"/>
                 <a:sym typeface="+mn-ea"/>
               </a:rPr>
               <a:t>Baseline model</a:t>
@@ -7534,6 +7690,10 @@
               </a:rPr>
               <a:t>Model  projects </a:t>
             </a:r>
+            <a:endParaRPr lang="en-US" dirty="0">
+              <a:latin typeface="Times New Roman" panose="02020603050405020304" charset="0"/>
+              <a:cs typeface="Times New Roman" panose="02020603050405020304" charset="0"/>
+            </a:endParaRPr>
           </a:p>
           <a:p>
             <a:pPr marL="114300" indent="0">
@@ -7581,6 +7741,10 @@
               </a:rPr>
               <a:t> for image I </a:t>
             </a:r>
+            <a:endParaRPr lang="en-US" dirty="0">
+              <a:latin typeface="Times New Roman" panose="02020603050405020304" charset="0"/>
+              <a:cs typeface="Times New Roman" panose="02020603050405020304" charset="0"/>
+            </a:endParaRPr>
           </a:p>
           <a:p>
             <a:pPr marL="114300" indent="0">
@@ -7628,6 +7792,10 @@
               </a:rPr>
               <a:t> for caption C </a:t>
             </a:r>
+            <a:endParaRPr lang="en-US" dirty="0">
+              <a:latin typeface="Times New Roman" panose="02020603050405020304" charset="0"/>
+              <a:cs typeface="Times New Roman" panose="02020603050405020304" charset="0"/>
+            </a:endParaRPr>
           </a:p>
           <a:p>
             <a:pPr marL="114300" indent="0">
@@ -7710,6 +7878,10 @@
               </a:rPr>
               <a:t> :</a:t>
             </a:r>
+            <a:endParaRPr lang="en-US" dirty="0">
+              <a:latin typeface="Times New Roman" panose="02020603050405020304" charset="0"/>
+              <a:cs typeface="Times New Roman" panose="02020603050405020304" charset="0"/>
+            </a:endParaRPr>
           </a:p>
           <a:p>
             <a:pPr>
@@ -7812,6 +7984,10 @@
               </a:rPr>
               <a:t> &gt;.</a:t>
             </a:r>
+            <a:endParaRPr lang="en-US" dirty="0">
+              <a:latin typeface="Times New Roman" panose="02020603050405020304" charset="0"/>
+              <a:cs typeface="Times New Roman" panose="02020603050405020304" charset="0"/>
+            </a:endParaRPr>
           </a:p>
           <a:p>
             <a:pPr marL="114300" indent="0">
@@ -7846,7 +8022,7 @@
           <p:nvPr/>
         </p:nvPicPr>
         <p:blipFill>
-          <a:blip r:embed="rId2"/>
+          <a:blip r:embed="rId1"/>
           <a:stretch>
             <a:fillRect/>
           </a:stretch>
@@ -7869,7 +8045,7 @@
 </p:sld>
 </file>
 
-<file path=ppt/slides/slide14.xml><?xml version="1.0" encoding="utf-8"?>
+<file path=ppt/slides/slide15.xml><?xml version="1.0" encoding="utf-8"?>
 <p:sld xmlns:a="http://schemas.openxmlformats.org/drawingml/2006/main" xmlns:r="http://schemas.openxmlformats.org/officeDocument/2006/relationships" xmlns:p="http://schemas.openxmlformats.org/presentationml/2006/main">
   <p:cSld>
     <p:spTree>
@@ -7927,6 +8103,10 @@
               </a:rPr>
               <a:t>VQA</a:t>
             </a:r>
+            <a:endParaRPr>
+              <a:latin typeface="Times New Roman" panose="02020603050405020304" charset="0"/>
+              <a:cs typeface="Times New Roman" panose="02020603050405020304" charset="0"/>
+            </a:endParaRPr>
           </a:p>
         </p:txBody>
       </p:sp>
@@ -7985,6 +8165,10 @@
               </a:rPr>
               <a:t>about I, generating a natural language answer A to that question.</a:t>
             </a:r>
+            <a:endParaRPr>
+              <a:latin typeface="Times New Roman" panose="02020603050405020304" charset="0"/>
+              <a:cs typeface="Times New Roman" panose="02020603050405020304" charset="0"/>
+            </a:endParaRPr>
           </a:p>
           <a:p>
             <a:pPr marL="285750" lvl="0" indent="-285750" algn="l" rtl="0">
@@ -8017,6 +8201,10 @@
               </a:rPr>
               <a:t>Q about the image, then generates an answer A.</a:t>
             </a:r>
+            <a:endParaRPr>
+              <a:latin typeface="Times New Roman" panose="02020603050405020304" charset="0"/>
+              <a:cs typeface="Times New Roman" panose="02020603050405020304" charset="0"/>
+            </a:endParaRPr>
           </a:p>
           <a:p>
             <a:pPr marL="285750" lvl="0" indent="-285750" algn="l" rtl="0">
@@ -8050,6 +8238,10 @@
               </a:rPr>
               <a:t>he generated answers are evaluated using </a:t>
             </a:r>
+            <a:endParaRPr>
+              <a:latin typeface="Times New Roman" panose="02020603050405020304" charset="0"/>
+              <a:cs typeface="Times New Roman" panose="02020603050405020304" charset="0"/>
+            </a:endParaRPr>
           </a:p>
           <a:p>
             <a:pPr marL="742950" lvl="1" indent="-285750" algn="l" rtl="0">
@@ -8111,6 +8303,10 @@
               </a:rPr>
               <a:t> , 1). </a:t>
             </a:r>
+            <a:endParaRPr>
+              <a:latin typeface="Times New Roman" panose="02020603050405020304" charset="0"/>
+              <a:cs typeface="Times New Roman" panose="02020603050405020304" charset="0"/>
+            </a:endParaRPr>
           </a:p>
           <a:p>
             <a:pPr marL="742950" lvl="1" indent="-285750" algn="l" rtl="0">
@@ -8130,6 +8326,10 @@
               </a:rPr>
               <a:t>That is, A is 100% correct if at least 3 humans (out of 10) provide the answer A.</a:t>
             </a:r>
+            <a:endParaRPr>
+              <a:latin typeface="Times New Roman" panose="02020603050405020304" charset="0"/>
+              <a:cs typeface="Times New Roman" panose="02020603050405020304" charset="0"/>
+            </a:endParaRPr>
           </a:p>
         </p:txBody>
       </p:sp>
@@ -8141,7 +8341,7 @@
 </p:sld>
 </file>
 
-<file path=ppt/slides/slide15.xml><?xml version="1.0" encoding="utf-8"?>
+<file path=ppt/slides/slide16.xml><?xml version="1.0" encoding="utf-8"?>
 <p:sld xmlns:a="http://schemas.openxmlformats.org/drawingml/2006/main" xmlns:r="http://schemas.openxmlformats.org/officeDocument/2006/relationships" xmlns:p="http://schemas.openxmlformats.org/presentationml/2006/main">
   <p:cSld>
     <p:spTree>
@@ -8254,6 +8454,10 @@
               </a:rPr>
               <a:t>mage I,</a:t>
             </a:r>
+            <a:endParaRPr>
+              <a:latin typeface="Times New Roman" panose="02020603050405020304" charset="0"/>
+              <a:cs typeface="Times New Roman" panose="02020603050405020304" charset="0"/>
+            </a:endParaRPr>
           </a:p>
           <a:p>
             <a:pPr marL="1200150" lvl="2" indent="-285750" algn="l" rtl="0">
@@ -8283,6 +8487,10 @@
               </a:rPr>
               <a:t>e optimize the negative log-likelihood (NLL) loss to maximize the probability of the ground truth answer PI (A|Q, I) given by the VQA model.</a:t>
             </a:r>
+            <a:endParaRPr>
+              <a:latin typeface="Times New Roman" panose="02020603050405020304" charset="0"/>
+              <a:cs typeface="Times New Roman" panose="02020603050405020304" charset="0"/>
+            </a:endParaRPr>
           </a:p>
           <a:p>
             <a:pPr marL="742950" lvl="1" indent="-285750" algn="l" rtl="0">
@@ -8312,6 +8520,10 @@
               </a:rPr>
               <a:t>aption C, </a:t>
             </a:r>
+            <a:endParaRPr>
+              <a:latin typeface="Times New Roman" panose="02020603050405020304" charset="0"/>
+              <a:cs typeface="Times New Roman" panose="02020603050405020304" charset="0"/>
+            </a:endParaRPr>
           </a:p>
           <a:p>
             <a:pPr marL="1200150" lvl="2" indent="-285750" algn="l" rtl="0">
@@ -8354,381 +8566,13 @@
               </a:rPr>
               <a:t> PC (A|Q, C).</a:t>
             </a:r>
-          </a:p>
-        </p:txBody>
-      </p:sp>
-    </p:spTree>
-  </p:cSld>
-  <p:clrMapOvr>
-    <a:masterClrMapping/>
-  </p:clrMapOvr>
-</p:sld>
-</file>
-
-<file path=ppt/slides/slide16.xml><?xml version="1.0" encoding="utf-8"?>
-<p:sld xmlns:a="http://schemas.openxmlformats.org/drawingml/2006/main" xmlns:r="http://schemas.openxmlformats.org/officeDocument/2006/relationships" xmlns:p="http://schemas.openxmlformats.org/presentationml/2006/main">
-  <p:cSld>
-    <p:spTree>
-      <p:nvGrpSpPr>
-        <p:cNvPr id="1" name=""/>
-        <p:cNvGrpSpPr/>
-        <p:nvPr/>
-      </p:nvGrpSpPr>
-      <p:grpSpPr>
-        <a:xfrm>
-          <a:off x="0" y="0"/>
-          <a:ext cx="0" cy="0"/>
-          <a:chOff x="0" y="0"/>
-          <a:chExt cx="0" cy="0"/>
-        </a:xfrm>
-      </p:grpSpPr>
-      <p:sp>
-        <p:nvSpPr>
-          <p:cNvPr id="3" name="Text Placeholder 2"/>
-          <p:cNvSpPr>
-            <a:spLocks noGrp="1"/>
-          </p:cNvSpPr>
-          <p:nvPr>
-            <p:ph type="body" idx="1"/>
-          </p:nvPr>
-        </p:nvSpPr>
-        <p:spPr>
-          <a:xfrm>
-            <a:off x="311785" y="218440"/>
-            <a:ext cx="8520430" cy="4360545"/>
-          </a:xfrm>
-        </p:spPr>
-        <p:txBody>
-          <a:bodyPr/>
-          <a:lstStyle/>
-          <a:p>
-            <a:pPr>
-              <a:buFont typeface="Arial" panose="020B0604020202020204" pitchFamily="34" charset="0"/>
-              <a:buChar char="•"/>
-            </a:pPr>
-            <a:r>
-              <a:rPr lang="en-US" sz="1600">
-                <a:latin typeface="Times New Roman" panose="02020603050405020304" charset="0"/>
-                <a:cs typeface="Times New Roman" panose="02020603050405020304" charset="0"/>
-              </a:rPr>
-              <a:t>For a VQA question (I, Q)</a:t>
-            </a:r>
-          </a:p>
-          <a:p>
-            <a:pPr lvl="1">
-              <a:buFont typeface="Arial" panose="020B0604020202020204" pitchFamily="34" charset="0"/>
-              <a:buChar char="•"/>
-            </a:pPr>
-            <a:r>
-              <a:rPr lang="en-US" sz="1200">
-                <a:latin typeface="Times New Roman" panose="02020603050405020304" charset="0"/>
-                <a:cs typeface="Times New Roman" panose="02020603050405020304" charset="0"/>
-              </a:rPr>
-              <a:t>Image Encoding</a:t>
-            </a:r>
-          </a:p>
-          <a:p>
-            <a:pPr lvl="2">
-              <a:buFont typeface="Arial" panose="020B0604020202020204" pitchFamily="34" charset="0"/>
-              <a:buChar char="•"/>
-            </a:pPr>
-            <a:r>
-              <a:rPr lang="en-US" sz="1200">
-                <a:latin typeface="Times New Roman" panose="02020603050405020304" charset="0"/>
-                <a:cs typeface="Times New Roman" panose="02020603050405020304" charset="0"/>
-              </a:rPr>
-              <a:t>Using the 19-layer VGGNet [46] as a 4,096-dimensional image encoding x</a:t>
-            </a:r>
-            <a:r>
-              <a:rPr lang="en-US" sz="1200" baseline="-25000">
-                <a:latin typeface="Times New Roman" panose="02020603050405020304" charset="0"/>
-                <a:cs typeface="Times New Roman" panose="02020603050405020304" charset="0"/>
-              </a:rPr>
-              <a:t>I</a:t>
-            </a:r>
-            <a:r>
-              <a:rPr lang="en-US" sz="1200">
-                <a:latin typeface="Times New Roman" panose="02020603050405020304" charset="0"/>
-                <a:cs typeface="Times New Roman" panose="02020603050405020304" charset="0"/>
-              </a:rPr>
-              <a:t> </a:t>
-            </a:r>
-          </a:p>
-          <a:p>
-            <a:pPr lvl="1">
-              <a:buFont typeface="Arial" panose="020B0604020202020204" pitchFamily="34" charset="0"/>
-              <a:buChar char="•"/>
-            </a:pPr>
-            <a:r>
-              <a:rPr lang="en-US" sz="1200">
-                <a:latin typeface="Times New Roman" panose="02020603050405020304" charset="0"/>
-                <a:cs typeface="Times New Roman" panose="02020603050405020304" charset="0"/>
-              </a:rPr>
-              <a:t>Qestion Encoding</a:t>
-            </a:r>
-          </a:p>
-          <a:p>
-            <a:pPr lvl="2">
-              <a:buFont typeface="Arial" panose="020B0604020202020204" pitchFamily="34" charset="0"/>
-              <a:buChar char="•"/>
-            </a:pPr>
-            <a:r>
-              <a:rPr lang="en-US" sz="1200">
-                <a:latin typeface="Times New Roman" panose="02020603050405020304" charset="0"/>
-                <a:cs typeface="Times New Roman" panose="02020603050405020304" charset="0"/>
-              </a:rPr>
-              <a:t>Using a 2-layer RNN with 512 Long Short-Term Memory (LSTM) units per layer as a 2,048-dimensional question encoding x</a:t>
-            </a:r>
-            <a:r>
-              <a:rPr lang="en-US" sz="1200" baseline="-25000">
-                <a:latin typeface="Times New Roman" panose="02020603050405020304" charset="0"/>
-                <a:cs typeface="Times New Roman" panose="02020603050405020304" charset="0"/>
-              </a:rPr>
-              <a:t>Q</a:t>
-            </a:r>
-            <a:r>
-              <a:rPr lang="en-US" sz="1200">
-                <a:latin typeface="Times New Roman" panose="02020603050405020304" charset="0"/>
-                <a:cs typeface="Times New Roman" panose="02020603050405020304" charset="0"/>
-              </a:rPr>
-              <a:t>. </a:t>
-            </a:r>
-          </a:p>
-          <a:p>
-            <a:pPr>
-              <a:buFont typeface="Arial" panose="020B0604020202020204" pitchFamily="34" charset="0"/>
-              <a:buChar char="•"/>
-            </a:pPr>
-            <a:r>
-              <a:rPr lang="en-US" sz="1600">
-                <a:latin typeface="Times New Roman" panose="02020603050405020304" charset="0"/>
-                <a:cs typeface="Times New Roman" panose="02020603050405020304" charset="0"/>
-              </a:rPr>
-              <a:t>Then x</a:t>
-            </a:r>
-            <a:r>
-              <a:rPr lang="en-US" sz="1600" baseline="-25000">
-                <a:latin typeface="Times New Roman" panose="02020603050405020304" charset="0"/>
-                <a:cs typeface="Times New Roman" panose="02020603050405020304" charset="0"/>
-              </a:rPr>
-              <a:t>I</a:t>
-            </a:r>
-            <a:r>
-              <a:rPr lang="en-US" sz="1600">
-                <a:latin typeface="Times New Roman" panose="02020603050405020304" charset="0"/>
-                <a:cs typeface="Times New Roman" panose="02020603050405020304" charset="0"/>
-              </a:rPr>
-              <a:t> and x</a:t>
-            </a:r>
-            <a:r>
-              <a:rPr lang="en-US" sz="1600" baseline="-25000">
-                <a:latin typeface="Times New Roman" panose="02020603050405020304" charset="0"/>
-                <a:cs typeface="Times New Roman" panose="02020603050405020304" charset="0"/>
-              </a:rPr>
-              <a:t>Q</a:t>
-            </a:r>
-            <a:r>
-              <a:rPr lang="en-US" sz="1600">
-                <a:latin typeface="Times New Roman" panose="02020603050405020304" charset="0"/>
-                <a:cs typeface="Times New Roman" panose="02020603050405020304" charset="0"/>
-              </a:rPr>
-              <a:t>  are projected into a common 1,024-dimensional multi-modal space as z</a:t>
-            </a:r>
-            <a:r>
-              <a:rPr lang="en-US" sz="1600" baseline="-25000">
-                <a:latin typeface="Times New Roman" panose="02020603050405020304" charset="0"/>
-                <a:cs typeface="Times New Roman" panose="02020603050405020304" charset="0"/>
-              </a:rPr>
-              <a:t>I</a:t>
-            </a:r>
-            <a:r>
-              <a:rPr lang="en-US" sz="1600">
-                <a:latin typeface="Times New Roman" panose="02020603050405020304" charset="0"/>
-                <a:cs typeface="Times New Roman" panose="02020603050405020304" charset="0"/>
-              </a:rPr>
-              <a:t> and z</a:t>
-            </a:r>
-            <a:r>
-              <a:rPr lang="en-US" sz="1600" baseline="-25000">
-                <a:latin typeface="Times New Roman" panose="02020603050405020304" charset="0"/>
-                <a:cs typeface="Times New Roman" panose="02020603050405020304" charset="0"/>
-              </a:rPr>
-              <a:t>Q</a:t>
-            </a:r>
-          </a:p>
-          <a:p>
-            <a:pPr>
-              <a:buFont typeface="Arial" panose="020B0604020202020204" pitchFamily="34" charset="0"/>
-              <a:buChar char="•"/>
-            </a:pPr>
-            <a:endParaRPr lang="en-US" sz="1600">
+            <a:endParaRPr>
               <a:latin typeface="Times New Roman" panose="02020603050405020304" charset="0"/>
               <a:cs typeface="Times New Roman" panose="02020603050405020304" charset="0"/>
             </a:endParaRPr>
           </a:p>
-          <a:p>
-            <a:pPr>
-              <a:buFont typeface="Arial" panose="020B0604020202020204" pitchFamily="34" charset="0"/>
-              <a:buChar char="•"/>
-            </a:pPr>
-            <a:r>
-              <a:rPr lang="en-US" sz="1600">
-                <a:latin typeface="Times New Roman" panose="02020603050405020304" charset="0"/>
-                <a:cs typeface="Times New Roman" panose="02020603050405020304" charset="0"/>
-              </a:rPr>
-              <a:t>We then compute the representation z</a:t>
-            </a:r>
-            <a:r>
-              <a:rPr lang="en-US" sz="1600" baseline="-25000">
-                <a:latin typeface="Times New Roman" panose="02020603050405020304" charset="0"/>
-                <a:cs typeface="Times New Roman" panose="02020603050405020304" charset="0"/>
-              </a:rPr>
-              <a:t>I+Q</a:t>
-            </a:r>
-            <a:r>
-              <a:rPr lang="en-US" sz="1600">
-                <a:latin typeface="Times New Roman" panose="02020603050405020304" charset="0"/>
-                <a:cs typeface="Times New Roman" panose="02020603050405020304" charset="0"/>
-              </a:rPr>
-              <a:t> for the image-question pair (I, Q) by element-wise multiplying z</a:t>
-            </a:r>
-            <a:r>
-              <a:rPr lang="en-US" sz="1600" baseline="-25000">
-                <a:latin typeface="Times New Roman" panose="02020603050405020304" charset="0"/>
-                <a:cs typeface="Times New Roman" panose="02020603050405020304" charset="0"/>
-              </a:rPr>
-              <a:t>I</a:t>
-            </a:r>
-            <a:r>
-              <a:rPr lang="en-US" sz="1600">
-                <a:latin typeface="Times New Roman" panose="02020603050405020304" charset="0"/>
-                <a:cs typeface="Times New Roman" panose="02020603050405020304" charset="0"/>
-              </a:rPr>
-              <a:t> and z</a:t>
-            </a:r>
-            <a:r>
-              <a:rPr lang="en-US" sz="1600" baseline="-25000">
-                <a:latin typeface="Times New Roman" panose="02020603050405020304" charset="0"/>
-                <a:cs typeface="Times New Roman" panose="02020603050405020304" charset="0"/>
-              </a:rPr>
-              <a:t>Q</a:t>
-            </a:r>
-          </a:p>
-          <a:p>
-            <a:pPr>
-              <a:buFont typeface="Arial" panose="020B0604020202020204" pitchFamily="34" charset="0"/>
-              <a:buChar char="•"/>
-            </a:pPr>
-            <a:r>
-              <a:rPr lang="en-US" sz="1600">
-                <a:latin typeface="Times New Roman" panose="02020603050405020304" charset="0"/>
-                <a:cs typeface="Times New Roman" panose="02020603050405020304" charset="0"/>
-              </a:rPr>
-              <a:t> The scores s</a:t>
-            </a:r>
-            <a:r>
-              <a:rPr lang="en-US" sz="1600" baseline="-25000">
-                <a:latin typeface="Times New Roman" panose="02020603050405020304" charset="0"/>
-                <a:cs typeface="Times New Roman" panose="02020603050405020304" charset="0"/>
-              </a:rPr>
-              <a:t>A</a:t>
-            </a:r>
-            <a:r>
-              <a:rPr lang="en-US" sz="1600">
-                <a:latin typeface="Times New Roman" panose="02020603050405020304" charset="0"/>
-                <a:cs typeface="Times New Roman" panose="02020603050405020304" charset="0"/>
-              </a:rPr>
-              <a:t> for 1,000 answers are given by:</a:t>
-            </a:r>
-            <a:br>
-              <a:rPr lang="en-US" sz="1600">
-                <a:latin typeface="Times New Roman" panose="02020603050405020304" charset="0"/>
-                <a:cs typeface="Times New Roman" panose="02020603050405020304" charset="0"/>
-              </a:rPr>
-            </a:br>
-            <a:r>
-              <a:rPr lang="en-US" sz="1600">
-                <a:latin typeface="Times New Roman" panose="02020603050405020304" charset="0"/>
-                <a:cs typeface="Times New Roman" panose="02020603050405020304" charset="0"/>
-              </a:rPr>
-              <a:t>			s</a:t>
-            </a:r>
-            <a:r>
-              <a:rPr lang="en-US" sz="1600" baseline="-25000">
-                <a:latin typeface="Times New Roman" panose="02020603050405020304" charset="0"/>
-                <a:cs typeface="Times New Roman" panose="02020603050405020304" charset="0"/>
-              </a:rPr>
-              <a:t>A</a:t>
-            </a:r>
-            <a:r>
-              <a:rPr lang="en-US" sz="1600">
-                <a:latin typeface="Times New Roman" panose="02020603050405020304" charset="0"/>
-                <a:cs typeface="Times New Roman" panose="02020603050405020304" charset="0"/>
-              </a:rPr>
-              <a:t> = W</a:t>
-            </a:r>
-            <a:r>
-              <a:rPr lang="en-US" sz="1600" baseline="-25000">
-                <a:latin typeface="Times New Roman" panose="02020603050405020304" charset="0"/>
-                <a:cs typeface="Times New Roman" panose="02020603050405020304" charset="0"/>
-              </a:rPr>
-              <a:t>s</a:t>
-            </a:r>
-            <a:r>
-              <a:rPr lang="en-US" sz="1600">
-                <a:latin typeface="Times New Roman" panose="02020603050405020304" charset="0"/>
-                <a:cs typeface="Times New Roman" panose="02020603050405020304" charset="0"/>
-              </a:rPr>
-              <a:t>z</a:t>
-            </a:r>
-            <a:r>
-              <a:rPr lang="en-US" sz="1600" baseline="-25000">
-                <a:latin typeface="Times New Roman" panose="02020603050405020304" charset="0"/>
-                <a:cs typeface="Times New Roman" panose="02020603050405020304" charset="0"/>
-              </a:rPr>
-              <a:t>I+Q</a:t>
-            </a:r>
-            <a:r>
-              <a:rPr lang="en-US" sz="1600">
-                <a:latin typeface="Times New Roman" panose="02020603050405020304" charset="0"/>
-                <a:cs typeface="Times New Roman" panose="02020603050405020304" charset="0"/>
-              </a:rPr>
-              <a:t> + b</a:t>
-            </a:r>
-            <a:r>
-              <a:rPr lang="en-US" sz="1600" baseline="-25000">
-                <a:latin typeface="Times New Roman" panose="02020603050405020304" charset="0"/>
-                <a:cs typeface="Times New Roman" panose="02020603050405020304" charset="0"/>
-              </a:rPr>
-              <a:t>s</a:t>
-            </a:r>
-          </a:p>
         </p:txBody>
       </p:sp>
-      <p:pic>
-        <p:nvPicPr>
-          <p:cNvPr id="4" name="Picture 3"/>
-          <p:cNvPicPr>
-            <a:picLocks noChangeAspect="1"/>
-          </p:cNvPicPr>
-          <p:nvPr/>
-        </p:nvPicPr>
-        <p:blipFill>
-          <a:blip r:embed="rId2"/>
-          <a:stretch>
-            <a:fillRect/>
-          </a:stretch>
-        </p:blipFill>
-        <p:spPr>
-          <a:xfrm>
-            <a:off x="2696845" y="2757170"/>
-            <a:ext cx="3193415" cy="273050"/>
-          </a:xfrm>
-          <a:prstGeom prst="rect">
-            <a:avLst/>
-          </a:prstGeom>
-        </p:spPr>
-      </p:pic>
     </p:spTree>
   </p:cSld>
   <p:clrMapOvr>
@@ -8766,6 +8610,410 @@
         </p:nvSpPr>
         <p:spPr>
           <a:xfrm>
+            <a:off x="311785" y="218440"/>
+            <a:ext cx="8520430" cy="4360545"/>
+          </a:xfrm>
+        </p:spPr>
+        <p:txBody>
+          <a:bodyPr/>
+          <a:lstStyle/>
+          <a:p>
+            <a:pPr>
+              <a:buFont typeface="Arial" panose="020B0604020202020204" pitchFamily="34" charset="0"/>
+              <a:buChar char="•"/>
+            </a:pPr>
+            <a:r>
+              <a:rPr lang="en-US" sz="1600">
+                <a:latin typeface="Times New Roman" panose="02020603050405020304" charset="0"/>
+                <a:cs typeface="Times New Roman" panose="02020603050405020304" charset="0"/>
+              </a:rPr>
+              <a:t>For a VQA question (I, Q)</a:t>
+            </a:r>
+            <a:endParaRPr lang="en-US" sz="1600">
+              <a:latin typeface="Times New Roman" panose="02020603050405020304" charset="0"/>
+              <a:cs typeface="Times New Roman" panose="02020603050405020304" charset="0"/>
+            </a:endParaRPr>
+          </a:p>
+          <a:p>
+            <a:pPr lvl="1">
+              <a:buFont typeface="Arial" panose="020B0604020202020204" pitchFamily="34" charset="0"/>
+              <a:buChar char="•"/>
+            </a:pPr>
+            <a:r>
+              <a:rPr lang="en-US" sz="1200">
+                <a:latin typeface="Times New Roman" panose="02020603050405020304" charset="0"/>
+                <a:cs typeface="Times New Roman" panose="02020603050405020304" charset="0"/>
+              </a:rPr>
+              <a:t>Image Encoding</a:t>
+            </a:r>
+            <a:endParaRPr lang="en-US" sz="1200">
+              <a:latin typeface="Times New Roman" panose="02020603050405020304" charset="0"/>
+              <a:cs typeface="Times New Roman" panose="02020603050405020304" charset="0"/>
+            </a:endParaRPr>
+          </a:p>
+          <a:p>
+            <a:pPr lvl="2">
+              <a:buFont typeface="Arial" panose="020B0604020202020204" pitchFamily="34" charset="0"/>
+              <a:buChar char="•"/>
+            </a:pPr>
+            <a:r>
+              <a:rPr lang="en-US" sz="1200">
+                <a:latin typeface="Times New Roman" panose="02020603050405020304" charset="0"/>
+                <a:cs typeface="Times New Roman" panose="02020603050405020304" charset="0"/>
+              </a:rPr>
+              <a:t>Using the 19-layer VGGNet [46] as a 4,096-dimensional image encoding x</a:t>
+            </a:r>
+            <a:r>
+              <a:rPr lang="en-US" sz="1200" baseline="-25000">
+                <a:latin typeface="Times New Roman" panose="02020603050405020304" charset="0"/>
+                <a:cs typeface="Times New Roman" panose="02020603050405020304" charset="0"/>
+              </a:rPr>
+              <a:t>I</a:t>
+            </a:r>
+            <a:r>
+              <a:rPr lang="en-US" sz="1200">
+                <a:latin typeface="Times New Roman" panose="02020603050405020304" charset="0"/>
+                <a:cs typeface="Times New Roman" panose="02020603050405020304" charset="0"/>
+              </a:rPr>
+              <a:t> </a:t>
+            </a:r>
+            <a:endParaRPr lang="en-US" sz="1200">
+              <a:latin typeface="Times New Roman" panose="02020603050405020304" charset="0"/>
+              <a:cs typeface="Times New Roman" panose="02020603050405020304" charset="0"/>
+            </a:endParaRPr>
+          </a:p>
+          <a:p>
+            <a:pPr lvl="1">
+              <a:buFont typeface="Arial" panose="020B0604020202020204" pitchFamily="34" charset="0"/>
+              <a:buChar char="•"/>
+            </a:pPr>
+            <a:r>
+              <a:rPr lang="en-US" sz="1200">
+                <a:latin typeface="Times New Roman" panose="02020603050405020304" charset="0"/>
+                <a:cs typeface="Times New Roman" panose="02020603050405020304" charset="0"/>
+              </a:rPr>
+              <a:t>Qestion Encoding</a:t>
+            </a:r>
+            <a:endParaRPr lang="en-US" sz="1200">
+              <a:latin typeface="Times New Roman" panose="02020603050405020304" charset="0"/>
+              <a:cs typeface="Times New Roman" panose="02020603050405020304" charset="0"/>
+            </a:endParaRPr>
+          </a:p>
+          <a:p>
+            <a:pPr lvl="2">
+              <a:buFont typeface="Arial" panose="020B0604020202020204" pitchFamily="34" charset="0"/>
+              <a:buChar char="•"/>
+            </a:pPr>
+            <a:r>
+              <a:rPr lang="en-US" sz="1200">
+                <a:latin typeface="Times New Roman" panose="02020603050405020304" charset="0"/>
+                <a:cs typeface="Times New Roman" panose="02020603050405020304" charset="0"/>
+              </a:rPr>
+              <a:t>Using a 2-layer RNN with 512 Long Short-Term Memory (LSTM) units per layer as a 2,048-dimensional question encoding x</a:t>
+            </a:r>
+            <a:r>
+              <a:rPr lang="en-US" sz="1200" baseline="-25000">
+                <a:latin typeface="Times New Roman" panose="02020603050405020304" charset="0"/>
+                <a:cs typeface="Times New Roman" panose="02020603050405020304" charset="0"/>
+              </a:rPr>
+              <a:t>Q</a:t>
+            </a:r>
+            <a:r>
+              <a:rPr lang="en-US" sz="1200">
+                <a:latin typeface="Times New Roman" panose="02020603050405020304" charset="0"/>
+                <a:cs typeface="Times New Roman" panose="02020603050405020304" charset="0"/>
+              </a:rPr>
+              <a:t>. </a:t>
+            </a:r>
+            <a:endParaRPr lang="en-US" sz="1200">
+              <a:latin typeface="Times New Roman" panose="02020603050405020304" charset="0"/>
+              <a:cs typeface="Times New Roman" panose="02020603050405020304" charset="0"/>
+            </a:endParaRPr>
+          </a:p>
+          <a:p>
+            <a:pPr>
+              <a:buFont typeface="Arial" panose="020B0604020202020204" pitchFamily="34" charset="0"/>
+              <a:buChar char="•"/>
+            </a:pPr>
+            <a:r>
+              <a:rPr lang="en-US" sz="1600">
+                <a:latin typeface="Times New Roman" panose="02020603050405020304" charset="0"/>
+                <a:cs typeface="Times New Roman" panose="02020603050405020304" charset="0"/>
+              </a:rPr>
+              <a:t>Then x</a:t>
+            </a:r>
+            <a:r>
+              <a:rPr lang="en-US" sz="1600" baseline="-25000">
+                <a:latin typeface="Times New Roman" panose="02020603050405020304" charset="0"/>
+                <a:cs typeface="Times New Roman" panose="02020603050405020304" charset="0"/>
+              </a:rPr>
+              <a:t>I</a:t>
+            </a:r>
+            <a:r>
+              <a:rPr lang="en-US" sz="1600">
+                <a:latin typeface="Times New Roman" panose="02020603050405020304" charset="0"/>
+                <a:cs typeface="Times New Roman" panose="02020603050405020304" charset="0"/>
+              </a:rPr>
+              <a:t> and x</a:t>
+            </a:r>
+            <a:r>
+              <a:rPr lang="en-US" sz="1600" baseline="-25000">
+                <a:latin typeface="Times New Roman" panose="02020603050405020304" charset="0"/>
+                <a:cs typeface="Times New Roman" panose="02020603050405020304" charset="0"/>
+              </a:rPr>
+              <a:t>Q</a:t>
+            </a:r>
+            <a:r>
+              <a:rPr lang="en-US" sz="1600">
+                <a:latin typeface="Times New Roman" panose="02020603050405020304" charset="0"/>
+                <a:cs typeface="Times New Roman" panose="02020603050405020304" charset="0"/>
+              </a:rPr>
+              <a:t>  are projected into a common 1,024-dimensional multi-modal space as z</a:t>
+            </a:r>
+            <a:r>
+              <a:rPr lang="en-US" sz="1600" baseline="-25000">
+                <a:latin typeface="Times New Roman" panose="02020603050405020304" charset="0"/>
+                <a:cs typeface="Times New Roman" panose="02020603050405020304" charset="0"/>
+              </a:rPr>
+              <a:t>I</a:t>
+            </a:r>
+            <a:r>
+              <a:rPr lang="en-US" sz="1600">
+                <a:latin typeface="Times New Roman" panose="02020603050405020304" charset="0"/>
+                <a:cs typeface="Times New Roman" panose="02020603050405020304" charset="0"/>
+              </a:rPr>
+              <a:t> and z</a:t>
+            </a:r>
+            <a:r>
+              <a:rPr lang="en-US" sz="1600" baseline="-25000">
+                <a:latin typeface="Times New Roman" panose="02020603050405020304" charset="0"/>
+                <a:cs typeface="Times New Roman" panose="02020603050405020304" charset="0"/>
+              </a:rPr>
+              <a:t>Q</a:t>
+            </a:r>
+            <a:endParaRPr lang="en-US" sz="1600" baseline="-25000">
+              <a:latin typeface="Times New Roman" panose="02020603050405020304" charset="0"/>
+              <a:cs typeface="Times New Roman" panose="02020603050405020304" charset="0"/>
+            </a:endParaRPr>
+          </a:p>
+          <a:p>
+            <a:pPr>
+              <a:buFont typeface="Arial" panose="020B0604020202020204" pitchFamily="34" charset="0"/>
+              <a:buChar char="•"/>
+            </a:pPr>
+            <a:endParaRPr lang="en-US" sz="1600">
+              <a:latin typeface="Times New Roman" panose="02020603050405020304" charset="0"/>
+              <a:cs typeface="Times New Roman" panose="02020603050405020304" charset="0"/>
+            </a:endParaRPr>
+          </a:p>
+          <a:p>
+            <a:pPr>
+              <a:buFont typeface="Arial" panose="020B0604020202020204" pitchFamily="34" charset="0"/>
+              <a:buChar char="•"/>
+            </a:pPr>
+            <a:r>
+              <a:rPr lang="en-US" sz="1600">
+                <a:latin typeface="Times New Roman" panose="02020603050405020304" charset="0"/>
+                <a:cs typeface="Times New Roman" panose="02020603050405020304" charset="0"/>
+              </a:rPr>
+              <a:t>We then compute the representation z</a:t>
+            </a:r>
+            <a:r>
+              <a:rPr lang="en-US" sz="1600" baseline="-25000">
+                <a:latin typeface="Times New Roman" panose="02020603050405020304" charset="0"/>
+                <a:cs typeface="Times New Roman" panose="02020603050405020304" charset="0"/>
+              </a:rPr>
+              <a:t>I+Q</a:t>
+            </a:r>
+            <a:r>
+              <a:rPr lang="en-US" sz="1600">
+                <a:latin typeface="Times New Roman" panose="02020603050405020304" charset="0"/>
+                <a:cs typeface="Times New Roman" panose="02020603050405020304" charset="0"/>
+              </a:rPr>
+              <a:t> for the image-question pair (I, Q) by element-wise multiplying z</a:t>
+            </a:r>
+            <a:r>
+              <a:rPr lang="en-US" sz="1600" baseline="-25000">
+                <a:latin typeface="Times New Roman" panose="02020603050405020304" charset="0"/>
+                <a:cs typeface="Times New Roman" panose="02020603050405020304" charset="0"/>
+              </a:rPr>
+              <a:t>I</a:t>
+            </a:r>
+            <a:r>
+              <a:rPr lang="en-US" sz="1600">
+                <a:latin typeface="Times New Roman" panose="02020603050405020304" charset="0"/>
+                <a:cs typeface="Times New Roman" panose="02020603050405020304" charset="0"/>
+              </a:rPr>
+              <a:t> and z</a:t>
+            </a:r>
+            <a:r>
+              <a:rPr lang="en-US" sz="1600" baseline="-25000">
+                <a:latin typeface="Times New Roman" panose="02020603050405020304" charset="0"/>
+                <a:cs typeface="Times New Roman" panose="02020603050405020304" charset="0"/>
+              </a:rPr>
+              <a:t>Q</a:t>
+            </a:r>
+            <a:endParaRPr lang="en-US" sz="1600" baseline="-25000">
+              <a:latin typeface="Times New Roman" panose="02020603050405020304" charset="0"/>
+              <a:cs typeface="Times New Roman" panose="02020603050405020304" charset="0"/>
+            </a:endParaRPr>
+          </a:p>
+          <a:p>
+            <a:pPr>
+              <a:buFont typeface="Arial" panose="020B0604020202020204" pitchFamily="34" charset="0"/>
+              <a:buChar char="•"/>
+            </a:pPr>
+            <a:r>
+              <a:rPr lang="en-US" sz="1600">
+                <a:latin typeface="Times New Roman" panose="02020603050405020304" charset="0"/>
+                <a:cs typeface="Times New Roman" panose="02020603050405020304" charset="0"/>
+              </a:rPr>
+              <a:t> The scores s</a:t>
+            </a:r>
+            <a:r>
+              <a:rPr lang="en-US" sz="1600" baseline="-25000">
+                <a:latin typeface="Times New Roman" panose="02020603050405020304" charset="0"/>
+                <a:cs typeface="Times New Roman" panose="02020603050405020304" charset="0"/>
+              </a:rPr>
+              <a:t>A</a:t>
+            </a:r>
+            <a:r>
+              <a:rPr lang="en-US" sz="1600">
+                <a:latin typeface="Times New Roman" panose="02020603050405020304" charset="0"/>
+                <a:cs typeface="Times New Roman" panose="02020603050405020304" charset="0"/>
+              </a:rPr>
+              <a:t> for 1,000 answers are given by:</a:t>
+            </a:r>
+            <a:br>
+              <a:rPr lang="en-US" sz="1600">
+                <a:latin typeface="Times New Roman" panose="02020603050405020304" charset="0"/>
+                <a:cs typeface="Times New Roman" panose="02020603050405020304" charset="0"/>
+              </a:rPr>
+            </a:br>
+            <a:r>
+              <a:rPr lang="en-US" sz="1600">
+                <a:latin typeface="Times New Roman" panose="02020603050405020304" charset="0"/>
+                <a:cs typeface="Times New Roman" panose="02020603050405020304" charset="0"/>
+              </a:rPr>
+              <a:t>			s</a:t>
+            </a:r>
+            <a:r>
+              <a:rPr lang="en-US" sz="1600" baseline="-25000">
+                <a:latin typeface="Times New Roman" panose="02020603050405020304" charset="0"/>
+                <a:cs typeface="Times New Roman" panose="02020603050405020304" charset="0"/>
+              </a:rPr>
+              <a:t>A</a:t>
+            </a:r>
+            <a:r>
+              <a:rPr lang="en-US" sz="1600">
+                <a:latin typeface="Times New Roman" panose="02020603050405020304" charset="0"/>
+                <a:cs typeface="Times New Roman" panose="02020603050405020304" charset="0"/>
+              </a:rPr>
+              <a:t> = W</a:t>
+            </a:r>
+            <a:r>
+              <a:rPr lang="en-US" sz="1600" baseline="-25000">
+                <a:latin typeface="Times New Roman" panose="02020603050405020304" charset="0"/>
+                <a:cs typeface="Times New Roman" panose="02020603050405020304" charset="0"/>
+              </a:rPr>
+              <a:t>s</a:t>
+            </a:r>
+            <a:r>
+              <a:rPr lang="en-US" sz="1600">
+                <a:latin typeface="Times New Roman" panose="02020603050405020304" charset="0"/>
+                <a:cs typeface="Times New Roman" panose="02020603050405020304" charset="0"/>
+              </a:rPr>
+              <a:t>z</a:t>
+            </a:r>
+            <a:r>
+              <a:rPr lang="en-US" sz="1600" baseline="-25000">
+                <a:latin typeface="Times New Roman" panose="02020603050405020304" charset="0"/>
+                <a:cs typeface="Times New Roman" panose="02020603050405020304" charset="0"/>
+              </a:rPr>
+              <a:t>I+Q</a:t>
+            </a:r>
+            <a:r>
+              <a:rPr lang="en-US" sz="1600">
+                <a:latin typeface="Times New Roman" panose="02020603050405020304" charset="0"/>
+                <a:cs typeface="Times New Roman" panose="02020603050405020304" charset="0"/>
+              </a:rPr>
+              <a:t> + b</a:t>
+            </a:r>
+            <a:r>
+              <a:rPr lang="en-US" sz="1600" baseline="-25000">
+                <a:latin typeface="Times New Roman" panose="02020603050405020304" charset="0"/>
+                <a:cs typeface="Times New Roman" panose="02020603050405020304" charset="0"/>
+              </a:rPr>
+              <a:t>s</a:t>
+            </a:r>
+            <a:endParaRPr lang="en-US" sz="1600" baseline="-25000">
+              <a:latin typeface="Times New Roman" panose="02020603050405020304" charset="0"/>
+              <a:cs typeface="Times New Roman" panose="02020603050405020304" charset="0"/>
+            </a:endParaRPr>
+          </a:p>
+        </p:txBody>
+      </p:sp>
+      <p:pic>
+        <p:nvPicPr>
+          <p:cNvPr id="4" name="Picture 3"/>
+          <p:cNvPicPr>
+            <a:picLocks noChangeAspect="1"/>
+          </p:cNvPicPr>
+          <p:nvPr/>
+        </p:nvPicPr>
+        <p:blipFill>
+          <a:blip r:embed="rId1"/>
+          <a:stretch>
+            <a:fillRect/>
+          </a:stretch>
+        </p:blipFill>
+        <p:spPr>
+          <a:xfrm>
+            <a:off x="2696845" y="2757170"/>
+            <a:ext cx="3193415" cy="273050"/>
+          </a:xfrm>
+          <a:prstGeom prst="rect">
+            <a:avLst/>
+          </a:prstGeom>
+        </p:spPr>
+      </p:pic>
+    </p:spTree>
+  </p:cSld>
+  <p:clrMapOvr>
+    <a:masterClrMapping/>
+  </p:clrMapOvr>
+</p:sld>
+</file>
+
+<file path=ppt/slides/slide18.xml><?xml version="1.0" encoding="utf-8"?>
+<p:sld xmlns:a="http://schemas.openxmlformats.org/drawingml/2006/main" xmlns:r="http://schemas.openxmlformats.org/officeDocument/2006/relationships" xmlns:p="http://schemas.openxmlformats.org/presentationml/2006/main">
+  <p:cSld>
+    <p:spTree>
+      <p:nvGrpSpPr>
+        <p:cNvPr id="1" name=""/>
+        <p:cNvGrpSpPr/>
+        <p:nvPr/>
+      </p:nvGrpSpPr>
+      <p:grpSpPr>
+        <a:xfrm>
+          <a:off x="0" y="0"/>
+          <a:ext cx="0" cy="0"/>
+          <a:chOff x="0" y="0"/>
+          <a:chExt cx="0" cy="0"/>
+        </a:xfrm>
+      </p:grpSpPr>
+      <p:sp>
+        <p:nvSpPr>
+          <p:cNvPr id="3" name="Text Placeholder 2"/>
+          <p:cNvSpPr>
+            <a:spLocks noGrp="1"/>
+          </p:cNvSpPr>
+          <p:nvPr>
+            <p:ph type="body" idx="1"/>
+          </p:nvPr>
+        </p:nvSpPr>
+        <p:spPr>
+          <a:xfrm>
             <a:off x="311785" y="247015"/>
             <a:ext cx="8520430" cy="4331970"/>
           </a:xfrm>
@@ -8785,6 +9033,10 @@
               </a:rPr>
               <a:t>For the VQA-Caption task given caption C and question Q, </a:t>
             </a:r>
+            <a:endParaRPr lang="en-US">
+              <a:latin typeface="Times New Roman" panose="02020603050405020304" charset="0"/>
+              <a:cs typeface="Times New Roman" panose="02020603050405020304" charset="0"/>
+            </a:endParaRPr>
           </a:p>
           <a:p>
             <a:pPr lvl="1">
@@ -8798,6 +9050,10 @@
               </a:rPr>
               <a:t>We use the same network architecture and learning procedure as above</a:t>
             </a:r>
+            <a:endParaRPr lang="en-US">
+              <a:latin typeface="Times New Roman" panose="02020603050405020304" charset="0"/>
+              <a:cs typeface="Times New Roman" panose="02020603050405020304" charset="0"/>
+            </a:endParaRPr>
           </a:p>
           <a:p>
             <a:pPr lvl="1">
@@ -8867,6 +9123,10 @@
               </a:rPr>
               <a:t> respectively.</a:t>
             </a:r>
+            <a:endParaRPr lang="en-US">
+              <a:latin typeface="Times New Roman" panose="02020603050405020304" charset="0"/>
+              <a:cs typeface="Times New Roman" panose="02020603050405020304" charset="0"/>
+            </a:endParaRPr>
           </a:p>
           <a:p>
             <a:pPr lvl="0">
@@ -8880,6 +9140,10 @@
               </a:rPr>
               <a:t>The VQA and VQA-Caption models are learned on the train split of the VQA dataset using </a:t>
             </a:r>
+            <a:endParaRPr lang="en-US">
+              <a:latin typeface="Times New Roman" panose="02020603050405020304" charset="0"/>
+              <a:cs typeface="Times New Roman" panose="02020603050405020304" charset="0"/>
+            </a:endParaRPr>
           </a:p>
           <a:p>
             <a:pPr lvl="1">
@@ -8893,6 +9157,10 @@
               </a:rPr>
               <a:t>82,783 images, 413,915 captions and 248,349 questions. </a:t>
             </a:r>
+            <a:endParaRPr lang="en-US">
+              <a:latin typeface="Times New Roman" panose="02020603050405020304" charset="0"/>
+              <a:cs typeface="Times New Roman" panose="02020603050405020304" charset="0"/>
+            </a:endParaRPr>
           </a:p>
           <a:p>
             <a:pPr lvl="0">
@@ -8906,6 +9174,10 @@
               </a:rPr>
               <a:t>These models achieve VQA validation set accuracies of </a:t>
             </a:r>
+            <a:endParaRPr lang="en-US">
+              <a:latin typeface="Times New Roman" panose="02020603050405020304" charset="0"/>
+              <a:cs typeface="Times New Roman" panose="02020603050405020304" charset="0"/>
+            </a:endParaRPr>
           </a:p>
           <a:p>
             <a:pPr lvl="1">
@@ -8919,6 +9191,10 @@
               </a:rPr>
               <a:t>54.42% (VQA) and 56.28%(VQA-Caption). </a:t>
             </a:r>
+            <a:endParaRPr lang="en-US">
+              <a:latin typeface="Times New Roman" panose="02020603050405020304" charset="0"/>
+              <a:cs typeface="Times New Roman" panose="02020603050405020304" charset="0"/>
+            </a:endParaRPr>
           </a:p>
           <a:p>
             <a:pPr lvl="0">
@@ -8932,6 +9208,10 @@
               </a:rPr>
               <a:t>Next, they are used as sub-modules in the image caption ranking approach.</a:t>
             </a:r>
+            <a:endParaRPr lang="en-US">
+              <a:latin typeface="Times New Roman" panose="02020603050405020304" charset="0"/>
+              <a:cs typeface="Times New Roman" panose="02020603050405020304" charset="0"/>
+            </a:endParaRPr>
           </a:p>
         </p:txBody>
       </p:sp>
@@ -8943,7 +9223,7 @@
 </p:sld>
 </file>
 
-<file path=ppt/slides/slide18.xml><?xml version="1.0" encoding="utf-8"?>
+<file path=ppt/slides/slide19.xml><?xml version="1.0" encoding="utf-8"?>
 <p:sld xmlns:a="http://schemas.openxmlformats.org/drawingml/2006/main" xmlns:r="http://schemas.openxmlformats.org/officeDocument/2006/relationships" xmlns:p="http://schemas.openxmlformats.org/presentationml/2006/main">
   <p:cSld>
     <p:spTree>
@@ -8987,6 +9267,10 @@
               </a:rPr>
               <a:t>Approach</a:t>
             </a:r>
+            <a:endParaRPr lang="en-US" sz="3200">
+              <a:latin typeface="Times New Roman" panose="02020603050405020304" charset="0"/>
+              <a:cs typeface="Times New Roman" panose="02020603050405020304" charset="0"/>
+            </a:endParaRPr>
           </a:p>
         </p:txBody>
       </p:sp>
@@ -9021,6 +9305,10 @@
               </a:rPr>
               <a:t>To leverage knowledge in VQA for image-caption ranking we propose </a:t>
             </a:r>
+            <a:endParaRPr lang="en-US">
+              <a:latin typeface="Times New Roman" panose="02020603050405020304" charset="0"/>
+              <a:cs typeface="Times New Roman" panose="02020603050405020304" charset="0"/>
+            </a:endParaRPr>
           </a:p>
           <a:p>
             <a:pPr lvl="1">
@@ -9034,6 +9322,10 @@
               </a:rPr>
               <a:t>to represent the images and the captions in the VQA space using VQA and VQA-Caption models. </a:t>
             </a:r>
+            <a:endParaRPr lang="en-US">
+              <a:latin typeface="Times New Roman" panose="02020603050405020304" charset="0"/>
+              <a:cs typeface="Times New Roman" panose="02020603050405020304" charset="0"/>
+            </a:endParaRPr>
           </a:p>
           <a:p>
             <a:pPr lvl="1">
@@ -9047,6 +9339,10 @@
               </a:rPr>
               <a:t>This representations is called VQA-grounded representations.</a:t>
             </a:r>
+            <a:endParaRPr lang="en-US">
+              <a:latin typeface="Times New Roman" panose="02020603050405020304" charset="0"/>
+              <a:cs typeface="Times New Roman" panose="02020603050405020304" charset="0"/>
+            </a:endParaRPr>
           </a:p>
         </p:txBody>
       </p:sp>
@@ -9058,7 +9354,67 @@
 </p:sld>
 </file>
 
-<file path=ppt/slides/slide19.xml><?xml version="1.0" encoding="utf-8"?>
+<file path=ppt/slides/slide2.xml><?xml version="1.0" encoding="utf-8"?>
+<p:sld xmlns:a="http://schemas.openxmlformats.org/drawingml/2006/main" xmlns:r="http://schemas.openxmlformats.org/officeDocument/2006/relationships" xmlns:p="http://schemas.openxmlformats.org/presentationml/2006/main">
+  <p:cSld>
+    <p:spTree>
+      <p:nvGrpSpPr>
+        <p:cNvPr id="1" name=""/>
+        <p:cNvGrpSpPr/>
+        <p:nvPr/>
+      </p:nvGrpSpPr>
+      <p:grpSpPr>
+        <a:xfrm>
+          <a:off x="0" y="0"/>
+          <a:ext cx="0" cy="0"/>
+          <a:chOff x="0" y="0"/>
+          <a:chExt cx="0" cy="0"/>
+        </a:xfrm>
+      </p:grpSpPr>
+      <p:sp>
+        <p:nvSpPr>
+          <p:cNvPr id="2" name="Title 1"/>
+          <p:cNvSpPr>
+            <a:spLocks noGrp="1"/>
+          </p:cNvSpPr>
+          <p:nvPr>
+            <p:ph type="title"/>
+          </p:nvPr>
+        </p:nvSpPr>
+        <p:spPr>
+          <a:xfrm>
+            <a:off x="780623" y="1850260"/>
+            <a:ext cx="8520600" cy="831300"/>
+          </a:xfrm>
+        </p:spPr>
+        <p:txBody>
+          <a:bodyPr/>
+          <a:lstStyle/>
+          <a:p>
+            <a:r>
+              <a:rPr lang="en-US" sz="2400" dirty="0">
+                <a:latin typeface="Times New Roman" panose="02020603050405020304" charset="0"/>
+                <a:cs typeface="Times New Roman" panose="02020603050405020304" charset="0"/>
+              </a:rPr>
+              <a:t>Task 1 : Labelling Meme Into Categories of Hate Speech</a:t>
+            </a:r>
+            <a:r>
+              <a:rPr lang="en-US" sz="2400" dirty="0"/>
+              <a:t>.</a:t>
+            </a:r>
+            <a:endParaRPr lang="en-IN" sz="2400" dirty="0"/>
+          </a:p>
+        </p:txBody>
+      </p:sp>
+    </p:spTree>
+  </p:cSld>
+  <p:clrMapOvr>
+    <a:masterClrMapping/>
+  </p:clrMapOvr>
+</p:sld>
+</file>
+
+<file path=ppt/slides/slide20.xml><?xml version="1.0" encoding="utf-8"?>
 <p:sld xmlns:a="http://schemas.openxmlformats.org/drawingml/2006/main" xmlns:r="http://schemas.openxmlformats.org/officeDocument/2006/relationships" xmlns:p="http://schemas.openxmlformats.org/presentationml/2006/main">
   <p:cSld>
     <p:spTree>
@@ -9106,6 +9462,10 @@
               </a:rPr>
               <a:t>Let’s say we have a</a:t>
             </a:r>
+            <a:endParaRPr lang="en-US">
+              <a:latin typeface="Times New Roman" panose="02020603050405020304" charset="0"/>
+              <a:cs typeface="Times New Roman" panose="02020603050405020304" charset="0"/>
+            </a:endParaRPr>
           </a:p>
           <a:p>
             <a:pPr lvl="1">
@@ -9119,6 +9479,10 @@
               </a:rPr>
               <a:t> VQA model PI (A|Q, I), a VQA-Caption model PC (A|Q, C)</a:t>
             </a:r>
+            <a:endParaRPr lang="en-US">
+              <a:latin typeface="Times New Roman" panose="02020603050405020304" charset="0"/>
+              <a:cs typeface="Times New Roman" panose="02020603050405020304" charset="0"/>
+            </a:endParaRPr>
           </a:p>
           <a:p>
             <a:pPr lvl="1">
@@ -9132,6 +9496,10 @@
               </a:rPr>
               <a:t>Set of N questions Qi </a:t>
             </a:r>
+            <a:endParaRPr lang="en-US">
+              <a:latin typeface="Times New Roman" panose="02020603050405020304" charset="0"/>
+              <a:cs typeface="Times New Roman" panose="02020603050405020304" charset="0"/>
+            </a:endParaRPr>
           </a:p>
           <a:p>
             <a:pPr lvl="1">
@@ -9145,6 +9513,10 @@
               </a:rPr>
               <a:t>And their plausible answers (one for each question) Ai, i = 1, 2, ...N. </a:t>
             </a:r>
+            <a:endParaRPr lang="en-US">
+              <a:latin typeface="Times New Roman" panose="02020603050405020304" charset="0"/>
+              <a:cs typeface="Times New Roman" panose="02020603050405020304" charset="0"/>
+            </a:endParaRPr>
           </a:p>
           <a:p>
             <a:pPr lvl="0">
@@ -9186,6 +9558,10 @@
               </a:rPr>
               <a:t> for C </a:t>
             </a:r>
+            <a:endParaRPr lang="en-US">
+              <a:latin typeface="Times New Roman" panose="02020603050405020304" charset="0"/>
+              <a:cs typeface="Times New Roman" panose="02020603050405020304" charset="0"/>
+            </a:endParaRPr>
           </a:p>
           <a:p>
             <a:pPr lvl="0">
@@ -9227,6 +9603,10 @@
               </a:rPr>
               <a:t> is the log probability of the ground truth answer Ai given a question Qi.</a:t>
             </a:r>
+            <a:endParaRPr lang="en-US">
+              <a:latin typeface="Times New Roman" panose="02020603050405020304" charset="0"/>
+              <a:cs typeface="Times New Roman" panose="02020603050405020304" charset="0"/>
+            </a:endParaRPr>
           </a:p>
         </p:txBody>
       </p:sp>
@@ -9239,7 +9619,7 @@
           <p:nvPr/>
         </p:nvPicPr>
         <p:blipFill>
-          <a:blip r:embed="rId2"/>
+          <a:blip r:embed="rId1"/>
           <a:stretch>
             <a:fillRect/>
           </a:stretch>
@@ -9262,78 +9642,7 @@
 </p:sld>
 </file>
 
-<file path=ppt/slides/slide2.xml><?xml version="1.0" encoding="utf-8"?>
-<p:sld xmlns:a="http://schemas.openxmlformats.org/drawingml/2006/main" xmlns:r="http://schemas.openxmlformats.org/officeDocument/2006/relationships" xmlns:p="http://schemas.openxmlformats.org/presentationml/2006/main">
-  <p:cSld>
-    <p:spTree>
-      <p:nvGrpSpPr>
-        <p:cNvPr id="1" name=""/>
-        <p:cNvGrpSpPr/>
-        <p:nvPr/>
-      </p:nvGrpSpPr>
-      <p:grpSpPr>
-        <a:xfrm>
-          <a:off x="0" y="0"/>
-          <a:ext cx="0" cy="0"/>
-          <a:chOff x="0" y="0"/>
-          <a:chExt cx="0" cy="0"/>
-        </a:xfrm>
-      </p:grpSpPr>
-      <p:sp>
-        <p:nvSpPr>
-          <p:cNvPr id="2" name="Title 1">
-            <a:extLst>
-              <a:ext uri="{FF2B5EF4-FFF2-40B4-BE49-F238E27FC236}">
-                <a16:creationId xmlns:a16="http://schemas.microsoft.com/office/drawing/2014/main" id="{880A31A6-3302-49C5-9126-724CD00D0523}"/>
-              </a:ext>
-            </a:extLst>
-          </p:cNvPr>
-          <p:cNvSpPr>
-            <a:spLocks noGrp="1"/>
-          </p:cNvSpPr>
-          <p:nvPr>
-            <p:ph type="title"/>
-          </p:nvPr>
-        </p:nvSpPr>
-        <p:spPr>
-          <a:xfrm>
-            <a:off x="780623" y="1850260"/>
-            <a:ext cx="8520600" cy="831300"/>
-          </a:xfrm>
-        </p:spPr>
-        <p:txBody>
-          <a:bodyPr/>
-          <a:lstStyle/>
-          <a:p>
-            <a:r>
-              <a:rPr lang="en-US" sz="2400" dirty="0">
-                <a:latin typeface="Times New Roman" panose="02020603050405020304" pitchFamily="18" charset="0"/>
-                <a:cs typeface="Times New Roman" panose="02020603050405020304" pitchFamily="18" charset="0"/>
-              </a:rPr>
-              <a:t>Task 1 : Labelling Meme Into Categories of Hate Speech</a:t>
-            </a:r>
-            <a:r>
-              <a:rPr lang="en-US" sz="2400" dirty="0"/>
-              <a:t>.</a:t>
-            </a:r>
-            <a:endParaRPr lang="en-IN" sz="2400" dirty="0"/>
-          </a:p>
-        </p:txBody>
-      </p:sp>
-    </p:spTree>
-    <p:extLst>
-      <p:ext uri="{BB962C8B-B14F-4D97-AF65-F5344CB8AC3E}">
-        <p14:creationId xmlns:p14="http://schemas.microsoft.com/office/powerpoint/2010/main" val="1734882102"/>
-      </p:ext>
-    </p:extLst>
-  </p:cSld>
-  <p:clrMapOvr>
-    <a:masterClrMapping/>
-  </p:clrMapOvr>
-</p:sld>
-</file>
-
-<file path=ppt/slides/slide20.xml><?xml version="1.0" encoding="utf-8"?>
+<file path=ppt/slides/slide21.xml><?xml version="1.0" encoding="utf-8"?>
 <p:sld xmlns:a="http://schemas.openxmlformats.org/drawingml/2006/main" xmlns:r="http://schemas.openxmlformats.org/officeDocument/2006/relationships" xmlns:p="http://schemas.openxmlformats.org/presentationml/2006/main">
   <p:cSld>
     <p:spTree>
@@ -9359,7 +9668,7 @@
           <p:nvPr/>
         </p:nvPicPr>
         <p:blipFill>
-          <a:blip r:embed="rId2"/>
+          <a:blip r:embed="rId1"/>
           <a:stretch>
             <a:fillRect/>
           </a:stretch>
@@ -9407,29 +9716,6 @@
               </a:rPr>
               <a:t>For example if the (Qi, Ai) pairs are </a:t>
             </a:r>
-          </a:p>
-          <a:p>
-            <a:r>
-              <a:rPr lang="en-US" sz="1000">
-                <a:latin typeface="Times New Roman" panose="02020603050405020304" charset="0"/>
-                <a:cs typeface="Times New Roman" panose="02020603050405020304" charset="0"/>
-              </a:rPr>
-              <a:t>  (Q1: What is the person riding?,</a:t>
-            </a:r>
-            <a:r>
-              <a:rPr lang="en-US" sz="1600">
-                <a:latin typeface="Times New Roman" panose="02020603050405020304" charset="0"/>
-                <a:cs typeface="Times New Roman" panose="02020603050405020304" charset="0"/>
-              </a:rPr>
-              <a:t> </a:t>
-            </a:r>
-            <a:r>
-              <a:rPr lang="en-US" sz="1000">
-                <a:latin typeface="Times New Roman" panose="02020603050405020304" charset="0"/>
-                <a:cs typeface="Times New Roman" panose="02020603050405020304" charset="0"/>
-              </a:rPr>
-              <a:t>A1:Motorcycle)</a:t>
-            </a:r>
             <a:endParaRPr lang="en-US" sz="1600">
               <a:latin typeface="Times New Roman" panose="02020603050405020304" charset="0"/>
               <a:cs typeface="Times New Roman" panose="02020603050405020304" charset="0"/>
@@ -9437,6 +9723,13 @@
           </a:p>
           <a:p>
             <a:r>
+              <a:rPr lang="en-US" sz="1000">
+                <a:latin typeface="Times New Roman" panose="02020603050405020304" charset="0"/>
+                <a:cs typeface="Times New Roman" panose="02020603050405020304" charset="0"/>
+              </a:rPr>
+              <a:t>  (Q1: What is the person riding?,</a:t>
+            </a:r>
+            <a:r>
               <a:rPr lang="en-US" sz="1600">
                 <a:latin typeface="Times New Roman" panose="02020603050405020304" charset="0"/>
                 <a:cs typeface="Times New Roman" panose="02020603050405020304" charset="0"/>
@@ -9448,7 +9741,7 @@
                 <a:latin typeface="Times New Roman" panose="02020603050405020304" charset="0"/>
                 <a:cs typeface="Times New Roman" panose="02020603050405020304" charset="0"/>
               </a:rPr>
-              <a:t>(Q2: What is the man wearing on his head?, A2: Helmet),</a:t>
+              <a:t>A1:Motorcycle)</a:t>
             </a:r>
             <a:endParaRPr lang="en-US" sz="1600">
               <a:latin typeface="Times New Roman" panose="02020603050405020304" charset="0"/>
@@ -9456,6 +9749,26 @@
             </a:endParaRPr>
           </a:p>
           <a:p>
+            <a:r>
+              <a:rPr lang="en-US" sz="1600">
+                <a:latin typeface="Times New Roman" panose="02020603050405020304" charset="0"/>
+                <a:cs typeface="Times New Roman" panose="02020603050405020304" charset="0"/>
+              </a:rPr>
+              <a:t> </a:t>
+            </a:r>
+            <a:r>
+              <a:rPr lang="en-US" sz="1000">
+                <a:latin typeface="Times New Roman" panose="02020603050405020304" charset="0"/>
+                <a:cs typeface="Times New Roman" panose="02020603050405020304" charset="0"/>
+              </a:rPr>
+              <a:t>(Q2: What is the man wearing on his head?, A2: Helmet),</a:t>
+            </a:r>
+            <a:endParaRPr lang="en-US" sz="1600">
+              <a:latin typeface="Times New Roman" panose="02020603050405020304" charset="0"/>
+              <a:cs typeface="Times New Roman" panose="02020603050405020304" charset="0"/>
+            </a:endParaRPr>
+          </a:p>
+          <a:p>
             <a:pPr marL="285750" indent="-285750">
               <a:buFont typeface="Arial" panose="020B0604020202020204" pitchFamily="34" charset="0"/>
               <a:buChar char="•"/>
@@ -9467,6 +9780,10 @@
               </a:rPr>
               <a:t> u(1)I and u(1)C verify if the person in image I and caption C respectively is riding a motorcycle. </a:t>
             </a:r>
+            <a:endParaRPr lang="en-US" sz="1600">
+              <a:latin typeface="Times New Roman" panose="02020603050405020304" charset="0"/>
+              <a:cs typeface="Times New Roman" panose="02020603050405020304" charset="0"/>
+            </a:endParaRPr>
           </a:p>
           <a:p>
             <a:pPr marL="285750" indent="-285750">
@@ -9480,6 +9797,10 @@
               </a:rPr>
               <a:t>At the same time u(2)I and u(2)C</a:t>
             </a:r>
+            <a:endParaRPr lang="en-US" sz="1600">
+              <a:latin typeface="Times New Roman" panose="02020603050405020304" charset="0"/>
+              <a:cs typeface="Times New Roman" panose="02020603050405020304" charset="0"/>
+            </a:endParaRPr>
           </a:p>
           <a:p>
             <a:r>
@@ -9489,6 +9810,10 @@
               </a:rPr>
               <a:t>verify whether the man in I and C</a:t>
             </a:r>
+            <a:endParaRPr lang="en-US" sz="1600">
+              <a:latin typeface="Times New Roman" panose="02020603050405020304" charset="0"/>
+              <a:cs typeface="Times New Roman" panose="02020603050405020304" charset="0"/>
+            </a:endParaRPr>
           </a:p>
           <a:p>
             <a:r>
@@ -9498,6 +9823,10 @@
               </a:rPr>
               <a:t>is wearing a helmet.</a:t>
             </a:r>
+            <a:endParaRPr lang="en-US" sz="1600">
+              <a:latin typeface="Times New Roman" panose="02020603050405020304" charset="0"/>
+              <a:cs typeface="Times New Roman" panose="02020603050405020304" charset="0"/>
+            </a:endParaRPr>
           </a:p>
         </p:txBody>
       </p:sp>
@@ -9509,7 +9838,7 @@
 </p:sld>
 </file>
 
-<file path=ppt/slides/slide21.xml><?xml version="1.0" encoding="utf-8"?>
+<file path=ppt/slides/slide22.xml><?xml version="1.0" encoding="utf-8"?>
 <p:sld xmlns:a="http://schemas.openxmlformats.org/drawingml/2006/main" xmlns:r="http://schemas.openxmlformats.org/officeDocument/2006/relationships" xmlns:p="http://schemas.openxmlformats.org/presentationml/2006/main">
   <p:cSld>
     <p:spTree>
@@ -9535,7 +9864,7 @@
           <p:nvPr/>
         </p:nvPicPr>
         <p:blipFill>
-          <a:blip r:embed="rId2"/>
+          <a:blip r:embed="rId1"/>
           <a:stretch>
             <a:fillRect/>
           </a:stretch>
@@ -9583,6 +9912,13 @@
               </a:rPr>
               <a:t>https://arxiv.org/pdf/1605.01379.pdf</a:t>
             </a:r>
+            <a:endParaRPr lang="en-US" sz="1200">
+              <a:solidFill>
+                <a:srgbClr val="00B0F0"/>
+              </a:solidFill>
+              <a:latin typeface="Times New Roman" panose="02020603050405020304" charset="0"/>
+              <a:cs typeface="Times New Roman" panose="02020603050405020304" charset="0"/>
+            </a:endParaRPr>
           </a:p>
         </p:txBody>
       </p:sp>
@@ -9613,13 +9949,7 @@
       </p:grpSpPr>
       <p:sp>
         <p:nvSpPr>
-          <p:cNvPr id="2" name="Title 1">
-            <a:extLst>
-              <a:ext uri="{FF2B5EF4-FFF2-40B4-BE49-F238E27FC236}">
-                <a16:creationId xmlns:a16="http://schemas.microsoft.com/office/drawing/2014/main" id="{0F9F719C-04B4-4E5F-90F6-1C3C996FC9A9}"/>
-              </a:ext>
-            </a:extLst>
-          </p:cNvPr>
+          <p:cNvPr id="2" name="Title 1"/>
           <p:cNvSpPr>
             <a:spLocks noGrp="1"/>
           </p:cNvSpPr>
@@ -9632,19 +9962,24 @@
           <a:bodyPr/>
           <a:lstStyle/>
           <a:p>
-            <a:endParaRPr lang="en-IN"/>
+            <a:r>
+              <a:rPr lang="en-IN" sz="3200">
+                <a:latin typeface="PMingLiU-ExtB" panose="02020500000000000000" charset="-120"/>
+                <a:ea typeface="PMingLiU-ExtB" panose="02020500000000000000" charset="-120"/>
+              </a:rPr>
+              <a:t>Labels of hate speech </a:t>
+            </a:r>
+            <a:r>
+              <a:rPr lang="en-IN" sz="4000"/>
+              <a:t>:</a:t>
+            </a:r>
+            <a:endParaRPr lang="en-IN" sz="4000"/>
           </a:p>
         </p:txBody>
       </p:sp>
       <p:sp>
         <p:nvSpPr>
-          <p:cNvPr id="3" name="Text Placeholder 2">
-            <a:extLst>
-              <a:ext uri="{FF2B5EF4-FFF2-40B4-BE49-F238E27FC236}">
-                <a16:creationId xmlns:a16="http://schemas.microsoft.com/office/drawing/2014/main" id="{522C4331-B63C-4995-A5D1-2D2613D6F8AC}"/>
-              </a:ext>
-            </a:extLst>
-          </p:cNvPr>
+          <p:cNvPr id="3" name="Text Placeholder 2"/>
           <p:cNvSpPr>
             <a:spLocks noGrp="1"/>
           </p:cNvSpPr>
@@ -9657,16 +9992,106 @@
           <a:bodyPr/>
           <a:lstStyle/>
           <a:p>
-            <a:endParaRPr lang="en-IN"/>
+            <a:r>
+              <a:rPr lang="en-IN" sz="1400"/>
+              <a:t>Racism</a:t>
+            </a:r>
+            <a:endParaRPr lang="en-IN" sz="1400"/>
+          </a:p>
+          <a:p>
+            <a:r>
+              <a:rPr lang="en-IN" sz="1400"/>
+              <a:t>Religion</a:t>
+            </a:r>
+            <a:endParaRPr lang="en-IN" sz="1400"/>
+          </a:p>
+          <a:p>
+            <a:r>
+              <a:rPr lang="en-IN" sz="1400"/>
+              <a:t>Gender</a:t>
+            </a:r>
+            <a:endParaRPr lang="en-IN" sz="1400"/>
+          </a:p>
+          <a:p>
+            <a:r>
+              <a:rPr lang="en-IN" sz="1400"/>
+              <a:t>Politics</a:t>
+            </a:r>
+            <a:endParaRPr lang="en-IN" sz="1400"/>
+          </a:p>
+          <a:p>
+            <a:r>
+              <a:rPr lang="en-IN" sz="1400"/>
+              <a:t>Sex identity</a:t>
+            </a:r>
+            <a:endParaRPr lang="en-IN" sz="1400"/>
+          </a:p>
+          <a:p>
+            <a:r>
+              <a:rPr lang="en-IN" sz="1400"/>
+              <a:t>Emotional</a:t>
+            </a:r>
+            <a:endParaRPr lang="en-IN" sz="1400"/>
+          </a:p>
+          <a:p>
+            <a:r>
+              <a:rPr lang="en-IN" sz="1400"/>
+              <a:t>Regional</a:t>
+            </a:r>
+            <a:endParaRPr lang="en-IN" sz="1400"/>
+          </a:p>
+          <a:p>
+            <a:r>
+              <a:rPr lang="en-IN" sz="1400"/>
+              <a:t>Ethnicity</a:t>
+            </a:r>
+            <a:endParaRPr lang="en-IN" sz="1400"/>
+          </a:p>
+          <a:p>
+            <a:r>
+              <a:rPr lang="en-IN" sz="1400"/>
+              <a:t>Disability status.</a:t>
+            </a:r>
+            <a:endParaRPr lang="en-IN" sz="1400"/>
+          </a:p>
+          <a:p>
+            <a:r>
+              <a:rPr lang="en-IN" sz="1400"/>
+              <a:t>Violence</a:t>
+            </a:r>
+            <a:endParaRPr lang="en-IN" sz="1400"/>
+          </a:p>
+          <a:p>
+            <a:r>
+              <a:rPr lang="en-IN" sz="1400"/>
+              <a:t>Homophobia  </a:t>
+            </a:r>
+            <a:endParaRPr lang="en-IN" sz="1400"/>
+          </a:p>
+          <a:p>
+            <a:r>
+              <a:rPr lang="en-IN" sz="1400"/>
+              <a:t>Pointing the stingy people looking at their status.</a:t>
+            </a:r>
+            <a:endParaRPr lang="en-IN" sz="1400"/>
+          </a:p>
+          <a:p>
+            <a:r>
+              <a:rPr lang="en-IN" sz="1400"/>
+              <a:t>Filthy or abusing words</a:t>
+            </a:r>
+            <a:endParaRPr lang="en-IN" sz="1400"/>
+          </a:p>
+          <a:p>
+            <a:r>
+              <a:rPr lang="en-IN" sz="1400"/>
+              <a:t>Criticizing due to performance(cricket, teachers,countries)…</a:t>
+            </a:r>
+            <a:endParaRPr lang="en-IN" sz="1400"/>
           </a:p>
         </p:txBody>
       </p:sp>
     </p:spTree>
-    <p:extLst>
-      <p:ext uri="{BB962C8B-B14F-4D97-AF65-F5344CB8AC3E}">
-        <p14:creationId xmlns:p14="http://schemas.microsoft.com/office/powerpoint/2010/main" val="3324163471"/>
-      </p:ext>
-    </p:extLst>
   </p:cSld>
   <p:clrMapOvr>
     <a:masterClrMapping/>
@@ -9693,13 +10118,7 @@
       </p:grpSpPr>
       <p:sp>
         <p:nvSpPr>
-          <p:cNvPr id="2" name="Title 1">
-            <a:extLst>
-              <a:ext uri="{FF2B5EF4-FFF2-40B4-BE49-F238E27FC236}">
-                <a16:creationId xmlns:a16="http://schemas.microsoft.com/office/drawing/2014/main" id="{D8882F46-9908-4CDB-9364-B94FF8D7B446}"/>
-              </a:ext>
-            </a:extLst>
-          </p:cNvPr>
+          <p:cNvPr id="2" name="Title 1"/>
           <p:cNvSpPr>
             <a:spLocks noGrp="1"/>
           </p:cNvSpPr>
@@ -9712,19 +10131,17 @@
           <a:bodyPr/>
           <a:lstStyle/>
           <a:p>
-            <a:endParaRPr lang="en-IN"/>
+            <a:r>
+              <a:rPr lang="en-IN" sz="800"/>
+              <a:t>.</a:t>
+            </a:r>
+            <a:endParaRPr lang="en-IN" sz="800"/>
           </a:p>
         </p:txBody>
       </p:sp>
       <p:sp>
         <p:nvSpPr>
-          <p:cNvPr id="3" name="Text Placeholder 2">
-            <a:extLst>
-              <a:ext uri="{FF2B5EF4-FFF2-40B4-BE49-F238E27FC236}">
-                <a16:creationId xmlns:a16="http://schemas.microsoft.com/office/drawing/2014/main" id="{183BEEE7-DC3A-4733-8FCB-F24E22A98C60}"/>
-              </a:ext>
-            </a:extLst>
-          </p:cNvPr>
+          <p:cNvPr id="3" name="Text Placeholder 2"/>
           <p:cNvSpPr>
             <a:spLocks noGrp="1"/>
           </p:cNvSpPr>
@@ -9732,21 +10149,71 @@
             <p:ph type="body" idx="1"/>
           </p:nvPr>
         </p:nvSpPr>
-        <p:spPr/>
+        <p:spPr>
+          <a:xfrm>
+            <a:off x="311785" y="505460"/>
+            <a:ext cx="8520430" cy="4073525"/>
+          </a:xfrm>
+        </p:spPr>
         <p:txBody>
           <a:bodyPr/>
           <a:lstStyle/>
           <a:p>
-            <a:endParaRPr lang="en-IN"/>
+            <a:r>
+              <a:rPr lang="en-IN" sz="1400"/>
+              <a:t>Hate speech is language that attacks or diminishes, that incites violence or hate against groups, based on specific characteristics such as physical appearance, religion, descent, national or ethnic origin, sexual orientation, gender identity or other, and it can occur with different linguistic styles, even in subtle forms or when humour is used.</a:t>
+            </a:r>
+            <a:endParaRPr lang="en-IN" sz="1400"/>
+          </a:p>
+          <a:p>
+            <a:endParaRPr lang="en-IN" sz="1400"/>
+          </a:p>
+          <a:p>
+            <a:r>
+              <a:rPr lang="en-IN" sz="1400"/>
+              <a:t>Link: </a:t>
+            </a:r>
+            <a:r>
+              <a:rPr lang="en-IN" sz="1000">
+                <a:solidFill>
+                  <a:srgbClr val="0070C0"/>
+                </a:solidFill>
+              </a:rPr>
+              <a:t>https://dev.to/nicfoxds/how-to-analyse-clean-text-data-in-python-2hb9</a:t>
+            </a:r>
+            <a:endParaRPr lang="en-IN" sz="1000">
+              <a:solidFill>
+                <a:srgbClr val="0070C0"/>
+              </a:solidFill>
+            </a:endParaRPr>
           </a:p>
         </p:txBody>
       </p:sp>
+      <p:pic>
+        <p:nvPicPr>
+          <p:cNvPr id="4" name="Picture 1" descr="Screenshot (57)"/>
+          <p:cNvPicPr>
+            <a:picLocks noChangeAspect="1"/>
+          </p:cNvPicPr>
+          <p:nvPr/>
+        </p:nvPicPr>
+        <p:blipFill>
+          <a:blip r:embed="rId1"/>
+          <a:stretch>
+            <a:fillRect/>
+          </a:stretch>
+        </p:blipFill>
+        <p:spPr>
+          <a:xfrm>
+            <a:off x="1229360" y="2419350"/>
+            <a:ext cx="5741035" cy="1748155"/>
+          </a:xfrm>
+          <a:prstGeom prst="rect">
+            <a:avLst/>
+          </a:prstGeom>
+        </p:spPr>
+      </p:pic>
     </p:spTree>
-    <p:extLst>
-      <p:ext uri="{BB962C8B-B14F-4D97-AF65-F5344CB8AC3E}">
-        <p14:creationId xmlns:p14="http://schemas.microsoft.com/office/powerpoint/2010/main" val="9058677"/>
-      </p:ext>
-    </p:extLst>
   </p:cSld>
   <p:clrMapOvr>
     <a:masterClrMapping/>
@@ -9755,6 +10222,169 @@
 </file>
 
 <file path=ppt/slides/slide5.xml><?xml version="1.0" encoding="utf-8"?>
+<p:sld xmlns:a="http://schemas.openxmlformats.org/drawingml/2006/main" xmlns:r="http://schemas.openxmlformats.org/officeDocument/2006/relationships" xmlns:p="http://schemas.openxmlformats.org/presentationml/2006/main">
+  <p:cSld>
+    <p:spTree>
+      <p:nvGrpSpPr>
+        <p:cNvPr id="1" name=""/>
+        <p:cNvGrpSpPr/>
+        <p:nvPr/>
+      </p:nvGrpSpPr>
+      <p:grpSpPr/>
+      <p:sp>
+        <p:nvSpPr>
+          <p:cNvPr id="2" name="Title 1"/>
+          <p:cNvSpPr>
+            <a:spLocks noGrp="1"/>
+          </p:cNvSpPr>
+          <p:nvPr>
+            <p:ph type="title"/>
+          </p:nvPr>
+        </p:nvSpPr>
+        <p:spPr>
+          <a:xfrm>
+            <a:off x="311785" y="316230"/>
+            <a:ext cx="3588385" cy="831215"/>
+          </a:xfrm>
+        </p:spPr>
+        <p:txBody>
+          <a:bodyPr/>
+          <a:p>
+            <a:r>
+              <a:rPr lang="en-IN" altLang="en-US" sz="1800">
+                <a:latin typeface="+mj-lt"/>
+                <a:ea typeface="Malgun Gothic" panose="020B0503020000020004" charset="-127"/>
+                <a:cs typeface="+mj-lt"/>
+              </a:rPr>
+              <a:t>Type of hate speech </a:t>
+            </a:r>
+            <a:br>
+              <a:rPr lang="en-IN" altLang="en-US" sz="1800">
+                <a:latin typeface="+mj-lt"/>
+                <a:ea typeface="Malgun Gothic" panose="020B0503020000020004" charset="-127"/>
+                <a:cs typeface="+mj-lt"/>
+              </a:rPr>
+            </a:br>
+            <a:r>
+              <a:rPr lang="en-IN" altLang="en-US" sz="1800">
+                <a:latin typeface="+mj-lt"/>
+                <a:ea typeface="Malgun Gothic" panose="020B0503020000020004" charset="-127"/>
+                <a:cs typeface="+mj-lt"/>
+              </a:rPr>
+              <a:t>analysed in the papers overall</a:t>
+            </a:r>
+            <a:r>
+              <a:rPr lang="en-IN" altLang="en-US" sz="2000">
+                <a:latin typeface="+mj-lt"/>
+                <a:ea typeface="Malgun Gothic" panose="020B0503020000020004" charset="-127"/>
+                <a:cs typeface="+mj-lt"/>
+              </a:rPr>
+              <a:t> </a:t>
+            </a:r>
+            <a:endParaRPr lang="en-IN" altLang="en-US" sz="2000">
+              <a:latin typeface="+mj-lt"/>
+              <a:ea typeface="Malgun Gothic" panose="020B0503020000020004" charset="-127"/>
+              <a:cs typeface="+mj-lt"/>
+            </a:endParaRPr>
+          </a:p>
+        </p:txBody>
+      </p:sp>
+      <p:pic>
+        <p:nvPicPr>
+          <p:cNvPr id="4" name="Picture 2" descr="Screenshot (65)"/>
+          <p:cNvPicPr>
+            <a:picLocks noChangeAspect="1"/>
+          </p:cNvPicPr>
+          <p:nvPr>
+            <p:ph idx="1"/>
+          </p:nvPr>
+        </p:nvPicPr>
+        <p:blipFill>
+          <a:blip r:embed="rId1"/>
+          <a:stretch>
+            <a:fillRect/>
+          </a:stretch>
+        </p:blipFill>
+        <p:spPr>
+          <a:xfrm>
+            <a:off x="311785" y="1200785"/>
+            <a:ext cx="3780155" cy="3354070"/>
+          </a:xfrm>
+          <a:prstGeom prst="rect">
+            <a:avLst/>
+          </a:prstGeom>
+        </p:spPr>
+      </p:pic>
+      <p:sp>
+        <p:nvSpPr>
+          <p:cNvPr id="5" name="Text Box 4"/>
+          <p:cNvSpPr txBox="1"/>
+          <p:nvPr/>
+        </p:nvSpPr>
+        <p:spPr>
+          <a:xfrm>
+            <a:off x="4980305" y="469265"/>
+            <a:ext cx="3653155" cy="583565"/>
+          </a:xfrm>
+          <a:prstGeom prst="rect">
+            <a:avLst/>
+          </a:prstGeom>
+          <a:noFill/>
+        </p:spPr>
+        <p:txBody>
+          <a:bodyPr wrap="square" rtlCol="0">
+            <a:spAutoFit/>
+          </a:bodyPr>
+          <a:p>
+            <a:r>
+              <a:rPr lang="en-IN" altLang="en-US" sz="1600"/>
+              <a:t>Frequency of </a:t>
+            </a:r>
+            <a:r>
+              <a:rPr lang="en-US" sz="1600"/>
+              <a:t>Algorithms used in the papers </a:t>
+            </a:r>
+            <a:r>
+              <a:rPr lang="en-IN" altLang="en-US" sz="1600"/>
+              <a:t>overall</a:t>
+            </a:r>
+            <a:endParaRPr lang="en-IN" altLang="en-US" sz="1600"/>
+          </a:p>
+        </p:txBody>
+      </p:sp>
+      <p:pic>
+        <p:nvPicPr>
+          <p:cNvPr id="6" name="Picture 3" descr="Screenshot (67)"/>
+          <p:cNvPicPr>
+            <a:picLocks noChangeAspect="1"/>
+          </p:cNvPicPr>
+          <p:nvPr/>
+        </p:nvPicPr>
+        <p:blipFill>
+          <a:blip r:embed="rId2"/>
+          <a:stretch>
+            <a:fillRect/>
+          </a:stretch>
+        </p:blipFill>
+        <p:spPr>
+          <a:xfrm>
+            <a:off x="5279390" y="1200785"/>
+            <a:ext cx="3184525" cy="3219450"/>
+          </a:xfrm>
+          <a:prstGeom prst="rect">
+            <a:avLst/>
+          </a:prstGeom>
+        </p:spPr>
+      </p:pic>
+    </p:spTree>
+  </p:cSld>
+  <p:clrMapOvr>
+    <a:masterClrMapping/>
+  </p:clrMapOvr>
+</p:sld>
+</file>
+
+<file path=ppt/slides/slide6.xml><?xml version="1.0" encoding="utf-8"?>
 <p:sld xmlns:a="http://schemas.openxmlformats.org/drawingml/2006/main" xmlns:r="http://schemas.openxmlformats.org/officeDocument/2006/relationships" xmlns:p="http://schemas.openxmlformats.org/presentationml/2006/main">
   <p:cSld>
     <p:spTree>
@@ -9773,13 +10403,7 @@
       </p:grpSpPr>
       <p:pic>
         <p:nvPicPr>
-          <p:cNvPr id="5" name="Content Placeholder 4">
-            <a:extLst>
-              <a:ext uri="{FF2B5EF4-FFF2-40B4-BE49-F238E27FC236}">
-                <a16:creationId xmlns:a16="http://schemas.microsoft.com/office/drawing/2014/main" id="{C00D96EE-CFDB-4427-AE33-252EBB2FE970}"/>
-              </a:ext>
-            </a:extLst>
-          </p:cNvPr>
+          <p:cNvPr id="5" name="Content Placeholder 4"/>
           <p:cNvPicPr>
             <a:picLocks noGrp="1" noChangeAspect="1"/>
           </p:cNvPicPr>
@@ -9788,7 +10412,7 @@
           </p:nvPr>
         </p:nvPicPr>
         <p:blipFill rotWithShape="1">
-          <a:blip r:embed="rId2">
+          <a:blip r:embed="rId1">
             <a:extLst>
               <a:ext uri="{28A0092B-C50C-407E-A947-70E740481C1C}">
                 <a14:useLocalDpi xmlns:a14="http://schemas.microsoft.com/office/drawing/2010/main" val="0"/>
@@ -9796,7 +10420,9 @@
             </a:extLst>
           </a:blip>
           <a:srcRect l="10107" r="10628"/>
-          <a:stretch/>
+          <a:stretch>
+            <a:fillRect/>
+          </a:stretch>
         </p:blipFill>
         <p:spPr>
           <a:xfrm>
@@ -9807,16 +10433,8 @@
       </p:pic>
       <p:sp>
         <p:nvSpPr>
-          <p:cNvPr id="4" name="Title 1">
-            <a:extLst>
-              <a:ext uri="{FF2B5EF4-FFF2-40B4-BE49-F238E27FC236}">
-                <a16:creationId xmlns:a16="http://schemas.microsoft.com/office/drawing/2014/main" id="{B6175FDE-B4D3-4DB9-8143-CCC67BE4F807}"/>
-              </a:ext>
-            </a:extLst>
-          </p:cNvPr>
-          <p:cNvSpPr txBox="1">
-            <a:spLocks/>
-          </p:cNvSpPr>
+          <p:cNvPr id="4" name="Title 1"/>
+          <p:cNvSpPr txBox="1"/>
           <p:nvPr/>
         </p:nvSpPr>
         <p:spPr>
@@ -10086,57 +10704,55 @@
           <a:p>
             <a:r>
               <a:rPr lang="en-US" sz="1100" b="1" dirty="0">
-                <a:latin typeface="Times New Roman" panose="02020603050405020304" pitchFamily="18" charset="0"/>
-                <a:cs typeface="Times New Roman" panose="02020603050405020304" pitchFamily="18" charset="0"/>
+                <a:latin typeface="Times New Roman" panose="02020603050405020304" charset="0"/>
+                <a:cs typeface="Times New Roman" panose="02020603050405020304" charset="0"/>
               </a:rPr>
               <a:t>Exploring Deep Multimodal Fusion of Text and Photo for Hate Speech Classification </a:t>
             </a:r>
+            <a:endParaRPr lang="en-US" sz="1100" b="1" dirty="0">
+              <a:latin typeface="Times New Roman" panose="02020603050405020304" charset="0"/>
+              <a:cs typeface="Times New Roman" panose="02020603050405020304" charset="0"/>
+            </a:endParaRPr>
           </a:p>
           <a:p>
             <a:r>
               <a:rPr lang="en-US" sz="1050" i="1" dirty="0">
-                <a:latin typeface="Times New Roman" panose="02020603050405020304" pitchFamily="18" charset="0"/>
-                <a:cs typeface="Times New Roman" panose="02020603050405020304" pitchFamily="18" charset="0"/>
+                <a:latin typeface="Times New Roman" panose="02020603050405020304" charset="0"/>
+                <a:cs typeface="Times New Roman" panose="02020603050405020304" charset="0"/>
               </a:rPr>
               <a:t>Proceedings of the Third Workshop on Abusive Language Online</a:t>
             </a:r>
             <a:r>
               <a:rPr lang="en-US" sz="1400" b="1" i="1" dirty="0">
-                <a:latin typeface="Times New Roman" panose="02020603050405020304" pitchFamily="18" charset="0"/>
-                <a:cs typeface="Times New Roman" panose="02020603050405020304" pitchFamily="18" charset="0"/>
+                <a:latin typeface="Times New Roman" panose="02020603050405020304" charset="0"/>
+                <a:cs typeface="Times New Roman" panose="02020603050405020304" charset="0"/>
               </a:rPr>
               <a:t> </a:t>
             </a:r>
             <a:r>
               <a:rPr lang="en-US" sz="1400" i="1" dirty="0">
-                <a:latin typeface="Times New Roman" panose="02020603050405020304" pitchFamily="18" charset="0"/>
-                <a:cs typeface="Times New Roman" panose="02020603050405020304" pitchFamily="18" charset="0"/>
+                <a:latin typeface="Times New Roman" panose="02020603050405020304" charset="0"/>
+                <a:cs typeface="Times New Roman" panose="02020603050405020304" charset="0"/>
               </a:rPr>
               <a:t>, </a:t>
             </a:r>
             <a:r>
               <a:rPr lang="en-US" sz="1100" i="1" dirty="0">
-                <a:latin typeface="Times New Roman" panose="02020603050405020304" pitchFamily="18" charset="0"/>
-                <a:cs typeface="Times New Roman" panose="02020603050405020304" pitchFamily="18" charset="0"/>
+                <a:latin typeface="Times New Roman" panose="02020603050405020304" charset="0"/>
+                <a:cs typeface="Times New Roman" panose="02020603050405020304" charset="0"/>
               </a:rPr>
               <a:t>2019</a:t>
             </a:r>
             <a:endParaRPr lang="en-IN" sz="2800" b="1" i="1" dirty="0">
-              <a:latin typeface="Times New Roman" panose="02020603050405020304" pitchFamily="18" charset="0"/>
-              <a:cs typeface="Times New Roman" panose="02020603050405020304" pitchFamily="18" charset="0"/>
+              <a:latin typeface="Times New Roman" panose="02020603050405020304" charset="0"/>
+              <a:cs typeface="Times New Roman" panose="02020603050405020304" charset="0"/>
             </a:endParaRPr>
           </a:p>
         </p:txBody>
       </p:sp>
       <p:sp>
         <p:nvSpPr>
-          <p:cNvPr id="7" name="TextBox 6">
-            <a:extLst>
-              <a:ext uri="{FF2B5EF4-FFF2-40B4-BE49-F238E27FC236}">
-                <a16:creationId xmlns:a16="http://schemas.microsoft.com/office/drawing/2014/main" id="{2DEAB881-23FE-4EAC-9606-69A60B9C98D9}"/>
-              </a:ext>
-            </a:extLst>
-          </p:cNvPr>
+          <p:cNvPr id="7" name="TextBox 6"/>
           <p:cNvSpPr txBox="1"/>
           <p:nvPr/>
         </p:nvSpPr>
@@ -10164,6 +10780,7 @@
               <a:rPr lang="en-IN" dirty="0"/>
               <a:t>MLP-W : Serves as solution for fine-tuning word embeddings to hate speech domain.</a:t>
             </a:r>
+            <a:endParaRPr lang="en-IN" dirty="0"/>
           </a:p>
           <a:p>
             <a:endParaRPr lang="en-IN" dirty="0"/>
@@ -10177,87 +10794,11 @@
               <a:rPr lang="en-IN" dirty="0"/>
               <a:t>Gated Summation </a:t>
             </a:r>
+            <a:endParaRPr lang="en-IN" dirty="0"/>
           </a:p>
         </p:txBody>
       </p:sp>
     </p:spTree>
-    <p:extLst>
-      <p:ext uri="{BB962C8B-B14F-4D97-AF65-F5344CB8AC3E}">
-        <p14:creationId xmlns:p14="http://schemas.microsoft.com/office/powerpoint/2010/main" val="2897330158"/>
-      </p:ext>
-    </p:extLst>
-  </p:cSld>
-  <p:clrMapOvr>
-    <a:masterClrMapping/>
-  </p:clrMapOvr>
-</p:sld>
-</file>
-
-<file path=ppt/slides/slide6.xml><?xml version="1.0" encoding="utf-8"?>
-<p:sld xmlns:a="http://schemas.openxmlformats.org/drawingml/2006/main" xmlns:r="http://schemas.openxmlformats.org/officeDocument/2006/relationships" xmlns:p="http://schemas.openxmlformats.org/presentationml/2006/main">
-  <p:cSld>
-    <p:spTree>
-      <p:nvGrpSpPr>
-        <p:cNvPr id="1" name=""/>
-        <p:cNvGrpSpPr/>
-        <p:nvPr/>
-      </p:nvGrpSpPr>
-      <p:grpSpPr>
-        <a:xfrm>
-          <a:off x="0" y="0"/>
-          <a:ext cx="0" cy="0"/>
-          <a:chOff x="0" y="0"/>
-          <a:chExt cx="0" cy="0"/>
-        </a:xfrm>
-      </p:grpSpPr>
-      <p:sp>
-        <p:nvSpPr>
-          <p:cNvPr id="2" name="Title 1">
-            <a:extLst>
-              <a:ext uri="{FF2B5EF4-FFF2-40B4-BE49-F238E27FC236}">
-                <a16:creationId xmlns:a16="http://schemas.microsoft.com/office/drawing/2014/main" id="{CC37115D-7078-4AAD-BC68-887A96093194}"/>
-              </a:ext>
-            </a:extLst>
-          </p:cNvPr>
-          <p:cNvSpPr>
-            <a:spLocks noGrp="1"/>
-          </p:cNvSpPr>
-          <p:nvPr>
-            <p:ph type="title"/>
-          </p:nvPr>
-        </p:nvSpPr>
-        <p:spPr>
-          <a:xfrm>
-            <a:off x="376177" y="2009911"/>
-            <a:ext cx="8520600" cy="831300"/>
-          </a:xfrm>
-        </p:spPr>
-        <p:txBody>
-          <a:bodyPr/>
-          <a:lstStyle/>
-          <a:p>
-            <a:pPr algn="ctr"/>
-            <a:r>
-              <a:rPr lang="en-US" sz="2400" dirty="0">
-                <a:latin typeface="Times New Roman" panose="02020603050405020304" pitchFamily="18" charset="0"/>
-                <a:cs typeface="Times New Roman" panose="02020603050405020304" pitchFamily="18" charset="0"/>
-                <a:sym typeface="+mn-ea"/>
-              </a:rPr>
-              <a:t>Task 2  : Reasoning Of Meme Labelled Into Different Categories </a:t>
-            </a:r>
-            <a:endParaRPr lang="en-IN" sz="2400" dirty="0">
-              <a:latin typeface="Times New Roman" panose="02020603050405020304" pitchFamily="18" charset="0"/>
-              <a:cs typeface="Times New Roman" panose="02020603050405020304" pitchFamily="18" charset="0"/>
-            </a:endParaRPr>
-          </a:p>
-        </p:txBody>
-      </p:sp>
-    </p:spTree>
-    <p:extLst>
-      <p:ext uri="{BB962C8B-B14F-4D97-AF65-F5344CB8AC3E}">
-        <p14:creationId xmlns:p14="http://schemas.microsoft.com/office/powerpoint/2010/main" val="2877297694"/>
-      </p:ext>
-    </p:extLst>
   </p:cSld>
   <p:clrMapOvr>
     <a:masterClrMapping/>
@@ -10294,6 +10835,67 @@
         </p:nvSpPr>
         <p:spPr>
           <a:xfrm>
+            <a:off x="376177" y="2009911"/>
+            <a:ext cx="8520600" cy="831300"/>
+          </a:xfrm>
+        </p:spPr>
+        <p:txBody>
+          <a:bodyPr/>
+          <a:lstStyle/>
+          <a:p>
+            <a:pPr algn="ctr"/>
+            <a:r>
+              <a:rPr lang="en-US" sz="2400" dirty="0">
+                <a:latin typeface="Times New Roman" panose="02020603050405020304" charset="0"/>
+                <a:cs typeface="Times New Roman" panose="02020603050405020304" charset="0"/>
+                <a:sym typeface="+mn-ea"/>
+              </a:rPr>
+              <a:t>Task 2  : Reasoning Of Meme Labelled Into Different Categories </a:t>
+            </a:r>
+            <a:endParaRPr lang="en-IN" sz="2400" dirty="0">
+              <a:latin typeface="Times New Roman" panose="02020603050405020304" charset="0"/>
+              <a:cs typeface="Times New Roman" panose="02020603050405020304" charset="0"/>
+            </a:endParaRPr>
+          </a:p>
+        </p:txBody>
+      </p:sp>
+    </p:spTree>
+  </p:cSld>
+  <p:clrMapOvr>
+    <a:masterClrMapping/>
+  </p:clrMapOvr>
+</p:sld>
+</file>
+
+<file path=ppt/slides/slide8.xml><?xml version="1.0" encoding="utf-8"?>
+<p:sld xmlns:a="http://schemas.openxmlformats.org/drawingml/2006/main" xmlns:r="http://schemas.openxmlformats.org/officeDocument/2006/relationships" xmlns:p="http://schemas.openxmlformats.org/presentationml/2006/main">
+  <p:cSld>
+    <p:spTree>
+      <p:nvGrpSpPr>
+        <p:cNvPr id="1" name=""/>
+        <p:cNvGrpSpPr/>
+        <p:nvPr/>
+      </p:nvGrpSpPr>
+      <p:grpSpPr>
+        <a:xfrm>
+          <a:off x="0" y="0"/>
+          <a:ext cx="0" cy="0"/>
+          <a:chOff x="0" y="0"/>
+          <a:chExt cx="0" cy="0"/>
+        </a:xfrm>
+      </p:grpSpPr>
+      <p:sp>
+        <p:nvSpPr>
+          <p:cNvPr id="2" name="Title 1"/>
+          <p:cNvSpPr>
+            <a:spLocks noGrp="1"/>
+          </p:cNvSpPr>
+          <p:nvPr>
+            <p:ph type="title"/>
+          </p:nvPr>
+        </p:nvSpPr>
+        <p:spPr>
+          <a:xfrm>
             <a:off x="0" y="0"/>
             <a:ext cx="8516990" cy="611197"/>
           </a:xfrm>
@@ -10321,6 +10923,10 @@
               </a:rPr>
               <a:t>From Recognition to Cognition: Visual Commonsense Reasoning   </a:t>
             </a:r>
+            <a:endParaRPr lang="en-US" sz="1800" b="1" dirty="0">
+              <a:latin typeface="Times New Roman" panose="02020603050405020304" charset="0"/>
+              <a:cs typeface="Times New Roman" panose="02020603050405020304" charset="0"/>
+            </a:endParaRPr>
           </a:p>
         </p:txBody>
       </p:sp>
@@ -10357,7 +10963,7 @@
           <p:nvPr/>
         </p:nvPicPr>
         <p:blipFill>
-          <a:blip r:embed="rId2"/>
+          <a:blip r:embed="rId1"/>
           <a:srcRect l="1379" t="23282" r="1724" b="34807"/>
           <a:stretch>
             <a:fillRect/>
@@ -10397,7 +11003,7 @@
           <a:p>
             <a:r>
               <a:rPr lang="en-IN" dirty="0">
-                <a:hlinkClick r:id="rId3"/>
+                <a:hlinkClick r:id="rId2"/>
               </a:rPr>
               <a:t>https://arxiv.org/pdf/1811.10830.pdf</a:t>
             </a:r>
@@ -10471,6 +11077,7 @@
               <a:rPr lang="en-US" dirty="0"/>
               <a:t> Collected from Large Scale Movie Description Challenge and YouTube movie clips </a:t>
             </a:r>
+            <a:endParaRPr lang="en-US" dirty="0"/>
           </a:p>
           <a:p>
             <a:pPr>
@@ -10481,6 +11088,7 @@
               <a:rPr lang="en-US" dirty="0"/>
               <a:t>List of objects</a:t>
             </a:r>
+            <a:endParaRPr lang="en-US" dirty="0"/>
           </a:p>
           <a:p>
             <a:pPr>
@@ -10491,6 +11099,7 @@
               <a:rPr lang="en-US" dirty="0"/>
               <a:t> A query </a:t>
             </a:r>
+            <a:endParaRPr lang="en-US" dirty="0"/>
           </a:p>
           <a:p>
             <a:pPr>
@@ -10501,6 +11110,7 @@
               <a:rPr lang="en-US" dirty="0"/>
               <a:t> A set of N responses</a:t>
             </a:r>
+            <a:endParaRPr lang="en-US" dirty="0"/>
           </a:p>
         </p:txBody>
       </p:sp>
@@ -10512,7 +11122,7 @@
 </p:sld>
 </file>
 
-<file path=ppt/slides/slide8.xml><?xml version="1.0" encoding="utf-8"?>
+<file path=ppt/slides/slide9.xml><?xml version="1.0" encoding="utf-8"?>
 <p:sld xmlns:a="http://schemas.openxmlformats.org/drawingml/2006/main" xmlns:r="http://schemas.openxmlformats.org/officeDocument/2006/relationships" xmlns:p="http://schemas.openxmlformats.org/presentationml/2006/main">
   <p:cSld>
     <p:spTree>
@@ -10538,7 +11148,7 @@
           <p:nvPr/>
         </p:nvPicPr>
         <p:blipFill>
-          <a:blip r:embed="rId2"/>
+          <a:blip r:embed="rId1"/>
           <a:srcRect l="49310" t="31254" r="10920" b="33990"/>
           <a:stretch>
             <a:fillRect/>
@@ -10599,7 +11209,7 @@
           <p:nvPr/>
         </p:nvPicPr>
         <p:blipFill>
-          <a:blip r:embed="rId3"/>
+          <a:blip r:embed="rId2"/>
           <a:srcRect l="7241" t="35753" r="5977" b="29492"/>
           <a:stretch>
             <a:fillRect/>
@@ -10684,6 +11294,10 @@
               </a:rPr>
               <a:t> For Question Answering Q -&gt; A</a:t>
             </a:r>
+            <a:endParaRPr lang="en-US" dirty="0">
+              <a:latin typeface="Times New Roman" panose="02020603050405020304" charset="0"/>
+              <a:cs typeface="Times New Roman" panose="02020603050405020304" charset="0"/>
+            </a:endParaRPr>
           </a:p>
           <a:p>
             <a:pPr>
@@ -10697,6 +11311,10 @@
               </a:rPr>
               <a:t> Language generation dataset to Multiple Choice Test</a:t>
             </a:r>
+            <a:endParaRPr lang="en-US" dirty="0">
+              <a:latin typeface="Times New Roman" panose="02020603050405020304" charset="0"/>
+              <a:cs typeface="Times New Roman" panose="02020603050405020304" charset="0"/>
+            </a:endParaRPr>
           </a:p>
           <a:p>
             <a:pPr>
@@ -10710,6 +11328,10 @@
               </a:rPr>
               <a:t> Two subtasks:</a:t>
             </a:r>
+            <a:endParaRPr lang="en-US" dirty="0">
+              <a:latin typeface="Times New Roman" panose="02020603050405020304" charset="0"/>
+              <a:cs typeface="Times New Roman" panose="02020603050405020304" charset="0"/>
+            </a:endParaRPr>
           </a:p>
           <a:p>
             <a:r>
@@ -10719,6 +11341,10 @@
               </a:rPr>
               <a:t>            - Answer is as relevant as possible</a:t>
             </a:r>
+            <a:endParaRPr lang="en-US" dirty="0">
+              <a:latin typeface="Times New Roman" panose="02020603050405020304" charset="0"/>
+              <a:cs typeface="Times New Roman" panose="02020603050405020304" charset="0"/>
+            </a:endParaRPr>
           </a:p>
           <a:p>
             <a:r>
@@ -10728,6 +11354,10 @@
               </a:rPr>
               <a:t>            - Dissimilarity between other answers are from the correct answer</a:t>
             </a:r>
+            <a:endParaRPr lang="en-US" dirty="0">
+              <a:latin typeface="Times New Roman" panose="02020603050405020304" charset="0"/>
+              <a:cs typeface="Times New Roman" panose="02020603050405020304" charset="0"/>
+            </a:endParaRPr>
           </a:p>
           <a:p>
             <a:pPr>
@@ -10741,6 +11371,10 @@
               </a:rPr>
               <a:t> Maximum weight bipartite matching</a:t>
             </a:r>
+            <a:endParaRPr lang="en-US" dirty="0">
+              <a:latin typeface="Times New Roman" panose="02020603050405020304" charset="0"/>
+              <a:cs typeface="Times New Roman" panose="02020603050405020304" charset="0"/>
+            </a:endParaRPr>
           </a:p>
           <a:p>
             <a:endParaRPr lang="en-US" dirty="0">
@@ -10796,6 +11430,10 @@
               </a:rPr>
               <a:t> QA -&gt; R </a:t>
             </a:r>
+            <a:endParaRPr lang="en-US" dirty="0">
+              <a:latin typeface="Times New Roman" panose="02020603050405020304" charset="0"/>
+              <a:cs typeface="Times New Roman" panose="02020603050405020304" charset="0"/>
+            </a:endParaRPr>
           </a:p>
           <a:p>
             <a:pPr>
@@ -10809,6 +11447,10 @@
               </a:rPr>
               <a:t> Grounding</a:t>
             </a:r>
+            <a:endParaRPr lang="en-US" dirty="0">
+              <a:latin typeface="Times New Roman" panose="02020603050405020304" charset="0"/>
+              <a:cs typeface="Times New Roman" panose="02020603050405020304" charset="0"/>
+            </a:endParaRPr>
           </a:p>
           <a:p>
             <a:pPr>
@@ -10822,6 +11464,10 @@
               </a:rPr>
               <a:t> Contextualization</a:t>
             </a:r>
+            <a:endParaRPr lang="en-US" dirty="0">
+              <a:latin typeface="Times New Roman" panose="02020603050405020304" charset="0"/>
+              <a:cs typeface="Times New Roman" panose="02020603050405020304" charset="0"/>
+            </a:endParaRPr>
           </a:p>
           <a:p>
             <a:pPr>
@@ -10842,204 +11488,6 @@
           </a:p>
         </p:txBody>
       </p:sp>
-    </p:spTree>
-  </p:cSld>
-  <p:clrMapOvr>
-    <a:masterClrMapping/>
-  </p:clrMapOvr>
-</p:sld>
-</file>
-
-<file path=ppt/slides/slide9.xml><?xml version="1.0" encoding="utf-8"?>
-<p:sld xmlns:a="http://schemas.openxmlformats.org/drawingml/2006/main" xmlns:r="http://schemas.openxmlformats.org/officeDocument/2006/relationships" xmlns:p="http://schemas.openxmlformats.org/presentationml/2006/main">
-  <p:cSld>
-    <p:spTree>
-      <p:nvGrpSpPr>
-        <p:cNvPr id="1" name="Shape 61"/>
-        <p:cNvGrpSpPr/>
-        <p:nvPr/>
-      </p:nvGrpSpPr>
-      <p:grpSpPr>
-        <a:xfrm>
-          <a:off x="0" y="0"/>
-          <a:ext cx="0" cy="0"/>
-          <a:chOff x="0" y="0"/>
-          <a:chExt cx="0" cy="0"/>
-        </a:xfrm>
-      </p:grpSpPr>
-      <p:sp>
-        <p:nvSpPr>
-          <p:cNvPr id="62" name="Google Shape;62;p13"/>
-          <p:cNvSpPr txBox="1">
-            <a:spLocks noGrp="1"/>
-          </p:cNvSpPr>
-          <p:nvPr>
-            <p:ph type="ctrTitle"/>
-          </p:nvPr>
-        </p:nvSpPr>
-        <p:spPr>
-          <a:xfrm>
-            <a:off x="2461260" y="2052955"/>
-            <a:ext cx="4420870" cy="1010920"/>
-          </a:xfrm>
-          <a:prstGeom prst="rect">
-            <a:avLst/>
-          </a:prstGeom>
-        </p:spPr>
-        <p:txBody>
-          <a:bodyPr spcFirstLastPara="1" wrap="square" lIns="91425" tIns="91425" rIns="91425" bIns="91425" anchor="b" anchorCtr="0">
-            <a:noAutofit/>
-          </a:bodyPr>
-          <a:lstStyle/>
-          <a:p>
-            <a:pPr marL="0" lvl="0" indent="0" algn="ctr" rtl="0">
-              <a:spcBef>
-                <a:spcPts val="0"/>
-              </a:spcBef>
-              <a:spcAft>
-                <a:spcPts val="0"/>
-              </a:spcAft>
-              <a:buNone/>
-            </a:pPr>
-            <a:r>
-              <a:rPr sz="2400">
-                <a:latin typeface="Times New Roman" panose="02020603050405020304" charset="0"/>
-                <a:cs typeface="Times New Roman" panose="02020603050405020304" charset="0"/>
-              </a:rPr>
-              <a:t>Leveraging Visual Question Answering for</a:t>
-            </a:r>
-            <a:br>
-              <a:rPr sz="2400">
-                <a:latin typeface="Times New Roman" panose="02020603050405020304" charset="0"/>
-                <a:cs typeface="Times New Roman" panose="02020603050405020304" charset="0"/>
-              </a:rPr>
-            </a:br>
-            <a:r>
-              <a:rPr sz="2400">
-                <a:latin typeface="Times New Roman" panose="02020603050405020304" charset="0"/>
-                <a:cs typeface="Times New Roman" panose="02020603050405020304" charset="0"/>
-              </a:rPr>
-              <a:t>Image-Caption Ranking</a:t>
-            </a:r>
-          </a:p>
-        </p:txBody>
-      </p:sp>
-      <p:sp>
-        <p:nvSpPr>
-          <p:cNvPr id="3" name="Text Box 0"/>
-          <p:cNvSpPr txBox="1"/>
-          <p:nvPr/>
-        </p:nvSpPr>
-        <p:spPr>
-          <a:xfrm>
-            <a:off x="2683510" y="3310255"/>
-            <a:ext cx="3316605" cy="706755"/>
-          </a:xfrm>
-          <a:prstGeom prst="rect">
-            <a:avLst/>
-          </a:prstGeom>
-          <a:noFill/>
-        </p:spPr>
-        <p:txBody>
-          <a:bodyPr wrap="none" rtlCol="0">
-            <a:spAutoFit/>
-          </a:bodyPr>
-          <a:lstStyle/>
-          <a:p>
-            <a:pPr algn="l"/>
-            <a:r>
-              <a:rPr lang="en-US" sz="1000">
-                <a:latin typeface="Times New Roman" panose="02020603050405020304" charset="0"/>
-                <a:cs typeface="Times New Roman" panose="02020603050405020304" charset="0"/>
-              </a:rPr>
-              <a:t>Xiao Lin Devi Parikh</a:t>
-            </a:r>
-          </a:p>
-          <a:p>
-            <a:pPr algn="l"/>
-            <a:r>
-              <a:rPr lang="en-US" sz="1000">
-                <a:latin typeface="Times New Roman" panose="02020603050405020304" charset="0"/>
-                <a:cs typeface="Times New Roman" panose="02020603050405020304" charset="0"/>
-              </a:rPr>
-              <a:t>Bradley Department of Electrical and Computer Engineering,</a:t>
-            </a:r>
-          </a:p>
-          <a:p>
-            <a:pPr algn="l"/>
-            <a:r>
-              <a:rPr lang="en-US" sz="1000">
-                <a:latin typeface="Times New Roman" panose="02020603050405020304" charset="0"/>
-                <a:cs typeface="Times New Roman" panose="02020603050405020304" charset="0"/>
-              </a:rPr>
-              <a:t>Virginia Tech</a:t>
-            </a:r>
-          </a:p>
-          <a:p>
-            <a:pPr algn="l"/>
-            <a:r>
-              <a:rPr lang="en-US" sz="1000">
-                <a:latin typeface="Times New Roman" panose="02020603050405020304" charset="0"/>
-                <a:cs typeface="Times New Roman" panose="02020603050405020304" charset="0"/>
-              </a:rPr>
-              <a:t>{linxiao,parikh}@vt.edu</a:t>
-            </a:r>
-          </a:p>
-        </p:txBody>
-      </p:sp>
-      <p:graphicFrame>
-        <p:nvGraphicFramePr>
-          <p:cNvPr id="2" name="Object 1">
-            <a:hlinkClick r:id="" action="ppaction://ole?verb=0"/>
-          </p:cNvPr>
-          <p:cNvGraphicFramePr>
-            <a:graphicFrameLocks noChangeAspect="1"/>
-          </p:cNvGraphicFramePr>
-          <p:nvPr/>
-        </p:nvGraphicFramePr>
-        <p:xfrm>
-          <a:off x="4114800" y="2463800"/>
-          <a:ext cx="914400" cy="215900"/>
-        </p:xfrm>
-        <a:graphic>
-          <a:graphicData uri="http://schemas.openxmlformats.org/presentationml/2006/ole">
-            <mc:AlternateContent xmlns:mc="http://schemas.openxmlformats.org/markup-compatibility/2006">
-              <mc:Choice xmlns:v="urn:schemas-microsoft-com:vml" Requires="v">
-                <p:oleObj spid="_x0000_s1035" r:id="rId4" imgW="914400" imgH="215900" progId="Equation.KSEE3">
-                  <p:embed/>
-                </p:oleObj>
-              </mc:Choice>
-              <mc:Fallback>
-                <p:oleObj r:id="rId4" imgW="914400" imgH="215900" progId="Equation.KSEE3">
-                  <p:embed/>
-                  <p:pic>
-                    <p:nvPicPr>
-                      <p:cNvPr id="0" name="Picture 1024"/>
-                      <p:cNvPicPr/>
-                      <p:nvPr/>
-                    </p:nvPicPr>
-                    <p:blipFill>
-                      <a:blip r:embed="rId5"/>
-                      <a:stretch>
-                        <a:fillRect/>
-                      </a:stretch>
-                    </p:blipFill>
-                    <p:spPr>
-                      <a:xfrm>
-                        <a:off x="4114800" y="2463800"/>
-                        <a:ext cx="914400" cy="215900"/>
-                      </a:xfrm>
-                      <a:prstGeom prst="rect">
-                        <a:avLst/>
-                      </a:prstGeom>
-                    </p:spPr>
-                  </p:pic>
-                </p:oleObj>
-              </mc:Fallback>
-            </mc:AlternateContent>
-          </a:graphicData>
-        </a:graphic>
-      </p:graphicFrame>
     </p:spTree>
   </p:cSld>
   <p:clrMapOvr>
@@ -11324,8 +11772,6 @@
       </a:bgFillStyleLst>
     </a:fmtScheme>
   </a:themeElements>
-  <a:objectDefaults/>
-  <a:extraClrSchemeLst/>
   <a:extLst>
     <a:ext uri="{05A4C25C-085E-4340-85A3-A5531E510DB2}">
       <thm15:themeFamily xmlns:thm15="http://schemas.microsoft.com/office/thememl/2012/main" name="Office Theme" id="{62F939B6-93AF-4DB8-9C6B-D6C7DFDC589F}" vid="{4A3C46E8-61CC-4603-A589-7422A47A8E4A}"/>
@@ -11610,8 +12056,6 @@
       </a:bgFillStyleLst>
     </a:fmtScheme>
   </a:themeElements>
-  <a:objectDefaults/>
-  <a:extraClrSchemeLst/>
   <a:extLst>
     <a:ext uri="{05A4C25C-085E-4340-85A3-A5531E510DB2}">
       <thm15:themeFamily xmlns:thm15="http://schemas.microsoft.com/office/thememl/2012/main" name="Office Theme" id="{62F939B6-93AF-4DB8-9C6B-D6C7DFDC589F}" vid="{4A3C46E8-61CC-4603-A589-7422A47A8E4A}"/>

--- a/Literature Survey 2.pptx
+++ b/Literature Survey 2.pptx
@@ -5,44 +5,45 @@
     <p:sldMasterId id="2147483648" r:id="rId1"/>
   </p:sldMasterIdLst>
   <p:notesMasterIdLst>
-    <p:notesMasterId r:id="rId4"/>
+    <p:notesMasterId r:id="rId20"/>
   </p:notesMasterIdLst>
   <p:sldIdLst>
-    <p:sldId id="318" r:id="rId3"/>
-    <p:sldId id="319" r:id="rId5"/>
-    <p:sldId id="320" r:id="rId6"/>
-    <p:sldId id="321" r:id="rId7"/>
-    <p:sldId id="285" r:id="rId8"/>
-    <p:sldId id="280" r:id="rId9"/>
-    <p:sldId id="281" r:id="rId10"/>
-    <p:sldId id="256" r:id="rId11"/>
-    <p:sldId id="267" r:id="rId12"/>
-    <p:sldId id="268" r:id="rId13"/>
-    <p:sldId id="263" r:id="rId14"/>
-    <p:sldId id="271" r:id="rId15"/>
-    <p:sldId id="272" r:id="rId16"/>
-    <p:sldId id="273" r:id="rId17"/>
-    <p:sldId id="275" r:id="rId18"/>
-    <p:sldId id="274" r:id="rId19"/>
-    <p:sldId id="277" r:id="rId20"/>
+    <p:sldId id="318" r:id="rId2"/>
+    <p:sldId id="319" r:id="rId3"/>
+    <p:sldId id="320" r:id="rId4"/>
+    <p:sldId id="321" r:id="rId5"/>
+    <p:sldId id="285" r:id="rId6"/>
+    <p:sldId id="322" r:id="rId7"/>
+    <p:sldId id="323" r:id="rId8"/>
+    <p:sldId id="324" r:id="rId9"/>
+    <p:sldId id="256" r:id="rId10"/>
+    <p:sldId id="267" r:id="rId11"/>
+    <p:sldId id="268" r:id="rId12"/>
+    <p:sldId id="263" r:id="rId13"/>
+    <p:sldId id="271" r:id="rId14"/>
+    <p:sldId id="272" r:id="rId15"/>
+    <p:sldId id="273" r:id="rId16"/>
+    <p:sldId id="275" r:id="rId17"/>
+    <p:sldId id="274" r:id="rId18"/>
+    <p:sldId id="277" r:id="rId19"/>
   </p:sldIdLst>
   <p:sldSz cx="9144000" cy="5143500" type="screen16x9"/>
   <p:notesSz cx="6858000" cy="9144000"/>
   <p:embeddedFontLst>
     <p:embeddedFont>
-      <p:font typeface="Economica" panose="02000506040000020004"/>
-      <p:regular r:id="rId24"/>
+      <p:font typeface="Georgia" pitchFamily="18" charset="0"/>
+      <p:regular r:id="rId21"/>
+      <p:bold r:id="rId22"/>
+      <p:italic r:id="rId23"/>
+      <p:boldItalic r:id="rId24"/>
     </p:embeddedFont>
     <p:embeddedFont>
-      <p:font typeface="Open Sans" panose="020B0606030504020204"/>
+      <p:font typeface="Economica" charset="0"/>
       <p:regular r:id="rId25"/>
     </p:embeddedFont>
     <p:embeddedFont>
-      <p:font typeface="Georgia" panose="02040502050405020303" charset="0"/>
+      <p:font typeface="Open Sans" charset="0"/>
       <p:regular r:id="rId26"/>
-      <p:bold r:id="rId27"/>
-      <p:italic r:id="rId28"/>
-      <p:boldItalic r:id="rId29"/>
     </p:embeddedFont>
   </p:embeddedFontLst>
   <p:defaultTextStyle>
@@ -478,7 +479,9 @@
               <a:defRPr sz="1100"/>
             </a:lvl9pPr>
           </a:lstStyle>
-          <a:p/>
+          <a:p>
+            <a:endParaRPr/>
+          </a:p>
         </p:txBody>
       </p:sp>
     </p:spTree>
@@ -725,11 +728,20 @@
         <p:cNvGrpSpPr/>
         <p:nvPr/>
       </p:nvGrpSpPr>
-      <p:grpSpPr/>
+      <p:grpSpPr>
+        <a:xfrm>
+          <a:off x="0" y="0"/>
+          <a:ext cx="0" cy="0"/>
+          <a:chOff x="0" y="0"/>
+          <a:chExt cx="0" cy="0"/>
+        </a:xfrm>
+      </p:grpSpPr>
       <p:sp>
         <p:nvSpPr>
           <p:cNvPr id="2" name="Slide Image Placeholder 1"/>
-          <p:cNvSpPr/>
+          <p:cNvSpPr>
+            <a:spLocks noGrp="1" noRot="1" noChangeAspect="1"/>
+          </p:cNvSpPr>
           <p:nvPr>
             <p:ph type="sldImg" idx="2"/>
           </p:nvPr>
@@ -739,7 +751,9 @@
       <p:sp>
         <p:nvSpPr>
           <p:cNvPr id="3" name="Text Placeholder 2"/>
-          <p:cNvSpPr/>
+          <p:cNvSpPr>
+            <a:spLocks noGrp="1"/>
+          </p:cNvSpPr>
           <p:nvPr>
             <p:ph type="body" idx="1"/>
           </p:nvPr>
@@ -747,6 +761,7 @@
         <p:spPr/>
         <p:txBody>
           <a:bodyPr/>
+          <a:lstStyle/>
           <a:p>
             <a:endParaRPr lang="en-US"/>
           </a:p>
@@ -761,7 +776,7 @@
 </file>
 
 <file path=ppt/notesSlides/notesSlide2.xml><?xml version="1.0" encoding="utf-8"?>
-<p:notes xmlns:a="http://schemas.openxmlformats.org/drawingml/2006/main" xmlns:r="http://schemas.openxmlformats.org/officeDocument/2006/relationships" xmlns:p="http://schemas.openxmlformats.org/presentationml/2006/main" showMasterPhAnim="0" showMasterSp="0">
+<p:notes xmlns:a="http://schemas.openxmlformats.org/drawingml/2006/main" xmlns:r="http://schemas.openxmlformats.org/officeDocument/2006/relationships" xmlns:p="http://schemas.openxmlformats.org/presentationml/2006/main" showMasterSp="0" showMasterPhAnim="0">
   <p:cSld>
     <p:spTree>
       <p:nvGrpSpPr>
@@ -852,6 +867,7 @@
               </a:spcAft>
               <a:buNone/>
             </a:pPr>
+            <a:endParaRPr/>
           </a:p>
         </p:txBody>
       </p:sp>
@@ -864,7 +880,7 @@
 </file>
 
 <file path=ppt/notesSlides/notesSlide3.xml><?xml version="1.0" encoding="utf-8"?>
-<p:notes xmlns:a="http://schemas.openxmlformats.org/drawingml/2006/main" xmlns:r="http://schemas.openxmlformats.org/officeDocument/2006/relationships" xmlns:p="http://schemas.openxmlformats.org/presentationml/2006/main" showMasterPhAnim="0" showMasterSp="0">
+<p:notes xmlns:a="http://schemas.openxmlformats.org/drawingml/2006/main" xmlns:r="http://schemas.openxmlformats.org/officeDocument/2006/relationships" xmlns:p="http://schemas.openxmlformats.org/presentationml/2006/main" showMasterSp="0" showMasterPhAnim="0">
   <p:cSld>
     <p:spTree>
       <p:nvGrpSpPr>
@@ -955,6 +971,7 @@
               </a:spcAft>
               <a:buNone/>
             </a:pPr>
+            <a:endParaRPr/>
           </a:p>
         </p:txBody>
       </p:sp>
@@ -967,7 +984,7 @@
 </file>
 
 <file path=ppt/slideLayouts/slideLayout1.xml><?xml version="1.0" encoding="utf-8"?>
-<p:sldLayout xmlns:a="http://schemas.openxmlformats.org/drawingml/2006/main" xmlns:r="http://schemas.openxmlformats.org/officeDocument/2006/relationships" xmlns:p="http://schemas.openxmlformats.org/presentationml/2006/main" type="title" matchingName="Title slide">
+<p:sldLayout xmlns:a="http://schemas.openxmlformats.org/drawingml/2006/main" xmlns:r="http://schemas.openxmlformats.org/officeDocument/2006/relationships" xmlns:p="http://schemas.openxmlformats.org/presentationml/2006/main" matchingName="Title slide" type="title">
   <p:cSld name="TITLE">
     <p:spTree>
       <p:nvGrpSpPr>
@@ -1193,7 +1210,9 @@
               <a:defRPr/>
             </a:lvl9pPr>
           </a:lstStyle>
-          <a:p/>
+          <a:p>
+            <a:endParaRPr/>
+          </a:p>
         </p:txBody>
       </p:sp>
       <p:sp>
@@ -1401,7 +1420,9 @@
               </a:defRPr>
             </a:lvl9pPr>
           </a:lstStyle>
-          <a:p/>
+          <a:p>
+            <a:endParaRPr/>
+          </a:p>
         </p:txBody>
       </p:sp>
       <p:sp>
@@ -1477,6 +1498,16 @@
             </a:pPr>
             <a:fld id="{00000000-1234-1234-1234-123412341234}" type="slidenum">
               <a:rPr lang="en-GB"/>
+              <a:pPr marL="0" lvl="0" indent="0" algn="r" rtl="0">
+                <a:spcBef>
+                  <a:spcPts val="0"/>
+                </a:spcBef>
+                <a:spcAft>
+                  <a:spcPts val="0"/>
+                </a:spcAft>
+                <a:buNone/>
+              </a:pPr>
+              <a:t>‹#›</a:t>
             </a:fld>
             <a:endParaRPr lang="en-GB"/>
           </a:p>
@@ -1543,6 +1574,7 @@
               </a:spcAft>
               <a:buNone/>
             </a:pPr>
+            <a:endParaRPr/>
           </a:p>
         </p:txBody>
       </p:sp>
@@ -1864,7 +1896,9 @@
               <a:defRPr/>
             </a:lvl9pPr>
           </a:lstStyle>
-          <a:p/>
+          <a:p>
+            <a:endParaRPr/>
+          </a:p>
         </p:txBody>
       </p:sp>
       <p:sp>
@@ -1940,6 +1974,16 @@
             </a:pPr>
             <a:fld id="{00000000-1234-1234-1234-123412341234}" type="slidenum">
               <a:rPr lang="en-GB"/>
+              <a:pPr marL="0" lvl="0" indent="0" algn="r" rtl="0">
+                <a:spcBef>
+                  <a:spcPts val="0"/>
+                </a:spcBef>
+                <a:spcAft>
+                  <a:spcPts val="0"/>
+                </a:spcAft>
+                <a:buNone/>
+              </a:pPr>
+              <a:t>‹#›</a:t>
             </a:fld>
             <a:endParaRPr lang="en-GB"/>
           </a:p>
@@ -1954,8 +1998,175 @@
 </file>
 
 <file path=ppt/slideLayouts/slideLayout11.xml><?xml version="1.0" encoding="utf-8"?>
-<p:sldLayout xmlns:a="http://schemas.openxmlformats.org/drawingml/2006/main" xmlns:r="http://schemas.openxmlformats.org/officeDocument/2006/relationships" xmlns:p="http://schemas.openxmlformats.org/presentationml/2006/main" type="blank" matchingName="Blank">
-  <p:cSld name="BLANK">
+<p:sldLayout xmlns:a="http://schemas.openxmlformats.org/drawingml/2006/main" xmlns:r="http://schemas.openxmlformats.org/officeDocument/2006/relationships" xmlns:p="http://schemas.openxmlformats.org/presentationml/2006/main" type="obj">
+  <p:cSld name="Title and Content">
+    <p:spTree>
+      <p:nvGrpSpPr>
+        <p:cNvPr id="1" name=""/>
+        <p:cNvGrpSpPr/>
+        <p:nvPr/>
+      </p:nvGrpSpPr>
+      <p:grpSpPr>
+        <a:xfrm>
+          <a:off x="0" y="0"/>
+          <a:ext cx="0" cy="0"/>
+          <a:chOff x="0" y="0"/>
+          <a:chExt cx="0" cy="0"/>
+        </a:xfrm>
+      </p:grpSpPr>
+      <p:sp>
+        <p:nvSpPr>
+          <p:cNvPr id="2" name="Title 1"/>
+          <p:cNvSpPr>
+            <a:spLocks noGrp="1"/>
+          </p:cNvSpPr>
+          <p:nvPr>
+            <p:ph type="title"/>
+          </p:nvPr>
+        </p:nvSpPr>
+        <p:spPr/>
+        <p:txBody>
+          <a:bodyPr/>
+          <a:lstStyle/>
+          <a:p>
+            <a:r>
+              <a:rPr lang="en-US"/>
+              <a:t>Click to edit Master title style</a:t>
+            </a:r>
+            <a:endParaRPr lang="en-IN"/>
+          </a:p>
+        </p:txBody>
+      </p:sp>
+      <p:sp>
+        <p:nvSpPr>
+          <p:cNvPr id="3" name="Content Placeholder 2"/>
+          <p:cNvSpPr>
+            <a:spLocks noGrp="1"/>
+          </p:cNvSpPr>
+          <p:nvPr>
+            <p:ph idx="1"/>
+          </p:nvPr>
+        </p:nvSpPr>
+        <p:spPr/>
+        <p:txBody>
+          <a:bodyPr/>
+          <a:lstStyle/>
+          <a:p>
+            <a:pPr lvl="0"/>
+            <a:r>
+              <a:rPr lang="en-US"/>
+              <a:t>Click to edit Master text styles</a:t>
+            </a:r>
+          </a:p>
+          <a:p>
+            <a:pPr lvl="1"/>
+            <a:r>
+              <a:rPr lang="en-US"/>
+              <a:t>Second level</a:t>
+            </a:r>
+          </a:p>
+          <a:p>
+            <a:pPr lvl="2"/>
+            <a:r>
+              <a:rPr lang="en-US"/>
+              <a:t>Third level</a:t>
+            </a:r>
+          </a:p>
+          <a:p>
+            <a:pPr lvl="3"/>
+            <a:r>
+              <a:rPr lang="en-US"/>
+              <a:t>Fourth level</a:t>
+            </a:r>
+          </a:p>
+          <a:p>
+            <a:pPr lvl="4"/>
+            <a:r>
+              <a:rPr lang="en-US"/>
+              <a:t>Fifth level</a:t>
+            </a:r>
+            <a:endParaRPr lang="en-IN"/>
+          </a:p>
+        </p:txBody>
+      </p:sp>
+      <p:sp>
+        <p:nvSpPr>
+          <p:cNvPr id="4" name="Date Placeholder 3"/>
+          <p:cNvSpPr>
+            <a:spLocks noGrp="1"/>
+          </p:cNvSpPr>
+          <p:nvPr>
+            <p:ph type="dt" sz="half" idx="10"/>
+          </p:nvPr>
+        </p:nvSpPr>
+        <p:spPr/>
+        <p:txBody>
+          <a:bodyPr/>
+          <a:lstStyle/>
+          <a:p>
+            <a:fld id="{9B3AADE1-27EE-4014-B194-B389A1EA2F57}" type="datetimeFigureOut">
+              <a:rPr lang="en-IN" smtClean="0"/>
+              <a:pPr/>
+              <a:t>06-11-2020</a:t>
+            </a:fld>
+            <a:endParaRPr lang="en-IN"/>
+          </a:p>
+        </p:txBody>
+      </p:sp>
+      <p:sp>
+        <p:nvSpPr>
+          <p:cNvPr id="5" name="Footer Placeholder 4"/>
+          <p:cNvSpPr>
+            <a:spLocks noGrp="1"/>
+          </p:cNvSpPr>
+          <p:nvPr>
+            <p:ph type="ftr" sz="quarter" idx="11"/>
+          </p:nvPr>
+        </p:nvSpPr>
+        <p:spPr/>
+        <p:txBody>
+          <a:bodyPr/>
+          <a:lstStyle/>
+          <a:p>
+            <a:endParaRPr lang="en-IN"/>
+          </a:p>
+        </p:txBody>
+      </p:sp>
+      <p:sp>
+        <p:nvSpPr>
+          <p:cNvPr id="6" name="Slide Number Placeholder 5"/>
+          <p:cNvSpPr>
+            <a:spLocks noGrp="1"/>
+          </p:cNvSpPr>
+          <p:nvPr>
+            <p:ph type="sldNum" sz="quarter" idx="12"/>
+          </p:nvPr>
+        </p:nvSpPr>
+        <p:spPr/>
+        <p:txBody>
+          <a:bodyPr/>
+          <a:lstStyle/>
+          <a:p>
+            <a:fld id="{69E6659B-BF6E-4DE8-8DA1-709FC145E0D7}" type="slidenum">
+              <a:rPr lang="en-IN" smtClean="0"/>
+              <a:pPr/>
+              <a:t>‹#›</a:t>
+            </a:fld>
+            <a:endParaRPr lang="en-IN"/>
+          </a:p>
+        </p:txBody>
+      </p:sp>
+    </p:spTree>
+  </p:cSld>
+  <p:clrMapOvr>
+    <a:masterClrMapping/>
+  </p:clrMapOvr>
+</p:sldLayout>
+</file>
+
+<file path=ppt/slideLayouts/slideLayout12.xml><?xml version="1.0" encoding="utf-8"?>
+<p:sldLayout xmlns:a="http://schemas.openxmlformats.org/drawingml/2006/main" xmlns:r="http://schemas.openxmlformats.org/officeDocument/2006/relationships" xmlns:p="http://schemas.openxmlformats.org/presentationml/2006/main" matchingName="Blank" type="blank">
+  <p:cSld name="Blank">
     <p:spTree>
       <p:nvGrpSpPr>
         <p:cNvPr id="1" name="Shape 56"/>
@@ -2043,175 +2254,18 @@
             </a:pPr>
             <a:fld id="{00000000-1234-1234-1234-123412341234}" type="slidenum">
               <a:rPr lang="en-GB"/>
+              <a:pPr marL="0" lvl="0" indent="0" algn="r" rtl="0">
+                <a:spcBef>
+                  <a:spcPts val="0"/>
+                </a:spcBef>
+                <a:spcAft>
+                  <a:spcPts val="0"/>
+                </a:spcAft>
+                <a:buNone/>
+              </a:pPr>
+              <a:t>‹#›</a:t>
             </a:fld>
             <a:endParaRPr lang="en-GB"/>
-          </a:p>
-        </p:txBody>
-      </p:sp>
-    </p:spTree>
-  </p:cSld>
-  <p:clrMapOvr>
-    <a:masterClrMapping/>
-  </p:clrMapOvr>
-</p:sldLayout>
-</file>
-
-<file path=ppt/slideLayouts/slideLayout12.xml><?xml version="1.0" encoding="utf-8"?>
-<p:sldLayout xmlns:a="http://schemas.openxmlformats.org/drawingml/2006/main" xmlns:r="http://schemas.openxmlformats.org/officeDocument/2006/relationships" xmlns:p="http://schemas.openxmlformats.org/presentationml/2006/main" type="obj">
-  <p:cSld name="Title and Content">
-    <p:spTree>
-      <p:nvGrpSpPr>
-        <p:cNvPr id="1" name=""/>
-        <p:cNvGrpSpPr/>
-        <p:nvPr/>
-      </p:nvGrpSpPr>
-      <p:grpSpPr>
-        <a:xfrm>
-          <a:off x="0" y="0"/>
-          <a:ext cx="0" cy="0"/>
-          <a:chOff x="0" y="0"/>
-          <a:chExt cx="0" cy="0"/>
-        </a:xfrm>
-      </p:grpSpPr>
-      <p:sp>
-        <p:nvSpPr>
-          <p:cNvPr id="2" name="Title 1"/>
-          <p:cNvSpPr>
-            <a:spLocks noGrp="1"/>
-          </p:cNvSpPr>
-          <p:nvPr>
-            <p:ph type="title"/>
-          </p:nvPr>
-        </p:nvSpPr>
-        <p:spPr/>
-        <p:txBody>
-          <a:bodyPr/>
-          <a:lstStyle/>
-          <a:p>
-            <a:r>
-              <a:rPr lang="en-US"/>
-              <a:t>Click to edit Master title style</a:t>
-            </a:r>
-            <a:endParaRPr lang="en-IN"/>
-          </a:p>
-        </p:txBody>
-      </p:sp>
-      <p:sp>
-        <p:nvSpPr>
-          <p:cNvPr id="3" name="Content Placeholder 2"/>
-          <p:cNvSpPr>
-            <a:spLocks noGrp="1"/>
-          </p:cNvSpPr>
-          <p:nvPr>
-            <p:ph idx="1"/>
-          </p:nvPr>
-        </p:nvSpPr>
-        <p:spPr/>
-        <p:txBody>
-          <a:bodyPr/>
-          <a:lstStyle/>
-          <a:p>
-            <a:pPr lvl="0"/>
-            <a:r>
-              <a:rPr lang="en-US"/>
-              <a:t>Click to edit Master text styles</a:t>
-            </a:r>
-            <a:endParaRPr lang="en-US"/>
-          </a:p>
-          <a:p>
-            <a:pPr lvl="1"/>
-            <a:r>
-              <a:rPr lang="en-US"/>
-              <a:t>Second level</a:t>
-            </a:r>
-            <a:endParaRPr lang="en-US"/>
-          </a:p>
-          <a:p>
-            <a:pPr lvl="2"/>
-            <a:r>
-              <a:rPr lang="en-US"/>
-              <a:t>Third level</a:t>
-            </a:r>
-            <a:endParaRPr lang="en-US"/>
-          </a:p>
-          <a:p>
-            <a:pPr lvl="3"/>
-            <a:r>
-              <a:rPr lang="en-US"/>
-              <a:t>Fourth level</a:t>
-            </a:r>
-            <a:endParaRPr lang="en-US"/>
-          </a:p>
-          <a:p>
-            <a:pPr lvl="4"/>
-            <a:r>
-              <a:rPr lang="en-US"/>
-              <a:t>Fifth level</a:t>
-            </a:r>
-            <a:endParaRPr lang="en-IN"/>
-          </a:p>
-        </p:txBody>
-      </p:sp>
-      <p:sp>
-        <p:nvSpPr>
-          <p:cNvPr id="4" name="Date Placeholder 3"/>
-          <p:cNvSpPr>
-            <a:spLocks noGrp="1"/>
-          </p:cNvSpPr>
-          <p:nvPr>
-            <p:ph type="dt" sz="half" idx="10"/>
-          </p:nvPr>
-        </p:nvSpPr>
-        <p:spPr/>
-        <p:txBody>
-          <a:bodyPr/>
-          <a:lstStyle/>
-          <a:p>
-            <a:fld id="{9B3AADE1-27EE-4014-B194-B389A1EA2F57}" type="datetimeFigureOut">
-              <a:rPr lang="en-IN" smtClean="0"/>
-            </a:fld>
-            <a:endParaRPr lang="en-IN"/>
-          </a:p>
-        </p:txBody>
-      </p:sp>
-      <p:sp>
-        <p:nvSpPr>
-          <p:cNvPr id="5" name="Footer Placeholder 4"/>
-          <p:cNvSpPr>
-            <a:spLocks noGrp="1"/>
-          </p:cNvSpPr>
-          <p:nvPr>
-            <p:ph type="ftr" sz="quarter" idx="11"/>
-          </p:nvPr>
-        </p:nvSpPr>
-        <p:spPr/>
-        <p:txBody>
-          <a:bodyPr/>
-          <a:lstStyle/>
-          <a:p>
-            <a:endParaRPr lang="en-IN"/>
-          </a:p>
-        </p:txBody>
-      </p:sp>
-      <p:sp>
-        <p:nvSpPr>
-          <p:cNvPr id="6" name="Slide Number Placeholder 5"/>
-          <p:cNvSpPr>
-            <a:spLocks noGrp="1"/>
-          </p:cNvSpPr>
-          <p:nvPr>
-            <p:ph type="sldNum" sz="quarter" idx="12"/>
-          </p:nvPr>
-        </p:nvSpPr>
-        <p:spPr/>
-        <p:txBody>
-          <a:bodyPr/>
-          <a:lstStyle/>
-          <a:p>
-            <a:fld id="{69E6659B-BF6E-4DE8-8DA1-709FC145E0D7}" type="slidenum">
-              <a:rPr lang="en-IN" smtClean="0"/>
-            </a:fld>
-            <a:endParaRPr lang="en-IN"/>
           </a:p>
         </p:txBody>
       </p:sp>
@@ -2224,7 +2278,7 @@
 </file>
 
 <file path=ppt/slideLayouts/slideLayout2.xml><?xml version="1.0" encoding="utf-8"?>
-<p:sldLayout xmlns:a="http://schemas.openxmlformats.org/drawingml/2006/main" xmlns:r="http://schemas.openxmlformats.org/officeDocument/2006/relationships" xmlns:p="http://schemas.openxmlformats.org/presentationml/2006/main" type="secHead" matchingName="Section header">
+<p:sldLayout xmlns:a="http://schemas.openxmlformats.org/drawingml/2006/main" xmlns:r="http://schemas.openxmlformats.org/officeDocument/2006/relationships" xmlns:p="http://schemas.openxmlformats.org/presentationml/2006/main" matchingName="Section header" type="secHead">
   <p:cSld name="SECTION_HEADER">
     <p:spTree>
       <p:nvGrpSpPr>
@@ -2450,7 +2504,9 @@
               <a:defRPr/>
             </a:lvl9pPr>
           </a:lstStyle>
-          <a:p/>
+          <a:p>
+            <a:endParaRPr/>
+          </a:p>
         </p:txBody>
       </p:sp>
       <p:sp>
@@ -2526,6 +2582,16 @@
             </a:pPr>
             <a:fld id="{00000000-1234-1234-1234-123412341234}" type="slidenum">
               <a:rPr lang="en-GB"/>
+              <a:pPr marL="0" lvl="0" indent="0" algn="r" rtl="0">
+                <a:spcBef>
+                  <a:spcPts val="0"/>
+                </a:spcBef>
+                <a:spcAft>
+                  <a:spcPts val="0"/>
+                </a:spcAft>
+                <a:buNone/>
+              </a:pPr>
+              <a:t>‹#›</a:t>
             </a:fld>
             <a:endParaRPr lang="en-GB"/>
           </a:p>
@@ -2540,7 +2606,7 @@
 </file>
 
 <file path=ppt/slideLayouts/slideLayout3.xml><?xml version="1.0" encoding="utf-8"?>
-<p:sldLayout xmlns:a="http://schemas.openxmlformats.org/drawingml/2006/main" xmlns:r="http://schemas.openxmlformats.org/officeDocument/2006/relationships" xmlns:p="http://schemas.openxmlformats.org/presentationml/2006/main" type="tx" matchingName="Title and body">
+<p:sldLayout xmlns:a="http://schemas.openxmlformats.org/drawingml/2006/main" xmlns:r="http://schemas.openxmlformats.org/officeDocument/2006/relationships" xmlns:p="http://schemas.openxmlformats.org/presentationml/2006/main" matchingName="Title and body" type="tx">
   <p:cSld name="TITLE_AND_BODY">
     <p:spTree>
       <p:nvGrpSpPr>
@@ -2592,6 +2658,7 @@
               </a:spcAft>
               <a:buNone/>
             </a:pPr>
+            <a:endParaRPr/>
           </a:p>
         </p:txBody>
       </p:sp>
@@ -2719,7 +2786,9 @@
               <a:defRPr/>
             </a:lvl9pPr>
           </a:lstStyle>
-          <a:p/>
+          <a:p>
+            <a:endParaRPr/>
+          </a:p>
         </p:txBody>
       </p:sp>
       <p:sp>
@@ -2846,7 +2915,9 @@
               <a:defRPr/>
             </a:lvl9pPr>
           </a:lstStyle>
-          <a:p/>
+          <a:p>
+            <a:endParaRPr/>
+          </a:p>
         </p:txBody>
       </p:sp>
       <p:sp>
@@ -2922,6 +2993,16 @@
             </a:pPr>
             <a:fld id="{00000000-1234-1234-1234-123412341234}" type="slidenum">
               <a:rPr lang="en-GB"/>
+              <a:pPr marL="0" lvl="0" indent="0" algn="r" rtl="0">
+                <a:spcBef>
+                  <a:spcPts val="0"/>
+                </a:spcBef>
+                <a:spcAft>
+                  <a:spcPts val="0"/>
+                </a:spcAft>
+                <a:buNone/>
+              </a:pPr>
+              <a:t>‹#›</a:t>
             </a:fld>
             <a:endParaRPr lang="en-GB"/>
           </a:p>
@@ -2936,7 +3017,7 @@
 </file>
 
 <file path=ppt/slideLayouts/slideLayout4.xml><?xml version="1.0" encoding="utf-8"?>
-<p:sldLayout xmlns:a="http://schemas.openxmlformats.org/drawingml/2006/main" xmlns:r="http://schemas.openxmlformats.org/officeDocument/2006/relationships" xmlns:p="http://schemas.openxmlformats.org/presentationml/2006/main" type="twoColTx" matchingName="Title and two columns">
+<p:sldLayout xmlns:a="http://schemas.openxmlformats.org/drawingml/2006/main" xmlns:r="http://schemas.openxmlformats.org/officeDocument/2006/relationships" xmlns:p="http://schemas.openxmlformats.org/presentationml/2006/main" matchingName="Title and two columns" type="twoColTx">
   <p:cSld name="TITLE_AND_TWO_COLUMNS">
     <p:spTree>
       <p:nvGrpSpPr>
@@ -3076,7 +3157,9 @@
               <a:defRPr/>
             </a:lvl9pPr>
           </a:lstStyle>
-          <a:p/>
+          <a:p>
+            <a:endParaRPr/>
+          </a:p>
         </p:txBody>
       </p:sp>
       <p:sp>
@@ -3203,7 +3286,9 @@
               <a:defRPr sz="1200"/>
             </a:lvl9pPr>
           </a:lstStyle>
-          <a:p/>
+          <a:p>
+            <a:endParaRPr/>
+          </a:p>
         </p:txBody>
       </p:sp>
       <p:sp>
@@ -3330,7 +3415,9 @@
               <a:defRPr sz="1200"/>
             </a:lvl9pPr>
           </a:lstStyle>
-          <a:p/>
+          <a:p>
+            <a:endParaRPr/>
+          </a:p>
         </p:txBody>
       </p:sp>
       <p:sp>
@@ -3406,6 +3493,16 @@
             </a:pPr>
             <a:fld id="{00000000-1234-1234-1234-123412341234}" type="slidenum">
               <a:rPr lang="en-GB"/>
+              <a:pPr marL="0" lvl="0" indent="0" algn="r" rtl="0">
+                <a:spcBef>
+                  <a:spcPts val="0"/>
+                </a:spcBef>
+                <a:spcAft>
+                  <a:spcPts val="0"/>
+                </a:spcAft>
+                <a:buNone/>
+              </a:pPr>
+              <a:t>‹#›</a:t>
             </a:fld>
             <a:endParaRPr lang="en-GB"/>
           </a:p>
@@ -3420,7 +3517,7 @@
 </file>
 
 <file path=ppt/slideLayouts/slideLayout5.xml><?xml version="1.0" encoding="utf-8"?>
-<p:sldLayout xmlns:a="http://schemas.openxmlformats.org/drawingml/2006/main" xmlns:r="http://schemas.openxmlformats.org/officeDocument/2006/relationships" xmlns:p="http://schemas.openxmlformats.org/presentationml/2006/main" type="titleOnly" matchingName="Title only">
+<p:sldLayout xmlns:a="http://schemas.openxmlformats.org/drawingml/2006/main" xmlns:r="http://schemas.openxmlformats.org/officeDocument/2006/relationships" xmlns:p="http://schemas.openxmlformats.org/presentationml/2006/main" matchingName="Title only" type="titleOnly">
   <p:cSld name="TITLE_ONLY">
     <p:spTree>
       <p:nvGrpSpPr>
@@ -3560,7 +3657,9 @@
               <a:defRPr/>
             </a:lvl9pPr>
           </a:lstStyle>
-          <a:p/>
+          <a:p>
+            <a:endParaRPr/>
+          </a:p>
         </p:txBody>
       </p:sp>
       <p:sp>
@@ -3636,6 +3735,16 @@
             </a:pPr>
             <a:fld id="{00000000-1234-1234-1234-123412341234}" type="slidenum">
               <a:rPr lang="en-GB"/>
+              <a:pPr marL="0" lvl="0" indent="0" algn="r" rtl="0">
+                <a:spcBef>
+                  <a:spcPts val="0"/>
+                </a:spcBef>
+                <a:spcAft>
+                  <a:spcPts val="0"/>
+                </a:spcAft>
+                <a:buNone/>
+              </a:pPr>
+              <a:t>‹#›</a:t>
             </a:fld>
             <a:endParaRPr lang="en-GB"/>
           </a:p>
@@ -3790,7 +3899,9 @@
               <a:defRPr sz="3000"/>
             </a:lvl9pPr>
           </a:lstStyle>
-          <a:p/>
+          <a:p>
+            <a:endParaRPr/>
+          </a:p>
         </p:txBody>
       </p:sp>
       <p:sp>
@@ -3917,7 +4028,9 @@
               <a:defRPr sz="1200"/>
             </a:lvl9pPr>
           </a:lstStyle>
-          <a:p/>
+          <a:p>
+            <a:endParaRPr/>
+          </a:p>
         </p:txBody>
       </p:sp>
       <p:sp>
@@ -3993,6 +4106,16 @@
             </a:pPr>
             <a:fld id="{00000000-1234-1234-1234-123412341234}" type="slidenum">
               <a:rPr lang="en-GB"/>
+              <a:pPr marL="0" lvl="0" indent="0" algn="r" rtl="0">
+                <a:spcBef>
+                  <a:spcPts val="0"/>
+                </a:spcBef>
+                <a:spcAft>
+                  <a:spcPts val="0"/>
+                </a:spcAft>
+                <a:buNone/>
+              </a:pPr>
+              <a:t>‹#›</a:t>
             </a:fld>
             <a:endParaRPr lang="en-GB"/>
           </a:p>
@@ -4059,6 +4182,7 @@
               </a:spcAft>
               <a:buNone/>
             </a:pPr>
+            <a:endParaRPr/>
           </a:p>
         </p:txBody>
       </p:sp>
@@ -4186,7 +4310,9 @@
               <a:defRPr sz="4800"/>
             </a:lvl9pPr>
           </a:lstStyle>
-          <a:p/>
+          <a:p>
+            <a:endParaRPr/>
+          </a:p>
         </p:txBody>
       </p:sp>
       <p:sp>
@@ -4262,6 +4388,16 @@
             </a:pPr>
             <a:fld id="{00000000-1234-1234-1234-123412341234}" type="slidenum">
               <a:rPr lang="en-GB"/>
+              <a:pPr marL="0" lvl="0" indent="0" algn="r" rtl="0">
+                <a:spcBef>
+                  <a:spcPts val="0"/>
+                </a:spcBef>
+                <a:spcAft>
+                  <a:spcPts val="0"/>
+                </a:spcAft>
+                <a:buNone/>
+              </a:pPr>
+              <a:t>‹#›</a:t>
             </a:fld>
             <a:endParaRPr lang="en-GB"/>
           </a:p>
@@ -4328,6 +4464,7 @@
               </a:spcAft>
               <a:buNone/>
             </a:pPr>
+            <a:endParaRPr/>
           </a:p>
         </p:txBody>
       </p:sp>
@@ -4544,7 +4681,9 @@
               </a:defRPr>
             </a:lvl9pPr>
           </a:lstStyle>
-          <a:p/>
+          <a:p>
+            <a:endParaRPr/>
+          </a:p>
         </p:txBody>
       </p:sp>
       <p:sp>
@@ -4752,7 +4891,9 @@
               </a:defRPr>
             </a:lvl9pPr>
           </a:lstStyle>
-          <a:p/>
+          <a:p>
+            <a:endParaRPr/>
+          </a:p>
         </p:txBody>
       </p:sp>
       <p:sp>
@@ -4942,7 +5083,9 @@
               </a:defRPr>
             </a:lvl9pPr>
           </a:lstStyle>
-          <a:p/>
+          <a:p>
+            <a:endParaRPr/>
+          </a:p>
         </p:txBody>
       </p:sp>
       <p:sp>
@@ -5054,6 +5197,16 @@
             </a:pPr>
             <a:fld id="{00000000-1234-1234-1234-123412341234}" type="slidenum">
               <a:rPr lang="en-GB"/>
+              <a:pPr marL="0" lvl="0" indent="0" algn="r" rtl="0">
+                <a:spcBef>
+                  <a:spcPts val="0"/>
+                </a:spcBef>
+                <a:spcAft>
+                  <a:spcPts val="0"/>
+                </a:spcAft>
+                <a:buNone/>
+              </a:pPr>
+              <a:t>‹#›</a:t>
             </a:fld>
             <a:endParaRPr lang="en-GB"/>
           </a:p>
@@ -5129,7 +5282,9 @@
               </a:defRPr>
             </a:lvl1pPr>
           </a:lstStyle>
-          <a:p/>
+          <a:p>
+            <a:endParaRPr/>
+          </a:p>
         </p:txBody>
       </p:sp>
       <p:sp>
@@ -5205,6 +5360,16 @@
             </a:pPr>
             <a:fld id="{00000000-1234-1234-1234-123412341234}" type="slidenum">
               <a:rPr lang="en-GB"/>
+              <a:pPr marL="0" lvl="0" indent="0" algn="r" rtl="0">
+                <a:spcBef>
+                  <a:spcPts val="0"/>
+                </a:spcBef>
+                <a:spcAft>
+                  <a:spcPts val="0"/>
+                </a:spcAft>
+                <a:buNone/>
+              </a:pPr>
+              <a:t>‹#›</a:t>
             </a:fld>
             <a:endParaRPr lang="en-GB"/>
           </a:p>
@@ -5479,7 +5644,9 @@
               </a:defRPr>
             </a:lvl9pPr>
           </a:lstStyle>
-          <a:p/>
+          <a:p>
+            <a:endParaRPr/>
+          </a:p>
         </p:txBody>
       </p:sp>
       <p:sp>
@@ -5745,7 +5912,9 @@
               </a:defRPr>
             </a:lvl9pPr>
           </a:lstStyle>
-          <a:p/>
+          <a:p>
+            <a:endParaRPr/>
+          </a:p>
         </p:txBody>
       </p:sp>
       <p:sp>
@@ -5897,6 +6066,16 @@
             </a:pPr>
             <a:fld id="{00000000-1234-1234-1234-123412341234}" type="slidenum">
               <a:rPr lang="en-GB"/>
+              <a:pPr marL="0" lvl="0" indent="0" algn="r" rtl="0">
+                <a:spcBef>
+                  <a:spcPts val="0"/>
+                </a:spcBef>
+                <a:spcAft>
+                  <a:spcPts val="0"/>
+                </a:spcAft>
+                <a:buNone/>
+              </a:pPr>
+              <a:t>‹#›</a:t>
             </a:fld>
             <a:endParaRPr lang="en-GB"/>
           </a:p>
@@ -5916,8 +6095,8 @@
     <p:sldLayoutId id="2147483656" r:id="rId8"/>
     <p:sldLayoutId id="2147483657" r:id="rId9"/>
     <p:sldLayoutId id="2147483658" r:id="rId10"/>
-    <p:sldLayoutId id="2147483659" r:id="rId11"/>
-    <p:sldLayoutId id="2147483660" r:id="rId12"/>
+    <p:sldLayoutId id="2147483660" r:id="rId11"/>
+    <p:sldLayoutId id="2147483661" r:id="rId12"/>
   </p:sldLayoutIdLst>
   <p:hf sldNum="0" hdr="0" ftr="0" dt="0"/>
   <p:txStyles>
@@ -6621,7 +6800,14 @@
         <p:cNvGrpSpPr/>
         <p:nvPr/>
       </p:nvGrpSpPr>
-      <p:grpSpPr/>
+      <p:grpSpPr>
+        <a:xfrm>
+          <a:off x="0" y="0"/>
+          <a:ext cx="0" cy="0"/>
+          <a:chOff x="0" y="0"/>
+          <a:chExt cx="0" cy="0"/>
+        </a:xfrm>
+      </p:grpSpPr>
       <p:sp>
         <p:nvSpPr>
           <p:cNvPr id="2" name="Title 1"/>
@@ -6640,6 +6826,7 @@
         </p:spPr>
         <p:txBody>
           <a:bodyPr/>
+          <a:lstStyle/>
           <a:p>
             <a:pPr algn="ctr"/>
             <a:r>
@@ -6650,11 +6837,6 @@
               </a:rPr>
               <a:t>Task 1</a:t>
             </a:r>
-            <a:endParaRPr lang="en-IN" altLang="en-US" sz="3600" b="1" dirty="0">
-              <a:latin typeface="Georgia" panose="02040502050405020303" charset="0"/>
-              <a:cs typeface="Georgia" panose="02040502050405020303" charset="0"/>
-              <a:sym typeface="+mn-ea"/>
-            </a:endParaRPr>
           </a:p>
         </p:txBody>
       </p:sp>
@@ -6676,6 +6858,7 @@
         </p:spPr>
         <p:txBody>
           <a:bodyPr/>
+          <a:lstStyle/>
           <a:p>
             <a:pPr marL="114300" indent="0" algn="ctr">
               <a:buNone/>
@@ -6688,11 +6871,6 @@
               </a:rPr>
               <a:t>Identifying categories  of hate memes</a:t>
             </a:r>
-            <a:endParaRPr lang="en-IN" altLang="en-US" sz="2400" b="1">
-              <a:latin typeface="Georgia" panose="02040502050405020303" charset="0"/>
-              <a:cs typeface="Georgia" panose="02040502050405020303" charset="0"/>
-              <a:sym typeface="+mn-ea"/>
-            </a:endParaRPr>
           </a:p>
         </p:txBody>
       </p:sp>
@@ -6740,6 +6918,192 @@
               <a:rPr lang="en-US">
                 <a:latin typeface="Times New Roman" panose="02020603050405020304" charset="0"/>
                 <a:cs typeface="Times New Roman" panose="02020603050405020304" charset="0"/>
+              </a:rPr>
+              <a:t>Image caption ranking</a:t>
+            </a:r>
+          </a:p>
+        </p:txBody>
+      </p:sp>
+      <p:sp>
+        <p:nvSpPr>
+          <p:cNvPr id="3" name="Text Placeholder 2"/>
+          <p:cNvSpPr>
+            <a:spLocks noGrp="1"/>
+          </p:cNvSpPr>
+          <p:nvPr>
+            <p:ph type="body" idx="1"/>
+          </p:nvPr>
+        </p:nvSpPr>
+        <p:spPr/>
+        <p:txBody>
+          <a:bodyPr/>
+          <a:lstStyle/>
+          <a:p>
+            <a:pPr>
+              <a:buFont typeface="Arial" panose="020B0604020202020204" pitchFamily="34" charset="0"/>
+              <a:buChar char="•"/>
+            </a:pPr>
+            <a:r>
+              <a:rPr lang="en-US" sz="1400">
+                <a:latin typeface="Times New Roman" panose="02020603050405020304" charset="0"/>
+                <a:cs typeface="Times New Roman" panose="02020603050405020304" charset="0"/>
+              </a:rPr>
+              <a:t>The image-caption ranking task is to retrieve relevant images given a query caption and relevant captions given a query image.</a:t>
+            </a:r>
+          </a:p>
+          <a:p>
+            <a:pPr>
+              <a:buFont typeface="Arial" panose="020B0604020202020204" pitchFamily="34" charset="0"/>
+              <a:buChar char="•"/>
+            </a:pPr>
+            <a:r>
+              <a:rPr lang="en-US" sz="1400">
+                <a:latin typeface="Times New Roman" panose="02020603050405020304" charset="0"/>
+                <a:cs typeface="Times New Roman" panose="02020603050405020304" charset="0"/>
+              </a:rPr>
+              <a:t> During training we are given image-caption pairs (I, C) </a:t>
+            </a:r>
+          </a:p>
+          <a:p>
+            <a:pPr lvl="1">
+              <a:buSzPct val="50000"/>
+              <a:buFont typeface="Arial" panose="020B0604020202020204" pitchFamily="34" charset="0"/>
+              <a:buChar char="•"/>
+            </a:pPr>
+            <a:r>
+              <a:rPr lang="en-US" sz="1000">
+                <a:latin typeface="Times New Roman" panose="02020603050405020304" charset="0"/>
+                <a:cs typeface="Times New Roman" panose="02020603050405020304" charset="0"/>
+              </a:rPr>
+              <a:t>For each pair we sample K - 1 other images in addition to I so the image</a:t>
+            </a:r>
+            <a:br>
+              <a:rPr lang="en-US" sz="1000">
+                <a:latin typeface="Times New Roman" panose="02020603050405020304" charset="0"/>
+                <a:cs typeface="Times New Roman" panose="02020603050405020304" charset="0"/>
+              </a:rPr>
+            </a:br>
+            <a:r>
+              <a:rPr lang="en-US" sz="1000">
+                <a:latin typeface="Times New Roman" panose="02020603050405020304" charset="0"/>
+                <a:cs typeface="Times New Roman" panose="02020603050405020304" charset="0"/>
+              </a:rPr>
+              <a:t>retrieval task becomes retrieving I from K images given caption C. </a:t>
+            </a:r>
+          </a:p>
+          <a:p>
+            <a:pPr lvl="1">
+              <a:buSzPct val="50000"/>
+              <a:buFont typeface="Arial" panose="020B0604020202020204" pitchFamily="34" charset="0"/>
+              <a:buChar char="•"/>
+            </a:pPr>
+            <a:r>
+              <a:rPr lang="en-US" sz="1000">
+                <a:latin typeface="Times New Roman" panose="02020603050405020304" charset="0"/>
+                <a:cs typeface="Times New Roman" panose="02020603050405020304" charset="0"/>
+              </a:rPr>
+              <a:t>We also sample K-1 random captions in addition to C so the caption retrieval task becomes retrieving C from K given image I.</a:t>
+            </a:r>
+          </a:p>
+          <a:p>
+            <a:pPr>
+              <a:buFont typeface="Arial" panose="020B0604020202020204" pitchFamily="34" charset="0"/>
+              <a:buChar char="•"/>
+            </a:pPr>
+            <a:r>
+              <a:rPr lang="en-US" sz="1000">
+                <a:latin typeface="Times New Roman" panose="02020603050405020304" charset="0"/>
+                <a:cs typeface="Times New Roman" panose="02020603050405020304" charset="0"/>
+                <a:sym typeface="+mn-ea"/>
+              </a:rPr>
+              <a:t>The image-caption ranking models learn a ranking scoring function S(I, C) such that the corresponding retrieval probabilities are maximised:</a:t>
+            </a:r>
+            <a:endParaRPr lang="en-US" sz="1000">
+              <a:latin typeface="Times New Roman" panose="02020603050405020304" charset="0"/>
+              <a:cs typeface="Times New Roman" panose="02020603050405020304" charset="0"/>
+            </a:endParaRPr>
+          </a:p>
+          <a:p>
+            <a:pPr lvl="1">
+              <a:buSzPct val="50000"/>
+              <a:buFont typeface="Arial" panose="020B0604020202020204" pitchFamily="34" charset="0"/>
+              <a:buChar char="•"/>
+            </a:pPr>
+            <a:endParaRPr lang="en-US" sz="1000">
+              <a:latin typeface="Times New Roman" panose="02020603050405020304" charset="0"/>
+              <a:cs typeface="Times New Roman" panose="02020603050405020304" charset="0"/>
+            </a:endParaRPr>
+          </a:p>
+        </p:txBody>
+      </p:sp>
+      <p:pic>
+        <p:nvPicPr>
+          <p:cNvPr id="4" name="Picture 3"/>
+          <p:cNvPicPr>
+            <a:picLocks noChangeAspect="1"/>
+          </p:cNvPicPr>
+          <p:nvPr/>
+        </p:nvPicPr>
+        <p:blipFill>
+          <a:blip r:embed="rId2"/>
+          <a:stretch>
+            <a:fillRect/>
+          </a:stretch>
+        </p:blipFill>
+        <p:spPr>
+          <a:xfrm>
+            <a:off x="2001520" y="3622040"/>
+            <a:ext cx="3820160" cy="648970"/>
+          </a:xfrm>
+          <a:prstGeom prst="rect">
+            <a:avLst/>
+          </a:prstGeom>
+        </p:spPr>
+      </p:pic>
+    </p:spTree>
+  </p:cSld>
+  <p:clrMapOvr>
+    <a:masterClrMapping/>
+  </p:clrMapOvr>
+</p:sld>
+</file>
+
+<file path=ppt/slides/slide11.xml><?xml version="1.0" encoding="utf-8"?>
+<p:sld xmlns:a="http://schemas.openxmlformats.org/drawingml/2006/main" xmlns:r="http://schemas.openxmlformats.org/officeDocument/2006/relationships" xmlns:p="http://schemas.openxmlformats.org/presentationml/2006/main">
+  <p:cSld>
+    <p:spTree>
+      <p:nvGrpSpPr>
+        <p:cNvPr id="1" name=""/>
+        <p:cNvGrpSpPr/>
+        <p:nvPr/>
+      </p:nvGrpSpPr>
+      <p:grpSpPr>
+        <a:xfrm>
+          <a:off x="0" y="0"/>
+          <a:ext cx="0" cy="0"/>
+          <a:chOff x="0" y="0"/>
+          <a:chExt cx="0" cy="0"/>
+        </a:xfrm>
+      </p:grpSpPr>
+      <p:sp>
+        <p:nvSpPr>
+          <p:cNvPr id="2" name="Title 1"/>
+          <p:cNvSpPr>
+            <a:spLocks noGrp="1"/>
+          </p:cNvSpPr>
+          <p:nvPr>
+            <p:ph type="title"/>
+          </p:nvPr>
+        </p:nvSpPr>
+        <p:spPr/>
+        <p:txBody>
+          <a:bodyPr/>
+          <a:lstStyle/>
+          <a:p>
+            <a:r>
+              <a:rPr lang="en-US">
+                <a:latin typeface="Times New Roman" panose="02020603050405020304" charset="0"/>
+                <a:cs typeface="Times New Roman" panose="02020603050405020304" charset="0"/>
                 <a:sym typeface="+mn-ea"/>
               </a:rPr>
               <a:t>Baseline model</a:t>
@@ -6782,10 +7146,6 @@
               </a:rPr>
               <a:t>Model  projects </a:t>
             </a:r>
-            <a:endParaRPr lang="en-US" dirty="0">
-              <a:latin typeface="Times New Roman" panose="02020603050405020304" charset="0"/>
-              <a:cs typeface="Times New Roman" panose="02020603050405020304" charset="0"/>
-            </a:endParaRPr>
           </a:p>
           <a:p>
             <a:pPr marL="114300" indent="0">
@@ -6833,10 +7193,6 @@
               </a:rPr>
               <a:t> for image I </a:t>
             </a:r>
-            <a:endParaRPr lang="en-US" dirty="0">
-              <a:latin typeface="Times New Roman" panose="02020603050405020304" charset="0"/>
-              <a:cs typeface="Times New Roman" panose="02020603050405020304" charset="0"/>
-            </a:endParaRPr>
           </a:p>
           <a:p>
             <a:pPr marL="114300" indent="0">
@@ -6884,10 +7240,6 @@
               </a:rPr>
               <a:t> for caption C </a:t>
             </a:r>
-            <a:endParaRPr lang="en-US" dirty="0">
-              <a:latin typeface="Times New Roman" panose="02020603050405020304" charset="0"/>
-              <a:cs typeface="Times New Roman" panose="02020603050405020304" charset="0"/>
-            </a:endParaRPr>
           </a:p>
           <a:p>
             <a:pPr marL="114300" indent="0">
@@ -6970,10 +7322,6 @@
               </a:rPr>
               <a:t> :</a:t>
             </a:r>
-            <a:endParaRPr lang="en-US" dirty="0">
-              <a:latin typeface="Times New Roman" panose="02020603050405020304" charset="0"/>
-              <a:cs typeface="Times New Roman" panose="02020603050405020304" charset="0"/>
-            </a:endParaRPr>
           </a:p>
           <a:p>
             <a:pPr>
@@ -7076,10 +7424,6 @@
               </a:rPr>
               <a:t> &gt;.</a:t>
             </a:r>
-            <a:endParaRPr lang="en-US" dirty="0">
-              <a:latin typeface="Times New Roman" panose="02020603050405020304" charset="0"/>
-              <a:cs typeface="Times New Roman" panose="02020603050405020304" charset="0"/>
-            </a:endParaRPr>
           </a:p>
           <a:p>
             <a:pPr marL="114300" indent="0">
@@ -7114,7 +7458,7 @@
           <p:nvPr/>
         </p:nvPicPr>
         <p:blipFill>
-          <a:blip r:embed="rId1"/>
+          <a:blip r:embed="rId2"/>
           <a:stretch>
             <a:fillRect/>
           </a:stretch>
@@ -7137,7 +7481,7 @@
 </p:sld>
 </file>
 
-<file path=ppt/slides/slide11.xml><?xml version="1.0" encoding="utf-8"?>
+<file path=ppt/slides/slide12.xml><?xml version="1.0" encoding="utf-8"?>
 <p:sld xmlns:a="http://schemas.openxmlformats.org/drawingml/2006/main" xmlns:r="http://schemas.openxmlformats.org/officeDocument/2006/relationships" xmlns:p="http://schemas.openxmlformats.org/presentationml/2006/main">
   <p:cSld>
     <p:spTree>
@@ -7202,10 +7546,6 @@
               </a:rPr>
               <a:t>and VQA-Caption</a:t>
             </a:r>
-            <a:endParaRPr lang="en-US" sz="2800">
-              <a:latin typeface="Times New Roman" panose="02020603050405020304" charset="0"/>
-              <a:cs typeface="Times New Roman" panose="02020603050405020304" charset="0"/>
-            </a:endParaRPr>
           </a:p>
         </p:txBody>
       </p:sp>
@@ -7232,6 +7572,7 @@
           <a:bodyPr spcFirstLastPara="1" wrap="square" lIns="91425" tIns="91425" rIns="91425" bIns="91425" anchor="t" anchorCtr="0">
             <a:noAutofit/>
           </a:bodyPr>
+          <a:lstStyle/>
           <a:p>
             <a:pPr marL="285750" lvl="0" indent="-285750" algn="l" rtl="0">
               <a:spcBef>
@@ -7382,10 +7723,6 @@
               </a:rPr>
               <a:t>mage I,</a:t>
             </a:r>
-            <a:endParaRPr>
-              <a:latin typeface="Times New Roman" panose="02020603050405020304" charset="0"/>
-              <a:cs typeface="Times New Roman" panose="02020603050405020304" charset="0"/>
-            </a:endParaRPr>
           </a:p>
           <a:p>
             <a:pPr marL="1200150" lvl="2" indent="-285750" algn="l" rtl="0">
@@ -7415,10 +7752,6 @@
               </a:rPr>
               <a:t>e optimize the negative log-likelihood (NLL) loss to maximize the probability of the ground truth answer PI (A|Q, I) given by the VQA model.</a:t>
             </a:r>
-            <a:endParaRPr>
-              <a:latin typeface="Times New Roman" panose="02020603050405020304" charset="0"/>
-              <a:cs typeface="Times New Roman" panose="02020603050405020304" charset="0"/>
-            </a:endParaRPr>
           </a:p>
           <a:p>
             <a:pPr marL="742950" lvl="1" indent="-285750" algn="l" rtl="0">
@@ -7448,10 +7781,6 @@
               </a:rPr>
               <a:t>aption C, </a:t>
             </a:r>
-            <a:endParaRPr>
-              <a:latin typeface="Times New Roman" panose="02020603050405020304" charset="0"/>
-              <a:cs typeface="Times New Roman" panose="02020603050405020304" charset="0"/>
-            </a:endParaRPr>
           </a:p>
           <a:p>
             <a:pPr marL="1200150" lvl="2" indent="-285750" algn="l" rtl="0">
@@ -7494,10 +7823,6 @@
               </a:rPr>
               <a:t> PC (A|Q, C).</a:t>
             </a:r>
-            <a:endParaRPr>
-              <a:latin typeface="Times New Roman" panose="02020603050405020304" charset="0"/>
-              <a:cs typeface="Times New Roman" panose="02020603050405020304" charset="0"/>
-            </a:endParaRPr>
           </a:p>
           <a:p>
             <a:pPr marL="285750" lvl="0" indent="-285750" algn="l" rtl="0">
@@ -7520,410 +7845,6 @@
           </a:p>
         </p:txBody>
       </p:sp>
-    </p:spTree>
-  </p:cSld>
-  <p:clrMapOvr>
-    <a:masterClrMapping/>
-  </p:clrMapOvr>
-</p:sld>
-</file>
-
-<file path=ppt/slides/slide12.xml><?xml version="1.0" encoding="utf-8"?>
-<p:sld xmlns:a="http://schemas.openxmlformats.org/drawingml/2006/main" xmlns:r="http://schemas.openxmlformats.org/officeDocument/2006/relationships" xmlns:p="http://schemas.openxmlformats.org/presentationml/2006/main">
-  <p:cSld>
-    <p:spTree>
-      <p:nvGrpSpPr>
-        <p:cNvPr id="1" name=""/>
-        <p:cNvGrpSpPr/>
-        <p:nvPr/>
-      </p:nvGrpSpPr>
-      <p:grpSpPr>
-        <a:xfrm>
-          <a:off x="0" y="0"/>
-          <a:ext cx="0" cy="0"/>
-          <a:chOff x="0" y="0"/>
-          <a:chExt cx="0" cy="0"/>
-        </a:xfrm>
-      </p:grpSpPr>
-      <p:sp>
-        <p:nvSpPr>
-          <p:cNvPr id="3" name="Text Placeholder 2"/>
-          <p:cNvSpPr>
-            <a:spLocks noGrp="1"/>
-          </p:cNvSpPr>
-          <p:nvPr>
-            <p:ph type="body" idx="1"/>
-          </p:nvPr>
-        </p:nvSpPr>
-        <p:spPr>
-          <a:xfrm>
-            <a:off x="311785" y="218440"/>
-            <a:ext cx="8520430" cy="4360545"/>
-          </a:xfrm>
-        </p:spPr>
-        <p:txBody>
-          <a:bodyPr/>
-          <a:lstStyle/>
-          <a:p>
-            <a:pPr>
-              <a:buFont typeface="Arial" panose="020B0604020202020204" pitchFamily="34" charset="0"/>
-              <a:buChar char="•"/>
-            </a:pPr>
-            <a:r>
-              <a:rPr lang="en-US" sz="1600">
-                <a:latin typeface="Times New Roman" panose="02020603050405020304" charset="0"/>
-                <a:cs typeface="Times New Roman" panose="02020603050405020304" charset="0"/>
-              </a:rPr>
-              <a:t>For a VQA question (I, Q)</a:t>
-            </a:r>
-            <a:endParaRPr lang="en-US" sz="1600">
-              <a:latin typeface="Times New Roman" panose="02020603050405020304" charset="0"/>
-              <a:cs typeface="Times New Roman" panose="02020603050405020304" charset="0"/>
-            </a:endParaRPr>
-          </a:p>
-          <a:p>
-            <a:pPr lvl="1">
-              <a:buFont typeface="Arial" panose="020B0604020202020204" pitchFamily="34" charset="0"/>
-              <a:buChar char="•"/>
-            </a:pPr>
-            <a:r>
-              <a:rPr lang="en-US" sz="1200">
-                <a:latin typeface="Times New Roman" panose="02020603050405020304" charset="0"/>
-                <a:cs typeface="Times New Roman" panose="02020603050405020304" charset="0"/>
-              </a:rPr>
-              <a:t>Image Encoding</a:t>
-            </a:r>
-            <a:endParaRPr lang="en-US" sz="1200">
-              <a:latin typeface="Times New Roman" panose="02020603050405020304" charset="0"/>
-              <a:cs typeface="Times New Roman" panose="02020603050405020304" charset="0"/>
-            </a:endParaRPr>
-          </a:p>
-          <a:p>
-            <a:pPr lvl="2">
-              <a:buFont typeface="Arial" panose="020B0604020202020204" pitchFamily="34" charset="0"/>
-              <a:buChar char="•"/>
-            </a:pPr>
-            <a:r>
-              <a:rPr lang="en-US" sz="1200">
-                <a:latin typeface="Times New Roman" panose="02020603050405020304" charset="0"/>
-                <a:cs typeface="Times New Roman" panose="02020603050405020304" charset="0"/>
-              </a:rPr>
-              <a:t>Using the 19-layer VGGNet [46] as a 4,096-dimensional image encoding x</a:t>
-            </a:r>
-            <a:r>
-              <a:rPr lang="en-US" sz="1200" baseline="-25000">
-                <a:latin typeface="Times New Roman" panose="02020603050405020304" charset="0"/>
-                <a:cs typeface="Times New Roman" panose="02020603050405020304" charset="0"/>
-              </a:rPr>
-              <a:t>I</a:t>
-            </a:r>
-            <a:r>
-              <a:rPr lang="en-US" sz="1200">
-                <a:latin typeface="Times New Roman" panose="02020603050405020304" charset="0"/>
-                <a:cs typeface="Times New Roman" panose="02020603050405020304" charset="0"/>
-              </a:rPr>
-              <a:t> </a:t>
-            </a:r>
-            <a:endParaRPr lang="en-US" sz="1200">
-              <a:latin typeface="Times New Roman" panose="02020603050405020304" charset="0"/>
-              <a:cs typeface="Times New Roman" panose="02020603050405020304" charset="0"/>
-            </a:endParaRPr>
-          </a:p>
-          <a:p>
-            <a:pPr lvl="1">
-              <a:buFont typeface="Arial" panose="020B0604020202020204" pitchFamily="34" charset="0"/>
-              <a:buChar char="•"/>
-            </a:pPr>
-            <a:r>
-              <a:rPr lang="en-US" sz="1200">
-                <a:latin typeface="Times New Roman" panose="02020603050405020304" charset="0"/>
-                <a:cs typeface="Times New Roman" panose="02020603050405020304" charset="0"/>
-              </a:rPr>
-              <a:t>Question Encoding</a:t>
-            </a:r>
-            <a:endParaRPr lang="en-US" sz="1200">
-              <a:latin typeface="Times New Roman" panose="02020603050405020304" charset="0"/>
-              <a:cs typeface="Times New Roman" panose="02020603050405020304" charset="0"/>
-            </a:endParaRPr>
-          </a:p>
-          <a:p>
-            <a:pPr lvl="2">
-              <a:buFont typeface="Arial" panose="020B0604020202020204" pitchFamily="34" charset="0"/>
-              <a:buChar char="•"/>
-            </a:pPr>
-            <a:r>
-              <a:rPr lang="en-US" sz="1200">
-                <a:latin typeface="Times New Roman" panose="02020603050405020304" charset="0"/>
-                <a:cs typeface="Times New Roman" panose="02020603050405020304" charset="0"/>
-              </a:rPr>
-              <a:t>Using a 2-layer RNN with 512 Long Short-Term Memory (LSTM) units per layer as a 2,048-dimensional question encoding x</a:t>
-            </a:r>
-            <a:r>
-              <a:rPr lang="en-US" sz="1200" baseline="-25000">
-                <a:latin typeface="Times New Roman" panose="02020603050405020304" charset="0"/>
-                <a:cs typeface="Times New Roman" panose="02020603050405020304" charset="0"/>
-              </a:rPr>
-              <a:t>Q</a:t>
-            </a:r>
-            <a:r>
-              <a:rPr lang="en-US" sz="1200">
-                <a:latin typeface="Times New Roman" panose="02020603050405020304" charset="0"/>
-                <a:cs typeface="Times New Roman" panose="02020603050405020304" charset="0"/>
-              </a:rPr>
-              <a:t>. </a:t>
-            </a:r>
-            <a:endParaRPr lang="en-US" sz="1200">
-              <a:latin typeface="Times New Roman" panose="02020603050405020304" charset="0"/>
-              <a:cs typeface="Times New Roman" panose="02020603050405020304" charset="0"/>
-            </a:endParaRPr>
-          </a:p>
-          <a:p>
-            <a:pPr>
-              <a:buFont typeface="Arial" panose="020B0604020202020204" pitchFamily="34" charset="0"/>
-              <a:buChar char="•"/>
-            </a:pPr>
-            <a:r>
-              <a:rPr lang="en-US" sz="1600">
-                <a:latin typeface="Times New Roman" panose="02020603050405020304" charset="0"/>
-                <a:cs typeface="Times New Roman" panose="02020603050405020304" charset="0"/>
-              </a:rPr>
-              <a:t>Then x</a:t>
-            </a:r>
-            <a:r>
-              <a:rPr lang="en-US" sz="1600" baseline="-25000">
-                <a:latin typeface="Times New Roman" panose="02020603050405020304" charset="0"/>
-                <a:cs typeface="Times New Roman" panose="02020603050405020304" charset="0"/>
-              </a:rPr>
-              <a:t>I</a:t>
-            </a:r>
-            <a:r>
-              <a:rPr lang="en-US" sz="1600">
-                <a:latin typeface="Times New Roman" panose="02020603050405020304" charset="0"/>
-                <a:cs typeface="Times New Roman" panose="02020603050405020304" charset="0"/>
-              </a:rPr>
-              <a:t> and x</a:t>
-            </a:r>
-            <a:r>
-              <a:rPr lang="en-US" sz="1600" baseline="-25000">
-                <a:latin typeface="Times New Roman" panose="02020603050405020304" charset="0"/>
-                <a:cs typeface="Times New Roman" panose="02020603050405020304" charset="0"/>
-              </a:rPr>
-              <a:t>Q</a:t>
-            </a:r>
-            <a:r>
-              <a:rPr lang="en-US" sz="1600">
-                <a:latin typeface="Times New Roman" panose="02020603050405020304" charset="0"/>
-                <a:cs typeface="Times New Roman" panose="02020603050405020304" charset="0"/>
-              </a:rPr>
-              <a:t>  are projected into a common 1,024-dimensional multi-modal space as z</a:t>
-            </a:r>
-            <a:r>
-              <a:rPr lang="en-US" sz="1600" baseline="-25000">
-                <a:latin typeface="Times New Roman" panose="02020603050405020304" charset="0"/>
-                <a:cs typeface="Times New Roman" panose="02020603050405020304" charset="0"/>
-              </a:rPr>
-              <a:t>I</a:t>
-            </a:r>
-            <a:r>
-              <a:rPr lang="en-US" sz="1600">
-                <a:latin typeface="Times New Roman" panose="02020603050405020304" charset="0"/>
-                <a:cs typeface="Times New Roman" panose="02020603050405020304" charset="0"/>
-              </a:rPr>
-              <a:t> and z</a:t>
-            </a:r>
-            <a:r>
-              <a:rPr lang="en-US" sz="1600" baseline="-25000">
-                <a:latin typeface="Times New Roman" panose="02020603050405020304" charset="0"/>
-                <a:cs typeface="Times New Roman" panose="02020603050405020304" charset="0"/>
-              </a:rPr>
-              <a:t>Q</a:t>
-            </a:r>
-            <a:endParaRPr lang="en-US" sz="1600" baseline="-25000">
-              <a:latin typeface="Times New Roman" panose="02020603050405020304" charset="0"/>
-              <a:cs typeface="Times New Roman" panose="02020603050405020304" charset="0"/>
-            </a:endParaRPr>
-          </a:p>
-          <a:p>
-            <a:pPr>
-              <a:buFont typeface="Arial" panose="020B0604020202020204" pitchFamily="34" charset="0"/>
-              <a:buChar char="•"/>
-            </a:pPr>
-            <a:endParaRPr lang="en-US" sz="1600">
-              <a:latin typeface="Times New Roman" panose="02020603050405020304" charset="0"/>
-              <a:cs typeface="Times New Roman" panose="02020603050405020304" charset="0"/>
-            </a:endParaRPr>
-          </a:p>
-          <a:p>
-            <a:pPr>
-              <a:buFont typeface="Arial" panose="020B0604020202020204" pitchFamily="34" charset="0"/>
-              <a:buChar char="•"/>
-            </a:pPr>
-            <a:r>
-              <a:rPr lang="en-US" sz="1600">
-                <a:latin typeface="Times New Roman" panose="02020603050405020304" charset="0"/>
-                <a:cs typeface="Times New Roman" panose="02020603050405020304" charset="0"/>
-              </a:rPr>
-              <a:t>We then compute the representation z</a:t>
-            </a:r>
-            <a:r>
-              <a:rPr lang="en-US" sz="1600" baseline="-25000">
-                <a:latin typeface="Times New Roman" panose="02020603050405020304" charset="0"/>
-                <a:cs typeface="Times New Roman" panose="02020603050405020304" charset="0"/>
-              </a:rPr>
-              <a:t>I+Q</a:t>
-            </a:r>
-            <a:r>
-              <a:rPr lang="en-US" sz="1600">
-                <a:latin typeface="Times New Roman" panose="02020603050405020304" charset="0"/>
-                <a:cs typeface="Times New Roman" panose="02020603050405020304" charset="0"/>
-              </a:rPr>
-              <a:t> for the image-question pair (I, Q) by element-wise multiplying z</a:t>
-            </a:r>
-            <a:r>
-              <a:rPr lang="en-US" sz="1600" baseline="-25000">
-                <a:latin typeface="Times New Roman" panose="02020603050405020304" charset="0"/>
-                <a:cs typeface="Times New Roman" panose="02020603050405020304" charset="0"/>
-              </a:rPr>
-              <a:t>I</a:t>
-            </a:r>
-            <a:r>
-              <a:rPr lang="en-US" sz="1600">
-                <a:latin typeface="Times New Roman" panose="02020603050405020304" charset="0"/>
-                <a:cs typeface="Times New Roman" panose="02020603050405020304" charset="0"/>
-              </a:rPr>
-              <a:t> and z</a:t>
-            </a:r>
-            <a:r>
-              <a:rPr lang="en-US" sz="1600" baseline="-25000">
-                <a:latin typeface="Times New Roman" panose="02020603050405020304" charset="0"/>
-                <a:cs typeface="Times New Roman" panose="02020603050405020304" charset="0"/>
-              </a:rPr>
-              <a:t>Q</a:t>
-            </a:r>
-            <a:endParaRPr lang="en-US" sz="1600" baseline="-25000">
-              <a:latin typeface="Times New Roman" panose="02020603050405020304" charset="0"/>
-              <a:cs typeface="Times New Roman" panose="02020603050405020304" charset="0"/>
-            </a:endParaRPr>
-          </a:p>
-          <a:p>
-            <a:pPr>
-              <a:buFont typeface="Arial" panose="020B0604020202020204" pitchFamily="34" charset="0"/>
-              <a:buChar char="•"/>
-            </a:pPr>
-            <a:r>
-              <a:rPr lang="en-US" sz="1600">
-                <a:latin typeface="Times New Roman" panose="02020603050405020304" charset="0"/>
-                <a:cs typeface="Times New Roman" panose="02020603050405020304" charset="0"/>
-              </a:rPr>
-              <a:t> The scores s</a:t>
-            </a:r>
-            <a:r>
-              <a:rPr lang="en-US" sz="1600" baseline="-25000">
-                <a:latin typeface="Times New Roman" panose="02020603050405020304" charset="0"/>
-                <a:cs typeface="Times New Roman" panose="02020603050405020304" charset="0"/>
-              </a:rPr>
-              <a:t>A</a:t>
-            </a:r>
-            <a:r>
-              <a:rPr lang="en-US" sz="1600">
-                <a:latin typeface="Times New Roman" panose="02020603050405020304" charset="0"/>
-                <a:cs typeface="Times New Roman" panose="02020603050405020304" charset="0"/>
-              </a:rPr>
-              <a:t> for 1,000 answers are given by:</a:t>
-            </a:r>
-            <a:br>
-              <a:rPr lang="en-US" sz="1600">
-                <a:latin typeface="Times New Roman" panose="02020603050405020304" charset="0"/>
-                <a:cs typeface="Times New Roman" panose="02020603050405020304" charset="0"/>
-              </a:rPr>
-            </a:br>
-            <a:r>
-              <a:rPr lang="en-US" sz="1600">
-                <a:latin typeface="Times New Roman" panose="02020603050405020304" charset="0"/>
-                <a:cs typeface="Times New Roman" panose="02020603050405020304" charset="0"/>
-              </a:rPr>
-              <a:t>			s</a:t>
-            </a:r>
-            <a:r>
-              <a:rPr lang="en-US" sz="1600" baseline="-25000">
-                <a:latin typeface="Times New Roman" panose="02020603050405020304" charset="0"/>
-                <a:cs typeface="Times New Roman" panose="02020603050405020304" charset="0"/>
-              </a:rPr>
-              <a:t>A</a:t>
-            </a:r>
-            <a:r>
-              <a:rPr lang="en-US" sz="1600">
-                <a:latin typeface="Times New Roman" panose="02020603050405020304" charset="0"/>
-                <a:cs typeface="Times New Roman" panose="02020603050405020304" charset="0"/>
-              </a:rPr>
-              <a:t> = W</a:t>
-            </a:r>
-            <a:r>
-              <a:rPr lang="en-US" sz="1600" baseline="-25000">
-                <a:latin typeface="Times New Roman" panose="02020603050405020304" charset="0"/>
-                <a:cs typeface="Times New Roman" panose="02020603050405020304" charset="0"/>
-              </a:rPr>
-              <a:t>s</a:t>
-            </a:r>
-            <a:r>
-              <a:rPr lang="en-US" sz="1600">
-                <a:latin typeface="Times New Roman" panose="02020603050405020304" charset="0"/>
-                <a:cs typeface="Times New Roman" panose="02020603050405020304" charset="0"/>
-              </a:rPr>
-              <a:t>z</a:t>
-            </a:r>
-            <a:r>
-              <a:rPr lang="en-US" sz="1600" baseline="-25000">
-                <a:latin typeface="Times New Roman" panose="02020603050405020304" charset="0"/>
-                <a:cs typeface="Times New Roman" panose="02020603050405020304" charset="0"/>
-              </a:rPr>
-              <a:t>I+Q</a:t>
-            </a:r>
-            <a:r>
-              <a:rPr lang="en-US" sz="1600">
-                <a:latin typeface="Times New Roman" panose="02020603050405020304" charset="0"/>
-                <a:cs typeface="Times New Roman" panose="02020603050405020304" charset="0"/>
-              </a:rPr>
-              <a:t> + b</a:t>
-            </a:r>
-            <a:r>
-              <a:rPr lang="en-US" sz="1600" baseline="-25000">
-                <a:latin typeface="Times New Roman" panose="02020603050405020304" charset="0"/>
-                <a:cs typeface="Times New Roman" panose="02020603050405020304" charset="0"/>
-              </a:rPr>
-              <a:t>s</a:t>
-            </a:r>
-            <a:endParaRPr lang="en-US" sz="1600" baseline="-25000">
-              <a:latin typeface="Times New Roman" panose="02020603050405020304" charset="0"/>
-              <a:cs typeface="Times New Roman" panose="02020603050405020304" charset="0"/>
-            </a:endParaRPr>
-          </a:p>
-        </p:txBody>
-      </p:sp>
-      <p:pic>
-        <p:nvPicPr>
-          <p:cNvPr id="4" name="Picture 3"/>
-          <p:cNvPicPr>
-            <a:picLocks noChangeAspect="1"/>
-          </p:cNvPicPr>
-          <p:nvPr/>
-        </p:nvPicPr>
-        <p:blipFill>
-          <a:blip r:embed="rId1"/>
-          <a:stretch>
-            <a:fillRect/>
-          </a:stretch>
-        </p:blipFill>
-        <p:spPr>
-          <a:xfrm>
-            <a:off x="2696845" y="2757170"/>
-            <a:ext cx="3193415" cy="273050"/>
-          </a:xfrm>
-          <a:prstGeom prst="rect">
-            <a:avLst/>
-          </a:prstGeom>
-        </p:spPr>
-      </p:pic>
     </p:spTree>
   </p:cSld>
   <p:clrMapOvr>
@@ -7961,6 +7882,378 @@
         </p:nvSpPr>
         <p:spPr>
           <a:xfrm>
+            <a:off x="311785" y="218440"/>
+            <a:ext cx="8520430" cy="4360545"/>
+          </a:xfrm>
+        </p:spPr>
+        <p:txBody>
+          <a:bodyPr/>
+          <a:lstStyle/>
+          <a:p>
+            <a:pPr>
+              <a:buFont typeface="Arial" panose="020B0604020202020204" pitchFamily="34" charset="0"/>
+              <a:buChar char="•"/>
+            </a:pPr>
+            <a:r>
+              <a:rPr lang="en-US" sz="1600">
+                <a:latin typeface="Times New Roman" panose="02020603050405020304" charset="0"/>
+                <a:cs typeface="Times New Roman" panose="02020603050405020304" charset="0"/>
+              </a:rPr>
+              <a:t>For a VQA question (I, Q)</a:t>
+            </a:r>
+          </a:p>
+          <a:p>
+            <a:pPr lvl="1">
+              <a:buFont typeface="Arial" panose="020B0604020202020204" pitchFamily="34" charset="0"/>
+              <a:buChar char="•"/>
+            </a:pPr>
+            <a:r>
+              <a:rPr lang="en-US" sz="1200">
+                <a:latin typeface="Times New Roman" panose="02020603050405020304" charset="0"/>
+                <a:cs typeface="Times New Roman" panose="02020603050405020304" charset="0"/>
+              </a:rPr>
+              <a:t>Image Encoding</a:t>
+            </a:r>
+          </a:p>
+          <a:p>
+            <a:pPr lvl="2">
+              <a:buFont typeface="Arial" panose="020B0604020202020204" pitchFamily="34" charset="0"/>
+              <a:buChar char="•"/>
+            </a:pPr>
+            <a:r>
+              <a:rPr lang="en-US" sz="1200">
+                <a:latin typeface="Times New Roman" panose="02020603050405020304" charset="0"/>
+                <a:cs typeface="Times New Roman" panose="02020603050405020304" charset="0"/>
+              </a:rPr>
+              <a:t>Using the 19-layer VGGNet [46] as a 4,096-dimensional image encoding x</a:t>
+            </a:r>
+            <a:r>
+              <a:rPr lang="en-US" sz="1200" baseline="-25000">
+                <a:latin typeface="Times New Roman" panose="02020603050405020304" charset="0"/>
+                <a:cs typeface="Times New Roman" panose="02020603050405020304" charset="0"/>
+              </a:rPr>
+              <a:t>I</a:t>
+            </a:r>
+            <a:r>
+              <a:rPr lang="en-US" sz="1200">
+                <a:latin typeface="Times New Roman" panose="02020603050405020304" charset="0"/>
+                <a:cs typeface="Times New Roman" panose="02020603050405020304" charset="0"/>
+              </a:rPr>
+              <a:t> </a:t>
+            </a:r>
+          </a:p>
+          <a:p>
+            <a:pPr lvl="1">
+              <a:buFont typeface="Arial" panose="020B0604020202020204" pitchFamily="34" charset="0"/>
+              <a:buChar char="•"/>
+            </a:pPr>
+            <a:r>
+              <a:rPr lang="en-US" sz="1200">
+                <a:latin typeface="Times New Roman" panose="02020603050405020304" charset="0"/>
+                <a:cs typeface="Times New Roman" panose="02020603050405020304" charset="0"/>
+              </a:rPr>
+              <a:t>Question Encoding</a:t>
+            </a:r>
+          </a:p>
+          <a:p>
+            <a:pPr lvl="2">
+              <a:buFont typeface="Arial" panose="020B0604020202020204" pitchFamily="34" charset="0"/>
+              <a:buChar char="•"/>
+            </a:pPr>
+            <a:r>
+              <a:rPr lang="en-US" sz="1200">
+                <a:latin typeface="Times New Roman" panose="02020603050405020304" charset="0"/>
+                <a:cs typeface="Times New Roman" panose="02020603050405020304" charset="0"/>
+              </a:rPr>
+              <a:t>Using a 2-layer RNN with 512 Long Short-Term Memory (LSTM) units per layer as a 2,048-dimensional question encoding x</a:t>
+            </a:r>
+            <a:r>
+              <a:rPr lang="en-US" sz="1200" baseline="-25000">
+                <a:latin typeface="Times New Roman" panose="02020603050405020304" charset="0"/>
+                <a:cs typeface="Times New Roman" panose="02020603050405020304" charset="0"/>
+              </a:rPr>
+              <a:t>Q</a:t>
+            </a:r>
+            <a:r>
+              <a:rPr lang="en-US" sz="1200">
+                <a:latin typeface="Times New Roman" panose="02020603050405020304" charset="0"/>
+                <a:cs typeface="Times New Roman" panose="02020603050405020304" charset="0"/>
+              </a:rPr>
+              <a:t>. </a:t>
+            </a:r>
+          </a:p>
+          <a:p>
+            <a:pPr>
+              <a:buFont typeface="Arial" panose="020B0604020202020204" pitchFamily="34" charset="0"/>
+              <a:buChar char="•"/>
+            </a:pPr>
+            <a:r>
+              <a:rPr lang="en-US" sz="1600">
+                <a:latin typeface="Times New Roman" panose="02020603050405020304" charset="0"/>
+                <a:cs typeface="Times New Roman" panose="02020603050405020304" charset="0"/>
+              </a:rPr>
+              <a:t>Then x</a:t>
+            </a:r>
+            <a:r>
+              <a:rPr lang="en-US" sz="1600" baseline="-25000">
+                <a:latin typeface="Times New Roman" panose="02020603050405020304" charset="0"/>
+                <a:cs typeface="Times New Roman" panose="02020603050405020304" charset="0"/>
+              </a:rPr>
+              <a:t>I</a:t>
+            </a:r>
+            <a:r>
+              <a:rPr lang="en-US" sz="1600">
+                <a:latin typeface="Times New Roman" panose="02020603050405020304" charset="0"/>
+                <a:cs typeface="Times New Roman" panose="02020603050405020304" charset="0"/>
+              </a:rPr>
+              <a:t> and x</a:t>
+            </a:r>
+            <a:r>
+              <a:rPr lang="en-US" sz="1600" baseline="-25000">
+                <a:latin typeface="Times New Roman" panose="02020603050405020304" charset="0"/>
+                <a:cs typeface="Times New Roman" panose="02020603050405020304" charset="0"/>
+              </a:rPr>
+              <a:t>Q</a:t>
+            </a:r>
+            <a:r>
+              <a:rPr lang="en-US" sz="1600">
+                <a:latin typeface="Times New Roman" panose="02020603050405020304" charset="0"/>
+                <a:cs typeface="Times New Roman" panose="02020603050405020304" charset="0"/>
+              </a:rPr>
+              <a:t>  are projected into a common 1,024-dimensional multi-modal space as z</a:t>
+            </a:r>
+            <a:r>
+              <a:rPr lang="en-US" sz="1600" baseline="-25000">
+                <a:latin typeface="Times New Roman" panose="02020603050405020304" charset="0"/>
+                <a:cs typeface="Times New Roman" panose="02020603050405020304" charset="0"/>
+              </a:rPr>
+              <a:t>I</a:t>
+            </a:r>
+            <a:r>
+              <a:rPr lang="en-US" sz="1600">
+                <a:latin typeface="Times New Roman" panose="02020603050405020304" charset="0"/>
+                <a:cs typeface="Times New Roman" panose="02020603050405020304" charset="0"/>
+              </a:rPr>
+              <a:t> and z</a:t>
+            </a:r>
+            <a:r>
+              <a:rPr lang="en-US" sz="1600" baseline="-25000">
+                <a:latin typeface="Times New Roman" panose="02020603050405020304" charset="0"/>
+                <a:cs typeface="Times New Roman" panose="02020603050405020304" charset="0"/>
+              </a:rPr>
+              <a:t>Q</a:t>
+            </a:r>
+          </a:p>
+          <a:p>
+            <a:pPr>
+              <a:buFont typeface="Arial" panose="020B0604020202020204" pitchFamily="34" charset="0"/>
+              <a:buChar char="•"/>
+            </a:pPr>
+            <a:endParaRPr lang="en-US" sz="1600">
+              <a:latin typeface="Times New Roman" panose="02020603050405020304" charset="0"/>
+              <a:cs typeface="Times New Roman" panose="02020603050405020304" charset="0"/>
+            </a:endParaRPr>
+          </a:p>
+          <a:p>
+            <a:pPr>
+              <a:buFont typeface="Arial" panose="020B0604020202020204" pitchFamily="34" charset="0"/>
+              <a:buChar char="•"/>
+            </a:pPr>
+            <a:r>
+              <a:rPr lang="en-US" sz="1600">
+                <a:latin typeface="Times New Roman" panose="02020603050405020304" charset="0"/>
+                <a:cs typeface="Times New Roman" panose="02020603050405020304" charset="0"/>
+              </a:rPr>
+              <a:t>We then compute the representation z</a:t>
+            </a:r>
+            <a:r>
+              <a:rPr lang="en-US" sz="1600" baseline="-25000">
+                <a:latin typeface="Times New Roman" panose="02020603050405020304" charset="0"/>
+                <a:cs typeface="Times New Roman" panose="02020603050405020304" charset="0"/>
+              </a:rPr>
+              <a:t>I+Q</a:t>
+            </a:r>
+            <a:r>
+              <a:rPr lang="en-US" sz="1600">
+                <a:latin typeface="Times New Roman" panose="02020603050405020304" charset="0"/>
+                <a:cs typeface="Times New Roman" panose="02020603050405020304" charset="0"/>
+              </a:rPr>
+              <a:t> for the image-question pair (I, Q) by element-wise multiplying z</a:t>
+            </a:r>
+            <a:r>
+              <a:rPr lang="en-US" sz="1600" baseline="-25000">
+                <a:latin typeface="Times New Roman" panose="02020603050405020304" charset="0"/>
+                <a:cs typeface="Times New Roman" panose="02020603050405020304" charset="0"/>
+              </a:rPr>
+              <a:t>I</a:t>
+            </a:r>
+            <a:r>
+              <a:rPr lang="en-US" sz="1600">
+                <a:latin typeface="Times New Roman" panose="02020603050405020304" charset="0"/>
+                <a:cs typeface="Times New Roman" panose="02020603050405020304" charset="0"/>
+              </a:rPr>
+              <a:t> and z</a:t>
+            </a:r>
+            <a:r>
+              <a:rPr lang="en-US" sz="1600" baseline="-25000">
+                <a:latin typeface="Times New Roman" panose="02020603050405020304" charset="0"/>
+                <a:cs typeface="Times New Roman" panose="02020603050405020304" charset="0"/>
+              </a:rPr>
+              <a:t>Q</a:t>
+            </a:r>
+          </a:p>
+          <a:p>
+            <a:pPr>
+              <a:buFont typeface="Arial" panose="020B0604020202020204" pitchFamily="34" charset="0"/>
+              <a:buChar char="•"/>
+            </a:pPr>
+            <a:r>
+              <a:rPr lang="en-US" sz="1600">
+                <a:latin typeface="Times New Roman" panose="02020603050405020304" charset="0"/>
+                <a:cs typeface="Times New Roman" panose="02020603050405020304" charset="0"/>
+              </a:rPr>
+              <a:t> The scores s</a:t>
+            </a:r>
+            <a:r>
+              <a:rPr lang="en-US" sz="1600" baseline="-25000">
+                <a:latin typeface="Times New Roman" panose="02020603050405020304" charset="0"/>
+                <a:cs typeface="Times New Roman" panose="02020603050405020304" charset="0"/>
+              </a:rPr>
+              <a:t>A</a:t>
+            </a:r>
+            <a:r>
+              <a:rPr lang="en-US" sz="1600">
+                <a:latin typeface="Times New Roman" panose="02020603050405020304" charset="0"/>
+                <a:cs typeface="Times New Roman" panose="02020603050405020304" charset="0"/>
+              </a:rPr>
+              <a:t> for 1,000 answers are given by:</a:t>
+            </a:r>
+            <a:br>
+              <a:rPr lang="en-US" sz="1600">
+                <a:latin typeface="Times New Roman" panose="02020603050405020304" charset="0"/>
+                <a:cs typeface="Times New Roman" panose="02020603050405020304" charset="0"/>
+              </a:rPr>
+            </a:br>
+            <a:r>
+              <a:rPr lang="en-US" sz="1600">
+                <a:latin typeface="Times New Roman" panose="02020603050405020304" charset="0"/>
+                <a:cs typeface="Times New Roman" panose="02020603050405020304" charset="0"/>
+              </a:rPr>
+              <a:t>			s</a:t>
+            </a:r>
+            <a:r>
+              <a:rPr lang="en-US" sz="1600" baseline="-25000">
+                <a:latin typeface="Times New Roman" panose="02020603050405020304" charset="0"/>
+                <a:cs typeface="Times New Roman" panose="02020603050405020304" charset="0"/>
+              </a:rPr>
+              <a:t>A</a:t>
+            </a:r>
+            <a:r>
+              <a:rPr lang="en-US" sz="1600">
+                <a:latin typeface="Times New Roman" panose="02020603050405020304" charset="0"/>
+                <a:cs typeface="Times New Roman" panose="02020603050405020304" charset="0"/>
+              </a:rPr>
+              <a:t> = W</a:t>
+            </a:r>
+            <a:r>
+              <a:rPr lang="en-US" sz="1600" baseline="-25000">
+                <a:latin typeface="Times New Roman" panose="02020603050405020304" charset="0"/>
+                <a:cs typeface="Times New Roman" panose="02020603050405020304" charset="0"/>
+              </a:rPr>
+              <a:t>s</a:t>
+            </a:r>
+            <a:r>
+              <a:rPr lang="en-US" sz="1600">
+                <a:latin typeface="Times New Roman" panose="02020603050405020304" charset="0"/>
+                <a:cs typeface="Times New Roman" panose="02020603050405020304" charset="0"/>
+              </a:rPr>
+              <a:t>z</a:t>
+            </a:r>
+            <a:r>
+              <a:rPr lang="en-US" sz="1600" baseline="-25000">
+                <a:latin typeface="Times New Roman" panose="02020603050405020304" charset="0"/>
+                <a:cs typeface="Times New Roman" panose="02020603050405020304" charset="0"/>
+              </a:rPr>
+              <a:t>I+Q</a:t>
+            </a:r>
+            <a:r>
+              <a:rPr lang="en-US" sz="1600">
+                <a:latin typeface="Times New Roman" panose="02020603050405020304" charset="0"/>
+                <a:cs typeface="Times New Roman" panose="02020603050405020304" charset="0"/>
+              </a:rPr>
+              <a:t> + b</a:t>
+            </a:r>
+            <a:r>
+              <a:rPr lang="en-US" sz="1600" baseline="-25000">
+                <a:latin typeface="Times New Roman" panose="02020603050405020304" charset="0"/>
+                <a:cs typeface="Times New Roman" panose="02020603050405020304" charset="0"/>
+              </a:rPr>
+              <a:t>s</a:t>
+            </a:r>
+          </a:p>
+        </p:txBody>
+      </p:sp>
+      <p:pic>
+        <p:nvPicPr>
+          <p:cNvPr id="4" name="Picture 3"/>
+          <p:cNvPicPr>
+            <a:picLocks noChangeAspect="1"/>
+          </p:cNvPicPr>
+          <p:nvPr/>
+        </p:nvPicPr>
+        <p:blipFill>
+          <a:blip r:embed="rId2"/>
+          <a:stretch>
+            <a:fillRect/>
+          </a:stretch>
+        </p:blipFill>
+        <p:spPr>
+          <a:xfrm>
+            <a:off x="2696845" y="2757170"/>
+            <a:ext cx="3193415" cy="273050"/>
+          </a:xfrm>
+          <a:prstGeom prst="rect">
+            <a:avLst/>
+          </a:prstGeom>
+        </p:spPr>
+      </p:pic>
+    </p:spTree>
+  </p:cSld>
+  <p:clrMapOvr>
+    <a:masterClrMapping/>
+  </p:clrMapOvr>
+</p:sld>
+</file>
+
+<file path=ppt/slides/slide14.xml><?xml version="1.0" encoding="utf-8"?>
+<p:sld xmlns:a="http://schemas.openxmlformats.org/drawingml/2006/main" xmlns:r="http://schemas.openxmlformats.org/officeDocument/2006/relationships" xmlns:p="http://schemas.openxmlformats.org/presentationml/2006/main">
+  <p:cSld>
+    <p:spTree>
+      <p:nvGrpSpPr>
+        <p:cNvPr id="1" name=""/>
+        <p:cNvGrpSpPr/>
+        <p:nvPr/>
+      </p:nvGrpSpPr>
+      <p:grpSpPr>
+        <a:xfrm>
+          <a:off x="0" y="0"/>
+          <a:ext cx="0" cy="0"/>
+          <a:chOff x="0" y="0"/>
+          <a:chExt cx="0" cy="0"/>
+        </a:xfrm>
+      </p:grpSpPr>
+      <p:sp>
+        <p:nvSpPr>
+          <p:cNvPr id="3" name="Text Placeholder 2"/>
+          <p:cNvSpPr>
+            <a:spLocks noGrp="1"/>
+          </p:cNvSpPr>
+          <p:nvPr>
+            <p:ph type="body" idx="1"/>
+          </p:nvPr>
+        </p:nvSpPr>
+        <p:spPr>
+          <a:xfrm>
             <a:off x="311785" y="247015"/>
             <a:ext cx="8520430" cy="4331970"/>
           </a:xfrm>
@@ -7980,10 +8273,6 @@
               </a:rPr>
               <a:t>For the VQA-Caption task given caption C and question Q, </a:t>
             </a:r>
-            <a:endParaRPr lang="en-US">
-              <a:latin typeface="Times New Roman" panose="02020603050405020304" charset="0"/>
-              <a:cs typeface="Times New Roman" panose="02020603050405020304" charset="0"/>
-            </a:endParaRPr>
           </a:p>
           <a:p>
             <a:pPr lvl="1">
@@ -7997,10 +8286,6 @@
               </a:rPr>
               <a:t>We use the same network architecture and learning procedure as above</a:t>
             </a:r>
-            <a:endParaRPr lang="en-US">
-              <a:latin typeface="Times New Roman" panose="02020603050405020304" charset="0"/>
-              <a:cs typeface="Times New Roman" panose="02020603050405020304" charset="0"/>
-            </a:endParaRPr>
           </a:p>
           <a:p>
             <a:pPr lvl="1">
@@ -8070,10 +8355,6 @@
               </a:rPr>
               <a:t> respectively.</a:t>
             </a:r>
-            <a:endParaRPr lang="en-US">
-              <a:latin typeface="Times New Roman" panose="02020603050405020304" charset="0"/>
-              <a:cs typeface="Times New Roman" panose="02020603050405020304" charset="0"/>
-            </a:endParaRPr>
           </a:p>
           <a:p>
             <a:pPr lvl="0">
@@ -8087,10 +8368,6 @@
               </a:rPr>
               <a:t>The VQA and VQA-Caption models are learned on the train split of the VQA dataset using </a:t>
             </a:r>
-            <a:endParaRPr lang="en-US">
-              <a:latin typeface="Times New Roman" panose="02020603050405020304" charset="0"/>
-              <a:cs typeface="Times New Roman" panose="02020603050405020304" charset="0"/>
-            </a:endParaRPr>
           </a:p>
           <a:p>
             <a:pPr lvl="1">
@@ -8104,10 +8381,6 @@
               </a:rPr>
               <a:t>82,783 images, 413,915 captions and 248,349 questions. </a:t>
             </a:r>
-            <a:endParaRPr lang="en-US">
-              <a:latin typeface="Times New Roman" panose="02020603050405020304" charset="0"/>
-              <a:cs typeface="Times New Roman" panose="02020603050405020304" charset="0"/>
-            </a:endParaRPr>
           </a:p>
           <a:p>
             <a:pPr lvl="0">
@@ -8121,10 +8394,6 @@
               </a:rPr>
               <a:t>These models achieve VQA validation set accuracies of </a:t>
             </a:r>
-            <a:endParaRPr lang="en-US">
-              <a:latin typeface="Times New Roman" panose="02020603050405020304" charset="0"/>
-              <a:cs typeface="Times New Roman" panose="02020603050405020304" charset="0"/>
-            </a:endParaRPr>
           </a:p>
           <a:p>
             <a:pPr lvl="1">
@@ -8138,10 +8407,6 @@
               </a:rPr>
               <a:t>54.42% (VQA) and 56.28%(VQA-Caption). </a:t>
             </a:r>
-            <a:endParaRPr lang="en-US">
-              <a:latin typeface="Times New Roman" panose="02020603050405020304" charset="0"/>
-              <a:cs typeface="Times New Roman" panose="02020603050405020304" charset="0"/>
-            </a:endParaRPr>
           </a:p>
           <a:p>
             <a:pPr lvl="0">
@@ -8155,10 +8420,6 @@
               </a:rPr>
               <a:t>Next, they are used as sub-modules in the image caption ranking approach.</a:t>
             </a:r>
-            <a:endParaRPr lang="en-US">
-              <a:latin typeface="Times New Roman" panose="02020603050405020304" charset="0"/>
-              <a:cs typeface="Times New Roman" panose="02020603050405020304" charset="0"/>
-            </a:endParaRPr>
           </a:p>
         </p:txBody>
       </p:sp>
@@ -8170,7 +8431,7 @@
 </p:sld>
 </file>
 
-<file path=ppt/slides/slide14.xml><?xml version="1.0" encoding="utf-8"?>
+<file path=ppt/slides/slide15.xml><?xml version="1.0" encoding="utf-8"?>
 <p:sld xmlns:a="http://schemas.openxmlformats.org/drawingml/2006/main" xmlns:r="http://schemas.openxmlformats.org/officeDocument/2006/relationships" xmlns:p="http://schemas.openxmlformats.org/presentationml/2006/main">
   <p:cSld>
     <p:spTree>
@@ -8214,10 +8475,6 @@
               </a:rPr>
               <a:t>Approach</a:t>
             </a:r>
-            <a:endParaRPr lang="en-US" sz="3200">
-              <a:latin typeface="Times New Roman" panose="02020603050405020304" charset="0"/>
-              <a:cs typeface="Times New Roman" panose="02020603050405020304" charset="0"/>
-            </a:endParaRPr>
           </a:p>
         </p:txBody>
       </p:sp>
@@ -8252,10 +8509,6 @@
               </a:rPr>
               <a:t>To leverage knowledge in VQA for image-caption ranking we propose </a:t>
             </a:r>
-            <a:endParaRPr lang="en-US">
-              <a:latin typeface="Times New Roman" panose="02020603050405020304" charset="0"/>
-              <a:cs typeface="Times New Roman" panose="02020603050405020304" charset="0"/>
-            </a:endParaRPr>
           </a:p>
           <a:p>
             <a:pPr lvl="1">
@@ -8269,10 +8522,6 @@
               </a:rPr>
               <a:t>to represent the images and the captions in the VQA space using VQA and VQA-Caption models. </a:t>
             </a:r>
-            <a:endParaRPr lang="en-US">
-              <a:latin typeface="Times New Roman" panose="02020603050405020304" charset="0"/>
-              <a:cs typeface="Times New Roman" panose="02020603050405020304" charset="0"/>
-            </a:endParaRPr>
           </a:p>
           <a:p>
             <a:pPr lvl="1">
@@ -8286,10 +8535,6 @@
               </a:rPr>
               <a:t>This representations is called VQA-grounded representations.</a:t>
             </a:r>
-            <a:endParaRPr lang="en-US">
-              <a:latin typeface="Times New Roman" panose="02020603050405020304" charset="0"/>
-              <a:cs typeface="Times New Roman" panose="02020603050405020304" charset="0"/>
-            </a:endParaRPr>
           </a:p>
         </p:txBody>
       </p:sp>
@@ -8301,7 +8546,7 @@
 </p:sld>
 </file>
 
-<file path=ppt/slides/slide15.xml><?xml version="1.0" encoding="utf-8"?>
+<file path=ppt/slides/slide16.xml><?xml version="1.0" encoding="utf-8"?>
 <p:sld xmlns:a="http://schemas.openxmlformats.org/drawingml/2006/main" xmlns:r="http://schemas.openxmlformats.org/officeDocument/2006/relationships" xmlns:p="http://schemas.openxmlformats.org/presentationml/2006/main">
   <p:cSld>
     <p:spTree>
@@ -8349,10 +8594,6 @@
               </a:rPr>
               <a:t>Let’s say we have a</a:t>
             </a:r>
-            <a:endParaRPr lang="en-US">
-              <a:latin typeface="Times New Roman" panose="02020603050405020304" charset="0"/>
-              <a:cs typeface="Times New Roman" panose="02020603050405020304" charset="0"/>
-            </a:endParaRPr>
           </a:p>
           <a:p>
             <a:pPr lvl="1">
@@ -8366,10 +8607,6 @@
               </a:rPr>
               <a:t> VQA model PI (A|Q, I), a VQA-Caption model PC (A|Q, C)</a:t>
             </a:r>
-            <a:endParaRPr lang="en-US">
-              <a:latin typeface="Times New Roman" panose="02020603050405020304" charset="0"/>
-              <a:cs typeface="Times New Roman" panose="02020603050405020304" charset="0"/>
-            </a:endParaRPr>
           </a:p>
           <a:p>
             <a:pPr lvl="1">
@@ -8383,10 +8620,6 @@
               </a:rPr>
               <a:t>Set of N questions Qi </a:t>
             </a:r>
-            <a:endParaRPr lang="en-US">
-              <a:latin typeface="Times New Roman" panose="02020603050405020304" charset="0"/>
-              <a:cs typeface="Times New Roman" panose="02020603050405020304" charset="0"/>
-            </a:endParaRPr>
           </a:p>
           <a:p>
             <a:pPr lvl="1">
@@ -8400,10 +8633,6 @@
               </a:rPr>
               <a:t>And their plausible answers (one for each question) Ai, i = 1, 2, ...N. </a:t>
             </a:r>
-            <a:endParaRPr lang="en-US">
-              <a:latin typeface="Times New Roman" panose="02020603050405020304" charset="0"/>
-              <a:cs typeface="Times New Roman" panose="02020603050405020304" charset="0"/>
-            </a:endParaRPr>
           </a:p>
           <a:p>
             <a:pPr lvl="0">
@@ -8445,10 +8674,6 @@
               </a:rPr>
               <a:t> for C </a:t>
             </a:r>
-            <a:endParaRPr lang="en-US">
-              <a:latin typeface="Times New Roman" panose="02020603050405020304" charset="0"/>
-              <a:cs typeface="Times New Roman" panose="02020603050405020304" charset="0"/>
-            </a:endParaRPr>
           </a:p>
           <a:p>
             <a:pPr lvl="0">
@@ -8490,10 +8715,6 @@
               </a:rPr>
               <a:t> is the log probability of the ground truth answer Ai given a question Qi.</a:t>
             </a:r>
-            <a:endParaRPr lang="en-US">
-              <a:latin typeface="Times New Roman" panose="02020603050405020304" charset="0"/>
-              <a:cs typeface="Times New Roman" panose="02020603050405020304" charset="0"/>
-            </a:endParaRPr>
           </a:p>
         </p:txBody>
       </p:sp>
@@ -8506,7 +8727,7 @@
           <p:nvPr/>
         </p:nvPicPr>
         <p:blipFill>
-          <a:blip r:embed="rId1"/>
+          <a:blip r:embed="rId2"/>
           <a:stretch>
             <a:fillRect/>
           </a:stretch>
@@ -8529,7 +8750,7 @@
 </p:sld>
 </file>
 
-<file path=ppt/slides/slide16.xml><?xml version="1.0" encoding="utf-8"?>
+<file path=ppt/slides/slide17.xml><?xml version="1.0" encoding="utf-8"?>
 <p:sld xmlns:a="http://schemas.openxmlformats.org/drawingml/2006/main" xmlns:r="http://schemas.openxmlformats.org/officeDocument/2006/relationships" xmlns:p="http://schemas.openxmlformats.org/presentationml/2006/main">
   <p:cSld>
     <p:spTree>
@@ -8555,7 +8776,7 @@
           <p:nvPr/>
         </p:nvPicPr>
         <p:blipFill>
-          <a:blip r:embed="rId1"/>
+          <a:blip r:embed="rId2"/>
           <a:stretch>
             <a:fillRect/>
           </a:stretch>
@@ -8603,6 +8824,29 @@
               </a:rPr>
               <a:t>For example if the (Qi, Ai) pairs are </a:t>
             </a:r>
+          </a:p>
+          <a:p>
+            <a:r>
+              <a:rPr lang="en-US" sz="1000">
+                <a:latin typeface="Times New Roman" panose="02020603050405020304" charset="0"/>
+                <a:cs typeface="Times New Roman" panose="02020603050405020304" charset="0"/>
+              </a:rPr>
+              <a:t>  (Q1: What is the person riding?,</a:t>
+            </a:r>
+            <a:r>
+              <a:rPr lang="en-US" sz="1600">
+                <a:latin typeface="Times New Roman" panose="02020603050405020304" charset="0"/>
+                <a:cs typeface="Times New Roman" panose="02020603050405020304" charset="0"/>
+              </a:rPr>
+              <a:t> </a:t>
+            </a:r>
+            <a:r>
+              <a:rPr lang="en-US" sz="1000">
+                <a:latin typeface="Times New Roman" panose="02020603050405020304" charset="0"/>
+                <a:cs typeface="Times New Roman" panose="02020603050405020304" charset="0"/>
+              </a:rPr>
+              <a:t>A1:Motorcycle)</a:t>
+            </a:r>
             <a:endParaRPr lang="en-US" sz="1600">
               <a:latin typeface="Times New Roman" panose="02020603050405020304" charset="0"/>
               <a:cs typeface="Times New Roman" panose="02020603050405020304" charset="0"/>
@@ -8610,25 +8854,18 @@
           </a:p>
           <a:p>
             <a:r>
+              <a:rPr lang="en-US" sz="1600">
+                <a:latin typeface="Times New Roman" panose="02020603050405020304" charset="0"/>
+                <a:cs typeface="Times New Roman" panose="02020603050405020304" charset="0"/>
+              </a:rPr>
+              <a:t> </a:t>
+            </a:r>
+            <a:r>
               <a:rPr lang="en-US" sz="1000">
                 <a:latin typeface="Times New Roman" panose="02020603050405020304" charset="0"/>
                 <a:cs typeface="Times New Roman" panose="02020603050405020304" charset="0"/>
               </a:rPr>
-              <a:t>  (Q1: What is the person riding?,</a:t>
-            </a:r>
-            <a:r>
-              <a:rPr lang="en-US" sz="1600">
-                <a:latin typeface="Times New Roman" panose="02020603050405020304" charset="0"/>
-                <a:cs typeface="Times New Roman" panose="02020603050405020304" charset="0"/>
-              </a:rPr>
-              <a:t> </a:t>
-            </a:r>
-            <a:r>
-              <a:rPr lang="en-US" sz="1000">
-                <a:latin typeface="Times New Roman" panose="02020603050405020304" charset="0"/>
-                <a:cs typeface="Times New Roman" panose="02020603050405020304" charset="0"/>
-              </a:rPr>
-              <a:t>A1:Motorcycle)</a:t>
+              <a:t>(Q2: What is the man wearing on his head?, A2: Helmet),</a:t>
             </a:r>
             <a:endParaRPr lang="en-US" sz="1600">
               <a:latin typeface="Times New Roman" panose="02020603050405020304" charset="0"/>
@@ -8636,26 +8873,6 @@
             </a:endParaRPr>
           </a:p>
           <a:p>
-            <a:r>
-              <a:rPr lang="en-US" sz="1600">
-                <a:latin typeface="Times New Roman" panose="02020603050405020304" charset="0"/>
-                <a:cs typeface="Times New Roman" panose="02020603050405020304" charset="0"/>
-              </a:rPr>
-              <a:t> </a:t>
-            </a:r>
-            <a:r>
-              <a:rPr lang="en-US" sz="1000">
-                <a:latin typeface="Times New Roman" panose="02020603050405020304" charset="0"/>
-                <a:cs typeface="Times New Roman" panose="02020603050405020304" charset="0"/>
-              </a:rPr>
-              <a:t>(Q2: What is the man wearing on his head?, A2: Helmet),</a:t>
-            </a:r>
-            <a:endParaRPr lang="en-US" sz="1600">
-              <a:latin typeface="Times New Roman" panose="02020603050405020304" charset="0"/>
-              <a:cs typeface="Times New Roman" panose="02020603050405020304" charset="0"/>
-            </a:endParaRPr>
-          </a:p>
-          <a:p>
             <a:pPr marL="285750" indent="-285750">
               <a:buFont typeface="Arial" panose="020B0604020202020204" pitchFamily="34" charset="0"/>
               <a:buChar char="•"/>
@@ -8667,10 +8884,6 @@
               </a:rPr>
               <a:t> u(1)I and u(1)C verify if the person in image I and caption C respectively is riding a motorcycle. </a:t>
             </a:r>
-            <a:endParaRPr lang="en-US" sz="1600">
-              <a:latin typeface="Times New Roman" panose="02020603050405020304" charset="0"/>
-              <a:cs typeface="Times New Roman" panose="02020603050405020304" charset="0"/>
-            </a:endParaRPr>
           </a:p>
           <a:p>
             <a:pPr marL="285750" indent="-285750">
@@ -8684,10 +8897,6 @@
               </a:rPr>
               <a:t>At the same time u(2)I and u(2)C</a:t>
             </a:r>
-            <a:endParaRPr lang="en-US" sz="1600">
-              <a:latin typeface="Times New Roman" panose="02020603050405020304" charset="0"/>
-              <a:cs typeface="Times New Roman" panose="02020603050405020304" charset="0"/>
-            </a:endParaRPr>
           </a:p>
           <a:p>
             <a:r>
@@ -8697,10 +8906,6 @@
               </a:rPr>
               <a:t>verify whether the man in I and C</a:t>
             </a:r>
-            <a:endParaRPr lang="en-US" sz="1600">
-              <a:latin typeface="Times New Roman" panose="02020603050405020304" charset="0"/>
-              <a:cs typeface="Times New Roman" panose="02020603050405020304" charset="0"/>
-            </a:endParaRPr>
           </a:p>
           <a:p>
             <a:r>
@@ -8710,10 +8915,6 @@
               </a:rPr>
               <a:t>is wearing a helmet.</a:t>
             </a:r>
-            <a:endParaRPr lang="en-US" sz="1600">
-              <a:latin typeface="Times New Roman" panose="02020603050405020304" charset="0"/>
-              <a:cs typeface="Times New Roman" panose="02020603050405020304" charset="0"/>
-            </a:endParaRPr>
           </a:p>
         </p:txBody>
       </p:sp>
@@ -8725,7 +8926,7 @@
 </p:sld>
 </file>
 
-<file path=ppt/slides/slide17.xml><?xml version="1.0" encoding="utf-8"?>
+<file path=ppt/slides/slide18.xml><?xml version="1.0" encoding="utf-8"?>
 <p:sld xmlns:a="http://schemas.openxmlformats.org/drawingml/2006/main" xmlns:r="http://schemas.openxmlformats.org/officeDocument/2006/relationships" xmlns:p="http://schemas.openxmlformats.org/presentationml/2006/main">
   <p:cSld>
     <p:spTree>
@@ -8751,7 +8952,7 @@
           <p:nvPr/>
         </p:nvPicPr>
         <p:blipFill>
-          <a:blip r:embed="rId1"/>
+          <a:blip r:embed="rId2"/>
           <a:stretch>
             <a:fillRect/>
           </a:stretch>
@@ -8799,13 +9000,6 @@
               </a:rPr>
               <a:t>https://arxiv.org/pdf/1605.01379.pdf</a:t>
             </a:r>
-            <a:endParaRPr lang="en-US" sz="1200">
-              <a:solidFill>
-                <a:srgbClr val="00B0F0"/>
-              </a:solidFill>
-              <a:latin typeface="Times New Roman" panose="02020603050405020304" charset="0"/>
-              <a:cs typeface="Times New Roman" panose="02020603050405020304" charset="0"/>
-            </a:endParaRPr>
           </a:p>
         </p:txBody>
       </p:sp>
@@ -8826,7 +9020,14 @@
         <p:cNvGrpSpPr/>
         <p:nvPr/>
       </p:nvGrpSpPr>
-      <p:grpSpPr/>
+      <p:grpSpPr>
+        <a:xfrm>
+          <a:off x="0" y="0"/>
+          <a:ext cx="0" cy="0"/>
+          <a:chOff x="0" y="0"/>
+          <a:chExt cx="0" cy="0"/>
+        </a:xfrm>
+      </p:grpSpPr>
       <p:sp>
         <p:nvSpPr>
           <p:cNvPr id="2" name="Title 1"/>
@@ -8840,6 +9041,7 @@
         <p:spPr/>
         <p:txBody>
           <a:bodyPr/>
+          <a:lstStyle/>
           <a:p>
             <a:r>
               <a:rPr lang="en-IN" altLang="en-US" sz="2800" b="1">
@@ -8849,11 +9051,6 @@
               </a:rPr>
               <a:t>Hate speech categories selected </a:t>
             </a:r>
-            <a:endParaRPr lang="en-IN" altLang="en-US" sz="2800" b="1">
-              <a:latin typeface="Georgia" panose="02040502050405020303" charset="0"/>
-              <a:cs typeface="Georgia" panose="02040502050405020303" charset="0"/>
-              <a:sym typeface="+mn-ea"/>
-            </a:endParaRPr>
           </a:p>
         </p:txBody>
       </p:sp>
@@ -8875,6 +9072,7 @@
         </p:spPr>
         <p:txBody>
           <a:bodyPr/>
+          <a:lstStyle/>
           <a:p>
             <a:r>
               <a:rPr lang="en-IN" altLang="en-US" sz="1600">
@@ -8926,11 +9124,6 @@
               </a:rPr>
               <a:t>sexism</a:t>
             </a:r>
-            <a:endParaRPr lang="en-IN" altLang="en-US" sz="1600">
-              <a:latin typeface="Georgia" panose="02040502050405020303" charset="0"/>
-              <a:cs typeface="Georgia" panose="02040502050405020303" charset="0"/>
-              <a:sym typeface="+mn-ea"/>
-            </a:endParaRPr>
           </a:p>
           <a:p>
             <a:endParaRPr lang="en-IN" altLang="en-US">
@@ -8958,7 +9151,7 @@
           <p:nvPr/>
         </p:nvPicPr>
         <p:blipFill>
-          <a:blip r:embed="rId1"/>
+          <a:blip r:embed="rId2"/>
           <a:stretch>
             <a:fillRect/>
           </a:stretch>
@@ -8990,7 +9183,14 @@
         <p:cNvGrpSpPr/>
         <p:nvPr/>
       </p:nvGrpSpPr>
-      <p:grpSpPr/>
+      <p:grpSpPr>
+        <a:xfrm>
+          <a:off x="0" y="0"/>
+          <a:ext cx="0" cy="0"/>
+          <a:chOff x="0" y="0"/>
+          <a:chExt cx="0" cy="0"/>
+        </a:xfrm>
+      </p:grpSpPr>
       <p:sp>
         <p:nvSpPr>
           <p:cNvPr id="2" name="Title 1"/>
@@ -9004,8 +9204,16 @@
         <p:spPr/>
         <p:txBody>
           <a:bodyPr/>
+          <a:lstStyle/>
           <a:p>
             <a:pPr algn="l"/>
+            <a:r>
+              <a:rPr lang="en-IN" altLang="en-US" b="1">
+                <a:latin typeface="Georgia" panose="02040502050405020303" charset="0"/>
+                <a:cs typeface="Georgia" panose="02040502050405020303" charset="0"/>
+              </a:rPr>
+              <a:t/>
+            </a:r>
             <a:br>
               <a:rPr lang="en-IN" altLang="en-US" b="1">
                 <a:latin typeface="Georgia" panose="02040502050405020303" charset="0"/>
@@ -9020,11 +9228,6 @@
               </a:rPr>
               <a:t>Dataset</a:t>
             </a:r>
-            <a:endParaRPr lang="en-IN" altLang="en-US" sz="2800" b="1">
-              <a:latin typeface="Georgia" panose="02040502050405020303" charset="0"/>
-              <a:cs typeface="Georgia" panose="02040502050405020303" charset="0"/>
-              <a:sym typeface="+mn-ea"/>
-            </a:endParaRPr>
           </a:p>
         </p:txBody>
       </p:sp>
@@ -9032,14 +9235,14 @@
         <p:nvPicPr>
           <p:cNvPr id="5" name="Content Placeholder 4"/>
           <p:cNvPicPr>
-            <a:picLocks noChangeAspect="1"/>
+            <a:picLocks noGrp="1" noChangeAspect="1"/>
           </p:cNvPicPr>
           <p:nvPr>
             <p:ph idx="1"/>
           </p:nvPr>
         </p:nvPicPr>
         <p:blipFill>
-          <a:blip r:embed="rId1"/>
+          <a:blip r:embed="rId2"/>
           <a:stretch>
             <a:fillRect/>
           </a:stretch>
@@ -9074,6 +9277,7 @@
           <a:bodyPr wrap="square" rtlCol="0" anchor="t">
             <a:spAutoFit/>
           </a:bodyPr>
+          <a:lstStyle/>
           <a:p>
             <a:r>
               <a:rPr lang="en-IN" altLang="en-US" b="1">
@@ -9089,14 +9293,14 @@
         <p:nvPicPr>
           <p:cNvPr id="7" name="Content Placeholder 6"/>
           <p:cNvPicPr>
-            <a:picLocks noChangeAspect="1"/>
+            <a:picLocks noGrp="1" noChangeAspect="1"/>
           </p:cNvPicPr>
           <p:nvPr>
             <p:ph sz="half" idx="2"/>
           </p:nvPr>
         </p:nvPicPr>
         <p:blipFill>
-          <a:blip r:embed="rId2"/>
+          <a:blip r:embed="rId3"/>
           <a:stretch>
             <a:fillRect/>
           </a:stretch>
@@ -9120,7 +9324,7 @@
           <p:nvPr/>
         </p:nvPicPr>
         <p:blipFill>
-          <a:blip r:embed="rId3"/>
+          <a:blip r:embed="rId4"/>
           <a:srcRect r="10047" b="-17830"/>
           <a:stretch>
             <a:fillRect/>
@@ -9156,6 +9360,7 @@
           <a:bodyPr wrap="none" rtlCol="0" anchor="t">
             <a:spAutoFit/>
           </a:bodyPr>
+          <a:lstStyle/>
           <a:p>
             <a:r>
               <a:rPr lang="en-IN" altLang="en-US" b="1">
@@ -9184,7 +9389,14 @@
         <p:cNvGrpSpPr/>
         <p:nvPr/>
       </p:nvGrpSpPr>
-      <p:grpSpPr/>
+      <p:grpSpPr>
+        <a:xfrm>
+          <a:off x="0" y="0"/>
+          <a:ext cx="0" cy="0"/>
+          <a:chOff x="0" y="0"/>
+          <a:chExt cx="0" cy="0"/>
+        </a:xfrm>
+      </p:grpSpPr>
       <p:sp>
         <p:nvSpPr>
           <p:cNvPr id="2" name="Title 1"/>
@@ -9198,8 +9410,16 @@
         <p:spPr/>
         <p:txBody>
           <a:bodyPr/>
+          <a:lstStyle/>
           <a:p>
             <a:pPr algn="l"/>
+            <a:r>
+              <a:rPr lang="en-IN" altLang="en-US" b="1">
+                <a:latin typeface="Georgia" panose="02040502050405020303" charset="0"/>
+                <a:cs typeface="Georgia" panose="02040502050405020303" charset="0"/>
+              </a:rPr>
+              <a:t/>
+            </a:r>
             <a:br>
               <a:rPr lang="en-IN" altLang="en-US" b="1">
                 <a:latin typeface="Georgia" panose="02040502050405020303" charset="0"/>
@@ -9244,6 +9464,7 @@
         </p:spPr>
         <p:txBody>
           <a:bodyPr/>
+          <a:lstStyle/>
           <a:p>
             <a:pPr marL="514350" indent="-514350">
               <a:buFont typeface="+mj-lt"/>
@@ -9258,12 +9479,6 @@
               </a:rPr>
               <a:t>http://mandola-project.eu/m/filer_public/06/b9/06b92efd-cce2-4204-a2a9-5eb2c34912f7/mandola-d31.pdf</a:t>
             </a:r>
-            <a:endParaRPr lang="en-US" sz="1600">
-              <a:solidFill>
-                <a:schemeClr val="tx1"/>
-              </a:solidFill>
-              <a:sym typeface="+mn-ea"/>
-            </a:endParaRPr>
           </a:p>
           <a:p>
             <a:pPr marL="514350" indent="-514350">
@@ -9279,12 +9494,6 @@
               </a:rPr>
               <a:t>https://github.com/ZeerakW/hatespeech/blob/master/NAACL_SRW_2016.csv</a:t>
             </a:r>
-            <a:endParaRPr lang="en-US" sz="1600">
-              <a:solidFill>
-                <a:schemeClr val="tx1"/>
-              </a:solidFill>
-              <a:sym typeface="+mn-ea"/>
-            </a:endParaRPr>
           </a:p>
           <a:p>
             <a:pPr marL="514350" indent="-514350">
@@ -9300,12 +9509,6 @@
               </a:rPr>
               <a:t>https://github.com/mayelsherif/hate_speech_icwsm18/tree/master/nhsm_datasets</a:t>
             </a:r>
-            <a:endParaRPr lang="en-US" sz="1600">
-              <a:solidFill>
-                <a:schemeClr val="tx1"/>
-              </a:solidFill>
-              <a:sym typeface="+mn-ea"/>
-            </a:endParaRPr>
           </a:p>
         </p:txBody>
       </p:sp>
@@ -9395,95 +9598,25 @@
           <a:chExt cx="0" cy="0"/>
         </a:xfrm>
       </p:grpSpPr>
-      <p:sp>
-        <p:nvSpPr>
-          <p:cNvPr id="2" name="Title 1"/>
-          <p:cNvSpPr>
-            <a:spLocks noGrp="1"/>
-          </p:cNvSpPr>
-          <p:nvPr>
-            <p:ph type="title"/>
-          </p:nvPr>
-        </p:nvSpPr>
-        <p:spPr>
-          <a:xfrm>
-            <a:off x="0" y="0"/>
-            <a:ext cx="8516990" cy="611197"/>
-          </a:xfrm>
-        </p:spPr>
-        <p:txBody>
-          <a:bodyPr/>
-          <a:lstStyle/>
-          <a:p>
-            <a:br>
-              <a:rPr lang="en-US" b="1" dirty="0">
-                <a:latin typeface="Times New Roman" panose="02020603050405020304" charset="0"/>
-                <a:cs typeface="Times New Roman" panose="02020603050405020304" charset="0"/>
-              </a:rPr>
-            </a:br>
-            <a:br>
-              <a:rPr lang="en-US" b="1" dirty="0">
-                <a:latin typeface="Times New Roman" panose="02020603050405020304" charset="0"/>
-                <a:cs typeface="Times New Roman" panose="02020603050405020304" charset="0"/>
-              </a:rPr>
-            </a:br>
-            <a:r>
-              <a:rPr lang="en-US" sz="1800" b="1" dirty="0">
-                <a:latin typeface="Times New Roman" panose="02020603050405020304" charset="0"/>
-                <a:cs typeface="Times New Roman" panose="02020603050405020304" charset="0"/>
-              </a:rPr>
-              <a:t>From Recognition to Cognition: Visual Commonsense Reasoning   </a:t>
-            </a:r>
-            <a:endParaRPr lang="en-US" sz="1800" b="1" dirty="0">
-              <a:latin typeface="Times New Roman" panose="02020603050405020304" charset="0"/>
-              <a:cs typeface="Times New Roman" panose="02020603050405020304" charset="0"/>
-            </a:endParaRPr>
-          </a:p>
-        </p:txBody>
-      </p:sp>
-      <p:sp>
-        <p:nvSpPr>
-          <p:cNvPr id="3" name="Text Placeholder 2"/>
-          <p:cNvSpPr>
-            <a:spLocks noGrp="1"/>
-          </p:cNvSpPr>
-          <p:nvPr>
-            <p:ph type="body" idx="1"/>
-          </p:nvPr>
-        </p:nvSpPr>
-        <p:spPr>
-          <a:xfrm>
-            <a:off x="399392" y="1555531"/>
-            <a:ext cx="8432907" cy="3023694"/>
-          </a:xfrm>
-        </p:spPr>
-        <p:txBody>
-          <a:bodyPr/>
-          <a:lstStyle/>
-          <a:p>
-            <a:endParaRPr lang="en-US" dirty="0"/>
-          </a:p>
-        </p:txBody>
-      </p:sp>
       <p:pic>
         <p:nvPicPr>
-          <p:cNvPr id="4" name="Picture 3" descr="Screenshot (114).png"/>
+          <p:cNvPr id="4" name="Picture 3" descr="Screenshot (116).png"/>
           <p:cNvPicPr>
             <a:picLocks noChangeAspect="1"/>
           </p:cNvPicPr>
           <p:nvPr/>
         </p:nvPicPr>
         <p:blipFill>
-          <a:blip r:embed="rId1"/>
-          <a:srcRect l="1379" t="23282" r="1724" b="34807"/>
+          <a:blip r:embed="rId2"/>
+          <a:srcRect l="7241" t="35753" r="5977" b="29492"/>
           <a:stretch>
             <a:fillRect/>
           </a:stretch>
         </p:blipFill>
         <p:spPr>
           <a:xfrm>
-            <a:off x="0" y="1508983"/>
-            <a:ext cx="9144000" cy="2154621"/>
+            <a:off x="0" y="2680138"/>
+            <a:ext cx="7746124" cy="2154621"/>
           </a:xfrm>
           <a:prstGeom prst="rect">
             <a:avLst/>
@@ -9498,7 +9631,205 @@
         </p:nvSpPr>
         <p:spPr>
           <a:xfrm>
-            <a:off x="315685" y="729343"/>
+            <a:off x="0" y="2291255"/>
+            <a:ext cx="2810385" cy="307777"/>
+          </a:xfrm>
+          <a:prstGeom prst="rect">
+            <a:avLst/>
+          </a:prstGeom>
+          <a:noFill/>
+        </p:spPr>
+        <p:txBody>
+          <a:bodyPr wrap="none" rtlCol="0">
+            <a:spAutoFit/>
+          </a:bodyPr>
+          <a:lstStyle/>
+          <a:p>
+            <a:r>
+              <a:rPr lang="en-US" b="1" dirty="0">
+                <a:latin typeface="Times New Roman" panose="02020603050405020304" charset="0"/>
+                <a:cs typeface="Times New Roman" panose="02020603050405020304" charset="0"/>
+              </a:rPr>
+              <a:t>Recognition to </a:t>
+            </a:r>
+            <a:r>
+              <a:rPr lang="en-US" b="1" dirty="0" smtClean="0">
+                <a:latin typeface="Times New Roman" panose="02020603050405020304" charset="0"/>
+                <a:cs typeface="Times New Roman" panose="02020603050405020304" charset="0"/>
+              </a:rPr>
+              <a:t>Cognition Network</a:t>
+            </a:r>
+            <a:endParaRPr lang="en-IN" b="1" dirty="0">
+              <a:latin typeface="Times New Roman" panose="02020603050405020304" charset="0"/>
+              <a:cs typeface="Times New Roman" panose="02020603050405020304" charset="0"/>
+            </a:endParaRPr>
+          </a:p>
+        </p:txBody>
+      </p:sp>
+      <p:sp>
+        <p:nvSpPr>
+          <p:cNvPr id="7" name="TextBox 6"/>
+          <p:cNvSpPr txBox="1"/>
+          <p:nvPr/>
+        </p:nvSpPr>
+        <p:spPr>
+          <a:xfrm>
+            <a:off x="7676306" y="3082909"/>
+            <a:ext cx="1719942" cy="953135"/>
+          </a:xfrm>
+          <a:prstGeom prst="rect">
+            <a:avLst/>
+          </a:prstGeom>
+          <a:noFill/>
+        </p:spPr>
+        <p:txBody>
+          <a:bodyPr wrap="square" rtlCol="0">
+            <a:spAutoFit/>
+          </a:bodyPr>
+          <a:lstStyle/>
+          <a:p>
+            <a:pPr>
+              <a:buFont typeface="Arial" panose="020B0604020202020204" pitchFamily="34" charset="0"/>
+              <a:buChar char="•"/>
+            </a:pPr>
+            <a:r>
+              <a:rPr lang="en-US" dirty="0">
+                <a:latin typeface="Times New Roman" panose="02020603050405020304" charset="0"/>
+                <a:cs typeface="Times New Roman" panose="02020603050405020304" charset="0"/>
+              </a:rPr>
+              <a:t> QA -&gt; R </a:t>
+            </a:r>
+          </a:p>
+          <a:p>
+            <a:pPr>
+              <a:buFont typeface="Arial" panose="020B0604020202020204" pitchFamily="34" charset="0"/>
+              <a:buChar char="•"/>
+            </a:pPr>
+            <a:r>
+              <a:rPr lang="en-US" dirty="0">
+                <a:latin typeface="Times New Roman" panose="02020603050405020304" charset="0"/>
+                <a:cs typeface="Times New Roman" panose="02020603050405020304" charset="0"/>
+              </a:rPr>
+              <a:t> Grounding</a:t>
+            </a:r>
+          </a:p>
+          <a:p>
+            <a:pPr>
+              <a:buFont typeface="Arial" panose="020B0604020202020204" pitchFamily="34" charset="0"/>
+              <a:buChar char="•"/>
+            </a:pPr>
+            <a:r>
+              <a:rPr lang="en-US" dirty="0">
+                <a:latin typeface="Times New Roman" panose="02020603050405020304" charset="0"/>
+                <a:cs typeface="Times New Roman" panose="02020603050405020304" charset="0"/>
+              </a:rPr>
+              <a:t> Contextualization</a:t>
+            </a:r>
+          </a:p>
+          <a:p>
+            <a:pPr>
+              <a:buFont typeface="Arial" panose="020B0604020202020204" pitchFamily="34" charset="0"/>
+              <a:buChar char="•"/>
+            </a:pPr>
+            <a:r>
+              <a:rPr lang="en-US" dirty="0">
+                <a:latin typeface="Times New Roman" panose="02020603050405020304" charset="0"/>
+                <a:cs typeface="Times New Roman" panose="02020603050405020304" charset="0"/>
+              </a:rPr>
+              <a:t> Reasoning</a:t>
+            </a:r>
+            <a:endParaRPr lang="en-IN" dirty="0">
+              <a:latin typeface="Times New Roman" panose="02020603050405020304" charset="0"/>
+              <a:cs typeface="Times New Roman" panose="02020603050405020304" charset="0"/>
+            </a:endParaRPr>
+          </a:p>
+        </p:txBody>
+      </p:sp>
+      <p:sp>
+        <p:nvSpPr>
+          <p:cNvPr id="8" name="Title 1"/>
+          <p:cNvSpPr txBox="1">
+            <a:spLocks/>
+          </p:cNvSpPr>
+          <p:nvPr/>
+        </p:nvSpPr>
+        <p:spPr>
+          <a:xfrm>
+            <a:off x="0" y="0"/>
+            <a:ext cx="8516990" cy="611197"/>
+          </a:xfrm>
+          <a:prstGeom prst="rect">
+            <a:avLst/>
+          </a:prstGeom>
+        </p:spPr>
+        <p:txBody>
+          <a:bodyPr/>
+          <a:lstStyle/>
+          <a:p>
+            <a:pPr marL="0" marR="0" lvl="0" indent="0" algn="l" defTabSz="914400" rtl="0" eaLnBrk="1" fontAlgn="auto" latinLnBrk="0" hangingPunct="1">
+              <a:lnSpc>
+                <a:spcPct val="100000"/>
+              </a:lnSpc>
+              <a:spcBef>
+                <a:spcPts val="0"/>
+              </a:spcBef>
+              <a:spcAft>
+                <a:spcPts val="0"/>
+              </a:spcAft>
+              <a:buClr>
+                <a:srgbClr val="000000"/>
+              </a:buClr>
+              <a:buSzTx/>
+              <a:buFont typeface="Arial" panose="020B0604020202020204"/>
+              <a:buNone/>
+              <a:tabLst/>
+              <a:defRPr/>
+            </a:pPr>
+            <a:r>
+              <a:rPr kumimoji="0" lang="en-US" sz="1800" b="1" i="0" u="none" strike="noStrike" kern="0" cap="none" spc="0" normalizeH="0" baseline="0" noProof="0" dirty="0" smtClean="0">
+                <a:ln>
+                  <a:noFill/>
+                </a:ln>
+                <a:solidFill>
+                  <a:srgbClr val="000000"/>
+                </a:solidFill>
+                <a:effectLst/>
+                <a:uLnTx/>
+                <a:uFillTx/>
+                <a:latin typeface="Times New Roman" panose="02020603050405020304" charset="0"/>
+                <a:ea typeface="Arial" panose="020B0604020202020204"/>
+                <a:cs typeface="Times New Roman" panose="02020603050405020304" charset="0"/>
+                <a:sym typeface="Arial" panose="020B0604020202020204"/>
+              </a:rPr>
+              <a:t>From Recognition to Cognition: Visual Commonsense Reasoning   </a:t>
+            </a:r>
+            <a:endParaRPr kumimoji="0" lang="en-US" sz="1800" b="1" i="0" u="none" strike="noStrike" kern="0" cap="none" spc="0" normalizeH="0" baseline="0" noProof="0" dirty="0">
+              <a:ln>
+                <a:noFill/>
+              </a:ln>
+              <a:solidFill>
+                <a:srgbClr val="000000"/>
+              </a:solidFill>
+              <a:effectLst/>
+              <a:uLnTx/>
+              <a:uFillTx/>
+              <a:latin typeface="Times New Roman" panose="02020603050405020304" charset="0"/>
+              <a:ea typeface="Arial" panose="020B0604020202020204"/>
+              <a:cs typeface="Times New Roman" panose="02020603050405020304" charset="0"/>
+              <a:sym typeface="Arial" panose="020B0604020202020204"/>
+            </a:endParaRPr>
+          </a:p>
+        </p:txBody>
+      </p:sp>
+      <p:sp>
+        <p:nvSpPr>
+          <p:cNvPr id="9" name="TextBox 8"/>
+          <p:cNvSpPr txBox="1"/>
+          <p:nvPr/>
+        </p:nvSpPr>
+        <p:spPr>
+          <a:xfrm>
+            <a:off x="0" y="466584"/>
             <a:ext cx="2997937" cy="307777"/>
           </a:xfrm>
           <a:prstGeom prst="rect">
@@ -9514,7 +9845,7 @@
           <a:p>
             <a:r>
               <a:rPr lang="en-IN" dirty="0">
-                <a:hlinkClick r:id="rId2"/>
+                <a:hlinkClick r:id="rId3"/>
               </a:rPr>
               <a:t>https://arxiv.org/pdf/1811.10830.pdf</a:t>
             </a:r>
@@ -9524,13 +9855,13 @@
       </p:sp>
       <p:sp>
         <p:nvSpPr>
-          <p:cNvPr id="6" name="TextBox 5"/>
+          <p:cNvPr id="12" name="TextBox 11"/>
           <p:cNvSpPr txBox="1"/>
           <p:nvPr/>
         </p:nvSpPr>
         <p:spPr>
           <a:xfrm>
-            <a:off x="261257" y="1153885"/>
+            <a:off x="0" y="943678"/>
             <a:ext cx="3204845" cy="306705"/>
           </a:xfrm>
           <a:prstGeom prst="rect">
@@ -9560,13 +9891,13 @@
       </p:sp>
       <p:sp>
         <p:nvSpPr>
-          <p:cNvPr id="7" name="TextBox 6"/>
+          <p:cNvPr id="15" name="TextBox 14"/>
           <p:cNvSpPr txBox="1"/>
           <p:nvPr/>
         </p:nvSpPr>
         <p:spPr>
           <a:xfrm>
-            <a:off x="315686" y="3788229"/>
+            <a:off x="0" y="1265746"/>
             <a:ext cx="6894836" cy="954107"/>
           </a:xfrm>
           <a:prstGeom prst="rect">
@@ -9588,7 +9919,6 @@
               <a:rPr lang="en-US" dirty="0"/>
               <a:t> Collected from Large Scale Movie Description Challenge and YouTube movie clips </a:t>
             </a:r>
-            <a:endParaRPr lang="en-US" dirty="0"/>
           </a:p>
           <a:p>
             <a:pPr>
@@ -9599,7 +9929,6 @@
               <a:rPr lang="en-US" dirty="0"/>
               <a:t>List of objects</a:t>
             </a:r>
-            <a:endParaRPr lang="en-US" dirty="0"/>
           </a:p>
           <a:p>
             <a:pPr>
@@ -9610,7 +9939,6 @@
               <a:rPr lang="en-US" dirty="0"/>
               <a:t> A query </a:t>
             </a:r>
-            <a:endParaRPr lang="en-US" dirty="0"/>
           </a:p>
           <a:p>
             <a:pPr>
@@ -9621,7 +9949,6 @@
               <a:rPr lang="en-US" dirty="0"/>
               <a:t> A set of N responses</a:t>
             </a:r>
-            <a:endParaRPr lang="en-US" dirty="0"/>
           </a:p>
         </p:txBody>
       </p:sp>
@@ -9650,41 +9977,16 @@
           <a:chExt cx="0" cy="0"/>
         </a:xfrm>
       </p:grpSpPr>
-      <p:pic>
-        <p:nvPicPr>
-          <p:cNvPr id="2" name="Picture 1" descr="Screenshot (115).png"/>
-          <p:cNvPicPr>
-            <a:picLocks noChangeAspect="1"/>
-          </p:cNvPicPr>
-          <p:nvPr/>
-        </p:nvPicPr>
-        <p:blipFill>
-          <a:blip r:embed="rId1"/>
-          <a:srcRect l="49310" t="31254" r="10920" b="33990"/>
-          <a:stretch>
-            <a:fillRect/>
-          </a:stretch>
-        </p:blipFill>
-        <p:spPr>
-          <a:xfrm>
-            <a:off x="136635" y="420415"/>
-            <a:ext cx="3930869" cy="2060028"/>
-          </a:xfrm>
-          <a:prstGeom prst="rect">
-            <a:avLst/>
-          </a:prstGeom>
-        </p:spPr>
-      </p:pic>
       <p:sp>
         <p:nvSpPr>
-          <p:cNvPr id="3" name="TextBox 2"/>
+          <p:cNvPr id="2" name="TextBox 1"/>
           <p:cNvSpPr txBox="1"/>
           <p:nvPr/>
         </p:nvSpPr>
         <p:spPr>
           <a:xfrm>
-            <a:off x="178677" y="0"/>
-            <a:ext cx="1901190" cy="306705"/>
+            <a:off x="0" y="147145"/>
+            <a:ext cx="6925294" cy="523220"/>
           </a:xfrm>
           <a:prstGeom prst="rect">
             <a:avLst/>
@@ -9698,90 +10000,25 @@
           <a:lstStyle/>
           <a:p>
             <a:r>
-              <a:rPr lang="en-US" b="1" dirty="0">
-                <a:latin typeface="Times New Roman" panose="02020603050405020304" charset="0"/>
-                <a:cs typeface="Times New Roman" panose="02020603050405020304" charset="0"/>
-              </a:rPr>
-              <a:t>Adversarial Matching </a:t>
-            </a:r>
-            <a:endParaRPr lang="en-IN" b="1" dirty="0">
-              <a:latin typeface="Times New Roman" panose="02020603050405020304" charset="0"/>
-              <a:cs typeface="Times New Roman" panose="02020603050405020304" charset="0"/>
-            </a:endParaRPr>
+              <a:rPr lang="en-US" b="1" dirty="0" smtClean="0"/>
+              <a:t>Connective Cognition Network for Directional Visual Commonsense Reasoning</a:t>
+            </a:r>
+          </a:p>
+          <a:p>
+            <a:endParaRPr lang="en-IN" b="1" dirty="0"/>
           </a:p>
         </p:txBody>
       </p:sp>
-      <p:pic>
-        <p:nvPicPr>
-          <p:cNvPr id="4" name="Picture 3" descr="Screenshot (116).png"/>
-          <p:cNvPicPr>
-            <a:picLocks noChangeAspect="1"/>
-          </p:cNvPicPr>
-          <p:nvPr/>
-        </p:nvPicPr>
-        <p:blipFill>
-          <a:blip r:embed="rId2"/>
-          <a:srcRect l="7241" t="35753" r="5977" b="29492"/>
-          <a:stretch>
-            <a:fillRect/>
-          </a:stretch>
-        </p:blipFill>
-        <p:spPr>
-          <a:xfrm>
-            <a:off x="0" y="3121573"/>
-            <a:ext cx="7210097" cy="1786759"/>
-          </a:xfrm>
-          <a:prstGeom prst="rect">
-            <a:avLst/>
-          </a:prstGeom>
-        </p:spPr>
-      </p:pic>
       <p:sp>
         <p:nvSpPr>
-          <p:cNvPr id="5" name="TextBox 4"/>
+          <p:cNvPr id="3" name="TextBox 2"/>
           <p:cNvSpPr txBox="1"/>
           <p:nvPr/>
         </p:nvSpPr>
         <p:spPr>
           <a:xfrm>
-            <a:off x="178675" y="2711669"/>
-            <a:ext cx="2607945" cy="306705"/>
-          </a:xfrm>
-          <a:prstGeom prst="rect">
-            <a:avLst/>
-          </a:prstGeom>
-          <a:noFill/>
-        </p:spPr>
-        <p:txBody>
-          <a:bodyPr wrap="none" rtlCol="0">
-            <a:spAutoFit/>
-          </a:bodyPr>
-          <a:lstStyle/>
-          <a:p>
-            <a:r>
-              <a:rPr lang="en-US" b="1" dirty="0">
-                <a:latin typeface="Times New Roman" panose="02020603050405020304" charset="0"/>
-                <a:cs typeface="Times New Roman" panose="02020603050405020304" charset="0"/>
-              </a:rPr>
-              <a:t>Recognition to Cognition Model</a:t>
-            </a:r>
-            <a:endParaRPr lang="en-IN" b="1" dirty="0">
-              <a:latin typeface="Times New Roman" panose="02020603050405020304" charset="0"/>
-              <a:cs typeface="Times New Roman" panose="02020603050405020304" charset="0"/>
-            </a:endParaRPr>
-          </a:p>
-        </p:txBody>
-      </p:sp>
-      <p:sp>
-        <p:nvSpPr>
-          <p:cNvPr id="6" name="TextBox 5"/>
-          <p:cNvSpPr txBox="1"/>
-          <p:nvPr/>
-        </p:nvSpPr>
-        <p:spPr>
-          <a:xfrm>
-            <a:off x="4321629" y="515007"/>
-            <a:ext cx="4822371" cy="2030095"/>
+            <a:off x="0" y="504497"/>
+            <a:ext cx="7672553" cy="307777"/>
           </a:xfrm>
           <a:prstGeom prst="rect">
             <a:avLst/>
@@ -9794,211 +10031,41 @@
           </a:bodyPr>
           <a:lstStyle/>
           <a:p>
-            <a:pPr>
-              <a:buFont typeface="Arial" panose="020B0604020202020204" pitchFamily="34" charset="0"/>
-              <a:buChar char="•"/>
-            </a:pPr>
-            <a:r>
-              <a:rPr lang="en-US" dirty="0">
-                <a:latin typeface="Times New Roman" panose="02020603050405020304" charset="0"/>
-                <a:cs typeface="Times New Roman" panose="02020603050405020304" charset="0"/>
-              </a:rPr>
-              <a:t> For Question Answering Q -&gt; A</a:t>
-            </a:r>
-            <a:endParaRPr lang="en-US" dirty="0">
-              <a:latin typeface="Times New Roman" panose="02020603050405020304" charset="0"/>
-              <a:cs typeface="Times New Roman" panose="02020603050405020304" charset="0"/>
-            </a:endParaRPr>
-          </a:p>
-          <a:p>
-            <a:pPr>
-              <a:buFont typeface="Arial" panose="020B0604020202020204" pitchFamily="34" charset="0"/>
-              <a:buChar char="•"/>
-            </a:pPr>
-            <a:r>
-              <a:rPr lang="en-US" dirty="0">
-                <a:latin typeface="Times New Roman" panose="02020603050405020304" charset="0"/>
-                <a:cs typeface="Times New Roman" panose="02020603050405020304" charset="0"/>
-              </a:rPr>
-              <a:t> Language generation dataset to Multiple Choice Test</a:t>
-            </a:r>
-            <a:endParaRPr lang="en-US" dirty="0">
-              <a:latin typeface="Times New Roman" panose="02020603050405020304" charset="0"/>
-              <a:cs typeface="Times New Roman" panose="02020603050405020304" charset="0"/>
-            </a:endParaRPr>
-          </a:p>
-          <a:p>
-            <a:pPr>
-              <a:buFont typeface="Arial" panose="020B0604020202020204" pitchFamily="34" charset="0"/>
-              <a:buChar char="•"/>
-            </a:pPr>
-            <a:r>
-              <a:rPr lang="en-US" dirty="0">
-                <a:latin typeface="Times New Roman" panose="02020603050405020304" charset="0"/>
-                <a:cs typeface="Times New Roman" panose="02020603050405020304" charset="0"/>
-              </a:rPr>
-              <a:t> Two subtasks:</a:t>
-            </a:r>
-            <a:endParaRPr lang="en-US" dirty="0">
-              <a:latin typeface="Times New Roman" panose="02020603050405020304" charset="0"/>
-              <a:cs typeface="Times New Roman" panose="02020603050405020304" charset="0"/>
-            </a:endParaRPr>
-          </a:p>
-          <a:p>
-            <a:r>
-              <a:rPr lang="en-US" dirty="0">
-                <a:latin typeface="Times New Roman" panose="02020603050405020304" charset="0"/>
-                <a:cs typeface="Times New Roman" panose="02020603050405020304" charset="0"/>
-              </a:rPr>
-              <a:t>            - Answer is as relevant as possible</a:t>
-            </a:r>
-            <a:endParaRPr lang="en-US" dirty="0">
-              <a:latin typeface="Times New Roman" panose="02020603050405020304" charset="0"/>
-              <a:cs typeface="Times New Roman" panose="02020603050405020304" charset="0"/>
-            </a:endParaRPr>
-          </a:p>
-          <a:p>
-            <a:r>
-              <a:rPr lang="en-US" dirty="0">
-                <a:latin typeface="Times New Roman" panose="02020603050405020304" charset="0"/>
-                <a:cs typeface="Times New Roman" panose="02020603050405020304" charset="0"/>
-              </a:rPr>
-              <a:t>            - Dissimilarity between other answers are from the correct answer</a:t>
-            </a:r>
-            <a:endParaRPr lang="en-US" dirty="0">
-              <a:latin typeface="Times New Roman" panose="02020603050405020304" charset="0"/>
-              <a:cs typeface="Times New Roman" panose="02020603050405020304" charset="0"/>
-            </a:endParaRPr>
-          </a:p>
-          <a:p>
-            <a:pPr>
-              <a:buFont typeface="Arial" panose="020B0604020202020204" pitchFamily="34" charset="0"/>
-              <a:buChar char="•"/>
-            </a:pPr>
-            <a:r>
-              <a:rPr lang="en-US" dirty="0">
-                <a:latin typeface="Times New Roman" panose="02020603050405020304" charset="0"/>
-                <a:cs typeface="Times New Roman" panose="02020603050405020304" charset="0"/>
-              </a:rPr>
-              <a:t> Maximum weight bipartite matching</a:t>
-            </a:r>
-            <a:endParaRPr lang="en-US" dirty="0">
-              <a:latin typeface="Times New Roman" panose="02020603050405020304" charset="0"/>
-              <a:cs typeface="Times New Roman" panose="02020603050405020304" charset="0"/>
-            </a:endParaRPr>
-          </a:p>
-          <a:p>
-            <a:endParaRPr lang="en-US" dirty="0">
-              <a:latin typeface="Times New Roman" panose="02020603050405020304" charset="0"/>
-              <a:cs typeface="Times New Roman" panose="02020603050405020304" charset="0"/>
-            </a:endParaRPr>
-          </a:p>
-          <a:p>
-            <a:r>
-              <a:rPr lang="en-US" dirty="0">
-                <a:latin typeface="Times New Roman" panose="02020603050405020304" charset="0"/>
-                <a:cs typeface="Times New Roman" panose="02020603050405020304" charset="0"/>
-              </a:rPr>
-              <a:t>       </a:t>
-            </a:r>
-            <a:endParaRPr lang="en-IN" dirty="0">
-              <a:latin typeface="Times New Roman" panose="02020603050405020304" charset="0"/>
-              <a:cs typeface="Times New Roman" panose="02020603050405020304" charset="0"/>
-            </a:endParaRPr>
+            <a:r>
+              <a:rPr lang="en-IN" dirty="0" smtClean="0">
+                <a:hlinkClick r:id="rId2"/>
+              </a:rPr>
+              <a:t>https://papers.nips.cc/paper/2019/file/8a56257ea05c74018291954fc56fc448-Paper.pdf</a:t>
+            </a:r>
+            <a:endParaRPr lang="en-IN" dirty="0"/>
           </a:p>
         </p:txBody>
       </p:sp>
-      <p:sp>
-        <p:nvSpPr>
-          <p:cNvPr id="7" name="TextBox 6"/>
-          <p:cNvSpPr txBox="1"/>
+      <p:pic>
+        <p:nvPicPr>
+          <p:cNvPr id="4" name="Picture 3" descr="Screenshot (133).png"/>
+          <p:cNvPicPr>
+            <a:picLocks noChangeAspect="1"/>
+          </p:cNvPicPr>
           <p:nvPr/>
-        </p:nvSpPr>
+        </p:nvPicPr>
+        <p:blipFill>
+          <a:blip r:embed="rId3"/>
+          <a:srcRect l="1379" t="34731" r="-1379" b="13954"/>
+          <a:stretch>
+            <a:fillRect/>
+          </a:stretch>
+        </p:blipFill>
         <p:spPr>
           <a:xfrm>
-            <a:off x="7293429" y="3450771"/>
-            <a:ext cx="1719942" cy="953135"/>
+            <a:off x="0" y="1450429"/>
+            <a:ext cx="9144000" cy="2638096"/>
           </a:xfrm>
           <a:prstGeom prst="rect">
             <a:avLst/>
           </a:prstGeom>
-          <a:noFill/>
         </p:spPr>
-        <p:txBody>
-          <a:bodyPr wrap="square" rtlCol="0">
-            <a:spAutoFit/>
-          </a:bodyPr>
-          <a:lstStyle/>
-          <a:p>
-            <a:pPr>
-              <a:buFont typeface="Arial" panose="020B0604020202020204" pitchFamily="34" charset="0"/>
-              <a:buChar char="•"/>
-            </a:pPr>
-            <a:r>
-              <a:rPr lang="en-US" dirty="0">
-                <a:latin typeface="Times New Roman" panose="02020603050405020304" charset="0"/>
-                <a:cs typeface="Times New Roman" panose="02020603050405020304" charset="0"/>
-              </a:rPr>
-              <a:t> QA -&gt; R </a:t>
-            </a:r>
-            <a:endParaRPr lang="en-US" dirty="0">
-              <a:latin typeface="Times New Roman" panose="02020603050405020304" charset="0"/>
-              <a:cs typeface="Times New Roman" panose="02020603050405020304" charset="0"/>
-            </a:endParaRPr>
-          </a:p>
-          <a:p>
-            <a:pPr>
-              <a:buFont typeface="Arial" panose="020B0604020202020204" pitchFamily="34" charset="0"/>
-              <a:buChar char="•"/>
-            </a:pPr>
-            <a:r>
-              <a:rPr lang="en-US" dirty="0">
-                <a:latin typeface="Times New Roman" panose="02020603050405020304" charset="0"/>
-                <a:cs typeface="Times New Roman" panose="02020603050405020304" charset="0"/>
-              </a:rPr>
-              <a:t> Grounding</a:t>
-            </a:r>
-            <a:endParaRPr lang="en-US" dirty="0">
-              <a:latin typeface="Times New Roman" panose="02020603050405020304" charset="0"/>
-              <a:cs typeface="Times New Roman" panose="02020603050405020304" charset="0"/>
-            </a:endParaRPr>
-          </a:p>
-          <a:p>
-            <a:pPr>
-              <a:buFont typeface="Arial" panose="020B0604020202020204" pitchFamily="34" charset="0"/>
-              <a:buChar char="•"/>
-            </a:pPr>
-            <a:r>
-              <a:rPr lang="en-US" dirty="0">
-                <a:latin typeface="Times New Roman" panose="02020603050405020304" charset="0"/>
-                <a:cs typeface="Times New Roman" panose="02020603050405020304" charset="0"/>
-              </a:rPr>
-              <a:t> Contextualization</a:t>
-            </a:r>
-            <a:endParaRPr lang="en-US" dirty="0">
-              <a:latin typeface="Times New Roman" panose="02020603050405020304" charset="0"/>
-              <a:cs typeface="Times New Roman" panose="02020603050405020304" charset="0"/>
-            </a:endParaRPr>
-          </a:p>
-          <a:p>
-            <a:pPr>
-              <a:buFont typeface="Arial" panose="020B0604020202020204" pitchFamily="34" charset="0"/>
-              <a:buChar char="•"/>
-            </a:pPr>
-            <a:r>
-              <a:rPr lang="en-US" dirty="0">
-                <a:latin typeface="Times New Roman" panose="02020603050405020304" charset="0"/>
-                <a:cs typeface="Times New Roman" panose="02020603050405020304" charset="0"/>
-              </a:rPr>
-              <a:t> Reasoning</a:t>
-            </a:r>
-            <a:endParaRPr lang="en-IN" dirty="0">
-              <a:latin typeface="Times New Roman" panose="02020603050405020304" charset="0"/>
-              <a:cs typeface="Times New Roman" panose="02020603050405020304" charset="0"/>
-            </a:endParaRPr>
-          </a:p>
-        </p:txBody>
-      </p:sp>
+      </p:pic>
     </p:spTree>
   </p:cSld>
   <p:clrMapOvr>
@@ -10008,6 +10075,56 @@
 </file>
 
 <file path=ppt/slides/slide8.xml><?xml version="1.0" encoding="utf-8"?>
+<p:sld xmlns:a="http://schemas.openxmlformats.org/drawingml/2006/main" xmlns:r="http://schemas.openxmlformats.org/officeDocument/2006/relationships" xmlns:p="http://schemas.openxmlformats.org/presentationml/2006/main">
+  <p:cSld>
+    <p:spTree>
+      <p:nvGrpSpPr>
+        <p:cNvPr id="1" name=""/>
+        <p:cNvGrpSpPr/>
+        <p:nvPr/>
+      </p:nvGrpSpPr>
+      <p:grpSpPr>
+        <a:xfrm>
+          <a:off x="0" y="0"/>
+          <a:ext cx="0" cy="0"/>
+          <a:chOff x="0" y="0"/>
+          <a:chExt cx="0" cy="0"/>
+        </a:xfrm>
+      </p:grpSpPr>
+      <p:pic>
+        <p:nvPicPr>
+          <p:cNvPr id="2" name="Picture 1" descr="Screenshot (134).png"/>
+          <p:cNvPicPr>
+            <a:picLocks noChangeAspect="1"/>
+          </p:cNvPicPr>
+          <p:nvPr/>
+        </p:nvPicPr>
+        <p:blipFill>
+          <a:blip r:embed="rId2"/>
+          <a:srcRect l="2874" t="22260" r="5977" b="17634"/>
+          <a:stretch>
+            <a:fillRect/>
+          </a:stretch>
+        </p:blipFill>
+        <p:spPr>
+          <a:xfrm>
+            <a:off x="0" y="346841"/>
+            <a:ext cx="8873342" cy="3289738"/>
+          </a:xfrm>
+          <a:prstGeom prst="rect">
+            <a:avLst/>
+          </a:prstGeom>
+        </p:spPr>
+      </p:pic>
+    </p:spTree>
+  </p:cSld>
+  <p:clrMapOvr>
+    <a:masterClrMapping/>
+  </p:clrMapOvr>
+</p:sld>
+</file>
+
+<file path=ppt/slides/slide9.xml><?xml version="1.0" encoding="utf-8"?>
 <p:sld xmlns:a="http://schemas.openxmlformats.org/drawingml/2006/main" xmlns:r="http://schemas.openxmlformats.org/officeDocument/2006/relationships" xmlns:p="http://schemas.openxmlformats.org/presentationml/2006/main">
   <p:cSld>
     <p:spTree>
@@ -10078,10 +10195,6 @@
               </a:rPr>
               <a:t>Image-Caption Ranking</a:t>
             </a:r>
-            <a:endParaRPr sz="2400">
-              <a:latin typeface="Times New Roman" panose="02020603050405020304" charset="0"/>
-              <a:cs typeface="Times New Roman" panose="02020603050405020304" charset="0"/>
-            </a:endParaRPr>
           </a:p>
         </p:txBody>
       </p:sp>
@@ -10115,10 +10228,6 @@
               </a:rPr>
               <a:t>Xiao Lin Devi Parikh</a:t>
             </a:r>
-            <a:endParaRPr lang="en-US" sz="1000">
-              <a:latin typeface="Times New Roman" panose="02020603050405020304" charset="0"/>
-              <a:cs typeface="Times New Roman" panose="02020603050405020304" charset="0"/>
-            </a:endParaRPr>
           </a:p>
           <a:p>
             <a:pPr algn="l"/>
@@ -10129,10 +10238,6 @@
               </a:rPr>
               <a:t>Bradley Department of Electrical and Computer Engineering,</a:t>
             </a:r>
-            <a:endParaRPr lang="en-US" sz="1000">
-              <a:latin typeface="Times New Roman" panose="02020603050405020304" charset="0"/>
-              <a:cs typeface="Times New Roman" panose="02020603050405020304" charset="0"/>
-            </a:endParaRPr>
           </a:p>
           <a:p>
             <a:pPr algn="l"/>
@@ -10143,10 +10248,6 @@
               </a:rPr>
               <a:t>Virginia Tech</a:t>
             </a:r>
-            <a:endParaRPr lang="en-US" sz="1000">
-              <a:latin typeface="Times New Roman" panose="02020603050405020304" charset="0"/>
-              <a:cs typeface="Times New Roman" panose="02020603050405020304" charset="0"/>
-            </a:endParaRPr>
           </a:p>
           <a:p>
             <a:pPr algn="l"/>
@@ -10157,10 +10258,6 @@
               </a:rPr>
               <a:t>{linxiao,parikh}@vt.edu</a:t>
             </a:r>
-            <a:endParaRPr lang="en-US" sz="1000">
-              <a:latin typeface="Times New Roman" panose="02020603050405020304" charset="0"/>
-              <a:cs typeface="Times New Roman" panose="02020603050405020304" charset="0"/>
-            </a:endParaRPr>
           </a:p>
         </p:txBody>
       </p:sp>
@@ -10170,7 +10267,7 @@
             <a:hlinkClick r:id="" action="ppaction://ole?verb=0"/>
           </p:cNvPr>
           <p:cNvGraphicFramePr>
-            <a:graphicFrameLocks noChangeAspect="1"/>
+            <a:graphicFrameLocks/>
           </p:cNvGraphicFramePr>
           <p:nvPr/>
         </p:nvGraphicFramePr>
@@ -10180,249 +10277,12 @@
         </p:xfrm>
         <a:graphic>
           <a:graphicData uri="http://schemas.openxmlformats.org/presentationml/2006/ole">
-            <mc:AlternateContent xmlns:mc="http://schemas.openxmlformats.org/markup-compatibility/2006">
-              <mc:Choice xmlns:v="urn:schemas-microsoft-com:vml" Requires="v">
-                <p:oleObj spid="_x0000_s1035" name="" r:id="rId1" imgW="914400" imgH="215900" progId="Equation.KSEE3">
-                  <p:embed/>
-                </p:oleObj>
-              </mc:Choice>
-              <mc:Fallback>
-                <p:oleObj name="" r:id="rId1" imgW="914400" imgH="215900" progId="Equation.KSEE3">
-                  <p:embed/>
-                  <p:pic>
-                    <p:nvPicPr>
-                      <p:cNvPr id="0" name="Picture 1024"/>
-                      <p:cNvPicPr/>
-                      <p:nvPr/>
-                    </p:nvPicPr>
-                    <p:blipFill>
-                      <a:blip r:embed="rId2"/>
-                      <a:stretch>
-                        <a:fillRect/>
-                      </a:stretch>
-                    </p:blipFill>
-                    <p:spPr>
-                      <a:xfrm>
-                        <a:off x="4114800" y="2463800"/>
-                        <a:ext cx="914400" cy="215900"/>
-                      </a:xfrm>
-                      <a:prstGeom prst="rect">
-                        <a:avLst/>
-                      </a:prstGeom>
-                    </p:spPr>
-                  </p:pic>
-                </p:oleObj>
-              </mc:Fallback>
-            </mc:AlternateContent>
+            <p:oleObj spid="_x0000_s1035" r:id="rId4" imgW="914400" imgH="215640" progId="Equation.3">
+              <p:embed/>
+            </p:oleObj>
           </a:graphicData>
         </a:graphic>
       </p:graphicFrame>
-    </p:spTree>
-  </p:cSld>
-  <p:clrMapOvr>
-    <a:masterClrMapping/>
-  </p:clrMapOvr>
-</p:sld>
-</file>
-
-<file path=ppt/slides/slide9.xml><?xml version="1.0" encoding="utf-8"?>
-<p:sld xmlns:a="http://schemas.openxmlformats.org/drawingml/2006/main" xmlns:r="http://schemas.openxmlformats.org/officeDocument/2006/relationships" xmlns:p="http://schemas.openxmlformats.org/presentationml/2006/main">
-  <p:cSld>
-    <p:spTree>
-      <p:nvGrpSpPr>
-        <p:cNvPr id="1" name=""/>
-        <p:cNvGrpSpPr/>
-        <p:nvPr/>
-      </p:nvGrpSpPr>
-      <p:grpSpPr>
-        <a:xfrm>
-          <a:off x="0" y="0"/>
-          <a:ext cx="0" cy="0"/>
-          <a:chOff x="0" y="0"/>
-          <a:chExt cx="0" cy="0"/>
-        </a:xfrm>
-      </p:grpSpPr>
-      <p:sp>
-        <p:nvSpPr>
-          <p:cNvPr id="2" name="Title 1"/>
-          <p:cNvSpPr>
-            <a:spLocks noGrp="1"/>
-          </p:cNvSpPr>
-          <p:nvPr>
-            <p:ph type="title"/>
-          </p:nvPr>
-        </p:nvSpPr>
-        <p:spPr/>
-        <p:txBody>
-          <a:bodyPr/>
-          <a:lstStyle/>
-          <a:p>
-            <a:r>
-              <a:rPr lang="en-US">
-                <a:latin typeface="Times New Roman" panose="02020603050405020304" charset="0"/>
-                <a:cs typeface="Times New Roman" panose="02020603050405020304" charset="0"/>
-              </a:rPr>
-              <a:t>Image caption ranking</a:t>
-            </a:r>
-            <a:endParaRPr lang="en-US">
-              <a:latin typeface="Times New Roman" panose="02020603050405020304" charset="0"/>
-              <a:cs typeface="Times New Roman" panose="02020603050405020304" charset="0"/>
-            </a:endParaRPr>
-          </a:p>
-        </p:txBody>
-      </p:sp>
-      <p:sp>
-        <p:nvSpPr>
-          <p:cNvPr id="3" name="Text Placeholder 2"/>
-          <p:cNvSpPr>
-            <a:spLocks noGrp="1"/>
-          </p:cNvSpPr>
-          <p:nvPr>
-            <p:ph type="body" idx="1"/>
-          </p:nvPr>
-        </p:nvSpPr>
-        <p:spPr/>
-        <p:txBody>
-          <a:bodyPr/>
-          <a:lstStyle/>
-          <a:p>
-            <a:pPr>
-              <a:buFont typeface="Arial" panose="020B0604020202020204" pitchFamily="34" charset="0"/>
-              <a:buChar char="•"/>
-            </a:pPr>
-            <a:r>
-              <a:rPr lang="en-US" sz="1400">
-                <a:latin typeface="Times New Roman" panose="02020603050405020304" charset="0"/>
-                <a:cs typeface="Times New Roman" panose="02020603050405020304" charset="0"/>
-              </a:rPr>
-              <a:t>The image-caption ranking task is to retrieve relevant images given a query caption and relevant captions given a query image.</a:t>
-            </a:r>
-            <a:endParaRPr lang="en-US" sz="1400">
-              <a:latin typeface="Times New Roman" panose="02020603050405020304" charset="0"/>
-              <a:cs typeface="Times New Roman" panose="02020603050405020304" charset="0"/>
-            </a:endParaRPr>
-          </a:p>
-          <a:p>
-            <a:pPr>
-              <a:buFont typeface="Arial" panose="020B0604020202020204" pitchFamily="34" charset="0"/>
-              <a:buChar char="•"/>
-            </a:pPr>
-            <a:r>
-              <a:rPr lang="en-US" sz="1400">
-                <a:latin typeface="Times New Roman" panose="02020603050405020304" charset="0"/>
-                <a:cs typeface="Times New Roman" panose="02020603050405020304" charset="0"/>
-              </a:rPr>
-              <a:t> During training we are given image-caption pairs (I, C) </a:t>
-            </a:r>
-            <a:endParaRPr lang="en-US" sz="1400">
-              <a:latin typeface="Times New Roman" panose="02020603050405020304" charset="0"/>
-              <a:cs typeface="Times New Roman" panose="02020603050405020304" charset="0"/>
-            </a:endParaRPr>
-          </a:p>
-          <a:p>
-            <a:pPr lvl="1">
-              <a:buSzPct val="50000"/>
-              <a:buFont typeface="Arial" panose="020B0604020202020204" pitchFamily="34" charset="0"/>
-              <a:buChar char="•"/>
-            </a:pPr>
-            <a:r>
-              <a:rPr lang="en-US" sz="1000">
-                <a:latin typeface="Times New Roman" panose="02020603050405020304" charset="0"/>
-                <a:cs typeface="Times New Roman" panose="02020603050405020304" charset="0"/>
-              </a:rPr>
-              <a:t>For each pair we sample K - 1 other images in addition to I so the image</a:t>
-            </a:r>
-            <a:br>
-              <a:rPr lang="en-US" sz="1000">
-                <a:latin typeface="Times New Roman" panose="02020603050405020304" charset="0"/>
-                <a:cs typeface="Times New Roman" panose="02020603050405020304" charset="0"/>
-              </a:rPr>
-            </a:br>
-            <a:r>
-              <a:rPr lang="en-US" sz="1000">
-                <a:latin typeface="Times New Roman" panose="02020603050405020304" charset="0"/>
-                <a:cs typeface="Times New Roman" panose="02020603050405020304" charset="0"/>
-              </a:rPr>
-              <a:t>retrieval task becomes retrieving I from K images given caption C. </a:t>
-            </a:r>
-            <a:endParaRPr lang="en-US" sz="1000">
-              <a:latin typeface="Times New Roman" panose="02020603050405020304" charset="0"/>
-              <a:cs typeface="Times New Roman" panose="02020603050405020304" charset="0"/>
-            </a:endParaRPr>
-          </a:p>
-          <a:p>
-            <a:pPr lvl="1">
-              <a:buSzPct val="50000"/>
-              <a:buFont typeface="Arial" panose="020B0604020202020204" pitchFamily="34" charset="0"/>
-              <a:buChar char="•"/>
-            </a:pPr>
-            <a:r>
-              <a:rPr lang="en-US" sz="1000">
-                <a:latin typeface="Times New Roman" panose="02020603050405020304" charset="0"/>
-                <a:cs typeface="Times New Roman" panose="02020603050405020304" charset="0"/>
-              </a:rPr>
-              <a:t>We also sample K-1 random captions in addition to C so the caption retrieval task becomes retrieving C from K given image I.</a:t>
-            </a:r>
-            <a:endParaRPr lang="en-US" sz="1000">
-              <a:latin typeface="Times New Roman" panose="02020603050405020304" charset="0"/>
-              <a:cs typeface="Times New Roman" panose="02020603050405020304" charset="0"/>
-            </a:endParaRPr>
-          </a:p>
-          <a:p>
-            <a:pPr>
-              <a:buFont typeface="Arial" panose="020B0604020202020204" pitchFamily="34" charset="0"/>
-              <a:buChar char="•"/>
-            </a:pPr>
-            <a:r>
-              <a:rPr lang="en-US" sz="1000">
-                <a:latin typeface="Times New Roman" panose="02020603050405020304" charset="0"/>
-                <a:cs typeface="Times New Roman" panose="02020603050405020304" charset="0"/>
-                <a:sym typeface="+mn-ea"/>
-              </a:rPr>
-              <a:t>The image-caption ranking models learn a ranking scoring function S(I, C) such that the corresponding retrieval probabilities are maximised:</a:t>
-            </a:r>
-            <a:endParaRPr lang="en-US" sz="1000">
-              <a:latin typeface="Times New Roman" panose="02020603050405020304" charset="0"/>
-              <a:cs typeface="Times New Roman" panose="02020603050405020304" charset="0"/>
-            </a:endParaRPr>
-          </a:p>
-          <a:p>
-            <a:pPr lvl="1">
-              <a:buSzPct val="50000"/>
-              <a:buFont typeface="Arial" panose="020B0604020202020204" pitchFamily="34" charset="0"/>
-              <a:buChar char="•"/>
-            </a:pPr>
-            <a:endParaRPr lang="en-US" sz="1000">
-              <a:latin typeface="Times New Roman" panose="02020603050405020304" charset="0"/>
-              <a:cs typeface="Times New Roman" panose="02020603050405020304" charset="0"/>
-            </a:endParaRPr>
-          </a:p>
-        </p:txBody>
-      </p:sp>
-      <p:pic>
-        <p:nvPicPr>
-          <p:cNvPr id="4" name="Picture 3"/>
-          <p:cNvPicPr>
-            <a:picLocks noChangeAspect="1"/>
-          </p:cNvPicPr>
-          <p:nvPr/>
-        </p:nvPicPr>
-        <p:blipFill>
-          <a:blip r:embed="rId1"/>
-          <a:stretch>
-            <a:fillRect/>
-          </a:stretch>
-        </p:blipFill>
-        <p:spPr>
-          <a:xfrm>
-            <a:off x="2001520" y="3622040"/>
-            <a:ext cx="3820160" cy="648970"/>
-          </a:xfrm>
-          <a:prstGeom prst="rect">
-            <a:avLst/>
-          </a:prstGeom>
-        </p:spPr>
-      </p:pic>
     </p:spTree>
   </p:cSld>
   <p:clrMapOvr>
@@ -10707,9 +10567,11 @@
       </a:bgFillStyleLst>
     </a:fmtScheme>
   </a:themeElements>
+  <a:objectDefaults/>
+  <a:extraClrSchemeLst/>
   <a:extLst>
     <a:ext uri="{05A4C25C-085E-4340-85A3-A5531E510DB2}">
-      <thm15:themeFamily xmlns:thm15="http://schemas.microsoft.com/office/thememl/2012/main" name="Office Theme" id="{62F939B6-93AF-4DB8-9C6B-D6C7DFDC589F}" vid="{4A3C46E8-61CC-4603-A589-7422A47A8E4A}"/>
+      <thm15:themeFamily xmlns:thm15="http://schemas.microsoft.com/office/thememl/2012/main" xmlns="" name="Office Theme" id="{62F939B6-93AF-4DB8-9C6B-D6C7DFDC589F}" vid="{4A3C46E8-61CC-4603-A589-7422A47A8E4A}"/>
     </a:ext>
   </a:extLst>
 </a:theme>
@@ -10991,9 +10853,11 @@
       </a:bgFillStyleLst>
     </a:fmtScheme>
   </a:themeElements>
+  <a:objectDefaults/>
+  <a:extraClrSchemeLst/>
   <a:extLst>
     <a:ext uri="{05A4C25C-085E-4340-85A3-A5531E510DB2}">
-      <thm15:themeFamily xmlns:thm15="http://schemas.microsoft.com/office/thememl/2012/main" name="Office Theme" id="{62F939B6-93AF-4DB8-9C6B-D6C7DFDC589F}" vid="{4A3C46E8-61CC-4603-A589-7422A47A8E4A}"/>
+      <thm15:themeFamily xmlns:thm15="http://schemas.microsoft.com/office/thememl/2012/main" xmlns="" name="Office Theme" id="{62F939B6-93AF-4DB8-9C6B-D6C7DFDC589F}" vid="{4A3C46E8-61CC-4603-A589-7422A47A8E4A}"/>
     </a:ext>
   </a:extLst>
 </a:theme>

--- a/Literature Survey 2.pptx
+++ b/Literature Survey 2.pptx
@@ -18,44 +18,41 @@
     <p:sldId id="280" r:id="rId11"/>
     <p:sldId id="281" r:id="rId12"/>
     <p:sldId id="256" r:id="rId13"/>
-    <p:sldId id="276" r:id="rId14"/>
-    <p:sldId id="266" r:id="rId15"/>
-    <p:sldId id="267" r:id="rId16"/>
-    <p:sldId id="268" r:id="rId17"/>
-    <p:sldId id="263" r:id="rId18"/>
-    <p:sldId id="264" r:id="rId19"/>
-    <p:sldId id="271" r:id="rId20"/>
-    <p:sldId id="272" r:id="rId21"/>
-    <p:sldId id="273" r:id="rId22"/>
-    <p:sldId id="275" r:id="rId23"/>
-    <p:sldId id="274" r:id="rId24"/>
-    <p:sldId id="277" r:id="rId25"/>
+    <p:sldId id="267" r:id="rId14"/>
+    <p:sldId id="268" r:id="rId15"/>
+    <p:sldId id="263" r:id="rId16"/>
+    <p:sldId id="271" r:id="rId17"/>
+    <p:sldId id="272" r:id="rId18"/>
+    <p:sldId id="273" r:id="rId19"/>
+    <p:sldId id="275" r:id="rId20"/>
+    <p:sldId id="274" r:id="rId21"/>
+    <p:sldId id="277" r:id="rId22"/>
   </p:sldIdLst>
   <p:sldSz cx="9144000" cy="5143500" type="screen16x9"/>
   <p:notesSz cx="6858000" cy="9144000"/>
   <p:embeddedFontLst>
     <p:embeddedFont>
       <p:font typeface="Economica" panose="02000506040000020004"/>
-      <p:regular r:id="rId29"/>
+      <p:regular r:id="rId26"/>
     </p:embeddedFont>
     <p:embeddedFont>
       <p:font typeface="Open Sans" panose="020B0606030504020204"/>
-      <p:regular r:id="rId30"/>
+      <p:regular r:id="rId27"/>
     </p:embeddedFont>
     <p:embeddedFont>
       <p:font typeface="Cambria" panose="02040503050406030204" charset="0"/>
-      <p:regular r:id="rId31"/>
-      <p:bold r:id="rId32"/>
-      <p:italic r:id="rId33"/>
-      <p:boldItalic r:id="rId34"/>
+      <p:regular r:id="rId28"/>
+      <p:bold r:id="rId29"/>
+      <p:italic r:id="rId30"/>
+      <p:boldItalic r:id="rId31"/>
+    </p:embeddedFont>
+    <p:embeddedFont>
+      <p:font typeface="PMingLiU-ExtB" panose="02020500000000000000" charset="-120"/>
+      <p:regular r:id="rId32"/>
     </p:embeddedFont>
     <p:embeddedFont>
       <p:font typeface="Malgun Gothic" panose="020B0503020000020004" charset="-127"/>
-      <p:regular r:id="rId35"/>
-    </p:embeddedFont>
-    <p:embeddedFont>
-      <p:font typeface="PMingLiU-ExtB" panose="02020500000000000000" charset="-120"/>
-      <p:regular r:id="rId36"/>
+      <p:regular r:id="rId33"/>
     </p:embeddedFont>
   </p:embeddedFontLst>
   <p:defaultTextStyle>
@@ -996,109 +993,6 @@
       <p:sp>
         <p:nvSpPr>
           <p:cNvPr id="102" name="Google Shape;102;g9f0f4aeee7_0_50:notes"/>
-          <p:cNvSpPr txBox="1">
-            <a:spLocks noGrp="1"/>
-          </p:cNvSpPr>
-          <p:nvPr>
-            <p:ph type="body" idx="1"/>
-          </p:nvPr>
-        </p:nvSpPr>
-        <p:spPr>
-          <a:xfrm>
-            <a:off x="685800" y="4343400"/>
-            <a:ext cx="5486400" cy="4114800"/>
-          </a:xfrm>
-          <a:prstGeom prst="rect">
-            <a:avLst/>
-          </a:prstGeom>
-        </p:spPr>
-        <p:txBody>
-          <a:bodyPr spcFirstLastPara="1" wrap="square" lIns="91425" tIns="91425" rIns="91425" bIns="91425" anchor="t" anchorCtr="0">
-            <a:noAutofit/>
-          </a:bodyPr>
-          <a:lstStyle/>
-          <a:p>
-            <a:pPr marL="0" lvl="0" indent="0" algn="l" rtl="0">
-              <a:spcBef>
-                <a:spcPts val="0"/>
-              </a:spcBef>
-              <a:spcAft>
-                <a:spcPts val="0"/>
-              </a:spcAft>
-              <a:buNone/>
-            </a:pPr>
-          </a:p>
-        </p:txBody>
-      </p:sp>
-    </p:spTree>
-  </p:cSld>
-  <p:clrMapOvr>
-    <a:masterClrMapping/>
-  </p:clrMapOvr>
-</p:notes>
-</file>
-
-<file path=ppt/notesSlides/notesSlide4.xml><?xml version="1.0" encoding="utf-8"?>
-<p:notes xmlns:a="http://schemas.openxmlformats.org/drawingml/2006/main" xmlns:r="http://schemas.openxmlformats.org/officeDocument/2006/relationships" xmlns:p="http://schemas.openxmlformats.org/presentationml/2006/main" showMasterPhAnim="0" showMasterSp="0">
-  <p:cSld>
-    <p:spTree>
-      <p:nvGrpSpPr>
-        <p:cNvPr id="1" name="Shape 106"/>
-        <p:cNvGrpSpPr/>
-        <p:nvPr/>
-      </p:nvGrpSpPr>
-      <p:grpSpPr>
-        <a:xfrm>
-          <a:off x="0" y="0"/>
-          <a:ext cx="0" cy="0"/>
-          <a:chOff x="0" y="0"/>
-          <a:chExt cx="0" cy="0"/>
-        </a:xfrm>
-      </p:grpSpPr>
-      <p:sp>
-        <p:nvSpPr>
-          <p:cNvPr id="107" name="Google Shape;107;g9f0f4aeee7_0_55:notes"/>
-          <p:cNvSpPr>
-            <a:spLocks noGrp="1" noRot="1" noChangeAspect="1"/>
-          </p:cNvSpPr>
-          <p:nvPr>
-            <p:ph type="sldImg" idx="2"/>
-          </p:nvPr>
-        </p:nvSpPr>
-        <p:spPr>
-          <a:xfrm>
-            <a:off x="381300" y="685800"/>
-            <a:ext cx="6096000" cy="3429000"/>
-          </a:xfrm>
-          <a:custGeom>
-            <a:avLst/>
-            <a:gdLst/>
-            <a:ahLst/>
-            <a:cxnLst/>
-            <a:rect l="l" t="t" r="r" b="b"/>
-            <a:pathLst>
-              <a:path w="120000" h="120000" extrusionOk="0">
-                <a:moveTo>
-                  <a:pt x="0" y="0"/>
-                </a:moveTo>
-                <a:lnTo>
-                  <a:pt x="120000" y="0"/>
-                </a:lnTo>
-                <a:lnTo>
-                  <a:pt x="120000" y="120000"/>
-                </a:lnTo>
-                <a:lnTo>
-                  <a:pt x="0" y="120000"/>
-                </a:lnTo>
-                <a:close/>
-              </a:path>
-            </a:pathLst>
-          </a:custGeom>
-        </p:spPr>
-      </p:sp>
-      <p:sp>
-        <p:nvSpPr>
-          <p:cNvPr id="108" name="Google Shape;108;g9f0f4aeee7_0_55:notes"/>
           <p:cNvSpPr txBox="1">
             <a:spLocks noGrp="1"/>
           </p:cNvSpPr>
@@ -7177,252 +7071,6 @@
           <a:chExt cx="0" cy="0"/>
         </a:xfrm>
       </p:grpSpPr>
-      <p:pic>
-        <p:nvPicPr>
-          <p:cNvPr id="3" name="Picture 2"/>
-          <p:cNvPicPr>
-            <a:picLocks noChangeAspect="1"/>
-          </p:cNvPicPr>
-          <p:nvPr/>
-        </p:nvPicPr>
-        <p:blipFill>
-          <a:blip r:embed="rId1"/>
-          <a:stretch>
-            <a:fillRect/>
-          </a:stretch>
-        </p:blipFill>
-        <p:spPr>
-          <a:xfrm>
-            <a:off x="1551305" y="941070"/>
-            <a:ext cx="7050405" cy="3261360"/>
-          </a:xfrm>
-          <a:prstGeom prst="rect">
-            <a:avLst/>
-          </a:prstGeom>
-        </p:spPr>
-      </p:pic>
-    </p:spTree>
-  </p:cSld>
-  <p:clrMapOvr>
-    <a:masterClrMapping/>
-  </p:clrMapOvr>
-</p:sld>
-</file>
-
-<file path=ppt/slides/slide12.xml><?xml version="1.0" encoding="utf-8"?>
-<p:sld xmlns:a="http://schemas.openxmlformats.org/drawingml/2006/main" xmlns:r="http://schemas.openxmlformats.org/officeDocument/2006/relationships" xmlns:p="http://schemas.openxmlformats.org/presentationml/2006/main">
-  <p:cSld>
-    <p:spTree>
-      <p:nvGrpSpPr>
-        <p:cNvPr id="1" name=""/>
-        <p:cNvGrpSpPr/>
-        <p:nvPr/>
-      </p:nvGrpSpPr>
-      <p:grpSpPr>
-        <a:xfrm>
-          <a:off x="0" y="0"/>
-          <a:ext cx="0" cy="0"/>
-          <a:chOff x="0" y="0"/>
-          <a:chExt cx="0" cy="0"/>
-        </a:xfrm>
-      </p:grpSpPr>
-      <p:sp>
-        <p:nvSpPr>
-          <p:cNvPr id="3" name="Text Placeholder 2"/>
-          <p:cNvSpPr>
-            <a:spLocks noGrp="1"/>
-          </p:cNvSpPr>
-          <p:nvPr>
-            <p:ph type="body" idx="1"/>
-          </p:nvPr>
-        </p:nvSpPr>
-        <p:spPr>
-          <a:xfrm>
-            <a:off x="311785" y="905510"/>
-            <a:ext cx="5588635" cy="3673475"/>
-          </a:xfrm>
-        </p:spPr>
-        <p:txBody>
-          <a:bodyPr/>
-          <a:lstStyle/>
-          <a:p>
-            <a:pPr marL="114300" indent="0">
-              <a:buNone/>
-            </a:pPr>
-            <a:r>
-              <a:rPr lang="en-US" sz="1400">
-                <a:latin typeface="Times New Roman" panose="02020603050405020304" charset="0"/>
-                <a:cs typeface="Times New Roman" panose="02020603050405020304" charset="0"/>
-              </a:rPr>
-              <a:t>Using VQA knowledge to improve image-caption ranking.</a:t>
-            </a:r>
-            <a:br>
-              <a:rPr lang="en-US" sz="1400">
-                <a:latin typeface="Times New Roman" panose="02020603050405020304" charset="0"/>
-                <a:cs typeface="Times New Roman" panose="02020603050405020304" charset="0"/>
-              </a:rPr>
-            </a:br>
-            <a:endParaRPr lang="en-US" sz="1400">
-              <a:latin typeface="Times New Roman" panose="02020603050405020304" charset="0"/>
-              <a:cs typeface="Times New Roman" panose="02020603050405020304" charset="0"/>
-            </a:endParaRPr>
-          </a:p>
-          <a:p>
-            <a:pPr marL="114300" indent="0">
-              <a:buNone/>
-            </a:pPr>
-            <a:endParaRPr lang="en-US" sz="1400">
-              <a:latin typeface="Times New Roman" panose="02020603050405020304" charset="0"/>
-              <a:cs typeface="Times New Roman" panose="02020603050405020304" charset="0"/>
-            </a:endParaRPr>
-          </a:p>
-          <a:p>
-            <a:pPr marL="114300" indent="0">
-              <a:buNone/>
-            </a:pPr>
-            <a:r>
-              <a:rPr lang="en-US" sz="1400">
-                <a:latin typeface="Times New Roman" panose="02020603050405020304" charset="0"/>
-                <a:cs typeface="Times New Roman" panose="02020603050405020304" charset="0"/>
-              </a:rPr>
-              <a:t>Ex:</a:t>
-            </a:r>
-            <a:r>
-              <a:rPr lang="en-US" sz="1085">
-                <a:latin typeface="Times New Roman" panose="02020603050405020304" charset="0"/>
-                <a:cs typeface="Times New Roman" panose="02020603050405020304" charset="0"/>
-              </a:rPr>
-              <a:t>Realizing that a batter up at the plate would imply that a  player is </a:t>
-            </a:r>
-            <a:endParaRPr lang="en-US" sz="1085">
-              <a:latin typeface="Times New Roman" panose="02020603050405020304" charset="0"/>
-              <a:cs typeface="Times New Roman" panose="02020603050405020304" charset="0"/>
-            </a:endParaRPr>
-          </a:p>
-          <a:p>
-            <a:pPr marL="1200150" lvl="2" indent="-171450">
-              <a:lnSpc>
-                <a:spcPct val="75000"/>
-              </a:lnSpc>
-              <a:buFont typeface="Arial" panose="020B0604020202020204" pitchFamily="34" charset="0"/>
-              <a:buChar char="•"/>
-            </a:pPr>
-            <a:r>
-              <a:rPr lang="en-US" sz="1200">
-                <a:latin typeface="Times New Roman" panose="02020603050405020304" charset="0"/>
-                <a:cs typeface="Times New Roman" panose="02020603050405020304" charset="0"/>
-              </a:rPr>
-              <a:t>holding a bat</a:t>
-            </a:r>
-            <a:endParaRPr lang="en-US" sz="1200">
-              <a:latin typeface="Times New Roman" panose="02020603050405020304" charset="0"/>
-              <a:cs typeface="Times New Roman" panose="02020603050405020304" charset="0"/>
-            </a:endParaRPr>
-          </a:p>
-          <a:p>
-            <a:pPr marL="1200150" lvl="2" indent="-171450">
-              <a:lnSpc>
-                <a:spcPct val="75000"/>
-              </a:lnSpc>
-              <a:buFont typeface="Arial" panose="020B0604020202020204" pitchFamily="34" charset="0"/>
-              <a:buChar char="•"/>
-            </a:pPr>
-            <a:r>
-              <a:rPr lang="en-US" sz="1200">
-                <a:latin typeface="Times New Roman" panose="02020603050405020304" charset="0"/>
-                <a:cs typeface="Times New Roman" panose="02020603050405020304" charset="0"/>
-              </a:rPr>
-              <a:t>posing to hit the baseball</a:t>
-            </a:r>
-            <a:endParaRPr lang="en-US" sz="1200">
-              <a:latin typeface="Times New Roman" panose="02020603050405020304" charset="0"/>
-              <a:cs typeface="Times New Roman" panose="02020603050405020304" charset="0"/>
-            </a:endParaRPr>
-          </a:p>
-          <a:p>
-            <a:pPr marL="1200150" lvl="2" indent="-171450">
-              <a:lnSpc>
-                <a:spcPct val="95000"/>
-              </a:lnSpc>
-              <a:buFont typeface="Arial" panose="020B0604020202020204" pitchFamily="34" charset="0"/>
-              <a:buChar char="•"/>
-            </a:pPr>
-            <a:r>
-              <a:rPr lang="en-US" sz="1200">
-                <a:latin typeface="Times New Roman" panose="02020603050405020304" charset="0"/>
-                <a:cs typeface="Times New Roman" panose="02020603050405020304" charset="0"/>
-              </a:rPr>
-              <a:t>there might be another player nearby waiting to </a:t>
-            </a:r>
-            <a:br>
-              <a:rPr lang="en-US" sz="1200">
-                <a:latin typeface="Times New Roman" panose="02020603050405020304" charset="0"/>
-                <a:cs typeface="Times New Roman" panose="02020603050405020304" charset="0"/>
-              </a:rPr>
-            </a:br>
-            <a:r>
-              <a:rPr lang="en-US" sz="1200">
-                <a:latin typeface="Times New Roman" panose="02020603050405020304" charset="0"/>
-                <a:cs typeface="Times New Roman" panose="02020603050405020304" charset="0"/>
-              </a:rPr>
-              <a:t>catch the ball</a:t>
-            </a:r>
-            <a:endParaRPr lang="en-US" sz="1200">
-              <a:latin typeface="Times New Roman" panose="02020603050405020304" charset="0"/>
-              <a:cs typeface="Times New Roman" panose="02020603050405020304" charset="0"/>
-            </a:endParaRPr>
-          </a:p>
-        </p:txBody>
-      </p:sp>
-      <p:pic>
-        <p:nvPicPr>
-          <p:cNvPr id="4" name="Picture 3"/>
-          <p:cNvPicPr>
-            <a:picLocks noChangeAspect="1"/>
-          </p:cNvPicPr>
-          <p:nvPr/>
-        </p:nvPicPr>
-        <p:blipFill>
-          <a:blip r:embed="rId1"/>
-          <a:stretch>
-            <a:fillRect/>
-          </a:stretch>
-        </p:blipFill>
-        <p:spPr>
-          <a:xfrm>
-            <a:off x="5186045" y="1035685"/>
-            <a:ext cx="3032760" cy="3543300"/>
-          </a:xfrm>
-          <a:prstGeom prst="rect">
-            <a:avLst/>
-          </a:prstGeom>
-        </p:spPr>
-      </p:pic>
-    </p:spTree>
-  </p:cSld>
-  <p:clrMapOvr>
-    <a:masterClrMapping/>
-  </p:clrMapOvr>
-</p:sld>
-</file>
-
-<file path=ppt/slides/slide13.xml><?xml version="1.0" encoding="utf-8"?>
-<p:sld xmlns:a="http://schemas.openxmlformats.org/drawingml/2006/main" xmlns:r="http://schemas.openxmlformats.org/officeDocument/2006/relationships" xmlns:p="http://schemas.openxmlformats.org/presentationml/2006/main">
-  <p:cSld>
-    <p:spTree>
-      <p:nvGrpSpPr>
-        <p:cNvPr id="1" name=""/>
-        <p:cNvGrpSpPr/>
-        <p:nvPr/>
-      </p:nvGrpSpPr>
-      <p:grpSpPr>
-        <a:xfrm>
-          <a:off x="0" y="0"/>
-          <a:ext cx="0" cy="0"/>
-          <a:chOff x="0" y="0"/>
-          <a:chExt cx="0" cy="0"/>
-        </a:xfrm>
-      </p:grpSpPr>
       <p:sp>
         <p:nvSpPr>
           <p:cNvPr id="2" name="Title 1"/>
@@ -7612,7 +7260,7 @@
 </p:sld>
 </file>
 
-<file path=ppt/slides/slide14.xml><?xml version="1.0" encoding="utf-8"?>
+<file path=ppt/slides/slide12.xml><?xml version="1.0" encoding="utf-8"?>
 <p:sld xmlns:a="http://schemas.openxmlformats.org/drawingml/2006/main" xmlns:r="http://schemas.openxmlformats.org/officeDocument/2006/relationships" xmlns:p="http://schemas.openxmlformats.org/presentationml/2006/main">
   <p:cSld>
     <p:spTree>
@@ -8045,7 +7693,7 @@
 </p:sld>
 </file>
 
-<file path=ppt/slides/slide15.xml><?xml version="1.0" encoding="utf-8"?>
+<file path=ppt/slides/slide13.xml><?xml version="1.0" encoding="utf-8"?>
 <p:sld xmlns:a="http://schemas.openxmlformats.org/drawingml/2006/main" xmlns:r="http://schemas.openxmlformats.org/officeDocument/2006/relationships" xmlns:p="http://schemas.openxmlformats.org/presentationml/2006/main">
   <p:cSld>
     <p:spTree>
@@ -8074,7 +7722,7 @@
         </p:nvSpPr>
         <p:spPr>
           <a:xfrm>
-            <a:off x="311700" y="315925"/>
+            <a:off x="311700" y="-305"/>
             <a:ext cx="8520600" cy="831300"/>
           </a:xfrm>
           <a:prstGeom prst="rect">
@@ -8097,13 +7745,20 @@
               <a:buNone/>
             </a:pPr>
             <a:r>
-              <a:rPr>
-                <a:latin typeface="Times New Roman" panose="02020603050405020304" charset="0"/>
-                <a:cs typeface="Times New Roman" panose="02020603050405020304" charset="0"/>
-              </a:rPr>
-              <a:t>VQA</a:t>
-            </a:r>
-            <a:endParaRPr>
+              <a:rPr sz="2800">
+                <a:latin typeface="Times New Roman" panose="02020603050405020304" charset="0"/>
+                <a:cs typeface="Times New Roman" panose="02020603050405020304" charset="0"/>
+              </a:rPr>
+              <a:t>VQA </a:t>
+            </a:r>
+            <a:r>
+              <a:rPr lang="en-US" sz="2800">
+                <a:latin typeface="Times New Roman" panose="02020603050405020304" charset="0"/>
+                <a:cs typeface="Times New Roman" panose="02020603050405020304" charset="0"/>
+              </a:rPr>
+              <a:t>and VQA-Caption</a:t>
+            </a:r>
+            <a:endParaRPr lang="en-US" sz="2800">
               <a:latin typeface="Times New Roman" panose="02020603050405020304" charset="0"/>
               <a:cs typeface="Times New Roman" panose="02020603050405020304" charset="0"/>
             </a:endParaRPr>
@@ -8112,7 +7767,7 @@
       </p:sp>
       <p:sp>
         <p:nvSpPr>
-          <p:cNvPr id="105" name="Google Shape;105;p20"/>
+          <p:cNvPr id="111" name="Google Shape;111;p21"/>
           <p:cNvSpPr txBox="1">
             <a:spLocks noGrp="1"/>
           </p:cNvSpPr>
@@ -8122,8 +7777,8 @@
         </p:nvSpPr>
         <p:spPr>
           <a:xfrm>
-            <a:off x="311700" y="1225225"/>
-            <a:ext cx="8520600" cy="3354000"/>
+            <a:off x="311785" y="704215"/>
+            <a:ext cx="8520430" cy="3978910"/>
           </a:xfrm>
           <a:prstGeom prst="rect">
             <a:avLst/>
@@ -8133,7 +7788,6 @@
           <a:bodyPr spcFirstLastPara="1" wrap="square" lIns="91425" tIns="91425" rIns="91425" bIns="91425" anchor="t" anchorCtr="0">
             <a:noAutofit/>
           </a:bodyPr>
-          <a:lstStyle/>
           <a:p>
             <a:pPr marL="285750" lvl="0" indent="-285750" algn="l" rtl="0">
               <a:spcBef>
@@ -8146,24 +7800,66 @@
               <a:buChar char="•"/>
             </a:pPr>
             <a:r>
-              <a:rPr>
-                <a:latin typeface="Times New Roman" panose="02020603050405020304" charset="0"/>
-                <a:cs typeface="Times New Roman" panose="02020603050405020304" charset="0"/>
+              <a:rPr sz="1400">
+                <a:latin typeface="Times New Roman" panose="02020603050405020304" charset="0"/>
+                <a:cs typeface="Times New Roman" panose="02020603050405020304" charset="0"/>
+                <a:sym typeface="+mn-ea"/>
               </a:rPr>
               <a:t>VQA is the task of given an image I and a free-form open-ended question Q</a:t>
             </a:r>
             <a:br>
-              <a:rPr>
-                <a:latin typeface="Times New Roman" panose="02020603050405020304" charset="0"/>
-                <a:cs typeface="Times New Roman" panose="02020603050405020304" charset="0"/>
+              <a:rPr sz="1400">
+                <a:latin typeface="Times New Roman" panose="02020603050405020304" charset="0"/>
+                <a:cs typeface="Times New Roman" panose="02020603050405020304" charset="0"/>
+                <a:sym typeface="+mn-ea"/>
               </a:rPr>
             </a:br>
             <a:r>
-              <a:rPr>
-                <a:latin typeface="Times New Roman" panose="02020603050405020304" charset="0"/>
-                <a:cs typeface="Times New Roman" panose="02020603050405020304" charset="0"/>
+              <a:rPr sz="1400">
+                <a:latin typeface="Times New Roman" panose="02020603050405020304" charset="0"/>
+                <a:cs typeface="Times New Roman" panose="02020603050405020304" charset="0"/>
+                <a:sym typeface="+mn-ea"/>
               </a:rPr>
               <a:t>about I, generating a natural language answer A to that question.</a:t>
+            </a:r>
+            <a:endParaRPr sz="1400">
+              <a:latin typeface="Times New Roman" panose="02020603050405020304" charset="0"/>
+              <a:cs typeface="Times New Roman" panose="02020603050405020304" charset="0"/>
+            </a:endParaRPr>
+          </a:p>
+          <a:p>
+            <a:pPr marL="285750" lvl="0" indent="-285750" algn="l" rtl="0">
+              <a:spcBef>
+                <a:spcPts val="0"/>
+              </a:spcBef>
+              <a:spcAft>
+                <a:spcPts val="1600"/>
+              </a:spcAft>
+              <a:buFont typeface="Arial" panose="020B0604020202020204" pitchFamily="34" charset="0"/>
+              <a:buChar char="•"/>
+            </a:pPr>
+            <a:r>
+              <a:rPr sz="1400">
+                <a:latin typeface="Times New Roman" panose="02020603050405020304" charset="0"/>
+                <a:cs typeface="Times New Roman" panose="02020603050405020304" charset="0"/>
+                <a:sym typeface="+mn-ea"/>
+              </a:rPr>
+              <a:t>Similarly,VQA-Caption task  takes a caption C of an image and a question</a:t>
+            </a:r>
+            <a:br>
+              <a:rPr sz="1400">
+                <a:latin typeface="Times New Roman" panose="02020603050405020304" charset="0"/>
+                <a:cs typeface="Times New Roman" panose="02020603050405020304" charset="0"/>
+                <a:sym typeface="+mn-ea"/>
+              </a:rPr>
+            </a:br>
+            <a:r>
+              <a:rPr sz="1400">
+                <a:latin typeface="Times New Roman" panose="02020603050405020304" charset="0"/>
+                <a:cs typeface="Times New Roman" panose="02020603050405020304" charset="0"/>
+                <a:sym typeface="+mn-ea"/>
+              </a:rPr>
+              <a:t>Q about the image, then generates an answer A.</a:t>
             </a:r>
             <a:endParaRPr>
               <a:latin typeface="Times New Roman" panose="02020603050405020304" charset="0"/>
@@ -8171,7 +7867,7 @@
             </a:endParaRPr>
           </a:p>
           <a:p>
-            <a:pPr marL="285750" lvl="0" indent="-285750" algn="l" rtl="0">
+            <a:pPr marL="0" lvl="1" indent="-285750" algn="l" rtl="0">
               <a:spcBef>
                 <a:spcPts val="0"/>
               </a:spcBef>
@@ -8186,20 +7882,31 @@
                 <a:latin typeface="Times New Roman" panose="02020603050405020304" charset="0"/>
                 <a:cs typeface="Times New Roman" panose="02020603050405020304" charset="0"/>
               </a:rPr>
-              <a:t>Similarly,VQA-Caption task  takes a caption C of an image and a question</a:t>
-            </a:r>
-            <a:br>
+              <a:t>During training, given triplets of </a:t>
+            </a:r>
+            <a:r>
               <a:rPr>
                 <a:latin typeface="Times New Roman" panose="02020603050405020304" charset="0"/>
                 <a:cs typeface="Times New Roman" panose="02020603050405020304" charset="0"/>
-              </a:rPr>
-            </a:br>
+                <a:sym typeface="+mn-ea"/>
+              </a:rPr>
+              <a:t>question Q </a:t>
+            </a:r>
+            <a:r>
+              <a:rPr lang="en-US">
+                <a:latin typeface="Times New Roman" panose="02020603050405020304" charset="0"/>
+                <a:cs typeface="Times New Roman" panose="02020603050405020304" charset="0"/>
+                <a:sym typeface="+mn-ea"/>
+              </a:rPr>
+              <a:t>,</a:t>
+            </a:r>
             <a:r>
               <a:rPr>
                 <a:latin typeface="Times New Roman" panose="02020603050405020304" charset="0"/>
                 <a:cs typeface="Times New Roman" panose="02020603050405020304" charset="0"/>
-              </a:rPr>
-              <a:t>Q about the image, then generates an answer A.</a:t>
+                <a:sym typeface="+mn-ea"/>
+              </a:rPr>
+              <a:t>ground truth answer A</a:t>
             </a:r>
             <a:endParaRPr>
               <a:latin typeface="Times New Roman" panose="02020603050405020304" charset="0"/>
@@ -8207,7 +7914,7 @@
             </a:endParaRPr>
           </a:p>
           <a:p>
-            <a:pPr marL="285750" lvl="0" indent="-285750" algn="l" rtl="0">
+            <a:pPr marL="742950" lvl="1" indent="-285750" algn="l" rtl="0">
               <a:spcBef>
                 <a:spcPts val="0"/>
               </a:spcBef>
@@ -8218,25 +7925,18 @@
               <a:buChar char="•"/>
             </a:pPr>
             <a:r>
+              <a:rPr lang="en-US">
+                <a:latin typeface="Times New Roman" panose="02020603050405020304" charset="0"/>
+                <a:cs typeface="Times New Roman" panose="02020603050405020304" charset="0"/>
+              </a:rPr>
+              <a:t>I</a:t>
+            </a:r>
+            <a:r>
               <a:rPr>
                 <a:latin typeface="Times New Roman" panose="02020603050405020304" charset="0"/>
                 <a:cs typeface="Times New Roman" panose="02020603050405020304" charset="0"/>
               </a:rPr>
-              <a:t> </a:t>
-            </a:r>
-            <a:r>
-              <a:rPr lang="en-US">
-                <a:latin typeface="Times New Roman" panose="02020603050405020304" charset="0"/>
-                <a:cs typeface="Times New Roman" panose="02020603050405020304" charset="0"/>
-              </a:rPr>
-              <a:t>T</a:t>
-            </a:r>
-            <a:r>
-              <a:rPr>
-                <a:latin typeface="Times New Roman" panose="02020603050405020304" charset="0"/>
-                <a:cs typeface="Times New Roman" panose="02020603050405020304" charset="0"/>
-              </a:rPr>
-              <a:t>he generated answers are evaluated using </a:t>
+              <a:t>mage I,</a:t>
             </a:r>
             <a:endParaRPr>
               <a:latin typeface="Times New Roman" panose="02020603050405020304" charset="0"/>
@@ -8244,7 +7944,10 @@
             </a:endParaRPr>
           </a:p>
           <a:p>
-            <a:pPr marL="742950" lvl="1" indent="-285750" algn="l" rtl="0">
+            <a:pPr marL="1200150" lvl="2" indent="-285750" algn="l" rtl="0">
+              <a:lnSpc>
+                <a:spcPct val="95000"/>
+              </a:lnSpc>
               <a:spcBef>
                 <a:spcPts val="0"/>
               </a:spcBef>
@@ -8255,53 +7958,18 @@
               <a:buChar char="•"/>
             </a:pPr>
             <a:r>
+              <a:rPr lang="en-US">
+                <a:latin typeface="Times New Roman" panose="02020603050405020304" charset="0"/>
+                <a:cs typeface="Times New Roman" panose="02020603050405020304" charset="0"/>
+              </a:rPr>
+              <a:t>W</a:t>
+            </a:r>
+            <a:r>
               <a:rPr>
                 <a:latin typeface="Times New Roman" panose="02020603050405020304" charset="0"/>
                 <a:cs typeface="Times New Roman" panose="02020603050405020304" charset="0"/>
               </a:rPr>
-              <a:t>min( </a:t>
-            </a:r>
-            <a:r>
-              <a:rPr lang="en-US">
-                <a:latin typeface="Times New Roman" panose="02020603050405020304" charset="0"/>
-                <a:cs typeface="Times New Roman" panose="02020603050405020304" charset="0"/>
-              </a:rPr>
-              <a:t>(</a:t>
-            </a:r>
-            <a:r>
-              <a:rPr>
-                <a:latin typeface="Times New Roman" panose="02020603050405020304" charset="0"/>
-                <a:cs typeface="Times New Roman" panose="02020603050405020304" charset="0"/>
-              </a:rPr>
-              <a:t># humans that provided A</a:t>
-            </a:r>
-            <a:r>
-              <a:rPr lang="en-US">
-                <a:latin typeface="Times New Roman" panose="02020603050405020304" charset="0"/>
-                <a:cs typeface="Times New Roman" panose="02020603050405020304" charset="0"/>
-              </a:rPr>
-              <a:t>/</a:t>
-            </a:r>
-            <a:r>
-              <a:rPr>
-                <a:latin typeface="Times New Roman" panose="02020603050405020304" charset="0"/>
-                <a:cs typeface="Times New Roman" panose="02020603050405020304" charset="0"/>
-              </a:rPr>
-              <a:t>3</a:t>
-            </a:r>
-            <a:r>
-              <a:rPr lang="en-US">
-                <a:latin typeface="Times New Roman" panose="02020603050405020304" charset="0"/>
-                <a:cs typeface="Times New Roman" panose="02020603050405020304" charset="0"/>
-              </a:rPr>
-              <a:t>)</a:t>
-            </a:r>
-            <a:r>
-              <a:rPr>
-                <a:latin typeface="Times New Roman" panose="02020603050405020304" charset="0"/>
-                <a:cs typeface="Times New Roman" panose="02020603050405020304" charset="0"/>
-              </a:rPr>
-              <a:t> , 1). </a:t>
+              <a:t>e optimize the negative log-likelihood (NLL) loss to maximize the probability of the ground truth answer PI (A|Q, I) given by the VQA model.</a:t>
             </a:r>
             <a:endParaRPr>
               <a:latin typeface="Times New Roman" panose="02020603050405020304" charset="0"/>
@@ -8310,6 +7978,9 @@
           </a:p>
           <a:p>
             <a:pPr marL="742950" lvl="1" indent="-285750" algn="l" rtl="0">
+              <a:lnSpc>
+                <a:spcPct val="95000"/>
+              </a:lnSpc>
               <a:spcBef>
                 <a:spcPts val="0"/>
               </a:spcBef>
@@ -8320,13 +7991,727 @@
               <a:buChar char="•"/>
             </a:pPr>
             <a:r>
+              <a:rPr lang="en-US">
+                <a:latin typeface="Times New Roman" panose="02020603050405020304" charset="0"/>
+                <a:cs typeface="Times New Roman" panose="02020603050405020304" charset="0"/>
+              </a:rPr>
+              <a:t>C</a:t>
+            </a:r>
+            <a:r>
               <a:rPr>
                 <a:latin typeface="Times New Roman" panose="02020603050405020304" charset="0"/>
                 <a:cs typeface="Times New Roman" panose="02020603050405020304" charset="0"/>
               </a:rPr>
-              <a:t>That is, A is 100% correct if at least 3 humans (out of 10) provide the answer A.</a:t>
+              <a:t>aption C, </a:t>
             </a:r>
             <a:endParaRPr>
+              <a:latin typeface="Times New Roman" panose="02020603050405020304" charset="0"/>
+              <a:cs typeface="Times New Roman" panose="02020603050405020304" charset="0"/>
+            </a:endParaRPr>
+          </a:p>
+          <a:p>
+            <a:pPr marL="1200150" lvl="2" indent="-285750" algn="l" rtl="0">
+              <a:lnSpc>
+                <a:spcPct val="95000"/>
+              </a:lnSpc>
+              <a:spcBef>
+                <a:spcPts val="0"/>
+              </a:spcBef>
+              <a:spcAft>
+                <a:spcPts val="1600"/>
+              </a:spcAft>
+              <a:buFont typeface="Arial" panose="020B0604020202020204" pitchFamily="34" charset="0"/>
+              <a:buChar char="•"/>
+            </a:pPr>
+            <a:r>
+              <a:rPr lang="en-US">
+                <a:latin typeface="Times New Roman" panose="02020603050405020304" charset="0"/>
+                <a:cs typeface="Times New Roman" panose="02020603050405020304" charset="0"/>
+              </a:rPr>
+              <a:t>W</a:t>
+            </a:r>
+            <a:r>
+              <a:rPr>
+                <a:latin typeface="Times New Roman" panose="02020603050405020304" charset="0"/>
+                <a:cs typeface="Times New Roman" panose="02020603050405020304" charset="0"/>
+              </a:rPr>
+              <a:t>e optimize the NLL loss to maximize the VQA-Caption model probability</a:t>
+            </a:r>
+            <a:br>
+              <a:rPr>
+                <a:latin typeface="Times New Roman" panose="02020603050405020304" charset="0"/>
+                <a:cs typeface="Times New Roman" panose="02020603050405020304" charset="0"/>
+              </a:rPr>
+            </a:br>
+            <a:r>
+              <a:rPr>
+                <a:latin typeface="Times New Roman" panose="02020603050405020304" charset="0"/>
+                <a:cs typeface="Times New Roman" panose="02020603050405020304" charset="0"/>
+              </a:rPr>
+              <a:t> PC (A|Q, C).</a:t>
+            </a:r>
+            <a:endParaRPr>
+              <a:latin typeface="Times New Roman" panose="02020603050405020304" charset="0"/>
+              <a:cs typeface="Times New Roman" panose="02020603050405020304" charset="0"/>
+            </a:endParaRPr>
+          </a:p>
+          <a:p>
+            <a:pPr marL="285750" lvl="0" indent="-285750" algn="l" rtl="0">
+              <a:lnSpc>
+                <a:spcPct val="95000"/>
+              </a:lnSpc>
+              <a:spcBef>
+                <a:spcPts val="0"/>
+              </a:spcBef>
+              <a:spcAft>
+                <a:spcPts val="1600"/>
+              </a:spcAft>
+              <a:buFont typeface="Arial" panose="020B0604020202020204" pitchFamily="34" charset="0"/>
+              <a:buChar char="•"/>
+            </a:pPr>
+            <a:endParaRPr sz="1400">
+              <a:latin typeface="Times New Roman" panose="02020603050405020304" charset="0"/>
+              <a:cs typeface="Times New Roman" panose="02020603050405020304" charset="0"/>
+            </a:endParaRPr>
+          </a:p>
+        </p:txBody>
+      </p:sp>
+    </p:spTree>
+  </p:cSld>
+  <p:clrMapOvr>
+    <a:masterClrMapping/>
+  </p:clrMapOvr>
+</p:sld>
+</file>
+
+<file path=ppt/slides/slide14.xml><?xml version="1.0" encoding="utf-8"?>
+<p:sld xmlns:a="http://schemas.openxmlformats.org/drawingml/2006/main" xmlns:r="http://schemas.openxmlformats.org/officeDocument/2006/relationships" xmlns:p="http://schemas.openxmlformats.org/presentationml/2006/main">
+  <p:cSld>
+    <p:spTree>
+      <p:nvGrpSpPr>
+        <p:cNvPr id="1" name=""/>
+        <p:cNvGrpSpPr/>
+        <p:nvPr/>
+      </p:nvGrpSpPr>
+      <p:grpSpPr>
+        <a:xfrm>
+          <a:off x="0" y="0"/>
+          <a:ext cx="0" cy="0"/>
+          <a:chOff x="0" y="0"/>
+          <a:chExt cx="0" cy="0"/>
+        </a:xfrm>
+      </p:grpSpPr>
+      <p:sp>
+        <p:nvSpPr>
+          <p:cNvPr id="3" name="Text Placeholder 2"/>
+          <p:cNvSpPr>
+            <a:spLocks noGrp="1"/>
+          </p:cNvSpPr>
+          <p:nvPr>
+            <p:ph type="body" idx="1"/>
+          </p:nvPr>
+        </p:nvSpPr>
+        <p:spPr>
+          <a:xfrm>
+            <a:off x="311785" y="218440"/>
+            <a:ext cx="8520430" cy="4360545"/>
+          </a:xfrm>
+        </p:spPr>
+        <p:txBody>
+          <a:bodyPr/>
+          <a:lstStyle/>
+          <a:p>
+            <a:pPr>
+              <a:buFont typeface="Arial" panose="020B0604020202020204" pitchFamily="34" charset="0"/>
+              <a:buChar char="•"/>
+            </a:pPr>
+            <a:r>
+              <a:rPr lang="en-US" sz="1600">
+                <a:latin typeface="Times New Roman" panose="02020603050405020304" charset="0"/>
+                <a:cs typeface="Times New Roman" panose="02020603050405020304" charset="0"/>
+              </a:rPr>
+              <a:t>For a VQA question (I, Q)</a:t>
+            </a:r>
+            <a:endParaRPr lang="en-US" sz="1600">
+              <a:latin typeface="Times New Roman" panose="02020603050405020304" charset="0"/>
+              <a:cs typeface="Times New Roman" panose="02020603050405020304" charset="0"/>
+            </a:endParaRPr>
+          </a:p>
+          <a:p>
+            <a:pPr lvl="1">
+              <a:buFont typeface="Arial" panose="020B0604020202020204" pitchFamily="34" charset="0"/>
+              <a:buChar char="•"/>
+            </a:pPr>
+            <a:r>
+              <a:rPr lang="en-US" sz="1200">
+                <a:latin typeface="Times New Roman" panose="02020603050405020304" charset="0"/>
+                <a:cs typeface="Times New Roman" panose="02020603050405020304" charset="0"/>
+              </a:rPr>
+              <a:t>Image Encoding</a:t>
+            </a:r>
+            <a:endParaRPr lang="en-US" sz="1200">
+              <a:latin typeface="Times New Roman" panose="02020603050405020304" charset="0"/>
+              <a:cs typeface="Times New Roman" panose="02020603050405020304" charset="0"/>
+            </a:endParaRPr>
+          </a:p>
+          <a:p>
+            <a:pPr lvl="2">
+              <a:buFont typeface="Arial" panose="020B0604020202020204" pitchFamily="34" charset="0"/>
+              <a:buChar char="•"/>
+            </a:pPr>
+            <a:r>
+              <a:rPr lang="en-US" sz="1200">
+                <a:latin typeface="Times New Roman" panose="02020603050405020304" charset="0"/>
+                <a:cs typeface="Times New Roman" panose="02020603050405020304" charset="0"/>
+              </a:rPr>
+              <a:t>Using the 19-layer VGGNet [46] as a 4,096-dimensional image encoding x</a:t>
+            </a:r>
+            <a:r>
+              <a:rPr lang="en-US" sz="1200" baseline="-25000">
+                <a:latin typeface="Times New Roman" panose="02020603050405020304" charset="0"/>
+                <a:cs typeface="Times New Roman" panose="02020603050405020304" charset="0"/>
+              </a:rPr>
+              <a:t>I</a:t>
+            </a:r>
+            <a:r>
+              <a:rPr lang="en-US" sz="1200">
+                <a:latin typeface="Times New Roman" panose="02020603050405020304" charset="0"/>
+                <a:cs typeface="Times New Roman" panose="02020603050405020304" charset="0"/>
+              </a:rPr>
+              <a:t> </a:t>
+            </a:r>
+            <a:endParaRPr lang="en-US" sz="1200">
+              <a:latin typeface="Times New Roman" panose="02020603050405020304" charset="0"/>
+              <a:cs typeface="Times New Roman" panose="02020603050405020304" charset="0"/>
+            </a:endParaRPr>
+          </a:p>
+          <a:p>
+            <a:pPr lvl="1">
+              <a:buFont typeface="Arial" panose="020B0604020202020204" pitchFamily="34" charset="0"/>
+              <a:buChar char="•"/>
+            </a:pPr>
+            <a:r>
+              <a:rPr lang="en-US" sz="1200">
+                <a:latin typeface="Times New Roman" panose="02020603050405020304" charset="0"/>
+                <a:cs typeface="Times New Roman" panose="02020603050405020304" charset="0"/>
+              </a:rPr>
+              <a:t>Question Encoding</a:t>
+            </a:r>
+            <a:endParaRPr lang="en-US" sz="1200">
+              <a:latin typeface="Times New Roman" panose="02020603050405020304" charset="0"/>
+              <a:cs typeface="Times New Roman" panose="02020603050405020304" charset="0"/>
+            </a:endParaRPr>
+          </a:p>
+          <a:p>
+            <a:pPr lvl="2">
+              <a:buFont typeface="Arial" panose="020B0604020202020204" pitchFamily="34" charset="0"/>
+              <a:buChar char="•"/>
+            </a:pPr>
+            <a:r>
+              <a:rPr lang="en-US" sz="1200">
+                <a:latin typeface="Times New Roman" panose="02020603050405020304" charset="0"/>
+                <a:cs typeface="Times New Roman" panose="02020603050405020304" charset="0"/>
+              </a:rPr>
+              <a:t>Using a 2-layer RNN with 512 Long Short-Term Memory (LSTM) units per layer as a 2,048-dimensional question encoding x</a:t>
+            </a:r>
+            <a:r>
+              <a:rPr lang="en-US" sz="1200" baseline="-25000">
+                <a:latin typeface="Times New Roman" panose="02020603050405020304" charset="0"/>
+                <a:cs typeface="Times New Roman" panose="02020603050405020304" charset="0"/>
+              </a:rPr>
+              <a:t>Q</a:t>
+            </a:r>
+            <a:r>
+              <a:rPr lang="en-US" sz="1200">
+                <a:latin typeface="Times New Roman" panose="02020603050405020304" charset="0"/>
+                <a:cs typeface="Times New Roman" panose="02020603050405020304" charset="0"/>
+              </a:rPr>
+              <a:t>. </a:t>
+            </a:r>
+            <a:endParaRPr lang="en-US" sz="1200">
+              <a:latin typeface="Times New Roman" panose="02020603050405020304" charset="0"/>
+              <a:cs typeface="Times New Roman" panose="02020603050405020304" charset="0"/>
+            </a:endParaRPr>
+          </a:p>
+          <a:p>
+            <a:pPr>
+              <a:buFont typeface="Arial" panose="020B0604020202020204" pitchFamily="34" charset="0"/>
+              <a:buChar char="•"/>
+            </a:pPr>
+            <a:r>
+              <a:rPr lang="en-US" sz="1600">
+                <a:latin typeface="Times New Roman" panose="02020603050405020304" charset="0"/>
+                <a:cs typeface="Times New Roman" panose="02020603050405020304" charset="0"/>
+              </a:rPr>
+              <a:t>Then x</a:t>
+            </a:r>
+            <a:r>
+              <a:rPr lang="en-US" sz="1600" baseline="-25000">
+                <a:latin typeface="Times New Roman" panose="02020603050405020304" charset="0"/>
+                <a:cs typeface="Times New Roman" panose="02020603050405020304" charset="0"/>
+              </a:rPr>
+              <a:t>I</a:t>
+            </a:r>
+            <a:r>
+              <a:rPr lang="en-US" sz="1600">
+                <a:latin typeface="Times New Roman" panose="02020603050405020304" charset="0"/>
+                <a:cs typeface="Times New Roman" panose="02020603050405020304" charset="0"/>
+              </a:rPr>
+              <a:t> and x</a:t>
+            </a:r>
+            <a:r>
+              <a:rPr lang="en-US" sz="1600" baseline="-25000">
+                <a:latin typeface="Times New Roman" panose="02020603050405020304" charset="0"/>
+                <a:cs typeface="Times New Roman" panose="02020603050405020304" charset="0"/>
+              </a:rPr>
+              <a:t>Q</a:t>
+            </a:r>
+            <a:r>
+              <a:rPr lang="en-US" sz="1600">
+                <a:latin typeface="Times New Roman" panose="02020603050405020304" charset="0"/>
+                <a:cs typeface="Times New Roman" panose="02020603050405020304" charset="0"/>
+              </a:rPr>
+              <a:t>  are projected into a common 1,024-dimensional multi-modal space as z</a:t>
+            </a:r>
+            <a:r>
+              <a:rPr lang="en-US" sz="1600" baseline="-25000">
+                <a:latin typeface="Times New Roman" panose="02020603050405020304" charset="0"/>
+                <a:cs typeface="Times New Roman" panose="02020603050405020304" charset="0"/>
+              </a:rPr>
+              <a:t>I</a:t>
+            </a:r>
+            <a:r>
+              <a:rPr lang="en-US" sz="1600">
+                <a:latin typeface="Times New Roman" panose="02020603050405020304" charset="0"/>
+                <a:cs typeface="Times New Roman" panose="02020603050405020304" charset="0"/>
+              </a:rPr>
+              <a:t> and z</a:t>
+            </a:r>
+            <a:r>
+              <a:rPr lang="en-US" sz="1600" baseline="-25000">
+                <a:latin typeface="Times New Roman" panose="02020603050405020304" charset="0"/>
+                <a:cs typeface="Times New Roman" panose="02020603050405020304" charset="0"/>
+              </a:rPr>
+              <a:t>Q</a:t>
+            </a:r>
+            <a:endParaRPr lang="en-US" sz="1600" baseline="-25000">
+              <a:latin typeface="Times New Roman" panose="02020603050405020304" charset="0"/>
+              <a:cs typeface="Times New Roman" panose="02020603050405020304" charset="0"/>
+            </a:endParaRPr>
+          </a:p>
+          <a:p>
+            <a:pPr>
+              <a:buFont typeface="Arial" panose="020B0604020202020204" pitchFamily="34" charset="0"/>
+              <a:buChar char="•"/>
+            </a:pPr>
+            <a:endParaRPr lang="en-US" sz="1600">
+              <a:latin typeface="Times New Roman" panose="02020603050405020304" charset="0"/>
+              <a:cs typeface="Times New Roman" panose="02020603050405020304" charset="0"/>
+            </a:endParaRPr>
+          </a:p>
+          <a:p>
+            <a:pPr>
+              <a:buFont typeface="Arial" panose="020B0604020202020204" pitchFamily="34" charset="0"/>
+              <a:buChar char="•"/>
+            </a:pPr>
+            <a:r>
+              <a:rPr lang="en-US" sz="1600">
+                <a:latin typeface="Times New Roman" panose="02020603050405020304" charset="0"/>
+                <a:cs typeface="Times New Roman" panose="02020603050405020304" charset="0"/>
+              </a:rPr>
+              <a:t>We then compute the representation z</a:t>
+            </a:r>
+            <a:r>
+              <a:rPr lang="en-US" sz="1600" baseline="-25000">
+                <a:latin typeface="Times New Roman" panose="02020603050405020304" charset="0"/>
+                <a:cs typeface="Times New Roman" panose="02020603050405020304" charset="0"/>
+              </a:rPr>
+              <a:t>I+Q</a:t>
+            </a:r>
+            <a:r>
+              <a:rPr lang="en-US" sz="1600">
+                <a:latin typeface="Times New Roman" panose="02020603050405020304" charset="0"/>
+                <a:cs typeface="Times New Roman" panose="02020603050405020304" charset="0"/>
+              </a:rPr>
+              <a:t> for the image-question pair (I, Q) by element-wise multiplying z</a:t>
+            </a:r>
+            <a:r>
+              <a:rPr lang="en-US" sz="1600" baseline="-25000">
+                <a:latin typeface="Times New Roman" panose="02020603050405020304" charset="0"/>
+                <a:cs typeface="Times New Roman" panose="02020603050405020304" charset="0"/>
+              </a:rPr>
+              <a:t>I</a:t>
+            </a:r>
+            <a:r>
+              <a:rPr lang="en-US" sz="1600">
+                <a:latin typeface="Times New Roman" panose="02020603050405020304" charset="0"/>
+                <a:cs typeface="Times New Roman" panose="02020603050405020304" charset="0"/>
+              </a:rPr>
+              <a:t> and z</a:t>
+            </a:r>
+            <a:r>
+              <a:rPr lang="en-US" sz="1600" baseline="-25000">
+                <a:latin typeface="Times New Roman" panose="02020603050405020304" charset="0"/>
+                <a:cs typeface="Times New Roman" panose="02020603050405020304" charset="0"/>
+              </a:rPr>
+              <a:t>Q</a:t>
+            </a:r>
+            <a:endParaRPr lang="en-US" sz="1600" baseline="-25000">
+              <a:latin typeface="Times New Roman" panose="02020603050405020304" charset="0"/>
+              <a:cs typeface="Times New Roman" panose="02020603050405020304" charset="0"/>
+            </a:endParaRPr>
+          </a:p>
+          <a:p>
+            <a:pPr>
+              <a:buFont typeface="Arial" panose="020B0604020202020204" pitchFamily="34" charset="0"/>
+              <a:buChar char="•"/>
+            </a:pPr>
+            <a:r>
+              <a:rPr lang="en-US" sz="1600">
+                <a:latin typeface="Times New Roman" panose="02020603050405020304" charset="0"/>
+                <a:cs typeface="Times New Roman" panose="02020603050405020304" charset="0"/>
+              </a:rPr>
+              <a:t> The scores s</a:t>
+            </a:r>
+            <a:r>
+              <a:rPr lang="en-US" sz="1600" baseline="-25000">
+                <a:latin typeface="Times New Roman" panose="02020603050405020304" charset="0"/>
+                <a:cs typeface="Times New Roman" panose="02020603050405020304" charset="0"/>
+              </a:rPr>
+              <a:t>A</a:t>
+            </a:r>
+            <a:r>
+              <a:rPr lang="en-US" sz="1600">
+                <a:latin typeface="Times New Roman" panose="02020603050405020304" charset="0"/>
+                <a:cs typeface="Times New Roman" panose="02020603050405020304" charset="0"/>
+              </a:rPr>
+              <a:t> for 1,000 answers are given by:</a:t>
+            </a:r>
+            <a:br>
+              <a:rPr lang="en-US" sz="1600">
+                <a:latin typeface="Times New Roman" panose="02020603050405020304" charset="0"/>
+                <a:cs typeface="Times New Roman" panose="02020603050405020304" charset="0"/>
+              </a:rPr>
+            </a:br>
+            <a:r>
+              <a:rPr lang="en-US" sz="1600">
+                <a:latin typeface="Times New Roman" panose="02020603050405020304" charset="0"/>
+                <a:cs typeface="Times New Roman" panose="02020603050405020304" charset="0"/>
+              </a:rPr>
+              <a:t>			s</a:t>
+            </a:r>
+            <a:r>
+              <a:rPr lang="en-US" sz="1600" baseline="-25000">
+                <a:latin typeface="Times New Roman" panose="02020603050405020304" charset="0"/>
+                <a:cs typeface="Times New Roman" panose="02020603050405020304" charset="0"/>
+              </a:rPr>
+              <a:t>A</a:t>
+            </a:r>
+            <a:r>
+              <a:rPr lang="en-US" sz="1600">
+                <a:latin typeface="Times New Roman" panose="02020603050405020304" charset="0"/>
+                <a:cs typeface="Times New Roman" panose="02020603050405020304" charset="0"/>
+              </a:rPr>
+              <a:t> = W</a:t>
+            </a:r>
+            <a:r>
+              <a:rPr lang="en-US" sz="1600" baseline="-25000">
+                <a:latin typeface="Times New Roman" panose="02020603050405020304" charset="0"/>
+                <a:cs typeface="Times New Roman" panose="02020603050405020304" charset="0"/>
+              </a:rPr>
+              <a:t>s</a:t>
+            </a:r>
+            <a:r>
+              <a:rPr lang="en-US" sz="1600">
+                <a:latin typeface="Times New Roman" panose="02020603050405020304" charset="0"/>
+                <a:cs typeface="Times New Roman" panose="02020603050405020304" charset="0"/>
+              </a:rPr>
+              <a:t>z</a:t>
+            </a:r>
+            <a:r>
+              <a:rPr lang="en-US" sz="1600" baseline="-25000">
+                <a:latin typeface="Times New Roman" panose="02020603050405020304" charset="0"/>
+                <a:cs typeface="Times New Roman" panose="02020603050405020304" charset="0"/>
+              </a:rPr>
+              <a:t>I+Q</a:t>
+            </a:r>
+            <a:r>
+              <a:rPr lang="en-US" sz="1600">
+                <a:latin typeface="Times New Roman" panose="02020603050405020304" charset="0"/>
+                <a:cs typeface="Times New Roman" panose="02020603050405020304" charset="0"/>
+              </a:rPr>
+              <a:t> + b</a:t>
+            </a:r>
+            <a:r>
+              <a:rPr lang="en-US" sz="1600" baseline="-25000">
+                <a:latin typeface="Times New Roman" panose="02020603050405020304" charset="0"/>
+                <a:cs typeface="Times New Roman" panose="02020603050405020304" charset="0"/>
+              </a:rPr>
+              <a:t>s</a:t>
+            </a:r>
+            <a:endParaRPr lang="en-US" sz="1600" baseline="-25000">
+              <a:latin typeface="Times New Roman" panose="02020603050405020304" charset="0"/>
+              <a:cs typeface="Times New Roman" panose="02020603050405020304" charset="0"/>
+            </a:endParaRPr>
+          </a:p>
+        </p:txBody>
+      </p:sp>
+      <p:pic>
+        <p:nvPicPr>
+          <p:cNvPr id="4" name="Picture 3"/>
+          <p:cNvPicPr>
+            <a:picLocks noChangeAspect="1"/>
+          </p:cNvPicPr>
+          <p:nvPr/>
+        </p:nvPicPr>
+        <p:blipFill>
+          <a:blip r:embed="rId1"/>
+          <a:stretch>
+            <a:fillRect/>
+          </a:stretch>
+        </p:blipFill>
+        <p:spPr>
+          <a:xfrm>
+            <a:off x="2696845" y="2757170"/>
+            <a:ext cx="3193415" cy="273050"/>
+          </a:xfrm>
+          <a:prstGeom prst="rect">
+            <a:avLst/>
+          </a:prstGeom>
+        </p:spPr>
+      </p:pic>
+    </p:spTree>
+  </p:cSld>
+  <p:clrMapOvr>
+    <a:masterClrMapping/>
+  </p:clrMapOvr>
+</p:sld>
+</file>
+
+<file path=ppt/slides/slide15.xml><?xml version="1.0" encoding="utf-8"?>
+<p:sld xmlns:a="http://schemas.openxmlformats.org/drawingml/2006/main" xmlns:r="http://schemas.openxmlformats.org/officeDocument/2006/relationships" xmlns:p="http://schemas.openxmlformats.org/presentationml/2006/main">
+  <p:cSld>
+    <p:spTree>
+      <p:nvGrpSpPr>
+        <p:cNvPr id="1" name=""/>
+        <p:cNvGrpSpPr/>
+        <p:nvPr/>
+      </p:nvGrpSpPr>
+      <p:grpSpPr>
+        <a:xfrm>
+          <a:off x="0" y="0"/>
+          <a:ext cx="0" cy="0"/>
+          <a:chOff x="0" y="0"/>
+          <a:chExt cx="0" cy="0"/>
+        </a:xfrm>
+      </p:grpSpPr>
+      <p:sp>
+        <p:nvSpPr>
+          <p:cNvPr id="3" name="Text Placeholder 2"/>
+          <p:cNvSpPr>
+            <a:spLocks noGrp="1"/>
+          </p:cNvSpPr>
+          <p:nvPr>
+            <p:ph type="body" idx="1"/>
+          </p:nvPr>
+        </p:nvSpPr>
+        <p:spPr>
+          <a:xfrm>
+            <a:off x="311785" y="247015"/>
+            <a:ext cx="8520430" cy="4331970"/>
+          </a:xfrm>
+        </p:spPr>
+        <p:txBody>
+          <a:bodyPr/>
+          <a:lstStyle/>
+          <a:p>
+            <a:pPr>
+              <a:buFont typeface="Arial" panose="020B0604020202020204" pitchFamily="34" charset="0"/>
+              <a:buChar char="•"/>
+            </a:pPr>
+            <a:r>
+              <a:rPr lang="en-US">
+                <a:latin typeface="Times New Roman" panose="02020603050405020304" charset="0"/>
+                <a:cs typeface="Times New Roman" panose="02020603050405020304" charset="0"/>
+              </a:rPr>
+              <a:t>For the VQA-Caption task given caption C and question Q, </a:t>
+            </a:r>
+            <a:endParaRPr lang="en-US">
+              <a:latin typeface="Times New Roman" panose="02020603050405020304" charset="0"/>
+              <a:cs typeface="Times New Roman" panose="02020603050405020304" charset="0"/>
+            </a:endParaRPr>
+          </a:p>
+          <a:p>
+            <a:pPr lvl="1">
+              <a:buFont typeface="Arial" panose="020B0604020202020204" pitchFamily="34" charset="0"/>
+              <a:buChar char="•"/>
+            </a:pPr>
+            <a:r>
+              <a:rPr lang="en-US">
+                <a:latin typeface="Times New Roman" panose="02020603050405020304" charset="0"/>
+                <a:cs typeface="Times New Roman" panose="02020603050405020304" charset="0"/>
+              </a:rPr>
+              <a:t>We use the same network architecture and learning procedure as above</a:t>
+            </a:r>
+            <a:endParaRPr lang="en-US">
+              <a:latin typeface="Times New Roman" panose="02020603050405020304" charset="0"/>
+              <a:cs typeface="Times New Roman" panose="02020603050405020304" charset="0"/>
+            </a:endParaRPr>
+          </a:p>
+          <a:p>
+            <a:pPr lvl="1">
+              <a:buFont typeface="Arial" panose="020B0604020202020204" pitchFamily="34" charset="0"/>
+              <a:buChar char="•"/>
+            </a:pPr>
+            <a:r>
+              <a:rPr lang="en-US">
+                <a:latin typeface="Times New Roman" panose="02020603050405020304" charset="0"/>
+                <a:cs typeface="Times New Roman" panose="02020603050405020304" charset="0"/>
+              </a:rPr>
+              <a:t>But using the most frequent 1,000 words in training captions as the dictionary to construct a 1,000 dimensional bag-of-words encoding for caption C as x</a:t>
+            </a:r>
+            <a:r>
+              <a:rPr lang="en-US" baseline="-25000">
+                <a:latin typeface="Times New Roman" panose="02020603050405020304" charset="0"/>
+                <a:cs typeface="Times New Roman" panose="02020603050405020304" charset="0"/>
+              </a:rPr>
+              <a:t>C</a:t>
+            </a:r>
+            <a:r>
+              <a:rPr lang="en-US">
+                <a:latin typeface="Times New Roman" panose="02020603050405020304" charset="0"/>
+                <a:cs typeface="Times New Roman" panose="02020603050405020304" charset="0"/>
+              </a:rPr>
+              <a:t> to replace the image feature x</a:t>
+            </a:r>
+            <a:r>
+              <a:rPr lang="en-US" baseline="-25000">
+                <a:latin typeface="Times New Roman" panose="02020603050405020304" charset="0"/>
+                <a:cs typeface="Times New Roman" panose="02020603050405020304" charset="0"/>
+              </a:rPr>
+              <a:t>I</a:t>
+            </a:r>
+            <a:r>
+              <a:rPr lang="en-US">
+                <a:latin typeface="Times New Roman" panose="02020603050405020304" charset="0"/>
+                <a:cs typeface="Times New Roman" panose="02020603050405020304" charset="0"/>
+              </a:rPr>
+              <a:t> and compute z</a:t>
+            </a:r>
+            <a:r>
+              <a:rPr lang="en-US" baseline="-25000">
+                <a:latin typeface="Times New Roman" panose="02020603050405020304" charset="0"/>
+                <a:cs typeface="Times New Roman" panose="02020603050405020304" charset="0"/>
+              </a:rPr>
+              <a:t>C</a:t>
+            </a:r>
+            <a:r>
+              <a:rPr lang="en-US">
+                <a:latin typeface="Times New Roman" panose="02020603050405020304" charset="0"/>
+                <a:cs typeface="Times New Roman" panose="02020603050405020304" charset="0"/>
+              </a:rPr>
+              <a:t> , z</a:t>
+            </a:r>
+            <a:r>
+              <a:rPr lang="en-US" baseline="-25000">
+                <a:latin typeface="Times New Roman" panose="02020603050405020304" charset="0"/>
+                <a:cs typeface="Times New Roman" panose="02020603050405020304" charset="0"/>
+              </a:rPr>
+              <a:t>C+Q</a:t>
+            </a:r>
+            <a:r>
+              <a:rPr lang="en-US">
+                <a:latin typeface="Times New Roman" panose="02020603050405020304" charset="0"/>
+                <a:cs typeface="Times New Roman" panose="02020603050405020304" charset="0"/>
+              </a:rPr>
+              <a:t> respectively.</a:t>
+            </a:r>
+            <a:endParaRPr lang="en-US">
+              <a:latin typeface="Times New Roman" panose="02020603050405020304" charset="0"/>
+              <a:cs typeface="Times New Roman" panose="02020603050405020304" charset="0"/>
+            </a:endParaRPr>
+          </a:p>
+          <a:p>
+            <a:pPr lvl="0">
+              <a:buFont typeface="Arial" panose="020B0604020202020204" pitchFamily="34" charset="0"/>
+              <a:buChar char="•"/>
+            </a:pPr>
+            <a:r>
+              <a:rPr lang="en-US">
+                <a:latin typeface="Times New Roman" panose="02020603050405020304" charset="0"/>
+                <a:cs typeface="Times New Roman" panose="02020603050405020304" charset="0"/>
+              </a:rPr>
+              <a:t>The VQA and VQA-Caption models are learned on the train split of the VQA dataset using </a:t>
+            </a:r>
+            <a:endParaRPr lang="en-US">
+              <a:latin typeface="Times New Roman" panose="02020603050405020304" charset="0"/>
+              <a:cs typeface="Times New Roman" panose="02020603050405020304" charset="0"/>
+            </a:endParaRPr>
+          </a:p>
+          <a:p>
+            <a:pPr lvl="1">
+              <a:buFont typeface="Arial" panose="020B0604020202020204" pitchFamily="34" charset="0"/>
+              <a:buChar char="•"/>
+            </a:pPr>
+            <a:r>
+              <a:rPr lang="en-US">
+                <a:latin typeface="Times New Roman" panose="02020603050405020304" charset="0"/>
+                <a:cs typeface="Times New Roman" panose="02020603050405020304" charset="0"/>
+              </a:rPr>
+              <a:t>82,783 images, 413,915 captions and 248,349 questions. </a:t>
+            </a:r>
+            <a:endParaRPr lang="en-US">
+              <a:latin typeface="Times New Roman" panose="02020603050405020304" charset="0"/>
+              <a:cs typeface="Times New Roman" panose="02020603050405020304" charset="0"/>
+            </a:endParaRPr>
+          </a:p>
+          <a:p>
+            <a:pPr lvl="0">
+              <a:buFont typeface="Arial" panose="020B0604020202020204" pitchFamily="34" charset="0"/>
+              <a:buChar char="•"/>
+            </a:pPr>
+            <a:r>
+              <a:rPr lang="en-US">
+                <a:latin typeface="Times New Roman" panose="02020603050405020304" charset="0"/>
+                <a:cs typeface="Times New Roman" panose="02020603050405020304" charset="0"/>
+              </a:rPr>
+              <a:t>These models achieve VQA validation set accuracies of </a:t>
+            </a:r>
+            <a:endParaRPr lang="en-US">
+              <a:latin typeface="Times New Roman" panose="02020603050405020304" charset="0"/>
+              <a:cs typeface="Times New Roman" panose="02020603050405020304" charset="0"/>
+            </a:endParaRPr>
+          </a:p>
+          <a:p>
+            <a:pPr lvl="1">
+              <a:buFont typeface="Arial" panose="020B0604020202020204" pitchFamily="34" charset="0"/>
+              <a:buChar char="•"/>
+            </a:pPr>
+            <a:r>
+              <a:rPr lang="en-US">
+                <a:latin typeface="Times New Roman" panose="02020603050405020304" charset="0"/>
+                <a:cs typeface="Times New Roman" panose="02020603050405020304" charset="0"/>
+              </a:rPr>
+              <a:t>54.42% (VQA) and 56.28%(VQA-Caption). </a:t>
+            </a:r>
+            <a:endParaRPr lang="en-US">
+              <a:latin typeface="Times New Roman" panose="02020603050405020304" charset="0"/>
+              <a:cs typeface="Times New Roman" panose="02020603050405020304" charset="0"/>
+            </a:endParaRPr>
+          </a:p>
+          <a:p>
+            <a:pPr lvl="0">
+              <a:buFont typeface="Arial" panose="020B0604020202020204" pitchFamily="34" charset="0"/>
+              <a:buChar char="•"/>
+            </a:pPr>
+            <a:r>
+              <a:rPr lang="en-US">
+                <a:latin typeface="Times New Roman" panose="02020603050405020304" charset="0"/>
+                <a:cs typeface="Times New Roman" panose="02020603050405020304" charset="0"/>
+              </a:rPr>
+              <a:t>Next, they are used as sub-modules in the image caption ranking approach.</a:t>
+            </a:r>
+            <a:endParaRPr lang="en-US">
               <a:latin typeface="Times New Roman" panose="02020603050405020304" charset="0"/>
               <a:cs typeface="Times New Roman" panose="02020603050405020304" charset="0"/>
             </a:endParaRPr>
@@ -8346,7 +8731,7 @@
   <p:cSld>
     <p:spTree>
       <p:nvGrpSpPr>
-        <p:cNvPr id="1" name="Shape 109"/>
+        <p:cNvPr id="1" name=""/>
         <p:cNvGrpSpPr/>
         <p:nvPr/>
       </p:nvGrpSpPr>
@@ -8360,8 +8745,42 @@
       </p:grpSpPr>
       <p:sp>
         <p:nvSpPr>
-          <p:cNvPr id="111" name="Google Shape;111;p21"/>
-          <p:cNvSpPr txBox="1">
+          <p:cNvPr id="2" name="Title 1"/>
+          <p:cNvSpPr>
+            <a:spLocks noGrp="1"/>
+          </p:cNvSpPr>
+          <p:nvPr>
+            <p:ph type="title"/>
+          </p:nvPr>
+        </p:nvSpPr>
+        <p:spPr>
+          <a:xfrm>
+            <a:off x="311700" y="1046175"/>
+            <a:ext cx="8520600" cy="831300"/>
+          </a:xfrm>
+        </p:spPr>
+        <p:txBody>
+          <a:bodyPr/>
+          <a:lstStyle/>
+          <a:p>
+            <a:r>
+              <a:rPr lang="en-US" sz="3200">
+                <a:latin typeface="Times New Roman" panose="02020603050405020304" charset="0"/>
+                <a:cs typeface="Times New Roman" panose="02020603050405020304" charset="0"/>
+              </a:rPr>
+              <a:t>Approach</a:t>
+            </a:r>
+            <a:endParaRPr lang="en-US" sz="3200">
+              <a:latin typeface="Times New Roman" panose="02020603050405020304" charset="0"/>
+              <a:cs typeface="Times New Roman" panose="02020603050405020304" charset="0"/>
+            </a:endParaRPr>
+          </a:p>
+        </p:txBody>
+      </p:sp>
+      <p:sp>
+        <p:nvSpPr>
+          <p:cNvPr id="3" name="Text Placeholder 2"/>
+          <p:cNvSpPr>
             <a:spLocks noGrp="1"/>
           </p:cNvSpPr>
           <p:nvPr>
@@ -8370,73 +8789,32 @@
         </p:nvSpPr>
         <p:spPr>
           <a:xfrm>
-            <a:off x="311785" y="704215"/>
-            <a:ext cx="8520430" cy="3014345"/>
+            <a:off x="311785" y="2253615"/>
+            <a:ext cx="8520430" cy="1549400"/>
           </a:xfrm>
-          <a:prstGeom prst="rect">
-            <a:avLst/>
-          </a:prstGeom>
         </p:spPr>
         <p:txBody>
-          <a:bodyPr spcFirstLastPara="1" wrap="square" lIns="91425" tIns="91425" rIns="91425" bIns="91425" anchor="t" anchorCtr="0">
-            <a:noAutofit/>
-          </a:bodyPr>
+          <a:bodyPr/>
           <a:lstStyle/>
           <a:p>
-            <a:pPr marL="0" lvl="1" indent="-285750" algn="l" rtl="0">
-              <a:spcBef>
-                <a:spcPts val="0"/>
-              </a:spcBef>
-              <a:spcAft>
-                <a:spcPts val="1600"/>
-              </a:spcAft>
+            <a:pPr>
               <a:buFont typeface="Arial" panose="020B0604020202020204" pitchFamily="34" charset="0"/>
               <a:buChar char="•"/>
             </a:pPr>
             <a:r>
-              <a:rPr>
-                <a:latin typeface="Times New Roman" panose="02020603050405020304" charset="0"/>
-                <a:cs typeface="Times New Roman" panose="02020603050405020304" charset="0"/>
-              </a:rPr>
-              <a:t>During training, given triplets of </a:t>
-            </a:r>
-            <a:r>
-              <a:rPr>
-                <a:latin typeface="Times New Roman" panose="02020603050405020304" charset="0"/>
-                <a:cs typeface="Times New Roman" panose="02020603050405020304" charset="0"/>
-                <a:sym typeface="+mn-ea"/>
-              </a:rPr>
-              <a:t>question Q </a:t>
-            </a:r>
-            <a:r>
               <a:rPr lang="en-US">
                 <a:latin typeface="Times New Roman" panose="02020603050405020304" charset="0"/>
                 <a:cs typeface="Times New Roman" panose="02020603050405020304" charset="0"/>
-                <a:sym typeface="+mn-ea"/>
-              </a:rPr>
-              <a:t>,</a:t>
-            </a:r>
-            <a:r>
-              <a:rPr>
-                <a:latin typeface="Times New Roman" panose="02020603050405020304" charset="0"/>
-                <a:cs typeface="Times New Roman" panose="02020603050405020304" charset="0"/>
-                <a:sym typeface="+mn-ea"/>
-              </a:rPr>
-              <a:t>ground truth answer A</a:t>
-            </a:r>
-            <a:endParaRPr>
+              </a:rPr>
+              <a:t>To leverage knowledge in VQA for image-caption ranking we propose </a:t>
+            </a:r>
+            <a:endParaRPr lang="en-US">
               <a:latin typeface="Times New Roman" panose="02020603050405020304" charset="0"/>
               <a:cs typeface="Times New Roman" panose="02020603050405020304" charset="0"/>
             </a:endParaRPr>
           </a:p>
           <a:p>
-            <a:pPr marL="742950" lvl="1" indent="-285750" algn="l" rtl="0">
-              <a:spcBef>
-                <a:spcPts val="0"/>
-              </a:spcBef>
-              <a:spcAft>
-                <a:spcPts val="1600"/>
-              </a:spcAft>
+            <a:pPr lvl="1">
               <a:buFont typeface="Arial" panose="020B0604020202020204" pitchFamily="34" charset="0"/>
               <a:buChar char="•"/>
             </a:pPr>
@@ -8445,31 +8823,15 @@
                 <a:latin typeface="Times New Roman" panose="02020603050405020304" charset="0"/>
                 <a:cs typeface="Times New Roman" panose="02020603050405020304" charset="0"/>
               </a:rPr>
-              <a:t>I</a:t>
-            </a:r>
-            <a:r>
-              <a:rPr>
-                <a:latin typeface="Times New Roman" panose="02020603050405020304" charset="0"/>
-                <a:cs typeface="Times New Roman" panose="02020603050405020304" charset="0"/>
-              </a:rPr>
-              <a:t>mage I,</a:t>
-            </a:r>
-            <a:endParaRPr>
+              <a:t>to represent the images and the captions in the VQA space using VQA and VQA-Caption models. </a:t>
+            </a:r>
+            <a:endParaRPr lang="en-US">
               <a:latin typeface="Times New Roman" panose="02020603050405020304" charset="0"/>
               <a:cs typeface="Times New Roman" panose="02020603050405020304" charset="0"/>
             </a:endParaRPr>
           </a:p>
           <a:p>
-            <a:pPr marL="1200150" lvl="2" indent="-285750" algn="l" rtl="0">
-              <a:lnSpc>
-                <a:spcPct val="95000"/>
-              </a:lnSpc>
-              <a:spcBef>
-                <a:spcPts val="0"/>
-              </a:spcBef>
-              <a:spcAft>
-                <a:spcPts val="1600"/>
-              </a:spcAft>
+            <a:pPr lvl="1">
               <a:buFont typeface="Arial" panose="020B0604020202020204" pitchFamily="34" charset="0"/>
               <a:buChar char="•"/>
             </a:pPr>
@@ -8478,95 +8840,9 @@
                 <a:latin typeface="Times New Roman" panose="02020603050405020304" charset="0"/>
                 <a:cs typeface="Times New Roman" panose="02020603050405020304" charset="0"/>
               </a:rPr>
-              <a:t>W</a:t>
-            </a:r>
-            <a:r>
-              <a:rPr>
-                <a:latin typeface="Times New Roman" panose="02020603050405020304" charset="0"/>
-                <a:cs typeface="Times New Roman" panose="02020603050405020304" charset="0"/>
-              </a:rPr>
-              <a:t>e optimize the negative log-likelihood (NLL) loss to maximize the probability of the ground truth answer PI (A|Q, I) given by the VQA model.</a:t>
-            </a:r>
-            <a:endParaRPr>
-              <a:latin typeface="Times New Roman" panose="02020603050405020304" charset="0"/>
-              <a:cs typeface="Times New Roman" panose="02020603050405020304" charset="0"/>
-            </a:endParaRPr>
-          </a:p>
-          <a:p>
-            <a:pPr marL="742950" lvl="1" indent="-285750" algn="l" rtl="0">
-              <a:lnSpc>
-                <a:spcPct val="95000"/>
-              </a:lnSpc>
-              <a:spcBef>
-                <a:spcPts val="0"/>
-              </a:spcBef>
-              <a:spcAft>
-                <a:spcPts val="1600"/>
-              </a:spcAft>
-              <a:buFont typeface="Arial" panose="020B0604020202020204" pitchFamily="34" charset="0"/>
-              <a:buChar char="•"/>
-            </a:pPr>
-            <a:r>
-              <a:rPr lang="en-US">
-                <a:latin typeface="Times New Roman" panose="02020603050405020304" charset="0"/>
-                <a:cs typeface="Times New Roman" panose="02020603050405020304" charset="0"/>
-              </a:rPr>
-              <a:t>C</a:t>
-            </a:r>
-            <a:r>
-              <a:rPr>
-                <a:latin typeface="Times New Roman" panose="02020603050405020304" charset="0"/>
-                <a:cs typeface="Times New Roman" panose="02020603050405020304" charset="0"/>
-              </a:rPr>
-              <a:t>aption C, </a:t>
-            </a:r>
-            <a:endParaRPr>
-              <a:latin typeface="Times New Roman" panose="02020603050405020304" charset="0"/>
-              <a:cs typeface="Times New Roman" panose="02020603050405020304" charset="0"/>
-            </a:endParaRPr>
-          </a:p>
-          <a:p>
-            <a:pPr marL="1200150" lvl="2" indent="-285750" algn="l" rtl="0">
-              <a:lnSpc>
-                <a:spcPct val="95000"/>
-              </a:lnSpc>
-              <a:spcBef>
-                <a:spcPts val="0"/>
-              </a:spcBef>
-              <a:spcAft>
-                <a:spcPts val="1600"/>
-              </a:spcAft>
-              <a:buFont typeface="Arial" panose="020B0604020202020204" pitchFamily="34" charset="0"/>
-              <a:buChar char="•"/>
-            </a:pPr>
-            <a:r>
-              <a:rPr lang="en-US">
-                <a:latin typeface="Times New Roman" panose="02020603050405020304" charset="0"/>
-                <a:cs typeface="Times New Roman" panose="02020603050405020304" charset="0"/>
-              </a:rPr>
-              <a:t>W</a:t>
-            </a:r>
-            <a:r>
-              <a:rPr>
-                <a:latin typeface="Times New Roman" panose="02020603050405020304" charset="0"/>
-                <a:cs typeface="Times New Roman" panose="02020603050405020304" charset="0"/>
-              </a:rPr>
-              <a:t>e optimize the NLL loss to maximize the VQA-Caption model probability</a:t>
-            </a:r>
-            <a:br>
-              <a:rPr>
-                <a:latin typeface="Times New Roman" panose="02020603050405020304" charset="0"/>
-                <a:cs typeface="Times New Roman" panose="02020603050405020304" charset="0"/>
-              </a:rPr>
-            </a:br>
-            <a:r>
-              <a:rPr>
-                <a:latin typeface="Times New Roman" panose="02020603050405020304" charset="0"/>
-                <a:cs typeface="Times New Roman" panose="02020603050405020304" charset="0"/>
-              </a:rPr>
-              <a:t> PC (A|Q, C).</a:t>
-            </a:r>
-            <a:endParaRPr>
+              <a:t>This representations is called VQA-grounded representations.</a:t>
+            </a:r>
+            <a:endParaRPr lang="en-US">
               <a:latin typeface="Times New Roman" panose="02020603050405020304" charset="0"/>
               <a:cs typeface="Times New Roman" panose="02020603050405020304" charset="0"/>
             </a:endParaRPr>
@@ -8610,839 +8886,6 @@
         </p:nvSpPr>
         <p:spPr>
           <a:xfrm>
-            <a:off x="311785" y="218440"/>
-            <a:ext cx="8520430" cy="4360545"/>
-          </a:xfrm>
-        </p:spPr>
-        <p:txBody>
-          <a:bodyPr/>
-          <a:lstStyle/>
-          <a:p>
-            <a:pPr>
-              <a:buFont typeface="Arial" panose="020B0604020202020204" pitchFamily="34" charset="0"/>
-              <a:buChar char="•"/>
-            </a:pPr>
-            <a:r>
-              <a:rPr lang="en-US" sz="1600">
-                <a:latin typeface="Times New Roman" panose="02020603050405020304" charset="0"/>
-                <a:cs typeface="Times New Roman" panose="02020603050405020304" charset="0"/>
-              </a:rPr>
-              <a:t>For a VQA question (I, Q)</a:t>
-            </a:r>
-            <a:endParaRPr lang="en-US" sz="1600">
-              <a:latin typeface="Times New Roman" panose="02020603050405020304" charset="0"/>
-              <a:cs typeface="Times New Roman" panose="02020603050405020304" charset="0"/>
-            </a:endParaRPr>
-          </a:p>
-          <a:p>
-            <a:pPr lvl="1">
-              <a:buFont typeface="Arial" panose="020B0604020202020204" pitchFamily="34" charset="0"/>
-              <a:buChar char="•"/>
-            </a:pPr>
-            <a:r>
-              <a:rPr lang="en-US" sz="1200">
-                <a:latin typeface="Times New Roman" panose="02020603050405020304" charset="0"/>
-                <a:cs typeface="Times New Roman" panose="02020603050405020304" charset="0"/>
-              </a:rPr>
-              <a:t>Image Encoding</a:t>
-            </a:r>
-            <a:endParaRPr lang="en-US" sz="1200">
-              <a:latin typeface="Times New Roman" panose="02020603050405020304" charset="0"/>
-              <a:cs typeface="Times New Roman" panose="02020603050405020304" charset="0"/>
-            </a:endParaRPr>
-          </a:p>
-          <a:p>
-            <a:pPr lvl="2">
-              <a:buFont typeface="Arial" panose="020B0604020202020204" pitchFamily="34" charset="0"/>
-              <a:buChar char="•"/>
-            </a:pPr>
-            <a:r>
-              <a:rPr lang="en-US" sz="1200">
-                <a:latin typeface="Times New Roman" panose="02020603050405020304" charset="0"/>
-                <a:cs typeface="Times New Roman" panose="02020603050405020304" charset="0"/>
-              </a:rPr>
-              <a:t>Using the 19-layer VGGNet [46] as a 4,096-dimensional image encoding x</a:t>
-            </a:r>
-            <a:r>
-              <a:rPr lang="en-US" sz="1200" baseline="-25000">
-                <a:latin typeface="Times New Roman" panose="02020603050405020304" charset="0"/>
-                <a:cs typeface="Times New Roman" panose="02020603050405020304" charset="0"/>
-              </a:rPr>
-              <a:t>I</a:t>
-            </a:r>
-            <a:r>
-              <a:rPr lang="en-US" sz="1200">
-                <a:latin typeface="Times New Roman" panose="02020603050405020304" charset="0"/>
-                <a:cs typeface="Times New Roman" panose="02020603050405020304" charset="0"/>
-              </a:rPr>
-              <a:t> </a:t>
-            </a:r>
-            <a:endParaRPr lang="en-US" sz="1200">
-              <a:latin typeface="Times New Roman" panose="02020603050405020304" charset="0"/>
-              <a:cs typeface="Times New Roman" panose="02020603050405020304" charset="0"/>
-            </a:endParaRPr>
-          </a:p>
-          <a:p>
-            <a:pPr lvl="1">
-              <a:buFont typeface="Arial" panose="020B0604020202020204" pitchFamily="34" charset="0"/>
-              <a:buChar char="•"/>
-            </a:pPr>
-            <a:r>
-              <a:rPr lang="en-US" sz="1200">
-                <a:latin typeface="Times New Roman" panose="02020603050405020304" charset="0"/>
-                <a:cs typeface="Times New Roman" panose="02020603050405020304" charset="0"/>
-              </a:rPr>
-              <a:t>Qestion Encoding</a:t>
-            </a:r>
-            <a:endParaRPr lang="en-US" sz="1200">
-              <a:latin typeface="Times New Roman" panose="02020603050405020304" charset="0"/>
-              <a:cs typeface="Times New Roman" panose="02020603050405020304" charset="0"/>
-            </a:endParaRPr>
-          </a:p>
-          <a:p>
-            <a:pPr lvl="2">
-              <a:buFont typeface="Arial" panose="020B0604020202020204" pitchFamily="34" charset="0"/>
-              <a:buChar char="•"/>
-            </a:pPr>
-            <a:r>
-              <a:rPr lang="en-US" sz="1200">
-                <a:latin typeface="Times New Roman" panose="02020603050405020304" charset="0"/>
-                <a:cs typeface="Times New Roman" panose="02020603050405020304" charset="0"/>
-              </a:rPr>
-              <a:t>Using a 2-layer RNN with 512 Long Short-Term Memory (LSTM) units per layer as a 2,048-dimensional question encoding x</a:t>
-            </a:r>
-            <a:r>
-              <a:rPr lang="en-US" sz="1200" baseline="-25000">
-                <a:latin typeface="Times New Roman" panose="02020603050405020304" charset="0"/>
-                <a:cs typeface="Times New Roman" panose="02020603050405020304" charset="0"/>
-              </a:rPr>
-              <a:t>Q</a:t>
-            </a:r>
-            <a:r>
-              <a:rPr lang="en-US" sz="1200">
-                <a:latin typeface="Times New Roman" panose="02020603050405020304" charset="0"/>
-                <a:cs typeface="Times New Roman" panose="02020603050405020304" charset="0"/>
-              </a:rPr>
-              <a:t>. </a:t>
-            </a:r>
-            <a:endParaRPr lang="en-US" sz="1200">
-              <a:latin typeface="Times New Roman" panose="02020603050405020304" charset="0"/>
-              <a:cs typeface="Times New Roman" panose="02020603050405020304" charset="0"/>
-            </a:endParaRPr>
-          </a:p>
-          <a:p>
-            <a:pPr>
-              <a:buFont typeface="Arial" panose="020B0604020202020204" pitchFamily="34" charset="0"/>
-              <a:buChar char="•"/>
-            </a:pPr>
-            <a:r>
-              <a:rPr lang="en-US" sz="1600">
-                <a:latin typeface="Times New Roman" panose="02020603050405020304" charset="0"/>
-                <a:cs typeface="Times New Roman" panose="02020603050405020304" charset="0"/>
-              </a:rPr>
-              <a:t>Then x</a:t>
-            </a:r>
-            <a:r>
-              <a:rPr lang="en-US" sz="1600" baseline="-25000">
-                <a:latin typeface="Times New Roman" panose="02020603050405020304" charset="0"/>
-                <a:cs typeface="Times New Roman" panose="02020603050405020304" charset="0"/>
-              </a:rPr>
-              <a:t>I</a:t>
-            </a:r>
-            <a:r>
-              <a:rPr lang="en-US" sz="1600">
-                <a:latin typeface="Times New Roman" panose="02020603050405020304" charset="0"/>
-                <a:cs typeface="Times New Roman" panose="02020603050405020304" charset="0"/>
-              </a:rPr>
-              <a:t> and x</a:t>
-            </a:r>
-            <a:r>
-              <a:rPr lang="en-US" sz="1600" baseline="-25000">
-                <a:latin typeface="Times New Roman" panose="02020603050405020304" charset="0"/>
-                <a:cs typeface="Times New Roman" panose="02020603050405020304" charset="0"/>
-              </a:rPr>
-              <a:t>Q</a:t>
-            </a:r>
-            <a:r>
-              <a:rPr lang="en-US" sz="1600">
-                <a:latin typeface="Times New Roman" panose="02020603050405020304" charset="0"/>
-                <a:cs typeface="Times New Roman" panose="02020603050405020304" charset="0"/>
-              </a:rPr>
-              <a:t>  are projected into a common 1,024-dimensional multi-modal space as z</a:t>
-            </a:r>
-            <a:r>
-              <a:rPr lang="en-US" sz="1600" baseline="-25000">
-                <a:latin typeface="Times New Roman" panose="02020603050405020304" charset="0"/>
-                <a:cs typeface="Times New Roman" panose="02020603050405020304" charset="0"/>
-              </a:rPr>
-              <a:t>I</a:t>
-            </a:r>
-            <a:r>
-              <a:rPr lang="en-US" sz="1600">
-                <a:latin typeface="Times New Roman" panose="02020603050405020304" charset="0"/>
-                <a:cs typeface="Times New Roman" panose="02020603050405020304" charset="0"/>
-              </a:rPr>
-              <a:t> and z</a:t>
-            </a:r>
-            <a:r>
-              <a:rPr lang="en-US" sz="1600" baseline="-25000">
-                <a:latin typeface="Times New Roman" panose="02020603050405020304" charset="0"/>
-                <a:cs typeface="Times New Roman" panose="02020603050405020304" charset="0"/>
-              </a:rPr>
-              <a:t>Q</a:t>
-            </a:r>
-            <a:endParaRPr lang="en-US" sz="1600" baseline="-25000">
-              <a:latin typeface="Times New Roman" panose="02020603050405020304" charset="0"/>
-              <a:cs typeface="Times New Roman" panose="02020603050405020304" charset="0"/>
-            </a:endParaRPr>
-          </a:p>
-          <a:p>
-            <a:pPr>
-              <a:buFont typeface="Arial" panose="020B0604020202020204" pitchFamily="34" charset="0"/>
-              <a:buChar char="•"/>
-            </a:pPr>
-            <a:endParaRPr lang="en-US" sz="1600">
-              <a:latin typeface="Times New Roman" panose="02020603050405020304" charset="0"/>
-              <a:cs typeface="Times New Roman" panose="02020603050405020304" charset="0"/>
-            </a:endParaRPr>
-          </a:p>
-          <a:p>
-            <a:pPr>
-              <a:buFont typeface="Arial" panose="020B0604020202020204" pitchFamily="34" charset="0"/>
-              <a:buChar char="•"/>
-            </a:pPr>
-            <a:r>
-              <a:rPr lang="en-US" sz="1600">
-                <a:latin typeface="Times New Roman" panose="02020603050405020304" charset="0"/>
-                <a:cs typeface="Times New Roman" panose="02020603050405020304" charset="0"/>
-              </a:rPr>
-              <a:t>We then compute the representation z</a:t>
-            </a:r>
-            <a:r>
-              <a:rPr lang="en-US" sz="1600" baseline="-25000">
-                <a:latin typeface="Times New Roman" panose="02020603050405020304" charset="0"/>
-                <a:cs typeface="Times New Roman" panose="02020603050405020304" charset="0"/>
-              </a:rPr>
-              <a:t>I+Q</a:t>
-            </a:r>
-            <a:r>
-              <a:rPr lang="en-US" sz="1600">
-                <a:latin typeface="Times New Roman" panose="02020603050405020304" charset="0"/>
-                <a:cs typeface="Times New Roman" panose="02020603050405020304" charset="0"/>
-              </a:rPr>
-              <a:t> for the image-question pair (I, Q) by element-wise multiplying z</a:t>
-            </a:r>
-            <a:r>
-              <a:rPr lang="en-US" sz="1600" baseline="-25000">
-                <a:latin typeface="Times New Roman" panose="02020603050405020304" charset="0"/>
-                <a:cs typeface="Times New Roman" panose="02020603050405020304" charset="0"/>
-              </a:rPr>
-              <a:t>I</a:t>
-            </a:r>
-            <a:r>
-              <a:rPr lang="en-US" sz="1600">
-                <a:latin typeface="Times New Roman" panose="02020603050405020304" charset="0"/>
-                <a:cs typeface="Times New Roman" panose="02020603050405020304" charset="0"/>
-              </a:rPr>
-              <a:t> and z</a:t>
-            </a:r>
-            <a:r>
-              <a:rPr lang="en-US" sz="1600" baseline="-25000">
-                <a:latin typeface="Times New Roman" panose="02020603050405020304" charset="0"/>
-                <a:cs typeface="Times New Roman" panose="02020603050405020304" charset="0"/>
-              </a:rPr>
-              <a:t>Q</a:t>
-            </a:r>
-            <a:endParaRPr lang="en-US" sz="1600" baseline="-25000">
-              <a:latin typeface="Times New Roman" panose="02020603050405020304" charset="0"/>
-              <a:cs typeface="Times New Roman" panose="02020603050405020304" charset="0"/>
-            </a:endParaRPr>
-          </a:p>
-          <a:p>
-            <a:pPr>
-              <a:buFont typeface="Arial" panose="020B0604020202020204" pitchFamily="34" charset="0"/>
-              <a:buChar char="•"/>
-            </a:pPr>
-            <a:r>
-              <a:rPr lang="en-US" sz="1600">
-                <a:latin typeface="Times New Roman" panose="02020603050405020304" charset="0"/>
-                <a:cs typeface="Times New Roman" panose="02020603050405020304" charset="0"/>
-              </a:rPr>
-              <a:t> The scores s</a:t>
-            </a:r>
-            <a:r>
-              <a:rPr lang="en-US" sz="1600" baseline="-25000">
-                <a:latin typeface="Times New Roman" panose="02020603050405020304" charset="0"/>
-                <a:cs typeface="Times New Roman" panose="02020603050405020304" charset="0"/>
-              </a:rPr>
-              <a:t>A</a:t>
-            </a:r>
-            <a:r>
-              <a:rPr lang="en-US" sz="1600">
-                <a:latin typeface="Times New Roman" panose="02020603050405020304" charset="0"/>
-                <a:cs typeface="Times New Roman" panose="02020603050405020304" charset="0"/>
-              </a:rPr>
-              <a:t> for 1,000 answers are given by:</a:t>
-            </a:r>
-            <a:br>
-              <a:rPr lang="en-US" sz="1600">
-                <a:latin typeface="Times New Roman" panose="02020603050405020304" charset="0"/>
-                <a:cs typeface="Times New Roman" panose="02020603050405020304" charset="0"/>
-              </a:rPr>
-            </a:br>
-            <a:r>
-              <a:rPr lang="en-US" sz="1600">
-                <a:latin typeface="Times New Roman" panose="02020603050405020304" charset="0"/>
-                <a:cs typeface="Times New Roman" panose="02020603050405020304" charset="0"/>
-              </a:rPr>
-              <a:t>			s</a:t>
-            </a:r>
-            <a:r>
-              <a:rPr lang="en-US" sz="1600" baseline="-25000">
-                <a:latin typeface="Times New Roman" panose="02020603050405020304" charset="0"/>
-                <a:cs typeface="Times New Roman" panose="02020603050405020304" charset="0"/>
-              </a:rPr>
-              <a:t>A</a:t>
-            </a:r>
-            <a:r>
-              <a:rPr lang="en-US" sz="1600">
-                <a:latin typeface="Times New Roman" panose="02020603050405020304" charset="0"/>
-                <a:cs typeface="Times New Roman" panose="02020603050405020304" charset="0"/>
-              </a:rPr>
-              <a:t> = W</a:t>
-            </a:r>
-            <a:r>
-              <a:rPr lang="en-US" sz="1600" baseline="-25000">
-                <a:latin typeface="Times New Roman" panose="02020603050405020304" charset="0"/>
-                <a:cs typeface="Times New Roman" panose="02020603050405020304" charset="0"/>
-              </a:rPr>
-              <a:t>s</a:t>
-            </a:r>
-            <a:r>
-              <a:rPr lang="en-US" sz="1600">
-                <a:latin typeface="Times New Roman" panose="02020603050405020304" charset="0"/>
-                <a:cs typeface="Times New Roman" panose="02020603050405020304" charset="0"/>
-              </a:rPr>
-              <a:t>z</a:t>
-            </a:r>
-            <a:r>
-              <a:rPr lang="en-US" sz="1600" baseline="-25000">
-                <a:latin typeface="Times New Roman" panose="02020603050405020304" charset="0"/>
-                <a:cs typeface="Times New Roman" panose="02020603050405020304" charset="0"/>
-              </a:rPr>
-              <a:t>I+Q</a:t>
-            </a:r>
-            <a:r>
-              <a:rPr lang="en-US" sz="1600">
-                <a:latin typeface="Times New Roman" panose="02020603050405020304" charset="0"/>
-                <a:cs typeface="Times New Roman" panose="02020603050405020304" charset="0"/>
-              </a:rPr>
-              <a:t> + b</a:t>
-            </a:r>
-            <a:r>
-              <a:rPr lang="en-US" sz="1600" baseline="-25000">
-                <a:latin typeface="Times New Roman" panose="02020603050405020304" charset="0"/>
-                <a:cs typeface="Times New Roman" panose="02020603050405020304" charset="0"/>
-              </a:rPr>
-              <a:t>s</a:t>
-            </a:r>
-            <a:endParaRPr lang="en-US" sz="1600" baseline="-25000">
-              <a:latin typeface="Times New Roman" panose="02020603050405020304" charset="0"/>
-              <a:cs typeface="Times New Roman" panose="02020603050405020304" charset="0"/>
-            </a:endParaRPr>
-          </a:p>
-        </p:txBody>
-      </p:sp>
-      <p:pic>
-        <p:nvPicPr>
-          <p:cNvPr id="4" name="Picture 3"/>
-          <p:cNvPicPr>
-            <a:picLocks noChangeAspect="1"/>
-          </p:cNvPicPr>
-          <p:nvPr/>
-        </p:nvPicPr>
-        <p:blipFill>
-          <a:blip r:embed="rId1"/>
-          <a:stretch>
-            <a:fillRect/>
-          </a:stretch>
-        </p:blipFill>
-        <p:spPr>
-          <a:xfrm>
-            <a:off x="2696845" y="2757170"/>
-            <a:ext cx="3193415" cy="273050"/>
-          </a:xfrm>
-          <a:prstGeom prst="rect">
-            <a:avLst/>
-          </a:prstGeom>
-        </p:spPr>
-      </p:pic>
-    </p:spTree>
-  </p:cSld>
-  <p:clrMapOvr>
-    <a:masterClrMapping/>
-  </p:clrMapOvr>
-</p:sld>
-</file>
-
-<file path=ppt/slides/slide18.xml><?xml version="1.0" encoding="utf-8"?>
-<p:sld xmlns:a="http://schemas.openxmlformats.org/drawingml/2006/main" xmlns:r="http://schemas.openxmlformats.org/officeDocument/2006/relationships" xmlns:p="http://schemas.openxmlformats.org/presentationml/2006/main">
-  <p:cSld>
-    <p:spTree>
-      <p:nvGrpSpPr>
-        <p:cNvPr id="1" name=""/>
-        <p:cNvGrpSpPr/>
-        <p:nvPr/>
-      </p:nvGrpSpPr>
-      <p:grpSpPr>
-        <a:xfrm>
-          <a:off x="0" y="0"/>
-          <a:ext cx="0" cy="0"/>
-          <a:chOff x="0" y="0"/>
-          <a:chExt cx="0" cy="0"/>
-        </a:xfrm>
-      </p:grpSpPr>
-      <p:sp>
-        <p:nvSpPr>
-          <p:cNvPr id="3" name="Text Placeholder 2"/>
-          <p:cNvSpPr>
-            <a:spLocks noGrp="1"/>
-          </p:cNvSpPr>
-          <p:nvPr>
-            <p:ph type="body" idx="1"/>
-          </p:nvPr>
-        </p:nvSpPr>
-        <p:spPr>
-          <a:xfrm>
-            <a:off x="311785" y="247015"/>
-            <a:ext cx="8520430" cy="4331970"/>
-          </a:xfrm>
-        </p:spPr>
-        <p:txBody>
-          <a:bodyPr/>
-          <a:lstStyle/>
-          <a:p>
-            <a:pPr>
-              <a:buFont typeface="Arial" panose="020B0604020202020204" pitchFamily="34" charset="0"/>
-              <a:buChar char="•"/>
-            </a:pPr>
-            <a:r>
-              <a:rPr lang="en-US">
-                <a:latin typeface="Times New Roman" panose="02020603050405020304" charset="0"/>
-                <a:cs typeface="Times New Roman" panose="02020603050405020304" charset="0"/>
-              </a:rPr>
-              <a:t>For the VQA-Caption task given caption C and question Q, </a:t>
-            </a:r>
-            <a:endParaRPr lang="en-US">
-              <a:latin typeface="Times New Roman" panose="02020603050405020304" charset="0"/>
-              <a:cs typeface="Times New Roman" panose="02020603050405020304" charset="0"/>
-            </a:endParaRPr>
-          </a:p>
-          <a:p>
-            <a:pPr lvl="1">
-              <a:buFont typeface="Arial" panose="020B0604020202020204" pitchFamily="34" charset="0"/>
-              <a:buChar char="•"/>
-            </a:pPr>
-            <a:r>
-              <a:rPr lang="en-US">
-                <a:latin typeface="Times New Roman" panose="02020603050405020304" charset="0"/>
-                <a:cs typeface="Times New Roman" panose="02020603050405020304" charset="0"/>
-              </a:rPr>
-              <a:t>We use the same network architecture and learning procedure as above</a:t>
-            </a:r>
-            <a:endParaRPr lang="en-US">
-              <a:latin typeface="Times New Roman" panose="02020603050405020304" charset="0"/>
-              <a:cs typeface="Times New Roman" panose="02020603050405020304" charset="0"/>
-            </a:endParaRPr>
-          </a:p>
-          <a:p>
-            <a:pPr lvl="1">
-              <a:buFont typeface="Arial" panose="020B0604020202020204" pitchFamily="34" charset="0"/>
-              <a:buChar char="•"/>
-            </a:pPr>
-            <a:r>
-              <a:rPr lang="en-US">
-                <a:latin typeface="Times New Roman" panose="02020603050405020304" charset="0"/>
-                <a:cs typeface="Times New Roman" panose="02020603050405020304" charset="0"/>
-              </a:rPr>
-              <a:t>But using the most frequent 1,000 words in training captions as the dictionary to construct a 1,000 dimensional bag-of-words encoding for caption C as x</a:t>
-            </a:r>
-            <a:r>
-              <a:rPr lang="en-US" baseline="-25000">
-                <a:latin typeface="Times New Roman" panose="02020603050405020304" charset="0"/>
-                <a:cs typeface="Times New Roman" panose="02020603050405020304" charset="0"/>
-              </a:rPr>
-              <a:t>C</a:t>
-            </a:r>
-            <a:r>
-              <a:rPr lang="en-US">
-                <a:latin typeface="Times New Roman" panose="02020603050405020304" charset="0"/>
-                <a:cs typeface="Times New Roman" panose="02020603050405020304" charset="0"/>
-              </a:rPr>
-              <a:t> to replace the image feature x</a:t>
-            </a:r>
-            <a:r>
-              <a:rPr lang="en-US" baseline="-25000">
-                <a:latin typeface="Times New Roman" panose="02020603050405020304" charset="0"/>
-                <a:cs typeface="Times New Roman" panose="02020603050405020304" charset="0"/>
-              </a:rPr>
-              <a:t>I</a:t>
-            </a:r>
-            <a:r>
-              <a:rPr lang="en-US">
-                <a:latin typeface="Times New Roman" panose="02020603050405020304" charset="0"/>
-                <a:cs typeface="Times New Roman" panose="02020603050405020304" charset="0"/>
-              </a:rPr>
-              <a:t> and compute z</a:t>
-            </a:r>
-            <a:r>
-              <a:rPr lang="en-US" baseline="-25000">
-                <a:latin typeface="Times New Roman" panose="02020603050405020304" charset="0"/>
-                <a:cs typeface="Times New Roman" panose="02020603050405020304" charset="0"/>
-              </a:rPr>
-              <a:t>C</a:t>
-            </a:r>
-            <a:r>
-              <a:rPr lang="en-US">
-                <a:latin typeface="Times New Roman" panose="02020603050405020304" charset="0"/>
-                <a:cs typeface="Times New Roman" panose="02020603050405020304" charset="0"/>
-              </a:rPr>
-              <a:t> , z</a:t>
-            </a:r>
-            <a:r>
-              <a:rPr lang="en-US" baseline="-25000">
-                <a:latin typeface="Times New Roman" panose="02020603050405020304" charset="0"/>
-                <a:cs typeface="Times New Roman" panose="02020603050405020304" charset="0"/>
-              </a:rPr>
-              <a:t>C+Q</a:t>
-            </a:r>
-            <a:r>
-              <a:rPr lang="en-US">
-                <a:latin typeface="Times New Roman" panose="02020603050405020304" charset="0"/>
-                <a:cs typeface="Times New Roman" panose="02020603050405020304" charset="0"/>
-              </a:rPr>
-              <a:t> respectively.</a:t>
-            </a:r>
-            <a:endParaRPr lang="en-US">
-              <a:latin typeface="Times New Roman" panose="02020603050405020304" charset="0"/>
-              <a:cs typeface="Times New Roman" panose="02020603050405020304" charset="0"/>
-            </a:endParaRPr>
-          </a:p>
-          <a:p>
-            <a:pPr lvl="0">
-              <a:buFont typeface="Arial" panose="020B0604020202020204" pitchFamily="34" charset="0"/>
-              <a:buChar char="•"/>
-            </a:pPr>
-            <a:r>
-              <a:rPr lang="en-US">
-                <a:latin typeface="Times New Roman" panose="02020603050405020304" charset="0"/>
-                <a:cs typeface="Times New Roman" panose="02020603050405020304" charset="0"/>
-              </a:rPr>
-              <a:t>The VQA and VQA-Caption models are learned on the train split of the VQA dataset using </a:t>
-            </a:r>
-            <a:endParaRPr lang="en-US">
-              <a:latin typeface="Times New Roman" panose="02020603050405020304" charset="0"/>
-              <a:cs typeface="Times New Roman" panose="02020603050405020304" charset="0"/>
-            </a:endParaRPr>
-          </a:p>
-          <a:p>
-            <a:pPr lvl="1">
-              <a:buFont typeface="Arial" panose="020B0604020202020204" pitchFamily="34" charset="0"/>
-              <a:buChar char="•"/>
-            </a:pPr>
-            <a:r>
-              <a:rPr lang="en-US">
-                <a:latin typeface="Times New Roman" panose="02020603050405020304" charset="0"/>
-                <a:cs typeface="Times New Roman" panose="02020603050405020304" charset="0"/>
-              </a:rPr>
-              <a:t>82,783 images, 413,915 captions and 248,349 questions. </a:t>
-            </a:r>
-            <a:endParaRPr lang="en-US">
-              <a:latin typeface="Times New Roman" panose="02020603050405020304" charset="0"/>
-              <a:cs typeface="Times New Roman" panose="02020603050405020304" charset="0"/>
-            </a:endParaRPr>
-          </a:p>
-          <a:p>
-            <a:pPr lvl="0">
-              <a:buFont typeface="Arial" panose="020B0604020202020204" pitchFamily="34" charset="0"/>
-              <a:buChar char="•"/>
-            </a:pPr>
-            <a:r>
-              <a:rPr lang="en-US">
-                <a:latin typeface="Times New Roman" panose="02020603050405020304" charset="0"/>
-                <a:cs typeface="Times New Roman" panose="02020603050405020304" charset="0"/>
-              </a:rPr>
-              <a:t>These models achieve VQA validation set accuracies of </a:t>
-            </a:r>
-            <a:endParaRPr lang="en-US">
-              <a:latin typeface="Times New Roman" panose="02020603050405020304" charset="0"/>
-              <a:cs typeface="Times New Roman" panose="02020603050405020304" charset="0"/>
-            </a:endParaRPr>
-          </a:p>
-          <a:p>
-            <a:pPr lvl="1">
-              <a:buFont typeface="Arial" panose="020B0604020202020204" pitchFamily="34" charset="0"/>
-              <a:buChar char="•"/>
-            </a:pPr>
-            <a:r>
-              <a:rPr lang="en-US">
-                <a:latin typeface="Times New Roman" panose="02020603050405020304" charset="0"/>
-                <a:cs typeface="Times New Roman" panose="02020603050405020304" charset="0"/>
-              </a:rPr>
-              <a:t>54.42% (VQA) and 56.28%(VQA-Caption). </a:t>
-            </a:r>
-            <a:endParaRPr lang="en-US">
-              <a:latin typeface="Times New Roman" panose="02020603050405020304" charset="0"/>
-              <a:cs typeface="Times New Roman" panose="02020603050405020304" charset="0"/>
-            </a:endParaRPr>
-          </a:p>
-          <a:p>
-            <a:pPr lvl="0">
-              <a:buFont typeface="Arial" panose="020B0604020202020204" pitchFamily="34" charset="0"/>
-              <a:buChar char="•"/>
-            </a:pPr>
-            <a:r>
-              <a:rPr lang="en-US">
-                <a:latin typeface="Times New Roman" panose="02020603050405020304" charset="0"/>
-                <a:cs typeface="Times New Roman" panose="02020603050405020304" charset="0"/>
-              </a:rPr>
-              <a:t>Next, they are used as sub-modules in the image caption ranking approach.</a:t>
-            </a:r>
-            <a:endParaRPr lang="en-US">
-              <a:latin typeface="Times New Roman" panose="02020603050405020304" charset="0"/>
-              <a:cs typeface="Times New Roman" panose="02020603050405020304" charset="0"/>
-            </a:endParaRPr>
-          </a:p>
-        </p:txBody>
-      </p:sp>
-    </p:spTree>
-  </p:cSld>
-  <p:clrMapOvr>
-    <a:masterClrMapping/>
-  </p:clrMapOvr>
-</p:sld>
-</file>
-
-<file path=ppt/slides/slide19.xml><?xml version="1.0" encoding="utf-8"?>
-<p:sld xmlns:a="http://schemas.openxmlformats.org/drawingml/2006/main" xmlns:r="http://schemas.openxmlformats.org/officeDocument/2006/relationships" xmlns:p="http://schemas.openxmlformats.org/presentationml/2006/main">
-  <p:cSld>
-    <p:spTree>
-      <p:nvGrpSpPr>
-        <p:cNvPr id="1" name=""/>
-        <p:cNvGrpSpPr/>
-        <p:nvPr/>
-      </p:nvGrpSpPr>
-      <p:grpSpPr>
-        <a:xfrm>
-          <a:off x="0" y="0"/>
-          <a:ext cx="0" cy="0"/>
-          <a:chOff x="0" y="0"/>
-          <a:chExt cx="0" cy="0"/>
-        </a:xfrm>
-      </p:grpSpPr>
-      <p:sp>
-        <p:nvSpPr>
-          <p:cNvPr id="2" name="Title 1"/>
-          <p:cNvSpPr>
-            <a:spLocks noGrp="1"/>
-          </p:cNvSpPr>
-          <p:nvPr>
-            <p:ph type="title"/>
-          </p:nvPr>
-        </p:nvSpPr>
-        <p:spPr>
-          <a:xfrm>
-            <a:off x="311700" y="1046175"/>
-            <a:ext cx="8520600" cy="831300"/>
-          </a:xfrm>
-        </p:spPr>
-        <p:txBody>
-          <a:bodyPr/>
-          <a:lstStyle/>
-          <a:p>
-            <a:r>
-              <a:rPr lang="en-US" sz="3200">
-                <a:latin typeface="Times New Roman" panose="02020603050405020304" charset="0"/>
-                <a:cs typeface="Times New Roman" panose="02020603050405020304" charset="0"/>
-              </a:rPr>
-              <a:t>Approach</a:t>
-            </a:r>
-            <a:endParaRPr lang="en-US" sz="3200">
-              <a:latin typeface="Times New Roman" panose="02020603050405020304" charset="0"/>
-              <a:cs typeface="Times New Roman" panose="02020603050405020304" charset="0"/>
-            </a:endParaRPr>
-          </a:p>
-        </p:txBody>
-      </p:sp>
-      <p:sp>
-        <p:nvSpPr>
-          <p:cNvPr id="3" name="Text Placeholder 2"/>
-          <p:cNvSpPr>
-            <a:spLocks noGrp="1"/>
-          </p:cNvSpPr>
-          <p:nvPr>
-            <p:ph type="body" idx="1"/>
-          </p:nvPr>
-        </p:nvSpPr>
-        <p:spPr>
-          <a:xfrm>
-            <a:off x="311785" y="2253615"/>
-            <a:ext cx="8520430" cy="1549400"/>
-          </a:xfrm>
-        </p:spPr>
-        <p:txBody>
-          <a:bodyPr/>
-          <a:lstStyle/>
-          <a:p>
-            <a:pPr>
-              <a:buFont typeface="Arial" panose="020B0604020202020204" pitchFamily="34" charset="0"/>
-              <a:buChar char="•"/>
-            </a:pPr>
-            <a:r>
-              <a:rPr lang="en-US">
-                <a:latin typeface="Times New Roman" panose="02020603050405020304" charset="0"/>
-                <a:cs typeface="Times New Roman" panose="02020603050405020304" charset="0"/>
-              </a:rPr>
-              <a:t>To leverage knowledge in VQA for image-caption ranking we propose </a:t>
-            </a:r>
-            <a:endParaRPr lang="en-US">
-              <a:latin typeface="Times New Roman" panose="02020603050405020304" charset="0"/>
-              <a:cs typeface="Times New Roman" panose="02020603050405020304" charset="0"/>
-            </a:endParaRPr>
-          </a:p>
-          <a:p>
-            <a:pPr lvl="1">
-              <a:buFont typeface="Arial" panose="020B0604020202020204" pitchFamily="34" charset="0"/>
-              <a:buChar char="•"/>
-            </a:pPr>
-            <a:r>
-              <a:rPr lang="en-US">
-                <a:latin typeface="Times New Roman" panose="02020603050405020304" charset="0"/>
-                <a:cs typeface="Times New Roman" panose="02020603050405020304" charset="0"/>
-              </a:rPr>
-              <a:t>to represent the images and the captions in the VQA space using VQA and VQA-Caption models. </a:t>
-            </a:r>
-            <a:endParaRPr lang="en-US">
-              <a:latin typeface="Times New Roman" panose="02020603050405020304" charset="0"/>
-              <a:cs typeface="Times New Roman" panose="02020603050405020304" charset="0"/>
-            </a:endParaRPr>
-          </a:p>
-          <a:p>
-            <a:pPr lvl="1">
-              <a:buFont typeface="Arial" panose="020B0604020202020204" pitchFamily="34" charset="0"/>
-              <a:buChar char="•"/>
-            </a:pPr>
-            <a:r>
-              <a:rPr lang="en-US">
-                <a:latin typeface="Times New Roman" panose="02020603050405020304" charset="0"/>
-                <a:cs typeface="Times New Roman" panose="02020603050405020304" charset="0"/>
-              </a:rPr>
-              <a:t>This representations is called VQA-grounded representations.</a:t>
-            </a:r>
-            <a:endParaRPr lang="en-US">
-              <a:latin typeface="Times New Roman" panose="02020603050405020304" charset="0"/>
-              <a:cs typeface="Times New Roman" panose="02020603050405020304" charset="0"/>
-            </a:endParaRPr>
-          </a:p>
-        </p:txBody>
-      </p:sp>
-    </p:spTree>
-  </p:cSld>
-  <p:clrMapOvr>
-    <a:masterClrMapping/>
-  </p:clrMapOvr>
-</p:sld>
-</file>
-
-<file path=ppt/slides/slide2.xml><?xml version="1.0" encoding="utf-8"?>
-<p:sld xmlns:a="http://schemas.openxmlformats.org/drawingml/2006/main" xmlns:r="http://schemas.openxmlformats.org/officeDocument/2006/relationships" xmlns:p="http://schemas.openxmlformats.org/presentationml/2006/main">
-  <p:cSld>
-    <p:spTree>
-      <p:nvGrpSpPr>
-        <p:cNvPr id="1" name=""/>
-        <p:cNvGrpSpPr/>
-        <p:nvPr/>
-      </p:nvGrpSpPr>
-      <p:grpSpPr>
-        <a:xfrm>
-          <a:off x="0" y="0"/>
-          <a:ext cx="0" cy="0"/>
-          <a:chOff x="0" y="0"/>
-          <a:chExt cx="0" cy="0"/>
-        </a:xfrm>
-      </p:grpSpPr>
-      <p:sp>
-        <p:nvSpPr>
-          <p:cNvPr id="2" name="Title 1"/>
-          <p:cNvSpPr>
-            <a:spLocks noGrp="1"/>
-          </p:cNvSpPr>
-          <p:nvPr>
-            <p:ph type="title"/>
-          </p:nvPr>
-        </p:nvSpPr>
-        <p:spPr>
-          <a:xfrm>
-            <a:off x="780623" y="1850260"/>
-            <a:ext cx="8520600" cy="831300"/>
-          </a:xfrm>
-        </p:spPr>
-        <p:txBody>
-          <a:bodyPr/>
-          <a:lstStyle/>
-          <a:p>
-            <a:r>
-              <a:rPr lang="en-US" sz="2400" dirty="0">
-                <a:latin typeface="Times New Roman" panose="02020603050405020304" charset="0"/>
-                <a:cs typeface="Times New Roman" panose="02020603050405020304" charset="0"/>
-              </a:rPr>
-              <a:t>Task 1 : Labelling Meme Into Categories of Hate Speech</a:t>
-            </a:r>
-            <a:r>
-              <a:rPr lang="en-US" sz="2400" dirty="0"/>
-              <a:t>.</a:t>
-            </a:r>
-            <a:endParaRPr lang="en-IN" sz="2400" dirty="0"/>
-          </a:p>
-        </p:txBody>
-      </p:sp>
-    </p:spTree>
-  </p:cSld>
-  <p:clrMapOvr>
-    <a:masterClrMapping/>
-  </p:clrMapOvr>
-</p:sld>
-</file>
-
-<file path=ppt/slides/slide20.xml><?xml version="1.0" encoding="utf-8"?>
-<p:sld xmlns:a="http://schemas.openxmlformats.org/drawingml/2006/main" xmlns:r="http://schemas.openxmlformats.org/officeDocument/2006/relationships" xmlns:p="http://schemas.openxmlformats.org/presentationml/2006/main">
-  <p:cSld>
-    <p:spTree>
-      <p:nvGrpSpPr>
-        <p:cNvPr id="1" name=""/>
-        <p:cNvGrpSpPr/>
-        <p:nvPr/>
-      </p:nvGrpSpPr>
-      <p:grpSpPr>
-        <a:xfrm>
-          <a:off x="0" y="0"/>
-          <a:ext cx="0" cy="0"/>
-          <a:chOff x="0" y="0"/>
-          <a:chExt cx="0" cy="0"/>
-        </a:xfrm>
-      </p:grpSpPr>
-      <p:sp>
-        <p:nvSpPr>
-          <p:cNvPr id="3" name="Text Placeholder 2"/>
-          <p:cNvSpPr>
-            <a:spLocks noGrp="1"/>
-          </p:cNvSpPr>
-          <p:nvPr>
-            <p:ph type="body" idx="1"/>
-          </p:nvPr>
-        </p:nvSpPr>
-        <p:spPr>
-          <a:xfrm>
             <a:off x="311785" y="461645"/>
             <a:ext cx="8520430" cy="4117340"/>
           </a:xfrm>
@@ -9642,7 +9085,7 @@
 </p:sld>
 </file>
 
-<file path=ppt/slides/slide21.xml><?xml version="1.0" encoding="utf-8"?>
+<file path=ppt/slides/slide18.xml><?xml version="1.0" encoding="utf-8"?>
 <p:sld xmlns:a="http://schemas.openxmlformats.org/drawingml/2006/main" xmlns:r="http://schemas.openxmlformats.org/officeDocument/2006/relationships" xmlns:p="http://schemas.openxmlformats.org/presentationml/2006/main">
   <p:cSld>
     <p:spTree>
@@ -9838,7 +9281,7 @@
 </p:sld>
 </file>
 
-<file path=ppt/slides/slide22.xml><?xml version="1.0" encoding="utf-8"?>
+<file path=ppt/slides/slide19.xml><?xml version="1.0" encoding="utf-8"?>
 <p:sld xmlns:a="http://schemas.openxmlformats.org/drawingml/2006/main" xmlns:r="http://schemas.openxmlformats.org/officeDocument/2006/relationships" xmlns:p="http://schemas.openxmlformats.org/presentationml/2006/main">
   <p:cSld>
     <p:spTree>
@@ -9919,6 +9362,66 @@
               <a:latin typeface="Times New Roman" panose="02020603050405020304" charset="0"/>
               <a:cs typeface="Times New Roman" panose="02020603050405020304" charset="0"/>
             </a:endParaRPr>
+          </a:p>
+        </p:txBody>
+      </p:sp>
+    </p:spTree>
+  </p:cSld>
+  <p:clrMapOvr>
+    <a:masterClrMapping/>
+  </p:clrMapOvr>
+</p:sld>
+</file>
+
+<file path=ppt/slides/slide2.xml><?xml version="1.0" encoding="utf-8"?>
+<p:sld xmlns:a="http://schemas.openxmlformats.org/drawingml/2006/main" xmlns:r="http://schemas.openxmlformats.org/officeDocument/2006/relationships" xmlns:p="http://schemas.openxmlformats.org/presentationml/2006/main">
+  <p:cSld>
+    <p:spTree>
+      <p:nvGrpSpPr>
+        <p:cNvPr id="1" name=""/>
+        <p:cNvGrpSpPr/>
+        <p:nvPr/>
+      </p:nvGrpSpPr>
+      <p:grpSpPr>
+        <a:xfrm>
+          <a:off x="0" y="0"/>
+          <a:ext cx="0" cy="0"/>
+          <a:chOff x="0" y="0"/>
+          <a:chExt cx="0" cy="0"/>
+        </a:xfrm>
+      </p:grpSpPr>
+      <p:sp>
+        <p:nvSpPr>
+          <p:cNvPr id="2" name="Title 1"/>
+          <p:cNvSpPr>
+            <a:spLocks noGrp="1"/>
+          </p:cNvSpPr>
+          <p:nvPr>
+            <p:ph type="title"/>
+          </p:nvPr>
+        </p:nvSpPr>
+        <p:spPr>
+          <a:xfrm>
+            <a:off x="780623" y="1850260"/>
+            <a:ext cx="8520600" cy="831300"/>
+          </a:xfrm>
+        </p:spPr>
+        <p:txBody>
+          <a:bodyPr/>
+          <a:lstStyle/>
+          <a:p>
+            <a:r>
+              <a:rPr lang="en-US" sz="2400" dirty="0">
+                <a:latin typeface="Times New Roman" panose="02020603050405020304" charset="0"/>
+                <a:cs typeface="Times New Roman" panose="02020603050405020304" charset="0"/>
+              </a:rPr>
+              <a:t>Task 1 : Labelling Meme Into Categories of Hate Speech</a:t>
+            </a:r>
+            <a:r>
+              <a:rPr lang="en-US" sz="2400" dirty="0"/>
+              <a:t>.</a:t>
+            </a:r>
+            <a:endParaRPr lang="en-IN" sz="2400" dirty="0"/>
           </a:p>
         </p:txBody>
       </p:sp>

--- a/Literature Survey 2.pptx
+++ b/Literature Survey 2.pptx
@@ -8,51 +8,41 @@
     <p:notesMasterId r:id="rId4"/>
   </p:notesMasterIdLst>
   <p:sldIdLst>
-    <p:sldId id="279" r:id="rId3"/>
-    <p:sldId id="282" r:id="rId5"/>
-    <p:sldId id="283" r:id="rId6"/>
-    <p:sldId id="284" r:id="rId7"/>
-    <p:sldId id="302" r:id="rId8"/>
-    <p:sldId id="257" r:id="rId9"/>
-    <p:sldId id="285" r:id="rId10"/>
-    <p:sldId id="280" r:id="rId11"/>
-    <p:sldId id="281" r:id="rId12"/>
-    <p:sldId id="256" r:id="rId13"/>
-    <p:sldId id="267" r:id="rId14"/>
-    <p:sldId id="268" r:id="rId15"/>
-    <p:sldId id="263" r:id="rId16"/>
-    <p:sldId id="271" r:id="rId17"/>
-    <p:sldId id="272" r:id="rId18"/>
-    <p:sldId id="273" r:id="rId19"/>
-    <p:sldId id="275" r:id="rId20"/>
-    <p:sldId id="274" r:id="rId21"/>
-    <p:sldId id="277" r:id="rId22"/>
+    <p:sldId id="318" r:id="rId3"/>
+    <p:sldId id="319" r:id="rId5"/>
+    <p:sldId id="320" r:id="rId6"/>
+    <p:sldId id="321" r:id="rId7"/>
+    <p:sldId id="285" r:id="rId8"/>
+    <p:sldId id="280" r:id="rId9"/>
+    <p:sldId id="281" r:id="rId10"/>
+    <p:sldId id="256" r:id="rId11"/>
+    <p:sldId id="267" r:id="rId12"/>
+    <p:sldId id="268" r:id="rId13"/>
+    <p:sldId id="263" r:id="rId14"/>
+    <p:sldId id="271" r:id="rId15"/>
+    <p:sldId id="272" r:id="rId16"/>
+    <p:sldId id="273" r:id="rId17"/>
+    <p:sldId id="275" r:id="rId18"/>
+    <p:sldId id="274" r:id="rId19"/>
+    <p:sldId id="277" r:id="rId20"/>
   </p:sldIdLst>
   <p:sldSz cx="9144000" cy="5143500" type="screen16x9"/>
   <p:notesSz cx="6858000" cy="9144000"/>
   <p:embeddedFontLst>
     <p:embeddedFont>
       <p:font typeface="Economica" panose="02000506040000020004"/>
-      <p:regular r:id="rId26"/>
+      <p:regular r:id="rId24"/>
     </p:embeddedFont>
     <p:embeddedFont>
       <p:font typeface="Open Sans" panose="020B0606030504020204"/>
-      <p:regular r:id="rId27"/>
+      <p:regular r:id="rId25"/>
     </p:embeddedFont>
     <p:embeddedFont>
-      <p:font typeface="Cambria" panose="02040503050406030204" charset="0"/>
-      <p:regular r:id="rId28"/>
-      <p:bold r:id="rId29"/>
-      <p:italic r:id="rId30"/>
-      <p:boldItalic r:id="rId31"/>
-    </p:embeddedFont>
-    <p:embeddedFont>
-      <p:font typeface="PMingLiU-ExtB" panose="02020500000000000000" charset="-120"/>
-      <p:regular r:id="rId32"/>
-    </p:embeddedFont>
-    <p:embeddedFont>
-      <p:font typeface="Malgun Gothic" panose="020B0503020000020004" charset="-127"/>
-      <p:regular r:id="rId33"/>
+      <p:font typeface="Georgia" panose="02040502050405020303" charset="0"/>
+      <p:regular r:id="rId26"/>
+      <p:bold r:id="rId27"/>
+      <p:italic r:id="rId28"/>
+      <p:boldItalic r:id="rId29"/>
     </p:embeddedFont>
   </p:embeddedFontLst>
   <p:defaultTextStyle>
@@ -727,97 +717,38 @@
 </file>
 
 <file path=ppt/notesSlides/notesSlide1.xml><?xml version="1.0" encoding="utf-8"?>
-<p:notes xmlns:a="http://schemas.openxmlformats.org/drawingml/2006/main" xmlns:r="http://schemas.openxmlformats.org/officeDocument/2006/relationships" xmlns:p="http://schemas.openxmlformats.org/presentationml/2006/main" showMasterPhAnim="0" showMasterSp="0">
+<p:notes xmlns:a="http://schemas.openxmlformats.org/drawingml/2006/main" xmlns:r="http://schemas.openxmlformats.org/officeDocument/2006/relationships" xmlns:p="http://schemas.openxmlformats.org/presentationml/2006/main">
   <p:cSld>
     <p:spTree>
       <p:nvGrpSpPr>
-        <p:cNvPr id="1" name="Shape 94"/>
+        <p:cNvPr id="1" name=""/>
         <p:cNvGrpSpPr/>
         <p:nvPr/>
       </p:nvGrpSpPr>
-      <p:grpSpPr>
-        <a:xfrm>
-          <a:off x="0" y="0"/>
-          <a:ext cx="0" cy="0"/>
-          <a:chOff x="0" y="0"/>
-          <a:chExt cx="0" cy="0"/>
-        </a:xfrm>
-      </p:grpSpPr>
+      <p:grpSpPr/>
       <p:sp>
         <p:nvSpPr>
-          <p:cNvPr id="95" name="Google Shape;95;g9f0f4aeee7_0_45:notes"/>
-          <p:cNvSpPr>
-            <a:spLocks noGrp="1" noRot="1" noChangeAspect="1"/>
-          </p:cNvSpPr>
+          <p:cNvPr id="2" name="Slide Image Placeholder 1"/>
+          <p:cNvSpPr/>
           <p:nvPr>
             <p:ph type="sldImg" idx="2"/>
           </p:nvPr>
         </p:nvSpPr>
-        <p:spPr>
-          <a:xfrm>
-            <a:off x="381000" y="685800"/>
-            <a:ext cx="6096000" cy="3429000"/>
-          </a:xfrm>
-          <a:custGeom>
-            <a:avLst/>
-            <a:gdLst/>
-            <a:ahLst/>
-            <a:cxnLst/>
-            <a:rect l="l" t="t" r="r" b="b"/>
-            <a:pathLst>
-              <a:path w="120000" h="120000" extrusionOk="0">
-                <a:moveTo>
-                  <a:pt x="0" y="0"/>
-                </a:moveTo>
-                <a:lnTo>
-                  <a:pt x="120000" y="0"/>
-                </a:lnTo>
-                <a:lnTo>
-                  <a:pt x="120000" y="120000"/>
-                </a:lnTo>
-                <a:lnTo>
-                  <a:pt x="0" y="120000"/>
-                </a:lnTo>
-                <a:close/>
-              </a:path>
-            </a:pathLst>
-          </a:custGeom>
-        </p:spPr>
+        <p:spPr/>
       </p:sp>
       <p:sp>
         <p:nvSpPr>
-          <p:cNvPr id="96" name="Google Shape;96;g9f0f4aeee7_0_45:notes"/>
-          <p:cNvSpPr txBox="1">
-            <a:spLocks noGrp="1"/>
-          </p:cNvSpPr>
+          <p:cNvPr id="3" name="Text Placeholder 2"/>
+          <p:cNvSpPr/>
           <p:nvPr>
             <p:ph type="body" idx="1"/>
           </p:nvPr>
         </p:nvSpPr>
-        <p:spPr>
-          <a:xfrm>
-            <a:off x="685800" y="4343400"/>
-            <a:ext cx="5486400" cy="4114800"/>
-          </a:xfrm>
-          <a:prstGeom prst="rect">
-            <a:avLst/>
-          </a:prstGeom>
-        </p:spPr>
+        <p:spPr/>
         <p:txBody>
-          <a:bodyPr spcFirstLastPara="1" wrap="square" lIns="91425" tIns="91425" rIns="91425" bIns="91425" anchor="t" anchorCtr="0">
-            <a:noAutofit/>
-          </a:bodyPr>
-          <a:lstStyle/>
-          <a:p>
-            <a:pPr marL="0" lvl="0" indent="0" algn="l" rtl="0">
-              <a:spcBef>
-                <a:spcPts val="0"/>
-              </a:spcBef>
-              <a:spcAft>
-                <a:spcPts val="0"/>
-              </a:spcAft>
-              <a:buNone/>
-            </a:pPr>
+          <a:bodyPr/>
+          <a:p>
+            <a:endParaRPr lang="en-US"/>
           </a:p>
         </p:txBody>
       </p:sp>
@@ -6686,7 +6617,99 @@
   <p:cSld>
     <p:spTree>
       <p:nvGrpSpPr>
-        <p:cNvPr id="1" name="Shape 97"/>
+        <p:cNvPr id="1" name=""/>
+        <p:cNvGrpSpPr/>
+        <p:nvPr/>
+      </p:nvGrpSpPr>
+      <p:grpSpPr/>
+      <p:sp>
+        <p:nvSpPr>
+          <p:cNvPr id="2" name="Title 1"/>
+          <p:cNvSpPr>
+            <a:spLocks noGrp="1"/>
+          </p:cNvSpPr>
+          <p:nvPr>
+            <p:ph type="title"/>
+          </p:nvPr>
+        </p:nvSpPr>
+        <p:spPr>
+          <a:xfrm>
+            <a:off x="311785" y="1128395"/>
+            <a:ext cx="8520430" cy="907415"/>
+          </a:xfrm>
+        </p:spPr>
+        <p:txBody>
+          <a:bodyPr/>
+          <a:p>
+            <a:pPr algn="ctr"/>
+            <a:r>
+              <a:rPr lang="en-IN" altLang="en-US" sz="3600" b="1" dirty="0">
+                <a:latin typeface="Georgia" panose="02040502050405020303" charset="0"/>
+                <a:cs typeface="Georgia" panose="02040502050405020303" charset="0"/>
+                <a:sym typeface="+mn-ea"/>
+              </a:rPr>
+              <a:t>Task 1</a:t>
+            </a:r>
+            <a:endParaRPr lang="en-IN" altLang="en-US" sz="3600" b="1" dirty="0">
+              <a:latin typeface="Georgia" panose="02040502050405020303" charset="0"/>
+              <a:cs typeface="Georgia" panose="02040502050405020303" charset="0"/>
+              <a:sym typeface="+mn-ea"/>
+            </a:endParaRPr>
+          </a:p>
+        </p:txBody>
+      </p:sp>
+      <p:sp>
+        <p:nvSpPr>
+          <p:cNvPr id="3" name="Text Placeholder 2"/>
+          <p:cNvSpPr>
+            <a:spLocks noGrp="1"/>
+          </p:cNvSpPr>
+          <p:nvPr>
+            <p:ph type="body" idx="1"/>
+          </p:nvPr>
+        </p:nvSpPr>
+        <p:spPr>
+          <a:xfrm>
+            <a:off x="311785" y="2205990"/>
+            <a:ext cx="8520430" cy="2372995"/>
+          </a:xfrm>
+        </p:spPr>
+        <p:txBody>
+          <a:bodyPr/>
+          <a:p>
+            <a:pPr marL="114300" indent="0" algn="ctr">
+              <a:buNone/>
+            </a:pPr>
+            <a:r>
+              <a:rPr lang="en-IN" altLang="en-US" sz="2400" b="1">
+                <a:latin typeface="Georgia" panose="02040502050405020303" charset="0"/>
+                <a:cs typeface="Georgia" panose="02040502050405020303" charset="0"/>
+                <a:sym typeface="+mn-ea"/>
+              </a:rPr>
+              <a:t>Identifying categories  of hate memes</a:t>
+            </a:r>
+            <a:endParaRPr lang="en-IN" altLang="en-US" sz="2400" b="1">
+              <a:latin typeface="Georgia" panose="02040502050405020303" charset="0"/>
+              <a:cs typeface="Georgia" panose="02040502050405020303" charset="0"/>
+              <a:sym typeface="+mn-ea"/>
+            </a:endParaRPr>
+          </a:p>
+        </p:txBody>
+      </p:sp>
+    </p:spTree>
+  </p:cSld>
+  <p:clrMapOvr>
+    <a:masterClrMapping/>
+  </p:clrMapOvr>
+</p:sld>
+</file>
+
+<file path=ppt/slides/slide10.xml><?xml version="1.0" encoding="utf-8"?>
+<p:sld xmlns:a="http://schemas.openxmlformats.org/drawingml/2006/main" xmlns:r="http://schemas.openxmlformats.org/officeDocument/2006/relationships" xmlns:p="http://schemas.openxmlformats.org/presentationml/2006/main">
+  <p:cSld>
+    <p:spTree>
+      <p:nvGrpSpPr>
+        <p:cNvPr id="1" name=""/>
         <p:cNvGrpSpPr/>
         <p:nvPr/>
       </p:nvGrpSpPr>
@@ -6700,7 +6723,440 @@
       </p:grpSpPr>
       <p:sp>
         <p:nvSpPr>
-          <p:cNvPr id="98" name="Google Shape;98;p19"/>
+          <p:cNvPr id="2" name="Title 1"/>
+          <p:cNvSpPr>
+            <a:spLocks noGrp="1"/>
+          </p:cNvSpPr>
+          <p:nvPr>
+            <p:ph type="title"/>
+          </p:nvPr>
+        </p:nvSpPr>
+        <p:spPr/>
+        <p:txBody>
+          <a:bodyPr/>
+          <a:lstStyle/>
+          <a:p>
+            <a:r>
+              <a:rPr lang="en-US">
+                <a:latin typeface="Times New Roman" panose="02020603050405020304" charset="0"/>
+                <a:cs typeface="Times New Roman" panose="02020603050405020304" charset="0"/>
+                <a:sym typeface="+mn-ea"/>
+              </a:rPr>
+              <a:t>Baseline model</a:t>
+            </a:r>
+            <a:endParaRPr lang="en-US">
+              <a:latin typeface="Times New Roman" panose="02020603050405020304" charset="0"/>
+              <a:cs typeface="Times New Roman" panose="02020603050405020304" charset="0"/>
+            </a:endParaRPr>
+          </a:p>
+        </p:txBody>
+      </p:sp>
+      <p:sp>
+        <p:nvSpPr>
+          <p:cNvPr id="3" name="Text Placeholder 2"/>
+          <p:cNvSpPr>
+            <a:spLocks noGrp="1"/>
+          </p:cNvSpPr>
+          <p:nvPr>
+            <p:ph type="body" idx="1"/>
+          </p:nvPr>
+        </p:nvSpPr>
+        <p:spPr>
+          <a:xfrm>
+            <a:off x="311785" y="1044575"/>
+            <a:ext cx="8520515" cy="3905250"/>
+          </a:xfrm>
+        </p:spPr>
+        <p:txBody>
+          <a:bodyPr/>
+          <a:lstStyle/>
+          <a:p>
+            <a:pPr>
+              <a:buFont typeface="Arial" panose="020B0604020202020204" pitchFamily="34" charset="0"/>
+              <a:buChar char="•"/>
+            </a:pPr>
+            <a:r>
+              <a:rPr lang="en-US" dirty="0">
+                <a:latin typeface="Times New Roman" panose="02020603050405020304" charset="0"/>
+                <a:cs typeface="Times New Roman" panose="02020603050405020304" charset="0"/>
+              </a:rPr>
+              <a:t>Model  projects </a:t>
+            </a:r>
+            <a:endParaRPr lang="en-US" dirty="0">
+              <a:latin typeface="Times New Roman" panose="02020603050405020304" charset="0"/>
+              <a:cs typeface="Times New Roman" panose="02020603050405020304" charset="0"/>
+            </a:endParaRPr>
+          </a:p>
+          <a:p>
+            <a:pPr marL="114300" indent="0">
+              <a:buNone/>
+            </a:pPr>
+            <a:r>
+              <a:rPr lang="en-US" dirty="0">
+                <a:latin typeface="Times New Roman" panose="02020603050405020304" charset="0"/>
+                <a:cs typeface="Times New Roman" panose="02020603050405020304" charset="0"/>
+              </a:rPr>
+              <a:t>          </a:t>
+            </a:r>
+            <a:r>
+              <a:rPr lang="en-US" dirty="0" err="1">
+                <a:latin typeface="Times New Roman" panose="02020603050405020304" charset="0"/>
+                <a:cs typeface="Times New Roman" panose="02020603050405020304" charset="0"/>
+              </a:rPr>
+              <a:t>D</a:t>
+            </a:r>
+            <a:r>
+              <a:rPr lang="en-US" baseline="-25000" dirty="0" err="1">
+                <a:latin typeface="Times New Roman" panose="02020603050405020304" charset="0"/>
+                <a:cs typeface="Times New Roman" panose="02020603050405020304" charset="0"/>
+              </a:rPr>
+              <a:t>xI</a:t>
+            </a:r>
+            <a:r>
+              <a:rPr lang="en-US" dirty="0">
+                <a:latin typeface="Times New Roman" panose="02020603050405020304" charset="0"/>
+                <a:cs typeface="Times New Roman" panose="02020603050405020304" charset="0"/>
+              </a:rPr>
+              <a:t> - dimensional CNN activation </a:t>
+            </a:r>
+            <a:r>
+              <a:rPr lang="en-US" dirty="0" err="1">
+                <a:latin typeface="Times New Roman" panose="02020603050405020304" charset="0"/>
+                <a:cs typeface="Times New Roman" panose="02020603050405020304" charset="0"/>
+              </a:rPr>
+              <a:t>xI</a:t>
+            </a:r>
+            <a:r>
+              <a:rPr lang="en-US" dirty="0">
+                <a:latin typeface="Times New Roman" panose="02020603050405020304" charset="0"/>
+                <a:cs typeface="Times New Roman" panose="02020603050405020304" charset="0"/>
+              </a:rPr>
+              <a:t> for image I </a:t>
+            </a:r>
+            <a:endParaRPr lang="en-US" dirty="0">
+              <a:latin typeface="Times New Roman" panose="02020603050405020304" charset="0"/>
+              <a:cs typeface="Times New Roman" panose="02020603050405020304" charset="0"/>
+            </a:endParaRPr>
+          </a:p>
+          <a:p>
+            <a:pPr marL="114300" indent="0">
+              <a:buNone/>
+            </a:pPr>
+            <a:r>
+              <a:rPr lang="en-US" dirty="0">
+                <a:latin typeface="Times New Roman" panose="02020603050405020304" charset="0"/>
+                <a:cs typeface="Times New Roman" panose="02020603050405020304" charset="0"/>
+              </a:rPr>
+              <a:t>          </a:t>
+            </a:r>
+            <a:r>
+              <a:rPr lang="en-US" dirty="0" err="1">
+                <a:latin typeface="Times New Roman" panose="02020603050405020304" charset="0"/>
+                <a:cs typeface="Times New Roman" panose="02020603050405020304" charset="0"/>
+              </a:rPr>
+              <a:t>D</a:t>
+            </a:r>
+            <a:r>
+              <a:rPr lang="en-US" baseline="-25000" dirty="0" err="1">
+                <a:latin typeface="Times New Roman" panose="02020603050405020304" charset="0"/>
+                <a:cs typeface="Times New Roman" panose="02020603050405020304" charset="0"/>
+              </a:rPr>
+              <a:t>xC</a:t>
+            </a:r>
+            <a:r>
+              <a:rPr lang="en-US" dirty="0">
+                <a:latin typeface="Times New Roman" panose="02020603050405020304" charset="0"/>
+                <a:cs typeface="Times New Roman" panose="02020603050405020304" charset="0"/>
+              </a:rPr>
+              <a:t>- dimensional RNN latent encoding </a:t>
+            </a:r>
+            <a:r>
+              <a:rPr lang="en-US" dirty="0" err="1">
+                <a:latin typeface="Times New Roman" panose="02020603050405020304" charset="0"/>
+                <a:cs typeface="Times New Roman" panose="02020603050405020304" charset="0"/>
+              </a:rPr>
+              <a:t>xC</a:t>
+            </a:r>
+            <a:r>
+              <a:rPr lang="en-US" dirty="0">
+                <a:latin typeface="Times New Roman" panose="02020603050405020304" charset="0"/>
+                <a:cs typeface="Times New Roman" panose="02020603050405020304" charset="0"/>
+              </a:rPr>
+              <a:t> for caption C </a:t>
+            </a:r>
+            <a:endParaRPr lang="en-US" dirty="0">
+              <a:latin typeface="Times New Roman" panose="02020603050405020304" charset="0"/>
+              <a:cs typeface="Times New Roman" panose="02020603050405020304" charset="0"/>
+            </a:endParaRPr>
+          </a:p>
+          <a:p>
+            <a:pPr marL="114300" indent="0">
+              <a:buNone/>
+            </a:pPr>
+            <a:r>
+              <a:rPr lang="en-US" dirty="0">
+                <a:latin typeface="Times New Roman" panose="02020603050405020304" charset="0"/>
+                <a:cs typeface="Times New Roman" panose="02020603050405020304" charset="0"/>
+              </a:rPr>
+              <a:t>          to the same </a:t>
+            </a:r>
+            <a:r>
+              <a:rPr lang="en-US" dirty="0" err="1">
+                <a:latin typeface="Times New Roman" panose="02020603050405020304" charset="0"/>
+                <a:cs typeface="Times New Roman" panose="02020603050405020304" charset="0"/>
+              </a:rPr>
+              <a:t>D</a:t>
+            </a:r>
+            <a:r>
+              <a:rPr lang="en-US" baseline="-25000" dirty="0" err="1">
+                <a:latin typeface="Times New Roman" panose="02020603050405020304" charset="0"/>
+                <a:cs typeface="Times New Roman" panose="02020603050405020304" charset="0"/>
+              </a:rPr>
+              <a:t>xC</a:t>
+            </a:r>
+            <a:r>
+              <a:rPr lang="en-US" dirty="0">
+                <a:latin typeface="Times New Roman" panose="02020603050405020304" charset="0"/>
+                <a:cs typeface="Times New Roman" panose="02020603050405020304" charset="0"/>
+              </a:rPr>
+              <a:t>-dimensional common multi-modal embedding space as unit-norm vectors </a:t>
+            </a:r>
+            <a:r>
+              <a:rPr lang="en-US" dirty="0" err="1">
+                <a:latin typeface="Times New Roman" panose="02020603050405020304" charset="0"/>
+                <a:cs typeface="Times New Roman" panose="02020603050405020304" charset="0"/>
+              </a:rPr>
+              <a:t>t</a:t>
+            </a:r>
+            <a:r>
+              <a:rPr lang="en-US" baseline="-25000" dirty="0" err="1">
+                <a:latin typeface="Times New Roman" panose="02020603050405020304" charset="0"/>
+                <a:cs typeface="Times New Roman" panose="02020603050405020304" charset="0"/>
+              </a:rPr>
+              <a:t>I</a:t>
+            </a:r>
+            <a:r>
+              <a:rPr lang="en-US" baseline="-25000" dirty="0">
+                <a:latin typeface="Times New Roman" panose="02020603050405020304" charset="0"/>
+                <a:cs typeface="Times New Roman" panose="02020603050405020304" charset="0"/>
+              </a:rPr>
+              <a:t> </a:t>
+            </a:r>
+            <a:r>
+              <a:rPr lang="en-US" dirty="0">
+                <a:latin typeface="Times New Roman" panose="02020603050405020304" charset="0"/>
+                <a:cs typeface="Times New Roman" panose="02020603050405020304" charset="0"/>
+              </a:rPr>
+              <a:t>and </a:t>
+            </a:r>
+            <a:r>
+              <a:rPr lang="en-US" dirty="0" err="1">
+                <a:latin typeface="Times New Roman" panose="02020603050405020304" charset="0"/>
+                <a:cs typeface="Times New Roman" panose="02020603050405020304" charset="0"/>
+              </a:rPr>
+              <a:t>t</a:t>
+            </a:r>
+            <a:r>
+              <a:rPr lang="en-US" baseline="-25000" dirty="0" err="1">
+                <a:latin typeface="Times New Roman" panose="02020603050405020304" charset="0"/>
+                <a:cs typeface="Times New Roman" panose="02020603050405020304" charset="0"/>
+              </a:rPr>
+              <a:t>C</a:t>
+            </a:r>
+            <a:r>
+              <a:rPr lang="en-US" dirty="0">
+                <a:latin typeface="Times New Roman" panose="02020603050405020304" charset="0"/>
+                <a:cs typeface="Times New Roman" panose="02020603050405020304" charset="0"/>
+              </a:rPr>
+              <a:t> :</a:t>
+            </a:r>
+            <a:endParaRPr lang="en-US" dirty="0">
+              <a:latin typeface="Times New Roman" panose="02020603050405020304" charset="0"/>
+              <a:cs typeface="Times New Roman" panose="02020603050405020304" charset="0"/>
+            </a:endParaRPr>
+          </a:p>
+          <a:p>
+            <a:pPr>
+              <a:buFont typeface="Arial" panose="020B0604020202020204" pitchFamily="34" charset="0"/>
+              <a:buChar char="•"/>
+            </a:pPr>
+            <a:endParaRPr lang="en-US" dirty="0">
+              <a:latin typeface="Times New Roman" panose="02020603050405020304" charset="0"/>
+              <a:cs typeface="Times New Roman" panose="02020603050405020304" charset="0"/>
+            </a:endParaRPr>
+          </a:p>
+          <a:p>
+            <a:pPr>
+              <a:buFont typeface="Arial" panose="020B0604020202020204" pitchFamily="34" charset="0"/>
+              <a:buChar char="•"/>
+            </a:pPr>
+            <a:endParaRPr lang="en-US" dirty="0">
+              <a:latin typeface="Times New Roman" panose="02020603050405020304" charset="0"/>
+              <a:cs typeface="Times New Roman" panose="02020603050405020304" charset="0"/>
+            </a:endParaRPr>
+          </a:p>
+          <a:p>
+            <a:pPr>
+              <a:buFont typeface="Arial" panose="020B0604020202020204" pitchFamily="34" charset="0"/>
+              <a:buChar char="•"/>
+            </a:pPr>
+            <a:r>
+              <a:rPr lang="en-US" dirty="0">
+                <a:latin typeface="Times New Roman" panose="02020603050405020304" charset="0"/>
+                <a:cs typeface="Times New Roman" panose="02020603050405020304" charset="0"/>
+              </a:rPr>
+              <a:t>The multi-modal scoring function is defined as their dot product </a:t>
+            </a:r>
+            <a:br>
+              <a:rPr lang="en-US" dirty="0">
+                <a:latin typeface="Times New Roman" panose="02020603050405020304" charset="0"/>
+                <a:cs typeface="Times New Roman" panose="02020603050405020304" charset="0"/>
+              </a:rPr>
+            </a:br>
+            <a:r>
+              <a:rPr lang="en-US" dirty="0">
+                <a:latin typeface="Times New Roman" panose="02020603050405020304" charset="0"/>
+                <a:cs typeface="Times New Roman" panose="02020603050405020304" charset="0"/>
+              </a:rPr>
+              <a:t>S</a:t>
+            </a:r>
+            <a:r>
+              <a:rPr lang="en-US" sz="1600" dirty="0">
+                <a:latin typeface="Times New Roman" panose="02020603050405020304" charset="0"/>
+                <a:cs typeface="Times New Roman" panose="02020603050405020304" charset="0"/>
+              </a:rPr>
+              <a:t>t</a:t>
+            </a:r>
+            <a:r>
+              <a:rPr lang="en-US" dirty="0">
+                <a:latin typeface="Times New Roman" panose="02020603050405020304" charset="0"/>
+                <a:cs typeface="Times New Roman" panose="02020603050405020304" charset="0"/>
+              </a:rPr>
+              <a:t>(I, C) =&lt;</a:t>
+            </a:r>
+            <a:r>
+              <a:rPr lang="en-US" dirty="0" err="1">
+                <a:latin typeface="Times New Roman" panose="02020603050405020304" charset="0"/>
+                <a:cs typeface="Times New Roman" panose="02020603050405020304" charset="0"/>
+              </a:rPr>
+              <a:t>t</a:t>
+            </a:r>
+            <a:r>
+              <a:rPr lang="en-US" baseline="-25000" dirty="0" err="1">
+                <a:latin typeface="Times New Roman" panose="02020603050405020304" charset="0"/>
+                <a:cs typeface="Times New Roman" panose="02020603050405020304" charset="0"/>
+              </a:rPr>
+              <a:t>I</a:t>
+            </a:r>
+            <a:r>
+              <a:rPr lang="en-US" dirty="0">
+                <a:latin typeface="Times New Roman" panose="02020603050405020304" charset="0"/>
+                <a:cs typeface="Times New Roman" panose="02020603050405020304" charset="0"/>
+              </a:rPr>
+              <a:t> , </a:t>
+            </a:r>
+            <a:r>
+              <a:rPr lang="en-US" dirty="0" err="1">
+                <a:latin typeface="Times New Roman" panose="02020603050405020304" charset="0"/>
+                <a:cs typeface="Times New Roman" panose="02020603050405020304" charset="0"/>
+              </a:rPr>
+              <a:t>t</a:t>
+            </a:r>
+            <a:r>
+              <a:rPr lang="en-US" baseline="-25000" dirty="0" err="1">
+                <a:latin typeface="Times New Roman" panose="02020603050405020304" charset="0"/>
+                <a:cs typeface="Times New Roman" panose="02020603050405020304" charset="0"/>
+              </a:rPr>
+              <a:t>C</a:t>
+            </a:r>
+            <a:r>
+              <a:rPr lang="en-US" dirty="0">
+                <a:latin typeface="Times New Roman" panose="02020603050405020304" charset="0"/>
+                <a:cs typeface="Times New Roman" panose="02020603050405020304" charset="0"/>
+              </a:rPr>
+              <a:t> &gt;.</a:t>
+            </a:r>
+            <a:endParaRPr lang="en-US" dirty="0">
+              <a:latin typeface="Times New Roman" panose="02020603050405020304" charset="0"/>
+              <a:cs typeface="Times New Roman" panose="02020603050405020304" charset="0"/>
+            </a:endParaRPr>
+          </a:p>
+          <a:p>
+            <a:pPr marL="114300" indent="0">
+              <a:buNone/>
+            </a:pPr>
+            <a:endParaRPr lang="en-US" dirty="0">
+              <a:latin typeface="Times New Roman" panose="02020603050405020304" charset="0"/>
+              <a:cs typeface="Times New Roman" panose="02020603050405020304" charset="0"/>
+            </a:endParaRPr>
+          </a:p>
+          <a:p>
+            <a:pPr>
+              <a:buFont typeface="Arial" panose="020B0604020202020204" pitchFamily="34" charset="0"/>
+              <a:buChar char="•"/>
+            </a:pPr>
+            <a:endParaRPr lang="en-US" sz="900" dirty="0">
+              <a:solidFill>
+                <a:schemeClr val="tx1"/>
+              </a:solidFill>
+              <a:latin typeface="Times New Roman" panose="02020603050405020304" charset="0"/>
+              <a:cs typeface="Times New Roman" panose="02020603050405020304" charset="0"/>
+            </a:endParaRPr>
+          </a:p>
+        </p:txBody>
+      </p:sp>
+      <p:pic>
+        <p:nvPicPr>
+          <p:cNvPr id="5" name="Picture 4"/>
+          <p:cNvPicPr>
+            <a:picLocks noChangeAspect="1"/>
+          </p:cNvPicPr>
+          <p:nvPr/>
+        </p:nvPicPr>
+        <p:blipFill>
+          <a:blip r:embed="rId1"/>
+          <a:stretch>
+            <a:fillRect/>
+          </a:stretch>
+        </p:blipFill>
+        <p:spPr>
+          <a:xfrm>
+            <a:off x="3563620" y="2664460"/>
+            <a:ext cx="2016760" cy="513715"/>
+          </a:xfrm>
+          <a:prstGeom prst="rect">
+            <a:avLst/>
+          </a:prstGeom>
+        </p:spPr>
+      </p:pic>
+    </p:spTree>
+  </p:cSld>
+  <p:clrMapOvr>
+    <a:masterClrMapping/>
+  </p:clrMapOvr>
+</p:sld>
+</file>
+
+<file path=ppt/slides/slide11.xml><?xml version="1.0" encoding="utf-8"?>
+<p:sld xmlns:a="http://schemas.openxmlformats.org/drawingml/2006/main" xmlns:r="http://schemas.openxmlformats.org/officeDocument/2006/relationships" xmlns:p="http://schemas.openxmlformats.org/presentationml/2006/main">
+  <p:cSld>
+    <p:spTree>
+      <p:nvGrpSpPr>
+        <p:cNvPr id="1" name="Shape 103"/>
+        <p:cNvGrpSpPr/>
+        <p:nvPr/>
+      </p:nvGrpSpPr>
+      <p:grpSpPr>
+        <a:xfrm>
+          <a:off x="0" y="0"/>
+          <a:ext cx="0" cy="0"/>
+          <a:chOff x="0" y="0"/>
+          <a:chExt cx="0" cy="0"/>
+        </a:xfrm>
+      </p:grpSpPr>
+      <p:sp>
+        <p:nvSpPr>
+          <p:cNvPr id="104" name="Google Shape;104;p20"/>
           <p:cNvSpPr txBox="1">
             <a:spLocks noGrp="1"/>
           </p:cNvSpPr>
@@ -6710,7 +7166,7 @@
         </p:nvSpPr>
         <p:spPr>
           <a:xfrm>
-            <a:off x="311700" y="315925"/>
+            <a:off x="311700" y="-305"/>
             <a:ext cx="8520600" cy="831300"/>
           </a:xfrm>
           <a:prstGeom prst="rect">
@@ -6723,7 +7179,7 @@
           </a:bodyPr>
           <a:lstStyle/>
           <a:p>
-            <a:pPr marL="0" lvl="0" indent="0" algn="ctr" rtl="0">
+            <a:pPr marL="0" lvl="0" indent="0" algn="l" rtl="0">
               <a:spcBef>
                 <a:spcPts val="0"/>
               </a:spcBef>
@@ -6733,13 +7189,20 @@
               <a:buNone/>
             </a:pPr>
             <a:r>
-              <a:rPr lang="en-US" sz="2800" b="1" dirty="0">
-                <a:latin typeface="Times New Roman" panose="02020603050405020304" charset="0"/>
-                <a:cs typeface="Times New Roman" panose="02020603050405020304" charset="0"/>
-              </a:rPr>
-              <a:t>Problem Statement</a:t>
-            </a:r>
-            <a:endParaRPr sz="2800" dirty="0">
+              <a:rPr sz="2800">
+                <a:latin typeface="Times New Roman" panose="02020603050405020304" charset="0"/>
+                <a:cs typeface="Times New Roman" panose="02020603050405020304" charset="0"/>
+              </a:rPr>
+              <a:t>VQA </a:t>
+            </a:r>
+            <a:r>
+              <a:rPr lang="en-US" sz="2800">
+                <a:latin typeface="Times New Roman" panose="02020603050405020304" charset="0"/>
+                <a:cs typeface="Times New Roman" panose="02020603050405020304" charset="0"/>
+              </a:rPr>
+              <a:t>and VQA-Caption</a:t>
+            </a:r>
+            <a:endParaRPr lang="en-US" sz="2800">
               <a:latin typeface="Times New Roman" panose="02020603050405020304" charset="0"/>
               <a:cs typeface="Times New Roman" panose="02020603050405020304" charset="0"/>
             </a:endParaRPr>
@@ -6748,7 +7211,7 @@
       </p:sp>
       <p:sp>
         <p:nvSpPr>
-          <p:cNvPr id="99" name="Google Shape;99;p19"/>
+          <p:cNvPr id="111" name="Google Shape;111;p21"/>
           <p:cNvSpPr txBox="1">
             <a:spLocks noGrp="1"/>
           </p:cNvSpPr>
@@ -6758,8 +7221,8 @@
         </p:nvSpPr>
         <p:spPr>
           <a:xfrm>
-            <a:off x="533400" y="1383030"/>
-            <a:ext cx="8610600" cy="2584450"/>
+            <a:off x="311785" y="704215"/>
+            <a:ext cx="8520430" cy="3978910"/>
           </a:xfrm>
           <a:prstGeom prst="rect">
             <a:avLst/>
@@ -6769,62 +7232,291 @@
           <a:bodyPr spcFirstLastPara="1" wrap="square" lIns="91425" tIns="91425" rIns="91425" bIns="91425" anchor="t" anchorCtr="0">
             <a:noAutofit/>
           </a:bodyPr>
-          <a:lstStyle/>
-          <a:p>
-            <a:pPr marL="0" lvl="0" indent="0" algn="l" rtl="0">
+          <a:p>
+            <a:pPr marL="285750" lvl="0" indent="-285750" algn="l" rtl="0">
               <a:spcBef>
                 <a:spcPts val="0"/>
               </a:spcBef>
               <a:spcAft>
                 <a:spcPts val="1600"/>
               </a:spcAft>
-              <a:buNone/>
+              <a:buFont typeface="Arial" panose="020B0604020202020204" pitchFamily="34" charset="0"/>
+              <a:buChar char="•"/>
             </a:pPr>
             <a:r>
-              <a:rPr lang="en-US" sz="1600" dirty="0">
-                <a:latin typeface="Cambria" panose="02040503050406030204" charset="0"/>
-                <a:cs typeface="Cambria" panose="02040503050406030204" charset="0"/>
-              </a:rPr>
-              <a:t>Our goal is to predict whether a meme is hateful or non-hateful. This is a binary classification problem with multimodal input data consisting of the meme image itself (the image mode) and a string representing the text in the meme image (the text mode).</a:t>
-            </a:r>
-            <a:endParaRPr lang="en-US" sz="1600" dirty="0">
-              <a:latin typeface="Cambria" panose="02040503050406030204" charset="0"/>
-              <a:cs typeface="Cambria" panose="02040503050406030204" charset="0"/>
+              <a:rPr sz="1400">
+                <a:latin typeface="Times New Roman" panose="02020603050405020304" charset="0"/>
+                <a:cs typeface="Times New Roman" panose="02020603050405020304" charset="0"/>
+                <a:sym typeface="+mn-ea"/>
+              </a:rPr>
+              <a:t>VQA is the task of given an image I and a free-form open-ended question Q</a:t>
+            </a:r>
+            <a:br>
+              <a:rPr sz="1400">
+                <a:latin typeface="Times New Roman" panose="02020603050405020304" charset="0"/>
+                <a:cs typeface="Times New Roman" panose="02020603050405020304" charset="0"/>
+                <a:sym typeface="+mn-ea"/>
+              </a:rPr>
+            </a:br>
+            <a:r>
+              <a:rPr sz="1400">
+                <a:latin typeface="Times New Roman" panose="02020603050405020304" charset="0"/>
+                <a:cs typeface="Times New Roman" panose="02020603050405020304" charset="0"/>
+                <a:sym typeface="+mn-ea"/>
+              </a:rPr>
+              <a:t>about I, generating a natural language answer A to that question.</a:t>
+            </a:r>
+            <a:endParaRPr sz="1400">
+              <a:latin typeface="Times New Roman" panose="02020603050405020304" charset="0"/>
+              <a:cs typeface="Times New Roman" panose="02020603050405020304" charset="0"/>
             </a:endParaRPr>
           </a:p>
           <a:p>
-            <a:pPr marL="114300" indent="0">
-              <a:buNone/>
+            <a:pPr marL="285750" lvl="0" indent="-285750" algn="l" rtl="0">
+              <a:spcBef>
+                <a:spcPts val="0"/>
+              </a:spcBef>
+              <a:spcAft>
+                <a:spcPts val="1600"/>
+              </a:spcAft>
+              <a:buFont typeface="Arial" panose="020B0604020202020204" pitchFamily="34" charset="0"/>
+              <a:buChar char="•"/>
             </a:pPr>
             <a:r>
-              <a:rPr lang="en-US" sz="1600" dirty="0"/>
-              <a:t>	</a:t>
-            </a:r>
-            <a:endParaRPr lang="en-US" sz="1600" dirty="0"/>
-          </a:p>
-          <a:p>
-            <a:pPr marL="114300" indent="0">
-              <a:buNone/>
+              <a:rPr sz="1400">
+                <a:latin typeface="Times New Roman" panose="02020603050405020304" charset="0"/>
+                <a:cs typeface="Times New Roman" panose="02020603050405020304" charset="0"/>
+                <a:sym typeface="+mn-ea"/>
+              </a:rPr>
+              <a:t>Similarly,VQA-Caption task  takes a caption C of an image and a question</a:t>
+            </a:r>
+            <a:br>
+              <a:rPr sz="1400">
+                <a:latin typeface="Times New Roman" panose="02020603050405020304" charset="0"/>
+                <a:cs typeface="Times New Roman" panose="02020603050405020304" charset="0"/>
+                <a:sym typeface="+mn-ea"/>
+              </a:rPr>
+            </a:br>
+            <a:r>
+              <a:rPr sz="1400">
+                <a:latin typeface="Times New Roman" panose="02020603050405020304" charset="0"/>
+                <a:cs typeface="Times New Roman" panose="02020603050405020304" charset="0"/>
+                <a:sym typeface="+mn-ea"/>
+              </a:rPr>
+              <a:t>Q about the image, then generates an answer A.</a:t>
+            </a:r>
+            <a:endParaRPr>
+              <a:latin typeface="Times New Roman" panose="02020603050405020304" charset="0"/>
+              <a:cs typeface="Times New Roman" panose="02020603050405020304" charset="0"/>
+            </a:endParaRPr>
+          </a:p>
+          <a:p>
+            <a:pPr marL="0" lvl="1" indent="-285750" algn="l" rtl="0">
+              <a:spcBef>
+                <a:spcPts val="0"/>
+              </a:spcBef>
+              <a:spcAft>
+                <a:spcPts val="1600"/>
+              </a:spcAft>
+              <a:buFont typeface="Arial" panose="020B0604020202020204" pitchFamily="34" charset="0"/>
+              <a:buChar char="•"/>
             </a:pPr>
             <a:r>
-              <a:rPr lang="en-US" sz="1600" dirty="0">
+              <a:rPr>
+                <a:latin typeface="Times New Roman" panose="02020603050405020304" charset="0"/>
+                <a:cs typeface="Times New Roman" panose="02020603050405020304" charset="0"/>
+              </a:rPr>
+              <a:t>During training, given triplets of </a:t>
+            </a:r>
+            <a:r>
+              <a:rPr>
+                <a:latin typeface="Times New Roman" panose="02020603050405020304" charset="0"/>
+                <a:cs typeface="Times New Roman" panose="02020603050405020304" charset="0"/>
                 <a:sym typeface="+mn-ea"/>
               </a:rPr>
-              <a:t>	</a:t>
-            </a:r>
-            <a:endParaRPr lang="en-US" sz="1600" dirty="0"/>
-          </a:p>
-          <a:p>
-            <a:pPr marL="0" lvl="0" indent="0" algn="l" rtl="0">
+              <a:t>question Q </a:t>
+            </a:r>
+            <a:r>
+              <a:rPr lang="en-US">
+                <a:latin typeface="Times New Roman" panose="02020603050405020304" charset="0"/>
+                <a:cs typeface="Times New Roman" panose="02020603050405020304" charset="0"/>
+                <a:sym typeface="+mn-ea"/>
+              </a:rPr>
+              <a:t>,</a:t>
+            </a:r>
+            <a:r>
+              <a:rPr>
+                <a:latin typeface="Times New Roman" panose="02020603050405020304" charset="0"/>
+                <a:cs typeface="Times New Roman" panose="02020603050405020304" charset="0"/>
+                <a:sym typeface="+mn-ea"/>
+              </a:rPr>
+              <a:t>ground truth answer A</a:t>
+            </a:r>
+            <a:endParaRPr>
+              <a:latin typeface="Times New Roman" panose="02020603050405020304" charset="0"/>
+              <a:cs typeface="Times New Roman" panose="02020603050405020304" charset="0"/>
+            </a:endParaRPr>
+          </a:p>
+          <a:p>
+            <a:pPr marL="742950" lvl="1" indent="-285750" algn="l" rtl="0">
               <a:spcBef>
                 <a:spcPts val="0"/>
               </a:spcBef>
               <a:spcAft>
                 <a:spcPts val="1600"/>
               </a:spcAft>
-              <a:buNone/>
+              <a:buFont typeface="Arial" panose="020B0604020202020204" pitchFamily="34" charset="0"/>
+              <a:buChar char="•"/>
             </a:pPr>
-            <a:endParaRPr lang="en-US" sz="1600" dirty="0"/>
+            <a:r>
+              <a:rPr lang="en-US">
+                <a:latin typeface="Times New Roman" panose="02020603050405020304" charset="0"/>
+                <a:cs typeface="Times New Roman" panose="02020603050405020304" charset="0"/>
+              </a:rPr>
+              <a:t>I</a:t>
+            </a:r>
+            <a:r>
+              <a:rPr>
+                <a:latin typeface="Times New Roman" panose="02020603050405020304" charset="0"/>
+                <a:cs typeface="Times New Roman" panose="02020603050405020304" charset="0"/>
+              </a:rPr>
+              <a:t>mage I,</a:t>
+            </a:r>
+            <a:endParaRPr>
+              <a:latin typeface="Times New Roman" panose="02020603050405020304" charset="0"/>
+              <a:cs typeface="Times New Roman" panose="02020603050405020304" charset="0"/>
+            </a:endParaRPr>
+          </a:p>
+          <a:p>
+            <a:pPr marL="1200150" lvl="2" indent="-285750" algn="l" rtl="0">
+              <a:lnSpc>
+                <a:spcPct val="95000"/>
+              </a:lnSpc>
+              <a:spcBef>
+                <a:spcPts val="0"/>
+              </a:spcBef>
+              <a:spcAft>
+                <a:spcPts val="1600"/>
+              </a:spcAft>
+              <a:buFont typeface="Arial" panose="020B0604020202020204" pitchFamily="34" charset="0"/>
+              <a:buChar char="•"/>
+            </a:pPr>
+            <a:r>
+              <a:rPr lang="en-US">
+                <a:latin typeface="Times New Roman" panose="02020603050405020304" charset="0"/>
+                <a:cs typeface="Times New Roman" panose="02020603050405020304" charset="0"/>
+              </a:rPr>
+              <a:t>W</a:t>
+            </a:r>
+            <a:r>
+              <a:rPr>
+                <a:latin typeface="Times New Roman" panose="02020603050405020304" charset="0"/>
+                <a:cs typeface="Times New Roman" panose="02020603050405020304" charset="0"/>
+              </a:rPr>
+              <a:t>e optimize the negative log-likelihood (NLL) loss to maximize the probability of the ground truth answer PI (A|Q, I) given by the VQA model.</a:t>
+            </a:r>
+            <a:endParaRPr>
+              <a:latin typeface="Times New Roman" panose="02020603050405020304" charset="0"/>
+              <a:cs typeface="Times New Roman" panose="02020603050405020304" charset="0"/>
+            </a:endParaRPr>
+          </a:p>
+          <a:p>
+            <a:pPr marL="742950" lvl="1" indent="-285750" algn="l" rtl="0">
+              <a:lnSpc>
+                <a:spcPct val="95000"/>
+              </a:lnSpc>
+              <a:spcBef>
+                <a:spcPts val="0"/>
+              </a:spcBef>
+              <a:spcAft>
+                <a:spcPts val="1600"/>
+              </a:spcAft>
+              <a:buFont typeface="Arial" panose="020B0604020202020204" pitchFamily="34" charset="0"/>
+              <a:buChar char="•"/>
+            </a:pPr>
+            <a:r>
+              <a:rPr lang="en-US">
+                <a:latin typeface="Times New Roman" panose="02020603050405020304" charset="0"/>
+                <a:cs typeface="Times New Roman" panose="02020603050405020304" charset="0"/>
+              </a:rPr>
+              <a:t>C</a:t>
+            </a:r>
+            <a:r>
+              <a:rPr>
+                <a:latin typeface="Times New Roman" panose="02020603050405020304" charset="0"/>
+                <a:cs typeface="Times New Roman" panose="02020603050405020304" charset="0"/>
+              </a:rPr>
+              <a:t>aption C, </a:t>
+            </a:r>
+            <a:endParaRPr>
+              <a:latin typeface="Times New Roman" panose="02020603050405020304" charset="0"/>
+              <a:cs typeface="Times New Roman" panose="02020603050405020304" charset="0"/>
+            </a:endParaRPr>
+          </a:p>
+          <a:p>
+            <a:pPr marL="1200150" lvl="2" indent="-285750" algn="l" rtl="0">
+              <a:lnSpc>
+                <a:spcPct val="95000"/>
+              </a:lnSpc>
+              <a:spcBef>
+                <a:spcPts val="0"/>
+              </a:spcBef>
+              <a:spcAft>
+                <a:spcPts val="1600"/>
+              </a:spcAft>
+              <a:buFont typeface="Arial" panose="020B0604020202020204" pitchFamily="34" charset="0"/>
+              <a:buChar char="•"/>
+            </a:pPr>
+            <a:r>
+              <a:rPr lang="en-US">
+                <a:latin typeface="Times New Roman" panose="02020603050405020304" charset="0"/>
+                <a:cs typeface="Times New Roman" panose="02020603050405020304" charset="0"/>
+              </a:rPr>
+              <a:t>W</a:t>
+            </a:r>
+            <a:r>
+              <a:rPr>
+                <a:latin typeface="Times New Roman" panose="02020603050405020304" charset="0"/>
+                <a:cs typeface="Times New Roman" panose="02020603050405020304" charset="0"/>
+              </a:rPr>
+              <a:t>e optimize the NLL loss to maximize the VQA-Caption model probability</a:t>
+            </a:r>
+            <a:br>
+              <a:rPr>
+                <a:latin typeface="Times New Roman" panose="02020603050405020304" charset="0"/>
+                <a:cs typeface="Times New Roman" panose="02020603050405020304" charset="0"/>
+              </a:rPr>
+            </a:br>
+            <a:r>
+              <a:rPr>
+                <a:latin typeface="Times New Roman" panose="02020603050405020304" charset="0"/>
+                <a:cs typeface="Times New Roman" panose="02020603050405020304" charset="0"/>
+              </a:rPr>
+              <a:t> PC (A|Q, C).</a:t>
+            </a:r>
+            <a:endParaRPr>
+              <a:latin typeface="Times New Roman" panose="02020603050405020304" charset="0"/>
+              <a:cs typeface="Times New Roman" panose="02020603050405020304" charset="0"/>
+            </a:endParaRPr>
+          </a:p>
+          <a:p>
+            <a:pPr marL="285750" lvl="0" indent="-285750" algn="l" rtl="0">
+              <a:lnSpc>
+                <a:spcPct val="95000"/>
+              </a:lnSpc>
+              <a:spcBef>
+                <a:spcPts val="0"/>
+              </a:spcBef>
+              <a:spcAft>
+                <a:spcPts val="1600"/>
+              </a:spcAft>
+              <a:buFont typeface="Arial" panose="020B0604020202020204" pitchFamily="34" charset="0"/>
+              <a:buChar char="•"/>
+            </a:pPr>
+            <a:endParaRPr sz="1400">
+              <a:latin typeface="Times New Roman" panose="02020603050405020304" charset="0"/>
+              <a:cs typeface="Times New Roman" panose="02020603050405020304" charset="0"/>
+            </a:endParaRPr>
           </a:p>
         </p:txBody>
       </p:sp>
@@ -6836,7 +7528,2486 @@
 </p:sld>
 </file>
 
-<file path=ppt/slides/slide10.xml><?xml version="1.0" encoding="utf-8"?>
+<file path=ppt/slides/slide12.xml><?xml version="1.0" encoding="utf-8"?>
+<p:sld xmlns:a="http://schemas.openxmlformats.org/drawingml/2006/main" xmlns:r="http://schemas.openxmlformats.org/officeDocument/2006/relationships" xmlns:p="http://schemas.openxmlformats.org/presentationml/2006/main">
+  <p:cSld>
+    <p:spTree>
+      <p:nvGrpSpPr>
+        <p:cNvPr id="1" name=""/>
+        <p:cNvGrpSpPr/>
+        <p:nvPr/>
+      </p:nvGrpSpPr>
+      <p:grpSpPr>
+        <a:xfrm>
+          <a:off x="0" y="0"/>
+          <a:ext cx="0" cy="0"/>
+          <a:chOff x="0" y="0"/>
+          <a:chExt cx="0" cy="0"/>
+        </a:xfrm>
+      </p:grpSpPr>
+      <p:sp>
+        <p:nvSpPr>
+          <p:cNvPr id="3" name="Text Placeholder 2"/>
+          <p:cNvSpPr>
+            <a:spLocks noGrp="1"/>
+          </p:cNvSpPr>
+          <p:nvPr>
+            <p:ph type="body" idx="1"/>
+          </p:nvPr>
+        </p:nvSpPr>
+        <p:spPr>
+          <a:xfrm>
+            <a:off x="311785" y="218440"/>
+            <a:ext cx="8520430" cy="4360545"/>
+          </a:xfrm>
+        </p:spPr>
+        <p:txBody>
+          <a:bodyPr/>
+          <a:lstStyle/>
+          <a:p>
+            <a:pPr>
+              <a:buFont typeface="Arial" panose="020B0604020202020204" pitchFamily="34" charset="0"/>
+              <a:buChar char="•"/>
+            </a:pPr>
+            <a:r>
+              <a:rPr lang="en-US" sz="1600">
+                <a:latin typeface="Times New Roman" panose="02020603050405020304" charset="0"/>
+                <a:cs typeface="Times New Roman" panose="02020603050405020304" charset="0"/>
+              </a:rPr>
+              <a:t>For a VQA question (I, Q)</a:t>
+            </a:r>
+            <a:endParaRPr lang="en-US" sz="1600">
+              <a:latin typeface="Times New Roman" panose="02020603050405020304" charset="0"/>
+              <a:cs typeface="Times New Roman" panose="02020603050405020304" charset="0"/>
+            </a:endParaRPr>
+          </a:p>
+          <a:p>
+            <a:pPr lvl="1">
+              <a:buFont typeface="Arial" panose="020B0604020202020204" pitchFamily="34" charset="0"/>
+              <a:buChar char="•"/>
+            </a:pPr>
+            <a:r>
+              <a:rPr lang="en-US" sz="1200">
+                <a:latin typeface="Times New Roman" panose="02020603050405020304" charset="0"/>
+                <a:cs typeface="Times New Roman" panose="02020603050405020304" charset="0"/>
+              </a:rPr>
+              <a:t>Image Encoding</a:t>
+            </a:r>
+            <a:endParaRPr lang="en-US" sz="1200">
+              <a:latin typeface="Times New Roman" panose="02020603050405020304" charset="0"/>
+              <a:cs typeface="Times New Roman" panose="02020603050405020304" charset="0"/>
+            </a:endParaRPr>
+          </a:p>
+          <a:p>
+            <a:pPr lvl="2">
+              <a:buFont typeface="Arial" panose="020B0604020202020204" pitchFamily="34" charset="0"/>
+              <a:buChar char="•"/>
+            </a:pPr>
+            <a:r>
+              <a:rPr lang="en-US" sz="1200">
+                <a:latin typeface="Times New Roman" panose="02020603050405020304" charset="0"/>
+                <a:cs typeface="Times New Roman" panose="02020603050405020304" charset="0"/>
+              </a:rPr>
+              <a:t>Using the 19-layer VGGNet [46] as a 4,096-dimensional image encoding x</a:t>
+            </a:r>
+            <a:r>
+              <a:rPr lang="en-US" sz="1200" baseline="-25000">
+                <a:latin typeface="Times New Roman" panose="02020603050405020304" charset="0"/>
+                <a:cs typeface="Times New Roman" panose="02020603050405020304" charset="0"/>
+              </a:rPr>
+              <a:t>I</a:t>
+            </a:r>
+            <a:r>
+              <a:rPr lang="en-US" sz="1200">
+                <a:latin typeface="Times New Roman" panose="02020603050405020304" charset="0"/>
+                <a:cs typeface="Times New Roman" panose="02020603050405020304" charset="0"/>
+              </a:rPr>
+              <a:t> </a:t>
+            </a:r>
+            <a:endParaRPr lang="en-US" sz="1200">
+              <a:latin typeface="Times New Roman" panose="02020603050405020304" charset="0"/>
+              <a:cs typeface="Times New Roman" panose="02020603050405020304" charset="0"/>
+            </a:endParaRPr>
+          </a:p>
+          <a:p>
+            <a:pPr lvl="1">
+              <a:buFont typeface="Arial" panose="020B0604020202020204" pitchFamily="34" charset="0"/>
+              <a:buChar char="•"/>
+            </a:pPr>
+            <a:r>
+              <a:rPr lang="en-US" sz="1200">
+                <a:latin typeface="Times New Roman" panose="02020603050405020304" charset="0"/>
+                <a:cs typeface="Times New Roman" panose="02020603050405020304" charset="0"/>
+              </a:rPr>
+              <a:t>Question Encoding</a:t>
+            </a:r>
+            <a:endParaRPr lang="en-US" sz="1200">
+              <a:latin typeface="Times New Roman" panose="02020603050405020304" charset="0"/>
+              <a:cs typeface="Times New Roman" panose="02020603050405020304" charset="0"/>
+            </a:endParaRPr>
+          </a:p>
+          <a:p>
+            <a:pPr lvl="2">
+              <a:buFont typeface="Arial" panose="020B0604020202020204" pitchFamily="34" charset="0"/>
+              <a:buChar char="•"/>
+            </a:pPr>
+            <a:r>
+              <a:rPr lang="en-US" sz="1200">
+                <a:latin typeface="Times New Roman" panose="02020603050405020304" charset="0"/>
+                <a:cs typeface="Times New Roman" panose="02020603050405020304" charset="0"/>
+              </a:rPr>
+              <a:t>Using a 2-layer RNN with 512 Long Short-Term Memory (LSTM) units per layer as a 2,048-dimensional question encoding x</a:t>
+            </a:r>
+            <a:r>
+              <a:rPr lang="en-US" sz="1200" baseline="-25000">
+                <a:latin typeface="Times New Roman" panose="02020603050405020304" charset="0"/>
+                <a:cs typeface="Times New Roman" panose="02020603050405020304" charset="0"/>
+              </a:rPr>
+              <a:t>Q</a:t>
+            </a:r>
+            <a:r>
+              <a:rPr lang="en-US" sz="1200">
+                <a:latin typeface="Times New Roman" panose="02020603050405020304" charset="0"/>
+                <a:cs typeface="Times New Roman" panose="02020603050405020304" charset="0"/>
+              </a:rPr>
+              <a:t>. </a:t>
+            </a:r>
+            <a:endParaRPr lang="en-US" sz="1200">
+              <a:latin typeface="Times New Roman" panose="02020603050405020304" charset="0"/>
+              <a:cs typeface="Times New Roman" panose="02020603050405020304" charset="0"/>
+            </a:endParaRPr>
+          </a:p>
+          <a:p>
+            <a:pPr>
+              <a:buFont typeface="Arial" panose="020B0604020202020204" pitchFamily="34" charset="0"/>
+              <a:buChar char="•"/>
+            </a:pPr>
+            <a:r>
+              <a:rPr lang="en-US" sz="1600">
+                <a:latin typeface="Times New Roman" panose="02020603050405020304" charset="0"/>
+                <a:cs typeface="Times New Roman" panose="02020603050405020304" charset="0"/>
+              </a:rPr>
+              <a:t>Then x</a:t>
+            </a:r>
+            <a:r>
+              <a:rPr lang="en-US" sz="1600" baseline="-25000">
+                <a:latin typeface="Times New Roman" panose="02020603050405020304" charset="0"/>
+                <a:cs typeface="Times New Roman" panose="02020603050405020304" charset="0"/>
+              </a:rPr>
+              <a:t>I</a:t>
+            </a:r>
+            <a:r>
+              <a:rPr lang="en-US" sz="1600">
+                <a:latin typeface="Times New Roman" panose="02020603050405020304" charset="0"/>
+                <a:cs typeface="Times New Roman" panose="02020603050405020304" charset="0"/>
+              </a:rPr>
+              <a:t> and x</a:t>
+            </a:r>
+            <a:r>
+              <a:rPr lang="en-US" sz="1600" baseline="-25000">
+                <a:latin typeface="Times New Roman" panose="02020603050405020304" charset="0"/>
+                <a:cs typeface="Times New Roman" panose="02020603050405020304" charset="0"/>
+              </a:rPr>
+              <a:t>Q</a:t>
+            </a:r>
+            <a:r>
+              <a:rPr lang="en-US" sz="1600">
+                <a:latin typeface="Times New Roman" panose="02020603050405020304" charset="0"/>
+                <a:cs typeface="Times New Roman" panose="02020603050405020304" charset="0"/>
+              </a:rPr>
+              <a:t>  are projected into a common 1,024-dimensional multi-modal space as z</a:t>
+            </a:r>
+            <a:r>
+              <a:rPr lang="en-US" sz="1600" baseline="-25000">
+                <a:latin typeface="Times New Roman" panose="02020603050405020304" charset="0"/>
+                <a:cs typeface="Times New Roman" panose="02020603050405020304" charset="0"/>
+              </a:rPr>
+              <a:t>I</a:t>
+            </a:r>
+            <a:r>
+              <a:rPr lang="en-US" sz="1600">
+                <a:latin typeface="Times New Roman" panose="02020603050405020304" charset="0"/>
+                <a:cs typeface="Times New Roman" panose="02020603050405020304" charset="0"/>
+              </a:rPr>
+              <a:t> and z</a:t>
+            </a:r>
+            <a:r>
+              <a:rPr lang="en-US" sz="1600" baseline="-25000">
+                <a:latin typeface="Times New Roman" panose="02020603050405020304" charset="0"/>
+                <a:cs typeface="Times New Roman" panose="02020603050405020304" charset="0"/>
+              </a:rPr>
+              <a:t>Q</a:t>
+            </a:r>
+            <a:endParaRPr lang="en-US" sz="1600" baseline="-25000">
+              <a:latin typeface="Times New Roman" panose="02020603050405020304" charset="0"/>
+              <a:cs typeface="Times New Roman" panose="02020603050405020304" charset="0"/>
+            </a:endParaRPr>
+          </a:p>
+          <a:p>
+            <a:pPr>
+              <a:buFont typeface="Arial" panose="020B0604020202020204" pitchFamily="34" charset="0"/>
+              <a:buChar char="•"/>
+            </a:pPr>
+            <a:endParaRPr lang="en-US" sz="1600">
+              <a:latin typeface="Times New Roman" panose="02020603050405020304" charset="0"/>
+              <a:cs typeface="Times New Roman" panose="02020603050405020304" charset="0"/>
+            </a:endParaRPr>
+          </a:p>
+          <a:p>
+            <a:pPr>
+              <a:buFont typeface="Arial" panose="020B0604020202020204" pitchFamily="34" charset="0"/>
+              <a:buChar char="•"/>
+            </a:pPr>
+            <a:r>
+              <a:rPr lang="en-US" sz="1600">
+                <a:latin typeface="Times New Roman" panose="02020603050405020304" charset="0"/>
+                <a:cs typeface="Times New Roman" panose="02020603050405020304" charset="0"/>
+              </a:rPr>
+              <a:t>We then compute the representation z</a:t>
+            </a:r>
+            <a:r>
+              <a:rPr lang="en-US" sz="1600" baseline="-25000">
+                <a:latin typeface="Times New Roman" panose="02020603050405020304" charset="0"/>
+                <a:cs typeface="Times New Roman" panose="02020603050405020304" charset="0"/>
+              </a:rPr>
+              <a:t>I+Q</a:t>
+            </a:r>
+            <a:r>
+              <a:rPr lang="en-US" sz="1600">
+                <a:latin typeface="Times New Roman" panose="02020603050405020304" charset="0"/>
+                <a:cs typeface="Times New Roman" panose="02020603050405020304" charset="0"/>
+              </a:rPr>
+              <a:t> for the image-question pair (I, Q) by element-wise multiplying z</a:t>
+            </a:r>
+            <a:r>
+              <a:rPr lang="en-US" sz="1600" baseline="-25000">
+                <a:latin typeface="Times New Roman" panose="02020603050405020304" charset="0"/>
+                <a:cs typeface="Times New Roman" panose="02020603050405020304" charset="0"/>
+              </a:rPr>
+              <a:t>I</a:t>
+            </a:r>
+            <a:r>
+              <a:rPr lang="en-US" sz="1600">
+                <a:latin typeface="Times New Roman" panose="02020603050405020304" charset="0"/>
+                <a:cs typeface="Times New Roman" panose="02020603050405020304" charset="0"/>
+              </a:rPr>
+              <a:t> and z</a:t>
+            </a:r>
+            <a:r>
+              <a:rPr lang="en-US" sz="1600" baseline="-25000">
+                <a:latin typeface="Times New Roman" panose="02020603050405020304" charset="0"/>
+                <a:cs typeface="Times New Roman" panose="02020603050405020304" charset="0"/>
+              </a:rPr>
+              <a:t>Q</a:t>
+            </a:r>
+            <a:endParaRPr lang="en-US" sz="1600" baseline="-25000">
+              <a:latin typeface="Times New Roman" panose="02020603050405020304" charset="0"/>
+              <a:cs typeface="Times New Roman" panose="02020603050405020304" charset="0"/>
+            </a:endParaRPr>
+          </a:p>
+          <a:p>
+            <a:pPr>
+              <a:buFont typeface="Arial" panose="020B0604020202020204" pitchFamily="34" charset="0"/>
+              <a:buChar char="•"/>
+            </a:pPr>
+            <a:r>
+              <a:rPr lang="en-US" sz="1600">
+                <a:latin typeface="Times New Roman" panose="02020603050405020304" charset="0"/>
+                <a:cs typeface="Times New Roman" panose="02020603050405020304" charset="0"/>
+              </a:rPr>
+              <a:t> The scores s</a:t>
+            </a:r>
+            <a:r>
+              <a:rPr lang="en-US" sz="1600" baseline="-25000">
+                <a:latin typeface="Times New Roman" panose="02020603050405020304" charset="0"/>
+                <a:cs typeface="Times New Roman" panose="02020603050405020304" charset="0"/>
+              </a:rPr>
+              <a:t>A</a:t>
+            </a:r>
+            <a:r>
+              <a:rPr lang="en-US" sz="1600">
+                <a:latin typeface="Times New Roman" panose="02020603050405020304" charset="0"/>
+                <a:cs typeface="Times New Roman" panose="02020603050405020304" charset="0"/>
+              </a:rPr>
+              <a:t> for 1,000 answers are given by:</a:t>
+            </a:r>
+            <a:br>
+              <a:rPr lang="en-US" sz="1600">
+                <a:latin typeface="Times New Roman" panose="02020603050405020304" charset="0"/>
+                <a:cs typeface="Times New Roman" panose="02020603050405020304" charset="0"/>
+              </a:rPr>
+            </a:br>
+            <a:r>
+              <a:rPr lang="en-US" sz="1600">
+                <a:latin typeface="Times New Roman" panose="02020603050405020304" charset="0"/>
+                <a:cs typeface="Times New Roman" panose="02020603050405020304" charset="0"/>
+              </a:rPr>
+              <a:t>			s</a:t>
+            </a:r>
+            <a:r>
+              <a:rPr lang="en-US" sz="1600" baseline="-25000">
+                <a:latin typeface="Times New Roman" panose="02020603050405020304" charset="0"/>
+                <a:cs typeface="Times New Roman" panose="02020603050405020304" charset="0"/>
+              </a:rPr>
+              <a:t>A</a:t>
+            </a:r>
+            <a:r>
+              <a:rPr lang="en-US" sz="1600">
+                <a:latin typeface="Times New Roman" panose="02020603050405020304" charset="0"/>
+                <a:cs typeface="Times New Roman" panose="02020603050405020304" charset="0"/>
+              </a:rPr>
+              <a:t> = W</a:t>
+            </a:r>
+            <a:r>
+              <a:rPr lang="en-US" sz="1600" baseline="-25000">
+                <a:latin typeface="Times New Roman" panose="02020603050405020304" charset="0"/>
+                <a:cs typeface="Times New Roman" panose="02020603050405020304" charset="0"/>
+              </a:rPr>
+              <a:t>s</a:t>
+            </a:r>
+            <a:r>
+              <a:rPr lang="en-US" sz="1600">
+                <a:latin typeface="Times New Roman" panose="02020603050405020304" charset="0"/>
+                <a:cs typeface="Times New Roman" panose="02020603050405020304" charset="0"/>
+              </a:rPr>
+              <a:t>z</a:t>
+            </a:r>
+            <a:r>
+              <a:rPr lang="en-US" sz="1600" baseline="-25000">
+                <a:latin typeface="Times New Roman" panose="02020603050405020304" charset="0"/>
+                <a:cs typeface="Times New Roman" panose="02020603050405020304" charset="0"/>
+              </a:rPr>
+              <a:t>I+Q</a:t>
+            </a:r>
+            <a:r>
+              <a:rPr lang="en-US" sz="1600">
+                <a:latin typeface="Times New Roman" panose="02020603050405020304" charset="0"/>
+                <a:cs typeface="Times New Roman" panose="02020603050405020304" charset="0"/>
+              </a:rPr>
+              <a:t> + b</a:t>
+            </a:r>
+            <a:r>
+              <a:rPr lang="en-US" sz="1600" baseline="-25000">
+                <a:latin typeface="Times New Roman" panose="02020603050405020304" charset="0"/>
+                <a:cs typeface="Times New Roman" panose="02020603050405020304" charset="0"/>
+              </a:rPr>
+              <a:t>s</a:t>
+            </a:r>
+            <a:endParaRPr lang="en-US" sz="1600" baseline="-25000">
+              <a:latin typeface="Times New Roman" panose="02020603050405020304" charset="0"/>
+              <a:cs typeface="Times New Roman" panose="02020603050405020304" charset="0"/>
+            </a:endParaRPr>
+          </a:p>
+        </p:txBody>
+      </p:sp>
+      <p:pic>
+        <p:nvPicPr>
+          <p:cNvPr id="4" name="Picture 3"/>
+          <p:cNvPicPr>
+            <a:picLocks noChangeAspect="1"/>
+          </p:cNvPicPr>
+          <p:nvPr/>
+        </p:nvPicPr>
+        <p:blipFill>
+          <a:blip r:embed="rId1"/>
+          <a:stretch>
+            <a:fillRect/>
+          </a:stretch>
+        </p:blipFill>
+        <p:spPr>
+          <a:xfrm>
+            <a:off x="2696845" y="2757170"/>
+            <a:ext cx="3193415" cy="273050"/>
+          </a:xfrm>
+          <a:prstGeom prst="rect">
+            <a:avLst/>
+          </a:prstGeom>
+        </p:spPr>
+      </p:pic>
+    </p:spTree>
+  </p:cSld>
+  <p:clrMapOvr>
+    <a:masterClrMapping/>
+  </p:clrMapOvr>
+</p:sld>
+</file>
+
+<file path=ppt/slides/slide13.xml><?xml version="1.0" encoding="utf-8"?>
+<p:sld xmlns:a="http://schemas.openxmlformats.org/drawingml/2006/main" xmlns:r="http://schemas.openxmlformats.org/officeDocument/2006/relationships" xmlns:p="http://schemas.openxmlformats.org/presentationml/2006/main">
+  <p:cSld>
+    <p:spTree>
+      <p:nvGrpSpPr>
+        <p:cNvPr id="1" name=""/>
+        <p:cNvGrpSpPr/>
+        <p:nvPr/>
+      </p:nvGrpSpPr>
+      <p:grpSpPr>
+        <a:xfrm>
+          <a:off x="0" y="0"/>
+          <a:ext cx="0" cy="0"/>
+          <a:chOff x="0" y="0"/>
+          <a:chExt cx="0" cy="0"/>
+        </a:xfrm>
+      </p:grpSpPr>
+      <p:sp>
+        <p:nvSpPr>
+          <p:cNvPr id="3" name="Text Placeholder 2"/>
+          <p:cNvSpPr>
+            <a:spLocks noGrp="1"/>
+          </p:cNvSpPr>
+          <p:nvPr>
+            <p:ph type="body" idx="1"/>
+          </p:nvPr>
+        </p:nvSpPr>
+        <p:spPr>
+          <a:xfrm>
+            <a:off x="311785" y="247015"/>
+            <a:ext cx="8520430" cy="4331970"/>
+          </a:xfrm>
+        </p:spPr>
+        <p:txBody>
+          <a:bodyPr/>
+          <a:lstStyle/>
+          <a:p>
+            <a:pPr>
+              <a:buFont typeface="Arial" panose="020B0604020202020204" pitchFamily="34" charset="0"/>
+              <a:buChar char="•"/>
+            </a:pPr>
+            <a:r>
+              <a:rPr lang="en-US">
+                <a:latin typeface="Times New Roman" panose="02020603050405020304" charset="0"/>
+                <a:cs typeface="Times New Roman" panose="02020603050405020304" charset="0"/>
+              </a:rPr>
+              <a:t>For the VQA-Caption task given caption C and question Q, </a:t>
+            </a:r>
+            <a:endParaRPr lang="en-US">
+              <a:latin typeface="Times New Roman" panose="02020603050405020304" charset="0"/>
+              <a:cs typeface="Times New Roman" panose="02020603050405020304" charset="0"/>
+            </a:endParaRPr>
+          </a:p>
+          <a:p>
+            <a:pPr lvl="1">
+              <a:buFont typeface="Arial" panose="020B0604020202020204" pitchFamily="34" charset="0"/>
+              <a:buChar char="•"/>
+            </a:pPr>
+            <a:r>
+              <a:rPr lang="en-US">
+                <a:latin typeface="Times New Roman" panose="02020603050405020304" charset="0"/>
+                <a:cs typeface="Times New Roman" panose="02020603050405020304" charset="0"/>
+              </a:rPr>
+              <a:t>We use the same network architecture and learning procedure as above</a:t>
+            </a:r>
+            <a:endParaRPr lang="en-US">
+              <a:latin typeface="Times New Roman" panose="02020603050405020304" charset="0"/>
+              <a:cs typeface="Times New Roman" panose="02020603050405020304" charset="0"/>
+            </a:endParaRPr>
+          </a:p>
+          <a:p>
+            <a:pPr lvl="1">
+              <a:buFont typeface="Arial" panose="020B0604020202020204" pitchFamily="34" charset="0"/>
+              <a:buChar char="•"/>
+            </a:pPr>
+            <a:r>
+              <a:rPr lang="en-US">
+                <a:latin typeface="Times New Roman" panose="02020603050405020304" charset="0"/>
+                <a:cs typeface="Times New Roman" panose="02020603050405020304" charset="0"/>
+              </a:rPr>
+              <a:t>But using the most frequent 1,000 words in training captions as the dictionary to construct a 1,000 dimensional bag-of-words encoding for caption C as x</a:t>
+            </a:r>
+            <a:r>
+              <a:rPr lang="en-US" baseline="-25000">
+                <a:latin typeface="Times New Roman" panose="02020603050405020304" charset="0"/>
+                <a:cs typeface="Times New Roman" panose="02020603050405020304" charset="0"/>
+              </a:rPr>
+              <a:t>C</a:t>
+            </a:r>
+            <a:r>
+              <a:rPr lang="en-US">
+                <a:latin typeface="Times New Roman" panose="02020603050405020304" charset="0"/>
+                <a:cs typeface="Times New Roman" panose="02020603050405020304" charset="0"/>
+              </a:rPr>
+              <a:t> to replace the image feature x</a:t>
+            </a:r>
+            <a:r>
+              <a:rPr lang="en-US" baseline="-25000">
+                <a:latin typeface="Times New Roman" panose="02020603050405020304" charset="0"/>
+                <a:cs typeface="Times New Roman" panose="02020603050405020304" charset="0"/>
+              </a:rPr>
+              <a:t>I</a:t>
+            </a:r>
+            <a:r>
+              <a:rPr lang="en-US">
+                <a:latin typeface="Times New Roman" panose="02020603050405020304" charset="0"/>
+                <a:cs typeface="Times New Roman" panose="02020603050405020304" charset="0"/>
+              </a:rPr>
+              <a:t> and compute z</a:t>
+            </a:r>
+            <a:r>
+              <a:rPr lang="en-US" baseline="-25000">
+                <a:latin typeface="Times New Roman" panose="02020603050405020304" charset="0"/>
+                <a:cs typeface="Times New Roman" panose="02020603050405020304" charset="0"/>
+              </a:rPr>
+              <a:t>C</a:t>
+            </a:r>
+            <a:r>
+              <a:rPr lang="en-US">
+                <a:latin typeface="Times New Roman" panose="02020603050405020304" charset="0"/>
+                <a:cs typeface="Times New Roman" panose="02020603050405020304" charset="0"/>
+              </a:rPr>
+              <a:t> , z</a:t>
+            </a:r>
+            <a:r>
+              <a:rPr lang="en-US" baseline="-25000">
+                <a:latin typeface="Times New Roman" panose="02020603050405020304" charset="0"/>
+                <a:cs typeface="Times New Roman" panose="02020603050405020304" charset="0"/>
+              </a:rPr>
+              <a:t>C+Q</a:t>
+            </a:r>
+            <a:r>
+              <a:rPr lang="en-US">
+                <a:latin typeface="Times New Roman" panose="02020603050405020304" charset="0"/>
+                <a:cs typeface="Times New Roman" panose="02020603050405020304" charset="0"/>
+              </a:rPr>
+              <a:t> respectively.</a:t>
+            </a:r>
+            <a:endParaRPr lang="en-US">
+              <a:latin typeface="Times New Roman" panose="02020603050405020304" charset="0"/>
+              <a:cs typeface="Times New Roman" panose="02020603050405020304" charset="0"/>
+            </a:endParaRPr>
+          </a:p>
+          <a:p>
+            <a:pPr lvl="0">
+              <a:buFont typeface="Arial" panose="020B0604020202020204" pitchFamily="34" charset="0"/>
+              <a:buChar char="•"/>
+            </a:pPr>
+            <a:r>
+              <a:rPr lang="en-US">
+                <a:latin typeface="Times New Roman" panose="02020603050405020304" charset="0"/>
+                <a:cs typeface="Times New Roman" panose="02020603050405020304" charset="0"/>
+              </a:rPr>
+              <a:t>The VQA and VQA-Caption models are learned on the train split of the VQA dataset using </a:t>
+            </a:r>
+            <a:endParaRPr lang="en-US">
+              <a:latin typeface="Times New Roman" panose="02020603050405020304" charset="0"/>
+              <a:cs typeface="Times New Roman" panose="02020603050405020304" charset="0"/>
+            </a:endParaRPr>
+          </a:p>
+          <a:p>
+            <a:pPr lvl="1">
+              <a:buFont typeface="Arial" panose="020B0604020202020204" pitchFamily="34" charset="0"/>
+              <a:buChar char="•"/>
+            </a:pPr>
+            <a:r>
+              <a:rPr lang="en-US">
+                <a:latin typeface="Times New Roman" panose="02020603050405020304" charset="0"/>
+                <a:cs typeface="Times New Roman" panose="02020603050405020304" charset="0"/>
+              </a:rPr>
+              <a:t>82,783 images, 413,915 captions and 248,349 questions. </a:t>
+            </a:r>
+            <a:endParaRPr lang="en-US">
+              <a:latin typeface="Times New Roman" panose="02020603050405020304" charset="0"/>
+              <a:cs typeface="Times New Roman" panose="02020603050405020304" charset="0"/>
+            </a:endParaRPr>
+          </a:p>
+          <a:p>
+            <a:pPr lvl="0">
+              <a:buFont typeface="Arial" panose="020B0604020202020204" pitchFamily="34" charset="0"/>
+              <a:buChar char="•"/>
+            </a:pPr>
+            <a:r>
+              <a:rPr lang="en-US">
+                <a:latin typeface="Times New Roman" panose="02020603050405020304" charset="0"/>
+                <a:cs typeface="Times New Roman" panose="02020603050405020304" charset="0"/>
+              </a:rPr>
+              <a:t>These models achieve VQA validation set accuracies of </a:t>
+            </a:r>
+            <a:endParaRPr lang="en-US">
+              <a:latin typeface="Times New Roman" panose="02020603050405020304" charset="0"/>
+              <a:cs typeface="Times New Roman" panose="02020603050405020304" charset="0"/>
+            </a:endParaRPr>
+          </a:p>
+          <a:p>
+            <a:pPr lvl="1">
+              <a:buFont typeface="Arial" panose="020B0604020202020204" pitchFamily="34" charset="0"/>
+              <a:buChar char="•"/>
+            </a:pPr>
+            <a:r>
+              <a:rPr lang="en-US">
+                <a:latin typeface="Times New Roman" panose="02020603050405020304" charset="0"/>
+                <a:cs typeface="Times New Roman" panose="02020603050405020304" charset="0"/>
+              </a:rPr>
+              <a:t>54.42% (VQA) and 56.28%(VQA-Caption). </a:t>
+            </a:r>
+            <a:endParaRPr lang="en-US">
+              <a:latin typeface="Times New Roman" panose="02020603050405020304" charset="0"/>
+              <a:cs typeface="Times New Roman" panose="02020603050405020304" charset="0"/>
+            </a:endParaRPr>
+          </a:p>
+          <a:p>
+            <a:pPr lvl="0">
+              <a:buFont typeface="Arial" panose="020B0604020202020204" pitchFamily="34" charset="0"/>
+              <a:buChar char="•"/>
+            </a:pPr>
+            <a:r>
+              <a:rPr lang="en-US">
+                <a:latin typeface="Times New Roman" panose="02020603050405020304" charset="0"/>
+                <a:cs typeface="Times New Roman" panose="02020603050405020304" charset="0"/>
+              </a:rPr>
+              <a:t>Next, they are used as sub-modules in the image caption ranking approach.</a:t>
+            </a:r>
+            <a:endParaRPr lang="en-US">
+              <a:latin typeface="Times New Roman" panose="02020603050405020304" charset="0"/>
+              <a:cs typeface="Times New Roman" panose="02020603050405020304" charset="0"/>
+            </a:endParaRPr>
+          </a:p>
+        </p:txBody>
+      </p:sp>
+    </p:spTree>
+  </p:cSld>
+  <p:clrMapOvr>
+    <a:masterClrMapping/>
+  </p:clrMapOvr>
+</p:sld>
+</file>
+
+<file path=ppt/slides/slide14.xml><?xml version="1.0" encoding="utf-8"?>
+<p:sld xmlns:a="http://schemas.openxmlformats.org/drawingml/2006/main" xmlns:r="http://schemas.openxmlformats.org/officeDocument/2006/relationships" xmlns:p="http://schemas.openxmlformats.org/presentationml/2006/main">
+  <p:cSld>
+    <p:spTree>
+      <p:nvGrpSpPr>
+        <p:cNvPr id="1" name=""/>
+        <p:cNvGrpSpPr/>
+        <p:nvPr/>
+      </p:nvGrpSpPr>
+      <p:grpSpPr>
+        <a:xfrm>
+          <a:off x="0" y="0"/>
+          <a:ext cx="0" cy="0"/>
+          <a:chOff x="0" y="0"/>
+          <a:chExt cx="0" cy="0"/>
+        </a:xfrm>
+      </p:grpSpPr>
+      <p:sp>
+        <p:nvSpPr>
+          <p:cNvPr id="2" name="Title 1"/>
+          <p:cNvSpPr>
+            <a:spLocks noGrp="1"/>
+          </p:cNvSpPr>
+          <p:nvPr>
+            <p:ph type="title"/>
+          </p:nvPr>
+        </p:nvSpPr>
+        <p:spPr>
+          <a:xfrm>
+            <a:off x="311700" y="1046175"/>
+            <a:ext cx="8520600" cy="831300"/>
+          </a:xfrm>
+        </p:spPr>
+        <p:txBody>
+          <a:bodyPr/>
+          <a:lstStyle/>
+          <a:p>
+            <a:r>
+              <a:rPr lang="en-US" sz="3200">
+                <a:latin typeface="Times New Roman" panose="02020603050405020304" charset="0"/>
+                <a:cs typeface="Times New Roman" panose="02020603050405020304" charset="0"/>
+              </a:rPr>
+              <a:t>Approach</a:t>
+            </a:r>
+            <a:endParaRPr lang="en-US" sz="3200">
+              <a:latin typeface="Times New Roman" panose="02020603050405020304" charset="0"/>
+              <a:cs typeface="Times New Roman" panose="02020603050405020304" charset="0"/>
+            </a:endParaRPr>
+          </a:p>
+        </p:txBody>
+      </p:sp>
+      <p:sp>
+        <p:nvSpPr>
+          <p:cNvPr id="3" name="Text Placeholder 2"/>
+          <p:cNvSpPr>
+            <a:spLocks noGrp="1"/>
+          </p:cNvSpPr>
+          <p:nvPr>
+            <p:ph type="body" idx="1"/>
+          </p:nvPr>
+        </p:nvSpPr>
+        <p:spPr>
+          <a:xfrm>
+            <a:off x="311785" y="2253615"/>
+            <a:ext cx="8520430" cy="1549400"/>
+          </a:xfrm>
+        </p:spPr>
+        <p:txBody>
+          <a:bodyPr/>
+          <a:lstStyle/>
+          <a:p>
+            <a:pPr>
+              <a:buFont typeface="Arial" panose="020B0604020202020204" pitchFamily="34" charset="0"/>
+              <a:buChar char="•"/>
+            </a:pPr>
+            <a:r>
+              <a:rPr lang="en-US">
+                <a:latin typeface="Times New Roman" panose="02020603050405020304" charset="0"/>
+                <a:cs typeface="Times New Roman" panose="02020603050405020304" charset="0"/>
+              </a:rPr>
+              <a:t>To leverage knowledge in VQA for image-caption ranking we propose </a:t>
+            </a:r>
+            <a:endParaRPr lang="en-US">
+              <a:latin typeface="Times New Roman" panose="02020603050405020304" charset="0"/>
+              <a:cs typeface="Times New Roman" panose="02020603050405020304" charset="0"/>
+            </a:endParaRPr>
+          </a:p>
+          <a:p>
+            <a:pPr lvl="1">
+              <a:buFont typeface="Arial" panose="020B0604020202020204" pitchFamily="34" charset="0"/>
+              <a:buChar char="•"/>
+            </a:pPr>
+            <a:r>
+              <a:rPr lang="en-US">
+                <a:latin typeface="Times New Roman" panose="02020603050405020304" charset="0"/>
+                <a:cs typeface="Times New Roman" panose="02020603050405020304" charset="0"/>
+              </a:rPr>
+              <a:t>to represent the images and the captions in the VQA space using VQA and VQA-Caption models. </a:t>
+            </a:r>
+            <a:endParaRPr lang="en-US">
+              <a:latin typeface="Times New Roman" panose="02020603050405020304" charset="0"/>
+              <a:cs typeface="Times New Roman" panose="02020603050405020304" charset="0"/>
+            </a:endParaRPr>
+          </a:p>
+          <a:p>
+            <a:pPr lvl="1">
+              <a:buFont typeface="Arial" panose="020B0604020202020204" pitchFamily="34" charset="0"/>
+              <a:buChar char="•"/>
+            </a:pPr>
+            <a:r>
+              <a:rPr lang="en-US">
+                <a:latin typeface="Times New Roman" panose="02020603050405020304" charset="0"/>
+                <a:cs typeface="Times New Roman" panose="02020603050405020304" charset="0"/>
+              </a:rPr>
+              <a:t>This representations is called VQA-grounded representations.</a:t>
+            </a:r>
+            <a:endParaRPr lang="en-US">
+              <a:latin typeface="Times New Roman" panose="02020603050405020304" charset="0"/>
+              <a:cs typeface="Times New Roman" panose="02020603050405020304" charset="0"/>
+            </a:endParaRPr>
+          </a:p>
+        </p:txBody>
+      </p:sp>
+    </p:spTree>
+  </p:cSld>
+  <p:clrMapOvr>
+    <a:masterClrMapping/>
+  </p:clrMapOvr>
+</p:sld>
+</file>
+
+<file path=ppt/slides/slide15.xml><?xml version="1.0" encoding="utf-8"?>
+<p:sld xmlns:a="http://schemas.openxmlformats.org/drawingml/2006/main" xmlns:r="http://schemas.openxmlformats.org/officeDocument/2006/relationships" xmlns:p="http://schemas.openxmlformats.org/presentationml/2006/main">
+  <p:cSld>
+    <p:spTree>
+      <p:nvGrpSpPr>
+        <p:cNvPr id="1" name=""/>
+        <p:cNvGrpSpPr/>
+        <p:nvPr/>
+      </p:nvGrpSpPr>
+      <p:grpSpPr>
+        <a:xfrm>
+          <a:off x="0" y="0"/>
+          <a:ext cx="0" cy="0"/>
+          <a:chOff x="0" y="0"/>
+          <a:chExt cx="0" cy="0"/>
+        </a:xfrm>
+      </p:grpSpPr>
+      <p:sp>
+        <p:nvSpPr>
+          <p:cNvPr id="3" name="Text Placeholder 2"/>
+          <p:cNvSpPr>
+            <a:spLocks noGrp="1"/>
+          </p:cNvSpPr>
+          <p:nvPr>
+            <p:ph type="body" idx="1"/>
+          </p:nvPr>
+        </p:nvSpPr>
+        <p:spPr>
+          <a:xfrm>
+            <a:off x="311785" y="461645"/>
+            <a:ext cx="8520430" cy="4117340"/>
+          </a:xfrm>
+        </p:spPr>
+        <p:txBody>
+          <a:bodyPr/>
+          <a:lstStyle/>
+          <a:p>
+            <a:pPr>
+              <a:buFont typeface="Arial" panose="020B0604020202020204" pitchFamily="34" charset="0"/>
+              <a:buChar char="•"/>
+            </a:pPr>
+            <a:r>
+              <a:rPr lang="en-US">
+                <a:latin typeface="Times New Roman" panose="02020603050405020304" charset="0"/>
+                <a:cs typeface="Times New Roman" panose="02020603050405020304" charset="0"/>
+              </a:rPr>
+              <a:t>Let’s say we have a</a:t>
+            </a:r>
+            <a:endParaRPr lang="en-US">
+              <a:latin typeface="Times New Roman" panose="02020603050405020304" charset="0"/>
+              <a:cs typeface="Times New Roman" panose="02020603050405020304" charset="0"/>
+            </a:endParaRPr>
+          </a:p>
+          <a:p>
+            <a:pPr lvl="1">
+              <a:buFont typeface="Arial" panose="020B0604020202020204" pitchFamily="34" charset="0"/>
+              <a:buChar char="•"/>
+            </a:pPr>
+            <a:r>
+              <a:rPr lang="en-US">
+                <a:latin typeface="Times New Roman" panose="02020603050405020304" charset="0"/>
+                <a:cs typeface="Times New Roman" panose="02020603050405020304" charset="0"/>
+              </a:rPr>
+              <a:t> VQA model PI (A|Q, I), a VQA-Caption model PC (A|Q, C)</a:t>
+            </a:r>
+            <a:endParaRPr lang="en-US">
+              <a:latin typeface="Times New Roman" panose="02020603050405020304" charset="0"/>
+              <a:cs typeface="Times New Roman" panose="02020603050405020304" charset="0"/>
+            </a:endParaRPr>
+          </a:p>
+          <a:p>
+            <a:pPr lvl="1">
+              <a:buFont typeface="Arial" panose="020B0604020202020204" pitchFamily="34" charset="0"/>
+              <a:buChar char="•"/>
+            </a:pPr>
+            <a:r>
+              <a:rPr lang="en-US">
+                <a:latin typeface="Times New Roman" panose="02020603050405020304" charset="0"/>
+                <a:cs typeface="Times New Roman" panose="02020603050405020304" charset="0"/>
+              </a:rPr>
+              <a:t>Set of N questions Qi </a:t>
+            </a:r>
+            <a:endParaRPr lang="en-US">
+              <a:latin typeface="Times New Roman" panose="02020603050405020304" charset="0"/>
+              <a:cs typeface="Times New Roman" panose="02020603050405020304" charset="0"/>
+            </a:endParaRPr>
+          </a:p>
+          <a:p>
+            <a:pPr lvl="1">
+              <a:buFont typeface="Arial" panose="020B0604020202020204" pitchFamily="34" charset="0"/>
+              <a:buChar char="•"/>
+            </a:pPr>
+            <a:r>
+              <a:rPr lang="en-US">
+                <a:latin typeface="Times New Roman" panose="02020603050405020304" charset="0"/>
+                <a:cs typeface="Times New Roman" panose="02020603050405020304" charset="0"/>
+              </a:rPr>
+              <a:t>And their plausible answers (one for each question) Ai, i = 1, 2, ...N. </a:t>
+            </a:r>
+            <a:endParaRPr lang="en-US">
+              <a:latin typeface="Times New Roman" panose="02020603050405020304" charset="0"/>
+              <a:cs typeface="Times New Roman" panose="02020603050405020304" charset="0"/>
+            </a:endParaRPr>
+          </a:p>
+          <a:p>
+            <a:pPr lvl="0">
+              <a:buFont typeface="Arial" panose="020B0604020202020204" pitchFamily="34" charset="0"/>
+              <a:buChar char="•"/>
+            </a:pPr>
+            <a:r>
+              <a:rPr lang="en-US">
+                <a:latin typeface="Times New Roman" panose="02020603050405020304" charset="0"/>
+                <a:cs typeface="Times New Roman" panose="02020603050405020304" charset="0"/>
+              </a:rPr>
+              <a:t>Then given an image I and a caption C, we first extract the N dimensional VQA-grounded activation vectors u</a:t>
+            </a:r>
+            <a:r>
+              <a:rPr lang="en-US" baseline="-25000">
+                <a:latin typeface="Times New Roman" panose="02020603050405020304" charset="0"/>
+                <a:cs typeface="Times New Roman" panose="02020603050405020304" charset="0"/>
+              </a:rPr>
+              <a:t>I</a:t>
+            </a:r>
+            <a:r>
+              <a:rPr lang="en-US">
+                <a:latin typeface="Times New Roman" panose="02020603050405020304" charset="0"/>
+                <a:cs typeface="Times New Roman" panose="02020603050405020304" charset="0"/>
+              </a:rPr>
+              <a:t> for I and u</a:t>
+            </a:r>
+            <a:r>
+              <a:rPr lang="en-US" baseline="-25000">
+                <a:latin typeface="Times New Roman" panose="02020603050405020304" charset="0"/>
+                <a:cs typeface="Times New Roman" panose="02020603050405020304" charset="0"/>
+              </a:rPr>
+              <a:t>C</a:t>
+            </a:r>
+            <a:r>
+              <a:rPr lang="en-US">
+                <a:latin typeface="Times New Roman" panose="02020603050405020304" charset="0"/>
+                <a:cs typeface="Times New Roman" panose="02020603050405020304" charset="0"/>
+              </a:rPr>
+              <a:t> for C </a:t>
+            </a:r>
+            <a:endParaRPr lang="en-US">
+              <a:latin typeface="Times New Roman" panose="02020603050405020304" charset="0"/>
+              <a:cs typeface="Times New Roman" panose="02020603050405020304" charset="0"/>
+            </a:endParaRPr>
+          </a:p>
+          <a:p>
+            <a:pPr lvl="0">
+              <a:buFont typeface="Arial" panose="020B0604020202020204" pitchFamily="34" charset="0"/>
+              <a:buChar char="•"/>
+            </a:pPr>
+            <a:r>
+              <a:rPr lang="en-US">
+                <a:latin typeface="Times New Roman" panose="02020603050405020304" charset="0"/>
+                <a:cs typeface="Times New Roman" panose="02020603050405020304" charset="0"/>
+              </a:rPr>
+              <a:t>Such that each dimension i of u</a:t>
+            </a:r>
+            <a:r>
+              <a:rPr lang="en-US" baseline="-25000">
+                <a:latin typeface="Times New Roman" panose="02020603050405020304" charset="0"/>
+                <a:cs typeface="Times New Roman" panose="02020603050405020304" charset="0"/>
+              </a:rPr>
+              <a:t>I</a:t>
+            </a:r>
+            <a:r>
+              <a:rPr lang="en-US">
+                <a:latin typeface="Times New Roman" panose="02020603050405020304" charset="0"/>
+                <a:cs typeface="Times New Roman" panose="02020603050405020304" charset="0"/>
+              </a:rPr>
+              <a:t> and u</a:t>
+            </a:r>
+            <a:r>
+              <a:rPr lang="en-US" baseline="-25000">
+                <a:latin typeface="Times New Roman" panose="02020603050405020304" charset="0"/>
+                <a:cs typeface="Times New Roman" panose="02020603050405020304" charset="0"/>
+              </a:rPr>
+              <a:t>C</a:t>
+            </a:r>
+            <a:r>
+              <a:rPr lang="en-US">
+                <a:latin typeface="Times New Roman" panose="02020603050405020304" charset="0"/>
+                <a:cs typeface="Times New Roman" panose="02020603050405020304" charset="0"/>
+              </a:rPr>
+              <a:t> is the log probability of the ground truth answer Ai given a question Qi.</a:t>
+            </a:r>
+            <a:endParaRPr lang="en-US">
+              <a:latin typeface="Times New Roman" panose="02020603050405020304" charset="0"/>
+              <a:cs typeface="Times New Roman" panose="02020603050405020304" charset="0"/>
+            </a:endParaRPr>
+          </a:p>
+        </p:txBody>
+      </p:sp>
+      <p:pic>
+        <p:nvPicPr>
+          <p:cNvPr id="4" name="Picture 3"/>
+          <p:cNvPicPr>
+            <a:picLocks noChangeAspect="1"/>
+          </p:cNvPicPr>
+          <p:nvPr/>
+        </p:nvPicPr>
+        <p:blipFill>
+          <a:blip r:embed="rId1"/>
+          <a:stretch>
+            <a:fillRect/>
+          </a:stretch>
+        </p:blipFill>
+        <p:spPr>
+          <a:xfrm>
+            <a:off x="1832610" y="3691890"/>
+            <a:ext cx="5478780" cy="426720"/>
+          </a:xfrm>
+          <a:prstGeom prst="rect">
+            <a:avLst/>
+          </a:prstGeom>
+        </p:spPr>
+      </p:pic>
+    </p:spTree>
+  </p:cSld>
+  <p:clrMapOvr>
+    <a:masterClrMapping/>
+  </p:clrMapOvr>
+</p:sld>
+</file>
+
+<file path=ppt/slides/slide16.xml><?xml version="1.0" encoding="utf-8"?>
+<p:sld xmlns:a="http://schemas.openxmlformats.org/drawingml/2006/main" xmlns:r="http://schemas.openxmlformats.org/officeDocument/2006/relationships" xmlns:p="http://schemas.openxmlformats.org/presentationml/2006/main">
+  <p:cSld>
+    <p:spTree>
+      <p:nvGrpSpPr>
+        <p:cNvPr id="1" name=""/>
+        <p:cNvGrpSpPr/>
+        <p:nvPr/>
+      </p:nvGrpSpPr>
+      <p:grpSpPr>
+        <a:xfrm>
+          <a:off x="0" y="0"/>
+          <a:ext cx="0" cy="0"/>
+          <a:chOff x="0" y="0"/>
+          <a:chExt cx="0" cy="0"/>
+        </a:xfrm>
+      </p:grpSpPr>
+      <p:pic>
+        <p:nvPicPr>
+          <p:cNvPr id="4" name="Picture 3"/>
+          <p:cNvPicPr>
+            <a:picLocks noChangeAspect="1"/>
+          </p:cNvPicPr>
+          <p:nvPr/>
+        </p:nvPicPr>
+        <p:blipFill>
+          <a:blip r:embed="rId1"/>
+          <a:stretch>
+            <a:fillRect/>
+          </a:stretch>
+        </p:blipFill>
+        <p:spPr>
+          <a:xfrm>
+            <a:off x="204470" y="607695"/>
+            <a:ext cx="4695190" cy="3439795"/>
+          </a:xfrm>
+          <a:prstGeom prst="rect">
+            <a:avLst/>
+          </a:prstGeom>
+        </p:spPr>
+      </p:pic>
+      <p:sp>
+        <p:nvSpPr>
+          <p:cNvPr id="5" name="Text Box 4"/>
+          <p:cNvSpPr txBox="1"/>
+          <p:nvPr/>
+        </p:nvSpPr>
+        <p:spPr>
+          <a:xfrm>
+            <a:off x="5140960" y="1186180"/>
+            <a:ext cx="3365500" cy="2553335"/>
+          </a:xfrm>
+          <a:prstGeom prst="rect">
+            <a:avLst/>
+          </a:prstGeom>
+          <a:noFill/>
+        </p:spPr>
+        <p:txBody>
+          <a:bodyPr wrap="square" rtlCol="0">
+            <a:spAutoFit/>
+          </a:bodyPr>
+          <a:lstStyle/>
+          <a:p>
+            <a:pPr marL="285750" indent="-285750">
+              <a:buFont typeface="Arial" panose="020B0604020202020204" pitchFamily="34" charset="0"/>
+              <a:buChar char="•"/>
+            </a:pPr>
+            <a:r>
+              <a:rPr lang="en-US" sz="1600">
+                <a:latin typeface="Times New Roman" panose="02020603050405020304" charset="0"/>
+                <a:cs typeface="Times New Roman" panose="02020603050405020304" charset="0"/>
+              </a:rPr>
+              <a:t>For example if the (Qi, Ai) pairs are </a:t>
+            </a:r>
+            <a:endParaRPr lang="en-US" sz="1600">
+              <a:latin typeface="Times New Roman" panose="02020603050405020304" charset="0"/>
+              <a:cs typeface="Times New Roman" panose="02020603050405020304" charset="0"/>
+            </a:endParaRPr>
+          </a:p>
+          <a:p>
+            <a:r>
+              <a:rPr lang="en-US" sz="1000">
+                <a:latin typeface="Times New Roman" panose="02020603050405020304" charset="0"/>
+                <a:cs typeface="Times New Roman" panose="02020603050405020304" charset="0"/>
+              </a:rPr>
+              <a:t>  (Q1: What is the person riding?,</a:t>
+            </a:r>
+            <a:r>
+              <a:rPr lang="en-US" sz="1600">
+                <a:latin typeface="Times New Roman" panose="02020603050405020304" charset="0"/>
+                <a:cs typeface="Times New Roman" panose="02020603050405020304" charset="0"/>
+              </a:rPr>
+              <a:t> </a:t>
+            </a:r>
+            <a:r>
+              <a:rPr lang="en-US" sz="1000">
+                <a:latin typeface="Times New Roman" panose="02020603050405020304" charset="0"/>
+                <a:cs typeface="Times New Roman" panose="02020603050405020304" charset="0"/>
+              </a:rPr>
+              <a:t>A1:Motorcycle)</a:t>
+            </a:r>
+            <a:endParaRPr lang="en-US" sz="1600">
+              <a:latin typeface="Times New Roman" panose="02020603050405020304" charset="0"/>
+              <a:cs typeface="Times New Roman" panose="02020603050405020304" charset="0"/>
+            </a:endParaRPr>
+          </a:p>
+          <a:p>
+            <a:r>
+              <a:rPr lang="en-US" sz="1600">
+                <a:latin typeface="Times New Roman" panose="02020603050405020304" charset="0"/>
+                <a:cs typeface="Times New Roman" panose="02020603050405020304" charset="0"/>
+              </a:rPr>
+              <a:t> </a:t>
+            </a:r>
+            <a:r>
+              <a:rPr lang="en-US" sz="1000">
+                <a:latin typeface="Times New Roman" panose="02020603050405020304" charset="0"/>
+                <a:cs typeface="Times New Roman" panose="02020603050405020304" charset="0"/>
+              </a:rPr>
+              <a:t>(Q2: What is the man wearing on his head?, A2: Helmet),</a:t>
+            </a:r>
+            <a:endParaRPr lang="en-US" sz="1600">
+              <a:latin typeface="Times New Roman" panose="02020603050405020304" charset="0"/>
+              <a:cs typeface="Times New Roman" panose="02020603050405020304" charset="0"/>
+            </a:endParaRPr>
+          </a:p>
+          <a:p>
+            <a:pPr marL="285750" indent="-285750">
+              <a:buFont typeface="Arial" panose="020B0604020202020204" pitchFamily="34" charset="0"/>
+              <a:buChar char="•"/>
+            </a:pPr>
+            <a:r>
+              <a:rPr lang="en-US" sz="1600">
+                <a:latin typeface="Times New Roman" panose="02020603050405020304" charset="0"/>
+                <a:cs typeface="Times New Roman" panose="02020603050405020304" charset="0"/>
+              </a:rPr>
+              <a:t> u(1)I and u(1)C verify if the person in image I and caption C respectively is riding a motorcycle. </a:t>
+            </a:r>
+            <a:endParaRPr lang="en-US" sz="1600">
+              <a:latin typeface="Times New Roman" panose="02020603050405020304" charset="0"/>
+              <a:cs typeface="Times New Roman" panose="02020603050405020304" charset="0"/>
+            </a:endParaRPr>
+          </a:p>
+          <a:p>
+            <a:pPr marL="285750" indent="-285750">
+              <a:buFont typeface="Arial" panose="020B0604020202020204" pitchFamily="34" charset="0"/>
+              <a:buChar char="•"/>
+            </a:pPr>
+            <a:r>
+              <a:rPr lang="en-US" sz="1600">
+                <a:latin typeface="Times New Roman" panose="02020603050405020304" charset="0"/>
+                <a:cs typeface="Times New Roman" panose="02020603050405020304" charset="0"/>
+              </a:rPr>
+              <a:t>At the same time u(2)I and u(2)C</a:t>
+            </a:r>
+            <a:endParaRPr lang="en-US" sz="1600">
+              <a:latin typeface="Times New Roman" panose="02020603050405020304" charset="0"/>
+              <a:cs typeface="Times New Roman" panose="02020603050405020304" charset="0"/>
+            </a:endParaRPr>
+          </a:p>
+          <a:p>
+            <a:r>
+              <a:rPr lang="en-US" sz="1600">
+                <a:latin typeface="Times New Roman" panose="02020603050405020304" charset="0"/>
+                <a:cs typeface="Times New Roman" panose="02020603050405020304" charset="0"/>
+              </a:rPr>
+              <a:t>verify whether the man in I and C</a:t>
+            </a:r>
+            <a:endParaRPr lang="en-US" sz="1600">
+              <a:latin typeface="Times New Roman" panose="02020603050405020304" charset="0"/>
+              <a:cs typeface="Times New Roman" panose="02020603050405020304" charset="0"/>
+            </a:endParaRPr>
+          </a:p>
+          <a:p>
+            <a:r>
+              <a:rPr lang="en-US" sz="1600">
+                <a:latin typeface="Times New Roman" panose="02020603050405020304" charset="0"/>
+                <a:cs typeface="Times New Roman" panose="02020603050405020304" charset="0"/>
+              </a:rPr>
+              <a:t>is wearing a helmet.</a:t>
+            </a:r>
+            <a:endParaRPr lang="en-US" sz="1600">
+              <a:latin typeface="Times New Roman" panose="02020603050405020304" charset="0"/>
+              <a:cs typeface="Times New Roman" panose="02020603050405020304" charset="0"/>
+            </a:endParaRPr>
+          </a:p>
+        </p:txBody>
+      </p:sp>
+    </p:spTree>
+  </p:cSld>
+  <p:clrMapOvr>
+    <a:masterClrMapping/>
+  </p:clrMapOvr>
+</p:sld>
+</file>
+
+<file path=ppt/slides/slide17.xml><?xml version="1.0" encoding="utf-8"?>
+<p:sld xmlns:a="http://schemas.openxmlformats.org/drawingml/2006/main" xmlns:r="http://schemas.openxmlformats.org/officeDocument/2006/relationships" xmlns:p="http://schemas.openxmlformats.org/presentationml/2006/main">
+  <p:cSld>
+    <p:spTree>
+      <p:nvGrpSpPr>
+        <p:cNvPr id="1" name=""/>
+        <p:cNvGrpSpPr/>
+        <p:nvPr/>
+      </p:nvGrpSpPr>
+      <p:grpSpPr>
+        <a:xfrm>
+          <a:off x="0" y="0"/>
+          <a:ext cx="0" cy="0"/>
+          <a:chOff x="0" y="0"/>
+          <a:chExt cx="0" cy="0"/>
+        </a:xfrm>
+      </p:grpSpPr>
+      <p:pic>
+        <p:nvPicPr>
+          <p:cNvPr id="4" name="Picture 3"/>
+          <p:cNvPicPr>
+            <a:picLocks noChangeAspect="1"/>
+          </p:cNvPicPr>
+          <p:nvPr/>
+        </p:nvPicPr>
+        <p:blipFill>
+          <a:blip r:embed="rId1"/>
+          <a:stretch>
+            <a:fillRect/>
+          </a:stretch>
+        </p:blipFill>
+        <p:spPr>
+          <a:xfrm>
+            <a:off x="1120140" y="1310640"/>
+            <a:ext cx="6903720" cy="2522220"/>
+          </a:xfrm>
+          <a:prstGeom prst="rect">
+            <a:avLst/>
+          </a:prstGeom>
+        </p:spPr>
+      </p:pic>
+      <p:sp>
+        <p:nvSpPr>
+          <p:cNvPr id="5" name="Text Box 4"/>
+          <p:cNvSpPr txBox="1"/>
+          <p:nvPr/>
+        </p:nvSpPr>
+        <p:spPr>
+          <a:xfrm>
+            <a:off x="1120140" y="4226560"/>
+            <a:ext cx="2415540" cy="275590"/>
+          </a:xfrm>
+          <a:prstGeom prst="rect">
+            <a:avLst/>
+          </a:prstGeom>
+          <a:noFill/>
+        </p:spPr>
+        <p:txBody>
+          <a:bodyPr wrap="none" rtlCol="0">
+            <a:spAutoFit/>
+          </a:bodyPr>
+          <a:lstStyle/>
+          <a:p>
+            <a:pPr algn="l"/>
+            <a:r>
+              <a:rPr lang="en-US" sz="1200">
+                <a:solidFill>
+                  <a:srgbClr val="00B0F0"/>
+                </a:solidFill>
+                <a:latin typeface="Times New Roman" panose="02020603050405020304" charset="0"/>
+                <a:cs typeface="Times New Roman" panose="02020603050405020304" charset="0"/>
+              </a:rPr>
+              <a:t>https://arxiv.org/pdf/1605.01379.pdf</a:t>
+            </a:r>
+            <a:endParaRPr lang="en-US" sz="1200">
+              <a:solidFill>
+                <a:srgbClr val="00B0F0"/>
+              </a:solidFill>
+              <a:latin typeface="Times New Roman" panose="02020603050405020304" charset="0"/>
+              <a:cs typeface="Times New Roman" panose="02020603050405020304" charset="0"/>
+            </a:endParaRPr>
+          </a:p>
+        </p:txBody>
+      </p:sp>
+    </p:spTree>
+  </p:cSld>
+  <p:clrMapOvr>
+    <a:masterClrMapping/>
+  </p:clrMapOvr>
+</p:sld>
+</file>
+
+<file path=ppt/slides/slide2.xml><?xml version="1.0" encoding="utf-8"?>
+<p:sld xmlns:a="http://schemas.openxmlformats.org/drawingml/2006/main" xmlns:r="http://schemas.openxmlformats.org/officeDocument/2006/relationships" xmlns:p="http://schemas.openxmlformats.org/presentationml/2006/main">
+  <p:cSld>
+    <p:spTree>
+      <p:nvGrpSpPr>
+        <p:cNvPr id="1" name=""/>
+        <p:cNvGrpSpPr/>
+        <p:nvPr/>
+      </p:nvGrpSpPr>
+      <p:grpSpPr/>
+      <p:sp>
+        <p:nvSpPr>
+          <p:cNvPr id="2" name="Title 1"/>
+          <p:cNvSpPr>
+            <a:spLocks noGrp="1"/>
+          </p:cNvSpPr>
+          <p:nvPr>
+            <p:ph type="title"/>
+          </p:nvPr>
+        </p:nvSpPr>
+        <p:spPr/>
+        <p:txBody>
+          <a:bodyPr/>
+          <a:p>
+            <a:r>
+              <a:rPr lang="en-IN" altLang="en-US" sz="2800" b="1">
+                <a:latin typeface="Georgia" panose="02040502050405020303" charset="0"/>
+                <a:cs typeface="Georgia" panose="02040502050405020303" charset="0"/>
+                <a:sym typeface="+mn-ea"/>
+              </a:rPr>
+              <a:t>Hate speech categories selected </a:t>
+            </a:r>
+            <a:endParaRPr lang="en-IN" altLang="en-US" sz="2800" b="1">
+              <a:latin typeface="Georgia" panose="02040502050405020303" charset="0"/>
+              <a:cs typeface="Georgia" panose="02040502050405020303" charset="0"/>
+              <a:sym typeface="+mn-ea"/>
+            </a:endParaRPr>
+          </a:p>
+        </p:txBody>
+      </p:sp>
+      <p:sp>
+        <p:nvSpPr>
+          <p:cNvPr id="3" name="Text Placeholder 2"/>
+          <p:cNvSpPr>
+            <a:spLocks noGrp="1"/>
+          </p:cNvSpPr>
+          <p:nvPr>
+            <p:ph type="body" idx="1"/>
+          </p:nvPr>
+        </p:nvSpPr>
+        <p:spPr>
+          <a:xfrm>
+            <a:off x="311785" y="1630680"/>
+            <a:ext cx="8520430" cy="2948305"/>
+          </a:xfrm>
+        </p:spPr>
+        <p:txBody>
+          <a:bodyPr/>
+          <a:p>
+            <a:r>
+              <a:rPr lang="en-IN" altLang="en-US" sz="1600">
+                <a:latin typeface="Georgia" panose="02040502050405020303" charset="0"/>
+                <a:cs typeface="Georgia" panose="02040502050405020303" charset="0"/>
+                <a:sym typeface="+mn-ea"/>
+              </a:rPr>
+              <a:t>Ethnicity</a:t>
+            </a:r>
+            <a:endParaRPr lang="en-IN" altLang="en-US" sz="1600">
+              <a:latin typeface="Georgia" panose="02040502050405020303" charset="0"/>
+              <a:cs typeface="Georgia" panose="02040502050405020303" charset="0"/>
+            </a:endParaRPr>
+          </a:p>
+          <a:p>
+            <a:r>
+              <a:rPr lang="en-IN" altLang="en-US" sz="1600">
+                <a:latin typeface="Georgia" panose="02040502050405020303" charset="0"/>
+                <a:cs typeface="Georgia" panose="02040502050405020303" charset="0"/>
+                <a:sym typeface="+mn-ea"/>
+              </a:rPr>
+              <a:t>Gender</a:t>
+            </a:r>
+            <a:endParaRPr lang="en-IN" altLang="en-US" sz="1600">
+              <a:latin typeface="Georgia" panose="02040502050405020303" charset="0"/>
+              <a:cs typeface="Georgia" panose="02040502050405020303" charset="0"/>
+            </a:endParaRPr>
+          </a:p>
+          <a:p>
+            <a:r>
+              <a:rPr lang="en-IN" altLang="en-US" sz="1600">
+                <a:latin typeface="Georgia" panose="02040502050405020303" charset="0"/>
+                <a:cs typeface="Georgia" panose="02040502050405020303" charset="0"/>
+                <a:sym typeface="+mn-ea"/>
+              </a:rPr>
+              <a:t>Nationality</a:t>
+            </a:r>
+            <a:endParaRPr lang="en-IN" altLang="en-US" sz="1600">
+              <a:latin typeface="Georgia" panose="02040502050405020303" charset="0"/>
+              <a:cs typeface="Georgia" panose="02040502050405020303" charset="0"/>
+            </a:endParaRPr>
+          </a:p>
+          <a:p>
+            <a:r>
+              <a:rPr lang="en-IN" altLang="en-US" sz="1600">
+                <a:latin typeface="Georgia" panose="02040502050405020303" charset="0"/>
+                <a:cs typeface="Georgia" panose="02040502050405020303" charset="0"/>
+                <a:sym typeface="+mn-ea"/>
+              </a:rPr>
+              <a:t>sexism</a:t>
+            </a:r>
+            <a:endParaRPr lang="en-IN" altLang="en-US" sz="1600">
+              <a:latin typeface="Georgia" panose="02040502050405020303" charset="0"/>
+              <a:cs typeface="Georgia" panose="02040502050405020303" charset="0"/>
+              <a:sym typeface="+mn-ea"/>
+            </a:endParaRPr>
+          </a:p>
+          <a:p>
+            <a:endParaRPr lang="en-IN" altLang="en-US">
+              <a:latin typeface="Georgia" panose="02040502050405020303" charset="0"/>
+              <a:cs typeface="Georgia" panose="02040502050405020303" charset="0"/>
+            </a:endParaRPr>
+          </a:p>
+          <a:p>
+            <a:endParaRPr lang="en-IN" altLang="en-US">
+              <a:latin typeface="Georgia" panose="02040502050405020303" charset="0"/>
+              <a:cs typeface="Georgia" panose="02040502050405020303" charset="0"/>
+            </a:endParaRPr>
+          </a:p>
+          <a:p>
+            <a:endParaRPr lang="en-US"/>
+          </a:p>
+        </p:txBody>
+      </p:sp>
+      <p:pic>
+        <p:nvPicPr>
+          <p:cNvPr id="4" name="Content Placeholder 3"/>
+          <p:cNvPicPr>
+            <a:picLocks noChangeAspect="1"/>
+          </p:cNvPicPr>
+          <p:nvPr/>
+        </p:nvPicPr>
+        <p:blipFill>
+          <a:blip r:embed="rId1"/>
+          <a:stretch>
+            <a:fillRect/>
+          </a:stretch>
+        </p:blipFill>
+        <p:spPr>
+          <a:xfrm>
+            <a:off x="2463800" y="1630680"/>
+            <a:ext cx="6193155" cy="3173730"/>
+          </a:xfrm>
+          <a:prstGeom prst="rect">
+            <a:avLst/>
+          </a:prstGeom>
+        </p:spPr>
+      </p:pic>
+    </p:spTree>
+  </p:cSld>
+  <p:clrMapOvr>
+    <a:masterClrMapping/>
+  </p:clrMapOvr>
+</p:sld>
+</file>
+
+<file path=ppt/slides/slide3.xml><?xml version="1.0" encoding="utf-8"?>
+<p:sld xmlns:a="http://schemas.openxmlformats.org/drawingml/2006/main" xmlns:r="http://schemas.openxmlformats.org/officeDocument/2006/relationships" xmlns:p="http://schemas.openxmlformats.org/presentationml/2006/main">
+  <p:cSld>
+    <p:spTree>
+      <p:nvGrpSpPr>
+        <p:cNvPr id="1" name=""/>
+        <p:cNvGrpSpPr/>
+        <p:nvPr/>
+      </p:nvGrpSpPr>
+      <p:grpSpPr/>
+      <p:sp>
+        <p:nvSpPr>
+          <p:cNvPr id="2" name="Title 1"/>
+          <p:cNvSpPr>
+            <a:spLocks noGrp="1"/>
+          </p:cNvSpPr>
+          <p:nvPr>
+            <p:ph type="title"/>
+          </p:nvPr>
+        </p:nvSpPr>
+        <p:spPr/>
+        <p:txBody>
+          <a:bodyPr/>
+          <a:p>
+            <a:pPr algn="l"/>
+            <a:br>
+              <a:rPr lang="en-IN" altLang="en-US" b="1">
+                <a:latin typeface="Georgia" panose="02040502050405020303" charset="0"/>
+                <a:cs typeface="Georgia" panose="02040502050405020303" charset="0"/>
+              </a:rPr>
+            </a:br>
+            <a:r>
+              <a:rPr lang="en-IN" altLang="en-US" sz="2800" b="1">
+                <a:latin typeface="Georgia" panose="02040502050405020303" charset="0"/>
+                <a:cs typeface="Georgia" panose="02040502050405020303" charset="0"/>
+                <a:sym typeface="+mn-ea"/>
+              </a:rPr>
+              <a:t>Dataset</a:t>
+            </a:r>
+            <a:endParaRPr lang="en-IN" altLang="en-US" sz="2800" b="1">
+              <a:latin typeface="Georgia" panose="02040502050405020303" charset="0"/>
+              <a:cs typeface="Georgia" panose="02040502050405020303" charset="0"/>
+              <a:sym typeface="+mn-ea"/>
+            </a:endParaRPr>
+          </a:p>
+        </p:txBody>
+      </p:sp>
+      <p:pic>
+        <p:nvPicPr>
+          <p:cNvPr id="5" name="Content Placeholder 4"/>
+          <p:cNvPicPr>
+            <a:picLocks noChangeAspect="1"/>
+          </p:cNvPicPr>
+          <p:nvPr>
+            <p:ph idx="1"/>
+          </p:nvPr>
+        </p:nvPicPr>
+        <p:blipFill>
+          <a:blip r:embed="rId1"/>
+          <a:stretch>
+            <a:fillRect/>
+          </a:stretch>
+        </p:blipFill>
+        <p:spPr>
+          <a:xfrm>
+            <a:off x="1429385" y="1202055"/>
+            <a:ext cx="7055485" cy="1325245"/>
+          </a:xfrm>
+          <a:prstGeom prst="rect">
+            <a:avLst/>
+          </a:prstGeom>
+        </p:spPr>
+      </p:pic>
+      <p:sp>
+        <p:nvSpPr>
+          <p:cNvPr id="6" name="Text Box 5"/>
+          <p:cNvSpPr txBox="1"/>
+          <p:nvPr/>
+        </p:nvSpPr>
+        <p:spPr>
+          <a:xfrm>
+            <a:off x="561340" y="1639570"/>
+            <a:ext cx="646430" cy="306705"/>
+          </a:xfrm>
+          <a:prstGeom prst="rect">
+            <a:avLst/>
+          </a:prstGeom>
+          <a:noFill/>
+        </p:spPr>
+        <p:txBody>
+          <a:bodyPr wrap="square" rtlCol="0" anchor="t">
+            <a:spAutoFit/>
+          </a:bodyPr>
+          <a:p>
+            <a:r>
+              <a:rPr lang="en-IN" altLang="en-US" b="1">
+                <a:sym typeface="+mn-ea"/>
+              </a:rPr>
+              <a:t>2</a:t>
+            </a:r>
+            <a:endParaRPr lang="en-US"/>
+          </a:p>
+        </p:txBody>
+      </p:sp>
+      <p:pic>
+        <p:nvPicPr>
+          <p:cNvPr id="7" name="Content Placeholder 6"/>
+          <p:cNvPicPr>
+            <a:picLocks noChangeAspect="1"/>
+          </p:cNvPicPr>
+          <p:nvPr>
+            <p:ph sz="half" idx="2"/>
+          </p:nvPr>
+        </p:nvPicPr>
+        <p:blipFill>
+          <a:blip r:embed="rId2"/>
+          <a:stretch>
+            <a:fillRect/>
+          </a:stretch>
+        </p:blipFill>
+        <p:spPr>
+          <a:xfrm>
+            <a:off x="1496060" y="2907030"/>
+            <a:ext cx="4295140" cy="1287780"/>
+          </a:xfrm>
+          <a:prstGeom prst="rect">
+            <a:avLst/>
+          </a:prstGeom>
+        </p:spPr>
+      </p:pic>
+      <p:pic>
+        <p:nvPicPr>
+          <p:cNvPr id="8" name="Picture 7"/>
+          <p:cNvPicPr>
+            <a:picLocks noChangeAspect="1"/>
+          </p:cNvPicPr>
+          <p:nvPr/>
+        </p:nvPicPr>
+        <p:blipFill>
+          <a:blip r:embed="rId3"/>
+          <a:srcRect r="10047" b="-17830"/>
+          <a:stretch>
+            <a:fillRect/>
+          </a:stretch>
+        </p:blipFill>
+        <p:spPr>
+          <a:xfrm>
+            <a:off x="1496060" y="4135755"/>
+            <a:ext cx="3783965" cy="744220"/>
+          </a:xfrm>
+          <a:prstGeom prst="rect">
+            <a:avLst/>
+          </a:prstGeom>
+        </p:spPr>
+      </p:pic>
+      <p:sp>
+        <p:nvSpPr>
+          <p:cNvPr id="9" name="Text Box 8"/>
+          <p:cNvSpPr txBox="1"/>
+          <p:nvPr/>
+        </p:nvSpPr>
+        <p:spPr>
+          <a:xfrm>
+            <a:off x="561340" y="3334385"/>
+            <a:ext cx="281940" cy="306705"/>
+          </a:xfrm>
+          <a:prstGeom prst="rect">
+            <a:avLst/>
+          </a:prstGeom>
+          <a:noFill/>
+        </p:spPr>
+        <p:txBody>
+          <a:bodyPr wrap="none" rtlCol="0" anchor="t">
+            <a:spAutoFit/>
+          </a:bodyPr>
+          <a:p>
+            <a:r>
+              <a:rPr lang="en-IN" altLang="en-US" b="1">
+                <a:sym typeface="+mn-ea"/>
+              </a:rPr>
+              <a:t>3</a:t>
+            </a:r>
+            <a:endParaRPr lang="en-US"/>
+          </a:p>
+        </p:txBody>
+      </p:sp>
+    </p:spTree>
+  </p:cSld>
+  <p:clrMapOvr>
+    <a:masterClrMapping/>
+  </p:clrMapOvr>
+</p:sld>
+</file>
+
+<file path=ppt/slides/slide4.xml><?xml version="1.0" encoding="utf-8"?>
+<p:sld xmlns:a="http://schemas.openxmlformats.org/drawingml/2006/main" xmlns:r="http://schemas.openxmlformats.org/officeDocument/2006/relationships" xmlns:p="http://schemas.openxmlformats.org/presentationml/2006/main">
+  <p:cSld>
+    <p:spTree>
+      <p:nvGrpSpPr>
+        <p:cNvPr id="1" name=""/>
+        <p:cNvGrpSpPr/>
+        <p:nvPr/>
+      </p:nvGrpSpPr>
+      <p:grpSpPr/>
+      <p:sp>
+        <p:nvSpPr>
+          <p:cNvPr id="2" name="Title 1"/>
+          <p:cNvSpPr>
+            <a:spLocks noGrp="1"/>
+          </p:cNvSpPr>
+          <p:nvPr>
+            <p:ph type="title"/>
+          </p:nvPr>
+        </p:nvSpPr>
+        <p:spPr/>
+        <p:txBody>
+          <a:bodyPr/>
+          <a:p>
+            <a:pPr algn="l"/>
+            <a:br>
+              <a:rPr lang="en-IN" altLang="en-US" b="1">
+                <a:latin typeface="Georgia" panose="02040502050405020303" charset="0"/>
+                <a:cs typeface="Georgia" panose="02040502050405020303" charset="0"/>
+              </a:rPr>
+            </a:br>
+            <a:r>
+              <a:rPr lang="en-IN" altLang="en-US" sz="2800" b="1">
+                <a:latin typeface="Georgia" panose="02040502050405020303" charset="0"/>
+                <a:cs typeface="Georgia" panose="02040502050405020303" charset="0"/>
+                <a:sym typeface="+mn-ea"/>
+              </a:rPr>
+              <a:t>References</a:t>
+            </a:r>
+            <a:r>
+              <a:rPr lang="en-IN" altLang="en-US" b="1">
+                <a:latin typeface="Georgia" panose="02040502050405020303" charset="0"/>
+                <a:cs typeface="Georgia" panose="02040502050405020303" charset="0"/>
+                <a:sym typeface="+mn-ea"/>
+              </a:rPr>
+              <a:t> </a:t>
+            </a:r>
+            <a:endParaRPr lang="en-US"/>
+          </a:p>
+        </p:txBody>
+      </p:sp>
+      <p:sp>
+        <p:nvSpPr>
+          <p:cNvPr id="3" name="Content Placeholder 2"/>
+          <p:cNvSpPr>
+            <a:spLocks noGrp="1"/>
+          </p:cNvSpPr>
+          <p:nvPr>
+            <p:ph idx="1"/>
+          </p:nvPr>
+        </p:nvSpPr>
+        <p:spPr>
+          <a:xfrm>
+            <a:off x="311785" y="1529715"/>
+            <a:ext cx="8638540" cy="3049270"/>
+          </a:xfrm>
+        </p:spPr>
+        <p:txBody>
+          <a:bodyPr/>
+          <a:p>
+            <a:pPr marL="514350" indent="-514350">
+              <a:buFont typeface="+mj-lt"/>
+              <a:buAutoNum type="arabicParenR"/>
+            </a:pPr>
+            <a:r>
+              <a:rPr lang="en-US" sz="1600">
+                <a:solidFill>
+                  <a:schemeClr val="tx1"/>
+                </a:solidFill>
+                <a:sym typeface="+mn-ea"/>
+              </a:rPr>
+              <a:t>http://mandola-project.eu/m/filer_public/06/b9/06b92efd-cce2-4204-a2a9-5eb2c34912f7/mandola-d31.pdf</a:t>
+            </a:r>
+            <a:endParaRPr lang="en-US" sz="1600">
+              <a:solidFill>
+                <a:schemeClr val="tx1"/>
+              </a:solidFill>
+              <a:sym typeface="+mn-ea"/>
+            </a:endParaRPr>
+          </a:p>
+          <a:p>
+            <a:pPr marL="514350" indent="-514350">
+              <a:buFont typeface="+mj-lt"/>
+              <a:buAutoNum type="arabicParenR"/>
+            </a:pPr>
+            <a:r>
+              <a:rPr lang="en-US" sz="1600">
+                <a:solidFill>
+                  <a:schemeClr val="tx1"/>
+                </a:solidFill>
+                <a:sym typeface="+mn-ea"/>
+              </a:rPr>
+              <a:t>https://github.com/ZeerakW/hatespeech/blob/master/NAACL_SRW_2016.csv</a:t>
+            </a:r>
+            <a:endParaRPr lang="en-US" sz="1600">
+              <a:solidFill>
+                <a:schemeClr val="tx1"/>
+              </a:solidFill>
+              <a:sym typeface="+mn-ea"/>
+            </a:endParaRPr>
+          </a:p>
+          <a:p>
+            <a:pPr marL="514350" indent="-514350">
+              <a:buFont typeface="+mj-lt"/>
+              <a:buAutoNum type="arabicParenR"/>
+            </a:pPr>
+            <a:r>
+              <a:rPr lang="en-US" sz="1600">
+                <a:solidFill>
+                  <a:schemeClr val="tx1"/>
+                </a:solidFill>
+                <a:sym typeface="+mn-ea"/>
+              </a:rPr>
+              <a:t>https://github.com/mayelsherif/hate_speech_icwsm18/tree/master/nhsm_datasets</a:t>
+            </a:r>
+            <a:endParaRPr lang="en-US" sz="1600">
+              <a:solidFill>
+                <a:schemeClr val="tx1"/>
+              </a:solidFill>
+              <a:sym typeface="+mn-ea"/>
+            </a:endParaRPr>
+          </a:p>
+        </p:txBody>
+      </p:sp>
+    </p:spTree>
+  </p:cSld>
+  <p:clrMapOvr>
+    <a:masterClrMapping/>
+  </p:clrMapOvr>
+</p:sld>
+</file>
+
+<file path=ppt/slides/slide5.xml><?xml version="1.0" encoding="utf-8"?>
+<p:sld xmlns:a="http://schemas.openxmlformats.org/drawingml/2006/main" xmlns:r="http://schemas.openxmlformats.org/officeDocument/2006/relationships" xmlns:p="http://schemas.openxmlformats.org/presentationml/2006/main">
+  <p:cSld>
+    <p:spTree>
+      <p:nvGrpSpPr>
+        <p:cNvPr id="1" name=""/>
+        <p:cNvGrpSpPr/>
+        <p:nvPr/>
+      </p:nvGrpSpPr>
+      <p:grpSpPr>
+        <a:xfrm>
+          <a:off x="0" y="0"/>
+          <a:ext cx="0" cy="0"/>
+          <a:chOff x="0" y="0"/>
+          <a:chExt cx="0" cy="0"/>
+        </a:xfrm>
+      </p:grpSpPr>
+      <p:sp>
+        <p:nvSpPr>
+          <p:cNvPr id="2" name="Title 1"/>
+          <p:cNvSpPr>
+            <a:spLocks noGrp="1"/>
+          </p:cNvSpPr>
+          <p:nvPr>
+            <p:ph type="title"/>
+          </p:nvPr>
+        </p:nvSpPr>
+        <p:spPr>
+          <a:xfrm>
+            <a:off x="376177" y="2009911"/>
+            <a:ext cx="8520600" cy="831300"/>
+          </a:xfrm>
+        </p:spPr>
+        <p:txBody>
+          <a:bodyPr/>
+          <a:lstStyle/>
+          <a:p>
+            <a:pPr algn="ctr"/>
+            <a:r>
+              <a:rPr lang="en-US" sz="2400" dirty="0">
+                <a:latin typeface="Times New Roman" panose="02020603050405020304" charset="0"/>
+                <a:cs typeface="Times New Roman" panose="02020603050405020304" charset="0"/>
+                <a:sym typeface="+mn-ea"/>
+              </a:rPr>
+              <a:t>Task 2  : Reasoning Of Meme Labelled Into Different Categories </a:t>
+            </a:r>
+            <a:endParaRPr lang="en-IN" sz="2400" dirty="0">
+              <a:latin typeface="Times New Roman" panose="02020603050405020304" charset="0"/>
+              <a:cs typeface="Times New Roman" panose="02020603050405020304" charset="0"/>
+            </a:endParaRPr>
+          </a:p>
+        </p:txBody>
+      </p:sp>
+    </p:spTree>
+  </p:cSld>
+  <p:clrMapOvr>
+    <a:masterClrMapping/>
+  </p:clrMapOvr>
+</p:sld>
+</file>
+
+<file path=ppt/slides/slide6.xml><?xml version="1.0" encoding="utf-8"?>
+<p:sld xmlns:a="http://schemas.openxmlformats.org/drawingml/2006/main" xmlns:r="http://schemas.openxmlformats.org/officeDocument/2006/relationships" xmlns:p="http://schemas.openxmlformats.org/presentationml/2006/main">
+  <p:cSld>
+    <p:spTree>
+      <p:nvGrpSpPr>
+        <p:cNvPr id="1" name=""/>
+        <p:cNvGrpSpPr/>
+        <p:nvPr/>
+      </p:nvGrpSpPr>
+      <p:grpSpPr>
+        <a:xfrm>
+          <a:off x="0" y="0"/>
+          <a:ext cx="0" cy="0"/>
+          <a:chOff x="0" y="0"/>
+          <a:chExt cx="0" cy="0"/>
+        </a:xfrm>
+      </p:grpSpPr>
+      <p:sp>
+        <p:nvSpPr>
+          <p:cNvPr id="2" name="Title 1"/>
+          <p:cNvSpPr>
+            <a:spLocks noGrp="1"/>
+          </p:cNvSpPr>
+          <p:nvPr>
+            <p:ph type="title"/>
+          </p:nvPr>
+        </p:nvSpPr>
+        <p:spPr>
+          <a:xfrm>
+            <a:off x="0" y="0"/>
+            <a:ext cx="8516990" cy="611197"/>
+          </a:xfrm>
+        </p:spPr>
+        <p:txBody>
+          <a:bodyPr/>
+          <a:lstStyle/>
+          <a:p>
+            <a:br>
+              <a:rPr lang="en-US" b="1" dirty="0">
+                <a:latin typeface="Times New Roman" panose="02020603050405020304" charset="0"/>
+                <a:cs typeface="Times New Roman" panose="02020603050405020304" charset="0"/>
+              </a:rPr>
+            </a:br>
+            <a:br>
+              <a:rPr lang="en-US" b="1" dirty="0">
+                <a:latin typeface="Times New Roman" panose="02020603050405020304" charset="0"/>
+                <a:cs typeface="Times New Roman" panose="02020603050405020304" charset="0"/>
+              </a:rPr>
+            </a:br>
+            <a:r>
+              <a:rPr lang="en-US" sz="1800" b="1" dirty="0">
+                <a:latin typeface="Times New Roman" panose="02020603050405020304" charset="0"/>
+                <a:cs typeface="Times New Roman" panose="02020603050405020304" charset="0"/>
+              </a:rPr>
+              <a:t>From Recognition to Cognition: Visual Commonsense Reasoning   </a:t>
+            </a:r>
+            <a:endParaRPr lang="en-US" sz="1800" b="1" dirty="0">
+              <a:latin typeface="Times New Roman" panose="02020603050405020304" charset="0"/>
+              <a:cs typeface="Times New Roman" panose="02020603050405020304" charset="0"/>
+            </a:endParaRPr>
+          </a:p>
+        </p:txBody>
+      </p:sp>
+      <p:sp>
+        <p:nvSpPr>
+          <p:cNvPr id="3" name="Text Placeholder 2"/>
+          <p:cNvSpPr>
+            <a:spLocks noGrp="1"/>
+          </p:cNvSpPr>
+          <p:nvPr>
+            <p:ph type="body" idx="1"/>
+          </p:nvPr>
+        </p:nvSpPr>
+        <p:spPr>
+          <a:xfrm>
+            <a:off x="399392" y="1555531"/>
+            <a:ext cx="8432907" cy="3023694"/>
+          </a:xfrm>
+        </p:spPr>
+        <p:txBody>
+          <a:bodyPr/>
+          <a:lstStyle/>
+          <a:p>
+            <a:endParaRPr lang="en-US" dirty="0"/>
+          </a:p>
+        </p:txBody>
+      </p:sp>
+      <p:pic>
+        <p:nvPicPr>
+          <p:cNvPr id="4" name="Picture 3" descr="Screenshot (114).png"/>
+          <p:cNvPicPr>
+            <a:picLocks noChangeAspect="1"/>
+          </p:cNvPicPr>
+          <p:nvPr/>
+        </p:nvPicPr>
+        <p:blipFill>
+          <a:blip r:embed="rId1"/>
+          <a:srcRect l="1379" t="23282" r="1724" b="34807"/>
+          <a:stretch>
+            <a:fillRect/>
+          </a:stretch>
+        </p:blipFill>
+        <p:spPr>
+          <a:xfrm>
+            <a:off x="0" y="1508983"/>
+            <a:ext cx="9144000" cy="2154621"/>
+          </a:xfrm>
+          <a:prstGeom prst="rect">
+            <a:avLst/>
+          </a:prstGeom>
+        </p:spPr>
+      </p:pic>
+      <p:sp>
+        <p:nvSpPr>
+          <p:cNvPr id="5" name="TextBox 4"/>
+          <p:cNvSpPr txBox="1"/>
+          <p:nvPr/>
+        </p:nvSpPr>
+        <p:spPr>
+          <a:xfrm>
+            <a:off x="315685" y="729343"/>
+            <a:ext cx="2997937" cy="307777"/>
+          </a:xfrm>
+          <a:prstGeom prst="rect">
+            <a:avLst/>
+          </a:prstGeom>
+          <a:noFill/>
+        </p:spPr>
+        <p:txBody>
+          <a:bodyPr wrap="none" rtlCol="0">
+            <a:spAutoFit/>
+          </a:bodyPr>
+          <a:lstStyle/>
+          <a:p>
+            <a:r>
+              <a:rPr lang="en-IN" dirty="0">
+                <a:hlinkClick r:id="rId2"/>
+              </a:rPr>
+              <a:t>https://arxiv.org/pdf/1811.10830.pdf</a:t>
+            </a:r>
+            <a:endParaRPr lang="en-IN" dirty="0"/>
+          </a:p>
+        </p:txBody>
+      </p:sp>
+      <p:sp>
+        <p:nvSpPr>
+          <p:cNvPr id="6" name="TextBox 5"/>
+          <p:cNvSpPr txBox="1"/>
+          <p:nvPr/>
+        </p:nvSpPr>
+        <p:spPr>
+          <a:xfrm>
+            <a:off x="261257" y="1153885"/>
+            <a:ext cx="3204845" cy="306705"/>
+          </a:xfrm>
+          <a:prstGeom prst="rect">
+            <a:avLst/>
+          </a:prstGeom>
+          <a:noFill/>
+        </p:spPr>
+        <p:txBody>
+          <a:bodyPr wrap="none" rtlCol="0">
+            <a:spAutoFit/>
+          </a:bodyPr>
+          <a:lstStyle/>
+          <a:p>
+            <a:r>
+              <a:rPr lang="en-US" dirty="0">
+                <a:latin typeface="Times New Roman" panose="02020603050405020304" charset="0"/>
+                <a:cs typeface="Times New Roman" panose="02020603050405020304" charset="0"/>
+              </a:rPr>
+              <a:t>Dataset : Visual Commonsense Reasoning</a:t>
+            </a:r>
+            <a:endParaRPr lang="en-IN" dirty="0">
+              <a:latin typeface="Times New Roman" panose="02020603050405020304" charset="0"/>
+              <a:cs typeface="Times New Roman" panose="02020603050405020304" charset="0"/>
+            </a:endParaRPr>
+          </a:p>
+        </p:txBody>
+      </p:sp>
+      <p:sp>
+        <p:nvSpPr>
+          <p:cNvPr id="7" name="TextBox 6"/>
+          <p:cNvSpPr txBox="1"/>
+          <p:nvPr/>
+        </p:nvSpPr>
+        <p:spPr>
+          <a:xfrm>
+            <a:off x="315686" y="3788229"/>
+            <a:ext cx="6894836" cy="954107"/>
+          </a:xfrm>
+          <a:prstGeom prst="rect">
+            <a:avLst/>
+          </a:prstGeom>
+          <a:noFill/>
+        </p:spPr>
+        <p:txBody>
+          <a:bodyPr wrap="none" rtlCol="0">
+            <a:spAutoFit/>
+          </a:bodyPr>
+          <a:lstStyle/>
+          <a:p>
+            <a:pPr>
+              <a:buFont typeface="Arial" panose="020B0604020202020204" pitchFamily="34" charset="0"/>
+              <a:buChar char="•"/>
+            </a:pPr>
+            <a:r>
+              <a:rPr lang="en-US" dirty="0"/>
+              <a:t> Collected from Large Scale Movie Description Challenge and YouTube movie clips </a:t>
+            </a:r>
+            <a:endParaRPr lang="en-US" dirty="0"/>
+          </a:p>
+          <a:p>
+            <a:pPr>
+              <a:buFont typeface="Arial" panose="020B0604020202020204" pitchFamily="34" charset="0"/>
+              <a:buChar char="•"/>
+            </a:pPr>
+            <a:r>
+              <a:rPr lang="en-US" dirty="0"/>
+              <a:t>List of objects</a:t>
+            </a:r>
+            <a:endParaRPr lang="en-US" dirty="0"/>
+          </a:p>
+          <a:p>
+            <a:pPr>
+              <a:buFont typeface="Arial" panose="020B0604020202020204" pitchFamily="34" charset="0"/>
+              <a:buChar char="•"/>
+            </a:pPr>
+            <a:r>
+              <a:rPr lang="en-US" dirty="0"/>
+              <a:t> A query </a:t>
+            </a:r>
+            <a:endParaRPr lang="en-US" dirty="0"/>
+          </a:p>
+          <a:p>
+            <a:pPr>
+              <a:buFont typeface="Arial" panose="020B0604020202020204" pitchFamily="34" charset="0"/>
+              <a:buChar char="•"/>
+            </a:pPr>
+            <a:r>
+              <a:rPr lang="en-US" dirty="0"/>
+              <a:t> A set of N responses</a:t>
+            </a:r>
+            <a:endParaRPr lang="en-US" dirty="0"/>
+          </a:p>
+        </p:txBody>
+      </p:sp>
+    </p:spTree>
+  </p:cSld>
+  <p:clrMapOvr>
+    <a:masterClrMapping/>
+  </p:clrMapOvr>
+</p:sld>
+</file>
+
+<file path=ppt/slides/slide7.xml><?xml version="1.0" encoding="utf-8"?>
+<p:sld xmlns:a="http://schemas.openxmlformats.org/drawingml/2006/main" xmlns:r="http://schemas.openxmlformats.org/officeDocument/2006/relationships" xmlns:p="http://schemas.openxmlformats.org/presentationml/2006/main">
+  <p:cSld>
+    <p:spTree>
+      <p:nvGrpSpPr>
+        <p:cNvPr id="1" name=""/>
+        <p:cNvGrpSpPr/>
+        <p:nvPr/>
+      </p:nvGrpSpPr>
+      <p:grpSpPr>
+        <a:xfrm>
+          <a:off x="0" y="0"/>
+          <a:ext cx="0" cy="0"/>
+          <a:chOff x="0" y="0"/>
+          <a:chExt cx="0" cy="0"/>
+        </a:xfrm>
+      </p:grpSpPr>
+      <p:pic>
+        <p:nvPicPr>
+          <p:cNvPr id="2" name="Picture 1" descr="Screenshot (115).png"/>
+          <p:cNvPicPr>
+            <a:picLocks noChangeAspect="1"/>
+          </p:cNvPicPr>
+          <p:nvPr/>
+        </p:nvPicPr>
+        <p:blipFill>
+          <a:blip r:embed="rId1"/>
+          <a:srcRect l="49310" t="31254" r="10920" b="33990"/>
+          <a:stretch>
+            <a:fillRect/>
+          </a:stretch>
+        </p:blipFill>
+        <p:spPr>
+          <a:xfrm>
+            <a:off x="136635" y="420415"/>
+            <a:ext cx="3930869" cy="2060028"/>
+          </a:xfrm>
+          <a:prstGeom prst="rect">
+            <a:avLst/>
+          </a:prstGeom>
+        </p:spPr>
+      </p:pic>
+      <p:sp>
+        <p:nvSpPr>
+          <p:cNvPr id="3" name="TextBox 2"/>
+          <p:cNvSpPr txBox="1"/>
+          <p:nvPr/>
+        </p:nvSpPr>
+        <p:spPr>
+          <a:xfrm>
+            <a:off x="178677" y="0"/>
+            <a:ext cx="1901190" cy="306705"/>
+          </a:xfrm>
+          <a:prstGeom prst="rect">
+            <a:avLst/>
+          </a:prstGeom>
+          <a:noFill/>
+        </p:spPr>
+        <p:txBody>
+          <a:bodyPr wrap="none" rtlCol="0">
+            <a:spAutoFit/>
+          </a:bodyPr>
+          <a:lstStyle/>
+          <a:p>
+            <a:r>
+              <a:rPr lang="en-US" b="1" dirty="0">
+                <a:latin typeface="Times New Roman" panose="02020603050405020304" charset="0"/>
+                <a:cs typeface="Times New Roman" panose="02020603050405020304" charset="0"/>
+              </a:rPr>
+              <a:t>Adversarial Matching </a:t>
+            </a:r>
+            <a:endParaRPr lang="en-IN" b="1" dirty="0">
+              <a:latin typeface="Times New Roman" panose="02020603050405020304" charset="0"/>
+              <a:cs typeface="Times New Roman" panose="02020603050405020304" charset="0"/>
+            </a:endParaRPr>
+          </a:p>
+        </p:txBody>
+      </p:sp>
+      <p:pic>
+        <p:nvPicPr>
+          <p:cNvPr id="4" name="Picture 3" descr="Screenshot (116).png"/>
+          <p:cNvPicPr>
+            <a:picLocks noChangeAspect="1"/>
+          </p:cNvPicPr>
+          <p:nvPr/>
+        </p:nvPicPr>
+        <p:blipFill>
+          <a:blip r:embed="rId2"/>
+          <a:srcRect l="7241" t="35753" r="5977" b="29492"/>
+          <a:stretch>
+            <a:fillRect/>
+          </a:stretch>
+        </p:blipFill>
+        <p:spPr>
+          <a:xfrm>
+            <a:off x="0" y="3121573"/>
+            <a:ext cx="7210097" cy="1786759"/>
+          </a:xfrm>
+          <a:prstGeom prst="rect">
+            <a:avLst/>
+          </a:prstGeom>
+        </p:spPr>
+      </p:pic>
+      <p:sp>
+        <p:nvSpPr>
+          <p:cNvPr id="5" name="TextBox 4"/>
+          <p:cNvSpPr txBox="1"/>
+          <p:nvPr/>
+        </p:nvSpPr>
+        <p:spPr>
+          <a:xfrm>
+            <a:off x="178675" y="2711669"/>
+            <a:ext cx="2607945" cy="306705"/>
+          </a:xfrm>
+          <a:prstGeom prst="rect">
+            <a:avLst/>
+          </a:prstGeom>
+          <a:noFill/>
+        </p:spPr>
+        <p:txBody>
+          <a:bodyPr wrap="none" rtlCol="0">
+            <a:spAutoFit/>
+          </a:bodyPr>
+          <a:lstStyle/>
+          <a:p>
+            <a:r>
+              <a:rPr lang="en-US" b="1" dirty="0">
+                <a:latin typeface="Times New Roman" panose="02020603050405020304" charset="0"/>
+                <a:cs typeface="Times New Roman" panose="02020603050405020304" charset="0"/>
+              </a:rPr>
+              <a:t>Recognition to Cognition Model</a:t>
+            </a:r>
+            <a:endParaRPr lang="en-IN" b="1" dirty="0">
+              <a:latin typeface="Times New Roman" panose="02020603050405020304" charset="0"/>
+              <a:cs typeface="Times New Roman" panose="02020603050405020304" charset="0"/>
+            </a:endParaRPr>
+          </a:p>
+        </p:txBody>
+      </p:sp>
+      <p:sp>
+        <p:nvSpPr>
+          <p:cNvPr id="6" name="TextBox 5"/>
+          <p:cNvSpPr txBox="1"/>
+          <p:nvPr/>
+        </p:nvSpPr>
+        <p:spPr>
+          <a:xfrm>
+            <a:off x="4321629" y="515007"/>
+            <a:ext cx="4822371" cy="2030095"/>
+          </a:xfrm>
+          <a:prstGeom prst="rect">
+            <a:avLst/>
+          </a:prstGeom>
+          <a:noFill/>
+        </p:spPr>
+        <p:txBody>
+          <a:bodyPr wrap="square" rtlCol="0">
+            <a:spAutoFit/>
+          </a:bodyPr>
+          <a:lstStyle/>
+          <a:p>
+            <a:pPr>
+              <a:buFont typeface="Arial" panose="020B0604020202020204" pitchFamily="34" charset="0"/>
+              <a:buChar char="•"/>
+            </a:pPr>
+            <a:r>
+              <a:rPr lang="en-US" dirty="0">
+                <a:latin typeface="Times New Roman" panose="02020603050405020304" charset="0"/>
+                <a:cs typeface="Times New Roman" panose="02020603050405020304" charset="0"/>
+              </a:rPr>
+              <a:t> For Question Answering Q -&gt; A</a:t>
+            </a:r>
+            <a:endParaRPr lang="en-US" dirty="0">
+              <a:latin typeface="Times New Roman" panose="02020603050405020304" charset="0"/>
+              <a:cs typeface="Times New Roman" panose="02020603050405020304" charset="0"/>
+            </a:endParaRPr>
+          </a:p>
+          <a:p>
+            <a:pPr>
+              <a:buFont typeface="Arial" panose="020B0604020202020204" pitchFamily="34" charset="0"/>
+              <a:buChar char="•"/>
+            </a:pPr>
+            <a:r>
+              <a:rPr lang="en-US" dirty="0">
+                <a:latin typeface="Times New Roman" panose="02020603050405020304" charset="0"/>
+                <a:cs typeface="Times New Roman" panose="02020603050405020304" charset="0"/>
+              </a:rPr>
+              <a:t> Language generation dataset to Multiple Choice Test</a:t>
+            </a:r>
+            <a:endParaRPr lang="en-US" dirty="0">
+              <a:latin typeface="Times New Roman" panose="02020603050405020304" charset="0"/>
+              <a:cs typeface="Times New Roman" panose="02020603050405020304" charset="0"/>
+            </a:endParaRPr>
+          </a:p>
+          <a:p>
+            <a:pPr>
+              <a:buFont typeface="Arial" panose="020B0604020202020204" pitchFamily="34" charset="0"/>
+              <a:buChar char="•"/>
+            </a:pPr>
+            <a:r>
+              <a:rPr lang="en-US" dirty="0">
+                <a:latin typeface="Times New Roman" panose="02020603050405020304" charset="0"/>
+                <a:cs typeface="Times New Roman" panose="02020603050405020304" charset="0"/>
+              </a:rPr>
+              <a:t> Two subtasks:</a:t>
+            </a:r>
+            <a:endParaRPr lang="en-US" dirty="0">
+              <a:latin typeface="Times New Roman" panose="02020603050405020304" charset="0"/>
+              <a:cs typeface="Times New Roman" panose="02020603050405020304" charset="0"/>
+            </a:endParaRPr>
+          </a:p>
+          <a:p>
+            <a:r>
+              <a:rPr lang="en-US" dirty="0">
+                <a:latin typeface="Times New Roman" panose="02020603050405020304" charset="0"/>
+                <a:cs typeface="Times New Roman" panose="02020603050405020304" charset="0"/>
+              </a:rPr>
+              <a:t>            - Answer is as relevant as possible</a:t>
+            </a:r>
+            <a:endParaRPr lang="en-US" dirty="0">
+              <a:latin typeface="Times New Roman" panose="02020603050405020304" charset="0"/>
+              <a:cs typeface="Times New Roman" panose="02020603050405020304" charset="0"/>
+            </a:endParaRPr>
+          </a:p>
+          <a:p>
+            <a:r>
+              <a:rPr lang="en-US" dirty="0">
+                <a:latin typeface="Times New Roman" panose="02020603050405020304" charset="0"/>
+                <a:cs typeface="Times New Roman" panose="02020603050405020304" charset="0"/>
+              </a:rPr>
+              <a:t>            - Dissimilarity between other answers are from the correct answer</a:t>
+            </a:r>
+            <a:endParaRPr lang="en-US" dirty="0">
+              <a:latin typeface="Times New Roman" panose="02020603050405020304" charset="0"/>
+              <a:cs typeface="Times New Roman" panose="02020603050405020304" charset="0"/>
+            </a:endParaRPr>
+          </a:p>
+          <a:p>
+            <a:pPr>
+              <a:buFont typeface="Arial" panose="020B0604020202020204" pitchFamily="34" charset="0"/>
+              <a:buChar char="•"/>
+            </a:pPr>
+            <a:r>
+              <a:rPr lang="en-US" dirty="0">
+                <a:latin typeface="Times New Roman" panose="02020603050405020304" charset="0"/>
+                <a:cs typeface="Times New Roman" panose="02020603050405020304" charset="0"/>
+              </a:rPr>
+              <a:t> Maximum weight bipartite matching</a:t>
+            </a:r>
+            <a:endParaRPr lang="en-US" dirty="0">
+              <a:latin typeface="Times New Roman" panose="02020603050405020304" charset="0"/>
+              <a:cs typeface="Times New Roman" panose="02020603050405020304" charset="0"/>
+            </a:endParaRPr>
+          </a:p>
+          <a:p>
+            <a:endParaRPr lang="en-US" dirty="0">
+              <a:latin typeface="Times New Roman" panose="02020603050405020304" charset="0"/>
+              <a:cs typeface="Times New Roman" panose="02020603050405020304" charset="0"/>
+            </a:endParaRPr>
+          </a:p>
+          <a:p>
+            <a:r>
+              <a:rPr lang="en-US" dirty="0">
+                <a:latin typeface="Times New Roman" panose="02020603050405020304" charset="0"/>
+                <a:cs typeface="Times New Roman" panose="02020603050405020304" charset="0"/>
+              </a:rPr>
+              <a:t>       </a:t>
+            </a:r>
+            <a:endParaRPr lang="en-IN" dirty="0">
+              <a:latin typeface="Times New Roman" panose="02020603050405020304" charset="0"/>
+              <a:cs typeface="Times New Roman" panose="02020603050405020304" charset="0"/>
+            </a:endParaRPr>
+          </a:p>
+        </p:txBody>
+      </p:sp>
+      <p:sp>
+        <p:nvSpPr>
+          <p:cNvPr id="7" name="TextBox 6"/>
+          <p:cNvSpPr txBox="1"/>
+          <p:nvPr/>
+        </p:nvSpPr>
+        <p:spPr>
+          <a:xfrm>
+            <a:off x="7293429" y="3450771"/>
+            <a:ext cx="1719942" cy="953135"/>
+          </a:xfrm>
+          <a:prstGeom prst="rect">
+            <a:avLst/>
+          </a:prstGeom>
+          <a:noFill/>
+        </p:spPr>
+        <p:txBody>
+          <a:bodyPr wrap="square" rtlCol="0">
+            <a:spAutoFit/>
+          </a:bodyPr>
+          <a:lstStyle/>
+          <a:p>
+            <a:pPr>
+              <a:buFont typeface="Arial" panose="020B0604020202020204" pitchFamily="34" charset="0"/>
+              <a:buChar char="•"/>
+            </a:pPr>
+            <a:r>
+              <a:rPr lang="en-US" dirty="0">
+                <a:latin typeface="Times New Roman" panose="02020603050405020304" charset="0"/>
+                <a:cs typeface="Times New Roman" panose="02020603050405020304" charset="0"/>
+              </a:rPr>
+              <a:t> QA -&gt; R </a:t>
+            </a:r>
+            <a:endParaRPr lang="en-US" dirty="0">
+              <a:latin typeface="Times New Roman" panose="02020603050405020304" charset="0"/>
+              <a:cs typeface="Times New Roman" panose="02020603050405020304" charset="0"/>
+            </a:endParaRPr>
+          </a:p>
+          <a:p>
+            <a:pPr>
+              <a:buFont typeface="Arial" panose="020B0604020202020204" pitchFamily="34" charset="0"/>
+              <a:buChar char="•"/>
+            </a:pPr>
+            <a:r>
+              <a:rPr lang="en-US" dirty="0">
+                <a:latin typeface="Times New Roman" panose="02020603050405020304" charset="0"/>
+                <a:cs typeface="Times New Roman" panose="02020603050405020304" charset="0"/>
+              </a:rPr>
+              <a:t> Grounding</a:t>
+            </a:r>
+            <a:endParaRPr lang="en-US" dirty="0">
+              <a:latin typeface="Times New Roman" panose="02020603050405020304" charset="0"/>
+              <a:cs typeface="Times New Roman" panose="02020603050405020304" charset="0"/>
+            </a:endParaRPr>
+          </a:p>
+          <a:p>
+            <a:pPr>
+              <a:buFont typeface="Arial" panose="020B0604020202020204" pitchFamily="34" charset="0"/>
+              <a:buChar char="•"/>
+            </a:pPr>
+            <a:r>
+              <a:rPr lang="en-US" dirty="0">
+                <a:latin typeface="Times New Roman" panose="02020603050405020304" charset="0"/>
+                <a:cs typeface="Times New Roman" panose="02020603050405020304" charset="0"/>
+              </a:rPr>
+              <a:t> Contextualization</a:t>
+            </a:r>
+            <a:endParaRPr lang="en-US" dirty="0">
+              <a:latin typeface="Times New Roman" panose="02020603050405020304" charset="0"/>
+              <a:cs typeface="Times New Roman" panose="02020603050405020304" charset="0"/>
+            </a:endParaRPr>
+          </a:p>
+          <a:p>
+            <a:pPr>
+              <a:buFont typeface="Arial" panose="020B0604020202020204" pitchFamily="34" charset="0"/>
+              <a:buChar char="•"/>
+            </a:pPr>
+            <a:r>
+              <a:rPr lang="en-US" dirty="0">
+                <a:latin typeface="Times New Roman" panose="02020603050405020304" charset="0"/>
+                <a:cs typeface="Times New Roman" panose="02020603050405020304" charset="0"/>
+              </a:rPr>
+              <a:t> Reasoning</a:t>
+            </a:r>
+            <a:endParaRPr lang="en-IN" dirty="0">
+              <a:latin typeface="Times New Roman" panose="02020603050405020304" charset="0"/>
+              <a:cs typeface="Times New Roman" panose="02020603050405020304" charset="0"/>
+            </a:endParaRPr>
+          </a:p>
+        </p:txBody>
+      </p:sp>
+    </p:spTree>
+  </p:cSld>
+  <p:clrMapOvr>
+    <a:masterClrMapping/>
+  </p:clrMapOvr>
+</p:sld>
+</file>
+
+<file path=ppt/slides/slide8.xml><?xml version="1.0" encoding="utf-8"?>
 <p:sld xmlns:a="http://schemas.openxmlformats.org/drawingml/2006/main" xmlns:r="http://schemas.openxmlformats.org/officeDocument/2006/relationships" xmlns:p="http://schemas.openxmlformats.org/presentationml/2006/main">
   <p:cSld>
     <p:spTree>
@@ -7054,7 +10225,7 @@
 </p:sld>
 </file>
 
-<file path=ppt/slides/slide11.xml><?xml version="1.0" encoding="utf-8"?>
+<file path=ppt/slides/slide9.xml><?xml version="1.0" encoding="utf-8"?>
 <p:sld xmlns:a="http://schemas.openxmlformats.org/drawingml/2006/main" xmlns:r="http://schemas.openxmlformats.org/officeDocument/2006/relationships" xmlns:p="http://schemas.openxmlformats.org/presentationml/2006/main">
   <p:cSld>
     <p:spTree>
@@ -7252,3745 +10423,6 @@
           </a:prstGeom>
         </p:spPr>
       </p:pic>
-    </p:spTree>
-  </p:cSld>
-  <p:clrMapOvr>
-    <a:masterClrMapping/>
-  </p:clrMapOvr>
-</p:sld>
-</file>
-
-<file path=ppt/slides/slide12.xml><?xml version="1.0" encoding="utf-8"?>
-<p:sld xmlns:a="http://schemas.openxmlformats.org/drawingml/2006/main" xmlns:r="http://schemas.openxmlformats.org/officeDocument/2006/relationships" xmlns:p="http://schemas.openxmlformats.org/presentationml/2006/main">
-  <p:cSld>
-    <p:spTree>
-      <p:nvGrpSpPr>
-        <p:cNvPr id="1" name=""/>
-        <p:cNvGrpSpPr/>
-        <p:nvPr/>
-      </p:nvGrpSpPr>
-      <p:grpSpPr>
-        <a:xfrm>
-          <a:off x="0" y="0"/>
-          <a:ext cx="0" cy="0"/>
-          <a:chOff x="0" y="0"/>
-          <a:chExt cx="0" cy="0"/>
-        </a:xfrm>
-      </p:grpSpPr>
-      <p:sp>
-        <p:nvSpPr>
-          <p:cNvPr id="2" name="Title 1"/>
-          <p:cNvSpPr>
-            <a:spLocks noGrp="1"/>
-          </p:cNvSpPr>
-          <p:nvPr>
-            <p:ph type="title"/>
-          </p:nvPr>
-        </p:nvSpPr>
-        <p:spPr/>
-        <p:txBody>
-          <a:bodyPr/>
-          <a:lstStyle/>
-          <a:p>
-            <a:r>
-              <a:rPr lang="en-US">
-                <a:latin typeface="Times New Roman" panose="02020603050405020304" charset="0"/>
-                <a:cs typeface="Times New Roman" panose="02020603050405020304" charset="0"/>
-                <a:sym typeface="+mn-ea"/>
-              </a:rPr>
-              <a:t>Baseline model</a:t>
-            </a:r>
-            <a:endParaRPr lang="en-US">
-              <a:latin typeface="Times New Roman" panose="02020603050405020304" charset="0"/>
-              <a:cs typeface="Times New Roman" panose="02020603050405020304" charset="0"/>
-            </a:endParaRPr>
-          </a:p>
-        </p:txBody>
-      </p:sp>
-      <p:sp>
-        <p:nvSpPr>
-          <p:cNvPr id="3" name="Text Placeholder 2"/>
-          <p:cNvSpPr>
-            <a:spLocks noGrp="1"/>
-          </p:cNvSpPr>
-          <p:nvPr>
-            <p:ph type="body" idx="1"/>
-          </p:nvPr>
-        </p:nvSpPr>
-        <p:spPr>
-          <a:xfrm>
-            <a:off x="311785" y="1044575"/>
-            <a:ext cx="8520515" cy="3905250"/>
-          </a:xfrm>
-        </p:spPr>
-        <p:txBody>
-          <a:bodyPr/>
-          <a:lstStyle/>
-          <a:p>
-            <a:pPr>
-              <a:buFont typeface="Arial" panose="020B0604020202020204" pitchFamily="34" charset="0"/>
-              <a:buChar char="•"/>
-            </a:pPr>
-            <a:r>
-              <a:rPr lang="en-US" dirty="0">
-                <a:latin typeface="Times New Roman" panose="02020603050405020304" charset="0"/>
-                <a:cs typeface="Times New Roman" panose="02020603050405020304" charset="0"/>
-              </a:rPr>
-              <a:t>Model  projects </a:t>
-            </a:r>
-            <a:endParaRPr lang="en-US" dirty="0">
-              <a:latin typeface="Times New Roman" panose="02020603050405020304" charset="0"/>
-              <a:cs typeface="Times New Roman" panose="02020603050405020304" charset="0"/>
-            </a:endParaRPr>
-          </a:p>
-          <a:p>
-            <a:pPr marL="114300" indent="0">
-              <a:buNone/>
-            </a:pPr>
-            <a:r>
-              <a:rPr lang="en-US" dirty="0">
-                <a:latin typeface="Times New Roman" panose="02020603050405020304" charset="0"/>
-                <a:cs typeface="Times New Roman" panose="02020603050405020304" charset="0"/>
-              </a:rPr>
-              <a:t>          </a:t>
-            </a:r>
-            <a:r>
-              <a:rPr lang="en-US" dirty="0" err="1">
-                <a:latin typeface="Times New Roman" panose="02020603050405020304" charset="0"/>
-                <a:cs typeface="Times New Roman" panose="02020603050405020304" charset="0"/>
-              </a:rPr>
-              <a:t>D</a:t>
-            </a:r>
-            <a:r>
-              <a:rPr lang="en-US" baseline="-25000" dirty="0" err="1">
-                <a:latin typeface="Times New Roman" panose="02020603050405020304" charset="0"/>
-                <a:cs typeface="Times New Roman" panose="02020603050405020304" charset="0"/>
-              </a:rPr>
-              <a:t>xI</a:t>
-            </a:r>
-            <a:r>
-              <a:rPr lang="en-US" dirty="0">
-                <a:latin typeface="Times New Roman" panose="02020603050405020304" charset="0"/>
-                <a:cs typeface="Times New Roman" panose="02020603050405020304" charset="0"/>
-              </a:rPr>
-              <a:t> - dimensional CNN activation </a:t>
-            </a:r>
-            <a:r>
-              <a:rPr lang="en-US" dirty="0" err="1">
-                <a:latin typeface="Times New Roman" panose="02020603050405020304" charset="0"/>
-                <a:cs typeface="Times New Roman" panose="02020603050405020304" charset="0"/>
-              </a:rPr>
-              <a:t>xI</a:t>
-            </a:r>
-            <a:r>
-              <a:rPr lang="en-US" dirty="0">
-                <a:latin typeface="Times New Roman" panose="02020603050405020304" charset="0"/>
-                <a:cs typeface="Times New Roman" panose="02020603050405020304" charset="0"/>
-              </a:rPr>
-              <a:t> for image I </a:t>
-            </a:r>
-            <a:endParaRPr lang="en-US" dirty="0">
-              <a:latin typeface="Times New Roman" panose="02020603050405020304" charset="0"/>
-              <a:cs typeface="Times New Roman" panose="02020603050405020304" charset="0"/>
-            </a:endParaRPr>
-          </a:p>
-          <a:p>
-            <a:pPr marL="114300" indent="0">
-              <a:buNone/>
-            </a:pPr>
-            <a:r>
-              <a:rPr lang="en-US" dirty="0">
-                <a:latin typeface="Times New Roman" panose="02020603050405020304" charset="0"/>
-                <a:cs typeface="Times New Roman" panose="02020603050405020304" charset="0"/>
-              </a:rPr>
-              <a:t>          </a:t>
-            </a:r>
-            <a:r>
-              <a:rPr lang="en-US" dirty="0" err="1">
-                <a:latin typeface="Times New Roman" panose="02020603050405020304" charset="0"/>
-                <a:cs typeface="Times New Roman" panose="02020603050405020304" charset="0"/>
-              </a:rPr>
-              <a:t>D</a:t>
-            </a:r>
-            <a:r>
-              <a:rPr lang="en-US" baseline="-25000" dirty="0" err="1">
-                <a:latin typeface="Times New Roman" panose="02020603050405020304" charset="0"/>
-                <a:cs typeface="Times New Roman" panose="02020603050405020304" charset="0"/>
-              </a:rPr>
-              <a:t>xC</a:t>
-            </a:r>
-            <a:r>
-              <a:rPr lang="en-US" dirty="0">
-                <a:latin typeface="Times New Roman" panose="02020603050405020304" charset="0"/>
-                <a:cs typeface="Times New Roman" panose="02020603050405020304" charset="0"/>
-              </a:rPr>
-              <a:t>- dimensional RNN latent encoding </a:t>
-            </a:r>
-            <a:r>
-              <a:rPr lang="en-US" dirty="0" err="1">
-                <a:latin typeface="Times New Roman" panose="02020603050405020304" charset="0"/>
-                <a:cs typeface="Times New Roman" panose="02020603050405020304" charset="0"/>
-              </a:rPr>
-              <a:t>xC</a:t>
-            </a:r>
-            <a:r>
-              <a:rPr lang="en-US" dirty="0">
-                <a:latin typeface="Times New Roman" panose="02020603050405020304" charset="0"/>
-                <a:cs typeface="Times New Roman" panose="02020603050405020304" charset="0"/>
-              </a:rPr>
-              <a:t> for caption C </a:t>
-            </a:r>
-            <a:endParaRPr lang="en-US" dirty="0">
-              <a:latin typeface="Times New Roman" panose="02020603050405020304" charset="0"/>
-              <a:cs typeface="Times New Roman" panose="02020603050405020304" charset="0"/>
-            </a:endParaRPr>
-          </a:p>
-          <a:p>
-            <a:pPr marL="114300" indent="0">
-              <a:buNone/>
-            </a:pPr>
-            <a:r>
-              <a:rPr lang="en-US" dirty="0">
-                <a:latin typeface="Times New Roman" panose="02020603050405020304" charset="0"/>
-                <a:cs typeface="Times New Roman" panose="02020603050405020304" charset="0"/>
-              </a:rPr>
-              <a:t>          to the same </a:t>
-            </a:r>
-            <a:r>
-              <a:rPr lang="en-US" dirty="0" err="1">
-                <a:latin typeface="Times New Roman" panose="02020603050405020304" charset="0"/>
-                <a:cs typeface="Times New Roman" panose="02020603050405020304" charset="0"/>
-              </a:rPr>
-              <a:t>D</a:t>
-            </a:r>
-            <a:r>
-              <a:rPr lang="en-US" baseline="-25000" dirty="0" err="1">
-                <a:latin typeface="Times New Roman" panose="02020603050405020304" charset="0"/>
-                <a:cs typeface="Times New Roman" panose="02020603050405020304" charset="0"/>
-              </a:rPr>
-              <a:t>xC</a:t>
-            </a:r>
-            <a:r>
-              <a:rPr lang="en-US" dirty="0">
-                <a:latin typeface="Times New Roman" panose="02020603050405020304" charset="0"/>
-                <a:cs typeface="Times New Roman" panose="02020603050405020304" charset="0"/>
-              </a:rPr>
-              <a:t>-dimensional common multi-modal embedding space as unit-norm vectors </a:t>
-            </a:r>
-            <a:r>
-              <a:rPr lang="en-US" dirty="0" err="1">
-                <a:latin typeface="Times New Roman" panose="02020603050405020304" charset="0"/>
-                <a:cs typeface="Times New Roman" panose="02020603050405020304" charset="0"/>
-              </a:rPr>
-              <a:t>t</a:t>
-            </a:r>
-            <a:r>
-              <a:rPr lang="en-US" baseline="-25000" dirty="0" err="1">
-                <a:latin typeface="Times New Roman" panose="02020603050405020304" charset="0"/>
-                <a:cs typeface="Times New Roman" panose="02020603050405020304" charset="0"/>
-              </a:rPr>
-              <a:t>I</a:t>
-            </a:r>
-            <a:r>
-              <a:rPr lang="en-US" baseline="-25000" dirty="0">
-                <a:latin typeface="Times New Roman" panose="02020603050405020304" charset="0"/>
-                <a:cs typeface="Times New Roman" panose="02020603050405020304" charset="0"/>
-              </a:rPr>
-              <a:t> </a:t>
-            </a:r>
-            <a:r>
-              <a:rPr lang="en-US" dirty="0">
-                <a:latin typeface="Times New Roman" panose="02020603050405020304" charset="0"/>
-                <a:cs typeface="Times New Roman" panose="02020603050405020304" charset="0"/>
-              </a:rPr>
-              <a:t>and </a:t>
-            </a:r>
-            <a:r>
-              <a:rPr lang="en-US" dirty="0" err="1">
-                <a:latin typeface="Times New Roman" panose="02020603050405020304" charset="0"/>
-                <a:cs typeface="Times New Roman" panose="02020603050405020304" charset="0"/>
-              </a:rPr>
-              <a:t>t</a:t>
-            </a:r>
-            <a:r>
-              <a:rPr lang="en-US" baseline="-25000" dirty="0" err="1">
-                <a:latin typeface="Times New Roman" panose="02020603050405020304" charset="0"/>
-                <a:cs typeface="Times New Roman" panose="02020603050405020304" charset="0"/>
-              </a:rPr>
-              <a:t>C</a:t>
-            </a:r>
-            <a:r>
-              <a:rPr lang="en-US" dirty="0">
-                <a:latin typeface="Times New Roman" panose="02020603050405020304" charset="0"/>
-                <a:cs typeface="Times New Roman" panose="02020603050405020304" charset="0"/>
-              </a:rPr>
-              <a:t> :</a:t>
-            </a:r>
-            <a:endParaRPr lang="en-US" dirty="0">
-              <a:latin typeface="Times New Roman" panose="02020603050405020304" charset="0"/>
-              <a:cs typeface="Times New Roman" panose="02020603050405020304" charset="0"/>
-            </a:endParaRPr>
-          </a:p>
-          <a:p>
-            <a:pPr>
-              <a:buFont typeface="Arial" panose="020B0604020202020204" pitchFamily="34" charset="0"/>
-              <a:buChar char="•"/>
-            </a:pPr>
-            <a:endParaRPr lang="en-US" dirty="0">
-              <a:latin typeface="Times New Roman" panose="02020603050405020304" charset="0"/>
-              <a:cs typeface="Times New Roman" panose="02020603050405020304" charset="0"/>
-            </a:endParaRPr>
-          </a:p>
-          <a:p>
-            <a:pPr>
-              <a:buFont typeface="Arial" panose="020B0604020202020204" pitchFamily="34" charset="0"/>
-              <a:buChar char="•"/>
-            </a:pPr>
-            <a:endParaRPr lang="en-US" dirty="0">
-              <a:latin typeface="Times New Roman" panose="02020603050405020304" charset="0"/>
-              <a:cs typeface="Times New Roman" panose="02020603050405020304" charset="0"/>
-            </a:endParaRPr>
-          </a:p>
-          <a:p>
-            <a:pPr>
-              <a:buFont typeface="Arial" panose="020B0604020202020204" pitchFamily="34" charset="0"/>
-              <a:buChar char="•"/>
-            </a:pPr>
-            <a:r>
-              <a:rPr lang="en-US" dirty="0">
-                <a:latin typeface="Times New Roman" panose="02020603050405020304" charset="0"/>
-                <a:cs typeface="Times New Roman" panose="02020603050405020304" charset="0"/>
-              </a:rPr>
-              <a:t>The multi-modal scoring function is defined as their dot product </a:t>
-            </a:r>
-            <a:br>
-              <a:rPr lang="en-US" dirty="0">
-                <a:latin typeface="Times New Roman" panose="02020603050405020304" charset="0"/>
-                <a:cs typeface="Times New Roman" panose="02020603050405020304" charset="0"/>
-              </a:rPr>
-            </a:br>
-            <a:r>
-              <a:rPr lang="en-US" dirty="0">
-                <a:latin typeface="Times New Roman" panose="02020603050405020304" charset="0"/>
-                <a:cs typeface="Times New Roman" panose="02020603050405020304" charset="0"/>
-              </a:rPr>
-              <a:t>S</a:t>
-            </a:r>
-            <a:r>
-              <a:rPr lang="en-US" sz="1600" dirty="0">
-                <a:latin typeface="Times New Roman" panose="02020603050405020304" charset="0"/>
-                <a:cs typeface="Times New Roman" panose="02020603050405020304" charset="0"/>
-              </a:rPr>
-              <a:t>t</a:t>
-            </a:r>
-            <a:r>
-              <a:rPr lang="en-US" dirty="0">
-                <a:latin typeface="Times New Roman" panose="02020603050405020304" charset="0"/>
-                <a:cs typeface="Times New Roman" panose="02020603050405020304" charset="0"/>
-              </a:rPr>
-              <a:t>(I, C) =&lt;</a:t>
-            </a:r>
-            <a:r>
-              <a:rPr lang="en-US" dirty="0" err="1">
-                <a:latin typeface="Times New Roman" panose="02020603050405020304" charset="0"/>
-                <a:cs typeface="Times New Roman" panose="02020603050405020304" charset="0"/>
-              </a:rPr>
-              <a:t>t</a:t>
-            </a:r>
-            <a:r>
-              <a:rPr lang="en-US" baseline="-25000" dirty="0" err="1">
-                <a:latin typeface="Times New Roman" panose="02020603050405020304" charset="0"/>
-                <a:cs typeface="Times New Roman" panose="02020603050405020304" charset="0"/>
-              </a:rPr>
-              <a:t>I</a:t>
-            </a:r>
-            <a:r>
-              <a:rPr lang="en-US" dirty="0">
-                <a:latin typeface="Times New Roman" panose="02020603050405020304" charset="0"/>
-                <a:cs typeface="Times New Roman" panose="02020603050405020304" charset="0"/>
-              </a:rPr>
-              <a:t> , </a:t>
-            </a:r>
-            <a:r>
-              <a:rPr lang="en-US" dirty="0" err="1">
-                <a:latin typeface="Times New Roman" panose="02020603050405020304" charset="0"/>
-                <a:cs typeface="Times New Roman" panose="02020603050405020304" charset="0"/>
-              </a:rPr>
-              <a:t>t</a:t>
-            </a:r>
-            <a:r>
-              <a:rPr lang="en-US" baseline="-25000" dirty="0" err="1">
-                <a:latin typeface="Times New Roman" panose="02020603050405020304" charset="0"/>
-                <a:cs typeface="Times New Roman" panose="02020603050405020304" charset="0"/>
-              </a:rPr>
-              <a:t>C</a:t>
-            </a:r>
-            <a:r>
-              <a:rPr lang="en-US" dirty="0">
-                <a:latin typeface="Times New Roman" panose="02020603050405020304" charset="0"/>
-                <a:cs typeface="Times New Roman" panose="02020603050405020304" charset="0"/>
-              </a:rPr>
-              <a:t> &gt;.</a:t>
-            </a:r>
-            <a:endParaRPr lang="en-US" dirty="0">
-              <a:latin typeface="Times New Roman" panose="02020603050405020304" charset="0"/>
-              <a:cs typeface="Times New Roman" panose="02020603050405020304" charset="0"/>
-            </a:endParaRPr>
-          </a:p>
-          <a:p>
-            <a:pPr marL="114300" indent="0">
-              <a:buNone/>
-            </a:pPr>
-            <a:endParaRPr lang="en-US" dirty="0">
-              <a:latin typeface="Times New Roman" panose="02020603050405020304" charset="0"/>
-              <a:cs typeface="Times New Roman" panose="02020603050405020304" charset="0"/>
-            </a:endParaRPr>
-          </a:p>
-          <a:p>
-            <a:pPr>
-              <a:buFont typeface="Arial" panose="020B0604020202020204" pitchFamily="34" charset="0"/>
-              <a:buChar char="•"/>
-            </a:pPr>
-            <a:endParaRPr lang="en-US" sz="900" dirty="0">
-              <a:solidFill>
-                <a:schemeClr val="tx1"/>
-              </a:solidFill>
-              <a:latin typeface="Times New Roman" panose="02020603050405020304" charset="0"/>
-              <a:cs typeface="Times New Roman" panose="02020603050405020304" charset="0"/>
-            </a:endParaRPr>
-          </a:p>
-        </p:txBody>
-      </p:sp>
-      <p:pic>
-        <p:nvPicPr>
-          <p:cNvPr id="5" name="Picture 4"/>
-          <p:cNvPicPr>
-            <a:picLocks noChangeAspect="1"/>
-          </p:cNvPicPr>
-          <p:nvPr/>
-        </p:nvPicPr>
-        <p:blipFill>
-          <a:blip r:embed="rId1"/>
-          <a:stretch>
-            <a:fillRect/>
-          </a:stretch>
-        </p:blipFill>
-        <p:spPr>
-          <a:xfrm>
-            <a:off x="3563620" y="2664460"/>
-            <a:ext cx="2016760" cy="513715"/>
-          </a:xfrm>
-          <a:prstGeom prst="rect">
-            <a:avLst/>
-          </a:prstGeom>
-        </p:spPr>
-      </p:pic>
-    </p:spTree>
-  </p:cSld>
-  <p:clrMapOvr>
-    <a:masterClrMapping/>
-  </p:clrMapOvr>
-</p:sld>
-</file>
-
-<file path=ppt/slides/slide13.xml><?xml version="1.0" encoding="utf-8"?>
-<p:sld xmlns:a="http://schemas.openxmlformats.org/drawingml/2006/main" xmlns:r="http://schemas.openxmlformats.org/officeDocument/2006/relationships" xmlns:p="http://schemas.openxmlformats.org/presentationml/2006/main">
-  <p:cSld>
-    <p:spTree>
-      <p:nvGrpSpPr>
-        <p:cNvPr id="1" name="Shape 103"/>
-        <p:cNvGrpSpPr/>
-        <p:nvPr/>
-      </p:nvGrpSpPr>
-      <p:grpSpPr>
-        <a:xfrm>
-          <a:off x="0" y="0"/>
-          <a:ext cx="0" cy="0"/>
-          <a:chOff x="0" y="0"/>
-          <a:chExt cx="0" cy="0"/>
-        </a:xfrm>
-      </p:grpSpPr>
-      <p:sp>
-        <p:nvSpPr>
-          <p:cNvPr id="104" name="Google Shape;104;p20"/>
-          <p:cNvSpPr txBox="1">
-            <a:spLocks noGrp="1"/>
-          </p:cNvSpPr>
-          <p:nvPr>
-            <p:ph type="title"/>
-          </p:nvPr>
-        </p:nvSpPr>
-        <p:spPr>
-          <a:xfrm>
-            <a:off x="311700" y="-305"/>
-            <a:ext cx="8520600" cy="831300"/>
-          </a:xfrm>
-          <a:prstGeom prst="rect">
-            <a:avLst/>
-          </a:prstGeom>
-        </p:spPr>
-        <p:txBody>
-          <a:bodyPr spcFirstLastPara="1" wrap="square" lIns="91425" tIns="91425" rIns="91425" bIns="91425" anchor="b" anchorCtr="0">
-            <a:noAutofit/>
-          </a:bodyPr>
-          <a:lstStyle/>
-          <a:p>
-            <a:pPr marL="0" lvl="0" indent="0" algn="l" rtl="0">
-              <a:spcBef>
-                <a:spcPts val="0"/>
-              </a:spcBef>
-              <a:spcAft>
-                <a:spcPts val="0"/>
-              </a:spcAft>
-              <a:buNone/>
-            </a:pPr>
-            <a:r>
-              <a:rPr sz="2800">
-                <a:latin typeface="Times New Roman" panose="02020603050405020304" charset="0"/>
-                <a:cs typeface="Times New Roman" panose="02020603050405020304" charset="0"/>
-              </a:rPr>
-              <a:t>VQA </a:t>
-            </a:r>
-            <a:r>
-              <a:rPr lang="en-US" sz="2800">
-                <a:latin typeface="Times New Roman" panose="02020603050405020304" charset="0"/>
-                <a:cs typeface="Times New Roman" panose="02020603050405020304" charset="0"/>
-              </a:rPr>
-              <a:t>and VQA-Caption</a:t>
-            </a:r>
-            <a:endParaRPr lang="en-US" sz="2800">
-              <a:latin typeface="Times New Roman" panose="02020603050405020304" charset="0"/>
-              <a:cs typeface="Times New Roman" panose="02020603050405020304" charset="0"/>
-            </a:endParaRPr>
-          </a:p>
-        </p:txBody>
-      </p:sp>
-      <p:sp>
-        <p:nvSpPr>
-          <p:cNvPr id="111" name="Google Shape;111;p21"/>
-          <p:cNvSpPr txBox="1">
-            <a:spLocks noGrp="1"/>
-          </p:cNvSpPr>
-          <p:nvPr>
-            <p:ph type="body" idx="1"/>
-          </p:nvPr>
-        </p:nvSpPr>
-        <p:spPr>
-          <a:xfrm>
-            <a:off x="311785" y="704215"/>
-            <a:ext cx="8520430" cy="3978910"/>
-          </a:xfrm>
-          <a:prstGeom prst="rect">
-            <a:avLst/>
-          </a:prstGeom>
-        </p:spPr>
-        <p:txBody>
-          <a:bodyPr spcFirstLastPara="1" wrap="square" lIns="91425" tIns="91425" rIns="91425" bIns="91425" anchor="t" anchorCtr="0">
-            <a:noAutofit/>
-          </a:bodyPr>
-          <a:p>
-            <a:pPr marL="285750" lvl="0" indent="-285750" algn="l" rtl="0">
-              <a:spcBef>
-                <a:spcPts val="0"/>
-              </a:spcBef>
-              <a:spcAft>
-                <a:spcPts val="1600"/>
-              </a:spcAft>
-              <a:buFont typeface="Arial" panose="020B0604020202020204" pitchFamily="34" charset="0"/>
-              <a:buChar char="•"/>
-            </a:pPr>
-            <a:r>
-              <a:rPr sz="1400">
-                <a:latin typeface="Times New Roman" panose="02020603050405020304" charset="0"/>
-                <a:cs typeface="Times New Roman" panose="02020603050405020304" charset="0"/>
-                <a:sym typeface="+mn-ea"/>
-              </a:rPr>
-              <a:t>VQA is the task of given an image I and a free-form open-ended question Q</a:t>
-            </a:r>
-            <a:br>
-              <a:rPr sz="1400">
-                <a:latin typeface="Times New Roman" panose="02020603050405020304" charset="0"/>
-                <a:cs typeface="Times New Roman" panose="02020603050405020304" charset="0"/>
-                <a:sym typeface="+mn-ea"/>
-              </a:rPr>
-            </a:br>
-            <a:r>
-              <a:rPr sz="1400">
-                <a:latin typeface="Times New Roman" panose="02020603050405020304" charset="0"/>
-                <a:cs typeface="Times New Roman" panose="02020603050405020304" charset="0"/>
-                <a:sym typeface="+mn-ea"/>
-              </a:rPr>
-              <a:t>about I, generating a natural language answer A to that question.</a:t>
-            </a:r>
-            <a:endParaRPr sz="1400">
-              <a:latin typeface="Times New Roman" panose="02020603050405020304" charset="0"/>
-              <a:cs typeface="Times New Roman" panose="02020603050405020304" charset="0"/>
-            </a:endParaRPr>
-          </a:p>
-          <a:p>
-            <a:pPr marL="285750" lvl="0" indent="-285750" algn="l" rtl="0">
-              <a:spcBef>
-                <a:spcPts val="0"/>
-              </a:spcBef>
-              <a:spcAft>
-                <a:spcPts val="1600"/>
-              </a:spcAft>
-              <a:buFont typeface="Arial" panose="020B0604020202020204" pitchFamily="34" charset="0"/>
-              <a:buChar char="•"/>
-            </a:pPr>
-            <a:r>
-              <a:rPr sz="1400">
-                <a:latin typeface="Times New Roman" panose="02020603050405020304" charset="0"/>
-                <a:cs typeface="Times New Roman" panose="02020603050405020304" charset="0"/>
-                <a:sym typeface="+mn-ea"/>
-              </a:rPr>
-              <a:t>Similarly,VQA-Caption task  takes a caption C of an image and a question</a:t>
-            </a:r>
-            <a:br>
-              <a:rPr sz="1400">
-                <a:latin typeface="Times New Roman" panose="02020603050405020304" charset="0"/>
-                <a:cs typeface="Times New Roman" panose="02020603050405020304" charset="0"/>
-                <a:sym typeface="+mn-ea"/>
-              </a:rPr>
-            </a:br>
-            <a:r>
-              <a:rPr sz="1400">
-                <a:latin typeface="Times New Roman" panose="02020603050405020304" charset="0"/>
-                <a:cs typeface="Times New Roman" panose="02020603050405020304" charset="0"/>
-                <a:sym typeface="+mn-ea"/>
-              </a:rPr>
-              <a:t>Q about the image, then generates an answer A.</a:t>
-            </a:r>
-            <a:endParaRPr>
-              <a:latin typeface="Times New Roman" panose="02020603050405020304" charset="0"/>
-              <a:cs typeface="Times New Roman" panose="02020603050405020304" charset="0"/>
-            </a:endParaRPr>
-          </a:p>
-          <a:p>
-            <a:pPr marL="0" lvl="1" indent="-285750" algn="l" rtl="0">
-              <a:spcBef>
-                <a:spcPts val="0"/>
-              </a:spcBef>
-              <a:spcAft>
-                <a:spcPts val="1600"/>
-              </a:spcAft>
-              <a:buFont typeface="Arial" panose="020B0604020202020204" pitchFamily="34" charset="0"/>
-              <a:buChar char="•"/>
-            </a:pPr>
-            <a:r>
-              <a:rPr>
-                <a:latin typeface="Times New Roman" panose="02020603050405020304" charset="0"/>
-                <a:cs typeface="Times New Roman" panose="02020603050405020304" charset="0"/>
-              </a:rPr>
-              <a:t>During training, given triplets of </a:t>
-            </a:r>
-            <a:r>
-              <a:rPr>
-                <a:latin typeface="Times New Roman" panose="02020603050405020304" charset="0"/>
-                <a:cs typeface="Times New Roman" panose="02020603050405020304" charset="0"/>
-                <a:sym typeface="+mn-ea"/>
-              </a:rPr>
-              <a:t>question Q </a:t>
-            </a:r>
-            <a:r>
-              <a:rPr lang="en-US">
-                <a:latin typeface="Times New Roman" panose="02020603050405020304" charset="0"/>
-                <a:cs typeface="Times New Roman" panose="02020603050405020304" charset="0"/>
-                <a:sym typeface="+mn-ea"/>
-              </a:rPr>
-              <a:t>,</a:t>
-            </a:r>
-            <a:r>
-              <a:rPr>
-                <a:latin typeface="Times New Roman" panose="02020603050405020304" charset="0"/>
-                <a:cs typeface="Times New Roman" panose="02020603050405020304" charset="0"/>
-                <a:sym typeface="+mn-ea"/>
-              </a:rPr>
-              <a:t>ground truth answer A</a:t>
-            </a:r>
-            <a:endParaRPr>
-              <a:latin typeface="Times New Roman" panose="02020603050405020304" charset="0"/>
-              <a:cs typeface="Times New Roman" panose="02020603050405020304" charset="0"/>
-            </a:endParaRPr>
-          </a:p>
-          <a:p>
-            <a:pPr marL="742950" lvl="1" indent="-285750" algn="l" rtl="0">
-              <a:spcBef>
-                <a:spcPts val="0"/>
-              </a:spcBef>
-              <a:spcAft>
-                <a:spcPts val="1600"/>
-              </a:spcAft>
-              <a:buFont typeface="Arial" panose="020B0604020202020204" pitchFamily="34" charset="0"/>
-              <a:buChar char="•"/>
-            </a:pPr>
-            <a:r>
-              <a:rPr lang="en-US">
-                <a:latin typeface="Times New Roman" panose="02020603050405020304" charset="0"/>
-                <a:cs typeface="Times New Roman" panose="02020603050405020304" charset="0"/>
-              </a:rPr>
-              <a:t>I</a:t>
-            </a:r>
-            <a:r>
-              <a:rPr>
-                <a:latin typeface="Times New Roman" panose="02020603050405020304" charset="0"/>
-                <a:cs typeface="Times New Roman" panose="02020603050405020304" charset="0"/>
-              </a:rPr>
-              <a:t>mage I,</a:t>
-            </a:r>
-            <a:endParaRPr>
-              <a:latin typeface="Times New Roman" panose="02020603050405020304" charset="0"/>
-              <a:cs typeface="Times New Roman" panose="02020603050405020304" charset="0"/>
-            </a:endParaRPr>
-          </a:p>
-          <a:p>
-            <a:pPr marL="1200150" lvl="2" indent="-285750" algn="l" rtl="0">
-              <a:lnSpc>
-                <a:spcPct val="95000"/>
-              </a:lnSpc>
-              <a:spcBef>
-                <a:spcPts val="0"/>
-              </a:spcBef>
-              <a:spcAft>
-                <a:spcPts val="1600"/>
-              </a:spcAft>
-              <a:buFont typeface="Arial" panose="020B0604020202020204" pitchFamily="34" charset="0"/>
-              <a:buChar char="•"/>
-            </a:pPr>
-            <a:r>
-              <a:rPr lang="en-US">
-                <a:latin typeface="Times New Roman" panose="02020603050405020304" charset="0"/>
-                <a:cs typeface="Times New Roman" panose="02020603050405020304" charset="0"/>
-              </a:rPr>
-              <a:t>W</a:t>
-            </a:r>
-            <a:r>
-              <a:rPr>
-                <a:latin typeface="Times New Roman" panose="02020603050405020304" charset="0"/>
-                <a:cs typeface="Times New Roman" panose="02020603050405020304" charset="0"/>
-              </a:rPr>
-              <a:t>e optimize the negative log-likelihood (NLL) loss to maximize the probability of the ground truth answer PI (A|Q, I) given by the VQA model.</a:t>
-            </a:r>
-            <a:endParaRPr>
-              <a:latin typeface="Times New Roman" panose="02020603050405020304" charset="0"/>
-              <a:cs typeface="Times New Roman" panose="02020603050405020304" charset="0"/>
-            </a:endParaRPr>
-          </a:p>
-          <a:p>
-            <a:pPr marL="742950" lvl="1" indent="-285750" algn="l" rtl="0">
-              <a:lnSpc>
-                <a:spcPct val="95000"/>
-              </a:lnSpc>
-              <a:spcBef>
-                <a:spcPts val="0"/>
-              </a:spcBef>
-              <a:spcAft>
-                <a:spcPts val="1600"/>
-              </a:spcAft>
-              <a:buFont typeface="Arial" panose="020B0604020202020204" pitchFamily="34" charset="0"/>
-              <a:buChar char="•"/>
-            </a:pPr>
-            <a:r>
-              <a:rPr lang="en-US">
-                <a:latin typeface="Times New Roman" panose="02020603050405020304" charset="0"/>
-                <a:cs typeface="Times New Roman" panose="02020603050405020304" charset="0"/>
-              </a:rPr>
-              <a:t>C</a:t>
-            </a:r>
-            <a:r>
-              <a:rPr>
-                <a:latin typeface="Times New Roman" panose="02020603050405020304" charset="0"/>
-                <a:cs typeface="Times New Roman" panose="02020603050405020304" charset="0"/>
-              </a:rPr>
-              <a:t>aption C, </a:t>
-            </a:r>
-            <a:endParaRPr>
-              <a:latin typeface="Times New Roman" panose="02020603050405020304" charset="0"/>
-              <a:cs typeface="Times New Roman" panose="02020603050405020304" charset="0"/>
-            </a:endParaRPr>
-          </a:p>
-          <a:p>
-            <a:pPr marL="1200150" lvl="2" indent="-285750" algn="l" rtl="0">
-              <a:lnSpc>
-                <a:spcPct val="95000"/>
-              </a:lnSpc>
-              <a:spcBef>
-                <a:spcPts val="0"/>
-              </a:spcBef>
-              <a:spcAft>
-                <a:spcPts val="1600"/>
-              </a:spcAft>
-              <a:buFont typeface="Arial" panose="020B0604020202020204" pitchFamily="34" charset="0"/>
-              <a:buChar char="•"/>
-            </a:pPr>
-            <a:r>
-              <a:rPr lang="en-US">
-                <a:latin typeface="Times New Roman" panose="02020603050405020304" charset="0"/>
-                <a:cs typeface="Times New Roman" panose="02020603050405020304" charset="0"/>
-              </a:rPr>
-              <a:t>W</a:t>
-            </a:r>
-            <a:r>
-              <a:rPr>
-                <a:latin typeface="Times New Roman" panose="02020603050405020304" charset="0"/>
-                <a:cs typeface="Times New Roman" panose="02020603050405020304" charset="0"/>
-              </a:rPr>
-              <a:t>e optimize the NLL loss to maximize the VQA-Caption model probability</a:t>
-            </a:r>
-            <a:br>
-              <a:rPr>
-                <a:latin typeface="Times New Roman" panose="02020603050405020304" charset="0"/>
-                <a:cs typeface="Times New Roman" panose="02020603050405020304" charset="0"/>
-              </a:rPr>
-            </a:br>
-            <a:r>
-              <a:rPr>
-                <a:latin typeface="Times New Roman" panose="02020603050405020304" charset="0"/>
-                <a:cs typeface="Times New Roman" panose="02020603050405020304" charset="0"/>
-              </a:rPr>
-              <a:t> PC (A|Q, C).</a:t>
-            </a:r>
-            <a:endParaRPr>
-              <a:latin typeface="Times New Roman" panose="02020603050405020304" charset="0"/>
-              <a:cs typeface="Times New Roman" panose="02020603050405020304" charset="0"/>
-            </a:endParaRPr>
-          </a:p>
-          <a:p>
-            <a:pPr marL="285750" lvl="0" indent="-285750" algn="l" rtl="0">
-              <a:lnSpc>
-                <a:spcPct val="95000"/>
-              </a:lnSpc>
-              <a:spcBef>
-                <a:spcPts val="0"/>
-              </a:spcBef>
-              <a:spcAft>
-                <a:spcPts val="1600"/>
-              </a:spcAft>
-              <a:buFont typeface="Arial" panose="020B0604020202020204" pitchFamily="34" charset="0"/>
-              <a:buChar char="•"/>
-            </a:pPr>
-            <a:endParaRPr sz="1400">
-              <a:latin typeface="Times New Roman" panose="02020603050405020304" charset="0"/>
-              <a:cs typeface="Times New Roman" panose="02020603050405020304" charset="0"/>
-            </a:endParaRPr>
-          </a:p>
-        </p:txBody>
-      </p:sp>
-    </p:spTree>
-  </p:cSld>
-  <p:clrMapOvr>
-    <a:masterClrMapping/>
-  </p:clrMapOvr>
-</p:sld>
-</file>
-
-<file path=ppt/slides/slide14.xml><?xml version="1.0" encoding="utf-8"?>
-<p:sld xmlns:a="http://schemas.openxmlformats.org/drawingml/2006/main" xmlns:r="http://schemas.openxmlformats.org/officeDocument/2006/relationships" xmlns:p="http://schemas.openxmlformats.org/presentationml/2006/main">
-  <p:cSld>
-    <p:spTree>
-      <p:nvGrpSpPr>
-        <p:cNvPr id="1" name=""/>
-        <p:cNvGrpSpPr/>
-        <p:nvPr/>
-      </p:nvGrpSpPr>
-      <p:grpSpPr>
-        <a:xfrm>
-          <a:off x="0" y="0"/>
-          <a:ext cx="0" cy="0"/>
-          <a:chOff x="0" y="0"/>
-          <a:chExt cx="0" cy="0"/>
-        </a:xfrm>
-      </p:grpSpPr>
-      <p:sp>
-        <p:nvSpPr>
-          <p:cNvPr id="3" name="Text Placeholder 2"/>
-          <p:cNvSpPr>
-            <a:spLocks noGrp="1"/>
-          </p:cNvSpPr>
-          <p:nvPr>
-            <p:ph type="body" idx="1"/>
-          </p:nvPr>
-        </p:nvSpPr>
-        <p:spPr>
-          <a:xfrm>
-            <a:off x="311785" y="218440"/>
-            <a:ext cx="8520430" cy="4360545"/>
-          </a:xfrm>
-        </p:spPr>
-        <p:txBody>
-          <a:bodyPr/>
-          <a:lstStyle/>
-          <a:p>
-            <a:pPr>
-              <a:buFont typeface="Arial" panose="020B0604020202020204" pitchFamily="34" charset="0"/>
-              <a:buChar char="•"/>
-            </a:pPr>
-            <a:r>
-              <a:rPr lang="en-US" sz="1600">
-                <a:latin typeface="Times New Roman" panose="02020603050405020304" charset="0"/>
-                <a:cs typeface="Times New Roman" panose="02020603050405020304" charset="0"/>
-              </a:rPr>
-              <a:t>For a VQA question (I, Q)</a:t>
-            </a:r>
-            <a:endParaRPr lang="en-US" sz="1600">
-              <a:latin typeface="Times New Roman" panose="02020603050405020304" charset="0"/>
-              <a:cs typeface="Times New Roman" panose="02020603050405020304" charset="0"/>
-            </a:endParaRPr>
-          </a:p>
-          <a:p>
-            <a:pPr lvl="1">
-              <a:buFont typeface="Arial" panose="020B0604020202020204" pitchFamily="34" charset="0"/>
-              <a:buChar char="•"/>
-            </a:pPr>
-            <a:r>
-              <a:rPr lang="en-US" sz="1200">
-                <a:latin typeface="Times New Roman" panose="02020603050405020304" charset="0"/>
-                <a:cs typeface="Times New Roman" panose="02020603050405020304" charset="0"/>
-              </a:rPr>
-              <a:t>Image Encoding</a:t>
-            </a:r>
-            <a:endParaRPr lang="en-US" sz="1200">
-              <a:latin typeface="Times New Roman" panose="02020603050405020304" charset="0"/>
-              <a:cs typeface="Times New Roman" panose="02020603050405020304" charset="0"/>
-            </a:endParaRPr>
-          </a:p>
-          <a:p>
-            <a:pPr lvl="2">
-              <a:buFont typeface="Arial" panose="020B0604020202020204" pitchFamily="34" charset="0"/>
-              <a:buChar char="•"/>
-            </a:pPr>
-            <a:r>
-              <a:rPr lang="en-US" sz="1200">
-                <a:latin typeface="Times New Roman" panose="02020603050405020304" charset="0"/>
-                <a:cs typeface="Times New Roman" panose="02020603050405020304" charset="0"/>
-              </a:rPr>
-              <a:t>Using the 19-layer VGGNet [46] as a 4,096-dimensional image encoding x</a:t>
-            </a:r>
-            <a:r>
-              <a:rPr lang="en-US" sz="1200" baseline="-25000">
-                <a:latin typeface="Times New Roman" panose="02020603050405020304" charset="0"/>
-                <a:cs typeface="Times New Roman" panose="02020603050405020304" charset="0"/>
-              </a:rPr>
-              <a:t>I</a:t>
-            </a:r>
-            <a:r>
-              <a:rPr lang="en-US" sz="1200">
-                <a:latin typeface="Times New Roman" panose="02020603050405020304" charset="0"/>
-                <a:cs typeface="Times New Roman" panose="02020603050405020304" charset="0"/>
-              </a:rPr>
-              <a:t> </a:t>
-            </a:r>
-            <a:endParaRPr lang="en-US" sz="1200">
-              <a:latin typeface="Times New Roman" panose="02020603050405020304" charset="0"/>
-              <a:cs typeface="Times New Roman" panose="02020603050405020304" charset="0"/>
-            </a:endParaRPr>
-          </a:p>
-          <a:p>
-            <a:pPr lvl="1">
-              <a:buFont typeface="Arial" panose="020B0604020202020204" pitchFamily="34" charset="0"/>
-              <a:buChar char="•"/>
-            </a:pPr>
-            <a:r>
-              <a:rPr lang="en-US" sz="1200">
-                <a:latin typeface="Times New Roman" panose="02020603050405020304" charset="0"/>
-                <a:cs typeface="Times New Roman" panose="02020603050405020304" charset="0"/>
-              </a:rPr>
-              <a:t>Question Encoding</a:t>
-            </a:r>
-            <a:endParaRPr lang="en-US" sz="1200">
-              <a:latin typeface="Times New Roman" panose="02020603050405020304" charset="0"/>
-              <a:cs typeface="Times New Roman" panose="02020603050405020304" charset="0"/>
-            </a:endParaRPr>
-          </a:p>
-          <a:p>
-            <a:pPr lvl="2">
-              <a:buFont typeface="Arial" panose="020B0604020202020204" pitchFamily="34" charset="0"/>
-              <a:buChar char="•"/>
-            </a:pPr>
-            <a:r>
-              <a:rPr lang="en-US" sz="1200">
-                <a:latin typeface="Times New Roman" panose="02020603050405020304" charset="0"/>
-                <a:cs typeface="Times New Roman" panose="02020603050405020304" charset="0"/>
-              </a:rPr>
-              <a:t>Using a 2-layer RNN with 512 Long Short-Term Memory (LSTM) units per layer as a 2,048-dimensional question encoding x</a:t>
-            </a:r>
-            <a:r>
-              <a:rPr lang="en-US" sz="1200" baseline="-25000">
-                <a:latin typeface="Times New Roman" panose="02020603050405020304" charset="0"/>
-                <a:cs typeface="Times New Roman" panose="02020603050405020304" charset="0"/>
-              </a:rPr>
-              <a:t>Q</a:t>
-            </a:r>
-            <a:r>
-              <a:rPr lang="en-US" sz="1200">
-                <a:latin typeface="Times New Roman" panose="02020603050405020304" charset="0"/>
-                <a:cs typeface="Times New Roman" panose="02020603050405020304" charset="0"/>
-              </a:rPr>
-              <a:t>. </a:t>
-            </a:r>
-            <a:endParaRPr lang="en-US" sz="1200">
-              <a:latin typeface="Times New Roman" panose="02020603050405020304" charset="0"/>
-              <a:cs typeface="Times New Roman" panose="02020603050405020304" charset="0"/>
-            </a:endParaRPr>
-          </a:p>
-          <a:p>
-            <a:pPr>
-              <a:buFont typeface="Arial" panose="020B0604020202020204" pitchFamily="34" charset="0"/>
-              <a:buChar char="•"/>
-            </a:pPr>
-            <a:r>
-              <a:rPr lang="en-US" sz="1600">
-                <a:latin typeface="Times New Roman" panose="02020603050405020304" charset="0"/>
-                <a:cs typeface="Times New Roman" panose="02020603050405020304" charset="0"/>
-              </a:rPr>
-              <a:t>Then x</a:t>
-            </a:r>
-            <a:r>
-              <a:rPr lang="en-US" sz="1600" baseline="-25000">
-                <a:latin typeface="Times New Roman" panose="02020603050405020304" charset="0"/>
-                <a:cs typeface="Times New Roman" panose="02020603050405020304" charset="0"/>
-              </a:rPr>
-              <a:t>I</a:t>
-            </a:r>
-            <a:r>
-              <a:rPr lang="en-US" sz="1600">
-                <a:latin typeface="Times New Roman" panose="02020603050405020304" charset="0"/>
-                <a:cs typeface="Times New Roman" panose="02020603050405020304" charset="0"/>
-              </a:rPr>
-              <a:t> and x</a:t>
-            </a:r>
-            <a:r>
-              <a:rPr lang="en-US" sz="1600" baseline="-25000">
-                <a:latin typeface="Times New Roman" panose="02020603050405020304" charset="0"/>
-                <a:cs typeface="Times New Roman" panose="02020603050405020304" charset="0"/>
-              </a:rPr>
-              <a:t>Q</a:t>
-            </a:r>
-            <a:r>
-              <a:rPr lang="en-US" sz="1600">
-                <a:latin typeface="Times New Roman" panose="02020603050405020304" charset="0"/>
-                <a:cs typeface="Times New Roman" panose="02020603050405020304" charset="0"/>
-              </a:rPr>
-              <a:t>  are projected into a common 1,024-dimensional multi-modal space as z</a:t>
-            </a:r>
-            <a:r>
-              <a:rPr lang="en-US" sz="1600" baseline="-25000">
-                <a:latin typeface="Times New Roman" panose="02020603050405020304" charset="0"/>
-                <a:cs typeface="Times New Roman" panose="02020603050405020304" charset="0"/>
-              </a:rPr>
-              <a:t>I</a:t>
-            </a:r>
-            <a:r>
-              <a:rPr lang="en-US" sz="1600">
-                <a:latin typeface="Times New Roman" panose="02020603050405020304" charset="0"/>
-                <a:cs typeface="Times New Roman" panose="02020603050405020304" charset="0"/>
-              </a:rPr>
-              <a:t> and z</a:t>
-            </a:r>
-            <a:r>
-              <a:rPr lang="en-US" sz="1600" baseline="-25000">
-                <a:latin typeface="Times New Roman" panose="02020603050405020304" charset="0"/>
-                <a:cs typeface="Times New Roman" panose="02020603050405020304" charset="0"/>
-              </a:rPr>
-              <a:t>Q</a:t>
-            </a:r>
-            <a:endParaRPr lang="en-US" sz="1600" baseline="-25000">
-              <a:latin typeface="Times New Roman" panose="02020603050405020304" charset="0"/>
-              <a:cs typeface="Times New Roman" panose="02020603050405020304" charset="0"/>
-            </a:endParaRPr>
-          </a:p>
-          <a:p>
-            <a:pPr>
-              <a:buFont typeface="Arial" panose="020B0604020202020204" pitchFamily="34" charset="0"/>
-              <a:buChar char="•"/>
-            </a:pPr>
-            <a:endParaRPr lang="en-US" sz="1600">
-              <a:latin typeface="Times New Roman" panose="02020603050405020304" charset="0"/>
-              <a:cs typeface="Times New Roman" panose="02020603050405020304" charset="0"/>
-            </a:endParaRPr>
-          </a:p>
-          <a:p>
-            <a:pPr>
-              <a:buFont typeface="Arial" panose="020B0604020202020204" pitchFamily="34" charset="0"/>
-              <a:buChar char="•"/>
-            </a:pPr>
-            <a:r>
-              <a:rPr lang="en-US" sz="1600">
-                <a:latin typeface="Times New Roman" panose="02020603050405020304" charset="0"/>
-                <a:cs typeface="Times New Roman" panose="02020603050405020304" charset="0"/>
-              </a:rPr>
-              <a:t>We then compute the representation z</a:t>
-            </a:r>
-            <a:r>
-              <a:rPr lang="en-US" sz="1600" baseline="-25000">
-                <a:latin typeface="Times New Roman" panose="02020603050405020304" charset="0"/>
-                <a:cs typeface="Times New Roman" panose="02020603050405020304" charset="0"/>
-              </a:rPr>
-              <a:t>I+Q</a:t>
-            </a:r>
-            <a:r>
-              <a:rPr lang="en-US" sz="1600">
-                <a:latin typeface="Times New Roman" panose="02020603050405020304" charset="0"/>
-                <a:cs typeface="Times New Roman" panose="02020603050405020304" charset="0"/>
-              </a:rPr>
-              <a:t> for the image-question pair (I, Q) by element-wise multiplying z</a:t>
-            </a:r>
-            <a:r>
-              <a:rPr lang="en-US" sz="1600" baseline="-25000">
-                <a:latin typeface="Times New Roman" panose="02020603050405020304" charset="0"/>
-                <a:cs typeface="Times New Roman" panose="02020603050405020304" charset="0"/>
-              </a:rPr>
-              <a:t>I</a:t>
-            </a:r>
-            <a:r>
-              <a:rPr lang="en-US" sz="1600">
-                <a:latin typeface="Times New Roman" panose="02020603050405020304" charset="0"/>
-                <a:cs typeface="Times New Roman" panose="02020603050405020304" charset="0"/>
-              </a:rPr>
-              <a:t> and z</a:t>
-            </a:r>
-            <a:r>
-              <a:rPr lang="en-US" sz="1600" baseline="-25000">
-                <a:latin typeface="Times New Roman" panose="02020603050405020304" charset="0"/>
-                <a:cs typeface="Times New Roman" panose="02020603050405020304" charset="0"/>
-              </a:rPr>
-              <a:t>Q</a:t>
-            </a:r>
-            <a:endParaRPr lang="en-US" sz="1600" baseline="-25000">
-              <a:latin typeface="Times New Roman" panose="02020603050405020304" charset="0"/>
-              <a:cs typeface="Times New Roman" panose="02020603050405020304" charset="0"/>
-            </a:endParaRPr>
-          </a:p>
-          <a:p>
-            <a:pPr>
-              <a:buFont typeface="Arial" panose="020B0604020202020204" pitchFamily="34" charset="0"/>
-              <a:buChar char="•"/>
-            </a:pPr>
-            <a:r>
-              <a:rPr lang="en-US" sz="1600">
-                <a:latin typeface="Times New Roman" panose="02020603050405020304" charset="0"/>
-                <a:cs typeface="Times New Roman" panose="02020603050405020304" charset="0"/>
-              </a:rPr>
-              <a:t> The scores s</a:t>
-            </a:r>
-            <a:r>
-              <a:rPr lang="en-US" sz="1600" baseline="-25000">
-                <a:latin typeface="Times New Roman" panose="02020603050405020304" charset="0"/>
-                <a:cs typeface="Times New Roman" panose="02020603050405020304" charset="0"/>
-              </a:rPr>
-              <a:t>A</a:t>
-            </a:r>
-            <a:r>
-              <a:rPr lang="en-US" sz="1600">
-                <a:latin typeface="Times New Roman" panose="02020603050405020304" charset="0"/>
-                <a:cs typeface="Times New Roman" panose="02020603050405020304" charset="0"/>
-              </a:rPr>
-              <a:t> for 1,000 answers are given by:</a:t>
-            </a:r>
-            <a:br>
-              <a:rPr lang="en-US" sz="1600">
-                <a:latin typeface="Times New Roman" panose="02020603050405020304" charset="0"/>
-                <a:cs typeface="Times New Roman" panose="02020603050405020304" charset="0"/>
-              </a:rPr>
-            </a:br>
-            <a:r>
-              <a:rPr lang="en-US" sz="1600">
-                <a:latin typeface="Times New Roman" panose="02020603050405020304" charset="0"/>
-                <a:cs typeface="Times New Roman" panose="02020603050405020304" charset="0"/>
-              </a:rPr>
-              <a:t>			s</a:t>
-            </a:r>
-            <a:r>
-              <a:rPr lang="en-US" sz="1600" baseline="-25000">
-                <a:latin typeface="Times New Roman" panose="02020603050405020304" charset="0"/>
-                <a:cs typeface="Times New Roman" panose="02020603050405020304" charset="0"/>
-              </a:rPr>
-              <a:t>A</a:t>
-            </a:r>
-            <a:r>
-              <a:rPr lang="en-US" sz="1600">
-                <a:latin typeface="Times New Roman" panose="02020603050405020304" charset="0"/>
-                <a:cs typeface="Times New Roman" panose="02020603050405020304" charset="0"/>
-              </a:rPr>
-              <a:t> = W</a:t>
-            </a:r>
-            <a:r>
-              <a:rPr lang="en-US" sz="1600" baseline="-25000">
-                <a:latin typeface="Times New Roman" panose="02020603050405020304" charset="0"/>
-                <a:cs typeface="Times New Roman" panose="02020603050405020304" charset="0"/>
-              </a:rPr>
-              <a:t>s</a:t>
-            </a:r>
-            <a:r>
-              <a:rPr lang="en-US" sz="1600">
-                <a:latin typeface="Times New Roman" panose="02020603050405020304" charset="0"/>
-                <a:cs typeface="Times New Roman" panose="02020603050405020304" charset="0"/>
-              </a:rPr>
-              <a:t>z</a:t>
-            </a:r>
-            <a:r>
-              <a:rPr lang="en-US" sz="1600" baseline="-25000">
-                <a:latin typeface="Times New Roman" panose="02020603050405020304" charset="0"/>
-                <a:cs typeface="Times New Roman" panose="02020603050405020304" charset="0"/>
-              </a:rPr>
-              <a:t>I+Q</a:t>
-            </a:r>
-            <a:r>
-              <a:rPr lang="en-US" sz="1600">
-                <a:latin typeface="Times New Roman" panose="02020603050405020304" charset="0"/>
-                <a:cs typeface="Times New Roman" panose="02020603050405020304" charset="0"/>
-              </a:rPr>
-              <a:t> + b</a:t>
-            </a:r>
-            <a:r>
-              <a:rPr lang="en-US" sz="1600" baseline="-25000">
-                <a:latin typeface="Times New Roman" panose="02020603050405020304" charset="0"/>
-                <a:cs typeface="Times New Roman" panose="02020603050405020304" charset="0"/>
-              </a:rPr>
-              <a:t>s</a:t>
-            </a:r>
-            <a:endParaRPr lang="en-US" sz="1600" baseline="-25000">
-              <a:latin typeface="Times New Roman" panose="02020603050405020304" charset="0"/>
-              <a:cs typeface="Times New Roman" panose="02020603050405020304" charset="0"/>
-            </a:endParaRPr>
-          </a:p>
-        </p:txBody>
-      </p:sp>
-      <p:pic>
-        <p:nvPicPr>
-          <p:cNvPr id="4" name="Picture 3"/>
-          <p:cNvPicPr>
-            <a:picLocks noChangeAspect="1"/>
-          </p:cNvPicPr>
-          <p:nvPr/>
-        </p:nvPicPr>
-        <p:blipFill>
-          <a:blip r:embed="rId1"/>
-          <a:stretch>
-            <a:fillRect/>
-          </a:stretch>
-        </p:blipFill>
-        <p:spPr>
-          <a:xfrm>
-            <a:off x="2696845" y="2757170"/>
-            <a:ext cx="3193415" cy="273050"/>
-          </a:xfrm>
-          <a:prstGeom prst="rect">
-            <a:avLst/>
-          </a:prstGeom>
-        </p:spPr>
-      </p:pic>
-    </p:spTree>
-  </p:cSld>
-  <p:clrMapOvr>
-    <a:masterClrMapping/>
-  </p:clrMapOvr>
-</p:sld>
-</file>
-
-<file path=ppt/slides/slide15.xml><?xml version="1.0" encoding="utf-8"?>
-<p:sld xmlns:a="http://schemas.openxmlformats.org/drawingml/2006/main" xmlns:r="http://schemas.openxmlformats.org/officeDocument/2006/relationships" xmlns:p="http://schemas.openxmlformats.org/presentationml/2006/main">
-  <p:cSld>
-    <p:spTree>
-      <p:nvGrpSpPr>
-        <p:cNvPr id="1" name=""/>
-        <p:cNvGrpSpPr/>
-        <p:nvPr/>
-      </p:nvGrpSpPr>
-      <p:grpSpPr>
-        <a:xfrm>
-          <a:off x="0" y="0"/>
-          <a:ext cx="0" cy="0"/>
-          <a:chOff x="0" y="0"/>
-          <a:chExt cx="0" cy="0"/>
-        </a:xfrm>
-      </p:grpSpPr>
-      <p:sp>
-        <p:nvSpPr>
-          <p:cNvPr id="3" name="Text Placeholder 2"/>
-          <p:cNvSpPr>
-            <a:spLocks noGrp="1"/>
-          </p:cNvSpPr>
-          <p:nvPr>
-            <p:ph type="body" idx="1"/>
-          </p:nvPr>
-        </p:nvSpPr>
-        <p:spPr>
-          <a:xfrm>
-            <a:off x="311785" y="247015"/>
-            <a:ext cx="8520430" cy="4331970"/>
-          </a:xfrm>
-        </p:spPr>
-        <p:txBody>
-          <a:bodyPr/>
-          <a:lstStyle/>
-          <a:p>
-            <a:pPr>
-              <a:buFont typeface="Arial" panose="020B0604020202020204" pitchFamily="34" charset="0"/>
-              <a:buChar char="•"/>
-            </a:pPr>
-            <a:r>
-              <a:rPr lang="en-US">
-                <a:latin typeface="Times New Roman" panose="02020603050405020304" charset="0"/>
-                <a:cs typeface="Times New Roman" panose="02020603050405020304" charset="0"/>
-              </a:rPr>
-              <a:t>For the VQA-Caption task given caption C and question Q, </a:t>
-            </a:r>
-            <a:endParaRPr lang="en-US">
-              <a:latin typeface="Times New Roman" panose="02020603050405020304" charset="0"/>
-              <a:cs typeface="Times New Roman" panose="02020603050405020304" charset="0"/>
-            </a:endParaRPr>
-          </a:p>
-          <a:p>
-            <a:pPr lvl="1">
-              <a:buFont typeface="Arial" panose="020B0604020202020204" pitchFamily="34" charset="0"/>
-              <a:buChar char="•"/>
-            </a:pPr>
-            <a:r>
-              <a:rPr lang="en-US">
-                <a:latin typeface="Times New Roman" panose="02020603050405020304" charset="0"/>
-                <a:cs typeface="Times New Roman" panose="02020603050405020304" charset="0"/>
-              </a:rPr>
-              <a:t>We use the same network architecture and learning procedure as above</a:t>
-            </a:r>
-            <a:endParaRPr lang="en-US">
-              <a:latin typeface="Times New Roman" panose="02020603050405020304" charset="0"/>
-              <a:cs typeface="Times New Roman" panose="02020603050405020304" charset="0"/>
-            </a:endParaRPr>
-          </a:p>
-          <a:p>
-            <a:pPr lvl="1">
-              <a:buFont typeface="Arial" panose="020B0604020202020204" pitchFamily="34" charset="0"/>
-              <a:buChar char="•"/>
-            </a:pPr>
-            <a:r>
-              <a:rPr lang="en-US">
-                <a:latin typeface="Times New Roman" panose="02020603050405020304" charset="0"/>
-                <a:cs typeface="Times New Roman" panose="02020603050405020304" charset="0"/>
-              </a:rPr>
-              <a:t>But using the most frequent 1,000 words in training captions as the dictionary to construct a 1,000 dimensional bag-of-words encoding for caption C as x</a:t>
-            </a:r>
-            <a:r>
-              <a:rPr lang="en-US" baseline="-25000">
-                <a:latin typeface="Times New Roman" panose="02020603050405020304" charset="0"/>
-                <a:cs typeface="Times New Roman" panose="02020603050405020304" charset="0"/>
-              </a:rPr>
-              <a:t>C</a:t>
-            </a:r>
-            <a:r>
-              <a:rPr lang="en-US">
-                <a:latin typeface="Times New Roman" panose="02020603050405020304" charset="0"/>
-                <a:cs typeface="Times New Roman" panose="02020603050405020304" charset="0"/>
-              </a:rPr>
-              <a:t> to replace the image feature x</a:t>
-            </a:r>
-            <a:r>
-              <a:rPr lang="en-US" baseline="-25000">
-                <a:latin typeface="Times New Roman" panose="02020603050405020304" charset="0"/>
-                <a:cs typeface="Times New Roman" panose="02020603050405020304" charset="0"/>
-              </a:rPr>
-              <a:t>I</a:t>
-            </a:r>
-            <a:r>
-              <a:rPr lang="en-US">
-                <a:latin typeface="Times New Roman" panose="02020603050405020304" charset="0"/>
-                <a:cs typeface="Times New Roman" panose="02020603050405020304" charset="0"/>
-              </a:rPr>
-              <a:t> and compute z</a:t>
-            </a:r>
-            <a:r>
-              <a:rPr lang="en-US" baseline="-25000">
-                <a:latin typeface="Times New Roman" panose="02020603050405020304" charset="0"/>
-                <a:cs typeface="Times New Roman" panose="02020603050405020304" charset="0"/>
-              </a:rPr>
-              <a:t>C</a:t>
-            </a:r>
-            <a:r>
-              <a:rPr lang="en-US">
-                <a:latin typeface="Times New Roman" panose="02020603050405020304" charset="0"/>
-                <a:cs typeface="Times New Roman" panose="02020603050405020304" charset="0"/>
-              </a:rPr>
-              <a:t> , z</a:t>
-            </a:r>
-            <a:r>
-              <a:rPr lang="en-US" baseline="-25000">
-                <a:latin typeface="Times New Roman" panose="02020603050405020304" charset="0"/>
-                <a:cs typeface="Times New Roman" panose="02020603050405020304" charset="0"/>
-              </a:rPr>
-              <a:t>C+Q</a:t>
-            </a:r>
-            <a:r>
-              <a:rPr lang="en-US">
-                <a:latin typeface="Times New Roman" panose="02020603050405020304" charset="0"/>
-                <a:cs typeface="Times New Roman" panose="02020603050405020304" charset="0"/>
-              </a:rPr>
-              <a:t> respectively.</a:t>
-            </a:r>
-            <a:endParaRPr lang="en-US">
-              <a:latin typeface="Times New Roman" panose="02020603050405020304" charset="0"/>
-              <a:cs typeface="Times New Roman" panose="02020603050405020304" charset="0"/>
-            </a:endParaRPr>
-          </a:p>
-          <a:p>
-            <a:pPr lvl="0">
-              <a:buFont typeface="Arial" panose="020B0604020202020204" pitchFamily="34" charset="0"/>
-              <a:buChar char="•"/>
-            </a:pPr>
-            <a:r>
-              <a:rPr lang="en-US">
-                <a:latin typeface="Times New Roman" panose="02020603050405020304" charset="0"/>
-                <a:cs typeface="Times New Roman" panose="02020603050405020304" charset="0"/>
-              </a:rPr>
-              <a:t>The VQA and VQA-Caption models are learned on the train split of the VQA dataset using </a:t>
-            </a:r>
-            <a:endParaRPr lang="en-US">
-              <a:latin typeface="Times New Roman" panose="02020603050405020304" charset="0"/>
-              <a:cs typeface="Times New Roman" panose="02020603050405020304" charset="0"/>
-            </a:endParaRPr>
-          </a:p>
-          <a:p>
-            <a:pPr lvl="1">
-              <a:buFont typeface="Arial" panose="020B0604020202020204" pitchFamily="34" charset="0"/>
-              <a:buChar char="•"/>
-            </a:pPr>
-            <a:r>
-              <a:rPr lang="en-US">
-                <a:latin typeface="Times New Roman" panose="02020603050405020304" charset="0"/>
-                <a:cs typeface="Times New Roman" panose="02020603050405020304" charset="0"/>
-              </a:rPr>
-              <a:t>82,783 images, 413,915 captions and 248,349 questions. </a:t>
-            </a:r>
-            <a:endParaRPr lang="en-US">
-              <a:latin typeface="Times New Roman" panose="02020603050405020304" charset="0"/>
-              <a:cs typeface="Times New Roman" panose="02020603050405020304" charset="0"/>
-            </a:endParaRPr>
-          </a:p>
-          <a:p>
-            <a:pPr lvl="0">
-              <a:buFont typeface="Arial" panose="020B0604020202020204" pitchFamily="34" charset="0"/>
-              <a:buChar char="•"/>
-            </a:pPr>
-            <a:r>
-              <a:rPr lang="en-US">
-                <a:latin typeface="Times New Roman" panose="02020603050405020304" charset="0"/>
-                <a:cs typeface="Times New Roman" panose="02020603050405020304" charset="0"/>
-              </a:rPr>
-              <a:t>These models achieve VQA validation set accuracies of </a:t>
-            </a:r>
-            <a:endParaRPr lang="en-US">
-              <a:latin typeface="Times New Roman" panose="02020603050405020304" charset="0"/>
-              <a:cs typeface="Times New Roman" panose="02020603050405020304" charset="0"/>
-            </a:endParaRPr>
-          </a:p>
-          <a:p>
-            <a:pPr lvl="1">
-              <a:buFont typeface="Arial" panose="020B0604020202020204" pitchFamily="34" charset="0"/>
-              <a:buChar char="•"/>
-            </a:pPr>
-            <a:r>
-              <a:rPr lang="en-US">
-                <a:latin typeface="Times New Roman" panose="02020603050405020304" charset="0"/>
-                <a:cs typeface="Times New Roman" panose="02020603050405020304" charset="0"/>
-              </a:rPr>
-              <a:t>54.42% (VQA) and 56.28%(VQA-Caption). </a:t>
-            </a:r>
-            <a:endParaRPr lang="en-US">
-              <a:latin typeface="Times New Roman" panose="02020603050405020304" charset="0"/>
-              <a:cs typeface="Times New Roman" panose="02020603050405020304" charset="0"/>
-            </a:endParaRPr>
-          </a:p>
-          <a:p>
-            <a:pPr lvl="0">
-              <a:buFont typeface="Arial" panose="020B0604020202020204" pitchFamily="34" charset="0"/>
-              <a:buChar char="•"/>
-            </a:pPr>
-            <a:r>
-              <a:rPr lang="en-US">
-                <a:latin typeface="Times New Roman" panose="02020603050405020304" charset="0"/>
-                <a:cs typeface="Times New Roman" panose="02020603050405020304" charset="0"/>
-              </a:rPr>
-              <a:t>Next, they are used as sub-modules in the image caption ranking approach.</a:t>
-            </a:r>
-            <a:endParaRPr lang="en-US">
-              <a:latin typeface="Times New Roman" panose="02020603050405020304" charset="0"/>
-              <a:cs typeface="Times New Roman" panose="02020603050405020304" charset="0"/>
-            </a:endParaRPr>
-          </a:p>
-        </p:txBody>
-      </p:sp>
-    </p:spTree>
-  </p:cSld>
-  <p:clrMapOvr>
-    <a:masterClrMapping/>
-  </p:clrMapOvr>
-</p:sld>
-</file>
-
-<file path=ppt/slides/slide16.xml><?xml version="1.0" encoding="utf-8"?>
-<p:sld xmlns:a="http://schemas.openxmlformats.org/drawingml/2006/main" xmlns:r="http://schemas.openxmlformats.org/officeDocument/2006/relationships" xmlns:p="http://schemas.openxmlformats.org/presentationml/2006/main">
-  <p:cSld>
-    <p:spTree>
-      <p:nvGrpSpPr>
-        <p:cNvPr id="1" name=""/>
-        <p:cNvGrpSpPr/>
-        <p:nvPr/>
-      </p:nvGrpSpPr>
-      <p:grpSpPr>
-        <a:xfrm>
-          <a:off x="0" y="0"/>
-          <a:ext cx="0" cy="0"/>
-          <a:chOff x="0" y="0"/>
-          <a:chExt cx="0" cy="0"/>
-        </a:xfrm>
-      </p:grpSpPr>
-      <p:sp>
-        <p:nvSpPr>
-          <p:cNvPr id="2" name="Title 1"/>
-          <p:cNvSpPr>
-            <a:spLocks noGrp="1"/>
-          </p:cNvSpPr>
-          <p:nvPr>
-            <p:ph type="title"/>
-          </p:nvPr>
-        </p:nvSpPr>
-        <p:spPr>
-          <a:xfrm>
-            <a:off x="311700" y="1046175"/>
-            <a:ext cx="8520600" cy="831300"/>
-          </a:xfrm>
-        </p:spPr>
-        <p:txBody>
-          <a:bodyPr/>
-          <a:lstStyle/>
-          <a:p>
-            <a:r>
-              <a:rPr lang="en-US" sz="3200">
-                <a:latin typeface="Times New Roman" panose="02020603050405020304" charset="0"/>
-                <a:cs typeface="Times New Roman" panose="02020603050405020304" charset="0"/>
-              </a:rPr>
-              <a:t>Approach</a:t>
-            </a:r>
-            <a:endParaRPr lang="en-US" sz="3200">
-              <a:latin typeface="Times New Roman" panose="02020603050405020304" charset="0"/>
-              <a:cs typeface="Times New Roman" panose="02020603050405020304" charset="0"/>
-            </a:endParaRPr>
-          </a:p>
-        </p:txBody>
-      </p:sp>
-      <p:sp>
-        <p:nvSpPr>
-          <p:cNvPr id="3" name="Text Placeholder 2"/>
-          <p:cNvSpPr>
-            <a:spLocks noGrp="1"/>
-          </p:cNvSpPr>
-          <p:nvPr>
-            <p:ph type="body" idx="1"/>
-          </p:nvPr>
-        </p:nvSpPr>
-        <p:spPr>
-          <a:xfrm>
-            <a:off x="311785" y="2253615"/>
-            <a:ext cx="8520430" cy="1549400"/>
-          </a:xfrm>
-        </p:spPr>
-        <p:txBody>
-          <a:bodyPr/>
-          <a:lstStyle/>
-          <a:p>
-            <a:pPr>
-              <a:buFont typeface="Arial" panose="020B0604020202020204" pitchFamily="34" charset="0"/>
-              <a:buChar char="•"/>
-            </a:pPr>
-            <a:r>
-              <a:rPr lang="en-US">
-                <a:latin typeface="Times New Roman" panose="02020603050405020304" charset="0"/>
-                <a:cs typeface="Times New Roman" panose="02020603050405020304" charset="0"/>
-              </a:rPr>
-              <a:t>To leverage knowledge in VQA for image-caption ranking we propose </a:t>
-            </a:r>
-            <a:endParaRPr lang="en-US">
-              <a:latin typeface="Times New Roman" panose="02020603050405020304" charset="0"/>
-              <a:cs typeface="Times New Roman" panose="02020603050405020304" charset="0"/>
-            </a:endParaRPr>
-          </a:p>
-          <a:p>
-            <a:pPr lvl="1">
-              <a:buFont typeface="Arial" panose="020B0604020202020204" pitchFamily="34" charset="0"/>
-              <a:buChar char="•"/>
-            </a:pPr>
-            <a:r>
-              <a:rPr lang="en-US">
-                <a:latin typeface="Times New Roman" panose="02020603050405020304" charset="0"/>
-                <a:cs typeface="Times New Roman" panose="02020603050405020304" charset="0"/>
-              </a:rPr>
-              <a:t>to represent the images and the captions in the VQA space using VQA and VQA-Caption models. </a:t>
-            </a:r>
-            <a:endParaRPr lang="en-US">
-              <a:latin typeface="Times New Roman" panose="02020603050405020304" charset="0"/>
-              <a:cs typeface="Times New Roman" panose="02020603050405020304" charset="0"/>
-            </a:endParaRPr>
-          </a:p>
-          <a:p>
-            <a:pPr lvl="1">
-              <a:buFont typeface="Arial" panose="020B0604020202020204" pitchFamily="34" charset="0"/>
-              <a:buChar char="•"/>
-            </a:pPr>
-            <a:r>
-              <a:rPr lang="en-US">
-                <a:latin typeface="Times New Roman" panose="02020603050405020304" charset="0"/>
-                <a:cs typeface="Times New Roman" panose="02020603050405020304" charset="0"/>
-              </a:rPr>
-              <a:t>This representations is called VQA-grounded representations.</a:t>
-            </a:r>
-            <a:endParaRPr lang="en-US">
-              <a:latin typeface="Times New Roman" panose="02020603050405020304" charset="0"/>
-              <a:cs typeface="Times New Roman" panose="02020603050405020304" charset="0"/>
-            </a:endParaRPr>
-          </a:p>
-        </p:txBody>
-      </p:sp>
-    </p:spTree>
-  </p:cSld>
-  <p:clrMapOvr>
-    <a:masterClrMapping/>
-  </p:clrMapOvr>
-</p:sld>
-</file>
-
-<file path=ppt/slides/slide17.xml><?xml version="1.0" encoding="utf-8"?>
-<p:sld xmlns:a="http://schemas.openxmlformats.org/drawingml/2006/main" xmlns:r="http://schemas.openxmlformats.org/officeDocument/2006/relationships" xmlns:p="http://schemas.openxmlformats.org/presentationml/2006/main">
-  <p:cSld>
-    <p:spTree>
-      <p:nvGrpSpPr>
-        <p:cNvPr id="1" name=""/>
-        <p:cNvGrpSpPr/>
-        <p:nvPr/>
-      </p:nvGrpSpPr>
-      <p:grpSpPr>
-        <a:xfrm>
-          <a:off x="0" y="0"/>
-          <a:ext cx="0" cy="0"/>
-          <a:chOff x="0" y="0"/>
-          <a:chExt cx="0" cy="0"/>
-        </a:xfrm>
-      </p:grpSpPr>
-      <p:sp>
-        <p:nvSpPr>
-          <p:cNvPr id="3" name="Text Placeholder 2"/>
-          <p:cNvSpPr>
-            <a:spLocks noGrp="1"/>
-          </p:cNvSpPr>
-          <p:nvPr>
-            <p:ph type="body" idx="1"/>
-          </p:nvPr>
-        </p:nvSpPr>
-        <p:spPr>
-          <a:xfrm>
-            <a:off x="311785" y="461645"/>
-            <a:ext cx="8520430" cy="4117340"/>
-          </a:xfrm>
-        </p:spPr>
-        <p:txBody>
-          <a:bodyPr/>
-          <a:lstStyle/>
-          <a:p>
-            <a:pPr>
-              <a:buFont typeface="Arial" panose="020B0604020202020204" pitchFamily="34" charset="0"/>
-              <a:buChar char="•"/>
-            </a:pPr>
-            <a:r>
-              <a:rPr lang="en-US">
-                <a:latin typeface="Times New Roman" panose="02020603050405020304" charset="0"/>
-                <a:cs typeface="Times New Roman" panose="02020603050405020304" charset="0"/>
-              </a:rPr>
-              <a:t>Let’s say we have a</a:t>
-            </a:r>
-            <a:endParaRPr lang="en-US">
-              <a:latin typeface="Times New Roman" panose="02020603050405020304" charset="0"/>
-              <a:cs typeface="Times New Roman" panose="02020603050405020304" charset="0"/>
-            </a:endParaRPr>
-          </a:p>
-          <a:p>
-            <a:pPr lvl="1">
-              <a:buFont typeface="Arial" panose="020B0604020202020204" pitchFamily="34" charset="0"/>
-              <a:buChar char="•"/>
-            </a:pPr>
-            <a:r>
-              <a:rPr lang="en-US">
-                <a:latin typeface="Times New Roman" panose="02020603050405020304" charset="0"/>
-                <a:cs typeface="Times New Roman" panose="02020603050405020304" charset="0"/>
-              </a:rPr>
-              <a:t> VQA model PI (A|Q, I), a VQA-Caption model PC (A|Q, C)</a:t>
-            </a:r>
-            <a:endParaRPr lang="en-US">
-              <a:latin typeface="Times New Roman" panose="02020603050405020304" charset="0"/>
-              <a:cs typeface="Times New Roman" panose="02020603050405020304" charset="0"/>
-            </a:endParaRPr>
-          </a:p>
-          <a:p>
-            <a:pPr lvl="1">
-              <a:buFont typeface="Arial" panose="020B0604020202020204" pitchFamily="34" charset="0"/>
-              <a:buChar char="•"/>
-            </a:pPr>
-            <a:r>
-              <a:rPr lang="en-US">
-                <a:latin typeface="Times New Roman" panose="02020603050405020304" charset="0"/>
-                <a:cs typeface="Times New Roman" panose="02020603050405020304" charset="0"/>
-              </a:rPr>
-              <a:t>Set of N questions Qi </a:t>
-            </a:r>
-            <a:endParaRPr lang="en-US">
-              <a:latin typeface="Times New Roman" panose="02020603050405020304" charset="0"/>
-              <a:cs typeface="Times New Roman" panose="02020603050405020304" charset="0"/>
-            </a:endParaRPr>
-          </a:p>
-          <a:p>
-            <a:pPr lvl="1">
-              <a:buFont typeface="Arial" panose="020B0604020202020204" pitchFamily="34" charset="0"/>
-              <a:buChar char="•"/>
-            </a:pPr>
-            <a:r>
-              <a:rPr lang="en-US">
-                <a:latin typeface="Times New Roman" panose="02020603050405020304" charset="0"/>
-                <a:cs typeface="Times New Roman" panose="02020603050405020304" charset="0"/>
-              </a:rPr>
-              <a:t>And their plausible answers (one for each question) Ai, i = 1, 2, ...N. </a:t>
-            </a:r>
-            <a:endParaRPr lang="en-US">
-              <a:latin typeface="Times New Roman" panose="02020603050405020304" charset="0"/>
-              <a:cs typeface="Times New Roman" panose="02020603050405020304" charset="0"/>
-            </a:endParaRPr>
-          </a:p>
-          <a:p>
-            <a:pPr lvl="0">
-              <a:buFont typeface="Arial" panose="020B0604020202020204" pitchFamily="34" charset="0"/>
-              <a:buChar char="•"/>
-            </a:pPr>
-            <a:r>
-              <a:rPr lang="en-US">
-                <a:latin typeface="Times New Roman" panose="02020603050405020304" charset="0"/>
-                <a:cs typeface="Times New Roman" panose="02020603050405020304" charset="0"/>
-              </a:rPr>
-              <a:t>Then given an image I and a caption C, we first extract the N dimensional VQA-grounded activation vectors u</a:t>
-            </a:r>
-            <a:r>
-              <a:rPr lang="en-US" baseline="-25000">
-                <a:latin typeface="Times New Roman" panose="02020603050405020304" charset="0"/>
-                <a:cs typeface="Times New Roman" panose="02020603050405020304" charset="0"/>
-              </a:rPr>
-              <a:t>I</a:t>
-            </a:r>
-            <a:r>
-              <a:rPr lang="en-US">
-                <a:latin typeface="Times New Roman" panose="02020603050405020304" charset="0"/>
-                <a:cs typeface="Times New Roman" panose="02020603050405020304" charset="0"/>
-              </a:rPr>
-              <a:t> for I and u</a:t>
-            </a:r>
-            <a:r>
-              <a:rPr lang="en-US" baseline="-25000">
-                <a:latin typeface="Times New Roman" panose="02020603050405020304" charset="0"/>
-                <a:cs typeface="Times New Roman" panose="02020603050405020304" charset="0"/>
-              </a:rPr>
-              <a:t>C</a:t>
-            </a:r>
-            <a:r>
-              <a:rPr lang="en-US">
-                <a:latin typeface="Times New Roman" panose="02020603050405020304" charset="0"/>
-                <a:cs typeface="Times New Roman" panose="02020603050405020304" charset="0"/>
-              </a:rPr>
-              <a:t> for C </a:t>
-            </a:r>
-            <a:endParaRPr lang="en-US">
-              <a:latin typeface="Times New Roman" panose="02020603050405020304" charset="0"/>
-              <a:cs typeface="Times New Roman" panose="02020603050405020304" charset="0"/>
-            </a:endParaRPr>
-          </a:p>
-          <a:p>
-            <a:pPr lvl="0">
-              <a:buFont typeface="Arial" panose="020B0604020202020204" pitchFamily="34" charset="0"/>
-              <a:buChar char="•"/>
-            </a:pPr>
-            <a:r>
-              <a:rPr lang="en-US">
-                <a:latin typeface="Times New Roman" panose="02020603050405020304" charset="0"/>
-                <a:cs typeface="Times New Roman" panose="02020603050405020304" charset="0"/>
-              </a:rPr>
-              <a:t>Such that each dimension i of u</a:t>
-            </a:r>
-            <a:r>
-              <a:rPr lang="en-US" baseline="-25000">
-                <a:latin typeface="Times New Roman" panose="02020603050405020304" charset="0"/>
-                <a:cs typeface="Times New Roman" panose="02020603050405020304" charset="0"/>
-              </a:rPr>
-              <a:t>I</a:t>
-            </a:r>
-            <a:r>
-              <a:rPr lang="en-US">
-                <a:latin typeface="Times New Roman" panose="02020603050405020304" charset="0"/>
-                <a:cs typeface="Times New Roman" panose="02020603050405020304" charset="0"/>
-              </a:rPr>
-              <a:t> and u</a:t>
-            </a:r>
-            <a:r>
-              <a:rPr lang="en-US" baseline="-25000">
-                <a:latin typeface="Times New Roman" panose="02020603050405020304" charset="0"/>
-                <a:cs typeface="Times New Roman" panose="02020603050405020304" charset="0"/>
-              </a:rPr>
-              <a:t>C</a:t>
-            </a:r>
-            <a:r>
-              <a:rPr lang="en-US">
-                <a:latin typeface="Times New Roman" panose="02020603050405020304" charset="0"/>
-                <a:cs typeface="Times New Roman" panose="02020603050405020304" charset="0"/>
-              </a:rPr>
-              <a:t> is the log probability of the ground truth answer Ai given a question Qi.</a:t>
-            </a:r>
-            <a:endParaRPr lang="en-US">
-              <a:latin typeface="Times New Roman" panose="02020603050405020304" charset="0"/>
-              <a:cs typeface="Times New Roman" panose="02020603050405020304" charset="0"/>
-            </a:endParaRPr>
-          </a:p>
-        </p:txBody>
-      </p:sp>
-      <p:pic>
-        <p:nvPicPr>
-          <p:cNvPr id="4" name="Picture 3"/>
-          <p:cNvPicPr>
-            <a:picLocks noChangeAspect="1"/>
-          </p:cNvPicPr>
-          <p:nvPr/>
-        </p:nvPicPr>
-        <p:blipFill>
-          <a:blip r:embed="rId1"/>
-          <a:stretch>
-            <a:fillRect/>
-          </a:stretch>
-        </p:blipFill>
-        <p:spPr>
-          <a:xfrm>
-            <a:off x="1832610" y="3691890"/>
-            <a:ext cx="5478780" cy="426720"/>
-          </a:xfrm>
-          <a:prstGeom prst="rect">
-            <a:avLst/>
-          </a:prstGeom>
-        </p:spPr>
-      </p:pic>
-    </p:spTree>
-  </p:cSld>
-  <p:clrMapOvr>
-    <a:masterClrMapping/>
-  </p:clrMapOvr>
-</p:sld>
-</file>
-
-<file path=ppt/slides/slide18.xml><?xml version="1.0" encoding="utf-8"?>
-<p:sld xmlns:a="http://schemas.openxmlformats.org/drawingml/2006/main" xmlns:r="http://schemas.openxmlformats.org/officeDocument/2006/relationships" xmlns:p="http://schemas.openxmlformats.org/presentationml/2006/main">
-  <p:cSld>
-    <p:spTree>
-      <p:nvGrpSpPr>
-        <p:cNvPr id="1" name=""/>
-        <p:cNvGrpSpPr/>
-        <p:nvPr/>
-      </p:nvGrpSpPr>
-      <p:grpSpPr>
-        <a:xfrm>
-          <a:off x="0" y="0"/>
-          <a:ext cx="0" cy="0"/>
-          <a:chOff x="0" y="0"/>
-          <a:chExt cx="0" cy="0"/>
-        </a:xfrm>
-      </p:grpSpPr>
-      <p:pic>
-        <p:nvPicPr>
-          <p:cNvPr id="4" name="Picture 3"/>
-          <p:cNvPicPr>
-            <a:picLocks noChangeAspect="1"/>
-          </p:cNvPicPr>
-          <p:nvPr/>
-        </p:nvPicPr>
-        <p:blipFill>
-          <a:blip r:embed="rId1"/>
-          <a:stretch>
-            <a:fillRect/>
-          </a:stretch>
-        </p:blipFill>
-        <p:spPr>
-          <a:xfrm>
-            <a:off x="204470" y="607695"/>
-            <a:ext cx="4695190" cy="3439795"/>
-          </a:xfrm>
-          <a:prstGeom prst="rect">
-            <a:avLst/>
-          </a:prstGeom>
-        </p:spPr>
-      </p:pic>
-      <p:sp>
-        <p:nvSpPr>
-          <p:cNvPr id="5" name="Text Box 4"/>
-          <p:cNvSpPr txBox="1"/>
-          <p:nvPr/>
-        </p:nvSpPr>
-        <p:spPr>
-          <a:xfrm>
-            <a:off x="5140960" y="1186180"/>
-            <a:ext cx="3365500" cy="2553335"/>
-          </a:xfrm>
-          <a:prstGeom prst="rect">
-            <a:avLst/>
-          </a:prstGeom>
-          <a:noFill/>
-        </p:spPr>
-        <p:txBody>
-          <a:bodyPr wrap="square" rtlCol="0">
-            <a:spAutoFit/>
-          </a:bodyPr>
-          <a:lstStyle/>
-          <a:p>
-            <a:pPr marL="285750" indent="-285750">
-              <a:buFont typeface="Arial" panose="020B0604020202020204" pitchFamily="34" charset="0"/>
-              <a:buChar char="•"/>
-            </a:pPr>
-            <a:r>
-              <a:rPr lang="en-US" sz="1600">
-                <a:latin typeface="Times New Roman" panose="02020603050405020304" charset="0"/>
-                <a:cs typeface="Times New Roman" panose="02020603050405020304" charset="0"/>
-              </a:rPr>
-              <a:t>For example if the (Qi, Ai) pairs are </a:t>
-            </a:r>
-            <a:endParaRPr lang="en-US" sz="1600">
-              <a:latin typeface="Times New Roman" panose="02020603050405020304" charset="0"/>
-              <a:cs typeface="Times New Roman" panose="02020603050405020304" charset="0"/>
-            </a:endParaRPr>
-          </a:p>
-          <a:p>
-            <a:r>
-              <a:rPr lang="en-US" sz="1000">
-                <a:latin typeface="Times New Roman" panose="02020603050405020304" charset="0"/>
-                <a:cs typeface="Times New Roman" panose="02020603050405020304" charset="0"/>
-              </a:rPr>
-              <a:t>  (Q1: What is the person riding?,</a:t>
-            </a:r>
-            <a:r>
-              <a:rPr lang="en-US" sz="1600">
-                <a:latin typeface="Times New Roman" panose="02020603050405020304" charset="0"/>
-                <a:cs typeface="Times New Roman" panose="02020603050405020304" charset="0"/>
-              </a:rPr>
-              <a:t> </a:t>
-            </a:r>
-            <a:r>
-              <a:rPr lang="en-US" sz="1000">
-                <a:latin typeface="Times New Roman" panose="02020603050405020304" charset="0"/>
-                <a:cs typeface="Times New Roman" panose="02020603050405020304" charset="0"/>
-              </a:rPr>
-              <a:t>A1:Motorcycle)</a:t>
-            </a:r>
-            <a:endParaRPr lang="en-US" sz="1600">
-              <a:latin typeface="Times New Roman" panose="02020603050405020304" charset="0"/>
-              <a:cs typeface="Times New Roman" panose="02020603050405020304" charset="0"/>
-            </a:endParaRPr>
-          </a:p>
-          <a:p>
-            <a:r>
-              <a:rPr lang="en-US" sz="1600">
-                <a:latin typeface="Times New Roman" panose="02020603050405020304" charset="0"/>
-                <a:cs typeface="Times New Roman" panose="02020603050405020304" charset="0"/>
-              </a:rPr>
-              <a:t> </a:t>
-            </a:r>
-            <a:r>
-              <a:rPr lang="en-US" sz="1000">
-                <a:latin typeface="Times New Roman" panose="02020603050405020304" charset="0"/>
-                <a:cs typeface="Times New Roman" panose="02020603050405020304" charset="0"/>
-              </a:rPr>
-              <a:t>(Q2: What is the man wearing on his head?, A2: Helmet),</a:t>
-            </a:r>
-            <a:endParaRPr lang="en-US" sz="1600">
-              <a:latin typeface="Times New Roman" panose="02020603050405020304" charset="0"/>
-              <a:cs typeface="Times New Roman" panose="02020603050405020304" charset="0"/>
-            </a:endParaRPr>
-          </a:p>
-          <a:p>
-            <a:pPr marL="285750" indent="-285750">
-              <a:buFont typeface="Arial" panose="020B0604020202020204" pitchFamily="34" charset="0"/>
-              <a:buChar char="•"/>
-            </a:pPr>
-            <a:r>
-              <a:rPr lang="en-US" sz="1600">
-                <a:latin typeface="Times New Roman" panose="02020603050405020304" charset="0"/>
-                <a:cs typeface="Times New Roman" panose="02020603050405020304" charset="0"/>
-              </a:rPr>
-              <a:t> u(1)I and u(1)C verify if the person in image I and caption C respectively is riding a motorcycle. </a:t>
-            </a:r>
-            <a:endParaRPr lang="en-US" sz="1600">
-              <a:latin typeface="Times New Roman" panose="02020603050405020304" charset="0"/>
-              <a:cs typeface="Times New Roman" panose="02020603050405020304" charset="0"/>
-            </a:endParaRPr>
-          </a:p>
-          <a:p>
-            <a:pPr marL="285750" indent="-285750">
-              <a:buFont typeface="Arial" panose="020B0604020202020204" pitchFamily="34" charset="0"/>
-              <a:buChar char="•"/>
-            </a:pPr>
-            <a:r>
-              <a:rPr lang="en-US" sz="1600">
-                <a:latin typeface="Times New Roman" panose="02020603050405020304" charset="0"/>
-                <a:cs typeface="Times New Roman" panose="02020603050405020304" charset="0"/>
-              </a:rPr>
-              <a:t>At the same time u(2)I and u(2)C</a:t>
-            </a:r>
-            <a:endParaRPr lang="en-US" sz="1600">
-              <a:latin typeface="Times New Roman" panose="02020603050405020304" charset="0"/>
-              <a:cs typeface="Times New Roman" panose="02020603050405020304" charset="0"/>
-            </a:endParaRPr>
-          </a:p>
-          <a:p>
-            <a:r>
-              <a:rPr lang="en-US" sz="1600">
-                <a:latin typeface="Times New Roman" panose="02020603050405020304" charset="0"/>
-                <a:cs typeface="Times New Roman" panose="02020603050405020304" charset="0"/>
-              </a:rPr>
-              <a:t>verify whether the man in I and C</a:t>
-            </a:r>
-            <a:endParaRPr lang="en-US" sz="1600">
-              <a:latin typeface="Times New Roman" panose="02020603050405020304" charset="0"/>
-              <a:cs typeface="Times New Roman" panose="02020603050405020304" charset="0"/>
-            </a:endParaRPr>
-          </a:p>
-          <a:p>
-            <a:r>
-              <a:rPr lang="en-US" sz="1600">
-                <a:latin typeface="Times New Roman" panose="02020603050405020304" charset="0"/>
-                <a:cs typeface="Times New Roman" panose="02020603050405020304" charset="0"/>
-              </a:rPr>
-              <a:t>is wearing a helmet.</a:t>
-            </a:r>
-            <a:endParaRPr lang="en-US" sz="1600">
-              <a:latin typeface="Times New Roman" panose="02020603050405020304" charset="0"/>
-              <a:cs typeface="Times New Roman" panose="02020603050405020304" charset="0"/>
-            </a:endParaRPr>
-          </a:p>
-        </p:txBody>
-      </p:sp>
-    </p:spTree>
-  </p:cSld>
-  <p:clrMapOvr>
-    <a:masterClrMapping/>
-  </p:clrMapOvr>
-</p:sld>
-</file>
-
-<file path=ppt/slides/slide19.xml><?xml version="1.0" encoding="utf-8"?>
-<p:sld xmlns:a="http://schemas.openxmlformats.org/drawingml/2006/main" xmlns:r="http://schemas.openxmlformats.org/officeDocument/2006/relationships" xmlns:p="http://schemas.openxmlformats.org/presentationml/2006/main">
-  <p:cSld>
-    <p:spTree>
-      <p:nvGrpSpPr>
-        <p:cNvPr id="1" name=""/>
-        <p:cNvGrpSpPr/>
-        <p:nvPr/>
-      </p:nvGrpSpPr>
-      <p:grpSpPr>
-        <a:xfrm>
-          <a:off x="0" y="0"/>
-          <a:ext cx="0" cy="0"/>
-          <a:chOff x="0" y="0"/>
-          <a:chExt cx="0" cy="0"/>
-        </a:xfrm>
-      </p:grpSpPr>
-      <p:pic>
-        <p:nvPicPr>
-          <p:cNvPr id="4" name="Picture 3"/>
-          <p:cNvPicPr>
-            <a:picLocks noChangeAspect="1"/>
-          </p:cNvPicPr>
-          <p:nvPr/>
-        </p:nvPicPr>
-        <p:blipFill>
-          <a:blip r:embed="rId1"/>
-          <a:stretch>
-            <a:fillRect/>
-          </a:stretch>
-        </p:blipFill>
-        <p:spPr>
-          <a:xfrm>
-            <a:off x="1120140" y="1310640"/>
-            <a:ext cx="6903720" cy="2522220"/>
-          </a:xfrm>
-          <a:prstGeom prst="rect">
-            <a:avLst/>
-          </a:prstGeom>
-        </p:spPr>
-      </p:pic>
-      <p:sp>
-        <p:nvSpPr>
-          <p:cNvPr id="5" name="Text Box 4"/>
-          <p:cNvSpPr txBox="1"/>
-          <p:nvPr/>
-        </p:nvSpPr>
-        <p:spPr>
-          <a:xfrm>
-            <a:off x="1120140" y="4226560"/>
-            <a:ext cx="2415540" cy="275590"/>
-          </a:xfrm>
-          <a:prstGeom prst="rect">
-            <a:avLst/>
-          </a:prstGeom>
-          <a:noFill/>
-        </p:spPr>
-        <p:txBody>
-          <a:bodyPr wrap="none" rtlCol="0">
-            <a:spAutoFit/>
-          </a:bodyPr>
-          <a:lstStyle/>
-          <a:p>
-            <a:pPr algn="l"/>
-            <a:r>
-              <a:rPr lang="en-US" sz="1200">
-                <a:solidFill>
-                  <a:srgbClr val="00B0F0"/>
-                </a:solidFill>
-                <a:latin typeface="Times New Roman" panose="02020603050405020304" charset="0"/>
-                <a:cs typeface="Times New Roman" panose="02020603050405020304" charset="0"/>
-              </a:rPr>
-              <a:t>https://arxiv.org/pdf/1605.01379.pdf</a:t>
-            </a:r>
-            <a:endParaRPr lang="en-US" sz="1200">
-              <a:solidFill>
-                <a:srgbClr val="00B0F0"/>
-              </a:solidFill>
-              <a:latin typeface="Times New Roman" panose="02020603050405020304" charset="0"/>
-              <a:cs typeface="Times New Roman" panose="02020603050405020304" charset="0"/>
-            </a:endParaRPr>
-          </a:p>
-        </p:txBody>
-      </p:sp>
-    </p:spTree>
-  </p:cSld>
-  <p:clrMapOvr>
-    <a:masterClrMapping/>
-  </p:clrMapOvr>
-</p:sld>
-</file>
-
-<file path=ppt/slides/slide2.xml><?xml version="1.0" encoding="utf-8"?>
-<p:sld xmlns:a="http://schemas.openxmlformats.org/drawingml/2006/main" xmlns:r="http://schemas.openxmlformats.org/officeDocument/2006/relationships" xmlns:p="http://schemas.openxmlformats.org/presentationml/2006/main">
-  <p:cSld>
-    <p:spTree>
-      <p:nvGrpSpPr>
-        <p:cNvPr id="1" name=""/>
-        <p:cNvGrpSpPr/>
-        <p:nvPr/>
-      </p:nvGrpSpPr>
-      <p:grpSpPr>
-        <a:xfrm>
-          <a:off x="0" y="0"/>
-          <a:ext cx="0" cy="0"/>
-          <a:chOff x="0" y="0"/>
-          <a:chExt cx="0" cy="0"/>
-        </a:xfrm>
-      </p:grpSpPr>
-      <p:sp>
-        <p:nvSpPr>
-          <p:cNvPr id="2" name="Title 1"/>
-          <p:cNvSpPr>
-            <a:spLocks noGrp="1"/>
-          </p:cNvSpPr>
-          <p:nvPr>
-            <p:ph type="title"/>
-          </p:nvPr>
-        </p:nvSpPr>
-        <p:spPr>
-          <a:xfrm>
-            <a:off x="780623" y="1850260"/>
-            <a:ext cx="8520600" cy="831300"/>
-          </a:xfrm>
-        </p:spPr>
-        <p:txBody>
-          <a:bodyPr/>
-          <a:lstStyle/>
-          <a:p>
-            <a:r>
-              <a:rPr lang="en-US" sz="2400" dirty="0">
-                <a:latin typeface="Times New Roman" panose="02020603050405020304" charset="0"/>
-                <a:cs typeface="Times New Roman" panose="02020603050405020304" charset="0"/>
-              </a:rPr>
-              <a:t>Task 1 : Labelling Meme Into Categories of Hate Speech</a:t>
-            </a:r>
-            <a:r>
-              <a:rPr lang="en-US" sz="2400" dirty="0"/>
-              <a:t>.</a:t>
-            </a:r>
-            <a:endParaRPr lang="en-IN" sz="2400" dirty="0"/>
-          </a:p>
-        </p:txBody>
-      </p:sp>
-    </p:spTree>
-  </p:cSld>
-  <p:clrMapOvr>
-    <a:masterClrMapping/>
-  </p:clrMapOvr>
-</p:sld>
-</file>
-
-<file path=ppt/slides/slide3.xml><?xml version="1.0" encoding="utf-8"?>
-<p:sld xmlns:a="http://schemas.openxmlformats.org/drawingml/2006/main" xmlns:r="http://schemas.openxmlformats.org/officeDocument/2006/relationships" xmlns:p="http://schemas.openxmlformats.org/presentationml/2006/main">
-  <p:cSld>
-    <p:spTree>
-      <p:nvGrpSpPr>
-        <p:cNvPr id="1" name=""/>
-        <p:cNvGrpSpPr/>
-        <p:nvPr/>
-      </p:nvGrpSpPr>
-      <p:grpSpPr>
-        <a:xfrm>
-          <a:off x="0" y="0"/>
-          <a:ext cx="0" cy="0"/>
-          <a:chOff x="0" y="0"/>
-          <a:chExt cx="0" cy="0"/>
-        </a:xfrm>
-      </p:grpSpPr>
-      <p:sp>
-        <p:nvSpPr>
-          <p:cNvPr id="2" name="Title 1"/>
-          <p:cNvSpPr>
-            <a:spLocks noGrp="1"/>
-          </p:cNvSpPr>
-          <p:nvPr>
-            <p:ph type="title"/>
-          </p:nvPr>
-        </p:nvSpPr>
-        <p:spPr/>
-        <p:txBody>
-          <a:bodyPr/>
-          <a:lstStyle/>
-          <a:p>
-            <a:r>
-              <a:rPr lang="en-IN" sz="3200">
-                <a:latin typeface="PMingLiU-ExtB" panose="02020500000000000000" charset="-120"/>
-                <a:ea typeface="PMingLiU-ExtB" panose="02020500000000000000" charset="-120"/>
-              </a:rPr>
-              <a:t>Labels of hate speech </a:t>
-            </a:r>
-            <a:r>
-              <a:rPr lang="en-IN" sz="4000"/>
-              <a:t>:</a:t>
-            </a:r>
-            <a:endParaRPr lang="en-IN" sz="4000"/>
-          </a:p>
-        </p:txBody>
-      </p:sp>
-      <p:sp>
-        <p:nvSpPr>
-          <p:cNvPr id="3" name="Text Placeholder 2"/>
-          <p:cNvSpPr>
-            <a:spLocks noGrp="1"/>
-          </p:cNvSpPr>
-          <p:nvPr>
-            <p:ph type="body" idx="1"/>
-          </p:nvPr>
-        </p:nvSpPr>
-        <p:spPr/>
-        <p:txBody>
-          <a:bodyPr/>
-          <a:lstStyle/>
-          <a:p>
-            <a:r>
-              <a:rPr lang="en-IN" sz="1400"/>
-              <a:t>Racism</a:t>
-            </a:r>
-            <a:endParaRPr lang="en-IN" sz="1400"/>
-          </a:p>
-          <a:p>
-            <a:r>
-              <a:rPr lang="en-IN" sz="1400"/>
-              <a:t>Religion</a:t>
-            </a:r>
-            <a:endParaRPr lang="en-IN" sz="1400"/>
-          </a:p>
-          <a:p>
-            <a:r>
-              <a:rPr lang="en-IN" sz="1400"/>
-              <a:t>Gender</a:t>
-            </a:r>
-            <a:endParaRPr lang="en-IN" sz="1400"/>
-          </a:p>
-          <a:p>
-            <a:r>
-              <a:rPr lang="en-IN" sz="1400"/>
-              <a:t>Politics</a:t>
-            </a:r>
-            <a:endParaRPr lang="en-IN" sz="1400"/>
-          </a:p>
-          <a:p>
-            <a:r>
-              <a:rPr lang="en-IN" sz="1400"/>
-              <a:t>Sex identity</a:t>
-            </a:r>
-            <a:endParaRPr lang="en-IN" sz="1400"/>
-          </a:p>
-          <a:p>
-            <a:r>
-              <a:rPr lang="en-IN" sz="1400"/>
-              <a:t>Emotional</a:t>
-            </a:r>
-            <a:endParaRPr lang="en-IN" sz="1400"/>
-          </a:p>
-          <a:p>
-            <a:r>
-              <a:rPr lang="en-IN" sz="1400"/>
-              <a:t>Regional</a:t>
-            </a:r>
-            <a:endParaRPr lang="en-IN" sz="1400"/>
-          </a:p>
-          <a:p>
-            <a:r>
-              <a:rPr lang="en-IN" sz="1400"/>
-              <a:t>Ethnicity</a:t>
-            </a:r>
-            <a:endParaRPr lang="en-IN" sz="1400"/>
-          </a:p>
-          <a:p>
-            <a:r>
-              <a:rPr lang="en-IN" sz="1400"/>
-              <a:t>Disability status.</a:t>
-            </a:r>
-            <a:endParaRPr lang="en-IN" sz="1400"/>
-          </a:p>
-          <a:p>
-            <a:r>
-              <a:rPr lang="en-IN" sz="1400"/>
-              <a:t>Violence</a:t>
-            </a:r>
-            <a:endParaRPr lang="en-IN" sz="1400"/>
-          </a:p>
-          <a:p>
-            <a:r>
-              <a:rPr lang="en-IN" sz="1400"/>
-              <a:t>Homophobia  </a:t>
-            </a:r>
-            <a:endParaRPr lang="en-IN" sz="1400"/>
-          </a:p>
-          <a:p>
-            <a:r>
-              <a:rPr lang="en-IN" sz="1400"/>
-              <a:t>Pointing the stingy people looking at their status.</a:t>
-            </a:r>
-            <a:endParaRPr lang="en-IN" sz="1400"/>
-          </a:p>
-          <a:p>
-            <a:r>
-              <a:rPr lang="en-IN" sz="1400"/>
-              <a:t>Filthy or abusing words</a:t>
-            </a:r>
-            <a:endParaRPr lang="en-IN" sz="1400"/>
-          </a:p>
-          <a:p>
-            <a:r>
-              <a:rPr lang="en-IN" sz="1400"/>
-              <a:t>Criticizing due to performance(cricket, teachers,countries)…</a:t>
-            </a:r>
-            <a:endParaRPr lang="en-IN" sz="1400"/>
-          </a:p>
-        </p:txBody>
-      </p:sp>
-    </p:spTree>
-  </p:cSld>
-  <p:clrMapOvr>
-    <a:masterClrMapping/>
-  </p:clrMapOvr>
-</p:sld>
-</file>
-
-<file path=ppt/slides/slide4.xml><?xml version="1.0" encoding="utf-8"?>
-<p:sld xmlns:a="http://schemas.openxmlformats.org/drawingml/2006/main" xmlns:r="http://schemas.openxmlformats.org/officeDocument/2006/relationships" xmlns:p="http://schemas.openxmlformats.org/presentationml/2006/main">
-  <p:cSld>
-    <p:spTree>
-      <p:nvGrpSpPr>
-        <p:cNvPr id="1" name=""/>
-        <p:cNvGrpSpPr/>
-        <p:nvPr/>
-      </p:nvGrpSpPr>
-      <p:grpSpPr>
-        <a:xfrm>
-          <a:off x="0" y="0"/>
-          <a:ext cx="0" cy="0"/>
-          <a:chOff x="0" y="0"/>
-          <a:chExt cx="0" cy="0"/>
-        </a:xfrm>
-      </p:grpSpPr>
-      <p:sp>
-        <p:nvSpPr>
-          <p:cNvPr id="2" name="Title 1"/>
-          <p:cNvSpPr>
-            <a:spLocks noGrp="1"/>
-          </p:cNvSpPr>
-          <p:nvPr>
-            <p:ph type="title"/>
-          </p:nvPr>
-        </p:nvSpPr>
-        <p:spPr/>
-        <p:txBody>
-          <a:bodyPr/>
-          <a:lstStyle/>
-          <a:p>
-            <a:r>
-              <a:rPr lang="en-IN" sz="800"/>
-              <a:t>.</a:t>
-            </a:r>
-            <a:endParaRPr lang="en-IN" sz="800"/>
-          </a:p>
-        </p:txBody>
-      </p:sp>
-      <p:sp>
-        <p:nvSpPr>
-          <p:cNvPr id="3" name="Text Placeholder 2"/>
-          <p:cNvSpPr>
-            <a:spLocks noGrp="1"/>
-          </p:cNvSpPr>
-          <p:nvPr>
-            <p:ph type="body" idx="1"/>
-          </p:nvPr>
-        </p:nvSpPr>
-        <p:spPr>
-          <a:xfrm>
-            <a:off x="311785" y="505460"/>
-            <a:ext cx="8520430" cy="4073525"/>
-          </a:xfrm>
-        </p:spPr>
-        <p:txBody>
-          <a:bodyPr/>
-          <a:lstStyle/>
-          <a:p>
-            <a:r>
-              <a:rPr lang="en-IN" sz="1400"/>
-              <a:t>Hate speech is language that attacks or diminishes, that incites violence or hate against groups, based on specific characteristics such as physical appearance, religion, descent, national or ethnic origin, sexual orientation, gender identity or other, and it can occur with different linguistic styles, even in subtle forms or when humour is used.</a:t>
-            </a:r>
-            <a:endParaRPr lang="en-IN" sz="1400"/>
-          </a:p>
-          <a:p>
-            <a:endParaRPr lang="en-IN" sz="1400"/>
-          </a:p>
-          <a:p>
-            <a:r>
-              <a:rPr lang="en-IN" sz="1400"/>
-              <a:t>Link: </a:t>
-            </a:r>
-            <a:r>
-              <a:rPr lang="en-IN" sz="1000">
-                <a:solidFill>
-                  <a:srgbClr val="0070C0"/>
-                </a:solidFill>
-              </a:rPr>
-              <a:t>https://dev.to/nicfoxds/how-to-analyse-clean-text-data-in-python-2hb9</a:t>
-            </a:r>
-            <a:endParaRPr lang="en-IN" sz="1000">
-              <a:solidFill>
-                <a:srgbClr val="0070C0"/>
-              </a:solidFill>
-            </a:endParaRPr>
-          </a:p>
-        </p:txBody>
-      </p:sp>
-      <p:pic>
-        <p:nvPicPr>
-          <p:cNvPr id="4" name="Picture 1" descr="Screenshot (57)"/>
-          <p:cNvPicPr>
-            <a:picLocks noChangeAspect="1"/>
-          </p:cNvPicPr>
-          <p:nvPr/>
-        </p:nvPicPr>
-        <p:blipFill>
-          <a:blip r:embed="rId1"/>
-          <a:stretch>
-            <a:fillRect/>
-          </a:stretch>
-        </p:blipFill>
-        <p:spPr>
-          <a:xfrm>
-            <a:off x="1229360" y="2419350"/>
-            <a:ext cx="5741035" cy="1748155"/>
-          </a:xfrm>
-          <a:prstGeom prst="rect">
-            <a:avLst/>
-          </a:prstGeom>
-        </p:spPr>
-      </p:pic>
-    </p:spTree>
-  </p:cSld>
-  <p:clrMapOvr>
-    <a:masterClrMapping/>
-  </p:clrMapOvr>
-</p:sld>
-</file>
-
-<file path=ppt/slides/slide5.xml><?xml version="1.0" encoding="utf-8"?>
-<p:sld xmlns:a="http://schemas.openxmlformats.org/drawingml/2006/main" xmlns:r="http://schemas.openxmlformats.org/officeDocument/2006/relationships" xmlns:p="http://schemas.openxmlformats.org/presentationml/2006/main">
-  <p:cSld>
-    <p:spTree>
-      <p:nvGrpSpPr>
-        <p:cNvPr id="1" name=""/>
-        <p:cNvGrpSpPr/>
-        <p:nvPr/>
-      </p:nvGrpSpPr>
-      <p:grpSpPr/>
-      <p:sp>
-        <p:nvSpPr>
-          <p:cNvPr id="2" name="Title 1"/>
-          <p:cNvSpPr>
-            <a:spLocks noGrp="1"/>
-          </p:cNvSpPr>
-          <p:nvPr>
-            <p:ph type="title"/>
-          </p:nvPr>
-        </p:nvSpPr>
-        <p:spPr>
-          <a:xfrm>
-            <a:off x="311785" y="316230"/>
-            <a:ext cx="3588385" cy="831215"/>
-          </a:xfrm>
-        </p:spPr>
-        <p:txBody>
-          <a:bodyPr/>
-          <a:p>
-            <a:r>
-              <a:rPr lang="en-IN" altLang="en-US" sz="1800">
-                <a:latin typeface="+mj-lt"/>
-                <a:ea typeface="Malgun Gothic" panose="020B0503020000020004" charset="-127"/>
-                <a:cs typeface="+mj-lt"/>
-              </a:rPr>
-              <a:t>Type of hate speech </a:t>
-            </a:r>
-            <a:br>
-              <a:rPr lang="en-IN" altLang="en-US" sz="1800">
-                <a:latin typeface="+mj-lt"/>
-                <a:ea typeface="Malgun Gothic" panose="020B0503020000020004" charset="-127"/>
-                <a:cs typeface="+mj-lt"/>
-              </a:rPr>
-            </a:br>
-            <a:r>
-              <a:rPr lang="en-IN" altLang="en-US" sz="1800">
-                <a:latin typeface="+mj-lt"/>
-                <a:ea typeface="Malgun Gothic" panose="020B0503020000020004" charset="-127"/>
-                <a:cs typeface="+mj-lt"/>
-              </a:rPr>
-              <a:t>analysed in the papers overall</a:t>
-            </a:r>
-            <a:r>
-              <a:rPr lang="en-IN" altLang="en-US" sz="2000">
-                <a:latin typeface="+mj-lt"/>
-                <a:ea typeface="Malgun Gothic" panose="020B0503020000020004" charset="-127"/>
-                <a:cs typeface="+mj-lt"/>
-              </a:rPr>
-              <a:t> </a:t>
-            </a:r>
-            <a:endParaRPr lang="en-IN" altLang="en-US" sz="2000">
-              <a:latin typeface="+mj-lt"/>
-              <a:ea typeface="Malgun Gothic" panose="020B0503020000020004" charset="-127"/>
-              <a:cs typeface="+mj-lt"/>
-            </a:endParaRPr>
-          </a:p>
-        </p:txBody>
-      </p:sp>
-      <p:pic>
-        <p:nvPicPr>
-          <p:cNvPr id="4" name="Picture 2" descr="Screenshot (65)"/>
-          <p:cNvPicPr>
-            <a:picLocks noChangeAspect="1"/>
-          </p:cNvPicPr>
-          <p:nvPr>
-            <p:ph idx="1"/>
-          </p:nvPr>
-        </p:nvPicPr>
-        <p:blipFill>
-          <a:blip r:embed="rId1"/>
-          <a:stretch>
-            <a:fillRect/>
-          </a:stretch>
-        </p:blipFill>
-        <p:spPr>
-          <a:xfrm>
-            <a:off x="311785" y="1200785"/>
-            <a:ext cx="3780155" cy="3354070"/>
-          </a:xfrm>
-          <a:prstGeom prst="rect">
-            <a:avLst/>
-          </a:prstGeom>
-        </p:spPr>
-      </p:pic>
-      <p:sp>
-        <p:nvSpPr>
-          <p:cNvPr id="5" name="Text Box 4"/>
-          <p:cNvSpPr txBox="1"/>
-          <p:nvPr/>
-        </p:nvSpPr>
-        <p:spPr>
-          <a:xfrm>
-            <a:off x="4980305" y="469265"/>
-            <a:ext cx="3653155" cy="583565"/>
-          </a:xfrm>
-          <a:prstGeom prst="rect">
-            <a:avLst/>
-          </a:prstGeom>
-          <a:noFill/>
-        </p:spPr>
-        <p:txBody>
-          <a:bodyPr wrap="square" rtlCol="0">
-            <a:spAutoFit/>
-          </a:bodyPr>
-          <a:p>
-            <a:r>
-              <a:rPr lang="en-IN" altLang="en-US" sz="1600"/>
-              <a:t>Frequency of </a:t>
-            </a:r>
-            <a:r>
-              <a:rPr lang="en-US" sz="1600"/>
-              <a:t>Algorithms used in the papers </a:t>
-            </a:r>
-            <a:r>
-              <a:rPr lang="en-IN" altLang="en-US" sz="1600"/>
-              <a:t>overall</a:t>
-            </a:r>
-            <a:endParaRPr lang="en-IN" altLang="en-US" sz="1600"/>
-          </a:p>
-        </p:txBody>
-      </p:sp>
-      <p:pic>
-        <p:nvPicPr>
-          <p:cNvPr id="6" name="Picture 3" descr="Screenshot (67)"/>
-          <p:cNvPicPr>
-            <a:picLocks noChangeAspect="1"/>
-          </p:cNvPicPr>
-          <p:nvPr/>
-        </p:nvPicPr>
-        <p:blipFill>
-          <a:blip r:embed="rId2"/>
-          <a:stretch>
-            <a:fillRect/>
-          </a:stretch>
-        </p:blipFill>
-        <p:spPr>
-          <a:xfrm>
-            <a:off x="5279390" y="1200785"/>
-            <a:ext cx="3184525" cy="3219450"/>
-          </a:xfrm>
-          <a:prstGeom prst="rect">
-            <a:avLst/>
-          </a:prstGeom>
-        </p:spPr>
-      </p:pic>
-    </p:spTree>
-  </p:cSld>
-  <p:clrMapOvr>
-    <a:masterClrMapping/>
-  </p:clrMapOvr>
-</p:sld>
-</file>
-
-<file path=ppt/slides/slide6.xml><?xml version="1.0" encoding="utf-8"?>
-<p:sld xmlns:a="http://schemas.openxmlformats.org/drawingml/2006/main" xmlns:r="http://schemas.openxmlformats.org/officeDocument/2006/relationships" xmlns:p="http://schemas.openxmlformats.org/presentationml/2006/main">
-  <p:cSld>
-    <p:spTree>
-      <p:nvGrpSpPr>
-        <p:cNvPr id="1" name=""/>
-        <p:cNvGrpSpPr/>
-        <p:nvPr/>
-      </p:nvGrpSpPr>
-      <p:grpSpPr>
-        <a:xfrm>
-          <a:off x="0" y="0"/>
-          <a:ext cx="0" cy="0"/>
-          <a:chOff x="0" y="0"/>
-          <a:chExt cx="0" cy="0"/>
-        </a:xfrm>
-      </p:grpSpPr>
-      <p:pic>
-        <p:nvPicPr>
-          <p:cNvPr id="5" name="Content Placeholder 4"/>
-          <p:cNvPicPr>
-            <a:picLocks noGrp="1" noChangeAspect="1"/>
-          </p:cNvPicPr>
-          <p:nvPr>
-            <p:ph idx="1"/>
-          </p:nvPr>
-        </p:nvPicPr>
-        <p:blipFill rotWithShape="1">
-          <a:blip r:embed="rId1">
-            <a:extLst>
-              <a:ext uri="{28A0092B-C50C-407E-A947-70E740481C1C}">
-                <a14:useLocalDpi xmlns:a14="http://schemas.microsoft.com/office/drawing/2010/main" val="0"/>
-              </a:ext>
-            </a:extLst>
-          </a:blip>
-          <a:srcRect l="10107" r="10628"/>
-          <a:stretch>
-            <a:fillRect/>
-          </a:stretch>
-        </p:blipFill>
-        <p:spPr>
-          <a:xfrm>
-            <a:off x="281354" y="833612"/>
-            <a:ext cx="4489938" cy="4238651"/>
-          </a:xfrm>
-        </p:spPr>
-      </p:pic>
-      <p:sp>
-        <p:nvSpPr>
-          <p:cNvPr id="4" name="Title 1"/>
-          <p:cNvSpPr txBox="1"/>
-          <p:nvPr/>
-        </p:nvSpPr>
-        <p:spPr>
-          <a:xfrm>
-            <a:off x="1959821" y="82960"/>
-            <a:ext cx="5224357" cy="728104"/>
-          </a:xfrm>
-          <a:prstGeom prst="rect">
-            <a:avLst/>
-          </a:prstGeom>
-          <a:noFill/>
-          <a:ln>
-            <a:noFill/>
-          </a:ln>
-        </p:spPr>
-        <p:txBody>
-          <a:bodyPr spcFirstLastPara="1" wrap="square" lIns="91425" tIns="91425" rIns="91425" bIns="91425" anchor="b" anchorCtr="0">
-            <a:noAutofit/>
-          </a:bodyPr>
-          <a:lstStyle>
-            <a:defPPr marR="0" lvl="0" algn="l" rtl="0">
-              <a:lnSpc>
-                <a:spcPct val="100000"/>
-              </a:lnSpc>
-              <a:spcBef>
-                <a:spcPts val="0"/>
-              </a:spcBef>
-              <a:spcAft>
-                <a:spcPts val="0"/>
-              </a:spcAft>
-            </a:defPPr>
-            <a:lvl1pPr marR="0" lvl="0" algn="l" rtl="0">
-              <a:lnSpc>
-                <a:spcPct val="100000"/>
-              </a:lnSpc>
-              <a:spcBef>
-                <a:spcPts val="0"/>
-              </a:spcBef>
-              <a:spcAft>
-                <a:spcPts val="0"/>
-              </a:spcAft>
-              <a:buClr>
-                <a:schemeClr val="dk1"/>
-              </a:buClr>
-              <a:buSzPts val="4200"/>
-              <a:buFont typeface="Economica" panose="02000506040000020004"/>
-              <a:buNone/>
-              <a:defRPr sz="4200" b="0" i="0" u="none" strike="noStrike" cap="none">
-                <a:solidFill>
-                  <a:schemeClr val="dk1"/>
-                </a:solidFill>
-                <a:latin typeface="Economica" panose="02000506040000020004"/>
-                <a:ea typeface="Economica" panose="02000506040000020004"/>
-                <a:cs typeface="Economica" panose="02000506040000020004"/>
-                <a:sym typeface="Economica" panose="02000506040000020004"/>
-              </a:defRPr>
-            </a:lvl1pPr>
-            <a:lvl2pPr marR="0" lvl="1" algn="l" rtl="0">
-              <a:lnSpc>
-                <a:spcPct val="100000"/>
-              </a:lnSpc>
-              <a:spcBef>
-                <a:spcPts val="0"/>
-              </a:spcBef>
-              <a:spcAft>
-                <a:spcPts val="0"/>
-              </a:spcAft>
-              <a:buClr>
-                <a:schemeClr val="dk1"/>
-              </a:buClr>
-              <a:buSzPts val="4200"/>
-              <a:buFont typeface="Economica" panose="02000506040000020004"/>
-              <a:buNone/>
-              <a:defRPr sz="4200" b="0" i="0" u="none" strike="noStrike" cap="none">
-                <a:solidFill>
-                  <a:schemeClr val="dk1"/>
-                </a:solidFill>
-                <a:latin typeface="Economica" panose="02000506040000020004"/>
-                <a:ea typeface="Economica" panose="02000506040000020004"/>
-                <a:cs typeface="Economica" panose="02000506040000020004"/>
-                <a:sym typeface="Economica" panose="02000506040000020004"/>
-              </a:defRPr>
-            </a:lvl2pPr>
-            <a:lvl3pPr marR="0" lvl="2" algn="l" rtl="0">
-              <a:lnSpc>
-                <a:spcPct val="100000"/>
-              </a:lnSpc>
-              <a:spcBef>
-                <a:spcPts val="0"/>
-              </a:spcBef>
-              <a:spcAft>
-                <a:spcPts val="0"/>
-              </a:spcAft>
-              <a:buClr>
-                <a:schemeClr val="dk1"/>
-              </a:buClr>
-              <a:buSzPts val="4200"/>
-              <a:buFont typeface="Economica" panose="02000506040000020004"/>
-              <a:buNone/>
-              <a:defRPr sz="4200" b="0" i="0" u="none" strike="noStrike" cap="none">
-                <a:solidFill>
-                  <a:schemeClr val="dk1"/>
-                </a:solidFill>
-                <a:latin typeface="Economica" panose="02000506040000020004"/>
-                <a:ea typeface="Economica" panose="02000506040000020004"/>
-                <a:cs typeface="Economica" panose="02000506040000020004"/>
-                <a:sym typeface="Economica" panose="02000506040000020004"/>
-              </a:defRPr>
-            </a:lvl3pPr>
-            <a:lvl4pPr marR="0" lvl="3" algn="l" rtl="0">
-              <a:lnSpc>
-                <a:spcPct val="100000"/>
-              </a:lnSpc>
-              <a:spcBef>
-                <a:spcPts val="0"/>
-              </a:spcBef>
-              <a:spcAft>
-                <a:spcPts val="0"/>
-              </a:spcAft>
-              <a:buClr>
-                <a:schemeClr val="dk1"/>
-              </a:buClr>
-              <a:buSzPts val="4200"/>
-              <a:buFont typeface="Economica" panose="02000506040000020004"/>
-              <a:buNone/>
-              <a:defRPr sz="4200" b="0" i="0" u="none" strike="noStrike" cap="none">
-                <a:solidFill>
-                  <a:schemeClr val="dk1"/>
-                </a:solidFill>
-                <a:latin typeface="Economica" panose="02000506040000020004"/>
-                <a:ea typeface="Economica" panose="02000506040000020004"/>
-                <a:cs typeface="Economica" panose="02000506040000020004"/>
-                <a:sym typeface="Economica" panose="02000506040000020004"/>
-              </a:defRPr>
-            </a:lvl4pPr>
-            <a:lvl5pPr marR="0" lvl="4" algn="l" rtl="0">
-              <a:lnSpc>
-                <a:spcPct val="100000"/>
-              </a:lnSpc>
-              <a:spcBef>
-                <a:spcPts val="0"/>
-              </a:spcBef>
-              <a:spcAft>
-                <a:spcPts val="0"/>
-              </a:spcAft>
-              <a:buClr>
-                <a:schemeClr val="dk1"/>
-              </a:buClr>
-              <a:buSzPts val="4200"/>
-              <a:buFont typeface="Economica" panose="02000506040000020004"/>
-              <a:buNone/>
-              <a:defRPr sz="4200" b="0" i="0" u="none" strike="noStrike" cap="none">
-                <a:solidFill>
-                  <a:schemeClr val="dk1"/>
-                </a:solidFill>
-                <a:latin typeface="Economica" panose="02000506040000020004"/>
-                <a:ea typeface="Economica" panose="02000506040000020004"/>
-                <a:cs typeface="Economica" panose="02000506040000020004"/>
-                <a:sym typeface="Economica" panose="02000506040000020004"/>
-              </a:defRPr>
-            </a:lvl5pPr>
-            <a:lvl6pPr marR="0" lvl="5" algn="l" rtl="0">
-              <a:lnSpc>
-                <a:spcPct val="100000"/>
-              </a:lnSpc>
-              <a:spcBef>
-                <a:spcPts val="0"/>
-              </a:spcBef>
-              <a:spcAft>
-                <a:spcPts val="0"/>
-              </a:spcAft>
-              <a:buClr>
-                <a:schemeClr val="dk1"/>
-              </a:buClr>
-              <a:buSzPts val="4200"/>
-              <a:buFont typeface="Economica" panose="02000506040000020004"/>
-              <a:buNone/>
-              <a:defRPr sz="4200" b="0" i="0" u="none" strike="noStrike" cap="none">
-                <a:solidFill>
-                  <a:schemeClr val="dk1"/>
-                </a:solidFill>
-                <a:latin typeface="Economica" panose="02000506040000020004"/>
-                <a:ea typeface="Economica" panose="02000506040000020004"/>
-                <a:cs typeface="Economica" panose="02000506040000020004"/>
-                <a:sym typeface="Economica" panose="02000506040000020004"/>
-              </a:defRPr>
-            </a:lvl6pPr>
-            <a:lvl7pPr marR="0" lvl="6" algn="l" rtl="0">
-              <a:lnSpc>
-                <a:spcPct val="100000"/>
-              </a:lnSpc>
-              <a:spcBef>
-                <a:spcPts val="0"/>
-              </a:spcBef>
-              <a:spcAft>
-                <a:spcPts val="0"/>
-              </a:spcAft>
-              <a:buClr>
-                <a:schemeClr val="dk1"/>
-              </a:buClr>
-              <a:buSzPts val="4200"/>
-              <a:buFont typeface="Economica" panose="02000506040000020004"/>
-              <a:buNone/>
-              <a:defRPr sz="4200" b="0" i="0" u="none" strike="noStrike" cap="none">
-                <a:solidFill>
-                  <a:schemeClr val="dk1"/>
-                </a:solidFill>
-                <a:latin typeface="Economica" panose="02000506040000020004"/>
-                <a:ea typeface="Economica" panose="02000506040000020004"/>
-                <a:cs typeface="Economica" panose="02000506040000020004"/>
-                <a:sym typeface="Economica" panose="02000506040000020004"/>
-              </a:defRPr>
-            </a:lvl7pPr>
-            <a:lvl8pPr marR="0" lvl="7" algn="l" rtl="0">
-              <a:lnSpc>
-                <a:spcPct val="100000"/>
-              </a:lnSpc>
-              <a:spcBef>
-                <a:spcPts val="0"/>
-              </a:spcBef>
-              <a:spcAft>
-                <a:spcPts val="0"/>
-              </a:spcAft>
-              <a:buClr>
-                <a:schemeClr val="dk1"/>
-              </a:buClr>
-              <a:buSzPts val="4200"/>
-              <a:buFont typeface="Economica" panose="02000506040000020004"/>
-              <a:buNone/>
-              <a:defRPr sz="4200" b="0" i="0" u="none" strike="noStrike" cap="none">
-                <a:solidFill>
-                  <a:schemeClr val="dk1"/>
-                </a:solidFill>
-                <a:latin typeface="Economica" panose="02000506040000020004"/>
-                <a:ea typeface="Economica" panose="02000506040000020004"/>
-                <a:cs typeface="Economica" panose="02000506040000020004"/>
-                <a:sym typeface="Economica" panose="02000506040000020004"/>
-              </a:defRPr>
-            </a:lvl8pPr>
-            <a:lvl9pPr marR="0" lvl="8" algn="l" rtl="0">
-              <a:lnSpc>
-                <a:spcPct val="100000"/>
-              </a:lnSpc>
-              <a:spcBef>
-                <a:spcPts val="0"/>
-              </a:spcBef>
-              <a:spcAft>
-                <a:spcPts val="0"/>
-              </a:spcAft>
-              <a:buClr>
-                <a:schemeClr val="dk1"/>
-              </a:buClr>
-              <a:buSzPts val="4200"/>
-              <a:buFont typeface="Economica" panose="02000506040000020004"/>
-              <a:buNone/>
-              <a:defRPr sz="4200" b="0" i="0" u="none" strike="noStrike" cap="none">
-                <a:solidFill>
-                  <a:schemeClr val="dk1"/>
-                </a:solidFill>
-                <a:latin typeface="Economica" panose="02000506040000020004"/>
-                <a:ea typeface="Economica" panose="02000506040000020004"/>
-                <a:cs typeface="Economica" panose="02000506040000020004"/>
-                <a:sym typeface="Economica" panose="02000506040000020004"/>
-              </a:defRPr>
-            </a:lvl9pPr>
-          </a:lstStyle>
-          <a:p>
-            <a:r>
-              <a:rPr lang="en-US" sz="1100" b="1" dirty="0">
-                <a:latin typeface="Times New Roman" panose="02020603050405020304" charset="0"/>
-                <a:cs typeface="Times New Roman" panose="02020603050405020304" charset="0"/>
-              </a:rPr>
-              <a:t>Exploring Deep Multimodal Fusion of Text and Photo for Hate Speech Classification </a:t>
-            </a:r>
-            <a:endParaRPr lang="en-US" sz="1100" b="1" dirty="0">
-              <a:latin typeface="Times New Roman" panose="02020603050405020304" charset="0"/>
-              <a:cs typeface="Times New Roman" panose="02020603050405020304" charset="0"/>
-            </a:endParaRPr>
-          </a:p>
-          <a:p>
-            <a:r>
-              <a:rPr lang="en-US" sz="1050" i="1" dirty="0">
-                <a:latin typeface="Times New Roman" panose="02020603050405020304" charset="0"/>
-                <a:cs typeface="Times New Roman" panose="02020603050405020304" charset="0"/>
-              </a:rPr>
-              <a:t>Proceedings of the Third Workshop on Abusive Language Online</a:t>
-            </a:r>
-            <a:r>
-              <a:rPr lang="en-US" sz="1400" b="1" i="1" dirty="0">
-                <a:latin typeface="Times New Roman" panose="02020603050405020304" charset="0"/>
-                <a:cs typeface="Times New Roman" panose="02020603050405020304" charset="0"/>
-              </a:rPr>
-              <a:t> </a:t>
-            </a:r>
-            <a:r>
-              <a:rPr lang="en-US" sz="1400" i="1" dirty="0">
-                <a:latin typeface="Times New Roman" panose="02020603050405020304" charset="0"/>
-                <a:cs typeface="Times New Roman" panose="02020603050405020304" charset="0"/>
-              </a:rPr>
-              <a:t>, </a:t>
-            </a:r>
-            <a:r>
-              <a:rPr lang="en-US" sz="1100" i="1" dirty="0">
-                <a:latin typeface="Times New Roman" panose="02020603050405020304" charset="0"/>
-                <a:cs typeface="Times New Roman" panose="02020603050405020304" charset="0"/>
-              </a:rPr>
-              <a:t>2019</a:t>
-            </a:r>
-            <a:endParaRPr lang="en-IN" sz="2800" b="1" i="1" dirty="0">
-              <a:latin typeface="Times New Roman" panose="02020603050405020304" charset="0"/>
-              <a:cs typeface="Times New Roman" panose="02020603050405020304" charset="0"/>
-            </a:endParaRPr>
-          </a:p>
-        </p:txBody>
-      </p:sp>
-      <p:sp>
-        <p:nvSpPr>
-          <p:cNvPr id="7" name="TextBox 6"/>
-          <p:cNvSpPr txBox="1"/>
-          <p:nvPr/>
-        </p:nvSpPr>
-        <p:spPr>
-          <a:xfrm>
-            <a:off x="5058508" y="2094696"/>
-            <a:ext cx="3581400" cy="1169551"/>
-          </a:xfrm>
-          <a:prstGeom prst="rect">
-            <a:avLst/>
-          </a:prstGeom>
-          <a:noFill/>
-        </p:spPr>
-        <p:txBody>
-          <a:bodyPr wrap="square" rtlCol="0">
-            <a:spAutoFit/>
-          </a:bodyPr>
-          <a:lstStyle/>
-          <a:p>
-            <a:pPr marL="285750" indent="-285750">
-              <a:buFont typeface="Arial" panose="020B0604020202020204" pitchFamily="34" charset="0"/>
-              <a:buChar char="•"/>
-            </a:pPr>
-            <a:r>
-              <a:rPr lang="en-IN" dirty="0"/>
-              <a:t>MLP-W : Serves as solution for fine-tuning word embeddings to hate speech domain.</a:t>
-            </a:r>
-            <a:endParaRPr lang="en-IN" dirty="0"/>
-          </a:p>
-          <a:p>
-            <a:endParaRPr lang="en-IN" dirty="0"/>
-          </a:p>
-          <a:p>
-            <a:pPr marL="285750" indent="-285750">
-              <a:buFont typeface="Arial" panose="020B0604020202020204" pitchFamily="34" charset="0"/>
-              <a:buChar char="•"/>
-            </a:pPr>
-            <a:r>
-              <a:rPr lang="en-IN" dirty="0"/>
-              <a:t>Gated Summation </a:t>
-            </a:r>
-            <a:endParaRPr lang="en-IN" dirty="0"/>
-          </a:p>
-        </p:txBody>
-      </p:sp>
-    </p:spTree>
-  </p:cSld>
-  <p:clrMapOvr>
-    <a:masterClrMapping/>
-  </p:clrMapOvr>
-</p:sld>
-</file>
-
-<file path=ppt/slides/slide7.xml><?xml version="1.0" encoding="utf-8"?>
-<p:sld xmlns:a="http://schemas.openxmlformats.org/drawingml/2006/main" xmlns:r="http://schemas.openxmlformats.org/officeDocument/2006/relationships" xmlns:p="http://schemas.openxmlformats.org/presentationml/2006/main">
-  <p:cSld>
-    <p:spTree>
-      <p:nvGrpSpPr>
-        <p:cNvPr id="1" name=""/>
-        <p:cNvGrpSpPr/>
-        <p:nvPr/>
-      </p:nvGrpSpPr>
-      <p:grpSpPr>
-        <a:xfrm>
-          <a:off x="0" y="0"/>
-          <a:ext cx="0" cy="0"/>
-          <a:chOff x="0" y="0"/>
-          <a:chExt cx="0" cy="0"/>
-        </a:xfrm>
-      </p:grpSpPr>
-      <p:sp>
-        <p:nvSpPr>
-          <p:cNvPr id="2" name="Title 1"/>
-          <p:cNvSpPr>
-            <a:spLocks noGrp="1"/>
-          </p:cNvSpPr>
-          <p:nvPr>
-            <p:ph type="title"/>
-          </p:nvPr>
-        </p:nvSpPr>
-        <p:spPr>
-          <a:xfrm>
-            <a:off x="376177" y="2009911"/>
-            <a:ext cx="8520600" cy="831300"/>
-          </a:xfrm>
-        </p:spPr>
-        <p:txBody>
-          <a:bodyPr/>
-          <a:lstStyle/>
-          <a:p>
-            <a:pPr algn="ctr"/>
-            <a:r>
-              <a:rPr lang="en-US" sz="2400" dirty="0">
-                <a:latin typeface="Times New Roman" panose="02020603050405020304" charset="0"/>
-                <a:cs typeface="Times New Roman" panose="02020603050405020304" charset="0"/>
-                <a:sym typeface="+mn-ea"/>
-              </a:rPr>
-              <a:t>Task 2  : Reasoning Of Meme Labelled Into Different Categories </a:t>
-            </a:r>
-            <a:endParaRPr lang="en-IN" sz="2400" dirty="0">
-              <a:latin typeface="Times New Roman" panose="02020603050405020304" charset="0"/>
-              <a:cs typeface="Times New Roman" panose="02020603050405020304" charset="0"/>
-            </a:endParaRPr>
-          </a:p>
-        </p:txBody>
-      </p:sp>
-    </p:spTree>
-  </p:cSld>
-  <p:clrMapOvr>
-    <a:masterClrMapping/>
-  </p:clrMapOvr>
-</p:sld>
-</file>
-
-<file path=ppt/slides/slide8.xml><?xml version="1.0" encoding="utf-8"?>
-<p:sld xmlns:a="http://schemas.openxmlformats.org/drawingml/2006/main" xmlns:r="http://schemas.openxmlformats.org/officeDocument/2006/relationships" xmlns:p="http://schemas.openxmlformats.org/presentationml/2006/main">
-  <p:cSld>
-    <p:spTree>
-      <p:nvGrpSpPr>
-        <p:cNvPr id="1" name=""/>
-        <p:cNvGrpSpPr/>
-        <p:nvPr/>
-      </p:nvGrpSpPr>
-      <p:grpSpPr>
-        <a:xfrm>
-          <a:off x="0" y="0"/>
-          <a:ext cx="0" cy="0"/>
-          <a:chOff x="0" y="0"/>
-          <a:chExt cx="0" cy="0"/>
-        </a:xfrm>
-      </p:grpSpPr>
-      <p:sp>
-        <p:nvSpPr>
-          <p:cNvPr id="2" name="Title 1"/>
-          <p:cNvSpPr>
-            <a:spLocks noGrp="1"/>
-          </p:cNvSpPr>
-          <p:nvPr>
-            <p:ph type="title"/>
-          </p:nvPr>
-        </p:nvSpPr>
-        <p:spPr>
-          <a:xfrm>
-            <a:off x="0" y="0"/>
-            <a:ext cx="8516990" cy="611197"/>
-          </a:xfrm>
-        </p:spPr>
-        <p:txBody>
-          <a:bodyPr/>
-          <a:lstStyle/>
-          <a:p>
-            <a:br>
-              <a:rPr lang="en-US" b="1" dirty="0">
-                <a:latin typeface="Times New Roman" panose="02020603050405020304" charset="0"/>
-                <a:cs typeface="Times New Roman" panose="02020603050405020304" charset="0"/>
-              </a:rPr>
-            </a:br>
-            <a:br>
-              <a:rPr lang="en-US" b="1" dirty="0">
-                <a:latin typeface="Times New Roman" panose="02020603050405020304" charset="0"/>
-                <a:cs typeface="Times New Roman" panose="02020603050405020304" charset="0"/>
-              </a:rPr>
-            </a:br>
-            <a:r>
-              <a:rPr lang="en-US" sz="1800" b="1" dirty="0">
-                <a:latin typeface="Times New Roman" panose="02020603050405020304" charset="0"/>
-                <a:cs typeface="Times New Roman" panose="02020603050405020304" charset="0"/>
-              </a:rPr>
-              <a:t>From Recognition to Cognition: Visual Commonsense Reasoning   </a:t>
-            </a:r>
-            <a:endParaRPr lang="en-US" sz="1800" b="1" dirty="0">
-              <a:latin typeface="Times New Roman" panose="02020603050405020304" charset="0"/>
-              <a:cs typeface="Times New Roman" panose="02020603050405020304" charset="0"/>
-            </a:endParaRPr>
-          </a:p>
-        </p:txBody>
-      </p:sp>
-      <p:sp>
-        <p:nvSpPr>
-          <p:cNvPr id="3" name="Text Placeholder 2"/>
-          <p:cNvSpPr>
-            <a:spLocks noGrp="1"/>
-          </p:cNvSpPr>
-          <p:nvPr>
-            <p:ph type="body" idx="1"/>
-          </p:nvPr>
-        </p:nvSpPr>
-        <p:spPr>
-          <a:xfrm>
-            <a:off x="399392" y="1555531"/>
-            <a:ext cx="8432907" cy="3023694"/>
-          </a:xfrm>
-        </p:spPr>
-        <p:txBody>
-          <a:bodyPr/>
-          <a:lstStyle/>
-          <a:p>
-            <a:endParaRPr lang="en-US" dirty="0"/>
-          </a:p>
-        </p:txBody>
-      </p:sp>
-      <p:pic>
-        <p:nvPicPr>
-          <p:cNvPr id="4" name="Picture 3" descr="Screenshot (114).png"/>
-          <p:cNvPicPr>
-            <a:picLocks noChangeAspect="1"/>
-          </p:cNvPicPr>
-          <p:nvPr/>
-        </p:nvPicPr>
-        <p:blipFill>
-          <a:blip r:embed="rId1"/>
-          <a:srcRect l="1379" t="23282" r="1724" b="34807"/>
-          <a:stretch>
-            <a:fillRect/>
-          </a:stretch>
-        </p:blipFill>
-        <p:spPr>
-          <a:xfrm>
-            <a:off x="0" y="1508983"/>
-            <a:ext cx="9144000" cy="2154621"/>
-          </a:xfrm>
-          <a:prstGeom prst="rect">
-            <a:avLst/>
-          </a:prstGeom>
-        </p:spPr>
-      </p:pic>
-      <p:sp>
-        <p:nvSpPr>
-          <p:cNvPr id="5" name="TextBox 4"/>
-          <p:cNvSpPr txBox="1"/>
-          <p:nvPr/>
-        </p:nvSpPr>
-        <p:spPr>
-          <a:xfrm>
-            <a:off x="315685" y="729343"/>
-            <a:ext cx="2997937" cy="307777"/>
-          </a:xfrm>
-          <a:prstGeom prst="rect">
-            <a:avLst/>
-          </a:prstGeom>
-          <a:noFill/>
-        </p:spPr>
-        <p:txBody>
-          <a:bodyPr wrap="none" rtlCol="0">
-            <a:spAutoFit/>
-          </a:bodyPr>
-          <a:lstStyle/>
-          <a:p>
-            <a:r>
-              <a:rPr lang="en-IN" dirty="0">
-                <a:hlinkClick r:id="rId2"/>
-              </a:rPr>
-              <a:t>https://arxiv.org/pdf/1811.10830.pdf</a:t>
-            </a:r>
-            <a:endParaRPr lang="en-IN" dirty="0"/>
-          </a:p>
-        </p:txBody>
-      </p:sp>
-      <p:sp>
-        <p:nvSpPr>
-          <p:cNvPr id="6" name="TextBox 5"/>
-          <p:cNvSpPr txBox="1"/>
-          <p:nvPr/>
-        </p:nvSpPr>
-        <p:spPr>
-          <a:xfrm>
-            <a:off x="261257" y="1153885"/>
-            <a:ext cx="3204845" cy="306705"/>
-          </a:xfrm>
-          <a:prstGeom prst="rect">
-            <a:avLst/>
-          </a:prstGeom>
-          <a:noFill/>
-        </p:spPr>
-        <p:txBody>
-          <a:bodyPr wrap="none" rtlCol="0">
-            <a:spAutoFit/>
-          </a:bodyPr>
-          <a:lstStyle/>
-          <a:p>
-            <a:r>
-              <a:rPr lang="en-US" dirty="0">
-                <a:latin typeface="Times New Roman" panose="02020603050405020304" charset="0"/>
-                <a:cs typeface="Times New Roman" panose="02020603050405020304" charset="0"/>
-              </a:rPr>
-              <a:t>Dataset : Visual Commonsense Reasoning</a:t>
-            </a:r>
-            <a:endParaRPr lang="en-IN" dirty="0">
-              <a:latin typeface="Times New Roman" panose="02020603050405020304" charset="0"/>
-              <a:cs typeface="Times New Roman" panose="02020603050405020304" charset="0"/>
-            </a:endParaRPr>
-          </a:p>
-        </p:txBody>
-      </p:sp>
-      <p:sp>
-        <p:nvSpPr>
-          <p:cNvPr id="7" name="TextBox 6"/>
-          <p:cNvSpPr txBox="1"/>
-          <p:nvPr/>
-        </p:nvSpPr>
-        <p:spPr>
-          <a:xfrm>
-            <a:off x="315686" y="3788229"/>
-            <a:ext cx="6894836" cy="954107"/>
-          </a:xfrm>
-          <a:prstGeom prst="rect">
-            <a:avLst/>
-          </a:prstGeom>
-          <a:noFill/>
-        </p:spPr>
-        <p:txBody>
-          <a:bodyPr wrap="none" rtlCol="0">
-            <a:spAutoFit/>
-          </a:bodyPr>
-          <a:lstStyle/>
-          <a:p>
-            <a:pPr>
-              <a:buFont typeface="Arial" panose="020B0604020202020204" pitchFamily="34" charset="0"/>
-              <a:buChar char="•"/>
-            </a:pPr>
-            <a:r>
-              <a:rPr lang="en-US" dirty="0"/>
-              <a:t> Collected from Large Scale Movie Description Challenge and YouTube movie clips </a:t>
-            </a:r>
-            <a:endParaRPr lang="en-US" dirty="0"/>
-          </a:p>
-          <a:p>
-            <a:pPr>
-              <a:buFont typeface="Arial" panose="020B0604020202020204" pitchFamily="34" charset="0"/>
-              <a:buChar char="•"/>
-            </a:pPr>
-            <a:r>
-              <a:rPr lang="en-US" dirty="0"/>
-              <a:t>List of objects</a:t>
-            </a:r>
-            <a:endParaRPr lang="en-US" dirty="0"/>
-          </a:p>
-          <a:p>
-            <a:pPr>
-              <a:buFont typeface="Arial" panose="020B0604020202020204" pitchFamily="34" charset="0"/>
-              <a:buChar char="•"/>
-            </a:pPr>
-            <a:r>
-              <a:rPr lang="en-US" dirty="0"/>
-              <a:t> A query </a:t>
-            </a:r>
-            <a:endParaRPr lang="en-US" dirty="0"/>
-          </a:p>
-          <a:p>
-            <a:pPr>
-              <a:buFont typeface="Arial" panose="020B0604020202020204" pitchFamily="34" charset="0"/>
-              <a:buChar char="•"/>
-            </a:pPr>
-            <a:r>
-              <a:rPr lang="en-US" dirty="0"/>
-              <a:t> A set of N responses</a:t>
-            </a:r>
-            <a:endParaRPr lang="en-US" dirty="0"/>
-          </a:p>
-        </p:txBody>
-      </p:sp>
-    </p:spTree>
-  </p:cSld>
-  <p:clrMapOvr>
-    <a:masterClrMapping/>
-  </p:clrMapOvr>
-</p:sld>
-</file>
-
-<file path=ppt/slides/slide9.xml><?xml version="1.0" encoding="utf-8"?>
-<p:sld xmlns:a="http://schemas.openxmlformats.org/drawingml/2006/main" xmlns:r="http://schemas.openxmlformats.org/officeDocument/2006/relationships" xmlns:p="http://schemas.openxmlformats.org/presentationml/2006/main">
-  <p:cSld>
-    <p:spTree>
-      <p:nvGrpSpPr>
-        <p:cNvPr id="1" name=""/>
-        <p:cNvGrpSpPr/>
-        <p:nvPr/>
-      </p:nvGrpSpPr>
-      <p:grpSpPr>
-        <a:xfrm>
-          <a:off x="0" y="0"/>
-          <a:ext cx="0" cy="0"/>
-          <a:chOff x="0" y="0"/>
-          <a:chExt cx="0" cy="0"/>
-        </a:xfrm>
-      </p:grpSpPr>
-      <p:pic>
-        <p:nvPicPr>
-          <p:cNvPr id="2" name="Picture 1" descr="Screenshot (115).png"/>
-          <p:cNvPicPr>
-            <a:picLocks noChangeAspect="1"/>
-          </p:cNvPicPr>
-          <p:nvPr/>
-        </p:nvPicPr>
-        <p:blipFill>
-          <a:blip r:embed="rId1"/>
-          <a:srcRect l="49310" t="31254" r="10920" b="33990"/>
-          <a:stretch>
-            <a:fillRect/>
-          </a:stretch>
-        </p:blipFill>
-        <p:spPr>
-          <a:xfrm>
-            <a:off x="136635" y="420415"/>
-            <a:ext cx="3930869" cy="2060028"/>
-          </a:xfrm>
-          <a:prstGeom prst="rect">
-            <a:avLst/>
-          </a:prstGeom>
-        </p:spPr>
-      </p:pic>
-      <p:sp>
-        <p:nvSpPr>
-          <p:cNvPr id="3" name="TextBox 2"/>
-          <p:cNvSpPr txBox="1"/>
-          <p:nvPr/>
-        </p:nvSpPr>
-        <p:spPr>
-          <a:xfrm>
-            <a:off x="178677" y="0"/>
-            <a:ext cx="1901190" cy="306705"/>
-          </a:xfrm>
-          <a:prstGeom prst="rect">
-            <a:avLst/>
-          </a:prstGeom>
-          <a:noFill/>
-        </p:spPr>
-        <p:txBody>
-          <a:bodyPr wrap="none" rtlCol="0">
-            <a:spAutoFit/>
-          </a:bodyPr>
-          <a:lstStyle/>
-          <a:p>
-            <a:r>
-              <a:rPr lang="en-US" b="1" dirty="0">
-                <a:latin typeface="Times New Roman" panose="02020603050405020304" charset="0"/>
-                <a:cs typeface="Times New Roman" panose="02020603050405020304" charset="0"/>
-              </a:rPr>
-              <a:t>Adversarial Matching </a:t>
-            </a:r>
-            <a:endParaRPr lang="en-IN" b="1" dirty="0">
-              <a:latin typeface="Times New Roman" panose="02020603050405020304" charset="0"/>
-              <a:cs typeface="Times New Roman" panose="02020603050405020304" charset="0"/>
-            </a:endParaRPr>
-          </a:p>
-        </p:txBody>
-      </p:sp>
-      <p:pic>
-        <p:nvPicPr>
-          <p:cNvPr id="4" name="Picture 3" descr="Screenshot (116).png"/>
-          <p:cNvPicPr>
-            <a:picLocks noChangeAspect="1"/>
-          </p:cNvPicPr>
-          <p:nvPr/>
-        </p:nvPicPr>
-        <p:blipFill>
-          <a:blip r:embed="rId2"/>
-          <a:srcRect l="7241" t="35753" r="5977" b="29492"/>
-          <a:stretch>
-            <a:fillRect/>
-          </a:stretch>
-        </p:blipFill>
-        <p:spPr>
-          <a:xfrm>
-            <a:off x="0" y="3121573"/>
-            <a:ext cx="7210097" cy="1786759"/>
-          </a:xfrm>
-          <a:prstGeom prst="rect">
-            <a:avLst/>
-          </a:prstGeom>
-        </p:spPr>
-      </p:pic>
-      <p:sp>
-        <p:nvSpPr>
-          <p:cNvPr id="5" name="TextBox 4"/>
-          <p:cNvSpPr txBox="1"/>
-          <p:nvPr/>
-        </p:nvSpPr>
-        <p:spPr>
-          <a:xfrm>
-            <a:off x="178675" y="2711669"/>
-            <a:ext cx="2607945" cy="306705"/>
-          </a:xfrm>
-          <a:prstGeom prst="rect">
-            <a:avLst/>
-          </a:prstGeom>
-          <a:noFill/>
-        </p:spPr>
-        <p:txBody>
-          <a:bodyPr wrap="none" rtlCol="0">
-            <a:spAutoFit/>
-          </a:bodyPr>
-          <a:lstStyle/>
-          <a:p>
-            <a:r>
-              <a:rPr lang="en-US" b="1" dirty="0">
-                <a:latin typeface="Times New Roman" panose="02020603050405020304" charset="0"/>
-                <a:cs typeface="Times New Roman" panose="02020603050405020304" charset="0"/>
-              </a:rPr>
-              <a:t>Recognition to Cognition Model</a:t>
-            </a:r>
-            <a:endParaRPr lang="en-IN" b="1" dirty="0">
-              <a:latin typeface="Times New Roman" panose="02020603050405020304" charset="0"/>
-              <a:cs typeface="Times New Roman" panose="02020603050405020304" charset="0"/>
-            </a:endParaRPr>
-          </a:p>
-        </p:txBody>
-      </p:sp>
-      <p:sp>
-        <p:nvSpPr>
-          <p:cNvPr id="6" name="TextBox 5"/>
-          <p:cNvSpPr txBox="1"/>
-          <p:nvPr/>
-        </p:nvSpPr>
-        <p:spPr>
-          <a:xfrm>
-            <a:off x="4321629" y="515007"/>
-            <a:ext cx="4822371" cy="2030095"/>
-          </a:xfrm>
-          <a:prstGeom prst="rect">
-            <a:avLst/>
-          </a:prstGeom>
-          <a:noFill/>
-        </p:spPr>
-        <p:txBody>
-          <a:bodyPr wrap="square" rtlCol="0">
-            <a:spAutoFit/>
-          </a:bodyPr>
-          <a:lstStyle/>
-          <a:p>
-            <a:pPr>
-              <a:buFont typeface="Arial" panose="020B0604020202020204" pitchFamily="34" charset="0"/>
-              <a:buChar char="•"/>
-            </a:pPr>
-            <a:r>
-              <a:rPr lang="en-US" dirty="0">
-                <a:latin typeface="Times New Roman" panose="02020603050405020304" charset="0"/>
-                <a:cs typeface="Times New Roman" panose="02020603050405020304" charset="0"/>
-              </a:rPr>
-              <a:t> For Question Answering Q -&gt; A</a:t>
-            </a:r>
-            <a:endParaRPr lang="en-US" dirty="0">
-              <a:latin typeface="Times New Roman" panose="02020603050405020304" charset="0"/>
-              <a:cs typeface="Times New Roman" panose="02020603050405020304" charset="0"/>
-            </a:endParaRPr>
-          </a:p>
-          <a:p>
-            <a:pPr>
-              <a:buFont typeface="Arial" panose="020B0604020202020204" pitchFamily="34" charset="0"/>
-              <a:buChar char="•"/>
-            </a:pPr>
-            <a:r>
-              <a:rPr lang="en-US" dirty="0">
-                <a:latin typeface="Times New Roman" panose="02020603050405020304" charset="0"/>
-                <a:cs typeface="Times New Roman" panose="02020603050405020304" charset="0"/>
-              </a:rPr>
-              <a:t> Language generation dataset to Multiple Choice Test</a:t>
-            </a:r>
-            <a:endParaRPr lang="en-US" dirty="0">
-              <a:latin typeface="Times New Roman" panose="02020603050405020304" charset="0"/>
-              <a:cs typeface="Times New Roman" panose="02020603050405020304" charset="0"/>
-            </a:endParaRPr>
-          </a:p>
-          <a:p>
-            <a:pPr>
-              <a:buFont typeface="Arial" panose="020B0604020202020204" pitchFamily="34" charset="0"/>
-              <a:buChar char="•"/>
-            </a:pPr>
-            <a:r>
-              <a:rPr lang="en-US" dirty="0">
-                <a:latin typeface="Times New Roman" panose="02020603050405020304" charset="0"/>
-                <a:cs typeface="Times New Roman" panose="02020603050405020304" charset="0"/>
-              </a:rPr>
-              <a:t> Two subtasks:</a:t>
-            </a:r>
-            <a:endParaRPr lang="en-US" dirty="0">
-              <a:latin typeface="Times New Roman" panose="02020603050405020304" charset="0"/>
-              <a:cs typeface="Times New Roman" panose="02020603050405020304" charset="0"/>
-            </a:endParaRPr>
-          </a:p>
-          <a:p>
-            <a:r>
-              <a:rPr lang="en-US" dirty="0">
-                <a:latin typeface="Times New Roman" panose="02020603050405020304" charset="0"/>
-                <a:cs typeface="Times New Roman" panose="02020603050405020304" charset="0"/>
-              </a:rPr>
-              <a:t>            - Answer is as relevant as possible</a:t>
-            </a:r>
-            <a:endParaRPr lang="en-US" dirty="0">
-              <a:latin typeface="Times New Roman" panose="02020603050405020304" charset="0"/>
-              <a:cs typeface="Times New Roman" panose="02020603050405020304" charset="0"/>
-            </a:endParaRPr>
-          </a:p>
-          <a:p>
-            <a:r>
-              <a:rPr lang="en-US" dirty="0">
-                <a:latin typeface="Times New Roman" panose="02020603050405020304" charset="0"/>
-                <a:cs typeface="Times New Roman" panose="02020603050405020304" charset="0"/>
-              </a:rPr>
-              <a:t>            - Dissimilarity between other answers are from the correct answer</a:t>
-            </a:r>
-            <a:endParaRPr lang="en-US" dirty="0">
-              <a:latin typeface="Times New Roman" panose="02020603050405020304" charset="0"/>
-              <a:cs typeface="Times New Roman" panose="02020603050405020304" charset="0"/>
-            </a:endParaRPr>
-          </a:p>
-          <a:p>
-            <a:pPr>
-              <a:buFont typeface="Arial" panose="020B0604020202020204" pitchFamily="34" charset="0"/>
-              <a:buChar char="•"/>
-            </a:pPr>
-            <a:r>
-              <a:rPr lang="en-US" dirty="0">
-                <a:latin typeface="Times New Roman" panose="02020603050405020304" charset="0"/>
-                <a:cs typeface="Times New Roman" panose="02020603050405020304" charset="0"/>
-              </a:rPr>
-              <a:t> Maximum weight bipartite matching</a:t>
-            </a:r>
-            <a:endParaRPr lang="en-US" dirty="0">
-              <a:latin typeface="Times New Roman" panose="02020603050405020304" charset="0"/>
-              <a:cs typeface="Times New Roman" panose="02020603050405020304" charset="0"/>
-            </a:endParaRPr>
-          </a:p>
-          <a:p>
-            <a:endParaRPr lang="en-US" dirty="0">
-              <a:latin typeface="Times New Roman" panose="02020603050405020304" charset="0"/>
-              <a:cs typeface="Times New Roman" panose="02020603050405020304" charset="0"/>
-            </a:endParaRPr>
-          </a:p>
-          <a:p>
-            <a:r>
-              <a:rPr lang="en-US" dirty="0">
-                <a:latin typeface="Times New Roman" panose="02020603050405020304" charset="0"/>
-                <a:cs typeface="Times New Roman" panose="02020603050405020304" charset="0"/>
-              </a:rPr>
-              <a:t>       </a:t>
-            </a:r>
-            <a:endParaRPr lang="en-IN" dirty="0">
-              <a:latin typeface="Times New Roman" panose="02020603050405020304" charset="0"/>
-              <a:cs typeface="Times New Roman" panose="02020603050405020304" charset="0"/>
-            </a:endParaRPr>
-          </a:p>
-        </p:txBody>
-      </p:sp>
-      <p:sp>
-        <p:nvSpPr>
-          <p:cNvPr id="7" name="TextBox 6"/>
-          <p:cNvSpPr txBox="1"/>
-          <p:nvPr/>
-        </p:nvSpPr>
-        <p:spPr>
-          <a:xfrm>
-            <a:off x="7293429" y="3450771"/>
-            <a:ext cx="1719942" cy="953135"/>
-          </a:xfrm>
-          <a:prstGeom prst="rect">
-            <a:avLst/>
-          </a:prstGeom>
-          <a:noFill/>
-        </p:spPr>
-        <p:txBody>
-          <a:bodyPr wrap="square" rtlCol="0">
-            <a:spAutoFit/>
-          </a:bodyPr>
-          <a:lstStyle/>
-          <a:p>
-            <a:pPr>
-              <a:buFont typeface="Arial" panose="020B0604020202020204" pitchFamily="34" charset="0"/>
-              <a:buChar char="•"/>
-            </a:pPr>
-            <a:r>
-              <a:rPr lang="en-US" dirty="0">
-                <a:latin typeface="Times New Roman" panose="02020603050405020304" charset="0"/>
-                <a:cs typeface="Times New Roman" panose="02020603050405020304" charset="0"/>
-              </a:rPr>
-              <a:t> QA -&gt; R </a:t>
-            </a:r>
-            <a:endParaRPr lang="en-US" dirty="0">
-              <a:latin typeface="Times New Roman" panose="02020603050405020304" charset="0"/>
-              <a:cs typeface="Times New Roman" panose="02020603050405020304" charset="0"/>
-            </a:endParaRPr>
-          </a:p>
-          <a:p>
-            <a:pPr>
-              <a:buFont typeface="Arial" panose="020B0604020202020204" pitchFamily="34" charset="0"/>
-              <a:buChar char="•"/>
-            </a:pPr>
-            <a:r>
-              <a:rPr lang="en-US" dirty="0">
-                <a:latin typeface="Times New Roman" panose="02020603050405020304" charset="0"/>
-                <a:cs typeface="Times New Roman" panose="02020603050405020304" charset="0"/>
-              </a:rPr>
-              <a:t> Grounding</a:t>
-            </a:r>
-            <a:endParaRPr lang="en-US" dirty="0">
-              <a:latin typeface="Times New Roman" panose="02020603050405020304" charset="0"/>
-              <a:cs typeface="Times New Roman" panose="02020603050405020304" charset="0"/>
-            </a:endParaRPr>
-          </a:p>
-          <a:p>
-            <a:pPr>
-              <a:buFont typeface="Arial" panose="020B0604020202020204" pitchFamily="34" charset="0"/>
-              <a:buChar char="•"/>
-            </a:pPr>
-            <a:r>
-              <a:rPr lang="en-US" dirty="0">
-                <a:latin typeface="Times New Roman" panose="02020603050405020304" charset="0"/>
-                <a:cs typeface="Times New Roman" panose="02020603050405020304" charset="0"/>
-              </a:rPr>
-              <a:t> Contextualization</a:t>
-            </a:r>
-            <a:endParaRPr lang="en-US" dirty="0">
-              <a:latin typeface="Times New Roman" panose="02020603050405020304" charset="0"/>
-              <a:cs typeface="Times New Roman" panose="02020603050405020304" charset="0"/>
-            </a:endParaRPr>
-          </a:p>
-          <a:p>
-            <a:pPr>
-              <a:buFont typeface="Arial" panose="020B0604020202020204" pitchFamily="34" charset="0"/>
-              <a:buChar char="•"/>
-            </a:pPr>
-            <a:r>
-              <a:rPr lang="en-US" dirty="0">
-                <a:latin typeface="Times New Roman" panose="02020603050405020304" charset="0"/>
-                <a:cs typeface="Times New Roman" panose="02020603050405020304" charset="0"/>
-              </a:rPr>
-              <a:t> Reasoning</a:t>
-            </a:r>
-            <a:endParaRPr lang="en-IN" dirty="0">
-              <a:latin typeface="Times New Roman" panose="02020603050405020304" charset="0"/>
-              <a:cs typeface="Times New Roman" panose="02020603050405020304" charset="0"/>
-            </a:endParaRPr>
-          </a:p>
-        </p:txBody>
-      </p:sp>
     </p:spTree>
   </p:cSld>
   <p:clrMapOvr>

--- a/Literature Survey 2.pptx
+++ b/Literature Survey 2.pptx
@@ -5,45 +5,46 @@
     <p:sldMasterId id="2147483648" r:id="rId1"/>
   </p:sldMasterIdLst>
   <p:notesMasterIdLst>
-    <p:notesMasterId r:id="rId20"/>
+    <p:notesMasterId r:id="rId4"/>
   </p:notesMasterIdLst>
   <p:sldIdLst>
-    <p:sldId id="318" r:id="rId2"/>
-    <p:sldId id="319" r:id="rId3"/>
-    <p:sldId id="320" r:id="rId4"/>
-    <p:sldId id="321" r:id="rId5"/>
-    <p:sldId id="285" r:id="rId6"/>
-    <p:sldId id="322" r:id="rId7"/>
-    <p:sldId id="323" r:id="rId8"/>
-    <p:sldId id="324" r:id="rId9"/>
-    <p:sldId id="256" r:id="rId10"/>
-    <p:sldId id="267" r:id="rId11"/>
-    <p:sldId id="268" r:id="rId12"/>
-    <p:sldId id="263" r:id="rId13"/>
-    <p:sldId id="271" r:id="rId14"/>
-    <p:sldId id="272" r:id="rId15"/>
-    <p:sldId id="273" r:id="rId16"/>
-    <p:sldId id="275" r:id="rId17"/>
-    <p:sldId id="274" r:id="rId18"/>
-    <p:sldId id="277" r:id="rId19"/>
+    <p:sldId id="318" r:id="rId3"/>
+    <p:sldId id="319" r:id="rId5"/>
+    <p:sldId id="320" r:id="rId6"/>
+    <p:sldId id="321" r:id="rId7"/>
+    <p:sldId id="285" r:id="rId8"/>
+    <p:sldId id="322" r:id="rId9"/>
+    <p:sldId id="323" r:id="rId10"/>
+    <p:sldId id="324" r:id="rId11"/>
+    <p:sldId id="256" r:id="rId12"/>
+    <p:sldId id="267" r:id="rId13"/>
+    <p:sldId id="268" r:id="rId14"/>
+    <p:sldId id="263" r:id="rId15"/>
+    <p:sldId id="271" r:id="rId16"/>
+    <p:sldId id="272" r:id="rId17"/>
+    <p:sldId id="273" r:id="rId18"/>
+    <p:sldId id="275" r:id="rId19"/>
+    <p:sldId id="274" r:id="rId20"/>
+    <p:sldId id="277" r:id="rId21"/>
+    <p:sldId id="336" r:id="rId22"/>
   </p:sldIdLst>
   <p:sldSz cx="9144000" cy="5143500" type="screen16x9"/>
   <p:notesSz cx="6858000" cy="9144000"/>
   <p:embeddedFontLst>
     <p:embeddedFont>
-      <p:font typeface="Georgia" pitchFamily="18" charset="0"/>
-      <p:regular r:id="rId21"/>
-      <p:bold r:id="rId22"/>
-      <p:italic r:id="rId23"/>
-      <p:boldItalic r:id="rId24"/>
+      <p:font typeface="Economica" panose="02000506040000020004"/>
+      <p:regular r:id="rId26"/>
     </p:embeddedFont>
     <p:embeddedFont>
-      <p:font typeface="Economica" charset="0"/>
-      <p:regular r:id="rId25"/>
+      <p:font typeface="Open Sans" panose="020B0606030504020204"/>
+      <p:regular r:id="rId27"/>
     </p:embeddedFont>
     <p:embeddedFont>
-      <p:font typeface="Open Sans" charset="0"/>
-      <p:regular r:id="rId26"/>
+      <p:font typeface="Georgia" panose="02040502050405020303" charset="0"/>
+      <p:regular r:id="rId28"/>
+      <p:bold r:id="rId29"/>
+      <p:italic r:id="rId30"/>
+      <p:boldItalic r:id="rId31"/>
     </p:embeddedFont>
   </p:embeddedFontLst>
   <p:defaultTextStyle>
@@ -479,9 +480,7 @@
               <a:defRPr sz="1100"/>
             </a:lvl9pPr>
           </a:lstStyle>
-          <a:p>
-            <a:endParaRPr/>
-          </a:p>
+          <a:p/>
         </p:txBody>
       </p:sp>
     </p:spTree>
@@ -776,7 +775,7 @@
 </file>
 
 <file path=ppt/notesSlides/notesSlide2.xml><?xml version="1.0" encoding="utf-8"?>
-<p:notes xmlns:a="http://schemas.openxmlformats.org/drawingml/2006/main" xmlns:r="http://schemas.openxmlformats.org/officeDocument/2006/relationships" xmlns:p="http://schemas.openxmlformats.org/presentationml/2006/main" showMasterSp="0" showMasterPhAnim="0">
+<p:notes xmlns:a="http://schemas.openxmlformats.org/drawingml/2006/main" xmlns:r="http://schemas.openxmlformats.org/officeDocument/2006/relationships" xmlns:p="http://schemas.openxmlformats.org/presentationml/2006/main" showMasterPhAnim="0" showMasterSp="0">
   <p:cSld>
     <p:spTree>
       <p:nvGrpSpPr>
@@ -867,7 +866,6 @@
               </a:spcAft>
               <a:buNone/>
             </a:pPr>
-            <a:endParaRPr/>
           </a:p>
         </p:txBody>
       </p:sp>
@@ -880,7 +878,7 @@
 </file>
 
 <file path=ppt/notesSlides/notesSlide3.xml><?xml version="1.0" encoding="utf-8"?>
-<p:notes xmlns:a="http://schemas.openxmlformats.org/drawingml/2006/main" xmlns:r="http://schemas.openxmlformats.org/officeDocument/2006/relationships" xmlns:p="http://schemas.openxmlformats.org/presentationml/2006/main" showMasterSp="0" showMasterPhAnim="0">
+<p:notes xmlns:a="http://schemas.openxmlformats.org/drawingml/2006/main" xmlns:r="http://schemas.openxmlformats.org/officeDocument/2006/relationships" xmlns:p="http://schemas.openxmlformats.org/presentationml/2006/main" showMasterPhAnim="0" showMasterSp="0">
   <p:cSld>
     <p:spTree>
       <p:nvGrpSpPr>
@@ -971,7 +969,50 @@
               </a:spcAft>
               <a:buNone/>
             </a:pPr>
-            <a:endParaRPr/>
+          </a:p>
+        </p:txBody>
+      </p:sp>
+    </p:spTree>
+  </p:cSld>
+  <p:clrMapOvr>
+    <a:masterClrMapping/>
+  </p:clrMapOvr>
+</p:notes>
+</file>
+
+<file path=ppt/notesSlides/notesSlide4.xml><?xml version="1.0" encoding="utf-8"?>
+<p:notes xmlns:a="http://schemas.openxmlformats.org/drawingml/2006/main" xmlns:r="http://schemas.openxmlformats.org/officeDocument/2006/relationships" xmlns:p="http://schemas.openxmlformats.org/presentationml/2006/main">
+  <p:cSld>
+    <p:spTree>
+      <p:nvGrpSpPr>
+        <p:cNvPr id="1" name=""/>
+        <p:cNvGrpSpPr/>
+        <p:nvPr/>
+      </p:nvGrpSpPr>
+      <p:grpSpPr/>
+      <p:sp>
+        <p:nvSpPr>
+          <p:cNvPr id="2" name="Slide Image Placeholder 1"/>
+          <p:cNvSpPr/>
+          <p:nvPr>
+            <p:ph type="sldImg" idx="2"/>
+          </p:nvPr>
+        </p:nvSpPr>
+        <p:spPr/>
+      </p:sp>
+      <p:sp>
+        <p:nvSpPr>
+          <p:cNvPr id="3" name="Text Placeholder 2"/>
+          <p:cNvSpPr/>
+          <p:nvPr>
+            <p:ph type="body" idx="1"/>
+          </p:nvPr>
+        </p:nvSpPr>
+        <p:spPr/>
+        <p:txBody>
+          <a:bodyPr/>
+          <a:p>
+            <a:endParaRPr lang="en-US"/>
           </a:p>
         </p:txBody>
       </p:sp>
@@ -984,7 +1025,7 @@
 </file>
 
 <file path=ppt/slideLayouts/slideLayout1.xml><?xml version="1.0" encoding="utf-8"?>
-<p:sldLayout xmlns:a="http://schemas.openxmlformats.org/drawingml/2006/main" xmlns:r="http://schemas.openxmlformats.org/officeDocument/2006/relationships" xmlns:p="http://schemas.openxmlformats.org/presentationml/2006/main" matchingName="Title slide" type="title">
+<p:sldLayout xmlns:a="http://schemas.openxmlformats.org/drawingml/2006/main" xmlns:r="http://schemas.openxmlformats.org/officeDocument/2006/relationships" xmlns:p="http://schemas.openxmlformats.org/presentationml/2006/main" type="title" matchingName="Title slide">
   <p:cSld name="TITLE">
     <p:spTree>
       <p:nvGrpSpPr>
@@ -1210,9 +1251,7 @@
               <a:defRPr/>
             </a:lvl9pPr>
           </a:lstStyle>
-          <a:p>
-            <a:endParaRPr/>
-          </a:p>
+          <a:p/>
         </p:txBody>
       </p:sp>
       <p:sp>
@@ -1420,9 +1459,7 @@
               </a:defRPr>
             </a:lvl9pPr>
           </a:lstStyle>
-          <a:p>
-            <a:endParaRPr/>
-          </a:p>
+          <a:p/>
         </p:txBody>
       </p:sp>
       <p:sp>
@@ -1498,16 +1535,6 @@
             </a:pPr>
             <a:fld id="{00000000-1234-1234-1234-123412341234}" type="slidenum">
               <a:rPr lang="en-GB"/>
-              <a:pPr marL="0" lvl="0" indent="0" algn="r" rtl="0">
-                <a:spcBef>
-                  <a:spcPts val="0"/>
-                </a:spcBef>
-                <a:spcAft>
-                  <a:spcPts val="0"/>
-                </a:spcAft>
-                <a:buNone/>
-              </a:pPr>
-              <a:t>‹#›</a:t>
             </a:fld>
             <a:endParaRPr lang="en-GB"/>
           </a:p>
@@ -1574,7 +1601,6 @@
               </a:spcAft>
               <a:buNone/>
             </a:pPr>
-            <a:endParaRPr/>
           </a:p>
         </p:txBody>
       </p:sp>
@@ -1896,9 +1922,7 @@
               <a:defRPr/>
             </a:lvl9pPr>
           </a:lstStyle>
-          <a:p>
-            <a:endParaRPr/>
-          </a:p>
+          <a:p/>
         </p:txBody>
       </p:sp>
       <p:sp>
@@ -1974,16 +1998,6 @@
             </a:pPr>
             <a:fld id="{00000000-1234-1234-1234-123412341234}" type="slidenum">
               <a:rPr lang="en-GB"/>
-              <a:pPr marL="0" lvl="0" indent="0" algn="r" rtl="0">
-                <a:spcBef>
-                  <a:spcPts val="0"/>
-                </a:spcBef>
-                <a:spcAft>
-                  <a:spcPts val="0"/>
-                </a:spcAft>
-                <a:buNone/>
-              </a:pPr>
-              <a:t>‹#›</a:t>
             </a:fld>
             <a:endParaRPr lang="en-GB"/>
           </a:p>
@@ -2057,6 +2071,7 @@
               <a:rPr lang="en-US"/>
               <a:t>Click to edit Master text styles</a:t>
             </a:r>
+            <a:endParaRPr lang="en-US"/>
           </a:p>
           <a:p>
             <a:pPr lvl="1"/>
@@ -2064,6 +2079,7 @@
               <a:rPr lang="en-US"/>
               <a:t>Second level</a:t>
             </a:r>
+            <a:endParaRPr lang="en-US"/>
           </a:p>
           <a:p>
             <a:pPr lvl="2"/>
@@ -2071,6 +2087,7 @@
               <a:rPr lang="en-US"/>
               <a:t>Third level</a:t>
             </a:r>
+            <a:endParaRPr lang="en-US"/>
           </a:p>
           <a:p>
             <a:pPr lvl="3"/>
@@ -2078,6 +2095,7 @@
               <a:rPr lang="en-US"/>
               <a:t>Fourth level</a:t>
             </a:r>
+            <a:endParaRPr lang="en-US"/>
           </a:p>
           <a:p>
             <a:pPr lvl="4"/>
@@ -2106,8 +2124,6 @@
           <a:p>
             <a:fld id="{9B3AADE1-27EE-4014-B194-B389A1EA2F57}" type="datetimeFigureOut">
               <a:rPr lang="en-IN" smtClean="0"/>
-              <a:pPr/>
-              <a:t>06-11-2020</a:t>
             </a:fld>
             <a:endParaRPr lang="en-IN"/>
           </a:p>
@@ -2149,8 +2165,6 @@
           <a:p>
             <a:fld id="{69E6659B-BF6E-4DE8-8DA1-709FC145E0D7}" type="slidenum">
               <a:rPr lang="en-IN" smtClean="0"/>
-              <a:pPr/>
-              <a:t>‹#›</a:t>
             </a:fld>
             <a:endParaRPr lang="en-IN"/>
           </a:p>
@@ -2165,7 +2179,7 @@
 </file>
 
 <file path=ppt/slideLayouts/slideLayout12.xml><?xml version="1.0" encoding="utf-8"?>
-<p:sldLayout xmlns:a="http://schemas.openxmlformats.org/drawingml/2006/main" xmlns:r="http://schemas.openxmlformats.org/officeDocument/2006/relationships" xmlns:p="http://schemas.openxmlformats.org/presentationml/2006/main" matchingName="Blank" type="blank">
+<p:sldLayout xmlns:a="http://schemas.openxmlformats.org/drawingml/2006/main" xmlns:r="http://schemas.openxmlformats.org/officeDocument/2006/relationships" xmlns:p="http://schemas.openxmlformats.org/presentationml/2006/main" type="blank" matchingName="Blank">
   <p:cSld name="Blank">
     <p:spTree>
       <p:nvGrpSpPr>
@@ -2254,16 +2268,6 @@
             </a:pPr>
             <a:fld id="{00000000-1234-1234-1234-123412341234}" type="slidenum">
               <a:rPr lang="en-GB"/>
-              <a:pPr marL="0" lvl="0" indent="0" algn="r" rtl="0">
-                <a:spcBef>
-                  <a:spcPts val="0"/>
-                </a:spcBef>
-                <a:spcAft>
-                  <a:spcPts val="0"/>
-                </a:spcAft>
-                <a:buNone/>
-              </a:pPr>
-              <a:t>‹#›</a:t>
             </a:fld>
             <a:endParaRPr lang="en-GB"/>
           </a:p>
@@ -2278,7 +2282,7 @@
 </file>
 
 <file path=ppt/slideLayouts/slideLayout2.xml><?xml version="1.0" encoding="utf-8"?>
-<p:sldLayout xmlns:a="http://schemas.openxmlformats.org/drawingml/2006/main" xmlns:r="http://schemas.openxmlformats.org/officeDocument/2006/relationships" xmlns:p="http://schemas.openxmlformats.org/presentationml/2006/main" matchingName="Section header" type="secHead">
+<p:sldLayout xmlns:a="http://schemas.openxmlformats.org/drawingml/2006/main" xmlns:r="http://schemas.openxmlformats.org/officeDocument/2006/relationships" xmlns:p="http://schemas.openxmlformats.org/presentationml/2006/main" type="secHead" matchingName="Section header">
   <p:cSld name="SECTION_HEADER">
     <p:spTree>
       <p:nvGrpSpPr>
@@ -2504,9 +2508,7 @@
               <a:defRPr/>
             </a:lvl9pPr>
           </a:lstStyle>
-          <a:p>
-            <a:endParaRPr/>
-          </a:p>
+          <a:p/>
         </p:txBody>
       </p:sp>
       <p:sp>
@@ -2582,16 +2584,6 @@
             </a:pPr>
             <a:fld id="{00000000-1234-1234-1234-123412341234}" type="slidenum">
               <a:rPr lang="en-GB"/>
-              <a:pPr marL="0" lvl="0" indent="0" algn="r" rtl="0">
-                <a:spcBef>
-                  <a:spcPts val="0"/>
-                </a:spcBef>
-                <a:spcAft>
-                  <a:spcPts val="0"/>
-                </a:spcAft>
-                <a:buNone/>
-              </a:pPr>
-              <a:t>‹#›</a:t>
             </a:fld>
             <a:endParaRPr lang="en-GB"/>
           </a:p>
@@ -2606,7 +2598,7 @@
 </file>
 
 <file path=ppt/slideLayouts/slideLayout3.xml><?xml version="1.0" encoding="utf-8"?>
-<p:sldLayout xmlns:a="http://schemas.openxmlformats.org/drawingml/2006/main" xmlns:r="http://schemas.openxmlformats.org/officeDocument/2006/relationships" xmlns:p="http://schemas.openxmlformats.org/presentationml/2006/main" matchingName="Title and body" type="tx">
+<p:sldLayout xmlns:a="http://schemas.openxmlformats.org/drawingml/2006/main" xmlns:r="http://schemas.openxmlformats.org/officeDocument/2006/relationships" xmlns:p="http://schemas.openxmlformats.org/presentationml/2006/main" type="tx" matchingName="Title and body">
   <p:cSld name="TITLE_AND_BODY">
     <p:spTree>
       <p:nvGrpSpPr>
@@ -2658,7 +2650,6 @@
               </a:spcAft>
               <a:buNone/>
             </a:pPr>
-            <a:endParaRPr/>
           </a:p>
         </p:txBody>
       </p:sp>
@@ -2786,9 +2777,7 @@
               <a:defRPr/>
             </a:lvl9pPr>
           </a:lstStyle>
-          <a:p>
-            <a:endParaRPr/>
-          </a:p>
+          <a:p/>
         </p:txBody>
       </p:sp>
       <p:sp>
@@ -2915,9 +2904,7 @@
               <a:defRPr/>
             </a:lvl9pPr>
           </a:lstStyle>
-          <a:p>
-            <a:endParaRPr/>
-          </a:p>
+          <a:p/>
         </p:txBody>
       </p:sp>
       <p:sp>
@@ -2993,16 +2980,6 @@
             </a:pPr>
             <a:fld id="{00000000-1234-1234-1234-123412341234}" type="slidenum">
               <a:rPr lang="en-GB"/>
-              <a:pPr marL="0" lvl="0" indent="0" algn="r" rtl="0">
-                <a:spcBef>
-                  <a:spcPts val="0"/>
-                </a:spcBef>
-                <a:spcAft>
-                  <a:spcPts val="0"/>
-                </a:spcAft>
-                <a:buNone/>
-              </a:pPr>
-              <a:t>‹#›</a:t>
             </a:fld>
             <a:endParaRPr lang="en-GB"/>
           </a:p>
@@ -3017,7 +2994,7 @@
 </file>
 
 <file path=ppt/slideLayouts/slideLayout4.xml><?xml version="1.0" encoding="utf-8"?>
-<p:sldLayout xmlns:a="http://schemas.openxmlformats.org/drawingml/2006/main" xmlns:r="http://schemas.openxmlformats.org/officeDocument/2006/relationships" xmlns:p="http://schemas.openxmlformats.org/presentationml/2006/main" matchingName="Title and two columns" type="twoColTx">
+<p:sldLayout xmlns:a="http://schemas.openxmlformats.org/drawingml/2006/main" xmlns:r="http://schemas.openxmlformats.org/officeDocument/2006/relationships" xmlns:p="http://schemas.openxmlformats.org/presentationml/2006/main" type="twoColTx" matchingName="Title and two columns">
   <p:cSld name="TITLE_AND_TWO_COLUMNS">
     <p:spTree>
       <p:nvGrpSpPr>
@@ -3157,9 +3134,7 @@
               <a:defRPr/>
             </a:lvl9pPr>
           </a:lstStyle>
-          <a:p>
-            <a:endParaRPr/>
-          </a:p>
+          <a:p/>
         </p:txBody>
       </p:sp>
       <p:sp>
@@ -3286,9 +3261,7 @@
               <a:defRPr sz="1200"/>
             </a:lvl9pPr>
           </a:lstStyle>
-          <a:p>
-            <a:endParaRPr/>
-          </a:p>
+          <a:p/>
         </p:txBody>
       </p:sp>
       <p:sp>
@@ -3415,9 +3388,7 @@
               <a:defRPr sz="1200"/>
             </a:lvl9pPr>
           </a:lstStyle>
-          <a:p>
-            <a:endParaRPr/>
-          </a:p>
+          <a:p/>
         </p:txBody>
       </p:sp>
       <p:sp>
@@ -3493,16 +3464,6 @@
             </a:pPr>
             <a:fld id="{00000000-1234-1234-1234-123412341234}" type="slidenum">
               <a:rPr lang="en-GB"/>
-              <a:pPr marL="0" lvl="0" indent="0" algn="r" rtl="0">
-                <a:spcBef>
-                  <a:spcPts val="0"/>
-                </a:spcBef>
-                <a:spcAft>
-                  <a:spcPts val="0"/>
-                </a:spcAft>
-                <a:buNone/>
-              </a:pPr>
-              <a:t>‹#›</a:t>
             </a:fld>
             <a:endParaRPr lang="en-GB"/>
           </a:p>
@@ -3517,7 +3478,7 @@
 </file>
 
 <file path=ppt/slideLayouts/slideLayout5.xml><?xml version="1.0" encoding="utf-8"?>
-<p:sldLayout xmlns:a="http://schemas.openxmlformats.org/drawingml/2006/main" xmlns:r="http://schemas.openxmlformats.org/officeDocument/2006/relationships" xmlns:p="http://schemas.openxmlformats.org/presentationml/2006/main" matchingName="Title only" type="titleOnly">
+<p:sldLayout xmlns:a="http://schemas.openxmlformats.org/drawingml/2006/main" xmlns:r="http://schemas.openxmlformats.org/officeDocument/2006/relationships" xmlns:p="http://schemas.openxmlformats.org/presentationml/2006/main" type="titleOnly" matchingName="Title only">
   <p:cSld name="TITLE_ONLY">
     <p:spTree>
       <p:nvGrpSpPr>
@@ -3657,9 +3618,7 @@
               <a:defRPr/>
             </a:lvl9pPr>
           </a:lstStyle>
-          <a:p>
-            <a:endParaRPr/>
-          </a:p>
+          <a:p/>
         </p:txBody>
       </p:sp>
       <p:sp>
@@ -3735,16 +3694,6 @@
             </a:pPr>
             <a:fld id="{00000000-1234-1234-1234-123412341234}" type="slidenum">
               <a:rPr lang="en-GB"/>
-              <a:pPr marL="0" lvl="0" indent="0" algn="r" rtl="0">
-                <a:spcBef>
-                  <a:spcPts val="0"/>
-                </a:spcBef>
-                <a:spcAft>
-                  <a:spcPts val="0"/>
-                </a:spcAft>
-                <a:buNone/>
-              </a:pPr>
-              <a:t>‹#›</a:t>
             </a:fld>
             <a:endParaRPr lang="en-GB"/>
           </a:p>
@@ -3899,9 +3848,7 @@
               <a:defRPr sz="3000"/>
             </a:lvl9pPr>
           </a:lstStyle>
-          <a:p>
-            <a:endParaRPr/>
-          </a:p>
+          <a:p/>
         </p:txBody>
       </p:sp>
       <p:sp>
@@ -4028,9 +3975,7 @@
               <a:defRPr sz="1200"/>
             </a:lvl9pPr>
           </a:lstStyle>
-          <a:p>
-            <a:endParaRPr/>
-          </a:p>
+          <a:p/>
         </p:txBody>
       </p:sp>
       <p:sp>
@@ -4106,16 +4051,6 @@
             </a:pPr>
             <a:fld id="{00000000-1234-1234-1234-123412341234}" type="slidenum">
               <a:rPr lang="en-GB"/>
-              <a:pPr marL="0" lvl="0" indent="0" algn="r" rtl="0">
-                <a:spcBef>
-                  <a:spcPts val="0"/>
-                </a:spcBef>
-                <a:spcAft>
-                  <a:spcPts val="0"/>
-                </a:spcAft>
-                <a:buNone/>
-              </a:pPr>
-              <a:t>‹#›</a:t>
             </a:fld>
             <a:endParaRPr lang="en-GB"/>
           </a:p>
@@ -4182,7 +4117,6 @@
               </a:spcAft>
               <a:buNone/>
             </a:pPr>
-            <a:endParaRPr/>
           </a:p>
         </p:txBody>
       </p:sp>
@@ -4310,9 +4244,7 @@
               <a:defRPr sz="4800"/>
             </a:lvl9pPr>
           </a:lstStyle>
-          <a:p>
-            <a:endParaRPr/>
-          </a:p>
+          <a:p/>
         </p:txBody>
       </p:sp>
       <p:sp>
@@ -4388,16 +4320,6 @@
             </a:pPr>
             <a:fld id="{00000000-1234-1234-1234-123412341234}" type="slidenum">
               <a:rPr lang="en-GB"/>
-              <a:pPr marL="0" lvl="0" indent="0" algn="r" rtl="0">
-                <a:spcBef>
-                  <a:spcPts val="0"/>
-                </a:spcBef>
-                <a:spcAft>
-                  <a:spcPts val="0"/>
-                </a:spcAft>
-                <a:buNone/>
-              </a:pPr>
-              <a:t>‹#›</a:t>
             </a:fld>
             <a:endParaRPr lang="en-GB"/>
           </a:p>
@@ -4464,7 +4386,6 @@
               </a:spcAft>
               <a:buNone/>
             </a:pPr>
-            <a:endParaRPr/>
           </a:p>
         </p:txBody>
       </p:sp>
@@ -4681,9 +4602,7 @@
               </a:defRPr>
             </a:lvl9pPr>
           </a:lstStyle>
-          <a:p>
-            <a:endParaRPr/>
-          </a:p>
+          <a:p/>
         </p:txBody>
       </p:sp>
       <p:sp>
@@ -4891,9 +4810,7 @@
               </a:defRPr>
             </a:lvl9pPr>
           </a:lstStyle>
-          <a:p>
-            <a:endParaRPr/>
-          </a:p>
+          <a:p/>
         </p:txBody>
       </p:sp>
       <p:sp>
@@ -5083,9 +5000,7 @@
               </a:defRPr>
             </a:lvl9pPr>
           </a:lstStyle>
-          <a:p>
-            <a:endParaRPr/>
-          </a:p>
+          <a:p/>
         </p:txBody>
       </p:sp>
       <p:sp>
@@ -5197,16 +5112,6 @@
             </a:pPr>
             <a:fld id="{00000000-1234-1234-1234-123412341234}" type="slidenum">
               <a:rPr lang="en-GB"/>
-              <a:pPr marL="0" lvl="0" indent="0" algn="r" rtl="0">
-                <a:spcBef>
-                  <a:spcPts val="0"/>
-                </a:spcBef>
-                <a:spcAft>
-                  <a:spcPts val="0"/>
-                </a:spcAft>
-                <a:buNone/>
-              </a:pPr>
-              <a:t>‹#›</a:t>
             </a:fld>
             <a:endParaRPr lang="en-GB"/>
           </a:p>
@@ -5282,9 +5187,7 @@
               </a:defRPr>
             </a:lvl1pPr>
           </a:lstStyle>
-          <a:p>
-            <a:endParaRPr/>
-          </a:p>
+          <a:p/>
         </p:txBody>
       </p:sp>
       <p:sp>
@@ -5360,16 +5263,6 @@
             </a:pPr>
             <a:fld id="{00000000-1234-1234-1234-123412341234}" type="slidenum">
               <a:rPr lang="en-GB"/>
-              <a:pPr marL="0" lvl="0" indent="0" algn="r" rtl="0">
-                <a:spcBef>
-                  <a:spcPts val="0"/>
-                </a:spcBef>
-                <a:spcAft>
-                  <a:spcPts val="0"/>
-                </a:spcAft>
-                <a:buNone/>
-              </a:pPr>
-              <a:t>‹#›</a:t>
             </a:fld>
             <a:endParaRPr lang="en-GB"/>
           </a:p>
@@ -5644,9 +5537,7 @@
               </a:defRPr>
             </a:lvl9pPr>
           </a:lstStyle>
-          <a:p>
-            <a:endParaRPr/>
-          </a:p>
+          <a:p/>
         </p:txBody>
       </p:sp>
       <p:sp>
@@ -5912,9 +5803,7 @@
               </a:defRPr>
             </a:lvl9pPr>
           </a:lstStyle>
-          <a:p>
-            <a:endParaRPr/>
-          </a:p>
+          <a:p/>
         </p:txBody>
       </p:sp>
       <p:sp>
@@ -6066,16 +5955,6 @@
             </a:pPr>
             <a:fld id="{00000000-1234-1234-1234-123412341234}" type="slidenum">
               <a:rPr lang="en-GB"/>
-              <a:pPr marL="0" lvl="0" indent="0" algn="r" rtl="0">
-                <a:spcBef>
-                  <a:spcPts val="0"/>
-                </a:spcBef>
-                <a:spcAft>
-                  <a:spcPts val="0"/>
-                </a:spcAft>
-                <a:buNone/>
-              </a:pPr>
-              <a:t>‹#›</a:t>
             </a:fld>
             <a:endParaRPr lang="en-GB"/>
           </a:p>
@@ -6095,8 +5974,8 @@
     <p:sldLayoutId id="2147483656" r:id="rId8"/>
     <p:sldLayoutId id="2147483657" r:id="rId9"/>
     <p:sldLayoutId id="2147483658" r:id="rId10"/>
-    <p:sldLayoutId id="2147483660" r:id="rId11"/>
-    <p:sldLayoutId id="2147483661" r:id="rId12"/>
+    <p:sldLayoutId id="2147483659" r:id="rId11"/>
+    <p:sldLayoutId id="2147483660" r:id="rId12"/>
   </p:sldLayoutIdLst>
   <p:hf sldNum="0" hdr="0" ftr="0" dt="0"/>
   <p:txStyles>
@@ -6837,6 +6716,11 @@
               </a:rPr>
               <a:t>Task 1</a:t>
             </a:r>
+            <a:endParaRPr lang="en-IN" altLang="en-US" sz="3600" b="1" dirty="0">
+              <a:latin typeface="Georgia" panose="02040502050405020303" charset="0"/>
+              <a:cs typeface="Georgia" panose="02040502050405020303" charset="0"/>
+              <a:sym typeface="+mn-ea"/>
+            </a:endParaRPr>
           </a:p>
         </p:txBody>
       </p:sp>
@@ -6871,6 +6755,11 @@
               </a:rPr>
               <a:t>Identifying categories  of hate memes</a:t>
             </a:r>
+            <a:endParaRPr lang="en-IN" altLang="en-US" sz="2400" b="1">
+              <a:latin typeface="Georgia" panose="02040502050405020303" charset="0"/>
+              <a:cs typeface="Georgia" panose="02040502050405020303" charset="0"/>
+              <a:sym typeface="+mn-ea"/>
+            </a:endParaRPr>
           </a:p>
         </p:txBody>
       </p:sp>
@@ -6921,6 +6810,10 @@
               </a:rPr>
               <a:t>Image caption ranking</a:t>
             </a:r>
+            <a:endParaRPr lang="en-US">
+              <a:latin typeface="Times New Roman" panose="02020603050405020304" charset="0"/>
+              <a:cs typeface="Times New Roman" panose="02020603050405020304" charset="0"/>
+            </a:endParaRPr>
           </a:p>
         </p:txBody>
       </p:sp>
@@ -6950,6 +6843,10 @@
               </a:rPr>
               <a:t>The image-caption ranking task is to retrieve relevant images given a query caption and relevant captions given a query image.</a:t>
             </a:r>
+            <a:endParaRPr lang="en-US" sz="1400">
+              <a:latin typeface="Times New Roman" panose="02020603050405020304" charset="0"/>
+              <a:cs typeface="Times New Roman" panose="02020603050405020304" charset="0"/>
+            </a:endParaRPr>
           </a:p>
           <a:p>
             <a:pPr>
@@ -6963,6 +6860,10 @@
               </a:rPr>
               <a:t> During training we are given image-caption pairs (I, C) </a:t>
             </a:r>
+            <a:endParaRPr lang="en-US" sz="1400">
+              <a:latin typeface="Times New Roman" panose="02020603050405020304" charset="0"/>
+              <a:cs typeface="Times New Roman" panose="02020603050405020304" charset="0"/>
+            </a:endParaRPr>
           </a:p>
           <a:p>
             <a:pPr lvl="1">
@@ -6990,6 +6891,10 @@
               </a:rPr>
               <a:t>retrieval task becomes retrieving I from K images given caption C. </a:t>
             </a:r>
+            <a:endParaRPr lang="en-US" sz="1000">
+              <a:latin typeface="Times New Roman" panose="02020603050405020304" charset="0"/>
+              <a:cs typeface="Times New Roman" panose="02020603050405020304" charset="0"/>
+            </a:endParaRPr>
           </a:p>
           <a:p>
             <a:pPr lvl="1">
@@ -7004,6 +6909,10 @@
               </a:rPr>
               <a:t>We also sample K-1 random captions in addition to C so the caption retrieval task becomes retrieving C from K given image I.</a:t>
             </a:r>
+            <a:endParaRPr lang="en-US" sz="1000">
+              <a:latin typeface="Times New Roman" panose="02020603050405020304" charset="0"/>
+              <a:cs typeface="Times New Roman" panose="02020603050405020304" charset="0"/>
+            </a:endParaRPr>
           </a:p>
           <a:p>
             <a:pPr>
@@ -7045,7 +6954,7 @@
           <p:nvPr/>
         </p:nvPicPr>
         <p:blipFill>
-          <a:blip r:embed="rId2"/>
+          <a:blip r:embed="rId1"/>
           <a:stretch>
             <a:fillRect/>
           </a:stretch>
@@ -7146,6 +7055,10 @@
               </a:rPr>
               <a:t>Model  projects </a:t>
             </a:r>
+            <a:endParaRPr lang="en-US" dirty="0">
+              <a:latin typeface="Times New Roman" panose="02020603050405020304" charset="0"/>
+              <a:cs typeface="Times New Roman" panose="02020603050405020304" charset="0"/>
+            </a:endParaRPr>
           </a:p>
           <a:p>
             <a:pPr marL="114300" indent="0">
@@ -7193,6 +7106,10 @@
               </a:rPr>
               <a:t> for image I </a:t>
             </a:r>
+            <a:endParaRPr lang="en-US" dirty="0">
+              <a:latin typeface="Times New Roman" panose="02020603050405020304" charset="0"/>
+              <a:cs typeface="Times New Roman" panose="02020603050405020304" charset="0"/>
+            </a:endParaRPr>
           </a:p>
           <a:p>
             <a:pPr marL="114300" indent="0">
@@ -7240,6 +7157,10 @@
               </a:rPr>
               <a:t> for caption C </a:t>
             </a:r>
+            <a:endParaRPr lang="en-US" dirty="0">
+              <a:latin typeface="Times New Roman" panose="02020603050405020304" charset="0"/>
+              <a:cs typeface="Times New Roman" panose="02020603050405020304" charset="0"/>
+            </a:endParaRPr>
           </a:p>
           <a:p>
             <a:pPr marL="114300" indent="0">
@@ -7322,6 +7243,10 @@
               </a:rPr>
               <a:t> :</a:t>
             </a:r>
+            <a:endParaRPr lang="en-US" dirty="0">
+              <a:latin typeface="Times New Roman" panose="02020603050405020304" charset="0"/>
+              <a:cs typeface="Times New Roman" panose="02020603050405020304" charset="0"/>
+            </a:endParaRPr>
           </a:p>
           <a:p>
             <a:pPr>
@@ -7424,6 +7349,10 @@
               </a:rPr>
               <a:t> &gt;.</a:t>
             </a:r>
+            <a:endParaRPr lang="en-US" dirty="0">
+              <a:latin typeface="Times New Roman" panose="02020603050405020304" charset="0"/>
+              <a:cs typeface="Times New Roman" panose="02020603050405020304" charset="0"/>
+            </a:endParaRPr>
           </a:p>
           <a:p>
             <a:pPr marL="114300" indent="0">
@@ -7458,7 +7387,7 @@
           <p:nvPr/>
         </p:nvPicPr>
         <p:blipFill>
-          <a:blip r:embed="rId2"/>
+          <a:blip r:embed="rId1"/>
           <a:stretch>
             <a:fillRect/>
           </a:stretch>
@@ -7546,6 +7475,10 @@
               </a:rPr>
               <a:t>and VQA-Caption</a:t>
             </a:r>
+            <a:endParaRPr lang="en-US" sz="2800">
+              <a:latin typeface="Times New Roman" panose="02020603050405020304" charset="0"/>
+              <a:cs typeface="Times New Roman" panose="02020603050405020304" charset="0"/>
+            </a:endParaRPr>
           </a:p>
         </p:txBody>
       </p:sp>
@@ -7723,6 +7656,10 @@
               </a:rPr>
               <a:t>mage I,</a:t>
             </a:r>
+            <a:endParaRPr>
+              <a:latin typeface="Times New Roman" panose="02020603050405020304" charset="0"/>
+              <a:cs typeface="Times New Roman" panose="02020603050405020304" charset="0"/>
+            </a:endParaRPr>
           </a:p>
           <a:p>
             <a:pPr marL="1200150" lvl="2" indent="-285750" algn="l" rtl="0">
@@ -7752,6 +7689,10 @@
               </a:rPr>
               <a:t>e optimize the negative log-likelihood (NLL) loss to maximize the probability of the ground truth answer PI (A|Q, I) given by the VQA model.</a:t>
             </a:r>
+            <a:endParaRPr>
+              <a:latin typeface="Times New Roman" panose="02020603050405020304" charset="0"/>
+              <a:cs typeface="Times New Roman" panose="02020603050405020304" charset="0"/>
+            </a:endParaRPr>
           </a:p>
           <a:p>
             <a:pPr marL="742950" lvl="1" indent="-285750" algn="l" rtl="0">
@@ -7781,6 +7722,10 @@
               </a:rPr>
               <a:t>aption C, </a:t>
             </a:r>
+            <a:endParaRPr>
+              <a:latin typeface="Times New Roman" panose="02020603050405020304" charset="0"/>
+              <a:cs typeface="Times New Roman" panose="02020603050405020304" charset="0"/>
+            </a:endParaRPr>
           </a:p>
           <a:p>
             <a:pPr marL="1200150" lvl="2" indent="-285750" algn="l" rtl="0">
@@ -7823,6 +7768,10 @@
               </a:rPr>
               <a:t> PC (A|Q, C).</a:t>
             </a:r>
+            <a:endParaRPr>
+              <a:latin typeface="Times New Roman" panose="02020603050405020304" charset="0"/>
+              <a:cs typeface="Times New Roman" panose="02020603050405020304" charset="0"/>
+            </a:endParaRPr>
           </a:p>
           <a:p>
             <a:pPr marL="285750" lvl="0" indent="-285750" algn="l" rtl="0">
@@ -7901,6 +7850,10 @@
               </a:rPr>
               <a:t>For a VQA question (I, Q)</a:t>
             </a:r>
+            <a:endParaRPr lang="en-US" sz="1600">
+              <a:latin typeface="Times New Roman" panose="02020603050405020304" charset="0"/>
+              <a:cs typeface="Times New Roman" panose="02020603050405020304" charset="0"/>
+            </a:endParaRPr>
           </a:p>
           <a:p>
             <a:pPr lvl="1">
@@ -7914,6 +7867,10 @@
               </a:rPr>
               <a:t>Image Encoding</a:t>
             </a:r>
+            <a:endParaRPr lang="en-US" sz="1200">
+              <a:latin typeface="Times New Roman" panose="02020603050405020304" charset="0"/>
+              <a:cs typeface="Times New Roman" panose="02020603050405020304" charset="0"/>
+            </a:endParaRPr>
           </a:p>
           <a:p>
             <a:pPr lvl="2">
@@ -7941,6 +7898,10 @@
               </a:rPr>
               <a:t> </a:t>
             </a:r>
+            <a:endParaRPr lang="en-US" sz="1200">
+              <a:latin typeface="Times New Roman" panose="02020603050405020304" charset="0"/>
+              <a:cs typeface="Times New Roman" panose="02020603050405020304" charset="0"/>
+            </a:endParaRPr>
           </a:p>
           <a:p>
             <a:pPr lvl="1">
@@ -7954,6 +7915,10 @@
               </a:rPr>
               <a:t>Question Encoding</a:t>
             </a:r>
+            <a:endParaRPr lang="en-US" sz="1200">
+              <a:latin typeface="Times New Roman" panose="02020603050405020304" charset="0"/>
+              <a:cs typeface="Times New Roman" panose="02020603050405020304" charset="0"/>
+            </a:endParaRPr>
           </a:p>
           <a:p>
             <a:pPr lvl="2">
@@ -7981,6 +7946,10 @@
               </a:rPr>
               <a:t>. </a:t>
             </a:r>
+            <a:endParaRPr lang="en-US" sz="1200">
+              <a:latin typeface="Times New Roman" panose="02020603050405020304" charset="0"/>
+              <a:cs typeface="Times New Roman" panose="02020603050405020304" charset="0"/>
+            </a:endParaRPr>
           </a:p>
           <a:p>
             <a:pPr>
@@ -8043,6 +8012,10 @@
               </a:rPr>
               <a:t>Q</a:t>
             </a:r>
+            <a:endParaRPr lang="en-US" sz="1600" baseline="-25000">
+              <a:latin typeface="Times New Roman" panose="02020603050405020304" charset="0"/>
+              <a:cs typeface="Times New Roman" panose="02020603050405020304" charset="0"/>
+            </a:endParaRPr>
           </a:p>
           <a:p>
             <a:pPr>
@@ -8101,6 +8074,10 @@
               </a:rPr>
               <a:t>Q</a:t>
             </a:r>
+            <a:endParaRPr lang="en-US" sz="1600" baseline="-25000">
+              <a:latin typeface="Times New Roman" panose="02020603050405020304" charset="0"/>
+              <a:cs typeface="Times New Roman" panose="02020603050405020304" charset="0"/>
+            </a:endParaRPr>
           </a:p>
           <a:p>
             <a:pPr>
@@ -8190,6 +8167,10 @@
               </a:rPr>
               <a:t>s</a:t>
             </a:r>
+            <a:endParaRPr lang="en-US" sz="1600" baseline="-25000">
+              <a:latin typeface="Times New Roman" panose="02020603050405020304" charset="0"/>
+              <a:cs typeface="Times New Roman" panose="02020603050405020304" charset="0"/>
+            </a:endParaRPr>
           </a:p>
         </p:txBody>
       </p:sp>
@@ -8202,7 +8183,7 @@
           <p:nvPr/>
         </p:nvPicPr>
         <p:blipFill>
-          <a:blip r:embed="rId2"/>
+          <a:blip r:embed="rId1"/>
           <a:stretch>
             <a:fillRect/>
           </a:stretch>
@@ -8273,6 +8254,10 @@
               </a:rPr>
               <a:t>For the VQA-Caption task given caption C and question Q, </a:t>
             </a:r>
+            <a:endParaRPr lang="en-US">
+              <a:latin typeface="Times New Roman" panose="02020603050405020304" charset="0"/>
+              <a:cs typeface="Times New Roman" panose="02020603050405020304" charset="0"/>
+            </a:endParaRPr>
           </a:p>
           <a:p>
             <a:pPr lvl="1">
@@ -8286,6 +8271,10 @@
               </a:rPr>
               <a:t>We use the same network architecture and learning procedure as above</a:t>
             </a:r>
+            <a:endParaRPr lang="en-US">
+              <a:latin typeface="Times New Roman" panose="02020603050405020304" charset="0"/>
+              <a:cs typeface="Times New Roman" panose="02020603050405020304" charset="0"/>
+            </a:endParaRPr>
           </a:p>
           <a:p>
             <a:pPr lvl="1">
@@ -8355,6 +8344,10 @@
               </a:rPr>
               <a:t> respectively.</a:t>
             </a:r>
+            <a:endParaRPr lang="en-US">
+              <a:latin typeface="Times New Roman" panose="02020603050405020304" charset="0"/>
+              <a:cs typeface="Times New Roman" panose="02020603050405020304" charset="0"/>
+            </a:endParaRPr>
           </a:p>
           <a:p>
             <a:pPr lvl="0">
@@ -8368,6 +8361,10 @@
               </a:rPr>
               <a:t>The VQA and VQA-Caption models are learned on the train split of the VQA dataset using </a:t>
             </a:r>
+            <a:endParaRPr lang="en-US">
+              <a:latin typeface="Times New Roman" panose="02020603050405020304" charset="0"/>
+              <a:cs typeface="Times New Roman" panose="02020603050405020304" charset="0"/>
+            </a:endParaRPr>
           </a:p>
           <a:p>
             <a:pPr lvl="1">
@@ -8381,6 +8378,10 @@
               </a:rPr>
               <a:t>82,783 images, 413,915 captions and 248,349 questions. </a:t>
             </a:r>
+            <a:endParaRPr lang="en-US">
+              <a:latin typeface="Times New Roman" panose="02020603050405020304" charset="0"/>
+              <a:cs typeface="Times New Roman" panose="02020603050405020304" charset="0"/>
+            </a:endParaRPr>
           </a:p>
           <a:p>
             <a:pPr lvl="0">
@@ -8394,6 +8395,10 @@
               </a:rPr>
               <a:t>These models achieve VQA validation set accuracies of </a:t>
             </a:r>
+            <a:endParaRPr lang="en-US">
+              <a:latin typeface="Times New Roman" panose="02020603050405020304" charset="0"/>
+              <a:cs typeface="Times New Roman" panose="02020603050405020304" charset="0"/>
+            </a:endParaRPr>
           </a:p>
           <a:p>
             <a:pPr lvl="1">
@@ -8407,6 +8412,10 @@
               </a:rPr>
               <a:t>54.42% (VQA) and 56.28%(VQA-Caption). </a:t>
             </a:r>
+            <a:endParaRPr lang="en-US">
+              <a:latin typeface="Times New Roman" panose="02020603050405020304" charset="0"/>
+              <a:cs typeface="Times New Roman" panose="02020603050405020304" charset="0"/>
+            </a:endParaRPr>
           </a:p>
           <a:p>
             <a:pPr lvl="0">
@@ -8420,6 +8429,10 @@
               </a:rPr>
               <a:t>Next, they are used as sub-modules in the image caption ranking approach.</a:t>
             </a:r>
+            <a:endParaRPr lang="en-US">
+              <a:latin typeface="Times New Roman" panose="02020603050405020304" charset="0"/>
+              <a:cs typeface="Times New Roman" panose="02020603050405020304" charset="0"/>
+            </a:endParaRPr>
           </a:p>
         </p:txBody>
       </p:sp>
@@ -8475,6 +8488,10 @@
               </a:rPr>
               <a:t>Approach</a:t>
             </a:r>
+            <a:endParaRPr lang="en-US" sz="3200">
+              <a:latin typeface="Times New Roman" panose="02020603050405020304" charset="0"/>
+              <a:cs typeface="Times New Roman" panose="02020603050405020304" charset="0"/>
+            </a:endParaRPr>
           </a:p>
         </p:txBody>
       </p:sp>
@@ -8509,6 +8526,10 @@
               </a:rPr>
               <a:t>To leverage knowledge in VQA for image-caption ranking we propose </a:t>
             </a:r>
+            <a:endParaRPr lang="en-US">
+              <a:latin typeface="Times New Roman" panose="02020603050405020304" charset="0"/>
+              <a:cs typeface="Times New Roman" panose="02020603050405020304" charset="0"/>
+            </a:endParaRPr>
           </a:p>
           <a:p>
             <a:pPr lvl="1">
@@ -8522,6 +8543,10 @@
               </a:rPr>
               <a:t>to represent the images and the captions in the VQA space using VQA and VQA-Caption models. </a:t>
             </a:r>
+            <a:endParaRPr lang="en-US">
+              <a:latin typeface="Times New Roman" panose="02020603050405020304" charset="0"/>
+              <a:cs typeface="Times New Roman" panose="02020603050405020304" charset="0"/>
+            </a:endParaRPr>
           </a:p>
           <a:p>
             <a:pPr lvl="1">
@@ -8535,6 +8560,10 @@
               </a:rPr>
               <a:t>This representations is called VQA-grounded representations.</a:t>
             </a:r>
+            <a:endParaRPr lang="en-US">
+              <a:latin typeface="Times New Roman" panose="02020603050405020304" charset="0"/>
+              <a:cs typeface="Times New Roman" panose="02020603050405020304" charset="0"/>
+            </a:endParaRPr>
           </a:p>
         </p:txBody>
       </p:sp>
@@ -8594,6 +8623,10 @@
               </a:rPr>
               <a:t>Let’s say we have a</a:t>
             </a:r>
+            <a:endParaRPr lang="en-US">
+              <a:latin typeface="Times New Roman" panose="02020603050405020304" charset="0"/>
+              <a:cs typeface="Times New Roman" panose="02020603050405020304" charset="0"/>
+            </a:endParaRPr>
           </a:p>
           <a:p>
             <a:pPr lvl="1">
@@ -8607,6 +8640,10 @@
               </a:rPr>
               <a:t> VQA model PI (A|Q, I), a VQA-Caption model PC (A|Q, C)</a:t>
             </a:r>
+            <a:endParaRPr lang="en-US">
+              <a:latin typeface="Times New Roman" panose="02020603050405020304" charset="0"/>
+              <a:cs typeface="Times New Roman" panose="02020603050405020304" charset="0"/>
+            </a:endParaRPr>
           </a:p>
           <a:p>
             <a:pPr lvl="1">
@@ -8620,6 +8657,10 @@
               </a:rPr>
               <a:t>Set of N questions Qi </a:t>
             </a:r>
+            <a:endParaRPr lang="en-US">
+              <a:latin typeface="Times New Roman" panose="02020603050405020304" charset="0"/>
+              <a:cs typeface="Times New Roman" panose="02020603050405020304" charset="0"/>
+            </a:endParaRPr>
           </a:p>
           <a:p>
             <a:pPr lvl="1">
@@ -8633,6 +8674,10 @@
               </a:rPr>
               <a:t>And their plausible answers (one for each question) Ai, i = 1, 2, ...N. </a:t>
             </a:r>
+            <a:endParaRPr lang="en-US">
+              <a:latin typeface="Times New Roman" panose="02020603050405020304" charset="0"/>
+              <a:cs typeface="Times New Roman" panose="02020603050405020304" charset="0"/>
+            </a:endParaRPr>
           </a:p>
           <a:p>
             <a:pPr lvl="0">
@@ -8674,6 +8719,10 @@
               </a:rPr>
               <a:t> for C </a:t>
             </a:r>
+            <a:endParaRPr lang="en-US">
+              <a:latin typeface="Times New Roman" panose="02020603050405020304" charset="0"/>
+              <a:cs typeface="Times New Roman" panose="02020603050405020304" charset="0"/>
+            </a:endParaRPr>
           </a:p>
           <a:p>
             <a:pPr lvl="0">
@@ -8715,6 +8764,10 @@
               </a:rPr>
               <a:t> is the log probability of the ground truth answer Ai given a question Qi.</a:t>
             </a:r>
+            <a:endParaRPr lang="en-US">
+              <a:latin typeface="Times New Roman" panose="02020603050405020304" charset="0"/>
+              <a:cs typeface="Times New Roman" panose="02020603050405020304" charset="0"/>
+            </a:endParaRPr>
           </a:p>
         </p:txBody>
       </p:sp>
@@ -8727,7 +8780,7 @@
           <p:nvPr/>
         </p:nvPicPr>
         <p:blipFill>
-          <a:blip r:embed="rId2"/>
+          <a:blip r:embed="rId1"/>
           <a:stretch>
             <a:fillRect/>
           </a:stretch>
@@ -8776,7 +8829,7 @@
           <p:nvPr/>
         </p:nvPicPr>
         <p:blipFill>
-          <a:blip r:embed="rId2"/>
+          <a:blip r:embed="rId1"/>
           <a:stretch>
             <a:fillRect/>
           </a:stretch>
@@ -8824,29 +8877,6 @@
               </a:rPr>
               <a:t>For example if the (Qi, Ai) pairs are </a:t>
             </a:r>
-          </a:p>
-          <a:p>
-            <a:r>
-              <a:rPr lang="en-US" sz="1000">
-                <a:latin typeface="Times New Roman" panose="02020603050405020304" charset="0"/>
-                <a:cs typeface="Times New Roman" panose="02020603050405020304" charset="0"/>
-              </a:rPr>
-              <a:t>  (Q1: What is the person riding?,</a:t>
-            </a:r>
-            <a:r>
-              <a:rPr lang="en-US" sz="1600">
-                <a:latin typeface="Times New Roman" panose="02020603050405020304" charset="0"/>
-                <a:cs typeface="Times New Roman" panose="02020603050405020304" charset="0"/>
-              </a:rPr>
-              <a:t> </a:t>
-            </a:r>
-            <a:r>
-              <a:rPr lang="en-US" sz="1000">
-                <a:latin typeface="Times New Roman" panose="02020603050405020304" charset="0"/>
-                <a:cs typeface="Times New Roman" panose="02020603050405020304" charset="0"/>
-              </a:rPr>
-              <a:t>A1:Motorcycle)</a:t>
-            </a:r>
             <a:endParaRPr lang="en-US" sz="1600">
               <a:latin typeface="Times New Roman" panose="02020603050405020304" charset="0"/>
               <a:cs typeface="Times New Roman" panose="02020603050405020304" charset="0"/>
@@ -8854,6 +8884,13 @@
           </a:p>
           <a:p>
             <a:r>
+              <a:rPr lang="en-US" sz="1000">
+                <a:latin typeface="Times New Roman" panose="02020603050405020304" charset="0"/>
+                <a:cs typeface="Times New Roman" panose="02020603050405020304" charset="0"/>
+              </a:rPr>
+              <a:t>  (Q1: What is the person riding?,</a:t>
+            </a:r>
+            <a:r>
               <a:rPr lang="en-US" sz="1600">
                 <a:latin typeface="Times New Roman" panose="02020603050405020304" charset="0"/>
                 <a:cs typeface="Times New Roman" panose="02020603050405020304" charset="0"/>
@@ -8865,7 +8902,7 @@
                 <a:latin typeface="Times New Roman" panose="02020603050405020304" charset="0"/>
                 <a:cs typeface="Times New Roman" panose="02020603050405020304" charset="0"/>
               </a:rPr>
-              <a:t>(Q2: What is the man wearing on his head?, A2: Helmet),</a:t>
+              <a:t>A1:Motorcycle)</a:t>
             </a:r>
             <a:endParaRPr lang="en-US" sz="1600">
               <a:latin typeface="Times New Roman" panose="02020603050405020304" charset="0"/>
@@ -8873,6 +8910,26 @@
             </a:endParaRPr>
           </a:p>
           <a:p>
+            <a:r>
+              <a:rPr lang="en-US" sz="1600">
+                <a:latin typeface="Times New Roman" panose="02020603050405020304" charset="0"/>
+                <a:cs typeface="Times New Roman" panose="02020603050405020304" charset="0"/>
+              </a:rPr>
+              <a:t> </a:t>
+            </a:r>
+            <a:r>
+              <a:rPr lang="en-US" sz="1000">
+                <a:latin typeface="Times New Roman" panose="02020603050405020304" charset="0"/>
+                <a:cs typeface="Times New Roman" panose="02020603050405020304" charset="0"/>
+              </a:rPr>
+              <a:t>(Q2: What is the man wearing on his head?, A2: Helmet),</a:t>
+            </a:r>
+            <a:endParaRPr lang="en-US" sz="1600">
+              <a:latin typeface="Times New Roman" panose="02020603050405020304" charset="0"/>
+              <a:cs typeface="Times New Roman" panose="02020603050405020304" charset="0"/>
+            </a:endParaRPr>
+          </a:p>
+          <a:p>
             <a:pPr marL="285750" indent="-285750">
               <a:buFont typeface="Arial" panose="020B0604020202020204" pitchFamily="34" charset="0"/>
               <a:buChar char="•"/>
@@ -8884,6 +8941,10 @@
               </a:rPr>
               <a:t> u(1)I and u(1)C verify if the person in image I and caption C respectively is riding a motorcycle. </a:t>
             </a:r>
+            <a:endParaRPr lang="en-US" sz="1600">
+              <a:latin typeface="Times New Roman" panose="02020603050405020304" charset="0"/>
+              <a:cs typeface="Times New Roman" panose="02020603050405020304" charset="0"/>
+            </a:endParaRPr>
           </a:p>
           <a:p>
             <a:pPr marL="285750" indent="-285750">
@@ -8897,6 +8958,10 @@
               </a:rPr>
               <a:t>At the same time u(2)I and u(2)C</a:t>
             </a:r>
+            <a:endParaRPr lang="en-US" sz="1600">
+              <a:latin typeface="Times New Roman" panose="02020603050405020304" charset="0"/>
+              <a:cs typeface="Times New Roman" panose="02020603050405020304" charset="0"/>
+            </a:endParaRPr>
           </a:p>
           <a:p>
             <a:r>
@@ -8906,6 +8971,10 @@
               </a:rPr>
               <a:t>verify whether the man in I and C</a:t>
             </a:r>
+            <a:endParaRPr lang="en-US" sz="1600">
+              <a:latin typeface="Times New Roman" panose="02020603050405020304" charset="0"/>
+              <a:cs typeface="Times New Roman" panose="02020603050405020304" charset="0"/>
+            </a:endParaRPr>
           </a:p>
           <a:p>
             <a:r>
@@ -8915,6 +8984,10 @@
               </a:rPr>
               <a:t>is wearing a helmet.</a:t>
             </a:r>
+            <a:endParaRPr lang="en-US" sz="1600">
+              <a:latin typeface="Times New Roman" panose="02020603050405020304" charset="0"/>
+              <a:cs typeface="Times New Roman" panose="02020603050405020304" charset="0"/>
+            </a:endParaRPr>
           </a:p>
         </p:txBody>
       </p:sp>
@@ -8952,14 +9025,14 @@
           <p:nvPr/>
         </p:nvPicPr>
         <p:blipFill>
-          <a:blip r:embed="rId2"/>
+          <a:blip r:embed="rId1"/>
           <a:stretch>
             <a:fillRect/>
           </a:stretch>
         </p:blipFill>
         <p:spPr>
           <a:xfrm>
-            <a:off x="1120140" y="1310640"/>
+            <a:off x="1120140" y="1158240"/>
             <a:ext cx="6903720" cy="2522220"/>
           </a:xfrm>
           <a:prstGeom prst="rect">
@@ -9000,9 +9073,86 @@
               </a:rPr>
               <a:t>https://arxiv.org/pdf/1605.01379.pdf</a:t>
             </a:r>
+            <a:endParaRPr lang="en-US" sz="1200">
+              <a:solidFill>
+                <a:srgbClr val="00B0F0"/>
+              </a:solidFill>
+              <a:latin typeface="Times New Roman" panose="02020603050405020304" charset="0"/>
+              <a:cs typeface="Times New Roman" panose="02020603050405020304" charset="0"/>
+            </a:endParaRPr>
           </a:p>
         </p:txBody>
       </p:sp>
+      <p:pic>
+        <p:nvPicPr>
+          <p:cNvPr id="2" name="Content Placeholder 1"/>
+          <p:cNvPicPr>
+            <a:picLocks noChangeAspect="1"/>
+          </p:cNvPicPr>
+          <p:nvPr>
+            <p:ph idx="1"/>
+          </p:nvPr>
+        </p:nvPicPr>
+        <p:blipFill>
+          <a:blip r:embed="rId2"/>
+          <a:stretch>
+            <a:fillRect/>
+          </a:stretch>
+        </p:blipFill>
+        <p:spPr>
+          <a:xfrm>
+            <a:off x="2835275" y="3747135"/>
+            <a:ext cx="3360420" cy="419100"/>
+          </a:xfrm>
+          <a:prstGeom prst="rect">
+            <a:avLst/>
+          </a:prstGeom>
+        </p:spPr>
+      </p:pic>
+    </p:spTree>
+  </p:cSld>
+  <p:clrMapOvr>
+    <a:masterClrMapping/>
+  </p:clrMapOvr>
+</p:sld>
+</file>
+
+<file path=ppt/slides/slide19.xml><?xml version="1.0" encoding="utf-8"?>
+<p:sld xmlns:a="http://schemas.openxmlformats.org/drawingml/2006/main" xmlns:r="http://schemas.openxmlformats.org/officeDocument/2006/relationships" xmlns:p="http://schemas.openxmlformats.org/presentationml/2006/main">
+  <p:cSld>
+    <p:spTree>
+      <p:nvGrpSpPr>
+        <p:cNvPr id="1" name=""/>
+        <p:cNvGrpSpPr/>
+        <p:nvPr/>
+      </p:nvGrpSpPr>
+      <p:grpSpPr/>
+      <p:pic>
+        <p:nvPicPr>
+          <p:cNvPr id="4" name="Content Placeholder 3" descr="mm"/>
+          <p:cNvPicPr>
+            <a:picLocks noChangeAspect="1"/>
+          </p:cNvPicPr>
+          <p:nvPr>
+            <p:ph idx="1"/>
+          </p:nvPr>
+        </p:nvPicPr>
+        <p:blipFill>
+          <a:blip r:embed="rId1"/>
+          <a:stretch>
+            <a:fillRect/>
+          </a:stretch>
+        </p:blipFill>
+        <p:spPr>
+          <a:xfrm>
+            <a:off x="153670" y="635"/>
+            <a:ext cx="8725535" cy="5015865"/>
+          </a:xfrm>
+          <a:prstGeom prst="rect">
+            <a:avLst/>
+          </a:prstGeom>
+        </p:spPr>
+      </p:pic>
     </p:spTree>
   </p:cSld>
   <p:clrMapOvr>
@@ -9051,6 +9201,11 @@
               </a:rPr>
               <a:t>Hate speech categories selected </a:t>
             </a:r>
+            <a:endParaRPr lang="en-IN" altLang="en-US" sz="2800" b="1">
+              <a:latin typeface="Georgia" panose="02040502050405020303" charset="0"/>
+              <a:cs typeface="Georgia" panose="02040502050405020303" charset="0"/>
+              <a:sym typeface="+mn-ea"/>
+            </a:endParaRPr>
           </a:p>
         </p:txBody>
       </p:sp>
@@ -9124,6 +9279,11 @@
               </a:rPr>
               <a:t>sexism</a:t>
             </a:r>
+            <a:endParaRPr lang="en-IN" altLang="en-US" sz="1600">
+              <a:latin typeface="Georgia" panose="02040502050405020303" charset="0"/>
+              <a:cs typeface="Georgia" panose="02040502050405020303" charset="0"/>
+              <a:sym typeface="+mn-ea"/>
+            </a:endParaRPr>
           </a:p>
           <a:p>
             <a:endParaRPr lang="en-IN" altLang="en-US">
@@ -9151,7 +9311,7 @@
           <p:nvPr/>
         </p:nvPicPr>
         <p:blipFill>
-          <a:blip r:embed="rId2"/>
+          <a:blip r:embed="rId1"/>
           <a:stretch>
             <a:fillRect/>
           </a:stretch>
@@ -9207,13 +9367,6 @@
           <a:lstStyle/>
           <a:p>
             <a:pPr algn="l"/>
-            <a:r>
-              <a:rPr lang="en-IN" altLang="en-US" b="1">
-                <a:latin typeface="Georgia" panose="02040502050405020303" charset="0"/>
-                <a:cs typeface="Georgia" panose="02040502050405020303" charset="0"/>
-              </a:rPr>
-              <a:t/>
-            </a:r>
             <a:br>
               <a:rPr lang="en-IN" altLang="en-US" b="1">
                 <a:latin typeface="Georgia" panose="02040502050405020303" charset="0"/>
@@ -9228,6 +9381,11 @@
               </a:rPr>
               <a:t>Dataset</a:t>
             </a:r>
+            <a:endParaRPr lang="en-IN" altLang="en-US" sz="2800" b="1">
+              <a:latin typeface="Georgia" panose="02040502050405020303" charset="0"/>
+              <a:cs typeface="Georgia" panose="02040502050405020303" charset="0"/>
+              <a:sym typeface="+mn-ea"/>
+            </a:endParaRPr>
           </a:p>
         </p:txBody>
       </p:sp>
@@ -9242,7 +9400,7 @@
           </p:nvPr>
         </p:nvPicPr>
         <p:blipFill>
-          <a:blip r:embed="rId2"/>
+          <a:blip r:embed="rId1"/>
           <a:stretch>
             <a:fillRect/>
           </a:stretch>
@@ -9300,7 +9458,7 @@
           </p:nvPr>
         </p:nvPicPr>
         <p:blipFill>
-          <a:blip r:embed="rId3"/>
+          <a:blip r:embed="rId2"/>
           <a:stretch>
             <a:fillRect/>
           </a:stretch>
@@ -9324,7 +9482,7 @@
           <p:nvPr/>
         </p:nvPicPr>
         <p:blipFill>
-          <a:blip r:embed="rId4"/>
+          <a:blip r:embed="rId3"/>
           <a:srcRect r="10047" b="-17830"/>
           <a:stretch>
             <a:fillRect/>
@@ -9413,13 +9571,6 @@
           <a:lstStyle/>
           <a:p>
             <a:pPr algn="l"/>
-            <a:r>
-              <a:rPr lang="en-IN" altLang="en-US" b="1">
-                <a:latin typeface="Georgia" panose="02040502050405020303" charset="0"/>
-                <a:cs typeface="Georgia" panose="02040502050405020303" charset="0"/>
-              </a:rPr>
-              <a:t/>
-            </a:r>
             <a:br>
               <a:rPr lang="en-IN" altLang="en-US" b="1">
                 <a:latin typeface="Georgia" panose="02040502050405020303" charset="0"/>
@@ -9479,6 +9630,12 @@
               </a:rPr>
               <a:t>http://mandola-project.eu/m/filer_public/06/b9/06b92efd-cce2-4204-a2a9-5eb2c34912f7/mandola-d31.pdf</a:t>
             </a:r>
+            <a:endParaRPr lang="en-US" sz="1600">
+              <a:solidFill>
+                <a:schemeClr val="tx1"/>
+              </a:solidFill>
+              <a:sym typeface="+mn-ea"/>
+            </a:endParaRPr>
           </a:p>
           <a:p>
             <a:pPr marL="514350" indent="-514350">
@@ -9494,6 +9651,12 @@
               </a:rPr>
               <a:t>https://github.com/ZeerakW/hatespeech/blob/master/NAACL_SRW_2016.csv</a:t>
             </a:r>
+            <a:endParaRPr lang="en-US" sz="1600">
+              <a:solidFill>
+                <a:schemeClr val="tx1"/>
+              </a:solidFill>
+              <a:sym typeface="+mn-ea"/>
+            </a:endParaRPr>
           </a:p>
           <a:p>
             <a:pPr marL="514350" indent="-514350">
@@ -9509,6 +9672,12 @@
               </a:rPr>
               <a:t>https://github.com/mayelsherif/hate_speech_icwsm18/tree/master/nhsm_datasets</a:t>
             </a:r>
+            <a:endParaRPr lang="en-US" sz="1600">
+              <a:solidFill>
+                <a:schemeClr val="tx1"/>
+              </a:solidFill>
+              <a:sym typeface="+mn-ea"/>
+            </a:endParaRPr>
           </a:p>
         </p:txBody>
       </p:sp>
@@ -9607,7 +9776,7 @@
           <p:nvPr/>
         </p:nvPicPr>
         <p:blipFill>
-          <a:blip r:embed="rId2"/>
+          <a:blip r:embed="rId1"/>
           <a:srcRect l="7241" t="35753" r="5977" b="29492"/>
           <a:stretch>
             <a:fillRect/>
@@ -9699,6 +9868,10 @@
               </a:rPr>
               <a:t> QA -&gt; R </a:t>
             </a:r>
+            <a:endParaRPr lang="en-US" dirty="0">
+              <a:latin typeface="Times New Roman" panose="02020603050405020304" charset="0"/>
+              <a:cs typeface="Times New Roman" panose="02020603050405020304" charset="0"/>
+            </a:endParaRPr>
           </a:p>
           <a:p>
             <a:pPr>
@@ -9712,6 +9885,10 @@
               </a:rPr>
               <a:t> Grounding</a:t>
             </a:r>
+            <a:endParaRPr lang="en-US" dirty="0">
+              <a:latin typeface="Times New Roman" panose="02020603050405020304" charset="0"/>
+              <a:cs typeface="Times New Roman" panose="02020603050405020304" charset="0"/>
+            </a:endParaRPr>
           </a:p>
           <a:p>
             <a:pPr>
@@ -9725,6 +9902,10 @@
               </a:rPr>
               <a:t> Contextualization</a:t>
             </a:r>
+            <a:endParaRPr lang="en-US" dirty="0">
+              <a:latin typeface="Times New Roman" panose="02020603050405020304" charset="0"/>
+              <a:cs typeface="Times New Roman" panose="02020603050405020304" charset="0"/>
+            </a:endParaRPr>
           </a:p>
           <a:p>
             <a:pPr>
@@ -9748,9 +9929,7 @@
       <p:sp>
         <p:nvSpPr>
           <p:cNvPr id="8" name="Title 1"/>
-          <p:cNvSpPr txBox="1">
-            <a:spLocks/>
-          </p:cNvSpPr>
+          <p:cNvSpPr txBox="1"/>
           <p:nvPr/>
         </p:nvSpPr>
         <p:spPr>
@@ -9782,7 +9961,6 @@
               <a:buSzTx/>
               <a:buFont typeface="Arial" panose="020B0604020202020204"/>
               <a:buNone/>
-              <a:tabLst/>
               <a:defRPr/>
             </a:pPr>
             <a:r>
@@ -9845,7 +10023,7 @@
           <a:p>
             <a:r>
               <a:rPr lang="en-IN" dirty="0">
-                <a:hlinkClick r:id="rId3"/>
+                <a:hlinkClick r:id="rId2"/>
               </a:rPr>
               <a:t>https://arxiv.org/pdf/1811.10830.pdf</a:t>
             </a:r>
@@ -9919,6 +10097,7 @@
               <a:rPr lang="en-US" dirty="0"/>
               <a:t> Collected from Large Scale Movie Description Challenge and YouTube movie clips </a:t>
             </a:r>
+            <a:endParaRPr lang="en-US" dirty="0"/>
           </a:p>
           <a:p>
             <a:pPr>
@@ -9929,6 +10108,7 @@
               <a:rPr lang="en-US" dirty="0"/>
               <a:t>List of objects</a:t>
             </a:r>
+            <a:endParaRPr lang="en-US" dirty="0"/>
           </a:p>
           <a:p>
             <a:pPr>
@@ -9939,6 +10119,7 @@
               <a:rPr lang="en-US" dirty="0"/>
               <a:t> A query </a:t>
             </a:r>
+            <a:endParaRPr lang="en-US" dirty="0"/>
           </a:p>
           <a:p>
             <a:pPr>
@@ -9949,6 +10130,7 @@
               <a:rPr lang="en-US" dirty="0"/>
               <a:t> A set of N responses</a:t>
             </a:r>
+            <a:endParaRPr lang="en-US" dirty="0"/>
           </a:p>
         </p:txBody>
       </p:sp>
@@ -10003,6 +10185,7 @@
               <a:rPr lang="en-US" b="1" dirty="0" smtClean="0"/>
               <a:t>Connective Cognition Network for Directional Visual Commonsense Reasoning</a:t>
             </a:r>
+            <a:endParaRPr lang="en-US" b="1" dirty="0" smtClean="0"/>
           </a:p>
           <a:p>
             <a:endParaRPr lang="en-IN" b="1" dirty="0"/>
@@ -10033,7 +10216,7 @@
           <a:p>
             <a:r>
               <a:rPr lang="en-IN" dirty="0" smtClean="0">
-                <a:hlinkClick r:id="rId2"/>
+                <a:hlinkClick r:id="rId1"/>
               </a:rPr>
               <a:t>https://papers.nips.cc/paper/2019/file/8a56257ea05c74018291954fc56fc448-Paper.pdf</a:t>
             </a:r>
@@ -10050,7 +10233,7 @@
           <p:nvPr/>
         </p:nvPicPr>
         <p:blipFill>
-          <a:blip r:embed="rId3"/>
+          <a:blip r:embed="rId2"/>
           <a:srcRect l="1379" t="34731" r="-1379" b="13954"/>
           <a:stretch>
             <a:fillRect/>
@@ -10100,7 +10283,7 @@
           <p:nvPr/>
         </p:nvPicPr>
         <p:blipFill>
-          <a:blip r:embed="rId2"/>
+          <a:blip r:embed="rId1"/>
           <a:srcRect l="2874" t="22260" r="5977" b="17634"/>
           <a:stretch>
             <a:fillRect/>
@@ -10195,6 +10378,10 @@
               </a:rPr>
               <a:t>Image-Caption Ranking</a:t>
             </a:r>
+            <a:endParaRPr sz="2400">
+              <a:latin typeface="Times New Roman" panose="02020603050405020304" charset="0"/>
+              <a:cs typeface="Times New Roman" panose="02020603050405020304" charset="0"/>
+            </a:endParaRPr>
           </a:p>
         </p:txBody>
       </p:sp>
@@ -10228,6 +10415,10 @@
               </a:rPr>
               <a:t>Xiao Lin Devi Parikh</a:t>
             </a:r>
+            <a:endParaRPr lang="en-US" sz="1000">
+              <a:latin typeface="Times New Roman" panose="02020603050405020304" charset="0"/>
+              <a:cs typeface="Times New Roman" panose="02020603050405020304" charset="0"/>
+            </a:endParaRPr>
           </a:p>
           <a:p>
             <a:pPr algn="l"/>
@@ -10238,6 +10429,10 @@
               </a:rPr>
               <a:t>Bradley Department of Electrical and Computer Engineering,</a:t>
             </a:r>
+            <a:endParaRPr lang="en-US" sz="1000">
+              <a:latin typeface="Times New Roman" panose="02020603050405020304" charset="0"/>
+              <a:cs typeface="Times New Roman" panose="02020603050405020304" charset="0"/>
+            </a:endParaRPr>
           </a:p>
           <a:p>
             <a:pPr algn="l"/>
@@ -10248,6 +10443,10 @@
               </a:rPr>
               <a:t>Virginia Tech</a:t>
             </a:r>
+            <a:endParaRPr lang="en-US" sz="1000">
+              <a:latin typeface="Times New Roman" panose="02020603050405020304" charset="0"/>
+              <a:cs typeface="Times New Roman" panose="02020603050405020304" charset="0"/>
+            </a:endParaRPr>
           </a:p>
           <a:p>
             <a:pPr algn="l"/>
@@ -10258,6 +10457,10 @@
               </a:rPr>
               <a:t>{linxiao,parikh}@vt.edu</a:t>
             </a:r>
+            <a:endParaRPr lang="en-US" sz="1000">
+              <a:latin typeface="Times New Roman" panose="02020603050405020304" charset="0"/>
+              <a:cs typeface="Times New Roman" panose="02020603050405020304" charset="0"/>
+            </a:endParaRPr>
           </a:p>
         </p:txBody>
       </p:sp>
@@ -10266,9 +10469,7 @@
           <p:cNvPr id="2" name="Object 1">
             <a:hlinkClick r:id="" action="ppaction://ole?verb=0"/>
           </p:cNvPr>
-          <p:cNvGraphicFramePr>
-            <a:graphicFrameLocks/>
-          </p:cNvGraphicFramePr>
+          <p:cNvGraphicFramePr/>
           <p:nvPr/>
         </p:nvGraphicFramePr>
         <p:xfrm>
@@ -10277,9 +10478,44 @@
         </p:xfrm>
         <a:graphic>
           <a:graphicData uri="http://schemas.openxmlformats.org/presentationml/2006/ole">
-            <p:oleObj spid="_x0000_s1035" r:id="rId4" imgW="914400" imgH="215640" progId="Equation.3">
-              <p:embed/>
-            </p:oleObj>
+            <mc:AlternateContent xmlns:mc="http://schemas.openxmlformats.org/markup-compatibility/2006">
+              <mc:Choice xmlns:v="urn:schemas-microsoft-com:vml" Requires="v">
+                <p:oleObj spid="_x0000_s1025" name="" r:id="rId1" imgW="2743200" imgH="5181600" progId="Equation.3">
+                  <p:embed/>
+                </p:oleObj>
+              </mc:Choice>
+              <mc:Fallback>
+                <p:oleObj name="" r:id="rId1" imgW="2743200" imgH="5181600" progId="Equation.3">
+                  <p:embed/>
+                  <p:pic>
+                    <p:nvPicPr>
+                      <p:cNvPr id="0" name="Picture 1024" descr="image8"/>
+                      <p:cNvPicPr/>
+                      <p:nvPr/>
+                    </p:nvPicPr>
+                    <p:blipFill>
+                      <a:blip r:embed="rId2"/>
+                      <a:stretch>
+                        <a:fillRect/>
+                      </a:stretch>
+                    </p:blipFill>
+                    <p:spPr>
+                      <a:xfrm>
+                        <a:off x="4114800" y="2463800"/>
+                        <a:ext cx="914400" cy="215900"/>
+                      </a:xfrm>
+                      <a:prstGeom prst="rect">
+                        <a:avLst/>
+                      </a:prstGeom>
+                      <a:noFill/>
+                      <a:ln w="9525">
+                        <a:noFill/>
+                      </a:ln>
+                    </p:spPr>
+                  </p:pic>
+                </p:oleObj>
+              </mc:Fallback>
+            </mc:AlternateContent>
           </a:graphicData>
         </a:graphic>
       </p:graphicFrame>
@@ -10567,11 +10803,9 @@
       </a:bgFillStyleLst>
     </a:fmtScheme>
   </a:themeElements>
-  <a:objectDefaults/>
-  <a:extraClrSchemeLst/>
   <a:extLst>
     <a:ext uri="{05A4C25C-085E-4340-85A3-A5531E510DB2}">
-      <thm15:themeFamily xmlns:thm15="http://schemas.microsoft.com/office/thememl/2012/main" xmlns="" name="Office Theme" id="{62F939B6-93AF-4DB8-9C6B-D6C7DFDC589F}" vid="{4A3C46E8-61CC-4603-A589-7422A47A8E4A}"/>
+      <thm15:themeFamily xmlns:thm15="http://schemas.microsoft.com/office/thememl/2012/main" name="Office Theme" id="{62F939B6-93AF-4DB8-9C6B-D6C7DFDC589F}" vid="{4A3C46E8-61CC-4603-A589-7422A47A8E4A}"/>
     </a:ext>
   </a:extLst>
 </a:theme>
@@ -10853,11 +11087,9 @@
       </a:bgFillStyleLst>
     </a:fmtScheme>
   </a:themeElements>
-  <a:objectDefaults/>
-  <a:extraClrSchemeLst/>
   <a:extLst>
     <a:ext uri="{05A4C25C-085E-4340-85A3-A5531E510DB2}">
-      <thm15:themeFamily xmlns:thm15="http://schemas.microsoft.com/office/thememl/2012/main" xmlns="" name="Office Theme" id="{62F939B6-93AF-4DB8-9C6B-D6C7DFDC589F}" vid="{4A3C46E8-61CC-4603-A589-7422A47A8E4A}"/>
+      <thm15:themeFamily xmlns:thm15="http://schemas.microsoft.com/office/thememl/2012/main" name="Office Theme" id="{62F939B6-93AF-4DB8-9C6B-D6C7DFDC589F}" vid="{4A3C46E8-61CC-4603-A589-7422A47A8E4A}"/>
     </a:ext>
   </a:extLst>
 </a:theme>

--- a/Literature Survey 2.pptx
+++ b/Literature Survey 2.pptx
@@ -27,24 +27,25 @@
     <p:sldId id="274" r:id="rId20"/>
     <p:sldId id="277" r:id="rId21"/>
     <p:sldId id="336" r:id="rId22"/>
+    <p:sldId id="337" r:id="rId23"/>
   </p:sldIdLst>
   <p:sldSz cx="9144000" cy="5143500" type="screen16x9"/>
   <p:notesSz cx="6858000" cy="9144000"/>
   <p:embeddedFontLst>
     <p:embeddedFont>
       <p:font typeface="Economica" panose="02000506040000020004"/>
-      <p:regular r:id="rId26"/>
+      <p:regular r:id="rId27"/>
     </p:embeddedFont>
     <p:embeddedFont>
       <p:font typeface="Open Sans" panose="020B0606030504020204"/>
-      <p:regular r:id="rId27"/>
+      <p:regular r:id="rId28"/>
     </p:embeddedFont>
     <p:embeddedFont>
       <p:font typeface="Georgia" panose="02040502050405020303" charset="0"/>
-      <p:regular r:id="rId28"/>
-      <p:bold r:id="rId29"/>
-      <p:italic r:id="rId30"/>
-      <p:boldItalic r:id="rId31"/>
+      <p:regular r:id="rId29"/>
+      <p:bold r:id="rId30"/>
+      <p:italic r:id="rId31"/>
+      <p:boldItalic r:id="rId32"/>
     </p:embeddedFont>
   </p:embeddedFontLst>
   <p:defaultTextStyle>
@@ -9048,7 +9049,7 @@
         </p:nvSpPr>
         <p:spPr>
           <a:xfrm>
-            <a:off x="1120140" y="4226560"/>
+            <a:off x="3364230" y="4166235"/>
             <a:ext cx="2415540" cy="275590"/>
           </a:xfrm>
           <a:prstGeom prst="rect">
@@ -9320,6 +9321,146 @@
           <a:xfrm>
             <a:off x="2463800" y="1630680"/>
             <a:ext cx="6193155" cy="3173730"/>
+          </a:xfrm>
+          <a:prstGeom prst="rect">
+            <a:avLst/>
+          </a:prstGeom>
+        </p:spPr>
+      </p:pic>
+    </p:spTree>
+  </p:cSld>
+  <p:clrMapOvr>
+    <a:masterClrMapping/>
+  </p:clrMapOvr>
+</p:sld>
+</file>
+
+<file path=ppt/slides/slide20.xml><?xml version="1.0" encoding="utf-8"?>
+<p:sld xmlns:a="http://schemas.openxmlformats.org/drawingml/2006/main" xmlns:r="http://schemas.openxmlformats.org/officeDocument/2006/relationships" xmlns:p="http://schemas.openxmlformats.org/presentationml/2006/main">
+  <p:cSld>
+    <p:spTree>
+      <p:nvGrpSpPr>
+        <p:cNvPr id="1" name=""/>
+        <p:cNvGrpSpPr/>
+        <p:nvPr/>
+      </p:nvGrpSpPr>
+      <p:grpSpPr/>
+      <p:pic>
+        <p:nvPicPr>
+          <p:cNvPr id="4" name="Content Placeholder 3"/>
+          <p:cNvPicPr>
+            <a:picLocks noChangeAspect="1"/>
+          </p:cNvPicPr>
+          <p:nvPr>
+            <p:ph idx="1"/>
+          </p:nvPr>
+        </p:nvPicPr>
+        <p:blipFill>
+          <a:blip r:embed="rId1"/>
+          <a:stretch>
+            <a:fillRect/>
+          </a:stretch>
+        </p:blipFill>
+        <p:spPr>
+          <a:xfrm>
+            <a:off x="147955" y="175260"/>
+            <a:ext cx="2715895" cy="1807845"/>
+          </a:xfrm>
+          <a:prstGeom prst="rect">
+            <a:avLst/>
+          </a:prstGeom>
+        </p:spPr>
+      </p:pic>
+      <p:pic>
+        <p:nvPicPr>
+          <p:cNvPr id="5" name="Picture 4"/>
+          <p:cNvPicPr>
+            <a:picLocks noChangeAspect="1"/>
+          </p:cNvPicPr>
+          <p:nvPr/>
+        </p:nvPicPr>
+        <p:blipFill>
+          <a:blip r:embed="rId2"/>
+          <a:stretch>
+            <a:fillRect/>
+          </a:stretch>
+        </p:blipFill>
+        <p:spPr>
+          <a:xfrm>
+            <a:off x="2994660" y="175260"/>
+            <a:ext cx="2712720" cy="1807845"/>
+          </a:xfrm>
+          <a:prstGeom prst="rect">
+            <a:avLst/>
+          </a:prstGeom>
+        </p:spPr>
+      </p:pic>
+      <p:pic>
+        <p:nvPicPr>
+          <p:cNvPr id="6" name="Picture 5"/>
+          <p:cNvPicPr>
+            <a:picLocks noChangeAspect="1"/>
+          </p:cNvPicPr>
+          <p:nvPr/>
+        </p:nvPicPr>
+        <p:blipFill>
+          <a:blip r:embed="rId3"/>
+          <a:stretch>
+            <a:fillRect/>
+          </a:stretch>
+        </p:blipFill>
+        <p:spPr>
+          <a:xfrm>
+            <a:off x="5854700" y="175260"/>
+            <a:ext cx="3034030" cy="1807845"/>
+          </a:xfrm>
+          <a:prstGeom prst="rect">
+            <a:avLst/>
+          </a:prstGeom>
+        </p:spPr>
+      </p:pic>
+      <p:pic>
+        <p:nvPicPr>
+          <p:cNvPr id="7" name="Picture 6"/>
+          <p:cNvPicPr>
+            <a:picLocks noChangeAspect="1"/>
+          </p:cNvPicPr>
+          <p:nvPr/>
+        </p:nvPicPr>
+        <p:blipFill>
+          <a:blip r:embed="rId4"/>
+          <a:stretch>
+            <a:fillRect/>
+          </a:stretch>
+        </p:blipFill>
+        <p:spPr>
+          <a:xfrm>
+            <a:off x="2331720" y="2651760"/>
+            <a:ext cx="2091055" cy="1938020"/>
+          </a:xfrm>
+          <a:prstGeom prst="rect">
+            <a:avLst/>
+          </a:prstGeom>
+        </p:spPr>
+      </p:pic>
+      <p:pic>
+        <p:nvPicPr>
+          <p:cNvPr id="8" name="Picture 7" descr="13976"/>
+          <p:cNvPicPr>
+            <a:picLocks noChangeAspect="1"/>
+          </p:cNvPicPr>
+          <p:nvPr/>
+        </p:nvPicPr>
+        <p:blipFill>
+          <a:blip r:embed="rId5"/>
+          <a:stretch>
+            <a:fillRect/>
+          </a:stretch>
+        </p:blipFill>
+        <p:spPr>
+          <a:xfrm>
+            <a:off x="5007610" y="2642235"/>
+            <a:ext cx="1731010" cy="1891665"/>
           </a:xfrm>
           <a:prstGeom prst="rect">
             <a:avLst/>
